--- a/asset/Learn_ja/ITA-online-install_ja.pptx
+++ b/asset/Learn_ja/ITA-online-install_ja.pptx
@@ -332,7 +332,7 @@
               <a:rPr kumimoji="1" lang="ja-JP" altLang="en-US" smtClean="0">
                 <a:ea typeface="メイリオ" panose="020B0604030504040204" pitchFamily="50" charset="-128"/>
               </a:rPr>
-              <a:t>2019/7/22</a:t>
+              <a:t>2019/7/30</a:t>
             </a:fld>
             <a:endParaRPr kumimoji="1" lang="ja-JP" altLang="en-US" dirty="0">
               <a:ea typeface="メイリオ" panose="020B0604030504040204" pitchFamily="50" charset="-128"/>
@@ -478,7 +478,7 @@
             <a:fld id="{4B26993D-C081-44EB-B0F5-A9F467792B62}" type="datetimeFigureOut">
               <a:rPr lang="ja-JP" altLang="en-US" smtClean="0"/>
               <a:pPr/>
-              <a:t>2019/7/22</a:t>
+              <a:t>2019/7/30</a:t>
             </a:fld>
             <a:endParaRPr lang="ja-JP" altLang="en-US" dirty="0"/>
           </a:p>
@@ -1101,7 +1101,7 @@
           <a:p>
             <a:fld id="{56F9016B-CCA6-43BE-8BEE-59565A35F4F7}" type="datetimeFigureOut">
               <a:rPr kumimoji="1" lang="ja-JP" altLang="en-US" smtClean="0"/>
-              <a:t>2019/7/22</a:t>
+              <a:t>2019/7/30</a:t>
             </a:fld>
             <a:endParaRPr kumimoji="1" lang="ja-JP" altLang="en-US"/>
           </a:p>
@@ -1303,7 +1303,7 @@
           <a:p>
             <a:fld id="{56F9016B-CCA6-43BE-8BEE-59565A35F4F7}" type="datetimeFigureOut">
               <a:rPr kumimoji="1" lang="ja-JP" altLang="en-US" smtClean="0"/>
-              <a:t>2019/7/22</a:t>
+              <a:t>2019/7/30</a:t>
             </a:fld>
             <a:endParaRPr kumimoji="1" lang="ja-JP" altLang="en-US"/>
           </a:p>
@@ -1549,7 +1549,7 @@
           <a:p>
             <a:fld id="{56F9016B-CCA6-43BE-8BEE-59565A35F4F7}" type="datetimeFigureOut">
               <a:rPr kumimoji="1" lang="ja-JP" altLang="en-US" smtClean="0"/>
-              <a:t>2019/7/22</a:t>
+              <a:t>2019/7/30</a:t>
             </a:fld>
             <a:endParaRPr kumimoji="1" lang="ja-JP" altLang="en-US"/>
           </a:p>
@@ -1845,7 +1845,7 @@
           <a:p>
             <a:fld id="{56F9016B-CCA6-43BE-8BEE-59565A35F4F7}" type="datetimeFigureOut">
               <a:rPr kumimoji="1" lang="ja-JP" altLang="en-US" smtClean="0"/>
-              <a:t>2019/7/22</a:t>
+              <a:t>2019/7/30</a:t>
             </a:fld>
             <a:endParaRPr kumimoji="1" lang="ja-JP" altLang="en-US"/>
           </a:p>
@@ -2276,7 +2276,7 @@
           <a:p>
             <a:fld id="{56F9016B-CCA6-43BE-8BEE-59565A35F4F7}" type="datetimeFigureOut">
               <a:rPr kumimoji="1" lang="ja-JP" altLang="en-US" smtClean="0"/>
-              <a:t>2019/7/22</a:t>
+              <a:t>2019/7/30</a:t>
             </a:fld>
             <a:endParaRPr kumimoji="1" lang="ja-JP" altLang="en-US"/>
           </a:p>
@@ -2394,7 +2394,7 @@
           <a:p>
             <a:fld id="{56F9016B-CCA6-43BE-8BEE-59565A35F4F7}" type="datetimeFigureOut">
               <a:rPr kumimoji="1" lang="ja-JP" altLang="en-US" smtClean="0"/>
-              <a:t>2019/7/22</a:t>
+              <a:t>2019/7/30</a:t>
             </a:fld>
             <a:endParaRPr kumimoji="1" lang="ja-JP" altLang="en-US"/>
           </a:p>
@@ -2489,7 +2489,7 @@
           <a:p>
             <a:fld id="{56F9016B-CCA6-43BE-8BEE-59565A35F4F7}" type="datetimeFigureOut">
               <a:rPr kumimoji="1" lang="ja-JP" altLang="en-US" smtClean="0"/>
-              <a:t>2019/7/22</a:t>
+              <a:t>2019/7/30</a:t>
             </a:fld>
             <a:endParaRPr kumimoji="1" lang="ja-JP" altLang="en-US"/>
           </a:p>
@@ -2798,7 +2798,7 @@
           <a:p>
             <a:fld id="{56F9016B-CCA6-43BE-8BEE-59565A35F4F7}" type="datetimeFigureOut">
               <a:rPr kumimoji="1" lang="ja-JP" altLang="en-US" smtClean="0"/>
-              <a:t>2019/7/22</a:t>
+              <a:t>2019/7/30</a:t>
             </a:fld>
             <a:endParaRPr kumimoji="1" lang="ja-JP" altLang="en-US"/>
           </a:p>
@@ -3051,7 +3051,7 @@
           <a:p>
             <a:fld id="{56F9016B-CCA6-43BE-8BEE-59565A35F4F7}" type="datetimeFigureOut">
               <a:rPr kumimoji="1" lang="ja-JP" altLang="en-US" smtClean="0"/>
-              <a:t>2019/7/22</a:t>
+              <a:t>2019/7/30</a:t>
             </a:fld>
             <a:endParaRPr kumimoji="1" lang="ja-JP" altLang="en-US"/>
           </a:p>
@@ -3328,7 +3328,7 @@
           <a:p>
             <a:fld id="{56F9016B-CCA6-43BE-8BEE-59565A35F4F7}" type="datetimeFigureOut">
               <a:rPr kumimoji="1" lang="ja-JP" altLang="en-US" smtClean="0"/>
-              <a:t>2019/7/22</a:t>
+              <a:t>2019/7/30</a:t>
             </a:fld>
             <a:endParaRPr kumimoji="1" lang="ja-JP" altLang="en-US"/>
           </a:p>
@@ -3540,7 +3540,7 @@
           <a:p>
             <a:fld id="{56F9016B-CCA6-43BE-8BEE-59565A35F4F7}" type="datetimeFigureOut">
               <a:rPr kumimoji="1" lang="ja-JP" altLang="en-US" smtClean="0"/>
-              <a:t>2019/7/22</a:t>
+              <a:t>2019/7/30</a:t>
             </a:fld>
             <a:endParaRPr kumimoji="1" lang="ja-JP" altLang="en-US"/>
           </a:p>
@@ -6599,7 +6599,7 @@
           <a:p>
             <a:fld id="{56F9016B-CCA6-43BE-8BEE-59565A35F4F7}" type="datetimeFigureOut">
               <a:rPr kumimoji="1" lang="ja-JP" altLang="en-US" smtClean="0"/>
-              <a:t>2019/7/22</a:t>
+              <a:t>2019/7/30</a:t>
             </a:fld>
             <a:endParaRPr kumimoji="1" lang="ja-JP" altLang="en-US"/>
           </a:p>
@@ -11026,8 +11026,8 @@
               <a:t>https://</a:t>
             </a:r>
             <a:r>
-              <a:rPr lang="en-US" altLang="ja-JP" sz="1400" dirty="0" smtClean="0"/>
-              <a:t>github.com/exastro-series/it-automation/archive/v</a:t>
+              <a:rPr lang="en-US" altLang="ja-JP" sz="1400" dirty="0"/>
+              <a:t>github.com/exastro-suite/it-automation/archive/v</a:t>
             </a:r>
             <a:r>
               <a:rPr lang="en-US" altLang="ja-JP" sz="1400" dirty="0" smtClean="0">

--- a/asset/Learn_ja/ITA-online-install_ja.pptx
+++ b/asset/Learn_ja/ITA-online-install_ja.pptx
@@ -332,7 +332,7 @@
               <a:rPr kumimoji="1" lang="ja-JP" altLang="en-US" smtClean="0">
                 <a:ea typeface="メイリオ" panose="020B0604030504040204" pitchFamily="50" charset="-128"/>
               </a:rPr>
-              <a:t>2019/7/30</a:t>
+              <a:t>2019/8/5</a:t>
             </a:fld>
             <a:endParaRPr kumimoji="1" lang="ja-JP" altLang="en-US" dirty="0">
               <a:ea typeface="メイリオ" panose="020B0604030504040204" pitchFamily="50" charset="-128"/>
@@ -478,7 +478,7 @@
             <a:fld id="{4B26993D-C081-44EB-B0F5-A9F467792B62}" type="datetimeFigureOut">
               <a:rPr lang="ja-JP" altLang="en-US" smtClean="0"/>
               <a:pPr/>
-              <a:t>2019/7/30</a:t>
+              <a:t>2019/8/5</a:t>
             </a:fld>
             <a:endParaRPr lang="ja-JP" altLang="en-US" dirty="0"/>
           </a:p>
@@ -1101,7 +1101,7 @@
           <a:p>
             <a:fld id="{56F9016B-CCA6-43BE-8BEE-59565A35F4F7}" type="datetimeFigureOut">
               <a:rPr kumimoji="1" lang="ja-JP" altLang="en-US" smtClean="0"/>
-              <a:t>2019/7/30</a:t>
+              <a:t>2019/8/5</a:t>
             </a:fld>
             <a:endParaRPr kumimoji="1" lang="ja-JP" altLang="en-US"/>
           </a:p>
@@ -1303,7 +1303,7 @@
           <a:p>
             <a:fld id="{56F9016B-CCA6-43BE-8BEE-59565A35F4F7}" type="datetimeFigureOut">
               <a:rPr kumimoji="1" lang="ja-JP" altLang="en-US" smtClean="0"/>
-              <a:t>2019/7/30</a:t>
+              <a:t>2019/8/5</a:t>
             </a:fld>
             <a:endParaRPr kumimoji="1" lang="ja-JP" altLang="en-US"/>
           </a:p>
@@ -1549,7 +1549,7 @@
           <a:p>
             <a:fld id="{56F9016B-CCA6-43BE-8BEE-59565A35F4F7}" type="datetimeFigureOut">
               <a:rPr kumimoji="1" lang="ja-JP" altLang="en-US" smtClean="0"/>
-              <a:t>2019/7/30</a:t>
+              <a:t>2019/8/5</a:t>
             </a:fld>
             <a:endParaRPr kumimoji="1" lang="ja-JP" altLang="en-US"/>
           </a:p>
@@ -1845,7 +1845,7 @@
           <a:p>
             <a:fld id="{56F9016B-CCA6-43BE-8BEE-59565A35F4F7}" type="datetimeFigureOut">
               <a:rPr kumimoji="1" lang="ja-JP" altLang="en-US" smtClean="0"/>
-              <a:t>2019/7/30</a:t>
+              <a:t>2019/8/5</a:t>
             </a:fld>
             <a:endParaRPr kumimoji="1" lang="ja-JP" altLang="en-US"/>
           </a:p>
@@ -2276,7 +2276,7 @@
           <a:p>
             <a:fld id="{56F9016B-CCA6-43BE-8BEE-59565A35F4F7}" type="datetimeFigureOut">
               <a:rPr kumimoji="1" lang="ja-JP" altLang="en-US" smtClean="0"/>
-              <a:t>2019/7/30</a:t>
+              <a:t>2019/8/5</a:t>
             </a:fld>
             <a:endParaRPr kumimoji="1" lang="ja-JP" altLang="en-US"/>
           </a:p>
@@ -2394,7 +2394,7 @@
           <a:p>
             <a:fld id="{56F9016B-CCA6-43BE-8BEE-59565A35F4F7}" type="datetimeFigureOut">
               <a:rPr kumimoji="1" lang="ja-JP" altLang="en-US" smtClean="0"/>
-              <a:t>2019/7/30</a:t>
+              <a:t>2019/8/5</a:t>
             </a:fld>
             <a:endParaRPr kumimoji="1" lang="ja-JP" altLang="en-US"/>
           </a:p>
@@ -2489,7 +2489,7 @@
           <a:p>
             <a:fld id="{56F9016B-CCA6-43BE-8BEE-59565A35F4F7}" type="datetimeFigureOut">
               <a:rPr kumimoji="1" lang="ja-JP" altLang="en-US" smtClean="0"/>
-              <a:t>2019/7/30</a:t>
+              <a:t>2019/8/5</a:t>
             </a:fld>
             <a:endParaRPr kumimoji="1" lang="ja-JP" altLang="en-US"/>
           </a:p>
@@ -2798,7 +2798,7 @@
           <a:p>
             <a:fld id="{56F9016B-CCA6-43BE-8BEE-59565A35F4F7}" type="datetimeFigureOut">
               <a:rPr kumimoji="1" lang="ja-JP" altLang="en-US" smtClean="0"/>
-              <a:t>2019/7/30</a:t>
+              <a:t>2019/8/5</a:t>
             </a:fld>
             <a:endParaRPr kumimoji="1" lang="ja-JP" altLang="en-US"/>
           </a:p>
@@ -3051,7 +3051,7 @@
           <a:p>
             <a:fld id="{56F9016B-CCA6-43BE-8BEE-59565A35F4F7}" type="datetimeFigureOut">
               <a:rPr kumimoji="1" lang="ja-JP" altLang="en-US" smtClean="0"/>
-              <a:t>2019/7/30</a:t>
+              <a:t>2019/8/5</a:t>
             </a:fld>
             <a:endParaRPr kumimoji="1" lang="ja-JP" altLang="en-US"/>
           </a:p>
@@ -3328,7 +3328,7 @@
           <a:p>
             <a:fld id="{56F9016B-CCA6-43BE-8BEE-59565A35F4F7}" type="datetimeFigureOut">
               <a:rPr kumimoji="1" lang="ja-JP" altLang="en-US" smtClean="0"/>
-              <a:t>2019/7/30</a:t>
+              <a:t>2019/8/5</a:t>
             </a:fld>
             <a:endParaRPr kumimoji="1" lang="ja-JP" altLang="en-US"/>
           </a:p>
@@ -3540,7 +3540,7 @@
           <a:p>
             <a:fld id="{56F9016B-CCA6-43BE-8BEE-59565A35F4F7}" type="datetimeFigureOut">
               <a:rPr kumimoji="1" lang="ja-JP" altLang="en-US" smtClean="0"/>
-              <a:t>2019/7/30</a:t>
+              <a:t>2019/8/5</a:t>
             </a:fld>
             <a:endParaRPr kumimoji="1" lang="ja-JP" altLang="en-US"/>
           </a:p>
@@ -6599,7 +6599,7 @@
           <a:p>
             <a:fld id="{56F9016B-CCA6-43BE-8BEE-59565A35F4F7}" type="datetimeFigureOut">
               <a:rPr kumimoji="1" lang="ja-JP" altLang="en-US" smtClean="0"/>
-              <a:t>2019/7/30</a:t>
+              <a:t>2019/8/5</a:t>
             </a:fld>
             <a:endParaRPr kumimoji="1" lang="ja-JP" altLang="en-US"/>
           </a:p>
@@ -7682,8 +7682,20 @@
           <a:p>
             <a:pPr lvl="1"/>
             <a:r>
+              <a:rPr lang="en-US" altLang="ja-JP" dirty="0"/>
+              <a:t>ITA</a:t>
+            </a:r>
+            <a:r>
               <a:rPr lang="ja-JP" altLang="en-US" dirty="0"/>
-              <a:t>ご利用の</a:t>
+              <a:t>インストーラーを</a:t>
+            </a:r>
+            <a:r>
+              <a:rPr lang="ja-JP" altLang="en-US" dirty="0" smtClean="0"/>
+              <a:t>実行すると、ご利用</a:t>
+            </a:r>
+            <a:r>
+              <a:rPr lang="ja-JP" altLang="en-US" dirty="0"/>
+              <a:t>の</a:t>
             </a:r>
             <a:r>
               <a:rPr lang="en-US" altLang="ja-JP" dirty="0"/>
@@ -7691,7 +7703,19 @@
             </a:r>
             <a:r>
               <a:rPr lang="ja-JP" altLang="en-US" dirty="0"/>
-              <a:t>バージョンに合わせて以下のリポジトリを有効化してください。</a:t>
+              <a:t>バージョンに</a:t>
+            </a:r>
+            <a:r>
+              <a:rPr lang="ja-JP" altLang="en-US" dirty="0" smtClean="0"/>
+              <a:t>合った以下</a:t>
+            </a:r>
+            <a:r>
+              <a:rPr lang="ja-JP" altLang="en-US" dirty="0"/>
+              <a:t>の</a:t>
+            </a:r>
+            <a:r>
+              <a:rPr lang="ja-JP" altLang="en-US" dirty="0" smtClean="0"/>
+              <a:t>リポジトリが有効になります。</a:t>
             </a:r>
             <a:endParaRPr kumimoji="1" lang="ja-JP" altLang="en-US" dirty="0"/>
           </a:p>
@@ -11023,11 +11047,7 @@
             </a:r>
             <a:r>
               <a:rPr lang="en-US" altLang="ja-JP" sz="1400" dirty="0"/>
-              <a:t>https://</a:t>
-            </a:r>
-            <a:r>
-              <a:rPr lang="en-US" altLang="ja-JP" sz="1400" dirty="0"/>
-              <a:t>github.com/exastro-suite/it-automation/archive/v</a:t>
+              <a:t>https://github.com/exastro-suite/it-automation/archive/v</a:t>
             </a:r>
             <a:r>
               <a:rPr lang="en-US" altLang="ja-JP" sz="1400" dirty="0" smtClean="0">

--- a/asset/Learn_ja/ITA-online-install_ja.pptx
+++ b/asset/Learn_ja/ITA-online-install_ja.pptx
@@ -17,7 +17,7 @@
     <p:sldId id="505" r:id="rId5"/>
     <p:sldId id="508" r:id="rId6"/>
     <p:sldId id="509" r:id="rId7"/>
-    <p:sldId id="510" r:id="rId8"/>
+    <p:sldId id="531" r:id="rId8"/>
     <p:sldId id="530" r:id="rId9"/>
     <p:sldId id="512" r:id="rId10"/>
     <p:sldId id="513" r:id="rId11"/>
@@ -155,7 +155,7 @@
         <p14:section name="2.　システム構成" id="{A8A060BF-92DF-4F47-AFEF-F5FA058AAEFB}">
           <p14:sldIdLst>
             <p14:sldId id="509"/>
-            <p14:sldId id="510"/>
+            <p14:sldId id="531"/>
             <p14:sldId id="530"/>
           </p14:sldIdLst>
         </p14:section>
@@ -332,7 +332,7 @@
               <a:rPr kumimoji="1" lang="ja-JP" altLang="en-US" smtClean="0">
                 <a:ea typeface="メイリオ" panose="020B0604030504040204" pitchFamily="50" charset="-128"/>
               </a:rPr>
-              <a:t>2019/8/5</a:t>
+              <a:t>2019/11/5</a:t>
             </a:fld>
             <a:endParaRPr kumimoji="1" lang="ja-JP" altLang="en-US" dirty="0">
               <a:ea typeface="メイリオ" panose="020B0604030504040204" pitchFamily="50" charset="-128"/>
@@ -478,7 +478,7 @@
             <a:fld id="{4B26993D-C081-44EB-B0F5-A9F467792B62}" type="datetimeFigureOut">
               <a:rPr lang="ja-JP" altLang="en-US" smtClean="0"/>
               <a:pPr/>
-              <a:t>2019/8/5</a:t>
+              <a:t>2019/11/5</a:t>
             </a:fld>
             <a:endParaRPr lang="ja-JP" altLang="en-US" dirty="0"/>
           </a:p>
@@ -1101,7 +1101,7 @@
           <a:p>
             <a:fld id="{56F9016B-CCA6-43BE-8BEE-59565A35F4F7}" type="datetimeFigureOut">
               <a:rPr kumimoji="1" lang="ja-JP" altLang="en-US" smtClean="0"/>
-              <a:t>2019/8/5</a:t>
+              <a:t>2019/11/5</a:t>
             </a:fld>
             <a:endParaRPr kumimoji="1" lang="ja-JP" altLang="en-US"/>
           </a:p>
@@ -1303,7 +1303,7 @@
           <a:p>
             <a:fld id="{56F9016B-CCA6-43BE-8BEE-59565A35F4F7}" type="datetimeFigureOut">
               <a:rPr kumimoji="1" lang="ja-JP" altLang="en-US" smtClean="0"/>
-              <a:t>2019/8/5</a:t>
+              <a:t>2019/11/5</a:t>
             </a:fld>
             <a:endParaRPr kumimoji="1" lang="ja-JP" altLang="en-US"/>
           </a:p>
@@ -1549,7 +1549,7 @@
           <a:p>
             <a:fld id="{56F9016B-CCA6-43BE-8BEE-59565A35F4F7}" type="datetimeFigureOut">
               <a:rPr kumimoji="1" lang="ja-JP" altLang="en-US" smtClean="0"/>
-              <a:t>2019/8/5</a:t>
+              <a:t>2019/11/5</a:t>
             </a:fld>
             <a:endParaRPr kumimoji="1" lang="ja-JP" altLang="en-US"/>
           </a:p>
@@ -1845,7 +1845,7 @@
           <a:p>
             <a:fld id="{56F9016B-CCA6-43BE-8BEE-59565A35F4F7}" type="datetimeFigureOut">
               <a:rPr kumimoji="1" lang="ja-JP" altLang="en-US" smtClean="0"/>
-              <a:t>2019/8/5</a:t>
+              <a:t>2019/11/5</a:t>
             </a:fld>
             <a:endParaRPr kumimoji="1" lang="ja-JP" altLang="en-US"/>
           </a:p>
@@ -2276,7 +2276,7 @@
           <a:p>
             <a:fld id="{56F9016B-CCA6-43BE-8BEE-59565A35F4F7}" type="datetimeFigureOut">
               <a:rPr kumimoji="1" lang="ja-JP" altLang="en-US" smtClean="0"/>
-              <a:t>2019/8/5</a:t>
+              <a:t>2019/11/5</a:t>
             </a:fld>
             <a:endParaRPr kumimoji="1" lang="ja-JP" altLang="en-US"/>
           </a:p>
@@ -2394,7 +2394,7 @@
           <a:p>
             <a:fld id="{56F9016B-CCA6-43BE-8BEE-59565A35F4F7}" type="datetimeFigureOut">
               <a:rPr kumimoji="1" lang="ja-JP" altLang="en-US" smtClean="0"/>
-              <a:t>2019/8/5</a:t>
+              <a:t>2019/11/5</a:t>
             </a:fld>
             <a:endParaRPr kumimoji="1" lang="ja-JP" altLang="en-US"/>
           </a:p>
@@ -2489,7 +2489,7 @@
           <a:p>
             <a:fld id="{56F9016B-CCA6-43BE-8BEE-59565A35F4F7}" type="datetimeFigureOut">
               <a:rPr kumimoji="1" lang="ja-JP" altLang="en-US" smtClean="0"/>
-              <a:t>2019/8/5</a:t>
+              <a:t>2019/11/5</a:t>
             </a:fld>
             <a:endParaRPr kumimoji="1" lang="ja-JP" altLang="en-US"/>
           </a:p>
@@ -2798,7 +2798,7 @@
           <a:p>
             <a:fld id="{56F9016B-CCA6-43BE-8BEE-59565A35F4F7}" type="datetimeFigureOut">
               <a:rPr kumimoji="1" lang="ja-JP" altLang="en-US" smtClean="0"/>
-              <a:t>2019/8/5</a:t>
+              <a:t>2019/11/5</a:t>
             </a:fld>
             <a:endParaRPr kumimoji="1" lang="ja-JP" altLang="en-US"/>
           </a:p>
@@ -3051,7 +3051,7 @@
           <a:p>
             <a:fld id="{56F9016B-CCA6-43BE-8BEE-59565A35F4F7}" type="datetimeFigureOut">
               <a:rPr kumimoji="1" lang="ja-JP" altLang="en-US" smtClean="0"/>
-              <a:t>2019/8/5</a:t>
+              <a:t>2019/11/5</a:t>
             </a:fld>
             <a:endParaRPr kumimoji="1" lang="ja-JP" altLang="en-US"/>
           </a:p>
@@ -3328,7 +3328,7 @@
           <a:p>
             <a:fld id="{56F9016B-CCA6-43BE-8BEE-59565A35F4F7}" type="datetimeFigureOut">
               <a:rPr kumimoji="1" lang="ja-JP" altLang="en-US" smtClean="0"/>
-              <a:t>2019/8/5</a:t>
+              <a:t>2019/11/5</a:t>
             </a:fld>
             <a:endParaRPr kumimoji="1" lang="ja-JP" altLang="en-US"/>
           </a:p>
@@ -3540,7 +3540,7 @@
           <a:p>
             <a:fld id="{56F9016B-CCA6-43BE-8BEE-59565A35F4F7}" type="datetimeFigureOut">
               <a:rPr kumimoji="1" lang="ja-JP" altLang="en-US" smtClean="0"/>
-              <a:t>2019/8/5</a:t>
+              <a:t>2019/11/5</a:t>
             </a:fld>
             <a:endParaRPr kumimoji="1" lang="ja-JP" altLang="en-US"/>
           </a:p>
@@ -6599,7 +6599,7 @@
           <a:p>
             <a:fld id="{56F9016B-CCA6-43BE-8BEE-59565A35F4F7}" type="datetimeFigureOut">
               <a:rPr kumimoji="1" lang="ja-JP" altLang="en-US" smtClean="0"/>
-              <a:t>2019/8/5</a:t>
+              <a:t>2019/11/5</a:t>
             </a:fld>
             <a:endParaRPr kumimoji="1" lang="ja-JP" altLang="en-US"/>
           </a:p>
@@ -7037,7 +7037,7 @@
             </a:r>
             <a:r>
               <a:rPr lang="en-US" altLang="ja-JP" dirty="0" smtClean="0"/>
-              <a:t>1.1</a:t>
+              <a:t>1.2</a:t>
             </a:r>
             <a:r>
               <a:rPr lang="ja-JP" altLang="en-US" dirty="0" smtClean="0"/>
@@ -7728,7 +7728,11 @@
             <a:graphicFrameLocks noGrp="1"/>
           </p:cNvGraphicFramePr>
           <p:nvPr>
-            <p:extLst/>
+            <p:extLst>
+              <p:ext uri="{D42A27DB-BD31-4B8C-83A1-F6EECF244321}">
+                <p14:modId xmlns:p14="http://schemas.microsoft.com/office/powerpoint/2010/main" val="997567433"/>
+              </p:ext>
+            </p:extLst>
           </p:nvPr>
         </p:nvGraphicFramePr>
         <p:xfrm>
@@ -7745,14 +7749,14 @@
                 <a:gridCol w="1000443">
                   <a:extLst>
                     <a:ext uri="{9D8B030D-6E8A-4147-A177-3AD203B41FA5}">
-                      <a16:colId xmlns:a16="http://schemas.microsoft.com/office/drawing/2014/main" val="20000"/>
+                      <a16:colId xmlns="" xmlns:a16="http://schemas.microsoft.com/office/drawing/2014/main" val="20000"/>
                     </a:ext>
                   </a:extLst>
                 </a:gridCol>
                 <a:gridCol w="7538455">
                   <a:extLst>
                     <a:ext uri="{9D8B030D-6E8A-4147-A177-3AD203B41FA5}">
-                      <a16:colId xmlns:a16="http://schemas.microsoft.com/office/drawing/2014/main" val="20001"/>
+                      <a16:colId xmlns="" xmlns:a16="http://schemas.microsoft.com/office/drawing/2014/main" val="20001"/>
                     </a:ext>
                   </a:extLst>
                 </a:gridCol>
@@ -7790,7 +7794,7 @@
                 </a:tc>
                 <a:extLst>
                   <a:ext uri="{0D108BD9-81ED-4DB2-BD59-A6C34878D82A}">
-                    <a16:rowId xmlns:a16="http://schemas.microsoft.com/office/drawing/2014/main" val="10000"/>
+                    <a16:rowId xmlns="" xmlns:a16="http://schemas.microsoft.com/office/drawing/2014/main" val="10000"/>
                   </a:ext>
                 </a:extLst>
               </a:tr>
@@ -7857,7 +7861,7 @@
                 </a:tc>
                 <a:extLst>
                   <a:ext uri="{0D108BD9-81ED-4DB2-BD59-A6C34878D82A}">
-                    <a16:rowId xmlns:a16="http://schemas.microsoft.com/office/drawing/2014/main" val="10001"/>
+                    <a16:rowId xmlns="" xmlns:a16="http://schemas.microsoft.com/office/drawing/2014/main" val="10001"/>
                   </a:ext>
                 </a:extLst>
               </a:tr>
@@ -7897,13 +7901,13 @@
                       <a:r>
                         <a:rPr kumimoji="1" lang="en-US" altLang="ja-JP" sz="1200" b="1" i="0" u="none" strike="noStrike" kern="1200" baseline="0" dirty="0" smtClean="0">
                           <a:solidFill>
-                            <a:schemeClr val="dk1"/>
+                            <a:schemeClr val="tx1"/>
                           </a:solidFill>
                           <a:latin typeface="+mn-lt"/>
                           <a:ea typeface="+mn-ea"/>
                           <a:cs typeface="+mn-cs"/>
                         </a:rPr>
-                        <a:t>https://repo.mysql.com/mysql57-community-release-el7-11.noarch.rpm</a:t>
+                        <a:t>https://downloads.mariadb.com/MariaDB/mariadb_repo_setup</a:t>
                       </a:r>
                     </a:p>
                   </a:txBody>
@@ -7933,7 +7937,7 @@
                 </a:tc>
                 <a:extLst>
                   <a:ext uri="{0D108BD9-81ED-4DB2-BD59-A6C34878D82A}">
-                    <a16:rowId xmlns:a16="http://schemas.microsoft.com/office/drawing/2014/main" val="10002"/>
+                    <a16:rowId xmlns="" xmlns:a16="http://schemas.microsoft.com/office/drawing/2014/main" val="10002"/>
                   </a:ext>
                 </a:extLst>
               </a:tr>
@@ -7973,7 +7977,7 @@
                       <a:r>
                         <a:rPr kumimoji="1" lang="en-US" altLang="ja-JP" sz="1200" b="1" i="0" u="none" strike="noStrike" kern="1200" baseline="0" dirty="0" smtClean="0">
                           <a:solidFill>
-                            <a:schemeClr val="dk1"/>
+                            <a:schemeClr val="tx1"/>
                           </a:solidFill>
                           <a:latin typeface="+mn-lt"/>
                           <a:ea typeface="+mn-ea"/>
@@ -7981,7 +7985,11 @@
                         </a:rPr>
                         <a:t>http://rpms.remirepo.net/enterprise/remi-release-7.rpm</a:t>
                       </a:r>
-                      <a:endParaRPr kumimoji="1" lang="ja-JP" altLang="en-US" sz="1200" b="1" dirty="0" smtClean="0"/>
+                      <a:endParaRPr kumimoji="1" lang="ja-JP" altLang="en-US" sz="1200" b="1" dirty="0" smtClean="0">
+                        <a:solidFill>
+                          <a:schemeClr val="tx1"/>
+                        </a:solidFill>
+                      </a:endParaRPr>
                     </a:p>
                   </a:txBody>
                   <a:tcPr>
@@ -7998,7 +8006,7 @@
                 </a:tc>
                 <a:extLst>
                   <a:ext uri="{0D108BD9-81ED-4DB2-BD59-A6C34878D82A}">
-                    <a16:rowId xmlns:a16="http://schemas.microsoft.com/office/drawing/2014/main" val="10003"/>
+                    <a16:rowId xmlns="" xmlns:a16="http://schemas.microsoft.com/office/drawing/2014/main" val="10003"/>
                   </a:ext>
                 </a:extLst>
               </a:tr>
@@ -8023,16 +8031,28 @@
                     <a:lstStyle/>
                     <a:p>
                       <a:r>
-                        <a:rPr kumimoji="1" lang="en-US" altLang="ja-JP" sz="1200" b="1" dirty="0" smtClean="0"/>
+                        <a:rPr kumimoji="1" lang="en-US" altLang="ja-JP" sz="1200" b="1" dirty="0" smtClean="0">
+                          <a:solidFill>
+                            <a:schemeClr val="tx1"/>
+                          </a:solidFill>
+                        </a:rPr>
                         <a:t>http://ftp-srv2.kddilabs.jp/Linux/distributions/fedora/epel/6/x86_64/Packages/</a:t>
                       </a:r>
                     </a:p>
                     <a:p>
                       <a:r>
-                        <a:rPr kumimoji="1" lang="en-US" altLang="ja-JP" sz="1200" b="1" dirty="0" smtClean="0"/>
+                        <a:rPr kumimoji="1" lang="en-US" altLang="ja-JP" sz="1200" b="1" dirty="0" smtClean="0">
+                          <a:solidFill>
+                            <a:schemeClr val="tx1"/>
+                          </a:solidFill>
+                        </a:rPr>
                         <a:t>e/epel-release-6-8.noarch.rpm</a:t>
                       </a:r>
-                      <a:endParaRPr kumimoji="1" lang="ja-JP" altLang="en-US" sz="1200" b="1" dirty="0"/>
+                      <a:endParaRPr kumimoji="1" lang="ja-JP" altLang="en-US" sz="1200" b="1" dirty="0">
+                        <a:solidFill>
+                          <a:schemeClr val="tx1"/>
+                        </a:solidFill>
+                      </a:endParaRPr>
                     </a:p>
                   </a:txBody>
                   <a:tcPr>
@@ -8049,7 +8069,7 @@
                 </a:tc>
                 <a:extLst>
                   <a:ext uri="{0D108BD9-81ED-4DB2-BD59-A6C34878D82A}">
-                    <a16:rowId xmlns:a16="http://schemas.microsoft.com/office/drawing/2014/main" val="10004"/>
+                    <a16:rowId xmlns="" xmlns:a16="http://schemas.microsoft.com/office/drawing/2014/main" val="10004"/>
                   </a:ext>
                 </a:extLst>
               </a:tr>
@@ -8069,11 +8089,34 @@
                     <a:bodyPr/>
                     <a:lstStyle/>
                     <a:p>
-                      <a:r>
-                        <a:rPr kumimoji="1" lang="en-US" altLang="ja-JP" sz="1200" b="1" dirty="0" smtClean="0"/>
-                        <a:t>https://repo.mysql.com/mysql57-community-release-el6-11.noarch.rpm</a:t>
-                      </a:r>
-                      <a:endParaRPr kumimoji="1" lang="ja-JP" altLang="en-US" sz="1200" b="1" dirty="0"/>
+                      <a:pPr marL="0" marR="0" lvl="0" indent="0" algn="l" defTabSz="914400" rtl="0" eaLnBrk="1" fontAlgn="auto" latinLnBrk="0" hangingPunct="1">
+                        <a:lnSpc>
+                          <a:spcPct val="100000"/>
+                        </a:lnSpc>
+                        <a:spcBef>
+                          <a:spcPts val="0"/>
+                        </a:spcBef>
+                        <a:spcAft>
+                          <a:spcPts val="0"/>
+                        </a:spcAft>
+                        <a:buClrTx/>
+                        <a:buSzTx/>
+                        <a:buFontTx/>
+                        <a:buNone/>
+                        <a:tabLst/>
+                        <a:defRPr/>
+                      </a:pPr>
+                      <a:r>
+                        <a:rPr kumimoji="1" lang="en-US" altLang="ja-JP" sz="1200" b="1" i="0" u="none" strike="noStrike" kern="1200" baseline="0" dirty="0" smtClean="0">
+                          <a:solidFill>
+                            <a:schemeClr val="tx1"/>
+                          </a:solidFill>
+                          <a:latin typeface="+mn-lt"/>
+                          <a:ea typeface="+mn-ea"/>
+                          <a:cs typeface="+mn-cs"/>
+                        </a:rPr>
+                        <a:t>https://downloads.mariadb.com/MariaDB/mariadb_repo_setup</a:t>
+                      </a:r>
                     </a:p>
                   </a:txBody>
                   <a:tcPr>
@@ -8099,7 +8142,7 @@
                 </a:tc>
                 <a:extLst>
                   <a:ext uri="{0D108BD9-81ED-4DB2-BD59-A6C34878D82A}">
-                    <a16:rowId xmlns:a16="http://schemas.microsoft.com/office/drawing/2014/main" val="10005"/>
+                    <a16:rowId xmlns="" xmlns:a16="http://schemas.microsoft.com/office/drawing/2014/main" val="10005"/>
                   </a:ext>
                 </a:extLst>
               </a:tr>
@@ -8120,10 +8163,18 @@
                     <a:lstStyle/>
                     <a:p>
                       <a:r>
-                        <a:rPr kumimoji="1" lang="en-US" altLang="ja-JP" sz="1200" b="1" dirty="0" smtClean="0"/>
+                        <a:rPr kumimoji="1" lang="en-US" altLang="ja-JP" sz="1200" b="1" dirty="0" smtClean="0">
+                          <a:solidFill>
+                            <a:schemeClr val="tx1"/>
+                          </a:solidFill>
+                        </a:rPr>
                         <a:t>http://rpms.remirepo.net/enterprise/remi-release-6.rpm</a:t>
                       </a:r>
-                      <a:endParaRPr kumimoji="1" lang="ja-JP" altLang="en-US" sz="1200" b="1" dirty="0"/>
+                      <a:endParaRPr kumimoji="1" lang="ja-JP" altLang="en-US" sz="1200" b="1" dirty="0">
+                        <a:solidFill>
+                          <a:schemeClr val="tx1"/>
+                        </a:solidFill>
+                      </a:endParaRPr>
                     </a:p>
                   </a:txBody>
                   <a:tcPr>
@@ -8140,7 +8191,7 @@
                 </a:tc>
                 <a:extLst>
                   <a:ext uri="{0D108BD9-81ED-4DB2-BD59-A6C34878D82A}">
-                    <a16:rowId xmlns:a16="http://schemas.microsoft.com/office/drawing/2014/main" val="10006"/>
+                    <a16:rowId xmlns="" xmlns:a16="http://schemas.microsoft.com/office/drawing/2014/main" val="10006"/>
                   </a:ext>
                 </a:extLst>
               </a:tr>
@@ -8165,10 +8216,18 @@
                     <a:lstStyle/>
                     <a:p>
                       <a:r>
-                        <a:rPr kumimoji="1" lang="en-US" altLang="ja-JP" sz="1200" b="1" dirty="0" smtClean="0"/>
+                        <a:rPr kumimoji="1" lang="en-US" altLang="ja-JP" sz="1200" b="1" dirty="0" smtClean="0">
+                          <a:solidFill>
+                            <a:schemeClr val="tx1"/>
+                          </a:solidFill>
+                        </a:rPr>
                         <a:t>epel-release</a:t>
                       </a:r>
-                      <a:endParaRPr kumimoji="1" lang="ja-JP" altLang="en-US" sz="1200" b="1" dirty="0"/>
+                      <a:endParaRPr kumimoji="1" lang="ja-JP" altLang="en-US" sz="1200" b="1" dirty="0">
+                        <a:solidFill>
+                          <a:schemeClr val="tx1"/>
+                        </a:solidFill>
+                      </a:endParaRPr>
                     </a:p>
                   </a:txBody>
                   <a:tcPr>
@@ -8185,7 +8244,7 @@
                 </a:tc>
                 <a:extLst>
                   <a:ext uri="{0D108BD9-81ED-4DB2-BD59-A6C34878D82A}">
-                    <a16:rowId xmlns:a16="http://schemas.microsoft.com/office/drawing/2014/main" val="10007"/>
+                    <a16:rowId xmlns="" xmlns:a16="http://schemas.microsoft.com/office/drawing/2014/main" val="10007"/>
                   </a:ext>
                 </a:extLst>
               </a:tr>
@@ -8205,11 +8264,34 @@
                     <a:bodyPr/>
                     <a:lstStyle/>
                     <a:p>
-                      <a:r>
-                        <a:rPr kumimoji="1" lang="en-US" altLang="ja-JP" sz="1200" b="1" dirty="0" smtClean="0"/>
-                        <a:t>https://repo.mysql.com/mysql57-community-release-el7-11.noarch.rpm</a:t>
-                      </a:r>
-                      <a:endParaRPr kumimoji="1" lang="ja-JP" altLang="en-US" sz="1200" b="1" dirty="0"/>
+                      <a:pPr marL="0" marR="0" lvl="0" indent="0" algn="l" defTabSz="914400" rtl="0" eaLnBrk="1" fontAlgn="auto" latinLnBrk="0" hangingPunct="1">
+                        <a:lnSpc>
+                          <a:spcPct val="100000"/>
+                        </a:lnSpc>
+                        <a:spcBef>
+                          <a:spcPts val="0"/>
+                        </a:spcBef>
+                        <a:spcAft>
+                          <a:spcPts val="0"/>
+                        </a:spcAft>
+                        <a:buClrTx/>
+                        <a:buSzTx/>
+                        <a:buFontTx/>
+                        <a:buNone/>
+                        <a:tabLst/>
+                        <a:defRPr/>
+                      </a:pPr>
+                      <a:r>
+                        <a:rPr kumimoji="1" lang="en-US" altLang="ja-JP" sz="1200" b="1" i="0" u="none" strike="noStrike" kern="1200" baseline="0" dirty="0" smtClean="0">
+                          <a:solidFill>
+                            <a:schemeClr val="tx1"/>
+                          </a:solidFill>
+                          <a:latin typeface="+mn-lt"/>
+                          <a:ea typeface="+mn-ea"/>
+                          <a:cs typeface="+mn-cs"/>
+                        </a:rPr>
+                        <a:t>https://downloads.mariadb.com/MariaDB/mariadb_repo_setup</a:t>
+                      </a:r>
                     </a:p>
                   </a:txBody>
                   <a:tcPr>
@@ -8235,7 +8317,7 @@
                 </a:tc>
                 <a:extLst>
                   <a:ext uri="{0D108BD9-81ED-4DB2-BD59-A6C34878D82A}">
-                    <a16:rowId xmlns:a16="http://schemas.microsoft.com/office/drawing/2014/main" val="10008"/>
+                    <a16:rowId xmlns="" xmlns:a16="http://schemas.microsoft.com/office/drawing/2014/main" val="10008"/>
                   </a:ext>
                 </a:extLst>
               </a:tr>
@@ -8256,10 +8338,18 @@
                     <a:lstStyle/>
                     <a:p>
                       <a:r>
-                        <a:rPr kumimoji="1" lang="en-US" altLang="ja-JP" sz="1200" b="1" dirty="0" smtClean="0"/>
+                        <a:rPr kumimoji="1" lang="en-US" altLang="ja-JP" sz="1200" b="1" dirty="0" smtClean="0">
+                          <a:solidFill>
+                            <a:schemeClr val="tx1"/>
+                          </a:solidFill>
+                        </a:rPr>
                         <a:t>http://rpms.remirepo.net/enterprise/remi-release-7.rpm</a:t>
                       </a:r>
-                      <a:endParaRPr kumimoji="1" lang="ja-JP" altLang="en-US" sz="1200" b="1" dirty="0"/>
+                      <a:endParaRPr kumimoji="1" lang="ja-JP" altLang="en-US" sz="1200" b="1" dirty="0">
+                        <a:solidFill>
+                          <a:schemeClr val="tx1"/>
+                        </a:solidFill>
+                      </a:endParaRPr>
                     </a:p>
                   </a:txBody>
                   <a:tcPr>
@@ -8276,7 +8366,7 @@
                 </a:tc>
                 <a:extLst>
                   <a:ext uri="{0D108BD9-81ED-4DB2-BD59-A6C34878D82A}">
-                    <a16:rowId xmlns:a16="http://schemas.microsoft.com/office/drawing/2014/main" val="10009"/>
+                    <a16:rowId xmlns="" xmlns:a16="http://schemas.microsoft.com/office/drawing/2014/main" val="10009"/>
                   </a:ext>
                 </a:extLst>
               </a:tr>
@@ -8301,10 +8391,18 @@
                     <a:lstStyle/>
                     <a:p>
                       <a:r>
-                        <a:rPr kumimoji="1" lang="en-US" altLang="ja-JP" sz="1200" b="1" dirty="0" smtClean="0"/>
+                        <a:rPr kumimoji="1" lang="en-US" altLang="ja-JP" sz="1200" b="1" dirty="0" smtClean="0">
+                          <a:solidFill>
+                            <a:schemeClr val="tx1"/>
+                          </a:solidFill>
+                        </a:rPr>
                         <a:t>epel-release</a:t>
                       </a:r>
-                      <a:endParaRPr kumimoji="1" lang="ja-JP" altLang="en-US" sz="1200" b="1" dirty="0"/>
+                      <a:endParaRPr kumimoji="1" lang="ja-JP" altLang="en-US" sz="1200" b="1" dirty="0">
+                        <a:solidFill>
+                          <a:schemeClr val="tx1"/>
+                        </a:solidFill>
+                      </a:endParaRPr>
                     </a:p>
                   </a:txBody>
                   <a:tcPr>
@@ -8321,7 +8419,7 @@
                 </a:tc>
                 <a:extLst>
                   <a:ext uri="{0D108BD9-81ED-4DB2-BD59-A6C34878D82A}">
-                    <a16:rowId xmlns:a16="http://schemas.microsoft.com/office/drawing/2014/main" val="10010"/>
+                    <a16:rowId xmlns="" xmlns:a16="http://schemas.microsoft.com/office/drawing/2014/main" val="10010"/>
                   </a:ext>
                 </a:extLst>
               </a:tr>
@@ -8341,11 +8439,34 @@
                     <a:bodyPr/>
                     <a:lstStyle/>
                     <a:p>
-                      <a:r>
-                        <a:rPr kumimoji="1" lang="en-US" altLang="ja-JP" sz="1200" b="1" dirty="0" smtClean="0"/>
-                        <a:t>https://repo.mysql.com/mysql57-community-release-el6-11.noarch.rpm</a:t>
-                      </a:r>
-                      <a:endParaRPr kumimoji="1" lang="ja-JP" altLang="en-US" sz="1200" b="1" dirty="0"/>
+                      <a:pPr marL="0" marR="0" lvl="0" indent="0" algn="l" defTabSz="914400" rtl="0" eaLnBrk="1" fontAlgn="auto" latinLnBrk="0" hangingPunct="1">
+                        <a:lnSpc>
+                          <a:spcPct val="100000"/>
+                        </a:lnSpc>
+                        <a:spcBef>
+                          <a:spcPts val="0"/>
+                        </a:spcBef>
+                        <a:spcAft>
+                          <a:spcPts val="0"/>
+                        </a:spcAft>
+                        <a:buClrTx/>
+                        <a:buSzTx/>
+                        <a:buFontTx/>
+                        <a:buNone/>
+                        <a:tabLst/>
+                        <a:defRPr/>
+                      </a:pPr>
+                      <a:r>
+                        <a:rPr kumimoji="1" lang="en-US" altLang="ja-JP" sz="1200" b="1" i="0" u="none" strike="noStrike" kern="1200" baseline="0" dirty="0" smtClean="0">
+                          <a:solidFill>
+                            <a:schemeClr val="tx1"/>
+                          </a:solidFill>
+                          <a:latin typeface="+mn-lt"/>
+                          <a:ea typeface="+mn-ea"/>
+                          <a:cs typeface="+mn-cs"/>
+                        </a:rPr>
+                        <a:t>https://downloads.mariadb.com/MariaDB/mariadb_repo_setup</a:t>
+                      </a:r>
                     </a:p>
                   </a:txBody>
                   <a:tcPr>
@@ -8371,7 +8492,7 @@
                 </a:tc>
                 <a:extLst>
                   <a:ext uri="{0D108BD9-81ED-4DB2-BD59-A6C34878D82A}">
-                    <a16:rowId xmlns:a16="http://schemas.microsoft.com/office/drawing/2014/main" val="10011"/>
+                    <a16:rowId xmlns="" xmlns:a16="http://schemas.microsoft.com/office/drawing/2014/main" val="10011"/>
                   </a:ext>
                 </a:extLst>
               </a:tr>
@@ -8412,7 +8533,7 @@
                 </a:tc>
                 <a:extLst>
                   <a:ext uri="{0D108BD9-81ED-4DB2-BD59-A6C34878D82A}">
-                    <a16:rowId xmlns:a16="http://schemas.microsoft.com/office/drawing/2014/main" val="10012"/>
+                    <a16:rowId xmlns="" xmlns:a16="http://schemas.microsoft.com/office/drawing/2014/main" val="10012"/>
                   </a:ext>
                 </a:extLst>
               </a:tr>
@@ -8579,21 +8700,21 @@
                 <a:gridCol w="2586972">
                   <a:extLst>
                     <a:ext uri="{9D8B030D-6E8A-4147-A177-3AD203B41FA5}">
-                      <a16:colId xmlns:a16="http://schemas.microsoft.com/office/drawing/2014/main" val="20000"/>
+                      <a16:colId xmlns="" xmlns:a16="http://schemas.microsoft.com/office/drawing/2014/main" val="20000"/>
                     </a:ext>
                   </a:extLst>
                 </a:gridCol>
                 <a:gridCol w="2389134">
                   <a:extLst>
                     <a:ext uri="{9D8B030D-6E8A-4147-A177-3AD203B41FA5}">
-                      <a16:colId xmlns:a16="http://schemas.microsoft.com/office/drawing/2014/main" val="20001"/>
+                      <a16:colId xmlns="" xmlns:a16="http://schemas.microsoft.com/office/drawing/2014/main" val="20001"/>
                     </a:ext>
                   </a:extLst>
                 </a:gridCol>
                 <a:gridCol w="3773110">
                   <a:extLst>
                     <a:ext uri="{9D8B030D-6E8A-4147-A177-3AD203B41FA5}">
-                      <a16:colId xmlns:a16="http://schemas.microsoft.com/office/drawing/2014/main" val="20002"/>
+                      <a16:colId xmlns="" xmlns:a16="http://schemas.microsoft.com/office/drawing/2014/main" val="20002"/>
                     </a:ext>
                   </a:extLst>
                 </a:gridCol>
@@ -8697,7 +8818,7 @@
                 </a:tc>
                 <a:extLst>
                   <a:ext uri="{0D108BD9-81ED-4DB2-BD59-A6C34878D82A}">
-                    <a16:rowId xmlns:a16="http://schemas.microsoft.com/office/drawing/2014/main" val="10000"/>
+                    <a16:rowId xmlns="" xmlns:a16="http://schemas.microsoft.com/office/drawing/2014/main" val="10000"/>
                   </a:ext>
                 </a:extLst>
               </a:tr>
@@ -8830,7 +8951,7 @@
                 </a:tc>
                 <a:extLst>
                   <a:ext uri="{0D108BD9-81ED-4DB2-BD59-A6C34878D82A}">
-                    <a16:rowId xmlns:a16="http://schemas.microsoft.com/office/drawing/2014/main" val="10001"/>
+                    <a16:rowId xmlns="" xmlns:a16="http://schemas.microsoft.com/office/drawing/2014/main" val="10001"/>
                   </a:ext>
                 </a:extLst>
               </a:tr>
@@ -8988,7 +9109,7 @@
                 </a:tc>
                 <a:extLst>
                   <a:ext uri="{0D108BD9-81ED-4DB2-BD59-A6C34878D82A}">
-                    <a16:rowId xmlns:a16="http://schemas.microsoft.com/office/drawing/2014/main" val="10002"/>
+                    <a16:rowId xmlns="" xmlns:a16="http://schemas.microsoft.com/office/drawing/2014/main" val="10002"/>
                   </a:ext>
                 </a:extLst>
               </a:tr>
@@ -9146,7 +9267,7 @@
                 </a:tc>
                 <a:extLst>
                   <a:ext uri="{0D108BD9-81ED-4DB2-BD59-A6C34878D82A}">
-                    <a16:rowId xmlns:a16="http://schemas.microsoft.com/office/drawing/2014/main" val="10003"/>
+                    <a16:rowId xmlns="" xmlns:a16="http://schemas.microsoft.com/office/drawing/2014/main" val="10003"/>
                   </a:ext>
                 </a:extLst>
               </a:tr>
@@ -9279,7 +9400,7 @@
                 </a:tc>
                 <a:extLst>
                   <a:ext uri="{0D108BD9-81ED-4DB2-BD59-A6C34878D82A}">
-                    <a16:rowId xmlns:a16="http://schemas.microsoft.com/office/drawing/2014/main" val="10004"/>
+                    <a16:rowId xmlns="" xmlns:a16="http://schemas.microsoft.com/office/drawing/2014/main" val="10004"/>
                   </a:ext>
                 </a:extLst>
               </a:tr>
@@ -9430,7 +9551,7 @@
                 </a:tc>
                 <a:extLst>
                   <a:ext uri="{0D108BD9-81ED-4DB2-BD59-A6C34878D82A}">
-                    <a16:rowId xmlns:a16="http://schemas.microsoft.com/office/drawing/2014/main" val="10005"/>
+                    <a16:rowId xmlns="" xmlns:a16="http://schemas.microsoft.com/office/drawing/2014/main" val="10005"/>
                   </a:ext>
                 </a:extLst>
               </a:tr>
@@ -9563,7 +9684,7 @@
                 </a:tc>
                 <a:extLst>
                   <a:ext uri="{0D108BD9-81ED-4DB2-BD59-A6C34878D82A}">
-                    <a16:rowId xmlns:a16="http://schemas.microsoft.com/office/drawing/2014/main" val="10006"/>
+                    <a16:rowId xmlns="" xmlns:a16="http://schemas.microsoft.com/office/drawing/2014/main" val="10006"/>
                   </a:ext>
                 </a:extLst>
               </a:tr>
@@ -10355,44 +10476,28 @@
             </a:endParaRPr>
           </a:p>
           <a:p>
-            <a:pPr marL="268288" marR="0" lvl="0" indent="-179388" algn="l" defTabSz="914400" rtl="0" eaLnBrk="0" fontAlgn="base" latinLnBrk="0" hangingPunct="0">
-              <a:lnSpc>
-                <a:spcPct val="100000"/>
-              </a:lnSpc>
+            <a:pPr marL="268288" lvl="0" indent="-179388" eaLnBrk="0" fontAlgn="base" hangingPunct="0">
               <a:spcBef>
                 <a:spcPct val="0"/>
               </a:spcBef>
               <a:spcAft>
                 <a:spcPct val="0"/>
               </a:spcAft>
-              <a:buClrTx/>
-              <a:buSzTx/>
               <a:buFont typeface="Wingdings" panose="05000000000000000000" pitchFamily="2" charset="2"/>
               <a:buChar char="ü"/>
-              <a:tabLst/>
             </a:pPr>
             <a:r>
-              <a:rPr kumimoji="0" lang="en-US" altLang="ja-JP" sz="1050" b="0" i="0" u="none" strike="noStrike" cap="none" normalizeH="0" baseline="0" dirty="0" smtClean="0">
-                <a:ln>
-                  <a:noFill/>
-                </a:ln>
-                <a:solidFill>
-                  <a:srgbClr val="000000"/>
-                </a:solidFill>
-                <a:effectLst/>
+              <a:rPr kumimoji="0" lang="en-US" altLang="ja-JP" sz="1050" dirty="0" smtClean="0">
                 <a:latin typeface="+mn-ea"/>
                 <a:cs typeface="Times New Roman" panose="02020603050405020304" pitchFamily="18" charset="0"/>
               </a:rPr>
-              <a:t>MySQL</a:t>
+              <a:t>MariaDB</a:t>
             </a:r>
             <a:r>
               <a:rPr kumimoji="0" lang="ja-JP" altLang="en-US" sz="1050" b="0" i="0" u="none" strike="noStrike" cap="none" normalizeH="0" baseline="0" dirty="0" smtClean="0">
                 <a:ln>
                   <a:noFill/>
                 </a:ln>
-                <a:solidFill>
-                  <a:srgbClr val="000000"/>
-                </a:solidFill>
                 <a:effectLst/>
                 <a:latin typeface="+mn-ea"/>
                 <a:cs typeface="Times New Roman" panose="02020603050405020304" pitchFamily="18" charset="0"/>
@@ -10403,9 +10508,6 @@
               <a:ln>
                 <a:noFill/>
               </a:ln>
-              <a:solidFill>
-                <a:schemeClr val="tx1"/>
-              </a:solidFill>
               <a:effectLst/>
               <a:latin typeface="+mn-ea"/>
             </a:endParaRPr>
@@ -11515,28 +11617,28 @@
                 <a:gridCol w="1800128">
                   <a:extLst>
                     <a:ext uri="{9D8B030D-6E8A-4147-A177-3AD203B41FA5}">
-                      <a16:colId xmlns:a16="http://schemas.microsoft.com/office/drawing/2014/main" val="20000"/>
+                      <a16:colId xmlns="" xmlns:a16="http://schemas.microsoft.com/office/drawing/2014/main" val="20000"/>
                     </a:ext>
                   </a:extLst>
                 </a:gridCol>
                 <a:gridCol w="2139459">
                   <a:extLst>
                     <a:ext uri="{9D8B030D-6E8A-4147-A177-3AD203B41FA5}">
-                      <a16:colId xmlns:a16="http://schemas.microsoft.com/office/drawing/2014/main" val="20001"/>
+                      <a16:colId xmlns="" xmlns:a16="http://schemas.microsoft.com/office/drawing/2014/main" val="20001"/>
                     </a:ext>
                   </a:extLst>
                 </a:gridCol>
                 <a:gridCol w="596921">
                   <a:extLst>
                     <a:ext uri="{9D8B030D-6E8A-4147-A177-3AD203B41FA5}">
-                      <a16:colId xmlns:a16="http://schemas.microsoft.com/office/drawing/2014/main" val="20002"/>
+                      <a16:colId xmlns="" xmlns:a16="http://schemas.microsoft.com/office/drawing/2014/main" val="20002"/>
                     </a:ext>
                   </a:extLst>
                 </a:gridCol>
                 <a:gridCol w="4247492">
                   <a:extLst>
                     <a:ext uri="{9D8B030D-6E8A-4147-A177-3AD203B41FA5}">
-                      <a16:colId xmlns:a16="http://schemas.microsoft.com/office/drawing/2014/main" val="20003"/>
+                      <a16:colId xmlns="" xmlns:a16="http://schemas.microsoft.com/office/drawing/2014/main" val="20003"/>
                     </a:ext>
                   </a:extLst>
                 </a:gridCol>
@@ -11688,7 +11790,7 @@
                 </a:tc>
                 <a:extLst>
                   <a:ext uri="{0D108BD9-81ED-4DB2-BD59-A6C34878D82A}">
-                    <a16:rowId xmlns:a16="http://schemas.microsoft.com/office/drawing/2014/main" val="10000"/>
+                    <a16:rowId xmlns="" xmlns:a16="http://schemas.microsoft.com/office/drawing/2014/main" val="10000"/>
                   </a:ext>
                 </a:extLst>
               </a:tr>
@@ -11855,7 +11957,7 @@
                 </a:tc>
                 <a:extLst>
                   <a:ext uri="{0D108BD9-81ED-4DB2-BD59-A6C34878D82A}">
-                    <a16:rowId xmlns:a16="http://schemas.microsoft.com/office/drawing/2014/main" val="10001"/>
+                    <a16:rowId xmlns="" xmlns:a16="http://schemas.microsoft.com/office/drawing/2014/main" val="10001"/>
                   </a:ext>
                 </a:extLst>
               </a:tr>
@@ -12030,7 +12132,7 @@
                 </a:tc>
                 <a:extLst>
                   <a:ext uri="{0D108BD9-81ED-4DB2-BD59-A6C34878D82A}">
-                    <a16:rowId xmlns:a16="http://schemas.microsoft.com/office/drawing/2014/main" val="10002"/>
+                    <a16:rowId xmlns="" xmlns:a16="http://schemas.microsoft.com/office/drawing/2014/main" val="10002"/>
                   </a:ext>
                 </a:extLst>
               </a:tr>
@@ -12205,7 +12307,7 @@
                 </a:tc>
                 <a:extLst>
                   <a:ext uri="{0D108BD9-81ED-4DB2-BD59-A6C34878D82A}">
-                    <a16:rowId xmlns:a16="http://schemas.microsoft.com/office/drawing/2014/main" val="10003"/>
+                    <a16:rowId xmlns="" xmlns:a16="http://schemas.microsoft.com/office/drawing/2014/main" val="10003"/>
                   </a:ext>
                 </a:extLst>
               </a:tr>
@@ -12386,7 +12488,7 @@
                 </a:tc>
                 <a:extLst>
                   <a:ext uri="{0D108BD9-81ED-4DB2-BD59-A6C34878D82A}">
-                    <a16:rowId xmlns:a16="http://schemas.microsoft.com/office/drawing/2014/main" val="10004"/>
+                    <a16:rowId xmlns="" xmlns:a16="http://schemas.microsoft.com/office/drawing/2014/main" val="10004"/>
                   </a:ext>
                 </a:extLst>
               </a:tr>
@@ -12594,7 +12696,7 @@
                 </a:tc>
                 <a:extLst>
                   <a:ext uri="{0D108BD9-81ED-4DB2-BD59-A6C34878D82A}">
-                    <a16:rowId xmlns:a16="http://schemas.microsoft.com/office/drawing/2014/main" val="10005"/>
+                    <a16:rowId xmlns="" xmlns:a16="http://schemas.microsoft.com/office/drawing/2014/main" val="10005"/>
                   </a:ext>
                 </a:extLst>
               </a:tr>
@@ -12797,7 +12899,7 @@
                 </a:tc>
                 <a:extLst>
                   <a:ext uri="{0D108BD9-81ED-4DB2-BD59-A6C34878D82A}">
-                    <a16:rowId xmlns:a16="http://schemas.microsoft.com/office/drawing/2014/main" val="10006"/>
+                    <a16:rowId xmlns="" xmlns:a16="http://schemas.microsoft.com/office/drawing/2014/main" val="10006"/>
                   </a:ext>
                 </a:extLst>
               </a:tr>
@@ -12912,7 +13014,7 @@
                         </a:spcAft>
                       </a:pPr>
                       <a:r>
-                        <a:rPr lang="en-US" sz="900" kern="100" dirty="0">
+                        <a:rPr lang="en-US" sz="900" kern="100" dirty="0" err="1">
                           <a:effectLst/>
                         </a:rPr>
                         <a:t>dhcp.template</a:t>
@@ -12963,7 +13065,7 @@
                 </a:tc>
                 <a:extLst>
                   <a:ext uri="{0D108BD9-81ED-4DB2-BD59-A6C34878D82A}">
-                    <a16:rowId xmlns:a16="http://schemas.microsoft.com/office/drawing/2014/main" val="10007"/>
+                    <a16:rowId xmlns="" xmlns:a16="http://schemas.microsoft.com/office/drawing/2014/main" val="10007"/>
                   </a:ext>
                 </a:extLst>
               </a:tr>
@@ -13078,7 +13180,7 @@
                         </a:spcAft>
                       </a:pPr>
                       <a:r>
-                        <a:rPr lang="en-US" sz="900" kern="100" dirty="0">
+                        <a:rPr lang="en-US" sz="900" kern="100" dirty="0" err="1">
                           <a:effectLst/>
                         </a:rPr>
                         <a:t>dhcp.template</a:t>
@@ -13129,7 +13231,7 @@
                 </a:tc>
                 <a:extLst>
                   <a:ext uri="{0D108BD9-81ED-4DB2-BD59-A6C34878D82A}">
-                    <a16:rowId xmlns:a16="http://schemas.microsoft.com/office/drawing/2014/main" val="10008"/>
+                    <a16:rowId xmlns="" xmlns:a16="http://schemas.microsoft.com/office/drawing/2014/main" val="10008"/>
                   </a:ext>
                 </a:extLst>
               </a:tr>
@@ -13244,7 +13346,7 @@
                         </a:spcAft>
                       </a:pPr>
                       <a:r>
-                        <a:rPr lang="en-US" sz="900" kern="100" dirty="0">
+                        <a:rPr lang="en-US" sz="900" kern="100" dirty="0" err="1">
                           <a:effectLst/>
                         </a:rPr>
                         <a:t>dhcp.template</a:t>
@@ -13295,7 +13397,7 @@
                 </a:tc>
                 <a:extLst>
                   <a:ext uri="{0D108BD9-81ED-4DB2-BD59-A6C34878D82A}">
-                    <a16:rowId xmlns:a16="http://schemas.microsoft.com/office/drawing/2014/main" val="10009"/>
+                    <a16:rowId xmlns="" xmlns:a16="http://schemas.microsoft.com/office/drawing/2014/main" val="10009"/>
                   </a:ext>
                 </a:extLst>
               </a:tr>
@@ -13410,7 +13512,7 @@
                         </a:spcAft>
                       </a:pPr>
                       <a:r>
-                        <a:rPr lang="en-US" sz="900" kern="100" dirty="0">
+                        <a:rPr lang="en-US" sz="900" kern="100" dirty="0" err="1">
                           <a:effectLst/>
                         </a:rPr>
                         <a:t>dhcp.template</a:t>
@@ -13461,7 +13563,7 @@
                 </a:tc>
                 <a:extLst>
                   <a:ext uri="{0D108BD9-81ED-4DB2-BD59-A6C34878D82A}">
-                    <a16:rowId xmlns:a16="http://schemas.microsoft.com/office/drawing/2014/main" val="10010"/>
+                    <a16:rowId xmlns="" xmlns:a16="http://schemas.microsoft.com/office/drawing/2014/main" val="10010"/>
                   </a:ext>
                 </a:extLst>
               </a:tr>
@@ -13576,7 +13678,7 @@
                         </a:spcAft>
                       </a:pPr>
                       <a:r>
-                        <a:rPr lang="en-US" sz="900" kern="100" dirty="0">
+                        <a:rPr lang="en-US" sz="900" kern="100" dirty="0" err="1">
                           <a:effectLst/>
                         </a:rPr>
                         <a:t>dhcp.template</a:t>
@@ -13645,7 +13747,7 @@
                 </a:tc>
                 <a:extLst>
                   <a:ext uri="{0D108BD9-81ED-4DB2-BD59-A6C34878D82A}">
-                    <a16:rowId xmlns:a16="http://schemas.microsoft.com/office/drawing/2014/main" val="10011"/>
+                    <a16:rowId xmlns="" xmlns:a16="http://schemas.microsoft.com/office/drawing/2014/main" val="10011"/>
                   </a:ext>
                 </a:extLst>
               </a:tr>
@@ -13760,7 +13862,7 @@
                         </a:spcAft>
                       </a:pPr>
                       <a:r>
-                        <a:rPr lang="en-US" sz="900" kern="100" dirty="0">
+                        <a:rPr lang="en-US" sz="900" kern="100" dirty="0" err="1">
                           <a:effectLst/>
                         </a:rPr>
                         <a:t>dhcp.template</a:t>
@@ -13829,7 +13931,7 @@
                 </a:tc>
                 <a:extLst>
                   <a:ext uri="{0D108BD9-81ED-4DB2-BD59-A6C34878D82A}">
-                    <a16:rowId xmlns:a16="http://schemas.microsoft.com/office/drawing/2014/main" val="10012"/>
+                    <a16:rowId xmlns="" xmlns:a16="http://schemas.microsoft.com/office/drawing/2014/main" val="10012"/>
                   </a:ext>
                 </a:extLst>
               </a:tr>
@@ -18010,14 +18112,14 @@
           <p:nvPr>
             <p:extLst>
               <p:ext uri="{D42A27DB-BD31-4B8C-83A1-F6EECF244321}">
-                <p14:modId xmlns:p14="http://schemas.microsoft.com/office/powerpoint/2010/main" val="839320675"/>
+                <p14:modId xmlns:p14="http://schemas.microsoft.com/office/powerpoint/2010/main" val="3342812912"/>
               </p:ext>
             </p:extLst>
           </p:nvPr>
         </p:nvGraphicFramePr>
         <p:xfrm>
           <a:off x="539440" y="2060814"/>
-          <a:ext cx="8065121" cy="4526528"/>
+          <a:ext cx="8065121" cy="4297928"/>
         </p:xfrm>
         <a:graphic>
           <a:graphicData uri="http://schemas.openxmlformats.org/drawingml/2006/table">
@@ -18029,28 +18131,28 @@
                 <a:gridCol w="2012783">
                   <a:extLst>
                     <a:ext uri="{9D8B030D-6E8A-4147-A177-3AD203B41FA5}">
-                      <a16:colId xmlns:a16="http://schemas.microsoft.com/office/drawing/2014/main" val="20000"/>
+                      <a16:colId xmlns="" xmlns:a16="http://schemas.microsoft.com/office/drawing/2014/main" val="20000"/>
                     </a:ext>
                   </a:extLst>
                 </a:gridCol>
                 <a:gridCol w="715386">
                   <a:extLst>
                     <a:ext uri="{9D8B030D-6E8A-4147-A177-3AD203B41FA5}">
-                      <a16:colId xmlns:a16="http://schemas.microsoft.com/office/drawing/2014/main" val="20001"/>
+                      <a16:colId xmlns="" xmlns:a16="http://schemas.microsoft.com/office/drawing/2014/main" val="20001"/>
                     </a:ext>
                   </a:extLst>
                 </a:gridCol>
                 <a:gridCol w="887937">
                   <a:extLst>
                     <a:ext uri="{9D8B030D-6E8A-4147-A177-3AD203B41FA5}">
-                      <a16:colId xmlns:a16="http://schemas.microsoft.com/office/drawing/2014/main" val="20002"/>
+                      <a16:colId xmlns="" xmlns:a16="http://schemas.microsoft.com/office/drawing/2014/main" val="20002"/>
                     </a:ext>
                   </a:extLst>
                 </a:gridCol>
                 <a:gridCol w="4449015">
                   <a:extLst>
                     <a:ext uri="{9D8B030D-6E8A-4147-A177-3AD203B41FA5}">
-                      <a16:colId xmlns:a16="http://schemas.microsoft.com/office/drawing/2014/main" val="20003"/>
+                      <a16:colId xmlns="" xmlns:a16="http://schemas.microsoft.com/office/drawing/2014/main" val="20003"/>
                     </a:ext>
                   </a:extLst>
                 </a:gridCol>
@@ -18178,7 +18280,7 @@
                 </a:tc>
                 <a:extLst>
                   <a:ext uri="{0D108BD9-81ED-4DB2-BD59-A6C34878D82A}">
-                    <a16:rowId xmlns:a16="http://schemas.microsoft.com/office/drawing/2014/main" val="10000"/>
+                    <a16:rowId xmlns="" xmlns:a16="http://schemas.microsoft.com/office/drawing/2014/main" val="10000"/>
                   </a:ext>
                 </a:extLst>
               </a:tr>
@@ -18357,7 +18459,7 @@
                 </a:tc>
                 <a:extLst>
                   <a:ext uri="{0D108BD9-81ED-4DB2-BD59-A6C34878D82A}">
-                    <a16:rowId xmlns:a16="http://schemas.microsoft.com/office/drawing/2014/main" val="10001"/>
+                    <a16:rowId xmlns="" xmlns:a16="http://schemas.microsoft.com/office/drawing/2014/main" val="10001"/>
                   </a:ext>
                 </a:extLst>
               </a:tr>
@@ -18540,7 +18642,7 @@
                 </a:tc>
                 <a:extLst>
                   <a:ext uri="{0D108BD9-81ED-4DB2-BD59-A6C34878D82A}">
-                    <a16:rowId xmlns:a16="http://schemas.microsoft.com/office/drawing/2014/main" val="10002"/>
+                    <a16:rowId xmlns="" xmlns:a16="http://schemas.microsoft.com/office/drawing/2014/main" val="10002"/>
                   </a:ext>
                 </a:extLst>
               </a:tr>
@@ -18721,7 +18823,7 @@
                 </a:tc>
                 <a:extLst>
                   <a:ext uri="{0D108BD9-81ED-4DB2-BD59-A6C34878D82A}">
-                    <a16:rowId xmlns:a16="http://schemas.microsoft.com/office/drawing/2014/main" val="10003"/>
+                    <a16:rowId xmlns="" xmlns:a16="http://schemas.microsoft.com/office/drawing/2014/main" val="10003"/>
                   </a:ext>
                 </a:extLst>
               </a:tr>
@@ -18902,7 +19004,7 @@
                 </a:tc>
                 <a:extLst>
                   <a:ext uri="{0D108BD9-81ED-4DB2-BD59-A6C34878D82A}">
-                    <a16:rowId xmlns:a16="http://schemas.microsoft.com/office/drawing/2014/main" val="10004"/>
+                    <a16:rowId xmlns="" xmlns:a16="http://schemas.microsoft.com/office/drawing/2014/main" val="10004"/>
                   </a:ext>
                 </a:extLst>
               </a:tr>
@@ -19020,32 +19122,51 @@
                         </a:spcAft>
                       </a:pPr>
                       <a:r>
+                        <a:rPr lang="en-US" sz="1000" kern="100" dirty="0" smtClean="0">
+                          <a:solidFill>
+                            <a:schemeClr val="tx1"/>
+                          </a:solidFill>
+                          <a:effectLst/>
+                          <a:latin typeface="+mn-lt"/>
+                        </a:rPr>
+                        <a:t>MariaDB</a:t>
+                      </a:r>
+                      <a:r>
+                        <a:rPr lang="ja-JP" sz="1000" kern="100" dirty="0" smtClean="0">
+                          <a:solidFill>
+                            <a:schemeClr val="tx1"/>
+                          </a:solidFill>
+                          <a:effectLst/>
+                          <a:latin typeface="+mn-lt"/>
+                        </a:rPr>
+                        <a:t>の</a:t>
+                      </a:r>
+                      <a:r>
                         <a:rPr lang="en-US" sz="1000" kern="100" dirty="0">
-                          <a:effectLst/>
-                        </a:rPr>
-                        <a:t>MySQL</a:t>
+                          <a:solidFill>
+                            <a:schemeClr val="tx1"/>
+                          </a:solidFill>
+                          <a:effectLst/>
+                          <a:latin typeface="+mn-lt"/>
+                        </a:rPr>
+                        <a:t>root</a:t>
                       </a:r>
                       <a:r>
                         <a:rPr lang="ja-JP" sz="1000" kern="100" dirty="0">
-                          <a:effectLst/>
-                        </a:rPr>
-                        <a:t>の</a:t>
-                      </a:r>
-                      <a:r>
-                        <a:rPr lang="en-US" sz="1000" kern="100" dirty="0">
-                          <a:effectLst/>
-                        </a:rPr>
-                        <a:t>root</a:t>
-                      </a:r>
-                      <a:r>
-                        <a:rPr lang="ja-JP" sz="1000" kern="100" dirty="0">
-                          <a:effectLst/>
+                          <a:solidFill>
+                            <a:schemeClr val="tx1"/>
+                          </a:solidFill>
+                          <a:effectLst/>
+                          <a:latin typeface="+mn-lt"/>
                         </a:rPr>
                         <a:t>パスワード</a:t>
                       </a:r>
                       <a:endParaRPr lang="ja-JP" sz="1000" kern="100" dirty="0">
+                        <a:solidFill>
+                          <a:schemeClr val="tx1"/>
+                        </a:solidFill>
                         <a:effectLst/>
-                        <a:latin typeface="Century" panose="02040604050505020304" pitchFamily="18" charset="0"/>
+                        <a:latin typeface="+mn-lt"/>
                         <a:ea typeface="ＭＳ 明朝" panose="02020609040205080304" pitchFamily="17" charset="-128"/>
                         <a:cs typeface="Times New Roman" panose="02020603050405020304" pitchFamily="18" charset="0"/>
                       </a:endParaRPr>
@@ -19059,7 +19180,7 @@
                 </a:tc>
                 <a:extLst>
                   <a:ext uri="{0D108BD9-81ED-4DB2-BD59-A6C34878D82A}">
-                    <a16:rowId xmlns:a16="http://schemas.microsoft.com/office/drawing/2014/main" val="10005"/>
+                    <a16:rowId xmlns="" xmlns:a16="http://schemas.microsoft.com/office/drawing/2014/main" val="10005"/>
                   </a:ext>
                 </a:extLst>
               </a:tr>
@@ -19177,32 +19298,52 @@
                         </a:spcAft>
                       </a:pPr>
                       <a:r>
+                        <a:rPr kumimoji="0" lang="en-US" altLang="ja-JP" sz="1000" kern="100" dirty="0" smtClean="0">
+                          <a:solidFill>
+                            <a:schemeClr val="tx1"/>
+                          </a:solidFill>
+                          <a:latin typeface="+mn-lt"/>
+                          <a:ea typeface="ＭＳ 明朝" panose="02020609040205080304" pitchFamily="17" charset="-128"/>
+                          <a:cs typeface="Times New Roman" panose="02020603050405020304" pitchFamily="18" charset="0"/>
+                        </a:rPr>
+                        <a:t>MariaDB</a:t>
+                      </a:r>
+                      <a:r>
+                        <a:rPr lang="ja-JP" sz="1000" kern="100" dirty="0" smtClean="0">
+                          <a:solidFill>
+                            <a:schemeClr val="tx1"/>
+                          </a:solidFill>
+                          <a:effectLst/>
+                          <a:latin typeface="+mn-lt"/>
+                        </a:rPr>
+                        <a:t>の</a:t>
+                      </a:r>
+                      <a:r>
                         <a:rPr lang="en-US" sz="1000" kern="100" dirty="0">
-                          <a:effectLst/>
-                        </a:rPr>
-                        <a:t>MySQL</a:t>
+                          <a:solidFill>
+                            <a:schemeClr val="tx1"/>
+                          </a:solidFill>
+                          <a:effectLst/>
+                          <a:latin typeface="+mn-lt"/>
+                        </a:rPr>
+                        <a:t>DB</a:t>
                       </a:r>
                       <a:r>
                         <a:rPr lang="ja-JP" sz="1000" kern="100" dirty="0">
-                          <a:effectLst/>
-                        </a:rPr>
-                        <a:t>の</a:t>
-                      </a:r>
-                      <a:r>
-                        <a:rPr lang="en-US" sz="1000" kern="100" dirty="0">
-                          <a:effectLst/>
-                        </a:rPr>
-                        <a:t>DB</a:t>
-                      </a:r>
-                      <a:r>
-                        <a:rPr lang="ja-JP" sz="1000" kern="100" dirty="0">
-                          <a:effectLst/>
+                          <a:solidFill>
+                            <a:schemeClr val="tx1"/>
+                          </a:solidFill>
+                          <a:effectLst/>
+                          <a:latin typeface="+mn-lt"/>
                         </a:rPr>
                         <a:t>名</a:t>
                       </a:r>
                       <a:endParaRPr lang="ja-JP" sz="1000" kern="100" dirty="0">
+                        <a:solidFill>
+                          <a:schemeClr val="tx1"/>
+                        </a:solidFill>
                         <a:effectLst/>
-                        <a:latin typeface="Century" panose="02040604050505020304" pitchFamily="18" charset="0"/>
+                        <a:latin typeface="+mn-lt"/>
                         <a:ea typeface="ＭＳ 明朝" panose="02020609040205080304" pitchFamily="17" charset="-128"/>
                         <a:cs typeface="Times New Roman" panose="02020603050405020304" pitchFamily="18" charset="0"/>
                       </a:endParaRPr>
@@ -19216,7 +19357,7 @@
                 </a:tc>
                 <a:extLst>
                   <a:ext uri="{0D108BD9-81ED-4DB2-BD59-A6C34878D82A}">
-                    <a16:rowId xmlns:a16="http://schemas.microsoft.com/office/drawing/2014/main" val="10006"/>
+                    <a16:rowId xmlns="" xmlns:a16="http://schemas.microsoft.com/office/drawing/2014/main" val="10006"/>
                   </a:ext>
                 </a:extLst>
               </a:tr>
@@ -19334,32 +19475,52 @@
                         </a:spcAft>
                       </a:pPr>
                       <a:r>
+                        <a:rPr kumimoji="0" lang="en-US" altLang="ja-JP" sz="1000" kern="100" dirty="0" smtClean="0">
+                          <a:solidFill>
+                            <a:schemeClr val="tx1"/>
+                          </a:solidFill>
+                          <a:latin typeface="+mn-lt"/>
+                          <a:ea typeface="ＭＳ 明朝" panose="02020609040205080304" pitchFamily="17" charset="-128"/>
+                          <a:cs typeface="Times New Roman" panose="02020603050405020304" pitchFamily="18" charset="0"/>
+                        </a:rPr>
+                        <a:t>MariaDB</a:t>
+                      </a:r>
+                      <a:r>
+                        <a:rPr lang="ja-JP" sz="1000" kern="100" dirty="0" smtClean="0">
+                          <a:solidFill>
+                            <a:schemeClr val="tx1"/>
+                          </a:solidFill>
+                          <a:effectLst/>
+                          <a:latin typeface="+mn-lt"/>
+                        </a:rPr>
+                        <a:t>の</a:t>
+                      </a:r>
+                      <a:r>
                         <a:rPr lang="en-US" sz="1000" kern="100" dirty="0">
-                          <a:effectLst/>
-                        </a:rPr>
-                        <a:t>MySQL</a:t>
+                          <a:solidFill>
+                            <a:schemeClr val="tx1"/>
+                          </a:solidFill>
+                          <a:effectLst/>
+                          <a:latin typeface="+mn-lt"/>
+                        </a:rPr>
+                        <a:t>DB</a:t>
                       </a:r>
                       <a:r>
                         <a:rPr lang="ja-JP" sz="1000" kern="100" dirty="0">
-                          <a:effectLst/>
-                        </a:rPr>
-                        <a:t>の</a:t>
-                      </a:r>
-                      <a:r>
-                        <a:rPr lang="en-US" sz="1000" kern="100" dirty="0">
-                          <a:effectLst/>
-                        </a:rPr>
-                        <a:t>DB</a:t>
-                      </a:r>
-                      <a:r>
-                        <a:rPr lang="ja-JP" sz="1000" kern="100" dirty="0">
-                          <a:effectLst/>
+                          <a:solidFill>
+                            <a:schemeClr val="tx1"/>
+                          </a:solidFill>
+                          <a:effectLst/>
+                          <a:latin typeface="+mn-lt"/>
                         </a:rPr>
                         <a:t>ユーザー名</a:t>
                       </a:r>
                       <a:endParaRPr lang="ja-JP" sz="1000" kern="100" dirty="0">
+                        <a:solidFill>
+                          <a:schemeClr val="tx1"/>
+                        </a:solidFill>
                         <a:effectLst/>
-                        <a:latin typeface="Century" panose="02040604050505020304" pitchFamily="18" charset="0"/>
+                        <a:latin typeface="+mn-lt"/>
                         <a:ea typeface="ＭＳ 明朝" panose="02020609040205080304" pitchFamily="17" charset="-128"/>
                         <a:cs typeface="Times New Roman" panose="02020603050405020304" pitchFamily="18" charset="0"/>
                       </a:endParaRPr>
@@ -19373,7 +19534,7 @@
                 </a:tc>
                 <a:extLst>
                   <a:ext uri="{0D108BD9-81ED-4DB2-BD59-A6C34878D82A}">
-                    <a16:rowId xmlns:a16="http://schemas.microsoft.com/office/drawing/2014/main" val="10007"/>
+                    <a16:rowId xmlns="" xmlns:a16="http://schemas.microsoft.com/office/drawing/2014/main" val="10007"/>
                   </a:ext>
                 </a:extLst>
               </a:tr>
@@ -19491,32 +19652,52 @@
                         </a:spcAft>
                       </a:pPr>
                       <a:r>
+                        <a:rPr kumimoji="0" lang="en-US" altLang="ja-JP" sz="1000" kern="100" dirty="0" smtClean="0">
+                          <a:solidFill>
+                            <a:schemeClr val="tx1"/>
+                          </a:solidFill>
+                          <a:latin typeface="+mn-lt"/>
+                          <a:ea typeface="ＭＳ 明朝" panose="02020609040205080304" pitchFamily="17" charset="-128"/>
+                          <a:cs typeface="Times New Roman" panose="02020603050405020304" pitchFamily="18" charset="0"/>
+                        </a:rPr>
+                        <a:t>MariaDB</a:t>
+                      </a:r>
+                      <a:r>
+                        <a:rPr lang="ja-JP" sz="1000" kern="100" dirty="0" smtClean="0">
+                          <a:solidFill>
+                            <a:schemeClr val="tx1"/>
+                          </a:solidFill>
+                          <a:effectLst/>
+                          <a:latin typeface="+mn-lt"/>
+                        </a:rPr>
+                        <a:t>の</a:t>
+                      </a:r>
+                      <a:r>
                         <a:rPr lang="en-US" sz="1000" kern="100" dirty="0">
-                          <a:effectLst/>
-                        </a:rPr>
-                        <a:t>MySQL</a:t>
+                          <a:solidFill>
+                            <a:schemeClr val="tx1"/>
+                          </a:solidFill>
+                          <a:effectLst/>
+                          <a:latin typeface="+mn-lt"/>
+                        </a:rPr>
+                        <a:t>DB</a:t>
                       </a:r>
                       <a:r>
                         <a:rPr lang="ja-JP" sz="1000" kern="100" dirty="0">
-                          <a:effectLst/>
-                        </a:rPr>
-                        <a:t>の</a:t>
-                      </a:r>
-                      <a:r>
-                        <a:rPr lang="en-US" sz="1000" kern="100" dirty="0">
-                          <a:effectLst/>
-                        </a:rPr>
-                        <a:t>DB</a:t>
-                      </a:r>
-                      <a:r>
-                        <a:rPr lang="ja-JP" sz="1000" kern="100" dirty="0">
-                          <a:effectLst/>
+                          <a:solidFill>
+                            <a:schemeClr val="tx1"/>
+                          </a:solidFill>
+                          <a:effectLst/>
+                          <a:latin typeface="+mn-lt"/>
                         </a:rPr>
                         <a:t>パスワード</a:t>
                       </a:r>
                       <a:endParaRPr lang="ja-JP" sz="1000" kern="100" dirty="0">
+                        <a:solidFill>
+                          <a:schemeClr val="tx1"/>
+                        </a:solidFill>
                         <a:effectLst/>
-                        <a:latin typeface="Century" panose="02040604050505020304" pitchFamily="18" charset="0"/>
+                        <a:latin typeface="+mn-lt"/>
                         <a:ea typeface="ＭＳ 明朝" panose="02020609040205080304" pitchFamily="17" charset="-128"/>
                         <a:cs typeface="Times New Roman" panose="02020603050405020304" pitchFamily="18" charset="0"/>
                       </a:endParaRPr>
@@ -19530,7 +19711,7 @@
                 </a:tc>
                 <a:extLst>
                   <a:ext uri="{0D108BD9-81ED-4DB2-BD59-A6C34878D82A}">
-                    <a16:rowId xmlns:a16="http://schemas.microsoft.com/office/drawing/2014/main" val="10008"/>
+                    <a16:rowId xmlns="" xmlns:a16="http://schemas.microsoft.com/office/drawing/2014/main" val="10008"/>
                   </a:ext>
                 </a:extLst>
               </a:tr>
@@ -19693,7 +19874,7 @@
                 </a:tc>
                 <a:extLst>
                   <a:ext uri="{0D108BD9-81ED-4DB2-BD59-A6C34878D82A}">
-                    <a16:rowId xmlns:a16="http://schemas.microsoft.com/office/drawing/2014/main" val="10009"/>
+                    <a16:rowId xmlns="" xmlns:a16="http://schemas.microsoft.com/office/drawing/2014/main" val="10009"/>
                   </a:ext>
                 </a:extLst>
               </a:tr>
@@ -19832,7 +20013,7 @@
                 </a:tc>
                 <a:extLst>
                   <a:ext uri="{0D108BD9-81ED-4DB2-BD59-A6C34878D82A}">
-                    <a16:rowId xmlns:a16="http://schemas.microsoft.com/office/drawing/2014/main" val="10010"/>
+                    <a16:rowId xmlns="" xmlns:a16="http://schemas.microsoft.com/office/drawing/2014/main" val="10010"/>
                   </a:ext>
                 </a:extLst>
               </a:tr>
@@ -19971,7 +20152,7 @@
                 </a:tc>
                 <a:extLst>
                   <a:ext uri="{0D108BD9-81ED-4DB2-BD59-A6C34878D82A}">
-                    <a16:rowId xmlns:a16="http://schemas.microsoft.com/office/drawing/2014/main" val="10011"/>
+                    <a16:rowId xmlns="" xmlns:a16="http://schemas.microsoft.com/office/drawing/2014/main" val="10011"/>
                   </a:ext>
                 </a:extLst>
               </a:tr>
@@ -20110,7 +20291,7 @@
                 </a:tc>
                 <a:extLst>
                   <a:ext uri="{0D108BD9-81ED-4DB2-BD59-A6C34878D82A}">
-                    <a16:rowId xmlns:a16="http://schemas.microsoft.com/office/drawing/2014/main" val="10012"/>
+                    <a16:rowId xmlns="" xmlns:a16="http://schemas.microsoft.com/office/drawing/2014/main" val="10012"/>
                   </a:ext>
                 </a:extLst>
               </a:tr>
@@ -20228,28 +20409,34 @@
                         </a:spcAft>
                       </a:pPr>
                       <a:r>
-                        <a:rPr lang="en-US" sz="1000" kern="100" dirty="0">
+                        <a:rPr lang="en-US" sz="1000" kern="100" dirty="0" smtClean="0">
                           <a:effectLst/>
                         </a:rPr>
                         <a:t>Ansible</a:t>
                       </a:r>
                       <a:r>
+                        <a:rPr lang="en-US" sz="1000" kern="100" baseline="0" dirty="0">
+                          <a:effectLst/>
+                        </a:rPr>
+                        <a:t> </a:t>
+                      </a:r>
+                      <a:r>
+                        <a:rPr lang="en-US" sz="1000" kern="100" dirty="0" smtClean="0">
+                          <a:effectLst/>
+                        </a:rPr>
+                        <a:t>driver</a:t>
+                      </a:r>
+                      <a:r>
+                        <a:rPr lang="ja-JP" sz="1000" kern="100" dirty="0" smtClean="0">
+                          <a:effectLst/>
+                        </a:rPr>
+                        <a:t>の</a:t>
+                      </a:r>
+                      <a:r>
                         <a:rPr lang="ja-JP" sz="1000" kern="100" dirty="0">
                           <a:effectLst/>
                         </a:rPr>
-                        <a:t>　</a:t>
-                      </a:r>
-                      <a:r>
-                        <a:rPr lang="en-US" sz="1000" kern="100" dirty="0">
-                          <a:effectLst/>
-                        </a:rPr>
-                        <a:t>driver</a:t>
-                      </a:r>
-                      <a:r>
-                        <a:rPr lang="ja-JP" sz="1000" kern="100" dirty="0">
-                          <a:effectLst/>
-                        </a:rPr>
-                        <a:t>のインストール有無指定</a:t>
+                        <a:t>インストール有無指定</a:t>
                       </a:r>
                       <a:endParaRPr lang="ja-JP" sz="1000" kern="100" dirty="0">
                         <a:effectLst/>
@@ -20267,7 +20454,7 @@
                 </a:tc>
                 <a:extLst>
                   <a:ext uri="{0D108BD9-81ED-4DB2-BD59-A6C34878D82A}">
-                    <a16:rowId xmlns:a16="http://schemas.microsoft.com/office/drawing/2014/main" val="10013"/>
+                    <a16:rowId xmlns="" xmlns:a16="http://schemas.microsoft.com/office/drawing/2014/main" val="10013"/>
                   </a:ext>
                 </a:extLst>
               </a:tr>
@@ -20385,10 +20572,22 @@
                         </a:spcAft>
                       </a:pPr>
                       <a:r>
-                        <a:rPr lang="en-US" sz="1000" kern="100" dirty="0">
-                          <a:effectLst/>
-                        </a:rPr>
-                        <a:t>Cobbler driver</a:t>
+                        <a:rPr lang="en-US" sz="1000" kern="100" dirty="0" smtClean="0">
+                          <a:effectLst/>
+                        </a:rPr>
+                        <a:t>Cobbler</a:t>
+                      </a:r>
+                      <a:r>
+                        <a:rPr lang="en-US" sz="1000" kern="100" baseline="0" dirty="0" smtClean="0">
+                          <a:effectLst/>
+                        </a:rPr>
+                        <a:t> </a:t>
+                      </a:r>
+                      <a:r>
+                        <a:rPr lang="en-US" sz="1000" kern="100" dirty="0" smtClean="0">
+                          <a:effectLst/>
+                        </a:rPr>
+                        <a:t>driver</a:t>
                       </a:r>
                       <a:r>
                         <a:rPr lang="ja-JP" sz="1000" kern="100" dirty="0">
@@ -20412,7 +20611,7 @@
                 </a:tc>
                 <a:extLst>
                   <a:ext uri="{0D108BD9-81ED-4DB2-BD59-A6C34878D82A}">
-                    <a16:rowId xmlns:a16="http://schemas.microsoft.com/office/drawing/2014/main" val="10014"/>
+                    <a16:rowId xmlns="" xmlns:a16="http://schemas.microsoft.com/office/drawing/2014/main" val="10014"/>
                   </a:ext>
                 </a:extLst>
               </a:tr>
@@ -20557,7 +20756,7 @@
                 </a:tc>
                 <a:extLst>
                   <a:ext uri="{0D108BD9-81ED-4DB2-BD59-A6C34878D82A}">
-                    <a16:rowId xmlns:a16="http://schemas.microsoft.com/office/drawing/2014/main" val="10015"/>
+                    <a16:rowId xmlns="" xmlns:a16="http://schemas.microsoft.com/office/drawing/2014/main" val="10015"/>
                   </a:ext>
                 </a:extLst>
               </a:tr>
@@ -20702,152 +20901,7 @@
                 </a:tc>
                 <a:extLst>
                   <a:ext uri="{0D108BD9-81ED-4DB2-BD59-A6C34878D82A}">
-                    <a16:rowId xmlns:a16="http://schemas.microsoft.com/office/drawing/2014/main" val="10016"/>
-                  </a:ext>
-                </a:extLst>
-              </a:tr>
-              <a:tr h="222140">
-                <a:tc>
-                  <a:txBody>
-                    <a:bodyPr/>
-                    <a:lstStyle/>
-                    <a:p>
-                      <a:pPr algn="just">
-                        <a:lnSpc>
-                          <a:spcPct val="150000"/>
-                        </a:lnSpc>
-                        <a:spcAft>
-                          <a:spcPts val="0"/>
-                        </a:spcAft>
-                      </a:pPr>
-                      <a:r>
-                        <a:rPr lang="en-US" sz="1000" kern="100" dirty="0">
-                          <a:effectLst/>
-                        </a:rPr>
-                        <a:t>ansibletower_driver</a:t>
-                      </a:r>
-                      <a:endParaRPr lang="ja-JP" sz="1000" kern="100" dirty="0">
-                        <a:effectLst/>
-                        <a:latin typeface="Century" panose="02040604050505020304" pitchFamily="18" charset="0"/>
-                        <a:ea typeface="ＭＳ 明朝" panose="02020609040205080304" pitchFamily="17" charset="-128"/>
-                        <a:cs typeface="Times New Roman" panose="02020603050405020304" pitchFamily="18" charset="0"/>
-                      </a:endParaRPr>
-                    </a:p>
-                  </a:txBody>
-                  <a:tcPr marL="68495" marR="68495" marT="0" marB="0" anchor="ctr">
-                    <a:solidFill>
-                      <a:srgbClr val="002B62"/>
-                    </a:solidFill>
-                  </a:tcPr>
-                </a:tc>
-                <a:tc>
-                  <a:txBody>
-                    <a:bodyPr/>
-                    <a:lstStyle/>
-                    <a:p>
-                      <a:pPr algn="ctr">
-                        <a:lnSpc>
-                          <a:spcPct val="150000"/>
-                        </a:lnSpc>
-                        <a:spcAft>
-                          <a:spcPts val="0"/>
-                        </a:spcAft>
-                      </a:pPr>
-                      <a:r>
-                        <a:rPr lang="en-US" sz="1000" kern="100" dirty="0">
-                          <a:effectLst/>
-                        </a:rPr>
-                        <a:t>○</a:t>
-                      </a:r>
-                      <a:endParaRPr lang="ja-JP" sz="1000" kern="100" dirty="0">
-                        <a:effectLst/>
-                        <a:latin typeface="Century" panose="02040604050505020304" pitchFamily="18" charset="0"/>
-                        <a:ea typeface="ＭＳ 明朝" panose="02020609040205080304" pitchFamily="17" charset="-128"/>
-                        <a:cs typeface="Times New Roman" panose="02020603050405020304" pitchFamily="18" charset="0"/>
-                      </a:endParaRPr>
-                    </a:p>
-                  </a:txBody>
-                  <a:tcPr marL="68495" marR="68495" marT="0" marB="0" anchor="ctr">
-                    <a:solidFill>
-                      <a:srgbClr val="CBCDD3"/>
-                    </a:solidFill>
-                  </a:tcPr>
-                </a:tc>
-                <a:tc>
-                  <a:txBody>
-                    <a:bodyPr/>
-                    <a:lstStyle/>
-                    <a:p>
-                      <a:pPr algn="ctr">
-                        <a:lnSpc>
-                          <a:spcPct val="150000"/>
-                        </a:lnSpc>
-                        <a:spcAft>
-                          <a:spcPts val="0"/>
-                        </a:spcAft>
-                      </a:pPr>
-                      <a:r>
-                        <a:rPr lang="en-US" sz="1000" kern="100" dirty="0">
-                          <a:effectLst/>
-                        </a:rPr>
-                        <a:t>no</a:t>
-                      </a:r>
-                      <a:endParaRPr lang="ja-JP" sz="1000" kern="100" dirty="0">
-                        <a:effectLst/>
-                        <a:latin typeface="Century" panose="02040604050505020304" pitchFamily="18" charset="0"/>
-                        <a:ea typeface="ＭＳ 明朝" panose="02020609040205080304" pitchFamily="17" charset="-128"/>
-                        <a:cs typeface="Times New Roman" panose="02020603050405020304" pitchFamily="18" charset="0"/>
-                      </a:endParaRPr>
-                    </a:p>
-                  </a:txBody>
-                  <a:tcPr marL="68495" marR="68495" marT="0" marB="0" anchor="ctr">
-                    <a:solidFill>
-                      <a:srgbClr val="CBCDD3"/>
-                    </a:solidFill>
-                  </a:tcPr>
-                </a:tc>
-                <a:tc>
-                  <a:txBody>
-                    <a:bodyPr/>
-                    <a:lstStyle/>
-                    <a:p>
-                      <a:pPr algn="just">
-                        <a:lnSpc>
-                          <a:spcPct val="150000"/>
-                        </a:lnSpc>
-                        <a:spcAft>
-                          <a:spcPts val="0"/>
-                        </a:spcAft>
-                      </a:pPr>
-                      <a:r>
-                        <a:rPr lang="en-US" sz="1000" kern="100" dirty="0">
-                          <a:effectLst/>
-                        </a:rPr>
-                        <a:t>Ansibletower driver</a:t>
-                      </a:r>
-                      <a:r>
-                        <a:rPr lang="ja-JP" sz="1000" kern="100" dirty="0">
-                          <a:effectLst/>
-                        </a:rPr>
-                        <a:t>のインストール有無指定</a:t>
-                      </a:r>
-                      <a:endParaRPr lang="ja-JP" sz="1000" kern="100" dirty="0">
-                        <a:effectLst/>
-                        <a:latin typeface="Century" panose="02040604050505020304" pitchFamily="18" charset="0"/>
-                        <a:ea typeface="ＭＳ 明朝" panose="02020609040205080304" pitchFamily="17" charset="-128"/>
-                        <a:cs typeface="Times New Roman" panose="02020603050405020304" pitchFamily="18" charset="0"/>
-                      </a:endParaRPr>
-                    </a:p>
-                  </a:txBody>
-                  <a:tcPr marL="68495" marR="68495" marT="0" marB="0" anchor="ctr">
-                    <a:solidFill>
-                      <a:srgbClr val="CBCDD3"/>
-                    </a:solidFill>
-                  </a:tcPr>
-                </a:tc>
-                <a:extLst>
-                  <a:ext uri="{0D108BD9-81ED-4DB2-BD59-A6C34878D82A}">
-                    <a16:rowId xmlns:a16="http://schemas.microsoft.com/office/drawing/2014/main" val="10017"/>
+                    <a16:rowId xmlns="" xmlns:a16="http://schemas.microsoft.com/office/drawing/2014/main" val="10016"/>
                   </a:ext>
                 </a:extLst>
               </a:tr>
@@ -21035,309 +21089,210 @@
           </a:bodyPr>
           <a:lstStyle/>
           <a:p>
-            <a:pPr marL="0" marR="0" lvl="0" indent="0" algn="l" defTabSz="914400" eaLnBrk="1" fontAlgn="auto" latinLnBrk="0" hangingPunct="1">
+            <a:pPr lvl="0">
               <a:lnSpc>
                 <a:spcPts val="900"/>
               </a:lnSpc>
-              <a:spcBef>
-                <a:spcPts val="0"/>
-              </a:spcBef>
-              <a:spcAft>
-                <a:spcPts val="0"/>
-              </a:spcAft>
-              <a:buClrTx/>
-              <a:buSzTx/>
-              <a:buFontTx/>
-              <a:buNone/>
-              <a:tabLst/>
               <a:defRPr/>
             </a:pPr>
             <a:r>
-              <a:rPr kumimoji="0" lang="en-US" sz="900" b="0" i="0" u="none" strike="noStrike" kern="100" cap="none" spc="0" normalizeH="0" baseline="0" noProof="0" dirty="0">
-                <a:ln>
-                  <a:noFill/>
-                </a:ln>
+              <a:rPr kumimoji="0" lang="en-US" sz="900" kern="100" dirty="0">
                 <a:solidFill>
                   <a:sysClr val="window" lastClr="FFFFFF"/>
                 </a:solidFill>
-                <a:effectLst/>
-                <a:uLnTx/>
-                <a:uFillTx/>
                 <a:latin typeface="Arial" panose="020B0604020202020204" pitchFamily="34" charset="0"/>
                 <a:ea typeface="ＭＳ 明朝" panose="02020609040205080304" pitchFamily="17" charset="-128"/>
                 <a:cs typeface="Times New Roman" panose="02020603050405020304" pitchFamily="18" charset="0"/>
               </a:rPr>
               <a:t>#Select install mode. ("Install" or "Uninstall")</a:t>
             </a:r>
-            <a:endParaRPr kumimoji="0" lang="ja-JP" altLang="en-US" sz="1050" b="0" i="0" u="none" strike="noStrike" kern="100" cap="none" spc="0" normalizeH="0" baseline="0" noProof="0" dirty="0">
-              <a:ln>
-                <a:noFill/>
-              </a:ln>
-              <a:solidFill>
-                <a:sysClr val="window" lastClr="FFFFFF"/>
-              </a:solidFill>
-              <a:effectLst/>
-              <a:uLnTx/>
-              <a:uFillTx/>
-              <a:latin typeface="Century"/>
-              <a:ea typeface="ＭＳ 明朝" panose="02020609040205080304" pitchFamily="17" charset="-128"/>
-              <a:cs typeface="Times New Roman" panose="02020603050405020304" pitchFamily="18" charset="0"/>
-            </a:endParaRPr>
-          </a:p>
-          <a:p>
-            <a:pPr marL="0" marR="0" lvl="0" indent="0" algn="l" defTabSz="914400" eaLnBrk="1" fontAlgn="auto" latinLnBrk="0" hangingPunct="1">
+          </a:p>
+          <a:p>
+            <a:pPr lvl="0">
               <a:lnSpc>
                 <a:spcPts val="900"/>
               </a:lnSpc>
-              <a:spcBef>
-                <a:spcPts val="0"/>
-              </a:spcBef>
-              <a:spcAft>
-                <a:spcPts val="0"/>
-              </a:spcAft>
-              <a:buClrTx/>
-              <a:buSzTx/>
-              <a:buFontTx/>
-              <a:buNone/>
-              <a:tabLst/>
               <a:defRPr/>
             </a:pPr>
             <a:r>
-              <a:rPr kumimoji="0" lang="en-US" sz="900" b="0" i="0" u="none" strike="noStrike" kern="100" cap="none" spc="0" normalizeH="0" baseline="0" noProof="0" dirty="0">
-                <a:ln>
-                  <a:noFill/>
-                </a:ln>
+              <a:rPr kumimoji="0" lang="en-US" sz="900" kern="100" dirty="0">
                 <a:solidFill>
                   <a:sysClr val="window" lastClr="FFFFFF"/>
                 </a:solidFill>
-                <a:effectLst/>
-                <a:uLnTx/>
-                <a:uFillTx/>
                 <a:latin typeface="Arial" panose="020B0604020202020204" pitchFamily="34" charset="0"/>
                 <a:ea typeface="ＭＳ 明朝" panose="02020609040205080304" pitchFamily="17" charset="-128"/>
                 <a:cs typeface="Times New Roman" panose="02020603050405020304" pitchFamily="18" charset="0"/>
               </a:rPr>
-              <a:t># e.g) install_mode:Install</a:t>
-            </a:r>
-            <a:endParaRPr kumimoji="0" lang="ja-JP" altLang="en-US" sz="1050" b="0" i="0" u="none" strike="noStrike" kern="100" cap="none" spc="0" normalizeH="0" baseline="0" noProof="0" dirty="0">
-              <a:ln>
-                <a:noFill/>
-              </a:ln>
-              <a:solidFill>
-                <a:sysClr val="window" lastClr="FFFFFF"/>
-              </a:solidFill>
-              <a:effectLst/>
-              <a:uLnTx/>
-              <a:uFillTx/>
-              <a:latin typeface="Century"/>
-              <a:ea typeface="ＭＳ 明朝" panose="02020609040205080304" pitchFamily="17" charset="-128"/>
-              <a:cs typeface="Times New Roman" panose="02020603050405020304" pitchFamily="18" charset="0"/>
-            </a:endParaRPr>
-          </a:p>
-          <a:p>
-            <a:pPr marL="0" marR="0" lvl="0" indent="0" algn="l" defTabSz="914400" eaLnBrk="1" fontAlgn="auto" latinLnBrk="0" hangingPunct="1">
-              <a:lnSpc>
-                <a:spcPts val="900"/>
-              </a:lnSpc>
-              <a:spcBef>
-                <a:spcPts val="0"/>
-              </a:spcBef>
-              <a:spcAft>
-                <a:spcPts val="0"/>
-              </a:spcAft>
-              <a:buClrTx/>
-              <a:buSzTx/>
-              <a:buFontTx/>
-              <a:buNone/>
-              <a:tabLst/>
-              <a:defRPr/>
-            </a:pPr>
-            <a:r>
-              <a:rPr kumimoji="0" lang="en-US" sz="900" b="0" i="0" u="none" strike="noStrike" kern="100" cap="none" spc="0" normalizeH="0" baseline="0" noProof="0" dirty="0">
-                <a:ln>
-                  <a:noFill/>
-                </a:ln>
+              <a:t># </a:t>
+            </a:r>
+            <a:r>
+              <a:rPr kumimoji="0" lang="en-US" sz="900" kern="100" dirty="0" err="1">
                 <a:solidFill>
                   <a:sysClr val="window" lastClr="FFFFFF"/>
                 </a:solidFill>
-                <a:effectLst/>
-                <a:uLnTx/>
-                <a:uFillTx/>
+                <a:latin typeface="Arial" panose="020B0604020202020204" pitchFamily="34" charset="0"/>
+                <a:ea typeface="ＭＳ 明朝" panose="02020609040205080304" pitchFamily="17" charset="-128"/>
+                <a:cs typeface="Times New Roman" panose="02020603050405020304" pitchFamily="18" charset="0"/>
+              </a:rPr>
+              <a:t>e.g</a:t>
+            </a:r>
+            <a:r>
+              <a:rPr kumimoji="0" lang="en-US" sz="900" kern="100" dirty="0">
+                <a:solidFill>
+                  <a:sysClr val="window" lastClr="FFFFFF"/>
+                </a:solidFill>
+                <a:latin typeface="Arial" panose="020B0604020202020204" pitchFamily="34" charset="0"/>
+                <a:ea typeface="ＭＳ 明朝" panose="02020609040205080304" pitchFamily="17" charset="-128"/>
+                <a:cs typeface="Times New Roman" panose="02020603050405020304" pitchFamily="18" charset="0"/>
+              </a:rPr>
+              <a:t>) </a:t>
+            </a:r>
+            <a:r>
+              <a:rPr kumimoji="0" lang="en-US" sz="900" kern="100" dirty="0" err="1">
+                <a:solidFill>
+                  <a:sysClr val="window" lastClr="FFFFFF"/>
+                </a:solidFill>
                 <a:latin typeface="Arial" panose="020B0604020202020204" pitchFamily="34" charset="0"/>
                 <a:ea typeface="ＭＳ 明朝" panose="02020609040205080304" pitchFamily="17" charset="-128"/>
                 <a:cs typeface="Times New Roman" panose="02020603050405020304" pitchFamily="18" charset="0"/>
               </a:rPr>
               <a:t>install_mode:Install</a:t>
             </a:r>
-            <a:endParaRPr kumimoji="0" lang="ja-JP" altLang="en-US" sz="1050" b="0" i="0" u="none" strike="noStrike" kern="100" cap="none" spc="0" normalizeH="0" baseline="0" noProof="0" dirty="0">
-              <a:ln>
-                <a:noFill/>
-              </a:ln>
+            <a:endParaRPr kumimoji="0" lang="en-US" sz="900" kern="100" dirty="0">
               <a:solidFill>
                 <a:sysClr val="window" lastClr="FFFFFF"/>
               </a:solidFill>
-              <a:effectLst/>
-              <a:uLnTx/>
-              <a:uFillTx/>
-              <a:latin typeface="Century"/>
+              <a:latin typeface="Arial" panose="020B0604020202020204" pitchFamily="34" charset="0"/>
               <a:ea typeface="ＭＳ 明朝" panose="02020609040205080304" pitchFamily="17" charset="-128"/>
               <a:cs typeface="Times New Roman" panose="02020603050405020304" pitchFamily="18" charset="0"/>
             </a:endParaRPr>
           </a:p>
           <a:p>
-            <a:pPr marL="0" marR="0" lvl="0" indent="0" algn="l" defTabSz="914400" eaLnBrk="1" fontAlgn="auto" latinLnBrk="0" hangingPunct="1">
+            <a:pPr lvl="0">
               <a:lnSpc>
                 <a:spcPts val="900"/>
               </a:lnSpc>
-              <a:spcBef>
-                <a:spcPts val="0"/>
-              </a:spcBef>
-              <a:spcAft>
-                <a:spcPts val="0"/>
-              </a:spcAft>
-              <a:buClrTx/>
-              <a:buSzTx/>
-              <a:buFontTx/>
-              <a:buNone/>
-              <a:tabLst/>
               <a:defRPr/>
             </a:pPr>
             <a:r>
-              <a:rPr kumimoji="0" lang="en-US" sz="900" b="0" i="0" u="none" strike="noStrike" kern="100" cap="none" spc="0" normalizeH="0" baseline="0" noProof="0" dirty="0">
-                <a:ln>
-                  <a:noFill/>
-                </a:ln>
+              <a:rPr kumimoji="0" lang="en-US" sz="900" kern="100" dirty="0" err="1">
                 <a:solidFill>
                   <a:sysClr val="window" lastClr="FFFFFF"/>
                 </a:solidFill>
-                <a:effectLst/>
-                <a:uLnTx/>
-                <a:uFillTx/>
                 <a:latin typeface="Arial" panose="020B0604020202020204" pitchFamily="34" charset="0"/>
                 <a:ea typeface="ＭＳ 明朝" panose="02020609040205080304" pitchFamily="17" charset="-128"/>
                 <a:cs typeface="Times New Roman" panose="02020603050405020304" pitchFamily="18" charset="0"/>
               </a:rPr>
-              <a:t> </a:t>
-            </a:r>
-            <a:endParaRPr kumimoji="0" lang="ja-JP" altLang="en-US" sz="1050" b="0" i="0" u="none" strike="noStrike" kern="100" cap="none" spc="0" normalizeH="0" baseline="0" noProof="0" dirty="0">
-              <a:ln>
-                <a:noFill/>
-              </a:ln>
+              <a:t>install_mode:Install</a:t>
+            </a:r>
+            <a:endParaRPr kumimoji="0" lang="en-US" sz="900" kern="100" dirty="0">
               <a:solidFill>
                 <a:sysClr val="window" lastClr="FFFFFF"/>
               </a:solidFill>
-              <a:effectLst/>
-              <a:uLnTx/>
-              <a:uFillTx/>
-              <a:latin typeface="Century"/>
+              <a:latin typeface="Arial" panose="020B0604020202020204" pitchFamily="34" charset="0"/>
               <a:ea typeface="ＭＳ 明朝" panose="02020609040205080304" pitchFamily="17" charset="-128"/>
               <a:cs typeface="Times New Roman" panose="02020603050405020304" pitchFamily="18" charset="0"/>
             </a:endParaRPr>
           </a:p>
           <a:p>
-            <a:pPr marL="0" marR="0" lvl="0" indent="0" algn="l" defTabSz="914400" eaLnBrk="1" fontAlgn="auto" latinLnBrk="0" hangingPunct="1">
+            <a:pPr lvl="0">
               <a:lnSpc>
                 <a:spcPts val="900"/>
               </a:lnSpc>
-              <a:spcBef>
-                <a:spcPts val="0"/>
-              </a:spcBef>
-              <a:spcAft>
-                <a:spcPts val="0"/>
-              </a:spcAft>
-              <a:buClrTx/>
-              <a:buSzTx/>
-              <a:buFontTx/>
-              <a:buNone/>
-              <a:tabLst/>
               <a:defRPr/>
             </a:pPr>
-            <a:r>
-              <a:rPr kumimoji="0" lang="en-US" sz="900" b="0" i="0" u="none" strike="noStrike" kern="100" cap="none" spc="0" normalizeH="0" baseline="0" noProof="0" dirty="0">
-                <a:ln>
-                  <a:noFill/>
-                </a:ln>
+            <a:endParaRPr kumimoji="0" lang="en-US" sz="900" kern="100" dirty="0">
+              <a:solidFill>
+                <a:sysClr val="window" lastClr="FFFFFF"/>
+              </a:solidFill>
+              <a:latin typeface="Arial" panose="020B0604020202020204" pitchFamily="34" charset="0"/>
+              <a:ea typeface="ＭＳ 明朝" panose="02020609040205080304" pitchFamily="17" charset="-128"/>
+              <a:cs typeface="Times New Roman" panose="02020603050405020304" pitchFamily="18" charset="0"/>
+            </a:endParaRPr>
+          </a:p>
+          <a:p>
+            <a:pPr lvl="0">
+              <a:lnSpc>
+                <a:spcPts val="900"/>
+              </a:lnSpc>
+              <a:defRPr/>
+            </a:pPr>
+            <a:r>
+              <a:rPr kumimoji="0" lang="en-US" sz="900" kern="100" dirty="0">
                 <a:solidFill>
                   <a:sysClr val="window" lastClr="FFFFFF"/>
                 </a:solidFill>
-                <a:effectLst/>
-                <a:uLnTx/>
-                <a:uFillTx/>
                 <a:latin typeface="Arial" panose="020B0604020202020204" pitchFamily="34" charset="0"/>
                 <a:ea typeface="ＭＳ 明朝" panose="02020609040205080304" pitchFamily="17" charset="-128"/>
                 <a:cs typeface="Times New Roman" panose="02020603050405020304" pitchFamily="18" charset="0"/>
               </a:rPr>
               <a:t>#Enter install directory.</a:t>
             </a:r>
-            <a:endParaRPr kumimoji="0" lang="ja-JP" altLang="en-US" sz="1050" b="0" i="0" u="none" strike="noStrike" kern="100" cap="none" spc="0" normalizeH="0" baseline="0" noProof="0" dirty="0">
-              <a:ln>
-                <a:noFill/>
-              </a:ln>
-              <a:solidFill>
-                <a:sysClr val="window" lastClr="FFFFFF"/>
-              </a:solidFill>
-              <a:effectLst/>
-              <a:uLnTx/>
-              <a:uFillTx/>
-              <a:latin typeface="Century"/>
-              <a:ea typeface="ＭＳ 明朝" panose="02020609040205080304" pitchFamily="17" charset="-128"/>
-              <a:cs typeface="Times New Roman" panose="02020603050405020304" pitchFamily="18" charset="0"/>
-            </a:endParaRPr>
-          </a:p>
-          <a:p>
-            <a:pPr marL="0" marR="0" lvl="0" indent="0" algn="l" defTabSz="914400" eaLnBrk="1" fontAlgn="auto" latinLnBrk="0" hangingPunct="1">
+          </a:p>
+          <a:p>
+            <a:pPr lvl="0">
               <a:lnSpc>
                 <a:spcPts val="900"/>
               </a:lnSpc>
-              <a:spcBef>
-                <a:spcPts val="0"/>
-              </a:spcBef>
-              <a:spcAft>
-                <a:spcPts val="0"/>
-              </a:spcAft>
-              <a:buClrTx/>
-              <a:buSzTx/>
-              <a:buFontTx/>
-              <a:buNone/>
-              <a:tabLst/>
               <a:defRPr/>
             </a:pPr>
             <a:r>
-              <a:rPr kumimoji="0" lang="en-US" sz="900" b="0" i="0" u="none" strike="noStrike" kern="100" cap="none" spc="0" normalizeH="0" baseline="0" noProof="0" dirty="0">
-                <a:ln>
-                  <a:noFill/>
-                </a:ln>
+              <a:rPr kumimoji="0" lang="en-US" sz="900" kern="100" dirty="0">
                 <a:solidFill>
                   <a:sysClr val="window" lastClr="FFFFFF"/>
                 </a:solidFill>
-                <a:effectLst/>
-                <a:uLnTx/>
-                <a:uFillTx/>
                 <a:latin typeface="Arial" panose="020B0604020202020204" pitchFamily="34" charset="0"/>
                 <a:ea typeface="ＭＳ 明朝" panose="02020609040205080304" pitchFamily="17" charset="-128"/>
                 <a:cs typeface="Times New Roman" panose="02020603050405020304" pitchFamily="18" charset="0"/>
               </a:rPr>
-              <a:t># e.g) ita_directory:/</a:t>
-            </a:r>
-            <a:r>
-              <a:rPr kumimoji="0" lang="en-US" sz="1050" b="0" i="0" u="none" strike="noStrike" kern="100" cap="none" spc="0" normalizeH="0" baseline="0" noProof="0" dirty="0">
-                <a:ln>
-                  <a:noFill/>
-                </a:ln>
+              <a:t># </a:t>
+            </a:r>
+            <a:r>
+              <a:rPr kumimoji="0" lang="en-US" sz="900" kern="100" dirty="0" err="1">
                 <a:solidFill>
                   <a:sysClr val="window" lastClr="FFFFFF"/>
                 </a:solidFill>
-                <a:effectLst/>
-                <a:uLnTx/>
-                <a:uFillTx/>
-                <a:latin typeface="Century"/>
+                <a:latin typeface="Arial" panose="020B0604020202020204" pitchFamily="34" charset="0"/>
                 <a:ea typeface="ＭＳ 明朝" panose="02020609040205080304" pitchFamily="17" charset="-128"/>
                 <a:cs typeface="Times New Roman" panose="02020603050405020304" pitchFamily="18" charset="0"/>
               </a:rPr>
-              <a:t> </a:t>
-            </a:r>
-            <a:r>
-              <a:rPr kumimoji="0" lang="en-US" sz="900" kern="100" dirty="0" smtClean="0">
+              <a:t>e.g</a:t>
+            </a:r>
+            <a:r>
+              <a:rPr kumimoji="0" lang="en-US" sz="900" kern="100" dirty="0">
+                <a:solidFill>
+                  <a:sysClr val="window" lastClr="FFFFFF"/>
+                </a:solidFill>
+                <a:latin typeface="Arial" panose="020B0604020202020204" pitchFamily="34" charset="0"/>
+                <a:ea typeface="ＭＳ 明朝" panose="02020609040205080304" pitchFamily="17" charset="-128"/>
+                <a:cs typeface="Times New Roman" panose="02020603050405020304" pitchFamily="18" charset="0"/>
+              </a:rPr>
+              <a:t>) </a:t>
+            </a:r>
+            <a:r>
+              <a:rPr kumimoji="0" lang="en-US" sz="900" kern="100" dirty="0" err="1">
+                <a:solidFill>
+                  <a:sysClr val="window" lastClr="FFFFFF"/>
+                </a:solidFill>
+                <a:latin typeface="Arial" panose="020B0604020202020204" pitchFamily="34" charset="0"/>
+                <a:ea typeface="ＭＳ 明朝" panose="02020609040205080304" pitchFamily="17" charset="-128"/>
+                <a:cs typeface="Times New Roman" panose="02020603050405020304" pitchFamily="18" charset="0"/>
+              </a:rPr>
+              <a:t>ita_directory</a:t>
+            </a:r>
+            <a:r>
+              <a:rPr kumimoji="0" lang="en-US" sz="900" kern="100" dirty="0">
+                <a:solidFill>
+                  <a:sysClr val="window" lastClr="FFFFFF"/>
+                </a:solidFill>
+                <a:latin typeface="Arial" panose="020B0604020202020204" pitchFamily="34" charset="0"/>
+                <a:ea typeface="ＭＳ 明朝" panose="02020609040205080304" pitchFamily="17" charset="-128"/>
+                <a:cs typeface="Times New Roman" panose="02020603050405020304" pitchFamily="18" charset="0"/>
+              </a:rPr>
+              <a:t>:/</a:t>
+            </a:r>
+            <a:r>
+              <a:rPr kumimoji="0" lang="en-US" sz="900" kern="100" dirty="0" err="1">
                 <a:solidFill>
                   <a:sysClr val="window" lastClr="FFFFFF"/>
                 </a:solidFill>
@@ -21347,75 +21302,46 @@
               </a:rPr>
               <a:t>exastro</a:t>
             </a:r>
-            <a:endParaRPr kumimoji="0" lang="ja-JP" altLang="en-US" sz="1050" b="0" i="0" u="none" strike="noStrike" kern="100" cap="none" spc="0" normalizeH="0" baseline="0" noProof="0" dirty="0">
-              <a:ln>
-                <a:noFill/>
-              </a:ln>
+            <a:endParaRPr kumimoji="0" lang="en-US" sz="900" kern="100" dirty="0">
               <a:solidFill>
                 <a:sysClr val="window" lastClr="FFFFFF"/>
               </a:solidFill>
-              <a:effectLst/>
-              <a:uLnTx/>
-              <a:uFillTx/>
-              <a:latin typeface="Century"/>
+              <a:latin typeface="Arial" panose="020B0604020202020204" pitchFamily="34" charset="0"/>
               <a:ea typeface="ＭＳ 明朝" panose="02020609040205080304" pitchFamily="17" charset="-128"/>
               <a:cs typeface="Times New Roman" panose="02020603050405020304" pitchFamily="18" charset="0"/>
             </a:endParaRPr>
           </a:p>
           <a:p>
-            <a:pPr marL="0" marR="0" lvl="0" indent="0" algn="l" defTabSz="914400" eaLnBrk="1" fontAlgn="auto" latinLnBrk="0" hangingPunct="1">
+            <a:pPr lvl="0">
               <a:lnSpc>
                 <a:spcPts val="900"/>
               </a:lnSpc>
-              <a:spcBef>
-                <a:spcPts val="0"/>
-              </a:spcBef>
-              <a:spcAft>
-                <a:spcPts val="0"/>
-              </a:spcAft>
-              <a:buClrTx/>
-              <a:buSzTx/>
-              <a:buFontTx/>
-              <a:buNone/>
-              <a:tabLst/>
               <a:defRPr/>
             </a:pPr>
             <a:r>
-              <a:rPr kumimoji="0" lang="en-US" sz="900" b="0" i="0" u="none" strike="noStrike" kern="100" cap="none" spc="0" normalizeH="0" baseline="0" noProof="0" dirty="0">
-                <a:ln>
-                  <a:noFill/>
-                </a:ln>
+              <a:rPr kumimoji="0" lang="en-US" sz="900" kern="100" dirty="0" err="1">
                 <a:solidFill>
                   <a:sysClr val="window" lastClr="FFFFFF"/>
                 </a:solidFill>
-                <a:effectLst/>
-                <a:uLnTx/>
-                <a:uFillTx/>
                 <a:latin typeface="Arial" panose="020B0604020202020204" pitchFamily="34" charset="0"/>
                 <a:ea typeface="ＭＳ 明朝" panose="02020609040205080304" pitchFamily="17" charset="-128"/>
                 <a:cs typeface="Times New Roman" panose="02020603050405020304" pitchFamily="18" charset="0"/>
               </a:rPr>
-              <a:t>ita_directory:/</a:t>
-            </a:r>
-            <a:r>
-              <a:rPr kumimoji="0" lang="en-US" sz="1050" b="0" i="0" u="none" strike="noStrike" kern="100" cap="none" spc="0" normalizeH="0" baseline="0" noProof="0" dirty="0">
-                <a:ln>
-                  <a:noFill/>
-                </a:ln>
+              <a:t>ita_directory</a:t>
+            </a:r>
+            <a:r>
+              <a:rPr kumimoji="0" lang="en-US" sz="900" kern="100" dirty="0">
                 <a:solidFill>
                   <a:sysClr val="window" lastClr="FFFFFF"/>
                 </a:solidFill>
-                <a:effectLst/>
-                <a:uLnTx/>
-                <a:uFillTx/>
-                <a:latin typeface="Century"/>
+                <a:latin typeface="Arial" panose="020B0604020202020204" pitchFamily="34" charset="0"/>
                 <a:ea typeface="ＭＳ 明朝" panose="02020609040205080304" pitchFamily="17" charset="-128"/>
                 <a:cs typeface="Times New Roman" panose="02020603050405020304" pitchFamily="18" charset="0"/>
               </a:rPr>
-              <a:t> </a:t>
-            </a:r>
-            <a:r>
-              <a:rPr kumimoji="0" lang="en-US" sz="900" kern="100" dirty="0" smtClean="0">
+              <a:t>:/</a:t>
+            </a:r>
+            <a:r>
+              <a:rPr kumimoji="0" lang="en-US" sz="900" kern="100" dirty="0" err="1">
                 <a:solidFill>
                   <a:sysClr val="window" lastClr="FFFFFF"/>
                 </a:solidFill>
@@ -21425,684 +21351,11 @@
               </a:rPr>
               <a:t>exastro</a:t>
             </a:r>
-            <a:endParaRPr kumimoji="0" lang="ja-JP" altLang="en-US" sz="1050" b="0" i="0" u="none" strike="noStrike" kern="100" cap="none" spc="0" normalizeH="0" baseline="0" noProof="0" dirty="0">
-              <a:ln>
-                <a:noFill/>
-              </a:ln>
+            <a:endParaRPr kumimoji="0" lang="en-US" sz="900" kern="100" dirty="0">
               <a:solidFill>
                 <a:sysClr val="window" lastClr="FFFFFF"/>
               </a:solidFill>
-              <a:effectLst/>
-              <a:uLnTx/>
-              <a:uFillTx/>
-              <a:latin typeface="Century"/>
-              <a:ea typeface="ＭＳ 明朝" panose="02020609040205080304" pitchFamily="17" charset="-128"/>
-              <a:cs typeface="Times New Roman" panose="02020603050405020304" pitchFamily="18" charset="0"/>
-            </a:endParaRPr>
-          </a:p>
-          <a:p>
-            <a:pPr marL="0" marR="0" lvl="0" indent="0" algn="l" defTabSz="914400" eaLnBrk="1" fontAlgn="auto" latinLnBrk="0" hangingPunct="1">
-              <a:lnSpc>
-                <a:spcPts val="900"/>
-              </a:lnSpc>
-              <a:spcBef>
-                <a:spcPts val="0"/>
-              </a:spcBef>
-              <a:spcAft>
-                <a:spcPts val="0"/>
-              </a:spcAft>
-              <a:buClrTx/>
-              <a:buSzTx/>
-              <a:buFontTx/>
-              <a:buNone/>
-              <a:tabLst/>
-              <a:defRPr/>
-            </a:pPr>
-            <a:r>
-              <a:rPr kumimoji="0" lang="en-US" sz="900" b="0" i="0" u="none" strike="noStrike" kern="100" cap="none" spc="0" normalizeH="0" baseline="0" noProof="0" dirty="0">
-                <a:ln>
-                  <a:noFill/>
-                </a:ln>
-                <a:solidFill>
-                  <a:sysClr val="window" lastClr="FFFFFF"/>
-                </a:solidFill>
-                <a:effectLst/>
-                <a:uLnTx/>
-                <a:uFillTx/>
-                <a:latin typeface="Arial" panose="020B0604020202020204" pitchFamily="34" charset="0"/>
-                <a:ea typeface="ＭＳ 明朝" panose="02020609040205080304" pitchFamily="17" charset="-128"/>
-                <a:cs typeface="Times New Roman" panose="02020603050405020304" pitchFamily="18" charset="0"/>
-              </a:rPr>
-              <a:t> </a:t>
-            </a:r>
-            <a:endParaRPr kumimoji="0" lang="ja-JP" altLang="en-US" sz="1050" b="0" i="0" u="none" strike="noStrike" kern="100" cap="none" spc="0" normalizeH="0" baseline="0" noProof="0" dirty="0">
-              <a:ln>
-                <a:noFill/>
-              </a:ln>
-              <a:solidFill>
-                <a:sysClr val="window" lastClr="FFFFFF"/>
-              </a:solidFill>
-              <a:effectLst/>
-              <a:uLnTx/>
-              <a:uFillTx/>
-              <a:latin typeface="Century"/>
-              <a:ea typeface="ＭＳ 明朝" panose="02020609040205080304" pitchFamily="17" charset="-128"/>
-              <a:cs typeface="Times New Roman" panose="02020603050405020304" pitchFamily="18" charset="0"/>
-            </a:endParaRPr>
-          </a:p>
-          <a:p>
-            <a:pPr marL="0" marR="0" lvl="0" indent="0" algn="l" defTabSz="914400" eaLnBrk="1" fontAlgn="auto" latinLnBrk="0" hangingPunct="1">
-              <a:lnSpc>
-                <a:spcPts val="900"/>
-              </a:lnSpc>
-              <a:spcBef>
-                <a:spcPts val="0"/>
-              </a:spcBef>
-              <a:spcAft>
-                <a:spcPts val="0"/>
-              </a:spcAft>
-              <a:buClrTx/>
-              <a:buSzTx/>
-              <a:buFontTx/>
-              <a:buNone/>
-              <a:tabLst/>
-              <a:defRPr/>
-            </a:pPr>
-            <a:r>
-              <a:rPr kumimoji="0" lang="en-US" sz="900" b="0" i="0" u="none" strike="noStrike" kern="100" cap="none" spc="0" normalizeH="0" baseline="0" noProof="0" dirty="0">
-                <a:ln>
-                  <a:noFill/>
-                </a:ln>
-                <a:solidFill>
-                  <a:sysClr val="window" lastClr="FFFFFF"/>
-                </a:solidFill>
-                <a:effectLst/>
-                <a:uLnTx/>
-                <a:uFillTx/>
-                <a:latin typeface="Arial" panose="020B0604020202020204" pitchFamily="34" charset="0"/>
-                <a:ea typeface="ＭＳ 明朝" panose="02020609040205080304" pitchFamily="17" charset="-128"/>
-                <a:cs typeface="Times New Roman" panose="02020603050405020304" pitchFamily="18" charset="0"/>
-              </a:rPr>
-              <a:t># Select language. ("ja_JP" or "en_US")</a:t>
-            </a:r>
-            <a:endParaRPr kumimoji="0" lang="ja-JP" altLang="en-US" sz="1050" b="0" i="0" u="none" strike="noStrike" kern="100" cap="none" spc="0" normalizeH="0" baseline="0" noProof="0" dirty="0">
-              <a:ln>
-                <a:noFill/>
-              </a:ln>
-              <a:solidFill>
-                <a:sysClr val="window" lastClr="FFFFFF"/>
-              </a:solidFill>
-              <a:effectLst/>
-              <a:uLnTx/>
-              <a:uFillTx/>
-              <a:latin typeface="Century"/>
-              <a:ea typeface="ＭＳ 明朝" panose="02020609040205080304" pitchFamily="17" charset="-128"/>
-              <a:cs typeface="Times New Roman" panose="02020603050405020304" pitchFamily="18" charset="0"/>
-            </a:endParaRPr>
-          </a:p>
-          <a:p>
-            <a:pPr marL="0" marR="0" lvl="0" indent="0" algn="l" defTabSz="914400" eaLnBrk="1" fontAlgn="auto" latinLnBrk="0" hangingPunct="1">
-              <a:lnSpc>
-                <a:spcPts val="900"/>
-              </a:lnSpc>
-              <a:spcBef>
-                <a:spcPts val="0"/>
-              </a:spcBef>
-              <a:spcAft>
-                <a:spcPts val="0"/>
-              </a:spcAft>
-              <a:buClrTx/>
-              <a:buSzTx/>
-              <a:buFontTx/>
-              <a:buNone/>
-              <a:tabLst/>
-              <a:defRPr/>
-            </a:pPr>
-            <a:r>
-              <a:rPr kumimoji="0" lang="en-US" sz="900" b="0" i="0" u="none" strike="noStrike" kern="100" cap="none" spc="0" normalizeH="0" baseline="0" noProof="0" dirty="0">
-                <a:ln>
-                  <a:noFill/>
-                </a:ln>
-                <a:solidFill>
-                  <a:sysClr val="window" lastClr="FFFFFF"/>
-                </a:solidFill>
-                <a:effectLst/>
-                <a:uLnTx/>
-                <a:uFillTx/>
-                <a:latin typeface="Arial" panose="020B0604020202020204" pitchFamily="34" charset="0"/>
-                <a:ea typeface="ＭＳ 明朝" panose="02020609040205080304" pitchFamily="17" charset="-128"/>
-                <a:cs typeface="Times New Roman" panose="02020603050405020304" pitchFamily="18" charset="0"/>
-              </a:rPr>
-              <a:t># e.g) </a:t>
-            </a:r>
-            <a:r>
-              <a:rPr kumimoji="0" lang="en-US" sz="900" b="0" i="0" u="none" strike="noStrike" kern="100" cap="none" spc="0" normalizeH="0" baseline="0" noProof="0" dirty="0" smtClean="0">
-                <a:ln>
-                  <a:noFill/>
-                </a:ln>
-                <a:solidFill>
-                  <a:sysClr val="window" lastClr="FFFFFF"/>
-                </a:solidFill>
-                <a:effectLst/>
-                <a:uLnTx/>
-                <a:uFillTx/>
-                <a:latin typeface="Arial" panose="020B0604020202020204" pitchFamily="34" charset="0"/>
-                <a:ea typeface="ＭＳ 明朝" panose="02020609040205080304" pitchFamily="17" charset="-128"/>
-                <a:cs typeface="Times New Roman" panose="02020603050405020304" pitchFamily="18" charset="0"/>
-              </a:rPr>
-              <a:t>ita_language:en_US</a:t>
-            </a:r>
-            <a:endParaRPr kumimoji="0" lang="ja-JP" altLang="en-US" sz="1050" b="0" i="0" u="none" strike="noStrike" kern="100" cap="none" spc="0" normalizeH="0" baseline="0" noProof="0" dirty="0">
-              <a:ln>
-                <a:noFill/>
-              </a:ln>
-              <a:solidFill>
-                <a:sysClr val="window" lastClr="FFFFFF"/>
-              </a:solidFill>
-              <a:effectLst/>
-              <a:uLnTx/>
-              <a:uFillTx/>
-              <a:latin typeface="Century"/>
-              <a:ea typeface="ＭＳ 明朝" panose="02020609040205080304" pitchFamily="17" charset="-128"/>
-              <a:cs typeface="Times New Roman" panose="02020603050405020304" pitchFamily="18" charset="0"/>
-            </a:endParaRPr>
-          </a:p>
-          <a:p>
-            <a:pPr marL="0" marR="0" lvl="0" indent="0" algn="l" defTabSz="914400" eaLnBrk="1" fontAlgn="auto" latinLnBrk="0" hangingPunct="1">
-              <a:lnSpc>
-                <a:spcPts val="900"/>
-              </a:lnSpc>
-              <a:spcBef>
-                <a:spcPts val="0"/>
-              </a:spcBef>
-              <a:spcAft>
-                <a:spcPts val="0"/>
-              </a:spcAft>
-              <a:buClrTx/>
-              <a:buSzTx/>
-              <a:buFontTx/>
-              <a:buNone/>
-              <a:tabLst/>
-              <a:defRPr/>
-            </a:pPr>
-            <a:r>
-              <a:rPr kumimoji="0" lang="en-US" sz="900" b="0" i="0" u="none" strike="noStrike" kern="100" cap="none" spc="0" normalizeH="0" baseline="0" noProof="0" dirty="0">
-                <a:ln>
-                  <a:noFill/>
-                </a:ln>
-                <a:solidFill>
-                  <a:sysClr val="window" lastClr="FFFFFF"/>
-                </a:solidFill>
-                <a:effectLst/>
-                <a:uLnTx/>
-                <a:uFillTx/>
-                <a:latin typeface="Arial" panose="020B0604020202020204" pitchFamily="34" charset="0"/>
-                <a:ea typeface="ＭＳ 明朝" panose="02020609040205080304" pitchFamily="17" charset="-128"/>
-                <a:cs typeface="Times New Roman" panose="02020603050405020304" pitchFamily="18" charset="0"/>
-              </a:rPr>
-              <a:t>ita_language:ja_JP</a:t>
-            </a:r>
-            <a:endParaRPr kumimoji="0" lang="ja-JP" altLang="en-US" sz="1050" b="0" i="0" u="none" strike="noStrike" kern="100" cap="none" spc="0" normalizeH="0" baseline="0" noProof="0" dirty="0">
-              <a:ln>
-                <a:noFill/>
-              </a:ln>
-              <a:solidFill>
-                <a:sysClr val="window" lastClr="FFFFFF"/>
-              </a:solidFill>
-              <a:effectLst/>
-              <a:uLnTx/>
-              <a:uFillTx/>
-              <a:latin typeface="Century"/>
-              <a:ea typeface="ＭＳ 明朝" panose="02020609040205080304" pitchFamily="17" charset="-128"/>
-              <a:cs typeface="Times New Roman" panose="02020603050405020304" pitchFamily="18" charset="0"/>
-            </a:endParaRPr>
-          </a:p>
-          <a:p>
-            <a:pPr marL="0" marR="0" lvl="0" indent="0" algn="l" defTabSz="914400" eaLnBrk="1" fontAlgn="auto" latinLnBrk="0" hangingPunct="1">
-              <a:lnSpc>
-                <a:spcPts val="900"/>
-              </a:lnSpc>
-              <a:spcBef>
-                <a:spcPts val="0"/>
-              </a:spcBef>
-              <a:spcAft>
-                <a:spcPts val="0"/>
-              </a:spcAft>
-              <a:buClrTx/>
-              <a:buSzTx/>
-              <a:buFontTx/>
-              <a:buNone/>
-              <a:tabLst/>
-              <a:defRPr/>
-            </a:pPr>
-            <a:r>
-              <a:rPr kumimoji="0" lang="en-US" sz="900" b="0" i="0" u="none" strike="noStrike" kern="100" cap="none" spc="0" normalizeH="0" baseline="0" noProof="0" dirty="0">
-                <a:ln>
-                  <a:noFill/>
-                </a:ln>
-                <a:solidFill>
-                  <a:sysClr val="window" lastClr="FFFFFF"/>
-                </a:solidFill>
-                <a:effectLst/>
-                <a:uLnTx/>
-                <a:uFillTx/>
-                <a:latin typeface="Arial" panose="020B0604020202020204" pitchFamily="34" charset="0"/>
-                <a:ea typeface="ＭＳ 明朝" panose="02020609040205080304" pitchFamily="17" charset="-128"/>
-                <a:cs typeface="Times New Roman" panose="02020603050405020304" pitchFamily="18" charset="0"/>
-              </a:rPr>
-              <a:t> </a:t>
-            </a:r>
-            <a:endParaRPr kumimoji="0" lang="ja-JP" altLang="en-US" sz="1050" b="0" i="0" u="none" strike="noStrike" kern="100" cap="none" spc="0" normalizeH="0" baseline="0" noProof="0" dirty="0">
-              <a:ln>
-                <a:noFill/>
-              </a:ln>
-              <a:solidFill>
-                <a:sysClr val="window" lastClr="FFFFFF"/>
-              </a:solidFill>
-              <a:effectLst/>
-              <a:uLnTx/>
-              <a:uFillTx/>
-              <a:latin typeface="Century"/>
-              <a:ea typeface="ＭＳ 明朝" panose="02020609040205080304" pitchFamily="17" charset="-128"/>
-              <a:cs typeface="Times New Roman" panose="02020603050405020304" pitchFamily="18" charset="0"/>
-            </a:endParaRPr>
-          </a:p>
-          <a:p>
-            <a:pPr marL="0" marR="0" lvl="0" indent="0" algn="l" defTabSz="914400" eaLnBrk="1" fontAlgn="auto" latinLnBrk="0" hangingPunct="1">
-              <a:lnSpc>
-                <a:spcPts val="900"/>
-              </a:lnSpc>
-              <a:spcBef>
-                <a:spcPts val="0"/>
-              </a:spcBef>
-              <a:spcAft>
-                <a:spcPts val="0"/>
-              </a:spcAft>
-              <a:buClrTx/>
-              <a:buSzTx/>
-              <a:buFontTx/>
-              <a:buNone/>
-              <a:tabLst/>
-              <a:defRPr/>
-            </a:pPr>
-            <a:r>
-              <a:rPr kumimoji="0" lang="en-US" sz="900" b="0" i="0" u="none" strike="noStrike" kern="100" cap="none" spc="0" normalizeH="0" baseline="0" noProof="0" dirty="0">
-                <a:ln>
-                  <a:noFill/>
-                </a:ln>
-                <a:solidFill>
-                  <a:sysClr val="window" lastClr="FFFFFF"/>
-                </a:solidFill>
-                <a:effectLst/>
-                <a:uLnTx/>
-                <a:uFillTx/>
-                <a:latin typeface="Arial" panose="020B0604020202020204" pitchFamily="34" charset="0"/>
-                <a:ea typeface="ＭＳ 明朝" panose="02020609040205080304" pitchFamily="17" charset="-128"/>
-                <a:cs typeface="Times New Roman" panose="02020603050405020304" pitchFamily="18" charset="0"/>
-              </a:rPr>
-              <a:t># Select Operation System. ("RHEL6" or "RHEL7")</a:t>
-            </a:r>
-            <a:endParaRPr kumimoji="0" lang="ja-JP" altLang="en-US" sz="1050" b="0" i="0" u="none" strike="noStrike" kern="100" cap="none" spc="0" normalizeH="0" baseline="0" noProof="0" dirty="0">
-              <a:ln>
-                <a:noFill/>
-              </a:ln>
-              <a:solidFill>
-                <a:sysClr val="window" lastClr="FFFFFF"/>
-              </a:solidFill>
-              <a:effectLst/>
-              <a:uLnTx/>
-              <a:uFillTx/>
-              <a:latin typeface="Century"/>
-              <a:ea typeface="ＭＳ 明朝" panose="02020609040205080304" pitchFamily="17" charset="-128"/>
-              <a:cs typeface="Times New Roman" panose="02020603050405020304" pitchFamily="18" charset="0"/>
-            </a:endParaRPr>
-          </a:p>
-          <a:p>
-            <a:pPr marL="0" marR="0" lvl="0" indent="0" algn="l" defTabSz="914400" eaLnBrk="1" fontAlgn="auto" latinLnBrk="0" hangingPunct="1">
-              <a:lnSpc>
-                <a:spcPts val="900"/>
-              </a:lnSpc>
-              <a:spcBef>
-                <a:spcPts val="0"/>
-              </a:spcBef>
-              <a:spcAft>
-                <a:spcPts val="0"/>
-              </a:spcAft>
-              <a:buClrTx/>
-              <a:buSzTx/>
-              <a:buFontTx/>
-              <a:buNone/>
-              <a:tabLst/>
-              <a:defRPr/>
-            </a:pPr>
-            <a:r>
-              <a:rPr kumimoji="0" lang="en-US" sz="900" b="0" i="0" u="none" strike="noStrike" kern="100" cap="none" spc="0" normalizeH="0" baseline="0" noProof="0" dirty="0">
-                <a:ln>
-                  <a:noFill/>
-                </a:ln>
-                <a:solidFill>
-                  <a:sysClr val="window" lastClr="FFFFFF"/>
-                </a:solidFill>
-                <a:effectLst/>
-                <a:uLnTx/>
-                <a:uFillTx/>
-                <a:latin typeface="Arial" panose="020B0604020202020204" pitchFamily="34" charset="0"/>
-                <a:ea typeface="ＭＳ 明朝" panose="02020609040205080304" pitchFamily="17" charset="-128"/>
-                <a:cs typeface="Times New Roman" panose="02020603050405020304" pitchFamily="18" charset="0"/>
-              </a:rPr>
-              <a:t># e.g) ita_os:RHEL7</a:t>
-            </a:r>
-            <a:endParaRPr kumimoji="0" lang="ja-JP" altLang="en-US" sz="1050" b="0" i="0" u="none" strike="noStrike" kern="100" cap="none" spc="0" normalizeH="0" baseline="0" noProof="0" dirty="0">
-              <a:ln>
-                <a:noFill/>
-              </a:ln>
-              <a:solidFill>
-                <a:sysClr val="window" lastClr="FFFFFF"/>
-              </a:solidFill>
-              <a:effectLst/>
-              <a:uLnTx/>
-              <a:uFillTx/>
-              <a:latin typeface="Century"/>
-              <a:ea typeface="ＭＳ 明朝" panose="02020609040205080304" pitchFamily="17" charset="-128"/>
-              <a:cs typeface="Times New Roman" panose="02020603050405020304" pitchFamily="18" charset="0"/>
-            </a:endParaRPr>
-          </a:p>
-          <a:p>
-            <a:pPr marL="0" marR="0" lvl="0" indent="0" algn="l" defTabSz="914400" eaLnBrk="1" fontAlgn="auto" latinLnBrk="0" hangingPunct="1">
-              <a:lnSpc>
-                <a:spcPts val="900"/>
-              </a:lnSpc>
-              <a:spcBef>
-                <a:spcPts val="0"/>
-              </a:spcBef>
-              <a:spcAft>
-                <a:spcPts val="0"/>
-              </a:spcAft>
-              <a:buClrTx/>
-              <a:buSzTx/>
-              <a:buFontTx/>
-              <a:buNone/>
-              <a:tabLst/>
-              <a:defRPr/>
-            </a:pPr>
-            <a:r>
-              <a:rPr kumimoji="0" lang="en-US" sz="900" b="0" i="0" u="none" strike="noStrike" kern="100" cap="none" spc="0" normalizeH="0" baseline="0" noProof="0" dirty="0">
-                <a:ln>
-                  <a:noFill/>
-                </a:ln>
-                <a:solidFill>
-                  <a:sysClr val="window" lastClr="FFFFFF"/>
-                </a:solidFill>
-                <a:effectLst/>
-                <a:uLnTx/>
-                <a:uFillTx/>
-                <a:latin typeface="Arial" panose="020B0604020202020204" pitchFamily="34" charset="0"/>
-                <a:ea typeface="ＭＳ 明朝" panose="02020609040205080304" pitchFamily="17" charset="-128"/>
-                <a:cs typeface="Times New Roman" panose="02020603050405020304" pitchFamily="18" charset="0"/>
-              </a:rPr>
-              <a:t>ita_os:RHEL7</a:t>
-            </a:r>
-            <a:endParaRPr kumimoji="0" lang="ja-JP" altLang="en-US" sz="1050" b="0" i="0" u="none" strike="noStrike" kern="100" cap="none" spc="0" normalizeH="0" baseline="0" noProof="0" dirty="0">
-              <a:ln>
-                <a:noFill/>
-              </a:ln>
-              <a:solidFill>
-                <a:sysClr val="window" lastClr="FFFFFF"/>
-              </a:solidFill>
-              <a:effectLst/>
-              <a:uLnTx/>
-              <a:uFillTx/>
-              <a:latin typeface="Century"/>
-              <a:ea typeface="ＭＳ 明朝" panose="02020609040205080304" pitchFamily="17" charset="-128"/>
-              <a:cs typeface="Times New Roman" panose="02020603050405020304" pitchFamily="18" charset="0"/>
-            </a:endParaRPr>
-          </a:p>
-          <a:p>
-            <a:pPr marL="0" marR="0" lvl="0" indent="0" algn="l" defTabSz="914400" eaLnBrk="1" fontAlgn="auto" latinLnBrk="0" hangingPunct="1">
-              <a:lnSpc>
-                <a:spcPts val="900"/>
-              </a:lnSpc>
-              <a:spcBef>
-                <a:spcPts val="0"/>
-              </a:spcBef>
-              <a:spcAft>
-                <a:spcPts val="0"/>
-              </a:spcAft>
-              <a:buClrTx/>
-              <a:buSzTx/>
-              <a:buFontTx/>
-              <a:buNone/>
-              <a:tabLst/>
-              <a:defRPr/>
-            </a:pPr>
-            <a:r>
-              <a:rPr kumimoji="0" lang="en-US" sz="900" b="0" i="0" u="none" strike="noStrike" kern="100" cap="none" spc="0" normalizeH="0" baseline="0" noProof="0" dirty="0">
-                <a:ln>
-                  <a:noFill/>
-                </a:ln>
-                <a:solidFill>
-                  <a:sysClr val="window" lastClr="FFFFFF"/>
-                </a:solidFill>
-                <a:effectLst/>
-                <a:uLnTx/>
-                <a:uFillTx/>
-                <a:latin typeface="Arial" panose="020B0604020202020204" pitchFamily="34" charset="0"/>
-                <a:ea typeface="ＭＳ 明朝" panose="02020609040205080304" pitchFamily="17" charset="-128"/>
-                <a:cs typeface="Times New Roman" panose="02020603050405020304" pitchFamily="18" charset="0"/>
-              </a:rPr>
-              <a:t> </a:t>
-            </a:r>
-            <a:endParaRPr kumimoji="0" lang="ja-JP" altLang="en-US" sz="1050" b="0" i="0" u="none" strike="noStrike" kern="100" cap="none" spc="0" normalizeH="0" baseline="0" noProof="0" dirty="0">
-              <a:ln>
-                <a:noFill/>
-              </a:ln>
-              <a:solidFill>
-                <a:sysClr val="window" lastClr="FFFFFF"/>
-              </a:solidFill>
-              <a:effectLst/>
-              <a:uLnTx/>
-              <a:uFillTx/>
-              <a:latin typeface="Century"/>
-              <a:ea typeface="ＭＳ 明朝" panose="02020609040205080304" pitchFamily="17" charset="-128"/>
-              <a:cs typeface="Times New Roman" panose="02020603050405020304" pitchFamily="18" charset="0"/>
-            </a:endParaRPr>
-          </a:p>
-          <a:p>
-            <a:pPr marL="0" marR="0" lvl="0" indent="0" algn="l" defTabSz="914400" eaLnBrk="1" fontAlgn="auto" latinLnBrk="0" hangingPunct="1">
-              <a:lnSpc>
-                <a:spcPts val="900"/>
-              </a:lnSpc>
-              <a:spcBef>
-                <a:spcPts val="0"/>
-              </a:spcBef>
-              <a:spcAft>
-                <a:spcPts val="0"/>
-              </a:spcAft>
-              <a:buClrTx/>
-              <a:buSzTx/>
-              <a:buFontTx/>
-              <a:buNone/>
-              <a:tabLst/>
-              <a:defRPr/>
-            </a:pPr>
-            <a:r>
-              <a:rPr kumimoji="0" lang="en-US" sz="900" b="0" i="0" u="none" strike="noStrike" kern="100" cap="none" spc="0" normalizeH="0" baseline="0" noProof="0" dirty="0">
-                <a:ln>
-                  <a:noFill/>
-                </a:ln>
-                <a:solidFill>
-                  <a:sysClr val="window" lastClr="FFFFFF"/>
-                </a:solidFill>
-                <a:effectLst/>
-                <a:uLnTx/>
-                <a:uFillTx/>
-                <a:latin typeface="Arial" panose="020B0604020202020204" pitchFamily="34" charset="0"/>
-                <a:ea typeface="ＭＳ 明朝" panose="02020609040205080304" pitchFamily="17" charset="-128"/>
-                <a:cs typeface="Times New Roman" panose="02020603050405020304" pitchFamily="18" charset="0"/>
-              </a:rPr>
-              <a:t># Enter the MySQL root user's password</a:t>
-            </a:r>
-            <a:endParaRPr kumimoji="0" lang="ja-JP" altLang="en-US" sz="1050" b="0" i="0" u="none" strike="noStrike" kern="100" cap="none" spc="0" normalizeH="0" baseline="0" noProof="0" dirty="0">
-              <a:ln>
-                <a:noFill/>
-              </a:ln>
-              <a:solidFill>
-                <a:sysClr val="window" lastClr="FFFFFF"/>
-              </a:solidFill>
-              <a:effectLst/>
-              <a:uLnTx/>
-              <a:uFillTx/>
-              <a:latin typeface="Century"/>
-              <a:ea typeface="ＭＳ 明朝" panose="02020609040205080304" pitchFamily="17" charset="-128"/>
-              <a:cs typeface="Times New Roman" panose="02020603050405020304" pitchFamily="18" charset="0"/>
-            </a:endParaRPr>
-          </a:p>
-          <a:p>
-            <a:pPr marL="0" marR="0" lvl="0" indent="0" algn="l" defTabSz="914400" eaLnBrk="1" fontAlgn="auto" latinLnBrk="0" hangingPunct="1">
-              <a:lnSpc>
-                <a:spcPts val="900"/>
-              </a:lnSpc>
-              <a:spcBef>
-                <a:spcPts val="0"/>
-              </a:spcBef>
-              <a:spcAft>
-                <a:spcPts val="0"/>
-              </a:spcAft>
-              <a:buClrTx/>
-              <a:buSzTx/>
-              <a:buFontTx/>
-              <a:buNone/>
-              <a:tabLst/>
-              <a:defRPr/>
-            </a:pPr>
-            <a:r>
-              <a:rPr kumimoji="0" lang="en-US" sz="900" b="0" i="0" u="none" strike="noStrike" kern="100" cap="none" spc="0" normalizeH="0" baseline="0" noProof="0" dirty="0">
-                <a:ln>
-                  <a:noFill/>
-                </a:ln>
-                <a:solidFill>
-                  <a:sysClr val="window" lastClr="FFFFFF"/>
-                </a:solidFill>
-                <a:effectLst/>
-                <a:uLnTx/>
-                <a:uFillTx/>
-                <a:latin typeface="Arial" panose="020B0604020202020204" pitchFamily="34" charset="0"/>
-                <a:ea typeface="ＭＳ 明朝" panose="02020609040205080304" pitchFamily="17" charset="-128"/>
-                <a:cs typeface="Times New Roman" panose="02020603050405020304" pitchFamily="18" charset="0"/>
-              </a:rPr>
-              <a:t># e.g) db_root_password:sample_root_password</a:t>
-            </a:r>
-            <a:endParaRPr kumimoji="0" lang="ja-JP" altLang="en-US" sz="1050" b="0" i="0" u="none" strike="noStrike" kern="100" cap="none" spc="0" normalizeH="0" baseline="0" noProof="0" dirty="0">
-              <a:ln>
-                <a:noFill/>
-              </a:ln>
-              <a:solidFill>
-                <a:sysClr val="window" lastClr="FFFFFF"/>
-              </a:solidFill>
-              <a:effectLst/>
-              <a:uLnTx/>
-              <a:uFillTx/>
-              <a:latin typeface="Century"/>
-              <a:ea typeface="ＭＳ 明朝" panose="02020609040205080304" pitchFamily="17" charset="-128"/>
-              <a:cs typeface="Times New Roman" panose="02020603050405020304" pitchFamily="18" charset="0"/>
-            </a:endParaRPr>
-          </a:p>
-          <a:p>
-            <a:pPr marL="0" marR="0" lvl="0" indent="0" algn="l" defTabSz="914400" eaLnBrk="1" fontAlgn="auto" latinLnBrk="0" hangingPunct="1">
-              <a:lnSpc>
-                <a:spcPts val="900"/>
-              </a:lnSpc>
-              <a:spcBef>
-                <a:spcPts val="0"/>
-              </a:spcBef>
-              <a:spcAft>
-                <a:spcPts val="0"/>
-              </a:spcAft>
-              <a:buClrTx/>
-              <a:buSzTx/>
-              <a:buFontTx/>
-              <a:buNone/>
-              <a:tabLst/>
-              <a:defRPr/>
-            </a:pPr>
-            <a:r>
-              <a:rPr kumimoji="0" lang="en-US" sz="900" b="0" i="0" u="none" strike="noStrike" kern="100" cap="none" spc="0" normalizeH="0" baseline="0" noProof="0" dirty="0">
-                <a:ln>
-                  <a:noFill/>
-                </a:ln>
-                <a:solidFill>
-                  <a:sysClr val="window" lastClr="FFFFFF"/>
-                </a:solidFill>
-                <a:effectLst/>
-                <a:uLnTx/>
-                <a:uFillTx/>
-                <a:latin typeface="Arial" panose="020B0604020202020204" pitchFamily="34" charset="0"/>
-                <a:ea typeface="ＭＳ 明朝" panose="02020609040205080304" pitchFamily="17" charset="-128"/>
-                <a:cs typeface="Times New Roman" panose="02020603050405020304" pitchFamily="18" charset="0"/>
-              </a:rPr>
-              <a:t>db_root_password: sample_root_password</a:t>
-            </a:r>
-            <a:endParaRPr kumimoji="0" lang="ja-JP" altLang="en-US" sz="1050" b="0" i="0" u="none" strike="noStrike" kern="100" cap="none" spc="0" normalizeH="0" baseline="0" noProof="0" dirty="0">
-              <a:ln>
-                <a:noFill/>
-              </a:ln>
-              <a:solidFill>
-                <a:sysClr val="window" lastClr="FFFFFF"/>
-              </a:solidFill>
-              <a:effectLst/>
-              <a:uLnTx/>
-              <a:uFillTx/>
-              <a:latin typeface="Century"/>
-              <a:ea typeface="ＭＳ 明朝" panose="02020609040205080304" pitchFamily="17" charset="-128"/>
-              <a:cs typeface="Times New Roman" panose="02020603050405020304" pitchFamily="18" charset="0"/>
-            </a:endParaRPr>
-          </a:p>
-          <a:p>
-            <a:pPr marL="0" marR="0" lvl="0" indent="0" algn="l" defTabSz="914400" eaLnBrk="1" fontAlgn="auto" latinLnBrk="0" hangingPunct="1">
-              <a:lnSpc>
-                <a:spcPts val="900"/>
-              </a:lnSpc>
-              <a:spcBef>
-                <a:spcPts val="0"/>
-              </a:spcBef>
-              <a:spcAft>
-                <a:spcPts val="0"/>
-              </a:spcAft>
-              <a:buClrTx/>
-              <a:buSzTx/>
-              <a:buFontTx/>
-              <a:buNone/>
-              <a:tabLst/>
-              <a:defRPr/>
-            </a:pPr>
-            <a:r>
-              <a:rPr kumimoji="0" lang="en-US" sz="900" b="0" i="0" u="none" strike="noStrike" kern="100" cap="none" spc="0" normalizeH="0" baseline="0" noProof="0" dirty="0">
-                <a:ln>
-                  <a:noFill/>
-                </a:ln>
-                <a:solidFill>
-                  <a:sysClr val="window" lastClr="FFFFFF"/>
-                </a:solidFill>
-                <a:effectLst/>
-                <a:uLnTx/>
-                <a:uFillTx/>
-                <a:latin typeface="Arial" panose="020B0604020202020204" pitchFamily="34" charset="0"/>
-                <a:ea typeface="ＭＳ 明朝" panose="02020609040205080304" pitchFamily="17" charset="-128"/>
-                <a:cs typeface="Times New Roman" panose="02020603050405020304" pitchFamily="18" charset="0"/>
-              </a:rPr>
-              <a:t> </a:t>
-            </a:r>
-            <a:endParaRPr kumimoji="0" lang="ja-JP" altLang="en-US" sz="1050" b="0" i="0" u="none" strike="noStrike" kern="100" cap="none" spc="0" normalizeH="0" baseline="0" noProof="0" dirty="0">
-              <a:ln>
-                <a:noFill/>
-              </a:ln>
-              <a:solidFill>
-                <a:sysClr val="window" lastClr="FFFFFF"/>
-              </a:solidFill>
-              <a:effectLst/>
-              <a:uLnTx/>
-              <a:uFillTx/>
-              <a:latin typeface="Century"/>
+              <a:latin typeface="Arial" panose="020B0604020202020204" pitchFamily="34" charset="0"/>
               <a:ea typeface="ＭＳ 明朝" panose="02020609040205080304" pitchFamily="17" charset="-128"/>
               <a:cs typeface="Times New Roman" panose="02020603050405020304" pitchFamily="18" charset="0"/>
             </a:endParaRPr>
@@ -22114,23 +21367,22 @@
               </a:lnSpc>
               <a:defRPr/>
             </a:pPr>
-            <a:r>
-              <a:rPr kumimoji="0" lang="en-US" sz="900" b="0" i="0" u="none" strike="noStrike" kern="100" cap="none" spc="0" normalizeH="0" baseline="0" noProof="0" dirty="0">
-                <a:ln>
-                  <a:noFill/>
-                </a:ln>
-                <a:solidFill>
-                  <a:sysClr val="window" lastClr="FFFFFF"/>
-                </a:solidFill>
-                <a:effectLst/>
-                <a:uLnTx/>
-                <a:uFillTx/>
-                <a:latin typeface="Arial" panose="020B0604020202020204" pitchFamily="34" charset="0"/>
-                <a:ea typeface="ＭＳ 明朝" panose="02020609040205080304" pitchFamily="17" charset="-128"/>
-                <a:cs typeface="Times New Roman" panose="02020603050405020304" pitchFamily="18" charset="0"/>
-              </a:rPr>
-              <a:t># Decide the database name, username, and password for </a:t>
-            </a:r>
+            <a:endParaRPr kumimoji="0" lang="en-US" sz="900" kern="100" dirty="0">
+              <a:solidFill>
+                <a:sysClr val="window" lastClr="FFFFFF"/>
+              </a:solidFill>
+              <a:latin typeface="Arial" panose="020B0604020202020204" pitchFamily="34" charset="0"/>
+              <a:ea typeface="ＭＳ 明朝" panose="02020609040205080304" pitchFamily="17" charset="-128"/>
+              <a:cs typeface="Times New Roman" panose="02020603050405020304" pitchFamily="18" charset="0"/>
+            </a:endParaRPr>
+          </a:p>
+          <a:p>
+            <a:pPr lvl="0">
+              <a:lnSpc>
+                <a:spcPts val="900"/>
+              </a:lnSpc>
+              <a:defRPr/>
+            </a:pPr>
             <a:r>
               <a:rPr kumimoji="0" lang="en-US" sz="900" kern="100" dirty="0">
                 <a:solidFill>
@@ -22140,1070 +21392,960 @@
                 <a:ea typeface="ＭＳ 明朝" panose="02020609040205080304" pitchFamily="17" charset="-128"/>
                 <a:cs typeface="Times New Roman" panose="02020603050405020304" pitchFamily="18" charset="0"/>
               </a:rPr>
-              <a:t>ITA</a:t>
-            </a:r>
-            <a:r>
-              <a:rPr kumimoji="0" lang="en-US" sz="900" b="0" i="0" u="none" strike="noStrike" kern="100" cap="none" spc="0" normalizeH="0" baseline="0" noProof="0" dirty="0" smtClean="0">
-                <a:ln>
-                  <a:noFill/>
-                </a:ln>
+              <a:t># Select language. ("</a:t>
+            </a:r>
+            <a:r>
+              <a:rPr kumimoji="0" lang="en-US" sz="900" kern="100" dirty="0" err="1">
                 <a:solidFill>
                   <a:sysClr val="window" lastClr="FFFFFF"/>
                 </a:solidFill>
-                <a:effectLst/>
-                <a:uLnTx/>
-                <a:uFillTx/>
                 <a:latin typeface="Arial" panose="020B0604020202020204" pitchFamily="34" charset="0"/>
                 <a:ea typeface="ＭＳ 明朝" panose="02020609040205080304" pitchFamily="17" charset="-128"/>
                 <a:cs typeface="Times New Roman" panose="02020603050405020304" pitchFamily="18" charset="0"/>
               </a:rPr>
-              <a:t>.</a:t>
-            </a:r>
-            <a:endParaRPr kumimoji="0" lang="ja-JP" altLang="en-US" sz="1050" b="0" i="0" u="none" strike="noStrike" kern="100" cap="none" spc="0" normalizeH="0" baseline="0" noProof="0" dirty="0">
-              <a:ln>
-                <a:noFill/>
-              </a:ln>
-              <a:solidFill>
-                <a:sysClr val="window" lastClr="FFFFFF"/>
-              </a:solidFill>
-              <a:effectLst/>
-              <a:uLnTx/>
-              <a:uFillTx/>
-              <a:latin typeface="Century"/>
-              <a:ea typeface="ＭＳ 明朝" panose="02020609040205080304" pitchFamily="17" charset="-128"/>
-              <a:cs typeface="Times New Roman" panose="02020603050405020304" pitchFamily="18" charset="0"/>
-            </a:endParaRPr>
-          </a:p>
-          <a:p>
-            <a:pPr marL="0" marR="0" lvl="0" indent="0" algn="l" defTabSz="914400" eaLnBrk="1" fontAlgn="auto" latinLnBrk="0" hangingPunct="1">
-              <a:lnSpc>
-                <a:spcPts val="900"/>
-              </a:lnSpc>
-              <a:spcBef>
-                <a:spcPts val="0"/>
-              </a:spcBef>
-              <a:spcAft>
-                <a:spcPts val="0"/>
-              </a:spcAft>
-              <a:buClrTx/>
-              <a:buSzTx/>
-              <a:buFontTx/>
-              <a:buNone/>
-              <a:tabLst/>
-              <a:defRPr/>
-            </a:pPr>
-            <a:r>
-              <a:rPr kumimoji="0" lang="en-US" sz="900" b="0" i="0" u="none" strike="noStrike" kern="100" cap="none" spc="0" normalizeH="0" baseline="0" noProof="0" dirty="0">
-                <a:ln>
-                  <a:noFill/>
-                </a:ln>
+              <a:t>en_US</a:t>
+            </a:r>
+            <a:r>
+              <a:rPr kumimoji="0" lang="en-US" sz="900" kern="100" dirty="0">
                 <a:solidFill>
                   <a:sysClr val="window" lastClr="FFFFFF"/>
                 </a:solidFill>
-                <a:effectLst/>
-                <a:uLnTx/>
-                <a:uFillTx/>
                 <a:latin typeface="Arial" panose="020B0604020202020204" pitchFamily="34" charset="0"/>
                 <a:ea typeface="ＭＳ 明朝" panose="02020609040205080304" pitchFamily="17" charset="-128"/>
                 <a:cs typeface="Times New Roman" panose="02020603050405020304" pitchFamily="18" charset="0"/>
               </a:rPr>
-              <a:t># e.g) </a:t>
-            </a:r>
-            <a:r>
-              <a:rPr kumimoji="0" lang="en-US" sz="900" b="0" i="0" u="none" strike="noStrike" kern="100" cap="none" spc="0" normalizeH="0" baseline="0" noProof="0" dirty="0" err="1">
-                <a:ln>
-                  <a:noFill/>
-                </a:ln>
+              <a:t>" or "</a:t>
+            </a:r>
+            <a:r>
+              <a:rPr kumimoji="0" lang="en-US" sz="900" kern="100" dirty="0" err="1">
                 <a:solidFill>
                   <a:sysClr val="window" lastClr="FFFFFF"/>
                 </a:solidFill>
-                <a:effectLst/>
-                <a:uLnTx/>
-                <a:uFillTx/>
+                <a:latin typeface="Arial" panose="020B0604020202020204" pitchFamily="34" charset="0"/>
+                <a:ea typeface="ＭＳ 明朝" panose="02020609040205080304" pitchFamily="17" charset="-128"/>
+                <a:cs typeface="Times New Roman" panose="02020603050405020304" pitchFamily="18" charset="0"/>
+              </a:rPr>
+              <a:t>ja_JP</a:t>
+            </a:r>
+            <a:r>
+              <a:rPr kumimoji="0" lang="en-US" sz="900" kern="100" dirty="0">
+                <a:solidFill>
+                  <a:sysClr val="window" lastClr="FFFFFF"/>
+                </a:solidFill>
+                <a:latin typeface="Arial" panose="020B0604020202020204" pitchFamily="34" charset="0"/>
+                <a:ea typeface="ＭＳ 明朝" panose="02020609040205080304" pitchFamily="17" charset="-128"/>
+                <a:cs typeface="Times New Roman" panose="02020603050405020304" pitchFamily="18" charset="0"/>
+              </a:rPr>
+              <a:t>")</a:t>
+            </a:r>
+          </a:p>
+          <a:p>
+            <a:pPr lvl="0">
+              <a:lnSpc>
+                <a:spcPts val="900"/>
+              </a:lnSpc>
+              <a:defRPr/>
+            </a:pPr>
+            <a:r>
+              <a:rPr kumimoji="0" lang="en-US" sz="900" kern="100" dirty="0">
+                <a:solidFill>
+                  <a:sysClr val="window" lastClr="FFFFFF"/>
+                </a:solidFill>
+                <a:latin typeface="Arial" panose="020B0604020202020204" pitchFamily="34" charset="0"/>
+                <a:ea typeface="ＭＳ 明朝" panose="02020609040205080304" pitchFamily="17" charset="-128"/>
+                <a:cs typeface="Times New Roman" panose="02020603050405020304" pitchFamily="18" charset="0"/>
+              </a:rPr>
+              <a:t># </a:t>
+            </a:r>
+            <a:r>
+              <a:rPr kumimoji="0" lang="en-US" sz="900" kern="100" dirty="0" err="1">
+                <a:solidFill>
+                  <a:sysClr val="window" lastClr="FFFFFF"/>
+                </a:solidFill>
+                <a:latin typeface="Arial" panose="020B0604020202020204" pitchFamily="34" charset="0"/>
+                <a:ea typeface="ＭＳ 明朝" panose="02020609040205080304" pitchFamily="17" charset="-128"/>
+                <a:cs typeface="Times New Roman" panose="02020603050405020304" pitchFamily="18" charset="0"/>
+              </a:rPr>
+              <a:t>e.g</a:t>
+            </a:r>
+            <a:r>
+              <a:rPr kumimoji="0" lang="en-US" sz="900" kern="100" dirty="0">
+                <a:solidFill>
+                  <a:sysClr val="window" lastClr="FFFFFF"/>
+                </a:solidFill>
+                <a:latin typeface="Arial" panose="020B0604020202020204" pitchFamily="34" charset="0"/>
+                <a:ea typeface="ＭＳ 明朝" panose="02020609040205080304" pitchFamily="17" charset="-128"/>
+                <a:cs typeface="Times New Roman" panose="02020603050405020304" pitchFamily="18" charset="0"/>
+              </a:rPr>
+              <a:t>) </a:t>
+            </a:r>
+            <a:r>
+              <a:rPr kumimoji="0" lang="en-US" sz="900" kern="100" dirty="0" err="1">
+                <a:solidFill>
+                  <a:sysClr val="window" lastClr="FFFFFF"/>
+                </a:solidFill>
+                <a:latin typeface="Arial" panose="020B0604020202020204" pitchFamily="34" charset="0"/>
+                <a:ea typeface="ＭＳ 明朝" panose="02020609040205080304" pitchFamily="17" charset="-128"/>
+                <a:cs typeface="Times New Roman" panose="02020603050405020304" pitchFamily="18" charset="0"/>
+              </a:rPr>
+              <a:t>ita_language:en_US</a:t>
+            </a:r>
+            <a:endParaRPr kumimoji="0" lang="en-US" sz="900" kern="100" dirty="0">
+              <a:solidFill>
+                <a:sysClr val="window" lastClr="FFFFFF"/>
+              </a:solidFill>
+              <a:latin typeface="Arial" panose="020B0604020202020204" pitchFamily="34" charset="0"/>
+              <a:ea typeface="ＭＳ 明朝" panose="02020609040205080304" pitchFamily="17" charset="-128"/>
+              <a:cs typeface="Times New Roman" panose="02020603050405020304" pitchFamily="18" charset="0"/>
+            </a:endParaRPr>
+          </a:p>
+          <a:p>
+            <a:pPr lvl="0">
+              <a:lnSpc>
+                <a:spcPts val="900"/>
+              </a:lnSpc>
+              <a:defRPr/>
+            </a:pPr>
+            <a:r>
+              <a:rPr kumimoji="0" lang="en-US" sz="900" kern="100" dirty="0" err="1">
+                <a:solidFill>
+                  <a:sysClr val="window" lastClr="FFFFFF"/>
+                </a:solidFill>
+                <a:latin typeface="Arial" panose="020B0604020202020204" pitchFamily="34" charset="0"/>
+                <a:ea typeface="ＭＳ 明朝" panose="02020609040205080304" pitchFamily="17" charset="-128"/>
+                <a:cs typeface="Times New Roman" panose="02020603050405020304" pitchFamily="18" charset="0"/>
+              </a:rPr>
+              <a:t>ita_language:ja_JP</a:t>
+            </a:r>
+            <a:endParaRPr kumimoji="0" lang="en-US" sz="900" kern="100" dirty="0">
+              <a:solidFill>
+                <a:sysClr val="window" lastClr="FFFFFF"/>
+              </a:solidFill>
+              <a:latin typeface="Arial" panose="020B0604020202020204" pitchFamily="34" charset="0"/>
+              <a:ea typeface="ＭＳ 明朝" panose="02020609040205080304" pitchFamily="17" charset="-128"/>
+              <a:cs typeface="Times New Roman" panose="02020603050405020304" pitchFamily="18" charset="0"/>
+            </a:endParaRPr>
+          </a:p>
+          <a:p>
+            <a:pPr lvl="0">
+              <a:lnSpc>
+                <a:spcPts val="900"/>
+              </a:lnSpc>
+              <a:defRPr/>
+            </a:pPr>
+            <a:endParaRPr kumimoji="0" lang="en-US" sz="900" kern="100" dirty="0">
+              <a:solidFill>
+                <a:sysClr val="window" lastClr="FFFFFF"/>
+              </a:solidFill>
+              <a:latin typeface="Arial" panose="020B0604020202020204" pitchFamily="34" charset="0"/>
+              <a:ea typeface="ＭＳ 明朝" panose="02020609040205080304" pitchFamily="17" charset="-128"/>
+              <a:cs typeface="Times New Roman" panose="02020603050405020304" pitchFamily="18" charset="0"/>
+            </a:endParaRPr>
+          </a:p>
+          <a:p>
+            <a:pPr lvl="0">
+              <a:lnSpc>
+                <a:spcPts val="900"/>
+              </a:lnSpc>
+              <a:defRPr/>
+            </a:pPr>
+            <a:r>
+              <a:rPr kumimoji="0" lang="en-US" sz="900" kern="100" dirty="0">
+                <a:solidFill>
+                  <a:sysClr val="window" lastClr="FFFFFF"/>
+                </a:solidFill>
+                <a:latin typeface="Arial" panose="020B0604020202020204" pitchFamily="34" charset="0"/>
+                <a:ea typeface="ＭＳ 明朝" panose="02020609040205080304" pitchFamily="17" charset="-128"/>
+                <a:cs typeface="Times New Roman" panose="02020603050405020304" pitchFamily="18" charset="0"/>
+              </a:rPr>
+              <a:t># Select Operation System. ("RHEL6" or "RHEL7")</a:t>
+            </a:r>
+          </a:p>
+          <a:p>
+            <a:pPr lvl="0">
+              <a:lnSpc>
+                <a:spcPts val="900"/>
+              </a:lnSpc>
+              <a:defRPr/>
+            </a:pPr>
+            <a:r>
+              <a:rPr kumimoji="0" lang="en-US" sz="900" kern="100" dirty="0">
+                <a:solidFill>
+                  <a:sysClr val="window" lastClr="FFFFFF"/>
+                </a:solidFill>
+                <a:latin typeface="Arial" panose="020B0604020202020204" pitchFamily="34" charset="0"/>
+                <a:ea typeface="ＭＳ 明朝" panose="02020609040205080304" pitchFamily="17" charset="-128"/>
+                <a:cs typeface="Times New Roman" panose="02020603050405020304" pitchFamily="18" charset="0"/>
+              </a:rPr>
+              <a:t># </a:t>
+            </a:r>
+            <a:r>
+              <a:rPr kumimoji="0" lang="en-US" sz="900" kern="100" dirty="0" err="1">
+                <a:solidFill>
+                  <a:sysClr val="window" lastClr="FFFFFF"/>
+                </a:solidFill>
+                <a:latin typeface="Arial" panose="020B0604020202020204" pitchFamily="34" charset="0"/>
+                <a:ea typeface="ＭＳ 明朝" panose="02020609040205080304" pitchFamily="17" charset="-128"/>
+                <a:cs typeface="Times New Roman" panose="02020603050405020304" pitchFamily="18" charset="0"/>
+              </a:rPr>
+              <a:t>e.g</a:t>
+            </a:r>
+            <a:r>
+              <a:rPr kumimoji="0" lang="en-US" sz="900" kern="100" dirty="0">
+                <a:solidFill>
+                  <a:sysClr val="window" lastClr="FFFFFF"/>
+                </a:solidFill>
+                <a:latin typeface="Arial" panose="020B0604020202020204" pitchFamily="34" charset="0"/>
+                <a:ea typeface="ＭＳ 明朝" panose="02020609040205080304" pitchFamily="17" charset="-128"/>
+                <a:cs typeface="Times New Roman" panose="02020603050405020304" pitchFamily="18" charset="0"/>
+              </a:rPr>
+              <a:t>) ita_os:RHEL7</a:t>
+            </a:r>
+          </a:p>
+          <a:p>
+            <a:pPr lvl="0">
+              <a:lnSpc>
+                <a:spcPts val="900"/>
+              </a:lnSpc>
+              <a:defRPr/>
+            </a:pPr>
+            <a:r>
+              <a:rPr kumimoji="0" lang="en-US" sz="900" kern="100" dirty="0">
+                <a:solidFill>
+                  <a:sysClr val="window" lastClr="FFFFFF"/>
+                </a:solidFill>
+                <a:latin typeface="Arial" panose="020B0604020202020204" pitchFamily="34" charset="0"/>
+                <a:ea typeface="ＭＳ 明朝" panose="02020609040205080304" pitchFamily="17" charset="-128"/>
+                <a:cs typeface="Times New Roman" panose="02020603050405020304" pitchFamily="18" charset="0"/>
+              </a:rPr>
+              <a:t>ita_os:RHEL7</a:t>
+            </a:r>
+          </a:p>
+          <a:p>
+            <a:pPr lvl="0">
+              <a:lnSpc>
+                <a:spcPts val="900"/>
+              </a:lnSpc>
+              <a:defRPr/>
+            </a:pPr>
+            <a:endParaRPr kumimoji="0" lang="en-US" sz="900" kern="100" dirty="0">
+              <a:solidFill>
+                <a:sysClr val="window" lastClr="FFFFFF"/>
+              </a:solidFill>
+              <a:latin typeface="Arial" panose="020B0604020202020204" pitchFamily="34" charset="0"/>
+              <a:ea typeface="ＭＳ 明朝" panose="02020609040205080304" pitchFamily="17" charset="-128"/>
+              <a:cs typeface="Times New Roman" panose="02020603050405020304" pitchFamily="18" charset="0"/>
+            </a:endParaRPr>
+          </a:p>
+          <a:p>
+            <a:pPr lvl="0">
+              <a:lnSpc>
+                <a:spcPts val="900"/>
+              </a:lnSpc>
+              <a:defRPr/>
+            </a:pPr>
+            <a:r>
+              <a:rPr kumimoji="0" lang="en-US" sz="900" kern="100" dirty="0">
+                <a:solidFill>
+                  <a:sysClr val="window" lastClr="FFFFFF"/>
+                </a:solidFill>
+                <a:latin typeface="Arial" panose="020B0604020202020204" pitchFamily="34" charset="0"/>
+                <a:ea typeface="ＭＳ 明朝" panose="02020609040205080304" pitchFamily="17" charset="-128"/>
+                <a:cs typeface="Times New Roman" panose="02020603050405020304" pitchFamily="18" charset="0"/>
+              </a:rPr>
+              <a:t># Enter the MariaDB root user's password</a:t>
+            </a:r>
+          </a:p>
+          <a:p>
+            <a:pPr lvl="0">
+              <a:lnSpc>
+                <a:spcPts val="900"/>
+              </a:lnSpc>
+              <a:defRPr/>
+            </a:pPr>
+            <a:r>
+              <a:rPr kumimoji="0" lang="en-US" sz="900" kern="100" dirty="0">
+                <a:solidFill>
+                  <a:sysClr val="window" lastClr="FFFFFF"/>
+                </a:solidFill>
+                <a:latin typeface="Arial" panose="020B0604020202020204" pitchFamily="34" charset="0"/>
+                <a:ea typeface="ＭＳ 明朝" panose="02020609040205080304" pitchFamily="17" charset="-128"/>
+                <a:cs typeface="Times New Roman" panose="02020603050405020304" pitchFamily="18" charset="0"/>
+              </a:rPr>
+              <a:t># </a:t>
+            </a:r>
+            <a:r>
+              <a:rPr kumimoji="0" lang="en-US" sz="900" kern="100" dirty="0" err="1">
+                <a:solidFill>
+                  <a:sysClr val="window" lastClr="FFFFFF"/>
+                </a:solidFill>
+                <a:latin typeface="Arial" panose="020B0604020202020204" pitchFamily="34" charset="0"/>
+                <a:ea typeface="ＭＳ 明朝" panose="02020609040205080304" pitchFamily="17" charset="-128"/>
+                <a:cs typeface="Times New Roman" panose="02020603050405020304" pitchFamily="18" charset="0"/>
+              </a:rPr>
+              <a:t>e.g</a:t>
+            </a:r>
+            <a:r>
+              <a:rPr kumimoji="0" lang="en-US" sz="900" kern="100" dirty="0">
+                <a:solidFill>
+                  <a:sysClr val="window" lastClr="FFFFFF"/>
+                </a:solidFill>
+                <a:latin typeface="Arial" panose="020B0604020202020204" pitchFamily="34" charset="0"/>
+                <a:ea typeface="ＭＳ 明朝" panose="02020609040205080304" pitchFamily="17" charset="-128"/>
+                <a:cs typeface="Times New Roman" panose="02020603050405020304" pitchFamily="18" charset="0"/>
+              </a:rPr>
+              <a:t>) </a:t>
+            </a:r>
+            <a:r>
+              <a:rPr kumimoji="0" lang="en-US" sz="900" kern="100" dirty="0" err="1">
+                <a:solidFill>
+                  <a:sysClr val="window" lastClr="FFFFFF"/>
+                </a:solidFill>
+                <a:latin typeface="Arial" panose="020B0604020202020204" pitchFamily="34" charset="0"/>
+                <a:ea typeface="ＭＳ 明朝" panose="02020609040205080304" pitchFamily="17" charset="-128"/>
+                <a:cs typeface="Times New Roman" panose="02020603050405020304" pitchFamily="18" charset="0"/>
+              </a:rPr>
+              <a:t>db_root_password:sample_root_password</a:t>
+            </a:r>
+            <a:endParaRPr kumimoji="0" lang="en-US" sz="900" kern="100" dirty="0">
+              <a:solidFill>
+                <a:sysClr val="window" lastClr="FFFFFF"/>
+              </a:solidFill>
+              <a:latin typeface="Arial" panose="020B0604020202020204" pitchFamily="34" charset="0"/>
+              <a:ea typeface="ＭＳ 明朝" panose="02020609040205080304" pitchFamily="17" charset="-128"/>
+              <a:cs typeface="Times New Roman" panose="02020603050405020304" pitchFamily="18" charset="0"/>
+            </a:endParaRPr>
+          </a:p>
+          <a:p>
+            <a:pPr lvl="0">
+              <a:lnSpc>
+                <a:spcPts val="900"/>
+              </a:lnSpc>
+              <a:defRPr/>
+            </a:pPr>
+            <a:r>
+              <a:rPr kumimoji="0" lang="en-US" sz="900" kern="100" dirty="0" err="1">
+                <a:solidFill>
+                  <a:sysClr val="window" lastClr="FFFFFF"/>
+                </a:solidFill>
+                <a:latin typeface="Arial" panose="020B0604020202020204" pitchFamily="34" charset="0"/>
+                <a:ea typeface="ＭＳ 明朝" panose="02020609040205080304" pitchFamily="17" charset="-128"/>
+                <a:cs typeface="Times New Roman" panose="02020603050405020304" pitchFamily="18" charset="0"/>
+              </a:rPr>
+              <a:t>db_root_password</a:t>
+            </a:r>
+            <a:r>
+              <a:rPr kumimoji="0" lang="en-US" sz="900" kern="100" dirty="0">
+                <a:solidFill>
+                  <a:sysClr val="window" lastClr="FFFFFF"/>
+                </a:solidFill>
+                <a:latin typeface="Arial" panose="020B0604020202020204" pitchFamily="34" charset="0"/>
+                <a:ea typeface="ＭＳ 明朝" panose="02020609040205080304" pitchFamily="17" charset="-128"/>
+                <a:cs typeface="Times New Roman" panose="02020603050405020304" pitchFamily="18" charset="0"/>
+              </a:rPr>
+              <a:t>: </a:t>
+            </a:r>
+            <a:r>
+              <a:rPr kumimoji="0" lang="en-US" sz="900" kern="100" dirty="0" err="1">
+                <a:solidFill>
+                  <a:sysClr val="window" lastClr="FFFFFF"/>
+                </a:solidFill>
+                <a:latin typeface="Arial" panose="020B0604020202020204" pitchFamily="34" charset="0"/>
+                <a:ea typeface="ＭＳ 明朝" panose="02020609040205080304" pitchFamily="17" charset="-128"/>
+                <a:cs typeface="Times New Roman" panose="02020603050405020304" pitchFamily="18" charset="0"/>
+              </a:rPr>
+              <a:t>sample_root_password</a:t>
+            </a:r>
+            <a:endParaRPr kumimoji="0" lang="en-US" sz="900" kern="100" dirty="0">
+              <a:solidFill>
+                <a:sysClr val="window" lastClr="FFFFFF"/>
+              </a:solidFill>
+              <a:latin typeface="Arial" panose="020B0604020202020204" pitchFamily="34" charset="0"/>
+              <a:ea typeface="ＭＳ 明朝" panose="02020609040205080304" pitchFamily="17" charset="-128"/>
+              <a:cs typeface="Times New Roman" panose="02020603050405020304" pitchFamily="18" charset="0"/>
+            </a:endParaRPr>
+          </a:p>
+          <a:p>
+            <a:pPr lvl="0">
+              <a:lnSpc>
+                <a:spcPts val="900"/>
+              </a:lnSpc>
+              <a:defRPr/>
+            </a:pPr>
+            <a:endParaRPr kumimoji="0" lang="en-US" sz="900" kern="100" dirty="0">
+              <a:solidFill>
+                <a:sysClr val="window" lastClr="FFFFFF"/>
+              </a:solidFill>
+              <a:latin typeface="Arial" panose="020B0604020202020204" pitchFamily="34" charset="0"/>
+              <a:ea typeface="ＭＳ 明朝" panose="02020609040205080304" pitchFamily="17" charset="-128"/>
+              <a:cs typeface="Times New Roman" panose="02020603050405020304" pitchFamily="18" charset="0"/>
+            </a:endParaRPr>
+          </a:p>
+          <a:p>
+            <a:pPr lvl="0">
+              <a:lnSpc>
+                <a:spcPts val="900"/>
+              </a:lnSpc>
+              <a:defRPr/>
+            </a:pPr>
+            <a:r>
+              <a:rPr kumimoji="0" lang="en-US" sz="900" kern="100" dirty="0">
+                <a:solidFill>
+                  <a:sysClr val="window" lastClr="FFFFFF"/>
+                </a:solidFill>
+                <a:latin typeface="Arial" panose="020B0604020202020204" pitchFamily="34" charset="0"/>
+                <a:ea typeface="ＭＳ 明朝" panose="02020609040205080304" pitchFamily="17" charset="-128"/>
+                <a:cs typeface="Times New Roman" panose="02020603050405020304" pitchFamily="18" charset="0"/>
+              </a:rPr>
+              <a:t># Decide the database name, username, and password for ITA.</a:t>
+            </a:r>
+          </a:p>
+          <a:p>
+            <a:pPr lvl="0">
+              <a:lnSpc>
+                <a:spcPts val="900"/>
+              </a:lnSpc>
+              <a:defRPr/>
+            </a:pPr>
+            <a:r>
+              <a:rPr kumimoji="0" lang="en-US" sz="900" kern="100" dirty="0">
+                <a:solidFill>
+                  <a:sysClr val="window" lastClr="FFFFFF"/>
+                </a:solidFill>
+                <a:latin typeface="Arial" panose="020B0604020202020204" pitchFamily="34" charset="0"/>
+                <a:ea typeface="ＭＳ 明朝" panose="02020609040205080304" pitchFamily="17" charset="-128"/>
+                <a:cs typeface="Times New Roman" panose="02020603050405020304" pitchFamily="18" charset="0"/>
+              </a:rPr>
+              <a:t># </a:t>
+            </a:r>
+            <a:r>
+              <a:rPr kumimoji="0" lang="en-US" sz="900" kern="100" dirty="0" err="1">
+                <a:solidFill>
+                  <a:sysClr val="window" lastClr="FFFFFF"/>
+                </a:solidFill>
+                <a:latin typeface="Arial" panose="020B0604020202020204" pitchFamily="34" charset="0"/>
+                <a:ea typeface="ＭＳ 明朝" panose="02020609040205080304" pitchFamily="17" charset="-128"/>
+                <a:cs typeface="Times New Roman" panose="02020603050405020304" pitchFamily="18" charset="0"/>
+              </a:rPr>
+              <a:t>e.g</a:t>
+            </a:r>
+            <a:r>
+              <a:rPr kumimoji="0" lang="en-US" sz="900" kern="100" dirty="0">
+                <a:solidFill>
+                  <a:sysClr val="window" lastClr="FFFFFF"/>
+                </a:solidFill>
+                <a:latin typeface="Arial" panose="020B0604020202020204" pitchFamily="34" charset="0"/>
+                <a:ea typeface="ＭＳ 明朝" panose="02020609040205080304" pitchFamily="17" charset="-128"/>
+                <a:cs typeface="Times New Roman" panose="02020603050405020304" pitchFamily="18" charset="0"/>
+              </a:rPr>
+              <a:t>) </a:t>
+            </a:r>
+            <a:r>
+              <a:rPr kumimoji="0" lang="en-US" sz="900" kern="100" dirty="0" err="1">
+                <a:solidFill>
+                  <a:sysClr val="window" lastClr="FFFFFF"/>
+                </a:solidFill>
                 <a:latin typeface="Arial" panose="020B0604020202020204" pitchFamily="34" charset="0"/>
                 <a:ea typeface="ＭＳ 明朝" panose="02020609040205080304" pitchFamily="17" charset="-128"/>
                 <a:cs typeface="Times New Roman" panose="02020603050405020304" pitchFamily="18" charset="0"/>
               </a:rPr>
               <a:t>db_name:sample_db_name</a:t>
             </a:r>
-            <a:endParaRPr kumimoji="0" lang="ja-JP" altLang="en-US" sz="1050" b="0" i="0" u="none" strike="noStrike" kern="100" cap="none" spc="0" normalizeH="0" baseline="0" noProof="0" dirty="0">
-              <a:ln>
-                <a:noFill/>
-              </a:ln>
+            <a:endParaRPr kumimoji="0" lang="en-US" sz="900" kern="100" dirty="0">
               <a:solidFill>
                 <a:sysClr val="window" lastClr="FFFFFF"/>
               </a:solidFill>
-              <a:effectLst/>
-              <a:uLnTx/>
-              <a:uFillTx/>
-              <a:latin typeface="Century"/>
+              <a:latin typeface="Arial" panose="020B0604020202020204" pitchFamily="34" charset="0"/>
               <a:ea typeface="ＭＳ 明朝" panose="02020609040205080304" pitchFamily="17" charset="-128"/>
               <a:cs typeface="Times New Roman" panose="02020603050405020304" pitchFamily="18" charset="0"/>
             </a:endParaRPr>
           </a:p>
           <a:p>
-            <a:pPr marL="0" marR="0" lvl="0" indent="0" algn="l" defTabSz="914400" eaLnBrk="1" fontAlgn="auto" latinLnBrk="0" hangingPunct="1">
+            <a:pPr lvl="0">
               <a:lnSpc>
                 <a:spcPts val="900"/>
               </a:lnSpc>
-              <a:spcBef>
-                <a:spcPts val="0"/>
-              </a:spcBef>
-              <a:spcAft>
-                <a:spcPts val="0"/>
-              </a:spcAft>
-              <a:buClrTx/>
-              <a:buSzTx/>
-              <a:buFontTx/>
-              <a:buNone/>
-              <a:tabLst/>
               <a:defRPr/>
             </a:pPr>
             <a:r>
-              <a:rPr kumimoji="0" lang="en-US" sz="900" b="0" i="0" u="none" strike="noStrike" kern="100" cap="none" spc="0" normalizeH="0" baseline="0" noProof="0" dirty="0">
-                <a:ln>
-                  <a:noFill/>
-                </a:ln>
+              <a:rPr kumimoji="0" lang="en-US" sz="900" kern="100" dirty="0" err="1">
                 <a:solidFill>
                   <a:sysClr val="window" lastClr="FFFFFF"/>
                 </a:solidFill>
-                <a:effectLst/>
-                <a:uLnTx/>
-                <a:uFillTx/>
                 <a:latin typeface="Arial" panose="020B0604020202020204" pitchFamily="34" charset="0"/>
                 <a:ea typeface="ＭＳ 明朝" panose="02020609040205080304" pitchFamily="17" charset="-128"/>
                 <a:cs typeface="Times New Roman" panose="02020603050405020304" pitchFamily="18" charset="0"/>
               </a:rPr>
               <a:t>db_name:sample_db_name</a:t>
             </a:r>
-            <a:endParaRPr kumimoji="0" lang="ja-JP" altLang="en-US" sz="1050" b="0" i="0" u="none" strike="noStrike" kern="100" cap="none" spc="0" normalizeH="0" baseline="0" noProof="0" dirty="0">
-              <a:ln>
-                <a:noFill/>
-              </a:ln>
+            <a:endParaRPr kumimoji="0" lang="en-US" sz="900" kern="100" dirty="0">
               <a:solidFill>
                 <a:sysClr val="window" lastClr="FFFFFF"/>
               </a:solidFill>
-              <a:effectLst/>
-              <a:uLnTx/>
-              <a:uFillTx/>
-              <a:latin typeface="Century"/>
+              <a:latin typeface="Arial" panose="020B0604020202020204" pitchFamily="34" charset="0"/>
               <a:ea typeface="ＭＳ 明朝" panose="02020609040205080304" pitchFamily="17" charset="-128"/>
               <a:cs typeface="Times New Roman" panose="02020603050405020304" pitchFamily="18" charset="0"/>
             </a:endParaRPr>
           </a:p>
           <a:p>
-            <a:pPr marL="0" marR="0" lvl="0" indent="0" algn="l" defTabSz="914400" eaLnBrk="1" fontAlgn="auto" latinLnBrk="0" hangingPunct="1">
+            <a:pPr lvl="0">
               <a:lnSpc>
                 <a:spcPts val="900"/>
               </a:lnSpc>
-              <a:spcBef>
-                <a:spcPts val="0"/>
-              </a:spcBef>
-              <a:spcAft>
-                <a:spcPts val="0"/>
-              </a:spcAft>
-              <a:buClrTx/>
-              <a:buSzTx/>
-              <a:buFontTx/>
-              <a:buNone/>
-              <a:tabLst/>
               <a:defRPr/>
             </a:pPr>
             <a:r>
-              <a:rPr kumimoji="0" lang="en-US" sz="900" b="0" i="0" u="none" strike="noStrike" kern="100" cap="none" spc="0" normalizeH="0" baseline="0" noProof="0" dirty="0">
-                <a:ln>
-                  <a:noFill/>
-                </a:ln>
+              <a:rPr kumimoji="0" lang="en-US" sz="900" kern="100" dirty="0">
                 <a:solidFill>
                   <a:sysClr val="window" lastClr="FFFFFF"/>
                 </a:solidFill>
-                <a:effectLst/>
-                <a:uLnTx/>
-                <a:uFillTx/>
                 <a:latin typeface="Arial" panose="020B0604020202020204" pitchFamily="34" charset="0"/>
                 <a:ea typeface="ＭＳ 明朝" panose="02020609040205080304" pitchFamily="17" charset="-128"/>
                 <a:cs typeface="Times New Roman" panose="02020603050405020304" pitchFamily="18" charset="0"/>
               </a:rPr>
-              <a:t># e.g) </a:t>
-            </a:r>
-            <a:r>
-              <a:rPr kumimoji="0" lang="en-US" sz="900" b="0" i="0" u="none" strike="noStrike" kern="100" cap="none" spc="0" normalizeH="0" baseline="0" noProof="0" dirty="0" err="1">
-                <a:ln>
-                  <a:noFill/>
-                </a:ln>
+              <a:t># </a:t>
+            </a:r>
+            <a:r>
+              <a:rPr kumimoji="0" lang="en-US" sz="900" kern="100" dirty="0" err="1">
                 <a:solidFill>
                   <a:sysClr val="window" lastClr="FFFFFF"/>
                 </a:solidFill>
-                <a:effectLst/>
-                <a:uLnTx/>
-                <a:uFillTx/>
+                <a:latin typeface="Arial" panose="020B0604020202020204" pitchFamily="34" charset="0"/>
+                <a:ea typeface="ＭＳ 明朝" panose="02020609040205080304" pitchFamily="17" charset="-128"/>
+                <a:cs typeface="Times New Roman" panose="02020603050405020304" pitchFamily="18" charset="0"/>
+              </a:rPr>
+              <a:t>e.g</a:t>
+            </a:r>
+            <a:r>
+              <a:rPr kumimoji="0" lang="en-US" sz="900" kern="100" dirty="0">
+                <a:solidFill>
+                  <a:sysClr val="window" lastClr="FFFFFF"/>
+                </a:solidFill>
+                <a:latin typeface="Arial" panose="020B0604020202020204" pitchFamily="34" charset="0"/>
+                <a:ea typeface="ＭＳ 明朝" panose="02020609040205080304" pitchFamily="17" charset="-128"/>
+                <a:cs typeface="Times New Roman" panose="02020603050405020304" pitchFamily="18" charset="0"/>
+              </a:rPr>
+              <a:t>) </a:t>
+            </a:r>
+            <a:r>
+              <a:rPr kumimoji="0" lang="en-US" sz="900" kern="100" dirty="0" err="1">
+                <a:solidFill>
+                  <a:sysClr val="window" lastClr="FFFFFF"/>
+                </a:solidFill>
                 <a:latin typeface="Arial" panose="020B0604020202020204" pitchFamily="34" charset="0"/>
                 <a:ea typeface="ＭＳ 明朝" panose="02020609040205080304" pitchFamily="17" charset="-128"/>
                 <a:cs typeface="Times New Roman" panose="02020603050405020304" pitchFamily="18" charset="0"/>
               </a:rPr>
               <a:t>db_username:sample_db_username</a:t>
             </a:r>
-            <a:endParaRPr kumimoji="0" lang="ja-JP" altLang="en-US" sz="1050" b="0" i="0" u="none" strike="noStrike" kern="100" cap="none" spc="0" normalizeH="0" baseline="0" noProof="0" dirty="0">
-              <a:ln>
-                <a:noFill/>
-              </a:ln>
+            <a:endParaRPr kumimoji="0" lang="en-US" sz="900" kern="100" dirty="0">
               <a:solidFill>
                 <a:sysClr val="window" lastClr="FFFFFF"/>
               </a:solidFill>
-              <a:effectLst/>
-              <a:uLnTx/>
-              <a:uFillTx/>
-              <a:latin typeface="Century"/>
+              <a:latin typeface="Arial" panose="020B0604020202020204" pitchFamily="34" charset="0"/>
               <a:ea typeface="ＭＳ 明朝" panose="02020609040205080304" pitchFamily="17" charset="-128"/>
               <a:cs typeface="Times New Roman" panose="02020603050405020304" pitchFamily="18" charset="0"/>
             </a:endParaRPr>
           </a:p>
           <a:p>
-            <a:pPr marL="0" marR="0" lvl="0" indent="0" algn="l" defTabSz="914400" eaLnBrk="1" fontAlgn="auto" latinLnBrk="0" hangingPunct="1">
+            <a:pPr lvl="0">
               <a:lnSpc>
                 <a:spcPts val="900"/>
               </a:lnSpc>
-              <a:spcBef>
-                <a:spcPts val="0"/>
-              </a:spcBef>
-              <a:spcAft>
-                <a:spcPts val="0"/>
-              </a:spcAft>
-              <a:buClrTx/>
-              <a:buSzTx/>
-              <a:buFontTx/>
-              <a:buNone/>
-              <a:tabLst/>
               <a:defRPr/>
             </a:pPr>
             <a:r>
-              <a:rPr kumimoji="0" lang="en-US" sz="900" b="0" i="0" u="none" strike="noStrike" kern="100" cap="none" spc="0" normalizeH="0" baseline="0" noProof="0" dirty="0">
-                <a:ln>
-                  <a:noFill/>
-                </a:ln>
+              <a:rPr kumimoji="0" lang="en-US" sz="900" kern="100" dirty="0" err="1">
                 <a:solidFill>
                   <a:sysClr val="window" lastClr="FFFFFF"/>
                 </a:solidFill>
-                <a:effectLst/>
-                <a:uLnTx/>
-                <a:uFillTx/>
                 <a:latin typeface="Arial" panose="020B0604020202020204" pitchFamily="34" charset="0"/>
                 <a:ea typeface="ＭＳ 明朝" panose="02020609040205080304" pitchFamily="17" charset="-128"/>
                 <a:cs typeface="Times New Roman" panose="02020603050405020304" pitchFamily="18" charset="0"/>
               </a:rPr>
               <a:t>db_username:sample_db_username</a:t>
             </a:r>
-            <a:endParaRPr kumimoji="0" lang="ja-JP" altLang="en-US" sz="1050" b="0" i="0" u="none" strike="noStrike" kern="100" cap="none" spc="0" normalizeH="0" baseline="0" noProof="0" dirty="0">
-              <a:ln>
-                <a:noFill/>
-              </a:ln>
+            <a:endParaRPr kumimoji="0" lang="en-US" sz="900" kern="100" dirty="0">
               <a:solidFill>
                 <a:sysClr val="window" lastClr="FFFFFF"/>
               </a:solidFill>
-              <a:effectLst/>
-              <a:uLnTx/>
-              <a:uFillTx/>
-              <a:latin typeface="Century"/>
+              <a:latin typeface="Arial" panose="020B0604020202020204" pitchFamily="34" charset="0"/>
               <a:ea typeface="ＭＳ 明朝" panose="02020609040205080304" pitchFamily="17" charset="-128"/>
               <a:cs typeface="Times New Roman" panose="02020603050405020304" pitchFamily="18" charset="0"/>
             </a:endParaRPr>
           </a:p>
           <a:p>
-            <a:pPr marL="0" marR="0" lvl="0" indent="0" algn="l" defTabSz="914400" eaLnBrk="1" fontAlgn="auto" latinLnBrk="0" hangingPunct="1">
+            <a:pPr lvl="0">
               <a:lnSpc>
                 <a:spcPts val="900"/>
               </a:lnSpc>
-              <a:spcBef>
-                <a:spcPts val="0"/>
-              </a:spcBef>
-              <a:spcAft>
-                <a:spcPts val="0"/>
-              </a:spcAft>
-              <a:buClrTx/>
-              <a:buSzTx/>
-              <a:buFontTx/>
-              <a:buNone/>
-              <a:tabLst/>
               <a:defRPr/>
             </a:pPr>
             <a:r>
-              <a:rPr kumimoji="0" lang="en-US" sz="900" b="0" i="0" u="none" strike="noStrike" kern="100" cap="none" spc="0" normalizeH="0" baseline="0" noProof="0" dirty="0">
-                <a:ln>
-                  <a:noFill/>
-                </a:ln>
+              <a:rPr kumimoji="0" lang="en-US" sz="900" kern="100" dirty="0">
                 <a:solidFill>
                   <a:sysClr val="window" lastClr="FFFFFF"/>
                 </a:solidFill>
-                <a:effectLst/>
-                <a:uLnTx/>
-                <a:uFillTx/>
                 <a:latin typeface="Arial" panose="020B0604020202020204" pitchFamily="34" charset="0"/>
                 <a:ea typeface="ＭＳ 明朝" panose="02020609040205080304" pitchFamily="17" charset="-128"/>
                 <a:cs typeface="Times New Roman" panose="02020603050405020304" pitchFamily="18" charset="0"/>
               </a:rPr>
-              <a:t># e.g) db_password:sample_db_password</a:t>
-            </a:r>
-            <a:endParaRPr kumimoji="0" lang="ja-JP" altLang="en-US" sz="1050" b="0" i="0" u="none" strike="noStrike" kern="100" cap="none" spc="0" normalizeH="0" baseline="0" noProof="0" dirty="0">
-              <a:ln>
-                <a:noFill/>
-              </a:ln>
-              <a:solidFill>
-                <a:sysClr val="window" lastClr="FFFFFF"/>
-              </a:solidFill>
-              <a:effectLst/>
-              <a:uLnTx/>
-              <a:uFillTx/>
-              <a:latin typeface="Century"/>
-              <a:ea typeface="ＭＳ 明朝" panose="02020609040205080304" pitchFamily="17" charset="-128"/>
-              <a:cs typeface="Times New Roman" panose="02020603050405020304" pitchFamily="18" charset="0"/>
-            </a:endParaRPr>
-          </a:p>
-          <a:p>
-            <a:pPr marL="0" marR="0" lvl="0" indent="0" algn="l" defTabSz="914400" eaLnBrk="1" fontAlgn="auto" latinLnBrk="0" hangingPunct="1">
-              <a:lnSpc>
-                <a:spcPts val="900"/>
-              </a:lnSpc>
-              <a:spcBef>
-                <a:spcPts val="0"/>
-              </a:spcBef>
-              <a:spcAft>
-                <a:spcPts val="0"/>
-              </a:spcAft>
-              <a:buClrTx/>
-              <a:buSzTx/>
-              <a:buFontTx/>
-              <a:buNone/>
-              <a:tabLst/>
-              <a:defRPr/>
-            </a:pPr>
-            <a:r>
-              <a:rPr kumimoji="0" lang="en-US" sz="900" b="0" i="0" u="none" strike="noStrike" kern="100" cap="none" spc="0" normalizeH="0" baseline="0" noProof="0" dirty="0">
-                <a:ln>
-                  <a:noFill/>
-                </a:ln>
+              <a:t># </a:t>
+            </a:r>
+            <a:r>
+              <a:rPr kumimoji="0" lang="en-US" sz="900" kern="100" dirty="0" err="1">
                 <a:solidFill>
                   <a:sysClr val="window" lastClr="FFFFFF"/>
                 </a:solidFill>
-                <a:effectLst/>
-                <a:uLnTx/>
-                <a:uFillTx/>
+                <a:latin typeface="Arial" panose="020B0604020202020204" pitchFamily="34" charset="0"/>
+                <a:ea typeface="ＭＳ 明朝" panose="02020609040205080304" pitchFamily="17" charset="-128"/>
+                <a:cs typeface="Times New Roman" panose="02020603050405020304" pitchFamily="18" charset="0"/>
+              </a:rPr>
+              <a:t>e.g</a:t>
+            </a:r>
+            <a:r>
+              <a:rPr kumimoji="0" lang="en-US" sz="900" kern="100" dirty="0">
+                <a:solidFill>
+                  <a:sysClr val="window" lastClr="FFFFFF"/>
+                </a:solidFill>
+                <a:latin typeface="Arial" panose="020B0604020202020204" pitchFamily="34" charset="0"/>
+                <a:ea typeface="ＭＳ 明朝" panose="02020609040205080304" pitchFamily="17" charset="-128"/>
+                <a:cs typeface="Times New Roman" panose="02020603050405020304" pitchFamily="18" charset="0"/>
+              </a:rPr>
+              <a:t>) </a:t>
+            </a:r>
+            <a:r>
+              <a:rPr kumimoji="0" lang="en-US" sz="900" kern="100" dirty="0" err="1">
+                <a:solidFill>
+                  <a:sysClr val="window" lastClr="FFFFFF"/>
+                </a:solidFill>
                 <a:latin typeface="Arial" panose="020B0604020202020204" pitchFamily="34" charset="0"/>
                 <a:ea typeface="ＭＳ 明朝" panose="02020609040205080304" pitchFamily="17" charset="-128"/>
                 <a:cs typeface="Times New Roman" panose="02020603050405020304" pitchFamily="18" charset="0"/>
               </a:rPr>
               <a:t>db_password:sample_db_password</a:t>
             </a:r>
-            <a:endParaRPr kumimoji="0" lang="ja-JP" altLang="en-US" sz="1050" b="0" i="0" u="none" strike="noStrike" kern="100" cap="none" spc="0" normalizeH="0" baseline="0" noProof="0" dirty="0">
-              <a:ln>
-                <a:noFill/>
-              </a:ln>
+            <a:endParaRPr kumimoji="0" lang="en-US" sz="900" kern="100" dirty="0">
               <a:solidFill>
                 <a:sysClr val="window" lastClr="FFFFFF"/>
               </a:solidFill>
-              <a:effectLst/>
-              <a:uLnTx/>
-              <a:uFillTx/>
-              <a:latin typeface="Century"/>
+              <a:latin typeface="Arial" panose="020B0604020202020204" pitchFamily="34" charset="0"/>
               <a:ea typeface="ＭＳ 明朝" panose="02020609040205080304" pitchFamily="17" charset="-128"/>
               <a:cs typeface="Times New Roman" panose="02020603050405020304" pitchFamily="18" charset="0"/>
             </a:endParaRPr>
           </a:p>
           <a:p>
-            <a:pPr marL="0" marR="0" lvl="0" indent="0" algn="l" defTabSz="914400" eaLnBrk="1" fontAlgn="auto" latinLnBrk="0" hangingPunct="1">
+            <a:pPr lvl="0">
               <a:lnSpc>
                 <a:spcPts val="900"/>
               </a:lnSpc>
-              <a:spcBef>
-                <a:spcPts val="0"/>
-              </a:spcBef>
-              <a:spcAft>
-                <a:spcPts val="0"/>
-              </a:spcAft>
-              <a:buClrTx/>
-              <a:buSzTx/>
-              <a:buFontTx/>
-              <a:buNone/>
-              <a:tabLst/>
               <a:defRPr/>
             </a:pPr>
             <a:r>
-              <a:rPr kumimoji="0" lang="en-US" sz="900" b="0" i="0" u="none" strike="noStrike" kern="100" cap="none" spc="0" normalizeH="0" baseline="0" noProof="0" dirty="0">
-                <a:ln>
-                  <a:noFill/>
-                </a:ln>
+              <a:rPr kumimoji="0" lang="en-US" sz="900" kern="100" dirty="0" err="1">
                 <a:solidFill>
                   <a:sysClr val="window" lastClr="FFFFFF"/>
                 </a:solidFill>
-                <a:effectLst/>
-                <a:uLnTx/>
-                <a:uFillTx/>
                 <a:latin typeface="Arial" panose="020B0604020202020204" pitchFamily="34" charset="0"/>
                 <a:ea typeface="ＭＳ 明朝" panose="02020609040205080304" pitchFamily="17" charset="-128"/>
                 <a:cs typeface="Times New Roman" panose="02020603050405020304" pitchFamily="18" charset="0"/>
               </a:rPr>
-              <a:t> </a:t>
-            </a:r>
-            <a:endParaRPr kumimoji="0" lang="ja-JP" altLang="en-US" sz="1050" b="0" i="0" u="none" strike="noStrike" kern="100" cap="none" spc="0" normalizeH="0" baseline="0" noProof="0" dirty="0">
-              <a:ln>
-                <a:noFill/>
-              </a:ln>
+              <a:t>db_password:sample_db_password</a:t>
+            </a:r>
+            <a:endParaRPr kumimoji="0" lang="en-US" sz="900" kern="100" dirty="0">
               <a:solidFill>
                 <a:sysClr val="window" lastClr="FFFFFF"/>
               </a:solidFill>
-              <a:effectLst/>
-              <a:uLnTx/>
-              <a:uFillTx/>
-              <a:latin typeface="Century"/>
+              <a:latin typeface="Arial" panose="020B0604020202020204" pitchFamily="34" charset="0"/>
               <a:ea typeface="ＭＳ 明朝" panose="02020609040205080304" pitchFamily="17" charset="-128"/>
               <a:cs typeface="Times New Roman" panose="02020603050405020304" pitchFamily="18" charset="0"/>
             </a:endParaRPr>
           </a:p>
           <a:p>
-            <a:pPr marL="0" marR="0" lvl="0" indent="0" algn="l" defTabSz="914400" eaLnBrk="1" fontAlgn="auto" latinLnBrk="0" hangingPunct="1">
+            <a:pPr lvl="0">
               <a:lnSpc>
                 <a:spcPts val="900"/>
               </a:lnSpc>
-              <a:spcBef>
-                <a:spcPts val="0"/>
-              </a:spcBef>
-              <a:spcAft>
-                <a:spcPts val="0"/>
-              </a:spcAft>
-              <a:buClrTx/>
-              <a:buSzTx/>
-              <a:buFontTx/>
-              <a:buNone/>
-              <a:tabLst/>
               <a:defRPr/>
             </a:pPr>
-            <a:r>
-              <a:rPr kumimoji="0" lang="en-US" sz="900" b="0" i="0" u="none" strike="noStrike" kern="100" cap="none" spc="0" normalizeH="0" baseline="0" noProof="0" dirty="0">
-                <a:ln>
-                  <a:noFill/>
-                </a:ln>
+            <a:endParaRPr kumimoji="0" lang="en-US" sz="900" kern="100" dirty="0">
+              <a:solidFill>
+                <a:sysClr val="window" lastClr="FFFFFF"/>
+              </a:solidFill>
+              <a:latin typeface="Arial" panose="020B0604020202020204" pitchFamily="34" charset="0"/>
+              <a:ea typeface="ＭＳ 明朝" panose="02020609040205080304" pitchFamily="17" charset="-128"/>
+              <a:cs typeface="Times New Roman" panose="02020603050405020304" pitchFamily="18" charset="0"/>
+            </a:endParaRPr>
+          </a:p>
+          <a:p>
+            <a:pPr lvl="0">
+              <a:lnSpc>
+                <a:spcPts val="900"/>
+              </a:lnSpc>
+              <a:defRPr/>
+            </a:pPr>
+            <a:r>
+              <a:rPr kumimoji="0" lang="en-US" sz="900" kern="100" dirty="0">
                 <a:solidFill>
                   <a:sysClr val="window" lastClr="FFFFFF"/>
                 </a:solidFill>
-                <a:effectLst/>
-                <a:uLnTx/>
-                <a:uFillTx/>
                 <a:latin typeface="Arial" panose="020B0604020202020204" pitchFamily="34" charset="0"/>
                 <a:ea typeface="ＭＳ 明朝" panose="02020609040205080304" pitchFamily="17" charset="-128"/>
                 <a:cs typeface="Times New Roman" panose="02020603050405020304" pitchFamily="18" charset="0"/>
               </a:rPr>
               <a:t># Select the target you need to install.</a:t>
             </a:r>
-            <a:endParaRPr kumimoji="0" lang="ja-JP" altLang="en-US" sz="1050" b="0" i="0" u="none" strike="noStrike" kern="100" cap="none" spc="0" normalizeH="0" baseline="0" noProof="0" dirty="0">
-              <a:ln>
-                <a:noFill/>
-              </a:ln>
-              <a:solidFill>
-                <a:sysClr val="window" lastClr="FFFFFF"/>
-              </a:solidFill>
-              <a:effectLst/>
-              <a:uLnTx/>
-              <a:uFillTx/>
-              <a:latin typeface="Century"/>
-              <a:ea typeface="ＭＳ 明朝" panose="02020609040205080304" pitchFamily="17" charset="-128"/>
-              <a:cs typeface="Times New Roman" panose="02020603050405020304" pitchFamily="18" charset="0"/>
-            </a:endParaRPr>
-          </a:p>
-          <a:p>
-            <a:pPr marL="0" marR="0" lvl="0" indent="0" algn="l" defTabSz="914400" eaLnBrk="1" fontAlgn="auto" latinLnBrk="0" hangingPunct="1">
+          </a:p>
+          <a:p>
+            <a:pPr lvl="0">
               <a:lnSpc>
                 <a:spcPts val="900"/>
               </a:lnSpc>
-              <a:spcBef>
-                <a:spcPts val="0"/>
-              </a:spcBef>
-              <a:spcAft>
-                <a:spcPts val="0"/>
-              </a:spcAft>
-              <a:buClrTx/>
-              <a:buSzTx/>
-              <a:buFontTx/>
-              <a:buNone/>
-              <a:tabLst/>
               <a:defRPr/>
             </a:pPr>
             <a:r>
-              <a:rPr kumimoji="0" lang="en-US" sz="900" b="0" i="0" u="none" strike="noStrike" kern="100" cap="none" spc="0" normalizeH="0" baseline="0" noProof="0" dirty="0">
-                <a:ln>
-                  <a:noFill/>
-                </a:ln>
+              <a:rPr kumimoji="0" lang="en-US" sz="900" kern="100" dirty="0">
                 <a:solidFill>
                   <a:sysClr val="window" lastClr="FFFFFF"/>
                 </a:solidFill>
-                <a:effectLst/>
-                <a:uLnTx/>
-                <a:uFillTx/>
                 <a:latin typeface="Arial" panose="020B0604020202020204" pitchFamily="34" charset="0"/>
                 <a:ea typeface="ＭＳ 明朝" panose="02020609040205080304" pitchFamily="17" charset="-128"/>
                 <a:cs typeface="Times New Roman" panose="02020603050405020304" pitchFamily="18" charset="0"/>
               </a:rPr>
               <a:t># yes : need</a:t>
             </a:r>
-            <a:endParaRPr kumimoji="0" lang="ja-JP" altLang="en-US" sz="1050" b="0" i="0" u="none" strike="noStrike" kern="100" cap="none" spc="0" normalizeH="0" baseline="0" noProof="0" dirty="0">
-              <a:ln>
-                <a:noFill/>
-              </a:ln>
-              <a:solidFill>
-                <a:sysClr val="window" lastClr="FFFFFF"/>
-              </a:solidFill>
-              <a:effectLst/>
-              <a:uLnTx/>
-              <a:uFillTx/>
-              <a:latin typeface="Century"/>
-              <a:ea typeface="ＭＳ 明朝" panose="02020609040205080304" pitchFamily="17" charset="-128"/>
-              <a:cs typeface="Times New Roman" panose="02020603050405020304" pitchFamily="18" charset="0"/>
-            </a:endParaRPr>
-          </a:p>
-          <a:p>
-            <a:pPr marL="0" marR="0" lvl="0" indent="0" algn="l" defTabSz="914400" eaLnBrk="1" fontAlgn="auto" latinLnBrk="0" hangingPunct="1">
+          </a:p>
+          <a:p>
+            <a:pPr lvl="0">
               <a:lnSpc>
                 <a:spcPts val="900"/>
               </a:lnSpc>
-              <a:spcBef>
-                <a:spcPts val="0"/>
-              </a:spcBef>
-              <a:spcAft>
-                <a:spcPts val="0"/>
-              </a:spcAft>
-              <a:buClrTx/>
-              <a:buSzTx/>
-              <a:buFontTx/>
-              <a:buNone/>
-              <a:tabLst/>
               <a:defRPr/>
             </a:pPr>
             <a:r>
-              <a:rPr kumimoji="0" lang="en-US" sz="900" b="0" i="0" u="none" strike="noStrike" kern="100" cap="none" spc="0" normalizeH="0" baseline="0" noProof="0" dirty="0">
-                <a:ln>
-                  <a:noFill/>
-                </a:ln>
+              <a:rPr kumimoji="0" lang="en-US" sz="900" kern="100" dirty="0">
                 <a:solidFill>
                   <a:sysClr val="window" lastClr="FFFFFF"/>
                 </a:solidFill>
-                <a:effectLst/>
-                <a:uLnTx/>
-                <a:uFillTx/>
                 <a:latin typeface="Arial" panose="020B0604020202020204" pitchFamily="34" charset="0"/>
                 <a:ea typeface="ＭＳ 明朝" panose="02020609040205080304" pitchFamily="17" charset="-128"/>
                 <a:cs typeface="Times New Roman" panose="02020603050405020304" pitchFamily="18" charset="0"/>
               </a:rPr>
               <a:t># no  : no need</a:t>
             </a:r>
-            <a:endParaRPr kumimoji="0" lang="ja-JP" altLang="en-US" sz="1050" b="0" i="0" u="none" strike="noStrike" kern="100" cap="none" spc="0" normalizeH="0" baseline="0" noProof="0" dirty="0">
-              <a:ln>
-                <a:noFill/>
-              </a:ln>
-              <a:solidFill>
-                <a:sysClr val="window" lastClr="FFFFFF"/>
-              </a:solidFill>
-              <a:effectLst/>
-              <a:uLnTx/>
-              <a:uFillTx/>
-              <a:latin typeface="Century"/>
-              <a:ea typeface="ＭＳ 明朝" panose="02020609040205080304" pitchFamily="17" charset="-128"/>
-              <a:cs typeface="Times New Roman" panose="02020603050405020304" pitchFamily="18" charset="0"/>
-            </a:endParaRPr>
-          </a:p>
-          <a:p>
-            <a:pPr marL="0" marR="0" lvl="0" indent="0" algn="l" defTabSz="914400" eaLnBrk="1" fontAlgn="auto" latinLnBrk="0" hangingPunct="1">
+          </a:p>
+          <a:p>
+            <a:pPr lvl="0">
               <a:lnSpc>
                 <a:spcPts val="900"/>
               </a:lnSpc>
-              <a:spcBef>
-                <a:spcPts val="0"/>
-              </a:spcBef>
-              <a:spcAft>
-                <a:spcPts val="0"/>
-              </a:spcAft>
-              <a:buClrTx/>
-              <a:buSzTx/>
-              <a:buFontTx/>
-              <a:buNone/>
-              <a:tabLst/>
               <a:defRPr/>
             </a:pPr>
             <a:r>
-              <a:rPr kumimoji="0" lang="en-US" sz="900" b="0" i="0" u="none" strike="noStrike" kern="100" cap="none" spc="0" normalizeH="0" baseline="0" noProof="0" dirty="0" err="1">
-                <a:ln>
-                  <a:noFill/>
-                </a:ln>
+              <a:rPr kumimoji="0" lang="en-US" sz="900" kern="100" dirty="0" err="1">
                 <a:solidFill>
                   <a:sysClr val="window" lastClr="FFFFFF"/>
                 </a:solidFill>
-                <a:effectLst/>
-                <a:uLnTx/>
-                <a:uFillTx/>
                 <a:latin typeface="Arial" panose="020B0604020202020204" pitchFamily="34" charset="0"/>
                 <a:ea typeface="ＭＳ 明朝" panose="02020609040205080304" pitchFamily="17" charset="-128"/>
                 <a:cs typeface="Times New Roman" panose="02020603050405020304" pitchFamily="18" charset="0"/>
               </a:rPr>
               <a:t>ita_base:yes</a:t>
             </a:r>
-            <a:endParaRPr kumimoji="0" lang="ja-JP" altLang="en-US" sz="1050" b="0" i="0" u="none" strike="noStrike" kern="100" cap="none" spc="0" normalizeH="0" baseline="0" noProof="0" dirty="0">
-              <a:ln>
-                <a:noFill/>
-              </a:ln>
+            <a:endParaRPr kumimoji="0" lang="en-US" sz="900" kern="100" dirty="0">
               <a:solidFill>
                 <a:sysClr val="window" lastClr="FFFFFF"/>
               </a:solidFill>
-              <a:effectLst/>
-              <a:uLnTx/>
-              <a:uFillTx/>
-              <a:latin typeface="Century"/>
+              <a:latin typeface="Arial" panose="020B0604020202020204" pitchFamily="34" charset="0"/>
               <a:ea typeface="ＭＳ 明朝" panose="02020609040205080304" pitchFamily="17" charset="-128"/>
               <a:cs typeface="Times New Roman" panose="02020603050405020304" pitchFamily="18" charset="0"/>
             </a:endParaRPr>
           </a:p>
           <a:p>
-            <a:pPr marL="0" marR="0" lvl="0" indent="0" algn="l" defTabSz="914400" eaLnBrk="1" fontAlgn="auto" latinLnBrk="0" hangingPunct="1">
+            <a:pPr lvl="0">
               <a:lnSpc>
                 <a:spcPts val="900"/>
               </a:lnSpc>
-              <a:spcBef>
-                <a:spcPts val="0"/>
-              </a:spcBef>
-              <a:spcAft>
-                <a:spcPts val="0"/>
-              </a:spcAft>
-              <a:buClrTx/>
-              <a:buSzTx/>
-              <a:buFontTx/>
-              <a:buNone/>
-              <a:tabLst/>
               <a:defRPr/>
             </a:pPr>
             <a:r>
-              <a:rPr kumimoji="0" lang="en-US" sz="900" b="0" i="0" u="none" strike="noStrike" kern="100" cap="none" spc="0" normalizeH="0" baseline="0" noProof="0" dirty="0" err="1">
-                <a:ln>
-                  <a:noFill/>
-                </a:ln>
+              <a:rPr kumimoji="0" lang="en-US" sz="900" kern="100" dirty="0" err="1">
                 <a:solidFill>
                   <a:sysClr val="window" lastClr="FFFFFF"/>
                 </a:solidFill>
-                <a:effectLst/>
-                <a:uLnTx/>
-                <a:uFillTx/>
                 <a:latin typeface="Arial" panose="020B0604020202020204" pitchFamily="34" charset="0"/>
                 <a:ea typeface="ＭＳ 明朝" panose="02020609040205080304" pitchFamily="17" charset="-128"/>
                 <a:cs typeface="Times New Roman" panose="02020603050405020304" pitchFamily="18" charset="0"/>
               </a:rPr>
               <a:t>material:no</a:t>
             </a:r>
-            <a:endParaRPr kumimoji="0" lang="ja-JP" altLang="en-US" sz="1050" b="0" i="0" u="none" strike="noStrike" kern="100" cap="none" spc="0" normalizeH="0" baseline="0" noProof="0" dirty="0">
-              <a:ln>
-                <a:noFill/>
-              </a:ln>
+            <a:endParaRPr kumimoji="0" lang="en-US" sz="900" kern="100" dirty="0">
               <a:solidFill>
                 <a:sysClr val="window" lastClr="FFFFFF"/>
               </a:solidFill>
-              <a:effectLst/>
-              <a:uLnTx/>
-              <a:uFillTx/>
-              <a:latin typeface="Century"/>
+              <a:latin typeface="Arial" panose="020B0604020202020204" pitchFamily="34" charset="0"/>
               <a:ea typeface="ＭＳ 明朝" panose="02020609040205080304" pitchFamily="17" charset="-128"/>
               <a:cs typeface="Times New Roman" panose="02020603050405020304" pitchFamily="18" charset="0"/>
             </a:endParaRPr>
           </a:p>
           <a:p>
-            <a:pPr marL="0" marR="0" lvl="0" indent="0" algn="l" defTabSz="914400" eaLnBrk="1" fontAlgn="auto" latinLnBrk="0" hangingPunct="1">
+            <a:pPr lvl="0">
               <a:lnSpc>
                 <a:spcPts val="900"/>
               </a:lnSpc>
-              <a:spcBef>
-                <a:spcPts val="0"/>
-              </a:spcBef>
-              <a:spcAft>
-                <a:spcPts val="0"/>
-              </a:spcAft>
-              <a:buClrTx/>
-              <a:buSzTx/>
-              <a:buFontTx/>
-              <a:buNone/>
-              <a:tabLst/>
               <a:defRPr/>
             </a:pPr>
             <a:r>
-              <a:rPr kumimoji="0" lang="en-US" sz="900" b="0" i="0" u="none" strike="noStrike" kern="100" cap="none" spc="0" normalizeH="0" baseline="0" noProof="0" dirty="0" smtClean="0">
-                <a:ln>
-                  <a:noFill/>
-                </a:ln>
+              <a:rPr kumimoji="0" lang="en-US" sz="900" kern="100" dirty="0" err="1">
                 <a:solidFill>
                   <a:sysClr val="window" lastClr="FFFFFF"/>
                 </a:solidFill>
-                <a:effectLst/>
-                <a:uLnTx/>
-                <a:uFillTx/>
                 <a:latin typeface="Arial" panose="020B0604020202020204" pitchFamily="34" charset="0"/>
                 <a:ea typeface="ＭＳ 明朝" panose="02020609040205080304" pitchFamily="17" charset="-128"/>
                 <a:cs typeface="Times New Roman" panose="02020603050405020304" pitchFamily="18" charset="0"/>
               </a:rPr>
               <a:t>createparam:yes</a:t>
             </a:r>
-            <a:endParaRPr kumimoji="0" lang="ja-JP" altLang="en-US" sz="1050" b="0" i="0" u="none" strike="noStrike" kern="100" cap="none" spc="0" normalizeH="0" baseline="0" noProof="0" dirty="0">
-              <a:ln>
-                <a:noFill/>
-              </a:ln>
+            <a:endParaRPr kumimoji="0" lang="en-US" sz="900" kern="100" dirty="0">
               <a:solidFill>
                 <a:sysClr val="window" lastClr="FFFFFF"/>
               </a:solidFill>
-              <a:effectLst/>
-              <a:uLnTx/>
-              <a:uFillTx/>
-              <a:latin typeface="Century"/>
+              <a:latin typeface="Arial" panose="020B0604020202020204" pitchFamily="34" charset="0"/>
               <a:ea typeface="ＭＳ 明朝" panose="02020609040205080304" pitchFamily="17" charset="-128"/>
               <a:cs typeface="Times New Roman" panose="02020603050405020304" pitchFamily="18" charset="0"/>
             </a:endParaRPr>
           </a:p>
           <a:p>
-            <a:pPr marL="0" marR="0" lvl="0" indent="0" algn="l" defTabSz="914400" eaLnBrk="1" fontAlgn="auto" latinLnBrk="0" hangingPunct="1">
+            <a:pPr lvl="0">
               <a:lnSpc>
                 <a:spcPts val="900"/>
               </a:lnSpc>
-              <a:spcBef>
-                <a:spcPts val="0"/>
-              </a:spcBef>
-              <a:spcAft>
-                <a:spcPts val="0"/>
-              </a:spcAft>
-              <a:buClrTx/>
-              <a:buSzTx/>
-              <a:buFontTx/>
-              <a:buNone/>
-              <a:tabLst/>
               <a:defRPr/>
             </a:pPr>
             <a:r>
-              <a:rPr kumimoji="0" lang="en-US" sz="900" b="0" i="0" u="none" strike="noStrike" kern="100" cap="none" spc="0" normalizeH="0" baseline="0" noProof="0" dirty="0" err="1">
-                <a:ln>
-                  <a:noFill/>
-                </a:ln>
+              <a:rPr kumimoji="0" lang="en-US" sz="900" kern="100" dirty="0" err="1">
                 <a:solidFill>
                   <a:sysClr val="window" lastClr="FFFFFF"/>
                 </a:solidFill>
-                <a:effectLst/>
-                <a:uLnTx/>
-                <a:uFillTx/>
                 <a:latin typeface="Arial" panose="020B0604020202020204" pitchFamily="34" charset="0"/>
                 <a:ea typeface="ＭＳ 明朝" panose="02020609040205080304" pitchFamily="17" charset="-128"/>
                 <a:cs typeface="Times New Roman" panose="02020603050405020304" pitchFamily="18" charset="0"/>
               </a:rPr>
               <a:t>hostgroup:no</a:t>
             </a:r>
-            <a:endParaRPr kumimoji="0" lang="ja-JP" altLang="en-US" sz="1050" b="0" i="0" u="none" strike="noStrike" kern="100" cap="none" spc="0" normalizeH="0" baseline="0" noProof="0" dirty="0">
-              <a:ln>
-                <a:noFill/>
-              </a:ln>
+            <a:endParaRPr kumimoji="0" lang="en-US" sz="900" kern="100" dirty="0">
               <a:solidFill>
                 <a:sysClr val="window" lastClr="FFFFFF"/>
               </a:solidFill>
-              <a:effectLst/>
-              <a:uLnTx/>
-              <a:uFillTx/>
-              <a:latin typeface="Century"/>
+              <a:latin typeface="Arial" panose="020B0604020202020204" pitchFamily="34" charset="0"/>
               <a:ea typeface="ＭＳ 明朝" panose="02020609040205080304" pitchFamily="17" charset="-128"/>
               <a:cs typeface="Times New Roman" panose="02020603050405020304" pitchFamily="18" charset="0"/>
             </a:endParaRPr>
           </a:p>
           <a:p>
-            <a:pPr marL="0" marR="0" lvl="0" indent="0" algn="l" defTabSz="914400" eaLnBrk="1" fontAlgn="auto" latinLnBrk="0" hangingPunct="1">
+            <a:pPr lvl="0">
               <a:lnSpc>
                 <a:spcPts val="900"/>
               </a:lnSpc>
-              <a:spcBef>
-                <a:spcPts val="0"/>
-              </a:spcBef>
-              <a:spcAft>
-                <a:spcPts val="0"/>
-              </a:spcAft>
-              <a:buClrTx/>
-              <a:buSzTx/>
-              <a:buFontTx/>
-              <a:buNone/>
-              <a:tabLst/>
               <a:defRPr/>
             </a:pPr>
             <a:r>
-              <a:rPr kumimoji="0" lang="en-US" sz="900" b="0" i="0" u="none" strike="noStrike" kern="100" cap="none" spc="0" normalizeH="0" baseline="0" noProof="0" dirty="0" err="1">
-                <a:ln>
-                  <a:noFill/>
-                </a:ln>
+              <a:rPr kumimoji="0" lang="en-US" sz="900" kern="100" dirty="0" err="1">
                 <a:solidFill>
                   <a:sysClr val="window" lastClr="FFFFFF"/>
                 </a:solidFill>
-                <a:effectLst/>
-                <a:uLnTx/>
-                <a:uFillTx/>
                 <a:latin typeface="Arial" panose="020B0604020202020204" pitchFamily="34" charset="0"/>
                 <a:ea typeface="ＭＳ 明朝" panose="02020609040205080304" pitchFamily="17" charset="-128"/>
                 <a:cs typeface="Times New Roman" panose="02020603050405020304" pitchFamily="18" charset="0"/>
               </a:rPr>
               <a:t>ansible_driver:yes</a:t>
             </a:r>
-            <a:endParaRPr kumimoji="0" lang="ja-JP" altLang="en-US" sz="1050" b="0" i="0" u="none" strike="noStrike" kern="100" cap="none" spc="0" normalizeH="0" baseline="0" noProof="0" dirty="0">
-              <a:ln>
-                <a:noFill/>
-              </a:ln>
+            <a:endParaRPr kumimoji="0" lang="en-US" sz="900" kern="100" dirty="0">
               <a:solidFill>
                 <a:sysClr val="window" lastClr="FFFFFF"/>
               </a:solidFill>
-              <a:effectLst/>
-              <a:uLnTx/>
-              <a:uFillTx/>
-              <a:latin typeface="Century"/>
+              <a:latin typeface="Arial" panose="020B0604020202020204" pitchFamily="34" charset="0"/>
               <a:ea typeface="ＭＳ 明朝" panose="02020609040205080304" pitchFamily="17" charset="-128"/>
               <a:cs typeface="Times New Roman" panose="02020603050405020304" pitchFamily="18" charset="0"/>
             </a:endParaRPr>
           </a:p>
           <a:p>
-            <a:pPr marL="0" marR="0" lvl="0" indent="0" algn="l" defTabSz="914400" eaLnBrk="1" fontAlgn="auto" latinLnBrk="0" hangingPunct="1">
+            <a:pPr lvl="0">
               <a:lnSpc>
                 <a:spcPts val="900"/>
               </a:lnSpc>
-              <a:spcBef>
-                <a:spcPts val="0"/>
-              </a:spcBef>
-              <a:spcAft>
-                <a:spcPts val="0"/>
-              </a:spcAft>
-              <a:buClrTx/>
-              <a:buSzTx/>
-              <a:buFontTx/>
-              <a:buNone/>
-              <a:tabLst/>
               <a:defRPr/>
             </a:pPr>
             <a:r>
-              <a:rPr kumimoji="0" lang="en-US" sz="900" b="0" i="0" u="none" strike="noStrike" kern="100" cap="none" spc="0" normalizeH="0" baseline="0" noProof="0" dirty="0" err="1">
-                <a:ln>
-                  <a:noFill/>
-                </a:ln>
+              <a:rPr kumimoji="0" lang="en-US" sz="900" kern="100" dirty="0" err="1">
                 <a:solidFill>
                   <a:sysClr val="window" lastClr="FFFFFF"/>
                 </a:solidFill>
-                <a:effectLst/>
-                <a:uLnTx/>
-                <a:uFillTx/>
                 <a:latin typeface="Arial" panose="020B0604020202020204" pitchFamily="34" charset="0"/>
                 <a:ea typeface="ＭＳ 明朝" panose="02020609040205080304" pitchFamily="17" charset="-128"/>
                 <a:cs typeface="Times New Roman" panose="02020603050405020304" pitchFamily="18" charset="0"/>
               </a:rPr>
               <a:t>cobbler_driver:no</a:t>
             </a:r>
-            <a:endParaRPr kumimoji="0" lang="ja-JP" altLang="en-US" sz="1050" b="0" i="0" u="none" strike="noStrike" kern="100" cap="none" spc="0" normalizeH="0" baseline="0" noProof="0" dirty="0">
-              <a:ln>
-                <a:noFill/>
-              </a:ln>
+            <a:endParaRPr kumimoji="0" lang="en-US" sz="900" kern="100" dirty="0">
               <a:solidFill>
                 <a:sysClr val="window" lastClr="FFFFFF"/>
               </a:solidFill>
-              <a:effectLst/>
-              <a:uLnTx/>
-              <a:uFillTx/>
-              <a:latin typeface="Century"/>
+              <a:latin typeface="Arial" panose="020B0604020202020204" pitchFamily="34" charset="0"/>
               <a:ea typeface="ＭＳ 明朝" panose="02020609040205080304" pitchFamily="17" charset="-128"/>
               <a:cs typeface="Times New Roman" panose="02020603050405020304" pitchFamily="18" charset="0"/>
             </a:endParaRPr>
           </a:p>
           <a:p>
-            <a:pPr marL="0" marR="0" lvl="0" indent="0" algn="l" defTabSz="914400" eaLnBrk="1" fontAlgn="auto" latinLnBrk="0" hangingPunct="1">
+            <a:pPr lvl="0">
               <a:lnSpc>
                 <a:spcPts val="900"/>
               </a:lnSpc>
-              <a:spcBef>
-                <a:spcPts val="0"/>
-              </a:spcBef>
-              <a:spcAft>
-                <a:spcPts val="0"/>
-              </a:spcAft>
-              <a:buClrTx/>
-              <a:buSzTx/>
-              <a:buFontTx/>
-              <a:buNone/>
-              <a:tabLst/>
               <a:defRPr/>
             </a:pPr>
             <a:r>
-              <a:rPr kumimoji="0" lang="en-US" sz="900" b="0" i="0" u="none" strike="noStrike" kern="100" cap="none" spc="0" normalizeH="0" baseline="0" noProof="0" dirty="0" err="1">
-                <a:ln>
-                  <a:noFill/>
-                </a:ln>
+              <a:rPr kumimoji="0" lang="en-US" sz="900" kern="100" dirty="0" err="1">
                 <a:solidFill>
                   <a:sysClr val="window" lastClr="FFFFFF"/>
                 </a:solidFill>
-                <a:effectLst/>
-                <a:uLnTx/>
-                <a:uFillTx/>
                 <a:latin typeface="Arial" panose="020B0604020202020204" pitchFamily="34" charset="0"/>
                 <a:ea typeface="ＭＳ 明朝" panose="02020609040205080304" pitchFamily="17" charset="-128"/>
                 <a:cs typeface="Times New Roman" panose="02020603050405020304" pitchFamily="18" charset="0"/>
               </a:rPr>
               <a:t>openstack_driver:no</a:t>
             </a:r>
-            <a:endParaRPr kumimoji="0" lang="ja-JP" altLang="en-US" sz="1050" b="0" i="0" u="none" strike="noStrike" kern="100" cap="none" spc="0" normalizeH="0" baseline="0" noProof="0" dirty="0">
-              <a:ln>
-                <a:noFill/>
-              </a:ln>
+            <a:endParaRPr kumimoji="0" lang="en-US" sz="900" kern="100" dirty="0">
               <a:solidFill>
                 <a:sysClr val="window" lastClr="FFFFFF"/>
               </a:solidFill>
-              <a:effectLst/>
-              <a:uLnTx/>
-              <a:uFillTx/>
-              <a:latin typeface="Century"/>
+              <a:latin typeface="Arial" panose="020B0604020202020204" pitchFamily="34" charset="0"/>
               <a:ea typeface="ＭＳ 明朝" panose="02020609040205080304" pitchFamily="17" charset="-128"/>
               <a:cs typeface="Times New Roman" panose="02020603050405020304" pitchFamily="18" charset="0"/>
             </a:endParaRPr>
           </a:p>
           <a:p>
-            <a:pPr marL="0" marR="0" lvl="0" indent="0" algn="l" defTabSz="914400" eaLnBrk="1" fontAlgn="auto" latinLnBrk="0" hangingPunct="1">
+            <a:pPr lvl="0">
               <a:lnSpc>
                 <a:spcPts val="900"/>
               </a:lnSpc>
-              <a:spcBef>
-                <a:spcPts val="0"/>
-              </a:spcBef>
-              <a:spcAft>
-                <a:spcPts val="0"/>
-              </a:spcAft>
-              <a:buClrTx/>
-              <a:buSzTx/>
-              <a:buFontTx/>
-              <a:buNone/>
-              <a:tabLst/>
               <a:defRPr/>
             </a:pPr>
             <a:r>
-              <a:rPr kumimoji="0" lang="en-US" sz="900" b="0" i="0" u="none" strike="noStrike" kern="100" cap="none" spc="0" normalizeH="0" baseline="0" noProof="0" dirty="0" err="1">
-                <a:ln>
-                  <a:noFill/>
-                </a:ln>
+              <a:rPr kumimoji="0" lang="en-US" sz="900" kern="100" dirty="0" err="1">
                 <a:solidFill>
                   <a:sysClr val="window" lastClr="FFFFFF"/>
                 </a:solidFill>
-                <a:effectLst/>
-                <a:uLnTx/>
-                <a:uFillTx/>
                 <a:latin typeface="Arial" panose="020B0604020202020204" pitchFamily="34" charset="0"/>
                 <a:ea typeface="ＭＳ 明朝" panose="02020609040205080304" pitchFamily="17" charset="-128"/>
                 <a:cs typeface="Times New Roman" panose="02020603050405020304" pitchFamily="18" charset="0"/>
               </a:rPr>
               <a:t>dsc_driver:no</a:t>
             </a:r>
-            <a:endParaRPr kumimoji="0" lang="ja-JP" altLang="en-US" sz="1050" b="0" i="0" u="none" strike="noStrike" kern="100" cap="none" spc="0" normalizeH="0" baseline="0" noProof="0" dirty="0">
-              <a:ln>
-                <a:noFill/>
-              </a:ln>
+            <a:endParaRPr kumimoji="0" lang="en-US" sz="900" kern="100" dirty="0">
               <a:solidFill>
                 <a:sysClr val="window" lastClr="FFFFFF"/>
               </a:solidFill>
-              <a:effectLst/>
-              <a:uLnTx/>
-              <a:uFillTx/>
-              <a:latin typeface="Century"/>
-              <a:ea typeface="ＭＳ 明朝" panose="02020609040205080304" pitchFamily="17" charset="-128"/>
-              <a:cs typeface="Times New Roman" panose="02020603050405020304" pitchFamily="18" charset="0"/>
-            </a:endParaRPr>
-          </a:p>
-          <a:p>
-            <a:pPr marL="0" marR="0" lvl="0" indent="0" algn="l" defTabSz="914400" eaLnBrk="1" fontAlgn="auto" latinLnBrk="0" hangingPunct="1">
-              <a:lnSpc>
-                <a:spcPts val="900"/>
-              </a:lnSpc>
-              <a:spcBef>
-                <a:spcPts val="0"/>
-              </a:spcBef>
-              <a:spcAft>
-                <a:spcPts val="0"/>
-              </a:spcAft>
-              <a:buClrTx/>
-              <a:buSzTx/>
-              <a:buFontTx/>
-              <a:buNone/>
-              <a:tabLst/>
-              <a:defRPr/>
-            </a:pPr>
-            <a:r>
-              <a:rPr kumimoji="0" lang="en-US" sz="900" b="0" i="0" u="none" strike="noStrike" kern="100" cap="none" spc="0" normalizeH="0" baseline="0" noProof="0" dirty="0" err="1">
-                <a:ln>
-                  <a:noFill/>
-                </a:ln>
-                <a:solidFill>
-                  <a:sysClr val="window" lastClr="FFFFFF"/>
-                </a:solidFill>
-                <a:effectLst/>
-                <a:uLnTx/>
-                <a:uFillTx/>
-                <a:latin typeface="Arial" panose="020B0604020202020204" pitchFamily="34" charset="0"/>
-                <a:ea typeface="ＭＳ 明朝" panose="02020609040205080304" pitchFamily="17" charset="-128"/>
-                <a:cs typeface="Times New Roman" panose="02020603050405020304" pitchFamily="18" charset="0"/>
-              </a:rPr>
-              <a:t>ansibletower_driver:no</a:t>
-            </a:r>
-            <a:endParaRPr kumimoji="0" lang="ja-JP" altLang="en-US" sz="1050" b="0" i="0" u="none" strike="noStrike" kern="100" cap="none" spc="0" normalizeH="0" baseline="0" noProof="0" dirty="0">
-              <a:ln>
-                <a:noFill/>
-              </a:ln>
-              <a:solidFill>
-                <a:sysClr val="window" lastClr="FFFFFF"/>
-              </a:solidFill>
-              <a:effectLst/>
-              <a:uLnTx/>
-              <a:uFillTx/>
-              <a:latin typeface="Century"/>
-              <a:ea typeface="ＭＳ 明朝" panose="02020609040205080304" pitchFamily="17" charset="-128"/>
-              <a:cs typeface="Times New Roman" panose="02020603050405020304" pitchFamily="18" charset="0"/>
-            </a:endParaRPr>
-          </a:p>
-          <a:p>
-            <a:pPr marL="0" marR="0" lvl="0" indent="0" algn="l" defTabSz="914400" eaLnBrk="1" fontAlgn="auto" latinLnBrk="0" hangingPunct="1">
-              <a:lnSpc>
-                <a:spcPts val="900"/>
-              </a:lnSpc>
-              <a:spcBef>
-                <a:spcPts val="0"/>
-              </a:spcBef>
-              <a:spcAft>
-                <a:spcPts val="0"/>
-              </a:spcAft>
-              <a:buClrTx/>
-              <a:buSzTx/>
-              <a:buFontTx/>
-              <a:buNone/>
-              <a:tabLst/>
-              <a:defRPr/>
-            </a:pPr>
-            <a:r>
-              <a:rPr kumimoji="0" lang="en-US" sz="900" b="0" i="0" u="none" strike="noStrike" kern="100" cap="none" spc="0" normalizeH="0" baseline="0" noProof="0" dirty="0">
-                <a:ln>
-                  <a:noFill/>
-                </a:ln>
-                <a:solidFill>
-                  <a:sysClr val="window" lastClr="FFFFFF"/>
-                </a:solidFill>
-                <a:effectLst/>
-                <a:uLnTx/>
-                <a:uFillTx/>
-                <a:latin typeface="Arial" panose="020B0604020202020204" pitchFamily="34" charset="0"/>
-                <a:ea typeface="ＭＳ 明朝" panose="02020609040205080304" pitchFamily="17" charset="-128"/>
-                <a:cs typeface="Times New Roman" panose="02020603050405020304" pitchFamily="18" charset="0"/>
-              </a:rPr>
-              <a:t> </a:t>
-            </a:r>
-            <a:endParaRPr kumimoji="0" lang="ja-JP" altLang="en-US" sz="1050" b="0" i="0" u="none" strike="noStrike" kern="100" cap="none" spc="0" normalizeH="0" baseline="0" noProof="0" dirty="0">
-              <a:ln>
-                <a:noFill/>
-              </a:ln>
-              <a:solidFill>
-                <a:sysClr val="window" lastClr="FFFFFF"/>
-              </a:solidFill>
-              <a:effectLst/>
-              <a:uLnTx/>
-              <a:uFillTx/>
-              <a:latin typeface="Century"/>
+              <a:latin typeface="Arial" panose="020B0604020202020204" pitchFamily="34" charset="0"/>
               <a:ea typeface="ＭＳ 明朝" panose="02020609040205080304" pitchFamily="17" charset="-128"/>
               <a:cs typeface="Times New Roman" panose="02020603050405020304" pitchFamily="18" charset="0"/>
             </a:endParaRPr>
@@ -23253,13 +22395,13 @@
               <a:t>　 </a:t>
             </a:r>
             <a:r>
-              <a:rPr lang="en-US" altLang="ja-JP" sz="1200" b="1" dirty="0" smtClean="0">
+              <a:rPr lang="en-US" altLang="ja-JP" sz="1200" b="1" dirty="0">
                 <a:solidFill>
                   <a:srgbClr val="FF0000"/>
                 </a:solidFill>
                 <a:latin typeface="+mn-ea"/>
               </a:rPr>
-              <a:t>MySQL</a:t>
+              <a:t>MariaDB</a:t>
             </a:r>
             <a:r>
               <a:rPr lang="ja-JP" altLang="en-US" sz="1200" b="1" dirty="0" smtClean="0">
@@ -23781,7 +22923,7 @@
         </p:nvSpPr>
         <p:spPr>
           <a:xfrm>
-            <a:off x="2456814" y="3438809"/>
+            <a:off x="2456814" y="3501200"/>
             <a:ext cx="3699405" cy="1368000"/>
           </a:xfrm>
           <a:prstGeom prst="rect">
@@ -24312,12 +23454,16 @@
             <a:graphicFrameLocks noGrp="1"/>
           </p:cNvGraphicFramePr>
           <p:nvPr>
-            <p:extLst/>
+            <p:extLst>
+              <p:ext uri="{D42A27DB-BD31-4B8C-83A1-F6EECF244321}">
+                <p14:modId xmlns:p14="http://schemas.microsoft.com/office/powerpoint/2010/main" val="4137966984"/>
+              </p:ext>
+            </p:extLst>
           </p:nvPr>
         </p:nvGraphicFramePr>
         <p:xfrm>
-          <a:off x="1043511" y="1844780"/>
-          <a:ext cx="7128989" cy="4599261"/>
+          <a:off x="631300" y="1700760"/>
+          <a:ext cx="6569989" cy="4599261"/>
         </p:xfrm>
         <a:graphic>
           <a:graphicData uri="http://schemas.openxmlformats.org/drawingml/2006/table">
@@ -24326,24 +23472,24 @@
                 <a:tableStyleId>{5C22544A-7EE6-4342-B048-85BDC9FD1C3A}</a:tableStyleId>
               </a:tblPr>
               <a:tblGrid>
-                <a:gridCol w="1940843">
+                <a:gridCol w="1800249">
                   <a:extLst>
                     <a:ext uri="{9D8B030D-6E8A-4147-A177-3AD203B41FA5}">
-                      <a16:colId xmlns:a16="http://schemas.microsoft.com/office/drawing/2014/main" val="20000"/>
+                      <a16:colId xmlns="" xmlns:a16="http://schemas.microsoft.com/office/drawing/2014/main" val="20000"/>
                     </a:ext>
                   </a:extLst>
                 </a:gridCol>
-                <a:gridCol w="1932823">
+                <a:gridCol w="1514417">
                   <a:extLst>
                     <a:ext uri="{9D8B030D-6E8A-4147-A177-3AD203B41FA5}">
-                      <a16:colId xmlns:a16="http://schemas.microsoft.com/office/drawing/2014/main" val="20001"/>
+                      <a16:colId xmlns="" xmlns:a16="http://schemas.microsoft.com/office/drawing/2014/main" val="20001"/>
                     </a:ext>
                   </a:extLst>
                 </a:gridCol>
                 <a:gridCol w="3255323">
                   <a:extLst>
                     <a:ext uri="{9D8B030D-6E8A-4147-A177-3AD203B41FA5}">
-                      <a16:colId xmlns:a16="http://schemas.microsoft.com/office/drawing/2014/main" val="20002"/>
+                      <a16:colId xmlns="" xmlns:a16="http://schemas.microsoft.com/office/drawing/2014/main" val="20002"/>
                     </a:ext>
                   </a:extLst>
                 </a:gridCol>
@@ -24441,7 +23587,7 @@
                 </a:tc>
                 <a:extLst>
                   <a:ext uri="{0D108BD9-81ED-4DB2-BD59-A6C34878D82A}">
-                    <a16:rowId xmlns:a16="http://schemas.microsoft.com/office/drawing/2014/main" val="10000"/>
+                    <a16:rowId xmlns="" xmlns:a16="http://schemas.microsoft.com/office/drawing/2014/main" val="10000"/>
                   </a:ext>
                 </a:extLst>
               </a:tr>
@@ -24550,7 +23696,7 @@
                 </a:tc>
                 <a:extLst>
                   <a:ext uri="{0D108BD9-81ED-4DB2-BD59-A6C34878D82A}">
-                    <a16:rowId xmlns:a16="http://schemas.microsoft.com/office/drawing/2014/main" val="10001"/>
+                    <a16:rowId xmlns="" xmlns:a16="http://schemas.microsoft.com/office/drawing/2014/main" val="10001"/>
                   </a:ext>
                 </a:extLst>
               </a:tr>
@@ -24689,7 +23835,7 @@
                 </a:tc>
                 <a:extLst>
                   <a:ext uri="{0D108BD9-81ED-4DB2-BD59-A6C34878D82A}">
-                    <a16:rowId xmlns:a16="http://schemas.microsoft.com/office/drawing/2014/main" val="10002"/>
+                    <a16:rowId xmlns="" xmlns:a16="http://schemas.microsoft.com/office/drawing/2014/main" val="10002"/>
                   </a:ext>
                 </a:extLst>
               </a:tr>
@@ -24735,12 +23881,18 @@
                         </a:spcAft>
                       </a:pPr>
                       <a:r>
-                        <a:rPr lang="en-US" sz="1050" kern="100" dirty="0">
-                          <a:effectLst/>
-                        </a:rPr>
-                        <a:t>MySQL</a:t>
+                        <a:rPr lang="en-US" sz="1050" kern="100" dirty="0" smtClean="0">
+                          <a:solidFill>
+                            <a:schemeClr val="tx1"/>
+                          </a:solidFill>
+                          <a:effectLst/>
+                        </a:rPr>
+                        <a:t>MariaDB</a:t>
                       </a:r>
                       <a:endParaRPr lang="ja-JP" sz="1050" kern="100" dirty="0">
+                        <a:solidFill>
+                          <a:schemeClr val="tx1"/>
+                        </a:solidFill>
                         <a:effectLst/>
                         <a:latin typeface="Century" panose="02040604050505020304" pitchFamily="18" charset="0"/>
                         <a:ea typeface="ＭＳ 明朝" panose="02020609040205080304" pitchFamily="17" charset="-128"/>
@@ -24765,29 +23917,50 @@
                         </a:spcAft>
                       </a:pPr>
                       <a:r>
-                        <a:rPr lang="en-US" sz="1050" kern="100" dirty="0">
-                          <a:effectLst/>
-                        </a:rPr>
-                        <a:t>mysql-community-server</a:t>
-                      </a:r>
-                      <a:r>
-                        <a:rPr lang="ja-JP" sz="1050" kern="100" dirty="0">
+                        <a:rPr lang="fr-FR" sz="1050" kern="100" dirty="0" smtClean="0">
+                          <a:solidFill>
+                            <a:schemeClr val="tx1"/>
+                          </a:solidFill>
+                          <a:effectLst/>
+                        </a:rPr>
+                        <a:t>MariaDB</a:t>
+                      </a:r>
+                      <a:r>
+                        <a:rPr lang="ja-JP" altLang="en-US" sz="1050" kern="100" dirty="0" smtClean="0">
+                          <a:solidFill>
+                            <a:schemeClr val="tx1"/>
+                          </a:solidFill>
                           <a:effectLst/>
                         </a:rPr>
                         <a:t>、</a:t>
                       </a:r>
                       <a:r>
-                        <a:rPr lang="en-US" sz="1050" kern="100" dirty="0">
-                          <a:effectLst/>
-                        </a:rPr>
-                        <a:t>expect pexpect,pywinrm</a:t>
-                      </a:r>
-                      <a:endParaRPr lang="ja-JP" sz="1050" kern="100" dirty="0">
-                        <a:effectLst/>
-                        <a:latin typeface="Century" panose="02040604050505020304" pitchFamily="18" charset="0"/>
-                        <a:ea typeface="ＭＳ 明朝" panose="02020609040205080304" pitchFamily="17" charset="-128"/>
-                        <a:cs typeface="Times New Roman" panose="02020603050405020304" pitchFamily="18" charset="0"/>
-                      </a:endParaRPr>
+                        <a:rPr lang="fr-FR" sz="1050" kern="100" dirty="0" smtClean="0">
+                          <a:solidFill>
+                            <a:schemeClr val="tx1"/>
+                          </a:solidFill>
+                          <a:effectLst/>
+                        </a:rPr>
+                        <a:t>MariaDB-server</a:t>
+                      </a:r>
+                      <a:r>
+                        <a:rPr lang="ja-JP" altLang="en-US" sz="1050" kern="100" dirty="0" smtClean="0">
+                          <a:solidFill>
+                            <a:schemeClr val="tx1"/>
+                          </a:solidFill>
+                          <a:effectLst/>
+                        </a:rPr>
+                        <a:t>、</a:t>
+                      </a:r>
+                      <a:r>
+                        <a:rPr lang="fr-FR" sz="1050" kern="100" dirty="0" smtClean="0">
+                          <a:solidFill>
+                            <a:schemeClr val="tx1"/>
+                          </a:solidFill>
+                          <a:effectLst/>
+                        </a:rPr>
+                        <a:t>expect</a:t>
+                      </a:r>
                     </a:p>
                   </a:txBody>
                   <a:tcPr marL="68580" marR="68580" marT="0" marB="0" anchor="ctr">
@@ -24798,7 +23971,7 @@
                 </a:tc>
                 <a:extLst>
                   <a:ext uri="{0D108BD9-81ED-4DB2-BD59-A6C34878D82A}">
-                    <a16:rowId xmlns:a16="http://schemas.microsoft.com/office/drawing/2014/main" val="10003"/>
+                    <a16:rowId xmlns="" xmlns:a16="http://schemas.microsoft.com/office/drawing/2014/main" val="10003"/>
                   </a:ext>
                 </a:extLst>
               </a:tr>
@@ -24907,7 +24080,7 @@
                 </a:tc>
                 <a:extLst>
                   <a:ext uri="{0D108BD9-81ED-4DB2-BD59-A6C34878D82A}">
-                    <a16:rowId xmlns:a16="http://schemas.microsoft.com/office/drawing/2014/main" val="10004"/>
+                    <a16:rowId xmlns="" xmlns:a16="http://schemas.microsoft.com/office/drawing/2014/main" val="10004"/>
                   </a:ext>
                 </a:extLst>
               </a:tr>
@@ -25049,25 +24222,16 @@
                         <a:t>php-mcrypt</a:t>
                       </a:r>
                       <a:r>
-                        <a:rPr lang="ja-JP" sz="1050" kern="100" dirty="0">
+                        <a:rPr lang="ja-JP" sz="1050" kern="100" dirty="0" smtClean="0">
                           <a:effectLst/>
                         </a:rPr>
                         <a:t>、</a:t>
                       </a:r>
                       <a:r>
-                        <a:rPr lang="en-US" sz="1050" kern="100" dirty="0">
-                          <a:effectLst/>
-                        </a:rPr>
-                        <a:t>php-mysql</a:t>
-                      </a:r>
-                      <a:r>
-                        <a:rPr lang="ja-JP" sz="1050" kern="100" dirty="0">
-                          <a:effectLst/>
-                        </a:rPr>
-                        <a:t>、</a:t>
-                      </a:r>
-                      <a:r>
-                        <a:rPr lang="en-US" sz="1050" kern="100" dirty="0">
+                        <a:rPr lang="en-US" sz="1050" kern="100" dirty="0" smtClean="0">
+                          <a:solidFill>
+                            <a:schemeClr val="tx1"/>
+                          </a:solidFill>
                           <a:effectLst/>
                         </a:rPr>
                         <a:t>php-mysqlnd</a:t>
@@ -25160,7 +24324,7 @@
                 </a:tc>
                 <a:extLst>
                   <a:ext uri="{0D108BD9-81ED-4DB2-BD59-A6C34878D82A}">
-                    <a16:rowId xmlns:a16="http://schemas.microsoft.com/office/drawing/2014/main" val="10005"/>
+                    <a16:rowId xmlns="" xmlns:a16="http://schemas.microsoft.com/office/drawing/2014/main" val="10005"/>
                   </a:ext>
                 </a:extLst>
               </a:tr>
@@ -25248,7 +24412,19 @@
                         <a:rPr lang="en-US" sz="1050" kern="100" dirty="0">
                           <a:effectLst/>
                         </a:rPr>
-                        <a:t>PHPExcel, Spyc, Twig, MDB2, HTTP_Request2, Auth, HTML_AJAX-beta</a:t>
+                        <a:t>PHPExcel, Spyc, Twig</a:t>
+                      </a:r>
+                      <a:r>
+                        <a:rPr lang="en-US" sz="1050" kern="100" dirty="0" smtClean="0">
+                          <a:effectLst/>
+                        </a:rPr>
+                        <a:t>, </a:t>
+                      </a:r>
+                      <a:r>
+                        <a:rPr lang="en-US" sz="1050" kern="100" dirty="0">
+                          <a:effectLst/>
+                        </a:rPr>
+                        <a:t>Auth, HTML_AJAX-beta</a:t>
                       </a:r>
                       <a:endParaRPr lang="ja-JP" sz="1050" kern="100" dirty="0">
                         <a:effectLst/>
@@ -25266,7 +24442,7 @@
                 </a:tc>
                 <a:extLst>
                   <a:ext uri="{0D108BD9-81ED-4DB2-BD59-A6C34878D82A}">
-                    <a16:rowId xmlns:a16="http://schemas.microsoft.com/office/drawing/2014/main" val="10006"/>
+                    <a16:rowId xmlns="" xmlns:a16="http://schemas.microsoft.com/office/drawing/2014/main" val="10006"/>
                   </a:ext>
                 </a:extLst>
               </a:tr>
@@ -25363,7 +24539,7 @@
                 </a:tc>
                 <a:extLst>
                   <a:ext uri="{0D108BD9-81ED-4DB2-BD59-A6C34878D82A}">
-                    <a16:rowId xmlns:a16="http://schemas.microsoft.com/office/drawing/2014/main" val="10007"/>
+                    <a16:rowId xmlns="" xmlns:a16="http://schemas.microsoft.com/office/drawing/2014/main" val="10007"/>
                   </a:ext>
                 </a:extLst>
               </a:tr>
@@ -25472,7 +24648,7 @@
                 </a:tc>
                 <a:extLst>
                   <a:ext uri="{0D108BD9-81ED-4DB2-BD59-A6C34878D82A}">
-                    <a16:rowId xmlns:a16="http://schemas.microsoft.com/office/drawing/2014/main" val="10008"/>
+                    <a16:rowId xmlns="" xmlns:a16="http://schemas.microsoft.com/office/drawing/2014/main" val="10008"/>
                   </a:ext>
                 </a:extLst>
               </a:tr>
@@ -25548,10 +24724,34 @@
                         </a:spcAft>
                       </a:pPr>
                       <a:r>
+                        <a:rPr lang="en-US" sz="1050" kern="100" dirty="0" smtClean="0">
+                          <a:effectLst/>
+                        </a:rPr>
+                        <a:t>cobbler</a:t>
+                      </a:r>
+                      <a:r>
+                        <a:rPr lang="ja-JP" sz="1050" kern="100" dirty="0" smtClean="0">
+                          <a:effectLst/>
+                        </a:rPr>
+                        <a:t>、</a:t>
+                      </a:r>
+                      <a:r>
+                        <a:rPr lang="en-US" sz="1050" kern="100" dirty="0" smtClean="0">
+                          <a:effectLst/>
+                        </a:rPr>
+                        <a:t>dhcp</a:t>
+                      </a:r>
+                      <a:r>
+                        <a:rPr lang="ja-JP" sz="1050" kern="100" dirty="0">
+                          <a:effectLst/>
+                        </a:rPr>
+                        <a:t>、</a:t>
+                      </a:r>
+                      <a:r>
                         <a:rPr lang="en-US" sz="1050" kern="100" dirty="0">
                           <a:effectLst/>
                         </a:rPr>
-                        <a:t>cobbler</a:t>
+                        <a:t>pykickstart</a:t>
                       </a:r>
                       <a:r>
                         <a:rPr lang="ja-JP" sz="1050" kern="100" dirty="0">
@@ -25560,10 +24760,22 @@
                         <a:t>、</a:t>
                       </a:r>
                       <a:r>
-                        <a:rPr lang="en-US" sz="1050" kern="100" dirty="0">
-                          <a:effectLst/>
-                        </a:rPr>
-                        <a:t>cobbler-web</a:t>
+                        <a:rPr lang="en-US" sz="1050" kern="100" dirty="0" smtClean="0">
+                          <a:effectLst/>
+                        </a:rPr>
+                        <a:t>fence-agents</a:t>
+                      </a:r>
+                      <a:r>
+                        <a:rPr lang="ja-JP" sz="1050" kern="100" dirty="0" smtClean="0">
+                          <a:effectLst/>
+                        </a:rPr>
+                        <a:t>、</a:t>
+                      </a:r>
+                      <a:r>
+                        <a:rPr lang="en-US" sz="1050" kern="100" dirty="0" smtClean="0">
+                          <a:effectLst/>
+                        </a:rPr>
+                        <a:t>debmirror</a:t>
                       </a:r>
                       <a:r>
                         <a:rPr lang="ja-JP" sz="1050" kern="100" dirty="0">
@@ -25572,64 +24784,37 @@
                         <a:t>、</a:t>
                       </a:r>
                       <a:r>
-                        <a:rPr lang="en-US" sz="1050" kern="100" dirty="0">
-                          <a:effectLst/>
-                        </a:rPr>
-                        <a:t>dhcp</a:t>
-                      </a:r>
-                      <a:r>
-                        <a:rPr lang="ja-JP" sz="1050" kern="100" dirty="0">
+                        <a:rPr lang="en-US" sz="1050" kern="100" dirty="0" smtClean="0">
+                          <a:effectLst/>
+                        </a:rPr>
+                        <a:t>xinetd</a:t>
+                      </a:r>
+                      <a:r>
+                        <a:rPr lang="ja-JP" altLang="en-US" sz="1050" kern="100" dirty="0" smtClean="0">
                           <a:effectLst/>
                         </a:rPr>
                         <a:t>、</a:t>
                       </a:r>
                       <a:r>
-                        <a:rPr lang="en-US" sz="1050" kern="100" dirty="0">
-                          <a:effectLst/>
-                        </a:rPr>
-                        <a:t>pykickstart</a:t>
-                      </a:r>
-                      <a:r>
-                        <a:rPr lang="ja-JP" sz="1050" kern="100" dirty="0">
+                        <a:rPr lang="en-US" altLang="ja-JP" sz="1050" kern="100" dirty="0" smtClean="0">
+                          <a:effectLst/>
+                        </a:rPr>
+                        <a:t>cobbler-web(※1)</a:t>
+                      </a:r>
+                      <a:r>
+                        <a:rPr lang="ja-JP" altLang="ja-JP" sz="1050" kern="100" dirty="0" smtClean="0">
                           <a:effectLst/>
                         </a:rPr>
                         <a:t>、</a:t>
                       </a:r>
                       <a:r>
-                        <a:rPr lang="en-US" sz="1050" kern="100" dirty="0">
-                          <a:effectLst/>
-                        </a:rPr>
-                        <a:t>fence-agents</a:t>
-                      </a:r>
-                      <a:r>
-                        <a:rPr lang="ja-JP" sz="1050" kern="100" dirty="0">
-                          <a:effectLst/>
-                        </a:rPr>
-                        <a:t>、</a:t>
-                      </a:r>
-                      <a:r>
-                        <a:rPr lang="en-US" sz="1050" kern="100" dirty="0">
-                          <a:effectLst/>
-                        </a:rPr>
-                        <a:t>debmirror</a:t>
-                      </a:r>
-                      <a:r>
-                        <a:rPr lang="ja-JP" sz="1050" kern="100" dirty="0">
-                          <a:effectLst/>
-                        </a:rPr>
-                        <a:t>、</a:t>
-                      </a:r>
-                      <a:r>
-                        <a:rPr lang="en-US" sz="1050" kern="100" dirty="0">
-                          <a:effectLst/>
-                        </a:rPr>
-                        <a:t>xinetd</a:t>
-                      </a:r>
-                      <a:endParaRPr lang="ja-JP" sz="1050" kern="100" dirty="0">
+                        <a:rPr lang="en-US" altLang="ja-JP" sz="1050" kern="100" dirty="0" smtClean="0">
+                          <a:effectLst/>
+                        </a:rPr>
+                        <a:t>python-cheetah(※2)</a:t>
+                      </a:r>
+                      <a:endParaRPr lang="en-US" sz="1050" kern="100" dirty="0" smtClean="0">
                         <a:effectLst/>
-                        <a:latin typeface="Century" panose="02040604050505020304" pitchFamily="18" charset="0"/>
-                        <a:ea typeface="ＭＳ 明朝" panose="02020609040205080304" pitchFamily="17" charset="-128"/>
-                        <a:cs typeface="Times New Roman" panose="02020603050405020304" pitchFamily="18" charset="0"/>
                       </a:endParaRPr>
                     </a:p>
                   </a:txBody>
@@ -25641,7 +24826,7 @@
                 </a:tc>
                 <a:extLst>
                   <a:ext uri="{0D108BD9-81ED-4DB2-BD59-A6C34878D82A}">
-                    <a16:rowId xmlns:a16="http://schemas.microsoft.com/office/drawing/2014/main" val="10009"/>
+                    <a16:rowId xmlns="" xmlns:a16="http://schemas.microsoft.com/office/drawing/2014/main" val="10009"/>
                   </a:ext>
                 </a:extLst>
               </a:tr>
@@ -25649,6 +24834,52 @@
           </a:graphicData>
         </a:graphic>
       </p:graphicFrame>
+      <p:sp>
+        <p:nvSpPr>
+          <p:cNvPr id="8" name="テキスト ボックス 7"/>
+          <p:cNvSpPr txBox="1"/>
+          <p:nvPr/>
+        </p:nvSpPr>
+        <p:spPr>
+          <a:xfrm>
+            <a:off x="7201289" y="5776440"/>
+            <a:ext cx="1835331" cy="400110"/>
+          </a:xfrm>
+          <a:prstGeom prst="rect">
+            <a:avLst/>
+          </a:prstGeom>
+          <a:noFill/>
+        </p:spPr>
+        <p:txBody>
+          <a:bodyPr wrap="square" rtlCol="0">
+            <a:spAutoFit/>
+          </a:bodyPr>
+          <a:lstStyle/>
+          <a:p>
+            <a:pPr algn="just">
+              <a:spcAft>
+                <a:spcPts val="0"/>
+              </a:spcAft>
+            </a:pPr>
+            <a:r>
+              <a:rPr lang="en-US" altLang="ja-JP" sz="1000" kern="100" dirty="0" smtClean="0"/>
+              <a:t>※1 RHEL7,CentOS7</a:t>
+            </a:r>
+          </a:p>
+          <a:p>
+            <a:pPr algn="just">
+              <a:spcAft>
+                <a:spcPts val="0"/>
+              </a:spcAft>
+            </a:pPr>
+            <a:r>
+              <a:rPr lang="en-US" altLang="ja-JP" sz="1000" kern="100" dirty="0" smtClean="0"/>
+              <a:t>※2 RHEL7</a:t>
+            </a:r>
+            <a:endParaRPr lang="en-US" altLang="ja-JP" sz="1000" kern="100" dirty="0"/>
+          </a:p>
+        </p:txBody>
+      </p:sp>
     </p:spTree>
     <p:extLst>
       <p:ext uri="{BB962C8B-B14F-4D97-AF65-F5344CB8AC3E}">
@@ -26699,7 +25930,7 @@
                 <a:gridCol w="5485765">
                   <a:extLst>
                     <a:ext uri="{9D8B030D-6E8A-4147-A177-3AD203B41FA5}">
-                      <a16:colId xmlns:a16="http://schemas.microsoft.com/office/drawing/2014/main" val="20000"/>
+                      <a16:colId xmlns="" xmlns:a16="http://schemas.microsoft.com/office/drawing/2014/main" val="20000"/>
                     </a:ext>
                   </a:extLst>
                 </a:gridCol>
@@ -26737,7 +25968,7 @@
                 </a:tc>
                 <a:extLst>
                   <a:ext uri="{0D108BD9-81ED-4DB2-BD59-A6C34878D82A}">
-                    <a16:rowId xmlns:a16="http://schemas.microsoft.com/office/drawing/2014/main" val="10000"/>
+                    <a16:rowId xmlns="" xmlns:a16="http://schemas.microsoft.com/office/drawing/2014/main" val="10000"/>
                   </a:ext>
                 </a:extLst>
               </a:tr>
@@ -26773,7 +26004,7 @@
                 <a:gridCol w="5485765">
                   <a:extLst>
                     <a:ext uri="{9D8B030D-6E8A-4147-A177-3AD203B41FA5}">
-                      <a16:colId xmlns:a16="http://schemas.microsoft.com/office/drawing/2014/main" val="20000"/>
+                      <a16:colId xmlns="" xmlns:a16="http://schemas.microsoft.com/office/drawing/2014/main" val="20000"/>
                     </a:ext>
                   </a:extLst>
                 </a:gridCol>
@@ -26934,7 +26165,7 @@
                 </a:tc>
                 <a:extLst>
                   <a:ext uri="{0D108BD9-81ED-4DB2-BD59-A6C34878D82A}">
-                    <a16:rowId xmlns:a16="http://schemas.microsoft.com/office/drawing/2014/main" val="10000"/>
+                    <a16:rowId xmlns="" xmlns:a16="http://schemas.microsoft.com/office/drawing/2014/main" val="10000"/>
                   </a:ext>
                 </a:extLst>
               </a:tr>
@@ -27575,21 +26806,21 @@
                 <a:gridCol w="1581792">
                   <a:extLst>
                     <a:ext uri="{9D8B030D-6E8A-4147-A177-3AD203B41FA5}">
-                      <a16:colId xmlns:a16="http://schemas.microsoft.com/office/drawing/2014/main" val="20000"/>
+                      <a16:colId xmlns="" xmlns:a16="http://schemas.microsoft.com/office/drawing/2014/main" val="20000"/>
                     </a:ext>
                   </a:extLst>
                 </a:gridCol>
                 <a:gridCol w="3269829">
                   <a:extLst>
                     <a:ext uri="{9D8B030D-6E8A-4147-A177-3AD203B41FA5}">
-                      <a16:colId xmlns:a16="http://schemas.microsoft.com/office/drawing/2014/main" val="20001"/>
+                      <a16:colId xmlns="" xmlns:a16="http://schemas.microsoft.com/office/drawing/2014/main" val="20001"/>
                     </a:ext>
                   </a:extLst>
                 </a:gridCol>
                 <a:gridCol w="1877461">
                   <a:extLst>
                     <a:ext uri="{9D8B030D-6E8A-4147-A177-3AD203B41FA5}">
-                      <a16:colId xmlns:a16="http://schemas.microsoft.com/office/drawing/2014/main" val="20002"/>
+                      <a16:colId xmlns="" xmlns:a16="http://schemas.microsoft.com/office/drawing/2014/main" val="20002"/>
                     </a:ext>
                   </a:extLst>
                 </a:gridCol>
@@ -27705,7 +26936,7 @@
                 </a:tc>
                 <a:extLst>
                   <a:ext uri="{0D108BD9-81ED-4DB2-BD59-A6C34878D82A}">
-                    <a16:rowId xmlns:a16="http://schemas.microsoft.com/office/drawing/2014/main" val="10000"/>
+                    <a16:rowId xmlns="" xmlns:a16="http://schemas.microsoft.com/office/drawing/2014/main" val="10000"/>
                   </a:ext>
                 </a:extLst>
               </a:tr>
@@ -27844,7 +27075,7 @@
                 </a:tc>
                 <a:extLst>
                   <a:ext uri="{0D108BD9-81ED-4DB2-BD59-A6C34878D82A}">
-                    <a16:rowId xmlns:a16="http://schemas.microsoft.com/office/drawing/2014/main" val="10001"/>
+                    <a16:rowId xmlns="" xmlns:a16="http://schemas.microsoft.com/office/drawing/2014/main" val="10001"/>
                   </a:ext>
                 </a:extLst>
               </a:tr>
@@ -27983,7 +27214,7 @@
                 </a:tc>
                 <a:extLst>
                   <a:ext uri="{0D108BD9-81ED-4DB2-BD59-A6C34878D82A}">
-                    <a16:rowId xmlns:a16="http://schemas.microsoft.com/office/drawing/2014/main" val="10002"/>
+                    <a16:rowId xmlns="" xmlns:a16="http://schemas.microsoft.com/office/drawing/2014/main" val="10002"/>
                   </a:ext>
                 </a:extLst>
               </a:tr>
@@ -28784,6 +28015,13 @@
   <p:clrMapOvr>
     <a:masterClrMapping/>
   </p:clrMapOvr>
+  <p:timing>
+    <p:tnLst>
+      <p:par>
+        <p:cTn id="1" dur="indefinite" restart="never" nodeType="tmRoot"/>
+      </p:par>
+    </p:tnLst>
+  </p:timing>
 </p:sld>
 </file>
 
@@ -28916,14 +28154,14 @@
                 <a:gridCol w="3312460">
                   <a:extLst>
                     <a:ext uri="{9D8B030D-6E8A-4147-A177-3AD203B41FA5}">
-                      <a16:colId xmlns:a16="http://schemas.microsoft.com/office/drawing/2014/main" val="20000"/>
+                      <a16:colId xmlns="" xmlns:a16="http://schemas.microsoft.com/office/drawing/2014/main" val="20000"/>
                     </a:ext>
                   </a:extLst>
                 </a:gridCol>
                 <a:gridCol w="3312460">
                   <a:extLst>
                     <a:ext uri="{9D8B030D-6E8A-4147-A177-3AD203B41FA5}">
-                      <a16:colId xmlns:a16="http://schemas.microsoft.com/office/drawing/2014/main" val="20001"/>
+                      <a16:colId xmlns="" xmlns:a16="http://schemas.microsoft.com/office/drawing/2014/main" val="20001"/>
                     </a:ext>
                   </a:extLst>
                 </a:gridCol>
@@ -28991,7 +28229,7 @@
                 </a:tc>
                 <a:extLst>
                   <a:ext uri="{0D108BD9-81ED-4DB2-BD59-A6C34878D82A}">
-                    <a16:rowId xmlns:a16="http://schemas.microsoft.com/office/drawing/2014/main" val="10000"/>
+                    <a16:rowId xmlns="" xmlns:a16="http://schemas.microsoft.com/office/drawing/2014/main" val="10000"/>
                   </a:ext>
                 </a:extLst>
               </a:tr>
@@ -29064,7 +28302,7 @@
                 </a:tc>
                 <a:extLst>
                   <a:ext uri="{0D108BD9-81ED-4DB2-BD59-A6C34878D82A}">
-                    <a16:rowId xmlns:a16="http://schemas.microsoft.com/office/drawing/2014/main" val="10001"/>
+                    <a16:rowId xmlns="" xmlns:a16="http://schemas.microsoft.com/office/drawing/2014/main" val="10001"/>
                   </a:ext>
                 </a:extLst>
               </a:tr>
@@ -29111,7 +28349,7 @@
                 </a:tc>
                 <a:extLst>
                   <a:ext uri="{0D108BD9-81ED-4DB2-BD59-A6C34878D82A}">
-                    <a16:rowId xmlns:a16="http://schemas.microsoft.com/office/drawing/2014/main" val="10002"/>
+                    <a16:rowId xmlns="" xmlns:a16="http://schemas.microsoft.com/office/drawing/2014/main" val="10002"/>
                   </a:ext>
                 </a:extLst>
               </a:tr>
@@ -29178,7 +28416,7 @@
                 </a:tc>
                 <a:extLst>
                   <a:ext uri="{0D108BD9-81ED-4DB2-BD59-A6C34878D82A}">
-                    <a16:rowId xmlns:a16="http://schemas.microsoft.com/office/drawing/2014/main" val="10003"/>
+                    <a16:rowId xmlns="" xmlns:a16="http://schemas.microsoft.com/office/drawing/2014/main" val="10003"/>
                   </a:ext>
                 </a:extLst>
               </a:tr>
@@ -29225,7 +28463,7 @@
                 </a:tc>
                 <a:extLst>
                   <a:ext uri="{0D108BD9-81ED-4DB2-BD59-A6C34878D82A}">
-                    <a16:rowId xmlns:a16="http://schemas.microsoft.com/office/drawing/2014/main" val="10004"/>
+                    <a16:rowId xmlns="" xmlns:a16="http://schemas.microsoft.com/office/drawing/2014/main" val="10004"/>
                   </a:ext>
                 </a:extLst>
               </a:tr>
@@ -29304,7 +28542,7 @@
                 </a:tc>
                 <a:extLst>
                   <a:ext uri="{0D108BD9-81ED-4DB2-BD59-A6C34878D82A}">
-                    <a16:rowId xmlns:a16="http://schemas.microsoft.com/office/drawing/2014/main" val="10005"/>
+                    <a16:rowId xmlns="" xmlns:a16="http://schemas.microsoft.com/office/drawing/2014/main" val="10005"/>
                   </a:ext>
                 </a:extLst>
               </a:tr>
@@ -29351,7 +28589,7 @@
                 </a:tc>
                 <a:extLst>
                   <a:ext uri="{0D108BD9-81ED-4DB2-BD59-A6C34878D82A}">
-                    <a16:rowId xmlns:a16="http://schemas.microsoft.com/office/drawing/2014/main" val="10006"/>
+                    <a16:rowId xmlns="" xmlns:a16="http://schemas.microsoft.com/office/drawing/2014/main" val="10006"/>
                   </a:ext>
                 </a:extLst>
               </a:tr>
@@ -29398,7 +28636,7 @@
                 </a:tc>
                 <a:extLst>
                   <a:ext uri="{0D108BD9-81ED-4DB2-BD59-A6C34878D82A}">
-                    <a16:rowId xmlns:a16="http://schemas.microsoft.com/office/drawing/2014/main" val="10007"/>
+                    <a16:rowId xmlns="" xmlns:a16="http://schemas.microsoft.com/office/drawing/2014/main" val="10007"/>
                   </a:ext>
                 </a:extLst>
               </a:tr>
@@ -29445,7 +28683,7 @@
                 </a:tc>
                 <a:extLst>
                   <a:ext uri="{0D108BD9-81ED-4DB2-BD59-A6C34878D82A}">
-                    <a16:rowId xmlns:a16="http://schemas.microsoft.com/office/drawing/2014/main" val="10008"/>
+                    <a16:rowId xmlns="" xmlns:a16="http://schemas.microsoft.com/office/drawing/2014/main" val="10008"/>
                   </a:ext>
                 </a:extLst>
               </a:tr>
@@ -29893,14 +29131,14 @@
           <p:nvPr>
             <p:extLst>
               <p:ext uri="{D42A27DB-BD31-4B8C-83A1-F6EECF244321}">
-                <p14:modId xmlns:p14="http://schemas.microsoft.com/office/powerpoint/2010/main" val="3909417667"/>
+                <p14:modId xmlns:p14="http://schemas.microsoft.com/office/powerpoint/2010/main" val="3897567277"/>
               </p:ext>
             </p:extLst>
           </p:nvPr>
         </p:nvGraphicFramePr>
         <p:xfrm>
           <a:off x="107380" y="1772771"/>
-          <a:ext cx="8929240" cy="4570589"/>
+          <a:ext cx="8929240" cy="4591659"/>
         </p:xfrm>
         <a:graphic>
           <a:graphicData uri="http://schemas.openxmlformats.org/drawingml/2006/table">
@@ -29912,42 +29150,42 @@
                 <a:gridCol w="1512210">
                   <a:extLst>
                     <a:ext uri="{9D8B030D-6E8A-4147-A177-3AD203B41FA5}">
-                      <a16:colId xmlns:a16="http://schemas.microsoft.com/office/drawing/2014/main" val="20000"/>
+                      <a16:colId xmlns="" xmlns:a16="http://schemas.microsoft.com/office/drawing/2014/main" val="20000"/>
                     </a:ext>
                   </a:extLst>
                 </a:gridCol>
                 <a:gridCol w="936130">
                   <a:extLst>
                     <a:ext uri="{9D8B030D-6E8A-4147-A177-3AD203B41FA5}">
-                      <a16:colId xmlns:a16="http://schemas.microsoft.com/office/drawing/2014/main" val="20001"/>
+                      <a16:colId xmlns="" xmlns:a16="http://schemas.microsoft.com/office/drawing/2014/main" val="20001"/>
                     </a:ext>
                   </a:extLst>
                 </a:gridCol>
                 <a:gridCol w="1296180">
                   <a:extLst>
                     <a:ext uri="{9D8B030D-6E8A-4147-A177-3AD203B41FA5}">
-                      <a16:colId xmlns:a16="http://schemas.microsoft.com/office/drawing/2014/main" val="20002"/>
+                      <a16:colId xmlns="" xmlns:a16="http://schemas.microsoft.com/office/drawing/2014/main" val="20002"/>
                     </a:ext>
                   </a:extLst>
                 </a:gridCol>
                 <a:gridCol w="3456480">
                   <a:extLst>
                     <a:ext uri="{9D8B030D-6E8A-4147-A177-3AD203B41FA5}">
-                      <a16:colId xmlns:a16="http://schemas.microsoft.com/office/drawing/2014/main" val="20003"/>
+                      <a16:colId xmlns="" xmlns:a16="http://schemas.microsoft.com/office/drawing/2014/main" val="20003"/>
                     </a:ext>
                   </a:extLst>
                 </a:gridCol>
                 <a:gridCol w="1008140">
                   <a:extLst>
                     <a:ext uri="{9D8B030D-6E8A-4147-A177-3AD203B41FA5}">
-                      <a16:colId xmlns:a16="http://schemas.microsoft.com/office/drawing/2014/main" val="20004"/>
+                      <a16:colId xmlns="" xmlns:a16="http://schemas.microsoft.com/office/drawing/2014/main" val="20004"/>
                     </a:ext>
                   </a:extLst>
                 </a:gridCol>
                 <a:gridCol w="720100">
                   <a:extLst>
                     <a:ext uri="{9D8B030D-6E8A-4147-A177-3AD203B41FA5}">
-                      <a16:colId xmlns:a16="http://schemas.microsoft.com/office/drawing/2014/main" val="20005"/>
+                      <a16:colId xmlns="" xmlns:a16="http://schemas.microsoft.com/office/drawing/2014/main" val="20005"/>
                     </a:ext>
                   </a:extLst>
                 </a:gridCol>
@@ -30155,7 +29393,7 @@
                 </a:tc>
                 <a:extLst>
                   <a:ext uri="{0D108BD9-81ED-4DB2-BD59-A6C34878D82A}">
-                    <a16:rowId xmlns:a16="http://schemas.microsoft.com/office/drawing/2014/main" val="10000"/>
+                    <a16:rowId xmlns="" xmlns:a16="http://schemas.microsoft.com/office/drawing/2014/main" val="10000"/>
                   </a:ext>
                 </a:extLst>
               </a:tr>
@@ -30305,10 +29543,124 @@
                         </a:spcAft>
                       </a:pPr>
                       <a:r>
-                        <a:rPr lang="en-US" sz="900" kern="0" dirty="0">
+                        <a:rPr lang="en-US" sz="1050" kern="0" dirty="0">
                           <a:effectLst/>
                         </a:rPr>
                         <a:t>○</a:t>
+                      </a:r>
+                      <a:endParaRPr lang="ja-JP" sz="1200" kern="100" dirty="0">
+                        <a:effectLst/>
+                        <a:latin typeface="Century" panose="02040604050505020304" pitchFamily="18" charset="0"/>
+                        <a:ea typeface="ＭＳ 明朝" panose="02020609040205080304" pitchFamily="17" charset="-128"/>
+                        <a:cs typeface="Times New Roman" panose="02020603050405020304" pitchFamily="18" charset="0"/>
+                      </a:endParaRPr>
+                    </a:p>
+                  </a:txBody>
+                  <a:tcPr marL="68580" marR="68580" marT="0" marB="0" anchor="ctr"/>
+                </a:tc>
+                <a:tc>
+                  <a:txBody>
+                    <a:bodyPr/>
+                    <a:lstStyle/>
+                    <a:p>
+                      <a:pPr algn="just">
+                        <a:lnSpc>
+                          <a:spcPts val="1200"/>
+                        </a:lnSpc>
+                        <a:spcAft>
+                          <a:spcPts val="0"/>
+                        </a:spcAft>
+                      </a:pPr>
+                      <a:r>
+                        <a:rPr lang="en-US" altLang="ja-JP" sz="1050" kern="100" dirty="0" smtClean="0">
+                          <a:effectLst/>
+                        </a:rPr>
+                        <a:t>×</a:t>
+                      </a:r>
+                      <a:endParaRPr lang="ja-JP" sz="1050" kern="100" dirty="0">
+                        <a:effectLst/>
+                        <a:latin typeface="+mn-lt"/>
+                        <a:ea typeface="ＭＳ 明朝" panose="02020609040205080304" pitchFamily="17" charset="-128"/>
+                        <a:cs typeface="Times New Roman" panose="02020603050405020304" pitchFamily="18" charset="0"/>
+                      </a:endParaRPr>
+                    </a:p>
+                  </a:txBody>
+                  <a:tcPr marL="68580" marR="68580" marT="0" marB="0" anchor="ctr"/>
+                </a:tc>
+                <a:extLst>
+                  <a:ext uri="{0D108BD9-81ED-4DB2-BD59-A6C34878D82A}">
+                    <a16:rowId xmlns="" xmlns:a16="http://schemas.microsoft.com/office/drawing/2014/main" val="10001"/>
+                  </a:ext>
+                </a:extLst>
+              </a:tr>
+              <a:tr h="316222">
+                <a:tc>
+                  <a:txBody>
+                    <a:bodyPr/>
+                    <a:lstStyle/>
+                    <a:p>
+                      <a:pPr algn="just">
+                        <a:spcAft>
+                          <a:spcPts val="0"/>
+                        </a:spcAft>
+                      </a:pPr>
+                      <a:r>
+                        <a:rPr lang="en-US" sz="900" kern="100" dirty="0">
+                          <a:effectLst/>
+                        </a:rPr>
+                        <a:t>Create_param</a:t>
+                      </a:r>
+                      <a:endParaRPr lang="ja-JP" sz="1050" kern="100" dirty="0">
+                        <a:effectLst/>
+                        <a:latin typeface="Century" panose="02040604050505020304" pitchFamily="18" charset="0"/>
+                        <a:ea typeface="ＭＳ 明朝" panose="02020609040205080304" pitchFamily="17" charset="-128"/>
+                        <a:cs typeface="Times New Roman" panose="02020603050405020304" pitchFamily="18" charset="0"/>
+                      </a:endParaRPr>
+                    </a:p>
+                  </a:txBody>
+                  <a:tcPr marL="68580" marR="68580" marT="0" marB="0" anchor="ctr"/>
+                </a:tc>
+                <a:tc>
+                  <a:txBody>
+                    <a:bodyPr/>
+                    <a:lstStyle/>
+                    <a:p>
+                      <a:pPr algn="just">
+                        <a:spcAft>
+                          <a:spcPts val="0"/>
+                        </a:spcAft>
+                      </a:pPr>
+                      <a:r>
+                        <a:rPr lang="en-US" sz="900" kern="100" dirty="0">
+                          <a:effectLst/>
+                        </a:rPr>
+                        <a:t>-</a:t>
+                      </a:r>
+                      <a:endParaRPr lang="ja-JP" sz="1050" kern="100" dirty="0">
+                        <a:effectLst/>
+                        <a:latin typeface="Century" panose="02040604050505020304" pitchFamily="18" charset="0"/>
+                        <a:ea typeface="ＭＳ 明朝" panose="02020609040205080304" pitchFamily="17" charset="-128"/>
+                        <a:cs typeface="Times New Roman" panose="02020603050405020304" pitchFamily="18" charset="0"/>
+                      </a:endParaRPr>
+                    </a:p>
+                  </a:txBody>
+                  <a:tcPr marL="68580" marR="68580" marT="0" marB="0" anchor="ctr"/>
+                </a:tc>
+                <a:tc>
+                  <a:txBody>
+                    <a:bodyPr/>
+                    <a:lstStyle/>
+                    <a:p>
+                      <a:pPr indent="-40005" algn="just">
+                        <a:spcAft>
+                          <a:spcPts val="0"/>
+                        </a:spcAft>
+                      </a:pPr>
+                      <a:r>
+                        <a:rPr lang="ja-JP" sz="900" kern="0" dirty="0">
+                          <a:effectLst/>
+                        </a:rPr>
+                        <a:t>パラメータシート作成</a:t>
                       </a:r>
                       <a:endParaRPr lang="ja-JP" sz="1050" kern="100" dirty="0">
                         <a:effectLst/>
@@ -30334,95 +29686,22 @@
                         </a:spcAft>
                       </a:pPr>
                       <a:r>
-                        <a:rPr lang="en-US" altLang="ja-JP" sz="1050" kern="100" dirty="0" smtClean="0">
-                          <a:effectLst/>
-                        </a:rPr>
-                        <a:t>×</a:t>
-                      </a:r>
-                      <a:endParaRPr lang="ja-JP" sz="1050" kern="100" dirty="0">
-                        <a:effectLst/>
-                        <a:latin typeface="+mn-lt"/>
-                        <a:ea typeface="ＭＳ 明朝" panose="02020609040205080304" pitchFamily="17" charset="-128"/>
-                        <a:cs typeface="Times New Roman" panose="02020603050405020304" pitchFamily="18" charset="0"/>
-                      </a:endParaRPr>
-                    </a:p>
-                  </a:txBody>
-                  <a:tcPr marL="68580" marR="68580" marT="0" marB="0" anchor="ctr"/>
-                </a:tc>
-                <a:extLst>
-                  <a:ext uri="{0D108BD9-81ED-4DB2-BD59-A6C34878D82A}">
-                    <a16:rowId xmlns:a16="http://schemas.microsoft.com/office/drawing/2014/main" val="10001"/>
-                  </a:ext>
-                </a:extLst>
-              </a:tr>
-              <a:tr h="436136">
-                <a:tc>
-                  <a:txBody>
-                    <a:bodyPr/>
-                    <a:lstStyle/>
-                    <a:p>
-                      <a:pPr algn="just">
-                        <a:spcAft>
-                          <a:spcPts val="0"/>
-                        </a:spcAft>
-                      </a:pPr>
+                        <a:rPr lang="ja-JP" sz="900" kern="100" dirty="0">
+                          <a:effectLst/>
+                        </a:rPr>
+                        <a:t>パラメータシート（</a:t>
+                      </a:r>
                       <a:r>
                         <a:rPr lang="en-US" sz="900" kern="100" dirty="0">
                           <a:effectLst/>
                         </a:rPr>
-                        <a:t>Create_param</a:t>
-                      </a:r>
-                      <a:endParaRPr lang="ja-JP" sz="1050" kern="100" dirty="0">
-                        <a:effectLst/>
-                        <a:latin typeface="Century" panose="02040604050505020304" pitchFamily="18" charset="0"/>
-                        <a:ea typeface="ＭＳ 明朝" panose="02020609040205080304" pitchFamily="17" charset="-128"/>
-                        <a:cs typeface="Times New Roman" panose="02020603050405020304" pitchFamily="18" charset="0"/>
-                      </a:endParaRPr>
-                    </a:p>
-                  </a:txBody>
-                  <a:tcPr marL="68580" marR="68580" marT="0" marB="0" anchor="ctr"/>
-                </a:tc>
-                <a:tc>
-                  <a:txBody>
-                    <a:bodyPr/>
-                    <a:lstStyle/>
-                    <a:p>
-                      <a:pPr algn="just">
-                        <a:spcAft>
-                          <a:spcPts val="0"/>
-                        </a:spcAft>
-                      </a:pPr>
-                      <a:r>
-                        <a:rPr lang="en-US" sz="900" kern="100" dirty="0">
-                          <a:effectLst/>
-                        </a:rPr>
-                        <a:t>-</a:t>
-                      </a:r>
-                      <a:endParaRPr lang="ja-JP" sz="1050" kern="100" dirty="0">
-                        <a:effectLst/>
-                        <a:latin typeface="Century" panose="02040604050505020304" pitchFamily="18" charset="0"/>
-                        <a:ea typeface="ＭＳ 明朝" panose="02020609040205080304" pitchFamily="17" charset="-128"/>
-                        <a:cs typeface="Times New Roman" panose="02020603050405020304" pitchFamily="18" charset="0"/>
-                      </a:endParaRPr>
-                    </a:p>
-                  </a:txBody>
-                  <a:tcPr marL="68580" marR="68580" marT="0" marB="0" anchor="ctr"/>
-                </a:tc>
-                <a:tc>
-                  <a:txBody>
-                    <a:bodyPr/>
-                    <a:lstStyle/>
-                    <a:p>
-                      <a:pPr indent="-40005" algn="just">
-                        <a:spcAft>
-                          <a:spcPts val="0"/>
-                        </a:spcAft>
-                      </a:pPr>
-                      <a:r>
-                        <a:rPr lang="ja-JP" sz="900" kern="0" dirty="0">
-                          <a:effectLst/>
-                        </a:rPr>
-                        <a:t>パラメータシート作成</a:t>
+                        <a:t>Web</a:t>
+                      </a:r>
+                      <a:r>
+                        <a:rPr lang="ja-JP" sz="900" kern="100" dirty="0">
+                          <a:effectLst/>
+                        </a:rPr>
+                        <a:t>メニュー）を作成・管理します。</a:t>
                       </a:r>
                       <a:endParaRPr lang="ja-JP" sz="1050" kern="100" dirty="0">
                         <a:effectLst/>
@@ -30448,22 +29727,127 @@
                         </a:spcAft>
                       </a:pPr>
                       <a:r>
-                        <a:rPr lang="ja-JP" sz="900" kern="100" dirty="0">
-                          <a:effectLst/>
-                        </a:rPr>
-                        <a:t>パラメータシート（</a:t>
-                      </a:r>
+                        <a:rPr lang="en-US" sz="1050" kern="100" dirty="0">
+                          <a:effectLst/>
+                        </a:rPr>
+                        <a:t>-</a:t>
+                      </a:r>
+                      <a:endParaRPr lang="ja-JP" sz="1200" kern="100" dirty="0">
+                        <a:effectLst/>
+                        <a:latin typeface="Century" panose="02040604050505020304" pitchFamily="18" charset="0"/>
+                        <a:ea typeface="ＭＳ 明朝" panose="02020609040205080304" pitchFamily="17" charset="-128"/>
+                        <a:cs typeface="Times New Roman" panose="02020603050405020304" pitchFamily="18" charset="0"/>
+                      </a:endParaRPr>
+                    </a:p>
+                  </a:txBody>
+                  <a:tcPr marL="68580" marR="68580" marT="0" marB="0" anchor="ctr"/>
+                </a:tc>
+                <a:tc>
+                  <a:txBody>
+                    <a:bodyPr/>
+                    <a:lstStyle/>
+                    <a:p>
+                      <a:pPr algn="just">
+                        <a:lnSpc>
+                          <a:spcPts val="1200"/>
+                        </a:lnSpc>
+                        <a:spcAft>
+                          <a:spcPts val="0"/>
+                        </a:spcAft>
+                      </a:pPr>
+                      <a:r>
+                        <a:rPr lang="ja-JP" altLang="en-US" sz="1050" kern="100" dirty="0" smtClean="0">
+                          <a:effectLst/>
+                          <a:latin typeface="+mn-lt"/>
+                          <a:ea typeface="+mn-ea"/>
+                          <a:cs typeface="+mn-cs"/>
+                        </a:rPr>
+                        <a:t>○</a:t>
+                      </a:r>
+                      <a:endParaRPr lang="ja-JP" sz="1050" kern="100" dirty="0">
+                        <a:effectLst/>
+                        <a:latin typeface="Century" panose="02040604050505020304" pitchFamily="18" charset="0"/>
+                        <a:ea typeface="ＭＳ 明朝" panose="02020609040205080304" pitchFamily="17" charset="-128"/>
+                        <a:cs typeface="Times New Roman" panose="02020603050405020304" pitchFamily="18" charset="0"/>
+                      </a:endParaRPr>
+                    </a:p>
+                  </a:txBody>
+                  <a:tcPr marL="68580" marR="68580" marT="0" marB="0" anchor="ctr"/>
+                </a:tc>
+                <a:extLst>
+                  <a:ext uri="{0D108BD9-81ED-4DB2-BD59-A6C34878D82A}">
+                    <a16:rowId xmlns="" xmlns:a16="http://schemas.microsoft.com/office/drawing/2014/main" val="10002"/>
+                  </a:ext>
+                </a:extLst>
+              </a:tr>
+              <a:tr h="360050">
+                <a:tc>
+                  <a:txBody>
+                    <a:bodyPr/>
+                    <a:lstStyle/>
+                    <a:p>
+                      <a:pPr algn="just">
+                        <a:spcAft>
+                          <a:spcPts val="0"/>
+                        </a:spcAft>
+                      </a:pPr>
                       <a:r>
                         <a:rPr lang="en-US" sz="900" kern="100" dirty="0">
                           <a:effectLst/>
                         </a:rPr>
-                        <a:t>Web</a:t>
-                      </a:r>
-                      <a:r>
-                        <a:rPr lang="ja-JP" sz="900" kern="100" dirty="0">
-                          <a:effectLst/>
-                        </a:rPr>
-                        <a:t>メニュー）を作成・管理します。</a:t>
+                        <a:t>Hostgroup</a:t>
+                      </a:r>
+                      <a:endParaRPr lang="ja-JP" sz="1050" kern="100" dirty="0">
+                        <a:effectLst/>
+                        <a:latin typeface="Century" panose="02040604050505020304" pitchFamily="18" charset="0"/>
+                        <a:ea typeface="ＭＳ 明朝" panose="02020609040205080304" pitchFamily="17" charset="-128"/>
+                        <a:cs typeface="Times New Roman" panose="02020603050405020304" pitchFamily="18" charset="0"/>
+                      </a:endParaRPr>
+                    </a:p>
+                  </a:txBody>
+                  <a:tcPr marL="68580" marR="68580" marT="0" marB="0" anchor="ctr"/>
+                </a:tc>
+                <a:tc>
+                  <a:txBody>
+                    <a:bodyPr/>
+                    <a:lstStyle/>
+                    <a:p>
+                      <a:pPr algn="just">
+                        <a:spcAft>
+                          <a:spcPts val="0"/>
+                        </a:spcAft>
+                      </a:pPr>
+                      <a:r>
+                        <a:rPr lang="en-US" sz="900" kern="100" dirty="0">
+                          <a:effectLst/>
+                        </a:rPr>
+                        <a:t>-</a:t>
+                      </a:r>
+                      <a:endParaRPr lang="ja-JP" sz="1050" kern="100" dirty="0">
+                        <a:effectLst/>
+                        <a:latin typeface="Century" panose="02040604050505020304" pitchFamily="18" charset="0"/>
+                        <a:ea typeface="ＭＳ 明朝" panose="02020609040205080304" pitchFamily="17" charset="-128"/>
+                        <a:cs typeface="Times New Roman" panose="02020603050405020304" pitchFamily="18" charset="0"/>
+                      </a:endParaRPr>
+                    </a:p>
+                  </a:txBody>
+                  <a:tcPr marL="68580" marR="68580" marT="0" marB="0" anchor="ctr"/>
+                </a:tc>
+                <a:tc>
+                  <a:txBody>
+                    <a:bodyPr/>
+                    <a:lstStyle/>
+                    <a:p>
+                      <a:pPr indent="-40005" algn="just">
+                        <a:spcAft>
+                          <a:spcPts val="0"/>
+                        </a:spcAft>
+                      </a:pPr>
+                      <a:r>
+                        <a:rPr lang="ja-JP" sz="900" kern="0" dirty="0">
+                          <a:effectLst/>
+                        </a:rPr>
+                        <a:t>ホストグループ</a:t>
                       </a:r>
                       <a:endParaRPr lang="ja-JP" sz="1050" kern="100" dirty="0">
                         <a:effectLst/>
@@ -30489,10 +29873,10 @@
                         </a:spcAft>
                       </a:pPr>
                       <a:r>
-                        <a:rPr lang="en-US" sz="900" kern="100" dirty="0">
-                          <a:effectLst/>
-                        </a:rPr>
-                        <a:t>-</a:t>
+                        <a:rPr lang="ja-JP" sz="900" kern="100" dirty="0">
+                          <a:effectLst/>
+                        </a:rPr>
+                        <a:t>ホスト群を論理的な単位（機能・役割）でまとめたグループにして、投入するパラメータを管理します。</a:t>
                       </a:r>
                       <a:endParaRPr lang="ja-JP" sz="1050" kern="100" dirty="0">
                         <a:effectLst/>
@@ -30518,13 +29902,39 @@
                         </a:spcAft>
                       </a:pPr>
                       <a:r>
-                        <a:rPr lang="ja-JP" altLang="en-US" sz="1050" kern="100" dirty="0" smtClean="0">
-                          <a:effectLst/>
-                          <a:latin typeface="+mn-lt"/>
-                          <a:ea typeface="+mn-ea"/>
-                          <a:cs typeface="+mn-cs"/>
-                        </a:rPr>
-                        <a:t>○</a:t>
+                        <a:rPr lang="en-US" sz="1050" kern="100" dirty="0">
+                          <a:effectLst/>
+                        </a:rPr>
+                        <a:t>-</a:t>
+                      </a:r>
+                      <a:endParaRPr lang="ja-JP" sz="1200" kern="100" dirty="0">
+                        <a:effectLst/>
+                        <a:latin typeface="Century" panose="02040604050505020304" pitchFamily="18" charset="0"/>
+                        <a:ea typeface="ＭＳ 明朝" panose="02020609040205080304" pitchFamily="17" charset="-128"/>
+                        <a:cs typeface="Times New Roman" panose="02020603050405020304" pitchFamily="18" charset="0"/>
+                      </a:endParaRPr>
+                    </a:p>
+                  </a:txBody>
+                  <a:tcPr marL="68580" marR="68580" marT="0" marB="0" anchor="ctr"/>
+                </a:tc>
+                <a:tc>
+                  <a:txBody>
+                    <a:bodyPr/>
+                    <a:lstStyle/>
+                    <a:p>
+                      <a:pPr algn="just">
+                        <a:lnSpc>
+                          <a:spcPts val="1200"/>
+                        </a:lnSpc>
+                        <a:spcAft>
+                          <a:spcPts val="0"/>
+                        </a:spcAft>
+                      </a:pPr>
+                      <a:r>
+                        <a:rPr lang="en-US" altLang="ja-JP" sz="1050" kern="100" dirty="0" smtClean="0">
+                          <a:effectLst/>
+                        </a:rPr>
+                        <a:t>×</a:t>
                       </a:r>
                       <a:endParaRPr lang="ja-JP" sz="1050" kern="100" dirty="0">
                         <a:effectLst/>
@@ -30538,12 +29948,12 @@
                 </a:tc>
                 <a:extLst>
                   <a:ext uri="{0D108BD9-81ED-4DB2-BD59-A6C34878D82A}">
-                    <a16:rowId xmlns:a16="http://schemas.microsoft.com/office/drawing/2014/main" val="10002"/>
+                    <a16:rowId xmlns="" xmlns:a16="http://schemas.microsoft.com/office/drawing/2014/main" val="10003"/>
                   </a:ext>
                 </a:extLst>
               </a:tr>
-              <a:tr h="436136">
-                <a:tc>
+              <a:tr h="619366">
+                <a:tc rowSpan="2">
                   <a:txBody>
                     <a:bodyPr/>
                     <a:lstStyle/>
@@ -30557,7 +29967,13 @@
                         <a:rPr lang="en-US" sz="900" kern="100" dirty="0">
                           <a:effectLst/>
                         </a:rPr>
-                        <a:t>Hostgroup</a:t>
+                        <a:t>Ansible</a:t>
+                      </a:r>
+                      <a:r>
+                        <a:rPr lang="ja-JP" sz="900" kern="100" dirty="0">
+                          <a:effectLst/>
+                        </a:rPr>
+                        <a:t>ドライバー</a:t>
                       </a:r>
                       <a:endParaRPr lang="ja-JP" sz="1050" kern="100" dirty="0">
                         <a:effectLst/>
@@ -30580,10 +29996,467 @@
                         </a:spcAft>
                       </a:pPr>
                       <a:r>
+                        <a:rPr lang="en-US" sz="900" kern="100" dirty="0" smtClean="0">
+                          <a:effectLst/>
+                        </a:rPr>
+                        <a:t>Ansible</a:t>
+                      </a:r>
+                    </a:p>
+                  </a:txBody>
+                  <a:tcPr marL="68580" marR="68580" marT="0" marB="0" anchor="ctr"/>
+                </a:tc>
+                <a:tc>
+                  <a:txBody>
+                    <a:bodyPr/>
+                    <a:lstStyle/>
+                    <a:p>
+                      <a:pPr indent="-40005" algn="just">
+                        <a:spcAft>
+                          <a:spcPts val="0"/>
+                        </a:spcAft>
+                      </a:pPr>
+                      <a:r>
+                        <a:rPr lang="ja-JP" sz="900" kern="0" dirty="0">
+                          <a:effectLst/>
+                        </a:rPr>
+                        <a:t>システム構築</a:t>
+                      </a:r>
+                      <a:endParaRPr lang="ja-JP" sz="1050" kern="100" dirty="0">
+                        <a:effectLst/>
+                        <a:latin typeface="Century" panose="02040604050505020304" pitchFamily="18" charset="0"/>
+                        <a:ea typeface="ＭＳ 明朝" panose="02020609040205080304" pitchFamily="17" charset="-128"/>
+                        <a:cs typeface="Times New Roman" panose="02020603050405020304" pitchFamily="18" charset="0"/>
+                      </a:endParaRPr>
+                    </a:p>
+                  </a:txBody>
+                  <a:tcPr marL="68580" marR="68580" marT="0" marB="0" anchor="ctr"/>
+                </a:tc>
+                <a:tc>
+                  <a:txBody>
+                    <a:bodyPr/>
+                    <a:lstStyle/>
+                    <a:p>
+                      <a:pPr algn="l">
+                        <a:lnSpc>
+                          <a:spcPts val="1200"/>
+                        </a:lnSpc>
+                        <a:spcAft>
+                          <a:spcPts val="0"/>
+                        </a:spcAft>
+                      </a:pPr>
+                      <a:r>
+                        <a:rPr lang="en-US" altLang="ja-JP" sz="900" kern="100" dirty="0" smtClean="0">
+                          <a:effectLst/>
+                        </a:rPr>
+                        <a:t>Red Hat</a:t>
+                      </a:r>
+                      <a:r>
+                        <a:rPr lang="ja-JP" altLang="ja-JP" sz="900" kern="100" dirty="0" smtClean="0">
+                          <a:effectLst/>
+                        </a:rPr>
+                        <a:t>社が提供する</a:t>
+                      </a:r>
+                      <a:r>
+                        <a:rPr lang="en-US" altLang="ja-JP" sz="900" strike="noStrike" kern="100" baseline="0" dirty="0" smtClean="0">
+                          <a:effectLst/>
+                        </a:rPr>
+                        <a:t>OSS</a:t>
+                      </a:r>
+                      <a:r>
+                        <a:rPr lang="ja-JP" altLang="ja-JP" sz="900" kern="100" dirty="0" smtClean="0">
+                          <a:effectLst/>
+                        </a:rPr>
+                        <a:t>の</a:t>
+                      </a:r>
+                      <a:r>
+                        <a:rPr lang="en-US" altLang="ja-JP" sz="900" kern="100" dirty="0" smtClean="0">
+                          <a:effectLst/>
+                        </a:rPr>
+                        <a:t>PF</a:t>
+                      </a:r>
+                      <a:r>
+                        <a:rPr lang="ja-JP" altLang="ja-JP" sz="900" kern="100" dirty="0" smtClean="0">
+                          <a:effectLst/>
+                        </a:rPr>
+                        <a:t>構築ツールです。</a:t>
+                      </a:r>
+                      <a:r>
+                        <a:rPr lang="en-US" altLang="ja-JP" sz="900" kern="100" dirty="0" smtClean="0">
+                          <a:effectLst/>
+                        </a:rPr>
+                        <a:t/>
+                      </a:r>
+                      <a:br>
+                        <a:rPr lang="en-US" altLang="ja-JP" sz="900" kern="100" dirty="0" smtClean="0">
+                          <a:effectLst/>
+                        </a:rPr>
+                      </a:br>
+                      <a:r>
+                        <a:rPr lang="en-US" altLang="ja-JP" sz="900" kern="100" dirty="0" smtClean="0">
+                          <a:effectLst/>
+                        </a:rPr>
+                        <a:t>Playbook</a:t>
+                      </a:r>
+                      <a:r>
+                        <a:rPr lang="ja-JP" altLang="ja-JP" sz="900" kern="100" dirty="0" smtClean="0">
+                          <a:effectLst/>
+                        </a:rPr>
+                        <a:t>と呼ばれる構築コードをもとに、ネットワークで接続された機器に対して、ソフトウェアのインストール、各種設定、ファイル転送、パッチの適用などを行います。</a:t>
+                      </a:r>
+                      <a:endParaRPr lang="ja-JP" altLang="ja-JP" sz="1050" kern="100" dirty="0">
+                        <a:effectLst/>
+                        <a:latin typeface="Century" panose="02040604050505020304" pitchFamily="18" charset="0"/>
+                        <a:ea typeface="ＭＳ 明朝" panose="02020609040205080304" pitchFamily="17" charset="-128"/>
+                        <a:cs typeface="Times New Roman" panose="02020603050405020304" pitchFamily="18" charset="0"/>
+                      </a:endParaRPr>
+                    </a:p>
+                  </a:txBody>
+                  <a:tcPr marL="68580" marR="68580" marT="0" marB="0" anchor="ctr"/>
+                </a:tc>
+                <a:tc>
+                  <a:txBody>
+                    <a:bodyPr/>
+                    <a:lstStyle/>
+                    <a:p>
+                      <a:pPr algn="just">
+                        <a:lnSpc>
+                          <a:spcPts val="1200"/>
+                        </a:lnSpc>
+                        <a:spcAft>
+                          <a:spcPts val="0"/>
+                        </a:spcAft>
+                      </a:pPr>
+                      <a:r>
+                        <a:rPr lang="en-US" sz="1050" kern="100" dirty="0">
+                          <a:effectLst/>
+                        </a:rPr>
+                        <a:t>○</a:t>
+                      </a:r>
+                      <a:endParaRPr lang="ja-JP" sz="1200" kern="100" dirty="0">
+                        <a:effectLst/>
+                        <a:latin typeface="Century" panose="02040604050505020304" pitchFamily="18" charset="0"/>
+                        <a:ea typeface="ＭＳ 明朝" panose="02020609040205080304" pitchFamily="17" charset="-128"/>
+                        <a:cs typeface="Times New Roman" panose="02020603050405020304" pitchFamily="18" charset="0"/>
+                      </a:endParaRPr>
+                    </a:p>
+                  </a:txBody>
+                  <a:tcPr marL="68580" marR="68580" marT="0" marB="0" anchor="ctr"/>
+                </a:tc>
+                <a:tc rowSpan="2">
+                  <a:txBody>
+                    <a:bodyPr/>
+                    <a:lstStyle/>
+                    <a:p>
+                      <a:pPr algn="just">
+                        <a:lnSpc>
+                          <a:spcPts val="1200"/>
+                        </a:lnSpc>
+                        <a:spcAft>
+                          <a:spcPts val="0"/>
+                        </a:spcAft>
+                      </a:pPr>
+                      <a:r>
+                        <a:rPr lang="ja-JP" altLang="en-US" sz="1050" kern="100" dirty="0" smtClean="0">
+                          <a:effectLst/>
+                        </a:rPr>
+                        <a:t>○</a:t>
+                      </a:r>
+                      <a:endParaRPr lang="ja-JP" sz="1050" kern="100" dirty="0">
+                        <a:effectLst/>
+                        <a:latin typeface="+mn-ea"/>
+                        <a:ea typeface="+mn-ea"/>
+                        <a:cs typeface="Times New Roman" panose="02020603050405020304" pitchFamily="18" charset="0"/>
+                      </a:endParaRPr>
+                    </a:p>
+                  </a:txBody>
+                  <a:tcPr marL="68580" marR="68580" marT="0" marB="0" anchor="ctr"/>
+                </a:tc>
+                <a:extLst>
+                  <a:ext uri="{0D108BD9-81ED-4DB2-BD59-A6C34878D82A}">
+                    <a16:rowId xmlns="" xmlns:a16="http://schemas.microsoft.com/office/drawing/2014/main" val="10004"/>
+                  </a:ext>
+                </a:extLst>
+              </a:tr>
+              <a:tr h="532794">
+                <a:tc vMerge="1">
+                  <a:txBody>
+                    <a:bodyPr/>
+                    <a:lstStyle/>
+                    <a:p>
+                      <a:pPr algn="just">
+                        <a:spcAft>
+                          <a:spcPts val="0"/>
+                        </a:spcAft>
+                      </a:pPr>
+                      <a:endParaRPr lang="ja-JP" sz="1050" strike="noStrike" kern="100" dirty="0">
+                        <a:solidFill>
+                          <a:schemeClr val="bg1"/>
+                        </a:solidFill>
+                        <a:effectLst/>
+                        <a:latin typeface="Century" panose="02040604050505020304" pitchFamily="18" charset="0"/>
+                        <a:ea typeface="ＭＳ 明朝" panose="02020609040205080304" pitchFamily="17" charset="-128"/>
+                        <a:cs typeface="Times New Roman" panose="02020603050405020304" pitchFamily="18" charset="0"/>
+                      </a:endParaRPr>
+                    </a:p>
+                  </a:txBody>
+                  <a:tcPr marL="68580" marR="68580" marT="0" marB="0" anchor="ctr"/>
+                </a:tc>
+                <a:tc>
+                  <a:txBody>
+                    <a:bodyPr/>
+                    <a:lstStyle/>
+                    <a:p>
+                      <a:pPr marL="0" marR="0" lvl="0" indent="0" algn="just" defTabSz="914400" rtl="0" eaLnBrk="1" fontAlgn="auto" latinLnBrk="0" hangingPunct="1">
+                        <a:lnSpc>
+                          <a:spcPct val="100000"/>
+                        </a:lnSpc>
+                        <a:spcBef>
+                          <a:spcPts val="0"/>
+                        </a:spcBef>
+                        <a:spcAft>
+                          <a:spcPts val="0"/>
+                        </a:spcAft>
+                        <a:buClrTx/>
+                        <a:buSzTx/>
+                        <a:buFontTx/>
+                        <a:buNone/>
+                        <a:tabLst/>
+                        <a:defRPr/>
+                      </a:pPr>
+                      <a:r>
+                        <a:rPr lang="en-US" altLang="ja-JP" sz="900" strike="noStrike" kern="100" dirty="0" smtClean="0">
+                          <a:solidFill>
+                            <a:schemeClr val="tx1"/>
+                          </a:solidFill>
+                          <a:effectLst/>
+                        </a:rPr>
+                        <a:t>AnsibleTower</a:t>
+                      </a:r>
+                      <a:endParaRPr lang="ja-JP" altLang="ja-JP" sz="900" strike="noStrike" kern="100" dirty="0" smtClean="0">
+                        <a:solidFill>
+                          <a:schemeClr val="tx1"/>
+                        </a:solidFill>
+                        <a:effectLst/>
+                        <a:latin typeface="Century" panose="02040604050505020304" pitchFamily="18" charset="0"/>
+                        <a:ea typeface="ＭＳ 明朝" panose="02020609040205080304" pitchFamily="17" charset="-128"/>
+                        <a:cs typeface="Times New Roman" panose="02020603050405020304" pitchFamily="18" charset="0"/>
+                      </a:endParaRPr>
+                    </a:p>
+                  </a:txBody>
+                  <a:tcPr marL="68580" marR="68580" marT="0" marB="0" anchor="ctr"/>
+                </a:tc>
+                <a:tc>
+                  <a:txBody>
+                    <a:bodyPr/>
+                    <a:lstStyle/>
+                    <a:p>
+                      <a:pPr marL="0" indent="0" algn="l">
+                        <a:spcAft>
+                          <a:spcPts val="0"/>
+                        </a:spcAft>
+                      </a:pPr>
+                      <a:r>
+                        <a:rPr lang="ja-JP" altLang="en-US" sz="900" strike="noStrike" kern="100" dirty="0" smtClean="0">
+                          <a:solidFill>
+                            <a:schemeClr val="tx1"/>
+                          </a:solidFill>
+                          <a:effectLst/>
+                          <a:latin typeface="+mn-ea"/>
+                          <a:ea typeface="+mn-ea"/>
+                          <a:cs typeface="Times New Roman" panose="02020603050405020304" pitchFamily="18" charset="0"/>
+                        </a:rPr>
+                        <a:t>システム構築</a:t>
+                      </a:r>
+                      <a:endParaRPr lang="ja-JP" altLang="ja-JP" sz="900" strike="noStrike" kern="100" dirty="0">
+                        <a:solidFill>
+                          <a:schemeClr val="tx1"/>
+                        </a:solidFill>
+                        <a:effectLst/>
+                        <a:latin typeface="+mn-ea"/>
+                        <a:ea typeface="+mn-ea"/>
+                        <a:cs typeface="Times New Roman" panose="02020603050405020304" pitchFamily="18" charset="0"/>
+                      </a:endParaRPr>
+                    </a:p>
+                  </a:txBody>
+                  <a:tcPr marL="68580" marR="68580" marT="0" marB="0" anchor="ctr"/>
+                </a:tc>
+                <a:tc>
+                  <a:txBody>
+                    <a:bodyPr/>
+                    <a:lstStyle/>
+                    <a:p>
+                      <a:pPr algn="just">
+                        <a:lnSpc>
+                          <a:spcPts val="1200"/>
+                        </a:lnSpc>
+                        <a:spcAft>
+                          <a:spcPts val="0"/>
+                        </a:spcAft>
+                      </a:pPr>
+                      <a:r>
+                        <a:rPr lang="en-US" sz="900" strike="noStrike" kern="0" dirty="0">
+                          <a:solidFill>
+                            <a:schemeClr val="tx1"/>
+                          </a:solidFill>
+                          <a:effectLst/>
+                        </a:rPr>
+                        <a:t>PF</a:t>
+                      </a:r>
+                      <a:r>
+                        <a:rPr lang="ja-JP" sz="900" strike="noStrike" kern="0" dirty="0">
+                          <a:solidFill>
+                            <a:schemeClr val="tx1"/>
+                          </a:solidFill>
+                          <a:effectLst/>
+                        </a:rPr>
+                        <a:t>構築自動化ツールである</a:t>
+                      </a:r>
+                      <a:r>
+                        <a:rPr lang="en-US" sz="900" strike="noStrike" kern="0" dirty="0">
+                          <a:solidFill>
+                            <a:schemeClr val="tx1"/>
+                          </a:solidFill>
+                          <a:effectLst/>
+                        </a:rPr>
+                        <a:t>Ansible</a:t>
+                      </a:r>
+                      <a:r>
+                        <a:rPr lang="ja-JP" sz="900" strike="noStrike" kern="0" dirty="0">
+                          <a:solidFill>
+                            <a:schemeClr val="tx1"/>
+                          </a:solidFill>
+                          <a:effectLst/>
+                        </a:rPr>
+                        <a:t>にアクセスコントロール、ジョブスケジューリング、タスクの可視化などの機能を拡張した管理プラットフォームです。</a:t>
+                      </a:r>
+                      <a:endParaRPr lang="ja-JP" sz="1050" strike="noStrike" kern="100" dirty="0">
+                        <a:solidFill>
+                          <a:schemeClr val="tx1"/>
+                        </a:solidFill>
+                        <a:effectLst/>
+                        <a:latin typeface="Century" panose="02040604050505020304" pitchFamily="18" charset="0"/>
+                        <a:ea typeface="ＭＳ 明朝" panose="02020609040205080304" pitchFamily="17" charset="-128"/>
+                        <a:cs typeface="Times New Roman" panose="02020603050405020304" pitchFamily="18" charset="0"/>
+                      </a:endParaRPr>
+                    </a:p>
+                  </a:txBody>
+                  <a:tcPr marL="68580" marR="68580" marT="0" marB="0" anchor="ctr"/>
+                </a:tc>
+                <a:tc>
+                  <a:txBody>
+                    <a:bodyPr/>
+                    <a:lstStyle/>
+                    <a:p>
+                      <a:pPr algn="just">
+                        <a:spcAft>
+                          <a:spcPts val="0"/>
+                        </a:spcAft>
+                      </a:pPr>
+                      <a:r>
+                        <a:rPr lang="en-US" sz="1050" strike="noStrike" kern="0" dirty="0">
+                          <a:solidFill>
+                            <a:schemeClr val="tx1"/>
+                          </a:solidFill>
+                          <a:effectLst/>
+                        </a:rPr>
+                        <a:t>×</a:t>
+                      </a:r>
+                      <a:endParaRPr lang="ja-JP" sz="1200" strike="noStrike" kern="100" dirty="0">
+                        <a:solidFill>
+                          <a:schemeClr val="tx1"/>
+                        </a:solidFill>
+                        <a:effectLst/>
+                        <a:latin typeface="Century" panose="02040604050505020304" pitchFamily="18" charset="0"/>
+                        <a:ea typeface="ＭＳ 明朝" panose="02020609040205080304" pitchFamily="17" charset="-128"/>
+                        <a:cs typeface="Times New Roman" panose="02020603050405020304" pitchFamily="18" charset="0"/>
+                      </a:endParaRPr>
+                    </a:p>
+                  </a:txBody>
+                  <a:tcPr marL="68580" marR="68580" marT="0" marB="0" anchor="ctr"/>
+                </a:tc>
+                <a:tc vMerge="1">
+                  <a:txBody>
+                    <a:bodyPr/>
+                    <a:lstStyle/>
+                    <a:p>
+                      <a:pPr algn="just">
+                        <a:spcAft>
+                          <a:spcPts val="0"/>
+                        </a:spcAft>
+                      </a:pPr>
+                      <a:endParaRPr lang="ja-JP" sz="1050" strike="noStrike" kern="100" dirty="0">
+                        <a:solidFill>
+                          <a:schemeClr val="tx1"/>
+                        </a:solidFill>
+                        <a:effectLst/>
+                        <a:latin typeface="Century" panose="02040604050505020304" pitchFamily="18" charset="0"/>
+                        <a:ea typeface="ＭＳ 明朝" panose="02020609040205080304" pitchFamily="17" charset="-128"/>
+                        <a:cs typeface="Times New Roman" panose="02020603050405020304" pitchFamily="18" charset="0"/>
+                      </a:endParaRPr>
+                    </a:p>
+                  </a:txBody>
+                  <a:tcPr marL="68580" marR="68580" marT="0" marB="0" anchor="ctr"/>
+                </a:tc>
+                <a:extLst>
+                  <a:ext uri="{0D108BD9-81ED-4DB2-BD59-A6C34878D82A}">
+                    <a16:rowId xmlns="" xmlns:a16="http://schemas.microsoft.com/office/drawing/2014/main" val="10005"/>
+                  </a:ext>
+                </a:extLst>
+              </a:tr>
+              <a:tr h="576080">
+                <a:tc>
+                  <a:txBody>
+                    <a:bodyPr/>
+                    <a:lstStyle/>
+                    <a:p>
+                      <a:pPr algn="just">
+                        <a:spcAft>
+                          <a:spcPts val="0"/>
+                        </a:spcAft>
+                      </a:pPr>
+                      <a:r>
                         <a:rPr lang="en-US" sz="900" kern="100" dirty="0">
                           <a:effectLst/>
                         </a:rPr>
-                        <a:t>-</a:t>
+                        <a:t> </a:t>
+                      </a:r>
+                      <a:r>
+                        <a:rPr lang="en-US" sz="900" kern="100" dirty="0" smtClean="0">
+                          <a:effectLst/>
+                        </a:rPr>
+                        <a:t>Cobbler</a:t>
+                      </a:r>
+                      <a:r>
+                        <a:rPr lang="ja-JP" sz="900" kern="100" dirty="0">
+                          <a:effectLst/>
+                        </a:rPr>
+                        <a:t>ドライバー</a:t>
+                      </a:r>
+                      <a:endParaRPr lang="ja-JP" sz="1050" kern="100" dirty="0">
+                        <a:effectLst/>
+                        <a:latin typeface="Century" panose="02040604050505020304" pitchFamily="18" charset="0"/>
+                        <a:ea typeface="ＭＳ 明朝" panose="02020609040205080304" pitchFamily="17" charset="-128"/>
+                        <a:cs typeface="Times New Roman" panose="02020603050405020304" pitchFamily="18" charset="0"/>
+                      </a:endParaRPr>
+                    </a:p>
+                  </a:txBody>
+                  <a:tcPr marL="68580" marR="68580" marT="0" marB="0" anchor="ctr"/>
+                </a:tc>
+                <a:tc>
+                  <a:txBody>
+                    <a:bodyPr/>
+                    <a:lstStyle/>
+                    <a:p>
+                      <a:pPr algn="just">
+                        <a:spcAft>
+                          <a:spcPts val="0"/>
+                        </a:spcAft>
+                      </a:pPr>
+                      <a:r>
+                        <a:rPr lang="en-US" sz="900" kern="100" dirty="0" smtClean="0">
+                          <a:effectLst/>
+                        </a:rPr>
+                        <a:t>Cobbler</a:t>
                       </a:r>
                       <a:endParaRPr lang="ja-JP" sz="1050" kern="100" dirty="0">
                         <a:effectLst/>
@@ -30606,10 +30479,280 @@
                         </a:spcAft>
                       </a:pPr>
                       <a:r>
+                        <a:rPr lang="en-US" sz="900" kern="0" dirty="0">
+                          <a:effectLst/>
+                        </a:rPr>
+                        <a:t>OS</a:t>
+                      </a:r>
+                      <a:r>
                         <a:rPr lang="ja-JP" sz="900" kern="0" dirty="0">
                           <a:effectLst/>
                         </a:rPr>
-                        <a:t>ホストグループ</a:t>
+                        <a:t>インストール</a:t>
+                      </a:r>
+                      <a:endParaRPr lang="ja-JP" sz="1050" kern="100" dirty="0">
+                        <a:effectLst/>
+                        <a:latin typeface="Century" panose="02040604050505020304" pitchFamily="18" charset="0"/>
+                        <a:ea typeface="ＭＳ 明朝" panose="02020609040205080304" pitchFamily="17" charset="-128"/>
+                        <a:cs typeface="Times New Roman" panose="02020603050405020304" pitchFamily="18" charset="0"/>
+                      </a:endParaRPr>
+                    </a:p>
+                  </a:txBody>
+                  <a:tcPr marL="68580" marR="68580" marT="0" marB="0" anchor="ctr"/>
+                </a:tc>
+                <a:tc>
+                  <a:txBody>
+                    <a:bodyPr/>
+                    <a:lstStyle/>
+                    <a:p>
+                      <a:pPr algn="l">
+                        <a:lnSpc>
+                          <a:spcPts val="1200"/>
+                        </a:lnSpc>
+                        <a:spcAft>
+                          <a:spcPts val="0"/>
+                        </a:spcAft>
+                      </a:pPr>
+                      <a:r>
+                        <a:rPr lang="en-US" altLang="ja-JP" sz="900" kern="0" dirty="0" smtClean="0">
+                          <a:effectLst/>
+                        </a:rPr>
+                        <a:t>OSS</a:t>
+                      </a:r>
+                      <a:r>
+                        <a:rPr lang="ja-JP" altLang="ja-JP" sz="900" kern="0" dirty="0" smtClean="0">
+                          <a:effectLst/>
+                        </a:rPr>
+                        <a:t>のインストール自動化ツールです。</a:t>
+                      </a:r>
+                      <a:r>
+                        <a:rPr lang="en-US" altLang="ja-JP" sz="900" kern="0" dirty="0" smtClean="0">
+                          <a:effectLst/>
+                        </a:rPr>
+                        <a:t/>
+                      </a:r>
+                      <a:br>
+                        <a:rPr lang="en-US" altLang="ja-JP" sz="900" kern="0" dirty="0" smtClean="0">
+                          <a:effectLst/>
+                        </a:rPr>
+                      </a:br>
+                      <a:r>
+                        <a:rPr lang="ja-JP" altLang="ja-JP" sz="900" kern="0" dirty="0" smtClean="0">
+                          <a:effectLst/>
+                        </a:rPr>
+                        <a:t>あらかじめ作成したテンプレートを元に、ネットワークで接続された機器に対して、</a:t>
+                      </a:r>
+                      <a:r>
+                        <a:rPr lang="en-US" altLang="ja-JP" sz="900" kern="0" dirty="0" smtClean="0">
+                          <a:effectLst/>
+                        </a:rPr>
+                        <a:t>OS</a:t>
+                      </a:r>
+                      <a:r>
+                        <a:rPr lang="ja-JP" altLang="ja-JP" sz="900" kern="0" dirty="0" smtClean="0">
+                          <a:effectLst/>
+                        </a:rPr>
+                        <a:t>のインストールを行うことができます。</a:t>
+                      </a:r>
+                      <a:endParaRPr lang="ja-JP" altLang="ja-JP" sz="1050" kern="100" dirty="0">
+                        <a:effectLst/>
+                        <a:latin typeface="Century" panose="02040604050505020304" pitchFamily="18" charset="0"/>
+                        <a:ea typeface="ＭＳ 明朝" panose="02020609040205080304" pitchFamily="17" charset="-128"/>
+                        <a:cs typeface="Times New Roman" panose="02020603050405020304" pitchFamily="18" charset="0"/>
+                      </a:endParaRPr>
+                    </a:p>
+                  </a:txBody>
+                  <a:tcPr marL="68580" marR="68580" marT="0" marB="0" anchor="ctr"/>
+                </a:tc>
+                <a:tc>
+                  <a:txBody>
+                    <a:bodyPr/>
+                    <a:lstStyle/>
+                    <a:p>
+                      <a:pPr algn="just">
+                        <a:lnSpc>
+                          <a:spcPts val="1200"/>
+                        </a:lnSpc>
+                        <a:spcAft>
+                          <a:spcPts val="0"/>
+                        </a:spcAft>
+                      </a:pPr>
+                      <a:r>
+                        <a:rPr lang="en-US" sz="1050" kern="100" dirty="0">
+                          <a:effectLst/>
+                        </a:rPr>
+                        <a:t>○</a:t>
+                      </a:r>
+                      <a:endParaRPr lang="ja-JP" sz="1200" kern="100" dirty="0">
+                        <a:effectLst/>
+                        <a:latin typeface="Century" panose="02040604050505020304" pitchFamily="18" charset="0"/>
+                        <a:ea typeface="ＭＳ 明朝" panose="02020609040205080304" pitchFamily="17" charset="-128"/>
+                        <a:cs typeface="Times New Roman" panose="02020603050405020304" pitchFamily="18" charset="0"/>
+                      </a:endParaRPr>
+                    </a:p>
+                  </a:txBody>
+                  <a:tcPr marL="68580" marR="68580" marT="0" marB="0" anchor="ctr"/>
+                </a:tc>
+                <a:tc>
+                  <a:txBody>
+                    <a:bodyPr/>
+                    <a:lstStyle/>
+                    <a:p>
+                      <a:pPr algn="just">
+                        <a:lnSpc>
+                          <a:spcPts val="1200"/>
+                        </a:lnSpc>
+                        <a:spcAft>
+                          <a:spcPts val="0"/>
+                        </a:spcAft>
+                      </a:pPr>
+                      <a:r>
+                        <a:rPr lang="en-US" altLang="ja-JP" sz="1050" kern="100" dirty="0" smtClean="0">
+                          <a:effectLst/>
+                        </a:rPr>
+                        <a:t>×</a:t>
+                      </a:r>
+                      <a:endParaRPr lang="ja-JP" sz="1050" kern="100" dirty="0">
+                        <a:effectLst/>
+                        <a:latin typeface="Century" panose="02040604050505020304" pitchFamily="18" charset="0"/>
+                        <a:ea typeface="ＭＳ 明朝" panose="02020609040205080304" pitchFamily="17" charset="-128"/>
+                        <a:cs typeface="Times New Roman" panose="02020603050405020304" pitchFamily="18" charset="0"/>
+                      </a:endParaRPr>
+                    </a:p>
+                  </a:txBody>
+                  <a:tcPr marL="68580" marR="68580" marT="0" marB="0" anchor="ctr"/>
+                </a:tc>
+                <a:extLst>
+                  <a:ext uri="{0D108BD9-81ED-4DB2-BD59-A6C34878D82A}">
+                    <a16:rowId xmlns="" xmlns:a16="http://schemas.microsoft.com/office/drawing/2014/main" val="10006"/>
+                  </a:ext>
+                </a:extLst>
+              </a:tr>
+              <a:tr h="576080">
+                <a:tc>
+                  <a:txBody>
+                    <a:bodyPr/>
+                    <a:lstStyle/>
+                    <a:p>
+                      <a:pPr algn="just">
+                        <a:spcAft>
+                          <a:spcPts val="0"/>
+                        </a:spcAft>
+                      </a:pPr>
+                      <a:r>
+                        <a:rPr lang="en-US" sz="900" kern="100" dirty="0">
+                          <a:effectLst/>
+                        </a:rPr>
+                        <a:t>OpenStack</a:t>
+                      </a:r>
+                      <a:r>
+                        <a:rPr lang="ja-JP" sz="900" kern="100" dirty="0">
+                          <a:effectLst/>
+                        </a:rPr>
+                        <a:t>ドライバー</a:t>
+                      </a:r>
+                      <a:endParaRPr lang="ja-JP" sz="1050" kern="100" dirty="0">
+                        <a:effectLst/>
+                        <a:latin typeface="Century" panose="02040604050505020304" pitchFamily="18" charset="0"/>
+                        <a:ea typeface="ＭＳ 明朝" panose="02020609040205080304" pitchFamily="17" charset="-128"/>
+                        <a:cs typeface="Times New Roman" panose="02020603050405020304" pitchFamily="18" charset="0"/>
+                      </a:endParaRPr>
+                    </a:p>
+                  </a:txBody>
+                  <a:tcPr marL="68580" marR="68580" marT="0" marB="0" anchor="ctr"/>
+                </a:tc>
+                <a:tc>
+                  <a:txBody>
+                    <a:bodyPr/>
+                    <a:lstStyle/>
+                    <a:p>
+                      <a:pPr algn="just">
+                        <a:spcAft>
+                          <a:spcPts val="0"/>
+                        </a:spcAft>
+                      </a:pPr>
+                      <a:r>
+                        <a:rPr lang="en-US" sz="900" kern="100" dirty="0">
+                          <a:effectLst/>
+                        </a:rPr>
+                        <a:t>OpenStack</a:t>
+                      </a:r>
+                      <a:endParaRPr lang="ja-JP" sz="1050" kern="100" dirty="0">
+                        <a:effectLst/>
+                        <a:latin typeface="Century" panose="02040604050505020304" pitchFamily="18" charset="0"/>
+                        <a:ea typeface="ＭＳ 明朝" panose="02020609040205080304" pitchFamily="17" charset="-128"/>
+                        <a:cs typeface="Times New Roman" panose="02020603050405020304" pitchFamily="18" charset="0"/>
+                      </a:endParaRPr>
+                    </a:p>
+                  </a:txBody>
+                  <a:tcPr marL="68580" marR="68580" marT="0" marB="0" anchor="ctr"/>
+                </a:tc>
+                <a:tc>
+                  <a:txBody>
+                    <a:bodyPr/>
+                    <a:lstStyle/>
+                    <a:p>
+                      <a:pPr indent="-40005" algn="just">
+                        <a:spcAft>
+                          <a:spcPts val="0"/>
+                        </a:spcAft>
+                      </a:pPr>
+                      <a:r>
+                        <a:rPr lang="ja-JP" sz="900" kern="0" dirty="0">
+                          <a:effectLst/>
+                        </a:rPr>
+                        <a:t>仮想システム構築</a:t>
+                      </a:r>
+                      <a:endParaRPr lang="ja-JP" sz="1050" kern="100" dirty="0">
+                        <a:effectLst/>
+                        <a:latin typeface="Century" panose="02040604050505020304" pitchFamily="18" charset="0"/>
+                        <a:ea typeface="ＭＳ 明朝" panose="02020609040205080304" pitchFamily="17" charset="-128"/>
+                        <a:cs typeface="Times New Roman" panose="02020603050405020304" pitchFamily="18" charset="0"/>
+                      </a:endParaRPr>
+                    </a:p>
+                  </a:txBody>
+                  <a:tcPr marL="68580" marR="68580" marT="0" marB="0" anchor="ctr"/>
+                </a:tc>
+                <a:tc>
+                  <a:txBody>
+                    <a:bodyPr/>
+                    <a:lstStyle/>
+                    <a:p>
+                      <a:pPr algn="just">
+                        <a:spcAft>
+                          <a:spcPts val="0"/>
+                        </a:spcAft>
+                      </a:pPr>
+                      <a:r>
+                        <a:rPr lang="en-US" sz="900" kern="100" dirty="0">
+                          <a:effectLst/>
+                        </a:rPr>
+                        <a:t>OSS</a:t>
+                      </a:r>
+                      <a:r>
+                        <a:rPr lang="ja-JP" sz="900" kern="100" dirty="0">
+                          <a:effectLst/>
+                        </a:rPr>
+                        <a:t>のクラウド環境構築ツールです。</a:t>
+                      </a:r>
+                      <a:endParaRPr lang="ja-JP" sz="1050" kern="100" dirty="0">
+                        <a:effectLst/>
+                      </a:endParaRPr>
+                    </a:p>
+                    <a:p>
+                      <a:pPr algn="just">
+                        <a:lnSpc>
+                          <a:spcPts val="1200"/>
+                        </a:lnSpc>
+                        <a:spcAft>
+                          <a:spcPts val="0"/>
+                        </a:spcAft>
+                      </a:pPr>
+                      <a:r>
+                        <a:rPr lang="ja-JP" sz="900" kern="100" dirty="0">
+                          <a:effectLst/>
+                        </a:rPr>
+                        <a:t>クラウド環境に対して、仮想マシン、ストレージ、ネットワークなどを構築することができます。</a:t>
                       </a:r>
                       <a:endParaRPr lang="ja-JP" sz="1050" kern="100" dirty="0">
                         <a:effectLst/>
@@ -30635,10 +30778,231 @@
                         </a:spcAft>
                       </a:pPr>
                       <a:r>
+                        <a:rPr lang="en-US" sz="1050" kern="0" dirty="0">
+                          <a:effectLst/>
+                        </a:rPr>
+                        <a:t>×</a:t>
+                      </a:r>
+                      <a:endParaRPr lang="ja-JP" sz="1200" kern="100" dirty="0">
+                        <a:effectLst/>
+                        <a:latin typeface="Century" panose="02040604050505020304" pitchFamily="18" charset="0"/>
+                        <a:ea typeface="ＭＳ 明朝" panose="02020609040205080304" pitchFamily="17" charset="-128"/>
+                        <a:cs typeface="Times New Roman" panose="02020603050405020304" pitchFamily="18" charset="0"/>
+                      </a:endParaRPr>
+                    </a:p>
+                  </a:txBody>
+                  <a:tcPr marL="68580" marR="68580" marT="0" marB="0" anchor="ctr"/>
+                </a:tc>
+                <a:tc>
+                  <a:txBody>
+                    <a:bodyPr/>
+                    <a:lstStyle/>
+                    <a:p>
+                      <a:pPr algn="just">
+                        <a:lnSpc>
+                          <a:spcPts val="1200"/>
+                        </a:lnSpc>
+                        <a:spcAft>
+                          <a:spcPts val="0"/>
+                        </a:spcAft>
+                      </a:pPr>
+                      <a:r>
+                        <a:rPr lang="en-US" altLang="ja-JP" sz="1050" kern="100" dirty="0" smtClean="0">
+                          <a:effectLst/>
+                        </a:rPr>
+                        <a:t>×</a:t>
+                      </a:r>
+                      <a:endParaRPr lang="ja-JP" sz="1050" kern="100" dirty="0">
+                        <a:effectLst/>
+                        <a:latin typeface="Century" panose="02040604050505020304" pitchFamily="18" charset="0"/>
+                        <a:ea typeface="ＭＳ 明朝" panose="02020609040205080304" pitchFamily="17" charset="-128"/>
+                        <a:cs typeface="Times New Roman" panose="02020603050405020304" pitchFamily="18" charset="0"/>
+                      </a:endParaRPr>
+                    </a:p>
+                  </a:txBody>
+                  <a:tcPr marL="68580" marR="68580" marT="0" marB="0" anchor="ctr"/>
+                </a:tc>
+                <a:extLst>
+                  <a:ext uri="{0D108BD9-81ED-4DB2-BD59-A6C34878D82A}">
+                    <a16:rowId xmlns="" xmlns:a16="http://schemas.microsoft.com/office/drawing/2014/main" val="10007"/>
+                  </a:ext>
+                </a:extLst>
+              </a:tr>
+              <a:tr h="559100">
+                <a:tc>
+                  <a:txBody>
+                    <a:bodyPr/>
+                    <a:lstStyle/>
+                    <a:p>
+                      <a:pPr algn="just">
+                        <a:spcAft>
+                          <a:spcPts val="0"/>
+                        </a:spcAft>
+                      </a:pPr>
+                      <a:r>
+                        <a:rPr lang="en-US" sz="900" kern="100" dirty="0">
+                          <a:effectLst/>
+                        </a:rPr>
+                        <a:t>PowerShell</a:t>
+                      </a:r>
+                      <a:endParaRPr lang="ja-JP" sz="1050" kern="100" dirty="0">
+                        <a:effectLst/>
+                      </a:endParaRPr>
+                    </a:p>
+                    <a:p>
+                      <a:pPr algn="just">
+                        <a:spcAft>
+                          <a:spcPts val="0"/>
+                        </a:spcAft>
+                      </a:pPr>
+                      <a:r>
+                        <a:rPr lang="en-US" sz="900" kern="100" dirty="0">
+                          <a:effectLst/>
+                        </a:rPr>
+                        <a:t>DSC</a:t>
+                      </a:r>
+                      <a:r>
                         <a:rPr lang="ja-JP" sz="900" kern="100" dirty="0">
                           <a:effectLst/>
                         </a:rPr>
-                        <a:t>ホスト群を論理的な単位（機能・役割）でまとめたグループにして、投入するパラメータを管理します。</a:t>
+                        <a:t>ドライバー</a:t>
+                      </a:r>
+                      <a:endParaRPr lang="ja-JP" sz="1050" kern="100" dirty="0">
+                        <a:effectLst/>
+                        <a:latin typeface="Century" panose="02040604050505020304" pitchFamily="18" charset="0"/>
+                        <a:ea typeface="ＭＳ 明朝" panose="02020609040205080304" pitchFamily="17" charset="-128"/>
+                        <a:cs typeface="Times New Roman" panose="02020603050405020304" pitchFamily="18" charset="0"/>
+                      </a:endParaRPr>
+                    </a:p>
+                  </a:txBody>
+                  <a:tcPr marL="68580" marR="68580" marT="0" marB="0" anchor="ctr"/>
+                </a:tc>
+                <a:tc>
+                  <a:txBody>
+                    <a:bodyPr/>
+                    <a:lstStyle/>
+                    <a:p>
+                      <a:pPr algn="just">
+                        <a:spcAft>
+                          <a:spcPts val="0"/>
+                        </a:spcAft>
+                      </a:pPr>
+                      <a:r>
+                        <a:rPr lang="en-US" sz="900" kern="100" dirty="0">
+                          <a:effectLst/>
+                        </a:rPr>
+                        <a:t>PowerShell</a:t>
+                      </a:r>
+                      <a:endParaRPr lang="ja-JP" sz="1050" kern="100" dirty="0">
+                        <a:effectLst/>
+                      </a:endParaRPr>
+                    </a:p>
+                    <a:p>
+                      <a:pPr algn="just">
+                        <a:spcAft>
+                          <a:spcPts val="0"/>
+                        </a:spcAft>
+                      </a:pPr>
+                      <a:r>
+                        <a:rPr lang="en-US" sz="900" kern="100" dirty="0">
+                          <a:effectLst/>
+                        </a:rPr>
+                        <a:t>DSC</a:t>
+                      </a:r>
+                      <a:endParaRPr lang="ja-JP" sz="1050" kern="100" dirty="0">
+                        <a:effectLst/>
+                        <a:latin typeface="Century" panose="02040604050505020304" pitchFamily="18" charset="0"/>
+                        <a:ea typeface="ＭＳ 明朝" panose="02020609040205080304" pitchFamily="17" charset="-128"/>
+                        <a:cs typeface="Times New Roman" panose="02020603050405020304" pitchFamily="18" charset="0"/>
+                      </a:endParaRPr>
+                    </a:p>
+                  </a:txBody>
+                  <a:tcPr marL="68580" marR="68580" marT="0" marB="0" anchor="ctr"/>
+                </a:tc>
+                <a:tc>
+                  <a:txBody>
+                    <a:bodyPr/>
+                    <a:lstStyle/>
+                    <a:p>
+                      <a:pPr indent="-40005" algn="just">
+                        <a:spcAft>
+                          <a:spcPts val="0"/>
+                        </a:spcAft>
+                      </a:pPr>
+                      <a:r>
+                        <a:rPr lang="ja-JP" sz="900" kern="0" dirty="0">
+                          <a:effectLst/>
+                        </a:rPr>
+                        <a:t>システム構築</a:t>
+                      </a:r>
+                      <a:endParaRPr lang="ja-JP" sz="1050" kern="100" dirty="0">
+                        <a:effectLst/>
+                        <a:latin typeface="Century" panose="02040604050505020304" pitchFamily="18" charset="0"/>
+                        <a:ea typeface="ＭＳ 明朝" panose="02020609040205080304" pitchFamily="17" charset="-128"/>
+                        <a:cs typeface="Times New Roman" panose="02020603050405020304" pitchFamily="18" charset="0"/>
+                      </a:endParaRPr>
+                    </a:p>
+                  </a:txBody>
+                  <a:tcPr marL="68580" marR="68580" marT="0" marB="0" anchor="ctr"/>
+                </a:tc>
+                <a:tc>
+                  <a:txBody>
+                    <a:bodyPr/>
+                    <a:lstStyle/>
+                    <a:p>
+                      <a:pPr algn="just">
+                        <a:spcAft>
+                          <a:spcPts val="0"/>
+                        </a:spcAft>
+                      </a:pPr>
+                      <a:r>
+                        <a:rPr lang="en-US" sz="900" kern="0" dirty="0">
+                          <a:effectLst/>
+                        </a:rPr>
+                        <a:t>Microsoft</a:t>
+                      </a:r>
+                      <a:r>
+                        <a:rPr lang="ja-JP" sz="900" kern="0" dirty="0">
+                          <a:effectLst/>
+                        </a:rPr>
+                        <a:t>製の</a:t>
+                      </a:r>
+                      <a:r>
+                        <a:rPr lang="en-US" sz="900" kern="0" dirty="0">
+                          <a:effectLst/>
+                        </a:rPr>
+                        <a:t>PF</a:t>
+                      </a:r>
+                      <a:r>
+                        <a:rPr lang="ja-JP" sz="900" kern="0" dirty="0">
+                          <a:effectLst/>
+                        </a:rPr>
+                        <a:t>構築ツールです。</a:t>
+                      </a:r>
+                      <a:endParaRPr lang="ja-JP" sz="1050" kern="100" dirty="0">
+                        <a:effectLst/>
+                      </a:endParaRPr>
+                    </a:p>
+                    <a:p>
+                      <a:pPr algn="just">
+                        <a:lnSpc>
+                          <a:spcPts val="1200"/>
+                        </a:lnSpc>
+                        <a:spcAft>
+                          <a:spcPts val="0"/>
+                        </a:spcAft>
+                      </a:pPr>
+                      <a:r>
+                        <a:rPr lang="en-US" sz="900" kern="0" dirty="0">
+                          <a:effectLst/>
+                        </a:rPr>
+                        <a:t>Windows</a:t>
+                      </a:r>
+                      <a:r>
+                        <a:rPr lang="ja-JP" sz="900" kern="0" dirty="0">
+                          <a:effectLst/>
+                        </a:rPr>
+                        <a:t>インフラ環境にて、サーバのユーザー作成、ソフトウェアのインストールなどを行うことができます。</a:t>
                       </a:r>
                       <a:endParaRPr lang="ja-JP" sz="1050" kern="100" dirty="0">
                         <a:effectLst/>
@@ -30664,12 +31028,12 @@
                         </a:spcAft>
                       </a:pPr>
                       <a:r>
-                        <a:rPr lang="en-US" sz="900" kern="100" dirty="0">
-                          <a:effectLst/>
-                        </a:rPr>
-                        <a:t>-</a:t>
-                      </a:r>
-                      <a:endParaRPr lang="ja-JP" sz="1050" kern="100" dirty="0">
+                        <a:rPr lang="en-US" sz="1050" kern="0" dirty="0">
+                          <a:effectLst/>
+                        </a:rPr>
+                        <a:t>×</a:t>
+                      </a:r>
+                      <a:endParaRPr lang="ja-JP" sz="1200" kern="100" dirty="0">
                         <a:effectLst/>
                         <a:latin typeface="Century" panose="02040604050505020304" pitchFamily="18" charset="0"/>
                         <a:ea typeface="ＭＳ 明朝" panose="02020609040205080304" pitchFamily="17" charset="-128"/>
@@ -30710,1106 +31074,7 @@
                 </a:tc>
                 <a:extLst>
                   <a:ext uri="{0D108BD9-81ED-4DB2-BD59-A6C34878D82A}">
-                    <a16:rowId xmlns:a16="http://schemas.microsoft.com/office/drawing/2014/main" val="10003"/>
-                  </a:ext>
-                </a:extLst>
-              </a:tr>
-              <a:tr h="619366">
-                <a:tc>
-                  <a:txBody>
-                    <a:bodyPr/>
-                    <a:lstStyle/>
-                    <a:p>
-                      <a:pPr algn="just">
-                        <a:spcAft>
-                          <a:spcPts val="0"/>
-                        </a:spcAft>
-                      </a:pPr>
-                      <a:r>
-                        <a:rPr lang="en-US" sz="900" kern="100" dirty="0">
-                          <a:effectLst/>
-                        </a:rPr>
-                        <a:t>Ansible</a:t>
-                      </a:r>
-                      <a:r>
-                        <a:rPr lang="ja-JP" sz="900" kern="100" dirty="0">
-                          <a:effectLst/>
-                        </a:rPr>
-                        <a:t>ドライバー</a:t>
-                      </a:r>
-                      <a:endParaRPr lang="ja-JP" sz="1050" kern="100" dirty="0">
-                        <a:effectLst/>
-                        <a:latin typeface="Century" panose="02040604050505020304" pitchFamily="18" charset="0"/>
-                        <a:ea typeface="ＭＳ 明朝" panose="02020609040205080304" pitchFamily="17" charset="-128"/>
-                        <a:cs typeface="Times New Roman" panose="02020603050405020304" pitchFamily="18" charset="0"/>
-                      </a:endParaRPr>
-                    </a:p>
-                  </a:txBody>
-                  <a:tcPr marL="68580" marR="68580" marT="0" marB="0" anchor="ctr"/>
-                </a:tc>
-                <a:tc>
-                  <a:txBody>
-                    <a:bodyPr/>
-                    <a:lstStyle/>
-                    <a:p>
-                      <a:pPr algn="just">
-                        <a:spcAft>
-                          <a:spcPts val="0"/>
-                        </a:spcAft>
-                      </a:pPr>
-                      <a:r>
-                        <a:rPr lang="en-US" sz="900" kern="100" dirty="0">
-                          <a:effectLst/>
-                        </a:rPr>
-                        <a:t>Ansible</a:t>
-                      </a:r>
-                      <a:endParaRPr lang="ja-JP" sz="1050" kern="100" dirty="0">
-                        <a:effectLst/>
-                        <a:latin typeface="Century" panose="02040604050505020304" pitchFamily="18" charset="0"/>
-                        <a:ea typeface="ＭＳ 明朝" panose="02020609040205080304" pitchFamily="17" charset="-128"/>
-                        <a:cs typeface="Times New Roman" panose="02020603050405020304" pitchFamily="18" charset="0"/>
-                      </a:endParaRPr>
-                    </a:p>
-                  </a:txBody>
-                  <a:tcPr marL="68580" marR="68580" marT="0" marB="0" anchor="ctr"/>
-                </a:tc>
-                <a:tc>
-                  <a:txBody>
-                    <a:bodyPr/>
-                    <a:lstStyle/>
-                    <a:p>
-                      <a:pPr indent="-40005" algn="just">
-                        <a:spcAft>
-                          <a:spcPts val="0"/>
-                        </a:spcAft>
-                      </a:pPr>
-                      <a:r>
-                        <a:rPr lang="ja-JP" sz="900" kern="0" dirty="0">
-                          <a:effectLst/>
-                        </a:rPr>
-                        <a:t>システム構築</a:t>
-                      </a:r>
-                      <a:endParaRPr lang="ja-JP" sz="1050" kern="100" dirty="0">
-                        <a:effectLst/>
-                        <a:latin typeface="Century" panose="02040604050505020304" pitchFamily="18" charset="0"/>
-                        <a:ea typeface="ＭＳ 明朝" panose="02020609040205080304" pitchFamily="17" charset="-128"/>
-                        <a:cs typeface="Times New Roman" panose="02020603050405020304" pitchFamily="18" charset="0"/>
-                      </a:endParaRPr>
-                    </a:p>
-                  </a:txBody>
-                  <a:tcPr marL="68580" marR="68580" marT="0" marB="0" anchor="ctr"/>
-                </a:tc>
-                <a:tc>
-                  <a:txBody>
-                    <a:bodyPr/>
-                    <a:lstStyle/>
-                    <a:p>
-                      <a:pPr algn="l">
-                        <a:lnSpc>
-                          <a:spcPts val="1200"/>
-                        </a:lnSpc>
-                        <a:spcAft>
-                          <a:spcPts val="0"/>
-                        </a:spcAft>
-                      </a:pPr>
-                      <a:r>
-                        <a:rPr lang="en-US" altLang="ja-JP" sz="900" kern="100" dirty="0" smtClean="0">
-                          <a:effectLst/>
-                        </a:rPr>
-                        <a:t>Red Hat</a:t>
-                      </a:r>
-                      <a:r>
-                        <a:rPr lang="ja-JP" altLang="ja-JP" sz="900" kern="100" dirty="0" smtClean="0">
-                          <a:effectLst/>
-                        </a:rPr>
-                        <a:t>社が提供する</a:t>
-                      </a:r>
-                      <a:r>
-                        <a:rPr lang="en-US" altLang="ja-JP" sz="900" kern="100" dirty="0" smtClean="0">
-                          <a:effectLst/>
-                        </a:rPr>
-                        <a:t>OSS</a:t>
-                      </a:r>
-                      <a:r>
-                        <a:rPr lang="ja-JP" altLang="ja-JP" sz="900" kern="100" dirty="0" smtClean="0">
-                          <a:effectLst/>
-                        </a:rPr>
-                        <a:t>の</a:t>
-                      </a:r>
-                      <a:r>
-                        <a:rPr lang="en-US" altLang="ja-JP" sz="900" kern="100" dirty="0" smtClean="0">
-                          <a:effectLst/>
-                        </a:rPr>
-                        <a:t>PF</a:t>
-                      </a:r>
-                      <a:r>
-                        <a:rPr lang="ja-JP" altLang="ja-JP" sz="900" kern="100" dirty="0" smtClean="0">
-                          <a:effectLst/>
-                        </a:rPr>
-                        <a:t>構築ツールです。</a:t>
-                      </a:r>
-                      <a:r>
-                        <a:rPr lang="en-US" altLang="ja-JP" sz="900" kern="100" dirty="0" smtClean="0">
-                          <a:effectLst/>
-                        </a:rPr>
-                        <a:t/>
-                      </a:r>
-                      <a:br>
-                        <a:rPr lang="en-US" altLang="ja-JP" sz="900" kern="100" dirty="0" smtClean="0">
-                          <a:effectLst/>
-                        </a:rPr>
-                      </a:br>
-                      <a:r>
-                        <a:rPr lang="en-US" altLang="ja-JP" sz="900" kern="100" dirty="0" smtClean="0">
-                          <a:effectLst/>
-                        </a:rPr>
-                        <a:t>Playbook</a:t>
-                      </a:r>
-                      <a:r>
-                        <a:rPr lang="ja-JP" altLang="ja-JP" sz="900" kern="100" dirty="0" smtClean="0">
-                          <a:effectLst/>
-                        </a:rPr>
-                        <a:t>と呼ばれる構築コードをもとに、ネットワークで接続された機器に対して、ソフトウェアのインストール、各種設定、ファイル転送、パッチの適用などを行います。</a:t>
-                      </a:r>
-                      <a:endParaRPr lang="ja-JP" altLang="ja-JP" sz="1050" kern="100" dirty="0">
-                        <a:effectLst/>
-                        <a:latin typeface="Century" panose="02040604050505020304" pitchFamily="18" charset="0"/>
-                        <a:ea typeface="ＭＳ 明朝" panose="02020609040205080304" pitchFamily="17" charset="-128"/>
-                        <a:cs typeface="Times New Roman" panose="02020603050405020304" pitchFamily="18" charset="0"/>
-                      </a:endParaRPr>
-                    </a:p>
-                  </a:txBody>
-                  <a:tcPr marL="68580" marR="68580" marT="0" marB="0" anchor="ctr"/>
-                </a:tc>
-                <a:tc>
-                  <a:txBody>
-                    <a:bodyPr/>
-                    <a:lstStyle/>
-                    <a:p>
-                      <a:pPr algn="just">
-                        <a:lnSpc>
-                          <a:spcPts val="1200"/>
-                        </a:lnSpc>
-                        <a:spcAft>
-                          <a:spcPts val="0"/>
-                        </a:spcAft>
-                      </a:pPr>
-                      <a:r>
-                        <a:rPr lang="en-US" sz="900" kern="100" dirty="0">
-                          <a:effectLst/>
-                        </a:rPr>
-                        <a:t>○</a:t>
-                      </a:r>
-                      <a:endParaRPr lang="ja-JP" sz="1050" kern="100" dirty="0">
-                        <a:effectLst/>
-                        <a:latin typeface="Century" panose="02040604050505020304" pitchFamily="18" charset="0"/>
-                        <a:ea typeface="ＭＳ 明朝" panose="02020609040205080304" pitchFamily="17" charset="-128"/>
-                        <a:cs typeface="Times New Roman" panose="02020603050405020304" pitchFamily="18" charset="0"/>
-                      </a:endParaRPr>
-                    </a:p>
-                  </a:txBody>
-                  <a:tcPr marL="68580" marR="68580" marT="0" marB="0" anchor="ctr"/>
-                </a:tc>
-                <a:tc>
-                  <a:txBody>
-                    <a:bodyPr/>
-                    <a:lstStyle/>
-                    <a:p>
-                      <a:pPr algn="just">
-                        <a:lnSpc>
-                          <a:spcPts val="1200"/>
-                        </a:lnSpc>
-                        <a:spcAft>
-                          <a:spcPts val="0"/>
-                        </a:spcAft>
-                      </a:pPr>
-                      <a:r>
-                        <a:rPr lang="ja-JP" altLang="en-US" sz="1050" kern="100" dirty="0" smtClean="0">
-                          <a:effectLst/>
-                        </a:rPr>
-                        <a:t>○</a:t>
-                      </a:r>
-                      <a:endParaRPr lang="ja-JP" sz="1050" kern="100" dirty="0">
-                        <a:effectLst/>
-                        <a:latin typeface="+mn-ea"/>
-                        <a:ea typeface="+mn-ea"/>
-                        <a:cs typeface="Times New Roman" panose="02020603050405020304" pitchFamily="18" charset="0"/>
-                      </a:endParaRPr>
-                    </a:p>
-                  </a:txBody>
-                  <a:tcPr marL="68580" marR="68580" marT="0" marB="0" anchor="ctr"/>
-                </a:tc>
-                <a:extLst>
-                  <a:ext uri="{0D108BD9-81ED-4DB2-BD59-A6C34878D82A}">
-                    <a16:rowId xmlns:a16="http://schemas.microsoft.com/office/drawing/2014/main" val="10004"/>
-                  </a:ext>
-                </a:extLst>
-              </a:tr>
-              <a:tr h="619366">
-                <a:tc>
-                  <a:txBody>
-                    <a:bodyPr/>
-                    <a:lstStyle/>
-                    <a:p>
-                      <a:pPr algn="just">
-                        <a:spcAft>
-                          <a:spcPts val="0"/>
-                        </a:spcAft>
-                      </a:pPr>
-                      <a:r>
-                        <a:rPr lang="en-US" sz="900" kern="100" dirty="0">
-                          <a:effectLst/>
-                        </a:rPr>
-                        <a:t>AnsibleTower</a:t>
-                      </a:r>
-                      <a:r>
-                        <a:rPr lang="ja-JP" sz="900" kern="100" dirty="0">
-                          <a:effectLst/>
-                        </a:rPr>
-                        <a:t>ドライバー</a:t>
-                      </a:r>
-                      <a:endParaRPr lang="ja-JP" sz="1050" kern="100" dirty="0">
-                        <a:effectLst/>
-                        <a:latin typeface="Century" panose="02040604050505020304" pitchFamily="18" charset="0"/>
-                        <a:ea typeface="ＭＳ 明朝" panose="02020609040205080304" pitchFamily="17" charset="-128"/>
-                        <a:cs typeface="Times New Roman" panose="02020603050405020304" pitchFamily="18" charset="0"/>
-                      </a:endParaRPr>
-                    </a:p>
-                  </a:txBody>
-                  <a:tcPr marL="68580" marR="68580" marT="0" marB="0" anchor="ctr"/>
-                </a:tc>
-                <a:tc>
-                  <a:txBody>
-                    <a:bodyPr/>
-                    <a:lstStyle/>
-                    <a:p>
-                      <a:pPr algn="just">
-                        <a:spcAft>
-                          <a:spcPts val="0"/>
-                        </a:spcAft>
-                      </a:pPr>
-                      <a:r>
-                        <a:rPr lang="en-US" sz="900" kern="100" dirty="0">
-                          <a:effectLst/>
-                        </a:rPr>
-                        <a:t>AnsibleTower</a:t>
-                      </a:r>
-                      <a:endParaRPr lang="ja-JP" sz="1050" kern="100" dirty="0">
-                        <a:effectLst/>
-                        <a:latin typeface="Century" panose="02040604050505020304" pitchFamily="18" charset="0"/>
-                        <a:ea typeface="ＭＳ 明朝" panose="02020609040205080304" pitchFamily="17" charset="-128"/>
-                        <a:cs typeface="Times New Roman" panose="02020603050405020304" pitchFamily="18" charset="0"/>
-                      </a:endParaRPr>
-                    </a:p>
-                  </a:txBody>
-                  <a:tcPr marL="68580" marR="68580" marT="0" marB="0" anchor="ctr"/>
-                </a:tc>
-                <a:tc>
-                  <a:txBody>
-                    <a:bodyPr/>
-                    <a:lstStyle/>
-                    <a:p>
-                      <a:pPr marL="0" indent="0" algn="l">
-                        <a:spcAft>
-                          <a:spcPts val="0"/>
-                        </a:spcAft>
-                      </a:pPr>
-                      <a:r>
-                        <a:rPr lang="ja-JP" altLang="en-US" sz="900" kern="100" dirty="0" smtClean="0">
-                          <a:effectLst/>
-                          <a:latin typeface="+mn-ea"/>
-                          <a:ea typeface="+mn-ea"/>
-                          <a:cs typeface="Times New Roman" panose="02020603050405020304" pitchFamily="18" charset="0"/>
-                        </a:rPr>
-                        <a:t>システム構築</a:t>
-                      </a:r>
-                      <a:endParaRPr lang="ja-JP" altLang="ja-JP" sz="900" kern="100" dirty="0">
-                        <a:effectLst/>
-                        <a:latin typeface="+mn-ea"/>
-                        <a:ea typeface="+mn-ea"/>
-                        <a:cs typeface="Times New Roman" panose="02020603050405020304" pitchFamily="18" charset="0"/>
-                      </a:endParaRPr>
-                    </a:p>
-                  </a:txBody>
-                  <a:tcPr marL="68580" marR="68580" marT="0" marB="0" anchor="ctr"/>
-                </a:tc>
-                <a:tc>
-                  <a:txBody>
-                    <a:bodyPr/>
-                    <a:lstStyle/>
-                    <a:p>
-                      <a:pPr algn="just">
-                        <a:lnSpc>
-                          <a:spcPts val="1200"/>
-                        </a:lnSpc>
-                        <a:spcAft>
-                          <a:spcPts val="0"/>
-                        </a:spcAft>
-                      </a:pPr>
-                      <a:r>
-                        <a:rPr lang="en-US" sz="900" kern="0" dirty="0">
-                          <a:effectLst/>
-                        </a:rPr>
-                        <a:t>PF</a:t>
-                      </a:r>
-                      <a:r>
-                        <a:rPr lang="ja-JP" sz="900" kern="0" dirty="0">
-                          <a:effectLst/>
-                        </a:rPr>
-                        <a:t>構築自動化ツールである</a:t>
-                      </a:r>
-                      <a:r>
-                        <a:rPr lang="en-US" sz="900" kern="0" dirty="0">
-                          <a:effectLst/>
-                        </a:rPr>
-                        <a:t>Ansible</a:t>
-                      </a:r>
-                      <a:r>
-                        <a:rPr lang="ja-JP" sz="900" kern="0" dirty="0">
-                          <a:effectLst/>
-                        </a:rPr>
-                        <a:t>にアクセスコントロール、ジョブスケジューリング、タスクの可視化などの機能を拡張した管理プラットフォームです。</a:t>
-                      </a:r>
-                      <a:endParaRPr lang="ja-JP" sz="1050" kern="100" dirty="0">
-                        <a:effectLst/>
-                        <a:latin typeface="Century" panose="02040604050505020304" pitchFamily="18" charset="0"/>
-                        <a:ea typeface="ＭＳ 明朝" panose="02020609040205080304" pitchFamily="17" charset="-128"/>
-                        <a:cs typeface="Times New Roman" panose="02020603050405020304" pitchFamily="18" charset="0"/>
-                      </a:endParaRPr>
-                    </a:p>
-                  </a:txBody>
-                  <a:tcPr marL="68580" marR="68580" marT="0" marB="0" anchor="ctr"/>
-                </a:tc>
-                <a:tc>
-                  <a:txBody>
-                    <a:bodyPr/>
-                    <a:lstStyle/>
-                    <a:p>
-                      <a:pPr algn="just">
-                        <a:spcAft>
-                          <a:spcPts val="0"/>
-                        </a:spcAft>
-                      </a:pPr>
-                      <a:r>
-                        <a:rPr lang="en-US" sz="900" kern="0" dirty="0">
-                          <a:effectLst/>
-                        </a:rPr>
-                        <a:t>×</a:t>
-                      </a:r>
-                      <a:endParaRPr lang="ja-JP" sz="1050" kern="100" dirty="0">
-                        <a:effectLst/>
-                        <a:latin typeface="Century" panose="02040604050505020304" pitchFamily="18" charset="0"/>
-                        <a:ea typeface="ＭＳ 明朝" panose="02020609040205080304" pitchFamily="17" charset="-128"/>
-                        <a:cs typeface="Times New Roman" panose="02020603050405020304" pitchFamily="18" charset="0"/>
-                      </a:endParaRPr>
-                    </a:p>
-                  </a:txBody>
-                  <a:tcPr marL="68580" marR="68580" marT="0" marB="0" anchor="ctr"/>
-                </a:tc>
-                <a:tc>
-                  <a:txBody>
-                    <a:bodyPr/>
-                    <a:lstStyle/>
-                    <a:p>
-                      <a:pPr algn="just">
-                        <a:spcAft>
-                          <a:spcPts val="0"/>
-                        </a:spcAft>
-                      </a:pPr>
-                      <a:r>
-                        <a:rPr lang="en-US" altLang="ja-JP" sz="1050" kern="100" dirty="0" smtClean="0">
-                          <a:effectLst/>
-                        </a:rPr>
-                        <a:t>×</a:t>
-                      </a:r>
-                      <a:endParaRPr lang="ja-JP" sz="1050" kern="100" dirty="0">
-                        <a:effectLst/>
-                        <a:latin typeface="Century" panose="02040604050505020304" pitchFamily="18" charset="0"/>
-                        <a:ea typeface="ＭＳ 明朝" panose="02020609040205080304" pitchFamily="17" charset="-128"/>
-                        <a:cs typeface="Times New Roman" panose="02020603050405020304" pitchFamily="18" charset="0"/>
-                      </a:endParaRPr>
-                    </a:p>
-                  </a:txBody>
-                  <a:tcPr marL="68580" marR="68580" marT="0" marB="0" anchor="ctr"/>
-                </a:tc>
-                <a:extLst>
-                  <a:ext uri="{0D108BD9-81ED-4DB2-BD59-A6C34878D82A}">
-                    <a16:rowId xmlns:a16="http://schemas.microsoft.com/office/drawing/2014/main" val="10005"/>
-                  </a:ext>
-                </a:extLst>
-              </a:tr>
-              <a:tr h="509538">
-                <a:tc>
-                  <a:txBody>
-                    <a:bodyPr/>
-                    <a:lstStyle/>
-                    <a:p>
-                      <a:pPr algn="just">
-                        <a:spcAft>
-                          <a:spcPts val="0"/>
-                        </a:spcAft>
-                      </a:pPr>
-                      <a:r>
-                        <a:rPr lang="en-US" sz="900" kern="100" dirty="0">
-                          <a:effectLst/>
-                        </a:rPr>
-                        <a:t> </a:t>
-                      </a:r>
-                      <a:r>
-                        <a:rPr lang="en-US" sz="900" kern="100" dirty="0" smtClean="0">
-                          <a:effectLst/>
-                        </a:rPr>
-                        <a:t>Cobbler</a:t>
-                      </a:r>
-                      <a:r>
-                        <a:rPr lang="ja-JP" sz="900" kern="100" dirty="0">
-                          <a:effectLst/>
-                        </a:rPr>
-                        <a:t>ドライバー</a:t>
-                      </a:r>
-                      <a:endParaRPr lang="ja-JP" sz="1050" kern="100" dirty="0">
-                        <a:effectLst/>
-                        <a:latin typeface="Century" panose="02040604050505020304" pitchFamily="18" charset="0"/>
-                        <a:ea typeface="ＭＳ 明朝" panose="02020609040205080304" pitchFamily="17" charset="-128"/>
-                        <a:cs typeface="Times New Roman" panose="02020603050405020304" pitchFamily="18" charset="0"/>
-                      </a:endParaRPr>
-                    </a:p>
-                  </a:txBody>
-                  <a:tcPr marL="68580" marR="68580" marT="0" marB="0" anchor="ctr"/>
-                </a:tc>
-                <a:tc>
-                  <a:txBody>
-                    <a:bodyPr/>
-                    <a:lstStyle/>
-                    <a:p>
-                      <a:pPr algn="just">
-                        <a:spcAft>
-                          <a:spcPts val="0"/>
-                        </a:spcAft>
-                      </a:pPr>
-                      <a:r>
-                        <a:rPr lang="en-US" sz="900" kern="100" dirty="0" smtClean="0">
-                          <a:effectLst/>
-                        </a:rPr>
-                        <a:t>Cobbler</a:t>
-                      </a:r>
-                      <a:endParaRPr lang="ja-JP" sz="1050" kern="100" dirty="0">
-                        <a:effectLst/>
-                        <a:latin typeface="Century" panose="02040604050505020304" pitchFamily="18" charset="0"/>
-                        <a:ea typeface="ＭＳ 明朝" panose="02020609040205080304" pitchFamily="17" charset="-128"/>
-                        <a:cs typeface="Times New Roman" panose="02020603050405020304" pitchFamily="18" charset="0"/>
-                      </a:endParaRPr>
-                    </a:p>
-                  </a:txBody>
-                  <a:tcPr marL="68580" marR="68580" marT="0" marB="0" anchor="ctr"/>
-                </a:tc>
-                <a:tc>
-                  <a:txBody>
-                    <a:bodyPr/>
-                    <a:lstStyle/>
-                    <a:p>
-                      <a:pPr indent="-40005" algn="just">
-                        <a:spcAft>
-                          <a:spcPts val="0"/>
-                        </a:spcAft>
-                      </a:pPr>
-                      <a:r>
-                        <a:rPr lang="en-US" sz="900" kern="0" dirty="0">
-                          <a:effectLst/>
-                        </a:rPr>
-                        <a:t>OS</a:t>
-                      </a:r>
-                      <a:r>
-                        <a:rPr lang="ja-JP" sz="900" kern="0" dirty="0">
-                          <a:effectLst/>
-                        </a:rPr>
-                        <a:t>インストール</a:t>
-                      </a:r>
-                      <a:endParaRPr lang="ja-JP" sz="1050" kern="100" dirty="0">
-                        <a:effectLst/>
-                        <a:latin typeface="Century" panose="02040604050505020304" pitchFamily="18" charset="0"/>
-                        <a:ea typeface="ＭＳ 明朝" panose="02020609040205080304" pitchFamily="17" charset="-128"/>
-                        <a:cs typeface="Times New Roman" panose="02020603050405020304" pitchFamily="18" charset="0"/>
-                      </a:endParaRPr>
-                    </a:p>
-                  </a:txBody>
-                  <a:tcPr marL="68580" marR="68580" marT="0" marB="0" anchor="ctr"/>
-                </a:tc>
-                <a:tc>
-                  <a:txBody>
-                    <a:bodyPr/>
-                    <a:lstStyle/>
-                    <a:p>
-                      <a:pPr algn="l">
-                        <a:lnSpc>
-                          <a:spcPts val="1200"/>
-                        </a:lnSpc>
-                        <a:spcAft>
-                          <a:spcPts val="0"/>
-                        </a:spcAft>
-                      </a:pPr>
-                      <a:r>
-                        <a:rPr lang="en-US" altLang="ja-JP" sz="900" kern="0" dirty="0" smtClean="0">
-                          <a:effectLst/>
-                        </a:rPr>
-                        <a:t>OSS</a:t>
-                      </a:r>
-                      <a:r>
-                        <a:rPr lang="ja-JP" altLang="ja-JP" sz="900" kern="0" dirty="0" smtClean="0">
-                          <a:effectLst/>
-                        </a:rPr>
-                        <a:t>のインストール自動化ツールです。</a:t>
-                      </a:r>
-                      <a:r>
-                        <a:rPr lang="en-US" altLang="ja-JP" sz="900" kern="0" dirty="0" smtClean="0">
-                          <a:effectLst/>
-                        </a:rPr>
-                        <a:t/>
-                      </a:r>
-                      <a:br>
-                        <a:rPr lang="en-US" altLang="ja-JP" sz="900" kern="0" dirty="0" smtClean="0">
-                          <a:effectLst/>
-                        </a:rPr>
-                      </a:br>
-                      <a:r>
-                        <a:rPr lang="ja-JP" altLang="ja-JP" sz="900" kern="0" dirty="0" smtClean="0">
-                          <a:effectLst/>
-                        </a:rPr>
-                        <a:t>あらかじめ作成したテンプレートを元に、ネットワークで接続された機器に対して、</a:t>
-                      </a:r>
-                      <a:r>
-                        <a:rPr lang="en-US" altLang="ja-JP" sz="900" kern="0" dirty="0" smtClean="0">
-                          <a:effectLst/>
-                        </a:rPr>
-                        <a:t>OS</a:t>
-                      </a:r>
-                      <a:r>
-                        <a:rPr lang="ja-JP" altLang="ja-JP" sz="900" kern="0" dirty="0" smtClean="0">
-                          <a:effectLst/>
-                        </a:rPr>
-                        <a:t>のインストールを行うことができます。</a:t>
-                      </a:r>
-                      <a:endParaRPr lang="ja-JP" altLang="ja-JP" sz="1050" kern="100" dirty="0">
-                        <a:effectLst/>
-                        <a:latin typeface="Century" panose="02040604050505020304" pitchFamily="18" charset="0"/>
-                        <a:ea typeface="ＭＳ 明朝" panose="02020609040205080304" pitchFamily="17" charset="-128"/>
-                        <a:cs typeface="Times New Roman" panose="02020603050405020304" pitchFamily="18" charset="0"/>
-                      </a:endParaRPr>
-                    </a:p>
-                  </a:txBody>
-                  <a:tcPr marL="68580" marR="68580" marT="0" marB="0" anchor="ctr"/>
-                </a:tc>
-                <a:tc>
-                  <a:txBody>
-                    <a:bodyPr/>
-                    <a:lstStyle/>
-                    <a:p>
-                      <a:pPr algn="just">
-                        <a:lnSpc>
-                          <a:spcPts val="1200"/>
-                        </a:lnSpc>
-                        <a:spcAft>
-                          <a:spcPts val="0"/>
-                        </a:spcAft>
-                      </a:pPr>
-                      <a:r>
-                        <a:rPr lang="en-US" sz="900" kern="100" dirty="0">
-                          <a:effectLst/>
-                        </a:rPr>
-                        <a:t>○</a:t>
-                      </a:r>
-                      <a:endParaRPr lang="ja-JP" sz="1050" kern="100" dirty="0">
-                        <a:effectLst/>
-                        <a:latin typeface="Century" panose="02040604050505020304" pitchFamily="18" charset="0"/>
-                        <a:ea typeface="ＭＳ 明朝" panose="02020609040205080304" pitchFamily="17" charset="-128"/>
-                        <a:cs typeface="Times New Roman" panose="02020603050405020304" pitchFamily="18" charset="0"/>
-                      </a:endParaRPr>
-                    </a:p>
-                  </a:txBody>
-                  <a:tcPr marL="68580" marR="68580" marT="0" marB="0" anchor="ctr"/>
-                </a:tc>
-                <a:tc>
-                  <a:txBody>
-                    <a:bodyPr/>
-                    <a:lstStyle/>
-                    <a:p>
-                      <a:pPr algn="just">
-                        <a:lnSpc>
-                          <a:spcPts val="1200"/>
-                        </a:lnSpc>
-                        <a:spcAft>
-                          <a:spcPts val="0"/>
-                        </a:spcAft>
-                      </a:pPr>
-                      <a:r>
-                        <a:rPr lang="en-US" altLang="ja-JP" sz="1050" kern="100" dirty="0" smtClean="0">
-                          <a:effectLst/>
-                        </a:rPr>
-                        <a:t>×</a:t>
-                      </a:r>
-                      <a:endParaRPr lang="ja-JP" sz="1050" kern="100" dirty="0">
-                        <a:effectLst/>
-                        <a:latin typeface="Century" panose="02040604050505020304" pitchFamily="18" charset="0"/>
-                        <a:ea typeface="ＭＳ 明朝" panose="02020609040205080304" pitchFamily="17" charset="-128"/>
-                        <a:cs typeface="Times New Roman" panose="02020603050405020304" pitchFamily="18" charset="0"/>
-                      </a:endParaRPr>
-                    </a:p>
-                  </a:txBody>
-                  <a:tcPr marL="68580" marR="68580" marT="0" marB="0" anchor="ctr"/>
-                </a:tc>
-                <a:extLst>
-                  <a:ext uri="{0D108BD9-81ED-4DB2-BD59-A6C34878D82A}">
-                    <a16:rowId xmlns:a16="http://schemas.microsoft.com/office/drawing/2014/main" val="10006"/>
-                  </a:ext>
-                </a:extLst>
-              </a:tr>
-              <a:tr h="449040">
-                <a:tc>
-                  <a:txBody>
-                    <a:bodyPr/>
-                    <a:lstStyle/>
-                    <a:p>
-                      <a:pPr algn="just">
-                        <a:spcAft>
-                          <a:spcPts val="0"/>
-                        </a:spcAft>
-                      </a:pPr>
-                      <a:r>
-                        <a:rPr lang="en-US" sz="900" kern="100" dirty="0">
-                          <a:effectLst/>
-                        </a:rPr>
-                        <a:t>OpenStack</a:t>
-                      </a:r>
-                      <a:r>
-                        <a:rPr lang="ja-JP" sz="900" kern="100" dirty="0">
-                          <a:effectLst/>
-                        </a:rPr>
-                        <a:t>ドライバー</a:t>
-                      </a:r>
-                      <a:endParaRPr lang="ja-JP" sz="1050" kern="100" dirty="0">
-                        <a:effectLst/>
-                        <a:latin typeface="Century" panose="02040604050505020304" pitchFamily="18" charset="0"/>
-                        <a:ea typeface="ＭＳ 明朝" panose="02020609040205080304" pitchFamily="17" charset="-128"/>
-                        <a:cs typeface="Times New Roman" panose="02020603050405020304" pitchFamily="18" charset="0"/>
-                      </a:endParaRPr>
-                    </a:p>
-                  </a:txBody>
-                  <a:tcPr marL="68580" marR="68580" marT="0" marB="0" anchor="ctr"/>
-                </a:tc>
-                <a:tc>
-                  <a:txBody>
-                    <a:bodyPr/>
-                    <a:lstStyle/>
-                    <a:p>
-                      <a:pPr algn="just">
-                        <a:spcAft>
-                          <a:spcPts val="0"/>
-                        </a:spcAft>
-                      </a:pPr>
-                      <a:r>
-                        <a:rPr lang="en-US" sz="900" kern="100" dirty="0">
-                          <a:effectLst/>
-                        </a:rPr>
-                        <a:t>OpenStack</a:t>
-                      </a:r>
-                      <a:endParaRPr lang="ja-JP" sz="1050" kern="100" dirty="0">
-                        <a:effectLst/>
-                        <a:latin typeface="Century" panose="02040604050505020304" pitchFamily="18" charset="0"/>
-                        <a:ea typeface="ＭＳ 明朝" panose="02020609040205080304" pitchFamily="17" charset="-128"/>
-                        <a:cs typeface="Times New Roman" panose="02020603050405020304" pitchFamily="18" charset="0"/>
-                      </a:endParaRPr>
-                    </a:p>
-                  </a:txBody>
-                  <a:tcPr marL="68580" marR="68580" marT="0" marB="0" anchor="ctr"/>
-                </a:tc>
-                <a:tc>
-                  <a:txBody>
-                    <a:bodyPr/>
-                    <a:lstStyle/>
-                    <a:p>
-                      <a:pPr indent="-40005" algn="just">
-                        <a:spcAft>
-                          <a:spcPts val="0"/>
-                        </a:spcAft>
-                      </a:pPr>
-                      <a:r>
-                        <a:rPr lang="ja-JP" sz="900" kern="0" dirty="0">
-                          <a:effectLst/>
-                        </a:rPr>
-                        <a:t>仮想システム構築</a:t>
-                      </a:r>
-                      <a:endParaRPr lang="ja-JP" sz="1050" kern="100" dirty="0">
-                        <a:effectLst/>
-                        <a:latin typeface="Century" panose="02040604050505020304" pitchFamily="18" charset="0"/>
-                        <a:ea typeface="ＭＳ 明朝" panose="02020609040205080304" pitchFamily="17" charset="-128"/>
-                        <a:cs typeface="Times New Roman" panose="02020603050405020304" pitchFamily="18" charset="0"/>
-                      </a:endParaRPr>
-                    </a:p>
-                  </a:txBody>
-                  <a:tcPr marL="68580" marR="68580" marT="0" marB="0" anchor="ctr"/>
-                </a:tc>
-                <a:tc>
-                  <a:txBody>
-                    <a:bodyPr/>
-                    <a:lstStyle/>
-                    <a:p>
-                      <a:pPr algn="just">
-                        <a:spcAft>
-                          <a:spcPts val="0"/>
-                        </a:spcAft>
-                      </a:pPr>
-                      <a:r>
-                        <a:rPr lang="en-US" sz="900" kern="100" dirty="0">
-                          <a:effectLst/>
-                        </a:rPr>
-                        <a:t>OSS</a:t>
-                      </a:r>
-                      <a:r>
-                        <a:rPr lang="ja-JP" sz="900" kern="100" dirty="0">
-                          <a:effectLst/>
-                        </a:rPr>
-                        <a:t>のクラウド環境構築ツールです。</a:t>
-                      </a:r>
-                      <a:endParaRPr lang="ja-JP" sz="1050" kern="100" dirty="0">
-                        <a:effectLst/>
-                      </a:endParaRPr>
-                    </a:p>
-                    <a:p>
-                      <a:pPr algn="just">
-                        <a:lnSpc>
-                          <a:spcPts val="1200"/>
-                        </a:lnSpc>
-                        <a:spcAft>
-                          <a:spcPts val="0"/>
-                        </a:spcAft>
-                      </a:pPr>
-                      <a:r>
-                        <a:rPr lang="ja-JP" sz="900" kern="100" dirty="0">
-                          <a:effectLst/>
-                        </a:rPr>
-                        <a:t>クラウド環境に対して、仮想マシン、ストレージ、ネットワークなどを構築することができます。</a:t>
-                      </a:r>
-                      <a:endParaRPr lang="ja-JP" sz="1050" kern="100" dirty="0">
-                        <a:effectLst/>
-                        <a:latin typeface="Century" panose="02040604050505020304" pitchFamily="18" charset="0"/>
-                        <a:ea typeface="ＭＳ 明朝" panose="02020609040205080304" pitchFamily="17" charset="-128"/>
-                        <a:cs typeface="Times New Roman" panose="02020603050405020304" pitchFamily="18" charset="0"/>
-                      </a:endParaRPr>
-                    </a:p>
-                  </a:txBody>
-                  <a:tcPr marL="68580" marR="68580" marT="0" marB="0" anchor="ctr"/>
-                </a:tc>
-                <a:tc>
-                  <a:txBody>
-                    <a:bodyPr/>
-                    <a:lstStyle/>
-                    <a:p>
-                      <a:pPr algn="just">
-                        <a:lnSpc>
-                          <a:spcPts val="1200"/>
-                        </a:lnSpc>
-                        <a:spcAft>
-                          <a:spcPts val="0"/>
-                        </a:spcAft>
-                      </a:pPr>
-                      <a:r>
-                        <a:rPr lang="en-US" sz="900" kern="0" dirty="0">
-                          <a:effectLst/>
-                        </a:rPr>
-                        <a:t>×</a:t>
-                      </a:r>
-                      <a:endParaRPr lang="ja-JP" sz="1050" kern="100" dirty="0">
-                        <a:effectLst/>
-                        <a:latin typeface="Century" panose="02040604050505020304" pitchFamily="18" charset="0"/>
-                        <a:ea typeface="ＭＳ 明朝" panose="02020609040205080304" pitchFamily="17" charset="-128"/>
-                        <a:cs typeface="Times New Roman" panose="02020603050405020304" pitchFamily="18" charset="0"/>
-                      </a:endParaRPr>
-                    </a:p>
-                  </a:txBody>
-                  <a:tcPr marL="68580" marR="68580" marT="0" marB="0" anchor="ctr"/>
-                </a:tc>
-                <a:tc>
-                  <a:txBody>
-                    <a:bodyPr/>
-                    <a:lstStyle/>
-                    <a:p>
-                      <a:pPr algn="just">
-                        <a:lnSpc>
-                          <a:spcPts val="1200"/>
-                        </a:lnSpc>
-                        <a:spcAft>
-                          <a:spcPts val="0"/>
-                        </a:spcAft>
-                      </a:pPr>
-                      <a:r>
-                        <a:rPr lang="en-US" altLang="ja-JP" sz="1050" kern="100" dirty="0" smtClean="0">
-                          <a:effectLst/>
-                        </a:rPr>
-                        <a:t>×</a:t>
-                      </a:r>
-                      <a:endParaRPr lang="ja-JP" sz="1050" kern="100" dirty="0">
-                        <a:effectLst/>
-                        <a:latin typeface="Century" panose="02040604050505020304" pitchFamily="18" charset="0"/>
-                        <a:ea typeface="ＭＳ 明朝" panose="02020609040205080304" pitchFamily="17" charset="-128"/>
-                        <a:cs typeface="Times New Roman" panose="02020603050405020304" pitchFamily="18" charset="0"/>
-                      </a:endParaRPr>
-                    </a:p>
-                  </a:txBody>
-                  <a:tcPr marL="68580" marR="68580" marT="0" marB="0" anchor="ctr"/>
-                </a:tc>
-                <a:extLst>
-                  <a:ext uri="{0D108BD9-81ED-4DB2-BD59-A6C34878D82A}">
-                    <a16:rowId xmlns:a16="http://schemas.microsoft.com/office/drawing/2014/main" val="10007"/>
-                  </a:ext>
-                </a:extLst>
-              </a:tr>
-              <a:tr h="449040">
-                <a:tc>
-                  <a:txBody>
-                    <a:bodyPr/>
-                    <a:lstStyle/>
-                    <a:p>
-                      <a:pPr algn="just">
-                        <a:spcAft>
-                          <a:spcPts val="0"/>
-                        </a:spcAft>
-                      </a:pPr>
-                      <a:r>
-                        <a:rPr lang="en-US" sz="900" kern="100" dirty="0">
-                          <a:effectLst/>
-                        </a:rPr>
-                        <a:t>PowerShell</a:t>
-                      </a:r>
-                      <a:endParaRPr lang="ja-JP" sz="1050" kern="100" dirty="0">
-                        <a:effectLst/>
-                      </a:endParaRPr>
-                    </a:p>
-                    <a:p>
-                      <a:pPr algn="just">
-                        <a:spcAft>
-                          <a:spcPts val="0"/>
-                        </a:spcAft>
-                      </a:pPr>
-                      <a:r>
-                        <a:rPr lang="en-US" sz="900" kern="100" dirty="0">
-                          <a:effectLst/>
-                        </a:rPr>
-                        <a:t>DSC</a:t>
-                      </a:r>
-                      <a:r>
-                        <a:rPr lang="ja-JP" sz="900" kern="100" dirty="0">
-                          <a:effectLst/>
-                        </a:rPr>
-                        <a:t>ドライバー</a:t>
-                      </a:r>
-                      <a:endParaRPr lang="ja-JP" sz="1050" kern="100" dirty="0">
-                        <a:effectLst/>
-                        <a:latin typeface="Century" panose="02040604050505020304" pitchFamily="18" charset="0"/>
-                        <a:ea typeface="ＭＳ 明朝" panose="02020609040205080304" pitchFamily="17" charset="-128"/>
-                        <a:cs typeface="Times New Roman" panose="02020603050405020304" pitchFamily="18" charset="0"/>
-                      </a:endParaRPr>
-                    </a:p>
-                  </a:txBody>
-                  <a:tcPr marL="68580" marR="68580" marT="0" marB="0" anchor="ctr"/>
-                </a:tc>
-                <a:tc>
-                  <a:txBody>
-                    <a:bodyPr/>
-                    <a:lstStyle/>
-                    <a:p>
-                      <a:pPr algn="just">
-                        <a:spcAft>
-                          <a:spcPts val="0"/>
-                        </a:spcAft>
-                      </a:pPr>
-                      <a:r>
-                        <a:rPr lang="en-US" sz="900" kern="100" dirty="0">
-                          <a:effectLst/>
-                        </a:rPr>
-                        <a:t>PowerShell</a:t>
-                      </a:r>
-                      <a:endParaRPr lang="ja-JP" sz="1050" kern="100" dirty="0">
-                        <a:effectLst/>
-                      </a:endParaRPr>
-                    </a:p>
-                    <a:p>
-                      <a:pPr algn="just">
-                        <a:spcAft>
-                          <a:spcPts val="0"/>
-                        </a:spcAft>
-                      </a:pPr>
-                      <a:r>
-                        <a:rPr lang="en-US" sz="900" kern="100" dirty="0">
-                          <a:effectLst/>
-                        </a:rPr>
-                        <a:t>DSC</a:t>
-                      </a:r>
-                      <a:endParaRPr lang="ja-JP" sz="1050" kern="100" dirty="0">
-                        <a:effectLst/>
-                        <a:latin typeface="Century" panose="02040604050505020304" pitchFamily="18" charset="0"/>
-                        <a:ea typeface="ＭＳ 明朝" panose="02020609040205080304" pitchFamily="17" charset="-128"/>
-                        <a:cs typeface="Times New Roman" panose="02020603050405020304" pitchFamily="18" charset="0"/>
-                      </a:endParaRPr>
-                    </a:p>
-                  </a:txBody>
-                  <a:tcPr marL="68580" marR="68580" marT="0" marB="0" anchor="ctr"/>
-                </a:tc>
-                <a:tc>
-                  <a:txBody>
-                    <a:bodyPr/>
-                    <a:lstStyle/>
-                    <a:p>
-                      <a:pPr indent="-40005" algn="just">
-                        <a:spcAft>
-                          <a:spcPts val="0"/>
-                        </a:spcAft>
-                      </a:pPr>
-                      <a:r>
-                        <a:rPr lang="ja-JP" sz="900" kern="0" dirty="0">
-                          <a:effectLst/>
-                        </a:rPr>
-                        <a:t>システム構築</a:t>
-                      </a:r>
-                      <a:endParaRPr lang="ja-JP" sz="1050" kern="100" dirty="0">
-                        <a:effectLst/>
-                        <a:latin typeface="Century" panose="02040604050505020304" pitchFamily="18" charset="0"/>
-                        <a:ea typeface="ＭＳ 明朝" panose="02020609040205080304" pitchFamily="17" charset="-128"/>
-                        <a:cs typeface="Times New Roman" panose="02020603050405020304" pitchFamily="18" charset="0"/>
-                      </a:endParaRPr>
-                    </a:p>
-                  </a:txBody>
-                  <a:tcPr marL="68580" marR="68580" marT="0" marB="0" anchor="ctr"/>
-                </a:tc>
-                <a:tc>
-                  <a:txBody>
-                    <a:bodyPr/>
-                    <a:lstStyle/>
-                    <a:p>
-                      <a:pPr algn="just">
-                        <a:spcAft>
-                          <a:spcPts val="0"/>
-                        </a:spcAft>
-                      </a:pPr>
-                      <a:r>
-                        <a:rPr lang="en-US" sz="900" kern="0" dirty="0">
-                          <a:effectLst/>
-                        </a:rPr>
-                        <a:t>Microsoft</a:t>
-                      </a:r>
-                      <a:r>
-                        <a:rPr lang="ja-JP" sz="900" kern="0" dirty="0">
-                          <a:effectLst/>
-                        </a:rPr>
-                        <a:t>製の</a:t>
-                      </a:r>
-                      <a:r>
-                        <a:rPr lang="en-US" sz="900" kern="0" dirty="0">
-                          <a:effectLst/>
-                        </a:rPr>
-                        <a:t>PF</a:t>
-                      </a:r>
-                      <a:r>
-                        <a:rPr lang="ja-JP" sz="900" kern="0" dirty="0">
-                          <a:effectLst/>
-                        </a:rPr>
-                        <a:t>構築ツールです。</a:t>
-                      </a:r>
-                      <a:endParaRPr lang="ja-JP" sz="1050" kern="100" dirty="0">
-                        <a:effectLst/>
-                      </a:endParaRPr>
-                    </a:p>
-                    <a:p>
-                      <a:pPr algn="just">
-                        <a:lnSpc>
-                          <a:spcPts val="1200"/>
-                        </a:lnSpc>
-                        <a:spcAft>
-                          <a:spcPts val="0"/>
-                        </a:spcAft>
-                      </a:pPr>
-                      <a:r>
-                        <a:rPr lang="en-US" sz="900" kern="0" dirty="0">
-                          <a:effectLst/>
-                        </a:rPr>
-                        <a:t>Windows</a:t>
-                      </a:r>
-                      <a:r>
-                        <a:rPr lang="ja-JP" sz="900" kern="0" dirty="0">
-                          <a:effectLst/>
-                        </a:rPr>
-                        <a:t>インフラ環境にて、サーバのユーザー作成、ソフトウェアのインストールなどを行うことができます。</a:t>
-                      </a:r>
-                      <a:endParaRPr lang="ja-JP" sz="1050" kern="100" dirty="0">
-                        <a:effectLst/>
-                        <a:latin typeface="Century" panose="02040604050505020304" pitchFamily="18" charset="0"/>
-                        <a:ea typeface="ＭＳ 明朝" panose="02020609040205080304" pitchFamily="17" charset="-128"/>
-                        <a:cs typeface="Times New Roman" panose="02020603050405020304" pitchFamily="18" charset="0"/>
-                      </a:endParaRPr>
-                    </a:p>
-                  </a:txBody>
-                  <a:tcPr marL="68580" marR="68580" marT="0" marB="0" anchor="ctr"/>
-                </a:tc>
-                <a:tc>
-                  <a:txBody>
-                    <a:bodyPr/>
-                    <a:lstStyle/>
-                    <a:p>
-                      <a:pPr algn="just">
-                        <a:lnSpc>
-                          <a:spcPts val="1200"/>
-                        </a:lnSpc>
-                        <a:spcAft>
-                          <a:spcPts val="0"/>
-                        </a:spcAft>
-                      </a:pPr>
-                      <a:r>
-                        <a:rPr lang="en-US" sz="900" kern="0" dirty="0">
-                          <a:effectLst/>
-                        </a:rPr>
-                        <a:t>×</a:t>
-                      </a:r>
-                      <a:endParaRPr lang="ja-JP" sz="1050" kern="100" dirty="0">
-                        <a:effectLst/>
-                        <a:latin typeface="Century" panose="02040604050505020304" pitchFamily="18" charset="0"/>
-                        <a:ea typeface="ＭＳ 明朝" panose="02020609040205080304" pitchFamily="17" charset="-128"/>
-                        <a:cs typeface="Times New Roman" panose="02020603050405020304" pitchFamily="18" charset="0"/>
-                      </a:endParaRPr>
-                    </a:p>
-                  </a:txBody>
-                  <a:tcPr marL="68580" marR="68580" marT="0" marB="0" anchor="ctr"/>
-                </a:tc>
-                <a:tc>
-                  <a:txBody>
-                    <a:bodyPr/>
-                    <a:lstStyle/>
-                    <a:p>
-                      <a:pPr algn="just">
-                        <a:lnSpc>
-                          <a:spcPts val="1200"/>
-                        </a:lnSpc>
-                        <a:spcAft>
-                          <a:spcPts val="0"/>
-                        </a:spcAft>
-                      </a:pPr>
-                      <a:r>
-                        <a:rPr lang="en-US" altLang="ja-JP" sz="1050" kern="100" dirty="0" smtClean="0">
-                          <a:effectLst/>
-                        </a:rPr>
-                        <a:t>×</a:t>
-                      </a:r>
-                      <a:endParaRPr lang="ja-JP" sz="1050" kern="100" dirty="0">
-                        <a:effectLst/>
-                        <a:latin typeface="Century" panose="02040604050505020304" pitchFamily="18" charset="0"/>
-                        <a:ea typeface="ＭＳ 明朝" panose="02020609040205080304" pitchFamily="17" charset="-128"/>
-                        <a:cs typeface="Times New Roman" panose="02020603050405020304" pitchFamily="18" charset="0"/>
-                      </a:endParaRPr>
-                    </a:p>
-                  </a:txBody>
-                  <a:tcPr marL="68580" marR="68580" marT="0" marB="0" anchor="ctr"/>
-                </a:tc>
-                <a:extLst>
-                  <a:ext uri="{0D108BD9-81ED-4DB2-BD59-A6C34878D82A}">
-                    <a16:rowId xmlns:a16="http://schemas.microsoft.com/office/drawing/2014/main" val="10008"/>
+                    <a16:rowId xmlns="" xmlns:a16="http://schemas.microsoft.com/office/drawing/2014/main" val="10008"/>
                   </a:ext>
                 </a:extLst>
               </a:tr>
@@ -31820,7 +31085,7 @@
     </p:spTree>
     <p:extLst>
       <p:ext uri="{BB962C8B-B14F-4D97-AF65-F5344CB8AC3E}">
-        <p14:creationId xmlns:p14="http://schemas.microsoft.com/office/powerpoint/2010/main" val="3246179188"/>
+        <p14:creationId xmlns:p14="http://schemas.microsoft.com/office/powerpoint/2010/main" val="1387379880"/>
       </p:ext>
     </p:extLst>
   </p:cSld>
@@ -32038,14 +31303,14 @@
                 <a:gridCol w="3288245">
                   <a:extLst>
                     <a:ext uri="{9D8B030D-6E8A-4147-A177-3AD203B41FA5}">
-                      <a16:colId xmlns:a16="http://schemas.microsoft.com/office/drawing/2014/main" val="20000"/>
+                      <a16:colId xmlns="" xmlns:a16="http://schemas.microsoft.com/office/drawing/2014/main" val="20000"/>
                     </a:ext>
                   </a:extLst>
                 </a:gridCol>
                 <a:gridCol w="3288245">
                   <a:extLst>
                     <a:ext uri="{9D8B030D-6E8A-4147-A177-3AD203B41FA5}">
-                      <a16:colId xmlns:a16="http://schemas.microsoft.com/office/drawing/2014/main" val="20001"/>
+                      <a16:colId xmlns="" xmlns:a16="http://schemas.microsoft.com/office/drawing/2014/main" val="20001"/>
                     </a:ext>
                   </a:extLst>
                 </a:gridCol>
@@ -32109,7 +31374,7 @@
                 </a:tc>
                 <a:extLst>
                   <a:ext uri="{0D108BD9-81ED-4DB2-BD59-A6C34878D82A}">
-                    <a16:rowId xmlns:a16="http://schemas.microsoft.com/office/drawing/2014/main" val="10000"/>
+                    <a16:rowId xmlns="" xmlns:a16="http://schemas.microsoft.com/office/drawing/2014/main" val="10000"/>
                   </a:ext>
                 </a:extLst>
               </a:tr>
@@ -32181,7 +31446,7 @@
                 </a:tc>
                 <a:extLst>
                   <a:ext uri="{0D108BD9-81ED-4DB2-BD59-A6C34878D82A}">
-                    <a16:rowId xmlns:a16="http://schemas.microsoft.com/office/drawing/2014/main" val="10001"/>
+                    <a16:rowId xmlns="" xmlns:a16="http://schemas.microsoft.com/office/drawing/2014/main" val="10001"/>
                   </a:ext>
                 </a:extLst>
               </a:tr>
@@ -32289,7 +31554,7 @@
                 </a:tc>
                 <a:extLst>
                   <a:ext uri="{0D108BD9-81ED-4DB2-BD59-A6C34878D82A}">
-                    <a16:rowId xmlns:a16="http://schemas.microsoft.com/office/drawing/2014/main" val="10002"/>
+                    <a16:rowId xmlns="" xmlns:a16="http://schemas.microsoft.com/office/drawing/2014/main" val="10002"/>
                   </a:ext>
                 </a:extLst>
               </a:tr>
@@ -32321,21 +31586,21 @@
                 <a:gridCol w="1296180">
                   <a:extLst>
                     <a:ext uri="{9D8B030D-6E8A-4147-A177-3AD203B41FA5}">
-                      <a16:colId xmlns:a16="http://schemas.microsoft.com/office/drawing/2014/main" val="20000"/>
+                      <a16:colId xmlns="" xmlns:a16="http://schemas.microsoft.com/office/drawing/2014/main" val="20000"/>
                     </a:ext>
                   </a:extLst>
                 </a:gridCol>
                 <a:gridCol w="3088147">
                   <a:extLst>
                     <a:ext uri="{9D8B030D-6E8A-4147-A177-3AD203B41FA5}">
-                      <a16:colId xmlns:a16="http://schemas.microsoft.com/office/drawing/2014/main" val="20001"/>
+                      <a16:colId xmlns="" xmlns:a16="http://schemas.microsoft.com/office/drawing/2014/main" val="20001"/>
                     </a:ext>
                   </a:extLst>
                 </a:gridCol>
                 <a:gridCol w="2192163">
                   <a:extLst>
                     <a:ext uri="{9D8B030D-6E8A-4147-A177-3AD203B41FA5}">
-                      <a16:colId xmlns:a16="http://schemas.microsoft.com/office/drawing/2014/main" val="20002"/>
+                      <a16:colId xmlns="" xmlns:a16="http://schemas.microsoft.com/office/drawing/2014/main" val="20002"/>
                     </a:ext>
                   </a:extLst>
                 </a:gridCol>
@@ -32461,7 +31726,7 @@
                 </a:tc>
                 <a:extLst>
                   <a:ext uri="{0D108BD9-81ED-4DB2-BD59-A6C34878D82A}">
-                    <a16:rowId xmlns:a16="http://schemas.microsoft.com/office/drawing/2014/main" val="10000"/>
+                    <a16:rowId xmlns="" xmlns:a16="http://schemas.microsoft.com/office/drawing/2014/main" val="10000"/>
                   </a:ext>
                 </a:extLst>
               </a:tr>
@@ -32559,7 +31824,7 @@
                 </a:tc>
                 <a:extLst>
                   <a:ext uri="{0D108BD9-81ED-4DB2-BD59-A6C34878D82A}">
-                    <a16:rowId xmlns:a16="http://schemas.microsoft.com/office/drawing/2014/main" val="10001"/>
+                    <a16:rowId xmlns="" xmlns:a16="http://schemas.microsoft.com/office/drawing/2014/main" val="10001"/>
                   </a:ext>
                 </a:extLst>
               </a:tr>
@@ -32591,21 +31856,21 @@
                 <a:gridCol w="1296180">
                   <a:extLst>
                     <a:ext uri="{9D8B030D-6E8A-4147-A177-3AD203B41FA5}">
-                      <a16:colId xmlns:a16="http://schemas.microsoft.com/office/drawing/2014/main" val="20000"/>
+                      <a16:colId xmlns="" xmlns:a16="http://schemas.microsoft.com/office/drawing/2014/main" val="20000"/>
                     </a:ext>
                   </a:extLst>
                 </a:gridCol>
                 <a:gridCol w="3088147">
                   <a:extLst>
                     <a:ext uri="{9D8B030D-6E8A-4147-A177-3AD203B41FA5}">
-                      <a16:colId xmlns:a16="http://schemas.microsoft.com/office/drawing/2014/main" val="20001"/>
+                      <a16:colId xmlns="" xmlns:a16="http://schemas.microsoft.com/office/drawing/2014/main" val="20001"/>
                     </a:ext>
                   </a:extLst>
                 </a:gridCol>
                 <a:gridCol w="2192163">
                   <a:extLst>
                     <a:ext uri="{9D8B030D-6E8A-4147-A177-3AD203B41FA5}">
-                      <a16:colId xmlns:a16="http://schemas.microsoft.com/office/drawing/2014/main" val="20002"/>
+                      <a16:colId xmlns="" xmlns:a16="http://schemas.microsoft.com/office/drawing/2014/main" val="20002"/>
                     </a:ext>
                   </a:extLst>
                 </a:gridCol>
@@ -32731,7 +31996,7 @@
                 </a:tc>
                 <a:extLst>
                   <a:ext uri="{0D108BD9-81ED-4DB2-BD59-A6C34878D82A}">
-                    <a16:rowId xmlns:a16="http://schemas.microsoft.com/office/drawing/2014/main" val="10000"/>
+                    <a16:rowId xmlns="" xmlns:a16="http://schemas.microsoft.com/office/drawing/2014/main" val="10000"/>
                   </a:ext>
                 </a:extLst>
               </a:tr>
@@ -32882,7 +32147,7 @@
                 </a:tc>
                 <a:extLst>
                   <a:ext uri="{0D108BD9-81ED-4DB2-BD59-A6C34878D82A}">
-                    <a16:rowId xmlns:a16="http://schemas.microsoft.com/office/drawing/2014/main" val="10001"/>
+                    <a16:rowId xmlns="" xmlns:a16="http://schemas.microsoft.com/office/drawing/2014/main" val="10001"/>
                   </a:ext>
                 </a:extLst>
               </a:tr>
@@ -33033,7 +32298,7 @@
                 </a:tc>
                 <a:extLst>
                   <a:ext uri="{0D108BD9-81ED-4DB2-BD59-A6C34878D82A}">
-                    <a16:rowId xmlns:a16="http://schemas.microsoft.com/office/drawing/2014/main" val="10002"/>
+                    <a16:rowId xmlns="" xmlns:a16="http://schemas.microsoft.com/office/drawing/2014/main" val="10002"/>
                   </a:ext>
                 </a:extLst>
               </a:tr>
@@ -33167,7 +32432,7 @@
                 </a:tc>
                 <a:extLst>
                   <a:ext uri="{0D108BD9-81ED-4DB2-BD59-A6C34878D82A}">
-                    <a16:rowId xmlns:a16="http://schemas.microsoft.com/office/drawing/2014/main" val="10003"/>
+                    <a16:rowId xmlns="" xmlns:a16="http://schemas.microsoft.com/office/drawing/2014/main" val="10003"/>
                   </a:ext>
                 </a:extLst>
               </a:tr>
@@ -33317,7 +32582,7 @@
                 </a:tc>
                 <a:extLst>
                   <a:ext uri="{0D108BD9-81ED-4DB2-BD59-A6C34878D82A}">
-                    <a16:rowId xmlns:a16="http://schemas.microsoft.com/office/drawing/2014/main" val="10004"/>
+                    <a16:rowId xmlns="" xmlns:a16="http://schemas.microsoft.com/office/drawing/2014/main" val="10004"/>
                   </a:ext>
                 </a:extLst>
               </a:tr>
@@ -34619,100 +33884,18 @@
               </a:bodyPr>
               <a:lstStyle/>
               <a:p>
-                <a:pPr marL="0" marR="0" lvl="0" indent="0" algn="ctr" defTabSz="914400" eaLnBrk="1" fontAlgn="auto" latinLnBrk="0" hangingPunct="1">
-                  <a:lnSpc>
-                    <a:spcPct val="100000"/>
-                  </a:lnSpc>
-                  <a:spcBef>
-                    <a:spcPts val="0"/>
-                  </a:spcBef>
-                  <a:spcAft>
-                    <a:spcPts val="0"/>
-                  </a:spcAft>
-                  <a:buClrTx/>
-                  <a:buSzTx/>
-                  <a:buFontTx/>
-                  <a:buNone/>
-                  <a:tabLst/>
+                <a:pPr lvl="0" algn="ctr">
                   <a:defRPr/>
                 </a:pPr>
                 <a:r>
-                  <a:rPr kumimoji="0" lang="en-US" sz="1050" b="0" i="0" u="none" strike="noStrike" kern="100" cap="none" spc="0" normalizeH="0" baseline="0" noProof="0" dirty="0">
-                    <a:ln>
-                      <a:noFill/>
-                    </a:ln>
-                    <a:solidFill>
-                      <a:srgbClr val="000000"/>
-                    </a:solidFill>
-                    <a:effectLst/>
-                    <a:uLnTx/>
-                    <a:uFillTx/>
+                  <a:rPr kumimoji="0" lang="en-US" altLang="ja-JP" sz="1050" kern="100" dirty="0" smtClean="0">
                     <a:latin typeface="Century"/>
                     <a:ea typeface="ＭＳ 明朝" panose="02020609040205080304" pitchFamily="17" charset="-128"/>
                     <a:cs typeface="Times New Roman" panose="02020603050405020304" pitchFamily="18" charset="0"/>
                   </a:rPr>
-                  <a:t>MySQL</a:t>
+                  <a:t>MariaDB</a:t>
                 </a:r>
-                <a:endParaRPr kumimoji="0" lang="ja-JP" altLang="en-US" sz="1050" b="0" i="0" u="none" strike="noStrike" kern="100" cap="none" spc="0" normalizeH="0" baseline="0" noProof="0" dirty="0">
-                  <a:ln>
-                    <a:noFill/>
-                  </a:ln>
-                  <a:solidFill>
-                    <a:sysClr val="window" lastClr="FFFFFF"/>
-                  </a:solidFill>
-                  <a:effectLst/>
-                  <a:uLnTx/>
-                  <a:uFillTx/>
-                  <a:latin typeface="Century"/>
-                  <a:ea typeface="ＭＳ 明朝" panose="02020609040205080304" pitchFamily="17" charset="-128"/>
-                  <a:cs typeface="Times New Roman" panose="02020603050405020304" pitchFamily="18" charset="0"/>
-                </a:endParaRPr>
-              </a:p>
-              <a:p>
-                <a:pPr marL="0" marR="0" lvl="0" indent="0" algn="ctr" defTabSz="914400" eaLnBrk="1" fontAlgn="auto" latinLnBrk="0" hangingPunct="1">
-                  <a:lnSpc>
-                    <a:spcPct val="100000"/>
-                  </a:lnSpc>
-                  <a:spcBef>
-                    <a:spcPts val="0"/>
-                  </a:spcBef>
-                  <a:spcAft>
-                    <a:spcPts val="0"/>
-                  </a:spcAft>
-                  <a:buClrTx/>
-                  <a:buSzTx/>
-                  <a:buFontTx/>
-                  <a:buNone/>
-                  <a:tabLst/>
-                  <a:defRPr/>
-                </a:pPr>
-                <a:r>
-                  <a:rPr kumimoji="0" lang="en-US" sz="1050" b="0" i="0" u="none" strike="noStrike" kern="100" cap="none" spc="0" normalizeH="0" baseline="0" noProof="0" dirty="0">
-                    <a:ln>
-                      <a:noFill/>
-                    </a:ln>
-                    <a:solidFill>
-                      <a:srgbClr val="000000"/>
-                    </a:solidFill>
-                    <a:effectLst/>
-                    <a:uLnTx/>
-                    <a:uFillTx/>
-                    <a:latin typeface="Century"/>
-                    <a:ea typeface="ＭＳ 明朝" panose="02020609040205080304" pitchFamily="17" charset="-128"/>
-                    <a:cs typeface="Times New Roman" panose="02020603050405020304" pitchFamily="18" charset="0"/>
-                  </a:rPr>
-                  <a:t> </a:t>
-                </a:r>
-                <a:endParaRPr kumimoji="0" lang="ja-JP" altLang="en-US" sz="1050" b="0" i="0" u="none" strike="noStrike" kern="100" cap="none" spc="0" normalizeH="0" baseline="0" noProof="0" dirty="0">
-                  <a:ln>
-                    <a:noFill/>
-                  </a:ln>
-                  <a:solidFill>
-                    <a:sysClr val="window" lastClr="FFFFFF"/>
-                  </a:solidFill>
-                  <a:effectLst/>
-                  <a:uLnTx/>
-                  <a:uFillTx/>
+                <a:endParaRPr kumimoji="0" lang="ja-JP" altLang="en-US" sz="1050" kern="100" dirty="0">
                   <a:latin typeface="Century"/>
                   <a:ea typeface="ＭＳ 明朝" panose="02020609040205080304" pitchFamily="17" charset="-128"/>
                   <a:cs typeface="Times New Roman" panose="02020603050405020304" pitchFamily="18" charset="0"/>

--- a/asset/Learn_ja/ITA-online-install_ja.pptx
+++ b/asset/Learn_ja/ITA-online-install_ja.pptx
@@ -332,7 +332,7 @@
               <a:rPr kumimoji="1" lang="ja-JP" altLang="en-US" smtClean="0">
                 <a:ea typeface="メイリオ" panose="020B0604030504040204" pitchFamily="50" charset="-128"/>
               </a:rPr>
-              <a:t>2019/11/5</a:t>
+              <a:t>2020/1/6</a:t>
             </a:fld>
             <a:endParaRPr kumimoji="1" lang="ja-JP" altLang="en-US" dirty="0">
               <a:ea typeface="メイリオ" panose="020B0604030504040204" pitchFamily="50" charset="-128"/>
@@ -478,7 +478,7 @@
             <a:fld id="{4B26993D-C081-44EB-B0F5-A9F467792B62}" type="datetimeFigureOut">
               <a:rPr lang="ja-JP" altLang="en-US" smtClean="0"/>
               <a:pPr/>
-              <a:t>2019/11/5</a:t>
+              <a:t>2020/1/6</a:t>
             </a:fld>
             <a:endParaRPr lang="ja-JP" altLang="en-US" dirty="0"/>
           </a:p>
@@ -1101,7 +1101,7 @@
           <a:p>
             <a:fld id="{56F9016B-CCA6-43BE-8BEE-59565A35F4F7}" type="datetimeFigureOut">
               <a:rPr kumimoji="1" lang="ja-JP" altLang="en-US" smtClean="0"/>
-              <a:t>2019/11/5</a:t>
+              <a:t>2020/1/6</a:t>
             </a:fld>
             <a:endParaRPr kumimoji="1" lang="ja-JP" altLang="en-US"/>
           </a:p>
@@ -1303,7 +1303,7 @@
           <a:p>
             <a:fld id="{56F9016B-CCA6-43BE-8BEE-59565A35F4F7}" type="datetimeFigureOut">
               <a:rPr kumimoji="1" lang="ja-JP" altLang="en-US" smtClean="0"/>
-              <a:t>2019/11/5</a:t>
+              <a:t>2020/1/6</a:t>
             </a:fld>
             <a:endParaRPr kumimoji="1" lang="ja-JP" altLang="en-US"/>
           </a:p>
@@ -1549,7 +1549,7 @@
           <a:p>
             <a:fld id="{56F9016B-CCA6-43BE-8BEE-59565A35F4F7}" type="datetimeFigureOut">
               <a:rPr kumimoji="1" lang="ja-JP" altLang="en-US" smtClean="0"/>
-              <a:t>2019/11/5</a:t>
+              <a:t>2020/1/6</a:t>
             </a:fld>
             <a:endParaRPr kumimoji="1" lang="ja-JP" altLang="en-US"/>
           </a:p>
@@ -1845,7 +1845,7 @@
           <a:p>
             <a:fld id="{56F9016B-CCA6-43BE-8BEE-59565A35F4F7}" type="datetimeFigureOut">
               <a:rPr kumimoji="1" lang="ja-JP" altLang="en-US" smtClean="0"/>
-              <a:t>2019/11/5</a:t>
+              <a:t>2020/1/6</a:t>
             </a:fld>
             <a:endParaRPr kumimoji="1" lang="ja-JP" altLang="en-US"/>
           </a:p>
@@ -2276,7 +2276,7 @@
           <a:p>
             <a:fld id="{56F9016B-CCA6-43BE-8BEE-59565A35F4F7}" type="datetimeFigureOut">
               <a:rPr kumimoji="1" lang="ja-JP" altLang="en-US" smtClean="0"/>
-              <a:t>2019/11/5</a:t>
+              <a:t>2020/1/6</a:t>
             </a:fld>
             <a:endParaRPr kumimoji="1" lang="ja-JP" altLang="en-US"/>
           </a:p>
@@ -2394,7 +2394,7 @@
           <a:p>
             <a:fld id="{56F9016B-CCA6-43BE-8BEE-59565A35F4F7}" type="datetimeFigureOut">
               <a:rPr kumimoji="1" lang="ja-JP" altLang="en-US" smtClean="0"/>
-              <a:t>2019/11/5</a:t>
+              <a:t>2020/1/6</a:t>
             </a:fld>
             <a:endParaRPr kumimoji="1" lang="ja-JP" altLang="en-US"/>
           </a:p>
@@ -2489,7 +2489,7 @@
           <a:p>
             <a:fld id="{56F9016B-CCA6-43BE-8BEE-59565A35F4F7}" type="datetimeFigureOut">
               <a:rPr kumimoji="1" lang="ja-JP" altLang="en-US" smtClean="0"/>
-              <a:t>2019/11/5</a:t>
+              <a:t>2020/1/6</a:t>
             </a:fld>
             <a:endParaRPr kumimoji="1" lang="ja-JP" altLang="en-US"/>
           </a:p>
@@ -2798,7 +2798,7 @@
           <a:p>
             <a:fld id="{56F9016B-CCA6-43BE-8BEE-59565A35F4F7}" type="datetimeFigureOut">
               <a:rPr kumimoji="1" lang="ja-JP" altLang="en-US" smtClean="0"/>
-              <a:t>2019/11/5</a:t>
+              <a:t>2020/1/6</a:t>
             </a:fld>
             <a:endParaRPr kumimoji="1" lang="ja-JP" altLang="en-US"/>
           </a:p>
@@ -3051,7 +3051,7 @@
           <a:p>
             <a:fld id="{56F9016B-CCA6-43BE-8BEE-59565A35F4F7}" type="datetimeFigureOut">
               <a:rPr kumimoji="1" lang="ja-JP" altLang="en-US" smtClean="0"/>
-              <a:t>2019/11/5</a:t>
+              <a:t>2020/1/6</a:t>
             </a:fld>
             <a:endParaRPr kumimoji="1" lang="ja-JP" altLang="en-US"/>
           </a:p>
@@ -3328,7 +3328,7 @@
           <a:p>
             <a:fld id="{56F9016B-CCA6-43BE-8BEE-59565A35F4F7}" type="datetimeFigureOut">
               <a:rPr kumimoji="1" lang="ja-JP" altLang="en-US" smtClean="0"/>
-              <a:t>2019/11/5</a:t>
+              <a:t>2020/1/6</a:t>
             </a:fld>
             <a:endParaRPr kumimoji="1" lang="ja-JP" altLang="en-US"/>
           </a:p>
@@ -3540,7 +3540,7 @@
           <a:p>
             <a:fld id="{56F9016B-CCA6-43BE-8BEE-59565A35F4F7}" type="datetimeFigureOut">
               <a:rPr kumimoji="1" lang="ja-JP" altLang="en-US" smtClean="0"/>
-              <a:t>2019/11/5</a:t>
+              <a:t>2020/1/6</a:t>
             </a:fld>
             <a:endParaRPr kumimoji="1" lang="ja-JP" altLang="en-US"/>
           </a:p>
@@ -6599,7 +6599,7 @@
           <a:p>
             <a:fld id="{56F9016B-CCA6-43BE-8BEE-59565A35F4F7}" type="datetimeFigureOut">
               <a:rPr kumimoji="1" lang="ja-JP" altLang="en-US" smtClean="0"/>
-              <a:t>2019/11/5</a:t>
+              <a:t>2020/1/6</a:t>
             </a:fld>
             <a:endParaRPr kumimoji="1" lang="ja-JP" altLang="en-US"/>
           </a:p>
@@ -7037,7 +7037,7 @@
             </a:r>
             <a:r>
               <a:rPr lang="en-US" altLang="ja-JP" dirty="0" smtClean="0"/>
-              <a:t>1.2</a:t>
+              <a:t>1.3</a:t>
             </a:r>
             <a:r>
               <a:rPr lang="ja-JP" altLang="en-US" dirty="0" smtClean="0"/>
@@ -7715,9 +7715,13 @@
             </a:r>
             <a:r>
               <a:rPr lang="ja-JP" altLang="en-US" dirty="0" smtClean="0"/>
-              <a:t>リポジトリが有効になります。</a:t>
-            </a:r>
-            <a:endParaRPr kumimoji="1" lang="ja-JP" altLang="en-US" dirty="0"/>
+              <a:t>リポジトリが有効になります</a:t>
+            </a:r>
+            <a:r>
+              <a:rPr lang="ja-JP" altLang="en-US" dirty="0" smtClean="0"/>
+              <a:t>。</a:t>
+            </a:r>
+            <a:endParaRPr lang="en-US" altLang="ja-JP" dirty="0" smtClean="0"/>
           </a:p>
         </p:txBody>
       </p:sp>
@@ -7730,14 +7734,14 @@
           <p:nvPr>
             <p:extLst>
               <p:ext uri="{D42A27DB-BD31-4B8C-83A1-F6EECF244321}">
-                <p14:modId xmlns:p14="http://schemas.microsoft.com/office/powerpoint/2010/main" val="997567433"/>
+                <p14:modId xmlns:p14="http://schemas.microsoft.com/office/powerpoint/2010/main" val="2508855937"/>
               </p:ext>
             </p:extLst>
           </p:nvPr>
         </p:nvGraphicFramePr>
         <p:xfrm>
-          <a:off x="302551" y="1844780"/>
-          <a:ext cx="8538898" cy="4043680"/>
+          <a:off x="302064" y="1916790"/>
+          <a:ext cx="8538898" cy="2537480"/>
         </p:xfrm>
         <a:graphic>
           <a:graphicData uri="http://schemas.openxmlformats.org/drawingml/2006/table">
@@ -7749,19 +7753,19 @@
                 <a:gridCol w="1000443">
                   <a:extLst>
                     <a:ext uri="{9D8B030D-6E8A-4147-A177-3AD203B41FA5}">
-                      <a16:colId xmlns="" xmlns:a16="http://schemas.microsoft.com/office/drawing/2014/main" val="20000"/>
+                      <a16:colId xmlns:a16="http://schemas.microsoft.com/office/drawing/2014/main" val="20000"/>
                     </a:ext>
                   </a:extLst>
                 </a:gridCol>
                 <a:gridCol w="7538455">
                   <a:extLst>
                     <a:ext uri="{9D8B030D-6E8A-4147-A177-3AD203B41FA5}">
-                      <a16:colId xmlns="" xmlns:a16="http://schemas.microsoft.com/office/drawing/2014/main" val="20001"/>
+                      <a16:colId xmlns:a16="http://schemas.microsoft.com/office/drawing/2014/main" val="20001"/>
                     </a:ext>
                   </a:extLst>
                 </a:gridCol>
               </a:tblGrid>
-              <a:tr h="370840">
+              <a:tr h="298830">
                 <a:tc>
                   <a:txBody>
                     <a:bodyPr/>
@@ -7794,11 +7798,11 @@
                 </a:tc>
                 <a:extLst>
                   <a:ext uri="{0D108BD9-81ED-4DB2-BD59-A6C34878D82A}">
-                    <a16:rowId xmlns="" xmlns:a16="http://schemas.microsoft.com/office/drawing/2014/main" val="10000"/>
+                    <a16:rowId xmlns:a16="http://schemas.microsoft.com/office/drawing/2014/main" val="10000"/>
                   </a:ext>
                 </a:extLst>
               </a:tr>
-              <a:tr h="472440">
+              <a:tr h="185420">
                 <a:tc rowSpan="3">
                   <a:txBody>
                     <a:bodyPr/>
@@ -7819,239 +7823,25 @@
                     <a:lstStyle/>
                     <a:p>
                       <a:r>
-                        <a:rPr kumimoji="1" lang="en-US" altLang="ja-JP" sz="1200" b="1" i="0" u="none" strike="noStrike" kern="1200" baseline="0" dirty="0" smtClean="0">
+                        <a:rPr kumimoji="1" lang="en-US" altLang="ja-JP" sz="1200" b="1" i="0" kern="1200" dirty="0" smtClean="0">
                           <a:solidFill>
                             <a:schemeClr val="dk1"/>
                           </a:solidFill>
+                          <a:effectLst/>
                           <a:latin typeface="+mn-lt"/>
                           <a:ea typeface="+mn-ea"/>
                           <a:cs typeface="+mn-cs"/>
                         </a:rPr>
-                        <a:t>http://ftp-srv2.kddilabs.jp/Linux/distributions/fedora/epel/7/x86_64/Packages/</a:t>
-                      </a:r>
-                    </a:p>
-                    <a:p>
-                      <a:r>
-                        <a:rPr kumimoji="1" lang="en-US" altLang="ja-JP" sz="1200" b="1" i="0" u="none" strike="noStrike" kern="1200" baseline="0" dirty="0" smtClean="0">
-                          <a:solidFill>
-                            <a:schemeClr val="dk1"/>
-                          </a:solidFill>
-                          <a:latin typeface="+mn-lt"/>
-                          <a:ea typeface="+mn-ea"/>
-                          <a:cs typeface="+mn-cs"/>
-                        </a:rPr>
-                        <a:t>e/epel-release-7-11.noarch.rpm</a:t>
-                      </a:r>
-                    </a:p>
-                  </a:txBody>
-                  <a:tcPr>
-                    <a:lnB w="12700" cap="flat" cmpd="sng" algn="ctr">
-                      <a:solidFill>
-                        <a:schemeClr val="bg1"/>
-                      </a:solidFill>
-                      <a:prstDash val="solid"/>
-                      <a:round/>
-                      <a:headEnd type="none" w="med" len="med"/>
-                      <a:tailEnd type="none" w="med" len="med"/>
-                    </a:lnB>
-                    <a:solidFill>
-                      <a:srgbClr val="CBCDD3"/>
-                    </a:solidFill>
-                  </a:tcPr>
-                </a:tc>
-                <a:extLst>
-                  <a:ext uri="{0D108BD9-81ED-4DB2-BD59-A6C34878D82A}">
-                    <a16:rowId xmlns="" xmlns:a16="http://schemas.microsoft.com/office/drawing/2014/main" val="10001"/>
-                  </a:ext>
-                </a:extLst>
-              </a:tr>
-              <a:tr h="236220">
-                <a:tc vMerge="1">
-                  <a:txBody>
-                    <a:bodyPr/>
-                    <a:lstStyle/>
-                    <a:p>
-                      <a:endParaRPr kumimoji="1" lang="ja-JP" altLang="en-US"/>
-                    </a:p>
-                  </a:txBody>
-                  <a:tcPr/>
-                </a:tc>
-                <a:tc>
-                  <a:txBody>
-                    <a:bodyPr/>
-                    <a:lstStyle/>
-                    <a:p>
-                      <a:pPr marL="0" marR="0" lvl="0" indent="0" algn="l" defTabSz="914400" rtl="0" eaLnBrk="1" fontAlgn="auto" latinLnBrk="0" hangingPunct="1">
-                        <a:lnSpc>
-                          <a:spcPct val="100000"/>
-                        </a:lnSpc>
-                        <a:spcBef>
-                          <a:spcPts val="0"/>
-                        </a:spcBef>
-                        <a:spcAft>
-                          <a:spcPts val="0"/>
-                        </a:spcAft>
-                        <a:buClrTx/>
-                        <a:buSzTx/>
-                        <a:buFontTx/>
-                        <a:buNone/>
-                        <a:tabLst/>
-                        <a:defRPr/>
-                      </a:pPr>
-                      <a:r>
-                        <a:rPr kumimoji="1" lang="en-US" altLang="ja-JP" sz="1200" b="1" i="0" u="none" strike="noStrike" kern="1200" baseline="0" dirty="0" smtClean="0">
-                          <a:solidFill>
-                            <a:schemeClr val="tx1"/>
-                          </a:solidFill>
-                          <a:latin typeface="+mn-lt"/>
-                          <a:ea typeface="+mn-ea"/>
-                          <a:cs typeface="+mn-cs"/>
-                        </a:rPr>
-                        <a:t>https://downloads.mariadb.com/MariaDB/mariadb_repo_setup</a:t>
-                      </a:r>
-                    </a:p>
-                  </a:txBody>
-                  <a:tcPr>
-                    <a:lnT w="12700" cap="flat" cmpd="sng" algn="ctr">
-                      <a:solidFill>
-                        <a:schemeClr val="bg1"/>
-                      </a:solidFill>
-                      <a:prstDash val="solid"/>
-                      <a:round/>
-                      <a:headEnd type="none" w="med" len="med"/>
-                      <a:tailEnd type="none" w="med" len="med"/>
-                    </a:lnT>
-                    <a:lnB w="12700" cap="flat" cmpd="sng" algn="ctr">
-                      <a:solidFill>
-                        <a:schemeClr val="bg1"/>
-                      </a:solidFill>
-                      <a:prstDash val="solid"/>
-                      <a:round/>
-                      <a:headEnd type="none" w="med" len="med"/>
-                      <a:tailEnd type="none" w="med" len="med"/>
-                    </a:lnB>
-                    <a:solidFill>
-                      <a:srgbClr val="E7E8EA"/>
-                    </a:solidFill>
-                  </a:tcPr>
-                </a:tc>
-                <a:extLst>
-                  <a:ext uri="{0D108BD9-81ED-4DB2-BD59-A6C34878D82A}">
-                    <a16:rowId xmlns="" xmlns:a16="http://schemas.microsoft.com/office/drawing/2014/main" val="10002"/>
-                  </a:ext>
-                </a:extLst>
-              </a:tr>
-              <a:tr h="236220">
-                <a:tc vMerge="1">
-                  <a:txBody>
-                    <a:bodyPr/>
-                    <a:lstStyle/>
-                    <a:p>
-                      <a:endParaRPr kumimoji="1" lang="ja-JP" altLang="en-US"/>
-                    </a:p>
-                  </a:txBody>
-                  <a:tcPr/>
-                </a:tc>
-                <a:tc>
-                  <a:txBody>
-                    <a:bodyPr/>
-                    <a:lstStyle/>
-                    <a:p>
-                      <a:pPr marL="0" marR="0" lvl="0" indent="0" algn="l" defTabSz="914400" rtl="0" eaLnBrk="1" fontAlgn="auto" latinLnBrk="0" hangingPunct="1">
-                        <a:lnSpc>
-                          <a:spcPct val="100000"/>
-                        </a:lnSpc>
-                        <a:spcBef>
-                          <a:spcPts val="0"/>
-                        </a:spcBef>
-                        <a:spcAft>
-                          <a:spcPts val="0"/>
-                        </a:spcAft>
-                        <a:buClrTx/>
-                        <a:buSzTx/>
-                        <a:buFontTx/>
-                        <a:buNone/>
-                        <a:tabLst/>
-                        <a:defRPr/>
-                      </a:pPr>
-                      <a:r>
-                        <a:rPr kumimoji="1" lang="en-US" altLang="ja-JP" sz="1200" b="1" i="0" u="none" strike="noStrike" kern="1200" baseline="0" dirty="0" smtClean="0">
-                          <a:solidFill>
-                            <a:schemeClr val="tx1"/>
-                          </a:solidFill>
-                          <a:latin typeface="+mn-lt"/>
-                          <a:ea typeface="+mn-ea"/>
-                          <a:cs typeface="+mn-cs"/>
-                        </a:rPr>
-                        <a:t>http://rpms.remirepo.net/enterprise/remi-release-7.rpm</a:t>
-                      </a:r>
-                      <a:endParaRPr kumimoji="1" lang="ja-JP" altLang="en-US" sz="1200" b="1" dirty="0" smtClean="0">
+                        <a:t>https://dl.fedoraproject.org/pub/epel/epel-release-latest-7.noarch.rpm</a:t>
+                      </a:r>
+                      <a:endParaRPr kumimoji="1" lang="en-US" altLang="ja-JP" sz="1200" b="1" i="0" kern="1200" dirty="0">
                         <a:solidFill>
-                          <a:schemeClr val="tx1"/>
+                          <a:schemeClr val="dk1"/>
                         </a:solidFill>
-                      </a:endParaRPr>
-                    </a:p>
-                  </a:txBody>
-                  <a:tcPr>
-                    <a:lnT w="12700" cap="flat" cmpd="sng" algn="ctr">
-                      <a:solidFill>
-                        <a:schemeClr val="bg1"/>
-                      </a:solidFill>
-                      <a:prstDash val="solid"/>
-                      <a:round/>
-                      <a:headEnd type="none" w="med" len="med"/>
-                      <a:tailEnd type="none" w="med" len="med"/>
-                    </a:lnT>
-                  </a:tcPr>
-                </a:tc>
-                <a:extLst>
-                  <a:ext uri="{0D108BD9-81ED-4DB2-BD59-A6C34878D82A}">
-                    <a16:rowId xmlns="" xmlns:a16="http://schemas.microsoft.com/office/drawing/2014/main" val="10003"/>
-                  </a:ext>
-                </a:extLst>
-              </a:tr>
-              <a:tr h="185420">
-                <a:tc rowSpan="3">
-                  <a:txBody>
-                    <a:bodyPr/>
-                    <a:lstStyle/>
-                    <a:p>
-                      <a:r>
-                        <a:rPr kumimoji="1" lang="en-US" altLang="ja-JP" sz="1200" b="1" dirty="0" smtClean="0"/>
-                        <a:t>RHEL6</a:t>
-                      </a:r>
-                      <a:endParaRPr kumimoji="1" lang="ja-JP" altLang="en-US" sz="1200" b="1" dirty="0"/>
-                    </a:p>
-                  </a:txBody>
-                  <a:tcPr anchor="ctr"/>
-                </a:tc>
-                <a:tc>
-                  <a:txBody>
-                    <a:bodyPr/>
-                    <a:lstStyle/>
-                    <a:p>
-                      <a:r>
-                        <a:rPr kumimoji="1" lang="en-US" altLang="ja-JP" sz="1200" b="1" dirty="0" smtClean="0">
-                          <a:solidFill>
-                            <a:schemeClr val="tx1"/>
-                          </a:solidFill>
-                        </a:rPr>
-                        <a:t>http://ftp-srv2.kddilabs.jp/Linux/distributions/fedora/epel/6/x86_64/Packages/</a:t>
-                      </a:r>
-                    </a:p>
-                    <a:p>
-                      <a:r>
-                        <a:rPr kumimoji="1" lang="en-US" altLang="ja-JP" sz="1200" b="1" dirty="0" smtClean="0">
-                          <a:solidFill>
-                            <a:schemeClr val="tx1"/>
-                          </a:solidFill>
-                        </a:rPr>
-                        <a:t>e/epel-release-6-8.noarch.rpm</a:t>
-                      </a:r>
-                      <a:endParaRPr kumimoji="1" lang="ja-JP" altLang="en-US" sz="1200" b="1" dirty="0">
-                        <a:solidFill>
-                          <a:schemeClr val="tx1"/>
-                        </a:solidFill>
+                        <a:effectLst/>
+                        <a:latin typeface="+mn-lt"/>
+                        <a:ea typeface="+mn-ea"/>
+                        <a:cs typeface="+mn-cs"/>
                       </a:endParaRPr>
                     </a:p>
                   </a:txBody>
@@ -8069,7 +7859,7 @@
                 </a:tc>
                 <a:extLst>
                   <a:ext uri="{0D108BD9-81ED-4DB2-BD59-A6C34878D82A}">
-                    <a16:rowId xmlns="" xmlns:a16="http://schemas.microsoft.com/office/drawing/2014/main" val="10004"/>
+                    <a16:rowId xmlns:a16="http://schemas.microsoft.com/office/drawing/2014/main" val="10004"/>
                   </a:ext>
                 </a:extLst>
               </a:tr>
@@ -8142,11 +7932,11 @@
                 </a:tc>
                 <a:extLst>
                   <a:ext uri="{0D108BD9-81ED-4DB2-BD59-A6C34878D82A}">
-                    <a16:rowId xmlns="" xmlns:a16="http://schemas.microsoft.com/office/drawing/2014/main" val="10005"/>
+                    <a16:rowId xmlns:a16="http://schemas.microsoft.com/office/drawing/2014/main" val="10005"/>
                   </a:ext>
                 </a:extLst>
               </a:tr>
-              <a:tr h="152400">
+              <a:tr h="298720">
                 <a:tc vMerge="1">
                   <a:txBody>
                     <a:bodyPr/>
@@ -8168,7 +7958,7 @@
                             <a:schemeClr val="tx1"/>
                           </a:solidFill>
                         </a:rPr>
-                        <a:t>http://rpms.remirepo.net/enterprise/remi-release-6.rpm</a:t>
+                        <a:t>http://rpms.remirepo.net/enterprise/remi-release-7.rpm</a:t>
                       </a:r>
                       <a:endParaRPr kumimoji="1" lang="ja-JP" altLang="en-US" sz="1200" b="1" dirty="0">
                         <a:solidFill>
@@ -8191,7 +7981,83 @@
                 </a:tc>
                 <a:extLst>
                   <a:ext uri="{0D108BD9-81ED-4DB2-BD59-A6C34878D82A}">
-                    <a16:rowId xmlns="" xmlns:a16="http://schemas.microsoft.com/office/drawing/2014/main" val="10006"/>
+                    <a16:rowId xmlns:a16="http://schemas.microsoft.com/office/drawing/2014/main" val="10006"/>
+                  </a:ext>
+                </a:extLst>
+              </a:tr>
+              <a:tr h="288040">
+                <a:tc>
+                  <a:txBody>
+                    <a:bodyPr/>
+                    <a:lstStyle/>
+                    <a:p>
+                      <a:pPr marL="0" marR="0" lvl="0" indent="0" algn="l" defTabSz="914400" rtl="0" eaLnBrk="1" fontAlgn="auto" latinLnBrk="0" hangingPunct="1">
+                        <a:lnSpc>
+                          <a:spcPct val="100000"/>
+                        </a:lnSpc>
+                        <a:spcBef>
+                          <a:spcPts val="0"/>
+                        </a:spcBef>
+                        <a:spcAft>
+                          <a:spcPts val="0"/>
+                        </a:spcAft>
+                        <a:buClrTx/>
+                        <a:buSzTx/>
+                        <a:buFontTx/>
+                        <a:buNone/>
+                        <a:tabLst/>
+                        <a:defRPr/>
+                      </a:pPr>
+                      <a:r>
+                        <a:rPr kumimoji="1" lang="en-US" altLang="ja-JP" sz="1200" b="1" dirty="0" smtClean="0"/>
+                        <a:t>RHEL8</a:t>
+                      </a:r>
+                      <a:endParaRPr kumimoji="1" lang="ja-JP" altLang="en-US" sz="1200" b="1" dirty="0" smtClean="0"/>
+                    </a:p>
+                  </a:txBody>
+                  <a:tcPr anchor="ctr"/>
+                </a:tc>
+                <a:tc>
+                  <a:txBody>
+                    <a:bodyPr/>
+                    <a:lstStyle/>
+                    <a:p>
+                      <a:pPr marL="0" marR="0" lvl="0" indent="0" algn="l" defTabSz="914400" rtl="0" eaLnBrk="1" fontAlgn="auto" latinLnBrk="0" hangingPunct="1">
+                        <a:lnSpc>
+                          <a:spcPct val="100000"/>
+                        </a:lnSpc>
+                        <a:spcBef>
+                          <a:spcPts val="0"/>
+                        </a:spcBef>
+                        <a:spcAft>
+                          <a:spcPts val="0"/>
+                        </a:spcAft>
+                        <a:buClrTx/>
+                        <a:buSzTx/>
+                        <a:buFontTx/>
+                        <a:buNone/>
+                        <a:tabLst/>
+                        <a:defRPr/>
+                      </a:pPr>
+                      <a:r>
+                        <a:rPr kumimoji="1" lang="en-US" altLang="ja-JP" sz="1200" b="1" i="0" kern="1200" dirty="0" smtClean="0">
+                          <a:solidFill>
+                            <a:schemeClr val="dk1"/>
+                          </a:solidFill>
+                          <a:effectLst/>
+                          <a:latin typeface="+mn-lt"/>
+                          <a:ea typeface="+mn-ea"/>
+                          <a:cs typeface="+mn-cs"/>
+                        </a:rPr>
+                        <a:t>https://dl.fedoraproject.org/pub/epel/epel-release-latest-8.noarch.rpm</a:t>
+                      </a:r>
+                    </a:p>
+                  </a:txBody>
+                  <a:tcPr/>
+                </a:tc>
+                <a:extLst>
+                  <a:ext uri="{0D108BD9-81ED-4DB2-BD59-A6C34878D82A}">
+                    <a16:rowId xmlns:a16="http://schemas.microsoft.com/office/drawing/2014/main" val="436435856"/>
                   </a:ext>
                 </a:extLst>
               </a:tr>
@@ -8216,12 +8082,20 @@
                     <a:lstStyle/>
                     <a:p>
                       <a:r>
+                        <a:rPr kumimoji="1" lang="en-US" altLang="ja-JP" sz="1200" b="1" dirty="0" err="1" smtClean="0">
+                          <a:solidFill>
+                            <a:schemeClr val="tx1"/>
+                          </a:solidFill>
+                        </a:rPr>
+                        <a:t>epel</a:t>
+                      </a:r>
+                      <a:r>
                         <a:rPr kumimoji="1" lang="en-US" altLang="ja-JP" sz="1200" b="1" dirty="0" smtClean="0">
                           <a:solidFill>
                             <a:schemeClr val="tx1"/>
                           </a:solidFill>
                         </a:rPr>
-                        <a:t>epel-release</a:t>
+                        <a:t>-release</a:t>
                       </a:r>
                       <a:endParaRPr kumimoji="1" lang="ja-JP" altLang="en-US" sz="1200" b="1" dirty="0">
                         <a:solidFill>
@@ -8244,7 +8118,7 @@
                 </a:tc>
                 <a:extLst>
                   <a:ext uri="{0D108BD9-81ED-4DB2-BD59-A6C34878D82A}">
-                    <a16:rowId xmlns="" xmlns:a16="http://schemas.microsoft.com/office/drawing/2014/main" val="10007"/>
+                    <a16:rowId xmlns:a16="http://schemas.microsoft.com/office/drawing/2014/main" val="10010"/>
                   </a:ext>
                 </a:extLst>
               </a:tr>
@@ -8317,7 +8191,7 @@
                 </a:tc>
                 <a:extLst>
                   <a:ext uri="{0D108BD9-81ED-4DB2-BD59-A6C34878D82A}">
-                    <a16:rowId xmlns="" xmlns:a16="http://schemas.microsoft.com/office/drawing/2014/main" val="10008"/>
+                    <a16:rowId xmlns:a16="http://schemas.microsoft.com/office/drawing/2014/main" val="10011"/>
                   </a:ext>
                 </a:extLst>
               </a:tr>
@@ -8338,134 +8212,12 @@
                     <a:lstStyle/>
                     <a:p>
                       <a:r>
-                        <a:rPr kumimoji="1" lang="en-US" altLang="ja-JP" sz="1200" b="1" dirty="0" smtClean="0">
-                          <a:solidFill>
-                            <a:schemeClr val="tx1"/>
-                          </a:solidFill>
-                        </a:rPr>
-                        <a:t>http://rpms.remirepo.net/enterprise/remi-release-7.rpm</a:t>
-                      </a:r>
-                      <a:endParaRPr kumimoji="1" lang="ja-JP" altLang="en-US" sz="1200" b="1" dirty="0">
-                        <a:solidFill>
-                          <a:schemeClr val="tx1"/>
-                        </a:solidFill>
-                      </a:endParaRPr>
-                    </a:p>
-                  </a:txBody>
-                  <a:tcPr>
-                    <a:lnT w="12700" cap="flat" cmpd="sng" algn="ctr">
-                      <a:solidFill>
-                        <a:schemeClr val="bg1"/>
-                      </a:solidFill>
-                      <a:prstDash val="solid"/>
-                      <a:round/>
-                      <a:headEnd type="none" w="med" len="med"/>
-                      <a:tailEnd type="none" w="med" len="med"/>
-                    </a:lnT>
-                  </a:tcPr>
-                </a:tc>
-                <a:extLst>
-                  <a:ext uri="{0D108BD9-81ED-4DB2-BD59-A6C34878D82A}">
-                    <a16:rowId xmlns="" xmlns:a16="http://schemas.microsoft.com/office/drawing/2014/main" val="10009"/>
-                  </a:ext>
-                </a:extLst>
-              </a:tr>
-              <a:tr h="185420">
-                <a:tc rowSpan="3">
-                  <a:txBody>
-                    <a:bodyPr/>
-                    <a:lstStyle/>
-                    <a:p>
-                      <a:r>
                         <a:rPr kumimoji="1" lang="en-US" altLang="ja-JP" sz="1200" b="1" dirty="0" smtClean="0"/>
-                        <a:t>CentOS6</a:t>
-                      </a:r>
-                      <a:endParaRPr kumimoji="1" lang="ja-JP" altLang="en-US" sz="1200" b="1" dirty="0"/>
-                    </a:p>
-                  </a:txBody>
-                  <a:tcPr anchor="ctr"/>
-                </a:tc>
-                <a:tc>
-                  <a:txBody>
-                    <a:bodyPr/>
-                    <a:lstStyle/>
-                    <a:p>
-                      <a:r>
-                        <a:rPr kumimoji="1" lang="en-US" altLang="ja-JP" sz="1200" b="1" dirty="0" smtClean="0">
-                          <a:solidFill>
-                            <a:schemeClr val="tx1"/>
-                          </a:solidFill>
-                        </a:rPr>
-                        <a:t>epel-release</a:t>
-                      </a:r>
-                      <a:endParaRPr kumimoji="1" lang="ja-JP" altLang="en-US" sz="1200" b="1" dirty="0">
-                        <a:solidFill>
-                          <a:schemeClr val="tx1"/>
-                        </a:solidFill>
-                      </a:endParaRPr>
-                    </a:p>
-                  </a:txBody>
-                  <a:tcPr>
-                    <a:lnB w="12700" cap="flat" cmpd="sng" algn="ctr">
-                      <a:solidFill>
-                        <a:schemeClr val="bg1"/>
-                      </a:solidFill>
-                      <a:prstDash val="solid"/>
-                      <a:round/>
-                      <a:headEnd type="none" w="med" len="med"/>
-                      <a:tailEnd type="none" w="med" len="med"/>
-                    </a:lnB>
-                  </a:tcPr>
-                </a:tc>
-                <a:extLst>
-                  <a:ext uri="{0D108BD9-81ED-4DB2-BD59-A6C34878D82A}">
-                    <a16:rowId xmlns="" xmlns:a16="http://schemas.microsoft.com/office/drawing/2014/main" val="10010"/>
-                  </a:ext>
-                </a:extLst>
-              </a:tr>
-              <a:tr h="152400">
-                <a:tc vMerge="1">
-                  <a:txBody>
-                    <a:bodyPr/>
-                    <a:lstStyle/>
-                    <a:p>
-                      <a:endParaRPr kumimoji="1" lang="ja-JP" altLang="en-US"/>
-                    </a:p>
-                  </a:txBody>
-                  <a:tcPr/>
-                </a:tc>
-                <a:tc>
-                  <a:txBody>
-                    <a:bodyPr/>
-                    <a:lstStyle/>
-                    <a:p>
-                      <a:pPr marL="0" marR="0" lvl="0" indent="0" algn="l" defTabSz="914400" rtl="0" eaLnBrk="1" fontAlgn="auto" latinLnBrk="0" hangingPunct="1">
-                        <a:lnSpc>
-                          <a:spcPct val="100000"/>
-                        </a:lnSpc>
-                        <a:spcBef>
-                          <a:spcPts val="0"/>
-                        </a:spcBef>
-                        <a:spcAft>
-                          <a:spcPts val="0"/>
-                        </a:spcAft>
-                        <a:buClrTx/>
-                        <a:buSzTx/>
-                        <a:buFontTx/>
-                        <a:buNone/>
-                        <a:tabLst/>
-                        <a:defRPr/>
-                      </a:pPr>
-                      <a:r>
-                        <a:rPr kumimoji="1" lang="en-US" altLang="ja-JP" sz="1200" b="1" i="0" u="none" strike="noStrike" kern="1200" baseline="0" dirty="0" smtClean="0">
-                          <a:solidFill>
-                            <a:schemeClr val="tx1"/>
-                          </a:solidFill>
-                          <a:latin typeface="+mn-lt"/>
-                          <a:ea typeface="+mn-ea"/>
-                          <a:cs typeface="+mn-cs"/>
-                        </a:rPr>
-                        <a:t>https://downloads.mariadb.com/MariaDB/mariadb_repo_setup</a:t>
+                        <a:t>http://</a:t>
+                      </a:r>
+                      <a:r>
+                        <a:rPr kumimoji="1" lang="en-US" altLang="ja-JP" sz="1200" b="1" dirty="0" smtClean="0"/>
+                        <a:t>rpms.remirepo.net/enterprise/remi-release-7.rpm</a:t>
                       </a:r>
                     </a:p>
                   </a:txBody>
@@ -8492,31 +8244,68 @@
                 </a:tc>
                 <a:extLst>
                   <a:ext uri="{0D108BD9-81ED-4DB2-BD59-A6C34878D82A}">
-                    <a16:rowId xmlns="" xmlns:a16="http://schemas.microsoft.com/office/drawing/2014/main" val="10011"/>
+                    <a16:rowId xmlns:a16="http://schemas.microsoft.com/office/drawing/2014/main" val="10012"/>
                   </a:ext>
                 </a:extLst>
               </a:tr>
               <a:tr h="152400">
-                <a:tc vMerge="1">
+                <a:tc>
                   <a:txBody>
                     <a:bodyPr/>
                     <a:lstStyle/>
                     <a:p>
-                      <a:endParaRPr kumimoji="1" lang="ja-JP" altLang="en-US"/>
+                      <a:r>
+                        <a:rPr kumimoji="1" lang="en-US" altLang="ja-JP" sz="1200" b="1" dirty="0" smtClean="0"/>
+                        <a:t>CentOS8</a:t>
+                      </a:r>
+                      <a:endParaRPr kumimoji="1" lang="ja-JP" altLang="en-US" sz="1200" b="1" dirty="0"/>
                     </a:p>
                   </a:txBody>
-                  <a:tcPr/>
+                  <a:tcPr anchor="ctr"/>
                 </a:tc>
                 <a:tc>
                   <a:txBody>
                     <a:bodyPr/>
                     <a:lstStyle/>
                     <a:p>
-                      <a:r>
-                        <a:rPr kumimoji="1" lang="en-US" altLang="ja-JP" sz="1200" b="1" dirty="0" smtClean="0"/>
-                        <a:t>http://rpms.remirepo.net/enterprise/remi-release-6.rpm</a:t>
-                      </a:r>
-                      <a:endParaRPr kumimoji="1" lang="ja-JP" altLang="en-US" sz="1200" b="1" dirty="0"/>
+                      <a:pPr marL="0" marR="0" lvl="0" indent="0" algn="l" defTabSz="914400" rtl="0" eaLnBrk="1" fontAlgn="auto" latinLnBrk="0" hangingPunct="1">
+                        <a:lnSpc>
+                          <a:spcPct val="100000"/>
+                        </a:lnSpc>
+                        <a:spcBef>
+                          <a:spcPts val="0"/>
+                        </a:spcBef>
+                        <a:spcAft>
+                          <a:spcPts val="0"/>
+                        </a:spcAft>
+                        <a:buClrTx/>
+                        <a:buSzTx/>
+                        <a:buFontTx/>
+                        <a:buNone/>
+                        <a:tabLst/>
+                        <a:defRPr/>
+                      </a:pPr>
+                      <a:r>
+                        <a:rPr kumimoji="1" lang="en-US" altLang="ja-JP" sz="1200" b="1" dirty="0" err="1" smtClean="0">
+                          <a:solidFill>
+                            <a:schemeClr val="tx1"/>
+                          </a:solidFill>
+                        </a:rPr>
+                        <a:t>epel</a:t>
+                      </a:r>
+                      <a:r>
+                        <a:rPr kumimoji="1" lang="en-US" altLang="ja-JP" sz="1200" b="1" dirty="0" smtClean="0">
+                          <a:solidFill>
+                            <a:schemeClr val="tx1"/>
+                          </a:solidFill>
+                        </a:rPr>
+                        <a:t>-release</a:t>
+                      </a:r>
+                      <a:endParaRPr kumimoji="1" lang="ja-JP" altLang="en-US" sz="1200" b="1" dirty="0" smtClean="0">
+                        <a:solidFill>
+                          <a:schemeClr val="tx1"/>
+                        </a:solidFill>
+                      </a:endParaRPr>
                     </a:p>
                   </a:txBody>
                   <a:tcPr>
@@ -8529,11 +8318,20 @@
                       <a:headEnd type="none" w="med" len="med"/>
                       <a:tailEnd type="none" w="med" len="med"/>
                     </a:lnT>
+                    <a:lnB w="12700" cap="flat" cmpd="sng" algn="ctr">
+                      <a:solidFill>
+                        <a:schemeClr val="bg1"/>
+                      </a:solidFill>
+                      <a:prstDash val="solid"/>
+                      <a:round/>
+                      <a:headEnd type="none" w="med" len="med"/>
+                      <a:tailEnd type="none" w="med" len="med"/>
+                    </a:lnB>
                   </a:tcPr>
                 </a:tc>
                 <a:extLst>
                   <a:ext uri="{0D108BD9-81ED-4DB2-BD59-A6C34878D82A}">
-                    <a16:rowId xmlns="" xmlns:a16="http://schemas.microsoft.com/office/drawing/2014/main" val="10012"/>
+                    <a16:rowId xmlns:a16="http://schemas.microsoft.com/office/drawing/2014/main" val="2074752295"/>
                   </a:ext>
                 </a:extLst>
               </a:tr>
@@ -8700,21 +8498,21 @@
                 <a:gridCol w="2586972">
                   <a:extLst>
                     <a:ext uri="{9D8B030D-6E8A-4147-A177-3AD203B41FA5}">
-                      <a16:colId xmlns="" xmlns:a16="http://schemas.microsoft.com/office/drawing/2014/main" val="20000"/>
+                      <a16:colId xmlns:a16="http://schemas.microsoft.com/office/drawing/2014/main" val="20000"/>
                     </a:ext>
                   </a:extLst>
                 </a:gridCol>
                 <a:gridCol w="2389134">
                   <a:extLst>
                     <a:ext uri="{9D8B030D-6E8A-4147-A177-3AD203B41FA5}">
-                      <a16:colId xmlns="" xmlns:a16="http://schemas.microsoft.com/office/drawing/2014/main" val="20001"/>
+                      <a16:colId xmlns:a16="http://schemas.microsoft.com/office/drawing/2014/main" val="20001"/>
                     </a:ext>
                   </a:extLst>
                 </a:gridCol>
                 <a:gridCol w="3773110">
                   <a:extLst>
                     <a:ext uri="{9D8B030D-6E8A-4147-A177-3AD203B41FA5}">
-                      <a16:colId xmlns="" xmlns:a16="http://schemas.microsoft.com/office/drawing/2014/main" val="20002"/>
+                      <a16:colId xmlns:a16="http://schemas.microsoft.com/office/drawing/2014/main" val="20002"/>
                     </a:ext>
                   </a:extLst>
                 </a:gridCol>
@@ -8818,7 +8616,7 @@
                 </a:tc>
                 <a:extLst>
                   <a:ext uri="{0D108BD9-81ED-4DB2-BD59-A6C34878D82A}">
-                    <a16:rowId xmlns="" xmlns:a16="http://schemas.microsoft.com/office/drawing/2014/main" val="10000"/>
+                    <a16:rowId xmlns:a16="http://schemas.microsoft.com/office/drawing/2014/main" val="10000"/>
                   </a:ext>
                 </a:extLst>
               </a:tr>
@@ -8951,7 +8749,7 @@
                 </a:tc>
                 <a:extLst>
                   <a:ext uri="{0D108BD9-81ED-4DB2-BD59-A6C34878D82A}">
-                    <a16:rowId xmlns="" xmlns:a16="http://schemas.microsoft.com/office/drawing/2014/main" val="10001"/>
+                    <a16:rowId xmlns:a16="http://schemas.microsoft.com/office/drawing/2014/main" val="10001"/>
                   </a:ext>
                 </a:extLst>
               </a:tr>
@@ -9109,7 +8907,7 @@
                 </a:tc>
                 <a:extLst>
                   <a:ext uri="{0D108BD9-81ED-4DB2-BD59-A6C34878D82A}">
-                    <a16:rowId xmlns="" xmlns:a16="http://schemas.microsoft.com/office/drawing/2014/main" val="10002"/>
+                    <a16:rowId xmlns:a16="http://schemas.microsoft.com/office/drawing/2014/main" val="10002"/>
                   </a:ext>
                 </a:extLst>
               </a:tr>
@@ -9267,7 +9065,7 @@
                 </a:tc>
                 <a:extLst>
                   <a:ext uri="{0D108BD9-81ED-4DB2-BD59-A6C34878D82A}">
-                    <a16:rowId xmlns="" xmlns:a16="http://schemas.microsoft.com/office/drawing/2014/main" val="10003"/>
+                    <a16:rowId xmlns:a16="http://schemas.microsoft.com/office/drawing/2014/main" val="10003"/>
                   </a:ext>
                 </a:extLst>
               </a:tr>
@@ -9400,7 +9198,7 @@
                 </a:tc>
                 <a:extLst>
                   <a:ext uri="{0D108BD9-81ED-4DB2-BD59-A6C34878D82A}">
-                    <a16:rowId xmlns="" xmlns:a16="http://schemas.microsoft.com/office/drawing/2014/main" val="10004"/>
+                    <a16:rowId xmlns:a16="http://schemas.microsoft.com/office/drawing/2014/main" val="10004"/>
                   </a:ext>
                 </a:extLst>
               </a:tr>
@@ -9551,7 +9349,7 @@
                 </a:tc>
                 <a:extLst>
                   <a:ext uri="{0D108BD9-81ED-4DB2-BD59-A6C34878D82A}">
-                    <a16:rowId xmlns="" xmlns:a16="http://schemas.microsoft.com/office/drawing/2014/main" val="10005"/>
+                    <a16:rowId xmlns:a16="http://schemas.microsoft.com/office/drawing/2014/main" val="10005"/>
                   </a:ext>
                 </a:extLst>
               </a:tr>
@@ -9684,7 +9482,7 @@
                 </a:tc>
                 <a:extLst>
                   <a:ext uri="{0D108BD9-81ED-4DB2-BD59-A6C34878D82A}">
-                    <a16:rowId xmlns="" xmlns:a16="http://schemas.microsoft.com/office/drawing/2014/main" val="10006"/>
+                    <a16:rowId xmlns:a16="http://schemas.microsoft.com/office/drawing/2014/main" val="10006"/>
                   </a:ext>
                 </a:extLst>
               </a:tr>
@@ -11101,12 +10899,40 @@
         </p:spPr>
         <p:txBody>
           <a:bodyPr>
-            <a:normAutofit/>
+            <a:normAutofit lnSpcReduction="10000"/>
           </a:bodyPr>
           <a:lstStyle/>
           <a:p>
+            <a:pPr marL="0" indent="0">
+              <a:buNone/>
+            </a:pPr>
             <a:r>
               <a:rPr lang="en-US" altLang="ja-JP" dirty="0" smtClean="0"/>
+              <a:t>*</a:t>
+            </a:r>
+            <a:r>
+              <a:rPr lang="ja-JP" altLang="en-US" dirty="0" smtClean="0"/>
+              <a:t>環境構築ユーザーは</a:t>
+            </a:r>
+            <a:r>
+              <a:rPr lang="en-US" altLang="ja-JP" dirty="0" smtClean="0"/>
+              <a:t>root</a:t>
+            </a:r>
+            <a:r>
+              <a:rPr lang="ja-JP" altLang="en-US" dirty="0" smtClean="0"/>
+              <a:t>ユーザーで実施すること。</a:t>
+            </a:r>
+            <a:endParaRPr lang="en-US" altLang="ja-JP" dirty="0" smtClean="0"/>
+          </a:p>
+          <a:p>
+            <a:pPr marL="0" indent="0">
+              <a:buNone/>
+            </a:pPr>
+            <a:endParaRPr lang="en-US" altLang="ja-JP" dirty="0" smtClean="0"/>
+          </a:p>
+          <a:p>
+            <a:r>
+              <a:rPr lang="en-US" altLang="ja-JP" dirty="0" err="1" smtClean="0"/>
               <a:t>Github</a:t>
             </a:r>
             <a:r>
@@ -11144,8 +10970,12 @@
               <a:rPr lang="en-US" altLang="ja-JP" dirty="0" smtClean="0"/>
             </a:br>
             <a:r>
+              <a:rPr lang="en-US" altLang="ja-JP" sz="1400" dirty="0"/>
+              <a:t>#</a:t>
+            </a:r>
+            <a:r>
               <a:rPr lang="en-US" altLang="ja-JP" sz="1400" dirty="0" smtClean="0"/>
-              <a:t>$ wget </a:t>
+              <a:t> wget </a:t>
             </a:r>
             <a:r>
               <a:rPr lang="en-US" altLang="ja-JP" sz="1400" dirty="0"/>
@@ -11264,8 +11094,12 @@
               <a:rPr lang="en-US" altLang="ja-JP" dirty="0"/>
             </a:br>
             <a:r>
+              <a:rPr lang="en-US" altLang="ja-JP" sz="1400" dirty="0"/>
+              <a:t>#</a:t>
+            </a:r>
+            <a:r>
               <a:rPr lang="en-US" altLang="ja-JP" sz="1400" dirty="0" smtClean="0"/>
-              <a:t>$ </a:t>
+              <a:t> </a:t>
             </a:r>
             <a:r>
               <a:rPr lang="en-US" altLang="ja-JP" sz="1400" dirty="0"/>
@@ -11300,7 +11134,7 @@
             </a:br>
             <a:r>
               <a:rPr lang="en-US" altLang="ja-JP" sz="1400" dirty="0" smtClean="0"/>
-              <a:t>$ find ./it-automation-</a:t>
+              <a:t># find ./it-automation-</a:t>
             </a:r>
             <a:r>
               <a:rPr lang="en-US" altLang="ja-JP" sz="1400" dirty="0" err="1" smtClean="0">
@@ -11368,11 +11202,11 @@
             </a:br>
             <a:r>
               <a:rPr lang="en-US" altLang="ja-JP" sz="1400" dirty="0"/>
-              <a:t>$ </a:t>
+              <a:t>#</a:t>
             </a:r>
             <a:r>
               <a:rPr lang="en-US" altLang="ja-JP" sz="1400" dirty="0" smtClean="0"/>
-              <a:t>cd it-automation-</a:t>
+              <a:t> cd it-automation-</a:t>
             </a:r>
             <a:r>
               <a:rPr lang="en-US" altLang="ja-JP" sz="1400" dirty="0" err="1" smtClean="0">
@@ -11600,12 +11434,16 @@
             <a:graphicFrameLocks noGrp="1"/>
           </p:cNvGraphicFramePr>
           <p:nvPr>
-            <p:extLst/>
+            <p:extLst>
+              <p:ext uri="{D42A27DB-BD31-4B8C-83A1-F6EECF244321}">
+                <p14:modId xmlns:p14="http://schemas.microsoft.com/office/powerpoint/2010/main" val="3283779187"/>
+              </p:ext>
+            </p:extLst>
           </p:nvPr>
         </p:nvGraphicFramePr>
         <p:xfrm>
           <a:off x="179512" y="1844781"/>
-          <a:ext cx="8784000" cy="4608409"/>
+          <a:ext cx="8784000" cy="1929101"/>
         </p:xfrm>
         <a:graphic>
           <a:graphicData uri="http://schemas.openxmlformats.org/drawingml/2006/table">
@@ -11617,28 +11455,28 @@
                 <a:gridCol w="1800128">
                   <a:extLst>
                     <a:ext uri="{9D8B030D-6E8A-4147-A177-3AD203B41FA5}">
-                      <a16:colId xmlns="" xmlns:a16="http://schemas.microsoft.com/office/drawing/2014/main" val="20000"/>
+                      <a16:colId xmlns:a16="http://schemas.microsoft.com/office/drawing/2014/main" val="20000"/>
                     </a:ext>
                   </a:extLst>
                 </a:gridCol>
                 <a:gridCol w="2139459">
                   <a:extLst>
                     <a:ext uri="{9D8B030D-6E8A-4147-A177-3AD203B41FA5}">
-                      <a16:colId xmlns="" xmlns:a16="http://schemas.microsoft.com/office/drawing/2014/main" val="20001"/>
+                      <a16:colId xmlns:a16="http://schemas.microsoft.com/office/drawing/2014/main" val="20001"/>
                     </a:ext>
                   </a:extLst>
                 </a:gridCol>
                 <a:gridCol w="596921">
                   <a:extLst>
                     <a:ext uri="{9D8B030D-6E8A-4147-A177-3AD203B41FA5}">
-                      <a16:colId xmlns="" xmlns:a16="http://schemas.microsoft.com/office/drawing/2014/main" val="20002"/>
+                      <a16:colId xmlns:a16="http://schemas.microsoft.com/office/drawing/2014/main" val="20002"/>
                     </a:ext>
                   </a:extLst>
                 </a:gridCol>
                 <a:gridCol w="4247492">
                   <a:extLst>
                     <a:ext uri="{9D8B030D-6E8A-4147-A177-3AD203B41FA5}">
-                      <a16:colId xmlns="" xmlns:a16="http://schemas.microsoft.com/office/drawing/2014/main" val="20003"/>
+                      <a16:colId xmlns:a16="http://schemas.microsoft.com/office/drawing/2014/main" val="20003"/>
                     </a:ext>
                   </a:extLst>
                 </a:gridCol>
@@ -11655,13 +11493,22 @@
                         </a:spcAft>
                       </a:pPr>
                       <a:r>
-                        <a:rPr lang="ja-JP" sz="1000" kern="100" dirty="0">
+                        <a:rPr lang="ja-JP" sz="1000" kern="100" dirty="0" smtClean="0">
                           <a:solidFill>
                             <a:schemeClr val="bg1"/>
                           </a:solidFill>
                           <a:effectLst/>
                         </a:rPr>
                         <a:t>種目</a:t>
+                      </a:r>
+                      <a:r>
+                        <a:rPr lang="en-US" altLang="ja-JP" sz="1000" kern="100" dirty="0" smtClean="0">
+                          <a:solidFill>
+                            <a:schemeClr val="bg1"/>
+                          </a:solidFill>
+                          <a:effectLst/>
+                        </a:rPr>
+                        <a:t>7</a:t>
                       </a:r>
                       <a:endParaRPr lang="ja-JP" sz="1000" kern="100" dirty="0">
                         <a:solidFill>
@@ -11790,7 +11637,7 @@
                 </a:tc>
                 <a:extLst>
                   <a:ext uri="{0D108BD9-81ED-4DB2-BD59-A6C34878D82A}">
-                    <a16:rowId xmlns="" xmlns:a16="http://schemas.microsoft.com/office/drawing/2014/main" val="10000"/>
+                    <a16:rowId xmlns:a16="http://schemas.microsoft.com/office/drawing/2014/main" val="10000"/>
                   </a:ext>
                 </a:extLst>
               </a:tr>
@@ -11939,7 +11786,13 @@
                         <a:rPr lang="en-US" sz="900" kern="100" dirty="0">
                           <a:effectLst/>
                         </a:rPr>
-                        <a:t>("CentOS6","CentOS7","RHEL6","RHEL7")</a:t>
+                        <a:t>("</a:t>
+                      </a:r>
+                      <a:r>
+                        <a:rPr lang="en-US" sz="900" kern="100" dirty="0" smtClean="0">
+                          <a:effectLst/>
+                        </a:rPr>
+                        <a:t>CentOS7","CentOS8","RHEL7","RHEL8")</a:t>
                       </a:r>
                       <a:endParaRPr lang="ja-JP" sz="900" kern="100" dirty="0">
                         <a:effectLst/>
@@ -11957,7 +11810,7 @@
                 </a:tc>
                 <a:extLst>
                   <a:ext uri="{0D108BD9-81ED-4DB2-BD59-A6C34878D82A}">
-                    <a16:rowId xmlns="" xmlns:a16="http://schemas.microsoft.com/office/drawing/2014/main" val="10001"/>
+                    <a16:rowId xmlns:a16="http://schemas.microsoft.com/office/drawing/2014/main" val="10001"/>
                   </a:ext>
                 </a:extLst>
               </a:tr>
@@ -12132,7 +11985,7 @@
                 </a:tc>
                 <a:extLst>
                   <a:ext uri="{0D108BD9-81ED-4DB2-BD59-A6C34878D82A}">
-                    <a16:rowId xmlns="" xmlns:a16="http://schemas.microsoft.com/office/drawing/2014/main" val="10002"/>
+                    <a16:rowId xmlns:a16="http://schemas.microsoft.com/office/drawing/2014/main" val="10002"/>
                   </a:ext>
                 </a:extLst>
               </a:tr>
@@ -12307,7 +12160,7 @@
                 </a:tc>
                 <a:extLst>
                   <a:ext uri="{0D108BD9-81ED-4DB2-BD59-A6C34878D82A}">
-                    <a16:rowId xmlns="" xmlns:a16="http://schemas.microsoft.com/office/drawing/2014/main" val="10003"/>
+                    <a16:rowId xmlns:a16="http://schemas.microsoft.com/office/drawing/2014/main" val="10003"/>
                   </a:ext>
                 </a:extLst>
               </a:tr>
@@ -12488,1450 +12341,7 @@
                 </a:tc>
                 <a:extLst>
                   <a:ext uri="{0D108BD9-81ED-4DB2-BD59-A6C34878D82A}">
-                    <a16:rowId xmlns="" xmlns:a16="http://schemas.microsoft.com/office/drawing/2014/main" val="10004"/>
-                  </a:ext>
-                </a:extLst>
-              </a:tr>
-              <a:tr h="321517">
-                <a:tc>
-                  <a:txBody>
-                    <a:bodyPr/>
-                    <a:lstStyle/>
-                    <a:p>
-                      <a:pPr algn="just">
-                        <a:spcAft>
-                          <a:spcPts val="0"/>
-                        </a:spcAft>
-                      </a:pPr>
-                      <a:r>
-                        <a:rPr lang="en-US" sz="1000" kern="100" dirty="0" smtClean="0">
-                          <a:solidFill>
-                            <a:schemeClr val="bg1"/>
-                          </a:solidFill>
-                          <a:effectLst/>
-                        </a:rPr>
-                        <a:t>server_address</a:t>
-                      </a:r>
-                      <a:endParaRPr lang="ja-JP" sz="1000" kern="100" dirty="0">
-                        <a:solidFill>
-                          <a:schemeClr val="bg1"/>
-                        </a:solidFill>
-                        <a:effectLst/>
-                      </a:endParaRPr>
-                    </a:p>
-                  </a:txBody>
-                  <a:tcPr marL="55979" marR="55979" marT="0" marB="0" anchor="ctr">
-                    <a:solidFill>
-                      <a:srgbClr val="002B62"/>
-                    </a:solidFill>
-                  </a:tcPr>
-                </a:tc>
-                <a:tc>
-                  <a:txBody>
-                    <a:bodyPr/>
-                    <a:lstStyle/>
-                    <a:p>
-                      <a:pPr algn="l">
-                        <a:spcAft>
-                          <a:spcPts val="0"/>
-                        </a:spcAft>
-                      </a:pPr>
-                      <a:r>
-                        <a:rPr lang="en-US" sz="900" kern="100" dirty="0">
-                          <a:effectLst/>
-                        </a:rPr>
-                        <a:t>cobbler</a:t>
-                      </a:r>
-                      <a:r>
-                        <a:rPr lang="ja-JP" sz="900" kern="100" dirty="0">
-                          <a:effectLst/>
-                        </a:rPr>
-                        <a:t>をインストールする場合必須</a:t>
-                      </a:r>
-                      <a:endParaRPr lang="ja-JP" sz="900" kern="100" dirty="0">
-                        <a:effectLst/>
-                        <a:latin typeface="Century" panose="02040604050505020304" pitchFamily="18" charset="0"/>
-                        <a:ea typeface="ＭＳ 明朝" panose="02020609040205080304" pitchFamily="17" charset="-128"/>
-                        <a:cs typeface="Times New Roman" panose="02020603050405020304" pitchFamily="18" charset="0"/>
-                      </a:endParaRPr>
-                    </a:p>
-                  </a:txBody>
-                  <a:tcPr marL="55979" marR="55979" marT="0" marB="0" anchor="ctr">
-                    <a:solidFill>
-                      <a:srgbClr val="CBCDD3"/>
-                    </a:solidFill>
-                  </a:tcPr>
-                </a:tc>
-                <a:tc>
-                  <a:txBody>
-                    <a:bodyPr/>
-                    <a:lstStyle/>
-                    <a:p>
-                      <a:pPr algn="just">
-                        <a:spcAft>
-                          <a:spcPts val="0"/>
-                        </a:spcAft>
-                      </a:pPr>
-                      <a:r>
-                        <a:rPr lang="en-US" sz="900" kern="100" dirty="0">
-                          <a:effectLst/>
-                        </a:rPr>
-                        <a:t>-</a:t>
-                      </a:r>
-                      <a:endParaRPr lang="ja-JP" sz="900" kern="100" dirty="0">
-                        <a:effectLst/>
-                        <a:latin typeface="Century" panose="02040604050505020304" pitchFamily="18" charset="0"/>
-                        <a:ea typeface="ＭＳ 明朝" panose="02020609040205080304" pitchFamily="17" charset="-128"/>
-                        <a:cs typeface="Times New Roman" panose="02020603050405020304" pitchFamily="18" charset="0"/>
-                      </a:endParaRPr>
-                    </a:p>
-                  </a:txBody>
-                  <a:tcPr marL="55979" marR="55979" marT="0" marB="0" anchor="ctr">
-                    <a:solidFill>
-                      <a:srgbClr val="CBCDD3"/>
-                    </a:solidFill>
-                  </a:tcPr>
-                </a:tc>
-                <a:tc>
-                  <a:txBody>
-                    <a:bodyPr/>
-                    <a:lstStyle/>
-                    <a:p>
-                      <a:pPr algn="just">
-                        <a:spcAft>
-                          <a:spcPts val="0"/>
-                        </a:spcAft>
-                      </a:pPr>
-                      <a:r>
-                        <a:rPr lang="en-US" sz="900" kern="100" dirty="0">
-                          <a:effectLst/>
-                        </a:rPr>
-                        <a:t>Cobbler</a:t>
-                      </a:r>
-                      <a:r>
-                        <a:rPr lang="ja-JP" sz="900" kern="100" dirty="0">
-                          <a:effectLst/>
-                        </a:rPr>
-                        <a:t>の</a:t>
-                      </a:r>
-                      <a:r>
-                        <a:rPr lang="en-US" sz="900" kern="100" dirty="0">
-                          <a:effectLst/>
-                        </a:rPr>
-                        <a:t>settings</a:t>
-                      </a:r>
-                      <a:r>
-                        <a:rPr lang="ja-JP" sz="900" kern="100" dirty="0">
-                          <a:effectLst/>
-                        </a:rPr>
-                        <a:t>ファイルに設定</a:t>
-                      </a:r>
-                      <a:r>
-                        <a:rPr lang="ja-JP" sz="900" kern="100" dirty="0" smtClean="0">
-                          <a:effectLst/>
-                        </a:rPr>
-                        <a:t>する</a:t>
-                      </a:r>
-                      <a:r>
-                        <a:rPr lang="en-US" altLang="ja-JP" sz="900" kern="100" dirty="0" smtClean="0">
-                          <a:effectLst/>
-                        </a:rPr>
-                        <a:t>ITA</a:t>
-                      </a:r>
-                      <a:r>
-                        <a:rPr lang="ja-JP" sz="900" kern="100" dirty="0" smtClean="0">
-                          <a:effectLst/>
-                        </a:rPr>
-                        <a:t>サーバ</a:t>
-                      </a:r>
-                      <a:r>
-                        <a:rPr lang="en-US" sz="900" kern="100" dirty="0">
-                          <a:effectLst/>
-                        </a:rPr>
-                        <a:t>(Cobbler</a:t>
-                      </a:r>
-                      <a:r>
-                        <a:rPr lang="ja-JP" sz="900" kern="100" dirty="0">
-                          <a:effectLst/>
-                        </a:rPr>
-                        <a:t>サーバ</a:t>
-                      </a:r>
-                      <a:r>
-                        <a:rPr lang="en-US" sz="900" kern="100" dirty="0">
-                          <a:effectLst/>
-                        </a:rPr>
-                        <a:t>)</a:t>
-                      </a:r>
-                      <a:r>
-                        <a:rPr lang="ja-JP" sz="900" kern="100" dirty="0">
-                          <a:effectLst/>
-                        </a:rPr>
-                        <a:t>の</a:t>
-                      </a:r>
-                      <a:r>
-                        <a:rPr lang="en-US" sz="900" kern="100" dirty="0">
-                          <a:effectLst/>
-                        </a:rPr>
-                        <a:t>IP</a:t>
-                      </a:r>
-                      <a:r>
-                        <a:rPr lang="ja-JP" sz="900" kern="100" dirty="0">
-                          <a:effectLst/>
-                        </a:rPr>
-                        <a:t>アドレス</a:t>
-                      </a:r>
-                      <a:endParaRPr lang="ja-JP" sz="900" kern="100" dirty="0">
-                        <a:effectLst/>
-                        <a:latin typeface="Century" panose="02040604050505020304" pitchFamily="18" charset="0"/>
-                        <a:ea typeface="ＭＳ 明朝" panose="02020609040205080304" pitchFamily="17" charset="-128"/>
-                        <a:cs typeface="Times New Roman" panose="02020603050405020304" pitchFamily="18" charset="0"/>
-                      </a:endParaRPr>
-                    </a:p>
-                  </a:txBody>
-                  <a:tcPr marL="55979" marR="55979" marT="0" marB="0" anchor="ctr">
-                    <a:solidFill>
-                      <a:srgbClr val="CBCDD3"/>
-                    </a:solidFill>
-                  </a:tcPr>
-                </a:tc>
-                <a:extLst>
-                  <a:ext uri="{0D108BD9-81ED-4DB2-BD59-A6C34878D82A}">
-                    <a16:rowId xmlns="" xmlns:a16="http://schemas.microsoft.com/office/drawing/2014/main" val="10005"/>
-                  </a:ext>
-                </a:extLst>
-              </a:tr>
-              <a:tr h="428689">
-                <a:tc>
-                  <a:txBody>
-                    <a:bodyPr/>
-                    <a:lstStyle/>
-                    <a:p>
-                      <a:pPr algn="just">
-                        <a:spcAft>
-                          <a:spcPts val="0"/>
-                        </a:spcAft>
-                      </a:pPr>
-                      <a:r>
-                        <a:rPr lang="en-US" sz="1000" kern="100" dirty="0" smtClean="0">
-                          <a:solidFill>
-                            <a:schemeClr val="bg1"/>
-                          </a:solidFill>
-                          <a:effectLst/>
-                        </a:rPr>
-                        <a:t>default_password</a:t>
-                      </a:r>
-                      <a:endParaRPr lang="ja-JP" sz="1000" kern="100" dirty="0">
-                        <a:solidFill>
-                          <a:schemeClr val="bg1"/>
-                        </a:solidFill>
-                        <a:effectLst/>
-                      </a:endParaRPr>
-                    </a:p>
-                  </a:txBody>
-                  <a:tcPr marL="55979" marR="55979" marT="0" marB="0" anchor="ctr">
-                    <a:solidFill>
-                      <a:srgbClr val="002B62"/>
-                    </a:solidFill>
-                  </a:tcPr>
-                </a:tc>
-                <a:tc>
-                  <a:txBody>
-                    <a:bodyPr/>
-                    <a:lstStyle/>
-                    <a:p>
-                      <a:pPr algn="l">
-                        <a:spcAft>
-                          <a:spcPts val="0"/>
-                        </a:spcAft>
-                      </a:pPr>
-                      <a:r>
-                        <a:rPr lang="en-US" sz="900" kern="100" dirty="0">
-                          <a:effectLst/>
-                        </a:rPr>
-                        <a:t>cobbler</a:t>
-                      </a:r>
-                      <a:r>
-                        <a:rPr lang="ja-JP" sz="900" kern="100" dirty="0">
-                          <a:effectLst/>
-                        </a:rPr>
-                        <a:t>をインストールする場合必須</a:t>
-                      </a:r>
-                      <a:endParaRPr lang="ja-JP" sz="900" kern="100" dirty="0">
-                        <a:effectLst/>
-                        <a:latin typeface="Century" panose="02040604050505020304" pitchFamily="18" charset="0"/>
-                        <a:ea typeface="ＭＳ 明朝" panose="02020609040205080304" pitchFamily="17" charset="-128"/>
-                        <a:cs typeface="Times New Roman" panose="02020603050405020304" pitchFamily="18" charset="0"/>
-                      </a:endParaRPr>
-                    </a:p>
-                  </a:txBody>
-                  <a:tcPr marL="55979" marR="55979" marT="0" marB="0" anchor="ctr">
-                    <a:solidFill>
-                      <a:srgbClr val="E7E8EA"/>
-                    </a:solidFill>
-                  </a:tcPr>
-                </a:tc>
-                <a:tc>
-                  <a:txBody>
-                    <a:bodyPr/>
-                    <a:lstStyle/>
-                    <a:p>
-                      <a:pPr algn="just">
-                        <a:spcAft>
-                          <a:spcPts val="0"/>
-                        </a:spcAft>
-                      </a:pPr>
-                      <a:r>
-                        <a:rPr lang="en-US" sz="900" kern="100" dirty="0">
-                          <a:effectLst/>
-                        </a:rPr>
-                        <a:t>-</a:t>
-                      </a:r>
-                      <a:endParaRPr lang="ja-JP" sz="900" kern="100" dirty="0">
-                        <a:effectLst/>
-                        <a:latin typeface="Century" panose="02040604050505020304" pitchFamily="18" charset="0"/>
-                        <a:ea typeface="ＭＳ 明朝" panose="02020609040205080304" pitchFamily="17" charset="-128"/>
-                        <a:cs typeface="Times New Roman" panose="02020603050405020304" pitchFamily="18" charset="0"/>
-                      </a:endParaRPr>
-                    </a:p>
-                  </a:txBody>
-                  <a:tcPr marL="55979" marR="55979" marT="0" marB="0" anchor="ctr">
-                    <a:solidFill>
-                      <a:srgbClr val="E7E8EA"/>
-                    </a:solidFill>
-                  </a:tcPr>
-                </a:tc>
-                <a:tc>
-                  <a:txBody>
-                    <a:bodyPr/>
-                    <a:lstStyle/>
-                    <a:p>
-                      <a:pPr algn="just">
-                        <a:spcAft>
-                          <a:spcPts val="0"/>
-                        </a:spcAft>
-                      </a:pPr>
-                      <a:r>
-                        <a:rPr lang="en-US" sz="900" kern="100" dirty="0">
-                          <a:effectLst/>
-                        </a:rPr>
-                        <a:t>Cobbler</a:t>
-                      </a:r>
-                      <a:r>
-                        <a:rPr lang="ja-JP" sz="900" kern="100" dirty="0">
-                          <a:effectLst/>
-                        </a:rPr>
-                        <a:t>の</a:t>
-                      </a:r>
-                      <a:r>
-                        <a:rPr lang="en-US" sz="900" kern="100" dirty="0">
-                          <a:effectLst/>
-                        </a:rPr>
-                        <a:t>settings</a:t>
-                      </a:r>
-                      <a:r>
-                        <a:rPr lang="ja-JP" sz="900" kern="100" dirty="0">
-                          <a:effectLst/>
-                        </a:rPr>
-                        <a:t>ファイルに設定する</a:t>
-                      </a:r>
-                      <a:r>
-                        <a:rPr lang="en-US" sz="900" kern="100" dirty="0">
-                          <a:effectLst/>
-                        </a:rPr>
-                        <a:t>OS</a:t>
-                      </a:r>
-                      <a:r>
-                        <a:rPr lang="ja-JP" sz="900" kern="100" dirty="0">
-                          <a:effectLst/>
-                        </a:rPr>
-                        <a:t>インストール対象サーバの</a:t>
-                      </a:r>
-                      <a:r>
-                        <a:rPr lang="en-US" sz="900" kern="100" dirty="0">
-                          <a:effectLst/>
-                        </a:rPr>
-                        <a:t>root</a:t>
-                      </a:r>
-                      <a:r>
-                        <a:rPr lang="ja-JP" sz="900" kern="100" dirty="0">
-                          <a:effectLst/>
-                        </a:rPr>
-                        <a:t>パスワード</a:t>
-                      </a:r>
-                    </a:p>
-                    <a:p>
-                      <a:pPr algn="just">
-                        <a:spcAft>
-                          <a:spcPts val="0"/>
-                        </a:spcAft>
-                      </a:pPr>
-                      <a:r>
-                        <a:rPr lang="ja-JP" sz="900" kern="100" dirty="0">
-                          <a:effectLst/>
-                        </a:rPr>
-                        <a:t>※入力した値をハッシュした値が</a:t>
-                      </a:r>
-                      <a:r>
-                        <a:rPr lang="en-US" sz="900" kern="100" dirty="0">
-                          <a:effectLst/>
-                        </a:rPr>
-                        <a:t>settings</a:t>
-                      </a:r>
-                      <a:r>
-                        <a:rPr lang="ja-JP" sz="900" kern="100" dirty="0">
-                          <a:effectLst/>
-                        </a:rPr>
-                        <a:t>ファイルに設定されます。</a:t>
-                      </a:r>
-                      <a:endParaRPr lang="ja-JP" sz="900" kern="100" dirty="0">
-                        <a:effectLst/>
-                        <a:latin typeface="Century" panose="02040604050505020304" pitchFamily="18" charset="0"/>
-                        <a:ea typeface="ＭＳ 明朝" panose="02020609040205080304" pitchFamily="17" charset="-128"/>
-                        <a:cs typeface="Times New Roman" panose="02020603050405020304" pitchFamily="18" charset="0"/>
-                      </a:endParaRPr>
-                    </a:p>
-                  </a:txBody>
-                  <a:tcPr marL="55979" marR="55979" marT="0" marB="0" anchor="ctr">
-                    <a:solidFill>
-                      <a:srgbClr val="E7E8EA"/>
-                    </a:solidFill>
-                  </a:tcPr>
-                </a:tc>
-                <a:extLst>
-                  <a:ext uri="{0D108BD9-81ED-4DB2-BD59-A6C34878D82A}">
-                    <a16:rowId xmlns="" xmlns:a16="http://schemas.microsoft.com/office/drawing/2014/main" val="10006"/>
-                  </a:ext>
-                </a:extLst>
-              </a:tr>
-              <a:tr h="321517">
-                <a:tc>
-                  <a:txBody>
-                    <a:bodyPr/>
-                    <a:lstStyle/>
-                    <a:p>
-                      <a:pPr algn="just">
-                        <a:spcAft>
-                          <a:spcPts val="0"/>
-                        </a:spcAft>
-                      </a:pPr>
-                      <a:r>
-                        <a:rPr lang="en-US" sz="1000" kern="100" dirty="0" smtClean="0">
-                          <a:solidFill>
-                            <a:schemeClr val="bg1"/>
-                          </a:solidFill>
-                          <a:effectLst/>
-                        </a:rPr>
-                        <a:t>cobbler_ip</a:t>
-                      </a:r>
-                      <a:endParaRPr lang="ja-JP" sz="1000" kern="100" dirty="0">
-                        <a:solidFill>
-                          <a:schemeClr val="bg1"/>
-                        </a:solidFill>
-                        <a:effectLst/>
-                      </a:endParaRPr>
-                    </a:p>
-                  </a:txBody>
-                  <a:tcPr marL="55979" marR="55979" marT="0" marB="0" anchor="ctr">
-                    <a:solidFill>
-                      <a:srgbClr val="002B62"/>
-                    </a:solidFill>
-                  </a:tcPr>
-                </a:tc>
-                <a:tc>
-                  <a:txBody>
-                    <a:bodyPr/>
-                    <a:lstStyle/>
-                    <a:p>
-                      <a:pPr algn="l">
-                        <a:spcAft>
-                          <a:spcPts val="0"/>
-                        </a:spcAft>
-                      </a:pPr>
-                      <a:r>
-                        <a:rPr lang="en-US" sz="900" kern="100" dirty="0">
-                          <a:effectLst/>
-                        </a:rPr>
-                        <a:t>cobbler</a:t>
-                      </a:r>
-                      <a:r>
-                        <a:rPr lang="ja-JP" sz="900" kern="100" dirty="0">
-                          <a:effectLst/>
-                        </a:rPr>
-                        <a:t>をインストールする場合必須</a:t>
-                      </a:r>
-                      <a:endParaRPr lang="ja-JP" sz="900" kern="100" dirty="0">
-                        <a:effectLst/>
-                        <a:latin typeface="Century" panose="02040604050505020304" pitchFamily="18" charset="0"/>
-                        <a:ea typeface="ＭＳ 明朝" panose="02020609040205080304" pitchFamily="17" charset="-128"/>
-                        <a:cs typeface="Times New Roman" panose="02020603050405020304" pitchFamily="18" charset="0"/>
-                      </a:endParaRPr>
-                    </a:p>
-                  </a:txBody>
-                  <a:tcPr marL="55979" marR="55979" marT="0" marB="0" anchor="ctr">
-                    <a:solidFill>
-                      <a:srgbClr val="CBCDD3"/>
-                    </a:solidFill>
-                  </a:tcPr>
-                </a:tc>
-                <a:tc>
-                  <a:txBody>
-                    <a:bodyPr/>
-                    <a:lstStyle/>
-                    <a:p>
-                      <a:pPr algn="just">
-                        <a:spcAft>
-                          <a:spcPts val="0"/>
-                        </a:spcAft>
-                      </a:pPr>
-                      <a:r>
-                        <a:rPr lang="en-US" sz="900" kern="100" dirty="0">
-                          <a:effectLst/>
-                        </a:rPr>
-                        <a:t>-</a:t>
-                      </a:r>
-                      <a:endParaRPr lang="ja-JP" sz="900" kern="100" dirty="0">
-                        <a:effectLst/>
-                        <a:latin typeface="Century" panose="02040604050505020304" pitchFamily="18" charset="0"/>
-                        <a:ea typeface="ＭＳ 明朝" panose="02020609040205080304" pitchFamily="17" charset="-128"/>
-                        <a:cs typeface="Times New Roman" panose="02020603050405020304" pitchFamily="18" charset="0"/>
-                      </a:endParaRPr>
-                    </a:p>
-                  </a:txBody>
-                  <a:tcPr marL="55979" marR="55979" marT="0" marB="0" anchor="ctr">
-                    <a:solidFill>
-                      <a:srgbClr val="CBCDD3"/>
-                    </a:solidFill>
-                  </a:tcPr>
-                </a:tc>
-                <a:tc>
-                  <a:txBody>
-                    <a:bodyPr/>
-                    <a:lstStyle/>
-                    <a:p>
-                      <a:pPr algn="just">
-                        <a:spcAft>
-                          <a:spcPts val="0"/>
-                        </a:spcAft>
-                      </a:pPr>
-                      <a:r>
-                        <a:rPr lang="en-US" sz="900" kern="100" dirty="0" err="1">
-                          <a:effectLst/>
-                        </a:rPr>
-                        <a:t>dhcp.template</a:t>
-                      </a:r>
-                      <a:r>
-                        <a:rPr lang="ja-JP" sz="900" kern="100" dirty="0">
-                          <a:effectLst/>
-                        </a:rPr>
-                        <a:t>の</a:t>
-                      </a:r>
-                      <a:r>
-                        <a:rPr lang="en-US" sz="900" kern="100" dirty="0">
-                          <a:effectLst/>
-                        </a:rPr>
-                        <a:t>subnet</a:t>
-                      </a:r>
-                      <a:r>
-                        <a:rPr lang="ja-JP" sz="900" kern="100" dirty="0">
-                          <a:effectLst/>
-                        </a:rPr>
-                        <a:t>に設定する</a:t>
-                      </a:r>
-                      <a:r>
-                        <a:rPr lang="en-US" sz="900" kern="100" dirty="0">
-                          <a:effectLst/>
-                        </a:rPr>
-                        <a:t>IP</a:t>
-                      </a:r>
-                      <a:r>
-                        <a:rPr lang="ja-JP" sz="900" kern="100" dirty="0">
-                          <a:effectLst/>
-                        </a:rPr>
-                        <a:t>アドレス</a:t>
-                      </a:r>
-                      <a:endParaRPr lang="ja-JP" sz="900" kern="100" dirty="0">
-                        <a:effectLst/>
-                        <a:latin typeface="Century" panose="02040604050505020304" pitchFamily="18" charset="0"/>
-                        <a:ea typeface="ＭＳ 明朝" panose="02020609040205080304" pitchFamily="17" charset="-128"/>
-                        <a:cs typeface="Times New Roman" panose="02020603050405020304" pitchFamily="18" charset="0"/>
-                      </a:endParaRPr>
-                    </a:p>
-                  </a:txBody>
-                  <a:tcPr marL="55979" marR="55979" marT="0" marB="0" anchor="ctr">
-                    <a:solidFill>
-                      <a:srgbClr val="CBCDD3"/>
-                    </a:solidFill>
-                  </a:tcPr>
-                </a:tc>
-                <a:extLst>
-                  <a:ext uri="{0D108BD9-81ED-4DB2-BD59-A6C34878D82A}">
-                    <a16:rowId xmlns="" xmlns:a16="http://schemas.microsoft.com/office/drawing/2014/main" val="10007"/>
-                  </a:ext>
-                </a:extLst>
-              </a:tr>
-              <a:tr h="321517">
-                <a:tc>
-                  <a:txBody>
-                    <a:bodyPr/>
-                    <a:lstStyle/>
-                    <a:p>
-                      <a:pPr algn="just">
-                        <a:spcAft>
-                          <a:spcPts val="0"/>
-                        </a:spcAft>
-                      </a:pPr>
-                      <a:r>
-                        <a:rPr lang="en-US" sz="1000" kern="100" dirty="0" smtClean="0">
-                          <a:solidFill>
-                            <a:schemeClr val="bg1"/>
-                          </a:solidFill>
-                          <a:effectLst/>
-                        </a:rPr>
-                        <a:t>cobbler_subnet</a:t>
-                      </a:r>
-                      <a:endParaRPr lang="ja-JP" sz="1000" kern="100" dirty="0">
-                        <a:solidFill>
-                          <a:schemeClr val="bg1"/>
-                        </a:solidFill>
-                        <a:effectLst/>
-                      </a:endParaRPr>
-                    </a:p>
-                  </a:txBody>
-                  <a:tcPr marL="55979" marR="55979" marT="0" marB="0" anchor="ctr">
-                    <a:solidFill>
-                      <a:srgbClr val="002B62"/>
-                    </a:solidFill>
-                  </a:tcPr>
-                </a:tc>
-                <a:tc>
-                  <a:txBody>
-                    <a:bodyPr/>
-                    <a:lstStyle/>
-                    <a:p>
-                      <a:pPr algn="l">
-                        <a:spcAft>
-                          <a:spcPts val="0"/>
-                        </a:spcAft>
-                      </a:pPr>
-                      <a:r>
-                        <a:rPr lang="en-US" sz="900" kern="100" dirty="0">
-                          <a:effectLst/>
-                        </a:rPr>
-                        <a:t>cobbler</a:t>
-                      </a:r>
-                      <a:r>
-                        <a:rPr lang="ja-JP" sz="900" kern="100" dirty="0">
-                          <a:effectLst/>
-                        </a:rPr>
-                        <a:t>をインストールする場合必須</a:t>
-                      </a:r>
-                      <a:endParaRPr lang="ja-JP" sz="900" kern="100" dirty="0">
-                        <a:effectLst/>
-                        <a:latin typeface="Century" panose="02040604050505020304" pitchFamily="18" charset="0"/>
-                        <a:ea typeface="ＭＳ 明朝" panose="02020609040205080304" pitchFamily="17" charset="-128"/>
-                        <a:cs typeface="Times New Roman" panose="02020603050405020304" pitchFamily="18" charset="0"/>
-                      </a:endParaRPr>
-                    </a:p>
-                  </a:txBody>
-                  <a:tcPr marL="55979" marR="55979" marT="0" marB="0" anchor="ctr">
-                    <a:solidFill>
-                      <a:srgbClr val="E7E8EA"/>
-                    </a:solidFill>
-                  </a:tcPr>
-                </a:tc>
-                <a:tc>
-                  <a:txBody>
-                    <a:bodyPr/>
-                    <a:lstStyle/>
-                    <a:p>
-                      <a:pPr algn="just">
-                        <a:spcAft>
-                          <a:spcPts val="0"/>
-                        </a:spcAft>
-                      </a:pPr>
-                      <a:r>
-                        <a:rPr lang="en-US" sz="900" kern="100" dirty="0">
-                          <a:effectLst/>
-                        </a:rPr>
-                        <a:t>-</a:t>
-                      </a:r>
-                      <a:endParaRPr lang="ja-JP" sz="900" kern="100" dirty="0">
-                        <a:effectLst/>
-                        <a:latin typeface="Century" panose="02040604050505020304" pitchFamily="18" charset="0"/>
-                        <a:ea typeface="ＭＳ 明朝" panose="02020609040205080304" pitchFamily="17" charset="-128"/>
-                        <a:cs typeface="Times New Roman" panose="02020603050405020304" pitchFamily="18" charset="0"/>
-                      </a:endParaRPr>
-                    </a:p>
-                  </a:txBody>
-                  <a:tcPr marL="55979" marR="55979" marT="0" marB="0" anchor="ctr">
-                    <a:solidFill>
-                      <a:srgbClr val="E7E8EA"/>
-                    </a:solidFill>
-                  </a:tcPr>
-                </a:tc>
-                <a:tc>
-                  <a:txBody>
-                    <a:bodyPr/>
-                    <a:lstStyle/>
-                    <a:p>
-                      <a:pPr algn="just">
-                        <a:spcAft>
-                          <a:spcPts val="0"/>
-                        </a:spcAft>
-                      </a:pPr>
-                      <a:r>
-                        <a:rPr lang="en-US" sz="900" kern="100" dirty="0" err="1">
-                          <a:effectLst/>
-                        </a:rPr>
-                        <a:t>dhcp.template</a:t>
-                      </a:r>
-                      <a:r>
-                        <a:rPr lang="ja-JP" sz="900" kern="100" dirty="0">
-                          <a:effectLst/>
-                        </a:rPr>
-                        <a:t>の</a:t>
-                      </a:r>
-                      <a:r>
-                        <a:rPr lang="en-US" sz="900" kern="100" dirty="0">
-                          <a:effectLst/>
-                        </a:rPr>
-                        <a:t>netmask</a:t>
-                      </a:r>
-                      <a:r>
-                        <a:rPr lang="ja-JP" sz="900" kern="100" dirty="0">
-                          <a:effectLst/>
-                        </a:rPr>
-                        <a:t>に設定する</a:t>
-                      </a:r>
-                      <a:r>
-                        <a:rPr lang="en-US" sz="900" kern="100" dirty="0">
-                          <a:effectLst/>
-                        </a:rPr>
-                        <a:t>IP</a:t>
-                      </a:r>
-                      <a:r>
-                        <a:rPr lang="ja-JP" sz="900" kern="100" dirty="0">
-                          <a:effectLst/>
-                        </a:rPr>
-                        <a:t>アドレス</a:t>
-                      </a:r>
-                      <a:endParaRPr lang="ja-JP" sz="900" kern="100" dirty="0">
-                        <a:effectLst/>
-                        <a:latin typeface="Century" panose="02040604050505020304" pitchFamily="18" charset="0"/>
-                        <a:ea typeface="ＭＳ 明朝" panose="02020609040205080304" pitchFamily="17" charset="-128"/>
-                        <a:cs typeface="Times New Roman" panose="02020603050405020304" pitchFamily="18" charset="0"/>
-                      </a:endParaRPr>
-                    </a:p>
-                  </a:txBody>
-                  <a:tcPr marL="55979" marR="55979" marT="0" marB="0" anchor="ctr">
-                    <a:solidFill>
-                      <a:srgbClr val="E7E8EA"/>
-                    </a:solidFill>
-                  </a:tcPr>
-                </a:tc>
-                <a:extLst>
-                  <a:ext uri="{0D108BD9-81ED-4DB2-BD59-A6C34878D82A}">
-                    <a16:rowId xmlns="" xmlns:a16="http://schemas.microsoft.com/office/drawing/2014/main" val="10008"/>
-                  </a:ext>
-                </a:extLst>
-              </a:tr>
-              <a:tr h="321517">
-                <a:tc>
-                  <a:txBody>
-                    <a:bodyPr/>
-                    <a:lstStyle/>
-                    <a:p>
-                      <a:pPr algn="just">
-                        <a:spcAft>
-                          <a:spcPts val="0"/>
-                        </a:spcAft>
-                      </a:pPr>
-                      <a:r>
-                        <a:rPr lang="en-US" sz="1000" kern="100" dirty="0" smtClean="0">
-                          <a:solidFill>
-                            <a:schemeClr val="bg1"/>
-                          </a:solidFill>
-                          <a:effectLst/>
-                        </a:rPr>
-                        <a:t>cobbler_gateway</a:t>
-                      </a:r>
-                      <a:endParaRPr lang="ja-JP" sz="1000" kern="100" dirty="0">
-                        <a:solidFill>
-                          <a:schemeClr val="bg1"/>
-                        </a:solidFill>
-                        <a:effectLst/>
-                      </a:endParaRPr>
-                    </a:p>
-                  </a:txBody>
-                  <a:tcPr marL="55979" marR="55979" marT="0" marB="0" anchor="ctr">
-                    <a:solidFill>
-                      <a:srgbClr val="002B62"/>
-                    </a:solidFill>
-                  </a:tcPr>
-                </a:tc>
-                <a:tc>
-                  <a:txBody>
-                    <a:bodyPr/>
-                    <a:lstStyle/>
-                    <a:p>
-                      <a:pPr algn="l">
-                        <a:spcAft>
-                          <a:spcPts val="0"/>
-                        </a:spcAft>
-                      </a:pPr>
-                      <a:r>
-                        <a:rPr lang="en-US" sz="900" kern="100" dirty="0">
-                          <a:effectLst/>
-                        </a:rPr>
-                        <a:t>cobbler</a:t>
-                      </a:r>
-                      <a:r>
-                        <a:rPr lang="ja-JP" sz="900" kern="100" dirty="0">
-                          <a:effectLst/>
-                        </a:rPr>
-                        <a:t>をインストールする場合必須</a:t>
-                      </a:r>
-                      <a:endParaRPr lang="ja-JP" sz="900" kern="100" dirty="0">
-                        <a:effectLst/>
-                        <a:latin typeface="Century" panose="02040604050505020304" pitchFamily="18" charset="0"/>
-                        <a:ea typeface="ＭＳ 明朝" panose="02020609040205080304" pitchFamily="17" charset="-128"/>
-                        <a:cs typeface="Times New Roman" panose="02020603050405020304" pitchFamily="18" charset="0"/>
-                      </a:endParaRPr>
-                    </a:p>
-                  </a:txBody>
-                  <a:tcPr marL="55979" marR="55979" marT="0" marB="0" anchor="ctr">
-                    <a:solidFill>
-                      <a:srgbClr val="CBCDD3"/>
-                    </a:solidFill>
-                  </a:tcPr>
-                </a:tc>
-                <a:tc>
-                  <a:txBody>
-                    <a:bodyPr/>
-                    <a:lstStyle/>
-                    <a:p>
-                      <a:pPr algn="just">
-                        <a:spcAft>
-                          <a:spcPts val="0"/>
-                        </a:spcAft>
-                      </a:pPr>
-                      <a:r>
-                        <a:rPr lang="en-US" sz="900" kern="100" dirty="0">
-                          <a:effectLst/>
-                        </a:rPr>
-                        <a:t>-</a:t>
-                      </a:r>
-                      <a:endParaRPr lang="ja-JP" sz="900" kern="100" dirty="0">
-                        <a:effectLst/>
-                        <a:latin typeface="Century" panose="02040604050505020304" pitchFamily="18" charset="0"/>
-                        <a:ea typeface="ＭＳ 明朝" panose="02020609040205080304" pitchFamily="17" charset="-128"/>
-                        <a:cs typeface="Times New Roman" panose="02020603050405020304" pitchFamily="18" charset="0"/>
-                      </a:endParaRPr>
-                    </a:p>
-                  </a:txBody>
-                  <a:tcPr marL="55979" marR="55979" marT="0" marB="0" anchor="ctr">
-                    <a:solidFill>
-                      <a:srgbClr val="CBCDD3"/>
-                    </a:solidFill>
-                  </a:tcPr>
-                </a:tc>
-                <a:tc>
-                  <a:txBody>
-                    <a:bodyPr/>
-                    <a:lstStyle/>
-                    <a:p>
-                      <a:pPr algn="just">
-                        <a:spcAft>
-                          <a:spcPts val="0"/>
-                        </a:spcAft>
-                      </a:pPr>
-                      <a:r>
-                        <a:rPr lang="en-US" sz="900" kern="100" dirty="0" err="1">
-                          <a:effectLst/>
-                        </a:rPr>
-                        <a:t>dhcp.template</a:t>
-                      </a:r>
-                      <a:r>
-                        <a:rPr lang="ja-JP" sz="900" kern="100" dirty="0">
-                          <a:effectLst/>
-                        </a:rPr>
-                        <a:t>の</a:t>
-                      </a:r>
-                      <a:r>
-                        <a:rPr lang="en-US" sz="900" kern="100" dirty="0">
-                          <a:effectLst/>
-                        </a:rPr>
-                        <a:t>option routers</a:t>
-                      </a:r>
-                      <a:r>
-                        <a:rPr lang="ja-JP" sz="900" kern="100" dirty="0">
-                          <a:effectLst/>
-                        </a:rPr>
-                        <a:t>に設定する</a:t>
-                      </a:r>
-                      <a:r>
-                        <a:rPr lang="en-US" sz="900" kern="100" dirty="0">
-                          <a:effectLst/>
-                        </a:rPr>
-                        <a:t>IP</a:t>
-                      </a:r>
-                      <a:r>
-                        <a:rPr lang="ja-JP" sz="900" kern="100" dirty="0">
-                          <a:effectLst/>
-                        </a:rPr>
-                        <a:t>アドレス</a:t>
-                      </a:r>
-                      <a:endParaRPr lang="ja-JP" sz="900" kern="100" dirty="0">
-                        <a:effectLst/>
-                        <a:latin typeface="Century" panose="02040604050505020304" pitchFamily="18" charset="0"/>
-                        <a:ea typeface="ＭＳ 明朝" panose="02020609040205080304" pitchFamily="17" charset="-128"/>
-                        <a:cs typeface="Times New Roman" panose="02020603050405020304" pitchFamily="18" charset="0"/>
-                      </a:endParaRPr>
-                    </a:p>
-                  </a:txBody>
-                  <a:tcPr marL="55979" marR="55979" marT="0" marB="0" anchor="ctr">
-                    <a:solidFill>
-                      <a:srgbClr val="CBCDD3"/>
-                    </a:solidFill>
-                  </a:tcPr>
-                </a:tc>
-                <a:extLst>
-                  <a:ext uri="{0D108BD9-81ED-4DB2-BD59-A6C34878D82A}">
-                    <a16:rowId xmlns="" xmlns:a16="http://schemas.microsoft.com/office/drawing/2014/main" val="10009"/>
-                  </a:ext>
-                </a:extLst>
-              </a:tr>
-              <a:tr h="321517">
-                <a:tc>
-                  <a:txBody>
-                    <a:bodyPr/>
-                    <a:lstStyle/>
-                    <a:p>
-                      <a:pPr algn="just">
-                        <a:spcAft>
-                          <a:spcPts val="0"/>
-                        </a:spcAft>
-                      </a:pPr>
-                      <a:r>
-                        <a:rPr lang="en-US" sz="1000" kern="100" dirty="0" smtClean="0">
-                          <a:solidFill>
-                            <a:schemeClr val="bg1"/>
-                          </a:solidFill>
-                          <a:effectLst/>
-                        </a:rPr>
-                        <a:t>cobbler_dns</a:t>
-                      </a:r>
-                      <a:endParaRPr lang="ja-JP" sz="1000" kern="100" dirty="0">
-                        <a:solidFill>
-                          <a:schemeClr val="bg1"/>
-                        </a:solidFill>
-                        <a:effectLst/>
-                      </a:endParaRPr>
-                    </a:p>
-                  </a:txBody>
-                  <a:tcPr marL="55979" marR="55979" marT="0" marB="0" anchor="ctr">
-                    <a:solidFill>
-                      <a:srgbClr val="002B62"/>
-                    </a:solidFill>
-                  </a:tcPr>
-                </a:tc>
-                <a:tc>
-                  <a:txBody>
-                    <a:bodyPr/>
-                    <a:lstStyle/>
-                    <a:p>
-                      <a:pPr algn="l">
-                        <a:spcAft>
-                          <a:spcPts val="0"/>
-                        </a:spcAft>
-                      </a:pPr>
-                      <a:r>
-                        <a:rPr lang="en-US" sz="900" kern="100" dirty="0">
-                          <a:effectLst/>
-                        </a:rPr>
-                        <a:t>cobbler</a:t>
-                      </a:r>
-                      <a:r>
-                        <a:rPr lang="ja-JP" sz="900" kern="100" dirty="0">
-                          <a:effectLst/>
-                        </a:rPr>
-                        <a:t>をインストールする場合必須</a:t>
-                      </a:r>
-                      <a:endParaRPr lang="ja-JP" sz="900" kern="100" dirty="0">
-                        <a:effectLst/>
-                        <a:latin typeface="Century" panose="02040604050505020304" pitchFamily="18" charset="0"/>
-                        <a:ea typeface="ＭＳ 明朝" panose="02020609040205080304" pitchFamily="17" charset="-128"/>
-                        <a:cs typeface="Times New Roman" panose="02020603050405020304" pitchFamily="18" charset="0"/>
-                      </a:endParaRPr>
-                    </a:p>
-                  </a:txBody>
-                  <a:tcPr marL="55979" marR="55979" marT="0" marB="0" anchor="ctr">
-                    <a:solidFill>
-                      <a:srgbClr val="E7E8EA"/>
-                    </a:solidFill>
-                  </a:tcPr>
-                </a:tc>
-                <a:tc>
-                  <a:txBody>
-                    <a:bodyPr/>
-                    <a:lstStyle/>
-                    <a:p>
-                      <a:pPr algn="just">
-                        <a:spcAft>
-                          <a:spcPts val="0"/>
-                        </a:spcAft>
-                      </a:pPr>
-                      <a:r>
-                        <a:rPr lang="en-US" sz="900" kern="100" dirty="0">
-                          <a:effectLst/>
-                        </a:rPr>
-                        <a:t>-</a:t>
-                      </a:r>
-                      <a:endParaRPr lang="ja-JP" sz="900" kern="100" dirty="0">
-                        <a:effectLst/>
-                        <a:latin typeface="Century" panose="02040604050505020304" pitchFamily="18" charset="0"/>
-                        <a:ea typeface="ＭＳ 明朝" panose="02020609040205080304" pitchFamily="17" charset="-128"/>
-                        <a:cs typeface="Times New Roman" panose="02020603050405020304" pitchFamily="18" charset="0"/>
-                      </a:endParaRPr>
-                    </a:p>
-                  </a:txBody>
-                  <a:tcPr marL="55979" marR="55979" marT="0" marB="0" anchor="ctr">
-                    <a:solidFill>
-                      <a:srgbClr val="E7E8EA"/>
-                    </a:solidFill>
-                  </a:tcPr>
-                </a:tc>
-                <a:tc>
-                  <a:txBody>
-                    <a:bodyPr/>
-                    <a:lstStyle/>
-                    <a:p>
-                      <a:pPr algn="just">
-                        <a:spcAft>
-                          <a:spcPts val="0"/>
-                        </a:spcAft>
-                      </a:pPr>
-                      <a:r>
-                        <a:rPr lang="en-US" sz="900" kern="100" dirty="0" err="1">
-                          <a:effectLst/>
-                        </a:rPr>
-                        <a:t>dhcp.template</a:t>
-                      </a:r>
-                      <a:r>
-                        <a:rPr lang="ja-JP" sz="900" kern="100" dirty="0">
-                          <a:effectLst/>
-                        </a:rPr>
-                        <a:t>の</a:t>
-                      </a:r>
-                      <a:r>
-                        <a:rPr lang="en-US" sz="900" kern="100" dirty="0">
-                          <a:effectLst/>
-                        </a:rPr>
-                        <a:t>domain-name-servers</a:t>
-                      </a:r>
-                      <a:r>
-                        <a:rPr lang="ja-JP" sz="900" kern="100" dirty="0">
-                          <a:effectLst/>
-                        </a:rPr>
-                        <a:t>に設定する</a:t>
-                      </a:r>
-                      <a:r>
-                        <a:rPr lang="en-US" sz="900" kern="100" dirty="0">
-                          <a:effectLst/>
-                        </a:rPr>
-                        <a:t>IP</a:t>
-                      </a:r>
-                      <a:r>
-                        <a:rPr lang="ja-JP" sz="900" kern="100" dirty="0">
-                          <a:effectLst/>
-                        </a:rPr>
-                        <a:t>アドレス</a:t>
-                      </a:r>
-                      <a:endParaRPr lang="ja-JP" sz="900" kern="100" dirty="0">
-                        <a:effectLst/>
-                        <a:latin typeface="Century" panose="02040604050505020304" pitchFamily="18" charset="0"/>
-                        <a:ea typeface="ＭＳ 明朝" panose="02020609040205080304" pitchFamily="17" charset="-128"/>
-                        <a:cs typeface="Times New Roman" panose="02020603050405020304" pitchFamily="18" charset="0"/>
-                      </a:endParaRPr>
-                    </a:p>
-                  </a:txBody>
-                  <a:tcPr marL="55979" marR="55979" marT="0" marB="0" anchor="ctr">
-                    <a:solidFill>
-                      <a:srgbClr val="E7E8EA"/>
-                    </a:solidFill>
-                  </a:tcPr>
-                </a:tc>
-                <a:extLst>
-                  <a:ext uri="{0D108BD9-81ED-4DB2-BD59-A6C34878D82A}">
-                    <a16:rowId xmlns="" xmlns:a16="http://schemas.microsoft.com/office/drawing/2014/main" val="10010"/>
-                  </a:ext>
-                </a:extLst>
-              </a:tr>
-              <a:tr h="321517">
-                <a:tc>
-                  <a:txBody>
-                    <a:bodyPr/>
-                    <a:lstStyle/>
-                    <a:p>
-                      <a:pPr algn="just">
-                        <a:spcAft>
-                          <a:spcPts val="0"/>
-                        </a:spcAft>
-                      </a:pPr>
-                      <a:r>
-                        <a:rPr lang="en-US" sz="1000" kern="100" dirty="0" smtClean="0">
-                          <a:solidFill>
-                            <a:schemeClr val="bg1"/>
-                          </a:solidFill>
-                          <a:effectLst/>
-                        </a:rPr>
-                        <a:t>dynamic_address_min</a:t>
-                      </a:r>
-                      <a:endParaRPr lang="ja-JP" sz="1000" kern="100" dirty="0">
-                        <a:solidFill>
-                          <a:schemeClr val="bg1"/>
-                        </a:solidFill>
-                        <a:effectLst/>
-                      </a:endParaRPr>
-                    </a:p>
-                  </a:txBody>
-                  <a:tcPr marL="55979" marR="55979" marT="0" marB="0" anchor="ctr">
-                    <a:solidFill>
-                      <a:srgbClr val="002B62"/>
-                    </a:solidFill>
-                  </a:tcPr>
-                </a:tc>
-                <a:tc>
-                  <a:txBody>
-                    <a:bodyPr/>
-                    <a:lstStyle/>
-                    <a:p>
-                      <a:pPr algn="l">
-                        <a:spcAft>
-                          <a:spcPts val="0"/>
-                        </a:spcAft>
-                      </a:pPr>
-                      <a:r>
-                        <a:rPr lang="en-US" sz="900" kern="100" dirty="0">
-                          <a:effectLst/>
-                        </a:rPr>
-                        <a:t>cobbler</a:t>
-                      </a:r>
-                      <a:r>
-                        <a:rPr lang="ja-JP" sz="900" kern="100" dirty="0">
-                          <a:effectLst/>
-                        </a:rPr>
-                        <a:t>をインストールする場合必須</a:t>
-                      </a:r>
-                      <a:endParaRPr lang="ja-JP" sz="900" kern="100" dirty="0">
-                        <a:effectLst/>
-                        <a:latin typeface="Century" panose="02040604050505020304" pitchFamily="18" charset="0"/>
-                        <a:ea typeface="ＭＳ 明朝" panose="02020609040205080304" pitchFamily="17" charset="-128"/>
-                        <a:cs typeface="Times New Roman" panose="02020603050405020304" pitchFamily="18" charset="0"/>
-                      </a:endParaRPr>
-                    </a:p>
-                  </a:txBody>
-                  <a:tcPr marL="55979" marR="55979" marT="0" marB="0" anchor="ctr">
-                    <a:solidFill>
-                      <a:srgbClr val="CBCDD3"/>
-                    </a:solidFill>
-                  </a:tcPr>
-                </a:tc>
-                <a:tc>
-                  <a:txBody>
-                    <a:bodyPr/>
-                    <a:lstStyle/>
-                    <a:p>
-                      <a:pPr algn="just">
-                        <a:spcAft>
-                          <a:spcPts val="0"/>
-                        </a:spcAft>
-                      </a:pPr>
-                      <a:r>
-                        <a:rPr lang="en-US" sz="900" kern="100" dirty="0">
-                          <a:effectLst/>
-                        </a:rPr>
-                        <a:t>-</a:t>
-                      </a:r>
-                      <a:endParaRPr lang="ja-JP" sz="900" kern="100" dirty="0">
-                        <a:effectLst/>
-                        <a:latin typeface="Century" panose="02040604050505020304" pitchFamily="18" charset="0"/>
-                        <a:ea typeface="ＭＳ 明朝" panose="02020609040205080304" pitchFamily="17" charset="-128"/>
-                        <a:cs typeface="Times New Roman" panose="02020603050405020304" pitchFamily="18" charset="0"/>
-                      </a:endParaRPr>
-                    </a:p>
-                  </a:txBody>
-                  <a:tcPr marL="55979" marR="55979" marT="0" marB="0" anchor="ctr">
-                    <a:solidFill>
-                      <a:srgbClr val="CBCDD3"/>
-                    </a:solidFill>
-                  </a:tcPr>
-                </a:tc>
-                <a:tc>
-                  <a:txBody>
-                    <a:bodyPr/>
-                    <a:lstStyle/>
-                    <a:p>
-                      <a:pPr algn="just">
-                        <a:spcAft>
-                          <a:spcPts val="0"/>
-                        </a:spcAft>
-                      </a:pPr>
-                      <a:r>
-                        <a:rPr lang="en-US" sz="900" kern="100" dirty="0" err="1">
-                          <a:effectLst/>
-                        </a:rPr>
-                        <a:t>dhcp.template</a:t>
-                      </a:r>
-                      <a:r>
-                        <a:rPr lang="ja-JP" sz="900" kern="100" dirty="0">
-                          <a:effectLst/>
-                        </a:rPr>
-                        <a:t>の</a:t>
-                      </a:r>
-                      <a:r>
-                        <a:rPr lang="en-US" sz="900" kern="100" dirty="0">
-                          <a:effectLst/>
-                        </a:rPr>
-                        <a:t>range dynamic-bootp</a:t>
-                      </a:r>
-                      <a:r>
-                        <a:rPr lang="ja-JP" sz="900" kern="100" dirty="0">
-                          <a:effectLst/>
-                        </a:rPr>
-                        <a:t>に設定する</a:t>
-                      </a:r>
-                      <a:r>
-                        <a:rPr lang="en-US" sz="900" kern="100" dirty="0">
-                          <a:effectLst/>
-                        </a:rPr>
-                        <a:t>IP</a:t>
-                      </a:r>
-                      <a:r>
-                        <a:rPr lang="ja-JP" sz="900" kern="100" dirty="0">
-                          <a:effectLst/>
-                        </a:rPr>
-                        <a:t>アドレス</a:t>
-                      </a:r>
-                      <a:r>
-                        <a:rPr lang="en-US" sz="900" kern="100" dirty="0">
-                          <a:effectLst/>
-                        </a:rPr>
-                        <a:t>(</a:t>
-                      </a:r>
-                      <a:r>
-                        <a:rPr lang="ja-JP" sz="900" kern="100" dirty="0">
-                          <a:effectLst/>
-                        </a:rPr>
-                        <a:t>最小値</a:t>
-                      </a:r>
-                      <a:r>
-                        <a:rPr lang="en-US" sz="900" kern="100" dirty="0">
-                          <a:effectLst/>
-                        </a:rPr>
-                        <a:t>)</a:t>
-                      </a:r>
-                      <a:endParaRPr lang="ja-JP" sz="900" kern="100" dirty="0">
-                        <a:effectLst/>
-                        <a:latin typeface="Century" panose="02040604050505020304" pitchFamily="18" charset="0"/>
-                        <a:ea typeface="ＭＳ 明朝" panose="02020609040205080304" pitchFamily="17" charset="-128"/>
-                        <a:cs typeface="Times New Roman" panose="02020603050405020304" pitchFamily="18" charset="0"/>
-                      </a:endParaRPr>
-                    </a:p>
-                  </a:txBody>
-                  <a:tcPr marL="55979" marR="55979" marT="0" marB="0" anchor="ctr">
-                    <a:solidFill>
-                      <a:srgbClr val="CBCDD3"/>
-                    </a:solidFill>
-                  </a:tcPr>
-                </a:tc>
-                <a:extLst>
-                  <a:ext uri="{0D108BD9-81ED-4DB2-BD59-A6C34878D82A}">
-                    <a16:rowId xmlns="" xmlns:a16="http://schemas.microsoft.com/office/drawing/2014/main" val="10011"/>
-                  </a:ext>
-                </a:extLst>
-              </a:tr>
-              <a:tr h="321517">
-                <a:tc>
-                  <a:txBody>
-                    <a:bodyPr/>
-                    <a:lstStyle/>
-                    <a:p>
-                      <a:pPr algn="just">
-                        <a:spcAft>
-                          <a:spcPts val="0"/>
-                        </a:spcAft>
-                      </a:pPr>
-                      <a:r>
-                        <a:rPr lang="en-US" sz="1000" kern="100" dirty="0" smtClean="0">
-                          <a:solidFill>
-                            <a:schemeClr val="bg1"/>
-                          </a:solidFill>
-                          <a:effectLst/>
-                        </a:rPr>
-                        <a:t>dynamic_address_max</a:t>
-                      </a:r>
-                      <a:endParaRPr lang="ja-JP" sz="1000" kern="100" dirty="0">
-                        <a:solidFill>
-                          <a:schemeClr val="bg1"/>
-                        </a:solidFill>
-                        <a:effectLst/>
-                      </a:endParaRPr>
-                    </a:p>
-                  </a:txBody>
-                  <a:tcPr marL="55979" marR="55979" marT="0" marB="0" anchor="ctr">
-                    <a:solidFill>
-                      <a:srgbClr val="002B62"/>
-                    </a:solidFill>
-                  </a:tcPr>
-                </a:tc>
-                <a:tc>
-                  <a:txBody>
-                    <a:bodyPr/>
-                    <a:lstStyle/>
-                    <a:p>
-                      <a:pPr algn="l">
-                        <a:spcAft>
-                          <a:spcPts val="0"/>
-                        </a:spcAft>
-                      </a:pPr>
-                      <a:r>
-                        <a:rPr lang="en-US" sz="900" kern="100" dirty="0">
-                          <a:effectLst/>
-                        </a:rPr>
-                        <a:t>cobbler</a:t>
-                      </a:r>
-                      <a:r>
-                        <a:rPr lang="ja-JP" sz="900" kern="100" dirty="0">
-                          <a:effectLst/>
-                        </a:rPr>
-                        <a:t>をインストールする場合必須</a:t>
-                      </a:r>
-                      <a:endParaRPr lang="ja-JP" sz="900" kern="100" dirty="0">
-                        <a:effectLst/>
-                        <a:latin typeface="Century" panose="02040604050505020304" pitchFamily="18" charset="0"/>
-                        <a:ea typeface="ＭＳ 明朝" panose="02020609040205080304" pitchFamily="17" charset="-128"/>
-                        <a:cs typeface="Times New Roman" panose="02020603050405020304" pitchFamily="18" charset="0"/>
-                      </a:endParaRPr>
-                    </a:p>
-                  </a:txBody>
-                  <a:tcPr marL="55979" marR="55979" marT="0" marB="0" anchor="ctr">
-                    <a:solidFill>
-                      <a:srgbClr val="E7E8EA"/>
-                    </a:solidFill>
-                  </a:tcPr>
-                </a:tc>
-                <a:tc>
-                  <a:txBody>
-                    <a:bodyPr/>
-                    <a:lstStyle/>
-                    <a:p>
-                      <a:pPr algn="just">
-                        <a:spcAft>
-                          <a:spcPts val="0"/>
-                        </a:spcAft>
-                      </a:pPr>
-                      <a:r>
-                        <a:rPr lang="en-US" sz="900" kern="100" dirty="0">
-                          <a:effectLst/>
-                        </a:rPr>
-                        <a:t>-</a:t>
-                      </a:r>
-                      <a:endParaRPr lang="ja-JP" sz="900" kern="100" dirty="0">
-                        <a:effectLst/>
-                        <a:latin typeface="Century" panose="02040604050505020304" pitchFamily="18" charset="0"/>
-                        <a:ea typeface="ＭＳ 明朝" panose="02020609040205080304" pitchFamily="17" charset="-128"/>
-                        <a:cs typeface="Times New Roman" panose="02020603050405020304" pitchFamily="18" charset="0"/>
-                      </a:endParaRPr>
-                    </a:p>
-                  </a:txBody>
-                  <a:tcPr marL="55979" marR="55979" marT="0" marB="0" anchor="ctr">
-                    <a:solidFill>
-                      <a:srgbClr val="E7E8EA"/>
-                    </a:solidFill>
-                  </a:tcPr>
-                </a:tc>
-                <a:tc>
-                  <a:txBody>
-                    <a:bodyPr/>
-                    <a:lstStyle/>
-                    <a:p>
-                      <a:pPr algn="just">
-                        <a:spcAft>
-                          <a:spcPts val="0"/>
-                        </a:spcAft>
-                      </a:pPr>
-                      <a:r>
-                        <a:rPr lang="en-US" sz="900" kern="100" dirty="0" err="1">
-                          <a:effectLst/>
-                        </a:rPr>
-                        <a:t>dhcp.template</a:t>
-                      </a:r>
-                      <a:r>
-                        <a:rPr lang="ja-JP" sz="900" kern="100" dirty="0">
-                          <a:effectLst/>
-                        </a:rPr>
-                        <a:t>の</a:t>
-                      </a:r>
-                      <a:r>
-                        <a:rPr lang="en-US" sz="900" kern="100" dirty="0">
-                          <a:effectLst/>
-                        </a:rPr>
-                        <a:t>range dynamic-bootp</a:t>
-                      </a:r>
-                      <a:r>
-                        <a:rPr lang="ja-JP" sz="900" kern="100" dirty="0">
-                          <a:effectLst/>
-                        </a:rPr>
-                        <a:t>に設定する</a:t>
-                      </a:r>
-                      <a:r>
-                        <a:rPr lang="en-US" sz="900" kern="100" dirty="0">
-                          <a:effectLst/>
-                        </a:rPr>
-                        <a:t>IP</a:t>
-                      </a:r>
-                      <a:r>
-                        <a:rPr lang="ja-JP" sz="900" kern="100" dirty="0">
-                          <a:effectLst/>
-                        </a:rPr>
-                        <a:t>アドレス</a:t>
-                      </a:r>
-                      <a:r>
-                        <a:rPr lang="en-US" sz="900" kern="100" dirty="0">
-                          <a:effectLst/>
-                        </a:rPr>
-                        <a:t>(</a:t>
-                      </a:r>
-                      <a:r>
-                        <a:rPr lang="ja-JP" sz="900" kern="100" dirty="0">
-                          <a:effectLst/>
-                        </a:rPr>
-                        <a:t>最大値</a:t>
-                      </a:r>
-                      <a:r>
-                        <a:rPr lang="en-US" sz="900" kern="100" dirty="0">
-                          <a:effectLst/>
-                        </a:rPr>
-                        <a:t>)</a:t>
-                      </a:r>
-                      <a:endParaRPr lang="ja-JP" sz="900" kern="100" dirty="0">
-                        <a:effectLst/>
-                        <a:latin typeface="Century" panose="02040604050505020304" pitchFamily="18" charset="0"/>
-                        <a:ea typeface="ＭＳ 明朝" panose="02020609040205080304" pitchFamily="17" charset="-128"/>
-                        <a:cs typeface="Times New Roman" panose="02020603050405020304" pitchFamily="18" charset="0"/>
-                      </a:endParaRPr>
-                    </a:p>
-                  </a:txBody>
-                  <a:tcPr marL="55979" marR="55979" marT="0" marB="0" anchor="ctr">
-                    <a:solidFill>
-                      <a:srgbClr val="E7E8EA"/>
-                    </a:solidFill>
-                  </a:tcPr>
-                </a:tc>
-                <a:extLst>
-                  <a:ext uri="{0D108BD9-81ED-4DB2-BD59-A6C34878D82A}">
-                    <a16:rowId xmlns="" xmlns:a16="http://schemas.microsoft.com/office/drawing/2014/main" val="10012"/>
+                    <a16:rowId xmlns:a16="http://schemas.microsoft.com/office/drawing/2014/main" val="10004"/>
                   </a:ext>
                 </a:extLst>
               </a:tr>
@@ -14141,8 +12551,8 @@
         </p:nvSpPr>
         <p:spPr>
           <a:xfrm>
-            <a:off x="2303685" y="1647202"/>
-            <a:ext cx="4536630" cy="4626628"/>
+            <a:off x="2292678" y="1628750"/>
+            <a:ext cx="4536630" cy="1944270"/>
           </a:xfrm>
           <a:prstGeom prst="rect">
             <a:avLst/>
@@ -14201,7 +12611,24 @@
                 <a:ea typeface="ＭＳ 明朝" panose="02020609040205080304" pitchFamily="17" charset="-128"/>
                 <a:cs typeface="Times New Roman" panose="02020603050405020304" pitchFamily="18" charset="0"/>
               </a:rPr>
-              <a:t># Select Operation System. ("CentOS6","CentOS7","RHEL6","RHEL7")</a:t>
+              <a:t># Select Operation System. ("</a:t>
+            </a:r>
+            <a:r>
+              <a:rPr kumimoji="0" lang="en-US" sz="900" b="0" i="0" u="none" strike="noStrike" kern="100" cap="none" spc="0" normalizeH="0" baseline="0" noProof="0" dirty="0" smtClean="0">
+                <a:ln>
+                  <a:noFill/>
+                </a:ln>
+                <a:solidFill>
+                  <a:sysClr val="window" lastClr="FFFFFF"/>
+                </a:solidFill>
+                <a:effectLst/>
+                <a:uLnTx/>
+                <a:uFillTx/>
+                <a:latin typeface="Arial" panose="020B0604020202020204" pitchFamily="34" charset="0"/>
+                <a:ea typeface="ＭＳ 明朝" panose="02020609040205080304" pitchFamily="17" charset="-128"/>
+                <a:cs typeface="Times New Roman" panose="02020603050405020304" pitchFamily="18" charset="0"/>
+              </a:rPr>
+              <a:t>CentOS7,"CentOS8","RHEL7","RHEL8")</a:t>
             </a:r>
             <a:endParaRPr kumimoji="0" lang="ja-JP" altLang="en-US" sz="1050" b="0" i="0" u="none" strike="noStrike" kern="100" cap="none" spc="0" normalizeH="0" baseline="0" noProof="0" dirty="0">
               <a:ln>
@@ -14251,7 +12678,24 @@
                 <a:ea typeface="ＭＳ 明朝" panose="02020609040205080304" pitchFamily="17" charset="-128"/>
                 <a:cs typeface="Times New Roman" panose="02020603050405020304" pitchFamily="18" charset="0"/>
               </a:rPr>
-              <a:t># e.g) linux_os:RHEL7</a:t>
+              <a:t># e.g) </a:t>
+            </a:r>
+            <a:r>
+              <a:rPr kumimoji="0" lang="en-US" sz="900" b="0" i="0" u="none" strike="noStrike" kern="100" cap="none" spc="0" normalizeH="0" baseline="0" noProof="0" dirty="0" smtClean="0">
+                <a:ln>
+                  <a:noFill/>
+                </a:ln>
+                <a:solidFill>
+                  <a:sysClr val="window" lastClr="FFFFFF"/>
+                </a:solidFill>
+                <a:effectLst/>
+                <a:uLnTx/>
+                <a:uFillTx/>
+                <a:latin typeface="Arial" panose="020B0604020202020204" pitchFamily="34" charset="0"/>
+                <a:ea typeface="ＭＳ 明朝" panose="02020609040205080304" pitchFamily="17" charset="-128"/>
+                <a:cs typeface="Times New Roman" panose="02020603050405020304" pitchFamily="18" charset="0"/>
+              </a:rPr>
+              <a:t>linux_os:RHEL8</a:t>
             </a:r>
             <a:endParaRPr kumimoji="0" lang="ja-JP" altLang="en-US" sz="1050" b="0" i="0" u="none" strike="noStrike" kern="100" cap="none" spc="0" normalizeH="0" baseline="0" noProof="0" dirty="0">
               <a:ln>
@@ -14301,7 +12745,24 @@
                 <a:ea typeface="ＭＳ 明朝" panose="02020609040205080304" pitchFamily="17" charset="-128"/>
                 <a:cs typeface="Times New Roman" panose="02020603050405020304" pitchFamily="18" charset="0"/>
               </a:rPr>
-              <a:t>linux_os: RHEL7</a:t>
+              <a:t>linux_os: </a:t>
+            </a:r>
+            <a:r>
+              <a:rPr kumimoji="0" lang="en-US" sz="900" b="0" i="0" u="none" strike="noStrike" kern="100" cap="none" spc="0" normalizeH="0" baseline="0" noProof="0" dirty="0" smtClean="0">
+                <a:ln>
+                  <a:noFill/>
+                </a:ln>
+                <a:solidFill>
+                  <a:sysClr val="window" lastClr="FFFFFF"/>
+                </a:solidFill>
+                <a:effectLst/>
+                <a:uLnTx/>
+                <a:uFillTx/>
+                <a:latin typeface="Arial" panose="020B0604020202020204" pitchFamily="34" charset="0"/>
+                <a:ea typeface="ＭＳ 明朝" panose="02020609040205080304" pitchFamily="17" charset="-128"/>
+                <a:cs typeface="Times New Roman" panose="02020603050405020304" pitchFamily="18" charset="0"/>
+              </a:rPr>
+              <a:t>RHEL7</a:t>
             </a:r>
             <a:endParaRPr kumimoji="0" lang="ja-JP" altLang="en-US" sz="1050" b="0" i="0" u="none" strike="noStrike" kern="100" cap="none" spc="0" normalizeH="0" baseline="0" noProof="0" dirty="0">
               <a:ln>
@@ -14451,7 +12912,58 @@
                 <a:ea typeface="ＭＳ 明朝" panose="02020609040205080304" pitchFamily="17" charset="-128"/>
                 <a:cs typeface="Times New Roman" panose="02020603050405020304" pitchFamily="18" charset="0"/>
               </a:rPr>
-              <a:t>#Only when you select linux_os with RHEL6 or RHEL7</a:t>
+              <a:t>#Only when you select linux_os with </a:t>
+            </a:r>
+            <a:r>
+              <a:rPr kumimoji="0" lang="en-US" sz="900" b="0" i="0" u="none" strike="noStrike" kern="100" cap="none" spc="0" normalizeH="0" baseline="0" noProof="0" dirty="0" smtClean="0">
+                <a:ln>
+                  <a:noFill/>
+                </a:ln>
+                <a:solidFill>
+                  <a:sysClr val="window" lastClr="FFFFFF"/>
+                </a:solidFill>
+                <a:effectLst/>
+                <a:uLnTx/>
+                <a:uFillTx/>
+                <a:latin typeface="Arial" panose="020B0604020202020204" pitchFamily="34" charset="0"/>
+                <a:ea typeface="ＭＳ 明朝" panose="02020609040205080304" pitchFamily="17" charset="-128"/>
+                <a:cs typeface="Times New Roman" panose="02020603050405020304" pitchFamily="18" charset="0"/>
+              </a:rPr>
+              <a:t>RHEL7 </a:t>
+            </a:r>
+            <a:r>
+              <a:rPr kumimoji="0" lang="en-US" sz="900" b="0" i="0" u="none" strike="noStrike" kern="100" cap="none" spc="0" normalizeH="0" baseline="0" noProof="0" dirty="0">
+                <a:ln>
+                  <a:noFill/>
+                </a:ln>
+                <a:solidFill>
+                  <a:sysClr val="window" lastClr="FFFFFF"/>
+                </a:solidFill>
+                <a:effectLst/>
+                <a:uLnTx/>
+                <a:uFillTx/>
+                <a:latin typeface="Arial" panose="020B0604020202020204" pitchFamily="34" charset="0"/>
+                <a:ea typeface="ＭＳ 明朝" panose="02020609040205080304" pitchFamily="17" charset="-128"/>
+                <a:cs typeface="Times New Roman" panose="02020603050405020304" pitchFamily="18" charset="0"/>
+              </a:rPr>
+              <a:t>or </a:t>
+            </a:r>
+            <a:r>
+              <a:rPr kumimoji="0" lang="en-US" sz="900" b="0" i="0" u="none" strike="noStrike" kern="100" cap="none" spc="0" normalizeH="0" baseline="0" noProof="0" dirty="0" smtClean="0">
+                <a:ln>
+                  <a:noFill/>
+                </a:ln>
+                <a:solidFill>
+                  <a:sysClr val="window" lastClr="FFFFFF"/>
+                </a:solidFill>
+                <a:effectLst/>
+                <a:uLnTx/>
+                <a:uFillTx/>
+                <a:latin typeface="Arial" panose="020B0604020202020204" pitchFamily="34" charset="0"/>
+                <a:ea typeface="ＭＳ 明朝" panose="02020609040205080304" pitchFamily="17" charset="-128"/>
+                <a:cs typeface="Times New Roman" panose="02020603050405020304" pitchFamily="18" charset="0"/>
+              </a:rPr>
+              <a:t>RHEL8</a:t>
             </a:r>
             <a:endParaRPr kumimoji="0" lang="ja-JP" altLang="en-US" sz="1050" b="0" i="0" u="none" strike="noStrike" kern="100" cap="none" spc="0" normalizeH="0" baseline="0" noProof="0" dirty="0">
               <a:ln>
@@ -15054,7 +13566,7 @@
               <a:defRPr/>
             </a:pPr>
             <a:r>
-              <a:rPr kumimoji="0" lang="en-US" sz="900" b="0" i="0" u="none" strike="noStrike" kern="100" cap="none" spc="0" normalizeH="0" baseline="0" noProof="0" dirty="0">
+              <a:rPr kumimoji="0" lang="en-US" sz="900" b="0" i="0" u="none" strike="noStrike" kern="100" cap="none" spc="0" normalizeH="0" baseline="0" noProof="0" dirty="0" smtClean="0">
                 <a:ln>
                   <a:noFill/>
                 </a:ln>
@@ -15069,1306 +13581,6 @@
                 <a:cs typeface="Times New Roman" panose="02020603050405020304" pitchFamily="18" charset="0"/>
               </a:rPr>
               <a:t>#####################################################</a:t>
-            </a:r>
-            <a:endParaRPr kumimoji="0" lang="ja-JP" altLang="en-US" sz="1050" b="0" i="0" u="none" strike="noStrike" kern="100" cap="none" spc="0" normalizeH="0" baseline="0" noProof="0" dirty="0">
-              <a:ln>
-                <a:noFill/>
-              </a:ln>
-              <a:solidFill>
-                <a:sysClr val="window" lastClr="FFFFFF"/>
-              </a:solidFill>
-              <a:effectLst/>
-              <a:uLnTx/>
-              <a:uFillTx/>
-              <a:latin typeface="Century"/>
-              <a:ea typeface="ＭＳ 明朝" panose="02020609040205080304" pitchFamily="17" charset="-128"/>
-              <a:cs typeface="Times New Roman" panose="02020603050405020304" pitchFamily="18" charset="0"/>
-            </a:endParaRPr>
-          </a:p>
-          <a:p>
-            <a:pPr marL="0" marR="0" lvl="0" indent="0" algn="l" defTabSz="914400" eaLnBrk="1" fontAlgn="auto" latinLnBrk="0" hangingPunct="1">
-              <a:lnSpc>
-                <a:spcPts val="800"/>
-              </a:lnSpc>
-              <a:spcBef>
-                <a:spcPts val="0"/>
-              </a:spcBef>
-              <a:spcAft>
-                <a:spcPts val="0"/>
-              </a:spcAft>
-              <a:buClrTx/>
-              <a:buSzTx/>
-              <a:buFontTx/>
-              <a:buNone/>
-              <a:tabLst/>
-              <a:defRPr/>
-            </a:pPr>
-            <a:r>
-              <a:rPr kumimoji="0" lang="en-US" sz="900" b="0" i="0" u="none" strike="noStrike" kern="100" cap="none" spc="0" normalizeH="0" baseline="0" noProof="0" dirty="0">
-                <a:ln>
-                  <a:noFill/>
-                </a:ln>
-                <a:solidFill>
-                  <a:sysClr val="window" lastClr="FFFFFF"/>
-                </a:solidFill>
-                <a:effectLst/>
-                <a:uLnTx/>
-                <a:uFillTx/>
-                <a:latin typeface="Arial" panose="020B0604020202020204" pitchFamily="34" charset="0"/>
-                <a:ea typeface="ＭＳ 明朝" panose="02020609040205080304" pitchFamily="17" charset="-128"/>
-                <a:cs typeface="Times New Roman" panose="02020603050405020304" pitchFamily="18" charset="0"/>
-              </a:rPr>
-              <a:t>#Only when you install cobbler drriver</a:t>
-            </a:r>
-            <a:endParaRPr kumimoji="0" lang="ja-JP" altLang="en-US" sz="1050" b="0" i="0" u="none" strike="noStrike" kern="100" cap="none" spc="0" normalizeH="0" baseline="0" noProof="0" dirty="0">
-              <a:ln>
-                <a:noFill/>
-              </a:ln>
-              <a:solidFill>
-                <a:sysClr val="window" lastClr="FFFFFF"/>
-              </a:solidFill>
-              <a:effectLst/>
-              <a:uLnTx/>
-              <a:uFillTx/>
-              <a:latin typeface="Century"/>
-              <a:ea typeface="ＭＳ 明朝" panose="02020609040205080304" pitchFamily="17" charset="-128"/>
-              <a:cs typeface="Times New Roman" panose="02020603050405020304" pitchFamily="18" charset="0"/>
-            </a:endParaRPr>
-          </a:p>
-          <a:p>
-            <a:pPr marL="0" marR="0" lvl="0" indent="0" algn="l" defTabSz="914400" eaLnBrk="1" fontAlgn="auto" latinLnBrk="0" hangingPunct="1">
-              <a:lnSpc>
-                <a:spcPts val="800"/>
-              </a:lnSpc>
-              <a:spcBef>
-                <a:spcPts val="0"/>
-              </a:spcBef>
-              <a:spcAft>
-                <a:spcPts val="0"/>
-              </a:spcAft>
-              <a:buClrTx/>
-              <a:buSzTx/>
-              <a:buFontTx/>
-              <a:buNone/>
-              <a:tabLst/>
-              <a:defRPr/>
-            </a:pPr>
-            <a:r>
-              <a:rPr kumimoji="0" lang="en-US" sz="900" b="0" i="0" u="none" strike="noStrike" kern="100" cap="none" spc="0" normalizeH="0" baseline="0" noProof="0" dirty="0">
-                <a:ln>
-                  <a:noFill/>
-                </a:ln>
-                <a:solidFill>
-                  <a:sysClr val="window" lastClr="FFFFFF"/>
-                </a:solidFill>
-                <a:effectLst/>
-                <a:uLnTx/>
-                <a:uFillTx/>
-                <a:latin typeface="Arial" panose="020B0604020202020204" pitchFamily="34" charset="0"/>
-                <a:ea typeface="ＭＳ 明朝" panose="02020609040205080304" pitchFamily="17" charset="-128"/>
-                <a:cs typeface="Times New Roman" panose="02020603050405020304" pitchFamily="18" charset="0"/>
-              </a:rPr>
-              <a:t> </a:t>
-            </a:r>
-            <a:endParaRPr kumimoji="0" lang="ja-JP" altLang="en-US" sz="1050" b="0" i="0" u="none" strike="noStrike" kern="100" cap="none" spc="0" normalizeH="0" baseline="0" noProof="0" dirty="0">
-              <a:ln>
-                <a:noFill/>
-              </a:ln>
-              <a:solidFill>
-                <a:sysClr val="window" lastClr="FFFFFF"/>
-              </a:solidFill>
-              <a:effectLst/>
-              <a:uLnTx/>
-              <a:uFillTx/>
-              <a:latin typeface="Century"/>
-              <a:ea typeface="ＭＳ 明朝" panose="02020609040205080304" pitchFamily="17" charset="-128"/>
-              <a:cs typeface="Times New Roman" panose="02020603050405020304" pitchFamily="18" charset="0"/>
-            </a:endParaRPr>
-          </a:p>
-          <a:p>
-            <a:pPr marL="0" marR="0" lvl="0" indent="0" algn="l" defTabSz="914400" eaLnBrk="1" fontAlgn="auto" latinLnBrk="0" hangingPunct="1">
-              <a:lnSpc>
-                <a:spcPts val="800"/>
-              </a:lnSpc>
-              <a:spcBef>
-                <a:spcPts val="0"/>
-              </a:spcBef>
-              <a:spcAft>
-                <a:spcPts val="0"/>
-              </a:spcAft>
-              <a:buClrTx/>
-              <a:buSzTx/>
-              <a:buFontTx/>
-              <a:buNone/>
-              <a:tabLst/>
-              <a:defRPr/>
-            </a:pPr>
-            <a:r>
-              <a:rPr kumimoji="0" lang="en-US" sz="900" b="0" i="0" u="none" strike="noStrike" kern="100" cap="none" spc="0" normalizeH="0" baseline="0" noProof="0" dirty="0">
-                <a:ln>
-                  <a:noFill/>
-                </a:ln>
-                <a:solidFill>
-                  <a:sysClr val="window" lastClr="FFFFFF"/>
-                </a:solidFill>
-                <a:effectLst/>
-                <a:uLnTx/>
-                <a:uFillTx/>
-                <a:latin typeface="Arial" panose="020B0604020202020204" pitchFamily="34" charset="0"/>
-                <a:ea typeface="ＭＳ 明朝" panose="02020609040205080304" pitchFamily="17" charset="-128"/>
-                <a:cs typeface="Times New Roman" panose="02020603050405020304" pitchFamily="18" charset="0"/>
-              </a:rPr>
-              <a:t>#Cobra server IP address</a:t>
-            </a:r>
-            <a:endParaRPr kumimoji="0" lang="ja-JP" altLang="en-US" sz="1050" b="0" i="0" u="none" strike="noStrike" kern="100" cap="none" spc="0" normalizeH="0" baseline="0" noProof="0" dirty="0">
-              <a:ln>
-                <a:noFill/>
-              </a:ln>
-              <a:solidFill>
-                <a:sysClr val="window" lastClr="FFFFFF"/>
-              </a:solidFill>
-              <a:effectLst/>
-              <a:uLnTx/>
-              <a:uFillTx/>
-              <a:latin typeface="Century"/>
-              <a:ea typeface="ＭＳ 明朝" panose="02020609040205080304" pitchFamily="17" charset="-128"/>
-              <a:cs typeface="Times New Roman" panose="02020603050405020304" pitchFamily="18" charset="0"/>
-            </a:endParaRPr>
-          </a:p>
-          <a:p>
-            <a:pPr marL="0" marR="0" lvl="0" indent="0" algn="l" defTabSz="914400" eaLnBrk="1" fontAlgn="auto" latinLnBrk="0" hangingPunct="1">
-              <a:lnSpc>
-                <a:spcPts val="800"/>
-              </a:lnSpc>
-              <a:spcBef>
-                <a:spcPts val="0"/>
-              </a:spcBef>
-              <a:spcAft>
-                <a:spcPts val="0"/>
-              </a:spcAft>
-              <a:buClrTx/>
-              <a:buSzTx/>
-              <a:buFontTx/>
-              <a:buNone/>
-              <a:tabLst/>
-              <a:defRPr/>
-            </a:pPr>
-            <a:r>
-              <a:rPr kumimoji="0" lang="en-US" sz="900" b="0" i="0" u="none" strike="noStrike" kern="100" cap="none" spc="0" normalizeH="0" baseline="0" noProof="0" dirty="0">
-                <a:ln>
-                  <a:noFill/>
-                </a:ln>
-                <a:solidFill>
-                  <a:sysClr val="window" lastClr="FFFFFF"/>
-                </a:solidFill>
-                <a:effectLst/>
-                <a:uLnTx/>
-                <a:uFillTx/>
-                <a:latin typeface="Arial" panose="020B0604020202020204" pitchFamily="34" charset="0"/>
-                <a:ea typeface="ＭＳ 明朝" panose="02020609040205080304" pitchFamily="17" charset="-128"/>
-                <a:cs typeface="Times New Roman" panose="02020603050405020304" pitchFamily="18" charset="0"/>
-              </a:rPr>
-              <a:t>server_address:10.10.10.10</a:t>
-            </a:r>
-            <a:endParaRPr kumimoji="0" lang="ja-JP" altLang="en-US" sz="1050" b="0" i="0" u="none" strike="noStrike" kern="100" cap="none" spc="0" normalizeH="0" baseline="0" noProof="0" dirty="0">
-              <a:ln>
-                <a:noFill/>
-              </a:ln>
-              <a:solidFill>
-                <a:sysClr val="window" lastClr="FFFFFF"/>
-              </a:solidFill>
-              <a:effectLst/>
-              <a:uLnTx/>
-              <a:uFillTx/>
-              <a:latin typeface="Century"/>
-              <a:ea typeface="ＭＳ 明朝" panose="02020609040205080304" pitchFamily="17" charset="-128"/>
-              <a:cs typeface="Times New Roman" panose="02020603050405020304" pitchFamily="18" charset="0"/>
-            </a:endParaRPr>
-          </a:p>
-          <a:p>
-            <a:pPr marL="0" marR="0" lvl="0" indent="0" algn="l" defTabSz="914400" eaLnBrk="1" fontAlgn="auto" latinLnBrk="0" hangingPunct="1">
-              <a:lnSpc>
-                <a:spcPts val="800"/>
-              </a:lnSpc>
-              <a:spcBef>
-                <a:spcPts val="0"/>
-              </a:spcBef>
-              <a:spcAft>
-                <a:spcPts val="0"/>
-              </a:spcAft>
-              <a:buClrTx/>
-              <a:buSzTx/>
-              <a:buFontTx/>
-              <a:buNone/>
-              <a:tabLst/>
-              <a:defRPr/>
-            </a:pPr>
-            <a:r>
-              <a:rPr kumimoji="0" lang="en-US" sz="900" b="0" i="0" u="none" strike="noStrike" kern="100" cap="none" spc="0" normalizeH="0" baseline="0" noProof="0" dirty="0">
-                <a:ln>
-                  <a:noFill/>
-                </a:ln>
-                <a:solidFill>
-                  <a:sysClr val="window" lastClr="FFFFFF"/>
-                </a:solidFill>
-                <a:effectLst/>
-                <a:uLnTx/>
-                <a:uFillTx/>
-                <a:latin typeface="Arial" panose="020B0604020202020204" pitchFamily="34" charset="0"/>
-                <a:ea typeface="ＭＳ 明朝" panose="02020609040205080304" pitchFamily="17" charset="-128"/>
-                <a:cs typeface="Times New Roman" panose="02020603050405020304" pitchFamily="18" charset="0"/>
-              </a:rPr>
-              <a:t> </a:t>
-            </a:r>
-            <a:endParaRPr kumimoji="0" lang="ja-JP" altLang="en-US" sz="1050" b="0" i="0" u="none" strike="noStrike" kern="100" cap="none" spc="0" normalizeH="0" baseline="0" noProof="0" dirty="0">
-              <a:ln>
-                <a:noFill/>
-              </a:ln>
-              <a:solidFill>
-                <a:sysClr val="window" lastClr="FFFFFF"/>
-              </a:solidFill>
-              <a:effectLst/>
-              <a:uLnTx/>
-              <a:uFillTx/>
-              <a:latin typeface="Century"/>
-              <a:ea typeface="ＭＳ 明朝" panose="02020609040205080304" pitchFamily="17" charset="-128"/>
-              <a:cs typeface="Times New Roman" panose="02020603050405020304" pitchFamily="18" charset="0"/>
-            </a:endParaRPr>
-          </a:p>
-          <a:p>
-            <a:pPr marL="0" marR="0" lvl="0" indent="0" algn="l" defTabSz="914400" eaLnBrk="1" fontAlgn="auto" latinLnBrk="0" hangingPunct="1">
-              <a:lnSpc>
-                <a:spcPts val="800"/>
-              </a:lnSpc>
-              <a:spcBef>
-                <a:spcPts val="0"/>
-              </a:spcBef>
-              <a:spcAft>
-                <a:spcPts val="0"/>
-              </a:spcAft>
-              <a:buClrTx/>
-              <a:buSzTx/>
-              <a:buFontTx/>
-              <a:buNone/>
-              <a:tabLst/>
-              <a:defRPr/>
-            </a:pPr>
-            <a:r>
-              <a:rPr kumimoji="0" lang="en-US" sz="900" b="0" i="0" u="none" strike="noStrike" kern="100" cap="none" spc="0" normalizeH="0" baseline="0" noProof="0" dirty="0">
-                <a:ln>
-                  <a:noFill/>
-                </a:ln>
-                <a:solidFill>
-                  <a:sysClr val="window" lastClr="FFFFFF"/>
-                </a:solidFill>
-                <a:effectLst/>
-                <a:uLnTx/>
-                <a:uFillTx/>
-                <a:latin typeface="Arial" panose="020B0604020202020204" pitchFamily="34" charset="0"/>
-                <a:ea typeface="ＭＳ 明朝" panose="02020609040205080304" pitchFamily="17" charset="-128"/>
-                <a:cs typeface="Times New Roman" panose="02020603050405020304" pitchFamily="18" charset="0"/>
-              </a:rPr>
-              <a:t>#Password set for OS installation target server</a:t>
-            </a:r>
-            <a:endParaRPr kumimoji="0" lang="ja-JP" altLang="en-US" sz="1050" b="0" i="0" u="none" strike="noStrike" kern="100" cap="none" spc="0" normalizeH="0" baseline="0" noProof="0" dirty="0">
-              <a:ln>
-                <a:noFill/>
-              </a:ln>
-              <a:solidFill>
-                <a:sysClr val="window" lastClr="FFFFFF"/>
-              </a:solidFill>
-              <a:effectLst/>
-              <a:uLnTx/>
-              <a:uFillTx/>
-              <a:latin typeface="Century"/>
-              <a:ea typeface="ＭＳ 明朝" panose="02020609040205080304" pitchFamily="17" charset="-128"/>
-              <a:cs typeface="Times New Roman" panose="02020603050405020304" pitchFamily="18" charset="0"/>
-            </a:endParaRPr>
-          </a:p>
-          <a:p>
-            <a:pPr marL="0" marR="0" lvl="0" indent="0" algn="l" defTabSz="914400" eaLnBrk="1" fontAlgn="auto" latinLnBrk="0" hangingPunct="1">
-              <a:lnSpc>
-                <a:spcPts val="800"/>
-              </a:lnSpc>
-              <a:spcBef>
-                <a:spcPts val="0"/>
-              </a:spcBef>
-              <a:spcAft>
-                <a:spcPts val="0"/>
-              </a:spcAft>
-              <a:buClrTx/>
-              <a:buSzTx/>
-              <a:buFontTx/>
-              <a:buNone/>
-              <a:tabLst/>
-              <a:defRPr/>
-            </a:pPr>
-            <a:r>
-              <a:rPr kumimoji="0" lang="en-US" sz="900" b="0" i="0" u="none" strike="noStrike" kern="100" cap="none" spc="0" normalizeH="0" baseline="0" noProof="0" dirty="0" err="1">
-                <a:ln>
-                  <a:noFill/>
-                </a:ln>
-                <a:solidFill>
-                  <a:sysClr val="window" lastClr="FFFFFF"/>
-                </a:solidFill>
-                <a:effectLst/>
-                <a:uLnTx/>
-                <a:uFillTx/>
-                <a:latin typeface="Arial" panose="020B0604020202020204" pitchFamily="34" charset="0"/>
-                <a:ea typeface="ＭＳ 明朝" panose="02020609040205080304" pitchFamily="17" charset="-128"/>
-                <a:cs typeface="Times New Roman" panose="02020603050405020304" pitchFamily="18" charset="0"/>
-              </a:rPr>
-              <a:t>default_password:sample_password</a:t>
-            </a:r>
-            <a:endParaRPr kumimoji="0" lang="ja-JP" altLang="en-US" sz="1050" b="0" i="0" u="none" strike="noStrike" kern="100" cap="none" spc="0" normalizeH="0" baseline="0" noProof="0" dirty="0">
-              <a:ln>
-                <a:noFill/>
-              </a:ln>
-              <a:solidFill>
-                <a:sysClr val="window" lastClr="FFFFFF"/>
-              </a:solidFill>
-              <a:effectLst/>
-              <a:uLnTx/>
-              <a:uFillTx/>
-              <a:latin typeface="Century"/>
-              <a:ea typeface="ＭＳ 明朝" panose="02020609040205080304" pitchFamily="17" charset="-128"/>
-              <a:cs typeface="Times New Roman" panose="02020603050405020304" pitchFamily="18" charset="0"/>
-            </a:endParaRPr>
-          </a:p>
-          <a:p>
-            <a:pPr marL="0" marR="0" lvl="0" indent="0" algn="l" defTabSz="914400" eaLnBrk="1" fontAlgn="auto" latinLnBrk="0" hangingPunct="1">
-              <a:lnSpc>
-                <a:spcPts val="800"/>
-              </a:lnSpc>
-              <a:spcBef>
-                <a:spcPts val="0"/>
-              </a:spcBef>
-              <a:spcAft>
-                <a:spcPts val="0"/>
-              </a:spcAft>
-              <a:buClrTx/>
-              <a:buSzTx/>
-              <a:buFontTx/>
-              <a:buNone/>
-              <a:tabLst/>
-              <a:defRPr/>
-            </a:pPr>
-            <a:r>
-              <a:rPr kumimoji="0" lang="en-US" sz="900" b="0" i="0" u="none" strike="noStrike" kern="100" cap="none" spc="0" normalizeH="0" baseline="0" noProof="0" dirty="0">
-                <a:ln>
-                  <a:noFill/>
-                </a:ln>
-                <a:solidFill>
-                  <a:sysClr val="window" lastClr="FFFFFF"/>
-                </a:solidFill>
-                <a:effectLst/>
-                <a:uLnTx/>
-                <a:uFillTx/>
-                <a:latin typeface="Arial" panose="020B0604020202020204" pitchFamily="34" charset="0"/>
-                <a:ea typeface="ＭＳ 明朝" panose="02020609040205080304" pitchFamily="17" charset="-128"/>
-                <a:cs typeface="Times New Roman" panose="02020603050405020304" pitchFamily="18" charset="0"/>
-              </a:rPr>
-              <a:t> </a:t>
-            </a:r>
-            <a:endParaRPr kumimoji="0" lang="ja-JP" altLang="en-US" sz="1050" b="0" i="0" u="none" strike="noStrike" kern="100" cap="none" spc="0" normalizeH="0" baseline="0" noProof="0" dirty="0">
-              <a:ln>
-                <a:noFill/>
-              </a:ln>
-              <a:solidFill>
-                <a:sysClr val="window" lastClr="FFFFFF"/>
-              </a:solidFill>
-              <a:effectLst/>
-              <a:uLnTx/>
-              <a:uFillTx/>
-              <a:latin typeface="Century"/>
-              <a:ea typeface="ＭＳ 明朝" panose="02020609040205080304" pitchFamily="17" charset="-128"/>
-              <a:cs typeface="Times New Roman" panose="02020603050405020304" pitchFamily="18" charset="0"/>
-            </a:endParaRPr>
-          </a:p>
-          <a:p>
-            <a:pPr marL="0" marR="0" lvl="0" indent="0" algn="l" defTabSz="914400" eaLnBrk="1" fontAlgn="auto" latinLnBrk="0" hangingPunct="1">
-              <a:lnSpc>
-                <a:spcPts val="800"/>
-              </a:lnSpc>
-              <a:spcBef>
-                <a:spcPts val="0"/>
-              </a:spcBef>
-              <a:spcAft>
-                <a:spcPts val="0"/>
-              </a:spcAft>
-              <a:buClrTx/>
-              <a:buSzTx/>
-              <a:buFontTx/>
-              <a:buNone/>
-              <a:tabLst/>
-              <a:defRPr/>
-            </a:pPr>
-            <a:r>
-              <a:rPr kumimoji="0" lang="en-US" sz="900" b="0" i="0" u="none" strike="noStrike" kern="100" cap="none" spc="0" normalizeH="0" baseline="0" noProof="0" dirty="0">
-                <a:ln>
-                  <a:noFill/>
-                </a:ln>
-                <a:solidFill>
-                  <a:sysClr val="window" lastClr="FFFFFF"/>
-                </a:solidFill>
-                <a:effectLst/>
-                <a:uLnTx/>
-                <a:uFillTx/>
-                <a:latin typeface="Arial" panose="020B0604020202020204" pitchFamily="34" charset="0"/>
-                <a:ea typeface="ＭＳ 明朝" panose="02020609040205080304" pitchFamily="17" charset="-128"/>
-                <a:cs typeface="Times New Roman" panose="02020603050405020304" pitchFamily="18" charset="0"/>
-              </a:rPr>
-              <a:t>#DHCP setting</a:t>
-            </a:r>
-            <a:endParaRPr kumimoji="0" lang="ja-JP" altLang="en-US" sz="1050" b="0" i="0" u="none" strike="noStrike" kern="100" cap="none" spc="0" normalizeH="0" baseline="0" noProof="0" dirty="0">
-              <a:ln>
-                <a:noFill/>
-              </a:ln>
-              <a:solidFill>
-                <a:sysClr val="window" lastClr="FFFFFF"/>
-              </a:solidFill>
-              <a:effectLst/>
-              <a:uLnTx/>
-              <a:uFillTx/>
-              <a:latin typeface="Century"/>
-              <a:ea typeface="ＭＳ 明朝" panose="02020609040205080304" pitchFamily="17" charset="-128"/>
-              <a:cs typeface="Times New Roman" panose="02020603050405020304" pitchFamily="18" charset="0"/>
-            </a:endParaRPr>
-          </a:p>
-          <a:p>
-            <a:pPr marL="0" marR="0" lvl="0" indent="0" algn="l" defTabSz="914400" eaLnBrk="1" fontAlgn="auto" latinLnBrk="0" hangingPunct="1">
-              <a:lnSpc>
-                <a:spcPts val="800"/>
-              </a:lnSpc>
-              <a:spcBef>
-                <a:spcPts val="0"/>
-              </a:spcBef>
-              <a:spcAft>
-                <a:spcPts val="0"/>
-              </a:spcAft>
-              <a:buClrTx/>
-              <a:buSzTx/>
-              <a:buFontTx/>
-              <a:buNone/>
-              <a:tabLst/>
-              <a:defRPr/>
-            </a:pPr>
-            <a:r>
-              <a:rPr kumimoji="0" lang="en-US" sz="900" b="0" i="0" u="none" strike="noStrike" kern="100" cap="none" spc="0" normalizeH="0" baseline="0" noProof="0" dirty="0">
-                <a:ln>
-                  <a:noFill/>
-                </a:ln>
-                <a:solidFill>
-                  <a:sysClr val="window" lastClr="FFFFFF"/>
-                </a:solidFill>
-                <a:effectLst/>
-                <a:uLnTx/>
-                <a:uFillTx/>
-                <a:latin typeface="Arial" panose="020B0604020202020204" pitchFamily="34" charset="0"/>
-                <a:ea typeface="ＭＳ 明朝" panose="02020609040205080304" pitchFamily="17" charset="-128"/>
-                <a:cs typeface="Times New Roman" panose="02020603050405020304" pitchFamily="18" charset="0"/>
-              </a:rPr>
-              <a:t>#Network address of cobbler server</a:t>
-            </a:r>
-            <a:endParaRPr kumimoji="0" lang="ja-JP" altLang="en-US" sz="1050" b="0" i="0" u="none" strike="noStrike" kern="100" cap="none" spc="0" normalizeH="0" baseline="0" noProof="0" dirty="0">
-              <a:ln>
-                <a:noFill/>
-              </a:ln>
-              <a:solidFill>
-                <a:sysClr val="window" lastClr="FFFFFF"/>
-              </a:solidFill>
-              <a:effectLst/>
-              <a:uLnTx/>
-              <a:uFillTx/>
-              <a:latin typeface="Century"/>
-              <a:ea typeface="ＭＳ 明朝" panose="02020609040205080304" pitchFamily="17" charset="-128"/>
-              <a:cs typeface="Times New Roman" panose="02020603050405020304" pitchFamily="18" charset="0"/>
-            </a:endParaRPr>
-          </a:p>
-          <a:p>
-            <a:pPr marL="0" marR="0" lvl="0" indent="0" algn="l" defTabSz="914400" eaLnBrk="1" fontAlgn="auto" latinLnBrk="0" hangingPunct="1">
-              <a:lnSpc>
-                <a:spcPts val="800"/>
-              </a:lnSpc>
-              <a:spcBef>
-                <a:spcPts val="0"/>
-              </a:spcBef>
-              <a:spcAft>
-                <a:spcPts val="0"/>
-              </a:spcAft>
-              <a:buClrTx/>
-              <a:buSzTx/>
-              <a:buFontTx/>
-              <a:buNone/>
-              <a:tabLst/>
-              <a:defRPr/>
-            </a:pPr>
-            <a:r>
-              <a:rPr kumimoji="0" lang="en-US" sz="900" b="0" i="0" u="none" strike="noStrike" kern="100" cap="none" spc="0" normalizeH="0" baseline="0" noProof="0" dirty="0">
-                <a:ln>
-                  <a:noFill/>
-                </a:ln>
-                <a:solidFill>
-                  <a:sysClr val="window" lastClr="FFFFFF"/>
-                </a:solidFill>
-                <a:effectLst/>
-                <a:uLnTx/>
-                <a:uFillTx/>
-                <a:latin typeface="Arial" panose="020B0604020202020204" pitchFamily="34" charset="0"/>
-                <a:ea typeface="ＭＳ 明朝" panose="02020609040205080304" pitchFamily="17" charset="-128"/>
-                <a:cs typeface="Times New Roman" panose="02020603050405020304" pitchFamily="18" charset="0"/>
-              </a:rPr>
-              <a:t>cobbler_ip:10.10.10.0</a:t>
-            </a:r>
-            <a:endParaRPr kumimoji="0" lang="ja-JP" altLang="en-US" sz="1050" b="0" i="0" u="none" strike="noStrike" kern="100" cap="none" spc="0" normalizeH="0" baseline="0" noProof="0" dirty="0">
-              <a:ln>
-                <a:noFill/>
-              </a:ln>
-              <a:solidFill>
-                <a:sysClr val="window" lastClr="FFFFFF"/>
-              </a:solidFill>
-              <a:effectLst/>
-              <a:uLnTx/>
-              <a:uFillTx/>
-              <a:latin typeface="Century"/>
-              <a:ea typeface="ＭＳ 明朝" panose="02020609040205080304" pitchFamily="17" charset="-128"/>
-              <a:cs typeface="Times New Roman" panose="02020603050405020304" pitchFamily="18" charset="0"/>
-            </a:endParaRPr>
-          </a:p>
-          <a:p>
-            <a:pPr marL="0" marR="0" lvl="0" indent="0" algn="l" defTabSz="914400" eaLnBrk="1" fontAlgn="auto" latinLnBrk="0" hangingPunct="1">
-              <a:lnSpc>
-                <a:spcPts val="800"/>
-              </a:lnSpc>
-              <a:spcBef>
-                <a:spcPts val="0"/>
-              </a:spcBef>
-              <a:spcAft>
-                <a:spcPts val="0"/>
-              </a:spcAft>
-              <a:buClrTx/>
-              <a:buSzTx/>
-              <a:buFontTx/>
-              <a:buNone/>
-              <a:tabLst/>
-              <a:defRPr/>
-            </a:pPr>
-            <a:r>
-              <a:rPr kumimoji="0" lang="en-US" sz="900" b="0" i="0" u="none" strike="noStrike" kern="100" cap="none" spc="0" normalizeH="0" baseline="0" noProof="0" dirty="0">
-                <a:ln>
-                  <a:noFill/>
-                </a:ln>
-                <a:solidFill>
-                  <a:sysClr val="window" lastClr="FFFFFF"/>
-                </a:solidFill>
-                <a:effectLst/>
-                <a:uLnTx/>
-                <a:uFillTx/>
-                <a:latin typeface="Arial" panose="020B0604020202020204" pitchFamily="34" charset="0"/>
-                <a:ea typeface="ＭＳ 明朝" panose="02020609040205080304" pitchFamily="17" charset="-128"/>
-                <a:cs typeface="Times New Roman" panose="02020603050405020304" pitchFamily="18" charset="0"/>
-              </a:rPr>
-              <a:t> </a:t>
-            </a:r>
-            <a:endParaRPr kumimoji="0" lang="ja-JP" altLang="en-US" sz="1050" b="0" i="0" u="none" strike="noStrike" kern="100" cap="none" spc="0" normalizeH="0" baseline="0" noProof="0" dirty="0">
-              <a:ln>
-                <a:noFill/>
-              </a:ln>
-              <a:solidFill>
-                <a:sysClr val="window" lastClr="FFFFFF"/>
-              </a:solidFill>
-              <a:effectLst/>
-              <a:uLnTx/>
-              <a:uFillTx/>
-              <a:latin typeface="Century"/>
-              <a:ea typeface="ＭＳ 明朝" panose="02020609040205080304" pitchFamily="17" charset="-128"/>
-              <a:cs typeface="Times New Roman" panose="02020603050405020304" pitchFamily="18" charset="0"/>
-            </a:endParaRPr>
-          </a:p>
-          <a:p>
-            <a:pPr marL="0" marR="0" lvl="0" indent="0" algn="l" defTabSz="914400" eaLnBrk="1" fontAlgn="auto" latinLnBrk="0" hangingPunct="1">
-              <a:lnSpc>
-                <a:spcPts val="800"/>
-              </a:lnSpc>
-              <a:spcBef>
-                <a:spcPts val="0"/>
-              </a:spcBef>
-              <a:spcAft>
-                <a:spcPts val="0"/>
-              </a:spcAft>
-              <a:buClrTx/>
-              <a:buSzTx/>
-              <a:buFontTx/>
-              <a:buNone/>
-              <a:tabLst/>
-              <a:defRPr/>
-            </a:pPr>
-            <a:r>
-              <a:rPr kumimoji="0" lang="en-US" sz="900" b="0" i="0" u="none" strike="noStrike" kern="100" cap="none" spc="0" normalizeH="0" baseline="0" noProof="0" dirty="0">
-                <a:ln>
-                  <a:noFill/>
-                </a:ln>
-                <a:solidFill>
-                  <a:sysClr val="window" lastClr="FFFFFF"/>
-                </a:solidFill>
-                <a:effectLst/>
-                <a:uLnTx/>
-                <a:uFillTx/>
-                <a:latin typeface="Arial" panose="020B0604020202020204" pitchFamily="34" charset="0"/>
-                <a:ea typeface="ＭＳ 明朝" panose="02020609040205080304" pitchFamily="17" charset="-128"/>
-                <a:cs typeface="Times New Roman" panose="02020603050405020304" pitchFamily="18" charset="0"/>
-              </a:rPr>
-              <a:t>#subnet mask of cobbler server</a:t>
-            </a:r>
-            <a:endParaRPr kumimoji="0" lang="ja-JP" altLang="en-US" sz="1050" b="0" i="0" u="none" strike="noStrike" kern="100" cap="none" spc="0" normalizeH="0" baseline="0" noProof="0" dirty="0">
-              <a:ln>
-                <a:noFill/>
-              </a:ln>
-              <a:solidFill>
-                <a:sysClr val="window" lastClr="FFFFFF"/>
-              </a:solidFill>
-              <a:effectLst/>
-              <a:uLnTx/>
-              <a:uFillTx/>
-              <a:latin typeface="Century"/>
-              <a:ea typeface="ＭＳ 明朝" panose="02020609040205080304" pitchFamily="17" charset="-128"/>
-              <a:cs typeface="Times New Roman" panose="02020603050405020304" pitchFamily="18" charset="0"/>
-            </a:endParaRPr>
-          </a:p>
-          <a:p>
-            <a:pPr marL="0" marR="0" lvl="0" indent="0" algn="l" defTabSz="914400" eaLnBrk="1" fontAlgn="auto" latinLnBrk="0" hangingPunct="1">
-              <a:lnSpc>
-                <a:spcPts val="800"/>
-              </a:lnSpc>
-              <a:spcBef>
-                <a:spcPts val="0"/>
-              </a:spcBef>
-              <a:spcAft>
-                <a:spcPts val="0"/>
-              </a:spcAft>
-              <a:buClrTx/>
-              <a:buSzTx/>
-              <a:buFontTx/>
-              <a:buNone/>
-              <a:tabLst/>
-              <a:defRPr/>
-            </a:pPr>
-            <a:r>
-              <a:rPr kumimoji="0" lang="en-US" sz="900" b="0" i="0" u="none" strike="noStrike" kern="100" cap="none" spc="0" normalizeH="0" baseline="0" noProof="0" dirty="0">
-                <a:ln>
-                  <a:noFill/>
-                </a:ln>
-                <a:solidFill>
-                  <a:sysClr val="window" lastClr="FFFFFF"/>
-                </a:solidFill>
-                <a:effectLst/>
-                <a:uLnTx/>
-                <a:uFillTx/>
-                <a:latin typeface="Arial" panose="020B0604020202020204" pitchFamily="34" charset="0"/>
-                <a:ea typeface="ＭＳ 明朝" panose="02020609040205080304" pitchFamily="17" charset="-128"/>
-                <a:cs typeface="Times New Roman" panose="02020603050405020304" pitchFamily="18" charset="0"/>
-              </a:rPr>
-              <a:t>cobbler_subnet:255.255.255.0</a:t>
-            </a:r>
-            <a:endParaRPr kumimoji="0" lang="ja-JP" altLang="en-US" sz="1050" b="0" i="0" u="none" strike="noStrike" kern="100" cap="none" spc="0" normalizeH="0" baseline="0" noProof="0" dirty="0">
-              <a:ln>
-                <a:noFill/>
-              </a:ln>
-              <a:solidFill>
-                <a:sysClr val="window" lastClr="FFFFFF"/>
-              </a:solidFill>
-              <a:effectLst/>
-              <a:uLnTx/>
-              <a:uFillTx/>
-              <a:latin typeface="Century"/>
-              <a:ea typeface="ＭＳ 明朝" panose="02020609040205080304" pitchFamily="17" charset="-128"/>
-              <a:cs typeface="Times New Roman" panose="02020603050405020304" pitchFamily="18" charset="0"/>
-            </a:endParaRPr>
-          </a:p>
-          <a:p>
-            <a:pPr marL="0" marR="0" lvl="0" indent="0" algn="l" defTabSz="914400" eaLnBrk="1" fontAlgn="auto" latinLnBrk="0" hangingPunct="1">
-              <a:lnSpc>
-                <a:spcPts val="800"/>
-              </a:lnSpc>
-              <a:spcBef>
-                <a:spcPts val="0"/>
-              </a:spcBef>
-              <a:spcAft>
-                <a:spcPts val="0"/>
-              </a:spcAft>
-              <a:buClrTx/>
-              <a:buSzTx/>
-              <a:buFontTx/>
-              <a:buNone/>
-              <a:tabLst/>
-              <a:defRPr/>
-            </a:pPr>
-            <a:r>
-              <a:rPr kumimoji="0" lang="en-US" sz="900" b="0" i="0" u="none" strike="noStrike" kern="100" cap="none" spc="0" normalizeH="0" baseline="0" noProof="0" dirty="0">
-                <a:ln>
-                  <a:noFill/>
-                </a:ln>
-                <a:solidFill>
-                  <a:sysClr val="window" lastClr="FFFFFF"/>
-                </a:solidFill>
-                <a:effectLst/>
-                <a:uLnTx/>
-                <a:uFillTx/>
-                <a:latin typeface="Arial" panose="020B0604020202020204" pitchFamily="34" charset="0"/>
-                <a:ea typeface="ＭＳ 明朝" panose="02020609040205080304" pitchFamily="17" charset="-128"/>
-                <a:cs typeface="Times New Roman" panose="02020603050405020304" pitchFamily="18" charset="0"/>
-              </a:rPr>
-              <a:t> </a:t>
-            </a:r>
-            <a:endParaRPr kumimoji="0" lang="ja-JP" altLang="en-US" sz="1050" b="0" i="0" u="none" strike="noStrike" kern="100" cap="none" spc="0" normalizeH="0" baseline="0" noProof="0" dirty="0">
-              <a:ln>
-                <a:noFill/>
-              </a:ln>
-              <a:solidFill>
-                <a:sysClr val="window" lastClr="FFFFFF"/>
-              </a:solidFill>
-              <a:effectLst/>
-              <a:uLnTx/>
-              <a:uFillTx/>
-              <a:latin typeface="Century"/>
-              <a:ea typeface="ＭＳ 明朝" panose="02020609040205080304" pitchFamily="17" charset="-128"/>
-              <a:cs typeface="Times New Roman" panose="02020603050405020304" pitchFamily="18" charset="0"/>
-            </a:endParaRPr>
-          </a:p>
-          <a:p>
-            <a:pPr marL="0" marR="0" lvl="0" indent="0" algn="l" defTabSz="914400" eaLnBrk="1" fontAlgn="auto" latinLnBrk="0" hangingPunct="1">
-              <a:lnSpc>
-                <a:spcPts val="800"/>
-              </a:lnSpc>
-              <a:spcBef>
-                <a:spcPts val="0"/>
-              </a:spcBef>
-              <a:spcAft>
-                <a:spcPts val="0"/>
-              </a:spcAft>
-              <a:buClrTx/>
-              <a:buSzTx/>
-              <a:buFontTx/>
-              <a:buNone/>
-              <a:tabLst/>
-              <a:defRPr/>
-            </a:pPr>
-            <a:r>
-              <a:rPr kumimoji="0" lang="en-US" sz="900" b="0" i="0" u="none" strike="noStrike" kern="100" cap="none" spc="0" normalizeH="0" baseline="0" noProof="0" dirty="0">
-                <a:ln>
-                  <a:noFill/>
-                </a:ln>
-                <a:solidFill>
-                  <a:sysClr val="window" lastClr="FFFFFF"/>
-                </a:solidFill>
-                <a:effectLst/>
-                <a:uLnTx/>
-                <a:uFillTx/>
-                <a:latin typeface="Arial" panose="020B0604020202020204" pitchFamily="34" charset="0"/>
-                <a:ea typeface="ＭＳ 明朝" panose="02020609040205080304" pitchFamily="17" charset="-128"/>
-                <a:cs typeface="Times New Roman" panose="02020603050405020304" pitchFamily="18" charset="0"/>
-              </a:rPr>
-              <a:t>#default gateway of cobbler server</a:t>
-            </a:r>
-            <a:endParaRPr kumimoji="0" lang="ja-JP" altLang="en-US" sz="1050" b="0" i="0" u="none" strike="noStrike" kern="100" cap="none" spc="0" normalizeH="0" baseline="0" noProof="0" dirty="0">
-              <a:ln>
-                <a:noFill/>
-              </a:ln>
-              <a:solidFill>
-                <a:sysClr val="window" lastClr="FFFFFF"/>
-              </a:solidFill>
-              <a:effectLst/>
-              <a:uLnTx/>
-              <a:uFillTx/>
-              <a:latin typeface="Century"/>
-              <a:ea typeface="ＭＳ 明朝" panose="02020609040205080304" pitchFamily="17" charset="-128"/>
-              <a:cs typeface="Times New Roman" panose="02020603050405020304" pitchFamily="18" charset="0"/>
-            </a:endParaRPr>
-          </a:p>
-          <a:p>
-            <a:pPr marL="0" marR="0" lvl="0" indent="0" algn="l" defTabSz="914400" eaLnBrk="1" fontAlgn="auto" latinLnBrk="0" hangingPunct="1">
-              <a:lnSpc>
-                <a:spcPts val="800"/>
-              </a:lnSpc>
-              <a:spcBef>
-                <a:spcPts val="0"/>
-              </a:spcBef>
-              <a:spcAft>
-                <a:spcPts val="0"/>
-              </a:spcAft>
-              <a:buClrTx/>
-              <a:buSzTx/>
-              <a:buFontTx/>
-              <a:buNone/>
-              <a:tabLst/>
-              <a:defRPr/>
-            </a:pPr>
-            <a:r>
-              <a:rPr kumimoji="0" lang="en-US" sz="900" b="0" i="0" u="none" strike="noStrike" kern="100" cap="none" spc="0" normalizeH="0" baseline="0" noProof="0" dirty="0">
-                <a:ln>
-                  <a:noFill/>
-                </a:ln>
-                <a:solidFill>
-                  <a:sysClr val="window" lastClr="FFFFFF"/>
-                </a:solidFill>
-                <a:effectLst/>
-                <a:uLnTx/>
-                <a:uFillTx/>
-                <a:latin typeface="Arial" panose="020B0604020202020204" pitchFamily="34" charset="0"/>
-                <a:ea typeface="ＭＳ 明朝" panose="02020609040205080304" pitchFamily="17" charset="-128"/>
-                <a:cs typeface="Times New Roman" panose="02020603050405020304" pitchFamily="18" charset="0"/>
-              </a:rPr>
-              <a:t>cobbler_gateway:0.0.0.0</a:t>
-            </a:r>
-            <a:endParaRPr kumimoji="0" lang="ja-JP" altLang="en-US" sz="1050" b="0" i="0" u="none" strike="noStrike" kern="100" cap="none" spc="0" normalizeH="0" baseline="0" noProof="0" dirty="0">
-              <a:ln>
-                <a:noFill/>
-              </a:ln>
-              <a:solidFill>
-                <a:sysClr val="window" lastClr="FFFFFF"/>
-              </a:solidFill>
-              <a:effectLst/>
-              <a:uLnTx/>
-              <a:uFillTx/>
-              <a:latin typeface="Century"/>
-              <a:ea typeface="ＭＳ 明朝" panose="02020609040205080304" pitchFamily="17" charset="-128"/>
-              <a:cs typeface="Times New Roman" panose="02020603050405020304" pitchFamily="18" charset="0"/>
-            </a:endParaRPr>
-          </a:p>
-          <a:p>
-            <a:pPr marL="0" marR="0" lvl="0" indent="0" algn="l" defTabSz="914400" eaLnBrk="1" fontAlgn="auto" latinLnBrk="0" hangingPunct="1">
-              <a:lnSpc>
-                <a:spcPts val="800"/>
-              </a:lnSpc>
-              <a:spcBef>
-                <a:spcPts val="0"/>
-              </a:spcBef>
-              <a:spcAft>
-                <a:spcPts val="0"/>
-              </a:spcAft>
-              <a:buClrTx/>
-              <a:buSzTx/>
-              <a:buFontTx/>
-              <a:buNone/>
-              <a:tabLst/>
-              <a:defRPr/>
-            </a:pPr>
-            <a:r>
-              <a:rPr kumimoji="0" lang="en-US" sz="900" b="0" i="0" u="none" strike="noStrike" kern="100" cap="none" spc="0" normalizeH="0" baseline="0" noProof="0" dirty="0">
-                <a:ln>
-                  <a:noFill/>
-                </a:ln>
-                <a:solidFill>
-                  <a:sysClr val="window" lastClr="FFFFFF"/>
-                </a:solidFill>
-                <a:effectLst/>
-                <a:uLnTx/>
-                <a:uFillTx/>
-                <a:latin typeface="Arial" panose="020B0604020202020204" pitchFamily="34" charset="0"/>
-                <a:ea typeface="ＭＳ 明朝" panose="02020609040205080304" pitchFamily="17" charset="-128"/>
-                <a:cs typeface="Times New Roman" panose="02020603050405020304" pitchFamily="18" charset="0"/>
-              </a:rPr>
-              <a:t> </a:t>
-            </a:r>
-            <a:endParaRPr kumimoji="0" lang="ja-JP" altLang="en-US" sz="1050" b="0" i="0" u="none" strike="noStrike" kern="100" cap="none" spc="0" normalizeH="0" baseline="0" noProof="0" dirty="0">
-              <a:ln>
-                <a:noFill/>
-              </a:ln>
-              <a:solidFill>
-                <a:sysClr val="window" lastClr="FFFFFF"/>
-              </a:solidFill>
-              <a:effectLst/>
-              <a:uLnTx/>
-              <a:uFillTx/>
-              <a:latin typeface="Century"/>
-              <a:ea typeface="ＭＳ 明朝" panose="02020609040205080304" pitchFamily="17" charset="-128"/>
-              <a:cs typeface="Times New Roman" panose="02020603050405020304" pitchFamily="18" charset="0"/>
-            </a:endParaRPr>
-          </a:p>
-          <a:p>
-            <a:pPr marL="0" marR="0" lvl="0" indent="0" algn="l" defTabSz="914400" eaLnBrk="1" fontAlgn="auto" latinLnBrk="0" hangingPunct="1">
-              <a:lnSpc>
-                <a:spcPts val="800"/>
-              </a:lnSpc>
-              <a:spcBef>
-                <a:spcPts val="0"/>
-              </a:spcBef>
-              <a:spcAft>
-                <a:spcPts val="0"/>
-              </a:spcAft>
-              <a:buClrTx/>
-              <a:buSzTx/>
-              <a:buFontTx/>
-              <a:buNone/>
-              <a:tabLst/>
-              <a:defRPr/>
-            </a:pPr>
-            <a:r>
-              <a:rPr kumimoji="0" lang="en-US" sz="900" b="0" i="0" u="none" strike="noStrike" kern="100" cap="none" spc="0" normalizeH="0" baseline="0" noProof="0" dirty="0">
-                <a:ln>
-                  <a:noFill/>
-                </a:ln>
-                <a:solidFill>
-                  <a:sysClr val="window" lastClr="FFFFFF"/>
-                </a:solidFill>
-                <a:effectLst/>
-                <a:uLnTx/>
-                <a:uFillTx/>
-                <a:latin typeface="Arial" panose="020B0604020202020204" pitchFamily="34" charset="0"/>
-                <a:ea typeface="ＭＳ 明朝" panose="02020609040205080304" pitchFamily="17" charset="-128"/>
-                <a:cs typeface="Times New Roman" panose="02020603050405020304" pitchFamily="18" charset="0"/>
-              </a:rPr>
-              <a:t>#DNS server IP address (Separate space if more than one)</a:t>
-            </a:r>
-            <a:endParaRPr kumimoji="0" lang="ja-JP" altLang="en-US" sz="1050" b="0" i="0" u="none" strike="noStrike" kern="100" cap="none" spc="0" normalizeH="0" baseline="0" noProof="0" dirty="0">
-              <a:ln>
-                <a:noFill/>
-              </a:ln>
-              <a:solidFill>
-                <a:sysClr val="window" lastClr="FFFFFF"/>
-              </a:solidFill>
-              <a:effectLst/>
-              <a:uLnTx/>
-              <a:uFillTx/>
-              <a:latin typeface="Century"/>
-              <a:ea typeface="ＭＳ 明朝" panose="02020609040205080304" pitchFamily="17" charset="-128"/>
-              <a:cs typeface="Times New Roman" panose="02020603050405020304" pitchFamily="18" charset="0"/>
-            </a:endParaRPr>
-          </a:p>
-          <a:p>
-            <a:pPr marL="0" marR="0" lvl="0" indent="0" algn="l" defTabSz="914400" eaLnBrk="1" fontAlgn="auto" latinLnBrk="0" hangingPunct="1">
-              <a:lnSpc>
-                <a:spcPts val="800"/>
-              </a:lnSpc>
-              <a:spcBef>
-                <a:spcPts val="0"/>
-              </a:spcBef>
-              <a:spcAft>
-                <a:spcPts val="0"/>
-              </a:spcAft>
-              <a:buClrTx/>
-              <a:buSzTx/>
-              <a:buFontTx/>
-              <a:buNone/>
-              <a:tabLst/>
-              <a:defRPr/>
-            </a:pPr>
-            <a:r>
-              <a:rPr kumimoji="0" lang="en-US" sz="900" b="0" i="0" u="none" strike="noStrike" kern="100" cap="none" spc="0" normalizeH="0" baseline="0" noProof="0" dirty="0">
-                <a:ln>
-                  <a:noFill/>
-                </a:ln>
-                <a:solidFill>
-                  <a:sysClr val="window" lastClr="FFFFFF"/>
-                </a:solidFill>
-                <a:effectLst/>
-                <a:uLnTx/>
-                <a:uFillTx/>
-                <a:latin typeface="Arial" panose="020B0604020202020204" pitchFamily="34" charset="0"/>
-                <a:ea typeface="ＭＳ 明朝" panose="02020609040205080304" pitchFamily="17" charset="-128"/>
-                <a:cs typeface="Times New Roman" panose="02020603050405020304" pitchFamily="18" charset="0"/>
-              </a:rPr>
-              <a:t>cobbler_dns:8.8.8.8</a:t>
-            </a:r>
-            <a:endParaRPr kumimoji="0" lang="ja-JP" altLang="en-US" sz="1050" b="0" i="0" u="none" strike="noStrike" kern="100" cap="none" spc="0" normalizeH="0" baseline="0" noProof="0" dirty="0">
-              <a:ln>
-                <a:noFill/>
-              </a:ln>
-              <a:solidFill>
-                <a:sysClr val="window" lastClr="FFFFFF"/>
-              </a:solidFill>
-              <a:effectLst/>
-              <a:uLnTx/>
-              <a:uFillTx/>
-              <a:latin typeface="Century"/>
-              <a:ea typeface="ＭＳ 明朝" panose="02020609040205080304" pitchFamily="17" charset="-128"/>
-              <a:cs typeface="Times New Roman" panose="02020603050405020304" pitchFamily="18" charset="0"/>
-            </a:endParaRPr>
-          </a:p>
-          <a:p>
-            <a:pPr marL="0" marR="0" lvl="0" indent="0" algn="l" defTabSz="914400" eaLnBrk="1" fontAlgn="auto" latinLnBrk="0" hangingPunct="1">
-              <a:lnSpc>
-                <a:spcPts val="800"/>
-              </a:lnSpc>
-              <a:spcBef>
-                <a:spcPts val="0"/>
-              </a:spcBef>
-              <a:spcAft>
-                <a:spcPts val="0"/>
-              </a:spcAft>
-              <a:buClrTx/>
-              <a:buSzTx/>
-              <a:buFontTx/>
-              <a:buNone/>
-              <a:tabLst/>
-              <a:defRPr/>
-            </a:pPr>
-            <a:r>
-              <a:rPr kumimoji="0" lang="en-US" sz="900" b="0" i="0" u="none" strike="noStrike" kern="100" cap="none" spc="0" normalizeH="0" baseline="0" noProof="0" dirty="0">
-                <a:ln>
-                  <a:noFill/>
-                </a:ln>
-                <a:solidFill>
-                  <a:sysClr val="window" lastClr="FFFFFF"/>
-                </a:solidFill>
-                <a:effectLst/>
-                <a:uLnTx/>
-                <a:uFillTx/>
-                <a:latin typeface="Arial" panose="020B0604020202020204" pitchFamily="34" charset="0"/>
-                <a:ea typeface="ＭＳ 明朝" panose="02020609040205080304" pitchFamily="17" charset="-128"/>
-                <a:cs typeface="Times New Roman" panose="02020603050405020304" pitchFamily="18" charset="0"/>
-              </a:rPr>
-              <a:t> </a:t>
-            </a:r>
-            <a:endParaRPr kumimoji="0" lang="ja-JP" altLang="en-US" sz="1050" b="0" i="0" u="none" strike="noStrike" kern="100" cap="none" spc="0" normalizeH="0" baseline="0" noProof="0" dirty="0">
-              <a:ln>
-                <a:noFill/>
-              </a:ln>
-              <a:solidFill>
-                <a:sysClr val="window" lastClr="FFFFFF"/>
-              </a:solidFill>
-              <a:effectLst/>
-              <a:uLnTx/>
-              <a:uFillTx/>
-              <a:latin typeface="Century"/>
-              <a:ea typeface="ＭＳ 明朝" panose="02020609040205080304" pitchFamily="17" charset="-128"/>
-              <a:cs typeface="Times New Roman" panose="02020603050405020304" pitchFamily="18" charset="0"/>
-            </a:endParaRPr>
-          </a:p>
-          <a:p>
-            <a:pPr marL="0" marR="0" lvl="0" indent="0" algn="l" defTabSz="914400" eaLnBrk="1" fontAlgn="auto" latinLnBrk="0" hangingPunct="1">
-              <a:lnSpc>
-                <a:spcPts val="800"/>
-              </a:lnSpc>
-              <a:spcBef>
-                <a:spcPts val="0"/>
-              </a:spcBef>
-              <a:spcAft>
-                <a:spcPts val="0"/>
-              </a:spcAft>
-              <a:buClrTx/>
-              <a:buSzTx/>
-              <a:buFontTx/>
-              <a:buNone/>
-              <a:tabLst/>
-              <a:defRPr/>
-            </a:pPr>
-            <a:r>
-              <a:rPr kumimoji="0" lang="en-US" sz="900" b="0" i="0" u="none" strike="noStrike" kern="100" cap="none" spc="0" normalizeH="0" baseline="0" noProof="0" dirty="0">
-                <a:ln>
-                  <a:noFill/>
-                </a:ln>
-                <a:solidFill>
-                  <a:sysClr val="window" lastClr="FFFFFF"/>
-                </a:solidFill>
-                <a:effectLst/>
-                <a:uLnTx/>
-                <a:uFillTx/>
-                <a:latin typeface="Arial" panose="020B0604020202020204" pitchFamily="34" charset="0"/>
-                <a:ea typeface="ＭＳ 明朝" panose="02020609040205080304" pitchFamily="17" charset="-128"/>
-                <a:cs typeface="Times New Roman" panose="02020603050405020304" pitchFamily="18" charset="0"/>
-              </a:rPr>
-              <a:t>#dynamic dhcp IP address(min)</a:t>
-            </a:r>
-            <a:endParaRPr kumimoji="0" lang="ja-JP" altLang="en-US" sz="1050" b="0" i="0" u="none" strike="noStrike" kern="100" cap="none" spc="0" normalizeH="0" baseline="0" noProof="0" dirty="0">
-              <a:ln>
-                <a:noFill/>
-              </a:ln>
-              <a:solidFill>
-                <a:sysClr val="window" lastClr="FFFFFF"/>
-              </a:solidFill>
-              <a:effectLst/>
-              <a:uLnTx/>
-              <a:uFillTx/>
-              <a:latin typeface="Century"/>
-              <a:ea typeface="ＭＳ 明朝" panose="02020609040205080304" pitchFamily="17" charset="-128"/>
-              <a:cs typeface="Times New Roman" panose="02020603050405020304" pitchFamily="18" charset="0"/>
-            </a:endParaRPr>
-          </a:p>
-          <a:p>
-            <a:pPr marL="0" marR="0" lvl="0" indent="0" algn="l" defTabSz="914400" eaLnBrk="1" fontAlgn="auto" latinLnBrk="0" hangingPunct="1">
-              <a:lnSpc>
-                <a:spcPts val="800"/>
-              </a:lnSpc>
-              <a:spcBef>
-                <a:spcPts val="0"/>
-              </a:spcBef>
-              <a:spcAft>
-                <a:spcPts val="0"/>
-              </a:spcAft>
-              <a:buClrTx/>
-              <a:buSzTx/>
-              <a:buFontTx/>
-              <a:buNone/>
-              <a:tabLst/>
-              <a:defRPr/>
-            </a:pPr>
-            <a:r>
-              <a:rPr kumimoji="0" lang="en-US" sz="900" b="0" i="0" u="none" strike="noStrike" kern="100" cap="none" spc="0" normalizeH="0" baseline="0" noProof="0" dirty="0">
-                <a:ln>
-                  <a:noFill/>
-                </a:ln>
-                <a:solidFill>
-                  <a:sysClr val="window" lastClr="FFFFFF"/>
-                </a:solidFill>
-                <a:effectLst/>
-                <a:uLnTx/>
-                <a:uFillTx/>
-                <a:latin typeface="Arial" panose="020B0604020202020204" pitchFamily="34" charset="0"/>
-                <a:ea typeface="ＭＳ 明朝" panose="02020609040205080304" pitchFamily="17" charset="-128"/>
-                <a:cs typeface="Times New Roman" panose="02020603050405020304" pitchFamily="18" charset="0"/>
-              </a:rPr>
-              <a:t>dynamic_address_min:10.10.10.230</a:t>
-            </a:r>
-            <a:endParaRPr kumimoji="0" lang="ja-JP" altLang="en-US" sz="1050" b="0" i="0" u="none" strike="noStrike" kern="100" cap="none" spc="0" normalizeH="0" baseline="0" noProof="0" dirty="0">
-              <a:ln>
-                <a:noFill/>
-              </a:ln>
-              <a:solidFill>
-                <a:sysClr val="window" lastClr="FFFFFF"/>
-              </a:solidFill>
-              <a:effectLst/>
-              <a:uLnTx/>
-              <a:uFillTx/>
-              <a:latin typeface="Century"/>
-              <a:ea typeface="ＭＳ 明朝" panose="02020609040205080304" pitchFamily="17" charset="-128"/>
-              <a:cs typeface="Times New Roman" panose="02020603050405020304" pitchFamily="18" charset="0"/>
-            </a:endParaRPr>
-          </a:p>
-          <a:p>
-            <a:pPr marL="0" marR="0" lvl="0" indent="0" algn="l" defTabSz="914400" eaLnBrk="1" fontAlgn="auto" latinLnBrk="0" hangingPunct="1">
-              <a:lnSpc>
-                <a:spcPts val="800"/>
-              </a:lnSpc>
-              <a:spcBef>
-                <a:spcPts val="0"/>
-              </a:spcBef>
-              <a:spcAft>
-                <a:spcPts val="0"/>
-              </a:spcAft>
-              <a:buClrTx/>
-              <a:buSzTx/>
-              <a:buFontTx/>
-              <a:buNone/>
-              <a:tabLst/>
-              <a:defRPr/>
-            </a:pPr>
-            <a:r>
-              <a:rPr kumimoji="0" lang="en-US" sz="900" b="0" i="0" u="none" strike="noStrike" kern="100" cap="none" spc="0" normalizeH="0" baseline="0" noProof="0" dirty="0">
-                <a:ln>
-                  <a:noFill/>
-                </a:ln>
-                <a:solidFill>
-                  <a:sysClr val="window" lastClr="FFFFFF"/>
-                </a:solidFill>
-                <a:effectLst/>
-                <a:uLnTx/>
-                <a:uFillTx/>
-                <a:latin typeface="Arial" panose="020B0604020202020204" pitchFamily="34" charset="0"/>
-                <a:ea typeface="ＭＳ 明朝" panose="02020609040205080304" pitchFamily="17" charset="-128"/>
-                <a:cs typeface="Times New Roman" panose="02020603050405020304" pitchFamily="18" charset="0"/>
-              </a:rPr>
-              <a:t> </a:t>
-            </a:r>
-            <a:endParaRPr kumimoji="0" lang="ja-JP" altLang="en-US" sz="1050" b="0" i="0" u="none" strike="noStrike" kern="100" cap="none" spc="0" normalizeH="0" baseline="0" noProof="0" dirty="0">
-              <a:ln>
-                <a:noFill/>
-              </a:ln>
-              <a:solidFill>
-                <a:sysClr val="window" lastClr="FFFFFF"/>
-              </a:solidFill>
-              <a:effectLst/>
-              <a:uLnTx/>
-              <a:uFillTx/>
-              <a:latin typeface="Century"/>
-              <a:ea typeface="ＭＳ 明朝" panose="02020609040205080304" pitchFamily="17" charset="-128"/>
-              <a:cs typeface="Times New Roman" panose="02020603050405020304" pitchFamily="18" charset="0"/>
-            </a:endParaRPr>
-          </a:p>
-          <a:p>
-            <a:pPr marL="0" marR="0" lvl="0" indent="0" algn="l" defTabSz="914400" eaLnBrk="1" fontAlgn="auto" latinLnBrk="0" hangingPunct="1">
-              <a:lnSpc>
-                <a:spcPts val="800"/>
-              </a:lnSpc>
-              <a:spcBef>
-                <a:spcPts val="0"/>
-              </a:spcBef>
-              <a:spcAft>
-                <a:spcPts val="0"/>
-              </a:spcAft>
-              <a:buClrTx/>
-              <a:buSzTx/>
-              <a:buFontTx/>
-              <a:buNone/>
-              <a:tabLst/>
-              <a:defRPr/>
-            </a:pPr>
-            <a:r>
-              <a:rPr kumimoji="0" lang="en-US" sz="900" b="0" i="0" u="none" strike="noStrike" kern="100" cap="none" spc="0" normalizeH="0" baseline="0" noProof="0" dirty="0">
-                <a:ln>
-                  <a:noFill/>
-                </a:ln>
-                <a:solidFill>
-                  <a:sysClr val="window" lastClr="FFFFFF"/>
-                </a:solidFill>
-                <a:effectLst/>
-                <a:uLnTx/>
-                <a:uFillTx/>
-                <a:latin typeface="Arial" panose="020B0604020202020204" pitchFamily="34" charset="0"/>
-                <a:ea typeface="ＭＳ 明朝" panose="02020609040205080304" pitchFamily="17" charset="-128"/>
-                <a:cs typeface="Times New Roman" panose="02020603050405020304" pitchFamily="18" charset="0"/>
-              </a:rPr>
-              <a:t>#dynamic dhcp IP address(max)</a:t>
-            </a:r>
-            <a:endParaRPr kumimoji="0" lang="ja-JP" altLang="en-US" sz="1050" b="0" i="0" u="none" strike="noStrike" kern="100" cap="none" spc="0" normalizeH="0" baseline="0" noProof="0" dirty="0">
-              <a:ln>
-                <a:noFill/>
-              </a:ln>
-              <a:solidFill>
-                <a:sysClr val="window" lastClr="FFFFFF"/>
-              </a:solidFill>
-              <a:effectLst/>
-              <a:uLnTx/>
-              <a:uFillTx/>
-              <a:latin typeface="Century"/>
-              <a:ea typeface="ＭＳ 明朝" panose="02020609040205080304" pitchFamily="17" charset="-128"/>
-              <a:cs typeface="Times New Roman" panose="02020603050405020304" pitchFamily="18" charset="0"/>
-            </a:endParaRPr>
-          </a:p>
-          <a:p>
-            <a:pPr marL="0" marR="0" lvl="0" indent="0" algn="l" defTabSz="914400" eaLnBrk="1" fontAlgn="auto" latinLnBrk="0" hangingPunct="1">
-              <a:lnSpc>
-                <a:spcPts val="800"/>
-              </a:lnSpc>
-              <a:spcBef>
-                <a:spcPts val="0"/>
-              </a:spcBef>
-              <a:spcAft>
-                <a:spcPts val="0"/>
-              </a:spcAft>
-              <a:buClrTx/>
-              <a:buSzTx/>
-              <a:buFontTx/>
-              <a:buNone/>
-              <a:tabLst/>
-              <a:defRPr/>
-            </a:pPr>
-            <a:r>
-              <a:rPr kumimoji="0" lang="en-US" sz="900" b="0" i="0" u="none" strike="noStrike" kern="100" cap="none" spc="0" normalizeH="0" baseline="0" noProof="0" dirty="0" smtClean="0">
-                <a:ln>
-                  <a:noFill/>
-                </a:ln>
-                <a:solidFill>
-                  <a:sysClr val="window" lastClr="FFFFFF"/>
-                </a:solidFill>
-                <a:effectLst/>
-                <a:uLnTx/>
-                <a:uFillTx/>
-                <a:latin typeface="Arial" panose="020B0604020202020204" pitchFamily="34" charset="0"/>
-                <a:ea typeface="ＭＳ 明朝" panose="02020609040205080304" pitchFamily="17" charset="-128"/>
-                <a:cs typeface="Times New Roman" panose="02020603050405020304" pitchFamily="18" charset="0"/>
-              </a:rPr>
-              <a:t>dynamic_address_max:10.70.10.250</a:t>
             </a:r>
             <a:endParaRPr kumimoji="0" lang="ja-JP" altLang="en-US" sz="1050" b="0" i="0" u="none" strike="noStrike" kern="100" cap="none" spc="0" normalizeH="0" baseline="0" noProof="0" dirty="0">
               <a:ln>
@@ -17118,57 +14330,6 @@
           </a:p>
         </p:txBody>
       </p:sp>
-      <p:sp>
-        <p:nvSpPr>
-          <p:cNvPr id="26" name="正方形/長方形 25"/>
-          <p:cNvSpPr/>
-          <p:nvPr/>
-        </p:nvSpPr>
-        <p:spPr>
-          <a:xfrm>
-            <a:off x="2365027" y="3680890"/>
-            <a:ext cx="3492000" cy="2556000"/>
-          </a:xfrm>
-          <a:prstGeom prst="rect">
-            <a:avLst/>
-          </a:prstGeom>
-          <a:noFill/>
-          <a:ln>
-            <a:solidFill>
-              <a:srgbClr val="FF0000"/>
-            </a:solidFill>
-            <a:prstDash val="sysDash"/>
-          </a:ln>
-        </p:spPr>
-        <p:style>
-          <a:lnRef idx="2">
-            <a:schemeClr val="accent1">
-              <a:shade val="50000"/>
-            </a:schemeClr>
-          </a:lnRef>
-          <a:fillRef idx="1">
-            <a:schemeClr val="accent1"/>
-          </a:fillRef>
-          <a:effectRef idx="0">
-            <a:schemeClr val="accent1"/>
-          </a:effectRef>
-          <a:fontRef idx="minor">
-            <a:schemeClr val="lt1"/>
-          </a:fontRef>
-        </p:style>
-        <p:txBody>
-          <a:bodyPr rot="0" spcFirstLastPara="0" vert="horz" wrap="square" lIns="91440" tIns="45720" rIns="91440" bIns="45720" numCol="1" spcCol="0" rtlCol="0" fromWordArt="0" anchor="ctr" anchorCtr="0" forceAA="0" compatLnSpc="1">
-            <a:prstTxWarp prst="textNoShape">
-              <a:avLst/>
-            </a:prstTxWarp>
-            <a:noAutofit/>
-          </a:bodyPr>
-          <a:lstStyle/>
-          <a:p>
-            <a:endParaRPr lang="ja-JP" altLang="en-US" dirty="0"/>
-          </a:p>
-        </p:txBody>
-      </p:sp>
       <p:cxnSp>
         <p:nvCxnSpPr>
           <p:cNvPr id="27" name="直線コネクタ 26"/>
@@ -17178,593 +14339,6 @@
         <p:spPr bwMode="auto">
           <a:xfrm>
             <a:off x="5974429" y="2803982"/>
-            <a:ext cx="1080000" cy="0"/>
-          </a:xfrm>
-          <a:prstGeom prst="line">
-            <a:avLst/>
-          </a:prstGeom>
-          <a:solidFill>
-            <a:schemeClr val="bg1"/>
-          </a:solidFill>
-          <a:ln w="19050" cap="flat" cmpd="sng" algn="ctr">
-            <a:solidFill>
-              <a:srgbClr val="FF0000"/>
-            </a:solidFill>
-            <a:prstDash val="dash"/>
-            <a:round/>
-            <a:headEnd type="none" w="med" len="med"/>
-            <a:tailEnd type="none" w="med" len="med"/>
-          </a:ln>
-          <a:effectLst/>
-          <a:extLst>
-            <a:ext uri="{AF507438-7753-43E0-B8FC-AC1667EBCBE1}">
-              <a14:hiddenEffects xmlns:a14="http://schemas.microsoft.com/office/drawing/2010/main">
-                <a:effectLst>
-                  <a:outerShdw dist="35921" dir="2700000" algn="ctr" rotWithShape="0">
-                    <a:schemeClr val="tx1">
-                      <a:alpha val="50000"/>
-                    </a:schemeClr>
-                  </a:outerShdw>
-                </a:effectLst>
-              </a14:hiddenEffects>
-            </a:ext>
-          </a:extLst>
-        </p:spPr>
-      </p:cxnSp>
-      <p:sp>
-        <p:nvSpPr>
-          <p:cNvPr id="28" name="角丸四角形 27"/>
-          <p:cNvSpPr/>
-          <p:nvPr/>
-        </p:nvSpPr>
-        <p:spPr bwMode="auto">
-          <a:xfrm>
-            <a:off x="7164360" y="4546632"/>
-            <a:ext cx="1728240" cy="1258698"/>
-          </a:xfrm>
-          <a:prstGeom prst="roundRect">
-            <a:avLst/>
-          </a:prstGeom>
-          <a:noFill/>
-          <a:ln w="12700">
-            <a:solidFill>
-              <a:srgbClr val="C00000"/>
-            </a:solidFill>
-          </a:ln>
-          <a:effectLst/>
-          <a:extLst/>
-        </p:spPr>
-        <p:txBody>
-          <a:bodyPr rot="0" spcFirstLastPara="0" vertOverflow="overflow" horzOverflow="overflow" vert="horz" wrap="square" lIns="36000" tIns="72000" rIns="36000" bIns="36000" numCol="1" spcCol="0" rtlCol="0" fromWordArt="0" anchor="ctr" anchorCtr="0" forceAA="0" compatLnSpc="1">
-            <a:prstTxWarp prst="textNoShape">
-              <a:avLst/>
-            </a:prstTxWarp>
-            <a:noAutofit/>
-          </a:bodyPr>
-          <a:lstStyle/>
-          <a:p>
-            <a:pPr algn="ctr"/>
-            <a:r>
-              <a:rPr lang="ja-JP" altLang="en-US" sz="1200" b="1" dirty="0" smtClean="0">
-                <a:solidFill>
-                  <a:srgbClr val="FF0000"/>
-                </a:solidFill>
-                <a:latin typeface="+mn-ea"/>
-              </a:rPr>
-              <a:t>本手順では</a:t>
-            </a:r>
-            <a:r>
-              <a:rPr lang="en-US" altLang="ja-JP" sz="1200" b="1" dirty="0" smtClean="0">
-                <a:solidFill>
-                  <a:srgbClr val="FF0000"/>
-                </a:solidFill>
-                <a:latin typeface="+mn-ea"/>
-              </a:rPr>
-              <a:t>Cobbler</a:t>
-            </a:r>
-            <a:r>
-              <a:rPr lang="ja-JP" altLang="en-US" sz="1200" b="1" dirty="0" smtClean="0">
-                <a:solidFill>
-                  <a:srgbClr val="FF0000"/>
-                </a:solidFill>
-                <a:latin typeface="+mn-ea"/>
-              </a:rPr>
-              <a:t>ドライバはインストールしないので、記入不要です。</a:t>
-            </a:r>
-            <a:endParaRPr kumimoji="1" lang="ja-JP" altLang="en-US" sz="1200" b="1" dirty="0" smtClean="0">
-              <a:solidFill>
-                <a:srgbClr val="FF0000"/>
-              </a:solidFill>
-              <a:latin typeface="+mn-ea"/>
-            </a:endParaRPr>
-          </a:p>
-        </p:txBody>
-      </p:sp>
-      <p:grpSp>
-        <p:nvGrpSpPr>
-          <p:cNvPr id="29" name="グループ化 28"/>
-          <p:cNvGrpSpPr/>
-          <p:nvPr/>
-        </p:nvGrpSpPr>
-        <p:grpSpPr>
-          <a:xfrm>
-            <a:off x="6908793" y="4293120"/>
-            <a:ext cx="565503" cy="549789"/>
-            <a:chOff x="162795" y="3812178"/>
-            <a:chExt cx="565503" cy="549789"/>
-          </a:xfrm>
-        </p:grpSpPr>
-        <p:sp>
-          <p:nvSpPr>
-            <p:cNvPr id="30" name="円/楕円 44"/>
-            <p:cNvSpPr/>
-            <p:nvPr/>
-          </p:nvSpPr>
-          <p:spPr bwMode="auto">
-            <a:xfrm>
-              <a:off x="162795" y="3812178"/>
-              <a:ext cx="565503" cy="549789"/>
-            </a:xfrm>
-            <a:prstGeom prst="ellipse">
-              <a:avLst/>
-            </a:prstGeom>
-            <a:gradFill flip="none" rotWithShape="1">
-              <a:gsLst>
-                <a:gs pos="0">
-                  <a:schemeClr val="accent2"/>
-                </a:gs>
-                <a:gs pos="41000">
-                  <a:schemeClr val="accent2">
-                    <a:lumMod val="60000"/>
-                    <a:lumOff val="40000"/>
-                    <a:shade val="67500"/>
-                    <a:satMod val="115000"/>
-                  </a:schemeClr>
-                </a:gs>
-                <a:gs pos="100000">
-                  <a:schemeClr val="accent2">
-                    <a:lumMod val="60000"/>
-                    <a:lumOff val="40000"/>
-                  </a:schemeClr>
-                </a:gs>
-              </a:gsLst>
-              <a:lin ang="16200000" scaled="0"/>
-              <a:tileRect/>
-            </a:gradFill>
-            <a:ln>
-              <a:noFill/>
-            </a:ln>
-            <a:effectLst/>
-            <a:extLst/>
-          </p:spPr>
-          <p:txBody>
-            <a:bodyPr rot="0" spcFirstLastPara="0" vertOverflow="overflow" horzOverflow="overflow" vert="horz" wrap="none" lIns="36000" tIns="72000" rIns="36000" bIns="36000" numCol="1" spcCol="0" rtlCol="0" fromWordArt="0" anchor="ctr" anchorCtr="0" forceAA="0" compatLnSpc="1">
-              <a:prstTxWarp prst="textNoShape">
-                <a:avLst/>
-              </a:prstTxWarp>
-              <a:noAutofit/>
-            </a:bodyPr>
-            <a:lstStyle/>
-            <a:p>
-              <a:pPr algn="ctr"/>
-              <a:endParaRPr lang="ja-JP" altLang="en-US" sz="1200" b="1" dirty="0">
-                <a:solidFill>
-                  <a:schemeClr val="bg1"/>
-                </a:solidFill>
-                <a:latin typeface="+mj-ea"/>
-              </a:endParaRPr>
-            </a:p>
-          </p:txBody>
-        </p:sp>
-        <p:sp>
-          <p:nvSpPr>
-            <p:cNvPr id="31" name="テキスト ボックス 30"/>
-            <p:cNvSpPr txBox="1"/>
-            <p:nvPr/>
-          </p:nvSpPr>
-          <p:spPr>
-            <a:xfrm>
-              <a:off x="233240" y="4033625"/>
-              <a:ext cx="424611" cy="106893"/>
-            </a:xfrm>
-            <a:custGeom>
-              <a:avLst/>
-              <a:gdLst/>
-              <a:ahLst/>
-              <a:cxnLst/>
-              <a:rect l="l" t="t" r="r" b="b"/>
-              <a:pathLst>
-                <a:path w="424611" h="106893">
-                  <a:moveTo>
-                    <a:pt x="20512" y="18247"/>
-                  </a:moveTo>
-                  <a:cubicBezTo>
-                    <a:pt x="20512" y="30003"/>
-                    <a:pt x="20512" y="41759"/>
-                    <a:pt x="20512" y="53515"/>
-                  </a:cubicBezTo>
-                  <a:cubicBezTo>
-                    <a:pt x="22346" y="53515"/>
-                    <a:pt x="24180" y="53515"/>
-                    <a:pt x="26015" y="53515"/>
-                  </a:cubicBezTo>
-                  <a:cubicBezTo>
-                    <a:pt x="36354" y="53515"/>
-                    <a:pt x="43201" y="51960"/>
-                    <a:pt x="46557" y="48851"/>
-                  </a:cubicBezTo>
-                  <a:cubicBezTo>
-                    <a:pt x="49913" y="45742"/>
-                    <a:pt x="51591" y="40965"/>
-                    <a:pt x="51591" y="34519"/>
-                  </a:cubicBezTo>
-                  <a:cubicBezTo>
-                    <a:pt x="51591" y="29209"/>
-                    <a:pt x="49976" y="25169"/>
-                    <a:pt x="46745" y="22400"/>
-                  </a:cubicBezTo>
-                  <a:cubicBezTo>
-                    <a:pt x="43514" y="19631"/>
-                    <a:pt x="37125" y="18247"/>
-                    <a:pt x="27578" y="18247"/>
-                  </a:cubicBezTo>
-                  <a:cubicBezTo>
-                    <a:pt x="25222" y="18247"/>
-                    <a:pt x="22867" y="18247"/>
-                    <a:pt x="20512" y="18247"/>
-                  </a:cubicBezTo>
-                  <a:close/>
-                  <a:moveTo>
-                    <a:pt x="125528" y="16204"/>
-                  </a:moveTo>
-                  <a:cubicBezTo>
-                    <a:pt x="118066" y="16204"/>
-                    <a:pt x="112125" y="19450"/>
-                    <a:pt x="107706" y="25941"/>
-                  </a:cubicBezTo>
-                  <a:cubicBezTo>
-                    <a:pt x="103287" y="32431"/>
-                    <a:pt x="101077" y="41623"/>
-                    <a:pt x="101077" y="53515"/>
-                  </a:cubicBezTo>
-                  <a:cubicBezTo>
-                    <a:pt x="101077" y="65362"/>
-                    <a:pt x="103287" y="74519"/>
-                    <a:pt x="107706" y="80987"/>
-                  </a:cubicBezTo>
-                  <a:cubicBezTo>
-                    <a:pt x="112125" y="87455"/>
-                    <a:pt x="118066" y="90689"/>
-                    <a:pt x="125528" y="90689"/>
-                  </a:cubicBezTo>
-                  <a:cubicBezTo>
-                    <a:pt x="132949" y="90689"/>
-                    <a:pt x="138869" y="87432"/>
-                    <a:pt x="143288" y="80919"/>
-                  </a:cubicBezTo>
-                  <a:cubicBezTo>
-                    <a:pt x="147707" y="74405"/>
-                    <a:pt x="149917" y="65248"/>
-                    <a:pt x="149917" y="53447"/>
-                  </a:cubicBezTo>
-                  <a:cubicBezTo>
-                    <a:pt x="149917" y="41600"/>
-                    <a:pt x="147718" y="32431"/>
-                    <a:pt x="143319" y="25941"/>
-                  </a:cubicBezTo>
-                  <a:cubicBezTo>
-                    <a:pt x="138921" y="19450"/>
-                    <a:pt x="132991" y="16204"/>
-                    <a:pt x="125528" y="16204"/>
-                  </a:cubicBezTo>
-                  <a:close/>
-                  <a:moveTo>
-                    <a:pt x="342065" y="2111"/>
-                  </a:moveTo>
-                  <a:cubicBezTo>
-                    <a:pt x="369581" y="2111"/>
-                    <a:pt x="397096" y="2111"/>
-                    <a:pt x="424611" y="2111"/>
-                  </a:cubicBezTo>
-                  <a:cubicBezTo>
-                    <a:pt x="424611" y="7785"/>
-                    <a:pt x="424611" y="13458"/>
-                    <a:pt x="424611" y="19132"/>
-                  </a:cubicBezTo>
-                  <a:cubicBezTo>
-                    <a:pt x="414293" y="19132"/>
-                    <a:pt x="403975" y="19132"/>
-                    <a:pt x="393656" y="19132"/>
-                  </a:cubicBezTo>
-                  <a:cubicBezTo>
-                    <a:pt x="393656" y="47660"/>
-                    <a:pt x="393656" y="76187"/>
-                    <a:pt x="393656" y="104715"/>
-                  </a:cubicBezTo>
-                  <a:cubicBezTo>
-                    <a:pt x="386778" y="104715"/>
-                    <a:pt x="379899" y="104715"/>
-                    <a:pt x="373020" y="104715"/>
-                  </a:cubicBezTo>
-                  <a:cubicBezTo>
-                    <a:pt x="373020" y="76187"/>
-                    <a:pt x="373020" y="47660"/>
-                    <a:pt x="373020" y="19132"/>
-                  </a:cubicBezTo>
-                  <a:cubicBezTo>
-                    <a:pt x="362702" y="19132"/>
-                    <a:pt x="352384" y="19132"/>
-                    <a:pt x="342065" y="19132"/>
-                  </a:cubicBezTo>
-                  <a:cubicBezTo>
-                    <a:pt x="342065" y="13458"/>
-                    <a:pt x="342065" y="7785"/>
-                    <a:pt x="342065" y="2111"/>
-                  </a:cubicBezTo>
-                  <a:close/>
-                  <a:moveTo>
-                    <a:pt x="250806" y="2111"/>
-                  </a:moveTo>
-                  <a:cubicBezTo>
-                    <a:pt x="259144" y="2111"/>
-                    <a:pt x="267482" y="2111"/>
-                    <a:pt x="275820" y="2111"/>
-                  </a:cubicBezTo>
-                  <a:cubicBezTo>
-                    <a:pt x="288202" y="24216"/>
-                    <a:pt x="300584" y="46321"/>
-                    <a:pt x="312966" y="68425"/>
-                  </a:cubicBezTo>
-                  <a:cubicBezTo>
-                    <a:pt x="312966" y="46321"/>
-                    <a:pt x="312966" y="24216"/>
-                    <a:pt x="312966" y="2111"/>
-                  </a:cubicBezTo>
-                  <a:cubicBezTo>
-                    <a:pt x="319344" y="2111"/>
-                    <a:pt x="325723" y="2111"/>
-                    <a:pt x="332101" y="2111"/>
-                  </a:cubicBezTo>
-                  <a:cubicBezTo>
-                    <a:pt x="332101" y="36312"/>
-                    <a:pt x="332101" y="70513"/>
-                    <a:pt x="332101" y="104715"/>
-                  </a:cubicBezTo>
-                  <a:cubicBezTo>
-                    <a:pt x="325473" y="104715"/>
-                    <a:pt x="318844" y="104715"/>
-                    <a:pt x="312215" y="104715"/>
-                  </a:cubicBezTo>
-                  <a:cubicBezTo>
-                    <a:pt x="298124" y="79637"/>
-                    <a:pt x="284033" y="54559"/>
-                    <a:pt x="269942" y="29481"/>
-                  </a:cubicBezTo>
-                  <a:cubicBezTo>
-                    <a:pt x="269942" y="54559"/>
-                    <a:pt x="269942" y="79637"/>
-                    <a:pt x="269942" y="104715"/>
-                  </a:cubicBezTo>
-                  <a:cubicBezTo>
-                    <a:pt x="263563" y="104715"/>
-                    <a:pt x="257185" y="104715"/>
-                    <a:pt x="250806" y="104715"/>
-                  </a:cubicBezTo>
-                  <a:cubicBezTo>
-                    <a:pt x="250806" y="70513"/>
-                    <a:pt x="250806" y="36312"/>
-                    <a:pt x="250806" y="2111"/>
-                  </a:cubicBezTo>
-                  <a:close/>
-                  <a:moveTo>
-                    <a:pt x="182456" y="2111"/>
-                  </a:moveTo>
-                  <a:cubicBezTo>
-                    <a:pt x="199590" y="2111"/>
-                    <a:pt x="216725" y="2111"/>
-                    <a:pt x="233859" y="2111"/>
-                  </a:cubicBezTo>
-                  <a:cubicBezTo>
-                    <a:pt x="233859" y="7217"/>
-                    <a:pt x="233859" y="12324"/>
-                    <a:pt x="233859" y="17430"/>
-                  </a:cubicBezTo>
-                  <a:cubicBezTo>
-                    <a:pt x="228731" y="17430"/>
-                    <a:pt x="223604" y="17430"/>
-                    <a:pt x="218476" y="17430"/>
-                  </a:cubicBezTo>
-                  <a:cubicBezTo>
-                    <a:pt x="218476" y="41418"/>
-                    <a:pt x="218476" y="65407"/>
-                    <a:pt x="218476" y="89395"/>
-                  </a:cubicBezTo>
-                  <a:cubicBezTo>
-                    <a:pt x="223604" y="89395"/>
-                    <a:pt x="228731" y="89395"/>
-                    <a:pt x="233859" y="89395"/>
-                  </a:cubicBezTo>
-                  <a:cubicBezTo>
-                    <a:pt x="233859" y="94502"/>
-                    <a:pt x="233859" y="99608"/>
-                    <a:pt x="233859" y="104715"/>
-                  </a:cubicBezTo>
-                  <a:cubicBezTo>
-                    <a:pt x="216725" y="104715"/>
-                    <a:pt x="199590" y="104715"/>
-                    <a:pt x="182456" y="104715"/>
-                  </a:cubicBezTo>
-                  <a:cubicBezTo>
-                    <a:pt x="182456" y="99608"/>
-                    <a:pt x="182456" y="94502"/>
-                    <a:pt x="182456" y="89395"/>
-                  </a:cubicBezTo>
-                  <a:cubicBezTo>
-                    <a:pt x="187584" y="89395"/>
-                    <a:pt x="192711" y="89395"/>
-                    <a:pt x="197839" y="89395"/>
-                  </a:cubicBezTo>
-                  <a:cubicBezTo>
-                    <a:pt x="197839" y="65407"/>
-                    <a:pt x="197839" y="41418"/>
-                    <a:pt x="197839" y="17430"/>
-                  </a:cubicBezTo>
-                  <a:cubicBezTo>
-                    <a:pt x="192711" y="17430"/>
-                    <a:pt x="187584" y="17430"/>
-                    <a:pt x="182456" y="17430"/>
-                  </a:cubicBezTo>
-                  <a:cubicBezTo>
-                    <a:pt x="182456" y="12324"/>
-                    <a:pt x="182456" y="7217"/>
-                    <a:pt x="182456" y="2111"/>
-                  </a:cubicBezTo>
-                  <a:close/>
-                  <a:moveTo>
-                    <a:pt x="0" y="2111"/>
-                  </a:moveTo>
-                  <a:cubicBezTo>
-                    <a:pt x="11882" y="2111"/>
-                    <a:pt x="23763" y="2111"/>
-                    <a:pt x="35645" y="2111"/>
-                  </a:cubicBezTo>
-                  <a:cubicBezTo>
-                    <a:pt x="47860" y="2111"/>
-                    <a:pt x="57136" y="4823"/>
-                    <a:pt x="63473" y="10247"/>
-                  </a:cubicBezTo>
-                  <a:cubicBezTo>
-                    <a:pt x="69810" y="15671"/>
-                    <a:pt x="72978" y="23603"/>
-                    <a:pt x="72978" y="34043"/>
-                  </a:cubicBezTo>
-                  <a:cubicBezTo>
-                    <a:pt x="72978" y="44936"/>
-                    <a:pt x="69476" y="53617"/>
-                    <a:pt x="62472" y="60085"/>
-                  </a:cubicBezTo>
-                  <a:cubicBezTo>
-                    <a:pt x="55468" y="66553"/>
-                    <a:pt x="46338" y="69787"/>
-                    <a:pt x="35082" y="69787"/>
-                  </a:cubicBezTo>
-                  <a:cubicBezTo>
-                    <a:pt x="30267" y="69787"/>
-                    <a:pt x="25452" y="69787"/>
-                    <a:pt x="20637" y="69787"/>
-                  </a:cubicBezTo>
-                  <a:cubicBezTo>
-                    <a:pt x="20637" y="81430"/>
-                    <a:pt x="20637" y="93072"/>
-                    <a:pt x="20637" y="104715"/>
-                  </a:cubicBezTo>
-                  <a:cubicBezTo>
-                    <a:pt x="13758" y="104715"/>
-                    <a:pt x="6879" y="104715"/>
-                    <a:pt x="0" y="104715"/>
-                  </a:cubicBezTo>
-                  <a:cubicBezTo>
-                    <a:pt x="0" y="70513"/>
-                    <a:pt x="0" y="36312"/>
-                    <a:pt x="0" y="2111"/>
-                  </a:cubicBezTo>
-                  <a:close/>
-                  <a:moveTo>
-                    <a:pt x="125466" y="0"/>
-                  </a:moveTo>
-                  <a:cubicBezTo>
-                    <a:pt x="139849" y="0"/>
-                    <a:pt x="151136" y="4766"/>
-                    <a:pt x="159328" y="14298"/>
-                  </a:cubicBezTo>
-                  <a:cubicBezTo>
-                    <a:pt x="167520" y="23830"/>
-                    <a:pt x="171616" y="36902"/>
-                    <a:pt x="171616" y="53515"/>
-                  </a:cubicBezTo>
-                  <a:cubicBezTo>
-                    <a:pt x="171616" y="69991"/>
-                    <a:pt x="167541" y="83007"/>
-                    <a:pt x="159391" y="92561"/>
-                  </a:cubicBezTo>
-                  <a:cubicBezTo>
-                    <a:pt x="151240" y="102116"/>
-                    <a:pt x="139932" y="106893"/>
-                    <a:pt x="125466" y="106893"/>
-                  </a:cubicBezTo>
-                  <a:cubicBezTo>
-                    <a:pt x="111124" y="106893"/>
-                    <a:pt x="99858" y="102139"/>
-                    <a:pt x="91666" y="92629"/>
-                  </a:cubicBezTo>
-                  <a:cubicBezTo>
-                    <a:pt x="83474" y="83120"/>
-                    <a:pt x="79378" y="70082"/>
-                    <a:pt x="79378" y="53515"/>
-                  </a:cubicBezTo>
-                  <a:cubicBezTo>
-                    <a:pt x="79378" y="36857"/>
-                    <a:pt x="83453" y="23773"/>
-                    <a:pt x="91603" y="14264"/>
-                  </a:cubicBezTo>
-                  <a:cubicBezTo>
-                    <a:pt x="99753" y="4755"/>
-                    <a:pt x="111041" y="0"/>
-                    <a:pt x="125466" y="0"/>
-                  </a:cubicBezTo>
-                  <a:close/>
-                </a:path>
-              </a:pathLst>
-            </a:custGeom>
-            <a:solidFill>
-              <a:schemeClr val="bg1"/>
-            </a:solidFill>
-            <a:ln>
-              <a:noFill/>
-            </a:ln>
-            <a:effectLst>
-              <a:glow rad="12700">
-                <a:schemeClr val="accent2">
-                  <a:alpha val="84000"/>
-                </a:schemeClr>
-              </a:glow>
-            </a:effectLst>
-          </p:spPr>
-          <p:txBody>
-            <a:bodyPr rot="0" spcFirstLastPara="0" vertOverflow="overflow" horzOverflow="overflow" vert="horz" wrap="square" lIns="91440" tIns="45720" rIns="91440" bIns="45720" numCol="1" spcCol="0" rtlCol="0" fromWordArt="0" anchor="t" anchorCtr="0" forceAA="0" compatLnSpc="1">
-              <a:prstTxWarp prst="textNoShape">
-                <a:avLst/>
-              </a:prstTxWarp>
-              <a:noAutofit/>
-            </a:bodyPr>
-            <a:lstStyle/>
-            <a:p>
-              <a:pPr algn="ctr"/>
-              <a:endParaRPr kumimoji="1" lang="ja-JP" altLang="en-US" b="1" dirty="0">
-                <a:solidFill>
-                  <a:schemeClr val="bg1"/>
-                </a:solidFill>
-                <a:effectLst>
-                  <a:glow rad="38100">
-                    <a:schemeClr val="accent2">
-                      <a:alpha val="84000"/>
-                    </a:schemeClr>
-                  </a:glow>
-                </a:effectLst>
-              </a:endParaRPr>
-            </a:p>
-          </p:txBody>
-        </p:sp>
-      </p:grpSp>
-      <p:cxnSp>
-        <p:nvCxnSpPr>
-          <p:cNvPr id="32" name="直線コネクタ 31"/>
-          <p:cNvCxnSpPr/>
-          <p:nvPr/>
-        </p:nvCxnSpPr>
-        <p:spPr bwMode="auto">
-          <a:xfrm>
-            <a:off x="5974429" y="5035989"/>
             <a:ext cx="1080000" cy="0"/>
           </a:xfrm>
           <a:prstGeom prst="line">
@@ -18112,14 +14686,14 @@
           <p:nvPr>
             <p:extLst>
               <p:ext uri="{D42A27DB-BD31-4B8C-83A1-F6EECF244321}">
-                <p14:modId xmlns:p14="http://schemas.microsoft.com/office/powerpoint/2010/main" val="3342812912"/>
+                <p14:modId xmlns:p14="http://schemas.microsoft.com/office/powerpoint/2010/main" val="3105156258"/>
               </p:ext>
             </p:extLst>
           </p:nvPr>
         </p:nvGraphicFramePr>
         <p:xfrm>
           <a:off x="539440" y="2060814"/>
-          <a:ext cx="8065121" cy="4297928"/>
+          <a:ext cx="8065121" cy="4221728"/>
         </p:xfrm>
         <a:graphic>
           <a:graphicData uri="http://schemas.openxmlformats.org/drawingml/2006/table">
@@ -18131,28 +14705,28 @@
                 <a:gridCol w="2012783">
                   <a:extLst>
                     <a:ext uri="{9D8B030D-6E8A-4147-A177-3AD203B41FA5}">
-                      <a16:colId xmlns="" xmlns:a16="http://schemas.microsoft.com/office/drawing/2014/main" val="20000"/>
+                      <a16:colId xmlns:a16="http://schemas.microsoft.com/office/drawing/2014/main" val="20000"/>
                     </a:ext>
                   </a:extLst>
                 </a:gridCol>
                 <a:gridCol w="715386">
                   <a:extLst>
                     <a:ext uri="{9D8B030D-6E8A-4147-A177-3AD203B41FA5}">
-                      <a16:colId xmlns="" xmlns:a16="http://schemas.microsoft.com/office/drawing/2014/main" val="20001"/>
+                      <a16:colId xmlns:a16="http://schemas.microsoft.com/office/drawing/2014/main" val="20001"/>
                     </a:ext>
                   </a:extLst>
                 </a:gridCol>
                 <a:gridCol w="887937">
                   <a:extLst>
                     <a:ext uri="{9D8B030D-6E8A-4147-A177-3AD203B41FA5}">
-                      <a16:colId xmlns="" xmlns:a16="http://schemas.microsoft.com/office/drawing/2014/main" val="20002"/>
+                      <a16:colId xmlns:a16="http://schemas.microsoft.com/office/drawing/2014/main" val="20002"/>
                     </a:ext>
                   </a:extLst>
                 </a:gridCol>
                 <a:gridCol w="4449015">
                   <a:extLst>
                     <a:ext uri="{9D8B030D-6E8A-4147-A177-3AD203B41FA5}">
-                      <a16:colId xmlns="" xmlns:a16="http://schemas.microsoft.com/office/drawing/2014/main" val="20003"/>
+                      <a16:colId xmlns:a16="http://schemas.microsoft.com/office/drawing/2014/main" val="20003"/>
                     </a:ext>
                   </a:extLst>
                 </a:gridCol>
@@ -18280,7 +14854,7 @@
                 </a:tc>
                 <a:extLst>
                   <a:ext uri="{0D108BD9-81ED-4DB2-BD59-A6C34878D82A}">
-                    <a16:rowId xmlns="" xmlns:a16="http://schemas.microsoft.com/office/drawing/2014/main" val="10000"/>
+                    <a16:rowId xmlns:a16="http://schemas.microsoft.com/office/drawing/2014/main" val="10000"/>
                   </a:ext>
                 </a:extLst>
               </a:tr>
@@ -18459,7 +15033,7 @@
                 </a:tc>
                 <a:extLst>
                   <a:ext uri="{0D108BD9-81ED-4DB2-BD59-A6C34878D82A}">
-                    <a16:rowId xmlns="" xmlns:a16="http://schemas.microsoft.com/office/drawing/2014/main" val="10001"/>
+                    <a16:rowId xmlns:a16="http://schemas.microsoft.com/office/drawing/2014/main" val="10001"/>
                   </a:ext>
                 </a:extLst>
               </a:tr>
@@ -18604,6 +15178,9 @@
                         </a:rPr>
                         <a:t>をインストールするディレクトリを絶対パスで指定してください。</a:t>
                       </a:r>
+                      <a:endParaRPr lang="en-US" altLang="ja-JP" sz="1000" kern="100" dirty="0" smtClean="0">
+                        <a:effectLst/>
+                      </a:endParaRPr>
                     </a:p>
                     <a:p>
                       <a:pPr algn="just">
@@ -18615,16 +15192,29 @@
                         </a:spcAft>
                       </a:pPr>
                       <a:r>
+                        <a:rPr lang="ja-JP" altLang="en-US" sz="1000" kern="100" dirty="0" smtClean="0">
+                          <a:effectLst/>
+                        </a:rPr>
+                        <a:t>全ユーザーが参照可能なディレクトリを指定してください。</a:t>
+                      </a:r>
+                      <a:endParaRPr lang="ja-JP" sz="1000" kern="100" dirty="0" smtClean="0">
+                        <a:effectLst/>
+                      </a:endParaRPr>
+                    </a:p>
+                    <a:p>
+                      <a:pPr algn="just">
+                        <a:lnSpc>
+                          <a:spcPct val="100000"/>
+                        </a:lnSpc>
+                        <a:spcAft>
+                          <a:spcPts val="0"/>
+                        </a:spcAft>
+                      </a:pPr>
+                      <a:r>
                         <a:rPr lang="ja-JP" sz="1000" kern="100" dirty="0" smtClean="0">
                           <a:effectLst/>
                         </a:rPr>
-                        <a:t>ディレクトリ</a:t>
-                      </a:r>
-                      <a:r>
-                        <a:rPr lang="ja-JP" sz="1000" kern="100" dirty="0">
-                          <a:effectLst/>
-                        </a:rPr>
-                        <a:t>が無い場合作成されます。</a:t>
+                        <a:t>ディレクトリが無い場合作成されます。</a:t>
                       </a:r>
                       <a:endParaRPr lang="ja-JP" sz="1000" kern="100" dirty="0">
                         <a:effectLst/>
@@ -18642,7 +15232,7 @@
                 </a:tc>
                 <a:extLst>
                   <a:ext uri="{0D108BD9-81ED-4DB2-BD59-A6C34878D82A}">
-                    <a16:rowId xmlns="" xmlns:a16="http://schemas.microsoft.com/office/drawing/2014/main" val="10002"/>
+                    <a16:rowId xmlns:a16="http://schemas.microsoft.com/office/drawing/2014/main" val="10002"/>
                   </a:ext>
                 </a:extLst>
               </a:tr>
@@ -18823,7 +15413,7 @@
                 </a:tc>
                 <a:extLst>
                   <a:ext uri="{0D108BD9-81ED-4DB2-BD59-A6C34878D82A}">
-                    <a16:rowId xmlns="" xmlns:a16="http://schemas.microsoft.com/office/drawing/2014/main" val="10003"/>
+                    <a16:rowId xmlns:a16="http://schemas.microsoft.com/office/drawing/2014/main" val="10003"/>
                   </a:ext>
                 </a:extLst>
               </a:tr>
@@ -18908,7 +15498,7 @@
                         </a:spcAft>
                       </a:pPr>
                       <a:r>
-                        <a:rPr lang="en-US" sz="1000" kern="100" dirty="0">
+                        <a:rPr lang="en-US" sz="1000" kern="100" dirty="0" smtClean="0">
                           <a:effectLst/>
                         </a:rPr>
                         <a:t>RHEL7</a:t>
@@ -18953,16 +15543,34 @@
                         <a:t>の</a:t>
                       </a:r>
                       <a:r>
-                        <a:rPr lang="en-US" sz="1000" kern="100" dirty="0">
+                        <a:rPr lang="en-US" sz="1000" kern="100" dirty="0" smtClean="0">
                           <a:effectLst/>
                         </a:rPr>
                         <a:t>OS</a:t>
                       </a:r>
                       <a:r>
+                        <a:rPr lang="en-US" sz="800" kern="100" dirty="0" smtClean="0">
+                          <a:effectLst/>
+                        </a:rPr>
+                        <a:t>(RHEL7 </a:t>
+                      </a:r>
+                      <a:r>
+                        <a:rPr lang="ja-JP" sz="800" kern="100" dirty="0">
+                          <a:effectLst/>
+                        </a:rPr>
+                        <a:t>系の場合は</a:t>
+                      </a:r>
+                      <a:r>
                         <a:rPr lang="en-US" sz="800" kern="100" dirty="0">
                           <a:effectLst/>
                         </a:rPr>
-                        <a:t>(RHEL6 </a:t>
+                        <a:t>(</a:t>
+                      </a:r>
+                      <a:r>
+                        <a:rPr lang="en-US" sz="800" kern="100" dirty="0" smtClean="0">
+                          <a:effectLst/>
+                        </a:rPr>
+                        <a:t>RHEL7)/ RHEL8 </a:t>
                       </a:r>
                       <a:r>
                         <a:rPr lang="ja-JP" sz="800" kern="100" dirty="0">
@@ -18974,19 +15582,13 @@
                         <a:rPr lang="en-US" sz="800" kern="100" dirty="0">
                           <a:effectLst/>
                         </a:rPr>
-                        <a:t>(RHEL6)/ RHEL7 </a:t>
-                      </a:r>
-                      <a:r>
-                        <a:rPr lang="ja-JP" sz="800" kern="100" dirty="0">
-                          <a:effectLst/>
-                        </a:rPr>
-                        <a:t>系の場合は</a:t>
-                      </a:r>
-                      <a:r>
-                        <a:rPr lang="en-US" sz="800" kern="100" dirty="0">
-                          <a:effectLst/>
-                        </a:rPr>
-                        <a:t>(RHEL7))</a:t>
+                        <a:t>(</a:t>
+                      </a:r>
+                      <a:r>
+                        <a:rPr lang="en-US" sz="800" kern="100" dirty="0" smtClean="0">
+                          <a:effectLst/>
+                        </a:rPr>
+                        <a:t>RHEL8))</a:t>
                       </a:r>
                       <a:endParaRPr lang="ja-JP" sz="1000" kern="100" dirty="0">
                         <a:effectLst/>
@@ -19004,7 +15606,7 @@
                 </a:tc>
                 <a:extLst>
                   <a:ext uri="{0D108BD9-81ED-4DB2-BD59-A6C34878D82A}">
-                    <a16:rowId xmlns="" xmlns:a16="http://schemas.microsoft.com/office/drawing/2014/main" val="10004"/>
+                    <a16:rowId xmlns:a16="http://schemas.microsoft.com/office/drawing/2014/main" val="10004"/>
                   </a:ext>
                 </a:extLst>
               </a:tr>
@@ -19180,7 +15782,7 @@
                 </a:tc>
                 <a:extLst>
                   <a:ext uri="{0D108BD9-81ED-4DB2-BD59-A6C34878D82A}">
-                    <a16:rowId xmlns="" xmlns:a16="http://schemas.microsoft.com/office/drawing/2014/main" val="10005"/>
+                    <a16:rowId xmlns:a16="http://schemas.microsoft.com/office/drawing/2014/main" val="10005"/>
                   </a:ext>
                 </a:extLst>
               </a:tr>
@@ -19357,7 +15959,7 @@
                 </a:tc>
                 <a:extLst>
                   <a:ext uri="{0D108BD9-81ED-4DB2-BD59-A6C34878D82A}">
-                    <a16:rowId xmlns="" xmlns:a16="http://schemas.microsoft.com/office/drawing/2014/main" val="10006"/>
+                    <a16:rowId xmlns:a16="http://schemas.microsoft.com/office/drawing/2014/main" val="10006"/>
                   </a:ext>
                 </a:extLst>
               </a:tr>
@@ -19534,7 +16136,7 @@
                 </a:tc>
                 <a:extLst>
                   <a:ext uri="{0D108BD9-81ED-4DB2-BD59-A6C34878D82A}">
-                    <a16:rowId xmlns="" xmlns:a16="http://schemas.microsoft.com/office/drawing/2014/main" val="10007"/>
+                    <a16:rowId xmlns:a16="http://schemas.microsoft.com/office/drawing/2014/main" val="10007"/>
                   </a:ext>
                 </a:extLst>
               </a:tr>
@@ -19711,7 +16313,7 @@
                 </a:tc>
                 <a:extLst>
                   <a:ext uri="{0D108BD9-81ED-4DB2-BD59-A6C34878D82A}">
-                    <a16:rowId xmlns="" xmlns:a16="http://schemas.microsoft.com/office/drawing/2014/main" val="10008"/>
+                    <a16:rowId xmlns:a16="http://schemas.microsoft.com/office/drawing/2014/main" val="10008"/>
                   </a:ext>
                 </a:extLst>
               </a:tr>
@@ -19874,7 +16476,7 @@
                 </a:tc>
                 <a:extLst>
                   <a:ext uri="{0D108BD9-81ED-4DB2-BD59-A6C34878D82A}">
-                    <a16:rowId xmlns="" xmlns:a16="http://schemas.microsoft.com/office/drawing/2014/main" val="10009"/>
+                    <a16:rowId xmlns:a16="http://schemas.microsoft.com/office/drawing/2014/main" val="10009"/>
                   </a:ext>
                 </a:extLst>
               </a:tr>
@@ -20013,7 +16615,7 @@
                 </a:tc>
                 <a:extLst>
                   <a:ext uri="{0D108BD9-81ED-4DB2-BD59-A6C34878D82A}">
-                    <a16:rowId xmlns="" xmlns:a16="http://schemas.microsoft.com/office/drawing/2014/main" val="10010"/>
+                    <a16:rowId xmlns:a16="http://schemas.microsoft.com/office/drawing/2014/main" val="10010"/>
                   </a:ext>
                 </a:extLst>
               </a:tr>
@@ -20152,7 +16754,7 @@
                 </a:tc>
                 <a:extLst>
                   <a:ext uri="{0D108BD9-81ED-4DB2-BD59-A6C34878D82A}">
-                    <a16:rowId xmlns="" xmlns:a16="http://schemas.microsoft.com/office/drawing/2014/main" val="10011"/>
+                    <a16:rowId xmlns:a16="http://schemas.microsoft.com/office/drawing/2014/main" val="10011"/>
                   </a:ext>
                 </a:extLst>
               </a:tr>
@@ -20291,7 +16893,7 @@
                 </a:tc>
                 <a:extLst>
                   <a:ext uri="{0D108BD9-81ED-4DB2-BD59-A6C34878D82A}">
-                    <a16:rowId xmlns="" xmlns:a16="http://schemas.microsoft.com/office/drawing/2014/main" val="10012"/>
+                    <a16:rowId xmlns:a16="http://schemas.microsoft.com/office/drawing/2014/main" val="10012"/>
                   </a:ext>
                 </a:extLst>
               </a:tr>
@@ -20454,7 +17056,7 @@
                 </a:tc>
                 <a:extLst>
                   <a:ext uri="{0D108BD9-81ED-4DB2-BD59-A6C34878D82A}">
-                    <a16:rowId xmlns="" xmlns:a16="http://schemas.microsoft.com/office/drawing/2014/main" val="10013"/>
+                    <a16:rowId xmlns:a16="http://schemas.microsoft.com/office/drawing/2014/main" val="10013"/>
                   </a:ext>
                 </a:extLst>
               </a:tr>
@@ -20476,7 +17078,7 @@
                         <a:rPr lang="en-US" sz="1000" kern="100" dirty="0">
                           <a:effectLst/>
                         </a:rPr>
-                        <a:t>cobbler_driver</a:t>
+                        <a:t>openstack_driver</a:t>
                       </a:r>
                       <a:endParaRPr lang="ja-JP" sz="1000" kern="100" dirty="0">
                         <a:effectLst/>
@@ -20521,6 +17123,151 @@
                   </a:txBody>
                   <a:tcPr marL="68495" marR="68495" marT="0" marB="0" anchor="ctr">
                     <a:solidFill>
+                      <a:srgbClr val="CBCDD3"/>
+                    </a:solidFill>
+                  </a:tcPr>
+                </a:tc>
+                <a:tc>
+                  <a:txBody>
+                    <a:bodyPr/>
+                    <a:lstStyle/>
+                    <a:p>
+                      <a:pPr algn="ctr">
+                        <a:lnSpc>
+                          <a:spcPct val="150000"/>
+                        </a:lnSpc>
+                        <a:spcAft>
+                          <a:spcPts val="0"/>
+                        </a:spcAft>
+                      </a:pPr>
+                      <a:r>
+                        <a:rPr lang="en-US" sz="1000" kern="100" dirty="0">
+                          <a:effectLst/>
+                        </a:rPr>
+                        <a:t>no</a:t>
+                      </a:r>
+                      <a:endParaRPr lang="ja-JP" sz="1000" kern="100" dirty="0">
+                        <a:effectLst/>
+                        <a:latin typeface="Century" panose="02040604050505020304" pitchFamily="18" charset="0"/>
+                        <a:ea typeface="ＭＳ 明朝" panose="02020609040205080304" pitchFamily="17" charset="-128"/>
+                        <a:cs typeface="Times New Roman" panose="02020603050405020304" pitchFamily="18" charset="0"/>
+                      </a:endParaRPr>
+                    </a:p>
+                  </a:txBody>
+                  <a:tcPr marL="68495" marR="68495" marT="0" marB="0" anchor="ctr">
+                    <a:solidFill>
+                      <a:srgbClr val="CBCDD3"/>
+                    </a:solidFill>
+                  </a:tcPr>
+                </a:tc>
+                <a:tc>
+                  <a:txBody>
+                    <a:bodyPr/>
+                    <a:lstStyle/>
+                    <a:p>
+                      <a:pPr algn="just">
+                        <a:lnSpc>
+                          <a:spcPct val="150000"/>
+                        </a:lnSpc>
+                        <a:spcAft>
+                          <a:spcPts val="0"/>
+                        </a:spcAft>
+                      </a:pPr>
+                      <a:r>
+                        <a:rPr lang="en-US" sz="1000" kern="100" dirty="0">
+                          <a:effectLst/>
+                        </a:rPr>
+                        <a:t>OpenStack driver</a:t>
+                      </a:r>
+                      <a:r>
+                        <a:rPr lang="ja-JP" sz="1000" kern="100" dirty="0">
+                          <a:effectLst/>
+                        </a:rPr>
+                        <a:t>のインストール有無指定</a:t>
+                      </a:r>
+                      <a:endParaRPr lang="ja-JP" sz="1000" kern="100" dirty="0">
+                        <a:effectLst/>
+                        <a:latin typeface="Century" panose="02040604050505020304" pitchFamily="18" charset="0"/>
+                        <a:ea typeface="ＭＳ 明朝" panose="02020609040205080304" pitchFamily="17" charset="-128"/>
+                        <a:cs typeface="Times New Roman" panose="02020603050405020304" pitchFamily="18" charset="0"/>
+                      </a:endParaRPr>
+                    </a:p>
+                  </a:txBody>
+                  <a:tcPr marL="68495" marR="68495" marT="0" marB="0" anchor="ctr">
+                    <a:solidFill>
+                      <a:srgbClr val="CBCDD3"/>
+                    </a:solidFill>
+                  </a:tcPr>
+                </a:tc>
+                <a:extLst>
+                  <a:ext uri="{0D108BD9-81ED-4DB2-BD59-A6C34878D82A}">
+                    <a16:rowId xmlns:a16="http://schemas.microsoft.com/office/drawing/2014/main" val="10015"/>
+                  </a:ext>
+                </a:extLst>
+              </a:tr>
+              <a:tr h="222140">
+                <a:tc>
+                  <a:txBody>
+                    <a:bodyPr/>
+                    <a:lstStyle/>
+                    <a:p>
+                      <a:pPr algn="just">
+                        <a:lnSpc>
+                          <a:spcPct val="150000"/>
+                        </a:lnSpc>
+                        <a:spcAft>
+                          <a:spcPts val="0"/>
+                        </a:spcAft>
+                      </a:pPr>
+                      <a:r>
+                        <a:rPr lang="en-US" sz="1000" kern="100" dirty="0">
+                          <a:effectLst/>
+                        </a:rPr>
+                        <a:t>dsc_driver</a:t>
+                      </a:r>
+                      <a:endParaRPr lang="ja-JP" sz="1000" kern="100" dirty="0">
+                        <a:effectLst/>
+                        <a:latin typeface="Century" panose="02040604050505020304" pitchFamily="18" charset="0"/>
+                        <a:ea typeface="ＭＳ 明朝" panose="02020609040205080304" pitchFamily="17" charset="-128"/>
+                        <a:cs typeface="Times New Roman" panose="02020603050405020304" pitchFamily="18" charset="0"/>
+                      </a:endParaRPr>
+                    </a:p>
+                  </a:txBody>
+                  <a:tcPr marL="68495" marR="68495" marT="0" marB="0" anchor="ctr">
+                    <a:solidFill>
+                      <a:srgbClr val="002B62"/>
+                    </a:solidFill>
+                  </a:tcPr>
+                </a:tc>
+                <a:tc>
+                  <a:txBody>
+                    <a:bodyPr/>
+                    <a:lstStyle/>
+                    <a:p>
+                      <a:pPr algn="ctr">
+                        <a:lnSpc>
+                          <a:spcPct val="150000"/>
+                        </a:lnSpc>
+                        <a:spcAft>
+                          <a:spcPts val="0"/>
+                        </a:spcAft>
+                      </a:pPr>
+                      <a:r>
+                        <a:rPr lang="en-US" sz="1000" kern="100" dirty="0">
+                          <a:effectLst/>
+                        </a:rPr>
+                        <a:t>○</a:t>
+                      </a:r>
+                      <a:endParaRPr lang="ja-JP" sz="1000" kern="100" dirty="0">
+                        <a:effectLst/>
+                        <a:latin typeface="Century" panose="02040604050505020304" pitchFamily="18" charset="0"/>
+                        <a:ea typeface="ＭＳ 明朝" panose="02020609040205080304" pitchFamily="17" charset="-128"/>
+                        <a:cs typeface="Times New Roman" panose="02020603050405020304" pitchFamily="18" charset="0"/>
+                      </a:endParaRPr>
+                    </a:p>
+                  </a:txBody>
+                  <a:tcPr marL="68495" marR="68495" marT="0" marB="0" anchor="ctr">
+                    <a:solidFill>
                       <a:srgbClr val="E7E8EA"/>
                     </a:solidFill>
                   </a:tcPr>
@@ -20572,22 +17319,10 @@
                         </a:spcAft>
                       </a:pPr>
                       <a:r>
-                        <a:rPr lang="en-US" sz="1000" kern="100" dirty="0" smtClean="0">
-                          <a:effectLst/>
-                        </a:rPr>
-                        <a:t>Cobbler</a:t>
-                      </a:r>
-                      <a:r>
-                        <a:rPr lang="en-US" sz="1000" kern="100" baseline="0" dirty="0" smtClean="0">
-                          <a:effectLst/>
-                        </a:rPr>
-                        <a:t> </a:t>
-                      </a:r>
-                      <a:r>
-                        <a:rPr lang="en-US" sz="1000" kern="100" dirty="0" smtClean="0">
-                          <a:effectLst/>
-                        </a:rPr>
-                        <a:t>driver</a:t>
+                        <a:rPr lang="en-US" sz="1000" kern="100" dirty="0">
+                          <a:effectLst/>
+                        </a:rPr>
+                        <a:t>DSC driver</a:t>
                       </a:r>
                       <a:r>
                         <a:rPr lang="ja-JP" sz="1000" kern="100" dirty="0">
@@ -20611,297 +17346,7 @@
                 </a:tc>
                 <a:extLst>
                   <a:ext uri="{0D108BD9-81ED-4DB2-BD59-A6C34878D82A}">
-                    <a16:rowId xmlns="" xmlns:a16="http://schemas.microsoft.com/office/drawing/2014/main" val="10014"/>
-                  </a:ext>
-                </a:extLst>
-              </a:tr>
-              <a:tr h="222140">
-                <a:tc>
-                  <a:txBody>
-                    <a:bodyPr/>
-                    <a:lstStyle/>
-                    <a:p>
-                      <a:pPr algn="just">
-                        <a:lnSpc>
-                          <a:spcPct val="150000"/>
-                        </a:lnSpc>
-                        <a:spcAft>
-                          <a:spcPts val="0"/>
-                        </a:spcAft>
-                      </a:pPr>
-                      <a:r>
-                        <a:rPr lang="en-US" sz="1000" kern="100" dirty="0">
-                          <a:effectLst/>
-                        </a:rPr>
-                        <a:t>openstack_driver</a:t>
-                      </a:r>
-                      <a:endParaRPr lang="ja-JP" sz="1000" kern="100" dirty="0">
-                        <a:effectLst/>
-                        <a:latin typeface="Century" panose="02040604050505020304" pitchFamily="18" charset="0"/>
-                        <a:ea typeface="ＭＳ 明朝" panose="02020609040205080304" pitchFamily="17" charset="-128"/>
-                        <a:cs typeface="Times New Roman" panose="02020603050405020304" pitchFamily="18" charset="0"/>
-                      </a:endParaRPr>
-                    </a:p>
-                  </a:txBody>
-                  <a:tcPr marL="68495" marR="68495" marT="0" marB="0" anchor="ctr">
-                    <a:solidFill>
-                      <a:srgbClr val="002B62"/>
-                    </a:solidFill>
-                  </a:tcPr>
-                </a:tc>
-                <a:tc>
-                  <a:txBody>
-                    <a:bodyPr/>
-                    <a:lstStyle/>
-                    <a:p>
-                      <a:pPr algn="ctr">
-                        <a:lnSpc>
-                          <a:spcPct val="150000"/>
-                        </a:lnSpc>
-                        <a:spcAft>
-                          <a:spcPts val="0"/>
-                        </a:spcAft>
-                      </a:pPr>
-                      <a:r>
-                        <a:rPr lang="en-US" sz="1000" kern="100" dirty="0">
-                          <a:effectLst/>
-                        </a:rPr>
-                        <a:t>○</a:t>
-                      </a:r>
-                      <a:endParaRPr lang="ja-JP" sz="1000" kern="100" dirty="0">
-                        <a:effectLst/>
-                        <a:latin typeface="Century" panose="02040604050505020304" pitchFamily="18" charset="0"/>
-                        <a:ea typeface="ＭＳ 明朝" panose="02020609040205080304" pitchFamily="17" charset="-128"/>
-                        <a:cs typeface="Times New Roman" panose="02020603050405020304" pitchFamily="18" charset="0"/>
-                      </a:endParaRPr>
-                    </a:p>
-                  </a:txBody>
-                  <a:tcPr marL="68495" marR="68495" marT="0" marB="0" anchor="ctr">
-                    <a:solidFill>
-                      <a:srgbClr val="CBCDD3"/>
-                    </a:solidFill>
-                  </a:tcPr>
-                </a:tc>
-                <a:tc>
-                  <a:txBody>
-                    <a:bodyPr/>
-                    <a:lstStyle/>
-                    <a:p>
-                      <a:pPr algn="ctr">
-                        <a:lnSpc>
-                          <a:spcPct val="150000"/>
-                        </a:lnSpc>
-                        <a:spcAft>
-                          <a:spcPts val="0"/>
-                        </a:spcAft>
-                      </a:pPr>
-                      <a:r>
-                        <a:rPr lang="en-US" sz="1000" kern="100" dirty="0">
-                          <a:effectLst/>
-                        </a:rPr>
-                        <a:t>no</a:t>
-                      </a:r>
-                      <a:endParaRPr lang="ja-JP" sz="1000" kern="100" dirty="0">
-                        <a:effectLst/>
-                        <a:latin typeface="Century" panose="02040604050505020304" pitchFamily="18" charset="0"/>
-                        <a:ea typeface="ＭＳ 明朝" panose="02020609040205080304" pitchFamily="17" charset="-128"/>
-                        <a:cs typeface="Times New Roman" panose="02020603050405020304" pitchFamily="18" charset="0"/>
-                      </a:endParaRPr>
-                    </a:p>
-                  </a:txBody>
-                  <a:tcPr marL="68495" marR="68495" marT="0" marB="0" anchor="ctr">
-                    <a:solidFill>
-                      <a:srgbClr val="CBCDD3"/>
-                    </a:solidFill>
-                  </a:tcPr>
-                </a:tc>
-                <a:tc>
-                  <a:txBody>
-                    <a:bodyPr/>
-                    <a:lstStyle/>
-                    <a:p>
-                      <a:pPr algn="just">
-                        <a:lnSpc>
-                          <a:spcPct val="150000"/>
-                        </a:lnSpc>
-                        <a:spcAft>
-                          <a:spcPts val="0"/>
-                        </a:spcAft>
-                      </a:pPr>
-                      <a:r>
-                        <a:rPr lang="en-US" sz="1000" kern="100" dirty="0">
-                          <a:effectLst/>
-                        </a:rPr>
-                        <a:t>OpenStack driver</a:t>
-                      </a:r>
-                      <a:r>
-                        <a:rPr lang="ja-JP" sz="1000" kern="100" dirty="0">
-                          <a:effectLst/>
-                        </a:rPr>
-                        <a:t>のインストール有無指定</a:t>
-                      </a:r>
-                      <a:endParaRPr lang="ja-JP" sz="1000" kern="100" dirty="0">
-                        <a:effectLst/>
-                        <a:latin typeface="Century" panose="02040604050505020304" pitchFamily="18" charset="0"/>
-                        <a:ea typeface="ＭＳ 明朝" panose="02020609040205080304" pitchFamily="17" charset="-128"/>
-                        <a:cs typeface="Times New Roman" panose="02020603050405020304" pitchFamily="18" charset="0"/>
-                      </a:endParaRPr>
-                    </a:p>
-                  </a:txBody>
-                  <a:tcPr marL="68495" marR="68495" marT="0" marB="0" anchor="ctr">
-                    <a:solidFill>
-                      <a:srgbClr val="CBCDD3"/>
-                    </a:solidFill>
-                  </a:tcPr>
-                </a:tc>
-                <a:extLst>
-                  <a:ext uri="{0D108BD9-81ED-4DB2-BD59-A6C34878D82A}">
-                    <a16:rowId xmlns="" xmlns:a16="http://schemas.microsoft.com/office/drawing/2014/main" val="10015"/>
-                  </a:ext>
-                </a:extLst>
-              </a:tr>
-              <a:tr h="222140">
-                <a:tc>
-                  <a:txBody>
-                    <a:bodyPr/>
-                    <a:lstStyle/>
-                    <a:p>
-                      <a:pPr algn="just">
-                        <a:lnSpc>
-                          <a:spcPct val="150000"/>
-                        </a:lnSpc>
-                        <a:spcAft>
-                          <a:spcPts val="0"/>
-                        </a:spcAft>
-                      </a:pPr>
-                      <a:r>
-                        <a:rPr lang="en-US" sz="1000" kern="100" dirty="0">
-                          <a:effectLst/>
-                        </a:rPr>
-                        <a:t>dsc_driver</a:t>
-                      </a:r>
-                      <a:endParaRPr lang="ja-JP" sz="1000" kern="100" dirty="0">
-                        <a:effectLst/>
-                        <a:latin typeface="Century" panose="02040604050505020304" pitchFamily="18" charset="0"/>
-                        <a:ea typeface="ＭＳ 明朝" panose="02020609040205080304" pitchFamily="17" charset="-128"/>
-                        <a:cs typeface="Times New Roman" panose="02020603050405020304" pitchFamily="18" charset="0"/>
-                      </a:endParaRPr>
-                    </a:p>
-                  </a:txBody>
-                  <a:tcPr marL="68495" marR="68495" marT="0" marB="0" anchor="ctr">
-                    <a:solidFill>
-                      <a:srgbClr val="002B62"/>
-                    </a:solidFill>
-                  </a:tcPr>
-                </a:tc>
-                <a:tc>
-                  <a:txBody>
-                    <a:bodyPr/>
-                    <a:lstStyle/>
-                    <a:p>
-                      <a:pPr algn="ctr">
-                        <a:lnSpc>
-                          <a:spcPct val="150000"/>
-                        </a:lnSpc>
-                        <a:spcAft>
-                          <a:spcPts val="0"/>
-                        </a:spcAft>
-                      </a:pPr>
-                      <a:r>
-                        <a:rPr lang="en-US" sz="1000" kern="100" dirty="0">
-                          <a:effectLst/>
-                        </a:rPr>
-                        <a:t>○</a:t>
-                      </a:r>
-                      <a:endParaRPr lang="ja-JP" sz="1000" kern="100" dirty="0">
-                        <a:effectLst/>
-                        <a:latin typeface="Century" panose="02040604050505020304" pitchFamily="18" charset="0"/>
-                        <a:ea typeface="ＭＳ 明朝" panose="02020609040205080304" pitchFamily="17" charset="-128"/>
-                        <a:cs typeface="Times New Roman" panose="02020603050405020304" pitchFamily="18" charset="0"/>
-                      </a:endParaRPr>
-                    </a:p>
-                  </a:txBody>
-                  <a:tcPr marL="68495" marR="68495" marT="0" marB="0" anchor="ctr">
-                    <a:solidFill>
-                      <a:srgbClr val="E7E8EA"/>
-                    </a:solidFill>
-                  </a:tcPr>
-                </a:tc>
-                <a:tc>
-                  <a:txBody>
-                    <a:bodyPr/>
-                    <a:lstStyle/>
-                    <a:p>
-                      <a:pPr algn="ctr">
-                        <a:lnSpc>
-                          <a:spcPct val="150000"/>
-                        </a:lnSpc>
-                        <a:spcAft>
-                          <a:spcPts val="0"/>
-                        </a:spcAft>
-                      </a:pPr>
-                      <a:r>
-                        <a:rPr lang="en-US" sz="1000" kern="100" dirty="0">
-                          <a:effectLst/>
-                        </a:rPr>
-                        <a:t>no</a:t>
-                      </a:r>
-                      <a:endParaRPr lang="ja-JP" sz="1000" kern="100" dirty="0">
-                        <a:effectLst/>
-                        <a:latin typeface="Century" panose="02040604050505020304" pitchFamily="18" charset="0"/>
-                        <a:ea typeface="ＭＳ 明朝" panose="02020609040205080304" pitchFamily="17" charset="-128"/>
-                        <a:cs typeface="Times New Roman" panose="02020603050405020304" pitchFamily="18" charset="0"/>
-                      </a:endParaRPr>
-                    </a:p>
-                  </a:txBody>
-                  <a:tcPr marL="68495" marR="68495" marT="0" marB="0" anchor="ctr">
-                    <a:solidFill>
-                      <a:srgbClr val="E7E8EA"/>
-                    </a:solidFill>
-                  </a:tcPr>
-                </a:tc>
-                <a:tc>
-                  <a:txBody>
-                    <a:bodyPr/>
-                    <a:lstStyle/>
-                    <a:p>
-                      <a:pPr algn="just">
-                        <a:lnSpc>
-                          <a:spcPct val="150000"/>
-                        </a:lnSpc>
-                        <a:spcAft>
-                          <a:spcPts val="0"/>
-                        </a:spcAft>
-                      </a:pPr>
-                      <a:r>
-                        <a:rPr lang="en-US" sz="1000" kern="100" dirty="0">
-                          <a:effectLst/>
-                        </a:rPr>
-                        <a:t>DSC driver</a:t>
-                      </a:r>
-                      <a:r>
-                        <a:rPr lang="ja-JP" sz="1000" kern="100" dirty="0">
-                          <a:effectLst/>
-                        </a:rPr>
-                        <a:t>のインストール有無指定</a:t>
-                      </a:r>
-                      <a:endParaRPr lang="ja-JP" sz="1000" kern="100" dirty="0">
-                        <a:effectLst/>
-                        <a:latin typeface="Century" panose="02040604050505020304" pitchFamily="18" charset="0"/>
-                        <a:ea typeface="ＭＳ 明朝" panose="02020609040205080304" pitchFamily="17" charset="-128"/>
-                        <a:cs typeface="Times New Roman" panose="02020603050405020304" pitchFamily="18" charset="0"/>
-                      </a:endParaRPr>
-                    </a:p>
-                  </a:txBody>
-                  <a:tcPr marL="68495" marR="68495" marT="0" marB="0" anchor="ctr">
-                    <a:solidFill>
-                      <a:srgbClr val="E7E8EA"/>
-                    </a:solidFill>
-                  </a:tcPr>
-                </a:tc>
-                <a:extLst>
-                  <a:ext uri="{0D108BD9-81ED-4DB2-BD59-A6C34878D82A}">
-                    <a16:rowId xmlns="" xmlns:a16="http://schemas.microsoft.com/office/drawing/2014/main" val="10016"/>
+                    <a16:rowId xmlns:a16="http://schemas.microsoft.com/office/drawing/2014/main" val="10016"/>
                   </a:ext>
                 </a:extLst>
               </a:tr>
@@ -21558,8 +18003,49 @@
                 <a:ea typeface="ＭＳ 明朝" panose="02020609040205080304" pitchFamily="17" charset="-128"/>
                 <a:cs typeface="Times New Roman" panose="02020603050405020304" pitchFamily="18" charset="0"/>
               </a:rPr>
-              <a:t># Select Operation System. ("RHEL6" or "RHEL7")</a:t>
-            </a:r>
+              <a:t># Select Operation System. ("</a:t>
+            </a:r>
+            <a:r>
+              <a:rPr kumimoji="0" lang="en-US" sz="900" kern="100" dirty="0" smtClean="0">
+                <a:solidFill>
+                  <a:sysClr val="window" lastClr="FFFFFF"/>
+                </a:solidFill>
+                <a:latin typeface="Arial" panose="020B0604020202020204" pitchFamily="34" charset="0"/>
+                <a:ea typeface="ＭＳ 明朝" panose="02020609040205080304" pitchFamily="17" charset="-128"/>
+                <a:cs typeface="Times New Roman" panose="02020603050405020304" pitchFamily="18" charset="0"/>
+              </a:rPr>
+              <a:t>RHEL7” </a:t>
+            </a:r>
+            <a:r>
+              <a:rPr kumimoji="0" lang="en-US" sz="900" kern="100" dirty="0">
+                <a:solidFill>
+                  <a:sysClr val="window" lastClr="FFFFFF"/>
+                </a:solidFill>
+                <a:latin typeface="Arial" panose="020B0604020202020204" pitchFamily="34" charset="0"/>
+                <a:ea typeface="ＭＳ 明朝" panose="02020609040205080304" pitchFamily="17" charset="-128"/>
+                <a:cs typeface="Times New Roman" panose="02020603050405020304" pitchFamily="18" charset="0"/>
+              </a:rPr>
+              <a:t>or </a:t>
+            </a:r>
+            <a:r>
+              <a:rPr kumimoji="0" lang="en-US" sz="900" kern="100" dirty="0" smtClean="0">
+                <a:solidFill>
+                  <a:sysClr val="window" lastClr="FFFFFF"/>
+                </a:solidFill>
+                <a:latin typeface="Arial" panose="020B0604020202020204" pitchFamily="34" charset="0"/>
+                <a:ea typeface="ＭＳ 明朝" panose="02020609040205080304" pitchFamily="17" charset="-128"/>
+                <a:cs typeface="Times New Roman" panose="02020603050405020304" pitchFamily="18" charset="0"/>
+              </a:rPr>
+              <a:t>“RHEL8")</a:t>
+            </a:r>
+            <a:endParaRPr kumimoji="0" lang="en-US" sz="900" kern="100" dirty="0">
+              <a:solidFill>
+                <a:sysClr val="window" lastClr="FFFFFF"/>
+              </a:solidFill>
+              <a:latin typeface="Arial" panose="020B0604020202020204" pitchFamily="34" charset="0"/>
+              <a:ea typeface="ＭＳ 明朝" panose="02020609040205080304" pitchFamily="17" charset="-128"/>
+              <a:cs typeface="Times New Roman" panose="02020603050405020304" pitchFamily="18" charset="0"/>
+            </a:endParaRPr>
           </a:p>
           <a:p>
             <a:pPr lvl="0">
@@ -21599,8 +18085,27 @@
                 <a:ea typeface="ＭＳ 明朝" panose="02020609040205080304" pitchFamily="17" charset="-128"/>
                 <a:cs typeface="Times New Roman" panose="02020603050405020304" pitchFamily="18" charset="0"/>
               </a:rPr>
-              <a:t>) ita_os:RHEL7</a:t>
-            </a:r>
+              <a:t>) </a:t>
+            </a:r>
+            <a:r>
+              <a:rPr kumimoji="0" lang="en-US" sz="900" kern="100" dirty="0" smtClean="0">
+                <a:solidFill>
+                  <a:sysClr val="window" lastClr="FFFFFF"/>
+                </a:solidFill>
+                <a:latin typeface="Arial" panose="020B0604020202020204" pitchFamily="34" charset="0"/>
+                <a:ea typeface="ＭＳ 明朝" panose="02020609040205080304" pitchFamily="17" charset="-128"/>
+                <a:cs typeface="Times New Roman" panose="02020603050405020304" pitchFamily="18" charset="0"/>
+              </a:rPr>
+              <a:t>ita_os:RHEL8</a:t>
+            </a:r>
+            <a:endParaRPr kumimoji="0" lang="en-US" sz="900" kern="100" dirty="0">
+              <a:solidFill>
+                <a:sysClr val="window" lastClr="FFFFFF"/>
+              </a:solidFill>
+              <a:latin typeface="Arial" panose="020B0604020202020204" pitchFamily="34" charset="0"/>
+              <a:ea typeface="ＭＳ 明朝" panose="02020609040205080304" pitchFamily="17" charset="-128"/>
+              <a:cs typeface="Times New Roman" panose="02020603050405020304" pitchFamily="18" charset="0"/>
+            </a:endParaRPr>
           </a:p>
           <a:p>
             <a:pPr lvl="0">
@@ -21610,7 +18115,7 @@
               <a:defRPr/>
             </a:pPr>
             <a:r>
-              <a:rPr kumimoji="0" lang="en-US" sz="900" kern="100" dirty="0">
+              <a:rPr kumimoji="0" lang="en-US" sz="900" kern="100" dirty="0" smtClean="0">
                 <a:solidFill>
                   <a:sysClr val="window" lastClr="FFFFFF"/>
                 </a:solidFill>
@@ -21620,6 +18125,14 @@
               </a:rPr>
               <a:t>ita_os:RHEL7</a:t>
             </a:r>
+            <a:endParaRPr kumimoji="0" lang="en-US" sz="900" kern="100" dirty="0">
+              <a:solidFill>
+                <a:sysClr val="window" lastClr="FFFFFF"/>
+              </a:solidFill>
+              <a:latin typeface="Arial" panose="020B0604020202020204" pitchFamily="34" charset="0"/>
+              <a:ea typeface="ＭＳ 明朝" panose="02020609040205080304" pitchFamily="17" charset="-128"/>
+              <a:cs typeface="Times New Roman" panose="02020603050405020304" pitchFamily="18" charset="0"/>
+            </a:endParaRPr>
           </a:p>
           <a:p>
             <a:pPr lvl="0">
@@ -23151,11 +19664,15 @@
               <a:buNone/>
             </a:pPr>
             <a:r>
-              <a:rPr lang="en-US" altLang="ja-JP" sz="1600" dirty="0" smtClean="0"/>
-              <a:t>$</a:t>
-            </a:r>
-            <a:r>
-              <a:rPr lang="en-US" altLang="ja-JP" sz="1600" dirty="0" err="1"/>
+              <a:rPr lang="en-US" altLang="ja-JP" sz="1600" dirty="0"/>
+              <a:t>#</a:t>
+            </a:r>
+            <a:r>
+              <a:rPr lang="ja-JP" altLang="en-US" sz="1600" dirty="0" smtClean="0"/>
+              <a:t> </a:t>
+            </a:r>
+            <a:r>
+              <a:rPr lang="en-US" altLang="ja-JP" sz="1600" dirty="0" err="1" smtClean="0"/>
               <a:t>sh</a:t>
             </a:r>
             <a:r>
@@ -23445,6 +19962,68 @@
             <a:pPr lvl="1"/>
             <a:endParaRPr lang="en-US" altLang="ja-JP" dirty="0" smtClean="0"/>
           </a:p>
+          <a:p>
+            <a:pPr lvl="1"/>
+            <a:endParaRPr lang="en-US" altLang="ja-JP" dirty="0"/>
+          </a:p>
+          <a:p>
+            <a:pPr lvl="1"/>
+            <a:endParaRPr lang="en-US" altLang="ja-JP" dirty="0" smtClean="0"/>
+          </a:p>
+          <a:p>
+            <a:pPr lvl="1"/>
+            <a:endParaRPr lang="en-US" altLang="ja-JP" dirty="0"/>
+          </a:p>
+          <a:p>
+            <a:pPr lvl="1"/>
+            <a:endParaRPr lang="en-US" altLang="ja-JP" dirty="0" smtClean="0"/>
+          </a:p>
+          <a:p>
+            <a:pPr lvl="1"/>
+            <a:endParaRPr lang="en-US" altLang="ja-JP" dirty="0"/>
+          </a:p>
+          <a:p>
+            <a:pPr lvl="1"/>
+            <a:endParaRPr lang="en-US" altLang="ja-JP" dirty="0" smtClean="0"/>
+          </a:p>
+          <a:p>
+            <a:pPr lvl="1"/>
+            <a:endParaRPr lang="en-US" altLang="ja-JP" dirty="0"/>
+          </a:p>
+          <a:p>
+            <a:pPr lvl="1"/>
+            <a:endParaRPr lang="en-US" altLang="ja-JP" dirty="0" smtClean="0"/>
+          </a:p>
+          <a:p>
+            <a:pPr lvl="1"/>
+            <a:endParaRPr lang="en-US" altLang="ja-JP" dirty="0"/>
+          </a:p>
+          <a:p>
+            <a:pPr lvl="1"/>
+            <a:endParaRPr lang="en-US" altLang="ja-JP" dirty="0" smtClean="0"/>
+          </a:p>
+          <a:p>
+            <a:pPr lvl="1"/>
+            <a:endParaRPr lang="en-US" altLang="ja-JP" dirty="0"/>
+          </a:p>
+          <a:p>
+            <a:pPr lvl="1"/>
+            <a:endParaRPr lang="en-US" altLang="ja-JP" dirty="0" smtClean="0"/>
+          </a:p>
+          <a:p>
+            <a:pPr lvl="1"/>
+            <a:endParaRPr lang="en-US" altLang="ja-JP" dirty="0"/>
+          </a:p>
+          <a:p>
+            <a:pPr lvl="1"/>
+            <a:endParaRPr lang="en-US" altLang="ja-JP" dirty="0" smtClean="0"/>
+          </a:p>
+          <a:p>
+            <a:pPr marL="180000" lvl="1" indent="0">
+              <a:buNone/>
+            </a:pPr>
+            <a:endParaRPr lang="en-US" altLang="ja-JP" dirty="0" smtClean="0"/>
+          </a:p>
         </p:txBody>
       </p:sp>
       <p:graphicFrame>
@@ -23456,14 +20035,14 @@
           <p:nvPr>
             <p:extLst>
               <p:ext uri="{D42A27DB-BD31-4B8C-83A1-F6EECF244321}">
-                <p14:modId xmlns:p14="http://schemas.microsoft.com/office/powerpoint/2010/main" val="4137966984"/>
+                <p14:modId xmlns:p14="http://schemas.microsoft.com/office/powerpoint/2010/main" val="1432273885"/>
               </p:ext>
             </p:extLst>
           </p:nvPr>
         </p:nvGraphicFramePr>
         <p:xfrm>
-          <a:off x="631300" y="1700760"/>
-          <a:ext cx="6569989" cy="4599261"/>
+          <a:off x="611450" y="1542888"/>
+          <a:ext cx="6569989" cy="3920492"/>
         </p:xfrm>
         <a:graphic>
           <a:graphicData uri="http://schemas.openxmlformats.org/drawingml/2006/table">
@@ -23475,21 +20054,21 @@
                 <a:gridCol w="1800249">
                   <a:extLst>
                     <a:ext uri="{9D8B030D-6E8A-4147-A177-3AD203B41FA5}">
-                      <a16:colId xmlns="" xmlns:a16="http://schemas.microsoft.com/office/drawing/2014/main" val="20000"/>
+                      <a16:colId xmlns:a16="http://schemas.microsoft.com/office/drawing/2014/main" val="20000"/>
                     </a:ext>
                   </a:extLst>
                 </a:gridCol>
                 <a:gridCol w="1514417">
                   <a:extLst>
                     <a:ext uri="{9D8B030D-6E8A-4147-A177-3AD203B41FA5}">
-                      <a16:colId xmlns="" xmlns:a16="http://schemas.microsoft.com/office/drawing/2014/main" val="20001"/>
+                      <a16:colId xmlns:a16="http://schemas.microsoft.com/office/drawing/2014/main" val="20001"/>
                     </a:ext>
                   </a:extLst>
                 </a:gridCol>
                 <a:gridCol w="3255323">
                   <a:extLst>
                     <a:ext uri="{9D8B030D-6E8A-4147-A177-3AD203B41FA5}">
-                      <a16:colId xmlns="" xmlns:a16="http://schemas.microsoft.com/office/drawing/2014/main" val="20002"/>
+                      <a16:colId xmlns:a16="http://schemas.microsoft.com/office/drawing/2014/main" val="20002"/>
                     </a:ext>
                   </a:extLst>
                 </a:gridCol>
@@ -23587,7 +20166,7 @@
                 </a:tc>
                 <a:extLst>
                   <a:ext uri="{0D108BD9-81ED-4DB2-BD59-A6C34878D82A}">
-                    <a16:rowId xmlns="" xmlns:a16="http://schemas.microsoft.com/office/drawing/2014/main" val="10000"/>
+                    <a16:rowId xmlns:a16="http://schemas.microsoft.com/office/drawing/2014/main" val="10000"/>
                   </a:ext>
                 </a:extLst>
               </a:tr>
@@ -23663,19 +20242,61 @@
                         </a:spcAft>
                       </a:pPr>
                       <a:r>
-                        <a:rPr lang="en-US" sz="1050" kern="100" dirty="0">
-                          <a:effectLst/>
-                        </a:rPr>
-                        <a:t>yum-utils</a:t>
-                      </a:r>
-                      <a:r>
-                        <a:rPr lang="ja-JP" sz="1050" kern="100" dirty="0">
+                        <a:rPr lang="en-US" sz="1050" kern="100" dirty="0" smtClean="0">
+                          <a:effectLst/>
+                        </a:rPr>
+                        <a:t>yum-</a:t>
+                      </a:r>
+                      <a:r>
+                        <a:rPr lang="en-US" sz="1050" kern="100" dirty="0" err="1" smtClean="0">
+                          <a:effectLst/>
+                        </a:rPr>
+                        <a:t>utils</a:t>
+                      </a:r>
+                      <a:r>
+                        <a:rPr lang="en-US" sz="1050" kern="100" dirty="0" smtClean="0">
+                          <a:effectLst/>
+                        </a:rPr>
+                        <a:t>(</a:t>
+                      </a:r>
+                      <a:r>
+                        <a:rPr lang="en-US" altLang="ja-JP" sz="1050" kern="100" dirty="0" smtClean="0">
+                          <a:effectLst/>
+                        </a:rPr>
+                        <a:t>※1</a:t>
+                      </a:r>
+                      <a:r>
+                        <a:rPr lang="en-US" sz="1050" kern="100" dirty="0" smtClean="0">
+                          <a:effectLst/>
+                        </a:rPr>
+                        <a:t>)</a:t>
+                      </a:r>
+                      <a:r>
+                        <a:rPr lang="ja-JP" sz="1050" kern="100" dirty="0" err="1" smtClean="0">
                           <a:effectLst/>
                         </a:rPr>
                         <a:t>、</a:t>
                       </a:r>
                       <a:r>
-                        <a:rPr lang="en-US" sz="1050" kern="100" dirty="0">
+                        <a:rPr lang="en-US" altLang="ja-JP" sz="1050" kern="100" dirty="0" err="1" smtClean="0">
+                          <a:effectLst/>
+                        </a:rPr>
+                        <a:t>dnf</a:t>
+                      </a:r>
+                      <a:r>
+                        <a:rPr lang="en-US" altLang="ja-JP" sz="1050" kern="100" dirty="0" smtClean="0">
+                          <a:effectLst/>
+                        </a:rPr>
+                        <a:t>(※2)</a:t>
+                      </a:r>
+                      <a:r>
+                        <a:rPr lang="ja-JP" altLang="en-US" sz="1050" kern="100" dirty="0" err="1" smtClean="0">
+                          <a:effectLst/>
+                        </a:rPr>
+                        <a:t>、</a:t>
+                      </a:r>
+                      <a:r>
+                        <a:rPr lang="en-US" sz="1050" kern="100" dirty="0" err="1" smtClean="0">
                           <a:effectLst/>
                         </a:rPr>
                         <a:t>createrepo</a:t>
@@ -23696,7 +20317,7 @@
                 </a:tc>
                 <a:extLst>
                   <a:ext uri="{0D108BD9-81ED-4DB2-BD59-A6C34878D82A}">
-                    <a16:rowId xmlns="" xmlns:a16="http://schemas.microsoft.com/office/drawing/2014/main" val="10001"/>
+                    <a16:rowId xmlns:a16="http://schemas.microsoft.com/office/drawing/2014/main" val="10001"/>
                   </a:ext>
                 </a:extLst>
               </a:tr>
@@ -23835,7 +20456,7 @@
                 </a:tc>
                 <a:extLst>
                   <a:ext uri="{0D108BD9-81ED-4DB2-BD59-A6C34878D82A}">
-                    <a16:rowId xmlns="" xmlns:a16="http://schemas.microsoft.com/office/drawing/2014/main" val="10002"/>
+                    <a16:rowId xmlns:a16="http://schemas.microsoft.com/office/drawing/2014/main" val="10002"/>
                   </a:ext>
                 </a:extLst>
               </a:tr>
@@ -23971,7 +20592,7 @@
                 </a:tc>
                 <a:extLst>
                   <a:ext uri="{0D108BD9-81ED-4DB2-BD59-A6C34878D82A}">
-                    <a16:rowId xmlns="" xmlns:a16="http://schemas.microsoft.com/office/drawing/2014/main" val="10003"/>
+                    <a16:rowId xmlns:a16="http://schemas.microsoft.com/office/drawing/2014/main" val="10003"/>
                   </a:ext>
                 </a:extLst>
               </a:tr>
@@ -24080,7 +20701,7 @@
                 </a:tc>
                 <a:extLst>
                   <a:ext uri="{0D108BD9-81ED-4DB2-BD59-A6C34878D82A}">
-                    <a16:rowId xmlns="" xmlns:a16="http://schemas.microsoft.com/office/drawing/2014/main" val="10004"/>
+                    <a16:rowId xmlns:a16="http://schemas.microsoft.com/office/drawing/2014/main" val="10004"/>
                   </a:ext>
                 </a:extLst>
               </a:tr>
@@ -24297,16 +20918,76 @@
                         <a:t>php-snmp</a:t>
                       </a:r>
                       <a:r>
-                        <a:rPr lang="ja-JP" sz="1050" kern="100" dirty="0">
+                        <a:rPr lang="ja-JP" sz="1050" kern="100" dirty="0" err="1">
                           <a:effectLst/>
                         </a:rPr>
                         <a:t>、</a:t>
                       </a:r>
                       <a:r>
-                        <a:rPr lang="en-US" sz="1050" kern="100" dirty="0">
-                          <a:effectLst/>
-                        </a:rPr>
-                        <a:t>php-xml</a:t>
+                        <a:rPr lang="en-US" sz="1050" kern="100" dirty="0" err="1" smtClean="0">
+                          <a:effectLst/>
+                        </a:rPr>
+                        <a:t>php</a:t>
+                      </a:r>
+                      <a:r>
+                        <a:rPr lang="en-US" sz="1050" kern="100" dirty="0" smtClean="0">
+                          <a:effectLst/>
+                        </a:rPr>
+                        <a:t>-xml</a:t>
+                      </a:r>
+                      <a:r>
+                        <a:rPr lang="ja-JP" altLang="en-US" sz="1050" kern="100" dirty="0" err="1" smtClean="0">
+                          <a:effectLst/>
+                        </a:rPr>
+                        <a:t>、</a:t>
+                      </a:r>
+                      <a:r>
+                        <a:rPr lang="en-US" altLang="ja-JP" sz="1050" kern="100" dirty="0" err="1" smtClean="0">
+                          <a:effectLst/>
+                        </a:rPr>
+                        <a:t>php-json</a:t>
+                      </a:r>
+                      <a:r>
+                        <a:rPr lang="ja-JP" altLang="en-US" sz="1050" kern="100" dirty="0" err="1" smtClean="0">
+                          <a:effectLst/>
+                        </a:rPr>
+                        <a:t>、</a:t>
+                      </a:r>
+                      <a:r>
+                        <a:rPr lang="en-US" altLang="ja-JP" sz="1050" kern="100" dirty="0" smtClean="0">
+                          <a:effectLst/>
+                        </a:rPr>
+                        <a:t> </a:t>
+                      </a:r>
+                      <a:r>
+                        <a:rPr lang="en-US" altLang="ja-JP" sz="1050" kern="100" dirty="0" err="1" smtClean="0">
+                          <a:effectLst/>
+                        </a:rPr>
+                        <a:t>php</a:t>
+                      </a:r>
+                      <a:r>
+                        <a:rPr lang="en-US" altLang="ja-JP" sz="1050" kern="100" dirty="0" smtClean="0">
+                          <a:effectLst/>
+                        </a:rPr>
+                        <a:t>-zip</a:t>
+                      </a:r>
+                      <a:r>
+                        <a:rPr lang="ja-JP" altLang="en-US" sz="1050" kern="100" dirty="0" err="1" smtClean="0">
+                          <a:effectLst/>
+                        </a:rPr>
+                        <a:t>、</a:t>
+                      </a:r>
+                      <a:r>
+                        <a:rPr lang="en-US" altLang="ja-JP" sz="1050" kern="100" dirty="0" smtClean="0">
+                          <a:effectLst/>
+                        </a:rPr>
+                        <a:t> </a:t>
+                      </a:r>
+                      <a:r>
+                        <a:rPr lang="en-US" altLang="ja-JP" sz="1050" kern="100" dirty="0" err="1" smtClean="0">
+                          <a:effectLst/>
+                        </a:rPr>
+                        <a:t>php-gd</a:t>
                       </a:r>
                       <a:endParaRPr lang="ja-JP" sz="1050" kern="100" dirty="0">
                         <a:effectLst/>
@@ -24324,7 +21005,7 @@
                 </a:tc>
                 <a:extLst>
                   <a:ext uri="{0D108BD9-81ED-4DB2-BD59-A6C34878D82A}">
-                    <a16:rowId xmlns="" xmlns:a16="http://schemas.microsoft.com/office/drawing/2014/main" val="10005"/>
+                    <a16:rowId xmlns:a16="http://schemas.microsoft.com/office/drawing/2014/main" val="10005"/>
                   </a:ext>
                 </a:extLst>
               </a:tr>
@@ -24424,7 +21105,25 @@
                         <a:rPr lang="en-US" sz="1050" kern="100" dirty="0">
                           <a:effectLst/>
                         </a:rPr>
-                        <a:t>Auth, HTML_AJAX-beta</a:t>
+                        <a:t>Auth, </a:t>
+                      </a:r>
+                      <a:r>
+                        <a:rPr lang="en-US" sz="1050" kern="100" dirty="0" smtClean="0">
+                          <a:effectLst/>
+                        </a:rPr>
+                        <a:t>HTML_AJAX-beta</a:t>
+                      </a:r>
+                      <a:r>
+                        <a:rPr lang="ja-JP" altLang="en-US" sz="1050" kern="100" dirty="0" err="1" smtClean="0">
+                          <a:effectLst/>
+                        </a:rPr>
+                        <a:t>、</a:t>
+                      </a:r>
+                      <a:r>
+                        <a:rPr lang="en-US" altLang="ja-JP" sz="1050" kern="100" dirty="0" err="1" smtClean="0">
+                          <a:effectLst/>
+                        </a:rPr>
+                        <a:t>PhpSpreadsheet</a:t>
                       </a:r>
                       <a:endParaRPr lang="ja-JP" sz="1050" kern="100" dirty="0">
                         <a:effectLst/>
@@ -24442,7 +21141,7 @@
                 </a:tc>
                 <a:extLst>
                   <a:ext uri="{0D108BD9-81ED-4DB2-BD59-A6C34878D82A}">
-                    <a16:rowId xmlns="" xmlns:a16="http://schemas.microsoft.com/office/drawing/2014/main" val="10006"/>
+                    <a16:rowId xmlns:a16="http://schemas.microsoft.com/office/drawing/2014/main" val="10006"/>
                   </a:ext>
                 </a:extLst>
               </a:tr>
@@ -24539,7 +21238,7 @@
                 </a:tc>
                 <a:extLst>
                   <a:ext uri="{0D108BD9-81ED-4DB2-BD59-A6C34878D82A}">
-                    <a16:rowId xmlns="" xmlns:a16="http://schemas.microsoft.com/office/drawing/2014/main" val="10007"/>
+                    <a16:rowId xmlns:a16="http://schemas.microsoft.com/office/drawing/2014/main" val="10007"/>
                   </a:ext>
                 </a:extLst>
               </a:tr>
@@ -24621,16 +21320,28 @@
                         <a:t>ansible</a:t>
                       </a:r>
                       <a:r>
-                        <a:rPr lang="ja-JP" sz="1050" kern="100" dirty="0">
+                        <a:rPr lang="ja-JP" sz="1050" kern="100" dirty="0" err="1">
                           <a:effectLst/>
                         </a:rPr>
                         <a:t>、</a:t>
                       </a:r>
                       <a:r>
-                        <a:rPr lang="en-US" sz="1050" kern="100" dirty="0">
-                          <a:effectLst/>
-                        </a:rPr>
-                        <a:t>python-pip</a:t>
+                        <a:rPr lang="en-US" sz="1050" kern="100" dirty="0" smtClean="0">
+                          <a:effectLst/>
+                        </a:rPr>
+                        <a:t>python3-pip</a:t>
+                      </a:r>
+                      <a:r>
+                        <a:rPr lang="ja-JP" altLang="en-US" sz="1050" kern="100" dirty="0" err="1" smtClean="0">
+                          <a:effectLst/>
+                        </a:rPr>
+                        <a:t>、</a:t>
+                      </a:r>
+                      <a:r>
+                        <a:rPr lang="en-US" altLang="ja-JP" sz="1050" kern="100" dirty="0" err="1" smtClean="0">
+                          <a:effectLst/>
+                        </a:rPr>
+                        <a:t>sshpass</a:t>
                       </a:r>
                       <a:endParaRPr lang="ja-JP" sz="1050" kern="100" dirty="0">
                         <a:effectLst/>
@@ -24648,185 +21359,7 @@
                 </a:tc>
                 <a:extLst>
                   <a:ext uri="{0D108BD9-81ED-4DB2-BD59-A6C34878D82A}">
-                    <a16:rowId xmlns="" xmlns:a16="http://schemas.microsoft.com/office/drawing/2014/main" val="10008"/>
-                  </a:ext>
-                </a:extLst>
-              </a:tr>
-              <a:tr h="678769">
-                <a:tc>
-                  <a:txBody>
-                    <a:bodyPr/>
-                    <a:lstStyle/>
-                    <a:p>
-                      <a:pPr algn="just">
-                        <a:spcAft>
-                          <a:spcPts val="0"/>
-                        </a:spcAft>
-                      </a:pPr>
-                      <a:r>
-                        <a:rPr lang="en-US" sz="1000" kern="100" dirty="0">
-                          <a:effectLst/>
-                        </a:rPr>
-                        <a:t>cobbler_driver</a:t>
-                      </a:r>
-                      <a:endParaRPr lang="ja-JP" sz="1000" kern="100" dirty="0">
-                        <a:effectLst/>
-                        <a:latin typeface="Century" panose="02040604050505020304" pitchFamily="18" charset="0"/>
-                        <a:ea typeface="ＭＳ 明朝" panose="02020609040205080304" pitchFamily="17" charset="-128"/>
-                        <a:cs typeface="Times New Roman" panose="02020603050405020304" pitchFamily="18" charset="0"/>
-                      </a:endParaRPr>
-                    </a:p>
-                  </a:txBody>
-                  <a:tcPr marL="68580" marR="68580" marT="0" marB="0" anchor="ctr">
-                    <a:solidFill>
-                      <a:srgbClr val="002B62"/>
-                    </a:solidFill>
-                  </a:tcPr>
-                </a:tc>
-                <a:tc>
-                  <a:txBody>
-                    <a:bodyPr/>
-                    <a:lstStyle/>
-                    <a:p>
-                      <a:pPr algn="just">
-                        <a:spcAft>
-                          <a:spcPts val="0"/>
-                        </a:spcAft>
-                      </a:pPr>
-                      <a:r>
-                        <a:rPr lang="en-US" sz="1050" kern="100" dirty="0">
-                          <a:effectLst/>
-                        </a:rPr>
-                        <a:t>cobbler</a:t>
-                      </a:r>
-                      <a:endParaRPr lang="ja-JP" sz="1050" kern="100" dirty="0">
-                        <a:effectLst/>
-                        <a:latin typeface="Century" panose="02040604050505020304" pitchFamily="18" charset="0"/>
-                        <a:ea typeface="ＭＳ 明朝" panose="02020609040205080304" pitchFamily="17" charset="-128"/>
-                        <a:cs typeface="Times New Roman" panose="02020603050405020304" pitchFamily="18" charset="0"/>
-                      </a:endParaRPr>
-                    </a:p>
-                  </a:txBody>
-                  <a:tcPr marL="68580" marR="68580" marT="0" marB="0" anchor="ctr">
-                    <a:solidFill>
-                      <a:srgbClr val="CBCDD3"/>
-                    </a:solidFill>
-                  </a:tcPr>
-                </a:tc>
-                <a:tc>
-                  <a:txBody>
-                    <a:bodyPr/>
-                    <a:lstStyle/>
-                    <a:p>
-                      <a:pPr algn="just">
-                        <a:spcAft>
-                          <a:spcPts val="0"/>
-                        </a:spcAft>
-                      </a:pPr>
-                      <a:r>
-                        <a:rPr lang="en-US" sz="1050" kern="100" dirty="0" smtClean="0">
-                          <a:effectLst/>
-                        </a:rPr>
-                        <a:t>cobbler</a:t>
-                      </a:r>
-                      <a:r>
-                        <a:rPr lang="ja-JP" sz="1050" kern="100" dirty="0" smtClean="0">
-                          <a:effectLst/>
-                        </a:rPr>
-                        <a:t>、</a:t>
-                      </a:r>
-                      <a:r>
-                        <a:rPr lang="en-US" sz="1050" kern="100" dirty="0" smtClean="0">
-                          <a:effectLst/>
-                        </a:rPr>
-                        <a:t>dhcp</a:t>
-                      </a:r>
-                      <a:r>
-                        <a:rPr lang="ja-JP" sz="1050" kern="100" dirty="0">
-                          <a:effectLst/>
-                        </a:rPr>
-                        <a:t>、</a:t>
-                      </a:r>
-                      <a:r>
-                        <a:rPr lang="en-US" sz="1050" kern="100" dirty="0">
-                          <a:effectLst/>
-                        </a:rPr>
-                        <a:t>pykickstart</a:t>
-                      </a:r>
-                      <a:r>
-                        <a:rPr lang="ja-JP" sz="1050" kern="100" dirty="0">
-                          <a:effectLst/>
-                        </a:rPr>
-                        <a:t>、</a:t>
-                      </a:r>
-                      <a:r>
-                        <a:rPr lang="en-US" sz="1050" kern="100" dirty="0" smtClean="0">
-                          <a:effectLst/>
-                        </a:rPr>
-                        <a:t>fence-agents</a:t>
-                      </a:r>
-                      <a:r>
-                        <a:rPr lang="ja-JP" sz="1050" kern="100" dirty="0" smtClean="0">
-                          <a:effectLst/>
-                        </a:rPr>
-                        <a:t>、</a:t>
-                      </a:r>
-                      <a:r>
-                        <a:rPr lang="en-US" sz="1050" kern="100" dirty="0" smtClean="0">
-                          <a:effectLst/>
-                        </a:rPr>
-                        <a:t>debmirror</a:t>
-                      </a:r>
-                      <a:r>
-                        <a:rPr lang="ja-JP" sz="1050" kern="100" dirty="0">
-                          <a:effectLst/>
-                        </a:rPr>
-                        <a:t>、</a:t>
-                      </a:r>
-                      <a:r>
-                        <a:rPr lang="en-US" sz="1050" kern="100" dirty="0" smtClean="0">
-                          <a:effectLst/>
-                        </a:rPr>
-                        <a:t>xinetd</a:t>
-                      </a:r>
-                      <a:r>
-                        <a:rPr lang="ja-JP" altLang="en-US" sz="1050" kern="100" dirty="0" smtClean="0">
-                          <a:effectLst/>
-                        </a:rPr>
-                        <a:t>、</a:t>
-                      </a:r>
-                      <a:r>
-                        <a:rPr lang="en-US" altLang="ja-JP" sz="1050" kern="100" dirty="0" smtClean="0">
-                          <a:effectLst/>
-                        </a:rPr>
-                        <a:t>cobbler-web(※1)</a:t>
-                      </a:r>
-                      <a:r>
-                        <a:rPr lang="ja-JP" altLang="ja-JP" sz="1050" kern="100" dirty="0" smtClean="0">
-                          <a:effectLst/>
-                        </a:rPr>
-                        <a:t>、</a:t>
-                      </a:r>
-                      <a:r>
-                        <a:rPr lang="en-US" altLang="ja-JP" sz="1050" kern="100" dirty="0" smtClean="0">
-                          <a:effectLst/>
-                        </a:rPr>
-                        <a:t>python-cheetah(※2)</a:t>
-                      </a:r>
-                      <a:endParaRPr lang="en-US" sz="1050" kern="100" dirty="0" smtClean="0">
-                        <a:effectLst/>
-                      </a:endParaRPr>
-                    </a:p>
-                  </a:txBody>
-                  <a:tcPr marL="68580" marR="68580" marT="0" marB="0" anchor="ctr">
-                    <a:solidFill>
-                      <a:srgbClr val="CBCDD3"/>
-                    </a:solidFill>
-                  </a:tcPr>
-                </a:tc>
-                <a:extLst>
-                  <a:ext uri="{0D108BD9-81ED-4DB2-BD59-A6C34878D82A}">
-                    <a16:rowId xmlns="" xmlns:a16="http://schemas.microsoft.com/office/drawing/2014/main" val="10009"/>
+                    <a16:rowId xmlns:a16="http://schemas.microsoft.com/office/drawing/2014/main" val="10008"/>
                   </a:ext>
                 </a:extLst>
               </a:tr>
@@ -24842,7 +21375,7 @@
         </p:nvSpPr>
         <p:spPr>
           <a:xfrm>
-            <a:off x="7201289" y="5776440"/>
+            <a:off x="7372282" y="5063270"/>
             <a:ext cx="1835331" cy="400110"/>
           </a:xfrm>
           <a:prstGeom prst="rect">
@@ -24874,7 +21407,7 @@
             </a:pPr>
             <a:r>
               <a:rPr lang="en-US" altLang="ja-JP" sz="1000" kern="100" dirty="0" smtClean="0"/>
-              <a:t>※2 RHEL7</a:t>
+              <a:t>※2 RHEL8,CentOS8</a:t>
             </a:r>
             <a:endParaRPr lang="en-US" altLang="ja-JP" sz="1000" kern="100" dirty="0"/>
           </a:p>
@@ -25859,12 +22392,16 @@
           <a:p>
             <a:pPr lvl="1"/>
             <a:r>
-              <a:rPr lang="en-US" altLang="ja-JP" dirty="0"/>
-              <a:t>Windows7</a:t>
+              <a:rPr lang="en-US" altLang="ja-JP" dirty="0" smtClean="0"/>
+              <a:t>Windows10</a:t>
+            </a:r>
+            <a:r>
+              <a:rPr lang="ja-JP" altLang="ja-JP" dirty="0" smtClean="0"/>
+              <a:t>の</a:t>
             </a:r>
             <a:r>
               <a:rPr lang="ja-JP" altLang="ja-JP" dirty="0"/>
-              <a:t>の場合、以下の</a:t>
+              <a:t>場合、以下の</a:t>
             </a:r>
             <a:r>
               <a:rPr lang="en-US" altLang="ja-JP" dirty="0"/>
@@ -25930,7 +22467,7 @@
                 <a:gridCol w="5485765">
                   <a:extLst>
                     <a:ext uri="{9D8B030D-6E8A-4147-A177-3AD203B41FA5}">
-                      <a16:colId xmlns="" xmlns:a16="http://schemas.microsoft.com/office/drawing/2014/main" val="20000"/>
+                      <a16:colId xmlns:a16="http://schemas.microsoft.com/office/drawing/2014/main" val="20000"/>
                     </a:ext>
                   </a:extLst>
                 </a:gridCol>
@@ -25968,7 +22505,7 @@
                 </a:tc>
                 <a:extLst>
                   <a:ext uri="{0D108BD9-81ED-4DB2-BD59-A6C34878D82A}">
-                    <a16:rowId xmlns="" xmlns:a16="http://schemas.microsoft.com/office/drawing/2014/main" val="10000"/>
+                    <a16:rowId xmlns:a16="http://schemas.microsoft.com/office/drawing/2014/main" val="10000"/>
                   </a:ext>
                 </a:extLst>
               </a:tr>
@@ -26004,7 +22541,7 @@
                 <a:gridCol w="5485765">
                   <a:extLst>
                     <a:ext uri="{9D8B030D-6E8A-4147-A177-3AD203B41FA5}">
-                      <a16:colId xmlns="" xmlns:a16="http://schemas.microsoft.com/office/drawing/2014/main" val="20000"/>
+                      <a16:colId xmlns:a16="http://schemas.microsoft.com/office/drawing/2014/main" val="20000"/>
                     </a:ext>
                   </a:extLst>
                 </a:gridCol>
@@ -26165,7 +22702,7 @@
                 </a:tc>
                 <a:extLst>
                   <a:ext uri="{0D108BD9-81ED-4DB2-BD59-A6C34878D82A}">
-                    <a16:rowId xmlns="" xmlns:a16="http://schemas.microsoft.com/office/drawing/2014/main" val="10000"/>
+                    <a16:rowId xmlns:a16="http://schemas.microsoft.com/office/drawing/2014/main" val="10000"/>
                   </a:ext>
                 </a:extLst>
               </a:tr>
@@ -26787,7 +23324,7 @@
           <p:nvPr>
             <p:extLst>
               <p:ext uri="{D42A27DB-BD31-4B8C-83A1-F6EECF244321}">
-                <p14:modId xmlns:p14="http://schemas.microsoft.com/office/powerpoint/2010/main" val="845048101"/>
+                <p14:modId xmlns:p14="http://schemas.microsoft.com/office/powerpoint/2010/main" val="3881968427"/>
               </p:ext>
             </p:extLst>
           </p:nvPr>
@@ -26806,21 +23343,21 @@
                 <a:gridCol w="1581792">
                   <a:extLst>
                     <a:ext uri="{9D8B030D-6E8A-4147-A177-3AD203B41FA5}">
-                      <a16:colId xmlns="" xmlns:a16="http://schemas.microsoft.com/office/drawing/2014/main" val="20000"/>
+                      <a16:colId xmlns:a16="http://schemas.microsoft.com/office/drawing/2014/main" val="20000"/>
                     </a:ext>
                   </a:extLst>
                 </a:gridCol>
                 <a:gridCol w="3269829">
                   <a:extLst>
                     <a:ext uri="{9D8B030D-6E8A-4147-A177-3AD203B41FA5}">
-                      <a16:colId xmlns="" xmlns:a16="http://schemas.microsoft.com/office/drawing/2014/main" val="20001"/>
+                      <a16:colId xmlns:a16="http://schemas.microsoft.com/office/drawing/2014/main" val="20001"/>
                     </a:ext>
                   </a:extLst>
                 </a:gridCol>
                 <a:gridCol w="1877461">
                   <a:extLst>
                     <a:ext uri="{9D8B030D-6E8A-4147-A177-3AD203B41FA5}">
-                      <a16:colId xmlns="" xmlns:a16="http://schemas.microsoft.com/office/drawing/2014/main" val="20002"/>
+                      <a16:colId xmlns:a16="http://schemas.microsoft.com/office/drawing/2014/main" val="20002"/>
                     </a:ext>
                   </a:extLst>
                 </a:gridCol>
@@ -26936,7 +23473,7 @@
                 </a:tc>
                 <a:extLst>
                   <a:ext uri="{0D108BD9-81ED-4DB2-BD59-A6C34878D82A}">
-                    <a16:rowId xmlns="" xmlns:a16="http://schemas.microsoft.com/office/drawing/2014/main" val="10000"/>
+                    <a16:rowId xmlns:a16="http://schemas.microsoft.com/office/drawing/2014/main" val="10000"/>
                   </a:ext>
                 </a:extLst>
               </a:tr>
@@ -26955,10 +23492,28 @@
                         <a:rPr lang="en-US" sz="900" kern="100" dirty="0">
                           <a:effectLst/>
                         </a:rPr>
-                        <a:t>RHEL 6, CentOS 6</a:t>
-                      </a:r>
-                      <a:r>
-                        <a:rPr lang="ja-JP" sz="900" kern="100" dirty="0">
+                        <a:t>RHEL </a:t>
+                      </a:r>
+                      <a:r>
+                        <a:rPr lang="en-US" sz="900" kern="100" dirty="0" smtClean="0">
+                          <a:effectLst/>
+                        </a:rPr>
+                        <a:t>7, </a:t>
+                      </a:r>
+                      <a:r>
+                        <a:rPr lang="en-US" sz="900" kern="100" dirty="0">
+                          <a:effectLst/>
+                        </a:rPr>
+                        <a:t>CentOS </a:t>
+                      </a:r>
+                      <a:r>
+                        <a:rPr lang="en-US" sz="900" kern="100" dirty="0" smtClean="0">
+                          <a:effectLst/>
+                        </a:rPr>
+                        <a:t>7</a:t>
+                      </a:r>
+                      <a:r>
+                        <a:rPr lang="ja-JP" sz="900" kern="100" dirty="0" smtClean="0">
                           <a:effectLst/>
                         </a:rPr>
                         <a:t>系</a:t>
@@ -27015,7 +23570,7 @@
                         <a:rPr lang="en-US" sz="1000" kern="100" dirty="0" smtClean="0">
                           <a:effectLst/>
                         </a:rPr>
-                        <a:t>/ext_files_for_CentOS6.x/</a:t>
+                        <a:t>/ext_files_for_CentOS7.x/</a:t>
                       </a:r>
                       <a:r>
                         <a:rPr lang="en-US" sz="1000" kern="100" dirty="0" err="1" smtClean="0">
@@ -27075,7 +23630,7 @@
                 </a:tc>
                 <a:extLst>
                   <a:ext uri="{0D108BD9-81ED-4DB2-BD59-A6C34878D82A}">
-                    <a16:rowId xmlns="" xmlns:a16="http://schemas.microsoft.com/office/drawing/2014/main" val="10001"/>
+                    <a16:rowId xmlns:a16="http://schemas.microsoft.com/office/drawing/2014/main" val="10001"/>
                   </a:ext>
                 </a:extLst>
               </a:tr>
@@ -27094,10 +23649,28 @@
                         <a:rPr lang="en-US" sz="900" kern="100" dirty="0">
                           <a:effectLst/>
                         </a:rPr>
-                        <a:t>RHEL 7, CentOS 7</a:t>
-                      </a:r>
-                      <a:r>
-                        <a:rPr lang="ja-JP" sz="900" kern="100" dirty="0">
+                        <a:t>RHEL </a:t>
+                      </a:r>
+                      <a:r>
+                        <a:rPr lang="en-US" sz="900" kern="100" dirty="0" smtClean="0">
+                          <a:effectLst/>
+                        </a:rPr>
+                        <a:t>8, </a:t>
+                      </a:r>
+                      <a:r>
+                        <a:rPr lang="en-US" sz="900" kern="100" dirty="0">
+                          <a:effectLst/>
+                        </a:rPr>
+                        <a:t>CentOS </a:t>
+                      </a:r>
+                      <a:r>
+                        <a:rPr lang="en-US" sz="900" kern="100" dirty="0" smtClean="0">
+                          <a:effectLst/>
+                        </a:rPr>
+                        <a:t>8</a:t>
+                      </a:r>
+                      <a:r>
+                        <a:rPr lang="ja-JP" sz="900" kern="100" dirty="0" smtClean="0">
                           <a:effectLst/>
                         </a:rPr>
                         <a:t>系</a:t>
@@ -27154,7 +23727,7 @@
                         <a:rPr lang="en-US" sz="1000" kern="100" dirty="0" smtClean="0">
                           <a:effectLst/>
                         </a:rPr>
-                        <a:t>/ext_files_for_CentOS7.x/</a:t>
+                        <a:t>/ext_files_for_CentOS8.x/</a:t>
                       </a:r>
                       <a:r>
                         <a:rPr lang="en-US" sz="1000" kern="100" dirty="0" err="1" smtClean="0">
@@ -27214,7 +23787,7 @@
                 </a:tc>
                 <a:extLst>
                   <a:ext uri="{0D108BD9-81ED-4DB2-BD59-A6C34878D82A}">
-                    <a16:rowId xmlns="" xmlns:a16="http://schemas.microsoft.com/office/drawing/2014/main" val="10002"/>
+                    <a16:rowId xmlns:a16="http://schemas.microsoft.com/office/drawing/2014/main" val="10002"/>
                   </a:ext>
                 </a:extLst>
               </a:tr>
@@ -28154,14 +24727,14 @@
                 <a:gridCol w="3312460">
                   <a:extLst>
                     <a:ext uri="{9D8B030D-6E8A-4147-A177-3AD203B41FA5}">
-                      <a16:colId xmlns="" xmlns:a16="http://schemas.microsoft.com/office/drawing/2014/main" val="20000"/>
+                      <a16:colId xmlns:a16="http://schemas.microsoft.com/office/drawing/2014/main" val="20000"/>
                     </a:ext>
                   </a:extLst>
                 </a:gridCol>
                 <a:gridCol w="3312460">
                   <a:extLst>
                     <a:ext uri="{9D8B030D-6E8A-4147-A177-3AD203B41FA5}">
-                      <a16:colId xmlns="" xmlns:a16="http://schemas.microsoft.com/office/drawing/2014/main" val="20001"/>
+                      <a16:colId xmlns:a16="http://schemas.microsoft.com/office/drawing/2014/main" val="20001"/>
                     </a:ext>
                   </a:extLst>
                 </a:gridCol>
@@ -28229,7 +24802,7 @@
                 </a:tc>
                 <a:extLst>
                   <a:ext uri="{0D108BD9-81ED-4DB2-BD59-A6C34878D82A}">
-                    <a16:rowId xmlns="" xmlns:a16="http://schemas.microsoft.com/office/drawing/2014/main" val="10000"/>
+                    <a16:rowId xmlns:a16="http://schemas.microsoft.com/office/drawing/2014/main" val="10000"/>
                   </a:ext>
                 </a:extLst>
               </a:tr>
@@ -28302,7 +24875,7 @@
                 </a:tc>
                 <a:extLst>
                   <a:ext uri="{0D108BD9-81ED-4DB2-BD59-A6C34878D82A}">
-                    <a16:rowId xmlns="" xmlns:a16="http://schemas.microsoft.com/office/drawing/2014/main" val="10001"/>
+                    <a16:rowId xmlns:a16="http://schemas.microsoft.com/office/drawing/2014/main" val="10001"/>
                   </a:ext>
                 </a:extLst>
               </a:tr>
@@ -28349,7 +24922,7 @@
                 </a:tc>
                 <a:extLst>
                   <a:ext uri="{0D108BD9-81ED-4DB2-BD59-A6C34878D82A}">
-                    <a16:rowId xmlns="" xmlns:a16="http://schemas.microsoft.com/office/drawing/2014/main" val="10002"/>
+                    <a16:rowId xmlns:a16="http://schemas.microsoft.com/office/drawing/2014/main" val="10002"/>
                   </a:ext>
                 </a:extLst>
               </a:tr>
@@ -28416,7 +24989,7 @@
                 </a:tc>
                 <a:extLst>
                   <a:ext uri="{0D108BD9-81ED-4DB2-BD59-A6C34878D82A}">
-                    <a16:rowId xmlns="" xmlns:a16="http://schemas.microsoft.com/office/drawing/2014/main" val="10003"/>
+                    <a16:rowId xmlns:a16="http://schemas.microsoft.com/office/drawing/2014/main" val="10003"/>
                   </a:ext>
                 </a:extLst>
               </a:tr>
@@ -28463,7 +25036,7 @@
                 </a:tc>
                 <a:extLst>
                   <a:ext uri="{0D108BD9-81ED-4DB2-BD59-A6C34878D82A}">
-                    <a16:rowId xmlns="" xmlns:a16="http://schemas.microsoft.com/office/drawing/2014/main" val="10004"/>
+                    <a16:rowId xmlns:a16="http://schemas.microsoft.com/office/drawing/2014/main" val="10004"/>
                   </a:ext>
                 </a:extLst>
               </a:tr>
@@ -28542,7 +25115,7 @@
                 </a:tc>
                 <a:extLst>
                   <a:ext uri="{0D108BD9-81ED-4DB2-BD59-A6C34878D82A}">
-                    <a16:rowId xmlns="" xmlns:a16="http://schemas.microsoft.com/office/drawing/2014/main" val="10005"/>
+                    <a16:rowId xmlns:a16="http://schemas.microsoft.com/office/drawing/2014/main" val="10005"/>
                   </a:ext>
                 </a:extLst>
               </a:tr>
@@ -28589,7 +25162,7 @@
                 </a:tc>
                 <a:extLst>
                   <a:ext uri="{0D108BD9-81ED-4DB2-BD59-A6C34878D82A}">
-                    <a16:rowId xmlns="" xmlns:a16="http://schemas.microsoft.com/office/drawing/2014/main" val="10006"/>
+                    <a16:rowId xmlns:a16="http://schemas.microsoft.com/office/drawing/2014/main" val="10006"/>
                   </a:ext>
                 </a:extLst>
               </a:tr>
@@ -28636,7 +25209,7 @@
                 </a:tc>
                 <a:extLst>
                   <a:ext uri="{0D108BD9-81ED-4DB2-BD59-A6C34878D82A}">
-                    <a16:rowId xmlns="" xmlns:a16="http://schemas.microsoft.com/office/drawing/2014/main" val="10007"/>
+                    <a16:rowId xmlns:a16="http://schemas.microsoft.com/office/drawing/2014/main" val="10007"/>
                   </a:ext>
                 </a:extLst>
               </a:tr>
@@ -28683,7 +25256,7 @@
                 </a:tc>
                 <a:extLst>
                   <a:ext uri="{0D108BD9-81ED-4DB2-BD59-A6C34878D82A}">
-                    <a16:rowId xmlns="" xmlns:a16="http://schemas.microsoft.com/office/drawing/2014/main" val="10008"/>
+                    <a16:rowId xmlns:a16="http://schemas.microsoft.com/office/drawing/2014/main" val="10008"/>
                   </a:ext>
                 </a:extLst>
               </a:tr>
@@ -29131,14 +25704,14 @@
           <p:nvPr>
             <p:extLst>
               <p:ext uri="{D42A27DB-BD31-4B8C-83A1-F6EECF244321}">
-                <p14:modId xmlns:p14="http://schemas.microsoft.com/office/powerpoint/2010/main" val="3897567277"/>
+                <p14:modId xmlns:p14="http://schemas.microsoft.com/office/powerpoint/2010/main" val="2855288479"/>
               </p:ext>
             </p:extLst>
           </p:nvPr>
         </p:nvGraphicFramePr>
         <p:xfrm>
           <a:off x="107380" y="1772771"/>
-          <a:ext cx="8929240" cy="4591659"/>
+          <a:ext cx="8929240" cy="4701379"/>
         </p:xfrm>
         <a:graphic>
           <a:graphicData uri="http://schemas.openxmlformats.org/drawingml/2006/table">
@@ -29150,42 +25723,42 @@
                 <a:gridCol w="1512210">
                   <a:extLst>
                     <a:ext uri="{9D8B030D-6E8A-4147-A177-3AD203B41FA5}">
-                      <a16:colId xmlns="" xmlns:a16="http://schemas.microsoft.com/office/drawing/2014/main" val="20000"/>
+                      <a16:colId xmlns:a16="http://schemas.microsoft.com/office/drawing/2014/main" val="20000"/>
                     </a:ext>
                   </a:extLst>
                 </a:gridCol>
                 <a:gridCol w="936130">
                   <a:extLst>
                     <a:ext uri="{9D8B030D-6E8A-4147-A177-3AD203B41FA5}">
-                      <a16:colId xmlns="" xmlns:a16="http://schemas.microsoft.com/office/drawing/2014/main" val="20001"/>
+                      <a16:colId xmlns:a16="http://schemas.microsoft.com/office/drawing/2014/main" val="20001"/>
                     </a:ext>
                   </a:extLst>
                 </a:gridCol>
                 <a:gridCol w="1296180">
                   <a:extLst>
                     <a:ext uri="{9D8B030D-6E8A-4147-A177-3AD203B41FA5}">
-                      <a16:colId xmlns="" xmlns:a16="http://schemas.microsoft.com/office/drawing/2014/main" val="20002"/>
+                      <a16:colId xmlns:a16="http://schemas.microsoft.com/office/drawing/2014/main" val="20002"/>
                     </a:ext>
                   </a:extLst>
                 </a:gridCol>
                 <a:gridCol w="3456480">
                   <a:extLst>
                     <a:ext uri="{9D8B030D-6E8A-4147-A177-3AD203B41FA5}">
-                      <a16:colId xmlns="" xmlns:a16="http://schemas.microsoft.com/office/drawing/2014/main" val="20003"/>
+                      <a16:colId xmlns:a16="http://schemas.microsoft.com/office/drawing/2014/main" val="20003"/>
                     </a:ext>
                   </a:extLst>
                 </a:gridCol>
                 <a:gridCol w="1008140">
                   <a:extLst>
                     <a:ext uri="{9D8B030D-6E8A-4147-A177-3AD203B41FA5}">
-                      <a16:colId xmlns="" xmlns:a16="http://schemas.microsoft.com/office/drawing/2014/main" val="20004"/>
+                      <a16:colId xmlns:a16="http://schemas.microsoft.com/office/drawing/2014/main" val="20004"/>
                     </a:ext>
                   </a:extLst>
                 </a:gridCol>
                 <a:gridCol w="720100">
                   <a:extLst>
                     <a:ext uri="{9D8B030D-6E8A-4147-A177-3AD203B41FA5}">
-                      <a16:colId xmlns="" xmlns:a16="http://schemas.microsoft.com/office/drawing/2014/main" val="20005"/>
+                      <a16:colId xmlns:a16="http://schemas.microsoft.com/office/drawing/2014/main" val="20005"/>
                     </a:ext>
                   </a:extLst>
                 </a:gridCol>
@@ -29393,7 +25966,7 @@
                 </a:tc>
                 <a:extLst>
                   <a:ext uri="{0D108BD9-81ED-4DB2-BD59-A6C34878D82A}">
-                    <a16:rowId xmlns="" xmlns:a16="http://schemas.microsoft.com/office/drawing/2014/main" val="10000"/>
+                    <a16:rowId xmlns:a16="http://schemas.microsoft.com/office/drawing/2014/main" val="10000"/>
                   </a:ext>
                 </a:extLst>
               </a:tr>
@@ -29589,7 +26162,7 @@
                 </a:tc>
                 <a:extLst>
                   <a:ext uri="{0D108BD9-81ED-4DB2-BD59-A6C34878D82A}">
-                    <a16:rowId xmlns="" xmlns:a16="http://schemas.microsoft.com/office/drawing/2014/main" val="10001"/>
+                    <a16:rowId xmlns:a16="http://schemas.microsoft.com/office/drawing/2014/main" val="10001"/>
                   </a:ext>
                 </a:extLst>
               </a:tr>
@@ -29776,7 +26349,7 @@
                 </a:tc>
                 <a:extLst>
                   <a:ext uri="{0D108BD9-81ED-4DB2-BD59-A6C34878D82A}">
-                    <a16:rowId xmlns="" xmlns:a16="http://schemas.microsoft.com/office/drawing/2014/main" val="10002"/>
+                    <a16:rowId xmlns:a16="http://schemas.microsoft.com/office/drawing/2014/main" val="10002"/>
                   </a:ext>
                 </a:extLst>
               </a:tr>
@@ -29948,7 +26521,7 @@
                 </a:tc>
                 <a:extLst>
                   <a:ext uri="{0D108BD9-81ED-4DB2-BD59-A6C34878D82A}">
-                    <a16:rowId xmlns="" xmlns:a16="http://schemas.microsoft.com/office/drawing/2014/main" val="10003"/>
+                    <a16:rowId xmlns:a16="http://schemas.microsoft.com/office/drawing/2014/main" val="10003"/>
                   </a:ext>
                 </a:extLst>
               </a:tr>
@@ -30173,7 +26746,7 @@
                 </a:tc>
                 <a:extLst>
                   <a:ext uri="{0D108BD9-81ED-4DB2-BD59-A6C34878D82A}">
-                    <a16:rowId xmlns="" xmlns:a16="http://schemas.microsoft.com/office/drawing/2014/main" val="10004"/>
+                    <a16:rowId xmlns:a16="http://schemas.microsoft.com/office/drawing/2014/main" val="10004"/>
                   </a:ext>
                 </a:extLst>
               </a:tr>
@@ -30399,7 +26972,7 @@
                 </a:tc>
                 <a:extLst>
                   <a:ext uri="{0D108BD9-81ED-4DB2-BD59-A6C34878D82A}">
-                    <a16:rowId xmlns="" xmlns:a16="http://schemas.microsoft.com/office/drawing/2014/main" val="10005"/>
+                    <a16:rowId xmlns:a16="http://schemas.microsoft.com/office/drawing/2014/main" val="10005"/>
                   </a:ext>
                 </a:extLst>
               </a:tr>
@@ -30415,19 +26988,13 @@
                         </a:spcAft>
                       </a:pPr>
                       <a:r>
-                        <a:rPr lang="en-US" sz="900" kern="100" dirty="0">
-                          <a:effectLst/>
-                        </a:rPr>
-                        <a:t> </a:t>
-                      </a:r>
-                      <a:r>
-                        <a:rPr lang="en-US" sz="900" kern="100" dirty="0" smtClean="0">
+                        <a:rPr lang="en-US" altLang="ja-JP" sz="900" kern="100" dirty="0" smtClean="0">
                           <a:effectLst/>
                         </a:rPr>
                         <a:t>Cobbler</a:t>
                       </a:r>
                       <a:r>
-                        <a:rPr lang="ja-JP" sz="900" kern="100" dirty="0">
+                        <a:rPr lang="ja-JP" sz="900" kern="100" dirty="0" smtClean="0">
                           <a:effectLst/>
                         </a:rPr>
                         <a:t>ドライバー</a:t>
@@ -30453,8 +27020,11 @@
                         </a:spcAft>
                       </a:pPr>
                       <a:r>
-                        <a:rPr lang="en-US" sz="900" kern="100" dirty="0" smtClean="0">
-                          <a:effectLst/>
+                        <a:rPr lang="en-US" altLang="ja-JP" sz="900" kern="100" dirty="0" smtClean="0">
+                          <a:effectLst/>
+                          <a:latin typeface="+mn-lt"/>
+                          <a:ea typeface="+mn-ea"/>
+                          <a:cs typeface="+mn-cs"/>
                         </a:rPr>
                         <a:t>Cobbler</a:t>
                       </a:r>
@@ -30479,16 +27049,16 @@
                         </a:spcAft>
                       </a:pPr>
                       <a:r>
-                        <a:rPr lang="en-US" sz="900" kern="0" dirty="0">
-                          <a:effectLst/>
-                        </a:rPr>
-                        <a:t>OS</a:t>
+                        <a:rPr lang="ja-JP" sz="900" kern="0" dirty="0" smtClean="0">
+                          <a:effectLst/>
+                        </a:rPr>
+                        <a:t>システム</a:t>
                       </a:r>
                       <a:r>
                         <a:rPr lang="ja-JP" sz="900" kern="0" dirty="0">
                           <a:effectLst/>
                         </a:rPr>
-                        <a:t>インストール</a:t>
+                        <a:t>構築</a:t>
                       </a:r>
                       <a:endParaRPr lang="ja-JP" sz="1050" kern="100" dirty="0">
                         <a:effectLst/>
@@ -30505,59 +27075,58 @@
                     <a:bodyPr/>
                     <a:lstStyle/>
                     <a:p>
-                      <a:pPr algn="l">
-                        <a:lnSpc>
-                          <a:spcPts val="1200"/>
-                        </a:lnSpc>
+                      <a:pPr algn="just">
                         <a:spcAft>
                           <a:spcPts val="0"/>
                         </a:spcAft>
                       </a:pPr>
                       <a:r>
-                        <a:rPr lang="en-US" altLang="ja-JP" sz="900" kern="0" dirty="0" smtClean="0">
-                          <a:effectLst/>
-                        </a:rPr>
-                        <a:t>OSS</a:t>
-                      </a:r>
-                      <a:r>
-                        <a:rPr lang="ja-JP" altLang="ja-JP" sz="900" kern="0" dirty="0" smtClean="0">
-                          <a:effectLst/>
-                        </a:rPr>
-                        <a:t>のインストール自動化ツールです。</a:t>
-                      </a:r>
-                      <a:r>
-                        <a:rPr lang="en-US" altLang="ja-JP" sz="900" kern="0" dirty="0" smtClean="0">
-                          <a:effectLst/>
-                        </a:rPr>
-                        <a:t/>
-                      </a:r>
-                      <a:br>
-                        <a:rPr lang="en-US" altLang="ja-JP" sz="900" kern="0" dirty="0" smtClean="0">
-                          <a:effectLst/>
-                        </a:rPr>
-                      </a:br>
-                      <a:r>
-                        <a:rPr lang="ja-JP" altLang="ja-JP" sz="900" kern="0" dirty="0" smtClean="0">
-                          <a:effectLst/>
-                        </a:rPr>
-                        <a:t>あらかじめ作成したテンプレートを元に、ネットワークで接続された機器に対して、</a:t>
-                      </a:r>
-                      <a:r>
-                        <a:rPr lang="en-US" altLang="ja-JP" sz="900" kern="0" dirty="0" smtClean="0">
-                          <a:effectLst/>
-                        </a:rPr>
-                        <a:t>OS</a:t>
-                      </a:r>
-                      <a:r>
-                        <a:rPr lang="ja-JP" altLang="ja-JP" sz="900" kern="0" dirty="0" smtClean="0">
-                          <a:effectLst/>
-                        </a:rPr>
-                        <a:t>のインストールを行うことができます。</a:t>
-                      </a:r>
-                      <a:endParaRPr lang="ja-JP" altLang="ja-JP" sz="1050" kern="100" dirty="0">
+                        <a:rPr lang="en-US" altLang="ja-JP" sz="900" kern="100" dirty="0" smtClean="0">
+                          <a:effectLst/>
+                          <a:latin typeface="+mn-ea"/>
+                          <a:ea typeface="+mn-ea"/>
+                          <a:cs typeface="Times New Roman" panose="02020603050405020304" pitchFamily="18" charset="0"/>
+                        </a:rPr>
+                        <a:t>OS </a:t>
+                      </a:r>
+                      <a:r>
+                        <a:rPr lang="ja-JP" altLang="en-US" sz="900" kern="100" dirty="0" smtClean="0">
+                          <a:effectLst/>
+                          <a:latin typeface="+mn-ea"/>
+                          <a:ea typeface="+mn-ea"/>
+                          <a:cs typeface="Times New Roman" panose="02020603050405020304" pitchFamily="18" charset="0"/>
+                        </a:rPr>
+                        <a:t>のインストールを自動化するツールです。</a:t>
+                      </a:r>
+                    </a:p>
+                    <a:p>
+                      <a:pPr algn="just">
+                        <a:spcAft>
+                          <a:spcPts val="0"/>
+                        </a:spcAft>
+                      </a:pPr>
+                      <a:r>
+                        <a:rPr lang="en-US" altLang="ja-JP" sz="900" kern="100" dirty="0" smtClean="0">
+                          <a:effectLst/>
+                          <a:latin typeface="+mn-ea"/>
+                          <a:ea typeface="+mn-ea"/>
+                          <a:cs typeface="Times New Roman" panose="02020603050405020304" pitchFamily="18" charset="0"/>
+                        </a:rPr>
+                        <a:t>Cobbler </a:t>
+                      </a:r>
+                      <a:r>
+                        <a:rPr lang="ja-JP" altLang="en-US" sz="900" kern="100" dirty="0" smtClean="0">
+                          <a:effectLst/>
+                          <a:latin typeface="+mn-ea"/>
+                          <a:ea typeface="+mn-ea"/>
+                          <a:cs typeface="Times New Roman" panose="02020603050405020304" pitchFamily="18" charset="0"/>
+                        </a:rPr>
+                        <a:t>サーバー上にインストールメディアと、インストール時の設定情報を記載したキックスタートファイルを登録し、ネットワークに接続した機器に対してこれらを配布することで、ネットワークインストールを可能とします。</a:t>
+                      </a:r>
+                      <a:endParaRPr lang="ja-JP" sz="900" kern="100" dirty="0">
                         <a:effectLst/>
-                        <a:latin typeface="Century" panose="02040604050505020304" pitchFamily="18" charset="0"/>
-                        <a:ea typeface="ＭＳ 明朝" panose="02020609040205080304" pitchFamily="17" charset="-128"/>
+                        <a:latin typeface="+mn-ea"/>
+                        <a:ea typeface="+mn-ea"/>
                         <a:cs typeface="Times New Roman" panose="02020603050405020304" pitchFamily="18" charset="0"/>
                       </a:endParaRPr>
                     </a:p>
@@ -30578,10 +27147,10 @@
                         </a:spcAft>
                       </a:pPr>
                       <a:r>
-                        <a:rPr lang="en-US" sz="1050" kern="100" dirty="0">
-                          <a:effectLst/>
-                        </a:rPr>
-                        <a:t>○</a:t>
+                        <a:rPr lang="en-US" sz="1050" kern="0" dirty="0" smtClean="0">
+                          <a:effectLst/>
+                        </a:rPr>
+                        <a:t>×</a:t>
                       </a:r>
                       <a:endParaRPr lang="ja-JP" sz="1200" kern="100" dirty="0">
                         <a:effectLst/>
@@ -30624,7 +27193,7 @@
                 </a:tc>
                 <a:extLst>
                   <a:ext uri="{0D108BD9-81ED-4DB2-BD59-A6C34878D82A}">
-                    <a16:rowId xmlns="" xmlns:a16="http://schemas.microsoft.com/office/drawing/2014/main" val="10006"/>
+                    <a16:rowId xmlns:a16="http://schemas.microsoft.com/office/drawing/2014/main" val="1912832483"/>
                   </a:ext>
                 </a:extLst>
               </a:tr>
@@ -30824,7 +27393,7 @@
                 </a:tc>
                 <a:extLst>
                   <a:ext uri="{0D108BD9-81ED-4DB2-BD59-A6C34878D82A}">
-                    <a16:rowId xmlns="" xmlns:a16="http://schemas.microsoft.com/office/drawing/2014/main" val="10007"/>
+                    <a16:rowId xmlns:a16="http://schemas.microsoft.com/office/drawing/2014/main" val="10007"/>
                   </a:ext>
                 </a:extLst>
               </a:tr>
@@ -31074,7 +27643,7 @@
                 </a:tc>
                 <a:extLst>
                   <a:ext uri="{0D108BD9-81ED-4DB2-BD59-A6C34878D82A}">
-                    <a16:rowId xmlns="" xmlns:a16="http://schemas.microsoft.com/office/drawing/2014/main" val="10008"/>
+                    <a16:rowId xmlns:a16="http://schemas.microsoft.com/office/drawing/2014/main" val="10008"/>
                   </a:ext>
                 </a:extLst>
               </a:tr>
@@ -31178,7 +27747,12 @@
             <p:ph sz="quarter" idx="10"/>
           </p:nvPr>
         </p:nvSpPr>
-        <p:spPr/>
+        <p:spPr>
+          <a:xfrm>
+            <a:off x="179512" y="764630"/>
+            <a:ext cx="8784976" cy="5688558"/>
+          </a:xfrm>
+        </p:spPr>
         <p:txBody>
           <a:bodyPr/>
           <a:lstStyle/>
@@ -31189,1407 +27763,48 @@
             </a:r>
             <a:r>
               <a:rPr lang="ja-JP" altLang="en-US" dirty="0" smtClean="0"/>
-              <a:t>を</a:t>
-            </a:r>
+              <a:t>をご利用いただくための環境について</a:t>
+            </a:r>
+            <a:endParaRPr lang="en-US" altLang="ja-JP" dirty="0"/>
+          </a:p>
+          <a:p>
+            <a:pPr lvl="1"/>
             <a:r>
               <a:rPr lang="ja-JP" altLang="en-US" dirty="0"/>
-              <a:t>ご利用いただくには、以下の環境が必要となります。</a:t>
-            </a:r>
-            <a:endParaRPr lang="en-US" altLang="ja-JP" dirty="0" smtClean="0"/>
-          </a:p>
-          <a:p>
-            <a:pPr lvl="1"/>
+              <a:t>「</a:t>
+            </a:r>
+            <a:r>
+              <a:rPr lang="en-US" altLang="ja-JP" dirty="0" err="1" smtClean="0"/>
+              <a:t>Exastro</a:t>
+            </a:r>
+            <a:r>
+              <a:rPr lang="en-US" altLang="ja-JP" dirty="0" smtClean="0"/>
+              <a:t>-ITA</a:t>
+            </a:r>
+            <a:r>
+              <a:rPr lang="en-US" altLang="ja-JP" dirty="0"/>
+              <a:t>_</a:t>
+            </a:r>
+            <a:r>
+              <a:rPr lang="ja-JP" altLang="en-US" dirty="0"/>
+              <a:t>システム構成／環境構築ガイド</a:t>
+            </a:r>
+            <a:r>
+              <a:rPr lang="en-US" altLang="ja-JP" dirty="0"/>
+              <a:t>_</a:t>
+            </a:r>
+            <a:r>
+              <a:rPr lang="ja-JP" altLang="en-US" dirty="0"/>
+              <a:t>基本編」を参照してください</a:t>
+            </a:r>
             <a:r>
               <a:rPr lang="ja-JP" altLang="en-US" dirty="0" smtClean="0"/>
-              <a:t>サーバ動作要件</a:t>
-            </a:r>
-            <a:endParaRPr lang="en-US" altLang="ja-JP" dirty="0" smtClean="0"/>
-          </a:p>
-          <a:p>
-            <a:pPr lvl="1"/>
-            <a:endParaRPr lang="en-US" altLang="ja-JP" dirty="0"/>
-          </a:p>
-          <a:p>
-            <a:pPr lvl="1"/>
-            <a:endParaRPr lang="en-US" altLang="ja-JP" dirty="0" smtClean="0"/>
-          </a:p>
-          <a:p>
-            <a:pPr marL="180000" lvl="1" indent="0">
-              <a:buNone/>
-            </a:pPr>
-            <a:endParaRPr lang="en-US" altLang="ja-JP" dirty="0" smtClean="0"/>
-          </a:p>
-          <a:p>
-            <a:pPr lvl="1"/>
-            <a:r>
-              <a:rPr lang="ja-JP" altLang="en-US" dirty="0" smtClean="0"/>
-              <a:t>サーバ</a:t>
-            </a:r>
-            <a:r>
-              <a:rPr lang="ja-JP" altLang="en-US" dirty="0"/>
-              <a:t>最</a:t>
-            </a:r>
-            <a:r>
-              <a:rPr lang="ja-JP" altLang="en-US" dirty="0" smtClean="0"/>
-              <a:t>小スペック</a:t>
-            </a:r>
-            <a:endParaRPr lang="en-US" altLang="ja-JP" dirty="0" smtClean="0"/>
-          </a:p>
-          <a:p>
-            <a:pPr lvl="1"/>
-            <a:endParaRPr lang="en-US" altLang="ja-JP" dirty="0"/>
-          </a:p>
-          <a:p>
-            <a:pPr lvl="1"/>
-            <a:endParaRPr lang="en-US" altLang="ja-JP" dirty="0" smtClean="0"/>
-          </a:p>
-          <a:p>
-            <a:pPr lvl="1"/>
-            <a:endParaRPr lang="en-US" altLang="ja-JP" dirty="0" smtClean="0"/>
-          </a:p>
-          <a:p>
-            <a:pPr lvl="1"/>
-            <a:endParaRPr lang="en-US" altLang="ja-JP" dirty="0"/>
-          </a:p>
-          <a:p>
-            <a:pPr marL="180000" lvl="1" indent="0">
-              <a:buNone/>
-            </a:pPr>
-            <a:endParaRPr lang="en-US" altLang="ja-JP" sz="1000" dirty="0" smtClean="0"/>
-          </a:p>
-          <a:p>
-            <a:pPr lvl="1"/>
-            <a:r>
-              <a:rPr lang="ja-JP" altLang="en-US" dirty="0" smtClean="0"/>
-              <a:t>クライアント</a:t>
-            </a:r>
-            <a:r>
-              <a:rPr lang="en-US" altLang="ja-JP" dirty="0"/>
-              <a:t>PC</a:t>
-            </a:r>
-            <a:r>
-              <a:rPr lang="ja-JP" altLang="en-US" dirty="0"/>
-              <a:t>動作</a:t>
-            </a:r>
-            <a:r>
-              <a:rPr lang="ja-JP" altLang="en-US" dirty="0" smtClean="0"/>
-              <a:t>要件</a:t>
-            </a:r>
-            <a:endParaRPr lang="en-US" altLang="ja-JP" dirty="0" smtClean="0"/>
+              <a:t>。</a:t>
+            </a:r>
+            <a:endParaRPr lang="ja-JP" altLang="en-US" dirty="0"/>
           </a:p>
         </p:txBody>
       </p:sp>
-      <p:graphicFrame>
-        <p:nvGraphicFramePr>
-          <p:cNvPr id="5" name="表 4"/>
-          <p:cNvGraphicFramePr>
-            <a:graphicFrameLocks noGrp="1"/>
-          </p:cNvGraphicFramePr>
-          <p:nvPr>
-            <p:extLst/>
-          </p:nvPr>
-        </p:nvGraphicFramePr>
-        <p:xfrm>
-          <a:off x="1283268" y="2888719"/>
-          <a:ext cx="6576490" cy="1102134"/>
-        </p:xfrm>
-        <a:graphic>
-          <a:graphicData uri="http://schemas.openxmlformats.org/drawingml/2006/table">
-            <a:tbl>
-              <a:tblPr firstRow="1" bandRow="1">
-                <a:tableStyleId>{5C22544A-7EE6-4342-B048-85BDC9FD1C3A}</a:tableStyleId>
-              </a:tblPr>
-              <a:tblGrid>
-                <a:gridCol w="3288245">
-                  <a:extLst>
-                    <a:ext uri="{9D8B030D-6E8A-4147-A177-3AD203B41FA5}">
-                      <a16:colId xmlns="" xmlns:a16="http://schemas.microsoft.com/office/drawing/2014/main" val="20000"/>
-                    </a:ext>
-                  </a:extLst>
-                </a:gridCol>
-                <a:gridCol w="3288245">
-                  <a:extLst>
-                    <a:ext uri="{9D8B030D-6E8A-4147-A177-3AD203B41FA5}">
-                      <a16:colId xmlns="" xmlns:a16="http://schemas.microsoft.com/office/drawing/2014/main" val="20001"/>
-                    </a:ext>
-                  </a:extLst>
-                </a:gridCol>
-              </a:tblGrid>
-              <a:tr h="367378">
-                <a:tc>
-                  <a:txBody>
-                    <a:bodyPr/>
-                    <a:lstStyle/>
-                    <a:p>
-                      <a:r>
-                        <a:rPr kumimoji="1" lang="en-US" altLang="ja-JP" sz="1050" b="1" kern="1200" dirty="0" smtClean="0">
-                          <a:solidFill>
-                            <a:schemeClr val="bg1"/>
-                          </a:solidFill>
-                          <a:effectLst/>
-                          <a:latin typeface="+mn-lt"/>
-                          <a:ea typeface="+mn-ea"/>
-                          <a:cs typeface="+mn-cs"/>
-                        </a:rPr>
-                        <a:t>CPU</a:t>
-                      </a:r>
-                      <a:endParaRPr kumimoji="1" lang="ja-JP" altLang="en-US" sz="1050" b="1" dirty="0">
-                        <a:solidFill>
-                          <a:schemeClr val="bg1"/>
-                        </a:solidFill>
-                      </a:endParaRPr>
-                    </a:p>
-                  </a:txBody>
-                  <a:tcPr anchor="ctr">
-                    <a:solidFill>
-                      <a:srgbClr val="002B62"/>
-                    </a:solidFill>
-                  </a:tcPr>
-                </a:tc>
-                <a:tc>
-                  <a:txBody>
-                    <a:bodyPr/>
-                    <a:lstStyle/>
-                    <a:p>
-                      <a:r>
-                        <a:rPr kumimoji="1" lang="en-US" altLang="ja-JP" sz="1050" b="0" kern="1200" dirty="0" smtClean="0">
-                          <a:solidFill>
-                            <a:schemeClr val="dk1"/>
-                          </a:solidFill>
-                          <a:effectLst/>
-                          <a:latin typeface="+mn-lt"/>
-                          <a:ea typeface="+mn-ea"/>
-                          <a:cs typeface="+mn-cs"/>
-                        </a:rPr>
-                        <a:t>1Core</a:t>
-                      </a:r>
-                      <a:endParaRPr kumimoji="1" lang="ja-JP" altLang="en-US" sz="1050" b="0" dirty="0"/>
-                    </a:p>
-                  </a:txBody>
-                  <a:tcPr anchor="ctr">
-                    <a:solidFill>
-                      <a:srgbClr val="E7E8EA"/>
-                    </a:solidFill>
-                  </a:tcPr>
-                </a:tc>
-                <a:extLst>
-                  <a:ext uri="{0D108BD9-81ED-4DB2-BD59-A6C34878D82A}">
-                    <a16:rowId xmlns="" xmlns:a16="http://schemas.microsoft.com/office/drawing/2014/main" val="10000"/>
-                  </a:ext>
-                </a:extLst>
-              </a:tr>
-              <a:tr h="367378">
-                <a:tc>
-                  <a:txBody>
-                    <a:bodyPr/>
-                    <a:lstStyle/>
-                    <a:p>
-                      <a:r>
-                        <a:rPr kumimoji="1" lang="ja-JP" altLang="ja-JP" sz="1050" b="1" kern="1200" dirty="0" smtClean="0">
-                          <a:solidFill>
-                            <a:schemeClr val="bg1"/>
-                          </a:solidFill>
-                          <a:effectLst/>
-                          <a:latin typeface="+mn-lt"/>
-                          <a:ea typeface="+mn-ea"/>
-                          <a:cs typeface="+mn-cs"/>
-                        </a:rPr>
-                        <a:t>メモリ</a:t>
-                      </a:r>
-                      <a:endParaRPr kumimoji="1" lang="ja-JP" altLang="en-US" sz="1050" b="1" dirty="0">
-                        <a:solidFill>
-                          <a:schemeClr val="bg1"/>
-                        </a:solidFill>
-                      </a:endParaRPr>
-                    </a:p>
-                  </a:txBody>
-                  <a:tcPr anchor="ctr">
-                    <a:lnB w="38100" cap="flat" cmpd="sng" algn="ctr">
-                      <a:solidFill>
-                        <a:schemeClr val="bg1"/>
-                      </a:solidFill>
-                      <a:prstDash val="solid"/>
-                      <a:round/>
-                      <a:headEnd type="none" w="med" len="med"/>
-                      <a:tailEnd type="none" w="med" len="med"/>
-                    </a:lnB>
-                    <a:solidFill>
-                      <a:srgbClr val="002B62"/>
-                    </a:solidFill>
-                  </a:tcPr>
-                </a:tc>
-                <a:tc>
-                  <a:txBody>
-                    <a:bodyPr/>
-                    <a:lstStyle/>
-                    <a:p>
-                      <a:r>
-                        <a:rPr kumimoji="1" lang="en-US" altLang="ja-JP" sz="1050" b="0" kern="1200" dirty="0" smtClean="0">
-                          <a:solidFill>
-                            <a:schemeClr val="dk1"/>
-                          </a:solidFill>
-                          <a:effectLst/>
-                          <a:latin typeface="+mn-lt"/>
-                          <a:ea typeface="+mn-ea"/>
-                          <a:cs typeface="+mn-cs"/>
-                        </a:rPr>
-                        <a:t>1GB</a:t>
-                      </a:r>
-                      <a:endParaRPr kumimoji="1" lang="ja-JP" altLang="en-US" sz="1050" b="0" dirty="0"/>
-                    </a:p>
-                  </a:txBody>
-                  <a:tcPr anchor="ctr">
-                    <a:solidFill>
-                      <a:srgbClr val="CBCDD3"/>
-                    </a:solidFill>
-                  </a:tcPr>
-                </a:tc>
-                <a:extLst>
-                  <a:ext uri="{0D108BD9-81ED-4DB2-BD59-A6C34878D82A}">
-                    <a16:rowId xmlns="" xmlns:a16="http://schemas.microsoft.com/office/drawing/2014/main" val="10001"/>
-                  </a:ext>
-                </a:extLst>
-              </a:tr>
-              <a:tr h="367378">
-                <a:tc>
-                  <a:txBody>
-                    <a:bodyPr/>
-                    <a:lstStyle/>
-                    <a:p>
-                      <a:r>
-                        <a:rPr kumimoji="1" lang="ja-JP" altLang="ja-JP" sz="1050" b="1" kern="1200" dirty="0" smtClean="0">
-                          <a:solidFill>
-                            <a:schemeClr val="bg1"/>
-                          </a:solidFill>
-                          <a:effectLst/>
-                          <a:latin typeface="+mn-lt"/>
-                          <a:ea typeface="+mn-ea"/>
-                          <a:cs typeface="+mn-cs"/>
-                        </a:rPr>
-                        <a:t>ディスク容量</a:t>
-                      </a:r>
-                      <a:endParaRPr kumimoji="1" lang="ja-JP" altLang="en-US" sz="1050" b="1" dirty="0">
-                        <a:solidFill>
-                          <a:schemeClr val="bg1"/>
-                        </a:solidFill>
-                      </a:endParaRPr>
-                    </a:p>
-                  </a:txBody>
-                  <a:tcPr anchor="ctr">
-                    <a:lnT w="38100" cap="flat" cmpd="sng" algn="ctr">
-                      <a:solidFill>
-                        <a:schemeClr val="bg1"/>
-                      </a:solidFill>
-                      <a:prstDash val="solid"/>
-                      <a:round/>
-                      <a:headEnd type="none" w="med" len="med"/>
-                      <a:tailEnd type="none" w="med" len="med"/>
-                    </a:lnT>
-                    <a:solidFill>
-                      <a:srgbClr val="002B62"/>
-                    </a:solidFill>
-                  </a:tcPr>
-                </a:tc>
-                <a:tc>
-                  <a:txBody>
-                    <a:bodyPr/>
-                    <a:lstStyle/>
-                    <a:p>
-                      <a:r>
-                        <a:rPr kumimoji="1" lang="en-US" altLang="ja-JP" sz="1050" b="0" kern="1200" dirty="0" smtClean="0">
-                          <a:solidFill>
-                            <a:schemeClr val="dk1"/>
-                          </a:solidFill>
-                          <a:effectLst/>
-                          <a:latin typeface="+mn-lt"/>
-                          <a:ea typeface="+mn-ea"/>
-                          <a:cs typeface="+mn-cs"/>
-                        </a:rPr>
-                        <a:t>1GB</a:t>
-                      </a:r>
-                      <a:r>
-                        <a:rPr kumimoji="1" lang="ja-JP" altLang="en-US" sz="1050" b="0" kern="1200" dirty="0" smtClean="0">
-                          <a:solidFill>
-                            <a:schemeClr val="dk1"/>
-                          </a:solidFill>
-                          <a:effectLst/>
-                          <a:latin typeface="+mn-lt"/>
-                          <a:ea typeface="+mn-ea"/>
-                          <a:cs typeface="+mn-cs"/>
-                        </a:rPr>
-                        <a:t>（</a:t>
-                      </a:r>
-                      <a:r>
-                        <a:rPr kumimoji="1" lang="en-US" altLang="ja-JP" sz="1050" b="0" kern="1200" dirty="0" smtClean="0">
-                          <a:solidFill>
-                            <a:schemeClr val="dk1"/>
-                          </a:solidFill>
-                          <a:effectLst/>
-                          <a:latin typeface="+mn-lt"/>
-                          <a:ea typeface="+mn-ea"/>
-                          <a:cs typeface="+mn-cs"/>
-                        </a:rPr>
-                        <a:t>ITA</a:t>
-                      </a:r>
-                      <a:r>
-                        <a:rPr kumimoji="1" lang="ja-JP" altLang="en-US" sz="1050" b="0" kern="1200" dirty="0" smtClean="0">
-                          <a:solidFill>
-                            <a:schemeClr val="dk1"/>
-                          </a:solidFill>
-                          <a:effectLst/>
-                          <a:latin typeface="+mn-lt"/>
-                          <a:ea typeface="+mn-ea"/>
-                          <a:cs typeface="+mn-cs"/>
-                        </a:rPr>
-                        <a:t>本体のみ）</a:t>
-                      </a:r>
-                      <a:endParaRPr kumimoji="1" lang="ja-JP" altLang="en-US" sz="1050" b="0" dirty="0"/>
-                    </a:p>
-                  </a:txBody>
-                  <a:tcPr anchor="ctr">
-                    <a:solidFill>
-                      <a:srgbClr val="E7E8EA"/>
-                    </a:solidFill>
-                  </a:tcPr>
-                </a:tc>
-                <a:extLst>
-                  <a:ext uri="{0D108BD9-81ED-4DB2-BD59-A6C34878D82A}">
-                    <a16:rowId xmlns="" xmlns:a16="http://schemas.microsoft.com/office/drawing/2014/main" val="10002"/>
-                  </a:ext>
-                </a:extLst>
-              </a:tr>
-            </a:tbl>
-          </a:graphicData>
-        </a:graphic>
-      </p:graphicFrame>
-      <p:graphicFrame>
-        <p:nvGraphicFramePr>
-          <p:cNvPr id="6" name="表 5"/>
-          <p:cNvGraphicFramePr>
-            <a:graphicFrameLocks noGrp="1"/>
-          </p:cNvGraphicFramePr>
-          <p:nvPr>
-            <p:extLst/>
-          </p:nvPr>
-        </p:nvGraphicFramePr>
-        <p:xfrm>
-          <a:off x="1283268" y="1553380"/>
-          <a:ext cx="6576490" cy="741680"/>
-        </p:xfrm>
-        <a:graphic>
-          <a:graphicData uri="http://schemas.openxmlformats.org/drawingml/2006/table">
-            <a:tbl>
-              <a:tblPr firstRow="1" bandRow="1">
-                <a:tableStyleId>{93296810-A885-4BE3-A3E7-6D5BEEA58F35}</a:tableStyleId>
-              </a:tblPr>
-              <a:tblGrid>
-                <a:gridCol w="1296180">
-                  <a:extLst>
-                    <a:ext uri="{9D8B030D-6E8A-4147-A177-3AD203B41FA5}">
-                      <a16:colId xmlns="" xmlns:a16="http://schemas.microsoft.com/office/drawing/2014/main" val="20000"/>
-                    </a:ext>
-                  </a:extLst>
-                </a:gridCol>
-                <a:gridCol w="3088147">
-                  <a:extLst>
-                    <a:ext uri="{9D8B030D-6E8A-4147-A177-3AD203B41FA5}">
-                      <a16:colId xmlns="" xmlns:a16="http://schemas.microsoft.com/office/drawing/2014/main" val="20001"/>
-                    </a:ext>
-                  </a:extLst>
-                </a:gridCol>
-                <a:gridCol w="2192163">
-                  <a:extLst>
-                    <a:ext uri="{9D8B030D-6E8A-4147-A177-3AD203B41FA5}">
-                      <a16:colId xmlns="" xmlns:a16="http://schemas.microsoft.com/office/drawing/2014/main" val="20002"/>
-                    </a:ext>
-                  </a:extLst>
-                </a:gridCol>
-              </a:tblGrid>
-              <a:tr h="370840">
-                <a:tc rowSpan="2">
-                  <a:txBody>
-                    <a:bodyPr/>
-                    <a:lstStyle/>
-                    <a:p>
-                      <a:pPr algn="l"/>
-                      <a:r>
-                        <a:rPr kumimoji="1" lang="en-US" altLang="ja-JP" sz="1000" dirty="0" smtClean="0"/>
-                        <a:t>OS</a:t>
-                      </a:r>
-                      <a:endParaRPr kumimoji="1" lang="ja-JP" altLang="en-US" sz="1000" dirty="0"/>
-                    </a:p>
-                  </a:txBody>
-                  <a:tcPr anchor="ctr">
-                    <a:lnR w="38100" cap="flat" cmpd="sng" algn="ctr">
-                      <a:solidFill>
-                        <a:schemeClr val="bg1"/>
-                      </a:solidFill>
-                      <a:prstDash val="solid"/>
-                      <a:round/>
-                      <a:headEnd type="none" w="med" len="med"/>
-                      <a:tailEnd type="none" w="med" len="med"/>
-                    </a:lnR>
-                  </a:tcPr>
-                </a:tc>
-                <a:tc>
-                  <a:txBody>
-                    <a:bodyPr/>
-                    <a:lstStyle/>
-                    <a:p>
-                      <a:r>
-                        <a:rPr kumimoji="1" lang="en-US" altLang="ja-JP" sz="1000" b="0" kern="1200" dirty="0" smtClean="0">
-                          <a:solidFill>
-                            <a:schemeClr val="tx1"/>
-                          </a:solidFill>
-                          <a:latin typeface="+mn-lt"/>
-                          <a:ea typeface="+mn-ea"/>
-                          <a:cs typeface="+mn-cs"/>
-                        </a:rPr>
-                        <a:t>Red Hat Enterprise Linux</a:t>
-                      </a:r>
-                      <a:endParaRPr kumimoji="1" lang="ja-JP" altLang="en-US" sz="1000" b="0" kern="1200" dirty="0">
-                        <a:solidFill>
-                          <a:schemeClr val="tx1"/>
-                        </a:solidFill>
-                        <a:latin typeface="+mn-lt"/>
-                        <a:ea typeface="+mn-ea"/>
-                        <a:cs typeface="+mn-cs"/>
-                      </a:endParaRPr>
-                    </a:p>
-                  </a:txBody>
-                  <a:tcPr anchor="ctr">
-                    <a:lnL w="38100" cap="flat" cmpd="sng" algn="ctr">
-                      <a:solidFill>
-                        <a:schemeClr val="bg1"/>
-                      </a:solidFill>
-                      <a:prstDash val="solid"/>
-                      <a:round/>
-                      <a:headEnd type="none" w="med" len="med"/>
-                      <a:tailEnd type="none" w="med" len="med"/>
-                    </a:lnL>
-                    <a:lnB w="12700" cap="flat" cmpd="sng" algn="ctr">
-                      <a:solidFill>
-                        <a:schemeClr val="bg1"/>
-                      </a:solidFill>
-                      <a:prstDash val="solid"/>
-                      <a:round/>
-                      <a:headEnd type="none" w="med" len="med"/>
-                      <a:tailEnd type="none" w="med" len="med"/>
-                    </a:lnB>
-                    <a:solidFill>
-                      <a:srgbClr val="E7E8EA"/>
-                    </a:solidFill>
-                  </a:tcPr>
-                </a:tc>
-                <a:tc>
-                  <a:txBody>
-                    <a:bodyPr/>
-                    <a:lstStyle/>
-                    <a:p>
-                      <a:r>
-                        <a:rPr kumimoji="1" lang="en-US" altLang="ja-JP" sz="1000" b="0" dirty="0" smtClean="0">
-                          <a:solidFill>
-                            <a:schemeClr val="tx1"/>
-                          </a:solidFill>
-                        </a:rPr>
-                        <a:t>6.6 </a:t>
-                      </a:r>
-                      <a:r>
-                        <a:rPr kumimoji="1" lang="ja-JP" altLang="en-US" sz="1000" b="0" dirty="0" smtClean="0">
-                          <a:solidFill>
-                            <a:schemeClr val="tx1"/>
-                          </a:solidFill>
-                        </a:rPr>
-                        <a:t>以上</a:t>
-                      </a:r>
-                      <a:endParaRPr kumimoji="1" lang="ja-JP" altLang="en-US" sz="1000" b="0" dirty="0">
-                        <a:solidFill>
-                          <a:schemeClr val="tx1"/>
-                        </a:solidFill>
-                      </a:endParaRPr>
-                    </a:p>
-                  </a:txBody>
-                  <a:tcPr anchor="ctr">
-                    <a:lnB w="12700" cap="flat" cmpd="sng" algn="ctr">
-                      <a:solidFill>
-                        <a:schemeClr val="bg1"/>
-                      </a:solidFill>
-                      <a:prstDash val="solid"/>
-                      <a:round/>
-                      <a:headEnd type="none" w="med" len="med"/>
-                      <a:tailEnd type="none" w="med" len="med"/>
-                    </a:lnB>
-                    <a:solidFill>
-                      <a:srgbClr val="E7E8EA"/>
-                    </a:solidFill>
-                  </a:tcPr>
-                </a:tc>
-                <a:extLst>
-                  <a:ext uri="{0D108BD9-81ED-4DB2-BD59-A6C34878D82A}">
-                    <a16:rowId xmlns="" xmlns:a16="http://schemas.microsoft.com/office/drawing/2014/main" val="10000"/>
-                  </a:ext>
-                </a:extLst>
-              </a:tr>
-              <a:tr h="370840">
-                <a:tc vMerge="1">
-                  <a:txBody>
-                    <a:bodyPr/>
-                    <a:lstStyle/>
-                    <a:p>
-                      <a:endParaRPr kumimoji="1" lang="ja-JP" altLang="en-US" dirty="0"/>
-                    </a:p>
-                  </a:txBody>
-                  <a:tcPr/>
-                </a:tc>
-                <a:tc>
-                  <a:txBody>
-                    <a:bodyPr/>
-                    <a:lstStyle/>
-                    <a:p>
-                      <a:r>
-                        <a:rPr kumimoji="1" lang="en-US" altLang="ja-JP" sz="1000" b="0" dirty="0" smtClean="0">
-                          <a:solidFill>
-                            <a:schemeClr val="tx1"/>
-                          </a:solidFill>
-                        </a:rPr>
-                        <a:t>CentOS</a:t>
-                      </a:r>
-                      <a:endParaRPr kumimoji="1" lang="ja-JP" altLang="en-US" sz="1000" b="0" dirty="0">
-                        <a:solidFill>
-                          <a:schemeClr val="tx1"/>
-                        </a:solidFill>
-                      </a:endParaRPr>
-                    </a:p>
-                  </a:txBody>
-                  <a:tcPr anchor="ctr">
-                    <a:lnL w="38100" cap="flat" cmpd="sng" algn="ctr">
-                      <a:solidFill>
-                        <a:schemeClr val="bg1"/>
-                      </a:solidFill>
-                      <a:prstDash val="solid"/>
-                      <a:round/>
-                      <a:headEnd type="none" w="med" len="med"/>
-                      <a:tailEnd type="none" w="med" len="med"/>
-                    </a:lnL>
-                    <a:lnT w="12700" cap="flat" cmpd="sng" algn="ctr">
-                      <a:solidFill>
-                        <a:schemeClr val="bg1"/>
-                      </a:solidFill>
-                      <a:prstDash val="solid"/>
-                      <a:round/>
-                      <a:headEnd type="none" w="med" len="med"/>
-                      <a:tailEnd type="none" w="med" len="med"/>
-                    </a:lnT>
-                  </a:tcPr>
-                </a:tc>
-                <a:tc>
-                  <a:txBody>
-                    <a:bodyPr/>
-                    <a:lstStyle/>
-                    <a:p>
-                      <a:r>
-                        <a:rPr kumimoji="1" lang="en-US" altLang="ja-JP" sz="1000" b="0" dirty="0" smtClean="0">
-                          <a:solidFill>
-                            <a:schemeClr val="tx1"/>
-                          </a:solidFill>
-                        </a:rPr>
-                        <a:t>6.6 </a:t>
-                      </a:r>
-                      <a:r>
-                        <a:rPr kumimoji="1" lang="ja-JP" altLang="en-US" sz="1000" b="0" dirty="0" smtClean="0">
-                          <a:solidFill>
-                            <a:schemeClr val="tx1"/>
-                          </a:solidFill>
-                        </a:rPr>
-                        <a:t>以上</a:t>
-                      </a:r>
-                      <a:endParaRPr kumimoji="1" lang="ja-JP" altLang="en-US" sz="1000" b="0" dirty="0">
-                        <a:solidFill>
-                          <a:schemeClr val="tx1"/>
-                        </a:solidFill>
-                      </a:endParaRPr>
-                    </a:p>
-                  </a:txBody>
-                  <a:tcPr anchor="ctr">
-                    <a:lnT w="12700" cap="flat" cmpd="sng" algn="ctr">
-                      <a:solidFill>
-                        <a:schemeClr val="bg1"/>
-                      </a:solidFill>
-                      <a:prstDash val="solid"/>
-                      <a:round/>
-                      <a:headEnd type="none" w="med" len="med"/>
-                      <a:tailEnd type="none" w="med" len="med"/>
-                    </a:lnT>
-                  </a:tcPr>
-                </a:tc>
-                <a:extLst>
-                  <a:ext uri="{0D108BD9-81ED-4DB2-BD59-A6C34878D82A}">
-                    <a16:rowId xmlns="" xmlns:a16="http://schemas.microsoft.com/office/drawing/2014/main" val="10001"/>
-                  </a:ext>
-                </a:extLst>
-              </a:tr>
-            </a:tbl>
-          </a:graphicData>
-        </a:graphic>
-      </p:graphicFrame>
-      <p:graphicFrame>
-        <p:nvGraphicFramePr>
-          <p:cNvPr id="7" name="表 6"/>
-          <p:cNvGraphicFramePr>
-            <a:graphicFrameLocks noGrp="1"/>
-          </p:cNvGraphicFramePr>
-          <p:nvPr>
-            <p:extLst/>
-          </p:nvPr>
-        </p:nvGraphicFramePr>
-        <p:xfrm>
-          <a:off x="1283268" y="4563973"/>
-          <a:ext cx="6576490" cy="1844785"/>
-        </p:xfrm>
-        <a:graphic>
-          <a:graphicData uri="http://schemas.openxmlformats.org/drawingml/2006/table">
-            <a:tbl>
-              <a:tblPr firstRow="1" bandRow="1">
-                <a:tableStyleId>{93296810-A885-4BE3-A3E7-6D5BEEA58F35}</a:tableStyleId>
-              </a:tblPr>
-              <a:tblGrid>
-                <a:gridCol w="1296180">
-                  <a:extLst>
-                    <a:ext uri="{9D8B030D-6E8A-4147-A177-3AD203B41FA5}">
-                      <a16:colId xmlns="" xmlns:a16="http://schemas.microsoft.com/office/drawing/2014/main" val="20000"/>
-                    </a:ext>
-                  </a:extLst>
-                </a:gridCol>
-                <a:gridCol w="3088147">
-                  <a:extLst>
-                    <a:ext uri="{9D8B030D-6E8A-4147-A177-3AD203B41FA5}">
-                      <a16:colId xmlns="" xmlns:a16="http://schemas.microsoft.com/office/drawing/2014/main" val="20001"/>
-                    </a:ext>
-                  </a:extLst>
-                </a:gridCol>
-                <a:gridCol w="2192163">
-                  <a:extLst>
-                    <a:ext uri="{9D8B030D-6E8A-4147-A177-3AD203B41FA5}">
-                      <a16:colId xmlns="" xmlns:a16="http://schemas.microsoft.com/office/drawing/2014/main" val="20002"/>
-                    </a:ext>
-                  </a:extLst>
-                </a:gridCol>
-              </a:tblGrid>
-              <a:tr h="361425">
-                <a:tc>
-                  <a:txBody>
-                    <a:bodyPr/>
-                    <a:lstStyle/>
-                    <a:p>
-                      <a:pPr algn="l"/>
-                      <a:r>
-                        <a:rPr kumimoji="1" lang="en-US" altLang="ja-JP" sz="1000" dirty="0" smtClean="0"/>
-                        <a:t>OS</a:t>
-                      </a:r>
-                      <a:endParaRPr kumimoji="1" lang="ja-JP" altLang="en-US" sz="1000" dirty="0"/>
-                    </a:p>
-                  </a:txBody>
-                  <a:tcPr anchor="ctr">
-                    <a:lnR w="38100" cap="flat" cmpd="sng" algn="ctr">
-                      <a:solidFill>
-                        <a:schemeClr val="bg1"/>
-                      </a:solidFill>
-                      <a:prstDash val="solid"/>
-                      <a:round/>
-                      <a:headEnd type="none" w="med" len="med"/>
-                      <a:tailEnd type="none" w="med" len="med"/>
-                    </a:lnR>
-                  </a:tcPr>
-                </a:tc>
-                <a:tc>
-                  <a:txBody>
-                    <a:bodyPr/>
-                    <a:lstStyle/>
-                    <a:p>
-                      <a:r>
-                        <a:rPr kumimoji="1" lang="en-US" altLang="ja-JP" sz="1000" b="0" kern="1200" dirty="0" smtClean="0">
-                          <a:solidFill>
-                            <a:schemeClr val="tx1"/>
-                          </a:solidFill>
-                          <a:latin typeface="+mn-lt"/>
-                          <a:ea typeface="+mn-ea"/>
-                          <a:cs typeface="+mn-cs"/>
-                        </a:rPr>
-                        <a:t>Windows</a:t>
-                      </a:r>
-                      <a:endParaRPr kumimoji="1" lang="ja-JP" altLang="en-US" sz="1000" b="0" kern="1200" dirty="0">
-                        <a:solidFill>
-                          <a:schemeClr val="tx1"/>
-                        </a:solidFill>
-                        <a:latin typeface="+mn-lt"/>
-                        <a:ea typeface="+mn-ea"/>
-                        <a:cs typeface="+mn-cs"/>
-                      </a:endParaRPr>
-                    </a:p>
-                  </a:txBody>
-                  <a:tcPr anchor="ctr">
-                    <a:lnL w="38100" cap="flat" cmpd="sng" algn="ctr">
-                      <a:solidFill>
-                        <a:schemeClr val="bg1"/>
-                      </a:solidFill>
-                      <a:prstDash val="solid"/>
-                      <a:round/>
-                      <a:headEnd type="none" w="med" len="med"/>
-                      <a:tailEnd type="none" w="med" len="med"/>
-                    </a:lnL>
-                    <a:lnB w="12700" cap="flat" cmpd="sng" algn="ctr">
-                      <a:solidFill>
-                        <a:schemeClr val="bg1"/>
-                      </a:solidFill>
-                      <a:prstDash val="solid"/>
-                      <a:round/>
-                      <a:headEnd type="none" w="med" len="med"/>
-                      <a:tailEnd type="none" w="med" len="med"/>
-                    </a:lnB>
-                    <a:solidFill>
-                      <a:srgbClr val="E7E8EA"/>
-                    </a:solidFill>
-                  </a:tcPr>
-                </a:tc>
-                <a:tc>
-                  <a:txBody>
-                    <a:bodyPr/>
-                    <a:lstStyle/>
-                    <a:p>
-                      <a:r>
-                        <a:rPr kumimoji="1" lang="en-US" altLang="ja-JP" sz="1000" b="0" dirty="0" smtClean="0">
-                          <a:solidFill>
-                            <a:schemeClr val="tx1"/>
-                          </a:solidFill>
-                        </a:rPr>
-                        <a:t>Windows7 </a:t>
-                      </a:r>
-                      <a:r>
-                        <a:rPr kumimoji="1" lang="ja-JP" altLang="en-US" sz="1000" b="0" dirty="0" smtClean="0">
-                          <a:solidFill>
-                            <a:schemeClr val="tx1"/>
-                          </a:solidFill>
-                        </a:rPr>
-                        <a:t>以上</a:t>
-                      </a:r>
-                      <a:endParaRPr kumimoji="1" lang="ja-JP" altLang="en-US" sz="1000" b="0" dirty="0">
-                        <a:solidFill>
-                          <a:schemeClr val="tx1"/>
-                        </a:solidFill>
-                      </a:endParaRPr>
-                    </a:p>
-                  </a:txBody>
-                  <a:tcPr anchor="ctr">
-                    <a:lnB w="12700" cap="flat" cmpd="sng" algn="ctr">
-                      <a:solidFill>
-                        <a:schemeClr val="bg1"/>
-                      </a:solidFill>
-                      <a:prstDash val="solid"/>
-                      <a:round/>
-                      <a:headEnd type="none" w="med" len="med"/>
-                      <a:tailEnd type="none" w="med" len="med"/>
-                    </a:lnB>
-                    <a:solidFill>
-                      <a:srgbClr val="E7E8EA"/>
-                    </a:solidFill>
-                  </a:tcPr>
-                </a:tc>
-                <a:extLst>
-                  <a:ext uri="{0D108BD9-81ED-4DB2-BD59-A6C34878D82A}">
-                    <a16:rowId xmlns="" xmlns:a16="http://schemas.microsoft.com/office/drawing/2014/main" val="10000"/>
-                  </a:ext>
-                </a:extLst>
-              </a:tr>
-              <a:tr h="370840">
-                <a:tc>
-                  <a:txBody>
-                    <a:bodyPr/>
-                    <a:lstStyle/>
-                    <a:p>
-                      <a:pPr algn="l"/>
-                      <a:r>
-                        <a:rPr kumimoji="1" lang="ja-JP" altLang="en-US" sz="1000" b="1" dirty="0" smtClean="0">
-                          <a:solidFill>
-                            <a:schemeClr val="bg1"/>
-                          </a:solidFill>
-                        </a:rPr>
-                        <a:t>ソフトウェア</a:t>
-                      </a:r>
-                      <a:endParaRPr kumimoji="1" lang="ja-JP" altLang="en-US" sz="1000" b="1" dirty="0">
-                        <a:solidFill>
-                          <a:schemeClr val="bg1"/>
-                        </a:solidFill>
-                      </a:endParaRPr>
-                    </a:p>
-                  </a:txBody>
-                  <a:tcPr anchor="ctr">
-                    <a:lnR w="38100" cap="flat" cmpd="sng" algn="ctr">
-                      <a:solidFill>
-                        <a:schemeClr val="bg1"/>
-                      </a:solidFill>
-                      <a:prstDash val="solid"/>
-                      <a:round/>
-                      <a:headEnd type="none" w="med" len="med"/>
-                      <a:tailEnd type="none" w="med" len="med"/>
-                    </a:lnR>
-                    <a:lnB w="38100" cap="flat" cmpd="sng" algn="ctr">
-                      <a:solidFill>
-                        <a:schemeClr val="bg1"/>
-                      </a:solidFill>
-                      <a:prstDash val="solid"/>
-                      <a:round/>
-                      <a:headEnd type="none" w="med" len="med"/>
-                      <a:tailEnd type="none" w="med" len="med"/>
-                    </a:lnB>
-                    <a:solidFill>
-                      <a:srgbClr val="002B62"/>
-                    </a:solidFill>
-                  </a:tcPr>
-                </a:tc>
-                <a:tc>
-                  <a:txBody>
-                    <a:bodyPr/>
-                    <a:lstStyle/>
-                    <a:p>
-                      <a:r>
-                        <a:rPr kumimoji="1" lang="en-US" altLang="ja-JP" sz="1000" b="0" dirty="0" smtClean="0">
-                          <a:solidFill>
-                            <a:schemeClr val="tx1"/>
-                          </a:solidFill>
-                        </a:rPr>
-                        <a:t>Excel</a:t>
-                      </a:r>
-                      <a:endParaRPr kumimoji="1" lang="ja-JP" altLang="en-US" sz="1000" b="0" dirty="0">
-                        <a:solidFill>
-                          <a:schemeClr val="tx1"/>
-                        </a:solidFill>
-                      </a:endParaRPr>
-                    </a:p>
-                  </a:txBody>
-                  <a:tcPr anchor="ctr">
-                    <a:lnL w="38100" cap="flat" cmpd="sng" algn="ctr">
-                      <a:solidFill>
-                        <a:schemeClr val="bg1"/>
-                      </a:solidFill>
-                      <a:prstDash val="solid"/>
-                      <a:round/>
-                      <a:headEnd type="none" w="med" len="med"/>
-                      <a:tailEnd type="none" w="med" len="med"/>
-                    </a:lnL>
-                    <a:lnT w="12700" cap="flat" cmpd="sng" algn="ctr">
-                      <a:solidFill>
-                        <a:schemeClr val="bg1"/>
-                      </a:solidFill>
-                      <a:prstDash val="solid"/>
-                      <a:round/>
-                      <a:headEnd type="none" w="med" len="med"/>
-                      <a:tailEnd type="none" w="med" len="med"/>
-                    </a:lnT>
-                    <a:lnB w="12700" cap="flat" cmpd="sng" algn="ctr">
-                      <a:solidFill>
-                        <a:schemeClr val="bg1"/>
-                      </a:solidFill>
-                      <a:prstDash val="solid"/>
-                      <a:round/>
-                      <a:headEnd type="none" w="med" len="med"/>
-                      <a:tailEnd type="none" w="med" len="med"/>
-                    </a:lnB>
-                  </a:tcPr>
-                </a:tc>
-                <a:tc>
-                  <a:txBody>
-                    <a:bodyPr/>
-                    <a:lstStyle/>
-                    <a:p>
-                      <a:r>
-                        <a:rPr kumimoji="1" lang="en-US" altLang="ja-JP" sz="1000" b="0" dirty="0" smtClean="0">
-                          <a:solidFill>
-                            <a:schemeClr val="tx1"/>
-                          </a:solidFill>
-                        </a:rPr>
-                        <a:t>MS Office 2007 </a:t>
-                      </a:r>
-                      <a:r>
-                        <a:rPr kumimoji="1" lang="ja-JP" altLang="en-US" sz="1000" b="0" dirty="0" smtClean="0">
-                          <a:solidFill>
-                            <a:schemeClr val="tx1"/>
-                          </a:solidFill>
-                        </a:rPr>
-                        <a:t>以上</a:t>
-                      </a:r>
-                      <a:endParaRPr kumimoji="1" lang="ja-JP" altLang="en-US" sz="1000" b="0" dirty="0">
-                        <a:solidFill>
-                          <a:schemeClr val="tx1"/>
-                        </a:solidFill>
-                      </a:endParaRPr>
-                    </a:p>
-                  </a:txBody>
-                  <a:tcPr anchor="ctr">
-                    <a:lnT w="12700" cap="flat" cmpd="sng" algn="ctr">
-                      <a:solidFill>
-                        <a:schemeClr val="bg1"/>
-                      </a:solidFill>
-                      <a:prstDash val="solid"/>
-                      <a:round/>
-                      <a:headEnd type="none" w="med" len="med"/>
-                      <a:tailEnd type="none" w="med" len="med"/>
-                    </a:lnT>
-                    <a:lnB w="12700" cap="flat" cmpd="sng" algn="ctr">
-                      <a:solidFill>
-                        <a:schemeClr val="bg1"/>
-                      </a:solidFill>
-                      <a:prstDash val="solid"/>
-                      <a:round/>
-                      <a:headEnd type="none" w="med" len="med"/>
-                      <a:tailEnd type="none" w="med" len="med"/>
-                    </a:lnB>
-                  </a:tcPr>
-                </a:tc>
-                <a:extLst>
-                  <a:ext uri="{0D108BD9-81ED-4DB2-BD59-A6C34878D82A}">
-                    <a16:rowId xmlns="" xmlns:a16="http://schemas.microsoft.com/office/drawing/2014/main" val="10001"/>
-                  </a:ext>
-                </a:extLst>
-              </a:tr>
-              <a:tr h="370840">
-                <a:tc rowSpan="3">
-                  <a:txBody>
-                    <a:bodyPr/>
-                    <a:lstStyle/>
-                    <a:p>
-                      <a:pPr algn="l"/>
-                      <a:r>
-                        <a:rPr kumimoji="1" lang="ja-JP" altLang="en-US" sz="1000" b="1" dirty="0" smtClean="0">
-                          <a:solidFill>
-                            <a:schemeClr val="bg1"/>
-                          </a:solidFill>
-                        </a:rPr>
-                        <a:t>ブラウザ</a:t>
-                      </a:r>
-                      <a:endParaRPr kumimoji="1" lang="ja-JP" altLang="en-US" sz="1000" b="1" dirty="0">
-                        <a:solidFill>
-                          <a:schemeClr val="bg1"/>
-                        </a:solidFill>
-                      </a:endParaRPr>
-                    </a:p>
-                  </a:txBody>
-                  <a:tcPr anchor="ctr">
-                    <a:lnR w="38100" cap="flat" cmpd="sng" algn="ctr">
-                      <a:solidFill>
-                        <a:schemeClr val="bg1"/>
-                      </a:solidFill>
-                      <a:prstDash val="solid"/>
-                      <a:round/>
-                      <a:headEnd type="none" w="med" len="med"/>
-                      <a:tailEnd type="none" w="med" len="med"/>
-                    </a:lnR>
-                    <a:lnT w="38100" cap="flat" cmpd="sng" algn="ctr">
-                      <a:solidFill>
-                        <a:schemeClr val="bg1"/>
-                      </a:solidFill>
-                      <a:prstDash val="solid"/>
-                      <a:round/>
-                      <a:headEnd type="none" w="med" len="med"/>
-                      <a:tailEnd type="none" w="med" len="med"/>
-                    </a:lnT>
-                    <a:solidFill>
-                      <a:srgbClr val="002B62"/>
-                    </a:solidFill>
-                  </a:tcPr>
-                </a:tc>
-                <a:tc>
-                  <a:txBody>
-                    <a:bodyPr/>
-                    <a:lstStyle/>
-                    <a:p>
-                      <a:r>
-                        <a:rPr kumimoji="1" lang="en-US" altLang="ja-JP" sz="1000" b="0" dirty="0" smtClean="0">
-                          <a:solidFill>
-                            <a:schemeClr val="tx1"/>
-                          </a:solidFill>
-                        </a:rPr>
-                        <a:t>Google Chrome</a:t>
-                      </a:r>
-                      <a:endParaRPr kumimoji="1" lang="ja-JP" altLang="en-US" sz="1000" b="0" dirty="0">
-                        <a:solidFill>
-                          <a:schemeClr val="tx1"/>
-                        </a:solidFill>
-                      </a:endParaRPr>
-                    </a:p>
-                  </a:txBody>
-                  <a:tcPr anchor="ctr">
-                    <a:lnL w="38100" cap="flat" cmpd="sng" algn="ctr">
-                      <a:solidFill>
-                        <a:schemeClr val="bg1"/>
-                      </a:solidFill>
-                      <a:prstDash val="solid"/>
-                      <a:round/>
-                      <a:headEnd type="none" w="med" len="med"/>
-                      <a:tailEnd type="none" w="med" len="med"/>
-                    </a:lnL>
-                    <a:lnT w="12700" cap="flat" cmpd="sng" algn="ctr">
-                      <a:solidFill>
-                        <a:schemeClr val="bg1"/>
-                      </a:solidFill>
-                      <a:prstDash val="solid"/>
-                      <a:round/>
-                      <a:headEnd type="none" w="med" len="med"/>
-                      <a:tailEnd type="none" w="med" len="med"/>
-                    </a:lnT>
-                    <a:lnB w="12700" cap="flat" cmpd="sng" algn="ctr">
-                      <a:solidFill>
-                        <a:schemeClr val="bg1"/>
-                      </a:solidFill>
-                      <a:prstDash val="solid"/>
-                      <a:round/>
-                      <a:headEnd type="none" w="med" len="med"/>
-                      <a:tailEnd type="none" w="med" len="med"/>
-                    </a:lnB>
-                  </a:tcPr>
-                </a:tc>
-                <a:tc>
-                  <a:txBody>
-                    <a:bodyPr/>
-                    <a:lstStyle/>
-                    <a:p>
-                      <a:r>
-                        <a:rPr kumimoji="1" lang="en-US" altLang="ja-JP" sz="1000" b="0" dirty="0" smtClean="0">
-                          <a:solidFill>
-                            <a:schemeClr val="tx1"/>
-                          </a:solidFill>
-                        </a:rPr>
-                        <a:t>73</a:t>
-                      </a:r>
-                      <a:r>
-                        <a:rPr kumimoji="1" lang="ja-JP" altLang="en-US" sz="1000" b="0" dirty="0" smtClean="0">
-                          <a:solidFill>
-                            <a:schemeClr val="tx1"/>
-                          </a:solidFill>
-                        </a:rPr>
-                        <a:t>以上</a:t>
-                      </a:r>
-                      <a:endParaRPr kumimoji="1" lang="ja-JP" altLang="en-US" sz="1000" b="0" dirty="0">
-                        <a:solidFill>
-                          <a:schemeClr val="tx1"/>
-                        </a:solidFill>
-                      </a:endParaRPr>
-                    </a:p>
-                  </a:txBody>
-                  <a:tcPr anchor="ctr">
-                    <a:lnT w="12700" cap="flat" cmpd="sng" algn="ctr">
-                      <a:solidFill>
-                        <a:schemeClr val="bg1"/>
-                      </a:solidFill>
-                      <a:prstDash val="solid"/>
-                      <a:round/>
-                      <a:headEnd type="none" w="med" len="med"/>
-                      <a:tailEnd type="none" w="med" len="med"/>
-                    </a:lnT>
-                    <a:lnB w="12700" cap="flat" cmpd="sng" algn="ctr">
-                      <a:solidFill>
-                        <a:schemeClr val="bg1"/>
-                      </a:solidFill>
-                      <a:prstDash val="solid"/>
-                      <a:round/>
-                      <a:headEnd type="none" w="med" len="med"/>
-                      <a:tailEnd type="none" w="med" len="med"/>
-                    </a:lnB>
-                  </a:tcPr>
-                </a:tc>
-                <a:extLst>
-                  <a:ext uri="{0D108BD9-81ED-4DB2-BD59-A6C34878D82A}">
-                    <a16:rowId xmlns="" xmlns:a16="http://schemas.microsoft.com/office/drawing/2014/main" val="10002"/>
-                  </a:ext>
-                </a:extLst>
-              </a:tr>
-              <a:tr h="370840">
-                <a:tc vMerge="1">
-                  <a:txBody>
-                    <a:bodyPr/>
-                    <a:lstStyle/>
-                    <a:p>
-                      <a:pPr algn="l"/>
-                      <a:endParaRPr kumimoji="1" lang="ja-JP" altLang="en-US" sz="1000" dirty="0">
-                        <a:solidFill>
-                          <a:schemeClr val="bg1"/>
-                        </a:solidFill>
-                      </a:endParaRPr>
-                    </a:p>
-                  </a:txBody>
-                  <a:tcPr anchor="ctr">
-                    <a:lnR w="38100" cap="flat" cmpd="sng" algn="ctr">
-                      <a:solidFill>
-                        <a:schemeClr val="bg1"/>
-                      </a:solidFill>
-                      <a:prstDash val="solid"/>
-                      <a:round/>
-                      <a:headEnd type="none" w="med" len="med"/>
-                      <a:tailEnd type="none" w="med" len="med"/>
-                    </a:lnR>
-                    <a:solidFill>
-                      <a:srgbClr val="002060"/>
-                    </a:solidFill>
-                  </a:tcPr>
-                </a:tc>
-                <a:tc>
-                  <a:txBody>
-                    <a:bodyPr/>
-                    <a:lstStyle/>
-                    <a:p>
-                      <a:r>
-                        <a:rPr kumimoji="1" lang="en-US" altLang="ja-JP" sz="1000" b="0" dirty="0" smtClean="0">
-                          <a:solidFill>
-                            <a:schemeClr val="tx1"/>
-                          </a:solidFill>
-                        </a:rPr>
-                        <a:t>Firefox</a:t>
-                      </a:r>
-                      <a:endParaRPr kumimoji="1" lang="ja-JP" altLang="en-US" sz="1000" b="0" dirty="0">
-                        <a:solidFill>
-                          <a:schemeClr val="tx1"/>
-                        </a:solidFill>
-                      </a:endParaRPr>
-                    </a:p>
-                  </a:txBody>
-                  <a:tcPr anchor="ctr">
-                    <a:lnL w="38100" cap="flat" cmpd="sng" algn="ctr">
-                      <a:solidFill>
-                        <a:schemeClr val="bg1"/>
-                      </a:solidFill>
-                      <a:prstDash val="solid"/>
-                      <a:round/>
-                      <a:headEnd type="none" w="med" len="med"/>
-                      <a:tailEnd type="none" w="med" len="med"/>
-                    </a:lnL>
-                    <a:lnT w="12700" cap="flat" cmpd="sng" algn="ctr">
-                      <a:solidFill>
-                        <a:schemeClr val="bg1"/>
-                      </a:solidFill>
-                      <a:prstDash val="solid"/>
-                      <a:round/>
-                      <a:headEnd type="none" w="med" len="med"/>
-                      <a:tailEnd type="none" w="med" len="med"/>
-                    </a:lnT>
-                    <a:lnB w="12700" cap="flat" cmpd="sng" algn="ctr">
-                      <a:solidFill>
-                        <a:schemeClr val="bg1"/>
-                      </a:solidFill>
-                      <a:prstDash val="solid"/>
-                      <a:round/>
-                      <a:headEnd type="none" w="med" len="med"/>
-                      <a:tailEnd type="none" w="med" len="med"/>
-                    </a:lnB>
-                  </a:tcPr>
-                </a:tc>
-                <a:tc>
-                  <a:txBody>
-                    <a:bodyPr/>
-                    <a:lstStyle/>
-                    <a:p>
-                      <a:r>
-                        <a:rPr kumimoji="1" lang="en-US" altLang="ja-JP" sz="1000" b="0" dirty="0" smtClean="0">
-                          <a:solidFill>
-                            <a:schemeClr val="tx1"/>
-                          </a:solidFill>
-                        </a:rPr>
-                        <a:t>41</a:t>
-                      </a:r>
-                      <a:r>
-                        <a:rPr kumimoji="1" lang="ja-JP" altLang="en-US" sz="1000" b="0" dirty="0" smtClean="0">
-                          <a:solidFill>
-                            <a:schemeClr val="tx1"/>
-                          </a:solidFill>
-                        </a:rPr>
-                        <a:t>以上</a:t>
-                      </a:r>
-                      <a:endParaRPr kumimoji="1" lang="ja-JP" altLang="en-US" sz="1000" b="0" dirty="0">
-                        <a:solidFill>
-                          <a:schemeClr val="tx1"/>
-                        </a:solidFill>
-                      </a:endParaRPr>
-                    </a:p>
-                  </a:txBody>
-                  <a:tcPr anchor="ctr">
-                    <a:lnT w="12700" cap="flat" cmpd="sng" algn="ctr">
-                      <a:solidFill>
-                        <a:schemeClr val="bg1"/>
-                      </a:solidFill>
-                      <a:prstDash val="solid"/>
-                      <a:round/>
-                      <a:headEnd type="none" w="med" len="med"/>
-                      <a:tailEnd type="none" w="med" len="med"/>
-                    </a:lnT>
-                    <a:lnB w="12700" cap="flat" cmpd="sng" algn="ctr">
-                      <a:solidFill>
-                        <a:schemeClr val="bg1"/>
-                      </a:solidFill>
-                      <a:prstDash val="solid"/>
-                      <a:round/>
-                      <a:headEnd type="none" w="med" len="med"/>
-                      <a:tailEnd type="none" w="med" len="med"/>
-                    </a:lnB>
-                  </a:tcPr>
-                </a:tc>
-                <a:extLst>
-                  <a:ext uri="{0D108BD9-81ED-4DB2-BD59-A6C34878D82A}">
-                    <a16:rowId xmlns="" xmlns:a16="http://schemas.microsoft.com/office/drawing/2014/main" val="10003"/>
-                  </a:ext>
-                </a:extLst>
-              </a:tr>
-              <a:tr h="370840">
-                <a:tc vMerge="1">
-                  <a:txBody>
-                    <a:bodyPr/>
-                    <a:lstStyle/>
-                    <a:p>
-                      <a:pPr algn="l"/>
-                      <a:endParaRPr kumimoji="1" lang="ja-JP" altLang="en-US" sz="1000" dirty="0">
-                        <a:solidFill>
-                          <a:schemeClr val="bg1"/>
-                        </a:solidFill>
-                      </a:endParaRPr>
-                    </a:p>
-                  </a:txBody>
-                  <a:tcPr anchor="ctr">
-                    <a:lnR w="38100" cap="flat" cmpd="sng" algn="ctr">
-                      <a:solidFill>
-                        <a:schemeClr val="bg1"/>
-                      </a:solidFill>
-                      <a:prstDash val="solid"/>
-                      <a:round/>
-                      <a:headEnd type="none" w="med" len="med"/>
-                      <a:tailEnd type="none" w="med" len="med"/>
-                    </a:lnR>
-                    <a:solidFill>
-                      <a:srgbClr val="002060"/>
-                    </a:solidFill>
-                  </a:tcPr>
-                </a:tc>
-                <a:tc>
-                  <a:txBody>
-                    <a:bodyPr/>
-                    <a:lstStyle/>
-                    <a:p>
-                      <a:r>
-                        <a:rPr kumimoji="1" lang="en-US" altLang="ja-JP" sz="1000" b="0" dirty="0" smtClean="0">
-                          <a:solidFill>
-                            <a:schemeClr val="tx1"/>
-                          </a:solidFill>
-                        </a:rPr>
-                        <a:t>Microsoft</a:t>
-                      </a:r>
-                      <a:r>
-                        <a:rPr kumimoji="1" lang="ja-JP" altLang="en-US" sz="1000" b="0" dirty="0" smtClean="0">
-                          <a:solidFill>
-                            <a:schemeClr val="tx1"/>
-                          </a:solidFill>
-                        </a:rPr>
-                        <a:t>　</a:t>
-                      </a:r>
-                      <a:r>
-                        <a:rPr kumimoji="1" lang="en-US" altLang="ja-JP" sz="1000" b="0" dirty="0" smtClean="0">
-                          <a:solidFill>
-                            <a:schemeClr val="tx1"/>
-                          </a:solidFill>
-                        </a:rPr>
-                        <a:t>Edge </a:t>
-                      </a:r>
-                      <a:endParaRPr kumimoji="1" lang="ja-JP" altLang="en-US" sz="1000" b="0" dirty="0">
-                        <a:solidFill>
-                          <a:schemeClr val="tx1"/>
-                        </a:solidFill>
-                      </a:endParaRPr>
-                    </a:p>
-                  </a:txBody>
-                  <a:tcPr anchor="ctr">
-                    <a:lnL w="38100" cap="flat" cmpd="sng" algn="ctr">
-                      <a:solidFill>
-                        <a:schemeClr val="bg1"/>
-                      </a:solidFill>
-                      <a:prstDash val="solid"/>
-                      <a:round/>
-                      <a:headEnd type="none" w="med" len="med"/>
-                      <a:tailEnd type="none" w="med" len="med"/>
-                    </a:lnL>
-                    <a:lnT w="12700" cap="flat" cmpd="sng" algn="ctr">
-                      <a:solidFill>
-                        <a:schemeClr val="bg1"/>
-                      </a:solidFill>
-                      <a:prstDash val="solid"/>
-                      <a:round/>
-                      <a:headEnd type="none" w="med" len="med"/>
-                      <a:tailEnd type="none" w="med" len="med"/>
-                    </a:lnT>
-                    <a:lnB w="12700" cap="flat" cmpd="sng" algn="ctr">
-                      <a:solidFill>
-                        <a:schemeClr val="bg1"/>
-                      </a:solidFill>
-                      <a:prstDash val="solid"/>
-                      <a:round/>
-                      <a:headEnd type="none" w="med" len="med"/>
-                      <a:tailEnd type="none" w="med" len="med"/>
-                    </a:lnB>
-                  </a:tcPr>
-                </a:tc>
-                <a:tc>
-                  <a:txBody>
-                    <a:bodyPr/>
-                    <a:lstStyle/>
-                    <a:p>
-                      <a:r>
-                        <a:rPr kumimoji="1" lang="en-US" altLang="ja-JP" sz="1000" b="0" dirty="0" smtClean="0">
-                          <a:solidFill>
-                            <a:schemeClr val="tx1"/>
-                          </a:solidFill>
-                        </a:rPr>
-                        <a:t>20</a:t>
-                      </a:r>
-                      <a:r>
-                        <a:rPr kumimoji="1" lang="ja-JP" altLang="en-US" sz="1000" b="0" dirty="0" smtClean="0">
-                          <a:solidFill>
-                            <a:schemeClr val="tx1"/>
-                          </a:solidFill>
-                        </a:rPr>
-                        <a:t>以上</a:t>
-                      </a:r>
-                      <a:endParaRPr kumimoji="1" lang="ja-JP" altLang="en-US" sz="1000" b="0" dirty="0">
-                        <a:solidFill>
-                          <a:schemeClr val="tx1"/>
-                        </a:solidFill>
-                      </a:endParaRPr>
-                    </a:p>
-                  </a:txBody>
-                  <a:tcPr anchor="ctr">
-                    <a:lnT w="12700" cap="flat" cmpd="sng" algn="ctr">
-                      <a:solidFill>
-                        <a:schemeClr val="bg1"/>
-                      </a:solidFill>
-                      <a:prstDash val="solid"/>
-                      <a:round/>
-                      <a:headEnd type="none" w="med" len="med"/>
-                      <a:tailEnd type="none" w="med" len="med"/>
-                    </a:lnT>
-                    <a:lnB w="12700" cap="flat" cmpd="sng" algn="ctr">
-                      <a:solidFill>
-                        <a:schemeClr val="bg1"/>
-                      </a:solidFill>
-                      <a:prstDash val="solid"/>
-                      <a:round/>
-                      <a:headEnd type="none" w="med" len="med"/>
-                      <a:tailEnd type="none" w="med" len="med"/>
-                    </a:lnB>
-                  </a:tcPr>
-                </a:tc>
-                <a:extLst>
-                  <a:ext uri="{0D108BD9-81ED-4DB2-BD59-A6C34878D82A}">
-                    <a16:rowId xmlns="" xmlns:a16="http://schemas.microsoft.com/office/drawing/2014/main" val="10004"/>
-                  </a:ext>
-                </a:extLst>
-              </a:tr>
-            </a:tbl>
-          </a:graphicData>
-        </a:graphic>
-      </p:graphicFrame>
     </p:spTree>
     <p:extLst>
       <p:ext uri="{BB962C8B-B14F-4D97-AF65-F5344CB8AC3E}">

--- a/asset/Learn_ja/ITA-online-install_ja.pptx
+++ b/asset/Learn_ja/ITA-online-install_ja.pptx
@@ -332,7 +332,7 @@
               <a:rPr kumimoji="1" lang="ja-JP" altLang="en-US" smtClean="0">
                 <a:ea typeface="メイリオ" panose="020B0604030504040204" pitchFamily="50" charset="-128"/>
               </a:rPr>
-              <a:t>2020/1/6</a:t>
+              <a:t>2020/1/16</a:t>
             </a:fld>
             <a:endParaRPr kumimoji="1" lang="ja-JP" altLang="en-US" dirty="0">
               <a:ea typeface="メイリオ" panose="020B0604030504040204" pitchFamily="50" charset="-128"/>
@@ -478,7 +478,7 @@
             <a:fld id="{4B26993D-C081-44EB-B0F5-A9F467792B62}" type="datetimeFigureOut">
               <a:rPr lang="ja-JP" altLang="en-US" smtClean="0"/>
               <a:pPr/>
-              <a:t>2020/1/6</a:t>
+              <a:t>2020/1/16</a:t>
             </a:fld>
             <a:endParaRPr lang="ja-JP" altLang="en-US" dirty="0"/>
           </a:p>
@@ -1101,7 +1101,7 @@
           <a:p>
             <a:fld id="{56F9016B-CCA6-43BE-8BEE-59565A35F4F7}" type="datetimeFigureOut">
               <a:rPr kumimoji="1" lang="ja-JP" altLang="en-US" smtClean="0"/>
-              <a:t>2020/1/6</a:t>
+              <a:t>2020/1/16</a:t>
             </a:fld>
             <a:endParaRPr kumimoji="1" lang="ja-JP" altLang="en-US"/>
           </a:p>
@@ -1303,7 +1303,7 @@
           <a:p>
             <a:fld id="{56F9016B-CCA6-43BE-8BEE-59565A35F4F7}" type="datetimeFigureOut">
               <a:rPr kumimoji="1" lang="ja-JP" altLang="en-US" smtClean="0"/>
-              <a:t>2020/1/6</a:t>
+              <a:t>2020/1/16</a:t>
             </a:fld>
             <a:endParaRPr kumimoji="1" lang="ja-JP" altLang="en-US"/>
           </a:p>
@@ -1549,7 +1549,7 @@
           <a:p>
             <a:fld id="{56F9016B-CCA6-43BE-8BEE-59565A35F4F7}" type="datetimeFigureOut">
               <a:rPr kumimoji="1" lang="ja-JP" altLang="en-US" smtClean="0"/>
-              <a:t>2020/1/6</a:t>
+              <a:t>2020/1/16</a:t>
             </a:fld>
             <a:endParaRPr kumimoji="1" lang="ja-JP" altLang="en-US"/>
           </a:p>
@@ -1845,7 +1845,7 @@
           <a:p>
             <a:fld id="{56F9016B-CCA6-43BE-8BEE-59565A35F4F7}" type="datetimeFigureOut">
               <a:rPr kumimoji="1" lang="ja-JP" altLang="en-US" smtClean="0"/>
-              <a:t>2020/1/6</a:t>
+              <a:t>2020/1/16</a:t>
             </a:fld>
             <a:endParaRPr kumimoji="1" lang="ja-JP" altLang="en-US"/>
           </a:p>
@@ -2276,7 +2276,7 @@
           <a:p>
             <a:fld id="{56F9016B-CCA6-43BE-8BEE-59565A35F4F7}" type="datetimeFigureOut">
               <a:rPr kumimoji="1" lang="ja-JP" altLang="en-US" smtClean="0"/>
-              <a:t>2020/1/6</a:t>
+              <a:t>2020/1/16</a:t>
             </a:fld>
             <a:endParaRPr kumimoji="1" lang="ja-JP" altLang="en-US"/>
           </a:p>
@@ -2394,7 +2394,7 @@
           <a:p>
             <a:fld id="{56F9016B-CCA6-43BE-8BEE-59565A35F4F7}" type="datetimeFigureOut">
               <a:rPr kumimoji="1" lang="ja-JP" altLang="en-US" smtClean="0"/>
-              <a:t>2020/1/6</a:t>
+              <a:t>2020/1/16</a:t>
             </a:fld>
             <a:endParaRPr kumimoji="1" lang="ja-JP" altLang="en-US"/>
           </a:p>
@@ -2489,7 +2489,7 @@
           <a:p>
             <a:fld id="{56F9016B-CCA6-43BE-8BEE-59565A35F4F7}" type="datetimeFigureOut">
               <a:rPr kumimoji="1" lang="ja-JP" altLang="en-US" smtClean="0"/>
-              <a:t>2020/1/6</a:t>
+              <a:t>2020/1/16</a:t>
             </a:fld>
             <a:endParaRPr kumimoji="1" lang="ja-JP" altLang="en-US"/>
           </a:p>
@@ -2798,7 +2798,7 @@
           <a:p>
             <a:fld id="{56F9016B-CCA6-43BE-8BEE-59565A35F4F7}" type="datetimeFigureOut">
               <a:rPr kumimoji="1" lang="ja-JP" altLang="en-US" smtClean="0"/>
-              <a:t>2020/1/6</a:t>
+              <a:t>2020/1/16</a:t>
             </a:fld>
             <a:endParaRPr kumimoji="1" lang="ja-JP" altLang="en-US"/>
           </a:p>
@@ -3051,7 +3051,7 @@
           <a:p>
             <a:fld id="{56F9016B-CCA6-43BE-8BEE-59565A35F4F7}" type="datetimeFigureOut">
               <a:rPr kumimoji="1" lang="ja-JP" altLang="en-US" smtClean="0"/>
-              <a:t>2020/1/6</a:t>
+              <a:t>2020/1/16</a:t>
             </a:fld>
             <a:endParaRPr kumimoji="1" lang="ja-JP" altLang="en-US"/>
           </a:p>
@@ -3328,7 +3328,7 @@
           <a:p>
             <a:fld id="{56F9016B-CCA6-43BE-8BEE-59565A35F4F7}" type="datetimeFigureOut">
               <a:rPr kumimoji="1" lang="ja-JP" altLang="en-US" smtClean="0"/>
-              <a:t>2020/1/6</a:t>
+              <a:t>2020/1/16</a:t>
             </a:fld>
             <a:endParaRPr kumimoji="1" lang="ja-JP" altLang="en-US"/>
           </a:p>
@@ -3540,7 +3540,7 @@
           <a:p>
             <a:fld id="{56F9016B-CCA6-43BE-8BEE-59565A35F4F7}" type="datetimeFigureOut">
               <a:rPr kumimoji="1" lang="ja-JP" altLang="en-US" smtClean="0"/>
-              <a:t>2020/1/6</a:t>
+              <a:t>2020/1/16</a:t>
             </a:fld>
             <a:endParaRPr kumimoji="1" lang="ja-JP" altLang="en-US"/>
           </a:p>
@@ -6599,7 +6599,7 @@
           <a:p>
             <a:fld id="{56F9016B-CCA6-43BE-8BEE-59565A35F4F7}" type="datetimeFigureOut">
               <a:rPr kumimoji="1" lang="ja-JP" altLang="en-US" smtClean="0"/>
-              <a:t>2020/1/6</a:t>
+              <a:t>2020/1/16</a:t>
             </a:fld>
             <a:endParaRPr kumimoji="1" lang="ja-JP" altLang="en-US"/>
           </a:p>
@@ -7715,11 +7715,7 @@
             </a:r>
             <a:r>
               <a:rPr lang="ja-JP" altLang="en-US" dirty="0" smtClean="0"/>
-              <a:t>リポジトリが有効になります</a:t>
-            </a:r>
-            <a:r>
-              <a:rPr lang="ja-JP" altLang="en-US" dirty="0" smtClean="0"/>
-              <a:t>。</a:t>
+              <a:t>リポジトリが有効になります。</a:t>
             </a:r>
             <a:endParaRPr lang="en-US" altLang="ja-JP" dirty="0" smtClean="0"/>
           </a:p>
@@ -8213,11 +8209,7 @@
                     <a:p>
                       <a:r>
                         <a:rPr kumimoji="1" lang="en-US" altLang="ja-JP" sz="1200" b="1" dirty="0" smtClean="0"/>
-                        <a:t>http://</a:t>
-                      </a:r>
-                      <a:r>
-                        <a:rPr kumimoji="1" lang="en-US" altLang="ja-JP" sz="1200" b="1" dirty="0" smtClean="0"/>
-                        <a:t>rpms.remirepo.net/enterprise/remi-release-7.rpm</a:t>
+                        <a:t>http://rpms.remirepo.net/enterprise/remi-release-7.rpm</a:t>
                       </a:r>
                     </a:p>
                   </a:txBody>
@@ -20035,7 +20027,7 @@
           <p:nvPr>
             <p:extLst>
               <p:ext uri="{D42A27DB-BD31-4B8C-83A1-F6EECF244321}">
-                <p14:modId xmlns:p14="http://schemas.microsoft.com/office/powerpoint/2010/main" val="1432273885"/>
+                <p14:modId xmlns:p14="http://schemas.microsoft.com/office/powerpoint/2010/main" val="2160207081"/>
               </p:ext>
             </p:extLst>
           </p:nvPr>
@@ -20263,7 +20255,7 @@
                         <a:rPr lang="en-US" altLang="ja-JP" sz="1050" kern="100" dirty="0" smtClean="0">
                           <a:effectLst/>
                         </a:rPr>
-                        <a:t>※1</a:t>
+                        <a:t>※</a:t>
                       </a:r>
                       <a:r>
                         <a:rPr lang="en-US" sz="1050" kern="100" dirty="0" smtClean="0">
@@ -20278,28 +20270,28 @@
                         <a:t>、</a:t>
                       </a:r>
                       <a:r>
-                        <a:rPr lang="en-US" altLang="ja-JP" sz="1050" kern="100" dirty="0" err="1" smtClean="0">
-                          <a:effectLst/>
-                        </a:rPr>
-                        <a:t>dnf</a:t>
+                        <a:rPr lang="en-US" sz="1050" kern="100" dirty="0" err="1" smtClean="0">
+                          <a:effectLst/>
+                        </a:rPr>
+                        <a:t>createrepo</a:t>
+                      </a:r>
+                      <a:r>
+                        <a:rPr lang="en-US" sz="1050" kern="100" dirty="0" smtClean="0">
+                          <a:effectLst/>
+                        </a:rPr>
+                        <a:t>(</a:t>
                       </a:r>
                       <a:r>
                         <a:rPr lang="en-US" altLang="ja-JP" sz="1050" kern="100" dirty="0" smtClean="0">
                           <a:effectLst/>
                         </a:rPr>
-                        <a:t>(※2)</a:t>
-                      </a:r>
-                      <a:r>
-                        <a:rPr lang="ja-JP" altLang="en-US" sz="1050" kern="100" dirty="0" err="1" smtClean="0">
-                          <a:effectLst/>
-                        </a:rPr>
-                        <a:t>、</a:t>
-                      </a:r>
-                      <a:r>
-                        <a:rPr lang="en-US" sz="1050" kern="100" dirty="0" err="1" smtClean="0">
-                          <a:effectLst/>
-                        </a:rPr>
-                        <a:t>createrepo</a:t>
+                        <a:t>※</a:t>
+                      </a:r>
+                      <a:r>
+                        <a:rPr lang="en-US" sz="1050" kern="100" dirty="0" smtClean="0">
+                          <a:effectLst/>
+                        </a:rPr>
+                        <a:t>)</a:t>
                       </a:r>
                       <a:endParaRPr lang="ja-JP" sz="1050" kern="100" dirty="0">
                         <a:effectLst/>
@@ -20989,6 +20981,18 @@
                         </a:rPr>
                         <a:t>php-gd</a:t>
                       </a:r>
+                      <a:r>
+                        <a:rPr lang="ja-JP" altLang="en-US" sz="1050" kern="100" dirty="0" err="1" smtClean="0">
+                          <a:effectLst/>
+                        </a:rPr>
+                        <a:t>、</a:t>
+                      </a:r>
+                      <a:r>
+                        <a:rPr lang="en-US" altLang="ja-JP" sz="1050" kern="100" dirty="0" smtClean="0">
+                          <a:effectLst/>
+                        </a:rPr>
+                        <a:t>Python3</a:t>
+                      </a:r>
                       <a:endParaRPr lang="ja-JP" sz="1050" kern="100" dirty="0">
                         <a:effectLst/>
                         <a:latin typeface="Century" panose="02040604050505020304" pitchFamily="18" charset="0"/>
@@ -21090,10 +21094,16 @@
                         </a:tabLst>
                       </a:pPr>
                       <a:r>
+                        <a:rPr lang="en-US" sz="1050" kern="100" dirty="0" err="1" smtClean="0">
+                          <a:effectLst/>
+                        </a:rPr>
+                        <a:t>Spyc</a:t>
+                      </a:r>
+                      <a:r>
                         <a:rPr lang="en-US" sz="1050" kern="100" dirty="0">
                           <a:effectLst/>
                         </a:rPr>
-                        <a:t>PHPExcel, Spyc, Twig</a:t>
+                        <a:t>, Twig</a:t>
                       </a:r>
                       <a:r>
                         <a:rPr lang="en-US" sz="1050" kern="100" dirty="0" smtClean="0">
@@ -21217,10 +21227,10 @@
                         </a:spcAft>
                       </a:pPr>
                       <a:r>
-                        <a:rPr lang="en-US" sz="1050" kern="100" dirty="0">
-                          <a:effectLst/>
-                        </a:rPr>
-                        <a:t>git</a:t>
+                        <a:rPr lang="en-US" sz="1050" kern="100" dirty="0" err="1" smtClean="0">
+                          <a:effectLst/>
+                        </a:rPr>
+                        <a:t>Git</a:t>
                       </a:r>
                       <a:endParaRPr lang="ja-JP" sz="1050" kern="100" dirty="0">
                         <a:effectLst/>
@@ -21314,25 +21324,13 @@
                         </a:spcAft>
                       </a:pPr>
                       <a:r>
-                        <a:rPr lang="en-US" sz="1050" kern="100" dirty="0">
+                        <a:rPr lang="en-US" sz="1050" kern="100" dirty="0" err="1">
                           <a:effectLst/>
                         </a:rPr>
                         <a:t>ansible</a:t>
                       </a:r>
                       <a:r>
-                        <a:rPr lang="ja-JP" sz="1050" kern="100" dirty="0" err="1">
-                          <a:effectLst/>
-                        </a:rPr>
-                        <a:t>、</a:t>
-                      </a:r>
-                      <a:r>
-                        <a:rPr lang="en-US" sz="1050" kern="100" dirty="0" smtClean="0">
-                          <a:effectLst/>
-                        </a:rPr>
-                        <a:t>python3-pip</a:t>
-                      </a:r>
-                      <a:r>
-                        <a:rPr lang="ja-JP" altLang="en-US" sz="1050" kern="100" dirty="0" err="1" smtClean="0">
+                        <a:rPr lang="ja-JP" sz="1050" kern="100" dirty="0" err="1" smtClean="0">
                           <a:effectLst/>
                         </a:rPr>
                         <a:t>、</a:t>
@@ -21375,8 +21373,8 @@
         </p:nvSpPr>
         <p:spPr>
           <a:xfrm>
-            <a:off x="7372282" y="5063270"/>
-            <a:ext cx="1835331" cy="400110"/>
+            <a:off x="7387091" y="5217159"/>
+            <a:ext cx="1835331" cy="246221"/>
           </a:xfrm>
           <a:prstGeom prst="rect">
             <a:avLst/>
@@ -21396,20 +21394,9 @@
             </a:pPr>
             <a:r>
               <a:rPr lang="en-US" altLang="ja-JP" sz="1000" kern="100" dirty="0" smtClean="0"/>
-              <a:t>※1 RHEL7,CentOS7</a:t>
-            </a:r>
-          </a:p>
-          <a:p>
-            <a:pPr algn="just">
-              <a:spcAft>
-                <a:spcPts val="0"/>
-              </a:spcAft>
-            </a:pPr>
-            <a:r>
-              <a:rPr lang="en-US" altLang="ja-JP" sz="1000" kern="100" dirty="0" smtClean="0"/>
-              <a:t>※2 RHEL8,CentOS8</a:t>
-            </a:r>
-            <a:endParaRPr lang="en-US" altLang="ja-JP" sz="1000" kern="100" dirty="0"/>
+              <a:t>※ RHEL7,CentOS7</a:t>
+            </a:r>
+            <a:endParaRPr lang="en-US" altLang="ja-JP" sz="1000" kern="100" dirty="0" smtClean="0"/>
           </a:p>
         </p:txBody>
       </p:sp>

--- a/asset/Learn_ja/ITA-online-install_ja.pptx
+++ b/asset/Learn_ja/ITA-online-install_ja.pptx
@@ -332,7 +332,7 @@
               <a:rPr kumimoji="1" lang="ja-JP" altLang="en-US" smtClean="0">
                 <a:ea typeface="メイリオ" panose="020B0604030504040204" pitchFamily="50" charset="-128"/>
               </a:rPr>
-              <a:t>2020/1/16</a:t>
+              <a:t>2020/1/20</a:t>
             </a:fld>
             <a:endParaRPr kumimoji="1" lang="ja-JP" altLang="en-US" dirty="0">
               <a:ea typeface="メイリオ" panose="020B0604030504040204" pitchFamily="50" charset="-128"/>
@@ -478,7 +478,7 @@
             <a:fld id="{4B26993D-C081-44EB-B0F5-A9F467792B62}" type="datetimeFigureOut">
               <a:rPr lang="ja-JP" altLang="en-US" smtClean="0"/>
               <a:pPr/>
-              <a:t>2020/1/16</a:t>
+              <a:t>2020/1/20</a:t>
             </a:fld>
             <a:endParaRPr lang="ja-JP" altLang="en-US" dirty="0"/>
           </a:p>
@@ -1101,7 +1101,7 @@
           <a:p>
             <a:fld id="{56F9016B-CCA6-43BE-8BEE-59565A35F4F7}" type="datetimeFigureOut">
               <a:rPr kumimoji="1" lang="ja-JP" altLang="en-US" smtClean="0"/>
-              <a:t>2020/1/16</a:t>
+              <a:t>2020/1/20</a:t>
             </a:fld>
             <a:endParaRPr kumimoji="1" lang="ja-JP" altLang="en-US"/>
           </a:p>
@@ -1303,7 +1303,7 @@
           <a:p>
             <a:fld id="{56F9016B-CCA6-43BE-8BEE-59565A35F4F7}" type="datetimeFigureOut">
               <a:rPr kumimoji="1" lang="ja-JP" altLang="en-US" smtClean="0"/>
-              <a:t>2020/1/16</a:t>
+              <a:t>2020/1/20</a:t>
             </a:fld>
             <a:endParaRPr kumimoji="1" lang="ja-JP" altLang="en-US"/>
           </a:p>
@@ -1549,7 +1549,7 @@
           <a:p>
             <a:fld id="{56F9016B-CCA6-43BE-8BEE-59565A35F4F7}" type="datetimeFigureOut">
               <a:rPr kumimoji="1" lang="ja-JP" altLang="en-US" smtClean="0"/>
-              <a:t>2020/1/16</a:t>
+              <a:t>2020/1/20</a:t>
             </a:fld>
             <a:endParaRPr kumimoji="1" lang="ja-JP" altLang="en-US"/>
           </a:p>
@@ -1845,7 +1845,7 @@
           <a:p>
             <a:fld id="{56F9016B-CCA6-43BE-8BEE-59565A35F4F7}" type="datetimeFigureOut">
               <a:rPr kumimoji="1" lang="ja-JP" altLang="en-US" smtClean="0"/>
-              <a:t>2020/1/16</a:t>
+              <a:t>2020/1/20</a:t>
             </a:fld>
             <a:endParaRPr kumimoji="1" lang="ja-JP" altLang="en-US"/>
           </a:p>
@@ -2276,7 +2276,7 @@
           <a:p>
             <a:fld id="{56F9016B-CCA6-43BE-8BEE-59565A35F4F7}" type="datetimeFigureOut">
               <a:rPr kumimoji="1" lang="ja-JP" altLang="en-US" smtClean="0"/>
-              <a:t>2020/1/16</a:t>
+              <a:t>2020/1/20</a:t>
             </a:fld>
             <a:endParaRPr kumimoji="1" lang="ja-JP" altLang="en-US"/>
           </a:p>
@@ -2394,7 +2394,7 @@
           <a:p>
             <a:fld id="{56F9016B-CCA6-43BE-8BEE-59565A35F4F7}" type="datetimeFigureOut">
               <a:rPr kumimoji="1" lang="ja-JP" altLang="en-US" smtClean="0"/>
-              <a:t>2020/1/16</a:t>
+              <a:t>2020/1/20</a:t>
             </a:fld>
             <a:endParaRPr kumimoji="1" lang="ja-JP" altLang="en-US"/>
           </a:p>
@@ -2489,7 +2489,7 @@
           <a:p>
             <a:fld id="{56F9016B-CCA6-43BE-8BEE-59565A35F4F7}" type="datetimeFigureOut">
               <a:rPr kumimoji="1" lang="ja-JP" altLang="en-US" smtClean="0"/>
-              <a:t>2020/1/16</a:t>
+              <a:t>2020/1/20</a:t>
             </a:fld>
             <a:endParaRPr kumimoji="1" lang="ja-JP" altLang="en-US"/>
           </a:p>
@@ -2798,7 +2798,7 @@
           <a:p>
             <a:fld id="{56F9016B-CCA6-43BE-8BEE-59565A35F4F7}" type="datetimeFigureOut">
               <a:rPr kumimoji="1" lang="ja-JP" altLang="en-US" smtClean="0"/>
-              <a:t>2020/1/16</a:t>
+              <a:t>2020/1/20</a:t>
             </a:fld>
             <a:endParaRPr kumimoji="1" lang="ja-JP" altLang="en-US"/>
           </a:p>
@@ -3051,7 +3051,7 @@
           <a:p>
             <a:fld id="{56F9016B-CCA6-43BE-8BEE-59565A35F4F7}" type="datetimeFigureOut">
               <a:rPr kumimoji="1" lang="ja-JP" altLang="en-US" smtClean="0"/>
-              <a:t>2020/1/16</a:t>
+              <a:t>2020/1/20</a:t>
             </a:fld>
             <a:endParaRPr kumimoji="1" lang="ja-JP" altLang="en-US"/>
           </a:p>
@@ -3328,7 +3328,7 @@
           <a:p>
             <a:fld id="{56F9016B-CCA6-43BE-8BEE-59565A35F4F7}" type="datetimeFigureOut">
               <a:rPr kumimoji="1" lang="ja-JP" altLang="en-US" smtClean="0"/>
-              <a:t>2020/1/16</a:t>
+              <a:t>2020/1/20</a:t>
             </a:fld>
             <a:endParaRPr kumimoji="1" lang="ja-JP" altLang="en-US"/>
           </a:p>
@@ -3540,7 +3540,7 @@
           <a:p>
             <a:fld id="{56F9016B-CCA6-43BE-8BEE-59565A35F4F7}" type="datetimeFigureOut">
               <a:rPr kumimoji="1" lang="ja-JP" altLang="en-US" smtClean="0"/>
-              <a:t>2020/1/16</a:t>
+              <a:t>2020/1/20</a:t>
             </a:fld>
             <a:endParaRPr kumimoji="1" lang="ja-JP" altLang="en-US"/>
           </a:p>
@@ -6599,7 +6599,7 @@
           <a:p>
             <a:fld id="{56F9016B-CCA6-43BE-8BEE-59565A35F4F7}" type="datetimeFigureOut">
               <a:rPr kumimoji="1" lang="ja-JP" altLang="en-US" smtClean="0"/>
-              <a:t>2020/1/16</a:t>
+              <a:t>2020/1/20</a:t>
             </a:fld>
             <a:endParaRPr kumimoji="1" lang="ja-JP" altLang="en-US"/>
           </a:p>
@@ -20027,7 +20027,7 @@
           <p:nvPr>
             <p:extLst>
               <p:ext uri="{D42A27DB-BD31-4B8C-83A1-F6EECF244321}">
-                <p14:modId xmlns:p14="http://schemas.microsoft.com/office/powerpoint/2010/main" val="2160207081"/>
+                <p14:modId xmlns:p14="http://schemas.microsoft.com/office/powerpoint/2010/main" val="1588285784"/>
               </p:ext>
             </p:extLst>
           </p:nvPr>
@@ -21100,12 +21100,6 @@
                         <a:t>Spyc</a:t>
                       </a:r>
                       <a:r>
-                        <a:rPr lang="en-US" sz="1050" kern="100" dirty="0">
-                          <a:effectLst/>
-                        </a:rPr>
-                        <a:t>, Twig</a:t>
-                      </a:r>
-                      <a:r>
                         <a:rPr lang="en-US" sz="1050" kern="100" dirty="0" smtClean="0">
                           <a:effectLst/>
                         </a:rPr>
@@ -21396,7 +21390,6 @@
               <a:rPr lang="en-US" altLang="ja-JP" sz="1000" kern="100" dirty="0" smtClean="0"/>
               <a:t>※ RHEL7,CentOS7</a:t>
             </a:r>
-            <a:endParaRPr lang="en-US" altLang="ja-JP" sz="1000" kern="100" dirty="0" smtClean="0"/>
           </a:p>
         </p:txBody>
       </p:sp>

--- a/asset/Learn_ja/ITA-online-install_ja.pptx
+++ b/asset/Learn_ja/ITA-online-install_ja.pptx
@@ -332,7 +332,7 @@
               <a:rPr kumimoji="1" lang="ja-JP" altLang="en-US" smtClean="0">
                 <a:ea typeface="メイリオ" panose="020B0604030504040204" pitchFamily="50" charset="-128"/>
               </a:rPr>
-              <a:t>2020/1/20</a:t>
+              <a:t>2020/1/24</a:t>
             </a:fld>
             <a:endParaRPr kumimoji="1" lang="ja-JP" altLang="en-US" dirty="0">
               <a:ea typeface="メイリオ" panose="020B0604030504040204" pitchFamily="50" charset="-128"/>
@@ -478,7 +478,7 @@
             <a:fld id="{4B26993D-C081-44EB-B0F5-A9F467792B62}" type="datetimeFigureOut">
               <a:rPr lang="ja-JP" altLang="en-US" smtClean="0"/>
               <a:pPr/>
-              <a:t>2020/1/20</a:t>
+              <a:t>2020/1/24</a:t>
             </a:fld>
             <a:endParaRPr lang="ja-JP" altLang="en-US" dirty="0"/>
           </a:p>
@@ -1101,7 +1101,7 @@
           <a:p>
             <a:fld id="{56F9016B-CCA6-43BE-8BEE-59565A35F4F7}" type="datetimeFigureOut">
               <a:rPr kumimoji="1" lang="ja-JP" altLang="en-US" smtClean="0"/>
-              <a:t>2020/1/20</a:t>
+              <a:t>2020/1/24</a:t>
             </a:fld>
             <a:endParaRPr kumimoji="1" lang="ja-JP" altLang="en-US"/>
           </a:p>
@@ -1303,7 +1303,7 @@
           <a:p>
             <a:fld id="{56F9016B-CCA6-43BE-8BEE-59565A35F4F7}" type="datetimeFigureOut">
               <a:rPr kumimoji="1" lang="ja-JP" altLang="en-US" smtClean="0"/>
-              <a:t>2020/1/20</a:t>
+              <a:t>2020/1/24</a:t>
             </a:fld>
             <a:endParaRPr kumimoji="1" lang="ja-JP" altLang="en-US"/>
           </a:p>
@@ -1549,7 +1549,7 @@
           <a:p>
             <a:fld id="{56F9016B-CCA6-43BE-8BEE-59565A35F4F7}" type="datetimeFigureOut">
               <a:rPr kumimoji="1" lang="ja-JP" altLang="en-US" smtClean="0"/>
-              <a:t>2020/1/20</a:t>
+              <a:t>2020/1/24</a:t>
             </a:fld>
             <a:endParaRPr kumimoji="1" lang="ja-JP" altLang="en-US"/>
           </a:p>
@@ -1845,7 +1845,7 @@
           <a:p>
             <a:fld id="{56F9016B-CCA6-43BE-8BEE-59565A35F4F7}" type="datetimeFigureOut">
               <a:rPr kumimoji="1" lang="ja-JP" altLang="en-US" smtClean="0"/>
-              <a:t>2020/1/20</a:t>
+              <a:t>2020/1/24</a:t>
             </a:fld>
             <a:endParaRPr kumimoji="1" lang="ja-JP" altLang="en-US"/>
           </a:p>
@@ -2276,7 +2276,7 @@
           <a:p>
             <a:fld id="{56F9016B-CCA6-43BE-8BEE-59565A35F4F7}" type="datetimeFigureOut">
               <a:rPr kumimoji="1" lang="ja-JP" altLang="en-US" smtClean="0"/>
-              <a:t>2020/1/20</a:t>
+              <a:t>2020/1/24</a:t>
             </a:fld>
             <a:endParaRPr kumimoji="1" lang="ja-JP" altLang="en-US"/>
           </a:p>
@@ -2394,7 +2394,7 @@
           <a:p>
             <a:fld id="{56F9016B-CCA6-43BE-8BEE-59565A35F4F7}" type="datetimeFigureOut">
               <a:rPr kumimoji="1" lang="ja-JP" altLang="en-US" smtClean="0"/>
-              <a:t>2020/1/20</a:t>
+              <a:t>2020/1/24</a:t>
             </a:fld>
             <a:endParaRPr kumimoji="1" lang="ja-JP" altLang="en-US"/>
           </a:p>
@@ -2489,7 +2489,7 @@
           <a:p>
             <a:fld id="{56F9016B-CCA6-43BE-8BEE-59565A35F4F7}" type="datetimeFigureOut">
               <a:rPr kumimoji="1" lang="ja-JP" altLang="en-US" smtClean="0"/>
-              <a:t>2020/1/20</a:t>
+              <a:t>2020/1/24</a:t>
             </a:fld>
             <a:endParaRPr kumimoji="1" lang="ja-JP" altLang="en-US"/>
           </a:p>
@@ -2798,7 +2798,7 @@
           <a:p>
             <a:fld id="{56F9016B-CCA6-43BE-8BEE-59565A35F4F7}" type="datetimeFigureOut">
               <a:rPr kumimoji="1" lang="ja-JP" altLang="en-US" smtClean="0"/>
-              <a:t>2020/1/20</a:t>
+              <a:t>2020/1/24</a:t>
             </a:fld>
             <a:endParaRPr kumimoji="1" lang="ja-JP" altLang="en-US"/>
           </a:p>
@@ -3051,7 +3051,7 @@
           <a:p>
             <a:fld id="{56F9016B-CCA6-43BE-8BEE-59565A35F4F7}" type="datetimeFigureOut">
               <a:rPr kumimoji="1" lang="ja-JP" altLang="en-US" smtClean="0"/>
-              <a:t>2020/1/20</a:t>
+              <a:t>2020/1/24</a:t>
             </a:fld>
             <a:endParaRPr kumimoji="1" lang="ja-JP" altLang="en-US"/>
           </a:p>
@@ -3328,7 +3328,7 @@
           <a:p>
             <a:fld id="{56F9016B-CCA6-43BE-8BEE-59565A35F4F7}" type="datetimeFigureOut">
               <a:rPr kumimoji="1" lang="ja-JP" altLang="en-US" smtClean="0"/>
-              <a:t>2020/1/20</a:t>
+              <a:t>2020/1/24</a:t>
             </a:fld>
             <a:endParaRPr kumimoji="1" lang="ja-JP" altLang="en-US"/>
           </a:p>
@@ -3540,7 +3540,7 @@
           <a:p>
             <a:fld id="{56F9016B-CCA6-43BE-8BEE-59565A35F4F7}" type="datetimeFigureOut">
               <a:rPr kumimoji="1" lang="ja-JP" altLang="en-US" smtClean="0"/>
-              <a:t>2020/1/20</a:t>
+              <a:t>2020/1/24</a:t>
             </a:fld>
             <a:endParaRPr kumimoji="1" lang="ja-JP" altLang="en-US"/>
           </a:p>
@@ -6599,7 +6599,7 @@
           <a:p>
             <a:fld id="{56F9016B-CCA6-43BE-8BEE-59565A35F4F7}" type="datetimeFigureOut">
               <a:rPr kumimoji="1" lang="ja-JP" altLang="en-US" smtClean="0"/>
-              <a:t>2020/1/20</a:t>
+              <a:t>2020/1/24</a:t>
             </a:fld>
             <a:endParaRPr kumimoji="1" lang="ja-JP" altLang="en-US"/>
           </a:p>
@@ -14678,7 +14678,7 @@
           <p:nvPr>
             <p:extLst>
               <p:ext uri="{D42A27DB-BD31-4B8C-83A1-F6EECF244321}">
-                <p14:modId xmlns:p14="http://schemas.microsoft.com/office/powerpoint/2010/main" val="3105156258"/>
+                <p14:modId xmlns:p14="http://schemas.microsoft.com/office/powerpoint/2010/main" val="826785047"/>
               </p:ext>
             </p:extLst>
           </p:nvPr>
@@ -16725,10 +16725,22 @@
                         </a:spcAft>
                       </a:pPr>
                       <a:r>
+                        <a:rPr lang="ja-JP" altLang="en-US" sz="1000" kern="100" dirty="0" smtClean="0">
+                          <a:effectLst/>
+                        </a:rPr>
+                        <a:t>メニュー</a:t>
+                      </a:r>
+                      <a:r>
+                        <a:rPr lang="ja-JP" sz="1000" kern="100" dirty="0" smtClean="0">
+                          <a:effectLst/>
+                        </a:rPr>
+                        <a:t>作成</a:t>
+                      </a:r>
+                      <a:r>
                         <a:rPr lang="ja-JP" sz="1000" kern="100" dirty="0">
                           <a:effectLst/>
                         </a:rPr>
-                        <a:t>パラメータシート作成機能のインストール有無指定</a:t>
+                        <a:t>機能のインストール有無指定</a:t>
                       </a:r>
                       <a:endParaRPr lang="ja-JP" sz="1000" kern="100" dirty="0">
                         <a:effectLst/>
@@ -24690,12 +24702,16 @@
             <a:graphicFrameLocks noGrp="1"/>
           </p:cNvGraphicFramePr>
           <p:nvPr>
-            <p:extLst/>
+            <p:extLst>
+              <p:ext uri="{D42A27DB-BD31-4B8C-83A1-F6EECF244321}">
+                <p14:modId xmlns:p14="http://schemas.microsoft.com/office/powerpoint/2010/main" val="3664210548"/>
+              </p:ext>
+            </p:extLst>
           </p:nvPr>
         </p:nvGraphicFramePr>
         <p:xfrm>
           <a:off x="1259540" y="2276840"/>
-          <a:ext cx="6624920" cy="2479614"/>
+          <a:ext cx="6624920" cy="2222847"/>
         </p:xfrm>
         <a:graphic>
           <a:graphicData uri="http://schemas.openxmlformats.org/drawingml/2006/table">
@@ -24907,7 +24923,7 @@
                 </a:extLst>
               </a:tr>
               <a:tr h="256767">
-                <a:tc rowSpan="2">
+                <a:tc>
                   <a:txBody>
                     <a:bodyPr/>
                     <a:lstStyle/>
@@ -24918,10 +24934,16 @@
                         </a:spcAft>
                       </a:pPr>
                       <a:r>
-                        <a:rPr lang="ja-JP" sz="1050" kern="100" dirty="0">
-                          <a:effectLst/>
-                        </a:rPr>
-                        <a:t>パラメータシート作成</a:t>
+                        <a:rPr lang="ja-JP" altLang="en-US" sz="1050" kern="100" dirty="0" smtClean="0">
+                          <a:effectLst/>
+                        </a:rPr>
+                        <a:t>メニュー</a:t>
+                      </a:r>
+                      <a:r>
+                        <a:rPr lang="ja-JP" sz="1050" kern="100" dirty="0" smtClean="0">
+                          <a:effectLst/>
+                        </a:rPr>
+                        <a:t>作成</a:t>
                       </a:r>
                       <a:endParaRPr lang="ja-JP" sz="1050" kern="100" dirty="0">
                         <a:effectLst/>
@@ -24970,53 +24992,6 @@
                 <a:extLst>
                   <a:ext uri="{0D108BD9-81ED-4DB2-BD59-A6C34878D82A}">
                     <a16:rowId xmlns:a16="http://schemas.microsoft.com/office/drawing/2014/main" val="10003"/>
-                  </a:ext>
-                </a:extLst>
-              </a:tr>
-              <a:tr h="256767">
-                <a:tc vMerge="1">
-                  <a:txBody>
-                    <a:bodyPr/>
-                    <a:lstStyle/>
-                    <a:p>
-                      <a:endParaRPr kumimoji="1" lang="ja-JP" altLang="en-US"/>
-                    </a:p>
-                  </a:txBody>
-                  <a:tcPr/>
-                </a:tc>
-                <a:tc>
-                  <a:txBody>
-                    <a:bodyPr/>
-                    <a:lstStyle/>
-                    <a:p>
-                      <a:pPr algn="l">
-                        <a:spcAft>
-                          <a:spcPts val="0"/>
-                        </a:spcAft>
-                      </a:pPr>
-                      <a:r>
-                        <a:rPr lang="ja-JP" sz="1050" kern="100" dirty="0">
-                          <a:effectLst/>
-                        </a:rPr>
-                        <a:t>パラメータシート作成</a:t>
-                      </a:r>
-                      <a:endParaRPr lang="ja-JP" sz="1050" kern="100" dirty="0">
-                        <a:effectLst/>
-                        <a:latin typeface="Century" panose="02040604050505020304" pitchFamily="18" charset="0"/>
-                        <a:ea typeface="ＭＳ 明朝" panose="02020609040205080304" pitchFamily="17" charset="-128"/>
-                        <a:cs typeface="Times New Roman" panose="02020603050405020304" pitchFamily="18" charset="0"/>
-                      </a:endParaRPr>
-                    </a:p>
-                  </a:txBody>
-                  <a:tcPr marL="68580" marR="68580" marT="0" marB="0" anchor="ctr">
-                    <a:solidFill>
-                      <a:srgbClr val="E7E8EA"/>
-                    </a:solidFill>
-                  </a:tcPr>
-                </a:tc>
-                <a:extLst>
-                  <a:ext uri="{0D108BD9-81ED-4DB2-BD59-A6C34878D82A}">
-                    <a16:rowId xmlns:a16="http://schemas.microsoft.com/office/drawing/2014/main" val="10004"/>
                   </a:ext>
                 </a:extLst>
               </a:tr>
@@ -25684,7 +25659,7 @@
           <p:nvPr>
             <p:extLst>
               <p:ext uri="{D42A27DB-BD31-4B8C-83A1-F6EECF244321}">
-                <p14:modId xmlns:p14="http://schemas.microsoft.com/office/powerpoint/2010/main" val="2855288479"/>
+                <p14:modId xmlns:p14="http://schemas.microsoft.com/office/powerpoint/2010/main" val="428128019"/>
               </p:ext>
             </p:extLst>
           </p:nvPr>
@@ -26210,10 +26185,16 @@
                         </a:spcAft>
                       </a:pPr>
                       <a:r>
-                        <a:rPr lang="ja-JP" sz="900" kern="0" dirty="0">
-                          <a:effectLst/>
-                        </a:rPr>
-                        <a:t>パラメータシート作成</a:t>
+                        <a:rPr lang="ja-JP" altLang="en-US" sz="900" kern="0" dirty="0" smtClean="0">
+                          <a:effectLst/>
+                        </a:rPr>
+                        <a:t>メニュー</a:t>
+                      </a:r>
+                      <a:r>
+                        <a:rPr lang="ja-JP" sz="900" kern="0" dirty="0" smtClean="0">
+                          <a:effectLst/>
+                        </a:rPr>
+                        <a:t>作成</a:t>
                       </a:r>
                       <a:endParaRPr lang="ja-JP" sz="1050" kern="100" dirty="0">
                         <a:effectLst/>
@@ -26239,22 +26220,22 @@
                         </a:spcAft>
                       </a:pPr>
                       <a:r>
+                        <a:rPr lang="ja-JP" altLang="en-US" sz="900" kern="100" dirty="0" smtClean="0">
+                          <a:effectLst/>
+                        </a:rPr>
+                        <a:t>メニュー</a:t>
+                      </a:r>
+                      <a:r>
+                        <a:rPr lang="ja-JP" sz="900" kern="100" dirty="0" smtClean="0">
+                          <a:effectLst/>
+                        </a:rPr>
+                        <a:t>を</a:t>
+                      </a:r>
+                      <a:r>
                         <a:rPr lang="ja-JP" sz="900" kern="100" dirty="0">
                           <a:effectLst/>
                         </a:rPr>
-                        <a:t>パラメータシート（</a:t>
-                      </a:r>
-                      <a:r>
-                        <a:rPr lang="en-US" sz="900" kern="100" dirty="0">
-                          <a:effectLst/>
-                        </a:rPr>
-                        <a:t>Web</a:t>
-                      </a:r>
-                      <a:r>
-                        <a:rPr lang="ja-JP" sz="900" kern="100" dirty="0">
-                          <a:effectLst/>
-                        </a:rPr>
-                        <a:t>メニュー）を作成・管理します。</a:t>
+                        <a:t>作成・管理します。</a:t>
                       </a:r>
                       <a:endParaRPr lang="ja-JP" sz="1050" kern="100" dirty="0">
                         <a:effectLst/>

--- a/asset/Learn_ja/ITA-online-install_ja.pptx
+++ b/asset/Learn_ja/ITA-online-install_ja.pptx
@@ -332,7 +332,7 @@
               <a:rPr kumimoji="1" lang="ja-JP" altLang="en-US" smtClean="0">
                 <a:ea typeface="メイリオ" panose="020B0604030504040204" pitchFamily="50" charset="-128"/>
               </a:rPr>
-              <a:t>2019/11/5</a:t>
+              <a:t>2020/1/24</a:t>
             </a:fld>
             <a:endParaRPr kumimoji="1" lang="ja-JP" altLang="en-US" dirty="0">
               <a:ea typeface="メイリオ" panose="020B0604030504040204" pitchFamily="50" charset="-128"/>
@@ -478,7 +478,7 @@
             <a:fld id="{4B26993D-C081-44EB-B0F5-A9F467792B62}" type="datetimeFigureOut">
               <a:rPr lang="ja-JP" altLang="en-US" smtClean="0"/>
               <a:pPr/>
-              <a:t>2019/11/5</a:t>
+              <a:t>2020/1/24</a:t>
             </a:fld>
             <a:endParaRPr lang="ja-JP" altLang="en-US" dirty="0"/>
           </a:p>
@@ -1101,7 +1101,7 @@
           <a:p>
             <a:fld id="{56F9016B-CCA6-43BE-8BEE-59565A35F4F7}" type="datetimeFigureOut">
               <a:rPr kumimoji="1" lang="ja-JP" altLang="en-US" smtClean="0"/>
-              <a:t>2019/11/5</a:t>
+              <a:t>2020/1/24</a:t>
             </a:fld>
             <a:endParaRPr kumimoji="1" lang="ja-JP" altLang="en-US"/>
           </a:p>
@@ -1303,7 +1303,7 @@
           <a:p>
             <a:fld id="{56F9016B-CCA6-43BE-8BEE-59565A35F4F7}" type="datetimeFigureOut">
               <a:rPr kumimoji="1" lang="ja-JP" altLang="en-US" smtClean="0"/>
-              <a:t>2019/11/5</a:t>
+              <a:t>2020/1/24</a:t>
             </a:fld>
             <a:endParaRPr kumimoji="1" lang="ja-JP" altLang="en-US"/>
           </a:p>
@@ -1549,7 +1549,7 @@
           <a:p>
             <a:fld id="{56F9016B-CCA6-43BE-8BEE-59565A35F4F7}" type="datetimeFigureOut">
               <a:rPr kumimoji="1" lang="ja-JP" altLang="en-US" smtClean="0"/>
-              <a:t>2019/11/5</a:t>
+              <a:t>2020/1/24</a:t>
             </a:fld>
             <a:endParaRPr kumimoji="1" lang="ja-JP" altLang="en-US"/>
           </a:p>
@@ -1845,7 +1845,7 @@
           <a:p>
             <a:fld id="{56F9016B-CCA6-43BE-8BEE-59565A35F4F7}" type="datetimeFigureOut">
               <a:rPr kumimoji="1" lang="ja-JP" altLang="en-US" smtClean="0"/>
-              <a:t>2019/11/5</a:t>
+              <a:t>2020/1/24</a:t>
             </a:fld>
             <a:endParaRPr kumimoji="1" lang="ja-JP" altLang="en-US"/>
           </a:p>
@@ -2276,7 +2276,7 @@
           <a:p>
             <a:fld id="{56F9016B-CCA6-43BE-8BEE-59565A35F4F7}" type="datetimeFigureOut">
               <a:rPr kumimoji="1" lang="ja-JP" altLang="en-US" smtClean="0"/>
-              <a:t>2019/11/5</a:t>
+              <a:t>2020/1/24</a:t>
             </a:fld>
             <a:endParaRPr kumimoji="1" lang="ja-JP" altLang="en-US"/>
           </a:p>
@@ -2394,7 +2394,7 @@
           <a:p>
             <a:fld id="{56F9016B-CCA6-43BE-8BEE-59565A35F4F7}" type="datetimeFigureOut">
               <a:rPr kumimoji="1" lang="ja-JP" altLang="en-US" smtClean="0"/>
-              <a:t>2019/11/5</a:t>
+              <a:t>2020/1/24</a:t>
             </a:fld>
             <a:endParaRPr kumimoji="1" lang="ja-JP" altLang="en-US"/>
           </a:p>
@@ -2489,7 +2489,7 @@
           <a:p>
             <a:fld id="{56F9016B-CCA6-43BE-8BEE-59565A35F4F7}" type="datetimeFigureOut">
               <a:rPr kumimoji="1" lang="ja-JP" altLang="en-US" smtClean="0"/>
-              <a:t>2019/11/5</a:t>
+              <a:t>2020/1/24</a:t>
             </a:fld>
             <a:endParaRPr kumimoji="1" lang="ja-JP" altLang="en-US"/>
           </a:p>
@@ -2798,7 +2798,7 @@
           <a:p>
             <a:fld id="{56F9016B-CCA6-43BE-8BEE-59565A35F4F7}" type="datetimeFigureOut">
               <a:rPr kumimoji="1" lang="ja-JP" altLang="en-US" smtClean="0"/>
-              <a:t>2019/11/5</a:t>
+              <a:t>2020/1/24</a:t>
             </a:fld>
             <a:endParaRPr kumimoji="1" lang="ja-JP" altLang="en-US"/>
           </a:p>
@@ -3051,7 +3051,7 @@
           <a:p>
             <a:fld id="{56F9016B-CCA6-43BE-8BEE-59565A35F4F7}" type="datetimeFigureOut">
               <a:rPr kumimoji="1" lang="ja-JP" altLang="en-US" smtClean="0"/>
-              <a:t>2019/11/5</a:t>
+              <a:t>2020/1/24</a:t>
             </a:fld>
             <a:endParaRPr kumimoji="1" lang="ja-JP" altLang="en-US"/>
           </a:p>
@@ -3328,7 +3328,7 @@
           <a:p>
             <a:fld id="{56F9016B-CCA6-43BE-8BEE-59565A35F4F7}" type="datetimeFigureOut">
               <a:rPr kumimoji="1" lang="ja-JP" altLang="en-US" smtClean="0"/>
-              <a:t>2019/11/5</a:t>
+              <a:t>2020/1/24</a:t>
             </a:fld>
             <a:endParaRPr kumimoji="1" lang="ja-JP" altLang="en-US"/>
           </a:p>
@@ -3540,7 +3540,7 @@
           <a:p>
             <a:fld id="{56F9016B-CCA6-43BE-8BEE-59565A35F4F7}" type="datetimeFigureOut">
               <a:rPr kumimoji="1" lang="ja-JP" altLang="en-US" smtClean="0"/>
-              <a:t>2019/11/5</a:t>
+              <a:t>2020/1/24</a:t>
             </a:fld>
             <a:endParaRPr kumimoji="1" lang="ja-JP" altLang="en-US"/>
           </a:p>
@@ -6599,7 +6599,7 @@
           <a:p>
             <a:fld id="{56F9016B-CCA6-43BE-8BEE-59565A35F4F7}" type="datetimeFigureOut">
               <a:rPr kumimoji="1" lang="ja-JP" altLang="en-US" smtClean="0"/>
-              <a:t>2019/11/5</a:t>
+              <a:t>2020/1/24</a:t>
             </a:fld>
             <a:endParaRPr kumimoji="1" lang="ja-JP" altLang="en-US"/>
           </a:p>
@@ -7037,7 +7037,7 @@
             </a:r>
             <a:r>
               <a:rPr lang="en-US" altLang="ja-JP" dirty="0" smtClean="0"/>
-              <a:t>1.2</a:t>
+              <a:t>1.3</a:t>
             </a:r>
             <a:r>
               <a:rPr lang="ja-JP" altLang="en-US" dirty="0" smtClean="0"/>
@@ -7717,7 +7717,7 @@
               <a:rPr lang="ja-JP" altLang="en-US" dirty="0" smtClean="0"/>
               <a:t>リポジトリが有効になります。</a:t>
             </a:r>
-            <a:endParaRPr kumimoji="1" lang="ja-JP" altLang="en-US" dirty="0"/>
+            <a:endParaRPr lang="en-US" altLang="ja-JP" dirty="0" smtClean="0"/>
           </a:p>
         </p:txBody>
       </p:sp>
@@ -7730,14 +7730,14 @@
           <p:nvPr>
             <p:extLst>
               <p:ext uri="{D42A27DB-BD31-4B8C-83A1-F6EECF244321}">
-                <p14:modId xmlns:p14="http://schemas.microsoft.com/office/powerpoint/2010/main" val="997567433"/>
+                <p14:modId xmlns:p14="http://schemas.microsoft.com/office/powerpoint/2010/main" val="2508855937"/>
               </p:ext>
             </p:extLst>
           </p:nvPr>
         </p:nvGraphicFramePr>
         <p:xfrm>
-          <a:off x="302551" y="1844780"/>
-          <a:ext cx="8538898" cy="4043680"/>
+          <a:off x="302064" y="1916790"/>
+          <a:ext cx="8538898" cy="2537480"/>
         </p:xfrm>
         <a:graphic>
           <a:graphicData uri="http://schemas.openxmlformats.org/drawingml/2006/table">
@@ -7749,19 +7749,19 @@
                 <a:gridCol w="1000443">
                   <a:extLst>
                     <a:ext uri="{9D8B030D-6E8A-4147-A177-3AD203B41FA5}">
-                      <a16:colId xmlns="" xmlns:a16="http://schemas.microsoft.com/office/drawing/2014/main" val="20000"/>
+                      <a16:colId xmlns:a16="http://schemas.microsoft.com/office/drawing/2014/main" val="20000"/>
                     </a:ext>
                   </a:extLst>
                 </a:gridCol>
                 <a:gridCol w="7538455">
                   <a:extLst>
                     <a:ext uri="{9D8B030D-6E8A-4147-A177-3AD203B41FA5}">
-                      <a16:colId xmlns="" xmlns:a16="http://schemas.microsoft.com/office/drawing/2014/main" val="20001"/>
+                      <a16:colId xmlns:a16="http://schemas.microsoft.com/office/drawing/2014/main" val="20001"/>
                     </a:ext>
                   </a:extLst>
                 </a:gridCol>
               </a:tblGrid>
-              <a:tr h="370840">
+              <a:tr h="298830">
                 <a:tc>
                   <a:txBody>
                     <a:bodyPr/>
@@ -7794,11 +7794,11 @@
                 </a:tc>
                 <a:extLst>
                   <a:ext uri="{0D108BD9-81ED-4DB2-BD59-A6C34878D82A}">
-                    <a16:rowId xmlns="" xmlns:a16="http://schemas.microsoft.com/office/drawing/2014/main" val="10000"/>
+                    <a16:rowId xmlns:a16="http://schemas.microsoft.com/office/drawing/2014/main" val="10000"/>
                   </a:ext>
                 </a:extLst>
               </a:tr>
-              <a:tr h="472440">
+              <a:tr h="185420">
                 <a:tc rowSpan="3">
                   <a:txBody>
                     <a:bodyPr/>
@@ -7819,239 +7819,25 @@
                     <a:lstStyle/>
                     <a:p>
                       <a:r>
-                        <a:rPr kumimoji="1" lang="en-US" altLang="ja-JP" sz="1200" b="1" i="0" u="none" strike="noStrike" kern="1200" baseline="0" dirty="0" smtClean="0">
+                        <a:rPr kumimoji="1" lang="en-US" altLang="ja-JP" sz="1200" b="1" i="0" kern="1200" dirty="0" smtClean="0">
                           <a:solidFill>
                             <a:schemeClr val="dk1"/>
                           </a:solidFill>
+                          <a:effectLst/>
                           <a:latin typeface="+mn-lt"/>
                           <a:ea typeface="+mn-ea"/>
                           <a:cs typeface="+mn-cs"/>
                         </a:rPr>
-                        <a:t>http://ftp-srv2.kddilabs.jp/Linux/distributions/fedora/epel/7/x86_64/Packages/</a:t>
-                      </a:r>
-                    </a:p>
-                    <a:p>
-                      <a:r>
-                        <a:rPr kumimoji="1" lang="en-US" altLang="ja-JP" sz="1200" b="1" i="0" u="none" strike="noStrike" kern="1200" baseline="0" dirty="0" smtClean="0">
-                          <a:solidFill>
-                            <a:schemeClr val="dk1"/>
-                          </a:solidFill>
-                          <a:latin typeface="+mn-lt"/>
-                          <a:ea typeface="+mn-ea"/>
-                          <a:cs typeface="+mn-cs"/>
-                        </a:rPr>
-                        <a:t>e/epel-release-7-11.noarch.rpm</a:t>
-                      </a:r>
-                    </a:p>
-                  </a:txBody>
-                  <a:tcPr>
-                    <a:lnB w="12700" cap="flat" cmpd="sng" algn="ctr">
-                      <a:solidFill>
-                        <a:schemeClr val="bg1"/>
-                      </a:solidFill>
-                      <a:prstDash val="solid"/>
-                      <a:round/>
-                      <a:headEnd type="none" w="med" len="med"/>
-                      <a:tailEnd type="none" w="med" len="med"/>
-                    </a:lnB>
-                    <a:solidFill>
-                      <a:srgbClr val="CBCDD3"/>
-                    </a:solidFill>
-                  </a:tcPr>
-                </a:tc>
-                <a:extLst>
-                  <a:ext uri="{0D108BD9-81ED-4DB2-BD59-A6C34878D82A}">
-                    <a16:rowId xmlns="" xmlns:a16="http://schemas.microsoft.com/office/drawing/2014/main" val="10001"/>
-                  </a:ext>
-                </a:extLst>
-              </a:tr>
-              <a:tr h="236220">
-                <a:tc vMerge="1">
-                  <a:txBody>
-                    <a:bodyPr/>
-                    <a:lstStyle/>
-                    <a:p>
-                      <a:endParaRPr kumimoji="1" lang="ja-JP" altLang="en-US"/>
-                    </a:p>
-                  </a:txBody>
-                  <a:tcPr/>
-                </a:tc>
-                <a:tc>
-                  <a:txBody>
-                    <a:bodyPr/>
-                    <a:lstStyle/>
-                    <a:p>
-                      <a:pPr marL="0" marR="0" lvl="0" indent="0" algn="l" defTabSz="914400" rtl="0" eaLnBrk="1" fontAlgn="auto" latinLnBrk="0" hangingPunct="1">
-                        <a:lnSpc>
-                          <a:spcPct val="100000"/>
-                        </a:lnSpc>
-                        <a:spcBef>
-                          <a:spcPts val="0"/>
-                        </a:spcBef>
-                        <a:spcAft>
-                          <a:spcPts val="0"/>
-                        </a:spcAft>
-                        <a:buClrTx/>
-                        <a:buSzTx/>
-                        <a:buFontTx/>
-                        <a:buNone/>
-                        <a:tabLst/>
-                        <a:defRPr/>
-                      </a:pPr>
-                      <a:r>
-                        <a:rPr kumimoji="1" lang="en-US" altLang="ja-JP" sz="1200" b="1" i="0" u="none" strike="noStrike" kern="1200" baseline="0" dirty="0" smtClean="0">
-                          <a:solidFill>
-                            <a:schemeClr val="tx1"/>
-                          </a:solidFill>
-                          <a:latin typeface="+mn-lt"/>
-                          <a:ea typeface="+mn-ea"/>
-                          <a:cs typeface="+mn-cs"/>
-                        </a:rPr>
-                        <a:t>https://downloads.mariadb.com/MariaDB/mariadb_repo_setup</a:t>
-                      </a:r>
-                    </a:p>
-                  </a:txBody>
-                  <a:tcPr>
-                    <a:lnT w="12700" cap="flat" cmpd="sng" algn="ctr">
-                      <a:solidFill>
-                        <a:schemeClr val="bg1"/>
-                      </a:solidFill>
-                      <a:prstDash val="solid"/>
-                      <a:round/>
-                      <a:headEnd type="none" w="med" len="med"/>
-                      <a:tailEnd type="none" w="med" len="med"/>
-                    </a:lnT>
-                    <a:lnB w="12700" cap="flat" cmpd="sng" algn="ctr">
-                      <a:solidFill>
-                        <a:schemeClr val="bg1"/>
-                      </a:solidFill>
-                      <a:prstDash val="solid"/>
-                      <a:round/>
-                      <a:headEnd type="none" w="med" len="med"/>
-                      <a:tailEnd type="none" w="med" len="med"/>
-                    </a:lnB>
-                    <a:solidFill>
-                      <a:srgbClr val="E7E8EA"/>
-                    </a:solidFill>
-                  </a:tcPr>
-                </a:tc>
-                <a:extLst>
-                  <a:ext uri="{0D108BD9-81ED-4DB2-BD59-A6C34878D82A}">
-                    <a16:rowId xmlns="" xmlns:a16="http://schemas.microsoft.com/office/drawing/2014/main" val="10002"/>
-                  </a:ext>
-                </a:extLst>
-              </a:tr>
-              <a:tr h="236220">
-                <a:tc vMerge="1">
-                  <a:txBody>
-                    <a:bodyPr/>
-                    <a:lstStyle/>
-                    <a:p>
-                      <a:endParaRPr kumimoji="1" lang="ja-JP" altLang="en-US"/>
-                    </a:p>
-                  </a:txBody>
-                  <a:tcPr/>
-                </a:tc>
-                <a:tc>
-                  <a:txBody>
-                    <a:bodyPr/>
-                    <a:lstStyle/>
-                    <a:p>
-                      <a:pPr marL="0" marR="0" lvl="0" indent="0" algn="l" defTabSz="914400" rtl="0" eaLnBrk="1" fontAlgn="auto" latinLnBrk="0" hangingPunct="1">
-                        <a:lnSpc>
-                          <a:spcPct val="100000"/>
-                        </a:lnSpc>
-                        <a:spcBef>
-                          <a:spcPts val="0"/>
-                        </a:spcBef>
-                        <a:spcAft>
-                          <a:spcPts val="0"/>
-                        </a:spcAft>
-                        <a:buClrTx/>
-                        <a:buSzTx/>
-                        <a:buFontTx/>
-                        <a:buNone/>
-                        <a:tabLst/>
-                        <a:defRPr/>
-                      </a:pPr>
-                      <a:r>
-                        <a:rPr kumimoji="1" lang="en-US" altLang="ja-JP" sz="1200" b="1" i="0" u="none" strike="noStrike" kern="1200" baseline="0" dirty="0" smtClean="0">
-                          <a:solidFill>
-                            <a:schemeClr val="tx1"/>
-                          </a:solidFill>
-                          <a:latin typeface="+mn-lt"/>
-                          <a:ea typeface="+mn-ea"/>
-                          <a:cs typeface="+mn-cs"/>
-                        </a:rPr>
-                        <a:t>http://rpms.remirepo.net/enterprise/remi-release-7.rpm</a:t>
-                      </a:r>
-                      <a:endParaRPr kumimoji="1" lang="ja-JP" altLang="en-US" sz="1200" b="1" dirty="0" smtClean="0">
+                        <a:t>https://dl.fedoraproject.org/pub/epel/epel-release-latest-7.noarch.rpm</a:t>
+                      </a:r>
+                      <a:endParaRPr kumimoji="1" lang="en-US" altLang="ja-JP" sz="1200" b="1" i="0" kern="1200" dirty="0">
                         <a:solidFill>
-                          <a:schemeClr val="tx1"/>
+                          <a:schemeClr val="dk1"/>
                         </a:solidFill>
-                      </a:endParaRPr>
-                    </a:p>
-                  </a:txBody>
-                  <a:tcPr>
-                    <a:lnT w="12700" cap="flat" cmpd="sng" algn="ctr">
-                      <a:solidFill>
-                        <a:schemeClr val="bg1"/>
-                      </a:solidFill>
-                      <a:prstDash val="solid"/>
-                      <a:round/>
-                      <a:headEnd type="none" w="med" len="med"/>
-                      <a:tailEnd type="none" w="med" len="med"/>
-                    </a:lnT>
-                  </a:tcPr>
-                </a:tc>
-                <a:extLst>
-                  <a:ext uri="{0D108BD9-81ED-4DB2-BD59-A6C34878D82A}">
-                    <a16:rowId xmlns="" xmlns:a16="http://schemas.microsoft.com/office/drawing/2014/main" val="10003"/>
-                  </a:ext>
-                </a:extLst>
-              </a:tr>
-              <a:tr h="185420">
-                <a:tc rowSpan="3">
-                  <a:txBody>
-                    <a:bodyPr/>
-                    <a:lstStyle/>
-                    <a:p>
-                      <a:r>
-                        <a:rPr kumimoji="1" lang="en-US" altLang="ja-JP" sz="1200" b="1" dirty="0" smtClean="0"/>
-                        <a:t>RHEL6</a:t>
-                      </a:r>
-                      <a:endParaRPr kumimoji="1" lang="ja-JP" altLang="en-US" sz="1200" b="1" dirty="0"/>
-                    </a:p>
-                  </a:txBody>
-                  <a:tcPr anchor="ctr"/>
-                </a:tc>
-                <a:tc>
-                  <a:txBody>
-                    <a:bodyPr/>
-                    <a:lstStyle/>
-                    <a:p>
-                      <a:r>
-                        <a:rPr kumimoji="1" lang="en-US" altLang="ja-JP" sz="1200" b="1" dirty="0" smtClean="0">
-                          <a:solidFill>
-                            <a:schemeClr val="tx1"/>
-                          </a:solidFill>
-                        </a:rPr>
-                        <a:t>http://ftp-srv2.kddilabs.jp/Linux/distributions/fedora/epel/6/x86_64/Packages/</a:t>
-                      </a:r>
-                    </a:p>
-                    <a:p>
-                      <a:r>
-                        <a:rPr kumimoji="1" lang="en-US" altLang="ja-JP" sz="1200" b="1" dirty="0" smtClean="0">
-                          <a:solidFill>
-                            <a:schemeClr val="tx1"/>
-                          </a:solidFill>
-                        </a:rPr>
-                        <a:t>e/epel-release-6-8.noarch.rpm</a:t>
-                      </a:r>
-                      <a:endParaRPr kumimoji="1" lang="ja-JP" altLang="en-US" sz="1200" b="1" dirty="0">
-                        <a:solidFill>
-                          <a:schemeClr val="tx1"/>
-                        </a:solidFill>
+                        <a:effectLst/>
+                        <a:latin typeface="+mn-lt"/>
+                        <a:ea typeface="+mn-ea"/>
+                        <a:cs typeface="+mn-cs"/>
                       </a:endParaRPr>
                     </a:p>
                   </a:txBody>
@@ -8069,7 +7855,7 @@
                 </a:tc>
                 <a:extLst>
                   <a:ext uri="{0D108BD9-81ED-4DB2-BD59-A6C34878D82A}">
-                    <a16:rowId xmlns="" xmlns:a16="http://schemas.microsoft.com/office/drawing/2014/main" val="10004"/>
+                    <a16:rowId xmlns:a16="http://schemas.microsoft.com/office/drawing/2014/main" val="10004"/>
                   </a:ext>
                 </a:extLst>
               </a:tr>
@@ -8142,11 +7928,11 @@
                 </a:tc>
                 <a:extLst>
                   <a:ext uri="{0D108BD9-81ED-4DB2-BD59-A6C34878D82A}">
-                    <a16:rowId xmlns="" xmlns:a16="http://schemas.microsoft.com/office/drawing/2014/main" val="10005"/>
+                    <a16:rowId xmlns:a16="http://schemas.microsoft.com/office/drawing/2014/main" val="10005"/>
                   </a:ext>
                 </a:extLst>
               </a:tr>
-              <a:tr h="152400">
+              <a:tr h="298720">
                 <a:tc vMerge="1">
                   <a:txBody>
                     <a:bodyPr/>
@@ -8168,7 +7954,7 @@
                             <a:schemeClr val="tx1"/>
                           </a:solidFill>
                         </a:rPr>
-                        <a:t>http://rpms.remirepo.net/enterprise/remi-release-6.rpm</a:t>
+                        <a:t>http://rpms.remirepo.net/enterprise/remi-release-7.rpm</a:t>
                       </a:r>
                       <a:endParaRPr kumimoji="1" lang="ja-JP" altLang="en-US" sz="1200" b="1" dirty="0">
                         <a:solidFill>
@@ -8191,7 +7977,83 @@
                 </a:tc>
                 <a:extLst>
                   <a:ext uri="{0D108BD9-81ED-4DB2-BD59-A6C34878D82A}">
-                    <a16:rowId xmlns="" xmlns:a16="http://schemas.microsoft.com/office/drawing/2014/main" val="10006"/>
+                    <a16:rowId xmlns:a16="http://schemas.microsoft.com/office/drawing/2014/main" val="10006"/>
+                  </a:ext>
+                </a:extLst>
+              </a:tr>
+              <a:tr h="288040">
+                <a:tc>
+                  <a:txBody>
+                    <a:bodyPr/>
+                    <a:lstStyle/>
+                    <a:p>
+                      <a:pPr marL="0" marR="0" lvl="0" indent="0" algn="l" defTabSz="914400" rtl="0" eaLnBrk="1" fontAlgn="auto" latinLnBrk="0" hangingPunct="1">
+                        <a:lnSpc>
+                          <a:spcPct val="100000"/>
+                        </a:lnSpc>
+                        <a:spcBef>
+                          <a:spcPts val="0"/>
+                        </a:spcBef>
+                        <a:spcAft>
+                          <a:spcPts val="0"/>
+                        </a:spcAft>
+                        <a:buClrTx/>
+                        <a:buSzTx/>
+                        <a:buFontTx/>
+                        <a:buNone/>
+                        <a:tabLst/>
+                        <a:defRPr/>
+                      </a:pPr>
+                      <a:r>
+                        <a:rPr kumimoji="1" lang="en-US" altLang="ja-JP" sz="1200" b="1" dirty="0" smtClean="0"/>
+                        <a:t>RHEL8</a:t>
+                      </a:r>
+                      <a:endParaRPr kumimoji="1" lang="ja-JP" altLang="en-US" sz="1200" b="1" dirty="0" smtClean="0"/>
+                    </a:p>
+                  </a:txBody>
+                  <a:tcPr anchor="ctr"/>
+                </a:tc>
+                <a:tc>
+                  <a:txBody>
+                    <a:bodyPr/>
+                    <a:lstStyle/>
+                    <a:p>
+                      <a:pPr marL="0" marR="0" lvl="0" indent="0" algn="l" defTabSz="914400" rtl="0" eaLnBrk="1" fontAlgn="auto" latinLnBrk="0" hangingPunct="1">
+                        <a:lnSpc>
+                          <a:spcPct val="100000"/>
+                        </a:lnSpc>
+                        <a:spcBef>
+                          <a:spcPts val="0"/>
+                        </a:spcBef>
+                        <a:spcAft>
+                          <a:spcPts val="0"/>
+                        </a:spcAft>
+                        <a:buClrTx/>
+                        <a:buSzTx/>
+                        <a:buFontTx/>
+                        <a:buNone/>
+                        <a:tabLst/>
+                        <a:defRPr/>
+                      </a:pPr>
+                      <a:r>
+                        <a:rPr kumimoji="1" lang="en-US" altLang="ja-JP" sz="1200" b="1" i="0" kern="1200" dirty="0" smtClean="0">
+                          <a:solidFill>
+                            <a:schemeClr val="dk1"/>
+                          </a:solidFill>
+                          <a:effectLst/>
+                          <a:latin typeface="+mn-lt"/>
+                          <a:ea typeface="+mn-ea"/>
+                          <a:cs typeface="+mn-cs"/>
+                        </a:rPr>
+                        <a:t>https://dl.fedoraproject.org/pub/epel/epel-release-latest-8.noarch.rpm</a:t>
+                      </a:r>
+                    </a:p>
+                  </a:txBody>
+                  <a:tcPr/>
+                </a:tc>
+                <a:extLst>
+                  <a:ext uri="{0D108BD9-81ED-4DB2-BD59-A6C34878D82A}">
+                    <a16:rowId xmlns:a16="http://schemas.microsoft.com/office/drawing/2014/main" val="436435856"/>
                   </a:ext>
                 </a:extLst>
               </a:tr>
@@ -8216,12 +8078,20 @@
                     <a:lstStyle/>
                     <a:p>
                       <a:r>
+                        <a:rPr kumimoji="1" lang="en-US" altLang="ja-JP" sz="1200" b="1" dirty="0" err="1" smtClean="0">
+                          <a:solidFill>
+                            <a:schemeClr val="tx1"/>
+                          </a:solidFill>
+                        </a:rPr>
+                        <a:t>epel</a:t>
+                      </a:r>
+                      <a:r>
                         <a:rPr kumimoji="1" lang="en-US" altLang="ja-JP" sz="1200" b="1" dirty="0" smtClean="0">
                           <a:solidFill>
                             <a:schemeClr val="tx1"/>
                           </a:solidFill>
                         </a:rPr>
-                        <a:t>epel-release</a:t>
+                        <a:t>-release</a:t>
                       </a:r>
                       <a:endParaRPr kumimoji="1" lang="ja-JP" altLang="en-US" sz="1200" b="1" dirty="0">
                         <a:solidFill>
@@ -8244,7 +8114,7 @@
                 </a:tc>
                 <a:extLst>
                   <a:ext uri="{0D108BD9-81ED-4DB2-BD59-A6C34878D82A}">
-                    <a16:rowId xmlns="" xmlns:a16="http://schemas.microsoft.com/office/drawing/2014/main" val="10007"/>
+                    <a16:rowId xmlns:a16="http://schemas.microsoft.com/office/drawing/2014/main" val="10010"/>
                   </a:ext>
                 </a:extLst>
               </a:tr>
@@ -8317,7 +8187,7 @@
                 </a:tc>
                 <a:extLst>
                   <a:ext uri="{0D108BD9-81ED-4DB2-BD59-A6C34878D82A}">
-                    <a16:rowId xmlns="" xmlns:a16="http://schemas.microsoft.com/office/drawing/2014/main" val="10008"/>
+                    <a16:rowId xmlns:a16="http://schemas.microsoft.com/office/drawing/2014/main" val="10011"/>
                   </a:ext>
                 </a:extLst>
               </a:tr>
@@ -8338,134 +8208,8 @@
                     <a:lstStyle/>
                     <a:p>
                       <a:r>
-                        <a:rPr kumimoji="1" lang="en-US" altLang="ja-JP" sz="1200" b="1" dirty="0" smtClean="0">
-                          <a:solidFill>
-                            <a:schemeClr val="tx1"/>
-                          </a:solidFill>
-                        </a:rPr>
+                        <a:rPr kumimoji="1" lang="en-US" altLang="ja-JP" sz="1200" b="1" dirty="0" smtClean="0"/>
                         <a:t>http://rpms.remirepo.net/enterprise/remi-release-7.rpm</a:t>
-                      </a:r>
-                      <a:endParaRPr kumimoji="1" lang="ja-JP" altLang="en-US" sz="1200" b="1" dirty="0">
-                        <a:solidFill>
-                          <a:schemeClr val="tx1"/>
-                        </a:solidFill>
-                      </a:endParaRPr>
-                    </a:p>
-                  </a:txBody>
-                  <a:tcPr>
-                    <a:lnT w="12700" cap="flat" cmpd="sng" algn="ctr">
-                      <a:solidFill>
-                        <a:schemeClr val="bg1"/>
-                      </a:solidFill>
-                      <a:prstDash val="solid"/>
-                      <a:round/>
-                      <a:headEnd type="none" w="med" len="med"/>
-                      <a:tailEnd type="none" w="med" len="med"/>
-                    </a:lnT>
-                  </a:tcPr>
-                </a:tc>
-                <a:extLst>
-                  <a:ext uri="{0D108BD9-81ED-4DB2-BD59-A6C34878D82A}">
-                    <a16:rowId xmlns="" xmlns:a16="http://schemas.microsoft.com/office/drawing/2014/main" val="10009"/>
-                  </a:ext>
-                </a:extLst>
-              </a:tr>
-              <a:tr h="185420">
-                <a:tc rowSpan="3">
-                  <a:txBody>
-                    <a:bodyPr/>
-                    <a:lstStyle/>
-                    <a:p>
-                      <a:r>
-                        <a:rPr kumimoji="1" lang="en-US" altLang="ja-JP" sz="1200" b="1" dirty="0" smtClean="0"/>
-                        <a:t>CentOS6</a:t>
-                      </a:r>
-                      <a:endParaRPr kumimoji="1" lang="ja-JP" altLang="en-US" sz="1200" b="1" dirty="0"/>
-                    </a:p>
-                  </a:txBody>
-                  <a:tcPr anchor="ctr"/>
-                </a:tc>
-                <a:tc>
-                  <a:txBody>
-                    <a:bodyPr/>
-                    <a:lstStyle/>
-                    <a:p>
-                      <a:r>
-                        <a:rPr kumimoji="1" lang="en-US" altLang="ja-JP" sz="1200" b="1" dirty="0" smtClean="0">
-                          <a:solidFill>
-                            <a:schemeClr val="tx1"/>
-                          </a:solidFill>
-                        </a:rPr>
-                        <a:t>epel-release</a:t>
-                      </a:r>
-                      <a:endParaRPr kumimoji="1" lang="ja-JP" altLang="en-US" sz="1200" b="1" dirty="0">
-                        <a:solidFill>
-                          <a:schemeClr val="tx1"/>
-                        </a:solidFill>
-                      </a:endParaRPr>
-                    </a:p>
-                  </a:txBody>
-                  <a:tcPr>
-                    <a:lnB w="12700" cap="flat" cmpd="sng" algn="ctr">
-                      <a:solidFill>
-                        <a:schemeClr val="bg1"/>
-                      </a:solidFill>
-                      <a:prstDash val="solid"/>
-                      <a:round/>
-                      <a:headEnd type="none" w="med" len="med"/>
-                      <a:tailEnd type="none" w="med" len="med"/>
-                    </a:lnB>
-                  </a:tcPr>
-                </a:tc>
-                <a:extLst>
-                  <a:ext uri="{0D108BD9-81ED-4DB2-BD59-A6C34878D82A}">
-                    <a16:rowId xmlns="" xmlns:a16="http://schemas.microsoft.com/office/drawing/2014/main" val="10010"/>
-                  </a:ext>
-                </a:extLst>
-              </a:tr>
-              <a:tr h="152400">
-                <a:tc vMerge="1">
-                  <a:txBody>
-                    <a:bodyPr/>
-                    <a:lstStyle/>
-                    <a:p>
-                      <a:endParaRPr kumimoji="1" lang="ja-JP" altLang="en-US"/>
-                    </a:p>
-                  </a:txBody>
-                  <a:tcPr/>
-                </a:tc>
-                <a:tc>
-                  <a:txBody>
-                    <a:bodyPr/>
-                    <a:lstStyle/>
-                    <a:p>
-                      <a:pPr marL="0" marR="0" lvl="0" indent="0" algn="l" defTabSz="914400" rtl="0" eaLnBrk="1" fontAlgn="auto" latinLnBrk="0" hangingPunct="1">
-                        <a:lnSpc>
-                          <a:spcPct val="100000"/>
-                        </a:lnSpc>
-                        <a:spcBef>
-                          <a:spcPts val="0"/>
-                        </a:spcBef>
-                        <a:spcAft>
-                          <a:spcPts val="0"/>
-                        </a:spcAft>
-                        <a:buClrTx/>
-                        <a:buSzTx/>
-                        <a:buFontTx/>
-                        <a:buNone/>
-                        <a:tabLst/>
-                        <a:defRPr/>
-                      </a:pPr>
-                      <a:r>
-                        <a:rPr kumimoji="1" lang="en-US" altLang="ja-JP" sz="1200" b="1" i="0" u="none" strike="noStrike" kern="1200" baseline="0" dirty="0" smtClean="0">
-                          <a:solidFill>
-                            <a:schemeClr val="tx1"/>
-                          </a:solidFill>
-                          <a:latin typeface="+mn-lt"/>
-                          <a:ea typeface="+mn-ea"/>
-                          <a:cs typeface="+mn-cs"/>
-                        </a:rPr>
-                        <a:t>https://downloads.mariadb.com/MariaDB/mariadb_repo_setup</a:t>
                       </a:r>
                     </a:p>
                   </a:txBody>
@@ -8492,31 +8236,68 @@
                 </a:tc>
                 <a:extLst>
                   <a:ext uri="{0D108BD9-81ED-4DB2-BD59-A6C34878D82A}">
-                    <a16:rowId xmlns="" xmlns:a16="http://schemas.microsoft.com/office/drawing/2014/main" val="10011"/>
+                    <a16:rowId xmlns:a16="http://schemas.microsoft.com/office/drawing/2014/main" val="10012"/>
                   </a:ext>
                 </a:extLst>
               </a:tr>
               <a:tr h="152400">
-                <a:tc vMerge="1">
+                <a:tc>
                   <a:txBody>
                     <a:bodyPr/>
                     <a:lstStyle/>
                     <a:p>
-                      <a:endParaRPr kumimoji="1" lang="ja-JP" altLang="en-US"/>
+                      <a:r>
+                        <a:rPr kumimoji="1" lang="en-US" altLang="ja-JP" sz="1200" b="1" dirty="0" smtClean="0"/>
+                        <a:t>CentOS8</a:t>
+                      </a:r>
+                      <a:endParaRPr kumimoji="1" lang="ja-JP" altLang="en-US" sz="1200" b="1" dirty="0"/>
                     </a:p>
                   </a:txBody>
-                  <a:tcPr/>
+                  <a:tcPr anchor="ctr"/>
                 </a:tc>
                 <a:tc>
                   <a:txBody>
                     <a:bodyPr/>
                     <a:lstStyle/>
                     <a:p>
-                      <a:r>
-                        <a:rPr kumimoji="1" lang="en-US" altLang="ja-JP" sz="1200" b="1" dirty="0" smtClean="0"/>
-                        <a:t>http://rpms.remirepo.net/enterprise/remi-release-6.rpm</a:t>
-                      </a:r>
-                      <a:endParaRPr kumimoji="1" lang="ja-JP" altLang="en-US" sz="1200" b="1" dirty="0"/>
+                      <a:pPr marL="0" marR="0" lvl="0" indent="0" algn="l" defTabSz="914400" rtl="0" eaLnBrk="1" fontAlgn="auto" latinLnBrk="0" hangingPunct="1">
+                        <a:lnSpc>
+                          <a:spcPct val="100000"/>
+                        </a:lnSpc>
+                        <a:spcBef>
+                          <a:spcPts val="0"/>
+                        </a:spcBef>
+                        <a:spcAft>
+                          <a:spcPts val="0"/>
+                        </a:spcAft>
+                        <a:buClrTx/>
+                        <a:buSzTx/>
+                        <a:buFontTx/>
+                        <a:buNone/>
+                        <a:tabLst/>
+                        <a:defRPr/>
+                      </a:pPr>
+                      <a:r>
+                        <a:rPr kumimoji="1" lang="en-US" altLang="ja-JP" sz="1200" b="1" dirty="0" err="1" smtClean="0">
+                          <a:solidFill>
+                            <a:schemeClr val="tx1"/>
+                          </a:solidFill>
+                        </a:rPr>
+                        <a:t>epel</a:t>
+                      </a:r>
+                      <a:r>
+                        <a:rPr kumimoji="1" lang="en-US" altLang="ja-JP" sz="1200" b="1" dirty="0" smtClean="0">
+                          <a:solidFill>
+                            <a:schemeClr val="tx1"/>
+                          </a:solidFill>
+                        </a:rPr>
+                        <a:t>-release</a:t>
+                      </a:r>
+                      <a:endParaRPr kumimoji="1" lang="ja-JP" altLang="en-US" sz="1200" b="1" dirty="0" smtClean="0">
+                        <a:solidFill>
+                          <a:schemeClr val="tx1"/>
+                        </a:solidFill>
+                      </a:endParaRPr>
                     </a:p>
                   </a:txBody>
                   <a:tcPr>
@@ -8529,11 +8310,20 @@
                       <a:headEnd type="none" w="med" len="med"/>
                       <a:tailEnd type="none" w="med" len="med"/>
                     </a:lnT>
+                    <a:lnB w="12700" cap="flat" cmpd="sng" algn="ctr">
+                      <a:solidFill>
+                        <a:schemeClr val="bg1"/>
+                      </a:solidFill>
+                      <a:prstDash val="solid"/>
+                      <a:round/>
+                      <a:headEnd type="none" w="med" len="med"/>
+                      <a:tailEnd type="none" w="med" len="med"/>
+                    </a:lnB>
                   </a:tcPr>
                 </a:tc>
                 <a:extLst>
                   <a:ext uri="{0D108BD9-81ED-4DB2-BD59-A6C34878D82A}">
-                    <a16:rowId xmlns="" xmlns:a16="http://schemas.microsoft.com/office/drawing/2014/main" val="10012"/>
+                    <a16:rowId xmlns:a16="http://schemas.microsoft.com/office/drawing/2014/main" val="2074752295"/>
                   </a:ext>
                 </a:extLst>
               </a:tr>
@@ -8700,21 +8490,21 @@
                 <a:gridCol w="2586972">
                   <a:extLst>
                     <a:ext uri="{9D8B030D-6E8A-4147-A177-3AD203B41FA5}">
-                      <a16:colId xmlns="" xmlns:a16="http://schemas.microsoft.com/office/drawing/2014/main" val="20000"/>
+                      <a16:colId xmlns:a16="http://schemas.microsoft.com/office/drawing/2014/main" val="20000"/>
                     </a:ext>
                   </a:extLst>
                 </a:gridCol>
                 <a:gridCol w="2389134">
                   <a:extLst>
                     <a:ext uri="{9D8B030D-6E8A-4147-A177-3AD203B41FA5}">
-                      <a16:colId xmlns="" xmlns:a16="http://schemas.microsoft.com/office/drawing/2014/main" val="20001"/>
+                      <a16:colId xmlns:a16="http://schemas.microsoft.com/office/drawing/2014/main" val="20001"/>
                     </a:ext>
                   </a:extLst>
                 </a:gridCol>
                 <a:gridCol w="3773110">
                   <a:extLst>
                     <a:ext uri="{9D8B030D-6E8A-4147-A177-3AD203B41FA5}">
-                      <a16:colId xmlns="" xmlns:a16="http://schemas.microsoft.com/office/drawing/2014/main" val="20002"/>
+                      <a16:colId xmlns:a16="http://schemas.microsoft.com/office/drawing/2014/main" val="20002"/>
                     </a:ext>
                   </a:extLst>
                 </a:gridCol>
@@ -8818,7 +8608,7 @@
                 </a:tc>
                 <a:extLst>
                   <a:ext uri="{0D108BD9-81ED-4DB2-BD59-A6C34878D82A}">
-                    <a16:rowId xmlns="" xmlns:a16="http://schemas.microsoft.com/office/drawing/2014/main" val="10000"/>
+                    <a16:rowId xmlns:a16="http://schemas.microsoft.com/office/drawing/2014/main" val="10000"/>
                   </a:ext>
                 </a:extLst>
               </a:tr>
@@ -8951,7 +8741,7 @@
                 </a:tc>
                 <a:extLst>
                   <a:ext uri="{0D108BD9-81ED-4DB2-BD59-A6C34878D82A}">
-                    <a16:rowId xmlns="" xmlns:a16="http://schemas.microsoft.com/office/drawing/2014/main" val="10001"/>
+                    <a16:rowId xmlns:a16="http://schemas.microsoft.com/office/drawing/2014/main" val="10001"/>
                   </a:ext>
                 </a:extLst>
               </a:tr>
@@ -9109,7 +8899,7 @@
                 </a:tc>
                 <a:extLst>
                   <a:ext uri="{0D108BD9-81ED-4DB2-BD59-A6C34878D82A}">
-                    <a16:rowId xmlns="" xmlns:a16="http://schemas.microsoft.com/office/drawing/2014/main" val="10002"/>
+                    <a16:rowId xmlns:a16="http://schemas.microsoft.com/office/drawing/2014/main" val="10002"/>
                   </a:ext>
                 </a:extLst>
               </a:tr>
@@ -9267,7 +9057,7 @@
                 </a:tc>
                 <a:extLst>
                   <a:ext uri="{0D108BD9-81ED-4DB2-BD59-A6C34878D82A}">
-                    <a16:rowId xmlns="" xmlns:a16="http://schemas.microsoft.com/office/drawing/2014/main" val="10003"/>
+                    <a16:rowId xmlns:a16="http://schemas.microsoft.com/office/drawing/2014/main" val="10003"/>
                   </a:ext>
                 </a:extLst>
               </a:tr>
@@ -9400,7 +9190,7 @@
                 </a:tc>
                 <a:extLst>
                   <a:ext uri="{0D108BD9-81ED-4DB2-BD59-A6C34878D82A}">
-                    <a16:rowId xmlns="" xmlns:a16="http://schemas.microsoft.com/office/drawing/2014/main" val="10004"/>
+                    <a16:rowId xmlns:a16="http://schemas.microsoft.com/office/drawing/2014/main" val="10004"/>
                   </a:ext>
                 </a:extLst>
               </a:tr>
@@ -9551,7 +9341,7 @@
                 </a:tc>
                 <a:extLst>
                   <a:ext uri="{0D108BD9-81ED-4DB2-BD59-A6C34878D82A}">
-                    <a16:rowId xmlns="" xmlns:a16="http://schemas.microsoft.com/office/drawing/2014/main" val="10005"/>
+                    <a16:rowId xmlns:a16="http://schemas.microsoft.com/office/drawing/2014/main" val="10005"/>
                   </a:ext>
                 </a:extLst>
               </a:tr>
@@ -9684,7 +9474,7 @@
                 </a:tc>
                 <a:extLst>
                   <a:ext uri="{0D108BD9-81ED-4DB2-BD59-A6C34878D82A}">
-                    <a16:rowId xmlns="" xmlns:a16="http://schemas.microsoft.com/office/drawing/2014/main" val="10006"/>
+                    <a16:rowId xmlns:a16="http://schemas.microsoft.com/office/drawing/2014/main" val="10006"/>
                   </a:ext>
                 </a:extLst>
               </a:tr>
@@ -11101,12 +10891,40 @@
         </p:spPr>
         <p:txBody>
           <a:bodyPr>
-            <a:normAutofit/>
+            <a:normAutofit lnSpcReduction="10000"/>
           </a:bodyPr>
           <a:lstStyle/>
           <a:p>
+            <a:pPr marL="0" indent="0">
+              <a:buNone/>
+            </a:pPr>
             <a:r>
               <a:rPr lang="en-US" altLang="ja-JP" dirty="0" smtClean="0"/>
+              <a:t>*</a:t>
+            </a:r>
+            <a:r>
+              <a:rPr lang="ja-JP" altLang="en-US" dirty="0" smtClean="0"/>
+              <a:t>環境構築ユーザーは</a:t>
+            </a:r>
+            <a:r>
+              <a:rPr lang="en-US" altLang="ja-JP" dirty="0" smtClean="0"/>
+              <a:t>root</a:t>
+            </a:r>
+            <a:r>
+              <a:rPr lang="ja-JP" altLang="en-US" dirty="0" smtClean="0"/>
+              <a:t>ユーザーで実施すること。</a:t>
+            </a:r>
+            <a:endParaRPr lang="en-US" altLang="ja-JP" dirty="0" smtClean="0"/>
+          </a:p>
+          <a:p>
+            <a:pPr marL="0" indent="0">
+              <a:buNone/>
+            </a:pPr>
+            <a:endParaRPr lang="en-US" altLang="ja-JP" dirty="0" smtClean="0"/>
+          </a:p>
+          <a:p>
+            <a:r>
+              <a:rPr lang="en-US" altLang="ja-JP" dirty="0" err="1" smtClean="0"/>
               <a:t>Github</a:t>
             </a:r>
             <a:r>
@@ -11144,8 +10962,12 @@
               <a:rPr lang="en-US" altLang="ja-JP" dirty="0" smtClean="0"/>
             </a:br>
             <a:r>
+              <a:rPr lang="en-US" altLang="ja-JP" sz="1400" dirty="0"/>
+              <a:t>#</a:t>
+            </a:r>
+            <a:r>
               <a:rPr lang="en-US" altLang="ja-JP" sz="1400" dirty="0" smtClean="0"/>
-              <a:t>$ wget </a:t>
+              <a:t> wget </a:t>
             </a:r>
             <a:r>
               <a:rPr lang="en-US" altLang="ja-JP" sz="1400" dirty="0"/>
@@ -11264,8 +11086,12 @@
               <a:rPr lang="en-US" altLang="ja-JP" dirty="0"/>
             </a:br>
             <a:r>
+              <a:rPr lang="en-US" altLang="ja-JP" sz="1400" dirty="0"/>
+              <a:t>#</a:t>
+            </a:r>
+            <a:r>
               <a:rPr lang="en-US" altLang="ja-JP" sz="1400" dirty="0" smtClean="0"/>
-              <a:t>$ </a:t>
+              <a:t> </a:t>
             </a:r>
             <a:r>
               <a:rPr lang="en-US" altLang="ja-JP" sz="1400" dirty="0"/>
@@ -11300,7 +11126,7 @@
             </a:br>
             <a:r>
               <a:rPr lang="en-US" altLang="ja-JP" sz="1400" dirty="0" smtClean="0"/>
-              <a:t>$ find ./it-automation-</a:t>
+              <a:t># find ./it-automation-</a:t>
             </a:r>
             <a:r>
               <a:rPr lang="en-US" altLang="ja-JP" sz="1400" dirty="0" err="1" smtClean="0">
@@ -11368,11 +11194,11 @@
             </a:br>
             <a:r>
               <a:rPr lang="en-US" altLang="ja-JP" sz="1400" dirty="0"/>
-              <a:t>$ </a:t>
+              <a:t>#</a:t>
             </a:r>
             <a:r>
               <a:rPr lang="en-US" altLang="ja-JP" sz="1400" dirty="0" smtClean="0"/>
-              <a:t>cd it-automation-</a:t>
+              <a:t> cd it-automation-</a:t>
             </a:r>
             <a:r>
               <a:rPr lang="en-US" altLang="ja-JP" sz="1400" dirty="0" err="1" smtClean="0">
@@ -11600,12 +11426,16 @@
             <a:graphicFrameLocks noGrp="1"/>
           </p:cNvGraphicFramePr>
           <p:nvPr>
-            <p:extLst/>
+            <p:extLst>
+              <p:ext uri="{D42A27DB-BD31-4B8C-83A1-F6EECF244321}">
+                <p14:modId xmlns:p14="http://schemas.microsoft.com/office/powerpoint/2010/main" val="3283779187"/>
+              </p:ext>
+            </p:extLst>
           </p:nvPr>
         </p:nvGraphicFramePr>
         <p:xfrm>
           <a:off x="179512" y="1844781"/>
-          <a:ext cx="8784000" cy="4608409"/>
+          <a:ext cx="8784000" cy="1929101"/>
         </p:xfrm>
         <a:graphic>
           <a:graphicData uri="http://schemas.openxmlformats.org/drawingml/2006/table">
@@ -11617,28 +11447,28 @@
                 <a:gridCol w="1800128">
                   <a:extLst>
                     <a:ext uri="{9D8B030D-6E8A-4147-A177-3AD203B41FA5}">
-                      <a16:colId xmlns="" xmlns:a16="http://schemas.microsoft.com/office/drawing/2014/main" val="20000"/>
+                      <a16:colId xmlns:a16="http://schemas.microsoft.com/office/drawing/2014/main" val="20000"/>
                     </a:ext>
                   </a:extLst>
                 </a:gridCol>
                 <a:gridCol w="2139459">
                   <a:extLst>
                     <a:ext uri="{9D8B030D-6E8A-4147-A177-3AD203B41FA5}">
-                      <a16:colId xmlns="" xmlns:a16="http://schemas.microsoft.com/office/drawing/2014/main" val="20001"/>
+                      <a16:colId xmlns:a16="http://schemas.microsoft.com/office/drawing/2014/main" val="20001"/>
                     </a:ext>
                   </a:extLst>
                 </a:gridCol>
                 <a:gridCol w="596921">
                   <a:extLst>
                     <a:ext uri="{9D8B030D-6E8A-4147-A177-3AD203B41FA5}">
-                      <a16:colId xmlns="" xmlns:a16="http://schemas.microsoft.com/office/drawing/2014/main" val="20002"/>
+                      <a16:colId xmlns:a16="http://schemas.microsoft.com/office/drawing/2014/main" val="20002"/>
                     </a:ext>
                   </a:extLst>
                 </a:gridCol>
                 <a:gridCol w="4247492">
                   <a:extLst>
                     <a:ext uri="{9D8B030D-6E8A-4147-A177-3AD203B41FA5}">
-                      <a16:colId xmlns="" xmlns:a16="http://schemas.microsoft.com/office/drawing/2014/main" val="20003"/>
+                      <a16:colId xmlns:a16="http://schemas.microsoft.com/office/drawing/2014/main" val="20003"/>
                     </a:ext>
                   </a:extLst>
                 </a:gridCol>
@@ -11655,13 +11485,22 @@
                         </a:spcAft>
                       </a:pPr>
                       <a:r>
-                        <a:rPr lang="ja-JP" sz="1000" kern="100" dirty="0">
+                        <a:rPr lang="ja-JP" sz="1000" kern="100" dirty="0" smtClean="0">
                           <a:solidFill>
                             <a:schemeClr val="bg1"/>
                           </a:solidFill>
                           <a:effectLst/>
                         </a:rPr>
                         <a:t>種目</a:t>
+                      </a:r>
+                      <a:r>
+                        <a:rPr lang="en-US" altLang="ja-JP" sz="1000" kern="100" dirty="0" smtClean="0">
+                          <a:solidFill>
+                            <a:schemeClr val="bg1"/>
+                          </a:solidFill>
+                          <a:effectLst/>
+                        </a:rPr>
+                        <a:t>7</a:t>
                       </a:r>
                       <a:endParaRPr lang="ja-JP" sz="1000" kern="100" dirty="0">
                         <a:solidFill>
@@ -11790,7 +11629,7 @@
                 </a:tc>
                 <a:extLst>
                   <a:ext uri="{0D108BD9-81ED-4DB2-BD59-A6C34878D82A}">
-                    <a16:rowId xmlns="" xmlns:a16="http://schemas.microsoft.com/office/drawing/2014/main" val="10000"/>
+                    <a16:rowId xmlns:a16="http://schemas.microsoft.com/office/drawing/2014/main" val="10000"/>
                   </a:ext>
                 </a:extLst>
               </a:tr>
@@ -11939,7 +11778,13 @@
                         <a:rPr lang="en-US" sz="900" kern="100" dirty="0">
                           <a:effectLst/>
                         </a:rPr>
-                        <a:t>("CentOS6","CentOS7","RHEL6","RHEL7")</a:t>
+                        <a:t>("</a:t>
+                      </a:r>
+                      <a:r>
+                        <a:rPr lang="en-US" sz="900" kern="100" dirty="0" smtClean="0">
+                          <a:effectLst/>
+                        </a:rPr>
+                        <a:t>CentOS7","CentOS8","RHEL7","RHEL8")</a:t>
                       </a:r>
                       <a:endParaRPr lang="ja-JP" sz="900" kern="100" dirty="0">
                         <a:effectLst/>
@@ -11957,7 +11802,7 @@
                 </a:tc>
                 <a:extLst>
                   <a:ext uri="{0D108BD9-81ED-4DB2-BD59-A6C34878D82A}">
-                    <a16:rowId xmlns="" xmlns:a16="http://schemas.microsoft.com/office/drawing/2014/main" val="10001"/>
+                    <a16:rowId xmlns:a16="http://schemas.microsoft.com/office/drawing/2014/main" val="10001"/>
                   </a:ext>
                 </a:extLst>
               </a:tr>
@@ -12132,7 +11977,7 @@
                 </a:tc>
                 <a:extLst>
                   <a:ext uri="{0D108BD9-81ED-4DB2-BD59-A6C34878D82A}">
-                    <a16:rowId xmlns="" xmlns:a16="http://schemas.microsoft.com/office/drawing/2014/main" val="10002"/>
+                    <a16:rowId xmlns:a16="http://schemas.microsoft.com/office/drawing/2014/main" val="10002"/>
                   </a:ext>
                 </a:extLst>
               </a:tr>
@@ -12307,7 +12152,7 @@
                 </a:tc>
                 <a:extLst>
                   <a:ext uri="{0D108BD9-81ED-4DB2-BD59-A6C34878D82A}">
-                    <a16:rowId xmlns="" xmlns:a16="http://schemas.microsoft.com/office/drawing/2014/main" val="10003"/>
+                    <a16:rowId xmlns:a16="http://schemas.microsoft.com/office/drawing/2014/main" val="10003"/>
                   </a:ext>
                 </a:extLst>
               </a:tr>
@@ -12488,1450 +12333,7 @@
                 </a:tc>
                 <a:extLst>
                   <a:ext uri="{0D108BD9-81ED-4DB2-BD59-A6C34878D82A}">
-                    <a16:rowId xmlns="" xmlns:a16="http://schemas.microsoft.com/office/drawing/2014/main" val="10004"/>
-                  </a:ext>
-                </a:extLst>
-              </a:tr>
-              <a:tr h="321517">
-                <a:tc>
-                  <a:txBody>
-                    <a:bodyPr/>
-                    <a:lstStyle/>
-                    <a:p>
-                      <a:pPr algn="just">
-                        <a:spcAft>
-                          <a:spcPts val="0"/>
-                        </a:spcAft>
-                      </a:pPr>
-                      <a:r>
-                        <a:rPr lang="en-US" sz="1000" kern="100" dirty="0" smtClean="0">
-                          <a:solidFill>
-                            <a:schemeClr val="bg1"/>
-                          </a:solidFill>
-                          <a:effectLst/>
-                        </a:rPr>
-                        <a:t>server_address</a:t>
-                      </a:r>
-                      <a:endParaRPr lang="ja-JP" sz="1000" kern="100" dirty="0">
-                        <a:solidFill>
-                          <a:schemeClr val="bg1"/>
-                        </a:solidFill>
-                        <a:effectLst/>
-                      </a:endParaRPr>
-                    </a:p>
-                  </a:txBody>
-                  <a:tcPr marL="55979" marR="55979" marT="0" marB="0" anchor="ctr">
-                    <a:solidFill>
-                      <a:srgbClr val="002B62"/>
-                    </a:solidFill>
-                  </a:tcPr>
-                </a:tc>
-                <a:tc>
-                  <a:txBody>
-                    <a:bodyPr/>
-                    <a:lstStyle/>
-                    <a:p>
-                      <a:pPr algn="l">
-                        <a:spcAft>
-                          <a:spcPts val="0"/>
-                        </a:spcAft>
-                      </a:pPr>
-                      <a:r>
-                        <a:rPr lang="en-US" sz="900" kern="100" dirty="0">
-                          <a:effectLst/>
-                        </a:rPr>
-                        <a:t>cobbler</a:t>
-                      </a:r>
-                      <a:r>
-                        <a:rPr lang="ja-JP" sz="900" kern="100" dirty="0">
-                          <a:effectLst/>
-                        </a:rPr>
-                        <a:t>をインストールする場合必須</a:t>
-                      </a:r>
-                      <a:endParaRPr lang="ja-JP" sz="900" kern="100" dirty="0">
-                        <a:effectLst/>
-                        <a:latin typeface="Century" panose="02040604050505020304" pitchFamily="18" charset="0"/>
-                        <a:ea typeface="ＭＳ 明朝" panose="02020609040205080304" pitchFamily="17" charset="-128"/>
-                        <a:cs typeface="Times New Roman" panose="02020603050405020304" pitchFamily="18" charset="0"/>
-                      </a:endParaRPr>
-                    </a:p>
-                  </a:txBody>
-                  <a:tcPr marL="55979" marR="55979" marT="0" marB="0" anchor="ctr">
-                    <a:solidFill>
-                      <a:srgbClr val="CBCDD3"/>
-                    </a:solidFill>
-                  </a:tcPr>
-                </a:tc>
-                <a:tc>
-                  <a:txBody>
-                    <a:bodyPr/>
-                    <a:lstStyle/>
-                    <a:p>
-                      <a:pPr algn="just">
-                        <a:spcAft>
-                          <a:spcPts val="0"/>
-                        </a:spcAft>
-                      </a:pPr>
-                      <a:r>
-                        <a:rPr lang="en-US" sz="900" kern="100" dirty="0">
-                          <a:effectLst/>
-                        </a:rPr>
-                        <a:t>-</a:t>
-                      </a:r>
-                      <a:endParaRPr lang="ja-JP" sz="900" kern="100" dirty="0">
-                        <a:effectLst/>
-                        <a:latin typeface="Century" panose="02040604050505020304" pitchFamily="18" charset="0"/>
-                        <a:ea typeface="ＭＳ 明朝" panose="02020609040205080304" pitchFamily="17" charset="-128"/>
-                        <a:cs typeface="Times New Roman" panose="02020603050405020304" pitchFamily="18" charset="0"/>
-                      </a:endParaRPr>
-                    </a:p>
-                  </a:txBody>
-                  <a:tcPr marL="55979" marR="55979" marT="0" marB="0" anchor="ctr">
-                    <a:solidFill>
-                      <a:srgbClr val="CBCDD3"/>
-                    </a:solidFill>
-                  </a:tcPr>
-                </a:tc>
-                <a:tc>
-                  <a:txBody>
-                    <a:bodyPr/>
-                    <a:lstStyle/>
-                    <a:p>
-                      <a:pPr algn="just">
-                        <a:spcAft>
-                          <a:spcPts val="0"/>
-                        </a:spcAft>
-                      </a:pPr>
-                      <a:r>
-                        <a:rPr lang="en-US" sz="900" kern="100" dirty="0">
-                          <a:effectLst/>
-                        </a:rPr>
-                        <a:t>Cobbler</a:t>
-                      </a:r>
-                      <a:r>
-                        <a:rPr lang="ja-JP" sz="900" kern="100" dirty="0">
-                          <a:effectLst/>
-                        </a:rPr>
-                        <a:t>の</a:t>
-                      </a:r>
-                      <a:r>
-                        <a:rPr lang="en-US" sz="900" kern="100" dirty="0">
-                          <a:effectLst/>
-                        </a:rPr>
-                        <a:t>settings</a:t>
-                      </a:r>
-                      <a:r>
-                        <a:rPr lang="ja-JP" sz="900" kern="100" dirty="0">
-                          <a:effectLst/>
-                        </a:rPr>
-                        <a:t>ファイルに設定</a:t>
-                      </a:r>
-                      <a:r>
-                        <a:rPr lang="ja-JP" sz="900" kern="100" dirty="0" smtClean="0">
-                          <a:effectLst/>
-                        </a:rPr>
-                        <a:t>する</a:t>
-                      </a:r>
-                      <a:r>
-                        <a:rPr lang="en-US" altLang="ja-JP" sz="900" kern="100" dirty="0" smtClean="0">
-                          <a:effectLst/>
-                        </a:rPr>
-                        <a:t>ITA</a:t>
-                      </a:r>
-                      <a:r>
-                        <a:rPr lang="ja-JP" sz="900" kern="100" dirty="0" smtClean="0">
-                          <a:effectLst/>
-                        </a:rPr>
-                        <a:t>サーバ</a:t>
-                      </a:r>
-                      <a:r>
-                        <a:rPr lang="en-US" sz="900" kern="100" dirty="0">
-                          <a:effectLst/>
-                        </a:rPr>
-                        <a:t>(Cobbler</a:t>
-                      </a:r>
-                      <a:r>
-                        <a:rPr lang="ja-JP" sz="900" kern="100" dirty="0">
-                          <a:effectLst/>
-                        </a:rPr>
-                        <a:t>サーバ</a:t>
-                      </a:r>
-                      <a:r>
-                        <a:rPr lang="en-US" sz="900" kern="100" dirty="0">
-                          <a:effectLst/>
-                        </a:rPr>
-                        <a:t>)</a:t>
-                      </a:r>
-                      <a:r>
-                        <a:rPr lang="ja-JP" sz="900" kern="100" dirty="0">
-                          <a:effectLst/>
-                        </a:rPr>
-                        <a:t>の</a:t>
-                      </a:r>
-                      <a:r>
-                        <a:rPr lang="en-US" sz="900" kern="100" dirty="0">
-                          <a:effectLst/>
-                        </a:rPr>
-                        <a:t>IP</a:t>
-                      </a:r>
-                      <a:r>
-                        <a:rPr lang="ja-JP" sz="900" kern="100" dirty="0">
-                          <a:effectLst/>
-                        </a:rPr>
-                        <a:t>アドレス</a:t>
-                      </a:r>
-                      <a:endParaRPr lang="ja-JP" sz="900" kern="100" dirty="0">
-                        <a:effectLst/>
-                        <a:latin typeface="Century" panose="02040604050505020304" pitchFamily="18" charset="0"/>
-                        <a:ea typeface="ＭＳ 明朝" panose="02020609040205080304" pitchFamily="17" charset="-128"/>
-                        <a:cs typeface="Times New Roman" panose="02020603050405020304" pitchFamily="18" charset="0"/>
-                      </a:endParaRPr>
-                    </a:p>
-                  </a:txBody>
-                  <a:tcPr marL="55979" marR="55979" marT="0" marB="0" anchor="ctr">
-                    <a:solidFill>
-                      <a:srgbClr val="CBCDD3"/>
-                    </a:solidFill>
-                  </a:tcPr>
-                </a:tc>
-                <a:extLst>
-                  <a:ext uri="{0D108BD9-81ED-4DB2-BD59-A6C34878D82A}">
-                    <a16:rowId xmlns="" xmlns:a16="http://schemas.microsoft.com/office/drawing/2014/main" val="10005"/>
-                  </a:ext>
-                </a:extLst>
-              </a:tr>
-              <a:tr h="428689">
-                <a:tc>
-                  <a:txBody>
-                    <a:bodyPr/>
-                    <a:lstStyle/>
-                    <a:p>
-                      <a:pPr algn="just">
-                        <a:spcAft>
-                          <a:spcPts val="0"/>
-                        </a:spcAft>
-                      </a:pPr>
-                      <a:r>
-                        <a:rPr lang="en-US" sz="1000" kern="100" dirty="0" smtClean="0">
-                          <a:solidFill>
-                            <a:schemeClr val="bg1"/>
-                          </a:solidFill>
-                          <a:effectLst/>
-                        </a:rPr>
-                        <a:t>default_password</a:t>
-                      </a:r>
-                      <a:endParaRPr lang="ja-JP" sz="1000" kern="100" dirty="0">
-                        <a:solidFill>
-                          <a:schemeClr val="bg1"/>
-                        </a:solidFill>
-                        <a:effectLst/>
-                      </a:endParaRPr>
-                    </a:p>
-                  </a:txBody>
-                  <a:tcPr marL="55979" marR="55979" marT="0" marB="0" anchor="ctr">
-                    <a:solidFill>
-                      <a:srgbClr val="002B62"/>
-                    </a:solidFill>
-                  </a:tcPr>
-                </a:tc>
-                <a:tc>
-                  <a:txBody>
-                    <a:bodyPr/>
-                    <a:lstStyle/>
-                    <a:p>
-                      <a:pPr algn="l">
-                        <a:spcAft>
-                          <a:spcPts val="0"/>
-                        </a:spcAft>
-                      </a:pPr>
-                      <a:r>
-                        <a:rPr lang="en-US" sz="900" kern="100" dirty="0">
-                          <a:effectLst/>
-                        </a:rPr>
-                        <a:t>cobbler</a:t>
-                      </a:r>
-                      <a:r>
-                        <a:rPr lang="ja-JP" sz="900" kern="100" dirty="0">
-                          <a:effectLst/>
-                        </a:rPr>
-                        <a:t>をインストールする場合必須</a:t>
-                      </a:r>
-                      <a:endParaRPr lang="ja-JP" sz="900" kern="100" dirty="0">
-                        <a:effectLst/>
-                        <a:latin typeface="Century" panose="02040604050505020304" pitchFamily="18" charset="0"/>
-                        <a:ea typeface="ＭＳ 明朝" panose="02020609040205080304" pitchFamily="17" charset="-128"/>
-                        <a:cs typeface="Times New Roman" panose="02020603050405020304" pitchFamily="18" charset="0"/>
-                      </a:endParaRPr>
-                    </a:p>
-                  </a:txBody>
-                  <a:tcPr marL="55979" marR="55979" marT="0" marB="0" anchor="ctr">
-                    <a:solidFill>
-                      <a:srgbClr val="E7E8EA"/>
-                    </a:solidFill>
-                  </a:tcPr>
-                </a:tc>
-                <a:tc>
-                  <a:txBody>
-                    <a:bodyPr/>
-                    <a:lstStyle/>
-                    <a:p>
-                      <a:pPr algn="just">
-                        <a:spcAft>
-                          <a:spcPts val="0"/>
-                        </a:spcAft>
-                      </a:pPr>
-                      <a:r>
-                        <a:rPr lang="en-US" sz="900" kern="100" dirty="0">
-                          <a:effectLst/>
-                        </a:rPr>
-                        <a:t>-</a:t>
-                      </a:r>
-                      <a:endParaRPr lang="ja-JP" sz="900" kern="100" dirty="0">
-                        <a:effectLst/>
-                        <a:latin typeface="Century" panose="02040604050505020304" pitchFamily="18" charset="0"/>
-                        <a:ea typeface="ＭＳ 明朝" panose="02020609040205080304" pitchFamily="17" charset="-128"/>
-                        <a:cs typeface="Times New Roman" panose="02020603050405020304" pitchFamily="18" charset="0"/>
-                      </a:endParaRPr>
-                    </a:p>
-                  </a:txBody>
-                  <a:tcPr marL="55979" marR="55979" marT="0" marB="0" anchor="ctr">
-                    <a:solidFill>
-                      <a:srgbClr val="E7E8EA"/>
-                    </a:solidFill>
-                  </a:tcPr>
-                </a:tc>
-                <a:tc>
-                  <a:txBody>
-                    <a:bodyPr/>
-                    <a:lstStyle/>
-                    <a:p>
-                      <a:pPr algn="just">
-                        <a:spcAft>
-                          <a:spcPts val="0"/>
-                        </a:spcAft>
-                      </a:pPr>
-                      <a:r>
-                        <a:rPr lang="en-US" sz="900" kern="100" dirty="0">
-                          <a:effectLst/>
-                        </a:rPr>
-                        <a:t>Cobbler</a:t>
-                      </a:r>
-                      <a:r>
-                        <a:rPr lang="ja-JP" sz="900" kern="100" dirty="0">
-                          <a:effectLst/>
-                        </a:rPr>
-                        <a:t>の</a:t>
-                      </a:r>
-                      <a:r>
-                        <a:rPr lang="en-US" sz="900" kern="100" dirty="0">
-                          <a:effectLst/>
-                        </a:rPr>
-                        <a:t>settings</a:t>
-                      </a:r>
-                      <a:r>
-                        <a:rPr lang="ja-JP" sz="900" kern="100" dirty="0">
-                          <a:effectLst/>
-                        </a:rPr>
-                        <a:t>ファイルに設定する</a:t>
-                      </a:r>
-                      <a:r>
-                        <a:rPr lang="en-US" sz="900" kern="100" dirty="0">
-                          <a:effectLst/>
-                        </a:rPr>
-                        <a:t>OS</a:t>
-                      </a:r>
-                      <a:r>
-                        <a:rPr lang="ja-JP" sz="900" kern="100" dirty="0">
-                          <a:effectLst/>
-                        </a:rPr>
-                        <a:t>インストール対象サーバの</a:t>
-                      </a:r>
-                      <a:r>
-                        <a:rPr lang="en-US" sz="900" kern="100" dirty="0">
-                          <a:effectLst/>
-                        </a:rPr>
-                        <a:t>root</a:t>
-                      </a:r>
-                      <a:r>
-                        <a:rPr lang="ja-JP" sz="900" kern="100" dirty="0">
-                          <a:effectLst/>
-                        </a:rPr>
-                        <a:t>パスワード</a:t>
-                      </a:r>
-                    </a:p>
-                    <a:p>
-                      <a:pPr algn="just">
-                        <a:spcAft>
-                          <a:spcPts val="0"/>
-                        </a:spcAft>
-                      </a:pPr>
-                      <a:r>
-                        <a:rPr lang="ja-JP" sz="900" kern="100" dirty="0">
-                          <a:effectLst/>
-                        </a:rPr>
-                        <a:t>※入力した値をハッシュした値が</a:t>
-                      </a:r>
-                      <a:r>
-                        <a:rPr lang="en-US" sz="900" kern="100" dirty="0">
-                          <a:effectLst/>
-                        </a:rPr>
-                        <a:t>settings</a:t>
-                      </a:r>
-                      <a:r>
-                        <a:rPr lang="ja-JP" sz="900" kern="100" dirty="0">
-                          <a:effectLst/>
-                        </a:rPr>
-                        <a:t>ファイルに設定されます。</a:t>
-                      </a:r>
-                      <a:endParaRPr lang="ja-JP" sz="900" kern="100" dirty="0">
-                        <a:effectLst/>
-                        <a:latin typeface="Century" panose="02040604050505020304" pitchFamily="18" charset="0"/>
-                        <a:ea typeface="ＭＳ 明朝" panose="02020609040205080304" pitchFamily="17" charset="-128"/>
-                        <a:cs typeface="Times New Roman" panose="02020603050405020304" pitchFamily="18" charset="0"/>
-                      </a:endParaRPr>
-                    </a:p>
-                  </a:txBody>
-                  <a:tcPr marL="55979" marR="55979" marT="0" marB="0" anchor="ctr">
-                    <a:solidFill>
-                      <a:srgbClr val="E7E8EA"/>
-                    </a:solidFill>
-                  </a:tcPr>
-                </a:tc>
-                <a:extLst>
-                  <a:ext uri="{0D108BD9-81ED-4DB2-BD59-A6C34878D82A}">
-                    <a16:rowId xmlns="" xmlns:a16="http://schemas.microsoft.com/office/drawing/2014/main" val="10006"/>
-                  </a:ext>
-                </a:extLst>
-              </a:tr>
-              <a:tr h="321517">
-                <a:tc>
-                  <a:txBody>
-                    <a:bodyPr/>
-                    <a:lstStyle/>
-                    <a:p>
-                      <a:pPr algn="just">
-                        <a:spcAft>
-                          <a:spcPts val="0"/>
-                        </a:spcAft>
-                      </a:pPr>
-                      <a:r>
-                        <a:rPr lang="en-US" sz="1000" kern="100" dirty="0" smtClean="0">
-                          <a:solidFill>
-                            <a:schemeClr val="bg1"/>
-                          </a:solidFill>
-                          <a:effectLst/>
-                        </a:rPr>
-                        <a:t>cobbler_ip</a:t>
-                      </a:r>
-                      <a:endParaRPr lang="ja-JP" sz="1000" kern="100" dirty="0">
-                        <a:solidFill>
-                          <a:schemeClr val="bg1"/>
-                        </a:solidFill>
-                        <a:effectLst/>
-                      </a:endParaRPr>
-                    </a:p>
-                  </a:txBody>
-                  <a:tcPr marL="55979" marR="55979" marT="0" marB="0" anchor="ctr">
-                    <a:solidFill>
-                      <a:srgbClr val="002B62"/>
-                    </a:solidFill>
-                  </a:tcPr>
-                </a:tc>
-                <a:tc>
-                  <a:txBody>
-                    <a:bodyPr/>
-                    <a:lstStyle/>
-                    <a:p>
-                      <a:pPr algn="l">
-                        <a:spcAft>
-                          <a:spcPts val="0"/>
-                        </a:spcAft>
-                      </a:pPr>
-                      <a:r>
-                        <a:rPr lang="en-US" sz="900" kern="100" dirty="0">
-                          <a:effectLst/>
-                        </a:rPr>
-                        <a:t>cobbler</a:t>
-                      </a:r>
-                      <a:r>
-                        <a:rPr lang="ja-JP" sz="900" kern="100" dirty="0">
-                          <a:effectLst/>
-                        </a:rPr>
-                        <a:t>をインストールする場合必須</a:t>
-                      </a:r>
-                      <a:endParaRPr lang="ja-JP" sz="900" kern="100" dirty="0">
-                        <a:effectLst/>
-                        <a:latin typeface="Century" panose="02040604050505020304" pitchFamily="18" charset="0"/>
-                        <a:ea typeface="ＭＳ 明朝" panose="02020609040205080304" pitchFamily="17" charset="-128"/>
-                        <a:cs typeface="Times New Roman" panose="02020603050405020304" pitchFamily="18" charset="0"/>
-                      </a:endParaRPr>
-                    </a:p>
-                  </a:txBody>
-                  <a:tcPr marL="55979" marR="55979" marT="0" marB="0" anchor="ctr">
-                    <a:solidFill>
-                      <a:srgbClr val="CBCDD3"/>
-                    </a:solidFill>
-                  </a:tcPr>
-                </a:tc>
-                <a:tc>
-                  <a:txBody>
-                    <a:bodyPr/>
-                    <a:lstStyle/>
-                    <a:p>
-                      <a:pPr algn="just">
-                        <a:spcAft>
-                          <a:spcPts val="0"/>
-                        </a:spcAft>
-                      </a:pPr>
-                      <a:r>
-                        <a:rPr lang="en-US" sz="900" kern="100" dirty="0">
-                          <a:effectLst/>
-                        </a:rPr>
-                        <a:t>-</a:t>
-                      </a:r>
-                      <a:endParaRPr lang="ja-JP" sz="900" kern="100" dirty="0">
-                        <a:effectLst/>
-                        <a:latin typeface="Century" panose="02040604050505020304" pitchFamily="18" charset="0"/>
-                        <a:ea typeface="ＭＳ 明朝" panose="02020609040205080304" pitchFamily="17" charset="-128"/>
-                        <a:cs typeface="Times New Roman" panose="02020603050405020304" pitchFamily="18" charset="0"/>
-                      </a:endParaRPr>
-                    </a:p>
-                  </a:txBody>
-                  <a:tcPr marL="55979" marR="55979" marT="0" marB="0" anchor="ctr">
-                    <a:solidFill>
-                      <a:srgbClr val="CBCDD3"/>
-                    </a:solidFill>
-                  </a:tcPr>
-                </a:tc>
-                <a:tc>
-                  <a:txBody>
-                    <a:bodyPr/>
-                    <a:lstStyle/>
-                    <a:p>
-                      <a:pPr algn="just">
-                        <a:spcAft>
-                          <a:spcPts val="0"/>
-                        </a:spcAft>
-                      </a:pPr>
-                      <a:r>
-                        <a:rPr lang="en-US" sz="900" kern="100" dirty="0" err="1">
-                          <a:effectLst/>
-                        </a:rPr>
-                        <a:t>dhcp.template</a:t>
-                      </a:r>
-                      <a:r>
-                        <a:rPr lang="ja-JP" sz="900" kern="100" dirty="0">
-                          <a:effectLst/>
-                        </a:rPr>
-                        <a:t>の</a:t>
-                      </a:r>
-                      <a:r>
-                        <a:rPr lang="en-US" sz="900" kern="100" dirty="0">
-                          <a:effectLst/>
-                        </a:rPr>
-                        <a:t>subnet</a:t>
-                      </a:r>
-                      <a:r>
-                        <a:rPr lang="ja-JP" sz="900" kern="100" dirty="0">
-                          <a:effectLst/>
-                        </a:rPr>
-                        <a:t>に設定する</a:t>
-                      </a:r>
-                      <a:r>
-                        <a:rPr lang="en-US" sz="900" kern="100" dirty="0">
-                          <a:effectLst/>
-                        </a:rPr>
-                        <a:t>IP</a:t>
-                      </a:r>
-                      <a:r>
-                        <a:rPr lang="ja-JP" sz="900" kern="100" dirty="0">
-                          <a:effectLst/>
-                        </a:rPr>
-                        <a:t>アドレス</a:t>
-                      </a:r>
-                      <a:endParaRPr lang="ja-JP" sz="900" kern="100" dirty="0">
-                        <a:effectLst/>
-                        <a:latin typeface="Century" panose="02040604050505020304" pitchFamily="18" charset="0"/>
-                        <a:ea typeface="ＭＳ 明朝" panose="02020609040205080304" pitchFamily="17" charset="-128"/>
-                        <a:cs typeface="Times New Roman" panose="02020603050405020304" pitchFamily="18" charset="0"/>
-                      </a:endParaRPr>
-                    </a:p>
-                  </a:txBody>
-                  <a:tcPr marL="55979" marR="55979" marT="0" marB="0" anchor="ctr">
-                    <a:solidFill>
-                      <a:srgbClr val="CBCDD3"/>
-                    </a:solidFill>
-                  </a:tcPr>
-                </a:tc>
-                <a:extLst>
-                  <a:ext uri="{0D108BD9-81ED-4DB2-BD59-A6C34878D82A}">
-                    <a16:rowId xmlns="" xmlns:a16="http://schemas.microsoft.com/office/drawing/2014/main" val="10007"/>
-                  </a:ext>
-                </a:extLst>
-              </a:tr>
-              <a:tr h="321517">
-                <a:tc>
-                  <a:txBody>
-                    <a:bodyPr/>
-                    <a:lstStyle/>
-                    <a:p>
-                      <a:pPr algn="just">
-                        <a:spcAft>
-                          <a:spcPts val="0"/>
-                        </a:spcAft>
-                      </a:pPr>
-                      <a:r>
-                        <a:rPr lang="en-US" sz="1000" kern="100" dirty="0" smtClean="0">
-                          <a:solidFill>
-                            <a:schemeClr val="bg1"/>
-                          </a:solidFill>
-                          <a:effectLst/>
-                        </a:rPr>
-                        <a:t>cobbler_subnet</a:t>
-                      </a:r>
-                      <a:endParaRPr lang="ja-JP" sz="1000" kern="100" dirty="0">
-                        <a:solidFill>
-                          <a:schemeClr val="bg1"/>
-                        </a:solidFill>
-                        <a:effectLst/>
-                      </a:endParaRPr>
-                    </a:p>
-                  </a:txBody>
-                  <a:tcPr marL="55979" marR="55979" marT="0" marB="0" anchor="ctr">
-                    <a:solidFill>
-                      <a:srgbClr val="002B62"/>
-                    </a:solidFill>
-                  </a:tcPr>
-                </a:tc>
-                <a:tc>
-                  <a:txBody>
-                    <a:bodyPr/>
-                    <a:lstStyle/>
-                    <a:p>
-                      <a:pPr algn="l">
-                        <a:spcAft>
-                          <a:spcPts val="0"/>
-                        </a:spcAft>
-                      </a:pPr>
-                      <a:r>
-                        <a:rPr lang="en-US" sz="900" kern="100" dirty="0">
-                          <a:effectLst/>
-                        </a:rPr>
-                        <a:t>cobbler</a:t>
-                      </a:r>
-                      <a:r>
-                        <a:rPr lang="ja-JP" sz="900" kern="100" dirty="0">
-                          <a:effectLst/>
-                        </a:rPr>
-                        <a:t>をインストールする場合必須</a:t>
-                      </a:r>
-                      <a:endParaRPr lang="ja-JP" sz="900" kern="100" dirty="0">
-                        <a:effectLst/>
-                        <a:latin typeface="Century" panose="02040604050505020304" pitchFamily="18" charset="0"/>
-                        <a:ea typeface="ＭＳ 明朝" panose="02020609040205080304" pitchFamily="17" charset="-128"/>
-                        <a:cs typeface="Times New Roman" panose="02020603050405020304" pitchFamily="18" charset="0"/>
-                      </a:endParaRPr>
-                    </a:p>
-                  </a:txBody>
-                  <a:tcPr marL="55979" marR="55979" marT="0" marB="0" anchor="ctr">
-                    <a:solidFill>
-                      <a:srgbClr val="E7E8EA"/>
-                    </a:solidFill>
-                  </a:tcPr>
-                </a:tc>
-                <a:tc>
-                  <a:txBody>
-                    <a:bodyPr/>
-                    <a:lstStyle/>
-                    <a:p>
-                      <a:pPr algn="just">
-                        <a:spcAft>
-                          <a:spcPts val="0"/>
-                        </a:spcAft>
-                      </a:pPr>
-                      <a:r>
-                        <a:rPr lang="en-US" sz="900" kern="100" dirty="0">
-                          <a:effectLst/>
-                        </a:rPr>
-                        <a:t>-</a:t>
-                      </a:r>
-                      <a:endParaRPr lang="ja-JP" sz="900" kern="100" dirty="0">
-                        <a:effectLst/>
-                        <a:latin typeface="Century" panose="02040604050505020304" pitchFamily="18" charset="0"/>
-                        <a:ea typeface="ＭＳ 明朝" panose="02020609040205080304" pitchFamily="17" charset="-128"/>
-                        <a:cs typeface="Times New Roman" panose="02020603050405020304" pitchFamily="18" charset="0"/>
-                      </a:endParaRPr>
-                    </a:p>
-                  </a:txBody>
-                  <a:tcPr marL="55979" marR="55979" marT="0" marB="0" anchor="ctr">
-                    <a:solidFill>
-                      <a:srgbClr val="E7E8EA"/>
-                    </a:solidFill>
-                  </a:tcPr>
-                </a:tc>
-                <a:tc>
-                  <a:txBody>
-                    <a:bodyPr/>
-                    <a:lstStyle/>
-                    <a:p>
-                      <a:pPr algn="just">
-                        <a:spcAft>
-                          <a:spcPts val="0"/>
-                        </a:spcAft>
-                      </a:pPr>
-                      <a:r>
-                        <a:rPr lang="en-US" sz="900" kern="100" dirty="0" err="1">
-                          <a:effectLst/>
-                        </a:rPr>
-                        <a:t>dhcp.template</a:t>
-                      </a:r>
-                      <a:r>
-                        <a:rPr lang="ja-JP" sz="900" kern="100" dirty="0">
-                          <a:effectLst/>
-                        </a:rPr>
-                        <a:t>の</a:t>
-                      </a:r>
-                      <a:r>
-                        <a:rPr lang="en-US" sz="900" kern="100" dirty="0">
-                          <a:effectLst/>
-                        </a:rPr>
-                        <a:t>netmask</a:t>
-                      </a:r>
-                      <a:r>
-                        <a:rPr lang="ja-JP" sz="900" kern="100" dirty="0">
-                          <a:effectLst/>
-                        </a:rPr>
-                        <a:t>に設定する</a:t>
-                      </a:r>
-                      <a:r>
-                        <a:rPr lang="en-US" sz="900" kern="100" dirty="0">
-                          <a:effectLst/>
-                        </a:rPr>
-                        <a:t>IP</a:t>
-                      </a:r>
-                      <a:r>
-                        <a:rPr lang="ja-JP" sz="900" kern="100" dirty="0">
-                          <a:effectLst/>
-                        </a:rPr>
-                        <a:t>アドレス</a:t>
-                      </a:r>
-                      <a:endParaRPr lang="ja-JP" sz="900" kern="100" dirty="0">
-                        <a:effectLst/>
-                        <a:latin typeface="Century" panose="02040604050505020304" pitchFamily="18" charset="0"/>
-                        <a:ea typeface="ＭＳ 明朝" panose="02020609040205080304" pitchFamily="17" charset="-128"/>
-                        <a:cs typeface="Times New Roman" panose="02020603050405020304" pitchFamily="18" charset="0"/>
-                      </a:endParaRPr>
-                    </a:p>
-                  </a:txBody>
-                  <a:tcPr marL="55979" marR="55979" marT="0" marB="0" anchor="ctr">
-                    <a:solidFill>
-                      <a:srgbClr val="E7E8EA"/>
-                    </a:solidFill>
-                  </a:tcPr>
-                </a:tc>
-                <a:extLst>
-                  <a:ext uri="{0D108BD9-81ED-4DB2-BD59-A6C34878D82A}">
-                    <a16:rowId xmlns="" xmlns:a16="http://schemas.microsoft.com/office/drawing/2014/main" val="10008"/>
-                  </a:ext>
-                </a:extLst>
-              </a:tr>
-              <a:tr h="321517">
-                <a:tc>
-                  <a:txBody>
-                    <a:bodyPr/>
-                    <a:lstStyle/>
-                    <a:p>
-                      <a:pPr algn="just">
-                        <a:spcAft>
-                          <a:spcPts val="0"/>
-                        </a:spcAft>
-                      </a:pPr>
-                      <a:r>
-                        <a:rPr lang="en-US" sz="1000" kern="100" dirty="0" smtClean="0">
-                          <a:solidFill>
-                            <a:schemeClr val="bg1"/>
-                          </a:solidFill>
-                          <a:effectLst/>
-                        </a:rPr>
-                        <a:t>cobbler_gateway</a:t>
-                      </a:r>
-                      <a:endParaRPr lang="ja-JP" sz="1000" kern="100" dirty="0">
-                        <a:solidFill>
-                          <a:schemeClr val="bg1"/>
-                        </a:solidFill>
-                        <a:effectLst/>
-                      </a:endParaRPr>
-                    </a:p>
-                  </a:txBody>
-                  <a:tcPr marL="55979" marR="55979" marT="0" marB="0" anchor="ctr">
-                    <a:solidFill>
-                      <a:srgbClr val="002B62"/>
-                    </a:solidFill>
-                  </a:tcPr>
-                </a:tc>
-                <a:tc>
-                  <a:txBody>
-                    <a:bodyPr/>
-                    <a:lstStyle/>
-                    <a:p>
-                      <a:pPr algn="l">
-                        <a:spcAft>
-                          <a:spcPts val="0"/>
-                        </a:spcAft>
-                      </a:pPr>
-                      <a:r>
-                        <a:rPr lang="en-US" sz="900" kern="100" dirty="0">
-                          <a:effectLst/>
-                        </a:rPr>
-                        <a:t>cobbler</a:t>
-                      </a:r>
-                      <a:r>
-                        <a:rPr lang="ja-JP" sz="900" kern="100" dirty="0">
-                          <a:effectLst/>
-                        </a:rPr>
-                        <a:t>をインストールする場合必須</a:t>
-                      </a:r>
-                      <a:endParaRPr lang="ja-JP" sz="900" kern="100" dirty="0">
-                        <a:effectLst/>
-                        <a:latin typeface="Century" panose="02040604050505020304" pitchFamily="18" charset="0"/>
-                        <a:ea typeface="ＭＳ 明朝" panose="02020609040205080304" pitchFamily="17" charset="-128"/>
-                        <a:cs typeface="Times New Roman" panose="02020603050405020304" pitchFamily="18" charset="0"/>
-                      </a:endParaRPr>
-                    </a:p>
-                  </a:txBody>
-                  <a:tcPr marL="55979" marR="55979" marT="0" marB="0" anchor="ctr">
-                    <a:solidFill>
-                      <a:srgbClr val="CBCDD3"/>
-                    </a:solidFill>
-                  </a:tcPr>
-                </a:tc>
-                <a:tc>
-                  <a:txBody>
-                    <a:bodyPr/>
-                    <a:lstStyle/>
-                    <a:p>
-                      <a:pPr algn="just">
-                        <a:spcAft>
-                          <a:spcPts val="0"/>
-                        </a:spcAft>
-                      </a:pPr>
-                      <a:r>
-                        <a:rPr lang="en-US" sz="900" kern="100" dirty="0">
-                          <a:effectLst/>
-                        </a:rPr>
-                        <a:t>-</a:t>
-                      </a:r>
-                      <a:endParaRPr lang="ja-JP" sz="900" kern="100" dirty="0">
-                        <a:effectLst/>
-                        <a:latin typeface="Century" panose="02040604050505020304" pitchFamily="18" charset="0"/>
-                        <a:ea typeface="ＭＳ 明朝" panose="02020609040205080304" pitchFamily="17" charset="-128"/>
-                        <a:cs typeface="Times New Roman" panose="02020603050405020304" pitchFamily="18" charset="0"/>
-                      </a:endParaRPr>
-                    </a:p>
-                  </a:txBody>
-                  <a:tcPr marL="55979" marR="55979" marT="0" marB="0" anchor="ctr">
-                    <a:solidFill>
-                      <a:srgbClr val="CBCDD3"/>
-                    </a:solidFill>
-                  </a:tcPr>
-                </a:tc>
-                <a:tc>
-                  <a:txBody>
-                    <a:bodyPr/>
-                    <a:lstStyle/>
-                    <a:p>
-                      <a:pPr algn="just">
-                        <a:spcAft>
-                          <a:spcPts val="0"/>
-                        </a:spcAft>
-                      </a:pPr>
-                      <a:r>
-                        <a:rPr lang="en-US" sz="900" kern="100" dirty="0" err="1">
-                          <a:effectLst/>
-                        </a:rPr>
-                        <a:t>dhcp.template</a:t>
-                      </a:r>
-                      <a:r>
-                        <a:rPr lang="ja-JP" sz="900" kern="100" dirty="0">
-                          <a:effectLst/>
-                        </a:rPr>
-                        <a:t>の</a:t>
-                      </a:r>
-                      <a:r>
-                        <a:rPr lang="en-US" sz="900" kern="100" dirty="0">
-                          <a:effectLst/>
-                        </a:rPr>
-                        <a:t>option routers</a:t>
-                      </a:r>
-                      <a:r>
-                        <a:rPr lang="ja-JP" sz="900" kern="100" dirty="0">
-                          <a:effectLst/>
-                        </a:rPr>
-                        <a:t>に設定する</a:t>
-                      </a:r>
-                      <a:r>
-                        <a:rPr lang="en-US" sz="900" kern="100" dirty="0">
-                          <a:effectLst/>
-                        </a:rPr>
-                        <a:t>IP</a:t>
-                      </a:r>
-                      <a:r>
-                        <a:rPr lang="ja-JP" sz="900" kern="100" dirty="0">
-                          <a:effectLst/>
-                        </a:rPr>
-                        <a:t>アドレス</a:t>
-                      </a:r>
-                      <a:endParaRPr lang="ja-JP" sz="900" kern="100" dirty="0">
-                        <a:effectLst/>
-                        <a:latin typeface="Century" panose="02040604050505020304" pitchFamily="18" charset="0"/>
-                        <a:ea typeface="ＭＳ 明朝" panose="02020609040205080304" pitchFamily="17" charset="-128"/>
-                        <a:cs typeface="Times New Roman" panose="02020603050405020304" pitchFamily="18" charset="0"/>
-                      </a:endParaRPr>
-                    </a:p>
-                  </a:txBody>
-                  <a:tcPr marL="55979" marR="55979" marT="0" marB="0" anchor="ctr">
-                    <a:solidFill>
-                      <a:srgbClr val="CBCDD3"/>
-                    </a:solidFill>
-                  </a:tcPr>
-                </a:tc>
-                <a:extLst>
-                  <a:ext uri="{0D108BD9-81ED-4DB2-BD59-A6C34878D82A}">
-                    <a16:rowId xmlns="" xmlns:a16="http://schemas.microsoft.com/office/drawing/2014/main" val="10009"/>
-                  </a:ext>
-                </a:extLst>
-              </a:tr>
-              <a:tr h="321517">
-                <a:tc>
-                  <a:txBody>
-                    <a:bodyPr/>
-                    <a:lstStyle/>
-                    <a:p>
-                      <a:pPr algn="just">
-                        <a:spcAft>
-                          <a:spcPts val="0"/>
-                        </a:spcAft>
-                      </a:pPr>
-                      <a:r>
-                        <a:rPr lang="en-US" sz="1000" kern="100" dirty="0" smtClean="0">
-                          <a:solidFill>
-                            <a:schemeClr val="bg1"/>
-                          </a:solidFill>
-                          <a:effectLst/>
-                        </a:rPr>
-                        <a:t>cobbler_dns</a:t>
-                      </a:r>
-                      <a:endParaRPr lang="ja-JP" sz="1000" kern="100" dirty="0">
-                        <a:solidFill>
-                          <a:schemeClr val="bg1"/>
-                        </a:solidFill>
-                        <a:effectLst/>
-                      </a:endParaRPr>
-                    </a:p>
-                  </a:txBody>
-                  <a:tcPr marL="55979" marR="55979" marT="0" marB="0" anchor="ctr">
-                    <a:solidFill>
-                      <a:srgbClr val="002B62"/>
-                    </a:solidFill>
-                  </a:tcPr>
-                </a:tc>
-                <a:tc>
-                  <a:txBody>
-                    <a:bodyPr/>
-                    <a:lstStyle/>
-                    <a:p>
-                      <a:pPr algn="l">
-                        <a:spcAft>
-                          <a:spcPts val="0"/>
-                        </a:spcAft>
-                      </a:pPr>
-                      <a:r>
-                        <a:rPr lang="en-US" sz="900" kern="100" dirty="0">
-                          <a:effectLst/>
-                        </a:rPr>
-                        <a:t>cobbler</a:t>
-                      </a:r>
-                      <a:r>
-                        <a:rPr lang="ja-JP" sz="900" kern="100" dirty="0">
-                          <a:effectLst/>
-                        </a:rPr>
-                        <a:t>をインストールする場合必須</a:t>
-                      </a:r>
-                      <a:endParaRPr lang="ja-JP" sz="900" kern="100" dirty="0">
-                        <a:effectLst/>
-                        <a:latin typeface="Century" panose="02040604050505020304" pitchFamily="18" charset="0"/>
-                        <a:ea typeface="ＭＳ 明朝" panose="02020609040205080304" pitchFamily="17" charset="-128"/>
-                        <a:cs typeface="Times New Roman" panose="02020603050405020304" pitchFamily="18" charset="0"/>
-                      </a:endParaRPr>
-                    </a:p>
-                  </a:txBody>
-                  <a:tcPr marL="55979" marR="55979" marT="0" marB="0" anchor="ctr">
-                    <a:solidFill>
-                      <a:srgbClr val="E7E8EA"/>
-                    </a:solidFill>
-                  </a:tcPr>
-                </a:tc>
-                <a:tc>
-                  <a:txBody>
-                    <a:bodyPr/>
-                    <a:lstStyle/>
-                    <a:p>
-                      <a:pPr algn="just">
-                        <a:spcAft>
-                          <a:spcPts val="0"/>
-                        </a:spcAft>
-                      </a:pPr>
-                      <a:r>
-                        <a:rPr lang="en-US" sz="900" kern="100" dirty="0">
-                          <a:effectLst/>
-                        </a:rPr>
-                        <a:t>-</a:t>
-                      </a:r>
-                      <a:endParaRPr lang="ja-JP" sz="900" kern="100" dirty="0">
-                        <a:effectLst/>
-                        <a:latin typeface="Century" panose="02040604050505020304" pitchFamily="18" charset="0"/>
-                        <a:ea typeface="ＭＳ 明朝" panose="02020609040205080304" pitchFamily="17" charset="-128"/>
-                        <a:cs typeface="Times New Roman" panose="02020603050405020304" pitchFamily="18" charset="0"/>
-                      </a:endParaRPr>
-                    </a:p>
-                  </a:txBody>
-                  <a:tcPr marL="55979" marR="55979" marT="0" marB="0" anchor="ctr">
-                    <a:solidFill>
-                      <a:srgbClr val="E7E8EA"/>
-                    </a:solidFill>
-                  </a:tcPr>
-                </a:tc>
-                <a:tc>
-                  <a:txBody>
-                    <a:bodyPr/>
-                    <a:lstStyle/>
-                    <a:p>
-                      <a:pPr algn="just">
-                        <a:spcAft>
-                          <a:spcPts val="0"/>
-                        </a:spcAft>
-                      </a:pPr>
-                      <a:r>
-                        <a:rPr lang="en-US" sz="900" kern="100" dirty="0" err="1">
-                          <a:effectLst/>
-                        </a:rPr>
-                        <a:t>dhcp.template</a:t>
-                      </a:r>
-                      <a:r>
-                        <a:rPr lang="ja-JP" sz="900" kern="100" dirty="0">
-                          <a:effectLst/>
-                        </a:rPr>
-                        <a:t>の</a:t>
-                      </a:r>
-                      <a:r>
-                        <a:rPr lang="en-US" sz="900" kern="100" dirty="0">
-                          <a:effectLst/>
-                        </a:rPr>
-                        <a:t>domain-name-servers</a:t>
-                      </a:r>
-                      <a:r>
-                        <a:rPr lang="ja-JP" sz="900" kern="100" dirty="0">
-                          <a:effectLst/>
-                        </a:rPr>
-                        <a:t>に設定する</a:t>
-                      </a:r>
-                      <a:r>
-                        <a:rPr lang="en-US" sz="900" kern="100" dirty="0">
-                          <a:effectLst/>
-                        </a:rPr>
-                        <a:t>IP</a:t>
-                      </a:r>
-                      <a:r>
-                        <a:rPr lang="ja-JP" sz="900" kern="100" dirty="0">
-                          <a:effectLst/>
-                        </a:rPr>
-                        <a:t>アドレス</a:t>
-                      </a:r>
-                      <a:endParaRPr lang="ja-JP" sz="900" kern="100" dirty="0">
-                        <a:effectLst/>
-                        <a:latin typeface="Century" panose="02040604050505020304" pitchFamily="18" charset="0"/>
-                        <a:ea typeface="ＭＳ 明朝" panose="02020609040205080304" pitchFamily="17" charset="-128"/>
-                        <a:cs typeface="Times New Roman" panose="02020603050405020304" pitchFamily="18" charset="0"/>
-                      </a:endParaRPr>
-                    </a:p>
-                  </a:txBody>
-                  <a:tcPr marL="55979" marR="55979" marT="0" marB="0" anchor="ctr">
-                    <a:solidFill>
-                      <a:srgbClr val="E7E8EA"/>
-                    </a:solidFill>
-                  </a:tcPr>
-                </a:tc>
-                <a:extLst>
-                  <a:ext uri="{0D108BD9-81ED-4DB2-BD59-A6C34878D82A}">
-                    <a16:rowId xmlns="" xmlns:a16="http://schemas.microsoft.com/office/drawing/2014/main" val="10010"/>
-                  </a:ext>
-                </a:extLst>
-              </a:tr>
-              <a:tr h="321517">
-                <a:tc>
-                  <a:txBody>
-                    <a:bodyPr/>
-                    <a:lstStyle/>
-                    <a:p>
-                      <a:pPr algn="just">
-                        <a:spcAft>
-                          <a:spcPts val="0"/>
-                        </a:spcAft>
-                      </a:pPr>
-                      <a:r>
-                        <a:rPr lang="en-US" sz="1000" kern="100" dirty="0" smtClean="0">
-                          <a:solidFill>
-                            <a:schemeClr val="bg1"/>
-                          </a:solidFill>
-                          <a:effectLst/>
-                        </a:rPr>
-                        <a:t>dynamic_address_min</a:t>
-                      </a:r>
-                      <a:endParaRPr lang="ja-JP" sz="1000" kern="100" dirty="0">
-                        <a:solidFill>
-                          <a:schemeClr val="bg1"/>
-                        </a:solidFill>
-                        <a:effectLst/>
-                      </a:endParaRPr>
-                    </a:p>
-                  </a:txBody>
-                  <a:tcPr marL="55979" marR="55979" marT="0" marB="0" anchor="ctr">
-                    <a:solidFill>
-                      <a:srgbClr val="002B62"/>
-                    </a:solidFill>
-                  </a:tcPr>
-                </a:tc>
-                <a:tc>
-                  <a:txBody>
-                    <a:bodyPr/>
-                    <a:lstStyle/>
-                    <a:p>
-                      <a:pPr algn="l">
-                        <a:spcAft>
-                          <a:spcPts val="0"/>
-                        </a:spcAft>
-                      </a:pPr>
-                      <a:r>
-                        <a:rPr lang="en-US" sz="900" kern="100" dirty="0">
-                          <a:effectLst/>
-                        </a:rPr>
-                        <a:t>cobbler</a:t>
-                      </a:r>
-                      <a:r>
-                        <a:rPr lang="ja-JP" sz="900" kern="100" dirty="0">
-                          <a:effectLst/>
-                        </a:rPr>
-                        <a:t>をインストールする場合必須</a:t>
-                      </a:r>
-                      <a:endParaRPr lang="ja-JP" sz="900" kern="100" dirty="0">
-                        <a:effectLst/>
-                        <a:latin typeface="Century" panose="02040604050505020304" pitchFamily="18" charset="0"/>
-                        <a:ea typeface="ＭＳ 明朝" panose="02020609040205080304" pitchFamily="17" charset="-128"/>
-                        <a:cs typeface="Times New Roman" panose="02020603050405020304" pitchFamily="18" charset="0"/>
-                      </a:endParaRPr>
-                    </a:p>
-                  </a:txBody>
-                  <a:tcPr marL="55979" marR="55979" marT="0" marB="0" anchor="ctr">
-                    <a:solidFill>
-                      <a:srgbClr val="CBCDD3"/>
-                    </a:solidFill>
-                  </a:tcPr>
-                </a:tc>
-                <a:tc>
-                  <a:txBody>
-                    <a:bodyPr/>
-                    <a:lstStyle/>
-                    <a:p>
-                      <a:pPr algn="just">
-                        <a:spcAft>
-                          <a:spcPts val="0"/>
-                        </a:spcAft>
-                      </a:pPr>
-                      <a:r>
-                        <a:rPr lang="en-US" sz="900" kern="100" dirty="0">
-                          <a:effectLst/>
-                        </a:rPr>
-                        <a:t>-</a:t>
-                      </a:r>
-                      <a:endParaRPr lang="ja-JP" sz="900" kern="100" dirty="0">
-                        <a:effectLst/>
-                        <a:latin typeface="Century" panose="02040604050505020304" pitchFamily="18" charset="0"/>
-                        <a:ea typeface="ＭＳ 明朝" panose="02020609040205080304" pitchFamily="17" charset="-128"/>
-                        <a:cs typeface="Times New Roman" panose="02020603050405020304" pitchFamily="18" charset="0"/>
-                      </a:endParaRPr>
-                    </a:p>
-                  </a:txBody>
-                  <a:tcPr marL="55979" marR="55979" marT="0" marB="0" anchor="ctr">
-                    <a:solidFill>
-                      <a:srgbClr val="CBCDD3"/>
-                    </a:solidFill>
-                  </a:tcPr>
-                </a:tc>
-                <a:tc>
-                  <a:txBody>
-                    <a:bodyPr/>
-                    <a:lstStyle/>
-                    <a:p>
-                      <a:pPr algn="just">
-                        <a:spcAft>
-                          <a:spcPts val="0"/>
-                        </a:spcAft>
-                      </a:pPr>
-                      <a:r>
-                        <a:rPr lang="en-US" sz="900" kern="100" dirty="0" err="1">
-                          <a:effectLst/>
-                        </a:rPr>
-                        <a:t>dhcp.template</a:t>
-                      </a:r>
-                      <a:r>
-                        <a:rPr lang="ja-JP" sz="900" kern="100" dirty="0">
-                          <a:effectLst/>
-                        </a:rPr>
-                        <a:t>の</a:t>
-                      </a:r>
-                      <a:r>
-                        <a:rPr lang="en-US" sz="900" kern="100" dirty="0">
-                          <a:effectLst/>
-                        </a:rPr>
-                        <a:t>range dynamic-bootp</a:t>
-                      </a:r>
-                      <a:r>
-                        <a:rPr lang="ja-JP" sz="900" kern="100" dirty="0">
-                          <a:effectLst/>
-                        </a:rPr>
-                        <a:t>に設定する</a:t>
-                      </a:r>
-                      <a:r>
-                        <a:rPr lang="en-US" sz="900" kern="100" dirty="0">
-                          <a:effectLst/>
-                        </a:rPr>
-                        <a:t>IP</a:t>
-                      </a:r>
-                      <a:r>
-                        <a:rPr lang="ja-JP" sz="900" kern="100" dirty="0">
-                          <a:effectLst/>
-                        </a:rPr>
-                        <a:t>アドレス</a:t>
-                      </a:r>
-                      <a:r>
-                        <a:rPr lang="en-US" sz="900" kern="100" dirty="0">
-                          <a:effectLst/>
-                        </a:rPr>
-                        <a:t>(</a:t>
-                      </a:r>
-                      <a:r>
-                        <a:rPr lang="ja-JP" sz="900" kern="100" dirty="0">
-                          <a:effectLst/>
-                        </a:rPr>
-                        <a:t>最小値</a:t>
-                      </a:r>
-                      <a:r>
-                        <a:rPr lang="en-US" sz="900" kern="100" dirty="0">
-                          <a:effectLst/>
-                        </a:rPr>
-                        <a:t>)</a:t>
-                      </a:r>
-                      <a:endParaRPr lang="ja-JP" sz="900" kern="100" dirty="0">
-                        <a:effectLst/>
-                        <a:latin typeface="Century" panose="02040604050505020304" pitchFamily="18" charset="0"/>
-                        <a:ea typeface="ＭＳ 明朝" panose="02020609040205080304" pitchFamily="17" charset="-128"/>
-                        <a:cs typeface="Times New Roman" panose="02020603050405020304" pitchFamily="18" charset="0"/>
-                      </a:endParaRPr>
-                    </a:p>
-                  </a:txBody>
-                  <a:tcPr marL="55979" marR="55979" marT="0" marB="0" anchor="ctr">
-                    <a:solidFill>
-                      <a:srgbClr val="CBCDD3"/>
-                    </a:solidFill>
-                  </a:tcPr>
-                </a:tc>
-                <a:extLst>
-                  <a:ext uri="{0D108BD9-81ED-4DB2-BD59-A6C34878D82A}">
-                    <a16:rowId xmlns="" xmlns:a16="http://schemas.microsoft.com/office/drawing/2014/main" val="10011"/>
-                  </a:ext>
-                </a:extLst>
-              </a:tr>
-              <a:tr h="321517">
-                <a:tc>
-                  <a:txBody>
-                    <a:bodyPr/>
-                    <a:lstStyle/>
-                    <a:p>
-                      <a:pPr algn="just">
-                        <a:spcAft>
-                          <a:spcPts val="0"/>
-                        </a:spcAft>
-                      </a:pPr>
-                      <a:r>
-                        <a:rPr lang="en-US" sz="1000" kern="100" dirty="0" smtClean="0">
-                          <a:solidFill>
-                            <a:schemeClr val="bg1"/>
-                          </a:solidFill>
-                          <a:effectLst/>
-                        </a:rPr>
-                        <a:t>dynamic_address_max</a:t>
-                      </a:r>
-                      <a:endParaRPr lang="ja-JP" sz="1000" kern="100" dirty="0">
-                        <a:solidFill>
-                          <a:schemeClr val="bg1"/>
-                        </a:solidFill>
-                        <a:effectLst/>
-                      </a:endParaRPr>
-                    </a:p>
-                  </a:txBody>
-                  <a:tcPr marL="55979" marR="55979" marT="0" marB="0" anchor="ctr">
-                    <a:solidFill>
-                      <a:srgbClr val="002B62"/>
-                    </a:solidFill>
-                  </a:tcPr>
-                </a:tc>
-                <a:tc>
-                  <a:txBody>
-                    <a:bodyPr/>
-                    <a:lstStyle/>
-                    <a:p>
-                      <a:pPr algn="l">
-                        <a:spcAft>
-                          <a:spcPts val="0"/>
-                        </a:spcAft>
-                      </a:pPr>
-                      <a:r>
-                        <a:rPr lang="en-US" sz="900" kern="100" dirty="0">
-                          <a:effectLst/>
-                        </a:rPr>
-                        <a:t>cobbler</a:t>
-                      </a:r>
-                      <a:r>
-                        <a:rPr lang="ja-JP" sz="900" kern="100" dirty="0">
-                          <a:effectLst/>
-                        </a:rPr>
-                        <a:t>をインストールする場合必須</a:t>
-                      </a:r>
-                      <a:endParaRPr lang="ja-JP" sz="900" kern="100" dirty="0">
-                        <a:effectLst/>
-                        <a:latin typeface="Century" panose="02040604050505020304" pitchFamily="18" charset="0"/>
-                        <a:ea typeface="ＭＳ 明朝" panose="02020609040205080304" pitchFamily="17" charset="-128"/>
-                        <a:cs typeface="Times New Roman" panose="02020603050405020304" pitchFamily="18" charset="0"/>
-                      </a:endParaRPr>
-                    </a:p>
-                  </a:txBody>
-                  <a:tcPr marL="55979" marR="55979" marT="0" marB="0" anchor="ctr">
-                    <a:solidFill>
-                      <a:srgbClr val="E7E8EA"/>
-                    </a:solidFill>
-                  </a:tcPr>
-                </a:tc>
-                <a:tc>
-                  <a:txBody>
-                    <a:bodyPr/>
-                    <a:lstStyle/>
-                    <a:p>
-                      <a:pPr algn="just">
-                        <a:spcAft>
-                          <a:spcPts val="0"/>
-                        </a:spcAft>
-                      </a:pPr>
-                      <a:r>
-                        <a:rPr lang="en-US" sz="900" kern="100" dirty="0">
-                          <a:effectLst/>
-                        </a:rPr>
-                        <a:t>-</a:t>
-                      </a:r>
-                      <a:endParaRPr lang="ja-JP" sz="900" kern="100" dirty="0">
-                        <a:effectLst/>
-                        <a:latin typeface="Century" panose="02040604050505020304" pitchFamily="18" charset="0"/>
-                        <a:ea typeface="ＭＳ 明朝" panose="02020609040205080304" pitchFamily="17" charset="-128"/>
-                        <a:cs typeface="Times New Roman" panose="02020603050405020304" pitchFamily="18" charset="0"/>
-                      </a:endParaRPr>
-                    </a:p>
-                  </a:txBody>
-                  <a:tcPr marL="55979" marR="55979" marT="0" marB="0" anchor="ctr">
-                    <a:solidFill>
-                      <a:srgbClr val="E7E8EA"/>
-                    </a:solidFill>
-                  </a:tcPr>
-                </a:tc>
-                <a:tc>
-                  <a:txBody>
-                    <a:bodyPr/>
-                    <a:lstStyle/>
-                    <a:p>
-                      <a:pPr algn="just">
-                        <a:spcAft>
-                          <a:spcPts val="0"/>
-                        </a:spcAft>
-                      </a:pPr>
-                      <a:r>
-                        <a:rPr lang="en-US" sz="900" kern="100" dirty="0" err="1">
-                          <a:effectLst/>
-                        </a:rPr>
-                        <a:t>dhcp.template</a:t>
-                      </a:r>
-                      <a:r>
-                        <a:rPr lang="ja-JP" sz="900" kern="100" dirty="0">
-                          <a:effectLst/>
-                        </a:rPr>
-                        <a:t>の</a:t>
-                      </a:r>
-                      <a:r>
-                        <a:rPr lang="en-US" sz="900" kern="100" dirty="0">
-                          <a:effectLst/>
-                        </a:rPr>
-                        <a:t>range dynamic-bootp</a:t>
-                      </a:r>
-                      <a:r>
-                        <a:rPr lang="ja-JP" sz="900" kern="100" dirty="0">
-                          <a:effectLst/>
-                        </a:rPr>
-                        <a:t>に設定する</a:t>
-                      </a:r>
-                      <a:r>
-                        <a:rPr lang="en-US" sz="900" kern="100" dirty="0">
-                          <a:effectLst/>
-                        </a:rPr>
-                        <a:t>IP</a:t>
-                      </a:r>
-                      <a:r>
-                        <a:rPr lang="ja-JP" sz="900" kern="100" dirty="0">
-                          <a:effectLst/>
-                        </a:rPr>
-                        <a:t>アドレス</a:t>
-                      </a:r>
-                      <a:r>
-                        <a:rPr lang="en-US" sz="900" kern="100" dirty="0">
-                          <a:effectLst/>
-                        </a:rPr>
-                        <a:t>(</a:t>
-                      </a:r>
-                      <a:r>
-                        <a:rPr lang="ja-JP" sz="900" kern="100" dirty="0">
-                          <a:effectLst/>
-                        </a:rPr>
-                        <a:t>最大値</a:t>
-                      </a:r>
-                      <a:r>
-                        <a:rPr lang="en-US" sz="900" kern="100" dirty="0">
-                          <a:effectLst/>
-                        </a:rPr>
-                        <a:t>)</a:t>
-                      </a:r>
-                      <a:endParaRPr lang="ja-JP" sz="900" kern="100" dirty="0">
-                        <a:effectLst/>
-                        <a:latin typeface="Century" panose="02040604050505020304" pitchFamily="18" charset="0"/>
-                        <a:ea typeface="ＭＳ 明朝" panose="02020609040205080304" pitchFamily="17" charset="-128"/>
-                        <a:cs typeface="Times New Roman" panose="02020603050405020304" pitchFamily="18" charset="0"/>
-                      </a:endParaRPr>
-                    </a:p>
-                  </a:txBody>
-                  <a:tcPr marL="55979" marR="55979" marT="0" marB="0" anchor="ctr">
-                    <a:solidFill>
-                      <a:srgbClr val="E7E8EA"/>
-                    </a:solidFill>
-                  </a:tcPr>
-                </a:tc>
-                <a:extLst>
-                  <a:ext uri="{0D108BD9-81ED-4DB2-BD59-A6C34878D82A}">
-                    <a16:rowId xmlns="" xmlns:a16="http://schemas.microsoft.com/office/drawing/2014/main" val="10012"/>
+                    <a16:rowId xmlns:a16="http://schemas.microsoft.com/office/drawing/2014/main" val="10004"/>
                   </a:ext>
                 </a:extLst>
               </a:tr>
@@ -14141,8 +12543,8 @@
         </p:nvSpPr>
         <p:spPr>
           <a:xfrm>
-            <a:off x="2303685" y="1647202"/>
-            <a:ext cx="4536630" cy="4626628"/>
+            <a:off x="2292678" y="1628750"/>
+            <a:ext cx="4536630" cy="1944270"/>
           </a:xfrm>
           <a:prstGeom prst="rect">
             <a:avLst/>
@@ -14201,7 +12603,24 @@
                 <a:ea typeface="ＭＳ 明朝" panose="02020609040205080304" pitchFamily="17" charset="-128"/>
                 <a:cs typeface="Times New Roman" panose="02020603050405020304" pitchFamily="18" charset="0"/>
               </a:rPr>
-              <a:t># Select Operation System. ("CentOS6","CentOS7","RHEL6","RHEL7")</a:t>
+              <a:t># Select Operation System. ("</a:t>
+            </a:r>
+            <a:r>
+              <a:rPr kumimoji="0" lang="en-US" sz="900" b="0" i="0" u="none" strike="noStrike" kern="100" cap="none" spc="0" normalizeH="0" baseline="0" noProof="0" dirty="0" smtClean="0">
+                <a:ln>
+                  <a:noFill/>
+                </a:ln>
+                <a:solidFill>
+                  <a:sysClr val="window" lastClr="FFFFFF"/>
+                </a:solidFill>
+                <a:effectLst/>
+                <a:uLnTx/>
+                <a:uFillTx/>
+                <a:latin typeface="Arial" panose="020B0604020202020204" pitchFamily="34" charset="0"/>
+                <a:ea typeface="ＭＳ 明朝" panose="02020609040205080304" pitchFamily="17" charset="-128"/>
+                <a:cs typeface="Times New Roman" panose="02020603050405020304" pitchFamily="18" charset="0"/>
+              </a:rPr>
+              <a:t>CentOS7,"CentOS8","RHEL7","RHEL8")</a:t>
             </a:r>
             <a:endParaRPr kumimoji="0" lang="ja-JP" altLang="en-US" sz="1050" b="0" i="0" u="none" strike="noStrike" kern="100" cap="none" spc="0" normalizeH="0" baseline="0" noProof="0" dirty="0">
               <a:ln>
@@ -14251,7 +12670,24 @@
                 <a:ea typeface="ＭＳ 明朝" panose="02020609040205080304" pitchFamily="17" charset="-128"/>
                 <a:cs typeface="Times New Roman" panose="02020603050405020304" pitchFamily="18" charset="0"/>
               </a:rPr>
-              <a:t># e.g) linux_os:RHEL7</a:t>
+              <a:t># e.g) </a:t>
+            </a:r>
+            <a:r>
+              <a:rPr kumimoji="0" lang="en-US" sz="900" b="0" i="0" u="none" strike="noStrike" kern="100" cap="none" spc="0" normalizeH="0" baseline="0" noProof="0" dirty="0" smtClean="0">
+                <a:ln>
+                  <a:noFill/>
+                </a:ln>
+                <a:solidFill>
+                  <a:sysClr val="window" lastClr="FFFFFF"/>
+                </a:solidFill>
+                <a:effectLst/>
+                <a:uLnTx/>
+                <a:uFillTx/>
+                <a:latin typeface="Arial" panose="020B0604020202020204" pitchFamily="34" charset="0"/>
+                <a:ea typeface="ＭＳ 明朝" panose="02020609040205080304" pitchFamily="17" charset="-128"/>
+                <a:cs typeface="Times New Roman" panose="02020603050405020304" pitchFamily="18" charset="0"/>
+              </a:rPr>
+              <a:t>linux_os:RHEL8</a:t>
             </a:r>
             <a:endParaRPr kumimoji="0" lang="ja-JP" altLang="en-US" sz="1050" b="0" i="0" u="none" strike="noStrike" kern="100" cap="none" spc="0" normalizeH="0" baseline="0" noProof="0" dirty="0">
               <a:ln>
@@ -14301,7 +12737,24 @@
                 <a:ea typeface="ＭＳ 明朝" panose="02020609040205080304" pitchFamily="17" charset="-128"/>
                 <a:cs typeface="Times New Roman" panose="02020603050405020304" pitchFamily="18" charset="0"/>
               </a:rPr>
-              <a:t>linux_os: RHEL7</a:t>
+              <a:t>linux_os: </a:t>
+            </a:r>
+            <a:r>
+              <a:rPr kumimoji="0" lang="en-US" sz="900" b="0" i="0" u="none" strike="noStrike" kern="100" cap="none" spc="0" normalizeH="0" baseline="0" noProof="0" dirty="0" smtClean="0">
+                <a:ln>
+                  <a:noFill/>
+                </a:ln>
+                <a:solidFill>
+                  <a:sysClr val="window" lastClr="FFFFFF"/>
+                </a:solidFill>
+                <a:effectLst/>
+                <a:uLnTx/>
+                <a:uFillTx/>
+                <a:latin typeface="Arial" panose="020B0604020202020204" pitchFamily="34" charset="0"/>
+                <a:ea typeface="ＭＳ 明朝" panose="02020609040205080304" pitchFamily="17" charset="-128"/>
+                <a:cs typeface="Times New Roman" panose="02020603050405020304" pitchFamily="18" charset="0"/>
+              </a:rPr>
+              <a:t>RHEL7</a:t>
             </a:r>
             <a:endParaRPr kumimoji="0" lang="ja-JP" altLang="en-US" sz="1050" b="0" i="0" u="none" strike="noStrike" kern="100" cap="none" spc="0" normalizeH="0" baseline="0" noProof="0" dirty="0">
               <a:ln>
@@ -14451,7 +12904,58 @@
                 <a:ea typeface="ＭＳ 明朝" panose="02020609040205080304" pitchFamily="17" charset="-128"/>
                 <a:cs typeface="Times New Roman" panose="02020603050405020304" pitchFamily="18" charset="0"/>
               </a:rPr>
-              <a:t>#Only when you select linux_os with RHEL6 or RHEL7</a:t>
+              <a:t>#Only when you select linux_os with </a:t>
+            </a:r>
+            <a:r>
+              <a:rPr kumimoji="0" lang="en-US" sz="900" b="0" i="0" u="none" strike="noStrike" kern="100" cap="none" spc="0" normalizeH="0" baseline="0" noProof="0" dirty="0" smtClean="0">
+                <a:ln>
+                  <a:noFill/>
+                </a:ln>
+                <a:solidFill>
+                  <a:sysClr val="window" lastClr="FFFFFF"/>
+                </a:solidFill>
+                <a:effectLst/>
+                <a:uLnTx/>
+                <a:uFillTx/>
+                <a:latin typeface="Arial" panose="020B0604020202020204" pitchFamily="34" charset="0"/>
+                <a:ea typeface="ＭＳ 明朝" panose="02020609040205080304" pitchFamily="17" charset="-128"/>
+                <a:cs typeface="Times New Roman" panose="02020603050405020304" pitchFamily="18" charset="0"/>
+              </a:rPr>
+              <a:t>RHEL7 </a:t>
+            </a:r>
+            <a:r>
+              <a:rPr kumimoji="0" lang="en-US" sz="900" b="0" i="0" u="none" strike="noStrike" kern="100" cap="none" spc="0" normalizeH="0" baseline="0" noProof="0" dirty="0">
+                <a:ln>
+                  <a:noFill/>
+                </a:ln>
+                <a:solidFill>
+                  <a:sysClr val="window" lastClr="FFFFFF"/>
+                </a:solidFill>
+                <a:effectLst/>
+                <a:uLnTx/>
+                <a:uFillTx/>
+                <a:latin typeface="Arial" panose="020B0604020202020204" pitchFamily="34" charset="0"/>
+                <a:ea typeface="ＭＳ 明朝" panose="02020609040205080304" pitchFamily="17" charset="-128"/>
+                <a:cs typeface="Times New Roman" panose="02020603050405020304" pitchFamily="18" charset="0"/>
+              </a:rPr>
+              <a:t>or </a:t>
+            </a:r>
+            <a:r>
+              <a:rPr kumimoji="0" lang="en-US" sz="900" b="0" i="0" u="none" strike="noStrike" kern="100" cap="none" spc="0" normalizeH="0" baseline="0" noProof="0" dirty="0" smtClean="0">
+                <a:ln>
+                  <a:noFill/>
+                </a:ln>
+                <a:solidFill>
+                  <a:sysClr val="window" lastClr="FFFFFF"/>
+                </a:solidFill>
+                <a:effectLst/>
+                <a:uLnTx/>
+                <a:uFillTx/>
+                <a:latin typeface="Arial" panose="020B0604020202020204" pitchFamily="34" charset="0"/>
+                <a:ea typeface="ＭＳ 明朝" panose="02020609040205080304" pitchFamily="17" charset="-128"/>
+                <a:cs typeface="Times New Roman" panose="02020603050405020304" pitchFamily="18" charset="0"/>
+              </a:rPr>
+              <a:t>RHEL8</a:t>
             </a:r>
             <a:endParaRPr kumimoji="0" lang="ja-JP" altLang="en-US" sz="1050" b="0" i="0" u="none" strike="noStrike" kern="100" cap="none" spc="0" normalizeH="0" baseline="0" noProof="0" dirty="0">
               <a:ln>
@@ -15054,7 +13558,7 @@
               <a:defRPr/>
             </a:pPr>
             <a:r>
-              <a:rPr kumimoji="0" lang="en-US" sz="900" b="0" i="0" u="none" strike="noStrike" kern="100" cap="none" spc="0" normalizeH="0" baseline="0" noProof="0" dirty="0">
+              <a:rPr kumimoji="0" lang="en-US" sz="900" b="0" i="0" u="none" strike="noStrike" kern="100" cap="none" spc="0" normalizeH="0" baseline="0" noProof="0" dirty="0" smtClean="0">
                 <a:ln>
                   <a:noFill/>
                 </a:ln>
@@ -15069,1306 +13573,6 @@
                 <a:cs typeface="Times New Roman" panose="02020603050405020304" pitchFamily="18" charset="0"/>
               </a:rPr>
               <a:t>#####################################################</a:t>
-            </a:r>
-            <a:endParaRPr kumimoji="0" lang="ja-JP" altLang="en-US" sz="1050" b="0" i="0" u="none" strike="noStrike" kern="100" cap="none" spc="0" normalizeH="0" baseline="0" noProof="0" dirty="0">
-              <a:ln>
-                <a:noFill/>
-              </a:ln>
-              <a:solidFill>
-                <a:sysClr val="window" lastClr="FFFFFF"/>
-              </a:solidFill>
-              <a:effectLst/>
-              <a:uLnTx/>
-              <a:uFillTx/>
-              <a:latin typeface="Century"/>
-              <a:ea typeface="ＭＳ 明朝" panose="02020609040205080304" pitchFamily="17" charset="-128"/>
-              <a:cs typeface="Times New Roman" panose="02020603050405020304" pitchFamily="18" charset="0"/>
-            </a:endParaRPr>
-          </a:p>
-          <a:p>
-            <a:pPr marL="0" marR="0" lvl="0" indent="0" algn="l" defTabSz="914400" eaLnBrk="1" fontAlgn="auto" latinLnBrk="0" hangingPunct="1">
-              <a:lnSpc>
-                <a:spcPts val="800"/>
-              </a:lnSpc>
-              <a:spcBef>
-                <a:spcPts val="0"/>
-              </a:spcBef>
-              <a:spcAft>
-                <a:spcPts val="0"/>
-              </a:spcAft>
-              <a:buClrTx/>
-              <a:buSzTx/>
-              <a:buFontTx/>
-              <a:buNone/>
-              <a:tabLst/>
-              <a:defRPr/>
-            </a:pPr>
-            <a:r>
-              <a:rPr kumimoji="0" lang="en-US" sz="900" b="0" i="0" u="none" strike="noStrike" kern="100" cap="none" spc="0" normalizeH="0" baseline="0" noProof="0" dirty="0">
-                <a:ln>
-                  <a:noFill/>
-                </a:ln>
-                <a:solidFill>
-                  <a:sysClr val="window" lastClr="FFFFFF"/>
-                </a:solidFill>
-                <a:effectLst/>
-                <a:uLnTx/>
-                <a:uFillTx/>
-                <a:latin typeface="Arial" panose="020B0604020202020204" pitchFamily="34" charset="0"/>
-                <a:ea typeface="ＭＳ 明朝" panose="02020609040205080304" pitchFamily="17" charset="-128"/>
-                <a:cs typeface="Times New Roman" panose="02020603050405020304" pitchFamily="18" charset="0"/>
-              </a:rPr>
-              <a:t>#Only when you install cobbler drriver</a:t>
-            </a:r>
-            <a:endParaRPr kumimoji="0" lang="ja-JP" altLang="en-US" sz="1050" b="0" i="0" u="none" strike="noStrike" kern="100" cap="none" spc="0" normalizeH="0" baseline="0" noProof="0" dirty="0">
-              <a:ln>
-                <a:noFill/>
-              </a:ln>
-              <a:solidFill>
-                <a:sysClr val="window" lastClr="FFFFFF"/>
-              </a:solidFill>
-              <a:effectLst/>
-              <a:uLnTx/>
-              <a:uFillTx/>
-              <a:latin typeface="Century"/>
-              <a:ea typeface="ＭＳ 明朝" panose="02020609040205080304" pitchFamily="17" charset="-128"/>
-              <a:cs typeface="Times New Roman" panose="02020603050405020304" pitchFamily="18" charset="0"/>
-            </a:endParaRPr>
-          </a:p>
-          <a:p>
-            <a:pPr marL="0" marR="0" lvl="0" indent="0" algn="l" defTabSz="914400" eaLnBrk="1" fontAlgn="auto" latinLnBrk="0" hangingPunct="1">
-              <a:lnSpc>
-                <a:spcPts val="800"/>
-              </a:lnSpc>
-              <a:spcBef>
-                <a:spcPts val="0"/>
-              </a:spcBef>
-              <a:spcAft>
-                <a:spcPts val="0"/>
-              </a:spcAft>
-              <a:buClrTx/>
-              <a:buSzTx/>
-              <a:buFontTx/>
-              <a:buNone/>
-              <a:tabLst/>
-              <a:defRPr/>
-            </a:pPr>
-            <a:r>
-              <a:rPr kumimoji="0" lang="en-US" sz="900" b="0" i="0" u="none" strike="noStrike" kern="100" cap="none" spc="0" normalizeH="0" baseline="0" noProof="0" dirty="0">
-                <a:ln>
-                  <a:noFill/>
-                </a:ln>
-                <a:solidFill>
-                  <a:sysClr val="window" lastClr="FFFFFF"/>
-                </a:solidFill>
-                <a:effectLst/>
-                <a:uLnTx/>
-                <a:uFillTx/>
-                <a:latin typeface="Arial" panose="020B0604020202020204" pitchFamily="34" charset="0"/>
-                <a:ea typeface="ＭＳ 明朝" panose="02020609040205080304" pitchFamily="17" charset="-128"/>
-                <a:cs typeface="Times New Roman" panose="02020603050405020304" pitchFamily="18" charset="0"/>
-              </a:rPr>
-              <a:t> </a:t>
-            </a:r>
-            <a:endParaRPr kumimoji="0" lang="ja-JP" altLang="en-US" sz="1050" b="0" i="0" u="none" strike="noStrike" kern="100" cap="none" spc="0" normalizeH="0" baseline="0" noProof="0" dirty="0">
-              <a:ln>
-                <a:noFill/>
-              </a:ln>
-              <a:solidFill>
-                <a:sysClr val="window" lastClr="FFFFFF"/>
-              </a:solidFill>
-              <a:effectLst/>
-              <a:uLnTx/>
-              <a:uFillTx/>
-              <a:latin typeface="Century"/>
-              <a:ea typeface="ＭＳ 明朝" panose="02020609040205080304" pitchFamily="17" charset="-128"/>
-              <a:cs typeface="Times New Roman" panose="02020603050405020304" pitchFamily="18" charset="0"/>
-            </a:endParaRPr>
-          </a:p>
-          <a:p>
-            <a:pPr marL="0" marR="0" lvl="0" indent="0" algn="l" defTabSz="914400" eaLnBrk="1" fontAlgn="auto" latinLnBrk="0" hangingPunct="1">
-              <a:lnSpc>
-                <a:spcPts val="800"/>
-              </a:lnSpc>
-              <a:spcBef>
-                <a:spcPts val="0"/>
-              </a:spcBef>
-              <a:spcAft>
-                <a:spcPts val="0"/>
-              </a:spcAft>
-              <a:buClrTx/>
-              <a:buSzTx/>
-              <a:buFontTx/>
-              <a:buNone/>
-              <a:tabLst/>
-              <a:defRPr/>
-            </a:pPr>
-            <a:r>
-              <a:rPr kumimoji="0" lang="en-US" sz="900" b="0" i="0" u="none" strike="noStrike" kern="100" cap="none" spc="0" normalizeH="0" baseline="0" noProof="0" dirty="0">
-                <a:ln>
-                  <a:noFill/>
-                </a:ln>
-                <a:solidFill>
-                  <a:sysClr val="window" lastClr="FFFFFF"/>
-                </a:solidFill>
-                <a:effectLst/>
-                <a:uLnTx/>
-                <a:uFillTx/>
-                <a:latin typeface="Arial" panose="020B0604020202020204" pitchFamily="34" charset="0"/>
-                <a:ea typeface="ＭＳ 明朝" panose="02020609040205080304" pitchFamily="17" charset="-128"/>
-                <a:cs typeface="Times New Roman" panose="02020603050405020304" pitchFamily="18" charset="0"/>
-              </a:rPr>
-              <a:t>#Cobra server IP address</a:t>
-            </a:r>
-            <a:endParaRPr kumimoji="0" lang="ja-JP" altLang="en-US" sz="1050" b="0" i="0" u="none" strike="noStrike" kern="100" cap="none" spc="0" normalizeH="0" baseline="0" noProof="0" dirty="0">
-              <a:ln>
-                <a:noFill/>
-              </a:ln>
-              <a:solidFill>
-                <a:sysClr val="window" lastClr="FFFFFF"/>
-              </a:solidFill>
-              <a:effectLst/>
-              <a:uLnTx/>
-              <a:uFillTx/>
-              <a:latin typeface="Century"/>
-              <a:ea typeface="ＭＳ 明朝" panose="02020609040205080304" pitchFamily="17" charset="-128"/>
-              <a:cs typeface="Times New Roman" panose="02020603050405020304" pitchFamily="18" charset="0"/>
-            </a:endParaRPr>
-          </a:p>
-          <a:p>
-            <a:pPr marL="0" marR="0" lvl="0" indent="0" algn="l" defTabSz="914400" eaLnBrk="1" fontAlgn="auto" latinLnBrk="0" hangingPunct="1">
-              <a:lnSpc>
-                <a:spcPts val="800"/>
-              </a:lnSpc>
-              <a:spcBef>
-                <a:spcPts val="0"/>
-              </a:spcBef>
-              <a:spcAft>
-                <a:spcPts val="0"/>
-              </a:spcAft>
-              <a:buClrTx/>
-              <a:buSzTx/>
-              <a:buFontTx/>
-              <a:buNone/>
-              <a:tabLst/>
-              <a:defRPr/>
-            </a:pPr>
-            <a:r>
-              <a:rPr kumimoji="0" lang="en-US" sz="900" b="0" i="0" u="none" strike="noStrike" kern="100" cap="none" spc="0" normalizeH="0" baseline="0" noProof="0" dirty="0">
-                <a:ln>
-                  <a:noFill/>
-                </a:ln>
-                <a:solidFill>
-                  <a:sysClr val="window" lastClr="FFFFFF"/>
-                </a:solidFill>
-                <a:effectLst/>
-                <a:uLnTx/>
-                <a:uFillTx/>
-                <a:latin typeface="Arial" panose="020B0604020202020204" pitchFamily="34" charset="0"/>
-                <a:ea typeface="ＭＳ 明朝" panose="02020609040205080304" pitchFamily="17" charset="-128"/>
-                <a:cs typeface="Times New Roman" panose="02020603050405020304" pitchFamily="18" charset="0"/>
-              </a:rPr>
-              <a:t>server_address:10.10.10.10</a:t>
-            </a:r>
-            <a:endParaRPr kumimoji="0" lang="ja-JP" altLang="en-US" sz="1050" b="0" i="0" u="none" strike="noStrike" kern="100" cap="none" spc="0" normalizeH="0" baseline="0" noProof="0" dirty="0">
-              <a:ln>
-                <a:noFill/>
-              </a:ln>
-              <a:solidFill>
-                <a:sysClr val="window" lastClr="FFFFFF"/>
-              </a:solidFill>
-              <a:effectLst/>
-              <a:uLnTx/>
-              <a:uFillTx/>
-              <a:latin typeface="Century"/>
-              <a:ea typeface="ＭＳ 明朝" panose="02020609040205080304" pitchFamily="17" charset="-128"/>
-              <a:cs typeface="Times New Roman" panose="02020603050405020304" pitchFamily="18" charset="0"/>
-            </a:endParaRPr>
-          </a:p>
-          <a:p>
-            <a:pPr marL="0" marR="0" lvl="0" indent="0" algn="l" defTabSz="914400" eaLnBrk="1" fontAlgn="auto" latinLnBrk="0" hangingPunct="1">
-              <a:lnSpc>
-                <a:spcPts val="800"/>
-              </a:lnSpc>
-              <a:spcBef>
-                <a:spcPts val="0"/>
-              </a:spcBef>
-              <a:spcAft>
-                <a:spcPts val="0"/>
-              </a:spcAft>
-              <a:buClrTx/>
-              <a:buSzTx/>
-              <a:buFontTx/>
-              <a:buNone/>
-              <a:tabLst/>
-              <a:defRPr/>
-            </a:pPr>
-            <a:r>
-              <a:rPr kumimoji="0" lang="en-US" sz="900" b="0" i="0" u="none" strike="noStrike" kern="100" cap="none" spc="0" normalizeH="0" baseline="0" noProof="0" dirty="0">
-                <a:ln>
-                  <a:noFill/>
-                </a:ln>
-                <a:solidFill>
-                  <a:sysClr val="window" lastClr="FFFFFF"/>
-                </a:solidFill>
-                <a:effectLst/>
-                <a:uLnTx/>
-                <a:uFillTx/>
-                <a:latin typeface="Arial" panose="020B0604020202020204" pitchFamily="34" charset="0"/>
-                <a:ea typeface="ＭＳ 明朝" panose="02020609040205080304" pitchFamily="17" charset="-128"/>
-                <a:cs typeface="Times New Roman" panose="02020603050405020304" pitchFamily="18" charset="0"/>
-              </a:rPr>
-              <a:t> </a:t>
-            </a:r>
-            <a:endParaRPr kumimoji="0" lang="ja-JP" altLang="en-US" sz="1050" b="0" i="0" u="none" strike="noStrike" kern="100" cap="none" spc="0" normalizeH="0" baseline="0" noProof="0" dirty="0">
-              <a:ln>
-                <a:noFill/>
-              </a:ln>
-              <a:solidFill>
-                <a:sysClr val="window" lastClr="FFFFFF"/>
-              </a:solidFill>
-              <a:effectLst/>
-              <a:uLnTx/>
-              <a:uFillTx/>
-              <a:latin typeface="Century"/>
-              <a:ea typeface="ＭＳ 明朝" panose="02020609040205080304" pitchFamily="17" charset="-128"/>
-              <a:cs typeface="Times New Roman" panose="02020603050405020304" pitchFamily="18" charset="0"/>
-            </a:endParaRPr>
-          </a:p>
-          <a:p>
-            <a:pPr marL="0" marR="0" lvl="0" indent="0" algn="l" defTabSz="914400" eaLnBrk="1" fontAlgn="auto" latinLnBrk="0" hangingPunct="1">
-              <a:lnSpc>
-                <a:spcPts val="800"/>
-              </a:lnSpc>
-              <a:spcBef>
-                <a:spcPts val="0"/>
-              </a:spcBef>
-              <a:spcAft>
-                <a:spcPts val="0"/>
-              </a:spcAft>
-              <a:buClrTx/>
-              <a:buSzTx/>
-              <a:buFontTx/>
-              <a:buNone/>
-              <a:tabLst/>
-              <a:defRPr/>
-            </a:pPr>
-            <a:r>
-              <a:rPr kumimoji="0" lang="en-US" sz="900" b="0" i="0" u="none" strike="noStrike" kern="100" cap="none" spc="0" normalizeH="0" baseline="0" noProof="0" dirty="0">
-                <a:ln>
-                  <a:noFill/>
-                </a:ln>
-                <a:solidFill>
-                  <a:sysClr val="window" lastClr="FFFFFF"/>
-                </a:solidFill>
-                <a:effectLst/>
-                <a:uLnTx/>
-                <a:uFillTx/>
-                <a:latin typeface="Arial" panose="020B0604020202020204" pitchFamily="34" charset="0"/>
-                <a:ea typeface="ＭＳ 明朝" panose="02020609040205080304" pitchFamily="17" charset="-128"/>
-                <a:cs typeface="Times New Roman" panose="02020603050405020304" pitchFamily="18" charset="0"/>
-              </a:rPr>
-              <a:t>#Password set for OS installation target server</a:t>
-            </a:r>
-            <a:endParaRPr kumimoji="0" lang="ja-JP" altLang="en-US" sz="1050" b="0" i="0" u="none" strike="noStrike" kern="100" cap="none" spc="0" normalizeH="0" baseline="0" noProof="0" dirty="0">
-              <a:ln>
-                <a:noFill/>
-              </a:ln>
-              <a:solidFill>
-                <a:sysClr val="window" lastClr="FFFFFF"/>
-              </a:solidFill>
-              <a:effectLst/>
-              <a:uLnTx/>
-              <a:uFillTx/>
-              <a:latin typeface="Century"/>
-              <a:ea typeface="ＭＳ 明朝" panose="02020609040205080304" pitchFamily="17" charset="-128"/>
-              <a:cs typeface="Times New Roman" panose="02020603050405020304" pitchFamily="18" charset="0"/>
-            </a:endParaRPr>
-          </a:p>
-          <a:p>
-            <a:pPr marL="0" marR="0" lvl="0" indent="0" algn="l" defTabSz="914400" eaLnBrk="1" fontAlgn="auto" latinLnBrk="0" hangingPunct="1">
-              <a:lnSpc>
-                <a:spcPts val="800"/>
-              </a:lnSpc>
-              <a:spcBef>
-                <a:spcPts val="0"/>
-              </a:spcBef>
-              <a:spcAft>
-                <a:spcPts val="0"/>
-              </a:spcAft>
-              <a:buClrTx/>
-              <a:buSzTx/>
-              <a:buFontTx/>
-              <a:buNone/>
-              <a:tabLst/>
-              <a:defRPr/>
-            </a:pPr>
-            <a:r>
-              <a:rPr kumimoji="0" lang="en-US" sz="900" b="0" i="0" u="none" strike="noStrike" kern="100" cap="none" spc="0" normalizeH="0" baseline="0" noProof="0" dirty="0" err="1">
-                <a:ln>
-                  <a:noFill/>
-                </a:ln>
-                <a:solidFill>
-                  <a:sysClr val="window" lastClr="FFFFFF"/>
-                </a:solidFill>
-                <a:effectLst/>
-                <a:uLnTx/>
-                <a:uFillTx/>
-                <a:latin typeface="Arial" panose="020B0604020202020204" pitchFamily="34" charset="0"/>
-                <a:ea typeface="ＭＳ 明朝" panose="02020609040205080304" pitchFamily="17" charset="-128"/>
-                <a:cs typeface="Times New Roman" panose="02020603050405020304" pitchFamily="18" charset="0"/>
-              </a:rPr>
-              <a:t>default_password:sample_password</a:t>
-            </a:r>
-            <a:endParaRPr kumimoji="0" lang="ja-JP" altLang="en-US" sz="1050" b="0" i="0" u="none" strike="noStrike" kern="100" cap="none" spc="0" normalizeH="0" baseline="0" noProof="0" dirty="0">
-              <a:ln>
-                <a:noFill/>
-              </a:ln>
-              <a:solidFill>
-                <a:sysClr val="window" lastClr="FFFFFF"/>
-              </a:solidFill>
-              <a:effectLst/>
-              <a:uLnTx/>
-              <a:uFillTx/>
-              <a:latin typeface="Century"/>
-              <a:ea typeface="ＭＳ 明朝" panose="02020609040205080304" pitchFamily="17" charset="-128"/>
-              <a:cs typeface="Times New Roman" panose="02020603050405020304" pitchFamily="18" charset="0"/>
-            </a:endParaRPr>
-          </a:p>
-          <a:p>
-            <a:pPr marL="0" marR="0" lvl="0" indent="0" algn="l" defTabSz="914400" eaLnBrk="1" fontAlgn="auto" latinLnBrk="0" hangingPunct="1">
-              <a:lnSpc>
-                <a:spcPts val="800"/>
-              </a:lnSpc>
-              <a:spcBef>
-                <a:spcPts val="0"/>
-              </a:spcBef>
-              <a:spcAft>
-                <a:spcPts val="0"/>
-              </a:spcAft>
-              <a:buClrTx/>
-              <a:buSzTx/>
-              <a:buFontTx/>
-              <a:buNone/>
-              <a:tabLst/>
-              <a:defRPr/>
-            </a:pPr>
-            <a:r>
-              <a:rPr kumimoji="0" lang="en-US" sz="900" b="0" i="0" u="none" strike="noStrike" kern="100" cap="none" spc="0" normalizeH="0" baseline="0" noProof="0" dirty="0">
-                <a:ln>
-                  <a:noFill/>
-                </a:ln>
-                <a:solidFill>
-                  <a:sysClr val="window" lastClr="FFFFFF"/>
-                </a:solidFill>
-                <a:effectLst/>
-                <a:uLnTx/>
-                <a:uFillTx/>
-                <a:latin typeface="Arial" panose="020B0604020202020204" pitchFamily="34" charset="0"/>
-                <a:ea typeface="ＭＳ 明朝" panose="02020609040205080304" pitchFamily="17" charset="-128"/>
-                <a:cs typeface="Times New Roman" panose="02020603050405020304" pitchFamily="18" charset="0"/>
-              </a:rPr>
-              <a:t> </a:t>
-            </a:r>
-            <a:endParaRPr kumimoji="0" lang="ja-JP" altLang="en-US" sz="1050" b="0" i="0" u="none" strike="noStrike" kern="100" cap="none" spc="0" normalizeH="0" baseline="0" noProof="0" dirty="0">
-              <a:ln>
-                <a:noFill/>
-              </a:ln>
-              <a:solidFill>
-                <a:sysClr val="window" lastClr="FFFFFF"/>
-              </a:solidFill>
-              <a:effectLst/>
-              <a:uLnTx/>
-              <a:uFillTx/>
-              <a:latin typeface="Century"/>
-              <a:ea typeface="ＭＳ 明朝" panose="02020609040205080304" pitchFamily="17" charset="-128"/>
-              <a:cs typeface="Times New Roman" panose="02020603050405020304" pitchFamily="18" charset="0"/>
-            </a:endParaRPr>
-          </a:p>
-          <a:p>
-            <a:pPr marL="0" marR="0" lvl="0" indent="0" algn="l" defTabSz="914400" eaLnBrk="1" fontAlgn="auto" latinLnBrk="0" hangingPunct="1">
-              <a:lnSpc>
-                <a:spcPts val="800"/>
-              </a:lnSpc>
-              <a:spcBef>
-                <a:spcPts val="0"/>
-              </a:spcBef>
-              <a:spcAft>
-                <a:spcPts val="0"/>
-              </a:spcAft>
-              <a:buClrTx/>
-              <a:buSzTx/>
-              <a:buFontTx/>
-              <a:buNone/>
-              <a:tabLst/>
-              <a:defRPr/>
-            </a:pPr>
-            <a:r>
-              <a:rPr kumimoji="0" lang="en-US" sz="900" b="0" i="0" u="none" strike="noStrike" kern="100" cap="none" spc="0" normalizeH="0" baseline="0" noProof="0" dirty="0">
-                <a:ln>
-                  <a:noFill/>
-                </a:ln>
-                <a:solidFill>
-                  <a:sysClr val="window" lastClr="FFFFFF"/>
-                </a:solidFill>
-                <a:effectLst/>
-                <a:uLnTx/>
-                <a:uFillTx/>
-                <a:latin typeface="Arial" panose="020B0604020202020204" pitchFamily="34" charset="0"/>
-                <a:ea typeface="ＭＳ 明朝" panose="02020609040205080304" pitchFamily="17" charset="-128"/>
-                <a:cs typeface="Times New Roman" panose="02020603050405020304" pitchFamily="18" charset="0"/>
-              </a:rPr>
-              <a:t>#DHCP setting</a:t>
-            </a:r>
-            <a:endParaRPr kumimoji="0" lang="ja-JP" altLang="en-US" sz="1050" b="0" i="0" u="none" strike="noStrike" kern="100" cap="none" spc="0" normalizeH="0" baseline="0" noProof="0" dirty="0">
-              <a:ln>
-                <a:noFill/>
-              </a:ln>
-              <a:solidFill>
-                <a:sysClr val="window" lastClr="FFFFFF"/>
-              </a:solidFill>
-              <a:effectLst/>
-              <a:uLnTx/>
-              <a:uFillTx/>
-              <a:latin typeface="Century"/>
-              <a:ea typeface="ＭＳ 明朝" panose="02020609040205080304" pitchFamily="17" charset="-128"/>
-              <a:cs typeface="Times New Roman" panose="02020603050405020304" pitchFamily="18" charset="0"/>
-            </a:endParaRPr>
-          </a:p>
-          <a:p>
-            <a:pPr marL="0" marR="0" lvl="0" indent="0" algn="l" defTabSz="914400" eaLnBrk="1" fontAlgn="auto" latinLnBrk="0" hangingPunct="1">
-              <a:lnSpc>
-                <a:spcPts val="800"/>
-              </a:lnSpc>
-              <a:spcBef>
-                <a:spcPts val="0"/>
-              </a:spcBef>
-              <a:spcAft>
-                <a:spcPts val="0"/>
-              </a:spcAft>
-              <a:buClrTx/>
-              <a:buSzTx/>
-              <a:buFontTx/>
-              <a:buNone/>
-              <a:tabLst/>
-              <a:defRPr/>
-            </a:pPr>
-            <a:r>
-              <a:rPr kumimoji="0" lang="en-US" sz="900" b="0" i="0" u="none" strike="noStrike" kern="100" cap="none" spc="0" normalizeH="0" baseline="0" noProof="0" dirty="0">
-                <a:ln>
-                  <a:noFill/>
-                </a:ln>
-                <a:solidFill>
-                  <a:sysClr val="window" lastClr="FFFFFF"/>
-                </a:solidFill>
-                <a:effectLst/>
-                <a:uLnTx/>
-                <a:uFillTx/>
-                <a:latin typeface="Arial" panose="020B0604020202020204" pitchFamily="34" charset="0"/>
-                <a:ea typeface="ＭＳ 明朝" panose="02020609040205080304" pitchFamily="17" charset="-128"/>
-                <a:cs typeface="Times New Roman" panose="02020603050405020304" pitchFamily="18" charset="0"/>
-              </a:rPr>
-              <a:t>#Network address of cobbler server</a:t>
-            </a:r>
-            <a:endParaRPr kumimoji="0" lang="ja-JP" altLang="en-US" sz="1050" b="0" i="0" u="none" strike="noStrike" kern="100" cap="none" spc="0" normalizeH="0" baseline="0" noProof="0" dirty="0">
-              <a:ln>
-                <a:noFill/>
-              </a:ln>
-              <a:solidFill>
-                <a:sysClr val="window" lastClr="FFFFFF"/>
-              </a:solidFill>
-              <a:effectLst/>
-              <a:uLnTx/>
-              <a:uFillTx/>
-              <a:latin typeface="Century"/>
-              <a:ea typeface="ＭＳ 明朝" panose="02020609040205080304" pitchFamily="17" charset="-128"/>
-              <a:cs typeface="Times New Roman" panose="02020603050405020304" pitchFamily="18" charset="0"/>
-            </a:endParaRPr>
-          </a:p>
-          <a:p>
-            <a:pPr marL="0" marR="0" lvl="0" indent="0" algn="l" defTabSz="914400" eaLnBrk="1" fontAlgn="auto" latinLnBrk="0" hangingPunct="1">
-              <a:lnSpc>
-                <a:spcPts val="800"/>
-              </a:lnSpc>
-              <a:spcBef>
-                <a:spcPts val="0"/>
-              </a:spcBef>
-              <a:spcAft>
-                <a:spcPts val="0"/>
-              </a:spcAft>
-              <a:buClrTx/>
-              <a:buSzTx/>
-              <a:buFontTx/>
-              <a:buNone/>
-              <a:tabLst/>
-              <a:defRPr/>
-            </a:pPr>
-            <a:r>
-              <a:rPr kumimoji="0" lang="en-US" sz="900" b="0" i="0" u="none" strike="noStrike" kern="100" cap="none" spc="0" normalizeH="0" baseline="0" noProof="0" dirty="0">
-                <a:ln>
-                  <a:noFill/>
-                </a:ln>
-                <a:solidFill>
-                  <a:sysClr val="window" lastClr="FFFFFF"/>
-                </a:solidFill>
-                <a:effectLst/>
-                <a:uLnTx/>
-                <a:uFillTx/>
-                <a:latin typeface="Arial" panose="020B0604020202020204" pitchFamily="34" charset="0"/>
-                <a:ea typeface="ＭＳ 明朝" panose="02020609040205080304" pitchFamily="17" charset="-128"/>
-                <a:cs typeface="Times New Roman" panose="02020603050405020304" pitchFamily="18" charset="0"/>
-              </a:rPr>
-              <a:t>cobbler_ip:10.10.10.0</a:t>
-            </a:r>
-            <a:endParaRPr kumimoji="0" lang="ja-JP" altLang="en-US" sz="1050" b="0" i="0" u="none" strike="noStrike" kern="100" cap="none" spc="0" normalizeH="0" baseline="0" noProof="0" dirty="0">
-              <a:ln>
-                <a:noFill/>
-              </a:ln>
-              <a:solidFill>
-                <a:sysClr val="window" lastClr="FFFFFF"/>
-              </a:solidFill>
-              <a:effectLst/>
-              <a:uLnTx/>
-              <a:uFillTx/>
-              <a:latin typeface="Century"/>
-              <a:ea typeface="ＭＳ 明朝" panose="02020609040205080304" pitchFamily="17" charset="-128"/>
-              <a:cs typeface="Times New Roman" panose="02020603050405020304" pitchFamily="18" charset="0"/>
-            </a:endParaRPr>
-          </a:p>
-          <a:p>
-            <a:pPr marL="0" marR="0" lvl="0" indent="0" algn="l" defTabSz="914400" eaLnBrk="1" fontAlgn="auto" latinLnBrk="0" hangingPunct="1">
-              <a:lnSpc>
-                <a:spcPts val="800"/>
-              </a:lnSpc>
-              <a:spcBef>
-                <a:spcPts val="0"/>
-              </a:spcBef>
-              <a:spcAft>
-                <a:spcPts val="0"/>
-              </a:spcAft>
-              <a:buClrTx/>
-              <a:buSzTx/>
-              <a:buFontTx/>
-              <a:buNone/>
-              <a:tabLst/>
-              <a:defRPr/>
-            </a:pPr>
-            <a:r>
-              <a:rPr kumimoji="0" lang="en-US" sz="900" b="0" i="0" u="none" strike="noStrike" kern="100" cap="none" spc="0" normalizeH="0" baseline="0" noProof="0" dirty="0">
-                <a:ln>
-                  <a:noFill/>
-                </a:ln>
-                <a:solidFill>
-                  <a:sysClr val="window" lastClr="FFFFFF"/>
-                </a:solidFill>
-                <a:effectLst/>
-                <a:uLnTx/>
-                <a:uFillTx/>
-                <a:latin typeface="Arial" panose="020B0604020202020204" pitchFamily="34" charset="0"/>
-                <a:ea typeface="ＭＳ 明朝" panose="02020609040205080304" pitchFamily="17" charset="-128"/>
-                <a:cs typeface="Times New Roman" panose="02020603050405020304" pitchFamily="18" charset="0"/>
-              </a:rPr>
-              <a:t> </a:t>
-            </a:r>
-            <a:endParaRPr kumimoji="0" lang="ja-JP" altLang="en-US" sz="1050" b="0" i="0" u="none" strike="noStrike" kern="100" cap="none" spc="0" normalizeH="0" baseline="0" noProof="0" dirty="0">
-              <a:ln>
-                <a:noFill/>
-              </a:ln>
-              <a:solidFill>
-                <a:sysClr val="window" lastClr="FFFFFF"/>
-              </a:solidFill>
-              <a:effectLst/>
-              <a:uLnTx/>
-              <a:uFillTx/>
-              <a:latin typeface="Century"/>
-              <a:ea typeface="ＭＳ 明朝" panose="02020609040205080304" pitchFamily="17" charset="-128"/>
-              <a:cs typeface="Times New Roman" panose="02020603050405020304" pitchFamily="18" charset="0"/>
-            </a:endParaRPr>
-          </a:p>
-          <a:p>
-            <a:pPr marL="0" marR="0" lvl="0" indent="0" algn="l" defTabSz="914400" eaLnBrk="1" fontAlgn="auto" latinLnBrk="0" hangingPunct="1">
-              <a:lnSpc>
-                <a:spcPts val="800"/>
-              </a:lnSpc>
-              <a:spcBef>
-                <a:spcPts val="0"/>
-              </a:spcBef>
-              <a:spcAft>
-                <a:spcPts val="0"/>
-              </a:spcAft>
-              <a:buClrTx/>
-              <a:buSzTx/>
-              <a:buFontTx/>
-              <a:buNone/>
-              <a:tabLst/>
-              <a:defRPr/>
-            </a:pPr>
-            <a:r>
-              <a:rPr kumimoji="0" lang="en-US" sz="900" b="0" i="0" u="none" strike="noStrike" kern="100" cap="none" spc="0" normalizeH="0" baseline="0" noProof="0" dirty="0">
-                <a:ln>
-                  <a:noFill/>
-                </a:ln>
-                <a:solidFill>
-                  <a:sysClr val="window" lastClr="FFFFFF"/>
-                </a:solidFill>
-                <a:effectLst/>
-                <a:uLnTx/>
-                <a:uFillTx/>
-                <a:latin typeface="Arial" panose="020B0604020202020204" pitchFamily="34" charset="0"/>
-                <a:ea typeface="ＭＳ 明朝" panose="02020609040205080304" pitchFamily="17" charset="-128"/>
-                <a:cs typeface="Times New Roman" panose="02020603050405020304" pitchFamily="18" charset="0"/>
-              </a:rPr>
-              <a:t>#subnet mask of cobbler server</a:t>
-            </a:r>
-            <a:endParaRPr kumimoji="0" lang="ja-JP" altLang="en-US" sz="1050" b="0" i="0" u="none" strike="noStrike" kern="100" cap="none" spc="0" normalizeH="0" baseline="0" noProof="0" dirty="0">
-              <a:ln>
-                <a:noFill/>
-              </a:ln>
-              <a:solidFill>
-                <a:sysClr val="window" lastClr="FFFFFF"/>
-              </a:solidFill>
-              <a:effectLst/>
-              <a:uLnTx/>
-              <a:uFillTx/>
-              <a:latin typeface="Century"/>
-              <a:ea typeface="ＭＳ 明朝" panose="02020609040205080304" pitchFamily="17" charset="-128"/>
-              <a:cs typeface="Times New Roman" panose="02020603050405020304" pitchFamily="18" charset="0"/>
-            </a:endParaRPr>
-          </a:p>
-          <a:p>
-            <a:pPr marL="0" marR="0" lvl="0" indent="0" algn="l" defTabSz="914400" eaLnBrk="1" fontAlgn="auto" latinLnBrk="0" hangingPunct="1">
-              <a:lnSpc>
-                <a:spcPts val="800"/>
-              </a:lnSpc>
-              <a:spcBef>
-                <a:spcPts val="0"/>
-              </a:spcBef>
-              <a:spcAft>
-                <a:spcPts val="0"/>
-              </a:spcAft>
-              <a:buClrTx/>
-              <a:buSzTx/>
-              <a:buFontTx/>
-              <a:buNone/>
-              <a:tabLst/>
-              <a:defRPr/>
-            </a:pPr>
-            <a:r>
-              <a:rPr kumimoji="0" lang="en-US" sz="900" b="0" i="0" u="none" strike="noStrike" kern="100" cap="none" spc="0" normalizeH="0" baseline="0" noProof="0" dirty="0">
-                <a:ln>
-                  <a:noFill/>
-                </a:ln>
-                <a:solidFill>
-                  <a:sysClr val="window" lastClr="FFFFFF"/>
-                </a:solidFill>
-                <a:effectLst/>
-                <a:uLnTx/>
-                <a:uFillTx/>
-                <a:latin typeface="Arial" panose="020B0604020202020204" pitchFamily="34" charset="0"/>
-                <a:ea typeface="ＭＳ 明朝" panose="02020609040205080304" pitchFamily="17" charset="-128"/>
-                <a:cs typeface="Times New Roman" panose="02020603050405020304" pitchFamily="18" charset="0"/>
-              </a:rPr>
-              <a:t>cobbler_subnet:255.255.255.0</a:t>
-            </a:r>
-            <a:endParaRPr kumimoji="0" lang="ja-JP" altLang="en-US" sz="1050" b="0" i="0" u="none" strike="noStrike" kern="100" cap="none" spc="0" normalizeH="0" baseline="0" noProof="0" dirty="0">
-              <a:ln>
-                <a:noFill/>
-              </a:ln>
-              <a:solidFill>
-                <a:sysClr val="window" lastClr="FFFFFF"/>
-              </a:solidFill>
-              <a:effectLst/>
-              <a:uLnTx/>
-              <a:uFillTx/>
-              <a:latin typeface="Century"/>
-              <a:ea typeface="ＭＳ 明朝" panose="02020609040205080304" pitchFamily="17" charset="-128"/>
-              <a:cs typeface="Times New Roman" panose="02020603050405020304" pitchFamily="18" charset="0"/>
-            </a:endParaRPr>
-          </a:p>
-          <a:p>
-            <a:pPr marL="0" marR="0" lvl="0" indent="0" algn="l" defTabSz="914400" eaLnBrk="1" fontAlgn="auto" latinLnBrk="0" hangingPunct="1">
-              <a:lnSpc>
-                <a:spcPts val="800"/>
-              </a:lnSpc>
-              <a:spcBef>
-                <a:spcPts val="0"/>
-              </a:spcBef>
-              <a:spcAft>
-                <a:spcPts val="0"/>
-              </a:spcAft>
-              <a:buClrTx/>
-              <a:buSzTx/>
-              <a:buFontTx/>
-              <a:buNone/>
-              <a:tabLst/>
-              <a:defRPr/>
-            </a:pPr>
-            <a:r>
-              <a:rPr kumimoji="0" lang="en-US" sz="900" b="0" i="0" u="none" strike="noStrike" kern="100" cap="none" spc="0" normalizeH="0" baseline="0" noProof="0" dirty="0">
-                <a:ln>
-                  <a:noFill/>
-                </a:ln>
-                <a:solidFill>
-                  <a:sysClr val="window" lastClr="FFFFFF"/>
-                </a:solidFill>
-                <a:effectLst/>
-                <a:uLnTx/>
-                <a:uFillTx/>
-                <a:latin typeface="Arial" panose="020B0604020202020204" pitchFamily="34" charset="0"/>
-                <a:ea typeface="ＭＳ 明朝" panose="02020609040205080304" pitchFamily="17" charset="-128"/>
-                <a:cs typeface="Times New Roman" panose="02020603050405020304" pitchFamily="18" charset="0"/>
-              </a:rPr>
-              <a:t> </a:t>
-            </a:r>
-            <a:endParaRPr kumimoji="0" lang="ja-JP" altLang="en-US" sz="1050" b="0" i="0" u="none" strike="noStrike" kern="100" cap="none" spc="0" normalizeH="0" baseline="0" noProof="0" dirty="0">
-              <a:ln>
-                <a:noFill/>
-              </a:ln>
-              <a:solidFill>
-                <a:sysClr val="window" lastClr="FFFFFF"/>
-              </a:solidFill>
-              <a:effectLst/>
-              <a:uLnTx/>
-              <a:uFillTx/>
-              <a:latin typeface="Century"/>
-              <a:ea typeface="ＭＳ 明朝" panose="02020609040205080304" pitchFamily="17" charset="-128"/>
-              <a:cs typeface="Times New Roman" panose="02020603050405020304" pitchFamily="18" charset="0"/>
-            </a:endParaRPr>
-          </a:p>
-          <a:p>
-            <a:pPr marL="0" marR="0" lvl="0" indent="0" algn="l" defTabSz="914400" eaLnBrk="1" fontAlgn="auto" latinLnBrk="0" hangingPunct="1">
-              <a:lnSpc>
-                <a:spcPts val="800"/>
-              </a:lnSpc>
-              <a:spcBef>
-                <a:spcPts val="0"/>
-              </a:spcBef>
-              <a:spcAft>
-                <a:spcPts val="0"/>
-              </a:spcAft>
-              <a:buClrTx/>
-              <a:buSzTx/>
-              <a:buFontTx/>
-              <a:buNone/>
-              <a:tabLst/>
-              <a:defRPr/>
-            </a:pPr>
-            <a:r>
-              <a:rPr kumimoji="0" lang="en-US" sz="900" b="0" i="0" u="none" strike="noStrike" kern="100" cap="none" spc="0" normalizeH="0" baseline="0" noProof="0" dirty="0">
-                <a:ln>
-                  <a:noFill/>
-                </a:ln>
-                <a:solidFill>
-                  <a:sysClr val="window" lastClr="FFFFFF"/>
-                </a:solidFill>
-                <a:effectLst/>
-                <a:uLnTx/>
-                <a:uFillTx/>
-                <a:latin typeface="Arial" panose="020B0604020202020204" pitchFamily="34" charset="0"/>
-                <a:ea typeface="ＭＳ 明朝" panose="02020609040205080304" pitchFamily="17" charset="-128"/>
-                <a:cs typeface="Times New Roman" panose="02020603050405020304" pitchFamily="18" charset="0"/>
-              </a:rPr>
-              <a:t>#default gateway of cobbler server</a:t>
-            </a:r>
-            <a:endParaRPr kumimoji="0" lang="ja-JP" altLang="en-US" sz="1050" b="0" i="0" u="none" strike="noStrike" kern="100" cap="none" spc="0" normalizeH="0" baseline="0" noProof="0" dirty="0">
-              <a:ln>
-                <a:noFill/>
-              </a:ln>
-              <a:solidFill>
-                <a:sysClr val="window" lastClr="FFFFFF"/>
-              </a:solidFill>
-              <a:effectLst/>
-              <a:uLnTx/>
-              <a:uFillTx/>
-              <a:latin typeface="Century"/>
-              <a:ea typeface="ＭＳ 明朝" panose="02020609040205080304" pitchFamily="17" charset="-128"/>
-              <a:cs typeface="Times New Roman" panose="02020603050405020304" pitchFamily="18" charset="0"/>
-            </a:endParaRPr>
-          </a:p>
-          <a:p>
-            <a:pPr marL="0" marR="0" lvl="0" indent="0" algn="l" defTabSz="914400" eaLnBrk="1" fontAlgn="auto" latinLnBrk="0" hangingPunct="1">
-              <a:lnSpc>
-                <a:spcPts val="800"/>
-              </a:lnSpc>
-              <a:spcBef>
-                <a:spcPts val="0"/>
-              </a:spcBef>
-              <a:spcAft>
-                <a:spcPts val="0"/>
-              </a:spcAft>
-              <a:buClrTx/>
-              <a:buSzTx/>
-              <a:buFontTx/>
-              <a:buNone/>
-              <a:tabLst/>
-              <a:defRPr/>
-            </a:pPr>
-            <a:r>
-              <a:rPr kumimoji="0" lang="en-US" sz="900" b="0" i="0" u="none" strike="noStrike" kern="100" cap="none" spc="0" normalizeH="0" baseline="0" noProof="0" dirty="0">
-                <a:ln>
-                  <a:noFill/>
-                </a:ln>
-                <a:solidFill>
-                  <a:sysClr val="window" lastClr="FFFFFF"/>
-                </a:solidFill>
-                <a:effectLst/>
-                <a:uLnTx/>
-                <a:uFillTx/>
-                <a:latin typeface="Arial" panose="020B0604020202020204" pitchFamily="34" charset="0"/>
-                <a:ea typeface="ＭＳ 明朝" panose="02020609040205080304" pitchFamily="17" charset="-128"/>
-                <a:cs typeface="Times New Roman" panose="02020603050405020304" pitchFamily="18" charset="0"/>
-              </a:rPr>
-              <a:t>cobbler_gateway:0.0.0.0</a:t>
-            </a:r>
-            <a:endParaRPr kumimoji="0" lang="ja-JP" altLang="en-US" sz="1050" b="0" i="0" u="none" strike="noStrike" kern="100" cap="none" spc="0" normalizeH="0" baseline="0" noProof="0" dirty="0">
-              <a:ln>
-                <a:noFill/>
-              </a:ln>
-              <a:solidFill>
-                <a:sysClr val="window" lastClr="FFFFFF"/>
-              </a:solidFill>
-              <a:effectLst/>
-              <a:uLnTx/>
-              <a:uFillTx/>
-              <a:latin typeface="Century"/>
-              <a:ea typeface="ＭＳ 明朝" panose="02020609040205080304" pitchFamily="17" charset="-128"/>
-              <a:cs typeface="Times New Roman" panose="02020603050405020304" pitchFamily="18" charset="0"/>
-            </a:endParaRPr>
-          </a:p>
-          <a:p>
-            <a:pPr marL="0" marR="0" lvl="0" indent="0" algn="l" defTabSz="914400" eaLnBrk="1" fontAlgn="auto" latinLnBrk="0" hangingPunct="1">
-              <a:lnSpc>
-                <a:spcPts val="800"/>
-              </a:lnSpc>
-              <a:spcBef>
-                <a:spcPts val="0"/>
-              </a:spcBef>
-              <a:spcAft>
-                <a:spcPts val="0"/>
-              </a:spcAft>
-              <a:buClrTx/>
-              <a:buSzTx/>
-              <a:buFontTx/>
-              <a:buNone/>
-              <a:tabLst/>
-              <a:defRPr/>
-            </a:pPr>
-            <a:r>
-              <a:rPr kumimoji="0" lang="en-US" sz="900" b="0" i="0" u="none" strike="noStrike" kern="100" cap="none" spc="0" normalizeH="0" baseline="0" noProof="0" dirty="0">
-                <a:ln>
-                  <a:noFill/>
-                </a:ln>
-                <a:solidFill>
-                  <a:sysClr val="window" lastClr="FFFFFF"/>
-                </a:solidFill>
-                <a:effectLst/>
-                <a:uLnTx/>
-                <a:uFillTx/>
-                <a:latin typeface="Arial" panose="020B0604020202020204" pitchFamily="34" charset="0"/>
-                <a:ea typeface="ＭＳ 明朝" panose="02020609040205080304" pitchFamily="17" charset="-128"/>
-                <a:cs typeface="Times New Roman" panose="02020603050405020304" pitchFamily="18" charset="0"/>
-              </a:rPr>
-              <a:t> </a:t>
-            </a:r>
-            <a:endParaRPr kumimoji="0" lang="ja-JP" altLang="en-US" sz="1050" b="0" i="0" u="none" strike="noStrike" kern="100" cap="none" spc="0" normalizeH="0" baseline="0" noProof="0" dirty="0">
-              <a:ln>
-                <a:noFill/>
-              </a:ln>
-              <a:solidFill>
-                <a:sysClr val="window" lastClr="FFFFFF"/>
-              </a:solidFill>
-              <a:effectLst/>
-              <a:uLnTx/>
-              <a:uFillTx/>
-              <a:latin typeface="Century"/>
-              <a:ea typeface="ＭＳ 明朝" panose="02020609040205080304" pitchFamily="17" charset="-128"/>
-              <a:cs typeface="Times New Roman" panose="02020603050405020304" pitchFamily="18" charset="0"/>
-            </a:endParaRPr>
-          </a:p>
-          <a:p>
-            <a:pPr marL="0" marR="0" lvl="0" indent="0" algn="l" defTabSz="914400" eaLnBrk="1" fontAlgn="auto" latinLnBrk="0" hangingPunct="1">
-              <a:lnSpc>
-                <a:spcPts val="800"/>
-              </a:lnSpc>
-              <a:spcBef>
-                <a:spcPts val="0"/>
-              </a:spcBef>
-              <a:spcAft>
-                <a:spcPts val="0"/>
-              </a:spcAft>
-              <a:buClrTx/>
-              <a:buSzTx/>
-              <a:buFontTx/>
-              <a:buNone/>
-              <a:tabLst/>
-              <a:defRPr/>
-            </a:pPr>
-            <a:r>
-              <a:rPr kumimoji="0" lang="en-US" sz="900" b="0" i="0" u="none" strike="noStrike" kern="100" cap="none" spc="0" normalizeH="0" baseline="0" noProof="0" dirty="0">
-                <a:ln>
-                  <a:noFill/>
-                </a:ln>
-                <a:solidFill>
-                  <a:sysClr val="window" lastClr="FFFFFF"/>
-                </a:solidFill>
-                <a:effectLst/>
-                <a:uLnTx/>
-                <a:uFillTx/>
-                <a:latin typeface="Arial" panose="020B0604020202020204" pitchFamily="34" charset="0"/>
-                <a:ea typeface="ＭＳ 明朝" panose="02020609040205080304" pitchFamily="17" charset="-128"/>
-                <a:cs typeface="Times New Roman" panose="02020603050405020304" pitchFamily="18" charset="0"/>
-              </a:rPr>
-              <a:t>#DNS server IP address (Separate space if more than one)</a:t>
-            </a:r>
-            <a:endParaRPr kumimoji="0" lang="ja-JP" altLang="en-US" sz="1050" b="0" i="0" u="none" strike="noStrike" kern="100" cap="none" spc="0" normalizeH="0" baseline="0" noProof="0" dirty="0">
-              <a:ln>
-                <a:noFill/>
-              </a:ln>
-              <a:solidFill>
-                <a:sysClr val="window" lastClr="FFFFFF"/>
-              </a:solidFill>
-              <a:effectLst/>
-              <a:uLnTx/>
-              <a:uFillTx/>
-              <a:latin typeface="Century"/>
-              <a:ea typeface="ＭＳ 明朝" panose="02020609040205080304" pitchFamily="17" charset="-128"/>
-              <a:cs typeface="Times New Roman" panose="02020603050405020304" pitchFamily="18" charset="0"/>
-            </a:endParaRPr>
-          </a:p>
-          <a:p>
-            <a:pPr marL="0" marR="0" lvl="0" indent="0" algn="l" defTabSz="914400" eaLnBrk="1" fontAlgn="auto" latinLnBrk="0" hangingPunct="1">
-              <a:lnSpc>
-                <a:spcPts val="800"/>
-              </a:lnSpc>
-              <a:spcBef>
-                <a:spcPts val="0"/>
-              </a:spcBef>
-              <a:spcAft>
-                <a:spcPts val="0"/>
-              </a:spcAft>
-              <a:buClrTx/>
-              <a:buSzTx/>
-              <a:buFontTx/>
-              <a:buNone/>
-              <a:tabLst/>
-              <a:defRPr/>
-            </a:pPr>
-            <a:r>
-              <a:rPr kumimoji="0" lang="en-US" sz="900" b="0" i="0" u="none" strike="noStrike" kern="100" cap="none" spc="0" normalizeH="0" baseline="0" noProof="0" dirty="0">
-                <a:ln>
-                  <a:noFill/>
-                </a:ln>
-                <a:solidFill>
-                  <a:sysClr val="window" lastClr="FFFFFF"/>
-                </a:solidFill>
-                <a:effectLst/>
-                <a:uLnTx/>
-                <a:uFillTx/>
-                <a:latin typeface="Arial" panose="020B0604020202020204" pitchFamily="34" charset="0"/>
-                <a:ea typeface="ＭＳ 明朝" panose="02020609040205080304" pitchFamily="17" charset="-128"/>
-                <a:cs typeface="Times New Roman" panose="02020603050405020304" pitchFamily="18" charset="0"/>
-              </a:rPr>
-              <a:t>cobbler_dns:8.8.8.8</a:t>
-            </a:r>
-            <a:endParaRPr kumimoji="0" lang="ja-JP" altLang="en-US" sz="1050" b="0" i="0" u="none" strike="noStrike" kern="100" cap="none" spc="0" normalizeH="0" baseline="0" noProof="0" dirty="0">
-              <a:ln>
-                <a:noFill/>
-              </a:ln>
-              <a:solidFill>
-                <a:sysClr val="window" lastClr="FFFFFF"/>
-              </a:solidFill>
-              <a:effectLst/>
-              <a:uLnTx/>
-              <a:uFillTx/>
-              <a:latin typeface="Century"/>
-              <a:ea typeface="ＭＳ 明朝" panose="02020609040205080304" pitchFamily="17" charset="-128"/>
-              <a:cs typeface="Times New Roman" panose="02020603050405020304" pitchFamily="18" charset="0"/>
-            </a:endParaRPr>
-          </a:p>
-          <a:p>
-            <a:pPr marL="0" marR="0" lvl="0" indent="0" algn="l" defTabSz="914400" eaLnBrk="1" fontAlgn="auto" latinLnBrk="0" hangingPunct="1">
-              <a:lnSpc>
-                <a:spcPts val="800"/>
-              </a:lnSpc>
-              <a:spcBef>
-                <a:spcPts val="0"/>
-              </a:spcBef>
-              <a:spcAft>
-                <a:spcPts val="0"/>
-              </a:spcAft>
-              <a:buClrTx/>
-              <a:buSzTx/>
-              <a:buFontTx/>
-              <a:buNone/>
-              <a:tabLst/>
-              <a:defRPr/>
-            </a:pPr>
-            <a:r>
-              <a:rPr kumimoji="0" lang="en-US" sz="900" b="0" i="0" u="none" strike="noStrike" kern="100" cap="none" spc="0" normalizeH="0" baseline="0" noProof="0" dirty="0">
-                <a:ln>
-                  <a:noFill/>
-                </a:ln>
-                <a:solidFill>
-                  <a:sysClr val="window" lastClr="FFFFFF"/>
-                </a:solidFill>
-                <a:effectLst/>
-                <a:uLnTx/>
-                <a:uFillTx/>
-                <a:latin typeface="Arial" panose="020B0604020202020204" pitchFamily="34" charset="0"/>
-                <a:ea typeface="ＭＳ 明朝" panose="02020609040205080304" pitchFamily="17" charset="-128"/>
-                <a:cs typeface="Times New Roman" panose="02020603050405020304" pitchFamily="18" charset="0"/>
-              </a:rPr>
-              <a:t> </a:t>
-            </a:r>
-            <a:endParaRPr kumimoji="0" lang="ja-JP" altLang="en-US" sz="1050" b="0" i="0" u="none" strike="noStrike" kern="100" cap="none" spc="0" normalizeH="0" baseline="0" noProof="0" dirty="0">
-              <a:ln>
-                <a:noFill/>
-              </a:ln>
-              <a:solidFill>
-                <a:sysClr val="window" lastClr="FFFFFF"/>
-              </a:solidFill>
-              <a:effectLst/>
-              <a:uLnTx/>
-              <a:uFillTx/>
-              <a:latin typeface="Century"/>
-              <a:ea typeface="ＭＳ 明朝" panose="02020609040205080304" pitchFamily="17" charset="-128"/>
-              <a:cs typeface="Times New Roman" panose="02020603050405020304" pitchFamily="18" charset="0"/>
-            </a:endParaRPr>
-          </a:p>
-          <a:p>
-            <a:pPr marL="0" marR="0" lvl="0" indent="0" algn="l" defTabSz="914400" eaLnBrk="1" fontAlgn="auto" latinLnBrk="0" hangingPunct="1">
-              <a:lnSpc>
-                <a:spcPts val="800"/>
-              </a:lnSpc>
-              <a:spcBef>
-                <a:spcPts val="0"/>
-              </a:spcBef>
-              <a:spcAft>
-                <a:spcPts val="0"/>
-              </a:spcAft>
-              <a:buClrTx/>
-              <a:buSzTx/>
-              <a:buFontTx/>
-              <a:buNone/>
-              <a:tabLst/>
-              <a:defRPr/>
-            </a:pPr>
-            <a:r>
-              <a:rPr kumimoji="0" lang="en-US" sz="900" b="0" i="0" u="none" strike="noStrike" kern="100" cap="none" spc="0" normalizeH="0" baseline="0" noProof="0" dirty="0">
-                <a:ln>
-                  <a:noFill/>
-                </a:ln>
-                <a:solidFill>
-                  <a:sysClr val="window" lastClr="FFFFFF"/>
-                </a:solidFill>
-                <a:effectLst/>
-                <a:uLnTx/>
-                <a:uFillTx/>
-                <a:latin typeface="Arial" panose="020B0604020202020204" pitchFamily="34" charset="0"/>
-                <a:ea typeface="ＭＳ 明朝" panose="02020609040205080304" pitchFamily="17" charset="-128"/>
-                <a:cs typeface="Times New Roman" panose="02020603050405020304" pitchFamily="18" charset="0"/>
-              </a:rPr>
-              <a:t>#dynamic dhcp IP address(min)</a:t>
-            </a:r>
-            <a:endParaRPr kumimoji="0" lang="ja-JP" altLang="en-US" sz="1050" b="0" i="0" u="none" strike="noStrike" kern="100" cap="none" spc="0" normalizeH="0" baseline="0" noProof="0" dirty="0">
-              <a:ln>
-                <a:noFill/>
-              </a:ln>
-              <a:solidFill>
-                <a:sysClr val="window" lastClr="FFFFFF"/>
-              </a:solidFill>
-              <a:effectLst/>
-              <a:uLnTx/>
-              <a:uFillTx/>
-              <a:latin typeface="Century"/>
-              <a:ea typeface="ＭＳ 明朝" panose="02020609040205080304" pitchFamily="17" charset="-128"/>
-              <a:cs typeface="Times New Roman" panose="02020603050405020304" pitchFamily="18" charset="0"/>
-            </a:endParaRPr>
-          </a:p>
-          <a:p>
-            <a:pPr marL="0" marR="0" lvl="0" indent="0" algn="l" defTabSz="914400" eaLnBrk="1" fontAlgn="auto" latinLnBrk="0" hangingPunct="1">
-              <a:lnSpc>
-                <a:spcPts val="800"/>
-              </a:lnSpc>
-              <a:spcBef>
-                <a:spcPts val="0"/>
-              </a:spcBef>
-              <a:spcAft>
-                <a:spcPts val="0"/>
-              </a:spcAft>
-              <a:buClrTx/>
-              <a:buSzTx/>
-              <a:buFontTx/>
-              <a:buNone/>
-              <a:tabLst/>
-              <a:defRPr/>
-            </a:pPr>
-            <a:r>
-              <a:rPr kumimoji="0" lang="en-US" sz="900" b="0" i="0" u="none" strike="noStrike" kern="100" cap="none" spc="0" normalizeH="0" baseline="0" noProof="0" dirty="0">
-                <a:ln>
-                  <a:noFill/>
-                </a:ln>
-                <a:solidFill>
-                  <a:sysClr val="window" lastClr="FFFFFF"/>
-                </a:solidFill>
-                <a:effectLst/>
-                <a:uLnTx/>
-                <a:uFillTx/>
-                <a:latin typeface="Arial" panose="020B0604020202020204" pitchFamily="34" charset="0"/>
-                <a:ea typeface="ＭＳ 明朝" panose="02020609040205080304" pitchFamily="17" charset="-128"/>
-                <a:cs typeface="Times New Roman" panose="02020603050405020304" pitchFamily="18" charset="0"/>
-              </a:rPr>
-              <a:t>dynamic_address_min:10.10.10.230</a:t>
-            </a:r>
-            <a:endParaRPr kumimoji="0" lang="ja-JP" altLang="en-US" sz="1050" b="0" i="0" u="none" strike="noStrike" kern="100" cap="none" spc="0" normalizeH="0" baseline="0" noProof="0" dirty="0">
-              <a:ln>
-                <a:noFill/>
-              </a:ln>
-              <a:solidFill>
-                <a:sysClr val="window" lastClr="FFFFFF"/>
-              </a:solidFill>
-              <a:effectLst/>
-              <a:uLnTx/>
-              <a:uFillTx/>
-              <a:latin typeface="Century"/>
-              <a:ea typeface="ＭＳ 明朝" panose="02020609040205080304" pitchFamily="17" charset="-128"/>
-              <a:cs typeface="Times New Roman" panose="02020603050405020304" pitchFamily="18" charset="0"/>
-            </a:endParaRPr>
-          </a:p>
-          <a:p>
-            <a:pPr marL="0" marR="0" lvl="0" indent="0" algn="l" defTabSz="914400" eaLnBrk="1" fontAlgn="auto" latinLnBrk="0" hangingPunct="1">
-              <a:lnSpc>
-                <a:spcPts val="800"/>
-              </a:lnSpc>
-              <a:spcBef>
-                <a:spcPts val="0"/>
-              </a:spcBef>
-              <a:spcAft>
-                <a:spcPts val="0"/>
-              </a:spcAft>
-              <a:buClrTx/>
-              <a:buSzTx/>
-              <a:buFontTx/>
-              <a:buNone/>
-              <a:tabLst/>
-              <a:defRPr/>
-            </a:pPr>
-            <a:r>
-              <a:rPr kumimoji="0" lang="en-US" sz="900" b="0" i="0" u="none" strike="noStrike" kern="100" cap="none" spc="0" normalizeH="0" baseline="0" noProof="0" dirty="0">
-                <a:ln>
-                  <a:noFill/>
-                </a:ln>
-                <a:solidFill>
-                  <a:sysClr val="window" lastClr="FFFFFF"/>
-                </a:solidFill>
-                <a:effectLst/>
-                <a:uLnTx/>
-                <a:uFillTx/>
-                <a:latin typeface="Arial" panose="020B0604020202020204" pitchFamily="34" charset="0"/>
-                <a:ea typeface="ＭＳ 明朝" panose="02020609040205080304" pitchFamily="17" charset="-128"/>
-                <a:cs typeface="Times New Roman" panose="02020603050405020304" pitchFamily="18" charset="0"/>
-              </a:rPr>
-              <a:t> </a:t>
-            </a:r>
-            <a:endParaRPr kumimoji="0" lang="ja-JP" altLang="en-US" sz="1050" b="0" i="0" u="none" strike="noStrike" kern="100" cap="none" spc="0" normalizeH="0" baseline="0" noProof="0" dirty="0">
-              <a:ln>
-                <a:noFill/>
-              </a:ln>
-              <a:solidFill>
-                <a:sysClr val="window" lastClr="FFFFFF"/>
-              </a:solidFill>
-              <a:effectLst/>
-              <a:uLnTx/>
-              <a:uFillTx/>
-              <a:latin typeface="Century"/>
-              <a:ea typeface="ＭＳ 明朝" panose="02020609040205080304" pitchFamily="17" charset="-128"/>
-              <a:cs typeface="Times New Roman" panose="02020603050405020304" pitchFamily="18" charset="0"/>
-            </a:endParaRPr>
-          </a:p>
-          <a:p>
-            <a:pPr marL="0" marR="0" lvl="0" indent="0" algn="l" defTabSz="914400" eaLnBrk="1" fontAlgn="auto" latinLnBrk="0" hangingPunct="1">
-              <a:lnSpc>
-                <a:spcPts val="800"/>
-              </a:lnSpc>
-              <a:spcBef>
-                <a:spcPts val="0"/>
-              </a:spcBef>
-              <a:spcAft>
-                <a:spcPts val="0"/>
-              </a:spcAft>
-              <a:buClrTx/>
-              <a:buSzTx/>
-              <a:buFontTx/>
-              <a:buNone/>
-              <a:tabLst/>
-              <a:defRPr/>
-            </a:pPr>
-            <a:r>
-              <a:rPr kumimoji="0" lang="en-US" sz="900" b="0" i="0" u="none" strike="noStrike" kern="100" cap="none" spc="0" normalizeH="0" baseline="0" noProof="0" dirty="0">
-                <a:ln>
-                  <a:noFill/>
-                </a:ln>
-                <a:solidFill>
-                  <a:sysClr val="window" lastClr="FFFFFF"/>
-                </a:solidFill>
-                <a:effectLst/>
-                <a:uLnTx/>
-                <a:uFillTx/>
-                <a:latin typeface="Arial" panose="020B0604020202020204" pitchFamily="34" charset="0"/>
-                <a:ea typeface="ＭＳ 明朝" panose="02020609040205080304" pitchFamily="17" charset="-128"/>
-                <a:cs typeface="Times New Roman" panose="02020603050405020304" pitchFamily="18" charset="0"/>
-              </a:rPr>
-              <a:t>#dynamic dhcp IP address(max)</a:t>
-            </a:r>
-            <a:endParaRPr kumimoji="0" lang="ja-JP" altLang="en-US" sz="1050" b="0" i="0" u="none" strike="noStrike" kern="100" cap="none" spc="0" normalizeH="0" baseline="0" noProof="0" dirty="0">
-              <a:ln>
-                <a:noFill/>
-              </a:ln>
-              <a:solidFill>
-                <a:sysClr val="window" lastClr="FFFFFF"/>
-              </a:solidFill>
-              <a:effectLst/>
-              <a:uLnTx/>
-              <a:uFillTx/>
-              <a:latin typeface="Century"/>
-              <a:ea typeface="ＭＳ 明朝" panose="02020609040205080304" pitchFamily="17" charset="-128"/>
-              <a:cs typeface="Times New Roman" panose="02020603050405020304" pitchFamily="18" charset="0"/>
-            </a:endParaRPr>
-          </a:p>
-          <a:p>
-            <a:pPr marL="0" marR="0" lvl="0" indent="0" algn="l" defTabSz="914400" eaLnBrk="1" fontAlgn="auto" latinLnBrk="0" hangingPunct="1">
-              <a:lnSpc>
-                <a:spcPts val="800"/>
-              </a:lnSpc>
-              <a:spcBef>
-                <a:spcPts val="0"/>
-              </a:spcBef>
-              <a:spcAft>
-                <a:spcPts val="0"/>
-              </a:spcAft>
-              <a:buClrTx/>
-              <a:buSzTx/>
-              <a:buFontTx/>
-              <a:buNone/>
-              <a:tabLst/>
-              <a:defRPr/>
-            </a:pPr>
-            <a:r>
-              <a:rPr kumimoji="0" lang="en-US" sz="900" b="0" i="0" u="none" strike="noStrike" kern="100" cap="none" spc="0" normalizeH="0" baseline="0" noProof="0" dirty="0" smtClean="0">
-                <a:ln>
-                  <a:noFill/>
-                </a:ln>
-                <a:solidFill>
-                  <a:sysClr val="window" lastClr="FFFFFF"/>
-                </a:solidFill>
-                <a:effectLst/>
-                <a:uLnTx/>
-                <a:uFillTx/>
-                <a:latin typeface="Arial" panose="020B0604020202020204" pitchFamily="34" charset="0"/>
-                <a:ea typeface="ＭＳ 明朝" panose="02020609040205080304" pitchFamily="17" charset="-128"/>
-                <a:cs typeface="Times New Roman" panose="02020603050405020304" pitchFamily="18" charset="0"/>
-              </a:rPr>
-              <a:t>dynamic_address_max:10.70.10.250</a:t>
             </a:r>
             <a:endParaRPr kumimoji="0" lang="ja-JP" altLang="en-US" sz="1050" b="0" i="0" u="none" strike="noStrike" kern="100" cap="none" spc="0" normalizeH="0" baseline="0" noProof="0" dirty="0">
               <a:ln>
@@ -17118,57 +14322,6 @@
           </a:p>
         </p:txBody>
       </p:sp>
-      <p:sp>
-        <p:nvSpPr>
-          <p:cNvPr id="26" name="正方形/長方形 25"/>
-          <p:cNvSpPr/>
-          <p:nvPr/>
-        </p:nvSpPr>
-        <p:spPr>
-          <a:xfrm>
-            <a:off x="2365027" y="3680890"/>
-            <a:ext cx="3492000" cy="2556000"/>
-          </a:xfrm>
-          <a:prstGeom prst="rect">
-            <a:avLst/>
-          </a:prstGeom>
-          <a:noFill/>
-          <a:ln>
-            <a:solidFill>
-              <a:srgbClr val="FF0000"/>
-            </a:solidFill>
-            <a:prstDash val="sysDash"/>
-          </a:ln>
-        </p:spPr>
-        <p:style>
-          <a:lnRef idx="2">
-            <a:schemeClr val="accent1">
-              <a:shade val="50000"/>
-            </a:schemeClr>
-          </a:lnRef>
-          <a:fillRef idx="1">
-            <a:schemeClr val="accent1"/>
-          </a:fillRef>
-          <a:effectRef idx="0">
-            <a:schemeClr val="accent1"/>
-          </a:effectRef>
-          <a:fontRef idx="minor">
-            <a:schemeClr val="lt1"/>
-          </a:fontRef>
-        </p:style>
-        <p:txBody>
-          <a:bodyPr rot="0" spcFirstLastPara="0" vert="horz" wrap="square" lIns="91440" tIns="45720" rIns="91440" bIns="45720" numCol="1" spcCol="0" rtlCol="0" fromWordArt="0" anchor="ctr" anchorCtr="0" forceAA="0" compatLnSpc="1">
-            <a:prstTxWarp prst="textNoShape">
-              <a:avLst/>
-            </a:prstTxWarp>
-            <a:noAutofit/>
-          </a:bodyPr>
-          <a:lstStyle/>
-          <a:p>
-            <a:endParaRPr lang="ja-JP" altLang="en-US" dirty="0"/>
-          </a:p>
-        </p:txBody>
-      </p:sp>
       <p:cxnSp>
         <p:nvCxnSpPr>
           <p:cNvPr id="27" name="直線コネクタ 26"/>
@@ -17178,593 +14331,6 @@
         <p:spPr bwMode="auto">
           <a:xfrm>
             <a:off x="5974429" y="2803982"/>
-            <a:ext cx="1080000" cy="0"/>
-          </a:xfrm>
-          <a:prstGeom prst="line">
-            <a:avLst/>
-          </a:prstGeom>
-          <a:solidFill>
-            <a:schemeClr val="bg1"/>
-          </a:solidFill>
-          <a:ln w="19050" cap="flat" cmpd="sng" algn="ctr">
-            <a:solidFill>
-              <a:srgbClr val="FF0000"/>
-            </a:solidFill>
-            <a:prstDash val="dash"/>
-            <a:round/>
-            <a:headEnd type="none" w="med" len="med"/>
-            <a:tailEnd type="none" w="med" len="med"/>
-          </a:ln>
-          <a:effectLst/>
-          <a:extLst>
-            <a:ext uri="{AF507438-7753-43E0-B8FC-AC1667EBCBE1}">
-              <a14:hiddenEffects xmlns:a14="http://schemas.microsoft.com/office/drawing/2010/main">
-                <a:effectLst>
-                  <a:outerShdw dist="35921" dir="2700000" algn="ctr" rotWithShape="0">
-                    <a:schemeClr val="tx1">
-                      <a:alpha val="50000"/>
-                    </a:schemeClr>
-                  </a:outerShdw>
-                </a:effectLst>
-              </a14:hiddenEffects>
-            </a:ext>
-          </a:extLst>
-        </p:spPr>
-      </p:cxnSp>
-      <p:sp>
-        <p:nvSpPr>
-          <p:cNvPr id="28" name="角丸四角形 27"/>
-          <p:cNvSpPr/>
-          <p:nvPr/>
-        </p:nvSpPr>
-        <p:spPr bwMode="auto">
-          <a:xfrm>
-            <a:off x="7164360" y="4546632"/>
-            <a:ext cx="1728240" cy="1258698"/>
-          </a:xfrm>
-          <a:prstGeom prst="roundRect">
-            <a:avLst/>
-          </a:prstGeom>
-          <a:noFill/>
-          <a:ln w="12700">
-            <a:solidFill>
-              <a:srgbClr val="C00000"/>
-            </a:solidFill>
-          </a:ln>
-          <a:effectLst/>
-          <a:extLst/>
-        </p:spPr>
-        <p:txBody>
-          <a:bodyPr rot="0" spcFirstLastPara="0" vertOverflow="overflow" horzOverflow="overflow" vert="horz" wrap="square" lIns="36000" tIns="72000" rIns="36000" bIns="36000" numCol="1" spcCol="0" rtlCol="0" fromWordArt="0" anchor="ctr" anchorCtr="0" forceAA="0" compatLnSpc="1">
-            <a:prstTxWarp prst="textNoShape">
-              <a:avLst/>
-            </a:prstTxWarp>
-            <a:noAutofit/>
-          </a:bodyPr>
-          <a:lstStyle/>
-          <a:p>
-            <a:pPr algn="ctr"/>
-            <a:r>
-              <a:rPr lang="ja-JP" altLang="en-US" sz="1200" b="1" dirty="0" smtClean="0">
-                <a:solidFill>
-                  <a:srgbClr val="FF0000"/>
-                </a:solidFill>
-                <a:latin typeface="+mn-ea"/>
-              </a:rPr>
-              <a:t>本手順では</a:t>
-            </a:r>
-            <a:r>
-              <a:rPr lang="en-US" altLang="ja-JP" sz="1200" b="1" dirty="0" smtClean="0">
-                <a:solidFill>
-                  <a:srgbClr val="FF0000"/>
-                </a:solidFill>
-                <a:latin typeface="+mn-ea"/>
-              </a:rPr>
-              <a:t>Cobbler</a:t>
-            </a:r>
-            <a:r>
-              <a:rPr lang="ja-JP" altLang="en-US" sz="1200" b="1" dirty="0" smtClean="0">
-                <a:solidFill>
-                  <a:srgbClr val="FF0000"/>
-                </a:solidFill>
-                <a:latin typeface="+mn-ea"/>
-              </a:rPr>
-              <a:t>ドライバはインストールしないので、記入不要です。</a:t>
-            </a:r>
-            <a:endParaRPr kumimoji="1" lang="ja-JP" altLang="en-US" sz="1200" b="1" dirty="0" smtClean="0">
-              <a:solidFill>
-                <a:srgbClr val="FF0000"/>
-              </a:solidFill>
-              <a:latin typeface="+mn-ea"/>
-            </a:endParaRPr>
-          </a:p>
-        </p:txBody>
-      </p:sp>
-      <p:grpSp>
-        <p:nvGrpSpPr>
-          <p:cNvPr id="29" name="グループ化 28"/>
-          <p:cNvGrpSpPr/>
-          <p:nvPr/>
-        </p:nvGrpSpPr>
-        <p:grpSpPr>
-          <a:xfrm>
-            <a:off x="6908793" y="4293120"/>
-            <a:ext cx="565503" cy="549789"/>
-            <a:chOff x="162795" y="3812178"/>
-            <a:chExt cx="565503" cy="549789"/>
-          </a:xfrm>
-        </p:grpSpPr>
-        <p:sp>
-          <p:nvSpPr>
-            <p:cNvPr id="30" name="円/楕円 44"/>
-            <p:cNvSpPr/>
-            <p:nvPr/>
-          </p:nvSpPr>
-          <p:spPr bwMode="auto">
-            <a:xfrm>
-              <a:off x="162795" y="3812178"/>
-              <a:ext cx="565503" cy="549789"/>
-            </a:xfrm>
-            <a:prstGeom prst="ellipse">
-              <a:avLst/>
-            </a:prstGeom>
-            <a:gradFill flip="none" rotWithShape="1">
-              <a:gsLst>
-                <a:gs pos="0">
-                  <a:schemeClr val="accent2"/>
-                </a:gs>
-                <a:gs pos="41000">
-                  <a:schemeClr val="accent2">
-                    <a:lumMod val="60000"/>
-                    <a:lumOff val="40000"/>
-                    <a:shade val="67500"/>
-                    <a:satMod val="115000"/>
-                  </a:schemeClr>
-                </a:gs>
-                <a:gs pos="100000">
-                  <a:schemeClr val="accent2">
-                    <a:lumMod val="60000"/>
-                    <a:lumOff val="40000"/>
-                  </a:schemeClr>
-                </a:gs>
-              </a:gsLst>
-              <a:lin ang="16200000" scaled="0"/>
-              <a:tileRect/>
-            </a:gradFill>
-            <a:ln>
-              <a:noFill/>
-            </a:ln>
-            <a:effectLst/>
-            <a:extLst/>
-          </p:spPr>
-          <p:txBody>
-            <a:bodyPr rot="0" spcFirstLastPara="0" vertOverflow="overflow" horzOverflow="overflow" vert="horz" wrap="none" lIns="36000" tIns="72000" rIns="36000" bIns="36000" numCol="1" spcCol="0" rtlCol="0" fromWordArt="0" anchor="ctr" anchorCtr="0" forceAA="0" compatLnSpc="1">
-              <a:prstTxWarp prst="textNoShape">
-                <a:avLst/>
-              </a:prstTxWarp>
-              <a:noAutofit/>
-            </a:bodyPr>
-            <a:lstStyle/>
-            <a:p>
-              <a:pPr algn="ctr"/>
-              <a:endParaRPr lang="ja-JP" altLang="en-US" sz="1200" b="1" dirty="0">
-                <a:solidFill>
-                  <a:schemeClr val="bg1"/>
-                </a:solidFill>
-                <a:latin typeface="+mj-ea"/>
-              </a:endParaRPr>
-            </a:p>
-          </p:txBody>
-        </p:sp>
-        <p:sp>
-          <p:nvSpPr>
-            <p:cNvPr id="31" name="テキスト ボックス 30"/>
-            <p:cNvSpPr txBox="1"/>
-            <p:nvPr/>
-          </p:nvSpPr>
-          <p:spPr>
-            <a:xfrm>
-              <a:off x="233240" y="4033625"/>
-              <a:ext cx="424611" cy="106893"/>
-            </a:xfrm>
-            <a:custGeom>
-              <a:avLst/>
-              <a:gdLst/>
-              <a:ahLst/>
-              <a:cxnLst/>
-              <a:rect l="l" t="t" r="r" b="b"/>
-              <a:pathLst>
-                <a:path w="424611" h="106893">
-                  <a:moveTo>
-                    <a:pt x="20512" y="18247"/>
-                  </a:moveTo>
-                  <a:cubicBezTo>
-                    <a:pt x="20512" y="30003"/>
-                    <a:pt x="20512" y="41759"/>
-                    <a:pt x="20512" y="53515"/>
-                  </a:cubicBezTo>
-                  <a:cubicBezTo>
-                    <a:pt x="22346" y="53515"/>
-                    <a:pt x="24180" y="53515"/>
-                    <a:pt x="26015" y="53515"/>
-                  </a:cubicBezTo>
-                  <a:cubicBezTo>
-                    <a:pt x="36354" y="53515"/>
-                    <a:pt x="43201" y="51960"/>
-                    <a:pt x="46557" y="48851"/>
-                  </a:cubicBezTo>
-                  <a:cubicBezTo>
-                    <a:pt x="49913" y="45742"/>
-                    <a:pt x="51591" y="40965"/>
-                    <a:pt x="51591" y="34519"/>
-                  </a:cubicBezTo>
-                  <a:cubicBezTo>
-                    <a:pt x="51591" y="29209"/>
-                    <a:pt x="49976" y="25169"/>
-                    <a:pt x="46745" y="22400"/>
-                  </a:cubicBezTo>
-                  <a:cubicBezTo>
-                    <a:pt x="43514" y="19631"/>
-                    <a:pt x="37125" y="18247"/>
-                    <a:pt x="27578" y="18247"/>
-                  </a:cubicBezTo>
-                  <a:cubicBezTo>
-                    <a:pt x="25222" y="18247"/>
-                    <a:pt x="22867" y="18247"/>
-                    <a:pt x="20512" y="18247"/>
-                  </a:cubicBezTo>
-                  <a:close/>
-                  <a:moveTo>
-                    <a:pt x="125528" y="16204"/>
-                  </a:moveTo>
-                  <a:cubicBezTo>
-                    <a:pt x="118066" y="16204"/>
-                    <a:pt x="112125" y="19450"/>
-                    <a:pt x="107706" y="25941"/>
-                  </a:cubicBezTo>
-                  <a:cubicBezTo>
-                    <a:pt x="103287" y="32431"/>
-                    <a:pt x="101077" y="41623"/>
-                    <a:pt x="101077" y="53515"/>
-                  </a:cubicBezTo>
-                  <a:cubicBezTo>
-                    <a:pt x="101077" y="65362"/>
-                    <a:pt x="103287" y="74519"/>
-                    <a:pt x="107706" y="80987"/>
-                  </a:cubicBezTo>
-                  <a:cubicBezTo>
-                    <a:pt x="112125" y="87455"/>
-                    <a:pt x="118066" y="90689"/>
-                    <a:pt x="125528" y="90689"/>
-                  </a:cubicBezTo>
-                  <a:cubicBezTo>
-                    <a:pt x="132949" y="90689"/>
-                    <a:pt x="138869" y="87432"/>
-                    <a:pt x="143288" y="80919"/>
-                  </a:cubicBezTo>
-                  <a:cubicBezTo>
-                    <a:pt x="147707" y="74405"/>
-                    <a:pt x="149917" y="65248"/>
-                    <a:pt x="149917" y="53447"/>
-                  </a:cubicBezTo>
-                  <a:cubicBezTo>
-                    <a:pt x="149917" y="41600"/>
-                    <a:pt x="147718" y="32431"/>
-                    <a:pt x="143319" y="25941"/>
-                  </a:cubicBezTo>
-                  <a:cubicBezTo>
-                    <a:pt x="138921" y="19450"/>
-                    <a:pt x="132991" y="16204"/>
-                    <a:pt x="125528" y="16204"/>
-                  </a:cubicBezTo>
-                  <a:close/>
-                  <a:moveTo>
-                    <a:pt x="342065" y="2111"/>
-                  </a:moveTo>
-                  <a:cubicBezTo>
-                    <a:pt x="369581" y="2111"/>
-                    <a:pt x="397096" y="2111"/>
-                    <a:pt x="424611" y="2111"/>
-                  </a:cubicBezTo>
-                  <a:cubicBezTo>
-                    <a:pt x="424611" y="7785"/>
-                    <a:pt x="424611" y="13458"/>
-                    <a:pt x="424611" y="19132"/>
-                  </a:cubicBezTo>
-                  <a:cubicBezTo>
-                    <a:pt x="414293" y="19132"/>
-                    <a:pt x="403975" y="19132"/>
-                    <a:pt x="393656" y="19132"/>
-                  </a:cubicBezTo>
-                  <a:cubicBezTo>
-                    <a:pt x="393656" y="47660"/>
-                    <a:pt x="393656" y="76187"/>
-                    <a:pt x="393656" y="104715"/>
-                  </a:cubicBezTo>
-                  <a:cubicBezTo>
-                    <a:pt x="386778" y="104715"/>
-                    <a:pt x="379899" y="104715"/>
-                    <a:pt x="373020" y="104715"/>
-                  </a:cubicBezTo>
-                  <a:cubicBezTo>
-                    <a:pt x="373020" y="76187"/>
-                    <a:pt x="373020" y="47660"/>
-                    <a:pt x="373020" y="19132"/>
-                  </a:cubicBezTo>
-                  <a:cubicBezTo>
-                    <a:pt x="362702" y="19132"/>
-                    <a:pt x="352384" y="19132"/>
-                    <a:pt x="342065" y="19132"/>
-                  </a:cubicBezTo>
-                  <a:cubicBezTo>
-                    <a:pt x="342065" y="13458"/>
-                    <a:pt x="342065" y="7785"/>
-                    <a:pt x="342065" y="2111"/>
-                  </a:cubicBezTo>
-                  <a:close/>
-                  <a:moveTo>
-                    <a:pt x="250806" y="2111"/>
-                  </a:moveTo>
-                  <a:cubicBezTo>
-                    <a:pt x="259144" y="2111"/>
-                    <a:pt x="267482" y="2111"/>
-                    <a:pt x="275820" y="2111"/>
-                  </a:cubicBezTo>
-                  <a:cubicBezTo>
-                    <a:pt x="288202" y="24216"/>
-                    <a:pt x="300584" y="46321"/>
-                    <a:pt x="312966" y="68425"/>
-                  </a:cubicBezTo>
-                  <a:cubicBezTo>
-                    <a:pt x="312966" y="46321"/>
-                    <a:pt x="312966" y="24216"/>
-                    <a:pt x="312966" y="2111"/>
-                  </a:cubicBezTo>
-                  <a:cubicBezTo>
-                    <a:pt x="319344" y="2111"/>
-                    <a:pt x="325723" y="2111"/>
-                    <a:pt x="332101" y="2111"/>
-                  </a:cubicBezTo>
-                  <a:cubicBezTo>
-                    <a:pt x="332101" y="36312"/>
-                    <a:pt x="332101" y="70513"/>
-                    <a:pt x="332101" y="104715"/>
-                  </a:cubicBezTo>
-                  <a:cubicBezTo>
-                    <a:pt x="325473" y="104715"/>
-                    <a:pt x="318844" y="104715"/>
-                    <a:pt x="312215" y="104715"/>
-                  </a:cubicBezTo>
-                  <a:cubicBezTo>
-                    <a:pt x="298124" y="79637"/>
-                    <a:pt x="284033" y="54559"/>
-                    <a:pt x="269942" y="29481"/>
-                  </a:cubicBezTo>
-                  <a:cubicBezTo>
-                    <a:pt x="269942" y="54559"/>
-                    <a:pt x="269942" y="79637"/>
-                    <a:pt x="269942" y="104715"/>
-                  </a:cubicBezTo>
-                  <a:cubicBezTo>
-                    <a:pt x="263563" y="104715"/>
-                    <a:pt x="257185" y="104715"/>
-                    <a:pt x="250806" y="104715"/>
-                  </a:cubicBezTo>
-                  <a:cubicBezTo>
-                    <a:pt x="250806" y="70513"/>
-                    <a:pt x="250806" y="36312"/>
-                    <a:pt x="250806" y="2111"/>
-                  </a:cubicBezTo>
-                  <a:close/>
-                  <a:moveTo>
-                    <a:pt x="182456" y="2111"/>
-                  </a:moveTo>
-                  <a:cubicBezTo>
-                    <a:pt x="199590" y="2111"/>
-                    <a:pt x="216725" y="2111"/>
-                    <a:pt x="233859" y="2111"/>
-                  </a:cubicBezTo>
-                  <a:cubicBezTo>
-                    <a:pt x="233859" y="7217"/>
-                    <a:pt x="233859" y="12324"/>
-                    <a:pt x="233859" y="17430"/>
-                  </a:cubicBezTo>
-                  <a:cubicBezTo>
-                    <a:pt x="228731" y="17430"/>
-                    <a:pt x="223604" y="17430"/>
-                    <a:pt x="218476" y="17430"/>
-                  </a:cubicBezTo>
-                  <a:cubicBezTo>
-                    <a:pt x="218476" y="41418"/>
-                    <a:pt x="218476" y="65407"/>
-                    <a:pt x="218476" y="89395"/>
-                  </a:cubicBezTo>
-                  <a:cubicBezTo>
-                    <a:pt x="223604" y="89395"/>
-                    <a:pt x="228731" y="89395"/>
-                    <a:pt x="233859" y="89395"/>
-                  </a:cubicBezTo>
-                  <a:cubicBezTo>
-                    <a:pt x="233859" y="94502"/>
-                    <a:pt x="233859" y="99608"/>
-                    <a:pt x="233859" y="104715"/>
-                  </a:cubicBezTo>
-                  <a:cubicBezTo>
-                    <a:pt x="216725" y="104715"/>
-                    <a:pt x="199590" y="104715"/>
-                    <a:pt x="182456" y="104715"/>
-                  </a:cubicBezTo>
-                  <a:cubicBezTo>
-                    <a:pt x="182456" y="99608"/>
-                    <a:pt x="182456" y="94502"/>
-                    <a:pt x="182456" y="89395"/>
-                  </a:cubicBezTo>
-                  <a:cubicBezTo>
-                    <a:pt x="187584" y="89395"/>
-                    <a:pt x="192711" y="89395"/>
-                    <a:pt x="197839" y="89395"/>
-                  </a:cubicBezTo>
-                  <a:cubicBezTo>
-                    <a:pt x="197839" y="65407"/>
-                    <a:pt x="197839" y="41418"/>
-                    <a:pt x="197839" y="17430"/>
-                  </a:cubicBezTo>
-                  <a:cubicBezTo>
-                    <a:pt x="192711" y="17430"/>
-                    <a:pt x="187584" y="17430"/>
-                    <a:pt x="182456" y="17430"/>
-                  </a:cubicBezTo>
-                  <a:cubicBezTo>
-                    <a:pt x="182456" y="12324"/>
-                    <a:pt x="182456" y="7217"/>
-                    <a:pt x="182456" y="2111"/>
-                  </a:cubicBezTo>
-                  <a:close/>
-                  <a:moveTo>
-                    <a:pt x="0" y="2111"/>
-                  </a:moveTo>
-                  <a:cubicBezTo>
-                    <a:pt x="11882" y="2111"/>
-                    <a:pt x="23763" y="2111"/>
-                    <a:pt x="35645" y="2111"/>
-                  </a:cubicBezTo>
-                  <a:cubicBezTo>
-                    <a:pt x="47860" y="2111"/>
-                    <a:pt x="57136" y="4823"/>
-                    <a:pt x="63473" y="10247"/>
-                  </a:cubicBezTo>
-                  <a:cubicBezTo>
-                    <a:pt x="69810" y="15671"/>
-                    <a:pt x="72978" y="23603"/>
-                    <a:pt x="72978" y="34043"/>
-                  </a:cubicBezTo>
-                  <a:cubicBezTo>
-                    <a:pt x="72978" y="44936"/>
-                    <a:pt x="69476" y="53617"/>
-                    <a:pt x="62472" y="60085"/>
-                  </a:cubicBezTo>
-                  <a:cubicBezTo>
-                    <a:pt x="55468" y="66553"/>
-                    <a:pt x="46338" y="69787"/>
-                    <a:pt x="35082" y="69787"/>
-                  </a:cubicBezTo>
-                  <a:cubicBezTo>
-                    <a:pt x="30267" y="69787"/>
-                    <a:pt x="25452" y="69787"/>
-                    <a:pt x="20637" y="69787"/>
-                  </a:cubicBezTo>
-                  <a:cubicBezTo>
-                    <a:pt x="20637" y="81430"/>
-                    <a:pt x="20637" y="93072"/>
-                    <a:pt x="20637" y="104715"/>
-                  </a:cubicBezTo>
-                  <a:cubicBezTo>
-                    <a:pt x="13758" y="104715"/>
-                    <a:pt x="6879" y="104715"/>
-                    <a:pt x="0" y="104715"/>
-                  </a:cubicBezTo>
-                  <a:cubicBezTo>
-                    <a:pt x="0" y="70513"/>
-                    <a:pt x="0" y="36312"/>
-                    <a:pt x="0" y="2111"/>
-                  </a:cubicBezTo>
-                  <a:close/>
-                  <a:moveTo>
-                    <a:pt x="125466" y="0"/>
-                  </a:moveTo>
-                  <a:cubicBezTo>
-                    <a:pt x="139849" y="0"/>
-                    <a:pt x="151136" y="4766"/>
-                    <a:pt x="159328" y="14298"/>
-                  </a:cubicBezTo>
-                  <a:cubicBezTo>
-                    <a:pt x="167520" y="23830"/>
-                    <a:pt x="171616" y="36902"/>
-                    <a:pt x="171616" y="53515"/>
-                  </a:cubicBezTo>
-                  <a:cubicBezTo>
-                    <a:pt x="171616" y="69991"/>
-                    <a:pt x="167541" y="83007"/>
-                    <a:pt x="159391" y="92561"/>
-                  </a:cubicBezTo>
-                  <a:cubicBezTo>
-                    <a:pt x="151240" y="102116"/>
-                    <a:pt x="139932" y="106893"/>
-                    <a:pt x="125466" y="106893"/>
-                  </a:cubicBezTo>
-                  <a:cubicBezTo>
-                    <a:pt x="111124" y="106893"/>
-                    <a:pt x="99858" y="102139"/>
-                    <a:pt x="91666" y="92629"/>
-                  </a:cubicBezTo>
-                  <a:cubicBezTo>
-                    <a:pt x="83474" y="83120"/>
-                    <a:pt x="79378" y="70082"/>
-                    <a:pt x="79378" y="53515"/>
-                  </a:cubicBezTo>
-                  <a:cubicBezTo>
-                    <a:pt x="79378" y="36857"/>
-                    <a:pt x="83453" y="23773"/>
-                    <a:pt x="91603" y="14264"/>
-                  </a:cubicBezTo>
-                  <a:cubicBezTo>
-                    <a:pt x="99753" y="4755"/>
-                    <a:pt x="111041" y="0"/>
-                    <a:pt x="125466" y="0"/>
-                  </a:cubicBezTo>
-                  <a:close/>
-                </a:path>
-              </a:pathLst>
-            </a:custGeom>
-            <a:solidFill>
-              <a:schemeClr val="bg1"/>
-            </a:solidFill>
-            <a:ln>
-              <a:noFill/>
-            </a:ln>
-            <a:effectLst>
-              <a:glow rad="12700">
-                <a:schemeClr val="accent2">
-                  <a:alpha val="84000"/>
-                </a:schemeClr>
-              </a:glow>
-            </a:effectLst>
-          </p:spPr>
-          <p:txBody>
-            <a:bodyPr rot="0" spcFirstLastPara="0" vertOverflow="overflow" horzOverflow="overflow" vert="horz" wrap="square" lIns="91440" tIns="45720" rIns="91440" bIns="45720" numCol="1" spcCol="0" rtlCol="0" fromWordArt="0" anchor="t" anchorCtr="0" forceAA="0" compatLnSpc="1">
-              <a:prstTxWarp prst="textNoShape">
-                <a:avLst/>
-              </a:prstTxWarp>
-              <a:noAutofit/>
-            </a:bodyPr>
-            <a:lstStyle/>
-            <a:p>
-              <a:pPr algn="ctr"/>
-              <a:endParaRPr kumimoji="1" lang="ja-JP" altLang="en-US" b="1" dirty="0">
-                <a:solidFill>
-                  <a:schemeClr val="bg1"/>
-                </a:solidFill>
-                <a:effectLst>
-                  <a:glow rad="38100">
-                    <a:schemeClr val="accent2">
-                      <a:alpha val="84000"/>
-                    </a:schemeClr>
-                  </a:glow>
-                </a:effectLst>
-              </a:endParaRPr>
-            </a:p>
-          </p:txBody>
-        </p:sp>
-      </p:grpSp>
-      <p:cxnSp>
-        <p:nvCxnSpPr>
-          <p:cNvPr id="32" name="直線コネクタ 31"/>
-          <p:cNvCxnSpPr/>
-          <p:nvPr/>
-        </p:nvCxnSpPr>
-        <p:spPr bwMode="auto">
-          <a:xfrm>
-            <a:off x="5974429" y="5035989"/>
             <a:ext cx="1080000" cy="0"/>
           </a:xfrm>
           <a:prstGeom prst="line">
@@ -18112,14 +14678,14 @@
           <p:nvPr>
             <p:extLst>
               <p:ext uri="{D42A27DB-BD31-4B8C-83A1-F6EECF244321}">
-                <p14:modId xmlns:p14="http://schemas.microsoft.com/office/powerpoint/2010/main" val="3342812912"/>
+                <p14:modId xmlns:p14="http://schemas.microsoft.com/office/powerpoint/2010/main" val="826785047"/>
               </p:ext>
             </p:extLst>
           </p:nvPr>
         </p:nvGraphicFramePr>
         <p:xfrm>
           <a:off x="539440" y="2060814"/>
-          <a:ext cx="8065121" cy="4297928"/>
+          <a:ext cx="8065121" cy="4221728"/>
         </p:xfrm>
         <a:graphic>
           <a:graphicData uri="http://schemas.openxmlformats.org/drawingml/2006/table">
@@ -18131,28 +14697,28 @@
                 <a:gridCol w="2012783">
                   <a:extLst>
                     <a:ext uri="{9D8B030D-6E8A-4147-A177-3AD203B41FA5}">
-                      <a16:colId xmlns="" xmlns:a16="http://schemas.microsoft.com/office/drawing/2014/main" val="20000"/>
+                      <a16:colId xmlns:a16="http://schemas.microsoft.com/office/drawing/2014/main" val="20000"/>
                     </a:ext>
                   </a:extLst>
                 </a:gridCol>
                 <a:gridCol w="715386">
                   <a:extLst>
                     <a:ext uri="{9D8B030D-6E8A-4147-A177-3AD203B41FA5}">
-                      <a16:colId xmlns="" xmlns:a16="http://schemas.microsoft.com/office/drawing/2014/main" val="20001"/>
+                      <a16:colId xmlns:a16="http://schemas.microsoft.com/office/drawing/2014/main" val="20001"/>
                     </a:ext>
                   </a:extLst>
                 </a:gridCol>
                 <a:gridCol w="887937">
                   <a:extLst>
                     <a:ext uri="{9D8B030D-6E8A-4147-A177-3AD203B41FA5}">
-                      <a16:colId xmlns="" xmlns:a16="http://schemas.microsoft.com/office/drawing/2014/main" val="20002"/>
+                      <a16:colId xmlns:a16="http://schemas.microsoft.com/office/drawing/2014/main" val="20002"/>
                     </a:ext>
                   </a:extLst>
                 </a:gridCol>
                 <a:gridCol w="4449015">
                   <a:extLst>
                     <a:ext uri="{9D8B030D-6E8A-4147-A177-3AD203B41FA5}">
-                      <a16:colId xmlns="" xmlns:a16="http://schemas.microsoft.com/office/drawing/2014/main" val="20003"/>
+                      <a16:colId xmlns:a16="http://schemas.microsoft.com/office/drawing/2014/main" val="20003"/>
                     </a:ext>
                   </a:extLst>
                 </a:gridCol>
@@ -18280,7 +14846,7 @@
                 </a:tc>
                 <a:extLst>
                   <a:ext uri="{0D108BD9-81ED-4DB2-BD59-A6C34878D82A}">
-                    <a16:rowId xmlns="" xmlns:a16="http://schemas.microsoft.com/office/drawing/2014/main" val="10000"/>
+                    <a16:rowId xmlns:a16="http://schemas.microsoft.com/office/drawing/2014/main" val="10000"/>
                   </a:ext>
                 </a:extLst>
               </a:tr>
@@ -18459,7 +15025,7 @@
                 </a:tc>
                 <a:extLst>
                   <a:ext uri="{0D108BD9-81ED-4DB2-BD59-A6C34878D82A}">
-                    <a16:rowId xmlns="" xmlns:a16="http://schemas.microsoft.com/office/drawing/2014/main" val="10001"/>
+                    <a16:rowId xmlns:a16="http://schemas.microsoft.com/office/drawing/2014/main" val="10001"/>
                   </a:ext>
                 </a:extLst>
               </a:tr>
@@ -18604,6 +15170,9 @@
                         </a:rPr>
                         <a:t>をインストールするディレクトリを絶対パスで指定してください。</a:t>
                       </a:r>
+                      <a:endParaRPr lang="en-US" altLang="ja-JP" sz="1000" kern="100" dirty="0" smtClean="0">
+                        <a:effectLst/>
+                      </a:endParaRPr>
                     </a:p>
                     <a:p>
                       <a:pPr algn="just">
@@ -18615,16 +15184,29 @@
                         </a:spcAft>
                       </a:pPr>
                       <a:r>
+                        <a:rPr lang="ja-JP" altLang="en-US" sz="1000" kern="100" dirty="0" smtClean="0">
+                          <a:effectLst/>
+                        </a:rPr>
+                        <a:t>全ユーザーが参照可能なディレクトリを指定してください。</a:t>
+                      </a:r>
+                      <a:endParaRPr lang="ja-JP" sz="1000" kern="100" dirty="0" smtClean="0">
+                        <a:effectLst/>
+                      </a:endParaRPr>
+                    </a:p>
+                    <a:p>
+                      <a:pPr algn="just">
+                        <a:lnSpc>
+                          <a:spcPct val="100000"/>
+                        </a:lnSpc>
+                        <a:spcAft>
+                          <a:spcPts val="0"/>
+                        </a:spcAft>
+                      </a:pPr>
+                      <a:r>
                         <a:rPr lang="ja-JP" sz="1000" kern="100" dirty="0" smtClean="0">
                           <a:effectLst/>
                         </a:rPr>
-                        <a:t>ディレクトリ</a:t>
-                      </a:r>
-                      <a:r>
-                        <a:rPr lang="ja-JP" sz="1000" kern="100" dirty="0">
-                          <a:effectLst/>
-                        </a:rPr>
-                        <a:t>が無い場合作成されます。</a:t>
+                        <a:t>ディレクトリが無い場合作成されます。</a:t>
                       </a:r>
                       <a:endParaRPr lang="ja-JP" sz="1000" kern="100" dirty="0">
                         <a:effectLst/>
@@ -18642,7 +15224,7 @@
                 </a:tc>
                 <a:extLst>
                   <a:ext uri="{0D108BD9-81ED-4DB2-BD59-A6C34878D82A}">
-                    <a16:rowId xmlns="" xmlns:a16="http://schemas.microsoft.com/office/drawing/2014/main" val="10002"/>
+                    <a16:rowId xmlns:a16="http://schemas.microsoft.com/office/drawing/2014/main" val="10002"/>
                   </a:ext>
                 </a:extLst>
               </a:tr>
@@ -18823,7 +15405,7 @@
                 </a:tc>
                 <a:extLst>
                   <a:ext uri="{0D108BD9-81ED-4DB2-BD59-A6C34878D82A}">
-                    <a16:rowId xmlns="" xmlns:a16="http://schemas.microsoft.com/office/drawing/2014/main" val="10003"/>
+                    <a16:rowId xmlns:a16="http://schemas.microsoft.com/office/drawing/2014/main" val="10003"/>
                   </a:ext>
                 </a:extLst>
               </a:tr>
@@ -18908,7 +15490,7 @@
                         </a:spcAft>
                       </a:pPr>
                       <a:r>
-                        <a:rPr lang="en-US" sz="1000" kern="100" dirty="0">
+                        <a:rPr lang="en-US" sz="1000" kern="100" dirty="0" smtClean="0">
                           <a:effectLst/>
                         </a:rPr>
                         <a:t>RHEL7</a:t>
@@ -18953,16 +15535,34 @@
                         <a:t>の</a:t>
                       </a:r>
                       <a:r>
-                        <a:rPr lang="en-US" sz="1000" kern="100" dirty="0">
+                        <a:rPr lang="en-US" sz="1000" kern="100" dirty="0" smtClean="0">
                           <a:effectLst/>
                         </a:rPr>
                         <a:t>OS</a:t>
                       </a:r>
                       <a:r>
+                        <a:rPr lang="en-US" sz="800" kern="100" dirty="0" smtClean="0">
+                          <a:effectLst/>
+                        </a:rPr>
+                        <a:t>(RHEL7 </a:t>
+                      </a:r>
+                      <a:r>
+                        <a:rPr lang="ja-JP" sz="800" kern="100" dirty="0">
+                          <a:effectLst/>
+                        </a:rPr>
+                        <a:t>系の場合は</a:t>
+                      </a:r>
+                      <a:r>
                         <a:rPr lang="en-US" sz="800" kern="100" dirty="0">
                           <a:effectLst/>
                         </a:rPr>
-                        <a:t>(RHEL6 </a:t>
+                        <a:t>(</a:t>
+                      </a:r>
+                      <a:r>
+                        <a:rPr lang="en-US" sz="800" kern="100" dirty="0" smtClean="0">
+                          <a:effectLst/>
+                        </a:rPr>
+                        <a:t>RHEL7)/ RHEL8 </a:t>
                       </a:r>
                       <a:r>
                         <a:rPr lang="ja-JP" sz="800" kern="100" dirty="0">
@@ -18974,19 +15574,13 @@
                         <a:rPr lang="en-US" sz="800" kern="100" dirty="0">
                           <a:effectLst/>
                         </a:rPr>
-                        <a:t>(RHEL6)/ RHEL7 </a:t>
-                      </a:r>
-                      <a:r>
-                        <a:rPr lang="ja-JP" sz="800" kern="100" dirty="0">
-                          <a:effectLst/>
-                        </a:rPr>
-                        <a:t>系の場合は</a:t>
-                      </a:r>
-                      <a:r>
-                        <a:rPr lang="en-US" sz="800" kern="100" dirty="0">
-                          <a:effectLst/>
-                        </a:rPr>
-                        <a:t>(RHEL7))</a:t>
+                        <a:t>(</a:t>
+                      </a:r>
+                      <a:r>
+                        <a:rPr lang="en-US" sz="800" kern="100" dirty="0" smtClean="0">
+                          <a:effectLst/>
+                        </a:rPr>
+                        <a:t>RHEL8))</a:t>
                       </a:r>
                       <a:endParaRPr lang="ja-JP" sz="1000" kern="100" dirty="0">
                         <a:effectLst/>
@@ -19004,7 +15598,7 @@
                 </a:tc>
                 <a:extLst>
                   <a:ext uri="{0D108BD9-81ED-4DB2-BD59-A6C34878D82A}">
-                    <a16:rowId xmlns="" xmlns:a16="http://schemas.microsoft.com/office/drawing/2014/main" val="10004"/>
+                    <a16:rowId xmlns:a16="http://schemas.microsoft.com/office/drawing/2014/main" val="10004"/>
                   </a:ext>
                 </a:extLst>
               </a:tr>
@@ -19180,7 +15774,7 @@
                 </a:tc>
                 <a:extLst>
                   <a:ext uri="{0D108BD9-81ED-4DB2-BD59-A6C34878D82A}">
-                    <a16:rowId xmlns="" xmlns:a16="http://schemas.microsoft.com/office/drawing/2014/main" val="10005"/>
+                    <a16:rowId xmlns:a16="http://schemas.microsoft.com/office/drawing/2014/main" val="10005"/>
                   </a:ext>
                 </a:extLst>
               </a:tr>
@@ -19357,7 +15951,7 @@
                 </a:tc>
                 <a:extLst>
                   <a:ext uri="{0D108BD9-81ED-4DB2-BD59-A6C34878D82A}">
-                    <a16:rowId xmlns="" xmlns:a16="http://schemas.microsoft.com/office/drawing/2014/main" val="10006"/>
+                    <a16:rowId xmlns:a16="http://schemas.microsoft.com/office/drawing/2014/main" val="10006"/>
                   </a:ext>
                 </a:extLst>
               </a:tr>
@@ -19534,7 +16128,7 @@
                 </a:tc>
                 <a:extLst>
                   <a:ext uri="{0D108BD9-81ED-4DB2-BD59-A6C34878D82A}">
-                    <a16:rowId xmlns="" xmlns:a16="http://schemas.microsoft.com/office/drawing/2014/main" val="10007"/>
+                    <a16:rowId xmlns:a16="http://schemas.microsoft.com/office/drawing/2014/main" val="10007"/>
                   </a:ext>
                 </a:extLst>
               </a:tr>
@@ -19711,7 +16305,7 @@
                 </a:tc>
                 <a:extLst>
                   <a:ext uri="{0D108BD9-81ED-4DB2-BD59-A6C34878D82A}">
-                    <a16:rowId xmlns="" xmlns:a16="http://schemas.microsoft.com/office/drawing/2014/main" val="10008"/>
+                    <a16:rowId xmlns:a16="http://schemas.microsoft.com/office/drawing/2014/main" val="10008"/>
                   </a:ext>
                 </a:extLst>
               </a:tr>
@@ -19874,7 +16468,7 @@
                 </a:tc>
                 <a:extLst>
                   <a:ext uri="{0D108BD9-81ED-4DB2-BD59-A6C34878D82A}">
-                    <a16:rowId xmlns="" xmlns:a16="http://schemas.microsoft.com/office/drawing/2014/main" val="10009"/>
+                    <a16:rowId xmlns:a16="http://schemas.microsoft.com/office/drawing/2014/main" val="10009"/>
                   </a:ext>
                 </a:extLst>
               </a:tr>
@@ -20013,7 +16607,7 @@
                 </a:tc>
                 <a:extLst>
                   <a:ext uri="{0D108BD9-81ED-4DB2-BD59-A6C34878D82A}">
-                    <a16:rowId xmlns="" xmlns:a16="http://schemas.microsoft.com/office/drawing/2014/main" val="10010"/>
+                    <a16:rowId xmlns:a16="http://schemas.microsoft.com/office/drawing/2014/main" val="10010"/>
                   </a:ext>
                 </a:extLst>
               </a:tr>
@@ -20131,10 +16725,22 @@
                         </a:spcAft>
                       </a:pPr>
                       <a:r>
+                        <a:rPr lang="ja-JP" altLang="en-US" sz="1000" kern="100" dirty="0" smtClean="0">
+                          <a:effectLst/>
+                        </a:rPr>
+                        <a:t>メニュー</a:t>
+                      </a:r>
+                      <a:r>
+                        <a:rPr lang="ja-JP" sz="1000" kern="100" dirty="0" smtClean="0">
+                          <a:effectLst/>
+                        </a:rPr>
+                        <a:t>作成</a:t>
+                      </a:r>
+                      <a:r>
                         <a:rPr lang="ja-JP" sz="1000" kern="100" dirty="0">
                           <a:effectLst/>
                         </a:rPr>
-                        <a:t>パラメータシート作成機能のインストール有無指定</a:t>
+                        <a:t>機能のインストール有無指定</a:t>
                       </a:r>
                       <a:endParaRPr lang="ja-JP" sz="1000" kern="100" dirty="0">
                         <a:effectLst/>
@@ -20152,7 +16758,7 @@
                 </a:tc>
                 <a:extLst>
                   <a:ext uri="{0D108BD9-81ED-4DB2-BD59-A6C34878D82A}">
-                    <a16:rowId xmlns="" xmlns:a16="http://schemas.microsoft.com/office/drawing/2014/main" val="10011"/>
+                    <a16:rowId xmlns:a16="http://schemas.microsoft.com/office/drawing/2014/main" val="10011"/>
                   </a:ext>
                 </a:extLst>
               </a:tr>
@@ -20291,7 +16897,7 @@
                 </a:tc>
                 <a:extLst>
                   <a:ext uri="{0D108BD9-81ED-4DB2-BD59-A6C34878D82A}">
-                    <a16:rowId xmlns="" xmlns:a16="http://schemas.microsoft.com/office/drawing/2014/main" val="10012"/>
+                    <a16:rowId xmlns:a16="http://schemas.microsoft.com/office/drawing/2014/main" val="10012"/>
                   </a:ext>
                 </a:extLst>
               </a:tr>
@@ -20454,7 +17060,7 @@
                 </a:tc>
                 <a:extLst>
                   <a:ext uri="{0D108BD9-81ED-4DB2-BD59-A6C34878D82A}">
-                    <a16:rowId xmlns="" xmlns:a16="http://schemas.microsoft.com/office/drawing/2014/main" val="10013"/>
+                    <a16:rowId xmlns:a16="http://schemas.microsoft.com/office/drawing/2014/main" val="10013"/>
                   </a:ext>
                 </a:extLst>
               </a:tr>
@@ -20476,7 +17082,7 @@
                         <a:rPr lang="en-US" sz="1000" kern="100" dirty="0">
                           <a:effectLst/>
                         </a:rPr>
-                        <a:t>cobbler_driver</a:t>
+                        <a:t>openstack_driver</a:t>
                       </a:r>
                       <a:endParaRPr lang="ja-JP" sz="1000" kern="100" dirty="0">
                         <a:effectLst/>
@@ -20521,6 +17127,151 @@
                   </a:txBody>
                   <a:tcPr marL="68495" marR="68495" marT="0" marB="0" anchor="ctr">
                     <a:solidFill>
+                      <a:srgbClr val="CBCDD3"/>
+                    </a:solidFill>
+                  </a:tcPr>
+                </a:tc>
+                <a:tc>
+                  <a:txBody>
+                    <a:bodyPr/>
+                    <a:lstStyle/>
+                    <a:p>
+                      <a:pPr algn="ctr">
+                        <a:lnSpc>
+                          <a:spcPct val="150000"/>
+                        </a:lnSpc>
+                        <a:spcAft>
+                          <a:spcPts val="0"/>
+                        </a:spcAft>
+                      </a:pPr>
+                      <a:r>
+                        <a:rPr lang="en-US" sz="1000" kern="100" dirty="0">
+                          <a:effectLst/>
+                        </a:rPr>
+                        <a:t>no</a:t>
+                      </a:r>
+                      <a:endParaRPr lang="ja-JP" sz="1000" kern="100" dirty="0">
+                        <a:effectLst/>
+                        <a:latin typeface="Century" panose="02040604050505020304" pitchFamily="18" charset="0"/>
+                        <a:ea typeface="ＭＳ 明朝" panose="02020609040205080304" pitchFamily="17" charset="-128"/>
+                        <a:cs typeface="Times New Roman" panose="02020603050405020304" pitchFamily="18" charset="0"/>
+                      </a:endParaRPr>
+                    </a:p>
+                  </a:txBody>
+                  <a:tcPr marL="68495" marR="68495" marT="0" marB="0" anchor="ctr">
+                    <a:solidFill>
+                      <a:srgbClr val="CBCDD3"/>
+                    </a:solidFill>
+                  </a:tcPr>
+                </a:tc>
+                <a:tc>
+                  <a:txBody>
+                    <a:bodyPr/>
+                    <a:lstStyle/>
+                    <a:p>
+                      <a:pPr algn="just">
+                        <a:lnSpc>
+                          <a:spcPct val="150000"/>
+                        </a:lnSpc>
+                        <a:spcAft>
+                          <a:spcPts val="0"/>
+                        </a:spcAft>
+                      </a:pPr>
+                      <a:r>
+                        <a:rPr lang="en-US" sz="1000" kern="100" dirty="0">
+                          <a:effectLst/>
+                        </a:rPr>
+                        <a:t>OpenStack driver</a:t>
+                      </a:r>
+                      <a:r>
+                        <a:rPr lang="ja-JP" sz="1000" kern="100" dirty="0">
+                          <a:effectLst/>
+                        </a:rPr>
+                        <a:t>のインストール有無指定</a:t>
+                      </a:r>
+                      <a:endParaRPr lang="ja-JP" sz="1000" kern="100" dirty="0">
+                        <a:effectLst/>
+                        <a:latin typeface="Century" panose="02040604050505020304" pitchFamily="18" charset="0"/>
+                        <a:ea typeface="ＭＳ 明朝" panose="02020609040205080304" pitchFamily="17" charset="-128"/>
+                        <a:cs typeface="Times New Roman" panose="02020603050405020304" pitchFamily="18" charset="0"/>
+                      </a:endParaRPr>
+                    </a:p>
+                  </a:txBody>
+                  <a:tcPr marL="68495" marR="68495" marT="0" marB="0" anchor="ctr">
+                    <a:solidFill>
+                      <a:srgbClr val="CBCDD3"/>
+                    </a:solidFill>
+                  </a:tcPr>
+                </a:tc>
+                <a:extLst>
+                  <a:ext uri="{0D108BD9-81ED-4DB2-BD59-A6C34878D82A}">
+                    <a16:rowId xmlns:a16="http://schemas.microsoft.com/office/drawing/2014/main" val="10015"/>
+                  </a:ext>
+                </a:extLst>
+              </a:tr>
+              <a:tr h="222140">
+                <a:tc>
+                  <a:txBody>
+                    <a:bodyPr/>
+                    <a:lstStyle/>
+                    <a:p>
+                      <a:pPr algn="just">
+                        <a:lnSpc>
+                          <a:spcPct val="150000"/>
+                        </a:lnSpc>
+                        <a:spcAft>
+                          <a:spcPts val="0"/>
+                        </a:spcAft>
+                      </a:pPr>
+                      <a:r>
+                        <a:rPr lang="en-US" sz="1000" kern="100" dirty="0">
+                          <a:effectLst/>
+                        </a:rPr>
+                        <a:t>dsc_driver</a:t>
+                      </a:r>
+                      <a:endParaRPr lang="ja-JP" sz="1000" kern="100" dirty="0">
+                        <a:effectLst/>
+                        <a:latin typeface="Century" panose="02040604050505020304" pitchFamily="18" charset="0"/>
+                        <a:ea typeface="ＭＳ 明朝" panose="02020609040205080304" pitchFamily="17" charset="-128"/>
+                        <a:cs typeface="Times New Roman" panose="02020603050405020304" pitchFamily="18" charset="0"/>
+                      </a:endParaRPr>
+                    </a:p>
+                  </a:txBody>
+                  <a:tcPr marL="68495" marR="68495" marT="0" marB="0" anchor="ctr">
+                    <a:solidFill>
+                      <a:srgbClr val="002B62"/>
+                    </a:solidFill>
+                  </a:tcPr>
+                </a:tc>
+                <a:tc>
+                  <a:txBody>
+                    <a:bodyPr/>
+                    <a:lstStyle/>
+                    <a:p>
+                      <a:pPr algn="ctr">
+                        <a:lnSpc>
+                          <a:spcPct val="150000"/>
+                        </a:lnSpc>
+                        <a:spcAft>
+                          <a:spcPts val="0"/>
+                        </a:spcAft>
+                      </a:pPr>
+                      <a:r>
+                        <a:rPr lang="en-US" sz="1000" kern="100" dirty="0">
+                          <a:effectLst/>
+                        </a:rPr>
+                        <a:t>○</a:t>
+                      </a:r>
+                      <a:endParaRPr lang="ja-JP" sz="1000" kern="100" dirty="0">
+                        <a:effectLst/>
+                        <a:latin typeface="Century" panose="02040604050505020304" pitchFamily="18" charset="0"/>
+                        <a:ea typeface="ＭＳ 明朝" panose="02020609040205080304" pitchFamily="17" charset="-128"/>
+                        <a:cs typeface="Times New Roman" panose="02020603050405020304" pitchFamily="18" charset="0"/>
+                      </a:endParaRPr>
+                    </a:p>
+                  </a:txBody>
+                  <a:tcPr marL="68495" marR="68495" marT="0" marB="0" anchor="ctr">
+                    <a:solidFill>
                       <a:srgbClr val="E7E8EA"/>
                     </a:solidFill>
                   </a:tcPr>
@@ -20572,22 +17323,10 @@
                         </a:spcAft>
                       </a:pPr>
                       <a:r>
-                        <a:rPr lang="en-US" sz="1000" kern="100" dirty="0" smtClean="0">
-                          <a:effectLst/>
-                        </a:rPr>
-                        <a:t>Cobbler</a:t>
-                      </a:r>
-                      <a:r>
-                        <a:rPr lang="en-US" sz="1000" kern="100" baseline="0" dirty="0" smtClean="0">
-                          <a:effectLst/>
-                        </a:rPr>
-                        <a:t> </a:t>
-                      </a:r>
-                      <a:r>
-                        <a:rPr lang="en-US" sz="1000" kern="100" dirty="0" smtClean="0">
-                          <a:effectLst/>
-                        </a:rPr>
-                        <a:t>driver</a:t>
+                        <a:rPr lang="en-US" sz="1000" kern="100" dirty="0">
+                          <a:effectLst/>
+                        </a:rPr>
+                        <a:t>DSC driver</a:t>
                       </a:r>
                       <a:r>
                         <a:rPr lang="ja-JP" sz="1000" kern="100" dirty="0">
@@ -20611,297 +17350,7 @@
                 </a:tc>
                 <a:extLst>
                   <a:ext uri="{0D108BD9-81ED-4DB2-BD59-A6C34878D82A}">
-                    <a16:rowId xmlns="" xmlns:a16="http://schemas.microsoft.com/office/drawing/2014/main" val="10014"/>
-                  </a:ext>
-                </a:extLst>
-              </a:tr>
-              <a:tr h="222140">
-                <a:tc>
-                  <a:txBody>
-                    <a:bodyPr/>
-                    <a:lstStyle/>
-                    <a:p>
-                      <a:pPr algn="just">
-                        <a:lnSpc>
-                          <a:spcPct val="150000"/>
-                        </a:lnSpc>
-                        <a:spcAft>
-                          <a:spcPts val="0"/>
-                        </a:spcAft>
-                      </a:pPr>
-                      <a:r>
-                        <a:rPr lang="en-US" sz="1000" kern="100" dirty="0">
-                          <a:effectLst/>
-                        </a:rPr>
-                        <a:t>openstack_driver</a:t>
-                      </a:r>
-                      <a:endParaRPr lang="ja-JP" sz="1000" kern="100" dirty="0">
-                        <a:effectLst/>
-                        <a:latin typeface="Century" panose="02040604050505020304" pitchFamily="18" charset="0"/>
-                        <a:ea typeface="ＭＳ 明朝" panose="02020609040205080304" pitchFamily="17" charset="-128"/>
-                        <a:cs typeface="Times New Roman" panose="02020603050405020304" pitchFamily="18" charset="0"/>
-                      </a:endParaRPr>
-                    </a:p>
-                  </a:txBody>
-                  <a:tcPr marL="68495" marR="68495" marT="0" marB="0" anchor="ctr">
-                    <a:solidFill>
-                      <a:srgbClr val="002B62"/>
-                    </a:solidFill>
-                  </a:tcPr>
-                </a:tc>
-                <a:tc>
-                  <a:txBody>
-                    <a:bodyPr/>
-                    <a:lstStyle/>
-                    <a:p>
-                      <a:pPr algn="ctr">
-                        <a:lnSpc>
-                          <a:spcPct val="150000"/>
-                        </a:lnSpc>
-                        <a:spcAft>
-                          <a:spcPts val="0"/>
-                        </a:spcAft>
-                      </a:pPr>
-                      <a:r>
-                        <a:rPr lang="en-US" sz="1000" kern="100" dirty="0">
-                          <a:effectLst/>
-                        </a:rPr>
-                        <a:t>○</a:t>
-                      </a:r>
-                      <a:endParaRPr lang="ja-JP" sz="1000" kern="100" dirty="0">
-                        <a:effectLst/>
-                        <a:latin typeface="Century" panose="02040604050505020304" pitchFamily="18" charset="0"/>
-                        <a:ea typeface="ＭＳ 明朝" panose="02020609040205080304" pitchFamily="17" charset="-128"/>
-                        <a:cs typeface="Times New Roman" panose="02020603050405020304" pitchFamily="18" charset="0"/>
-                      </a:endParaRPr>
-                    </a:p>
-                  </a:txBody>
-                  <a:tcPr marL="68495" marR="68495" marT="0" marB="0" anchor="ctr">
-                    <a:solidFill>
-                      <a:srgbClr val="CBCDD3"/>
-                    </a:solidFill>
-                  </a:tcPr>
-                </a:tc>
-                <a:tc>
-                  <a:txBody>
-                    <a:bodyPr/>
-                    <a:lstStyle/>
-                    <a:p>
-                      <a:pPr algn="ctr">
-                        <a:lnSpc>
-                          <a:spcPct val="150000"/>
-                        </a:lnSpc>
-                        <a:spcAft>
-                          <a:spcPts val="0"/>
-                        </a:spcAft>
-                      </a:pPr>
-                      <a:r>
-                        <a:rPr lang="en-US" sz="1000" kern="100" dirty="0">
-                          <a:effectLst/>
-                        </a:rPr>
-                        <a:t>no</a:t>
-                      </a:r>
-                      <a:endParaRPr lang="ja-JP" sz="1000" kern="100" dirty="0">
-                        <a:effectLst/>
-                        <a:latin typeface="Century" panose="02040604050505020304" pitchFamily="18" charset="0"/>
-                        <a:ea typeface="ＭＳ 明朝" panose="02020609040205080304" pitchFamily="17" charset="-128"/>
-                        <a:cs typeface="Times New Roman" panose="02020603050405020304" pitchFamily="18" charset="0"/>
-                      </a:endParaRPr>
-                    </a:p>
-                  </a:txBody>
-                  <a:tcPr marL="68495" marR="68495" marT="0" marB="0" anchor="ctr">
-                    <a:solidFill>
-                      <a:srgbClr val="CBCDD3"/>
-                    </a:solidFill>
-                  </a:tcPr>
-                </a:tc>
-                <a:tc>
-                  <a:txBody>
-                    <a:bodyPr/>
-                    <a:lstStyle/>
-                    <a:p>
-                      <a:pPr algn="just">
-                        <a:lnSpc>
-                          <a:spcPct val="150000"/>
-                        </a:lnSpc>
-                        <a:spcAft>
-                          <a:spcPts val="0"/>
-                        </a:spcAft>
-                      </a:pPr>
-                      <a:r>
-                        <a:rPr lang="en-US" sz="1000" kern="100" dirty="0">
-                          <a:effectLst/>
-                        </a:rPr>
-                        <a:t>OpenStack driver</a:t>
-                      </a:r>
-                      <a:r>
-                        <a:rPr lang="ja-JP" sz="1000" kern="100" dirty="0">
-                          <a:effectLst/>
-                        </a:rPr>
-                        <a:t>のインストール有無指定</a:t>
-                      </a:r>
-                      <a:endParaRPr lang="ja-JP" sz="1000" kern="100" dirty="0">
-                        <a:effectLst/>
-                        <a:latin typeface="Century" panose="02040604050505020304" pitchFamily="18" charset="0"/>
-                        <a:ea typeface="ＭＳ 明朝" panose="02020609040205080304" pitchFamily="17" charset="-128"/>
-                        <a:cs typeface="Times New Roman" panose="02020603050405020304" pitchFamily="18" charset="0"/>
-                      </a:endParaRPr>
-                    </a:p>
-                  </a:txBody>
-                  <a:tcPr marL="68495" marR="68495" marT="0" marB="0" anchor="ctr">
-                    <a:solidFill>
-                      <a:srgbClr val="CBCDD3"/>
-                    </a:solidFill>
-                  </a:tcPr>
-                </a:tc>
-                <a:extLst>
-                  <a:ext uri="{0D108BD9-81ED-4DB2-BD59-A6C34878D82A}">
-                    <a16:rowId xmlns="" xmlns:a16="http://schemas.microsoft.com/office/drawing/2014/main" val="10015"/>
-                  </a:ext>
-                </a:extLst>
-              </a:tr>
-              <a:tr h="222140">
-                <a:tc>
-                  <a:txBody>
-                    <a:bodyPr/>
-                    <a:lstStyle/>
-                    <a:p>
-                      <a:pPr algn="just">
-                        <a:lnSpc>
-                          <a:spcPct val="150000"/>
-                        </a:lnSpc>
-                        <a:spcAft>
-                          <a:spcPts val="0"/>
-                        </a:spcAft>
-                      </a:pPr>
-                      <a:r>
-                        <a:rPr lang="en-US" sz="1000" kern="100" dirty="0">
-                          <a:effectLst/>
-                        </a:rPr>
-                        <a:t>dsc_driver</a:t>
-                      </a:r>
-                      <a:endParaRPr lang="ja-JP" sz="1000" kern="100" dirty="0">
-                        <a:effectLst/>
-                        <a:latin typeface="Century" panose="02040604050505020304" pitchFamily="18" charset="0"/>
-                        <a:ea typeface="ＭＳ 明朝" panose="02020609040205080304" pitchFamily="17" charset="-128"/>
-                        <a:cs typeface="Times New Roman" panose="02020603050405020304" pitchFamily="18" charset="0"/>
-                      </a:endParaRPr>
-                    </a:p>
-                  </a:txBody>
-                  <a:tcPr marL="68495" marR="68495" marT="0" marB="0" anchor="ctr">
-                    <a:solidFill>
-                      <a:srgbClr val="002B62"/>
-                    </a:solidFill>
-                  </a:tcPr>
-                </a:tc>
-                <a:tc>
-                  <a:txBody>
-                    <a:bodyPr/>
-                    <a:lstStyle/>
-                    <a:p>
-                      <a:pPr algn="ctr">
-                        <a:lnSpc>
-                          <a:spcPct val="150000"/>
-                        </a:lnSpc>
-                        <a:spcAft>
-                          <a:spcPts val="0"/>
-                        </a:spcAft>
-                      </a:pPr>
-                      <a:r>
-                        <a:rPr lang="en-US" sz="1000" kern="100" dirty="0">
-                          <a:effectLst/>
-                        </a:rPr>
-                        <a:t>○</a:t>
-                      </a:r>
-                      <a:endParaRPr lang="ja-JP" sz="1000" kern="100" dirty="0">
-                        <a:effectLst/>
-                        <a:latin typeface="Century" panose="02040604050505020304" pitchFamily="18" charset="0"/>
-                        <a:ea typeface="ＭＳ 明朝" panose="02020609040205080304" pitchFamily="17" charset="-128"/>
-                        <a:cs typeface="Times New Roman" panose="02020603050405020304" pitchFamily="18" charset="0"/>
-                      </a:endParaRPr>
-                    </a:p>
-                  </a:txBody>
-                  <a:tcPr marL="68495" marR="68495" marT="0" marB="0" anchor="ctr">
-                    <a:solidFill>
-                      <a:srgbClr val="E7E8EA"/>
-                    </a:solidFill>
-                  </a:tcPr>
-                </a:tc>
-                <a:tc>
-                  <a:txBody>
-                    <a:bodyPr/>
-                    <a:lstStyle/>
-                    <a:p>
-                      <a:pPr algn="ctr">
-                        <a:lnSpc>
-                          <a:spcPct val="150000"/>
-                        </a:lnSpc>
-                        <a:spcAft>
-                          <a:spcPts val="0"/>
-                        </a:spcAft>
-                      </a:pPr>
-                      <a:r>
-                        <a:rPr lang="en-US" sz="1000" kern="100" dirty="0">
-                          <a:effectLst/>
-                        </a:rPr>
-                        <a:t>no</a:t>
-                      </a:r>
-                      <a:endParaRPr lang="ja-JP" sz="1000" kern="100" dirty="0">
-                        <a:effectLst/>
-                        <a:latin typeface="Century" panose="02040604050505020304" pitchFamily="18" charset="0"/>
-                        <a:ea typeface="ＭＳ 明朝" panose="02020609040205080304" pitchFamily="17" charset="-128"/>
-                        <a:cs typeface="Times New Roman" panose="02020603050405020304" pitchFamily="18" charset="0"/>
-                      </a:endParaRPr>
-                    </a:p>
-                  </a:txBody>
-                  <a:tcPr marL="68495" marR="68495" marT="0" marB="0" anchor="ctr">
-                    <a:solidFill>
-                      <a:srgbClr val="E7E8EA"/>
-                    </a:solidFill>
-                  </a:tcPr>
-                </a:tc>
-                <a:tc>
-                  <a:txBody>
-                    <a:bodyPr/>
-                    <a:lstStyle/>
-                    <a:p>
-                      <a:pPr algn="just">
-                        <a:lnSpc>
-                          <a:spcPct val="150000"/>
-                        </a:lnSpc>
-                        <a:spcAft>
-                          <a:spcPts val="0"/>
-                        </a:spcAft>
-                      </a:pPr>
-                      <a:r>
-                        <a:rPr lang="en-US" sz="1000" kern="100" dirty="0">
-                          <a:effectLst/>
-                        </a:rPr>
-                        <a:t>DSC driver</a:t>
-                      </a:r>
-                      <a:r>
-                        <a:rPr lang="ja-JP" sz="1000" kern="100" dirty="0">
-                          <a:effectLst/>
-                        </a:rPr>
-                        <a:t>のインストール有無指定</a:t>
-                      </a:r>
-                      <a:endParaRPr lang="ja-JP" sz="1000" kern="100" dirty="0">
-                        <a:effectLst/>
-                        <a:latin typeface="Century" panose="02040604050505020304" pitchFamily="18" charset="0"/>
-                        <a:ea typeface="ＭＳ 明朝" panose="02020609040205080304" pitchFamily="17" charset="-128"/>
-                        <a:cs typeface="Times New Roman" panose="02020603050405020304" pitchFamily="18" charset="0"/>
-                      </a:endParaRPr>
-                    </a:p>
-                  </a:txBody>
-                  <a:tcPr marL="68495" marR="68495" marT="0" marB="0" anchor="ctr">
-                    <a:solidFill>
-                      <a:srgbClr val="E7E8EA"/>
-                    </a:solidFill>
-                  </a:tcPr>
-                </a:tc>
-                <a:extLst>
-                  <a:ext uri="{0D108BD9-81ED-4DB2-BD59-A6C34878D82A}">
-                    <a16:rowId xmlns="" xmlns:a16="http://schemas.microsoft.com/office/drawing/2014/main" val="10016"/>
+                    <a16:rowId xmlns:a16="http://schemas.microsoft.com/office/drawing/2014/main" val="10016"/>
                   </a:ext>
                 </a:extLst>
               </a:tr>
@@ -21558,8 +18007,49 @@
                 <a:ea typeface="ＭＳ 明朝" panose="02020609040205080304" pitchFamily="17" charset="-128"/>
                 <a:cs typeface="Times New Roman" panose="02020603050405020304" pitchFamily="18" charset="0"/>
               </a:rPr>
-              <a:t># Select Operation System. ("RHEL6" or "RHEL7")</a:t>
-            </a:r>
+              <a:t># Select Operation System. ("</a:t>
+            </a:r>
+            <a:r>
+              <a:rPr kumimoji="0" lang="en-US" sz="900" kern="100" dirty="0" smtClean="0">
+                <a:solidFill>
+                  <a:sysClr val="window" lastClr="FFFFFF"/>
+                </a:solidFill>
+                <a:latin typeface="Arial" panose="020B0604020202020204" pitchFamily="34" charset="0"/>
+                <a:ea typeface="ＭＳ 明朝" panose="02020609040205080304" pitchFamily="17" charset="-128"/>
+                <a:cs typeface="Times New Roman" panose="02020603050405020304" pitchFamily="18" charset="0"/>
+              </a:rPr>
+              <a:t>RHEL7” </a:t>
+            </a:r>
+            <a:r>
+              <a:rPr kumimoji="0" lang="en-US" sz="900" kern="100" dirty="0">
+                <a:solidFill>
+                  <a:sysClr val="window" lastClr="FFFFFF"/>
+                </a:solidFill>
+                <a:latin typeface="Arial" panose="020B0604020202020204" pitchFamily="34" charset="0"/>
+                <a:ea typeface="ＭＳ 明朝" panose="02020609040205080304" pitchFamily="17" charset="-128"/>
+                <a:cs typeface="Times New Roman" panose="02020603050405020304" pitchFamily="18" charset="0"/>
+              </a:rPr>
+              <a:t>or </a:t>
+            </a:r>
+            <a:r>
+              <a:rPr kumimoji="0" lang="en-US" sz="900" kern="100" dirty="0" smtClean="0">
+                <a:solidFill>
+                  <a:sysClr val="window" lastClr="FFFFFF"/>
+                </a:solidFill>
+                <a:latin typeface="Arial" panose="020B0604020202020204" pitchFamily="34" charset="0"/>
+                <a:ea typeface="ＭＳ 明朝" panose="02020609040205080304" pitchFamily="17" charset="-128"/>
+                <a:cs typeface="Times New Roman" panose="02020603050405020304" pitchFamily="18" charset="0"/>
+              </a:rPr>
+              <a:t>“RHEL8")</a:t>
+            </a:r>
+            <a:endParaRPr kumimoji="0" lang="en-US" sz="900" kern="100" dirty="0">
+              <a:solidFill>
+                <a:sysClr val="window" lastClr="FFFFFF"/>
+              </a:solidFill>
+              <a:latin typeface="Arial" panose="020B0604020202020204" pitchFamily="34" charset="0"/>
+              <a:ea typeface="ＭＳ 明朝" panose="02020609040205080304" pitchFamily="17" charset="-128"/>
+              <a:cs typeface="Times New Roman" panose="02020603050405020304" pitchFamily="18" charset="0"/>
+            </a:endParaRPr>
           </a:p>
           <a:p>
             <a:pPr lvl="0">
@@ -21599,8 +18089,27 @@
                 <a:ea typeface="ＭＳ 明朝" panose="02020609040205080304" pitchFamily="17" charset="-128"/>
                 <a:cs typeface="Times New Roman" panose="02020603050405020304" pitchFamily="18" charset="0"/>
               </a:rPr>
-              <a:t>) ita_os:RHEL7</a:t>
-            </a:r>
+              <a:t>) </a:t>
+            </a:r>
+            <a:r>
+              <a:rPr kumimoji="0" lang="en-US" sz="900" kern="100" dirty="0" smtClean="0">
+                <a:solidFill>
+                  <a:sysClr val="window" lastClr="FFFFFF"/>
+                </a:solidFill>
+                <a:latin typeface="Arial" panose="020B0604020202020204" pitchFamily="34" charset="0"/>
+                <a:ea typeface="ＭＳ 明朝" panose="02020609040205080304" pitchFamily="17" charset="-128"/>
+                <a:cs typeface="Times New Roman" panose="02020603050405020304" pitchFamily="18" charset="0"/>
+              </a:rPr>
+              <a:t>ita_os:RHEL8</a:t>
+            </a:r>
+            <a:endParaRPr kumimoji="0" lang="en-US" sz="900" kern="100" dirty="0">
+              <a:solidFill>
+                <a:sysClr val="window" lastClr="FFFFFF"/>
+              </a:solidFill>
+              <a:latin typeface="Arial" panose="020B0604020202020204" pitchFamily="34" charset="0"/>
+              <a:ea typeface="ＭＳ 明朝" panose="02020609040205080304" pitchFamily="17" charset="-128"/>
+              <a:cs typeface="Times New Roman" panose="02020603050405020304" pitchFamily="18" charset="0"/>
+            </a:endParaRPr>
           </a:p>
           <a:p>
             <a:pPr lvl="0">
@@ -21610,7 +18119,7 @@
               <a:defRPr/>
             </a:pPr>
             <a:r>
-              <a:rPr kumimoji="0" lang="en-US" sz="900" kern="100" dirty="0">
+              <a:rPr kumimoji="0" lang="en-US" sz="900" kern="100" dirty="0" smtClean="0">
                 <a:solidFill>
                   <a:sysClr val="window" lastClr="FFFFFF"/>
                 </a:solidFill>
@@ -21620,6 +18129,14 @@
               </a:rPr>
               <a:t>ita_os:RHEL7</a:t>
             </a:r>
+            <a:endParaRPr kumimoji="0" lang="en-US" sz="900" kern="100" dirty="0">
+              <a:solidFill>
+                <a:sysClr val="window" lastClr="FFFFFF"/>
+              </a:solidFill>
+              <a:latin typeface="Arial" panose="020B0604020202020204" pitchFamily="34" charset="0"/>
+              <a:ea typeface="ＭＳ 明朝" panose="02020609040205080304" pitchFamily="17" charset="-128"/>
+              <a:cs typeface="Times New Roman" panose="02020603050405020304" pitchFamily="18" charset="0"/>
+            </a:endParaRPr>
           </a:p>
           <a:p>
             <a:pPr lvl="0">
@@ -23151,11 +19668,15 @@
               <a:buNone/>
             </a:pPr>
             <a:r>
-              <a:rPr lang="en-US" altLang="ja-JP" sz="1600" dirty="0" smtClean="0"/>
-              <a:t>$</a:t>
-            </a:r>
-            <a:r>
-              <a:rPr lang="en-US" altLang="ja-JP" sz="1600" dirty="0" err="1"/>
+              <a:rPr lang="en-US" altLang="ja-JP" sz="1600" dirty="0"/>
+              <a:t>#</a:t>
+            </a:r>
+            <a:r>
+              <a:rPr lang="ja-JP" altLang="en-US" sz="1600" dirty="0" smtClean="0"/>
+              <a:t> </a:t>
+            </a:r>
+            <a:r>
+              <a:rPr lang="en-US" altLang="ja-JP" sz="1600" dirty="0" err="1" smtClean="0"/>
               <a:t>sh</a:t>
             </a:r>
             <a:r>
@@ -23445,6 +19966,68 @@
             <a:pPr lvl="1"/>
             <a:endParaRPr lang="en-US" altLang="ja-JP" dirty="0" smtClean="0"/>
           </a:p>
+          <a:p>
+            <a:pPr lvl="1"/>
+            <a:endParaRPr lang="en-US" altLang="ja-JP" dirty="0"/>
+          </a:p>
+          <a:p>
+            <a:pPr lvl="1"/>
+            <a:endParaRPr lang="en-US" altLang="ja-JP" dirty="0" smtClean="0"/>
+          </a:p>
+          <a:p>
+            <a:pPr lvl="1"/>
+            <a:endParaRPr lang="en-US" altLang="ja-JP" dirty="0"/>
+          </a:p>
+          <a:p>
+            <a:pPr lvl="1"/>
+            <a:endParaRPr lang="en-US" altLang="ja-JP" dirty="0" smtClean="0"/>
+          </a:p>
+          <a:p>
+            <a:pPr lvl="1"/>
+            <a:endParaRPr lang="en-US" altLang="ja-JP" dirty="0"/>
+          </a:p>
+          <a:p>
+            <a:pPr lvl="1"/>
+            <a:endParaRPr lang="en-US" altLang="ja-JP" dirty="0" smtClean="0"/>
+          </a:p>
+          <a:p>
+            <a:pPr lvl="1"/>
+            <a:endParaRPr lang="en-US" altLang="ja-JP" dirty="0"/>
+          </a:p>
+          <a:p>
+            <a:pPr lvl="1"/>
+            <a:endParaRPr lang="en-US" altLang="ja-JP" dirty="0" smtClean="0"/>
+          </a:p>
+          <a:p>
+            <a:pPr lvl="1"/>
+            <a:endParaRPr lang="en-US" altLang="ja-JP" dirty="0"/>
+          </a:p>
+          <a:p>
+            <a:pPr lvl="1"/>
+            <a:endParaRPr lang="en-US" altLang="ja-JP" dirty="0" smtClean="0"/>
+          </a:p>
+          <a:p>
+            <a:pPr lvl="1"/>
+            <a:endParaRPr lang="en-US" altLang="ja-JP" dirty="0"/>
+          </a:p>
+          <a:p>
+            <a:pPr lvl="1"/>
+            <a:endParaRPr lang="en-US" altLang="ja-JP" dirty="0" smtClean="0"/>
+          </a:p>
+          <a:p>
+            <a:pPr lvl="1"/>
+            <a:endParaRPr lang="en-US" altLang="ja-JP" dirty="0"/>
+          </a:p>
+          <a:p>
+            <a:pPr lvl="1"/>
+            <a:endParaRPr lang="en-US" altLang="ja-JP" dirty="0" smtClean="0"/>
+          </a:p>
+          <a:p>
+            <a:pPr marL="180000" lvl="1" indent="0">
+              <a:buNone/>
+            </a:pPr>
+            <a:endParaRPr lang="en-US" altLang="ja-JP" dirty="0" smtClean="0"/>
+          </a:p>
         </p:txBody>
       </p:sp>
       <p:graphicFrame>
@@ -23456,14 +20039,14 @@
           <p:nvPr>
             <p:extLst>
               <p:ext uri="{D42A27DB-BD31-4B8C-83A1-F6EECF244321}">
-                <p14:modId xmlns:p14="http://schemas.microsoft.com/office/powerpoint/2010/main" val="4137966984"/>
+                <p14:modId xmlns:p14="http://schemas.microsoft.com/office/powerpoint/2010/main" val="1588285784"/>
               </p:ext>
             </p:extLst>
           </p:nvPr>
         </p:nvGraphicFramePr>
         <p:xfrm>
-          <a:off x="631300" y="1700760"/>
-          <a:ext cx="6569989" cy="4599261"/>
+          <a:off x="611450" y="1542888"/>
+          <a:ext cx="6569989" cy="3920492"/>
         </p:xfrm>
         <a:graphic>
           <a:graphicData uri="http://schemas.openxmlformats.org/drawingml/2006/table">
@@ -23475,21 +20058,21 @@
                 <a:gridCol w="1800249">
                   <a:extLst>
                     <a:ext uri="{9D8B030D-6E8A-4147-A177-3AD203B41FA5}">
-                      <a16:colId xmlns="" xmlns:a16="http://schemas.microsoft.com/office/drawing/2014/main" val="20000"/>
+                      <a16:colId xmlns:a16="http://schemas.microsoft.com/office/drawing/2014/main" val="20000"/>
                     </a:ext>
                   </a:extLst>
                 </a:gridCol>
                 <a:gridCol w="1514417">
                   <a:extLst>
                     <a:ext uri="{9D8B030D-6E8A-4147-A177-3AD203B41FA5}">
-                      <a16:colId xmlns="" xmlns:a16="http://schemas.microsoft.com/office/drawing/2014/main" val="20001"/>
+                      <a16:colId xmlns:a16="http://schemas.microsoft.com/office/drawing/2014/main" val="20001"/>
                     </a:ext>
                   </a:extLst>
                 </a:gridCol>
                 <a:gridCol w="3255323">
                   <a:extLst>
                     <a:ext uri="{9D8B030D-6E8A-4147-A177-3AD203B41FA5}">
-                      <a16:colId xmlns="" xmlns:a16="http://schemas.microsoft.com/office/drawing/2014/main" val="20002"/>
+                      <a16:colId xmlns:a16="http://schemas.microsoft.com/office/drawing/2014/main" val="20002"/>
                     </a:ext>
                   </a:extLst>
                 </a:gridCol>
@@ -23587,7 +20170,7 @@
                 </a:tc>
                 <a:extLst>
                   <a:ext uri="{0D108BD9-81ED-4DB2-BD59-A6C34878D82A}">
-                    <a16:rowId xmlns="" xmlns:a16="http://schemas.microsoft.com/office/drawing/2014/main" val="10000"/>
+                    <a16:rowId xmlns:a16="http://schemas.microsoft.com/office/drawing/2014/main" val="10000"/>
                   </a:ext>
                 </a:extLst>
               </a:tr>
@@ -23663,22 +20246,64 @@
                         </a:spcAft>
                       </a:pPr>
                       <a:r>
-                        <a:rPr lang="en-US" sz="1050" kern="100" dirty="0">
-                          <a:effectLst/>
-                        </a:rPr>
-                        <a:t>yum-utils</a:t>
-                      </a:r>
-                      <a:r>
-                        <a:rPr lang="ja-JP" sz="1050" kern="100" dirty="0">
+                        <a:rPr lang="en-US" sz="1050" kern="100" dirty="0" smtClean="0">
+                          <a:effectLst/>
+                        </a:rPr>
+                        <a:t>yum-</a:t>
+                      </a:r>
+                      <a:r>
+                        <a:rPr lang="en-US" sz="1050" kern="100" dirty="0" err="1" smtClean="0">
+                          <a:effectLst/>
+                        </a:rPr>
+                        <a:t>utils</a:t>
+                      </a:r>
+                      <a:r>
+                        <a:rPr lang="en-US" sz="1050" kern="100" dirty="0" smtClean="0">
+                          <a:effectLst/>
+                        </a:rPr>
+                        <a:t>(</a:t>
+                      </a:r>
+                      <a:r>
+                        <a:rPr lang="en-US" altLang="ja-JP" sz="1050" kern="100" dirty="0" smtClean="0">
+                          <a:effectLst/>
+                        </a:rPr>
+                        <a:t>※</a:t>
+                      </a:r>
+                      <a:r>
+                        <a:rPr lang="en-US" sz="1050" kern="100" dirty="0" smtClean="0">
+                          <a:effectLst/>
+                        </a:rPr>
+                        <a:t>)</a:t>
+                      </a:r>
+                      <a:r>
+                        <a:rPr lang="ja-JP" sz="1050" kern="100" dirty="0" err="1" smtClean="0">
                           <a:effectLst/>
                         </a:rPr>
                         <a:t>、</a:t>
                       </a:r>
                       <a:r>
-                        <a:rPr lang="en-US" sz="1050" kern="100" dirty="0">
+                        <a:rPr lang="en-US" sz="1050" kern="100" dirty="0" err="1" smtClean="0">
                           <a:effectLst/>
                         </a:rPr>
                         <a:t>createrepo</a:t>
+                      </a:r>
+                      <a:r>
+                        <a:rPr lang="en-US" sz="1050" kern="100" dirty="0" smtClean="0">
+                          <a:effectLst/>
+                        </a:rPr>
+                        <a:t>(</a:t>
+                      </a:r>
+                      <a:r>
+                        <a:rPr lang="en-US" altLang="ja-JP" sz="1050" kern="100" dirty="0" smtClean="0">
+                          <a:effectLst/>
+                        </a:rPr>
+                        <a:t>※</a:t>
+                      </a:r>
+                      <a:r>
+                        <a:rPr lang="en-US" sz="1050" kern="100" dirty="0" smtClean="0">
+                          <a:effectLst/>
+                        </a:rPr>
+                        <a:t>)</a:t>
                       </a:r>
                       <a:endParaRPr lang="ja-JP" sz="1050" kern="100" dirty="0">
                         <a:effectLst/>
@@ -23696,7 +20321,7 @@
                 </a:tc>
                 <a:extLst>
                   <a:ext uri="{0D108BD9-81ED-4DB2-BD59-A6C34878D82A}">
-                    <a16:rowId xmlns="" xmlns:a16="http://schemas.microsoft.com/office/drawing/2014/main" val="10001"/>
+                    <a16:rowId xmlns:a16="http://schemas.microsoft.com/office/drawing/2014/main" val="10001"/>
                   </a:ext>
                 </a:extLst>
               </a:tr>
@@ -23835,7 +20460,7 @@
                 </a:tc>
                 <a:extLst>
                   <a:ext uri="{0D108BD9-81ED-4DB2-BD59-A6C34878D82A}">
-                    <a16:rowId xmlns="" xmlns:a16="http://schemas.microsoft.com/office/drawing/2014/main" val="10002"/>
+                    <a16:rowId xmlns:a16="http://schemas.microsoft.com/office/drawing/2014/main" val="10002"/>
                   </a:ext>
                 </a:extLst>
               </a:tr>
@@ -23971,7 +20596,7 @@
                 </a:tc>
                 <a:extLst>
                   <a:ext uri="{0D108BD9-81ED-4DB2-BD59-A6C34878D82A}">
-                    <a16:rowId xmlns="" xmlns:a16="http://schemas.microsoft.com/office/drawing/2014/main" val="10003"/>
+                    <a16:rowId xmlns:a16="http://schemas.microsoft.com/office/drawing/2014/main" val="10003"/>
                   </a:ext>
                 </a:extLst>
               </a:tr>
@@ -24080,7 +20705,7 @@
                 </a:tc>
                 <a:extLst>
                   <a:ext uri="{0D108BD9-81ED-4DB2-BD59-A6C34878D82A}">
-                    <a16:rowId xmlns="" xmlns:a16="http://schemas.microsoft.com/office/drawing/2014/main" val="10004"/>
+                    <a16:rowId xmlns:a16="http://schemas.microsoft.com/office/drawing/2014/main" val="10004"/>
                   </a:ext>
                 </a:extLst>
               </a:tr>
@@ -24297,16 +20922,88 @@
                         <a:t>php-snmp</a:t>
                       </a:r>
                       <a:r>
-                        <a:rPr lang="ja-JP" sz="1050" kern="100" dirty="0">
+                        <a:rPr lang="ja-JP" sz="1050" kern="100" dirty="0" err="1">
                           <a:effectLst/>
                         </a:rPr>
                         <a:t>、</a:t>
                       </a:r>
                       <a:r>
-                        <a:rPr lang="en-US" sz="1050" kern="100" dirty="0">
-                          <a:effectLst/>
-                        </a:rPr>
-                        <a:t>php-xml</a:t>
+                        <a:rPr lang="en-US" sz="1050" kern="100" dirty="0" err="1" smtClean="0">
+                          <a:effectLst/>
+                        </a:rPr>
+                        <a:t>php</a:t>
+                      </a:r>
+                      <a:r>
+                        <a:rPr lang="en-US" sz="1050" kern="100" dirty="0" smtClean="0">
+                          <a:effectLst/>
+                        </a:rPr>
+                        <a:t>-xml</a:t>
+                      </a:r>
+                      <a:r>
+                        <a:rPr lang="ja-JP" altLang="en-US" sz="1050" kern="100" dirty="0" err="1" smtClean="0">
+                          <a:effectLst/>
+                        </a:rPr>
+                        <a:t>、</a:t>
+                      </a:r>
+                      <a:r>
+                        <a:rPr lang="en-US" altLang="ja-JP" sz="1050" kern="100" dirty="0" err="1" smtClean="0">
+                          <a:effectLst/>
+                        </a:rPr>
+                        <a:t>php-json</a:t>
+                      </a:r>
+                      <a:r>
+                        <a:rPr lang="ja-JP" altLang="en-US" sz="1050" kern="100" dirty="0" err="1" smtClean="0">
+                          <a:effectLst/>
+                        </a:rPr>
+                        <a:t>、</a:t>
+                      </a:r>
+                      <a:r>
+                        <a:rPr lang="en-US" altLang="ja-JP" sz="1050" kern="100" dirty="0" smtClean="0">
+                          <a:effectLst/>
+                        </a:rPr>
+                        <a:t> </a:t>
+                      </a:r>
+                      <a:r>
+                        <a:rPr lang="en-US" altLang="ja-JP" sz="1050" kern="100" dirty="0" err="1" smtClean="0">
+                          <a:effectLst/>
+                        </a:rPr>
+                        <a:t>php</a:t>
+                      </a:r>
+                      <a:r>
+                        <a:rPr lang="en-US" altLang="ja-JP" sz="1050" kern="100" dirty="0" smtClean="0">
+                          <a:effectLst/>
+                        </a:rPr>
+                        <a:t>-zip</a:t>
+                      </a:r>
+                      <a:r>
+                        <a:rPr lang="ja-JP" altLang="en-US" sz="1050" kern="100" dirty="0" err="1" smtClean="0">
+                          <a:effectLst/>
+                        </a:rPr>
+                        <a:t>、</a:t>
+                      </a:r>
+                      <a:r>
+                        <a:rPr lang="en-US" altLang="ja-JP" sz="1050" kern="100" dirty="0" smtClean="0">
+                          <a:effectLst/>
+                        </a:rPr>
+                        <a:t> </a:t>
+                      </a:r>
+                      <a:r>
+                        <a:rPr lang="en-US" altLang="ja-JP" sz="1050" kern="100" dirty="0" err="1" smtClean="0">
+                          <a:effectLst/>
+                        </a:rPr>
+                        <a:t>php-gd</a:t>
+                      </a:r>
+                      <a:r>
+                        <a:rPr lang="ja-JP" altLang="en-US" sz="1050" kern="100" dirty="0" err="1" smtClean="0">
+                          <a:effectLst/>
+                        </a:rPr>
+                        <a:t>、</a:t>
+                      </a:r>
+                      <a:r>
+                        <a:rPr lang="en-US" altLang="ja-JP" sz="1050" kern="100" dirty="0" smtClean="0">
+                          <a:effectLst/>
+                        </a:rPr>
+                        <a:t>Python3</a:t>
                       </a:r>
                       <a:endParaRPr lang="ja-JP" sz="1050" kern="100" dirty="0">
                         <a:effectLst/>
@@ -24324,7 +21021,7 @@
                 </a:tc>
                 <a:extLst>
                   <a:ext uri="{0D108BD9-81ED-4DB2-BD59-A6C34878D82A}">
-                    <a16:rowId xmlns="" xmlns:a16="http://schemas.microsoft.com/office/drawing/2014/main" val="10005"/>
+                    <a16:rowId xmlns:a16="http://schemas.microsoft.com/office/drawing/2014/main" val="10005"/>
                   </a:ext>
                 </a:extLst>
               </a:tr>
@@ -24409,22 +21106,40 @@
                         </a:tabLst>
                       </a:pPr>
                       <a:r>
+                        <a:rPr lang="en-US" sz="1050" kern="100" dirty="0" err="1" smtClean="0">
+                          <a:effectLst/>
+                        </a:rPr>
+                        <a:t>Spyc</a:t>
+                      </a:r>
+                      <a:r>
+                        <a:rPr lang="en-US" sz="1050" kern="100" dirty="0" smtClean="0">
+                          <a:effectLst/>
+                        </a:rPr>
+                        <a:t>, </a:t>
+                      </a:r>
+                      <a:r>
                         <a:rPr lang="en-US" sz="1050" kern="100" dirty="0">
                           <a:effectLst/>
                         </a:rPr>
-                        <a:t>PHPExcel, Spyc, Twig</a:t>
+                        <a:t>Auth, </a:t>
                       </a:r>
                       <a:r>
                         <a:rPr lang="en-US" sz="1050" kern="100" dirty="0" smtClean="0">
                           <a:effectLst/>
                         </a:rPr>
-                        <a:t>, </a:t>
-                      </a:r>
-                      <a:r>
-                        <a:rPr lang="en-US" sz="1050" kern="100" dirty="0">
-                          <a:effectLst/>
-                        </a:rPr>
-                        <a:t>Auth, HTML_AJAX-beta</a:t>
+                        <a:t>HTML_AJAX-beta</a:t>
+                      </a:r>
+                      <a:r>
+                        <a:rPr lang="ja-JP" altLang="en-US" sz="1050" kern="100" dirty="0" err="1" smtClean="0">
+                          <a:effectLst/>
+                        </a:rPr>
+                        <a:t>、</a:t>
+                      </a:r>
+                      <a:r>
+                        <a:rPr lang="en-US" altLang="ja-JP" sz="1050" kern="100" dirty="0" err="1" smtClean="0">
+                          <a:effectLst/>
+                        </a:rPr>
+                        <a:t>PhpSpreadsheet</a:t>
                       </a:r>
                       <a:endParaRPr lang="ja-JP" sz="1050" kern="100" dirty="0">
                         <a:effectLst/>
@@ -24442,7 +21157,7 @@
                 </a:tc>
                 <a:extLst>
                   <a:ext uri="{0D108BD9-81ED-4DB2-BD59-A6C34878D82A}">
-                    <a16:rowId xmlns="" xmlns:a16="http://schemas.microsoft.com/office/drawing/2014/main" val="10006"/>
+                    <a16:rowId xmlns:a16="http://schemas.microsoft.com/office/drawing/2014/main" val="10006"/>
                   </a:ext>
                 </a:extLst>
               </a:tr>
@@ -24518,10 +21233,10 @@
                         </a:spcAft>
                       </a:pPr>
                       <a:r>
-                        <a:rPr lang="en-US" sz="1050" kern="100" dirty="0">
-                          <a:effectLst/>
-                        </a:rPr>
-                        <a:t>git</a:t>
+                        <a:rPr lang="en-US" sz="1050" kern="100" dirty="0" err="1" smtClean="0">
+                          <a:effectLst/>
+                        </a:rPr>
+                        <a:t>Git</a:t>
                       </a:r>
                       <a:endParaRPr lang="ja-JP" sz="1050" kern="100" dirty="0">
                         <a:effectLst/>
@@ -24539,7 +21254,7 @@
                 </a:tc>
                 <a:extLst>
                   <a:ext uri="{0D108BD9-81ED-4DB2-BD59-A6C34878D82A}">
-                    <a16:rowId xmlns="" xmlns:a16="http://schemas.microsoft.com/office/drawing/2014/main" val="10007"/>
+                    <a16:rowId xmlns:a16="http://schemas.microsoft.com/office/drawing/2014/main" val="10007"/>
                   </a:ext>
                 </a:extLst>
               </a:tr>
@@ -24615,22 +21330,22 @@
                         </a:spcAft>
                       </a:pPr>
                       <a:r>
-                        <a:rPr lang="en-US" sz="1050" kern="100" dirty="0">
+                        <a:rPr lang="en-US" sz="1050" kern="100" dirty="0" err="1">
                           <a:effectLst/>
                         </a:rPr>
                         <a:t>ansible</a:t>
                       </a:r>
                       <a:r>
-                        <a:rPr lang="ja-JP" sz="1050" kern="100" dirty="0">
+                        <a:rPr lang="ja-JP" sz="1050" kern="100" dirty="0" err="1" smtClean="0">
                           <a:effectLst/>
                         </a:rPr>
                         <a:t>、</a:t>
                       </a:r>
                       <a:r>
-                        <a:rPr lang="en-US" sz="1050" kern="100" dirty="0">
-                          <a:effectLst/>
-                        </a:rPr>
-                        <a:t>python-pip</a:t>
+                        <a:rPr lang="en-US" altLang="ja-JP" sz="1050" kern="100" dirty="0" err="1" smtClean="0">
+                          <a:effectLst/>
+                        </a:rPr>
+                        <a:t>sshpass</a:t>
                       </a:r>
                       <a:endParaRPr lang="ja-JP" sz="1050" kern="100" dirty="0">
                         <a:effectLst/>
@@ -24648,185 +21363,7 @@
                 </a:tc>
                 <a:extLst>
                   <a:ext uri="{0D108BD9-81ED-4DB2-BD59-A6C34878D82A}">
-                    <a16:rowId xmlns="" xmlns:a16="http://schemas.microsoft.com/office/drawing/2014/main" val="10008"/>
-                  </a:ext>
-                </a:extLst>
-              </a:tr>
-              <a:tr h="678769">
-                <a:tc>
-                  <a:txBody>
-                    <a:bodyPr/>
-                    <a:lstStyle/>
-                    <a:p>
-                      <a:pPr algn="just">
-                        <a:spcAft>
-                          <a:spcPts val="0"/>
-                        </a:spcAft>
-                      </a:pPr>
-                      <a:r>
-                        <a:rPr lang="en-US" sz="1000" kern="100" dirty="0">
-                          <a:effectLst/>
-                        </a:rPr>
-                        <a:t>cobbler_driver</a:t>
-                      </a:r>
-                      <a:endParaRPr lang="ja-JP" sz="1000" kern="100" dirty="0">
-                        <a:effectLst/>
-                        <a:latin typeface="Century" panose="02040604050505020304" pitchFamily="18" charset="0"/>
-                        <a:ea typeface="ＭＳ 明朝" panose="02020609040205080304" pitchFamily="17" charset="-128"/>
-                        <a:cs typeface="Times New Roman" panose="02020603050405020304" pitchFamily="18" charset="0"/>
-                      </a:endParaRPr>
-                    </a:p>
-                  </a:txBody>
-                  <a:tcPr marL="68580" marR="68580" marT="0" marB="0" anchor="ctr">
-                    <a:solidFill>
-                      <a:srgbClr val="002B62"/>
-                    </a:solidFill>
-                  </a:tcPr>
-                </a:tc>
-                <a:tc>
-                  <a:txBody>
-                    <a:bodyPr/>
-                    <a:lstStyle/>
-                    <a:p>
-                      <a:pPr algn="just">
-                        <a:spcAft>
-                          <a:spcPts val="0"/>
-                        </a:spcAft>
-                      </a:pPr>
-                      <a:r>
-                        <a:rPr lang="en-US" sz="1050" kern="100" dirty="0">
-                          <a:effectLst/>
-                        </a:rPr>
-                        <a:t>cobbler</a:t>
-                      </a:r>
-                      <a:endParaRPr lang="ja-JP" sz="1050" kern="100" dirty="0">
-                        <a:effectLst/>
-                        <a:latin typeface="Century" panose="02040604050505020304" pitchFamily="18" charset="0"/>
-                        <a:ea typeface="ＭＳ 明朝" panose="02020609040205080304" pitchFamily="17" charset="-128"/>
-                        <a:cs typeface="Times New Roman" panose="02020603050405020304" pitchFamily="18" charset="0"/>
-                      </a:endParaRPr>
-                    </a:p>
-                  </a:txBody>
-                  <a:tcPr marL="68580" marR="68580" marT="0" marB="0" anchor="ctr">
-                    <a:solidFill>
-                      <a:srgbClr val="CBCDD3"/>
-                    </a:solidFill>
-                  </a:tcPr>
-                </a:tc>
-                <a:tc>
-                  <a:txBody>
-                    <a:bodyPr/>
-                    <a:lstStyle/>
-                    <a:p>
-                      <a:pPr algn="just">
-                        <a:spcAft>
-                          <a:spcPts val="0"/>
-                        </a:spcAft>
-                      </a:pPr>
-                      <a:r>
-                        <a:rPr lang="en-US" sz="1050" kern="100" dirty="0" smtClean="0">
-                          <a:effectLst/>
-                        </a:rPr>
-                        <a:t>cobbler</a:t>
-                      </a:r>
-                      <a:r>
-                        <a:rPr lang="ja-JP" sz="1050" kern="100" dirty="0" smtClean="0">
-                          <a:effectLst/>
-                        </a:rPr>
-                        <a:t>、</a:t>
-                      </a:r>
-                      <a:r>
-                        <a:rPr lang="en-US" sz="1050" kern="100" dirty="0" smtClean="0">
-                          <a:effectLst/>
-                        </a:rPr>
-                        <a:t>dhcp</a:t>
-                      </a:r>
-                      <a:r>
-                        <a:rPr lang="ja-JP" sz="1050" kern="100" dirty="0">
-                          <a:effectLst/>
-                        </a:rPr>
-                        <a:t>、</a:t>
-                      </a:r>
-                      <a:r>
-                        <a:rPr lang="en-US" sz="1050" kern="100" dirty="0">
-                          <a:effectLst/>
-                        </a:rPr>
-                        <a:t>pykickstart</a:t>
-                      </a:r>
-                      <a:r>
-                        <a:rPr lang="ja-JP" sz="1050" kern="100" dirty="0">
-                          <a:effectLst/>
-                        </a:rPr>
-                        <a:t>、</a:t>
-                      </a:r>
-                      <a:r>
-                        <a:rPr lang="en-US" sz="1050" kern="100" dirty="0" smtClean="0">
-                          <a:effectLst/>
-                        </a:rPr>
-                        <a:t>fence-agents</a:t>
-                      </a:r>
-                      <a:r>
-                        <a:rPr lang="ja-JP" sz="1050" kern="100" dirty="0" smtClean="0">
-                          <a:effectLst/>
-                        </a:rPr>
-                        <a:t>、</a:t>
-                      </a:r>
-                      <a:r>
-                        <a:rPr lang="en-US" sz="1050" kern="100" dirty="0" smtClean="0">
-                          <a:effectLst/>
-                        </a:rPr>
-                        <a:t>debmirror</a:t>
-                      </a:r>
-                      <a:r>
-                        <a:rPr lang="ja-JP" sz="1050" kern="100" dirty="0">
-                          <a:effectLst/>
-                        </a:rPr>
-                        <a:t>、</a:t>
-                      </a:r>
-                      <a:r>
-                        <a:rPr lang="en-US" sz="1050" kern="100" dirty="0" smtClean="0">
-                          <a:effectLst/>
-                        </a:rPr>
-                        <a:t>xinetd</a:t>
-                      </a:r>
-                      <a:r>
-                        <a:rPr lang="ja-JP" altLang="en-US" sz="1050" kern="100" dirty="0" smtClean="0">
-                          <a:effectLst/>
-                        </a:rPr>
-                        <a:t>、</a:t>
-                      </a:r>
-                      <a:r>
-                        <a:rPr lang="en-US" altLang="ja-JP" sz="1050" kern="100" dirty="0" smtClean="0">
-                          <a:effectLst/>
-                        </a:rPr>
-                        <a:t>cobbler-web(※1)</a:t>
-                      </a:r>
-                      <a:r>
-                        <a:rPr lang="ja-JP" altLang="ja-JP" sz="1050" kern="100" dirty="0" smtClean="0">
-                          <a:effectLst/>
-                        </a:rPr>
-                        <a:t>、</a:t>
-                      </a:r>
-                      <a:r>
-                        <a:rPr lang="en-US" altLang="ja-JP" sz="1050" kern="100" dirty="0" smtClean="0">
-                          <a:effectLst/>
-                        </a:rPr>
-                        <a:t>python-cheetah(※2)</a:t>
-                      </a:r>
-                      <a:endParaRPr lang="en-US" sz="1050" kern="100" dirty="0" smtClean="0">
-                        <a:effectLst/>
-                      </a:endParaRPr>
-                    </a:p>
-                  </a:txBody>
-                  <a:tcPr marL="68580" marR="68580" marT="0" marB="0" anchor="ctr">
-                    <a:solidFill>
-                      <a:srgbClr val="CBCDD3"/>
-                    </a:solidFill>
-                  </a:tcPr>
-                </a:tc>
-                <a:extLst>
-                  <a:ext uri="{0D108BD9-81ED-4DB2-BD59-A6C34878D82A}">
-                    <a16:rowId xmlns="" xmlns:a16="http://schemas.microsoft.com/office/drawing/2014/main" val="10009"/>
+                    <a16:rowId xmlns:a16="http://schemas.microsoft.com/office/drawing/2014/main" val="10008"/>
                   </a:ext>
                 </a:extLst>
               </a:tr>
@@ -24842,8 +21379,8 @@
         </p:nvSpPr>
         <p:spPr>
           <a:xfrm>
-            <a:off x="7201289" y="5776440"/>
-            <a:ext cx="1835331" cy="400110"/>
+            <a:off x="7387091" y="5217159"/>
+            <a:ext cx="1835331" cy="246221"/>
           </a:xfrm>
           <a:prstGeom prst="rect">
             <a:avLst/>
@@ -24863,20 +21400,8 @@
             </a:pPr>
             <a:r>
               <a:rPr lang="en-US" altLang="ja-JP" sz="1000" kern="100" dirty="0" smtClean="0"/>
-              <a:t>※1 RHEL7,CentOS7</a:t>
-            </a:r>
-          </a:p>
-          <a:p>
-            <a:pPr algn="just">
-              <a:spcAft>
-                <a:spcPts val="0"/>
-              </a:spcAft>
-            </a:pPr>
-            <a:r>
-              <a:rPr lang="en-US" altLang="ja-JP" sz="1000" kern="100" dirty="0" smtClean="0"/>
-              <a:t>※2 RHEL7</a:t>
-            </a:r>
-            <a:endParaRPr lang="en-US" altLang="ja-JP" sz="1000" kern="100" dirty="0"/>
+              <a:t>※ RHEL7,CentOS7</a:t>
+            </a:r>
           </a:p>
         </p:txBody>
       </p:sp>
@@ -25859,12 +22384,16 @@
           <a:p>
             <a:pPr lvl="1"/>
             <a:r>
-              <a:rPr lang="en-US" altLang="ja-JP" dirty="0"/>
-              <a:t>Windows7</a:t>
+              <a:rPr lang="en-US" altLang="ja-JP" dirty="0" smtClean="0"/>
+              <a:t>Windows10</a:t>
+            </a:r>
+            <a:r>
+              <a:rPr lang="ja-JP" altLang="ja-JP" dirty="0" smtClean="0"/>
+              <a:t>の</a:t>
             </a:r>
             <a:r>
               <a:rPr lang="ja-JP" altLang="ja-JP" dirty="0"/>
-              <a:t>の場合、以下の</a:t>
+              <a:t>場合、以下の</a:t>
             </a:r>
             <a:r>
               <a:rPr lang="en-US" altLang="ja-JP" dirty="0"/>
@@ -25930,7 +22459,7 @@
                 <a:gridCol w="5485765">
                   <a:extLst>
                     <a:ext uri="{9D8B030D-6E8A-4147-A177-3AD203B41FA5}">
-                      <a16:colId xmlns="" xmlns:a16="http://schemas.microsoft.com/office/drawing/2014/main" val="20000"/>
+                      <a16:colId xmlns:a16="http://schemas.microsoft.com/office/drawing/2014/main" val="20000"/>
                     </a:ext>
                   </a:extLst>
                 </a:gridCol>
@@ -25968,7 +22497,7 @@
                 </a:tc>
                 <a:extLst>
                   <a:ext uri="{0D108BD9-81ED-4DB2-BD59-A6C34878D82A}">
-                    <a16:rowId xmlns="" xmlns:a16="http://schemas.microsoft.com/office/drawing/2014/main" val="10000"/>
+                    <a16:rowId xmlns:a16="http://schemas.microsoft.com/office/drawing/2014/main" val="10000"/>
                   </a:ext>
                 </a:extLst>
               </a:tr>
@@ -26004,7 +22533,7 @@
                 <a:gridCol w="5485765">
                   <a:extLst>
                     <a:ext uri="{9D8B030D-6E8A-4147-A177-3AD203B41FA5}">
-                      <a16:colId xmlns="" xmlns:a16="http://schemas.microsoft.com/office/drawing/2014/main" val="20000"/>
+                      <a16:colId xmlns:a16="http://schemas.microsoft.com/office/drawing/2014/main" val="20000"/>
                     </a:ext>
                   </a:extLst>
                 </a:gridCol>
@@ -26165,7 +22694,7 @@
                 </a:tc>
                 <a:extLst>
                   <a:ext uri="{0D108BD9-81ED-4DB2-BD59-A6C34878D82A}">
-                    <a16:rowId xmlns="" xmlns:a16="http://schemas.microsoft.com/office/drawing/2014/main" val="10000"/>
+                    <a16:rowId xmlns:a16="http://schemas.microsoft.com/office/drawing/2014/main" val="10000"/>
                   </a:ext>
                 </a:extLst>
               </a:tr>
@@ -26787,7 +23316,7 @@
           <p:nvPr>
             <p:extLst>
               <p:ext uri="{D42A27DB-BD31-4B8C-83A1-F6EECF244321}">
-                <p14:modId xmlns:p14="http://schemas.microsoft.com/office/powerpoint/2010/main" val="845048101"/>
+                <p14:modId xmlns:p14="http://schemas.microsoft.com/office/powerpoint/2010/main" val="3881968427"/>
               </p:ext>
             </p:extLst>
           </p:nvPr>
@@ -26806,21 +23335,21 @@
                 <a:gridCol w="1581792">
                   <a:extLst>
                     <a:ext uri="{9D8B030D-6E8A-4147-A177-3AD203B41FA5}">
-                      <a16:colId xmlns="" xmlns:a16="http://schemas.microsoft.com/office/drawing/2014/main" val="20000"/>
+                      <a16:colId xmlns:a16="http://schemas.microsoft.com/office/drawing/2014/main" val="20000"/>
                     </a:ext>
                   </a:extLst>
                 </a:gridCol>
                 <a:gridCol w="3269829">
                   <a:extLst>
                     <a:ext uri="{9D8B030D-6E8A-4147-A177-3AD203B41FA5}">
-                      <a16:colId xmlns="" xmlns:a16="http://schemas.microsoft.com/office/drawing/2014/main" val="20001"/>
+                      <a16:colId xmlns:a16="http://schemas.microsoft.com/office/drawing/2014/main" val="20001"/>
                     </a:ext>
                   </a:extLst>
                 </a:gridCol>
                 <a:gridCol w="1877461">
                   <a:extLst>
                     <a:ext uri="{9D8B030D-6E8A-4147-A177-3AD203B41FA5}">
-                      <a16:colId xmlns="" xmlns:a16="http://schemas.microsoft.com/office/drawing/2014/main" val="20002"/>
+                      <a16:colId xmlns:a16="http://schemas.microsoft.com/office/drawing/2014/main" val="20002"/>
                     </a:ext>
                   </a:extLst>
                 </a:gridCol>
@@ -26936,7 +23465,7 @@
                 </a:tc>
                 <a:extLst>
                   <a:ext uri="{0D108BD9-81ED-4DB2-BD59-A6C34878D82A}">
-                    <a16:rowId xmlns="" xmlns:a16="http://schemas.microsoft.com/office/drawing/2014/main" val="10000"/>
+                    <a16:rowId xmlns:a16="http://schemas.microsoft.com/office/drawing/2014/main" val="10000"/>
                   </a:ext>
                 </a:extLst>
               </a:tr>
@@ -26955,10 +23484,28 @@
                         <a:rPr lang="en-US" sz="900" kern="100" dirty="0">
                           <a:effectLst/>
                         </a:rPr>
-                        <a:t>RHEL 6, CentOS 6</a:t>
-                      </a:r>
-                      <a:r>
-                        <a:rPr lang="ja-JP" sz="900" kern="100" dirty="0">
+                        <a:t>RHEL </a:t>
+                      </a:r>
+                      <a:r>
+                        <a:rPr lang="en-US" sz="900" kern="100" dirty="0" smtClean="0">
+                          <a:effectLst/>
+                        </a:rPr>
+                        <a:t>7, </a:t>
+                      </a:r>
+                      <a:r>
+                        <a:rPr lang="en-US" sz="900" kern="100" dirty="0">
+                          <a:effectLst/>
+                        </a:rPr>
+                        <a:t>CentOS </a:t>
+                      </a:r>
+                      <a:r>
+                        <a:rPr lang="en-US" sz="900" kern="100" dirty="0" smtClean="0">
+                          <a:effectLst/>
+                        </a:rPr>
+                        <a:t>7</a:t>
+                      </a:r>
+                      <a:r>
+                        <a:rPr lang="ja-JP" sz="900" kern="100" dirty="0" smtClean="0">
                           <a:effectLst/>
                         </a:rPr>
                         <a:t>系</a:t>
@@ -27015,7 +23562,7 @@
                         <a:rPr lang="en-US" sz="1000" kern="100" dirty="0" smtClean="0">
                           <a:effectLst/>
                         </a:rPr>
-                        <a:t>/ext_files_for_CentOS6.x/</a:t>
+                        <a:t>/ext_files_for_CentOS7.x/</a:t>
                       </a:r>
                       <a:r>
                         <a:rPr lang="en-US" sz="1000" kern="100" dirty="0" err="1" smtClean="0">
@@ -27075,7 +23622,7 @@
                 </a:tc>
                 <a:extLst>
                   <a:ext uri="{0D108BD9-81ED-4DB2-BD59-A6C34878D82A}">
-                    <a16:rowId xmlns="" xmlns:a16="http://schemas.microsoft.com/office/drawing/2014/main" val="10001"/>
+                    <a16:rowId xmlns:a16="http://schemas.microsoft.com/office/drawing/2014/main" val="10001"/>
                   </a:ext>
                 </a:extLst>
               </a:tr>
@@ -27094,10 +23641,28 @@
                         <a:rPr lang="en-US" sz="900" kern="100" dirty="0">
                           <a:effectLst/>
                         </a:rPr>
-                        <a:t>RHEL 7, CentOS 7</a:t>
-                      </a:r>
-                      <a:r>
-                        <a:rPr lang="ja-JP" sz="900" kern="100" dirty="0">
+                        <a:t>RHEL </a:t>
+                      </a:r>
+                      <a:r>
+                        <a:rPr lang="en-US" sz="900" kern="100" dirty="0" smtClean="0">
+                          <a:effectLst/>
+                        </a:rPr>
+                        <a:t>8, </a:t>
+                      </a:r>
+                      <a:r>
+                        <a:rPr lang="en-US" sz="900" kern="100" dirty="0">
+                          <a:effectLst/>
+                        </a:rPr>
+                        <a:t>CentOS </a:t>
+                      </a:r>
+                      <a:r>
+                        <a:rPr lang="en-US" sz="900" kern="100" dirty="0" smtClean="0">
+                          <a:effectLst/>
+                        </a:rPr>
+                        <a:t>8</a:t>
+                      </a:r>
+                      <a:r>
+                        <a:rPr lang="ja-JP" sz="900" kern="100" dirty="0" smtClean="0">
                           <a:effectLst/>
                         </a:rPr>
                         <a:t>系</a:t>
@@ -27154,7 +23719,7 @@
                         <a:rPr lang="en-US" sz="1000" kern="100" dirty="0" smtClean="0">
                           <a:effectLst/>
                         </a:rPr>
-                        <a:t>/ext_files_for_CentOS7.x/</a:t>
+                        <a:t>/ext_files_for_CentOS8.x/</a:t>
                       </a:r>
                       <a:r>
                         <a:rPr lang="en-US" sz="1000" kern="100" dirty="0" err="1" smtClean="0">
@@ -27214,7 +23779,7 @@
                 </a:tc>
                 <a:extLst>
                   <a:ext uri="{0D108BD9-81ED-4DB2-BD59-A6C34878D82A}">
-                    <a16:rowId xmlns="" xmlns:a16="http://schemas.microsoft.com/office/drawing/2014/main" val="10002"/>
+                    <a16:rowId xmlns:a16="http://schemas.microsoft.com/office/drawing/2014/main" val="10002"/>
                   </a:ext>
                 </a:extLst>
               </a:tr>
@@ -28137,12 +24702,16 @@
             <a:graphicFrameLocks noGrp="1"/>
           </p:cNvGraphicFramePr>
           <p:nvPr>
-            <p:extLst/>
+            <p:extLst>
+              <p:ext uri="{D42A27DB-BD31-4B8C-83A1-F6EECF244321}">
+                <p14:modId xmlns:p14="http://schemas.microsoft.com/office/powerpoint/2010/main" val="3664210548"/>
+              </p:ext>
+            </p:extLst>
           </p:nvPr>
         </p:nvGraphicFramePr>
         <p:xfrm>
           <a:off x="1259540" y="2276840"/>
-          <a:ext cx="6624920" cy="2479614"/>
+          <a:ext cx="6624920" cy="2222847"/>
         </p:xfrm>
         <a:graphic>
           <a:graphicData uri="http://schemas.openxmlformats.org/drawingml/2006/table">
@@ -28154,14 +24723,14 @@
                 <a:gridCol w="3312460">
                   <a:extLst>
                     <a:ext uri="{9D8B030D-6E8A-4147-A177-3AD203B41FA5}">
-                      <a16:colId xmlns="" xmlns:a16="http://schemas.microsoft.com/office/drawing/2014/main" val="20000"/>
+                      <a16:colId xmlns:a16="http://schemas.microsoft.com/office/drawing/2014/main" val="20000"/>
                     </a:ext>
                   </a:extLst>
                 </a:gridCol>
                 <a:gridCol w="3312460">
                   <a:extLst>
                     <a:ext uri="{9D8B030D-6E8A-4147-A177-3AD203B41FA5}">
-                      <a16:colId xmlns="" xmlns:a16="http://schemas.microsoft.com/office/drawing/2014/main" val="20001"/>
+                      <a16:colId xmlns:a16="http://schemas.microsoft.com/office/drawing/2014/main" val="20001"/>
                     </a:ext>
                   </a:extLst>
                 </a:gridCol>
@@ -28229,7 +24798,7 @@
                 </a:tc>
                 <a:extLst>
                   <a:ext uri="{0D108BD9-81ED-4DB2-BD59-A6C34878D82A}">
-                    <a16:rowId xmlns="" xmlns:a16="http://schemas.microsoft.com/office/drawing/2014/main" val="10000"/>
+                    <a16:rowId xmlns:a16="http://schemas.microsoft.com/office/drawing/2014/main" val="10000"/>
                   </a:ext>
                 </a:extLst>
               </a:tr>
@@ -28302,7 +24871,7 @@
                 </a:tc>
                 <a:extLst>
                   <a:ext uri="{0D108BD9-81ED-4DB2-BD59-A6C34878D82A}">
-                    <a16:rowId xmlns="" xmlns:a16="http://schemas.microsoft.com/office/drawing/2014/main" val="10001"/>
+                    <a16:rowId xmlns:a16="http://schemas.microsoft.com/office/drawing/2014/main" val="10001"/>
                   </a:ext>
                 </a:extLst>
               </a:tr>
@@ -28349,12 +24918,12 @@
                 </a:tc>
                 <a:extLst>
                   <a:ext uri="{0D108BD9-81ED-4DB2-BD59-A6C34878D82A}">
-                    <a16:rowId xmlns="" xmlns:a16="http://schemas.microsoft.com/office/drawing/2014/main" val="10002"/>
+                    <a16:rowId xmlns:a16="http://schemas.microsoft.com/office/drawing/2014/main" val="10002"/>
                   </a:ext>
                 </a:extLst>
               </a:tr>
               <a:tr h="256767">
-                <a:tc rowSpan="2">
+                <a:tc>
                   <a:txBody>
                     <a:bodyPr/>
                     <a:lstStyle/>
@@ -28365,10 +24934,16 @@
                         </a:spcAft>
                       </a:pPr>
                       <a:r>
-                        <a:rPr lang="ja-JP" sz="1050" kern="100" dirty="0">
-                          <a:effectLst/>
-                        </a:rPr>
-                        <a:t>パラメータシート作成</a:t>
+                        <a:rPr lang="ja-JP" altLang="en-US" sz="1050" kern="100" dirty="0" smtClean="0">
+                          <a:effectLst/>
+                        </a:rPr>
+                        <a:t>メニュー</a:t>
+                      </a:r>
+                      <a:r>
+                        <a:rPr lang="ja-JP" sz="1050" kern="100" dirty="0" smtClean="0">
+                          <a:effectLst/>
+                        </a:rPr>
+                        <a:t>作成</a:t>
                       </a:r>
                       <a:endParaRPr lang="ja-JP" sz="1050" kern="100" dirty="0">
                         <a:effectLst/>
@@ -28416,7 +24991,86 @@
                 </a:tc>
                 <a:extLst>
                   <a:ext uri="{0D108BD9-81ED-4DB2-BD59-A6C34878D82A}">
-                    <a16:rowId xmlns="" xmlns:a16="http://schemas.microsoft.com/office/drawing/2014/main" val="10003"/>
+                    <a16:rowId xmlns:a16="http://schemas.microsoft.com/office/drawing/2014/main" val="10003"/>
+                  </a:ext>
+                </a:extLst>
+              </a:tr>
+              <a:tr h="256767">
+                <a:tc rowSpan="4">
+                  <a:txBody>
+                    <a:bodyPr/>
+                    <a:lstStyle/>
+                    <a:p>
+                      <a:pPr algn="l">
+                        <a:spcAft>
+                          <a:spcPts val="0"/>
+                        </a:spcAft>
+                      </a:pPr>
+                      <a:r>
+                        <a:rPr lang="en-US" sz="1050" kern="100" dirty="0">
+                          <a:effectLst/>
+                        </a:rPr>
+                        <a:t>Ansible </a:t>
+                      </a:r>
+                      <a:r>
+                        <a:rPr lang="ja-JP" sz="1050" kern="100" dirty="0">
+                          <a:effectLst/>
+                        </a:rPr>
+                        <a:t>ドライバー</a:t>
+                      </a:r>
+                      <a:endParaRPr lang="ja-JP" sz="1050" kern="100" dirty="0">
+                        <a:effectLst/>
+                        <a:latin typeface="Century" panose="02040604050505020304" pitchFamily="18" charset="0"/>
+                        <a:ea typeface="ＭＳ 明朝" panose="02020609040205080304" pitchFamily="17" charset="-128"/>
+                        <a:cs typeface="Times New Roman" panose="02020603050405020304" pitchFamily="18" charset="0"/>
+                      </a:endParaRPr>
+                    </a:p>
+                  </a:txBody>
+                  <a:tcPr marL="68580" marR="68580" marT="0" marB="0" anchor="ctr">
+                    <a:solidFill>
+                      <a:srgbClr val="002B62"/>
+                    </a:solidFill>
+                  </a:tcPr>
+                </a:tc>
+                <a:tc>
+                  <a:txBody>
+                    <a:bodyPr/>
+                    <a:lstStyle/>
+                    <a:p>
+                      <a:pPr algn="l">
+                        <a:spcAft>
+                          <a:spcPts val="0"/>
+                        </a:spcAft>
+                      </a:pPr>
+                      <a:r>
+                        <a:rPr lang="en-US" sz="1050" kern="100" dirty="0">
+                          <a:effectLst/>
+                        </a:rPr>
+                        <a:t>Ansible</a:t>
+                      </a:r>
+                      <a:r>
+                        <a:rPr lang="ja-JP" sz="1050" kern="100" dirty="0">
+                          <a:effectLst/>
+                        </a:rPr>
+                        <a:t>共通</a:t>
+                      </a:r>
+                      <a:endParaRPr lang="ja-JP" sz="1050" kern="100" dirty="0">
+                        <a:effectLst/>
+                        <a:latin typeface="Century" panose="02040604050505020304" pitchFamily="18" charset="0"/>
+                        <a:ea typeface="ＭＳ 明朝" panose="02020609040205080304" pitchFamily="17" charset="-128"/>
+                        <a:cs typeface="Times New Roman" panose="02020603050405020304" pitchFamily="18" charset="0"/>
+                      </a:endParaRPr>
+                    </a:p>
+                  </a:txBody>
+                  <a:tcPr marL="68580" marR="68580" marT="0" marB="0" anchor="ctr">
+                    <a:solidFill>
+                      <a:srgbClr val="CBCDD3"/>
+                    </a:solidFill>
+                  </a:tcPr>
+                </a:tc>
+                <a:extLst>
+                  <a:ext uri="{0D108BD9-81ED-4DB2-BD59-A6C34878D82A}">
+                    <a16:rowId xmlns:a16="http://schemas.microsoft.com/office/drawing/2014/main" val="10005"/>
                   </a:ext>
                 </a:extLst>
               </a:tr>
@@ -28442,10 +25096,10 @@
                         </a:spcAft>
                       </a:pPr>
                       <a:r>
-                        <a:rPr lang="ja-JP" sz="1050" kern="100" dirty="0">
-                          <a:effectLst/>
-                        </a:rPr>
-                        <a:t>パラメータシート作成</a:t>
+                        <a:rPr lang="en-US" sz="1050" kern="100" dirty="0">
+                          <a:effectLst/>
+                        </a:rPr>
+                        <a:t>Ansible-Legacy</a:t>
                       </a:r>
                       <a:endParaRPr lang="ja-JP" sz="1050" kern="100" dirty="0">
                         <a:effectLst/>
@@ -28463,86 +25117,7 @@
                 </a:tc>
                 <a:extLst>
                   <a:ext uri="{0D108BD9-81ED-4DB2-BD59-A6C34878D82A}">
-                    <a16:rowId xmlns="" xmlns:a16="http://schemas.microsoft.com/office/drawing/2014/main" val="10004"/>
-                  </a:ext>
-                </a:extLst>
-              </a:tr>
-              <a:tr h="256767">
-                <a:tc rowSpan="4">
-                  <a:txBody>
-                    <a:bodyPr/>
-                    <a:lstStyle/>
-                    <a:p>
-                      <a:pPr algn="l">
-                        <a:spcAft>
-                          <a:spcPts val="0"/>
-                        </a:spcAft>
-                      </a:pPr>
-                      <a:r>
-                        <a:rPr lang="en-US" sz="1050" kern="100" dirty="0">
-                          <a:effectLst/>
-                        </a:rPr>
-                        <a:t>Ansible </a:t>
-                      </a:r>
-                      <a:r>
-                        <a:rPr lang="ja-JP" sz="1050" kern="100" dirty="0">
-                          <a:effectLst/>
-                        </a:rPr>
-                        <a:t>ドライバー</a:t>
-                      </a:r>
-                      <a:endParaRPr lang="ja-JP" sz="1050" kern="100" dirty="0">
-                        <a:effectLst/>
-                        <a:latin typeface="Century" panose="02040604050505020304" pitchFamily="18" charset="0"/>
-                        <a:ea typeface="ＭＳ 明朝" panose="02020609040205080304" pitchFamily="17" charset="-128"/>
-                        <a:cs typeface="Times New Roman" panose="02020603050405020304" pitchFamily="18" charset="0"/>
-                      </a:endParaRPr>
-                    </a:p>
-                  </a:txBody>
-                  <a:tcPr marL="68580" marR="68580" marT="0" marB="0" anchor="ctr">
-                    <a:solidFill>
-                      <a:srgbClr val="002B62"/>
-                    </a:solidFill>
-                  </a:tcPr>
-                </a:tc>
-                <a:tc>
-                  <a:txBody>
-                    <a:bodyPr/>
-                    <a:lstStyle/>
-                    <a:p>
-                      <a:pPr algn="l">
-                        <a:spcAft>
-                          <a:spcPts val="0"/>
-                        </a:spcAft>
-                      </a:pPr>
-                      <a:r>
-                        <a:rPr lang="en-US" sz="1050" kern="100" dirty="0">
-                          <a:effectLst/>
-                        </a:rPr>
-                        <a:t>Ansible</a:t>
-                      </a:r>
-                      <a:r>
-                        <a:rPr lang="ja-JP" sz="1050" kern="100" dirty="0">
-                          <a:effectLst/>
-                        </a:rPr>
-                        <a:t>共通</a:t>
-                      </a:r>
-                      <a:endParaRPr lang="ja-JP" sz="1050" kern="100" dirty="0">
-                        <a:effectLst/>
-                        <a:latin typeface="Century" panose="02040604050505020304" pitchFamily="18" charset="0"/>
-                        <a:ea typeface="ＭＳ 明朝" panose="02020609040205080304" pitchFamily="17" charset="-128"/>
-                        <a:cs typeface="Times New Roman" panose="02020603050405020304" pitchFamily="18" charset="0"/>
-                      </a:endParaRPr>
-                    </a:p>
-                  </a:txBody>
-                  <a:tcPr marL="68580" marR="68580" marT="0" marB="0" anchor="ctr">
-                    <a:solidFill>
-                      <a:srgbClr val="CBCDD3"/>
-                    </a:solidFill>
-                  </a:tcPr>
-                </a:tc>
-                <a:extLst>
-                  <a:ext uri="{0D108BD9-81ED-4DB2-BD59-A6C34878D82A}">
-                    <a16:rowId xmlns="" xmlns:a16="http://schemas.microsoft.com/office/drawing/2014/main" val="10005"/>
+                    <a16:rowId xmlns:a16="http://schemas.microsoft.com/office/drawing/2014/main" val="10006"/>
                   </a:ext>
                 </a:extLst>
               </a:tr>
@@ -28571,7 +25146,7 @@
                         <a:rPr lang="en-US" sz="1050" kern="100" dirty="0">
                           <a:effectLst/>
                         </a:rPr>
-                        <a:t>Ansible-Legacy</a:t>
+                        <a:t>Ansible-Pioneer</a:t>
                       </a:r>
                       <a:endParaRPr lang="ja-JP" sz="1050" kern="100" dirty="0">
                         <a:effectLst/>
@@ -28583,13 +25158,13 @@
                   </a:txBody>
                   <a:tcPr marL="68580" marR="68580" marT="0" marB="0" anchor="ctr">
                     <a:solidFill>
-                      <a:srgbClr val="E7E8EA"/>
+                      <a:srgbClr val="CBCDD3"/>
                     </a:solidFill>
                   </a:tcPr>
                 </a:tc>
                 <a:extLst>
                   <a:ext uri="{0D108BD9-81ED-4DB2-BD59-A6C34878D82A}">
-                    <a16:rowId xmlns="" xmlns:a16="http://schemas.microsoft.com/office/drawing/2014/main" val="10006"/>
+                    <a16:rowId xmlns:a16="http://schemas.microsoft.com/office/drawing/2014/main" val="10007"/>
                   </a:ext>
                 </a:extLst>
               </a:tr>
@@ -28618,53 +25193,6 @@
                         <a:rPr lang="en-US" sz="1050" kern="100" dirty="0">
                           <a:effectLst/>
                         </a:rPr>
-                        <a:t>Ansible-Pioneer</a:t>
-                      </a:r>
-                      <a:endParaRPr lang="ja-JP" sz="1050" kern="100" dirty="0">
-                        <a:effectLst/>
-                        <a:latin typeface="Century" panose="02040604050505020304" pitchFamily="18" charset="0"/>
-                        <a:ea typeface="ＭＳ 明朝" panose="02020609040205080304" pitchFamily="17" charset="-128"/>
-                        <a:cs typeface="Times New Roman" panose="02020603050405020304" pitchFamily="18" charset="0"/>
-                      </a:endParaRPr>
-                    </a:p>
-                  </a:txBody>
-                  <a:tcPr marL="68580" marR="68580" marT="0" marB="0" anchor="ctr">
-                    <a:solidFill>
-                      <a:srgbClr val="CBCDD3"/>
-                    </a:solidFill>
-                  </a:tcPr>
-                </a:tc>
-                <a:extLst>
-                  <a:ext uri="{0D108BD9-81ED-4DB2-BD59-A6C34878D82A}">
-                    <a16:rowId xmlns="" xmlns:a16="http://schemas.microsoft.com/office/drawing/2014/main" val="10007"/>
-                  </a:ext>
-                </a:extLst>
-              </a:tr>
-              <a:tr h="256767">
-                <a:tc vMerge="1">
-                  <a:txBody>
-                    <a:bodyPr/>
-                    <a:lstStyle/>
-                    <a:p>
-                      <a:endParaRPr kumimoji="1" lang="ja-JP" altLang="en-US"/>
-                    </a:p>
-                  </a:txBody>
-                  <a:tcPr/>
-                </a:tc>
-                <a:tc>
-                  <a:txBody>
-                    <a:bodyPr/>
-                    <a:lstStyle/>
-                    <a:p>
-                      <a:pPr algn="l">
-                        <a:spcAft>
-                          <a:spcPts val="0"/>
-                        </a:spcAft>
-                      </a:pPr>
-                      <a:r>
-                        <a:rPr lang="en-US" sz="1050" kern="100" dirty="0">
-                          <a:effectLst/>
-                        </a:rPr>
                         <a:t>Ansible-LegacyRole</a:t>
                       </a:r>
                       <a:endParaRPr lang="ja-JP" sz="1050" kern="100" dirty="0">
@@ -28683,7 +25211,7 @@
                 </a:tc>
                 <a:extLst>
                   <a:ext uri="{0D108BD9-81ED-4DB2-BD59-A6C34878D82A}">
-                    <a16:rowId xmlns="" xmlns:a16="http://schemas.microsoft.com/office/drawing/2014/main" val="10008"/>
+                    <a16:rowId xmlns:a16="http://schemas.microsoft.com/office/drawing/2014/main" val="10008"/>
                   </a:ext>
                 </a:extLst>
               </a:tr>
@@ -29131,14 +25659,14 @@
           <p:nvPr>
             <p:extLst>
               <p:ext uri="{D42A27DB-BD31-4B8C-83A1-F6EECF244321}">
-                <p14:modId xmlns:p14="http://schemas.microsoft.com/office/powerpoint/2010/main" val="3897567277"/>
+                <p14:modId xmlns:p14="http://schemas.microsoft.com/office/powerpoint/2010/main" val="428128019"/>
               </p:ext>
             </p:extLst>
           </p:nvPr>
         </p:nvGraphicFramePr>
         <p:xfrm>
           <a:off x="107380" y="1772771"/>
-          <a:ext cx="8929240" cy="4591659"/>
+          <a:ext cx="8929240" cy="4701379"/>
         </p:xfrm>
         <a:graphic>
           <a:graphicData uri="http://schemas.openxmlformats.org/drawingml/2006/table">
@@ -29150,42 +25678,42 @@
                 <a:gridCol w="1512210">
                   <a:extLst>
                     <a:ext uri="{9D8B030D-6E8A-4147-A177-3AD203B41FA5}">
-                      <a16:colId xmlns="" xmlns:a16="http://schemas.microsoft.com/office/drawing/2014/main" val="20000"/>
+                      <a16:colId xmlns:a16="http://schemas.microsoft.com/office/drawing/2014/main" val="20000"/>
                     </a:ext>
                   </a:extLst>
                 </a:gridCol>
                 <a:gridCol w="936130">
                   <a:extLst>
                     <a:ext uri="{9D8B030D-6E8A-4147-A177-3AD203B41FA5}">
-                      <a16:colId xmlns="" xmlns:a16="http://schemas.microsoft.com/office/drawing/2014/main" val="20001"/>
+                      <a16:colId xmlns:a16="http://schemas.microsoft.com/office/drawing/2014/main" val="20001"/>
                     </a:ext>
                   </a:extLst>
                 </a:gridCol>
                 <a:gridCol w="1296180">
                   <a:extLst>
                     <a:ext uri="{9D8B030D-6E8A-4147-A177-3AD203B41FA5}">
-                      <a16:colId xmlns="" xmlns:a16="http://schemas.microsoft.com/office/drawing/2014/main" val="20002"/>
+                      <a16:colId xmlns:a16="http://schemas.microsoft.com/office/drawing/2014/main" val="20002"/>
                     </a:ext>
                   </a:extLst>
                 </a:gridCol>
                 <a:gridCol w="3456480">
                   <a:extLst>
                     <a:ext uri="{9D8B030D-6E8A-4147-A177-3AD203B41FA5}">
-                      <a16:colId xmlns="" xmlns:a16="http://schemas.microsoft.com/office/drawing/2014/main" val="20003"/>
+                      <a16:colId xmlns:a16="http://schemas.microsoft.com/office/drawing/2014/main" val="20003"/>
                     </a:ext>
                   </a:extLst>
                 </a:gridCol>
                 <a:gridCol w="1008140">
                   <a:extLst>
                     <a:ext uri="{9D8B030D-6E8A-4147-A177-3AD203B41FA5}">
-                      <a16:colId xmlns="" xmlns:a16="http://schemas.microsoft.com/office/drawing/2014/main" val="20004"/>
+                      <a16:colId xmlns:a16="http://schemas.microsoft.com/office/drawing/2014/main" val="20004"/>
                     </a:ext>
                   </a:extLst>
                 </a:gridCol>
                 <a:gridCol w="720100">
                   <a:extLst>
                     <a:ext uri="{9D8B030D-6E8A-4147-A177-3AD203B41FA5}">
-                      <a16:colId xmlns="" xmlns:a16="http://schemas.microsoft.com/office/drawing/2014/main" val="20005"/>
+                      <a16:colId xmlns:a16="http://schemas.microsoft.com/office/drawing/2014/main" val="20005"/>
                     </a:ext>
                   </a:extLst>
                 </a:gridCol>
@@ -29393,7 +25921,7 @@
                 </a:tc>
                 <a:extLst>
                   <a:ext uri="{0D108BD9-81ED-4DB2-BD59-A6C34878D82A}">
-                    <a16:rowId xmlns="" xmlns:a16="http://schemas.microsoft.com/office/drawing/2014/main" val="10000"/>
+                    <a16:rowId xmlns:a16="http://schemas.microsoft.com/office/drawing/2014/main" val="10000"/>
                   </a:ext>
                 </a:extLst>
               </a:tr>
@@ -29589,7 +26117,7 @@
                 </a:tc>
                 <a:extLst>
                   <a:ext uri="{0D108BD9-81ED-4DB2-BD59-A6C34878D82A}">
-                    <a16:rowId xmlns="" xmlns:a16="http://schemas.microsoft.com/office/drawing/2014/main" val="10001"/>
+                    <a16:rowId xmlns:a16="http://schemas.microsoft.com/office/drawing/2014/main" val="10001"/>
                   </a:ext>
                 </a:extLst>
               </a:tr>
@@ -29657,10 +26185,16 @@
                         </a:spcAft>
                       </a:pPr>
                       <a:r>
-                        <a:rPr lang="ja-JP" sz="900" kern="0" dirty="0">
-                          <a:effectLst/>
-                        </a:rPr>
-                        <a:t>パラメータシート作成</a:t>
+                        <a:rPr lang="ja-JP" altLang="en-US" sz="900" kern="0" dirty="0" smtClean="0">
+                          <a:effectLst/>
+                        </a:rPr>
+                        <a:t>メニュー</a:t>
+                      </a:r>
+                      <a:r>
+                        <a:rPr lang="ja-JP" sz="900" kern="0" dirty="0" smtClean="0">
+                          <a:effectLst/>
+                        </a:rPr>
+                        <a:t>作成</a:t>
                       </a:r>
                       <a:endParaRPr lang="ja-JP" sz="1050" kern="100" dirty="0">
                         <a:effectLst/>
@@ -29686,22 +26220,22 @@
                         </a:spcAft>
                       </a:pPr>
                       <a:r>
+                        <a:rPr lang="ja-JP" altLang="en-US" sz="900" kern="100" dirty="0" smtClean="0">
+                          <a:effectLst/>
+                        </a:rPr>
+                        <a:t>メニュー</a:t>
+                      </a:r>
+                      <a:r>
+                        <a:rPr lang="ja-JP" sz="900" kern="100" dirty="0" smtClean="0">
+                          <a:effectLst/>
+                        </a:rPr>
+                        <a:t>を</a:t>
+                      </a:r>
+                      <a:r>
                         <a:rPr lang="ja-JP" sz="900" kern="100" dirty="0">
                           <a:effectLst/>
                         </a:rPr>
-                        <a:t>パラメータシート（</a:t>
-                      </a:r>
-                      <a:r>
-                        <a:rPr lang="en-US" sz="900" kern="100" dirty="0">
-                          <a:effectLst/>
-                        </a:rPr>
-                        <a:t>Web</a:t>
-                      </a:r>
-                      <a:r>
-                        <a:rPr lang="ja-JP" sz="900" kern="100" dirty="0">
-                          <a:effectLst/>
-                        </a:rPr>
-                        <a:t>メニュー）を作成・管理します。</a:t>
+                        <a:t>作成・管理します。</a:t>
                       </a:r>
                       <a:endParaRPr lang="ja-JP" sz="1050" kern="100" dirty="0">
                         <a:effectLst/>
@@ -29776,7 +26310,7 @@
                 </a:tc>
                 <a:extLst>
                   <a:ext uri="{0D108BD9-81ED-4DB2-BD59-A6C34878D82A}">
-                    <a16:rowId xmlns="" xmlns:a16="http://schemas.microsoft.com/office/drawing/2014/main" val="10002"/>
+                    <a16:rowId xmlns:a16="http://schemas.microsoft.com/office/drawing/2014/main" val="10002"/>
                   </a:ext>
                 </a:extLst>
               </a:tr>
@@ -29948,7 +26482,7 @@
                 </a:tc>
                 <a:extLst>
                   <a:ext uri="{0D108BD9-81ED-4DB2-BD59-A6C34878D82A}">
-                    <a16:rowId xmlns="" xmlns:a16="http://schemas.microsoft.com/office/drawing/2014/main" val="10003"/>
+                    <a16:rowId xmlns:a16="http://schemas.microsoft.com/office/drawing/2014/main" val="10003"/>
                   </a:ext>
                 </a:extLst>
               </a:tr>
@@ -30173,7 +26707,7 @@
                 </a:tc>
                 <a:extLst>
                   <a:ext uri="{0D108BD9-81ED-4DB2-BD59-A6C34878D82A}">
-                    <a16:rowId xmlns="" xmlns:a16="http://schemas.microsoft.com/office/drawing/2014/main" val="10004"/>
+                    <a16:rowId xmlns:a16="http://schemas.microsoft.com/office/drawing/2014/main" val="10004"/>
                   </a:ext>
                 </a:extLst>
               </a:tr>
@@ -30399,7 +26933,7 @@
                 </a:tc>
                 <a:extLst>
                   <a:ext uri="{0D108BD9-81ED-4DB2-BD59-A6C34878D82A}">
-                    <a16:rowId xmlns="" xmlns:a16="http://schemas.microsoft.com/office/drawing/2014/main" val="10005"/>
+                    <a16:rowId xmlns:a16="http://schemas.microsoft.com/office/drawing/2014/main" val="10005"/>
                   </a:ext>
                 </a:extLst>
               </a:tr>
@@ -30415,19 +26949,13 @@
                         </a:spcAft>
                       </a:pPr>
                       <a:r>
-                        <a:rPr lang="en-US" sz="900" kern="100" dirty="0">
-                          <a:effectLst/>
-                        </a:rPr>
-                        <a:t> </a:t>
-                      </a:r>
-                      <a:r>
-                        <a:rPr lang="en-US" sz="900" kern="100" dirty="0" smtClean="0">
+                        <a:rPr lang="en-US" altLang="ja-JP" sz="900" kern="100" dirty="0" smtClean="0">
                           <a:effectLst/>
                         </a:rPr>
                         <a:t>Cobbler</a:t>
                       </a:r>
                       <a:r>
-                        <a:rPr lang="ja-JP" sz="900" kern="100" dirty="0">
+                        <a:rPr lang="ja-JP" sz="900" kern="100" dirty="0" smtClean="0">
                           <a:effectLst/>
                         </a:rPr>
                         <a:t>ドライバー</a:t>
@@ -30453,8 +26981,11 @@
                         </a:spcAft>
                       </a:pPr>
                       <a:r>
-                        <a:rPr lang="en-US" sz="900" kern="100" dirty="0" smtClean="0">
-                          <a:effectLst/>
+                        <a:rPr lang="en-US" altLang="ja-JP" sz="900" kern="100" dirty="0" smtClean="0">
+                          <a:effectLst/>
+                          <a:latin typeface="+mn-lt"/>
+                          <a:ea typeface="+mn-ea"/>
+                          <a:cs typeface="+mn-cs"/>
                         </a:rPr>
                         <a:t>Cobbler</a:t>
                       </a:r>
@@ -30479,16 +27010,16 @@
                         </a:spcAft>
                       </a:pPr>
                       <a:r>
-                        <a:rPr lang="en-US" sz="900" kern="0" dirty="0">
-                          <a:effectLst/>
-                        </a:rPr>
-                        <a:t>OS</a:t>
+                        <a:rPr lang="ja-JP" sz="900" kern="0" dirty="0" smtClean="0">
+                          <a:effectLst/>
+                        </a:rPr>
+                        <a:t>システム</a:t>
                       </a:r>
                       <a:r>
                         <a:rPr lang="ja-JP" sz="900" kern="0" dirty="0">
                           <a:effectLst/>
                         </a:rPr>
-                        <a:t>インストール</a:t>
+                        <a:t>構築</a:t>
                       </a:r>
                       <a:endParaRPr lang="ja-JP" sz="1050" kern="100" dirty="0">
                         <a:effectLst/>
@@ -30505,59 +27036,58 @@
                     <a:bodyPr/>
                     <a:lstStyle/>
                     <a:p>
-                      <a:pPr algn="l">
-                        <a:lnSpc>
-                          <a:spcPts val="1200"/>
-                        </a:lnSpc>
+                      <a:pPr algn="just">
                         <a:spcAft>
                           <a:spcPts val="0"/>
                         </a:spcAft>
                       </a:pPr>
                       <a:r>
-                        <a:rPr lang="en-US" altLang="ja-JP" sz="900" kern="0" dirty="0" smtClean="0">
-                          <a:effectLst/>
-                        </a:rPr>
-                        <a:t>OSS</a:t>
-                      </a:r>
-                      <a:r>
-                        <a:rPr lang="ja-JP" altLang="ja-JP" sz="900" kern="0" dirty="0" smtClean="0">
-                          <a:effectLst/>
-                        </a:rPr>
-                        <a:t>のインストール自動化ツールです。</a:t>
-                      </a:r>
-                      <a:r>
-                        <a:rPr lang="en-US" altLang="ja-JP" sz="900" kern="0" dirty="0" smtClean="0">
-                          <a:effectLst/>
-                        </a:rPr>
-                        <a:t/>
-                      </a:r>
-                      <a:br>
-                        <a:rPr lang="en-US" altLang="ja-JP" sz="900" kern="0" dirty="0" smtClean="0">
-                          <a:effectLst/>
-                        </a:rPr>
-                      </a:br>
-                      <a:r>
-                        <a:rPr lang="ja-JP" altLang="ja-JP" sz="900" kern="0" dirty="0" smtClean="0">
-                          <a:effectLst/>
-                        </a:rPr>
-                        <a:t>あらかじめ作成したテンプレートを元に、ネットワークで接続された機器に対して、</a:t>
-                      </a:r>
-                      <a:r>
-                        <a:rPr lang="en-US" altLang="ja-JP" sz="900" kern="0" dirty="0" smtClean="0">
-                          <a:effectLst/>
-                        </a:rPr>
-                        <a:t>OS</a:t>
-                      </a:r>
-                      <a:r>
-                        <a:rPr lang="ja-JP" altLang="ja-JP" sz="900" kern="0" dirty="0" smtClean="0">
-                          <a:effectLst/>
-                        </a:rPr>
-                        <a:t>のインストールを行うことができます。</a:t>
-                      </a:r>
-                      <a:endParaRPr lang="ja-JP" altLang="ja-JP" sz="1050" kern="100" dirty="0">
+                        <a:rPr lang="en-US" altLang="ja-JP" sz="900" kern="100" dirty="0" smtClean="0">
+                          <a:effectLst/>
+                          <a:latin typeface="+mn-ea"/>
+                          <a:ea typeface="+mn-ea"/>
+                          <a:cs typeface="Times New Roman" panose="02020603050405020304" pitchFamily="18" charset="0"/>
+                        </a:rPr>
+                        <a:t>OS </a:t>
+                      </a:r>
+                      <a:r>
+                        <a:rPr lang="ja-JP" altLang="en-US" sz="900" kern="100" dirty="0" smtClean="0">
+                          <a:effectLst/>
+                          <a:latin typeface="+mn-ea"/>
+                          <a:ea typeface="+mn-ea"/>
+                          <a:cs typeface="Times New Roman" panose="02020603050405020304" pitchFamily="18" charset="0"/>
+                        </a:rPr>
+                        <a:t>のインストールを自動化するツールです。</a:t>
+                      </a:r>
+                    </a:p>
+                    <a:p>
+                      <a:pPr algn="just">
+                        <a:spcAft>
+                          <a:spcPts val="0"/>
+                        </a:spcAft>
+                      </a:pPr>
+                      <a:r>
+                        <a:rPr lang="en-US" altLang="ja-JP" sz="900" kern="100" dirty="0" smtClean="0">
+                          <a:effectLst/>
+                          <a:latin typeface="+mn-ea"/>
+                          <a:ea typeface="+mn-ea"/>
+                          <a:cs typeface="Times New Roman" panose="02020603050405020304" pitchFamily="18" charset="0"/>
+                        </a:rPr>
+                        <a:t>Cobbler </a:t>
+                      </a:r>
+                      <a:r>
+                        <a:rPr lang="ja-JP" altLang="en-US" sz="900" kern="100" dirty="0" smtClean="0">
+                          <a:effectLst/>
+                          <a:latin typeface="+mn-ea"/>
+                          <a:ea typeface="+mn-ea"/>
+                          <a:cs typeface="Times New Roman" panose="02020603050405020304" pitchFamily="18" charset="0"/>
+                        </a:rPr>
+                        <a:t>サーバー上にインストールメディアと、インストール時の設定情報を記載したキックスタートファイルを登録し、ネットワークに接続した機器に対してこれらを配布することで、ネットワークインストールを可能とします。</a:t>
+                      </a:r>
+                      <a:endParaRPr lang="ja-JP" sz="900" kern="100" dirty="0">
                         <a:effectLst/>
-                        <a:latin typeface="Century" panose="02040604050505020304" pitchFamily="18" charset="0"/>
-                        <a:ea typeface="ＭＳ 明朝" panose="02020609040205080304" pitchFamily="17" charset="-128"/>
+                        <a:latin typeface="+mn-ea"/>
+                        <a:ea typeface="+mn-ea"/>
                         <a:cs typeface="Times New Roman" panose="02020603050405020304" pitchFamily="18" charset="0"/>
                       </a:endParaRPr>
                     </a:p>
@@ -30578,10 +27108,10 @@
                         </a:spcAft>
                       </a:pPr>
                       <a:r>
-                        <a:rPr lang="en-US" sz="1050" kern="100" dirty="0">
-                          <a:effectLst/>
-                        </a:rPr>
-                        <a:t>○</a:t>
+                        <a:rPr lang="en-US" sz="1050" kern="0" dirty="0" smtClean="0">
+                          <a:effectLst/>
+                        </a:rPr>
+                        <a:t>×</a:t>
                       </a:r>
                       <a:endParaRPr lang="ja-JP" sz="1200" kern="100" dirty="0">
                         <a:effectLst/>
@@ -30624,7 +27154,7 @@
                 </a:tc>
                 <a:extLst>
                   <a:ext uri="{0D108BD9-81ED-4DB2-BD59-A6C34878D82A}">
-                    <a16:rowId xmlns="" xmlns:a16="http://schemas.microsoft.com/office/drawing/2014/main" val="10006"/>
+                    <a16:rowId xmlns:a16="http://schemas.microsoft.com/office/drawing/2014/main" val="1912832483"/>
                   </a:ext>
                 </a:extLst>
               </a:tr>
@@ -30824,7 +27354,7 @@
                 </a:tc>
                 <a:extLst>
                   <a:ext uri="{0D108BD9-81ED-4DB2-BD59-A6C34878D82A}">
-                    <a16:rowId xmlns="" xmlns:a16="http://schemas.microsoft.com/office/drawing/2014/main" val="10007"/>
+                    <a16:rowId xmlns:a16="http://schemas.microsoft.com/office/drawing/2014/main" val="10007"/>
                   </a:ext>
                 </a:extLst>
               </a:tr>
@@ -31074,7 +27604,7 @@
                 </a:tc>
                 <a:extLst>
                   <a:ext uri="{0D108BD9-81ED-4DB2-BD59-A6C34878D82A}">
-                    <a16:rowId xmlns="" xmlns:a16="http://schemas.microsoft.com/office/drawing/2014/main" val="10008"/>
+                    <a16:rowId xmlns:a16="http://schemas.microsoft.com/office/drawing/2014/main" val="10008"/>
                   </a:ext>
                 </a:extLst>
               </a:tr>
@@ -31178,7 +27708,12 @@
             <p:ph sz="quarter" idx="10"/>
           </p:nvPr>
         </p:nvSpPr>
-        <p:spPr/>
+        <p:spPr>
+          <a:xfrm>
+            <a:off x="179512" y="764630"/>
+            <a:ext cx="8784976" cy="5688558"/>
+          </a:xfrm>
+        </p:spPr>
         <p:txBody>
           <a:bodyPr/>
           <a:lstStyle/>
@@ -31189,1407 +27724,48 @@
             </a:r>
             <a:r>
               <a:rPr lang="ja-JP" altLang="en-US" dirty="0" smtClean="0"/>
-              <a:t>を</a:t>
-            </a:r>
+              <a:t>をご利用いただくための環境について</a:t>
+            </a:r>
+            <a:endParaRPr lang="en-US" altLang="ja-JP" dirty="0"/>
+          </a:p>
+          <a:p>
+            <a:pPr lvl="1"/>
             <a:r>
               <a:rPr lang="ja-JP" altLang="en-US" dirty="0"/>
-              <a:t>ご利用いただくには、以下の環境が必要となります。</a:t>
-            </a:r>
-            <a:endParaRPr lang="en-US" altLang="ja-JP" dirty="0" smtClean="0"/>
-          </a:p>
-          <a:p>
-            <a:pPr lvl="1"/>
+              <a:t>「</a:t>
+            </a:r>
+            <a:r>
+              <a:rPr lang="en-US" altLang="ja-JP" dirty="0" err="1" smtClean="0"/>
+              <a:t>Exastro</a:t>
+            </a:r>
+            <a:r>
+              <a:rPr lang="en-US" altLang="ja-JP" dirty="0" smtClean="0"/>
+              <a:t>-ITA</a:t>
+            </a:r>
+            <a:r>
+              <a:rPr lang="en-US" altLang="ja-JP" dirty="0"/>
+              <a:t>_</a:t>
+            </a:r>
+            <a:r>
+              <a:rPr lang="ja-JP" altLang="en-US" dirty="0"/>
+              <a:t>システム構成／環境構築ガイド</a:t>
+            </a:r>
+            <a:r>
+              <a:rPr lang="en-US" altLang="ja-JP" dirty="0"/>
+              <a:t>_</a:t>
+            </a:r>
+            <a:r>
+              <a:rPr lang="ja-JP" altLang="en-US" dirty="0"/>
+              <a:t>基本編」を参照してください</a:t>
+            </a:r>
             <a:r>
               <a:rPr lang="ja-JP" altLang="en-US" dirty="0" smtClean="0"/>
-              <a:t>サーバ動作要件</a:t>
-            </a:r>
-            <a:endParaRPr lang="en-US" altLang="ja-JP" dirty="0" smtClean="0"/>
-          </a:p>
-          <a:p>
-            <a:pPr lvl="1"/>
-            <a:endParaRPr lang="en-US" altLang="ja-JP" dirty="0"/>
-          </a:p>
-          <a:p>
-            <a:pPr lvl="1"/>
-            <a:endParaRPr lang="en-US" altLang="ja-JP" dirty="0" smtClean="0"/>
-          </a:p>
-          <a:p>
-            <a:pPr marL="180000" lvl="1" indent="0">
-              <a:buNone/>
-            </a:pPr>
-            <a:endParaRPr lang="en-US" altLang="ja-JP" dirty="0" smtClean="0"/>
-          </a:p>
-          <a:p>
-            <a:pPr lvl="1"/>
-            <a:r>
-              <a:rPr lang="ja-JP" altLang="en-US" dirty="0" smtClean="0"/>
-              <a:t>サーバ</a:t>
-            </a:r>
-            <a:r>
-              <a:rPr lang="ja-JP" altLang="en-US" dirty="0"/>
-              <a:t>最</a:t>
-            </a:r>
-            <a:r>
-              <a:rPr lang="ja-JP" altLang="en-US" dirty="0" smtClean="0"/>
-              <a:t>小スペック</a:t>
-            </a:r>
-            <a:endParaRPr lang="en-US" altLang="ja-JP" dirty="0" smtClean="0"/>
-          </a:p>
-          <a:p>
-            <a:pPr lvl="1"/>
-            <a:endParaRPr lang="en-US" altLang="ja-JP" dirty="0"/>
-          </a:p>
-          <a:p>
-            <a:pPr lvl="1"/>
-            <a:endParaRPr lang="en-US" altLang="ja-JP" dirty="0" smtClean="0"/>
-          </a:p>
-          <a:p>
-            <a:pPr lvl="1"/>
-            <a:endParaRPr lang="en-US" altLang="ja-JP" dirty="0" smtClean="0"/>
-          </a:p>
-          <a:p>
-            <a:pPr lvl="1"/>
-            <a:endParaRPr lang="en-US" altLang="ja-JP" dirty="0"/>
-          </a:p>
-          <a:p>
-            <a:pPr marL="180000" lvl="1" indent="0">
-              <a:buNone/>
-            </a:pPr>
-            <a:endParaRPr lang="en-US" altLang="ja-JP" sz="1000" dirty="0" smtClean="0"/>
-          </a:p>
-          <a:p>
-            <a:pPr lvl="1"/>
-            <a:r>
-              <a:rPr lang="ja-JP" altLang="en-US" dirty="0" smtClean="0"/>
-              <a:t>クライアント</a:t>
-            </a:r>
-            <a:r>
-              <a:rPr lang="en-US" altLang="ja-JP" dirty="0"/>
-              <a:t>PC</a:t>
-            </a:r>
-            <a:r>
-              <a:rPr lang="ja-JP" altLang="en-US" dirty="0"/>
-              <a:t>動作</a:t>
-            </a:r>
-            <a:r>
-              <a:rPr lang="ja-JP" altLang="en-US" dirty="0" smtClean="0"/>
-              <a:t>要件</a:t>
-            </a:r>
-            <a:endParaRPr lang="en-US" altLang="ja-JP" dirty="0" smtClean="0"/>
+              <a:t>。</a:t>
+            </a:r>
+            <a:endParaRPr lang="ja-JP" altLang="en-US" dirty="0"/>
           </a:p>
         </p:txBody>
       </p:sp>
-      <p:graphicFrame>
-        <p:nvGraphicFramePr>
-          <p:cNvPr id="5" name="表 4"/>
-          <p:cNvGraphicFramePr>
-            <a:graphicFrameLocks noGrp="1"/>
-          </p:cNvGraphicFramePr>
-          <p:nvPr>
-            <p:extLst/>
-          </p:nvPr>
-        </p:nvGraphicFramePr>
-        <p:xfrm>
-          <a:off x="1283268" y="2888719"/>
-          <a:ext cx="6576490" cy="1102134"/>
-        </p:xfrm>
-        <a:graphic>
-          <a:graphicData uri="http://schemas.openxmlformats.org/drawingml/2006/table">
-            <a:tbl>
-              <a:tblPr firstRow="1" bandRow="1">
-                <a:tableStyleId>{5C22544A-7EE6-4342-B048-85BDC9FD1C3A}</a:tableStyleId>
-              </a:tblPr>
-              <a:tblGrid>
-                <a:gridCol w="3288245">
-                  <a:extLst>
-                    <a:ext uri="{9D8B030D-6E8A-4147-A177-3AD203B41FA5}">
-                      <a16:colId xmlns="" xmlns:a16="http://schemas.microsoft.com/office/drawing/2014/main" val="20000"/>
-                    </a:ext>
-                  </a:extLst>
-                </a:gridCol>
-                <a:gridCol w="3288245">
-                  <a:extLst>
-                    <a:ext uri="{9D8B030D-6E8A-4147-A177-3AD203B41FA5}">
-                      <a16:colId xmlns="" xmlns:a16="http://schemas.microsoft.com/office/drawing/2014/main" val="20001"/>
-                    </a:ext>
-                  </a:extLst>
-                </a:gridCol>
-              </a:tblGrid>
-              <a:tr h="367378">
-                <a:tc>
-                  <a:txBody>
-                    <a:bodyPr/>
-                    <a:lstStyle/>
-                    <a:p>
-                      <a:r>
-                        <a:rPr kumimoji="1" lang="en-US" altLang="ja-JP" sz="1050" b="1" kern="1200" dirty="0" smtClean="0">
-                          <a:solidFill>
-                            <a:schemeClr val="bg1"/>
-                          </a:solidFill>
-                          <a:effectLst/>
-                          <a:latin typeface="+mn-lt"/>
-                          <a:ea typeface="+mn-ea"/>
-                          <a:cs typeface="+mn-cs"/>
-                        </a:rPr>
-                        <a:t>CPU</a:t>
-                      </a:r>
-                      <a:endParaRPr kumimoji="1" lang="ja-JP" altLang="en-US" sz="1050" b="1" dirty="0">
-                        <a:solidFill>
-                          <a:schemeClr val="bg1"/>
-                        </a:solidFill>
-                      </a:endParaRPr>
-                    </a:p>
-                  </a:txBody>
-                  <a:tcPr anchor="ctr">
-                    <a:solidFill>
-                      <a:srgbClr val="002B62"/>
-                    </a:solidFill>
-                  </a:tcPr>
-                </a:tc>
-                <a:tc>
-                  <a:txBody>
-                    <a:bodyPr/>
-                    <a:lstStyle/>
-                    <a:p>
-                      <a:r>
-                        <a:rPr kumimoji="1" lang="en-US" altLang="ja-JP" sz="1050" b="0" kern="1200" dirty="0" smtClean="0">
-                          <a:solidFill>
-                            <a:schemeClr val="dk1"/>
-                          </a:solidFill>
-                          <a:effectLst/>
-                          <a:latin typeface="+mn-lt"/>
-                          <a:ea typeface="+mn-ea"/>
-                          <a:cs typeface="+mn-cs"/>
-                        </a:rPr>
-                        <a:t>1Core</a:t>
-                      </a:r>
-                      <a:endParaRPr kumimoji="1" lang="ja-JP" altLang="en-US" sz="1050" b="0" dirty="0"/>
-                    </a:p>
-                  </a:txBody>
-                  <a:tcPr anchor="ctr">
-                    <a:solidFill>
-                      <a:srgbClr val="E7E8EA"/>
-                    </a:solidFill>
-                  </a:tcPr>
-                </a:tc>
-                <a:extLst>
-                  <a:ext uri="{0D108BD9-81ED-4DB2-BD59-A6C34878D82A}">
-                    <a16:rowId xmlns="" xmlns:a16="http://schemas.microsoft.com/office/drawing/2014/main" val="10000"/>
-                  </a:ext>
-                </a:extLst>
-              </a:tr>
-              <a:tr h="367378">
-                <a:tc>
-                  <a:txBody>
-                    <a:bodyPr/>
-                    <a:lstStyle/>
-                    <a:p>
-                      <a:r>
-                        <a:rPr kumimoji="1" lang="ja-JP" altLang="ja-JP" sz="1050" b="1" kern="1200" dirty="0" smtClean="0">
-                          <a:solidFill>
-                            <a:schemeClr val="bg1"/>
-                          </a:solidFill>
-                          <a:effectLst/>
-                          <a:latin typeface="+mn-lt"/>
-                          <a:ea typeface="+mn-ea"/>
-                          <a:cs typeface="+mn-cs"/>
-                        </a:rPr>
-                        <a:t>メモリ</a:t>
-                      </a:r>
-                      <a:endParaRPr kumimoji="1" lang="ja-JP" altLang="en-US" sz="1050" b="1" dirty="0">
-                        <a:solidFill>
-                          <a:schemeClr val="bg1"/>
-                        </a:solidFill>
-                      </a:endParaRPr>
-                    </a:p>
-                  </a:txBody>
-                  <a:tcPr anchor="ctr">
-                    <a:lnB w="38100" cap="flat" cmpd="sng" algn="ctr">
-                      <a:solidFill>
-                        <a:schemeClr val="bg1"/>
-                      </a:solidFill>
-                      <a:prstDash val="solid"/>
-                      <a:round/>
-                      <a:headEnd type="none" w="med" len="med"/>
-                      <a:tailEnd type="none" w="med" len="med"/>
-                    </a:lnB>
-                    <a:solidFill>
-                      <a:srgbClr val="002B62"/>
-                    </a:solidFill>
-                  </a:tcPr>
-                </a:tc>
-                <a:tc>
-                  <a:txBody>
-                    <a:bodyPr/>
-                    <a:lstStyle/>
-                    <a:p>
-                      <a:r>
-                        <a:rPr kumimoji="1" lang="en-US" altLang="ja-JP" sz="1050" b="0" kern="1200" dirty="0" smtClean="0">
-                          <a:solidFill>
-                            <a:schemeClr val="dk1"/>
-                          </a:solidFill>
-                          <a:effectLst/>
-                          <a:latin typeface="+mn-lt"/>
-                          <a:ea typeface="+mn-ea"/>
-                          <a:cs typeface="+mn-cs"/>
-                        </a:rPr>
-                        <a:t>1GB</a:t>
-                      </a:r>
-                      <a:endParaRPr kumimoji="1" lang="ja-JP" altLang="en-US" sz="1050" b="0" dirty="0"/>
-                    </a:p>
-                  </a:txBody>
-                  <a:tcPr anchor="ctr">
-                    <a:solidFill>
-                      <a:srgbClr val="CBCDD3"/>
-                    </a:solidFill>
-                  </a:tcPr>
-                </a:tc>
-                <a:extLst>
-                  <a:ext uri="{0D108BD9-81ED-4DB2-BD59-A6C34878D82A}">
-                    <a16:rowId xmlns="" xmlns:a16="http://schemas.microsoft.com/office/drawing/2014/main" val="10001"/>
-                  </a:ext>
-                </a:extLst>
-              </a:tr>
-              <a:tr h="367378">
-                <a:tc>
-                  <a:txBody>
-                    <a:bodyPr/>
-                    <a:lstStyle/>
-                    <a:p>
-                      <a:r>
-                        <a:rPr kumimoji="1" lang="ja-JP" altLang="ja-JP" sz="1050" b="1" kern="1200" dirty="0" smtClean="0">
-                          <a:solidFill>
-                            <a:schemeClr val="bg1"/>
-                          </a:solidFill>
-                          <a:effectLst/>
-                          <a:latin typeface="+mn-lt"/>
-                          <a:ea typeface="+mn-ea"/>
-                          <a:cs typeface="+mn-cs"/>
-                        </a:rPr>
-                        <a:t>ディスク容量</a:t>
-                      </a:r>
-                      <a:endParaRPr kumimoji="1" lang="ja-JP" altLang="en-US" sz="1050" b="1" dirty="0">
-                        <a:solidFill>
-                          <a:schemeClr val="bg1"/>
-                        </a:solidFill>
-                      </a:endParaRPr>
-                    </a:p>
-                  </a:txBody>
-                  <a:tcPr anchor="ctr">
-                    <a:lnT w="38100" cap="flat" cmpd="sng" algn="ctr">
-                      <a:solidFill>
-                        <a:schemeClr val="bg1"/>
-                      </a:solidFill>
-                      <a:prstDash val="solid"/>
-                      <a:round/>
-                      <a:headEnd type="none" w="med" len="med"/>
-                      <a:tailEnd type="none" w="med" len="med"/>
-                    </a:lnT>
-                    <a:solidFill>
-                      <a:srgbClr val="002B62"/>
-                    </a:solidFill>
-                  </a:tcPr>
-                </a:tc>
-                <a:tc>
-                  <a:txBody>
-                    <a:bodyPr/>
-                    <a:lstStyle/>
-                    <a:p>
-                      <a:r>
-                        <a:rPr kumimoji="1" lang="en-US" altLang="ja-JP" sz="1050" b="0" kern="1200" dirty="0" smtClean="0">
-                          <a:solidFill>
-                            <a:schemeClr val="dk1"/>
-                          </a:solidFill>
-                          <a:effectLst/>
-                          <a:latin typeface="+mn-lt"/>
-                          <a:ea typeface="+mn-ea"/>
-                          <a:cs typeface="+mn-cs"/>
-                        </a:rPr>
-                        <a:t>1GB</a:t>
-                      </a:r>
-                      <a:r>
-                        <a:rPr kumimoji="1" lang="ja-JP" altLang="en-US" sz="1050" b="0" kern="1200" dirty="0" smtClean="0">
-                          <a:solidFill>
-                            <a:schemeClr val="dk1"/>
-                          </a:solidFill>
-                          <a:effectLst/>
-                          <a:latin typeface="+mn-lt"/>
-                          <a:ea typeface="+mn-ea"/>
-                          <a:cs typeface="+mn-cs"/>
-                        </a:rPr>
-                        <a:t>（</a:t>
-                      </a:r>
-                      <a:r>
-                        <a:rPr kumimoji="1" lang="en-US" altLang="ja-JP" sz="1050" b="0" kern="1200" dirty="0" smtClean="0">
-                          <a:solidFill>
-                            <a:schemeClr val="dk1"/>
-                          </a:solidFill>
-                          <a:effectLst/>
-                          <a:latin typeface="+mn-lt"/>
-                          <a:ea typeface="+mn-ea"/>
-                          <a:cs typeface="+mn-cs"/>
-                        </a:rPr>
-                        <a:t>ITA</a:t>
-                      </a:r>
-                      <a:r>
-                        <a:rPr kumimoji="1" lang="ja-JP" altLang="en-US" sz="1050" b="0" kern="1200" dirty="0" smtClean="0">
-                          <a:solidFill>
-                            <a:schemeClr val="dk1"/>
-                          </a:solidFill>
-                          <a:effectLst/>
-                          <a:latin typeface="+mn-lt"/>
-                          <a:ea typeface="+mn-ea"/>
-                          <a:cs typeface="+mn-cs"/>
-                        </a:rPr>
-                        <a:t>本体のみ）</a:t>
-                      </a:r>
-                      <a:endParaRPr kumimoji="1" lang="ja-JP" altLang="en-US" sz="1050" b="0" dirty="0"/>
-                    </a:p>
-                  </a:txBody>
-                  <a:tcPr anchor="ctr">
-                    <a:solidFill>
-                      <a:srgbClr val="E7E8EA"/>
-                    </a:solidFill>
-                  </a:tcPr>
-                </a:tc>
-                <a:extLst>
-                  <a:ext uri="{0D108BD9-81ED-4DB2-BD59-A6C34878D82A}">
-                    <a16:rowId xmlns="" xmlns:a16="http://schemas.microsoft.com/office/drawing/2014/main" val="10002"/>
-                  </a:ext>
-                </a:extLst>
-              </a:tr>
-            </a:tbl>
-          </a:graphicData>
-        </a:graphic>
-      </p:graphicFrame>
-      <p:graphicFrame>
-        <p:nvGraphicFramePr>
-          <p:cNvPr id="6" name="表 5"/>
-          <p:cNvGraphicFramePr>
-            <a:graphicFrameLocks noGrp="1"/>
-          </p:cNvGraphicFramePr>
-          <p:nvPr>
-            <p:extLst/>
-          </p:nvPr>
-        </p:nvGraphicFramePr>
-        <p:xfrm>
-          <a:off x="1283268" y="1553380"/>
-          <a:ext cx="6576490" cy="741680"/>
-        </p:xfrm>
-        <a:graphic>
-          <a:graphicData uri="http://schemas.openxmlformats.org/drawingml/2006/table">
-            <a:tbl>
-              <a:tblPr firstRow="1" bandRow="1">
-                <a:tableStyleId>{93296810-A885-4BE3-A3E7-6D5BEEA58F35}</a:tableStyleId>
-              </a:tblPr>
-              <a:tblGrid>
-                <a:gridCol w="1296180">
-                  <a:extLst>
-                    <a:ext uri="{9D8B030D-6E8A-4147-A177-3AD203B41FA5}">
-                      <a16:colId xmlns="" xmlns:a16="http://schemas.microsoft.com/office/drawing/2014/main" val="20000"/>
-                    </a:ext>
-                  </a:extLst>
-                </a:gridCol>
-                <a:gridCol w="3088147">
-                  <a:extLst>
-                    <a:ext uri="{9D8B030D-6E8A-4147-A177-3AD203B41FA5}">
-                      <a16:colId xmlns="" xmlns:a16="http://schemas.microsoft.com/office/drawing/2014/main" val="20001"/>
-                    </a:ext>
-                  </a:extLst>
-                </a:gridCol>
-                <a:gridCol w="2192163">
-                  <a:extLst>
-                    <a:ext uri="{9D8B030D-6E8A-4147-A177-3AD203B41FA5}">
-                      <a16:colId xmlns="" xmlns:a16="http://schemas.microsoft.com/office/drawing/2014/main" val="20002"/>
-                    </a:ext>
-                  </a:extLst>
-                </a:gridCol>
-              </a:tblGrid>
-              <a:tr h="370840">
-                <a:tc rowSpan="2">
-                  <a:txBody>
-                    <a:bodyPr/>
-                    <a:lstStyle/>
-                    <a:p>
-                      <a:pPr algn="l"/>
-                      <a:r>
-                        <a:rPr kumimoji="1" lang="en-US" altLang="ja-JP" sz="1000" dirty="0" smtClean="0"/>
-                        <a:t>OS</a:t>
-                      </a:r>
-                      <a:endParaRPr kumimoji="1" lang="ja-JP" altLang="en-US" sz="1000" dirty="0"/>
-                    </a:p>
-                  </a:txBody>
-                  <a:tcPr anchor="ctr">
-                    <a:lnR w="38100" cap="flat" cmpd="sng" algn="ctr">
-                      <a:solidFill>
-                        <a:schemeClr val="bg1"/>
-                      </a:solidFill>
-                      <a:prstDash val="solid"/>
-                      <a:round/>
-                      <a:headEnd type="none" w="med" len="med"/>
-                      <a:tailEnd type="none" w="med" len="med"/>
-                    </a:lnR>
-                  </a:tcPr>
-                </a:tc>
-                <a:tc>
-                  <a:txBody>
-                    <a:bodyPr/>
-                    <a:lstStyle/>
-                    <a:p>
-                      <a:r>
-                        <a:rPr kumimoji="1" lang="en-US" altLang="ja-JP" sz="1000" b="0" kern="1200" dirty="0" smtClean="0">
-                          <a:solidFill>
-                            <a:schemeClr val="tx1"/>
-                          </a:solidFill>
-                          <a:latin typeface="+mn-lt"/>
-                          <a:ea typeface="+mn-ea"/>
-                          <a:cs typeface="+mn-cs"/>
-                        </a:rPr>
-                        <a:t>Red Hat Enterprise Linux</a:t>
-                      </a:r>
-                      <a:endParaRPr kumimoji="1" lang="ja-JP" altLang="en-US" sz="1000" b="0" kern="1200" dirty="0">
-                        <a:solidFill>
-                          <a:schemeClr val="tx1"/>
-                        </a:solidFill>
-                        <a:latin typeface="+mn-lt"/>
-                        <a:ea typeface="+mn-ea"/>
-                        <a:cs typeface="+mn-cs"/>
-                      </a:endParaRPr>
-                    </a:p>
-                  </a:txBody>
-                  <a:tcPr anchor="ctr">
-                    <a:lnL w="38100" cap="flat" cmpd="sng" algn="ctr">
-                      <a:solidFill>
-                        <a:schemeClr val="bg1"/>
-                      </a:solidFill>
-                      <a:prstDash val="solid"/>
-                      <a:round/>
-                      <a:headEnd type="none" w="med" len="med"/>
-                      <a:tailEnd type="none" w="med" len="med"/>
-                    </a:lnL>
-                    <a:lnB w="12700" cap="flat" cmpd="sng" algn="ctr">
-                      <a:solidFill>
-                        <a:schemeClr val="bg1"/>
-                      </a:solidFill>
-                      <a:prstDash val="solid"/>
-                      <a:round/>
-                      <a:headEnd type="none" w="med" len="med"/>
-                      <a:tailEnd type="none" w="med" len="med"/>
-                    </a:lnB>
-                    <a:solidFill>
-                      <a:srgbClr val="E7E8EA"/>
-                    </a:solidFill>
-                  </a:tcPr>
-                </a:tc>
-                <a:tc>
-                  <a:txBody>
-                    <a:bodyPr/>
-                    <a:lstStyle/>
-                    <a:p>
-                      <a:r>
-                        <a:rPr kumimoji="1" lang="en-US" altLang="ja-JP" sz="1000" b="0" dirty="0" smtClean="0">
-                          <a:solidFill>
-                            <a:schemeClr val="tx1"/>
-                          </a:solidFill>
-                        </a:rPr>
-                        <a:t>6.6 </a:t>
-                      </a:r>
-                      <a:r>
-                        <a:rPr kumimoji="1" lang="ja-JP" altLang="en-US" sz="1000" b="0" dirty="0" smtClean="0">
-                          <a:solidFill>
-                            <a:schemeClr val="tx1"/>
-                          </a:solidFill>
-                        </a:rPr>
-                        <a:t>以上</a:t>
-                      </a:r>
-                      <a:endParaRPr kumimoji="1" lang="ja-JP" altLang="en-US" sz="1000" b="0" dirty="0">
-                        <a:solidFill>
-                          <a:schemeClr val="tx1"/>
-                        </a:solidFill>
-                      </a:endParaRPr>
-                    </a:p>
-                  </a:txBody>
-                  <a:tcPr anchor="ctr">
-                    <a:lnB w="12700" cap="flat" cmpd="sng" algn="ctr">
-                      <a:solidFill>
-                        <a:schemeClr val="bg1"/>
-                      </a:solidFill>
-                      <a:prstDash val="solid"/>
-                      <a:round/>
-                      <a:headEnd type="none" w="med" len="med"/>
-                      <a:tailEnd type="none" w="med" len="med"/>
-                    </a:lnB>
-                    <a:solidFill>
-                      <a:srgbClr val="E7E8EA"/>
-                    </a:solidFill>
-                  </a:tcPr>
-                </a:tc>
-                <a:extLst>
-                  <a:ext uri="{0D108BD9-81ED-4DB2-BD59-A6C34878D82A}">
-                    <a16:rowId xmlns="" xmlns:a16="http://schemas.microsoft.com/office/drawing/2014/main" val="10000"/>
-                  </a:ext>
-                </a:extLst>
-              </a:tr>
-              <a:tr h="370840">
-                <a:tc vMerge="1">
-                  <a:txBody>
-                    <a:bodyPr/>
-                    <a:lstStyle/>
-                    <a:p>
-                      <a:endParaRPr kumimoji="1" lang="ja-JP" altLang="en-US" dirty="0"/>
-                    </a:p>
-                  </a:txBody>
-                  <a:tcPr/>
-                </a:tc>
-                <a:tc>
-                  <a:txBody>
-                    <a:bodyPr/>
-                    <a:lstStyle/>
-                    <a:p>
-                      <a:r>
-                        <a:rPr kumimoji="1" lang="en-US" altLang="ja-JP" sz="1000" b="0" dirty="0" smtClean="0">
-                          <a:solidFill>
-                            <a:schemeClr val="tx1"/>
-                          </a:solidFill>
-                        </a:rPr>
-                        <a:t>CentOS</a:t>
-                      </a:r>
-                      <a:endParaRPr kumimoji="1" lang="ja-JP" altLang="en-US" sz="1000" b="0" dirty="0">
-                        <a:solidFill>
-                          <a:schemeClr val="tx1"/>
-                        </a:solidFill>
-                      </a:endParaRPr>
-                    </a:p>
-                  </a:txBody>
-                  <a:tcPr anchor="ctr">
-                    <a:lnL w="38100" cap="flat" cmpd="sng" algn="ctr">
-                      <a:solidFill>
-                        <a:schemeClr val="bg1"/>
-                      </a:solidFill>
-                      <a:prstDash val="solid"/>
-                      <a:round/>
-                      <a:headEnd type="none" w="med" len="med"/>
-                      <a:tailEnd type="none" w="med" len="med"/>
-                    </a:lnL>
-                    <a:lnT w="12700" cap="flat" cmpd="sng" algn="ctr">
-                      <a:solidFill>
-                        <a:schemeClr val="bg1"/>
-                      </a:solidFill>
-                      <a:prstDash val="solid"/>
-                      <a:round/>
-                      <a:headEnd type="none" w="med" len="med"/>
-                      <a:tailEnd type="none" w="med" len="med"/>
-                    </a:lnT>
-                  </a:tcPr>
-                </a:tc>
-                <a:tc>
-                  <a:txBody>
-                    <a:bodyPr/>
-                    <a:lstStyle/>
-                    <a:p>
-                      <a:r>
-                        <a:rPr kumimoji="1" lang="en-US" altLang="ja-JP" sz="1000" b="0" dirty="0" smtClean="0">
-                          <a:solidFill>
-                            <a:schemeClr val="tx1"/>
-                          </a:solidFill>
-                        </a:rPr>
-                        <a:t>6.6 </a:t>
-                      </a:r>
-                      <a:r>
-                        <a:rPr kumimoji="1" lang="ja-JP" altLang="en-US" sz="1000" b="0" dirty="0" smtClean="0">
-                          <a:solidFill>
-                            <a:schemeClr val="tx1"/>
-                          </a:solidFill>
-                        </a:rPr>
-                        <a:t>以上</a:t>
-                      </a:r>
-                      <a:endParaRPr kumimoji="1" lang="ja-JP" altLang="en-US" sz="1000" b="0" dirty="0">
-                        <a:solidFill>
-                          <a:schemeClr val="tx1"/>
-                        </a:solidFill>
-                      </a:endParaRPr>
-                    </a:p>
-                  </a:txBody>
-                  <a:tcPr anchor="ctr">
-                    <a:lnT w="12700" cap="flat" cmpd="sng" algn="ctr">
-                      <a:solidFill>
-                        <a:schemeClr val="bg1"/>
-                      </a:solidFill>
-                      <a:prstDash val="solid"/>
-                      <a:round/>
-                      <a:headEnd type="none" w="med" len="med"/>
-                      <a:tailEnd type="none" w="med" len="med"/>
-                    </a:lnT>
-                  </a:tcPr>
-                </a:tc>
-                <a:extLst>
-                  <a:ext uri="{0D108BD9-81ED-4DB2-BD59-A6C34878D82A}">
-                    <a16:rowId xmlns="" xmlns:a16="http://schemas.microsoft.com/office/drawing/2014/main" val="10001"/>
-                  </a:ext>
-                </a:extLst>
-              </a:tr>
-            </a:tbl>
-          </a:graphicData>
-        </a:graphic>
-      </p:graphicFrame>
-      <p:graphicFrame>
-        <p:nvGraphicFramePr>
-          <p:cNvPr id="7" name="表 6"/>
-          <p:cNvGraphicFramePr>
-            <a:graphicFrameLocks noGrp="1"/>
-          </p:cNvGraphicFramePr>
-          <p:nvPr>
-            <p:extLst/>
-          </p:nvPr>
-        </p:nvGraphicFramePr>
-        <p:xfrm>
-          <a:off x="1283268" y="4563973"/>
-          <a:ext cx="6576490" cy="1844785"/>
-        </p:xfrm>
-        <a:graphic>
-          <a:graphicData uri="http://schemas.openxmlformats.org/drawingml/2006/table">
-            <a:tbl>
-              <a:tblPr firstRow="1" bandRow="1">
-                <a:tableStyleId>{93296810-A885-4BE3-A3E7-6D5BEEA58F35}</a:tableStyleId>
-              </a:tblPr>
-              <a:tblGrid>
-                <a:gridCol w="1296180">
-                  <a:extLst>
-                    <a:ext uri="{9D8B030D-6E8A-4147-A177-3AD203B41FA5}">
-                      <a16:colId xmlns="" xmlns:a16="http://schemas.microsoft.com/office/drawing/2014/main" val="20000"/>
-                    </a:ext>
-                  </a:extLst>
-                </a:gridCol>
-                <a:gridCol w="3088147">
-                  <a:extLst>
-                    <a:ext uri="{9D8B030D-6E8A-4147-A177-3AD203B41FA5}">
-                      <a16:colId xmlns="" xmlns:a16="http://schemas.microsoft.com/office/drawing/2014/main" val="20001"/>
-                    </a:ext>
-                  </a:extLst>
-                </a:gridCol>
-                <a:gridCol w="2192163">
-                  <a:extLst>
-                    <a:ext uri="{9D8B030D-6E8A-4147-A177-3AD203B41FA5}">
-                      <a16:colId xmlns="" xmlns:a16="http://schemas.microsoft.com/office/drawing/2014/main" val="20002"/>
-                    </a:ext>
-                  </a:extLst>
-                </a:gridCol>
-              </a:tblGrid>
-              <a:tr h="361425">
-                <a:tc>
-                  <a:txBody>
-                    <a:bodyPr/>
-                    <a:lstStyle/>
-                    <a:p>
-                      <a:pPr algn="l"/>
-                      <a:r>
-                        <a:rPr kumimoji="1" lang="en-US" altLang="ja-JP" sz="1000" dirty="0" smtClean="0"/>
-                        <a:t>OS</a:t>
-                      </a:r>
-                      <a:endParaRPr kumimoji="1" lang="ja-JP" altLang="en-US" sz="1000" dirty="0"/>
-                    </a:p>
-                  </a:txBody>
-                  <a:tcPr anchor="ctr">
-                    <a:lnR w="38100" cap="flat" cmpd="sng" algn="ctr">
-                      <a:solidFill>
-                        <a:schemeClr val="bg1"/>
-                      </a:solidFill>
-                      <a:prstDash val="solid"/>
-                      <a:round/>
-                      <a:headEnd type="none" w="med" len="med"/>
-                      <a:tailEnd type="none" w="med" len="med"/>
-                    </a:lnR>
-                  </a:tcPr>
-                </a:tc>
-                <a:tc>
-                  <a:txBody>
-                    <a:bodyPr/>
-                    <a:lstStyle/>
-                    <a:p>
-                      <a:r>
-                        <a:rPr kumimoji="1" lang="en-US" altLang="ja-JP" sz="1000" b="0" kern="1200" dirty="0" smtClean="0">
-                          <a:solidFill>
-                            <a:schemeClr val="tx1"/>
-                          </a:solidFill>
-                          <a:latin typeface="+mn-lt"/>
-                          <a:ea typeface="+mn-ea"/>
-                          <a:cs typeface="+mn-cs"/>
-                        </a:rPr>
-                        <a:t>Windows</a:t>
-                      </a:r>
-                      <a:endParaRPr kumimoji="1" lang="ja-JP" altLang="en-US" sz="1000" b="0" kern="1200" dirty="0">
-                        <a:solidFill>
-                          <a:schemeClr val="tx1"/>
-                        </a:solidFill>
-                        <a:latin typeface="+mn-lt"/>
-                        <a:ea typeface="+mn-ea"/>
-                        <a:cs typeface="+mn-cs"/>
-                      </a:endParaRPr>
-                    </a:p>
-                  </a:txBody>
-                  <a:tcPr anchor="ctr">
-                    <a:lnL w="38100" cap="flat" cmpd="sng" algn="ctr">
-                      <a:solidFill>
-                        <a:schemeClr val="bg1"/>
-                      </a:solidFill>
-                      <a:prstDash val="solid"/>
-                      <a:round/>
-                      <a:headEnd type="none" w="med" len="med"/>
-                      <a:tailEnd type="none" w="med" len="med"/>
-                    </a:lnL>
-                    <a:lnB w="12700" cap="flat" cmpd="sng" algn="ctr">
-                      <a:solidFill>
-                        <a:schemeClr val="bg1"/>
-                      </a:solidFill>
-                      <a:prstDash val="solid"/>
-                      <a:round/>
-                      <a:headEnd type="none" w="med" len="med"/>
-                      <a:tailEnd type="none" w="med" len="med"/>
-                    </a:lnB>
-                    <a:solidFill>
-                      <a:srgbClr val="E7E8EA"/>
-                    </a:solidFill>
-                  </a:tcPr>
-                </a:tc>
-                <a:tc>
-                  <a:txBody>
-                    <a:bodyPr/>
-                    <a:lstStyle/>
-                    <a:p>
-                      <a:r>
-                        <a:rPr kumimoji="1" lang="en-US" altLang="ja-JP" sz="1000" b="0" dirty="0" smtClean="0">
-                          <a:solidFill>
-                            <a:schemeClr val="tx1"/>
-                          </a:solidFill>
-                        </a:rPr>
-                        <a:t>Windows7 </a:t>
-                      </a:r>
-                      <a:r>
-                        <a:rPr kumimoji="1" lang="ja-JP" altLang="en-US" sz="1000" b="0" dirty="0" smtClean="0">
-                          <a:solidFill>
-                            <a:schemeClr val="tx1"/>
-                          </a:solidFill>
-                        </a:rPr>
-                        <a:t>以上</a:t>
-                      </a:r>
-                      <a:endParaRPr kumimoji="1" lang="ja-JP" altLang="en-US" sz="1000" b="0" dirty="0">
-                        <a:solidFill>
-                          <a:schemeClr val="tx1"/>
-                        </a:solidFill>
-                      </a:endParaRPr>
-                    </a:p>
-                  </a:txBody>
-                  <a:tcPr anchor="ctr">
-                    <a:lnB w="12700" cap="flat" cmpd="sng" algn="ctr">
-                      <a:solidFill>
-                        <a:schemeClr val="bg1"/>
-                      </a:solidFill>
-                      <a:prstDash val="solid"/>
-                      <a:round/>
-                      <a:headEnd type="none" w="med" len="med"/>
-                      <a:tailEnd type="none" w="med" len="med"/>
-                    </a:lnB>
-                    <a:solidFill>
-                      <a:srgbClr val="E7E8EA"/>
-                    </a:solidFill>
-                  </a:tcPr>
-                </a:tc>
-                <a:extLst>
-                  <a:ext uri="{0D108BD9-81ED-4DB2-BD59-A6C34878D82A}">
-                    <a16:rowId xmlns="" xmlns:a16="http://schemas.microsoft.com/office/drawing/2014/main" val="10000"/>
-                  </a:ext>
-                </a:extLst>
-              </a:tr>
-              <a:tr h="370840">
-                <a:tc>
-                  <a:txBody>
-                    <a:bodyPr/>
-                    <a:lstStyle/>
-                    <a:p>
-                      <a:pPr algn="l"/>
-                      <a:r>
-                        <a:rPr kumimoji="1" lang="ja-JP" altLang="en-US" sz="1000" b="1" dirty="0" smtClean="0">
-                          <a:solidFill>
-                            <a:schemeClr val="bg1"/>
-                          </a:solidFill>
-                        </a:rPr>
-                        <a:t>ソフトウェア</a:t>
-                      </a:r>
-                      <a:endParaRPr kumimoji="1" lang="ja-JP" altLang="en-US" sz="1000" b="1" dirty="0">
-                        <a:solidFill>
-                          <a:schemeClr val="bg1"/>
-                        </a:solidFill>
-                      </a:endParaRPr>
-                    </a:p>
-                  </a:txBody>
-                  <a:tcPr anchor="ctr">
-                    <a:lnR w="38100" cap="flat" cmpd="sng" algn="ctr">
-                      <a:solidFill>
-                        <a:schemeClr val="bg1"/>
-                      </a:solidFill>
-                      <a:prstDash val="solid"/>
-                      <a:round/>
-                      <a:headEnd type="none" w="med" len="med"/>
-                      <a:tailEnd type="none" w="med" len="med"/>
-                    </a:lnR>
-                    <a:lnB w="38100" cap="flat" cmpd="sng" algn="ctr">
-                      <a:solidFill>
-                        <a:schemeClr val="bg1"/>
-                      </a:solidFill>
-                      <a:prstDash val="solid"/>
-                      <a:round/>
-                      <a:headEnd type="none" w="med" len="med"/>
-                      <a:tailEnd type="none" w="med" len="med"/>
-                    </a:lnB>
-                    <a:solidFill>
-                      <a:srgbClr val="002B62"/>
-                    </a:solidFill>
-                  </a:tcPr>
-                </a:tc>
-                <a:tc>
-                  <a:txBody>
-                    <a:bodyPr/>
-                    <a:lstStyle/>
-                    <a:p>
-                      <a:r>
-                        <a:rPr kumimoji="1" lang="en-US" altLang="ja-JP" sz="1000" b="0" dirty="0" smtClean="0">
-                          <a:solidFill>
-                            <a:schemeClr val="tx1"/>
-                          </a:solidFill>
-                        </a:rPr>
-                        <a:t>Excel</a:t>
-                      </a:r>
-                      <a:endParaRPr kumimoji="1" lang="ja-JP" altLang="en-US" sz="1000" b="0" dirty="0">
-                        <a:solidFill>
-                          <a:schemeClr val="tx1"/>
-                        </a:solidFill>
-                      </a:endParaRPr>
-                    </a:p>
-                  </a:txBody>
-                  <a:tcPr anchor="ctr">
-                    <a:lnL w="38100" cap="flat" cmpd="sng" algn="ctr">
-                      <a:solidFill>
-                        <a:schemeClr val="bg1"/>
-                      </a:solidFill>
-                      <a:prstDash val="solid"/>
-                      <a:round/>
-                      <a:headEnd type="none" w="med" len="med"/>
-                      <a:tailEnd type="none" w="med" len="med"/>
-                    </a:lnL>
-                    <a:lnT w="12700" cap="flat" cmpd="sng" algn="ctr">
-                      <a:solidFill>
-                        <a:schemeClr val="bg1"/>
-                      </a:solidFill>
-                      <a:prstDash val="solid"/>
-                      <a:round/>
-                      <a:headEnd type="none" w="med" len="med"/>
-                      <a:tailEnd type="none" w="med" len="med"/>
-                    </a:lnT>
-                    <a:lnB w="12700" cap="flat" cmpd="sng" algn="ctr">
-                      <a:solidFill>
-                        <a:schemeClr val="bg1"/>
-                      </a:solidFill>
-                      <a:prstDash val="solid"/>
-                      <a:round/>
-                      <a:headEnd type="none" w="med" len="med"/>
-                      <a:tailEnd type="none" w="med" len="med"/>
-                    </a:lnB>
-                  </a:tcPr>
-                </a:tc>
-                <a:tc>
-                  <a:txBody>
-                    <a:bodyPr/>
-                    <a:lstStyle/>
-                    <a:p>
-                      <a:r>
-                        <a:rPr kumimoji="1" lang="en-US" altLang="ja-JP" sz="1000" b="0" dirty="0" smtClean="0">
-                          <a:solidFill>
-                            <a:schemeClr val="tx1"/>
-                          </a:solidFill>
-                        </a:rPr>
-                        <a:t>MS Office 2007 </a:t>
-                      </a:r>
-                      <a:r>
-                        <a:rPr kumimoji="1" lang="ja-JP" altLang="en-US" sz="1000" b="0" dirty="0" smtClean="0">
-                          <a:solidFill>
-                            <a:schemeClr val="tx1"/>
-                          </a:solidFill>
-                        </a:rPr>
-                        <a:t>以上</a:t>
-                      </a:r>
-                      <a:endParaRPr kumimoji="1" lang="ja-JP" altLang="en-US" sz="1000" b="0" dirty="0">
-                        <a:solidFill>
-                          <a:schemeClr val="tx1"/>
-                        </a:solidFill>
-                      </a:endParaRPr>
-                    </a:p>
-                  </a:txBody>
-                  <a:tcPr anchor="ctr">
-                    <a:lnT w="12700" cap="flat" cmpd="sng" algn="ctr">
-                      <a:solidFill>
-                        <a:schemeClr val="bg1"/>
-                      </a:solidFill>
-                      <a:prstDash val="solid"/>
-                      <a:round/>
-                      <a:headEnd type="none" w="med" len="med"/>
-                      <a:tailEnd type="none" w="med" len="med"/>
-                    </a:lnT>
-                    <a:lnB w="12700" cap="flat" cmpd="sng" algn="ctr">
-                      <a:solidFill>
-                        <a:schemeClr val="bg1"/>
-                      </a:solidFill>
-                      <a:prstDash val="solid"/>
-                      <a:round/>
-                      <a:headEnd type="none" w="med" len="med"/>
-                      <a:tailEnd type="none" w="med" len="med"/>
-                    </a:lnB>
-                  </a:tcPr>
-                </a:tc>
-                <a:extLst>
-                  <a:ext uri="{0D108BD9-81ED-4DB2-BD59-A6C34878D82A}">
-                    <a16:rowId xmlns="" xmlns:a16="http://schemas.microsoft.com/office/drawing/2014/main" val="10001"/>
-                  </a:ext>
-                </a:extLst>
-              </a:tr>
-              <a:tr h="370840">
-                <a:tc rowSpan="3">
-                  <a:txBody>
-                    <a:bodyPr/>
-                    <a:lstStyle/>
-                    <a:p>
-                      <a:pPr algn="l"/>
-                      <a:r>
-                        <a:rPr kumimoji="1" lang="ja-JP" altLang="en-US" sz="1000" b="1" dirty="0" smtClean="0">
-                          <a:solidFill>
-                            <a:schemeClr val="bg1"/>
-                          </a:solidFill>
-                        </a:rPr>
-                        <a:t>ブラウザ</a:t>
-                      </a:r>
-                      <a:endParaRPr kumimoji="1" lang="ja-JP" altLang="en-US" sz="1000" b="1" dirty="0">
-                        <a:solidFill>
-                          <a:schemeClr val="bg1"/>
-                        </a:solidFill>
-                      </a:endParaRPr>
-                    </a:p>
-                  </a:txBody>
-                  <a:tcPr anchor="ctr">
-                    <a:lnR w="38100" cap="flat" cmpd="sng" algn="ctr">
-                      <a:solidFill>
-                        <a:schemeClr val="bg1"/>
-                      </a:solidFill>
-                      <a:prstDash val="solid"/>
-                      <a:round/>
-                      <a:headEnd type="none" w="med" len="med"/>
-                      <a:tailEnd type="none" w="med" len="med"/>
-                    </a:lnR>
-                    <a:lnT w="38100" cap="flat" cmpd="sng" algn="ctr">
-                      <a:solidFill>
-                        <a:schemeClr val="bg1"/>
-                      </a:solidFill>
-                      <a:prstDash val="solid"/>
-                      <a:round/>
-                      <a:headEnd type="none" w="med" len="med"/>
-                      <a:tailEnd type="none" w="med" len="med"/>
-                    </a:lnT>
-                    <a:solidFill>
-                      <a:srgbClr val="002B62"/>
-                    </a:solidFill>
-                  </a:tcPr>
-                </a:tc>
-                <a:tc>
-                  <a:txBody>
-                    <a:bodyPr/>
-                    <a:lstStyle/>
-                    <a:p>
-                      <a:r>
-                        <a:rPr kumimoji="1" lang="en-US" altLang="ja-JP" sz="1000" b="0" dirty="0" smtClean="0">
-                          <a:solidFill>
-                            <a:schemeClr val="tx1"/>
-                          </a:solidFill>
-                        </a:rPr>
-                        <a:t>Google Chrome</a:t>
-                      </a:r>
-                      <a:endParaRPr kumimoji="1" lang="ja-JP" altLang="en-US" sz="1000" b="0" dirty="0">
-                        <a:solidFill>
-                          <a:schemeClr val="tx1"/>
-                        </a:solidFill>
-                      </a:endParaRPr>
-                    </a:p>
-                  </a:txBody>
-                  <a:tcPr anchor="ctr">
-                    <a:lnL w="38100" cap="flat" cmpd="sng" algn="ctr">
-                      <a:solidFill>
-                        <a:schemeClr val="bg1"/>
-                      </a:solidFill>
-                      <a:prstDash val="solid"/>
-                      <a:round/>
-                      <a:headEnd type="none" w="med" len="med"/>
-                      <a:tailEnd type="none" w="med" len="med"/>
-                    </a:lnL>
-                    <a:lnT w="12700" cap="flat" cmpd="sng" algn="ctr">
-                      <a:solidFill>
-                        <a:schemeClr val="bg1"/>
-                      </a:solidFill>
-                      <a:prstDash val="solid"/>
-                      <a:round/>
-                      <a:headEnd type="none" w="med" len="med"/>
-                      <a:tailEnd type="none" w="med" len="med"/>
-                    </a:lnT>
-                    <a:lnB w="12700" cap="flat" cmpd="sng" algn="ctr">
-                      <a:solidFill>
-                        <a:schemeClr val="bg1"/>
-                      </a:solidFill>
-                      <a:prstDash val="solid"/>
-                      <a:round/>
-                      <a:headEnd type="none" w="med" len="med"/>
-                      <a:tailEnd type="none" w="med" len="med"/>
-                    </a:lnB>
-                  </a:tcPr>
-                </a:tc>
-                <a:tc>
-                  <a:txBody>
-                    <a:bodyPr/>
-                    <a:lstStyle/>
-                    <a:p>
-                      <a:r>
-                        <a:rPr kumimoji="1" lang="en-US" altLang="ja-JP" sz="1000" b="0" dirty="0" smtClean="0">
-                          <a:solidFill>
-                            <a:schemeClr val="tx1"/>
-                          </a:solidFill>
-                        </a:rPr>
-                        <a:t>73</a:t>
-                      </a:r>
-                      <a:r>
-                        <a:rPr kumimoji="1" lang="ja-JP" altLang="en-US" sz="1000" b="0" dirty="0" smtClean="0">
-                          <a:solidFill>
-                            <a:schemeClr val="tx1"/>
-                          </a:solidFill>
-                        </a:rPr>
-                        <a:t>以上</a:t>
-                      </a:r>
-                      <a:endParaRPr kumimoji="1" lang="ja-JP" altLang="en-US" sz="1000" b="0" dirty="0">
-                        <a:solidFill>
-                          <a:schemeClr val="tx1"/>
-                        </a:solidFill>
-                      </a:endParaRPr>
-                    </a:p>
-                  </a:txBody>
-                  <a:tcPr anchor="ctr">
-                    <a:lnT w="12700" cap="flat" cmpd="sng" algn="ctr">
-                      <a:solidFill>
-                        <a:schemeClr val="bg1"/>
-                      </a:solidFill>
-                      <a:prstDash val="solid"/>
-                      <a:round/>
-                      <a:headEnd type="none" w="med" len="med"/>
-                      <a:tailEnd type="none" w="med" len="med"/>
-                    </a:lnT>
-                    <a:lnB w="12700" cap="flat" cmpd="sng" algn="ctr">
-                      <a:solidFill>
-                        <a:schemeClr val="bg1"/>
-                      </a:solidFill>
-                      <a:prstDash val="solid"/>
-                      <a:round/>
-                      <a:headEnd type="none" w="med" len="med"/>
-                      <a:tailEnd type="none" w="med" len="med"/>
-                    </a:lnB>
-                  </a:tcPr>
-                </a:tc>
-                <a:extLst>
-                  <a:ext uri="{0D108BD9-81ED-4DB2-BD59-A6C34878D82A}">
-                    <a16:rowId xmlns="" xmlns:a16="http://schemas.microsoft.com/office/drawing/2014/main" val="10002"/>
-                  </a:ext>
-                </a:extLst>
-              </a:tr>
-              <a:tr h="370840">
-                <a:tc vMerge="1">
-                  <a:txBody>
-                    <a:bodyPr/>
-                    <a:lstStyle/>
-                    <a:p>
-                      <a:pPr algn="l"/>
-                      <a:endParaRPr kumimoji="1" lang="ja-JP" altLang="en-US" sz="1000" dirty="0">
-                        <a:solidFill>
-                          <a:schemeClr val="bg1"/>
-                        </a:solidFill>
-                      </a:endParaRPr>
-                    </a:p>
-                  </a:txBody>
-                  <a:tcPr anchor="ctr">
-                    <a:lnR w="38100" cap="flat" cmpd="sng" algn="ctr">
-                      <a:solidFill>
-                        <a:schemeClr val="bg1"/>
-                      </a:solidFill>
-                      <a:prstDash val="solid"/>
-                      <a:round/>
-                      <a:headEnd type="none" w="med" len="med"/>
-                      <a:tailEnd type="none" w="med" len="med"/>
-                    </a:lnR>
-                    <a:solidFill>
-                      <a:srgbClr val="002060"/>
-                    </a:solidFill>
-                  </a:tcPr>
-                </a:tc>
-                <a:tc>
-                  <a:txBody>
-                    <a:bodyPr/>
-                    <a:lstStyle/>
-                    <a:p>
-                      <a:r>
-                        <a:rPr kumimoji="1" lang="en-US" altLang="ja-JP" sz="1000" b="0" dirty="0" smtClean="0">
-                          <a:solidFill>
-                            <a:schemeClr val="tx1"/>
-                          </a:solidFill>
-                        </a:rPr>
-                        <a:t>Firefox</a:t>
-                      </a:r>
-                      <a:endParaRPr kumimoji="1" lang="ja-JP" altLang="en-US" sz="1000" b="0" dirty="0">
-                        <a:solidFill>
-                          <a:schemeClr val="tx1"/>
-                        </a:solidFill>
-                      </a:endParaRPr>
-                    </a:p>
-                  </a:txBody>
-                  <a:tcPr anchor="ctr">
-                    <a:lnL w="38100" cap="flat" cmpd="sng" algn="ctr">
-                      <a:solidFill>
-                        <a:schemeClr val="bg1"/>
-                      </a:solidFill>
-                      <a:prstDash val="solid"/>
-                      <a:round/>
-                      <a:headEnd type="none" w="med" len="med"/>
-                      <a:tailEnd type="none" w="med" len="med"/>
-                    </a:lnL>
-                    <a:lnT w="12700" cap="flat" cmpd="sng" algn="ctr">
-                      <a:solidFill>
-                        <a:schemeClr val="bg1"/>
-                      </a:solidFill>
-                      <a:prstDash val="solid"/>
-                      <a:round/>
-                      <a:headEnd type="none" w="med" len="med"/>
-                      <a:tailEnd type="none" w="med" len="med"/>
-                    </a:lnT>
-                    <a:lnB w="12700" cap="flat" cmpd="sng" algn="ctr">
-                      <a:solidFill>
-                        <a:schemeClr val="bg1"/>
-                      </a:solidFill>
-                      <a:prstDash val="solid"/>
-                      <a:round/>
-                      <a:headEnd type="none" w="med" len="med"/>
-                      <a:tailEnd type="none" w="med" len="med"/>
-                    </a:lnB>
-                  </a:tcPr>
-                </a:tc>
-                <a:tc>
-                  <a:txBody>
-                    <a:bodyPr/>
-                    <a:lstStyle/>
-                    <a:p>
-                      <a:r>
-                        <a:rPr kumimoji="1" lang="en-US" altLang="ja-JP" sz="1000" b="0" dirty="0" smtClean="0">
-                          <a:solidFill>
-                            <a:schemeClr val="tx1"/>
-                          </a:solidFill>
-                        </a:rPr>
-                        <a:t>41</a:t>
-                      </a:r>
-                      <a:r>
-                        <a:rPr kumimoji="1" lang="ja-JP" altLang="en-US" sz="1000" b="0" dirty="0" smtClean="0">
-                          <a:solidFill>
-                            <a:schemeClr val="tx1"/>
-                          </a:solidFill>
-                        </a:rPr>
-                        <a:t>以上</a:t>
-                      </a:r>
-                      <a:endParaRPr kumimoji="1" lang="ja-JP" altLang="en-US" sz="1000" b="0" dirty="0">
-                        <a:solidFill>
-                          <a:schemeClr val="tx1"/>
-                        </a:solidFill>
-                      </a:endParaRPr>
-                    </a:p>
-                  </a:txBody>
-                  <a:tcPr anchor="ctr">
-                    <a:lnT w="12700" cap="flat" cmpd="sng" algn="ctr">
-                      <a:solidFill>
-                        <a:schemeClr val="bg1"/>
-                      </a:solidFill>
-                      <a:prstDash val="solid"/>
-                      <a:round/>
-                      <a:headEnd type="none" w="med" len="med"/>
-                      <a:tailEnd type="none" w="med" len="med"/>
-                    </a:lnT>
-                    <a:lnB w="12700" cap="flat" cmpd="sng" algn="ctr">
-                      <a:solidFill>
-                        <a:schemeClr val="bg1"/>
-                      </a:solidFill>
-                      <a:prstDash val="solid"/>
-                      <a:round/>
-                      <a:headEnd type="none" w="med" len="med"/>
-                      <a:tailEnd type="none" w="med" len="med"/>
-                    </a:lnB>
-                  </a:tcPr>
-                </a:tc>
-                <a:extLst>
-                  <a:ext uri="{0D108BD9-81ED-4DB2-BD59-A6C34878D82A}">
-                    <a16:rowId xmlns="" xmlns:a16="http://schemas.microsoft.com/office/drawing/2014/main" val="10003"/>
-                  </a:ext>
-                </a:extLst>
-              </a:tr>
-              <a:tr h="370840">
-                <a:tc vMerge="1">
-                  <a:txBody>
-                    <a:bodyPr/>
-                    <a:lstStyle/>
-                    <a:p>
-                      <a:pPr algn="l"/>
-                      <a:endParaRPr kumimoji="1" lang="ja-JP" altLang="en-US" sz="1000" dirty="0">
-                        <a:solidFill>
-                          <a:schemeClr val="bg1"/>
-                        </a:solidFill>
-                      </a:endParaRPr>
-                    </a:p>
-                  </a:txBody>
-                  <a:tcPr anchor="ctr">
-                    <a:lnR w="38100" cap="flat" cmpd="sng" algn="ctr">
-                      <a:solidFill>
-                        <a:schemeClr val="bg1"/>
-                      </a:solidFill>
-                      <a:prstDash val="solid"/>
-                      <a:round/>
-                      <a:headEnd type="none" w="med" len="med"/>
-                      <a:tailEnd type="none" w="med" len="med"/>
-                    </a:lnR>
-                    <a:solidFill>
-                      <a:srgbClr val="002060"/>
-                    </a:solidFill>
-                  </a:tcPr>
-                </a:tc>
-                <a:tc>
-                  <a:txBody>
-                    <a:bodyPr/>
-                    <a:lstStyle/>
-                    <a:p>
-                      <a:r>
-                        <a:rPr kumimoji="1" lang="en-US" altLang="ja-JP" sz="1000" b="0" dirty="0" smtClean="0">
-                          <a:solidFill>
-                            <a:schemeClr val="tx1"/>
-                          </a:solidFill>
-                        </a:rPr>
-                        <a:t>Microsoft</a:t>
-                      </a:r>
-                      <a:r>
-                        <a:rPr kumimoji="1" lang="ja-JP" altLang="en-US" sz="1000" b="0" dirty="0" smtClean="0">
-                          <a:solidFill>
-                            <a:schemeClr val="tx1"/>
-                          </a:solidFill>
-                        </a:rPr>
-                        <a:t>　</a:t>
-                      </a:r>
-                      <a:r>
-                        <a:rPr kumimoji="1" lang="en-US" altLang="ja-JP" sz="1000" b="0" dirty="0" smtClean="0">
-                          <a:solidFill>
-                            <a:schemeClr val="tx1"/>
-                          </a:solidFill>
-                        </a:rPr>
-                        <a:t>Edge </a:t>
-                      </a:r>
-                      <a:endParaRPr kumimoji="1" lang="ja-JP" altLang="en-US" sz="1000" b="0" dirty="0">
-                        <a:solidFill>
-                          <a:schemeClr val="tx1"/>
-                        </a:solidFill>
-                      </a:endParaRPr>
-                    </a:p>
-                  </a:txBody>
-                  <a:tcPr anchor="ctr">
-                    <a:lnL w="38100" cap="flat" cmpd="sng" algn="ctr">
-                      <a:solidFill>
-                        <a:schemeClr val="bg1"/>
-                      </a:solidFill>
-                      <a:prstDash val="solid"/>
-                      <a:round/>
-                      <a:headEnd type="none" w="med" len="med"/>
-                      <a:tailEnd type="none" w="med" len="med"/>
-                    </a:lnL>
-                    <a:lnT w="12700" cap="flat" cmpd="sng" algn="ctr">
-                      <a:solidFill>
-                        <a:schemeClr val="bg1"/>
-                      </a:solidFill>
-                      <a:prstDash val="solid"/>
-                      <a:round/>
-                      <a:headEnd type="none" w="med" len="med"/>
-                      <a:tailEnd type="none" w="med" len="med"/>
-                    </a:lnT>
-                    <a:lnB w="12700" cap="flat" cmpd="sng" algn="ctr">
-                      <a:solidFill>
-                        <a:schemeClr val="bg1"/>
-                      </a:solidFill>
-                      <a:prstDash val="solid"/>
-                      <a:round/>
-                      <a:headEnd type="none" w="med" len="med"/>
-                      <a:tailEnd type="none" w="med" len="med"/>
-                    </a:lnB>
-                  </a:tcPr>
-                </a:tc>
-                <a:tc>
-                  <a:txBody>
-                    <a:bodyPr/>
-                    <a:lstStyle/>
-                    <a:p>
-                      <a:r>
-                        <a:rPr kumimoji="1" lang="en-US" altLang="ja-JP" sz="1000" b="0" dirty="0" smtClean="0">
-                          <a:solidFill>
-                            <a:schemeClr val="tx1"/>
-                          </a:solidFill>
-                        </a:rPr>
-                        <a:t>20</a:t>
-                      </a:r>
-                      <a:r>
-                        <a:rPr kumimoji="1" lang="ja-JP" altLang="en-US" sz="1000" b="0" dirty="0" smtClean="0">
-                          <a:solidFill>
-                            <a:schemeClr val="tx1"/>
-                          </a:solidFill>
-                        </a:rPr>
-                        <a:t>以上</a:t>
-                      </a:r>
-                      <a:endParaRPr kumimoji="1" lang="ja-JP" altLang="en-US" sz="1000" b="0" dirty="0">
-                        <a:solidFill>
-                          <a:schemeClr val="tx1"/>
-                        </a:solidFill>
-                      </a:endParaRPr>
-                    </a:p>
-                  </a:txBody>
-                  <a:tcPr anchor="ctr">
-                    <a:lnT w="12700" cap="flat" cmpd="sng" algn="ctr">
-                      <a:solidFill>
-                        <a:schemeClr val="bg1"/>
-                      </a:solidFill>
-                      <a:prstDash val="solid"/>
-                      <a:round/>
-                      <a:headEnd type="none" w="med" len="med"/>
-                      <a:tailEnd type="none" w="med" len="med"/>
-                    </a:lnT>
-                    <a:lnB w="12700" cap="flat" cmpd="sng" algn="ctr">
-                      <a:solidFill>
-                        <a:schemeClr val="bg1"/>
-                      </a:solidFill>
-                      <a:prstDash val="solid"/>
-                      <a:round/>
-                      <a:headEnd type="none" w="med" len="med"/>
-                      <a:tailEnd type="none" w="med" len="med"/>
-                    </a:lnB>
-                  </a:tcPr>
-                </a:tc>
-                <a:extLst>
-                  <a:ext uri="{0D108BD9-81ED-4DB2-BD59-A6C34878D82A}">
-                    <a16:rowId xmlns="" xmlns:a16="http://schemas.microsoft.com/office/drawing/2014/main" val="10004"/>
-                  </a:ext>
-                </a:extLst>
-              </a:tr>
-            </a:tbl>
-          </a:graphicData>
-        </a:graphic>
-      </p:graphicFrame>
     </p:spTree>
     <p:extLst>
       <p:ext uri="{BB962C8B-B14F-4D97-AF65-F5344CB8AC3E}">

--- a/asset/Learn_ja/ITA-online-install_ja.pptx
+++ b/asset/Learn_ja/ITA-online-install_ja.pptx
@@ -332,7 +332,7 @@
               <a:rPr kumimoji="1" lang="ja-JP" altLang="en-US" smtClean="0">
                 <a:ea typeface="メイリオ" panose="020B0604030504040204" pitchFamily="50" charset="-128"/>
               </a:rPr>
-              <a:t>2020/1/24</a:t>
+              <a:t>2020/1/29</a:t>
             </a:fld>
             <a:endParaRPr kumimoji="1" lang="ja-JP" altLang="en-US" dirty="0">
               <a:ea typeface="メイリオ" panose="020B0604030504040204" pitchFamily="50" charset="-128"/>
@@ -478,7 +478,7 @@
             <a:fld id="{4B26993D-C081-44EB-B0F5-A9F467792B62}" type="datetimeFigureOut">
               <a:rPr lang="ja-JP" altLang="en-US" smtClean="0"/>
               <a:pPr/>
-              <a:t>2020/1/24</a:t>
+              <a:t>2020/1/29</a:t>
             </a:fld>
             <a:endParaRPr lang="ja-JP" altLang="en-US" dirty="0"/>
           </a:p>
@@ -1101,7 +1101,7 @@
           <a:p>
             <a:fld id="{56F9016B-CCA6-43BE-8BEE-59565A35F4F7}" type="datetimeFigureOut">
               <a:rPr kumimoji="1" lang="ja-JP" altLang="en-US" smtClean="0"/>
-              <a:t>2020/1/24</a:t>
+              <a:t>2020/1/29</a:t>
             </a:fld>
             <a:endParaRPr kumimoji="1" lang="ja-JP" altLang="en-US"/>
           </a:p>
@@ -1303,7 +1303,7 @@
           <a:p>
             <a:fld id="{56F9016B-CCA6-43BE-8BEE-59565A35F4F7}" type="datetimeFigureOut">
               <a:rPr kumimoji="1" lang="ja-JP" altLang="en-US" smtClean="0"/>
-              <a:t>2020/1/24</a:t>
+              <a:t>2020/1/29</a:t>
             </a:fld>
             <a:endParaRPr kumimoji="1" lang="ja-JP" altLang="en-US"/>
           </a:p>
@@ -1549,7 +1549,7 @@
           <a:p>
             <a:fld id="{56F9016B-CCA6-43BE-8BEE-59565A35F4F7}" type="datetimeFigureOut">
               <a:rPr kumimoji="1" lang="ja-JP" altLang="en-US" smtClean="0"/>
-              <a:t>2020/1/24</a:t>
+              <a:t>2020/1/29</a:t>
             </a:fld>
             <a:endParaRPr kumimoji="1" lang="ja-JP" altLang="en-US"/>
           </a:p>
@@ -1845,7 +1845,7 @@
           <a:p>
             <a:fld id="{56F9016B-CCA6-43BE-8BEE-59565A35F4F7}" type="datetimeFigureOut">
               <a:rPr kumimoji="1" lang="ja-JP" altLang="en-US" smtClean="0"/>
-              <a:t>2020/1/24</a:t>
+              <a:t>2020/1/29</a:t>
             </a:fld>
             <a:endParaRPr kumimoji="1" lang="ja-JP" altLang="en-US"/>
           </a:p>
@@ -2276,7 +2276,7 @@
           <a:p>
             <a:fld id="{56F9016B-CCA6-43BE-8BEE-59565A35F4F7}" type="datetimeFigureOut">
               <a:rPr kumimoji="1" lang="ja-JP" altLang="en-US" smtClean="0"/>
-              <a:t>2020/1/24</a:t>
+              <a:t>2020/1/29</a:t>
             </a:fld>
             <a:endParaRPr kumimoji="1" lang="ja-JP" altLang="en-US"/>
           </a:p>
@@ -2394,7 +2394,7 @@
           <a:p>
             <a:fld id="{56F9016B-CCA6-43BE-8BEE-59565A35F4F7}" type="datetimeFigureOut">
               <a:rPr kumimoji="1" lang="ja-JP" altLang="en-US" smtClean="0"/>
-              <a:t>2020/1/24</a:t>
+              <a:t>2020/1/29</a:t>
             </a:fld>
             <a:endParaRPr kumimoji="1" lang="ja-JP" altLang="en-US"/>
           </a:p>
@@ -2489,7 +2489,7 @@
           <a:p>
             <a:fld id="{56F9016B-CCA6-43BE-8BEE-59565A35F4F7}" type="datetimeFigureOut">
               <a:rPr kumimoji="1" lang="ja-JP" altLang="en-US" smtClean="0"/>
-              <a:t>2020/1/24</a:t>
+              <a:t>2020/1/29</a:t>
             </a:fld>
             <a:endParaRPr kumimoji="1" lang="ja-JP" altLang="en-US"/>
           </a:p>
@@ -2798,7 +2798,7 @@
           <a:p>
             <a:fld id="{56F9016B-CCA6-43BE-8BEE-59565A35F4F7}" type="datetimeFigureOut">
               <a:rPr kumimoji="1" lang="ja-JP" altLang="en-US" smtClean="0"/>
-              <a:t>2020/1/24</a:t>
+              <a:t>2020/1/29</a:t>
             </a:fld>
             <a:endParaRPr kumimoji="1" lang="ja-JP" altLang="en-US"/>
           </a:p>
@@ -3051,7 +3051,7 @@
           <a:p>
             <a:fld id="{56F9016B-CCA6-43BE-8BEE-59565A35F4F7}" type="datetimeFigureOut">
               <a:rPr kumimoji="1" lang="ja-JP" altLang="en-US" smtClean="0"/>
-              <a:t>2020/1/24</a:t>
+              <a:t>2020/1/29</a:t>
             </a:fld>
             <a:endParaRPr kumimoji="1" lang="ja-JP" altLang="en-US"/>
           </a:p>
@@ -3328,7 +3328,7 @@
           <a:p>
             <a:fld id="{56F9016B-CCA6-43BE-8BEE-59565A35F4F7}" type="datetimeFigureOut">
               <a:rPr kumimoji="1" lang="ja-JP" altLang="en-US" smtClean="0"/>
-              <a:t>2020/1/24</a:t>
+              <a:t>2020/1/29</a:t>
             </a:fld>
             <a:endParaRPr kumimoji="1" lang="ja-JP" altLang="en-US"/>
           </a:p>
@@ -3540,7 +3540,7 @@
           <a:p>
             <a:fld id="{56F9016B-CCA6-43BE-8BEE-59565A35F4F7}" type="datetimeFigureOut">
               <a:rPr kumimoji="1" lang="ja-JP" altLang="en-US" smtClean="0"/>
-              <a:t>2020/1/24</a:t>
+              <a:t>2020/1/29</a:t>
             </a:fld>
             <a:endParaRPr kumimoji="1" lang="ja-JP" altLang="en-US"/>
           </a:p>
@@ -6599,7 +6599,7 @@
           <a:p>
             <a:fld id="{56F9016B-CCA6-43BE-8BEE-59565A35F4F7}" type="datetimeFigureOut">
               <a:rPr kumimoji="1" lang="ja-JP" altLang="en-US" smtClean="0"/>
-              <a:t>2020/1/24</a:t>
+              <a:t>2020/1/29</a:t>
             </a:fld>
             <a:endParaRPr kumimoji="1" lang="ja-JP" altLang="en-US"/>
           </a:p>
@@ -14678,14 +14678,14 @@
           <p:nvPr>
             <p:extLst>
               <p:ext uri="{D42A27DB-BD31-4B8C-83A1-F6EECF244321}">
-                <p14:modId xmlns:p14="http://schemas.microsoft.com/office/powerpoint/2010/main" val="826785047"/>
+                <p14:modId xmlns:p14="http://schemas.microsoft.com/office/powerpoint/2010/main" val="2566117594"/>
               </p:ext>
             </p:extLst>
           </p:nvPr>
         </p:nvGraphicFramePr>
         <p:xfrm>
           <a:off x="539440" y="2060814"/>
-          <a:ext cx="8065121" cy="4221728"/>
+          <a:ext cx="8065121" cy="4450328"/>
         </p:xfrm>
         <a:graphic>
           <a:graphicData uri="http://schemas.openxmlformats.org/drawingml/2006/table">
@@ -17061,6 +17061,160 @@
                 <a:extLst>
                   <a:ext uri="{0D108BD9-81ED-4DB2-BD59-A6C34878D82A}">
                     <a16:rowId xmlns:a16="http://schemas.microsoft.com/office/drawing/2014/main" val="10013"/>
+                  </a:ext>
+                </a:extLst>
+              </a:tr>
+              <a:tr h="222140">
+                <a:tc>
+                  <a:txBody>
+                    <a:bodyPr/>
+                    <a:lstStyle/>
+                    <a:p>
+                      <a:pPr algn="just">
+                        <a:lnSpc>
+                          <a:spcPct val="150000"/>
+                        </a:lnSpc>
+                        <a:spcAft>
+                          <a:spcPts val="0"/>
+                        </a:spcAft>
+                      </a:pPr>
+                      <a:r>
+                        <a:rPr lang="en-US" altLang="ja-JP" sz="1000" kern="100" dirty="0" err="1" smtClean="0">
+                          <a:effectLst/>
+                        </a:rPr>
+                        <a:t>cobbler_driver</a:t>
+                      </a:r>
+                      <a:endParaRPr lang="ja-JP" sz="1000" kern="100" dirty="0">
+                        <a:effectLst/>
+                        <a:latin typeface="Century" panose="02040604050505020304" pitchFamily="18" charset="0"/>
+                        <a:ea typeface="ＭＳ 明朝" panose="02020609040205080304" pitchFamily="17" charset="-128"/>
+                        <a:cs typeface="Times New Roman" panose="02020603050405020304" pitchFamily="18" charset="0"/>
+                      </a:endParaRPr>
+                    </a:p>
+                  </a:txBody>
+                  <a:tcPr marL="68495" marR="68495" marT="0" marB="0" anchor="ctr">
+                    <a:solidFill>
+                      <a:srgbClr val="002B62"/>
+                    </a:solidFill>
+                  </a:tcPr>
+                </a:tc>
+                <a:tc>
+                  <a:txBody>
+                    <a:bodyPr/>
+                    <a:lstStyle/>
+                    <a:p>
+                      <a:pPr algn="ctr">
+                        <a:lnSpc>
+                          <a:spcPct val="150000"/>
+                        </a:lnSpc>
+                        <a:spcAft>
+                          <a:spcPts val="0"/>
+                        </a:spcAft>
+                      </a:pPr>
+                      <a:r>
+                        <a:rPr lang="en-US" altLang="ja-JP" sz="1000" kern="100" dirty="0" smtClean="0">
+                          <a:effectLst/>
+                        </a:rPr>
+                        <a:t>○</a:t>
+                      </a:r>
+                      <a:endParaRPr lang="ja-JP" altLang="ja-JP" sz="1000" kern="100" dirty="0">
+                        <a:effectLst/>
+                        <a:latin typeface="Century" panose="02040604050505020304" pitchFamily="18" charset="0"/>
+                        <a:ea typeface="ＭＳ 明朝" panose="02020609040205080304" pitchFamily="17" charset="-128"/>
+                        <a:cs typeface="Times New Roman" panose="02020603050405020304" pitchFamily="18" charset="0"/>
+                      </a:endParaRPr>
+                    </a:p>
+                  </a:txBody>
+                  <a:tcPr marL="68495" marR="68495" marT="0" marB="0" anchor="ctr">
+                    <a:solidFill>
+                      <a:srgbClr val="CBCDD3"/>
+                    </a:solidFill>
+                  </a:tcPr>
+                </a:tc>
+                <a:tc>
+                  <a:txBody>
+                    <a:bodyPr/>
+                    <a:lstStyle/>
+                    <a:p>
+                      <a:pPr algn="ctr">
+                        <a:lnSpc>
+                          <a:spcPct val="150000"/>
+                        </a:lnSpc>
+                        <a:spcAft>
+                          <a:spcPts val="0"/>
+                        </a:spcAft>
+                      </a:pPr>
+                      <a:r>
+                        <a:rPr lang="en-US" altLang="ja-JP" sz="1000" kern="100" dirty="0" smtClean="0">
+                          <a:effectLst/>
+                        </a:rPr>
+                        <a:t>no</a:t>
+                      </a:r>
+                      <a:endParaRPr lang="ja-JP" sz="1000" kern="100" dirty="0">
+                        <a:effectLst/>
+                        <a:latin typeface="Century" panose="02040604050505020304" pitchFamily="18" charset="0"/>
+                        <a:ea typeface="ＭＳ 明朝" panose="02020609040205080304" pitchFamily="17" charset="-128"/>
+                        <a:cs typeface="Times New Roman" panose="02020603050405020304" pitchFamily="18" charset="0"/>
+                      </a:endParaRPr>
+                    </a:p>
+                  </a:txBody>
+                  <a:tcPr marL="68495" marR="68495" marT="0" marB="0" anchor="ctr">
+                    <a:solidFill>
+                      <a:srgbClr val="CBCDD3"/>
+                    </a:solidFill>
+                  </a:tcPr>
+                </a:tc>
+                <a:tc>
+                  <a:txBody>
+                    <a:bodyPr/>
+                    <a:lstStyle/>
+                    <a:p>
+                      <a:pPr marL="0" marR="0" lvl="0" indent="0" algn="just" defTabSz="914400" rtl="0" eaLnBrk="1" fontAlgn="auto" latinLnBrk="0" hangingPunct="1">
+                        <a:lnSpc>
+                          <a:spcPct val="150000"/>
+                        </a:lnSpc>
+                        <a:spcBef>
+                          <a:spcPts val="0"/>
+                        </a:spcBef>
+                        <a:spcAft>
+                          <a:spcPts val="0"/>
+                        </a:spcAft>
+                        <a:buClrTx/>
+                        <a:buSzTx/>
+                        <a:buFontTx/>
+                        <a:buNone/>
+                        <a:tabLst/>
+                        <a:defRPr/>
+                      </a:pPr>
+                      <a:r>
+                        <a:rPr lang="en-US" altLang="ja-JP" sz="1000" kern="100" dirty="0" smtClean="0">
+                          <a:effectLst/>
+                        </a:rPr>
+                        <a:t>Cobbler driver</a:t>
+                      </a:r>
+                      <a:r>
+                        <a:rPr lang="ja-JP" altLang="ja-JP" sz="1000" kern="100" dirty="0" smtClean="0">
+                          <a:effectLst/>
+                        </a:rPr>
+                        <a:t>のインストール有無指定</a:t>
+                      </a:r>
+                      <a:endParaRPr lang="ja-JP" altLang="ja-JP" sz="1000" kern="100" dirty="0" smtClean="0">
+                        <a:effectLst/>
+                        <a:latin typeface="Century" panose="02040604050505020304" pitchFamily="18" charset="0"/>
+                        <a:ea typeface="ＭＳ 明朝" panose="02020609040205080304" pitchFamily="17" charset="-128"/>
+                        <a:cs typeface="Times New Roman" panose="02020603050405020304" pitchFamily="18" charset="0"/>
+                      </a:endParaRPr>
+                    </a:p>
+                  </a:txBody>
+                  <a:tcPr marL="68495" marR="68495" marT="0" marB="0" anchor="ctr">
+                    <a:solidFill>
+                      <a:srgbClr val="CBCDD3"/>
+                    </a:solidFill>
+                  </a:tcPr>
+                </a:tc>
+                <a:extLst>
+                  <a:ext uri="{0D108BD9-81ED-4DB2-BD59-A6C34878D82A}">
+                    <a16:rowId xmlns:a16="http://schemas.microsoft.com/office/drawing/2014/main" val="513589414"/>
                   </a:ext>
                 </a:extLst>
               </a:tr>

--- a/asset/Learn_ja/ITA-online-install_ja.pptx
+++ b/asset/Learn_ja/ITA-online-install_ja.pptx
@@ -332,7 +332,7 @@
               <a:rPr kumimoji="1" lang="ja-JP" altLang="en-US" smtClean="0">
                 <a:ea typeface="メイリオ" panose="020B0604030504040204" pitchFamily="50" charset="-128"/>
               </a:rPr>
-              <a:t>2020/1/29</a:t>
+              <a:t>2020/2/10</a:t>
             </a:fld>
             <a:endParaRPr kumimoji="1" lang="ja-JP" altLang="en-US" dirty="0">
               <a:ea typeface="メイリオ" panose="020B0604030504040204" pitchFamily="50" charset="-128"/>
@@ -478,7 +478,7 @@
             <a:fld id="{4B26993D-C081-44EB-B0F5-A9F467792B62}" type="datetimeFigureOut">
               <a:rPr lang="ja-JP" altLang="en-US" smtClean="0"/>
               <a:pPr/>
-              <a:t>2020/1/29</a:t>
+              <a:t>2020/2/10</a:t>
             </a:fld>
             <a:endParaRPr lang="ja-JP" altLang="en-US" dirty="0"/>
           </a:p>
@@ -1101,7 +1101,7 @@
           <a:p>
             <a:fld id="{56F9016B-CCA6-43BE-8BEE-59565A35F4F7}" type="datetimeFigureOut">
               <a:rPr kumimoji="1" lang="ja-JP" altLang="en-US" smtClean="0"/>
-              <a:t>2020/1/29</a:t>
+              <a:t>2020/2/10</a:t>
             </a:fld>
             <a:endParaRPr kumimoji="1" lang="ja-JP" altLang="en-US"/>
           </a:p>
@@ -1303,7 +1303,7 @@
           <a:p>
             <a:fld id="{56F9016B-CCA6-43BE-8BEE-59565A35F4F7}" type="datetimeFigureOut">
               <a:rPr kumimoji="1" lang="ja-JP" altLang="en-US" smtClean="0"/>
-              <a:t>2020/1/29</a:t>
+              <a:t>2020/2/10</a:t>
             </a:fld>
             <a:endParaRPr kumimoji="1" lang="ja-JP" altLang="en-US"/>
           </a:p>
@@ -1549,7 +1549,7 @@
           <a:p>
             <a:fld id="{56F9016B-CCA6-43BE-8BEE-59565A35F4F7}" type="datetimeFigureOut">
               <a:rPr kumimoji="1" lang="ja-JP" altLang="en-US" smtClean="0"/>
-              <a:t>2020/1/29</a:t>
+              <a:t>2020/2/10</a:t>
             </a:fld>
             <a:endParaRPr kumimoji="1" lang="ja-JP" altLang="en-US"/>
           </a:p>
@@ -1845,7 +1845,7 @@
           <a:p>
             <a:fld id="{56F9016B-CCA6-43BE-8BEE-59565A35F4F7}" type="datetimeFigureOut">
               <a:rPr kumimoji="1" lang="ja-JP" altLang="en-US" smtClean="0"/>
-              <a:t>2020/1/29</a:t>
+              <a:t>2020/2/10</a:t>
             </a:fld>
             <a:endParaRPr kumimoji="1" lang="ja-JP" altLang="en-US"/>
           </a:p>
@@ -2276,7 +2276,7 @@
           <a:p>
             <a:fld id="{56F9016B-CCA6-43BE-8BEE-59565A35F4F7}" type="datetimeFigureOut">
               <a:rPr kumimoji="1" lang="ja-JP" altLang="en-US" smtClean="0"/>
-              <a:t>2020/1/29</a:t>
+              <a:t>2020/2/10</a:t>
             </a:fld>
             <a:endParaRPr kumimoji="1" lang="ja-JP" altLang="en-US"/>
           </a:p>
@@ -2394,7 +2394,7 @@
           <a:p>
             <a:fld id="{56F9016B-CCA6-43BE-8BEE-59565A35F4F7}" type="datetimeFigureOut">
               <a:rPr kumimoji="1" lang="ja-JP" altLang="en-US" smtClean="0"/>
-              <a:t>2020/1/29</a:t>
+              <a:t>2020/2/10</a:t>
             </a:fld>
             <a:endParaRPr kumimoji="1" lang="ja-JP" altLang="en-US"/>
           </a:p>
@@ -2489,7 +2489,7 @@
           <a:p>
             <a:fld id="{56F9016B-CCA6-43BE-8BEE-59565A35F4F7}" type="datetimeFigureOut">
               <a:rPr kumimoji="1" lang="ja-JP" altLang="en-US" smtClean="0"/>
-              <a:t>2020/1/29</a:t>
+              <a:t>2020/2/10</a:t>
             </a:fld>
             <a:endParaRPr kumimoji="1" lang="ja-JP" altLang="en-US"/>
           </a:p>
@@ -2798,7 +2798,7 @@
           <a:p>
             <a:fld id="{56F9016B-CCA6-43BE-8BEE-59565A35F4F7}" type="datetimeFigureOut">
               <a:rPr kumimoji="1" lang="ja-JP" altLang="en-US" smtClean="0"/>
-              <a:t>2020/1/29</a:t>
+              <a:t>2020/2/10</a:t>
             </a:fld>
             <a:endParaRPr kumimoji="1" lang="ja-JP" altLang="en-US"/>
           </a:p>
@@ -3051,7 +3051,7 @@
           <a:p>
             <a:fld id="{56F9016B-CCA6-43BE-8BEE-59565A35F4F7}" type="datetimeFigureOut">
               <a:rPr kumimoji="1" lang="ja-JP" altLang="en-US" smtClean="0"/>
-              <a:t>2020/1/29</a:t>
+              <a:t>2020/2/10</a:t>
             </a:fld>
             <a:endParaRPr kumimoji="1" lang="ja-JP" altLang="en-US"/>
           </a:p>
@@ -3328,7 +3328,7 @@
           <a:p>
             <a:fld id="{56F9016B-CCA6-43BE-8BEE-59565A35F4F7}" type="datetimeFigureOut">
               <a:rPr kumimoji="1" lang="ja-JP" altLang="en-US" smtClean="0"/>
-              <a:t>2020/1/29</a:t>
+              <a:t>2020/2/10</a:t>
             </a:fld>
             <a:endParaRPr kumimoji="1" lang="ja-JP" altLang="en-US"/>
           </a:p>
@@ -3540,7 +3540,7 @@
           <a:p>
             <a:fld id="{56F9016B-CCA6-43BE-8BEE-59565A35F4F7}" type="datetimeFigureOut">
               <a:rPr kumimoji="1" lang="ja-JP" altLang="en-US" smtClean="0"/>
-              <a:t>2020/1/29</a:t>
+              <a:t>2020/2/10</a:t>
             </a:fld>
             <a:endParaRPr kumimoji="1" lang="ja-JP" altLang="en-US"/>
           </a:p>
@@ -6599,7 +6599,7 @@
           <a:p>
             <a:fld id="{56F9016B-CCA6-43BE-8BEE-59565A35F4F7}" type="datetimeFigureOut">
               <a:rPr kumimoji="1" lang="ja-JP" altLang="en-US" smtClean="0"/>
-              <a:t>2020/1/29</a:t>
+              <a:t>2020/2/10</a:t>
             </a:fld>
             <a:endParaRPr kumimoji="1" lang="ja-JP" altLang="en-US"/>
           </a:p>
@@ -11428,14 +11428,14 @@
           <p:nvPr>
             <p:extLst>
               <p:ext uri="{D42A27DB-BD31-4B8C-83A1-F6EECF244321}">
-                <p14:modId xmlns:p14="http://schemas.microsoft.com/office/powerpoint/2010/main" val="3283779187"/>
+                <p14:modId xmlns:p14="http://schemas.microsoft.com/office/powerpoint/2010/main" val="2918847811"/>
               </p:ext>
             </p:extLst>
           </p:nvPr>
         </p:nvGraphicFramePr>
         <p:xfrm>
           <a:off x="179512" y="1844781"/>
-          <a:ext cx="8784000" cy="1929101"/>
+          <a:ext cx="8784000" cy="2293384"/>
         </p:xfrm>
         <a:graphic>
           <a:graphicData uri="http://schemas.openxmlformats.org/drawingml/2006/table">
@@ -11784,14 +11784,116 @@
                         <a:rPr lang="en-US" sz="900" kern="100" dirty="0" smtClean="0">
                           <a:effectLst/>
                         </a:rPr>
-                        <a:t>CentOS7","CentOS8","RHEL7","RHEL8")</a:t>
-                      </a:r>
-                      <a:endParaRPr lang="ja-JP" sz="900" kern="100" dirty="0">
+                        <a:t>CentOS7","CentOS8","RHEL7","RHEL8“,</a:t>
+                      </a:r>
+                      <a:r>
+                        <a:rPr lang="en-US" altLang="ja-JP" sz="900" kern="100" dirty="0" smtClean="0">
+                          <a:effectLst/>
+                        </a:rPr>
+                        <a:t> "RHEL7_AWS“, "RHEL8_AWS"</a:t>
+                      </a:r>
+                      <a:r>
+                        <a:rPr lang="en-US" sz="900" kern="100" dirty="0" smtClean="0">
+                          <a:effectLst/>
+                        </a:rPr>
+                        <a:t>)</a:t>
+                      </a:r>
+                    </a:p>
+                    <a:p>
+                      <a:pPr marL="0" marR="0" lvl="0" indent="0" algn="just" defTabSz="914400" rtl="0" eaLnBrk="1" fontAlgn="auto" latinLnBrk="0" hangingPunct="1">
+                        <a:lnSpc>
+                          <a:spcPct val="100000"/>
+                        </a:lnSpc>
+                        <a:spcBef>
+                          <a:spcPts val="0"/>
+                        </a:spcBef>
+                        <a:spcAft>
+                          <a:spcPts val="0"/>
+                        </a:spcAft>
+                        <a:buClrTx/>
+                        <a:buSzTx/>
+                        <a:buFontTx/>
+                        <a:buNone/>
+                        <a:tabLst/>
+                        <a:defRPr/>
+                      </a:pPr>
+                      <a:endParaRPr lang="en-US" altLang="ja-JP" sz="900" kern="100" dirty="0" smtClean="0">
                         <a:effectLst/>
-                        <a:latin typeface="Century" panose="02040604050505020304" pitchFamily="18" charset="0"/>
-                        <a:ea typeface="ＭＳ 明朝" panose="02020609040205080304" pitchFamily="17" charset="-128"/>
-                        <a:cs typeface="Times New Roman" panose="02020603050405020304" pitchFamily="18" charset="0"/>
                       </a:endParaRPr>
+                    </a:p>
+                    <a:p>
+                      <a:pPr marL="0" marR="0" lvl="0" indent="0" algn="just" defTabSz="914400" rtl="0" eaLnBrk="1" fontAlgn="auto" latinLnBrk="0" hangingPunct="1">
+                        <a:lnSpc>
+                          <a:spcPct val="100000"/>
+                        </a:lnSpc>
+                        <a:spcBef>
+                          <a:spcPts val="0"/>
+                        </a:spcBef>
+                        <a:spcAft>
+                          <a:spcPts val="0"/>
+                        </a:spcAft>
+                        <a:buClrTx/>
+                        <a:buSzTx/>
+                        <a:buFontTx/>
+                        <a:buNone/>
+                        <a:tabLst/>
+                        <a:defRPr/>
+                      </a:pPr>
+                      <a:r>
+                        <a:rPr lang="en-US" altLang="ja-JP" sz="900" kern="100" dirty="0" smtClean="0">
+                          <a:effectLst/>
+                        </a:rPr>
+                        <a:t>*)RHEL7_AWS : AWS</a:t>
+                      </a:r>
+                      <a:r>
+                        <a:rPr lang="ja-JP" altLang="en-US" sz="900" kern="100" dirty="0" smtClean="0">
+                          <a:effectLst/>
+                        </a:rPr>
+                        <a:t>上の</a:t>
+                      </a:r>
+                      <a:r>
+                        <a:rPr lang="en-US" altLang="ja-JP" sz="900" kern="100" dirty="0" smtClean="0">
+                          <a:effectLst/>
+                        </a:rPr>
+                        <a:t>RHEL7</a:t>
+                      </a:r>
+                    </a:p>
+                    <a:p>
+                      <a:pPr marL="0" marR="0" lvl="0" indent="0" algn="just" defTabSz="914400" rtl="0" eaLnBrk="1" fontAlgn="auto" latinLnBrk="0" hangingPunct="1">
+                        <a:lnSpc>
+                          <a:spcPct val="100000"/>
+                        </a:lnSpc>
+                        <a:spcBef>
+                          <a:spcPts val="0"/>
+                        </a:spcBef>
+                        <a:spcAft>
+                          <a:spcPts val="0"/>
+                        </a:spcAft>
+                        <a:buClrTx/>
+                        <a:buSzTx/>
+                        <a:buFontTx/>
+                        <a:buNone/>
+                        <a:tabLst/>
+                        <a:defRPr/>
+                      </a:pPr>
+                      <a:r>
+                        <a:rPr lang="en-US" altLang="ja-JP" sz="900" kern="100" dirty="0" smtClean="0">
+                          <a:effectLst/>
+                        </a:rPr>
+                        <a:t>   RHEL8_AWS : AWS</a:t>
+                      </a:r>
+                      <a:r>
+                        <a:rPr lang="ja-JP" altLang="en-US" sz="900" kern="100" dirty="0" smtClean="0">
+                          <a:effectLst/>
+                        </a:rPr>
+                        <a:t>上の</a:t>
+                      </a:r>
+                      <a:r>
+                        <a:rPr lang="en-US" altLang="ja-JP" sz="900" kern="100" dirty="0" smtClean="0">
+                          <a:effectLst/>
+                        </a:rPr>
+                        <a:t>RHEL8</a:t>
+                      </a:r>
                     </a:p>
                   </a:txBody>
                   <a:tcPr marL="55979" marR="55979" marT="0" marB="0" anchor="ctr">
@@ -11843,7 +11945,7 @@
                     </a:solidFill>
                   </a:tcPr>
                 </a:tc>
-                <a:tc>
+                <a:tc rowSpan="3">
                   <a:txBody>
                     <a:bodyPr/>
                     <a:lstStyle/>
@@ -11860,40 +11962,92 @@
                         <a:t>ITA</a:t>
                       </a:r>
                       <a:r>
+                        <a:rPr lang="ja-JP" altLang="en-US" sz="900" kern="100" dirty="0" smtClean="0">
+                          <a:effectLst/>
+                        </a:rPr>
+                        <a:t>サーバの</a:t>
+                      </a:r>
+                      <a:r>
+                        <a:rPr lang="en-US" altLang="ja-JP" sz="900" kern="100" dirty="0" smtClean="0">
+                          <a:effectLst/>
+                        </a:rPr>
+                        <a:t>OS</a:t>
+                      </a:r>
+                      <a:r>
                         <a:rPr lang="ja-JP" sz="900" kern="100" dirty="0" smtClean="0">
                           <a:effectLst/>
                         </a:rPr>
-                        <a:t>サーバ</a:t>
+                        <a:t>が</a:t>
+                      </a:r>
+                      <a:r>
+                        <a:rPr lang="en-US" sz="900" kern="100" dirty="0" smtClean="0">
+                          <a:effectLst/>
+                        </a:rPr>
+                        <a:t>RHEL7</a:t>
+                      </a:r>
+                      <a:r>
+                        <a:rPr lang="ja-JP" altLang="en-US" sz="900" kern="100" dirty="0" smtClean="0">
+                          <a:effectLst/>
+                        </a:rPr>
+                        <a:t>または</a:t>
+                      </a:r>
+                      <a:r>
+                        <a:rPr lang="en-US" altLang="ja-JP" sz="900" kern="100" dirty="0" smtClean="0">
+                          <a:effectLst/>
+                        </a:rPr>
+                        <a:t>RHEL8</a:t>
+                      </a:r>
+                      <a:r>
+                        <a:rPr lang="ja-JP" sz="900" kern="100" dirty="0" smtClean="0">
+                          <a:effectLst/>
+                        </a:rPr>
+                        <a:t>の</a:t>
                       </a:r>
                       <a:r>
                         <a:rPr lang="ja-JP" sz="900" kern="100" dirty="0">
                           <a:effectLst/>
                         </a:rPr>
-                        <a:t>の</a:t>
-                      </a:r>
-                      <a:r>
-                        <a:rPr lang="en-US" sz="900" kern="100" dirty="0">
-                          <a:effectLst/>
-                        </a:rPr>
-                        <a:t>OS</a:t>
-                      </a:r>
-                      <a:r>
-                        <a:rPr lang="ja-JP" sz="900" kern="100" dirty="0">
-                          <a:effectLst/>
-                        </a:rPr>
-                        <a:t>が</a:t>
-                      </a:r>
-                      <a:r>
-                        <a:rPr lang="en-US" sz="900" kern="100" dirty="0">
+                        <a:t>場合</a:t>
+                      </a:r>
+                      <a:r>
+                        <a:rPr lang="ja-JP" sz="900" kern="100" dirty="0" smtClean="0">
+                          <a:effectLst/>
+                        </a:rPr>
+                        <a:t>必須</a:t>
+                      </a:r>
+                      <a:endParaRPr lang="en-US" altLang="ja-JP" sz="900" kern="100" dirty="0" smtClean="0">
+                        <a:effectLst/>
+                      </a:endParaRPr>
+                    </a:p>
+                    <a:p>
+                      <a:pPr algn="l">
+                        <a:spcAft>
+                          <a:spcPts val="0"/>
+                        </a:spcAft>
+                      </a:pPr>
+                      <a:r>
+                        <a:rPr lang="en-US" altLang="ja-JP" sz="900" kern="100" dirty="0" smtClean="0">
+                          <a:effectLst/>
+                        </a:rPr>
+                        <a:t>※AWS</a:t>
+                      </a:r>
+                      <a:r>
+                        <a:rPr lang="ja-JP" altLang="en-US" sz="900" kern="100" dirty="0" smtClean="0">
+                          <a:effectLst/>
+                        </a:rPr>
+                        <a:t>上の</a:t>
+                      </a:r>
+                      <a:r>
+                        <a:rPr lang="en-US" altLang="ja-JP" sz="900" kern="100" dirty="0" smtClean="0">
                           <a:effectLst/>
                         </a:rPr>
                         <a:t>RHEL</a:t>
                       </a:r>
                       <a:r>
-                        <a:rPr lang="ja-JP" sz="900" kern="100" dirty="0">
-                          <a:effectLst/>
-                        </a:rPr>
-                        <a:t>の場合必須</a:t>
+                        <a:rPr lang="ja-JP" altLang="en-US" sz="900" kern="100" dirty="0" smtClean="0">
+                          <a:effectLst/>
+                        </a:rPr>
+                        <a:t>の場合は不要</a:t>
                       </a:r>
                       <a:endParaRPr lang="ja-JP" sz="900" kern="100" dirty="0">
                         <a:effectLst/>
@@ -12018,7 +12172,7 @@
                     </a:solidFill>
                   </a:tcPr>
                 </a:tc>
-                <a:tc>
+                <a:tc vMerge="1">
                   <a:txBody>
                     <a:bodyPr/>
                     <a:lstStyle/>
@@ -12028,48 +12182,6 @@
                           <a:spcPts val="0"/>
                         </a:spcAft>
                       </a:pPr>
-                      <a:r>
-                        <a:rPr lang="en-US" altLang="ja-JP" sz="900" kern="100" dirty="0" smtClean="0">
-                          <a:effectLst/>
-                        </a:rPr>
-                        <a:t>ITA</a:t>
-                      </a:r>
-                      <a:r>
-                        <a:rPr lang="ja-JP" sz="900" kern="100" dirty="0" smtClean="0">
-                          <a:effectLst/>
-                        </a:rPr>
-                        <a:t>サーバ</a:t>
-                      </a:r>
-                      <a:r>
-                        <a:rPr lang="ja-JP" sz="900" kern="100" dirty="0">
-                          <a:effectLst/>
-                        </a:rPr>
-                        <a:t>の</a:t>
-                      </a:r>
-                      <a:r>
-                        <a:rPr lang="en-US" sz="900" kern="100" dirty="0">
-                          <a:effectLst/>
-                        </a:rPr>
-                        <a:t>OS</a:t>
-                      </a:r>
-                      <a:r>
-                        <a:rPr lang="ja-JP" sz="900" kern="100" dirty="0">
-                          <a:effectLst/>
-                        </a:rPr>
-                        <a:t>が</a:t>
-                      </a:r>
-                      <a:r>
-                        <a:rPr lang="en-US" sz="900" kern="100" dirty="0">
-                          <a:effectLst/>
-                        </a:rPr>
-                        <a:t>RHEL</a:t>
-                      </a:r>
-                      <a:r>
-                        <a:rPr lang="ja-JP" sz="900" kern="100" dirty="0">
-                          <a:effectLst/>
-                        </a:rPr>
-                        <a:t>の場合必須</a:t>
-                      </a:r>
                       <a:endParaRPr lang="ja-JP" sz="900" kern="100" dirty="0">
                         <a:effectLst/>
                         <a:latin typeface="Century" panose="02040604050505020304" pitchFamily="18" charset="0"/>
@@ -12193,7 +12305,7 @@
                     </a:solidFill>
                   </a:tcPr>
                 </a:tc>
-                <a:tc>
+                <a:tc vMerge="1">
                   <a:txBody>
                     <a:bodyPr/>
                     <a:lstStyle/>
@@ -12203,48 +12315,6 @@
                           <a:spcPts val="0"/>
                         </a:spcAft>
                       </a:pPr>
-                      <a:r>
-                        <a:rPr lang="en-US" altLang="ja-JP" sz="900" kern="100" dirty="0" smtClean="0">
-                          <a:effectLst/>
-                        </a:rPr>
-                        <a:t>ITA</a:t>
-                      </a:r>
-                      <a:r>
-                        <a:rPr lang="ja-JP" sz="900" kern="100" dirty="0" smtClean="0">
-                          <a:effectLst/>
-                        </a:rPr>
-                        <a:t>サーバ</a:t>
-                      </a:r>
-                      <a:r>
-                        <a:rPr lang="ja-JP" sz="900" kern="100" dirty="0">
-                          <a:effectLst/>
-                        </a:rPr>
-                        <a:t>の</a:t>
-                      </a:r>
-                      <a:r>
-                        <a:rPr lang="en-US" sz="900" kern="100" dirty="0">
-                          <a:effectLst/>
-                        </a:rPr>
-                        <a:t>OS</a:t>
-                      </a:r>
-                      <a:r>
-                        <a:rPr lang="ja-JP" sz="900" kern="100" dirty="0">
-                          <a:effectLst/>
-                        </a:rPr>
-                        <a:t>が</a:t>
-                      </a:r>
-                      <a:r>
-                        <a:rPr lang="en-US" sz="900" kern="100" dirty="0">
-                          <a:effectLst/>
-                        </a:rPr>
-                        <a:t>RHEL</a:t>
-                      </a:r>
-                      <a:r>
-                        <a:rPr lang="ja-JP" sz="900" kern="100" dirty="0">
-                          <a:effectLst/>
-                        </a:rPr>
-                        <a:t>の場合必須</a:t>
-                      </a:r>
                       <a:endParaRPr lang="ja-JP" sz="900" kern="100" dirty="0">
                         <a:effectLst/>
                         <a:latin typeface="Century" panose="02040604050505020304" pitchFamily="18" charset="0"/>
@@ -12543,8 +12613,8 @@
         </p:nvSpPr>
         <p:spPr>
           <a:xfrm>
-            <a:off x="2292678" y="1628750"/>
-            <a:ext cx="4536630" cy="1944270"/>
+            <a:off x="2092752" y="1628750"/>
+            <a:ext cx="5431658" cy="1944270"/>
           </a:xfrm>
           <a:prstGeom prst="rect">
             <a:avLst/>
@@ -12571,6 +12641,61 @@
           </a:bodyPr>
           <a:lstStyle/>
           <a:p>
+            <a:pPr lvl="0">
+              <a:lnSpc>
+                <a:spcPts val="800"/>
+              </a:lnSpc>
+              <a:defRPr/>
+            </a:pPr>
+            <a:r>
+              <a:rPr kumimoji="0" lang="en-US" sz="900" kern="100" dirty="0">
+                <a:solidFill>
+                  <a:sysClr val="window" lastClr="FFFFFF"/>
+                </a:solidFill>
+                <a:latin typeface="Arial" panose="020B0604020202020204" pitchFamily="34" charset="0"/>
+                <a:ea typeface="ＭＳ 明朝" panose="02020609040205080304" pitchFamily="17" charset="-128"/>
+                <a:cs typeface="Times New Roman" panose="02020603050405020304" pitchFamily="18" charset="0"/>
+              </a:rPr>
+              <a:t># Select Operation System</a:t>
+            </a:r>
+            <a:r>
+              <a:rPr kumimoji="0" lang="en-US" sz="900" kern="100" dirty="0" smtClean="0">
+                <a:solidFill>
+                  <a:sysClr val="window" lastClr="FFFFFF"/>
+                </a:solidFill>
+                <a:latin typeface="Arial" panose="020B0604020202020204" pitchFamily="34" charset="0"/>
+                <a:ea typeface="ＭＳ 明朝" panose="02020609040205080304" pitchFamily="17" charset="-128"/>
+                <a:cs typeface="Times New Roman" panose="02020603050405020304" pitchFamily="18" charset="0"/>
+              </a:rPr>
+              <a:t>. ("</a:t>
+            </a:r>
+            <a:r>
+              <a:rPr kumimoji="0" lang="en-US" sz="900" kern="100" dirty="0">
+                <a:solidFill>
+                  <a:sysClr val="window" lastClr="FFFFFF"/>
+                </a:solidFill>
+                <a:latin typeface="Arial" panose="020B0604020202020204" pitchFamily="34" charset="0"/>
+                <a:ea typeface="ＭＳ 明朝" panose="02020609040205080304" pitchFamily="17" charset="-128"/>
+                <a:cs typeface="Times New Roman" panose="02020603050405020304" pitchFamily="18" charset="0"/>
+              </a:rPr>
+              <a:t>CentOS7","CentOS8","RHEL7","RHEL8","RHEL7_AWS","RHEL8_AWS")</a:t>
+            </a:r>
+            <a:endParaRPr kumimoji="0" lang="en-US" sz="900" b="0" i="0" u="none" strike="noStrike" kern="100" cap="none" spc="0" normalizeH="0" baseline="0" noProof="0" dirty="0" smtClean="0">
+              <a:ln>
+                <a:noFill/>
+              </a:ln>
+              <a:solidFill>
+                <a:sysClr val="window" lastClr="FFFFFF"/>
+              </a:solidFill>
+              <a:effectLst/>
+              <a:uLnTx/>
+              <a:uFillTx/>
+              <a:latin typeface="Arial" panose="020B0604020202020204" pitchFamily="34" charset="0"/>
+              <a:ea typeface="ＭＳ 明朝" panose="02020609040205080304" pitchFamily="17" charset="-128"/>
+              <a:cs typeface="Times New Roman" panose="02020603050405020304" pitchFamily="18" charset="0"/>
+            </a:endParaRPr>
+          </a:p>
+          <a:p>
             <a:pPr marL="0" marR="0" lvl="0" indent="0" algn="l" defTabSz="914400" eaLnBrk="1" fontAlgn="auto" latinLnBrk="0" hangingPunct="1">
               <a:lnSpc>
                 <a:spcPts val="800"/>
@@ -12588,51 +12713,11 @@
               <a:tabLst/>
               <a:defRPr/>
             </a:pPr>
-            <a:r>
-              <a:rPr kumimoji="0" lang="en-US" sz="900" b="0" i="0" u="none" strike="noStrike" kern="100" cap="none" spc="0" normalizeH="0" baseline="0" noProof="0" dirty="0">
-                <a:ln>
-                  <a:noFill/>
-                </a:ln>
-                <a:solidFill>
-                  <a:sysClr val="window" lastClr="FFFFFF"/>
-                </a:solidFill>
-                <a:effectLst/>
-                <a:uLnTx/>
-                <a:uFillTx/>
-                <a:latin typeface="Arial" panose="020B0604020202020204" pitchFamily="34" charset="0"/>
-                <a:ea typeface="ＭＳ 明朝" panose="02020609040205080304" pitchFamily="17" charset="-128"/>
-                <a:cs typeface="Times New Roman" panose="02020603050405020304" pitchFamily="18" charset="0"/>
-              </a:rPr>
-              <a:t># Select Operation System. ("</a:t>
-            </a:r>
-            <a:r>
-              <a:rPr kumimoji="0" lang="en-US" sz="900" b="0" i="0" u="none" strike="noStrike" kern="100" cap="none" spc="0" normalizeH="0" baseline="0" noProof="0" dirty="0" smtClean="0">
-                <a:ln>
-                  <a:noFill/>
-                </a:ln>
-                <a:solidFill>
-                  <a:sysClr val="window" lastClr="FFFFFF"/>
-                </a:solidFill>
-                <a:effectLst/>
-                <a:uLnTx/>
-                <a:uFillTx/>
-                <a:latin typeface="Arial" panose="020B0604020202020204" pitchFamily="34" charset="0"/>
-                <a:ea typeface="ＭＳ 明朝" panose="02020609040205080304" pitchFamily="17" charset="-128"/>
-                <a:cs typeface="Times New Roman" panose="02020603050405020304" pitchFamily="18" charset="0"/>
-              </a:rPr>
-              <a:t>CentOS7,"CentOS8","RHEL7","RHEL8")</a:t>
-            </a:r>
-            <a:endParaRPr kumimoji="0" lang="ja-JP" altLang="en-US" sz="1050" b="0" i="0" u="none" strike="noStrike" kern="100" cap="none" spc="0" normalizeH="0" baseline="0" noProof="0" dirty="0">
-              <a:ln>
-                <a:noFill/>
-              </a:ln>
+            <a:endParaRPr kumimoji="0" lang="en-US" sz="900" kern="100" dirty="0">
               <a:solidFill>
                 <a:sysClr val="window" lastClr="FFFFFF"/>
               </a:solidFill>
-              <a:effectLst/>
-              <a:uLnTx/>
-              <a:uFillTx/>
-              <a:latin typeface="Century"/>
+              <a:latin typeface="Arial" panose="020B0604020202020204" pitchFamily="34" charset="0"/>
               <a:ea typeface="ＭＳ 明朝" panose="02020609040205080304" pitchFamily="17" charset="-128"/>
               <a:cs typeface="Times New Roman" panose="02020603050405020304" pitchFamily="18" charset="0"/>
             </a:endParaRPr>
@@ -12656,23 +12741,6 @@
               <a:defRPr/>
             </a:pPr>
             <a:r>
-              <a:rPr kumimoji="0" lang="en-US" sz="900" b="0" i="0" u="none" strike="noStrike" kern="100" cap="none" spc="0" normalizeH="0" baseline="0" noProof="0" dirty="0">
-                <a:ln>
-                  <a:noFill/>
-                </a:ln>
-                <a:solidFill>
-                  <a:sysClr val="window" lastClr="FFFFFF"/>
-                </a:solidFill>
-                <a:effectLst/>
-                <a:uLnTx/>
-                <a:uFillTx/>
-                <a:latin typeface="Arial" panose="020B0604020202020204" pitchFamily="34" charset="0"/>
-                <a:ea typeface="ＭＳ 明朝" panose="02020609040205080304" pitchFamily="17" charset="-128"/>
-                <a:cs typeface="Times New Roman" panose="02020603050405020304" pitchFamily="18" charset="0"/>
-              </a:rPr>
-              <a:t># e.g) </a:t>
-            </a:r>
-            <a:r>
               <a:rPr kumimoji="0" lang="en-US" sz="900" b="0" i="0" u="none" strike="noStrike" kern="100" cap="none" spc="0" normalizeH="0" baseline="0" noProof="0" dirty="0" smtClean="0">
                 <a:ln>
                   <a:noFill/>
@@ -12687,9 +12755,9 @@
                 <a:ea typeface="ＭＳ 明朝" panose="02020609040205080304" pitchFamily="17" charset="-128"/>
                 <a:cs typeface="Times New Roman" panose="02020603050405020304" pitchFamily="18" charset="0"/>
               </a:rPr>
-              <a:t>linux_os:RHEL8</a:t>
-            </a:r>
-            <a:endParaRPr kumimoji="0" lang="ja-JP" altLang="en-US" sz="1050" b="0" i="0" u="none" strike="noStrike" kern="100" cap="none" spc="0" normalizeH="0" baseline="0" noProof="0" dirty="0">
+              <a:t># Select Operation System. ("CentOS7,"CentOS8","RHEL7","RHEL8")</a:t>
+            </a:r>
+            <a:endParaRPr kumimoji="0" lang="ja-JP" altLang="en-US" sz="1050" b="0" i="0" u="none" strike="noStrike" kern="100" cap="none" spc="0" normalizeH="0" baseline="0" noProof="0" dirty="0" smtClean="0">
               <a:ln>
                 <a:noFill/>
               </a:ln>
@@ -12723,23 +12791,6 @@
               <a:defRPr/>
             </a:pPr>
             <a:r>
-              <a:rPr kumimoji="0" lang="en-US" sz="900" b="0" i="0" u="none" strike="noStrike" kern="100" cap="none" spc="0" normalizeH="0" baseline="0" noProof="0" dirty="0">
-                <a:ln>
-                  <a:noFill/>
-                </a:ln>
-                <a:solidFill>
-                  <a:sysClr val="window" lastClr="FFFFFF"/>
-                </a:solidFill>
-                <a:effectLst/>
-                <a:uLnTx/>
-                <a:uFillTx/>
-                <a:latin typeface="Arial" panose="020B0604020202020204" pitchFamily="34" charset="0"/>
-                <a:ea typeface="ＭＳ 明朝" panose="02020609040205080304" pitchFamily="17" charset="-128"/>
-                <a:cs typeface="Times New Roman" panose="02020603050405020304" pitchFamily="18" charset="0"/>
-              </a:rPr>
-              <a:t>linux_os: </a:t>
-            </a:r>
-            <a:r>
               <a:rPr kumimoji="0" lang="en-US" sz="900" b="0" i="0" u="none" strike="noStrike" kern="100" cap="none" spc="0" normalizeH="0" baseline="0" noProof="0" dirty="0" smtClean="0">
                 <a:ln>
                   <a:noFill/>
@@ -12754,9 +12805,43 @@
                 <a:ea typeface="ＭＳ 明朝" panose="02020609040205080304" pitchFamily="17" charset="-128"/>
                 <a:cs typeface="Times New Roman" panose="02020603050405020304" pitchFamily="18" charset="0"/>
               </a:rPr>
-              <a:t>RHEL7</a:t>
-            </a:r>
-            <a:endParaRPr kumimoji="0" lang="ja-JP" altLang="en-US" sz="1050" b="0" i="0" u="none" strike="noStrike" kern="100" cap="none" spc="0" normalizeH="0" baseline="0" noProof="0" dirty="0">
+              <a:t># </a:t>
+            </a:r>
+            <a:r>
+              <a:rPr kumimoji="0" lang="en-US" sz="900" b="0" i="0" u="none" strike="noStrike" kern="100" cap="none" spc="0" normalizeH="0" baseline="0" noProof="0" dirty="0" err="1" smtClean="0">
+                <a:ln>
+                  <a:noFill/>
+                </a:ln>
+                <a:solidFill>
+                  <a:sysClr val="window" lastClr="FFFFFF"/>
+                </a:solidFill>
+                <a:effectLst/>
+                <a:uLnTx/>
+                <a:uFillTx/>
+                <a:latin typeface="Arial" panose="020B0604020202020204" pitchFamily="34" charset="0"/>
+                <a:ea typeface="ＭＳ 明朝" panose="02020609040205080304" pitchFamily="17" charset="-128"/>
+                <a:cs typeface="Times New Roman" panose="02020603050405020304" pitchFamily="18" charset="0"/>
+              </a:rPr>
+              <a:t>e.g</a:t>
+            </a:r>
+            <a:r>
+              <a:rPr kumimoji="0" lang="en-US" sz="900" b="0" i="0" u="none" strike="noStrike" kern="100" cap="none" spc="0" normalizeH="0" baseline="0" noProof="0" dirty="0" smtClean="0">
+                <a:ln>
+                  <a:noFill/>
+                </a:ln>
+                <a:solidFill>
+                  <a:sysClr val="window" lastClr="FFFFFF"/>
+                </a:solidFill>
+                <a:effectLst/>
+                <a:uLnTx/>
+                <a:uFillTx/>
+                <a:latin typeface="Arial" panose="020B0604020202020204" pitchFamily="34" charset="0"/>
+                <a:ea typeface="ＭＳ 明朝" panose="02020609040205080304" pitchFamily="17" charset="-128"/>
+                <a:cs typeface="Times New Roman" panose="02020603050405020304" pitchFamily="18" charset="0"/>
+              </a:rPr>
+              <a:t>) linux_os:RHEL8</a:t>
+            </a:r>
+            <a:endParaRPr kumimoji="0" lang="ja-JP" altLang="en-US" sz="1050" b="0" i="0" u="none" strike="noStrike" kern="100" cap="none" spc="0" normalizeH="0" baseline="0" noProof="0" dirty="0" smtClean="0">
               <a:ln>
                 <a:noFill/>
               </a:ln>
@@ -12790,6 +12875,23 @@
               <a:defRPr/>
             </a:pPr>
             <a:r>
+              <a:rPr kumimoji="0" lang="en-US" sz="900" b="0" i="0" u="none" strike="noStrike" kern="100" cap="none" spc="0" normalizeH="0" baseline="0" noProof="0" dirty="0" err="1" smtClean="0">
+                <a:ln>
+                  <a:noFill/>
+                </a:ln>
+                <a:solidFill>
+                  <a:sysClr val="window" lastClr="FFFFFF"/>
+                </a:solidFill>
+                <a:effectLst/>
+                <a:uLnTx/>
+                <a:uFillTx/>
+                <a:latin typeface="Arial" panose="020B0604020202020204" pitchFamily="34" charset="0"/>
+                <a:ea typeface="ＭＳ 明朝" panose="02020609040205080304" pitchFamily="17" charset="-128"/>
+                <a:cs typeface="Times New Roman" panose="02020603050405020304" pitchFamily="18" charset="0"/>
+              </a:rPr>
+              <a:t>linux_os</a:t>
+            </a:r>
+            <a:r>
               <a:rPr kumimoji="0" lang="en-US" sz="900" b="0" i="0" u="none" strike="noStrike" kern="100" cap="none" spc="0" normalizeH="0" baseline="0" noProof="0" dirty="0">
                 <a:ln>
                   <a:noFill/>
@@ -12804,7 +12906,24 @@
                 <a:ea typeface="ＭＳ 明朝" panose="02020609040205080304" pitchFamily="17" charset="-128"/>
                 <a:cs typeface="Times New Roman" panose="02020603050405020304" pitchFamily="18" charset="0"/>
               </a:rPr>
-              <a:t> </a:t>
+              <a:t>: </a:t>
+            </a:r>
+            <a:r>
+              <a:rPr kumimoji="0" lang="en-US" sz="900" b="0" i="0" u="none" strike="noStrike" kern="100" cap="none" spc="0" normalizeH="0" baseline="0" noProof="0" dirty="0" smtClean="0">
+                <a:ln>
+                  <a:noFill/>
+                </a:ln>
+                <a:solidFill>
+                  <a:sysClr val="window" lastClr="FFFFFF"/>
+                </a:solidFill>
+                <a:effectLst/>
+                <a:uLnTx/>
+                <a:uFillTx/>
+                <a:latin typeface="Arial" panose="020B0604020202020204" pitchFamily="34" charset="0"/>
+                <a:ea typeface="ＭＳ 明朝" panose="02020609040205080304" pitchFamily="17" charset="-128"/>
+                <a:cs typeface="Times New Roman" panose="02020603050405020304" pitchFamily="18" charset="0"/>
+              </a:rPr>
+              <a:t>RHEL7</a:t>
             </a:r>
             <a:endParaRPr kumimoji="0" lang="ja-JP" altLang="en-US" sz="1050" b="0" i="0" u="none" strike="noStrike" kern="100" cap="none" spc="0" normalizeH="0" baseline="0" noProof="0" dirty="0">
               <a:ln>
@@ -12854,7 +12973,7 @@
                 <a:ea typeface="ＭＳ 明朝" panose="02020609040205080304" pitchFamily="17" charset="-128"/>
                 <a:cs typeface="Times New Roman" panose="02020603050405020304" pitchFamily="18" charset="0"/>
               </a:rPr>
-              <a:t>#####################################################</a:t>
+              <a:t> </a:t>
             </a:r>
             <a:endParaRPr kumimoji="0" lang="ja-JP" altLang="en-US" sz="1050" b="0" i="0" u="none" strike="noStrike" kern="100" cap="none" spc="0" normalizeH="0" baseline="0" noProof="0" dirty="0">
               <a:ln>
@@ -12904,58 +13023,7 @@
                 <a:ea typeface="ＭＳ 明朝" panose="02020609040205080304" pitchFamily="17" charset="-128"/>
                 <a:cs typeface="Times New Roman" panose="02020603050405020304" pitchFamily="18" charset="0"/>
               </a:rPr>
-              <a:t>#Only when you select linux_os with </a:t>
-            </a:r>
-            <a:r>
-              <a:rPr kumimoji="0" lang="en-US" sz="900" b="0" i="0" u="none" strike="noStrike" kern="100" cap="none" spc="0" normalizeH="0" baseline="0" noProof="0" dirty="0" smtClean="0">
-                <a:ln>
-                  <a:noFill/>
-                </a:ln>
-                <a:solidFill>
-                  <a:sysClr val="window" lastClr="FFFFFF"/>
-                </a:solidFill>
-                <a:effectLst/>
-                <a:uLnTx/>
-                <a:uFillTx/>
-                <a:latin typeface="Arial" panose="020B0604020202020204" pitchFamily="34" charset="0"/>
-                <a:ea typeface="ＭＳ 明朝" panose="02020609040205080304" pitchFamily="17" charset="-128"/>
-                <a:cs typeface="Times New Roman" panose="02020603050405020304" pitchFamily="18" charset="0"/>
-              </a:rPr>
-              <a:t>RHEL7 </a:t>
-            </a:r>
-            <a:r>
-              <a:rPr kumimoji="0" lang="en-US" sz="900" b="0" i="0" u="none" strike="noStrike" kern="100" cap="none" spc="0" normalizeH="0" baseline="0" noProof="0" dirty="0">
-                <a:ln>
-                  <a:noFill/>
-                </a:ln>
-                <a:solidFill>
-                  <a:sysClr val="window" lastClr="FFFFFF"/>
-                </a:solidFill>
-                <a:effectLst/>
-                <a:uLnTx/>
-                <a:uFillTx/>
-                <a:latin typeface="Arial" panose="020B0604020202020204" pitchFamily="34" charset="0"/>
-                <a:ea typeface="ＭＳ 明朝" panose="02020609040205080304" pitchFamily="17" charset="-128"/>
-                <a:cs typeface="Times New Roman" panose="02020603050405020304" pitchFamily="18" charset="0"/>
-              </a:rPr>
-              <a:t>or </a:t>
-            </a:r>
-            <a:r>
-              <a:rPr kumimoji="0" lang="en-US" sz="900" b="0" i="0" u="none" strike="noStrike" kern="100" cap="none" spc="0" normalizeH="0" baseline="0" noProof="0" dirty="0" smtClean="0">
-                <a:ln>
-                  <a:noFill/>
-                </a:ln>
-                <a:solidFill>
-                  <a:sysClr val="window" lastClr="FFFFFF"/>
-                </a:solidFill>
-                <a:effectLst/>
-                <a:uLnTx/>
-                <a:uFillTx/>
-                <a:latin typeface="Arial" panose="020B0604020202020204" pitchFamily="34" charset="0"/>
-                <a:ea typeface="ＭＳ 明朝" panose="02020609040205080304" pitchFamily="17" charset="-128"/>
-                <a:cs typeface="Times New Roman" panose="02020603050405020304" pitchFamily="18" charset="0"/>
-              </a:rPr>
-              <a:t>RHEL8</a:t>
+              <a:t>#####################################################</a:t>
             </a:r>
             <a:endParaRPr kumimoji="0" lang="ja-JP" altLang="en-US" sz="1050" b="0" i="0" u="none" strike="noStrike" kern="100" cap="none" spc="0" normalizeH="0" baseline="0" noProof="0" dirty="0">
               <a:ln>
@@ -13005,7 +13073,58 @@
                 <a:ea typeface="ＭＳ 明朝" panose="02020609040205080304" pitchFamily="17" charset="-128"/>
                 <a:cs typeface="Times New Roman" panose="02020603050405020304" pitchFamily="18" charset="0"/>
               </a:rPr>
-              <a:t> </a:t>
+              <a:t>#Only when you select linux_os with </a:t>
+            </a:r>
+            <a:r>
+              <a:rPr kumimoji="0" lang="en-US" sz="900" b="0" i="0" u="none" strike="noStrike" kern="100" cap="none" spc="0" normalizeH="0" baseline="0" noProof="0" dirty="0" smtClean="0">
+                <a:ln>
+                  <a:noFill/>
+                </a:ln>
+                <a:solidFill>
+                  <a:sysClr val="window" lastClr="FFFFFF"/>
+                </a:solidFill>
+                <a:effectLst/>
+                <a:uLnTx/>
+                <a:uFillTx/>
+                <a:latin typeface="Arial" panose="020B0604020202020204" pitchFamily="34" charset="0"/>
+                <a:ea typeface="ＭＳ 明朝" panose="02020609040205080304" pitchFamily="17" charset="-128"/>
+                <a:cs typeface="Times New Roman" panose="02020603050405020304" pitchFamily="18" charset="0"/>
+              </a:rPr>
+              <a:t>RHEL7 </a:t>
+            </a:r>
+            <a:r>
+              <a:rPr kumimoji="0" lang="en-US" sz="900" b="0" i="0" u="none" strike="noStrike" kern="100" cap="none" spc="0" normalizeH="0" baseline="0" noProof="0" dirty="0">
+                <a:ln>
+                  <a:noFill/>
+                </a:ln>
+                <a:solidFill>
+                  <a:sysClr val="window" lastClr="FFFFFF"/>
+                </a:solidFill>
+                <a:effectLst/>
+                <a:uLnTx/>
+                <a:uFillTx/>
+                <a:latin typeface="Arial" panose="020B0604020202020204" pitchFamily="34" charset="0"/>
+                <a:ea typeface="ＭＳ 明朝" panose="02020609040205080304" pitchFamily="17" charset="-128"/>
+                <a:cs typeface="Times New Roman" panose="02020603050405020304" pitchFamily="18" charset="0"/>
+              </a:rPr>
+              <a:t>or </a:t>
+            </a:r>
+            <a:r>
+              <a:rPr kumimoji="0" lang="en-US" sz="900" b="0" i="0" u="none" strike="noStrike" kern="100" cap="none" spc="0" normalizeH="0" baseline="0" noProof="0" dirty="0" smtClean="0">
+                <a:ln>
+                  <a:noFill/>
+                </a:ln>
+                <a:solidFill>
+                  <a:sysClr val="window" lastClr="FFFFFF"/>
+                </a:solidFill>
+                <a:effectLst/>
+                <a:uLnTx/>
+                <a:uFillTx/>
+                <a:latin typeface="Arial" panose="020B0604020202020204" pitchFamily="34" charset="0"/>
+                <a:ea typeface="ＭＳ 明朝" panose="02020609040205080304" pitchFamily="17" charset="-128"/>
+                <a:cs typeface="Times New Roman" panose="02020603050405020304" pitchFamily="18" charset="0"/>
+              </a:rPr>
+              <a:t>RHEL8</a:t>
             </a:r>
             <a:endParaRPr kumimoji="0" lang="ja-JP" altLang="en-US" sz="1050" b="0" i="0" u="none" strike="noStrike" kern="100" cap="none" spc="0" normalizeH="0" baseline="0" noProof="0" dirty="0">
               <a:ln>
@@ -13055,7 +13174,7 @@
                 <a:ea typeface="ＭＳ 明朝" panose="02020609040205080304" pitchFamily="17" charset="-128"/>
                 <a:cs typeface="Times New Roman" panose="02020603050405020304" pitchFamily="18" charset="0"/>
               </a:rPr>
-              <a:t># Enter the Red Hat user name and user password</a:t>
+              <a:t> </a:t>
             </a:r>
             <a:endParaRPr kumimoji="0" lang="ja-JP" altLang="en-US" sz="1050" b="0" i="0" u="none" strike="noStrike" kern="100" cap="none" spc="0" normalizeH="0" baseline="0" noProof="0" dirty="0">
               <a:ln>
@@ -13105,7 +13224,7 @@
                 <a:ea typeface="ＭＳ 明朝" panose="02020609040205080304" pitchFamily="17" charset="-128"/>
                 <a:cs typeface="Times New Roman" panose="02020603050405020304" pitchFamily="18" charset="0"/>
               </a:rPr>
-              <a:t># e.g) redhat_user_name:sample</a:t>
+              <a:t># Enter the Red Hat user name and user password</a:t>
             </a:r>
             <a:endParaRPr kumimoji="0" lang="ja-JP" altLang="en-US" sz="1050" b="0" i="0" u="none" strike="noStrike" kern="100" cap="none" spc="0" normalizeH="0" baseline="0" noProof="0" dirty="0">
               <a:ln>
@@ -13155,7 +13274,7 @@
                 <a:ea typeface="ＭＳ 明朝" panose="02020609040205080304" pitchFamily="17" charset="-128"/>
                 <a:cs typeface="Times New Roman" panose="02020603050405020304" pitchFamily="18" charset="0"/>
               </a:rPr>
-              <a:t>redhat_user_name:sample</a:t>
+              <a:t># e.g) redhat_user_name:sample</a:t>
             </a:r>
             <a:endParaRPr kumimoji="0" lang="ja-JP" altLang="en-US" sz="1050" b="0" i="0" u="none" strike="noStrike" kern="100" cap="none" spc="0" normalizeH="0" baseline="0" noProof="0" dirty="0">
               <a:ln>
@@ -13205,7 +13324,7 @@
                 <a:ea typeface="ＭＳ 明朝" panose="02020609040205080304" pitchFamily="17" charset="-128"/>
                 <a:cs typeface="Times New Roman" panose="02020603050405020304" pitchFamily="18" charset="0"/>
               </a:rPr>
-              <a:t> </a:t>
+              <a:t>redhat_user_name:sample</a:t>
             </a:r>
             <a:endParaRPr kumimoji="0" lang="ja-JP" altLang="en-US" sz="1050" b="0" i="0" u="none" strike="noStrike" kern="100" cap="none" spc="0" normalizeH="0" baseline="0" noProof="0" dirty="0">
               <a:ln>
@@ -13255,7 +13374,7 @@
                 <a:ea typeface="ＭＳ 明朝" panose="02020609040205080304" pitchFamily="17" charset="-128"/>
                 <a:cs typeface="Times New Roman" panose="02020603050405020304" pitchFamily="18" charset="0"/>
               </a:rPr>
-              <a:t># e.g) redhat_user_password:sample_password</a:t>
+              <a:t> </a:t>
             </a:r>
             <a:endParaRPr kumimoji="0" lang="ja-JP" altLang="en-US" sz="1050" b="0" i="0" u="none" strike="noStrike" kern="100" cap="none" spc="0" normalizeH="0" baseline="0" noProof="0" dirty="0">
               <a:ln>
@@ -13305,7 +13424,7 @@
                 <a:ea typeface="ＭＳ 明朝" panose="02020609040205080304" pitchFamily="17" charset="-128"/>
                 <a:cs typeface="Times New Roman" panose="02020603050405020304" pitchFamily="18" charset="0"/>
               </a:rPr>
-              <a:t>redhat_user_password: sample_password</a:t>
+              <a:t># e.g) redhat_user_password:sample_password</a:t>
             </a:r>
             <a:endParaRPr kumimoji="0" lang="ja-JP" altLang="en-US" sz="1050" b="0" i="0" u="none" strike="noStrike" kern="100" cap="none" spc="0" normalizeH="0" baseline="0" noProof="0" dirty="0">
               <a:ln>
@@ -13355,7 +13474,7 @@
                 <a:ea typeface="ＭＳ 明朝" panose="02020609040205080304" pitchFamily="17" charset="-128"/>
                 <a:cs typeface="Times New Roman" panose="02020603050405020304" pitchFamily="18" charset="0"/>
               </a:rPr>
-              <a:t> </a:t>
+              <a:t>redhat_user_password: sample_password</a:t>
             </a:r>
             <a:endParaRPr kumimoji="0" lang="ja-JP" altLang="en-US" sz="1050" b="0" i="0" u="none" strike="noStrike" kern="100" cap="none" spc="0" normalizeH="0" baseline="0" noProof="0" dirty="0">
               <a:ln>
@@ -13405,24 +13524,7 @@
                 <a:ea typeface="ＭＳ 明朝" panose="02020609040205080304" pitchFamily="17" charset="-128"/>
                 <a:cs typeface="Times New Roman" panose="02020603050405020304" pitchFamily="18" charset="0"/>
               </a:rPr>
-              <a:t># e.g) </a:t>
-            </a:r>
-            <a:r>
-              <a:rPr kumimoji="0" lang="en-US" sz="900" b="0" i="0" u="none" strike="noStrike" kern="100" cap="none" spc="0" normalizeH="0" baseline="0" noProof="0" dirty="0" err="1">
-                <a:ln>
-                  <a:noFill/>
-                </a:ln>
-                <a:solidFill>
-                  <a:sysClr val="window" lastClr="FFFFFF"/>
-                </a:solidFill>
-                <a:effectLst/>
-                <a:uLnTx/>
-                <a:uFillTx/>
-                <a:latin typeface="Arial" panose="020B0604020202020204" pitchFamily="34" charset="0"/>
-                <a:ea typeface="ＭＳ 明朝" panose="02020609040205080304" pitchFamily="17" charset="-128"/>
-                <a:cs typeface="Times New Roman" panose="02020603050405020304" pitchFamily="18" charset="0"/>
-              </a:rPr>
-              <a:t>pool_id:samplePoolID</a:t>
+              <a:t> </a:t>
             </a:r>
             <a:endParaRPr kumimoji="0" lang="ja-JP" altLang="en-US" sz="1050" b="0" i="0" u="none" strike="noStrike" kern="100" cap="none" spc="0" normalizeH="0" baseline="0" noProof="0" dirty="0">
               <a:ln>
@@ -13472,7 +13574,24 @@
                 <a:ea typeface="ＭＳ 明朝" panose="02020609040205080304" pitchFamily="17" charset="-128"/>
                 <a:cs typeface="Times New Roman" panose="02020603050405020304" pitchFamily="18" charset="0"/>
               </a:rPr>
-              <a:t>pool_id: samplePoolID</a:t>
+              <a:t># e.g) </a:t>
+            </a:r>
+            <a:r>
+              <a:rPr kumimoji="0" lang="en-US" sz="900" b="0" i="0" u="none" strike="noStrike" kern="100" cap="none" spc="0" normalizeH="0" baseline="0" noProof="0" dirty="0" err="1">
+                <a:ln>
+                  <a:noFill/>
+                </a:ln>
+                <a:solidFill>
+                  <a:sysClr val="window" lastClr="FFFFFF"/>
+                </a:solidFill>
+                <a:effectLst/>
+                <a:uLnTx/>
+                <a:uFillTx/>
+                <a:latin typeface="Arial" panose="020B0604020202020204" pitchFamily="34" charset="0"/>
+                <a:ea typeface="ＭＳ 明朝" panose="02020609040205080304" pitchFamily="17" charset="-128"/>
+                <a:cs typeface="Times New Roman" panose="02020603050405020304" pitchFamily="18" charset="0"/>
+              </a:rPr>
+              <a:t>pool_id:samplePoolID</a:t>
             </a:r>
             <a:endParaRPr kumimoji="0" lang="ja-JP" altLang="en-US" sz="1050" b="0" i="0" u="none" strike="noStrike" kern="100" cap="none" spc="0" normalizeH="0" baseline="0" noProof="0" dirty="0">
               <a:ln>
@@ -13522,7 +13641,7 @@
                 <a:ea typeface="ＭＳ 明朝" panose="02020609040205080304" pitchFamily="17" charset="-128"/>
                 <a:cs typeface="Times New Roman" panose="02020603050405020304" pitchFamily="18" charset="0"/>
               </a:rPr>
-              <a:t> </a:t>
+              <a:t>pool_id: samplePoolID</a:t>
             </a:r>
             <a:endParaRPr kumimoji="0" lang="ja-JP" altLang="en-US" sz="1050" b="0" i="0" u="none" strike="noStrike" kern="100" cap="none" spc="0" normalizeH="0" baseline="0" noProof="0" dirty="0">
               <a:ln>
@@ -13558,6 +13677,56 @@
               <a:defRPr/>
             </a:pPr>
             <a:r>
+              <a:rPr kumimoji="0" lang="en-US" sz="900" b="0" i="0" u="none" strike="noStrike" kern="100" cap="none" spc="0" normalizeH="0" baseline="0" noProof="0" dirty="0">
+                <a:ln>
+                  <a:noFill/>
+                </a:ln>
+                <a:solidFill>
+                  <a:sysClr val="window" lastClr="FFFFFF"/>
+                </a:solidFill>
+                <a:effectLst/>
+                <a:uLnTx/>
+                <a:uFillTx/>
+                <a:latin typeface="Arial" panose="020B0604020202020204" pitchFamily="34" charset="0"/>
+                <a:ea typeface="ＭＳ 明朝" panose="02020609040205080304" pitchFamily="17" charset="-128"/>
+                <a:cs typeface="Times New Roman" panose="02020603050405020304" pitchFamily="18" charset="0"/>
+              </a:rPr>
+              <a:t> </a:t>
+            </a:r>
+            <a:endParaRPr kumimoji="0" lang="ja-JP" altLang="en-US" sz="1050" b="0" i="0" u="none" strike="noStrike" kern="100" cap="none" spc="0" normalizeH="0" baseline="0" noProof="0" dirty="0">
+              <a:ln>
+                <a:noFill/>
+              </a:ln>
+              <a:solidFill>
+                <a:sysClr val="window" lastClr="FFFFFF"/>
+              </a:solidFill>
+              <a:effectLst/>
+              <a:uLnTx/>
+              <a:uFillTx/>
+              <a:latin typeface="Century"/>
+              <a:ea typeface="ＭＳ 明朝" panose="02020609040205080304" pitchFamily="17" charset="-128"/>
+              <a:cs typeface="Times New Roman" panose="02020603050405020304" pitchFamily="18" charset="0"/>
+            </a:endParaRPr>
+          </a:p>
+          <a:p>
+            <a:pPr marL="0" marR="0" lvl="0" indent="0" algn="l" defTabSz="914400" eaLnBrk="1" fontAlgn="auto" latinLnBrk="0" hangingPunct="1">
+              <a:lnSpc>
+                <a:spcPts val="800"/>
+              </a:lnSpc>
+              <a:spcBef>
+                <a:spcPts val="0"/>
+              </a:spcBef>
+              <a:spcAft>
+                <a:spcPts val="0"/>
+              </a:spcAft>
+              <a:buClrTx/>
+              <a:buSzTx/>
+              <a:buFontTx/>
+              <a:buNone/>
+              <a:tabLst/>
+              <a:defRPr/>
+            </a:pPr>
+            <a:r>
               <a:rPr kumimoji="0" lang="en-US" sz="900" b="0" i="0" u="none" strike="noStrike" kern="100" cap="none" spc="0" normalizeH="0" baseline="0" noProof="0" dirty="0" smtClean="0">
                 <a:ln>
                   <a:noFill/>
@@ -13591,6 +13760,288 @@
           </a:p>
         </p:txBody>
       </p:sp>
+      <p:cxnSp>
+        <p:nvCxnSpPr>
+          <p:cNvPr id="14" name="直線コネクタ 13"/>
+          <p:cNvCxnSpPr/>
+          <p:nvPr/>
+        </p:nvCxnSpPr>
+        <p:spPr bwMode="auto">
+          <a:xfrm flipH="1">
+            <a:off x="1861091" y="2216344"/>
+            <a:ext cx="359414" cy="187890"/>
+          </a:xfrm>
+          <a:prstGeom prst="line">
+            <a:avLst/>
+          </a:prstGeom>
+          <a:solidFill>
+            <a:schemeClr val="bg1"/>
+          </a:solidFill>
+          <a:ln w="19050" cap="flat" cmpd="sng" algn="ctr">
+            <a:solidFill>
+              <a:srgbClr val="FF0000"/>
+            </a:solidFill>
+            <a:prstDash val="solid"/>
+            <a:bevel/>
+            <a:headEnd type="none" w="med" len="med"/>
+            <a:tailEnd type="none" w="med" len="med"/>
+          </a:ln>
+          <a:effectLst/>
+          <a:extLst>
+            <a:ext uri="{AF507438-7753-43E0-B8FC-AC1667EBCBE1}">
+              <a14:hiddenEffects xmlns:a14="http://schemas.microsoft.com/office/drawing/2010/main">
+                <a:effectLst>
+                  <a:outerShdw dist="35921" dir="2700000" algn="ctr" rotWithShape="0">
+                    <a:schemeClr val="tx1">
+                      <a:alpha val="50000"/>
+                    </a:schemeClr>
+                  </a:outerShdw>
+                </a:effectLst>
+              </a14:hiddenEffects>
+            </a:ext>
+          </a:extLst>
+        </p:spPr>
+      </p:cxnSp>
+      <p:cxnSp>
+        <p:nvCxnSpPr>
+          <p:cNvPr id="15" name="直線コネクタ 14"/>
+          <p:cNvCxnSpPr/>
+          <p:nvPr/>
+        </p:nvCxnSpPr>
+        <p:spPr bwMode="auto">
+          <a:xfrm>
+            <a:off x="2220505" y="2216344"/>
+            <a:ext cx="936000" cy="0"/>
+          </a:xfrm>
+          <a:prstGeom prst="line">
+            <a:avLst/>
+          </a:prstGeom>
+          <a:solidFill>
+            <a:schemeClr val="bg1"/>
+          </a:solidFill>
+          <a:ln w="19050" cap="flat" cmpd="sng" algn="ctr">
+            <a:solidFill>
+              <a:srgbClr val="FF0000"/>
+            </a:solidFill>
+            <a:prstDash val="solid"/>
+            <a:round/>
+            <a:headEnd type="none" w="med" len="med"/>
+            <a:tailEnd type="none" w="med" len="med"/>
+          </a:ln>
+          <a:effectLst/>
+          <a:extLst>
+            <a:ext uri="{AF507438-7753-43E0-B8FC-AC1667EBCBE1}">
+              <a14:hiddenEffects xmlns:a14="http://schemas.microsoft.com/office/drawing/2010/main">
+                <a:effectLst>
+                  <a:outerShdw dist="35921" dir="2700000" algn="ctr" rotWithShape="0">
+                    <a:schemeClr val="tx1">
+                      <a:alpha val="50000"/>
+                    </a:schemeClr>
+                  </a:outerShdw>
+                </a:effectLst>
+              </a14:hiddenEffects>
+            </a:ext>
+          </a:extLst>
+        </p:spPr>
+      </p:cxnSp>
+      <p:cxnSp>
+        <p:nvCxnSpPr>
+          <p:cNvPr id="20" name="直線コネクタ 19"/>
+          <p:cNvCxnSpPr/>
+          <p:nvPr/>
+        </p:nvCxnSpPr>
+        <p:spPr bwMode="auto">
+          <a:xfrm>
+            <a:off x="60841" y="2389114"/>
+            <a:ext cx="1800250" cy="10038"/>
+          </a:xfrm>
+          <a:prstGeom prst="line">
+            <a:avLst/>
+          </a:prstGeom>
+          <a:solidFill>
+            <a:schemeClr val="bg1"/>
+          </a:solidFill>
+          <a:ln w="19050" cap="flat" cmpd="sng" algn="ctr">
+            <a:solidFill>
+              <a:srgbClr val="FF0000"/>
+            </a:solidFill>
+            <a:prstDash val="solid"/>
+            <a:round/>
+            <a:headEnd type="none" w="med" len="med"/>
+            <a:tailEnd type="none" w="med" len="med"/>
+          </a:ln>
+          <a:effectLst/>
+          <a:extLst>
+            <a:ext uri="{AF507438-7753-43E0-B8FC-AC1667EBCBE1}">
+              <a14:hiddenEffects xmlns:a14="http://schemas.microsoft.com/office/drawing/2010/main">
+                <a:effectLst>
+                  <a:outerShdw dist="35921" dir="2700000" algn="ctr" rotWithShape="0">
+                    <a:schemeClr val="tx1">
+                      <a:alpha val="50000"/>
+                    </a:schemeClr>
+                  </a:outerShdw>
+                </a:effectLst>
+              </a14:hiddenEffects>
+            </a:ext>
+          </a:extLst>
+        </p:spPr>
+      </p:cxnSp>
+      <p:sp>
+        <p:nvSpPr>
+          <p:cNvPr id="22" name="正方形/長方形 21"/>
+          <p:cNvSpPr/>
+          <p:nvPr/>
+        </p:nvSpPr>
+        <p:spPr>
+          <a:xfrm>
+            <a:off x="2123660" y="2277030"/>
+            <a:ext cx="3492000" cy="1368000"/>
+          </a:xfrm>
+          <a:prstGeom prst="rect">
+            <a:avLst/>
+          </a:prstGeom>
+          <a:noFill/>
+          <a:ln>
+            <a:solidFill>
+              <a:srgbClr val="FF0000"/>
+            </a:solidFill>
+            <a:prstDash val="sysDash"/>
+          </a:ln>
+        </p:spPr>
+        <p:style>
+          <a:lnRef idx="2">
+            <a:schemeClr val="accent1">
+              <a:shade val="50000"/>
+            </a:schemeClr>
+          </a:lnRef>
+          <a:fillRef idx="1">
+            <a:schemeClr val="accent1"/>
+          </a:fillRef>
+          <a:effectRef idx="0">
+            <a:schemeClr val="accent1"/>
+          </a:effectRef>
+          <a:fontRef idx="minor">
+            <a:schemeClr val="lt1"/>
+          </a:fontRef>
+        </p:style>
+        <p:txBody>
+          <a:bodyPr rot="0" spcFirstLastPara="0" vert="horz" wrap="square" lIns="91440" tIns="45720" rIns="91440" bIns="45720" numCol="1" spcCol="0" rtlCol="0" fromWordArt="0" anchor="ctr" anchorCtr="0" forceAA="0" compatLnSpc="1">
+            <a:prstTxWarp prst="textNoShape">
+              <a:avLst/>
+            </a:prstTxWarp>
+            <a:noAutofit/>
+          </a:bodyPr>
+          <a:lstStyle/>
+          <a:p>
+            <a:endParaRPr lang="ja-JP" altLang="en-US" dirty="0"/>
+          </a:p>
+        </p:txBody>
+      </p:sp>
+      <p:cxnSp>
+        <p:nvCxnSpPr>
+          <p:cNvPr id="27" name="直線コネクタ 26"/>
+          <p:cNvCxnSpPr/>
+          <p:nvPr/>
+        </p:nvCxnSpPr>
+        <p:spPr bwMode="auto">
+          <a:xfrm>
+            <a:off x="5652150" y="2948002"/>
+            <a:ext cx="1080000" cy="0"/>
+          </a:xfrm>
+          <a:prstGeom prst="line">
+            <a:avLst/>
+          </a:prstGeom>
+          <a:solidFill>
+            <a:schemeClr val="bg1"/>
+          </a:solidFill>
+          <a:ln w="19050" cap="flat" cmpd="sng" algn="ctr">
+            <a:solidFill>
+              <a:srgbClr val="FF0000"/>
+            </a:solidFill>
+            <a:prstDash val="dash"/>
+            <a:round/>
+            <a:headEnd type="none" w="med" len="med"/>
+            <a:tailEnd type="none" w="med" len="med"/>
+          </a:ln>
+          <a:effectLst/>
+          <a:extLst>
+            <a:ext uri="{AF507438-7753-43E0-B8FC-AC1667EBCBE1}">
+              <a14:hiddenEffects xmlns:a14="http://schemas.microsoft.com/office/drawing/2010/main">
+                <a:effectLst>
+                  <a:outerShdw dist="35921" dir="2700000" algn="ctr" rotWithShape="0">
+                    <a:schemeClr val="tx1">
+                      <a:alpha val="50000"/>
+                    </a:schemeClr>
+                  </a:outerShdw>
+                </a:effectLst>
+              </a14:hiddenEffects>
+            </a:ext>
+          </a:extLst>
+        </p:spPr>
+      </p:cxnSp>
+      <p:sp>
+        <p:nvSpPr>
+          <p:cNvPr id="33" name="テキスト ボックス 32"/>
+          <p:cNvSpPr txBox="1"/>
+          <p:nvPr/>
+        </p:nvSpPr>
+        <p:spPr>
+          <a:xfrm>
+            <a:off x="0" y="2152931"/>
+            <a:ext cx="1972475" cy="246221"/>
+          </a:xfrm>
+          <a:prstGeom prst="rect">
+            <a:avLst/>
+          </a:prstGeom>
+          <a:noFill/>
+        </p:spPr>
+        <p:txBody>
+          <a:bodyPr wrap="square" rtlCol="0">
+            <a:spAutoFit/>
+          </a:bodyPr>
+          <a:lstStyle/>
+          <a:p>
+            <a:pPr algn="ctr"/>
+            <a:r>
+              <a:rPr lang="ja-JP" altLang="en-US" sz="1000" dirty="0" smtClean="0">
+                <a:solidFill>
+                  <a:srgbClr val="FF0000"/>
+                </a:solidFill>
+              </a:rPr>
+              <a:t>インストール対象</a:t>
+            </a:r>
+            <a:r>
+              <a:rPr lang="en-US" altLang="ja-JP" sz="1000" dirty="0" smtClean="0">
+                <a:solidFill>
+                  <a:srgbClr val="FF0000"/>
+                </a:solidFill>
+              </a:rPr>
+              <a:t>OS</a:t>
+            </a:r>
+            <a:r>
+              <a:rPr lang="ja-JP" altLang="en-US" sz="1000" dirty="0">
+                <a:solidFill>
+                  <a:srgbClr val="FF0000"/>
+                </a:solidFill>
+              </a:rPr>
+              <a:t>：</a:t>
+            </a:r>
+            <a:r>
+              <a:rPr lang="en-US" altLang="ja-JP" sz="1000" dirty="0" smtClean="0">
+                <a:solidFill>
+                  <a:srgbClr val="FF0000"/>
+                </a:solidFill>
+              </a:rPr>
+              <a:t>RHEL7</a:t>
+            </a:r>
+            <a:endParaRPr kumimoji="1" lang="ja-JP" altLang="en-US" sz="1000" dirty="0">
+              <a:solidFill>
+                <a:srgbClr val="FF0000"/>
+              </a:solidFill>
+            </a:endParaRPr>
+          </a:p>
+        </p:txBody>
+      </p:sp>
       <p:sp>
         <p:nvSpPr>
           <p:cNvPr id="9" name="角丸四角形 8"/>
@@ -13599,13 +14050,15 @@
         </p:nvSpPr>
         <p:spPr bwMode="auto">
           <a:xfrm>
-            <a:off x="7164360" y="2314625"/>
+            <a:off x="6842081" y="2458645"/>
             <a:ext cx="1728240" cy="898345"/>
           </a:xfrm>
           <a:prstGeom prst="roundRect">
             <a:avLst/>
           </a:prstGeom>
-          <a:noFill/>
+          <a:solidFill>
+            <a:schemeClr val="bg1"/>
+          </a:solidFill>
           <a:ln w="12700">
             <a:solidFill>
               <a:srgbClr val="C00000"/>
@@ -13677,7 +14130,7 @@
         </p:nvGrpSpPr>
         <p:grpSpPr>
           <a:xfrm>
-            <a:off x="6908793" y="2061113"/>
+            <a:off x="6586514" y="2205133"/>
             <a:ext cx="565503" cy="549789"/>
             <a:chOff x="162795" y="3812178"/>
             <a:chExt cx="565503" cy="549789"/>
@@ -14145,288 +14598,6 @@
           </p:txBody>
         </p:sp>
       </p:grpSp>
-      <p:cxnSp>
-        <p:nvCxnSpPr>
-          <p:cNvPr id="14" name="直線コネクタ 13"/>
-          <p:cNvCxnSpPr/>
-          <p:nvPr/>
-        </p:nvCxnSpPr>
-        <p:spPr bwMode="auto">
-          <a:xfrm flipH="1">
-            <a:off x="2052286" y="2042880"/>
-            <a:ext cx="359414" cy="187890"/>
-          </a:xfrm>
-          <a:prstGeom prst="line">
-            <a:avLst/>
-          </a:prstGeom>
-          <a:solidFill>
-            <a:schemeClr val="bg1"/>
-          </a:solidFill>
-          <a:ln w="19050" cap="flat" cmpd="sng" algn="ctr">
-            <a:solidFill>
-              <a:srgbClr val="FF0000"/>
-            </a:solidFill>
-            <a:prstDash val="solid"/>
-            <a:bevel/>
-            <a:headEnd type="none" w="med" len="med"/>
-            <a:tailEnd type="none" w="med" len="med"/>
-          </a:ln>
-          <a:effectLst/>
-          <a:extLst>
-            <a:ext uri="{AF507438-7753-43E0-B8FC-AC1667EBCBE1}">
-              <a14:hiddenEffects xmlns:a14="http://schemas.microsoft.com/office/drawing/2010/main">
-                <a:effectLst>
-                  <a:outerShdw dist="35921" dir="2700000" algn="ctr" rotWithShape="0">
-                    <a:schemeClr val="tx1">
-                      <a:alpha val="50000"/>
-                    </a:schemeClr>
-                  </a:outerShdw>
-                </a:effectLst>
-              </a14:hiddenEffects>
-            </a:ext>
-          </a:extLst>
-        </p:spPr>
-      </p:cxnSp>
-      <p:cxnSp>
-        <p:nvCxnSpPr>
-          <p:cNvPr id="15" name="直線コネクタ 14"/>
-          <p:cNvCxnSpPr/>
-          <p:nvPr/>
-        </p:nvCxnSpPr>
-        <p:spPr bwMode="auto">
-          <a:xfrm>
-            <a:off x="2411700" y="2042880"/>
-            <a:ext cx="936000" cy="0"/>
-          </a:xfrm>
-          <a:prstGeom prst="line">
-            <a:avLst/>
-          </a:prstGeom>
-          <a:solidFill>
-            <a:schemeClr val="bg1"/>
-          </a:solidFill>
-          <a:ln w="19050" cap="flat" cmpd="sng" algn="ctr">
-            <a:solidFill>
-              <a:srgbClr val="FF0000"/>
-            </a:solidFill>
-            <a:prstDash val="solid"/>
-            <a:round/>
-            <a:headEnd type="none" w="med" len="med"/>
-            <a:tailEnd type="none" w="med" len="med"/>
-          </a:ln>
-          <a:effectLst/>
-          <a:extLst>
-            <a:ext uri="{AF507438-7753-43E0-B8FC-AC1667EBCBE1}">
-              <a14:hiddenEffects xmlns:a14="http://schemas.microsoft.com/office/drawing/2010/main">
-                <a:effectLst>
-                  <a:outerShdw dist="35921" dir="2700000" algn="ctr" rotWithShape="0">
-                    <a:schemeClr val="tx1">
-                      <a:alpha val="50000"/>
-                    </a:schemeClr>
-                  </a:outerShdw>
-                </a:effectLst>
-              </a14:hiddenEffects>
-            </a:ext>
-          </a:extLst>
-        </p:spPr>
-      </p:cxnSp>
-      <p:cxnSp>
-        <p:nvCxnSpPr>
-          <p:cNvPr id="20" name="直線コネクタ 19"/>
-          <p:cNvCxnSpPr/>
-          <p:nvPr/>
-        </p:nvCxnSpPr>
-        <p:spPr bwMode="auto">
-          <a:xfrm>
-            <a:off x="252036" y="2215650"/>
-            <a:ext cx="1800250" cy="10038"/>
-          </a:xfrm>
-          <a:prstGeom prst="line">
-            <a:avLst/>
-          </a:prstGeom>
-          <a:solidFill>
-            <a:schemeClr val="bg1"/>
-          </a:solidFill>
-          <a:ln w="19050" cap="flat" cmpd="sng" algn="ctr">
-            <a:solidFill>
-              <a:srgbClr val="FF0000"/>
-            </a:solidFill>
-            <a:prstDash val="solid"/>
-            <a:round/>
-            <a:headEnd type="none" w="med" len="med"/>
-            <a:tailEnd type="none" w="med" len="med"/>
-          </a:ln>
-          <a:effectLst/>
-          <a:extLst>
-            <a:ext uri="{AF507438-7753-43E0-B8FC-AC1667EBCBE1}">
-              <a14:hiddenEffects xmlns:a14="http://schemas.microsoft.com/office/drawing/2010/main">
-                <a:effectLst>
-                  <a:outerShdw dist="35921" dir="2700000" algn="ctr" rotWithShape="0">
-                    <a:schemeClr val="tx1">
-                      <a:alpha val="50000"/>
-                    </a:schemeClr>
-                  </a:outerShdw>
-                </a:effectLst>
-              </a14:hiddenEffects>
-            </a:ext>
-          </a:extLst>
-        </p:spPr>
-      </p:cxnSp>
-      <p:sp>
-        <p:nvSpPr>
-          <p:cNvPr id="22" name="正方形/長方形 21"/>
-          <p:cNvSpPr/>
-          <p:nvPr/>
-        </p:nvSpPr>
-        <p:spPr>
-          <a:xfrm>
-            <a:off x="2365027" y="2125001"/>
-            <a:ext cx="3492000" cy="1368000"/>
-          </a:xfrm>
-          <a:prstGeom prst="rect">
-            <a:avLst/>
-          </a:prstGeom>
-          <a:noFill/>
-          <a:ln>
-            <a:solidFill>
-              <a:srgbClr val="FF0000"/>
-            </a:solidFill>
-            <a:prstDash val="sysDash"/>
-          </a:ln>
-        </p:spPr>
-        <p:style>
-          <a:lnRef idx="2">
-            <a:schemeClr val="accent1">
-              <a:shade val="50000"/>
-            </a:schemeClr>
-          </a:lnRef>
-          <a:fillRef idx="1">
-            <a:schemeClr val="accent1"/>
-          </a:fillRef>
-          <a:effectRef idx="0">
-            <a:schemeClr val="accent1"/>
-          </a:effectRef>
-          <a:fontRef idx="minor">
-            <a:schemeClr val="lt1"/>
-          </a:fontRef>
-        </p:style>
-        <p:txBody>
-          <a:bodyPr rot="0" spcFirstLastPara="0" vert="horz" wrap="square" lIns="91440" tIns="45720" rIns="91440" bIns="45720" numCol="1" spcCol="0" rtlCol="0" fromWordArt="0" anchor="ctr" anchorCtr="0" forceAA="0" compatLnSpc="1">
-            <a:prstTxWarp prst="textNoShape">
-              <a:avLst/>
-            </a:prstTxWarp>
-            <a:noAutofit/>
-          </a:bodyPr>
-          <a:lstStyle/>
-          <a:p>
-            <a:endParaRPr lang="ja-JP" altLang="en-US" dirty="0"/>
-          </a:p>
-        </p:txBody>
-      </p:sp>
-      <p:cxnSp>
-        <p:nvCxnSpPr>
-          <p:cNvPr id="27" name="直線コネクタ 26"/>
-          <p:cNvCxnSpPr/>
-          <p:nvPr/>
-        </p:nvCxnSpPr>
-        <p:spPr bwMode="auto">
-          <a:xfrm>
-            <a:off x="5974429" y="2803982"/>
-            <a:ext cx="1080000" cy="0"/>
-          </a:xfrm>
-          <a:prstGeom prst="line">
-            <a:avLst/>
-          </a:prstGeom>
-          <a:solidFill>
-            <a:schemeClr val="bg1"/>
-          </a:solidFill>
-          <a:ln w="19050" cap="flat" cmpd="sng" algn="ctr">
-            <a:solidFill>
-              <a:srgbClr val="FF0000"/>
-            </a:solidFill>
-            <a:prstDash val="dash"/>
-            <a:round/>
-            <a:headEnd type="none" w="med" len="med"/>
-            <a:tailEnd type="none" w="med" len="med"/>
-          </a:ln>
-          <a:effectLst/>
-          <a:extLst>
-            <a:ext uri="{AF507438-7753-43E0-B8FC-AC1667EBCBE1}">
-              <a14:hiddenEffects xmlns:a14="http://schemas.microsoft.com/office/drawing/2010/main">
-                <a:effectLst>
-                  <a:outerShdw dist="35921" dir="2700000" algn="ctr" rotWithShape="0">
-                    <a:schemeClr val="tx1">
-                      <a:alpha val="50000"/>
-                    </a:schemeClr>
-                  </a:outerShdw>
-                </a:effectLst>
-              </a14:hiddenEffects>
-            </a:ext>
-          </a:extLst>
-        </p:spPr>
-      </p:cxnSp>
-      <p:sp>
-        <p:nvSpPr>
-          <p:cNvPr id="33" name="テキスト ボックス 32"/>
-          <p:cNvSpPr txBox="1"/>
-          <p:nvPr/>
-        </p:nvSpPr>
-        <p:spPr>
-          <a:xfrm>
-            <a:off x="140653" y="1979467"/>
-            <a:ext cx="2023017" cy="246221"/>
-          </a:xfrm>
-          <a:prstGeom prst="rect">
-            <a:avLst/>
-          </a:prstGeom>
-          <a:noFill/>
-        </p:spPr>
-        <p:txBody>
-          <a:bodyPr wrap="square" rtlCol="0">
-            <a:spAutoFit/>
-          </a:bodyPr>
-          <a:lstStyle/>
-          <a:p>
-            <a:pPr algn="ctr"/>
-            <a:r>
-              <a:rPr lang="ja-JP" altLang="en-US" sz="1000" dirty="0" smtClean="0">
-                <a:solidFill>
-                  <a:srgbClr val="FF0000"/>
-                </a:solidFill>
-              </a:rPr>
-              <a:t>インストール対象</a:t>
-            </a:r>
-            <a:r>
-              <a:rPr lang="en-US" altLang="ja-JP" sz="1000" dirty="0" smtClean="0">
-                <a:solidFill>
-                  <a:srgbClr val="FF0000"/>
-                </a:solidFill>
-              </a:rPr>
-              <a:t>OS</a:t>
-            </a:r>
-            <a:r>
-              <a:rPr lang="ja-JP" altLang="en-US" sz="1000" dirty="0">
-                <a:solidFill>
-                  <a:srgbClr val="FF0000"/>
-                </a:solidFill>
-              </a:rPr>
-              <a:t>：</a:t>
-            </a:r>
-            <a:r>
-              <a:rPr lang="en-US" altLang="ja-JP" sz="1000" dirty="0" smtClean="0">
-                <a:solidFill>
-                  <a:srgbClr val="FF0000"/>
-                </a:solidFill>
-              </a:rPr>
-              <a:t>RHEL7</a:t>
-            </a:r>
-            <a:endParaRPr kumimoji="1" lang="ja-JP" altLang="en-US" sz="1000" dirty="0">
-              <a:solidFill>
-                <a:srgbClr val="FF0000"/>
-              </a:solidFill>
-            </a:endParaRPr>
-          </a:p>
-        </p:txBody>
-      </p:sp>
     </p:spTree>
     <p:extLst>
       <p:ext uri="{BB962C8B-B14F-4D97-AF65-F5344CB8AC3E}">

--- a/asset/Learn_ja/ITA-online-install_ja.pptx
+++ b/asset/Learn_ja/ITA-online-install_ja.pptx
@@ -332,7 +332,7 @@
               <a:rPr kumimoji="1" lang="ja-JP" altLang="en-US" smtClean="0">
                 <a:ea typeface="メイリオ" panose="020B0604030504040204" pitchFamily="50" charset="-128"/>
               </a:rPr>
-              <a:t>2020/2/10</a:t>
+              <a:t>2020/3/25</a:t>
             </a:fld>
             <a:endParaRPr kumimoji="1" lang="ja-JP" altLang="en-US" dirty="0">
               <a:ea typeface="メイリオ" panose="020B0604030504040204" pitchFamily="50" charset="-128"/>
@@ -478,7 +478,7 @@
             <a:fld id="{4B26993D-C081-44EB-B0F5-A9F467792B62}" type="datetimeFigureOut">
               <a:rPr lang="ja-JP" altLang="en-US" smtClean="0"/>
               <a:pPr/>
-              <a:t>2020/2/10</a:t>
+              <a:t>2020/3/25</a:t>
             </a:fld>
             <a:endParaRPr lang="ja-JP" altLang="en-US" dirty="0"/>
           </a:p>
@@ -1101,7 +1101,7 @@
           <a:p>
             <a:fld id="{56F9016B-CCA6-43BE-8BEE-59565A35F4F7}" type="datetimeFigureOut">
               <a:rPr kumimoji="1" lang="ja-JP" altLang="en-US" smtClean="0"/>
-              <a:t>2020/2/10</a:t>
+              <a:t>2020/3/25</a:t>
             </a:fld>
             <a:endParaRPr kumimoji="1" lang="ja-JP" altLang="en-US"/>
           </a:p>
@@ -1303,7 +1303,7 @@
           <a:p>
             <a:fld id="{56F9016B-CCA6-43BE-8BEE-59565A35F4F7}" type="datetimeFigureOut">
               <a:rPr kumimoji="1" lang="ja-JP" altLang="en-US" smtClean="0"/>
-              <a:t>2020/2/10</a:t>
+              <a:t>2020/3/25</a:t>
             </a:fld>
             <a:endParaRPr kumimoji="1" lang="ja-JP" altLang="en-US"/>
           </a:p>
@@ -1549,7 +1549,7 @@
           <a:p>
             <a:fld id="{56F9016B-CCA6-43BE-8BEE-59565A35F4F7}" type="datetimeFigureOut">
               <a:rPr kumimoji="1" lang="ja-JP" altLang="en-US" smtClean="0"/>
-              <a:t>2020/2/10</a:t>
+              <a:t>2020/3/25</a:t>
             </a:fld>
             <a:endParaRPr kumimoji="1" lang="ja-JP" altLang="en-US"/>
           </a:p>
@@ -1845,7 +1845,7 @@
           <a:p>
             <a:fld id="{56F9016B-CCA6-43BE-8BEE-59565A35F4F7}" type="datetimeFigureOut">
               <a:rPr kumimoji="1" lang="ja-JP" altLang="en-US" smtClean="0"/>
-              <a:t>2020/2/10</a:t>
+              <a:t>2020/3/25</a:t>
             </a:fld>
             <a:endParaRPr kumimoji="1" lang="ja-JP" altLang="en-US"/>
           </a:p>
@@ -2276,7 +2276,7 @@
           <a:p>
             <a:fld id="{56F9016B-CCA6-43BE-8BEE-59565A35F4F7}" type="datetimeFigureOut">
               <a:rPr kumimoji="1" lang="ja-JP" altLang="en-US" smtClean="0"/>
-              <a:t>2020/2/10</a:t>
+              <a:t>2020/3/25</a:t>
             </a:fld>
             <a:endParaRPr kumimoji="1" lang="ja-JP" altLang="en-US"/>
           </a:p>
@@ -2394,7 +2394,7 @@
           <a:p>
             <a:fld id="{56F9016B-CCA6-43BE-8BEE-59565A35F4F7}" type="datetimeFigureOut">
               <a:rPr kumimoji="1" lang="ja-JP" altLang="en-US" smtClean="0"/>
-              <a:t>2020/2/10</a:t>
+              <a:t>2020/3/25</a:t>
             </a:fld>
             <a:endParaRPr kumimoji="1" lang="ja-JP" altLang="en-US"/>
           </a:p>
@@ -2489,7 +2489,7 @@
           <a:p>
             <a:fld id="{56F9016B-CCA6-43BE-8BEE-59565A35F4F7}" type="datetimeFigureOut">
               <a:rPr kumimoji="1" lang="ja-JP" altLang="en-US" smtClean="0"/>
-              <a:t>2020/2/10</a:t>
+              <a:t>2020/3/25</a:t>
             </a:fld>
             <a:endParaRPr kumimoji="1" lang="ja-JP" altLang="en-US"/>
           </a:p>
@@ -2798,7 +2798,7 @@
           <a:p>
             <a:fld id="{56F9016B-CCA6-43BE-8BEE-59565A35F4F7}" type="datetimeFigureOut">
               <a:rPr kumimoji="1" lang="ja-JP" altLang="en-US" smtClean="0"/>
-              <a:t>2020/2/10</a:t>
+              <a:t>2020/3/25</a:t>
             </a:fld>
             <a:endParaRPr kumimoji="1" lang="ja-JP" altLang="en-US"/>
           </a:p>
@@ -3051,7 +3051,7 @@
           <a:p>
             <a:fld id="{56F9016B-CCA6-43BE-8BEE-59565A35F4F7}" type="datetimeFigureOut">
               <a:rPr kumimoji="1" lang="ja-JP" altLang="en-US" smtClean="0"/>
-              <a:t>2020/2/10</a:t>
+              <a:t>2020/3/25</a:t>
             </a:fld>
             <a:endParaRPr kumimoji="1" lang="ja-JP" altLang="en-US"/>
           </a:p>
@@ -3328,7 +3328,7 @@
           <a:p>
             <a:fld id="{56F9016B-CCA6-43BE-8BEE-59565A35F4F7}" type="datetimeFigureOut">
               <a:rPr kumimoji="1" lang="ja-JP" altLang="en-US" smtClean="0"/>
-              <a:t>2020/2/10</a:t>
+              <a:t>2020/3/25</a:t>
             </a:fld>
             <a:endParaRPr kumimoji="1" lang="ja-JP" altLang="en-US"/>
           </a:p>
@@ -3540,7 +3540,7 @@
           <a:p>
             <a:fld id="{56F9016B-CCA6-43BE-8BEE-59565A35F4F7}" type="datetimeFigureOut">
               <a:rPr kumimoji="1" lang="ja-JP" altLang="en-US" smtClean="0"/>
-              <a:t>2020/2/10</a:t>
+              <a:t>2020/3/25</a:t>
             </a:fld>
             <a:endParaRPr kumimoji="1" lang="ja-JP" altLang="en-US"/>
           </a:p>
@@ -6599,7 +6599,7 @@
           <a:p>
             <a:fld id="{56F9016B-CCA6-43BE-8BEE-59565A35F4F7}" type="datetimeFigureOut">
               <a:rPr kumimoji="1" lang="ja-JP" altLang="en-US" smtClean="0"/>
-              <a:t>2020/2/10</a:t>
+              <a:t>2020/3/25</a:t>
             </a:fld>
             <a:endParaRPr kumimoji="1" lang="ja-JP" altLang="en-US"/>
           </a:p>
@@ -7037,7 +7037,7 @@
             </a:r>
             <a:r>
               <a:rPr lang="en-US" altLang="ja-JP" dirty="0" smtClean="0"/>
-              <a:t>1.3</a:t>
+              <a:t>1.4</a:t>
             </a:r>
             <a:r>
               <a:rPr lang="ja-JP" altLang="en-US" dirty="0" smtClean="0"/>
@@ -20364,7 +20364,7 @@
           <p:nvPr>
             <p:extLst>
               <p:ext uri="{D42A27DB-BD31-4B8C-83A1-F6EECF244321}">
-                <p14:modId xmlns:p14="http://schemas.microsoft.com/office/powerpoint/2010/main" val="1588285784"/>
+                <p14:modId xmlns:p14="http://schemas.microsoft.com/office/powerpoint/2010/main" val="1502930282"/>
               </p:ext>
             </p:extLst>
           </p:nvPr>
@@ -21437,16 +21437,10 @@
                         <a:t>Spyc</a:t>
                       </a:r>
                       <a:r>
-                        <a:rPr lang="en-US" sz="1050" kern="100" dirty="0" smtClean="0">
-                          <a:effectLst/>
-                        </a:rPr>
-                        <a:t>, </a:t>
-                      </a:r>
-                      <a:r>
-                        <a:rPr lang="en-US" sz="1050" kern="100" dirty="0">
-                          <a:effectLst/>
-                        </a:rPr>
-                        <a:t>Auth, </a:t>
+                        <a:rPr lang="ja-JP" altLang="en-US" sz="1050" kern="100" dirty="0" err="1" smtClean="0">
+                          <a:effectLst/>
+                        </a:rPr>
+                        <a:t>、</a:t>
                       </a:r>
                       <a:r>
                         <a:rPr lang="en-US" sz="1050" kern="100" dirty="0" smtClean="0">
@@ -24399,8 +24393,10 @@
             </a:r>
           </a:p>
           <a:p>
-            <a:pPr lvl="1"/>
-            <a:endParaRPr kumimoji="1" lang="ja-JP" altLang="en-US" dirty="0"/>
+            <a:pPr marL="180000" lvl="1" indent="0">
+              <a:buNone/>
+            </a:pPr>
+            <a:endParaRPr kumimoji="1" lang="en-US" altLang="ja-JP" dirty="0" smtClean="0"/>
           </a:p>
         </p:txBody>
       </p:sp>
@@ -25016,7 +25012,255 @@
           </a:p>
           <a:p>
             <a:pPr lvl="1"/>
-            <a:endParaRPr kumimoji="1" lang="ja-JP" altLang="en-US" dirty="0"/>
+            <a:endParaRPr kumimoji="1" lang="en-US" altLang="ja-JP" dirty="0" smtClean="0"/>
+          </a:p>
+          <a:p>
+            <a:pPr lvl="1"/>
+            <a:endParaRPr lang="en-US" altLang="ja-JP" dirty="0"/>
+          </a:p>
+          <a:p>
+            <a:pPr lvl="1"/>
+            <a:endParaRPr kumimoji="1" lang="en-US" altLang="ja-JP" dirty="0" smtClean="0"/>
+          </a:p>
+          <a:p>
+            <a:pPr lvl="1"/>
+            <a:endParaRPr lang="en-US" altLang="ja-JP" dirty="0"/>
+          </a:p>
+          <a:p>
+            <a:pPr lvl="1"/>
+            <a:endParaRPr kumimoji="1" lang="en-US" altLang="ja-JP" dirty="0" smtClean="0"/>
+          </a:p>
+          <a:p>
+            <a:pPr lvl="1"/>
+            <a:endParaRPr lang="en-US" altLang="ja-JP" dirty="0"/>
+          </a:p>
+          <a:p>
+            <a:pPr lvl="1"/>
+            <a:endParaRPr kumimoji="1" lang="en-US" altLang="ja-JP" dirty="0" smtClean="0"/>
+          </a:p>
+          <a:p>
+            <a:pPr lvl="1"/>
+            <a:endParaRPr lang="en-US" altLang="ja-JP" dirty="0"/>
+          </a:p>
+          <a:p>
+            <a:pPr lvl="1"/>
+            <a:endParaRPr kumimoji="1" lang="en-US" altLang="ja-JP" dirty="0" smtClean="0"/>
+          </a:p>
+          <a:p>
+            <a:pPr lvl="0"/>
+            <a:r>
+              <a:rPr lang="ja-JP" altLang="en-US" dirty="0" smtClean="0"/>
+              <a:t>（参考）</a:t>
+            </a:r>
+            <a:r>
+              <a:rPr lang="en-US" altLang="ja-JP" dirty="0" smtClean="0"/>
+              <a:t>HTTP</a:t>
+            </a:r>
+            <a:r>
+              <a:rPr lang="ja-JP" altLang="en-US" dirty="0" smtClean="0"/>
+              <a:t>アクセス</a:t>
+            </a:r>
+            <a:endParaRPr lang="en-US" altLang="ja-JP" dirty="0"/>
+          </a:p>
+          <a:p>
+            <a:pPr marL="180000" lvl="1" indent="0">
+              <a:buNone/>
+            </a:pPr>
+            <a:r>
+              <a:rPr lang="en-US" altLang="ja-JP" dirty="0" smtClean="0"/>
+              <a:t>HTTP</a:t>
+            </a:r>
+            <a:r>
+              <a:rPr lang="ja-JP" altLang="en-US" dirty="0" smtClean="0"/>
+              <a:t>アクセスを許可する場合は、</a:t>
+            </a:r>
+            <a:r>
+              <a:rPr lang="ja-JP" altLang="ja-JP" dirty="0"/>
+              <a:t>以下</a:t>
+            </a:r>
+            <a:r>
+              <a:rPr lang="ja-JP" altLang="ja-JP" dirty="0" smtClean="0"/>
+              <a:t>の</a:t>
+            </a:r>
+            <a:r>
+              <a:rPr lang="ja-JP" altLang="en-US" dirty="0" smtClean="0"/>
+              <a:t>手順を実施してください。</a:t>
+            </a:r>
+            <a:endParaRPr lang="en-US" altLang="ja-JP" dirty="0" smtClean="0"/>
+          </a:p>
+          <a:p>
+            <a:pPr lvl="1"/>
+            <a:r>
+              <a:rPr lang="ja-JP" altLang="en-US" dirty="0" smtClean="0"/>
+              <a:t>ファイル「</a:t>
+            </a:r>
+            <a:r>
+              <a:rPr lang="en-US" altLang="ja-JP" dirty="0" smtClean="0"/>
+              <a:t>/</a:t>
+            </a:r>
+            <a:r>
+              <a:rPr lang="en-US" altLang="ja-JP" dirty="0" err="1" smtClean="0"/>
+              <a:t>etc</a:t>
+            </a:r>
+            <a:r>
+              <a:rPr lang="en-US" altLang="ja-JP" dirty="0" smtClean="0"/>
+              <a:t>/</a:t>
+            </a:r>
+            <a:r>
+              <a:rPr lang="en-US" altLang="ja-JP" dirty="0" err="1" smtClean="0"/>
+              <a:t>httpd</a:t>
+            </a:r>
+            <a:r>
+              <a:rPr lang="en-US" altLang="ja-JP" dirty="0" smtClean="0"/>
+              <a:t>/</a:t>
+            </a:r>
+            <a:r>
+              <a:rPr lang="en-US" altLang="ja-JP" dirty="0" err="1" smtClean="0"/>
+              <a:t>conf.d</a:t>
+            </a:r>
+            <a:r>
+              <a:rPr lang="en-US" altLang="ja-JP" dirty="0" smtClean="0"/>
+              <a:t>/</a:t>
+            </a:r>
+            <a:r>
+              <a:rPr lang="en-US" altLang="ja-JP" dirty="0" err="1" smtClean="0"/>
+              <a:t>vhosts_exastro</a:t>
+            </a:r>
+            <a:r>
+              <a:rPr lang="en-US" altLang="ja-JP" dirty="0" smtClean="0"/>
+              <a:t>-it-</a:t>
+            </a:r>
+            <a:r>
+              <a:rPr lang="en-US" altLang="ja-JP" dirty="0" err="1" smtClean="0"/>
+              <a:t>automation.conf</a:t>
+            </a:r>
+            <a:r>
+              <a:rPr lang="ja-JP" altLang="en-US" dirty="0" smtClean="0"/>
+              <a:t>」の</a:t>
+            </a:r>
+            <a:r>
+              <a:rPr lang="en-US" altLang="ja-JP" dirty="0" smtClean="0"/>
+              <a:t/>
+            </a:r>
+            <a:br>
+              <a:rPr lang="en-US" altLang="ja-JP" dirty="0" smtClean="0"/>
+            </a:br>
+            <a:r>
+              <a:rPr lang="ja-JP" altLang="en-US" dirty="0" smtClean="0"/>
+              <a:t>「</a:t>
+            </a:r>
+            <a:r>
+              <a:rPr lang="en-US" altLang="ja-JP" dirty="0"/>
+              <a:t>&lt;</a:t>
+            </a:r>
+            <a:r>
+              <a:rPr lang="en-US" altLang="ja-JP" dirty="0" err="1"/>
+              <a:t>VirtualHost</a:t>
+            </a:r>
+            <a:r>
+              <a:rPr lang="en-US" altLang="ja-JP" dirty="0"/>
+              <a:t> *:80 </a:t>
+            </a:r>
+            <a:r>
+              <a:rPr lang="en-US" altLang="ja-JP" dirty="0" smtClean="0"/>
+              <a:t>&gt;</a:t>
+            </a:r>
+            <a:r>
+              <a:rPr lang="ja-JP" altLang="en-US" dirty="0" smtClean="0"/>
+              <a:t>」から「</a:t>
+            </a:r>
+            <a:r>
+              <a:rPr lang="en-US" altLang="ja-JP" dirty="0"/>
+              <a:t>&lt;/</a:t>
+            </a:r>
+            <a:r>
+              <a:rPr lang="en-US" altLang="ja-JP" dirty="0" err="1"/>
+              <a:t>VirtualHost</a:t>
+            </a:r>
+            <a:r>
+              <a:rPr lang="en-US" altLang="ja-JP" dirty="0" smtClean="0"/>
+              <a:t>&gt;</a:t>
+            </a:r>
+            <a:r>
+              <a:rPr lang="ja-JP" altLang="en-US" dirty="0" smtClean="0"/>
+              <a:t>」のコメントアウト</a:t>
+            </a:r>
+            <a:r>
+              <a:rPr lang="en-US" altLang="ja-JP" dirty="0" smtClean="0"/>
+              <a:t>(#)</a:t>
+            </a:r>
+            <a:r>
+              <a:rPr lang="ja-JP" altLang="en-US" dirty="0" smtClean="0"/>
+              <a:t>を外す。</a:t>
+            </a:r>
+            <a:endParaRPr lang="en-US" altLang="ja-JP" dirty="0" smtClean="0"/>
+          </a:p>
+          <a:p>
+            <a:pPr lvl="1"/>
+            <a:r>
+              <a:rPr lang="ja-JP" altLang="en-US" dirty="0"/>
+              <a:t>以下</a:t>
+            </a:r>
+            <a:r>
+              <a:rPr lang="ja-JP" altLang="en-US" dirty="0" smtClean="0"/>
+              <a:t>のコマンドにより</a:t>
+            </a:r>
+            <a:r>
+              <a:rPr lang="en-US" altLang="ja-JP" dirty="0" smtClean="0"/>
+              <a:t>Apache</a:t>
+            </a:r>
+            <a:r>
+              <a:rPr lang="ja-JP" altLang="en-US" dirty="0" smtClean="0"/>
+              <a:t>を再起動する。</a:t>
+            </a:r>
+            <a:r>
+              <a:rPr lang="en-US" altLang="ja-JP" dirty="0" smtClean="0"/>
+              <a:t/>
+            </a:r>
+            <a:br>
+              <a:rPr lang="en-US" altLang="ja-JP" dirty="0" smtClean="0"/>
+            </a:br>
+            <a:r>
+              <a:rPr lang="en-US" altLang="ja-JP" dirty="0" err="1" smtClean="0"/>
+              <a:t>systemctl</a:t>
+            </a:r>
+            <a:r>
+              <a:rPr lang="en-US" altLang="ja-JP" dirty="0" smtClean="0"/>
+              <a:t> restart </a:t>
+            </a:r>
+            <a:r>
+              <a:rPr lang="en-US" altLang="ja-JP" dirty="0" err="1" smtClean="0"/>
+              <a:t>httpd</a:t>
+            </a:r>
+            <a:endParaRPr lang="en-US" altLang="ja-JP" dirty="0" smtClean="0"/>
+          </a:p>
+          <a:p>
+            <a:pPr lvl="1"/>
+            <a:r>
+              <a:rPr lang="en-US" altLang="ja-JP" dirty="0" smtClean="0"/>
+              <a:t>URL</a:t>
+            </a:r>
+            <a:r>
+              <a:rPr lang="ja-JP" altLang="en-US" dirty="0" smtClean="0"/>
+              <a:t>「</a:t>
+            </a:r>
+            <a:r>
+              <a:rPr lang="en-US" altLang="ja-JP" u="sng" dirty="0" smtClean="0"/>
+              <a:t>http://(IP</a:t>
+            </a:r>
+            <a:r>
+              <a:rPr lang="ja-JP" altLang="en-US" u="sng" dirty="0" smtClean="0"/>
+              <a:t>ドレス</a:t>
+            </a:r>
+            <a:r>
+              <a:rPr lang="en-US" altLang="ja-JP" u="sng" dirty="0" smtClean="0"/>
+              <a:t>)</a:t>
+            </a:r>
+            <a:r>
+              <a:rPr lang="ja-JP" altLang="en-US" dirty="0" smtClean="0"/>
+              <a:t>」に接続して、ログイン画面が表示されることを確認する。</a:t>
+            </a:r>
+            <a:endParaRPr lang="ja-JP" altLang="ja-JP" dirty="0"/>
           </a:p>
         </p:txBody>
       </p:sp>
@@ -25029,13 +25273,13 @@
           <p:nvPr>
             <p:extLst>
               <p:ext uri="{D42A27DB-BD31-4B8C-83A1-F6EECF244321}">
-                <p14:modId xmlns:p14="http://schemas.microsoft.com/office/powerpoint/2010/main" val="3664210548"/>
+                <p14:modId xmlns:p14="http://schemas.microsoft.com/office/powerpoint/2010/main" val="769688255"/>
               </p:ext>
             </p:extLst>
           </p:nvPr>
         </p:nvGraphicFramePr>
         <p:xfrm>
-          <a:off x="1259540" y="2276840"/>
+          <a:off x="1259540" y="1628750"/>
           <a:ext cx="6624920" cy="2222847"/>
         </p:xfrm>
         <a:graphic>

--- a/asset/Learn_ja/ITA-online-install_ja.pptx
+++ b/asset/Learn_ja/ITA-online-install_ja.pptx
@@ -332,7 +332,7 @@
               <a:rPr kumimoji="1" lang="ja-JP" altLang="en-US" smtClean="0">
                 <a:ea typeface="メイリオ" panose="020B0604030504040204" pitchFamily="50" charset="-128"/>
               </a:rPr>
-              <a:t>2020/3/25</a:t>
+              <a:t>2020/4/16</a:t>
             </a:fld>
             <a:endParaRPr kumimoji="1" lang="ja-JP" altLang="en-US" dirty="0">
               <a:ea typeface="メイリオ" panose="020B0604030504040204" pitchFamily="50" charset="-128"/>
@@ -478,7 +478,7 @@
             <a:fld id="{4B26993D-C081-44EB-B0F5-A9F467792B62}" type="datetimeFigureOut">
               <a:rPr lang="ja-JP" altLang="en-US" smtClean="0"/>
               <a:pPr/>
-              <a:t>2020/3/25</a:t>
+              <a:t>2020/4/16</a:t>
             </a:fld>
             <a:endParaRPr lang="ja-JP" altLang="en-US" dirty="0"/>
           </a:p>
@@ -1101,7 +1101,7 @@
           <a:p>
             <a:fld id="{56F9016B-CCA6-43BE-8BEE-59565A35F4F7}" type="datetimeFigureOut">
               <a:rPr kumimoji="1" lang="ja-JP" altLang="en-US" smtClean="0"/>
-              <a:t>2020/3/25</a:t>
+              <a:t>2020/4/16</a:t>
             </a:fld>
             <a:endParaRPr kumimoji="1" lang="ja-JP" altLang="en-US"/>
           </a:p>
@@ -1303,7 +1303,7 @@
           <a:p>
             <a:fld id="{56F9016B-CCA6-43BE-8BEE-59565A35F4F7}" type="datetimeFigureOut">
               <a:rPr kumimoji="1" lang="ja-JP" altLang="en-US" smtClean="0"/>
-              <a:t>2020/3/25</a:t>
+              <a:t>2020/4/16</a:t>
             </a:fld>
             <a:endParaRPr kumimoji="1" lang="ja-JP" altLang="en-US"/>
           </a:p>
@@ -1549,7 +1549,7 @@
           <a:p>
             <a:fld id="{56F9016B-CCA6-43BE-8BEE-59565A35F4F7}" type="datetimeFigureOut">
               <a:rPr kumimoji="1" lang="ja-JP" altLang="en-US" smtClean="0"/>
-              <a:t>2020/3/25</a:t>
+              <a:t>2020/4/16</a:t>
             </a:fld>
             <a:endParaRPr kumimoji="1" lang="ja-JP" altLang="en-US"/>
           </a:p>
@@ -1845,7 +1845,7 @@
           <a:p>
             <a:fld id="{56F9016B-CCA6-43BE-8BEE-59565A35F4F7}" type="datetimeFigureOut">
               <a:rPr kumimoji="1" lang="ja-JP" altLang="en-US" smtClean="0"/>
-              <a:t>2020/3/25</a:t>
+              <a:t>2020/4/16</a:t>
             </a:fld>
             <a:endParaRPr kumimoji="1" lang="ja-JP" altLang="en-US"/>
           </a:p>
@@ -2276,7 +2276,7 @@
           <a:p>
             <a:fld id="{56F9016B-CCA6-43BE-8BEE-59565A35F4F7}" type="datetimeFigureOut">
               <a:rPr kumimoji="1" lang="ja-JP" altLang="en-US" smtClean="0"/>
-              <a:t>2020/3/25</a:t>
+              <a:t>2020/4/16</a:t>
             </a:fld>
             <a:endParaRPr kumimoji="1" lang="ja-JP" altLang="en-US"/>
           </a:p>
@@ -2394,7 +2394,7 @@
           <a:p>
             <a:fld id="{56F9016B-CCA6-43BE-8BEE-59565A35F4F7}" type="datetimeFigureOut">
               <a:rPr kumimoji="1" lang="ja-JP" altLang="en-US" smtClean="0"/>
-              <a:t>2020/3/25</a:t>
+              <a:t>2020/4/16</a:t>
             </a:fld>
             <a:endParaRPr kumimoji="1" lang="ja-JP" altLang="en-US"/>
           </a:p>
@@ -2489,7 +2489,7 @@
           <a:p>
             <a:fld id="{56F9016B-CCA6-43BE-8BEE-59565A35F4F7}" type="datetimeFigureOut">
               <a:rPr kumimoji="1" lang="ja-JP" altLang="en-US" smtClean="0"/>
-              <a:t>2020/3/25</a:t>
+              <a:t>2020/4/16</a:t>
             </a:fld>
             <a:endParaRPr kumimoji="1" lang="ja-JP" altLang="en-US"/>
           </a:p>
@@ -2798,7 +2798,7 @@
           <a:p>
             <a:fld id="{56F9016B-CCA6-43BE-8BEE-59565A35F4F7}" type="datetimeFigureOut">
               <a:rPr kumimoji="1" lang="ja-JP" altLang="en-US" smtClean="0"/>
-              <a:t>2020/3/25</a:t>
+              <a:t>2020/4/16</a:t>
             </a:fld>
             <a:endParaRPr kumimoji="1" lang="ja-JP" altLang="en-US"/>
           </a:p>
@@ -3051,7 +3051,7 @@
           <a:p>
             <a:fld id="{56F9016B-CCA6-43BE-8BEE-59565A35F4F7}" type="datetimeFigureOut">
               <a:rPr kumimoji="1" lang="ja-JP" altLang="en-US" smtClean="0"/>
-              <a:t>2020/3/25</a:t>
+              <a:t>2020/4/16</a:t>
             </a:fld>
             <a:endParaRPr kumimoji="1" lang="ja-JP" altLang="en-US"/>
           </a:p>
@@ -3328,7 +3328,7 @@
           <a:p>
             <a:fld id="{56F9016B-CCA6-43BE-8BEE-59565A35F4F7}" type="datetimeFigureOut">
               <a:rPr kumimoji="1" lang="ja-JP" altLang="en-US" smtClean="0"/>
-              <a:t>2020/3/25</a:t>
+              <a:t>2020/4/16</a:t>
             </a:fld>
             <a:endParaRPr kumimoji="1" lang="ja-JP" altLang="en-US"/>
           </a:p>
@@ -3540,7 +3540,7 @@
           <a:p>
             <a:fld id="{56F9016B-CCA6-43BE-8BEE-59565A35F4F7}" type="datetimeFigureOut">
               <a:rPr kumimoji="1" lang="ja-JP" altLang="en-US" smtClean="0"/>
-              <a:t>2020/3/25</a:t>
+              <a:t>2020/4/16</a:t>
             </a:fld>
             <a:endParaRPr kumimoji="1" lang="ja-JP" altLang="en-US"/>
           </a:p>
@@ -6599,7 +6599,7 @@
           <a:p>
             <a:fld id="{56F9016B-CCA6-43BE-8BEE-59565A35F4F7}" type="datetimeFigureOut">
               <a:rPr kumimoji="1" lang="ja-JP" altLang="en-US" smtClean="0"/>
-              <a:t>2020/3/25</a:t>
+              <a:t>2020/4/16</a:t>
             </a:fld>
             <a:endParaRPr kumimoji="1" lang="ja-JP" altLang="en-US"/>
           </a:p>
@@ -22696,8 +22696,145 @@
             </a:r>
             <a:r>
               <a:rPr lang="ja-JP" altLang="en-US" dirty="0" smtClean="0"/>
-              <a:t>設定してください。</a:t>
-            </a:r>
+              <a:t>設定してください</a:t>
+            </a:r>
+            <a:r>
+              <a:rPr lang="ja-JP" altLang="en-US" dirty="0" smtClean="0"/>
+              <a:t>。</a:t>
+            </a:r>
+            <a:r>
+              <a:rPr lang="en-US" altLang="ja-JP" dirty="0" smtClean="0"/>
+              <a:t/>
+            </a:r>
+            <a:br>
+              <a:rPr lang="en-US" altLang="ja-JP" dirty="0" smtClean="0"/>
+            </a:br>
+            <a:r>
+              <a:rPr lang="en-US" altLang="ja-JP" b="1" dirty="0" smtClean="0">
+                <a:solidFill>
+                  <a:srgbClr val="FF0000"/>
+                </a:solidFill>
+              </a:rPr>
+              <a:t>※</a:t>
+            </a:r>
+            <a:r>
+              <a:rPr lang="en-US" altLang="ja-JP" b="1" dirty="0" smtClean="0">
+                <a:solidFill>
+                  <a:srgbClr val="FF0000"/>
+                </a:solidFill>
+              </a:rPr>
+              <a:t>http</a:t>
+            </a:r>
+            <a:r>
+              <a:rPr lang="ja-JP" altLang="en-US" b="1" dirty="0">
+                <a:solidFill>
+                  <a:srgbClr val="FF0000"/>
+                </a:solidFill>
+              </a:rPr>
+              <a:t>アクセスを</a:t>
+            </a:r>
+            <a:r>
+              <a:rPr lang="ja-JP" altLang="en-US" b="1" dirty="0" smtClean="0">
+                <a:solidFill>
+                  <a:srgbClr val="FF0000"/>
+                </a:solidFill>
+              </a:rPr>
+              <a:t>許可して</a:t>
+            </a:r>
+            <a:r>
+              <a:rPr lang="en-US" altLang="ja-JP" b="1" dirty="0" smtClean="0">
+                <a:solidFill>
+                  <a:srgbClr val="FF0000"/>
+                </a:solidFill>
+              </a:rPr>
+              <a:t>IP</a:t>
+            </a:r>
+            <a:r>
+              <a:rPr lang="ja-JP" altLang="en-US" b="1" dirty="0">
+                <a:solidFill>
+                  <a:srgbClr val="FF0000"/>
+                </a:solidFill>
+              </a:rPr>
+              <a:t>アドレスでのアクセスを可能</a:t>
+            </a:r>
+            <a:r>
+              <a:rPr lang="ja-JP" altLang="en-US" b="1" dirty="0" smtClean="0">
+                <a:solidFill>
+                  <a:srgbClr val="FF0000"/>
+                </a:solidFill>
+              </a:rPr>
+              <a:t>にしたり、</a:t>
+            </a:r>
+            <a:r>
+              <a:rPr lang="en-US" altLang="ja-JP" b="1" dirty="0" smtClean="0">
+                <a:solidFill>
+                  <a:srgbClr val="FF0000"/>
+                </a:solidFill>
+              </a:rPr>
+              <a:t>DNS</a:t>
+            </a:r>
+            <a:r>
+              <a:rPr lang="ja-JP" altLang="en-US" b="1" dirty="0" smtClean="0">
+                <a:solidFill>
+                  <a:srgbClr val="FF0000"/>
+                </a:solidFill>
+              </a:rPr>
+              <a:t>サーバにホスト名を登録する等の対応を行えば、本作業は不要となります。</a:t>
+            </a:r>
+            <a:r>
+              <a:rPr lang="en-US" altLang="ja-JP" b="1" dirty="0" smtClean="0">
+                <a:solidFill>
+                  <a:srgbClr val="FF0000"/>
+                </a:solidFill>
+              </a:rPr>
+              <a:t/>
+            </a:r>
+            <a:br>
+              <a:rPr lang="en-US" altLang="ja-JP" b="1" dirty="0" smtClean="0">
+                <a:solidFill>
+                  <a:srgbClr val="FF0000"/>
+                </a:solidFill>
+              </a:rPr>
+            </a:br>
+            <a:r>
+              <a:rPr lang="en-US" altLang="ja-JP" b="1" dirty="0" smtClean="0">
+                <a:solidFill>
+                  <a:srgbClr val="FF0000"/>
+                </a:solidFill>
+              </a:rPr>
+              <a:t>http</a:t>
+            </a:r>
+            <a:r>
+              <a:rPr lang="ja-JP" altLang="en-US" b="1" dirty="0" smtClean="0">
+                <a:solidFill>
+                  <a:srgbClr val="FF0000"/>
+                </a:solidFill>
+              </a:rPr>
+              <a:t>アクセスを許可する手順は</a:t>
+            </a:r>
+            <a:r>
+              <a:rPr lang="en-US" altLang="ja-JP" b="1" dirty="0" smtClean="0">
+                <a:solidFill>
+                  <a:srgbClr val="FF0000"/>
+                </a:solidFill>
+              </a:rPr>
+              <a:t>4.5</a:t>
+            </a:r>
+            <a:r>
+              <a:rPr lang="ja-JP" altLang="en-US" b="1" dirty="0" smtClean="0">
+                <a:solidFill>
+                  <a:srgbClr val="FF0000"/>
+                </a:solidFill>
+              </a:rPr>
+              <a:t>章を確認してください。</a:t>
+            </a:r>
+            <a:r>
+              <a:rPr lang="en-US" altLang="ja-JP" dirty="0" smtClean="0"/>
+              <a:t/>
+            </a:r>
+            <a:br>
+              <a:rPr lang="en-US" altLang="ja-JP" dirty="0" smtClean="0"/>
+            </a:br>
             <a:endParaRPr lang="en-US" altLang="ja-JP" dirty="0"/>
           </a:p>
           <a:p>
@@ -22761,11 +22898,15 @@
             <a:graphicFrameLocks noGrp="1"/>
           </p:cNvGraphicFramePr>
           <p:nvPr>
-            <p:extLst/>
+            <p:extLst>
+              <p:ext uri="{D42A27DB-BD31-4B8C-83A1-F6EECF244321}">
+                <p14:modId xmlns:p14="http://schemas.microsoft.com/office/powerpoint/2010/main" val="46590947"/>
+              </p:ext>
+            </p:extLst>
           </p:nvPr>
         </p:nvGraphicFramePr>
         <p:xfrm>
-          <a:off x="1829118" y="3645030"/>
+          <a:off x="1829118" y="4509150"/>
           <a:ext cx="5485765" cy="316230"/>
         </p:xfrm>
         <a:graphic>
@@ -22833,13 +22974,13 @@
           <p:nvPr>
             <p:extLst>
               <p:ext uri="{D42A27DB-BD31-4B8C-83A1-F6EECF244321}">
-                <p14:modId xmlns:p14="http://schemas.microsoft.com/office/powerpoint/2010/main" val="3933792180"/>
+                <p14:modId xmlns:p14="http://schemas.microsoft.com/office/powerpoint/2010/main" val="2926605545"/>
               </p:ext>
             </p:extLst>
           </p:nvPr>
         </p:nvGraphicFramePr>
         <p:xfrm>
-          <a:off x="1828630" y="4605166"/>
+          <a:off x="1828630" y="5469286"/>
           <a:ext cx="5485765" cy="936130"/>
         </p:xfrm>
         <a:graphic>

--- a/asset/Learn_ja/ITA-online-install_ja.pptx
+++ b/asset/Learn_ja/ITA-online-install_ja.pptx
@@ -6,10 +6,10 @@
     <p:sldMasterId id="2147483703" r:id="rId2"/>
   </p:sldMasterIdLst>
   <p:notesMasterIdLst>
-    <p:notesMasterId r:id="rId29"/>
+    <p:notesMasterId r:id="rId31"/>
   </p:notesMasterIdLst>
   <p:handoutMasterIdLst>
-    <p:handoutMasterId r:id="rId30"/>
+    <p:handoutMasterId r:id="rId32"/>
   </p:handoutMasterIdLst>
   <p:sldIdLst>
     <p:sldId id="262" r:id="rId3"/>
@@ -32,12 +32,14 @@
     <p:sldId id="522" r:id="rId20"/>
     <p:sldId id="523" r:id="rId21"/>
     <p:sldId id="524" r:id="rId22"/>
-    <p:sldId id="525" r:id="rId23"/>
-    <p:sldId id="526" r:id="rId24"/>
-    <p:sldId id="527" r:id="rId25"/>
-    <p:sldId id="528" r:id="rId26"/>
-    <p:sldId id="529" r:id="rId27"/>
-    <p:sldId id="318" r:id="rId28"/>
+    <p:sldId id="527" r:id="rId23"/>
+    <p:sldId id="528" r:id="rId24"/>
+    <p:sldId id="529" r:id="rId25"/>
+    <p:sldId id="534" r:id="rId26"/>
+    <p:sldId id="526" r:id="rId27"/>
+    <p:sldId id="532" r:id="rId28"/>
+    <p:sldId id="533" r:id="rId29"/>
+    <p:sldId id="318" r:id="rId30"/>
   </p:sldIdLst>
   <p:sldSz cx="9144000" cy="6858000" type="screen4x3"/>
   <p:notesSz cx="6807200" cy="9939338"/>
@@ -178,11 +180,13 @@
         <p14:section name="4.　ITA動作確認" id="{997E25C5-536A-441F-84BA-3CB1FBC6F6F3}">
           <p14:sldIdLst>
             <p14:sldId id="524"/>
-            <p14:sldId id="525"/>
-            <p14:sldId id="526"/>
             <p14:sldId id="527"/>
             <p14:sldId id="528"/>
             <p14:sldId id="529"/>
+            <p14:sldId id="534"/>
+            <p14:sldId id="526"/>
+            <p14:sldId id="532"/>
+            <p14:sldId id="533"/>
             <p14:sldId id="318"/>
           </p14:sldIdLst>
         </p14:section>
@@ -332,7 +336,7 @@
               <a:rPr kumimoji="1" lang="ja-JP" altLang="en-US" smtClean="0">
                 <a:ea typeface="メイリオ" panose="020B0604030504040204" pitchFamily="50" charset="-128"/>
               </a:rPr>
-              <a:t>2020/4/16</a:t>
+              <a:t>2020/4/27</a:t>
             </a:fld>
             <a:endParaRPr kumimoji="1" lang="ja-JP" altLang="en-US" dirty="0">
               <a:ea typeface="メイリオ" panose="020B0604030504040204" pitchFamily="50" charset="-128"/>
@@ -478,7 +482,7 @@
             <a:fld id="{4B26993D-C081-44EB-B0F5-A9F467792B62}" type="datetimeFigureOut">
               <a:rPr lang="ja-JP" altLang="en-US" smtClean="0"/>
               <a:pPr/>
-              <a:t>2020/4/16</a:t>
+              <a:t>2020/4/27</a:t>
             </a:fld>
             <a:endParaRPr lang="ja-JP" altLang="en-US" dirty="0"/>
           </a:p>
@@ -1101,7 +1105,7 @@
           <a:p>
             <a:fld id="{56F9016B-CCA6-43BE-8BEE-59565A35F4F7}" type="datetimeFigureOut">
               <a:rPr kumimoji="1" lang="ja-JP" altLang="en-US" smtClean="0"/>
-              <a:t>2020/4/16</a:t>
+              <a:t>2020/4/27</a:t>
             </a:fld>
             <a:endParaRPr kumimoji="1" lang="ja-JP" altLang="en-US"/>
           </a:p>
@@ -1303,7 +1307,7 @@
           <a:p>
             <a:fld id="{56F9016B-CCA6-43BE-8BEE-59565A35F4F7}" type="datetimeFigureOut">
               <a:rPr kumimoji="1" lang="ja-JP" altLang="en-US" smtClean="0"/>
-              <a:t>2020/4/16</a:t>
+              <a:t>2020/4/27</a:t>
             </a:fld>
             <a:endParaRPr kumimoji="1" lang="ja-JP" altLang="en-US"/>
           </a:p>
@@ -1549,7 +1553,7 @@
           <a:p>
             <a:fld id="{56F9016B-CCA6-43BE-8BEE-59565A35F4F7}" type="datetimeFigureOut">
               <a:rPr kumimoji="1" lang="ja-JP" altLang="en-US" smtClean="0"/>
-              <a:t>2020/4/16</a:t>
+              <a:t>2020/4/27</a:t>
             </a:fld>
             <a:endParaRPr kumimoji="1" lang="ja-JP" altLang="en-US"/>
           </a:p>
@@ -1845,7 +1849,7 @@
           <a:p>
             <a:fld id="{56F9016B-CCA6-43BE-8BEE-59565A35F4F7}" type="datetimeFigureOut">
               <a:rPr kumimoji="1" lang="ja-JP" altLang="en-US" smtClean="0"/>
-              <a:t>2020/4/16</a:t>
+              <a:t>2020/4/27</a:t>
             </a:fld>
             <a:endParaRPr kumimoji="1" lang="ja-JP" altLang="en-US"/>
           </a:p>
@@ -2276,7 +2280,7 @@
           <a:p>
             <a:fld id="{56F9016B-CCA6-43BE-8BEE-59565A35F4F7}" type="datetimeFigureOut">
               <a:rPr kumimoji="1" lang="ja-JP" altLang="en-US" smtClean="0"/>
-              <a:t>2020/4/16</a:t>
+              <a:t>2020/4/27</a:t>
             </a:fld>
             <a:endParaRPr kumimoji="1" lang="ja-JP" altLang="en-US"/>
           </a:p>
@@ -2394,7 +2398,7 @@
           <a:p>
             <a:fld id="{56F9016B-CCA6-43BE-8BEE-59565A35F4F7}" type="datetimeFigureOut">
               <a:rPr kumimoji="1" lang="ja-JP" altLang="en-US" smtClean="0"/>
-              <a:t>2020/4/16</a:t>
+              <a:t>2020/4/27</a:t>
             </a:fld>
             <a:endParaRPr kumimoji="1" lang="ja-JP" altLang="en-US"/>
           </a:p>
@@ -2489,7 +2493,7 @@
           <a:p>
             <a:fld id="{56F9016B-CCA6-43BE-8BEE-59565A35F4F7}" type="datetimeFigureOut">
               <a:rPr kumimoji="1" lang="ja-JP" altLang="en-US" smtClean="0"/>
-              <a:t>2020/4/16</a:t>
+              <a:t>2020/4/27</a:t>
             </a:fld>
             <a:endParaRPr kumimoji="1" lang="ja-JP" altLang="en-US"/>
           </a:p>
@@ -2798,7 +2802,7 @@
           <a:p>
             <a:fld id="{56F9016B-CCA6-43BE-8BEE-59565A35F4F7}" type="datetimeFigureOut">
               <a:rPr kumimoji="1" lang="ja-JP" altLang="en-US" smtClean="0"/>
-              <a:t>2020/4/16</a:t>
+              <a:t>2020/4/27</a:t>
             </a:fld>
             <a:endParaRPr kumimoji="1" lang="ja-JP" altLang="en-US"/>
           </a:p>
@@ -3051,7 +3055,7 @@
           <a:p>
             <a:fld id="{56F9016B-CCA6-43BE-8BEE-59565A35F4F7}" type="datetimeFigureOut">
               <a:rPr kumimoji="1" lang="ja-JP" altLang="en-US" smtClean="0"/>
-              <a:t>2020/4/16</a:t>
+              <a:t>2020/4/27</a:t>
             </a:fld>
             <a:endParaRPr kumimoji="1" lang="ja-JP" altLang="en-US"/>
           </a:p>
@@ -3328,7 +3332,7 @@
           <a:p>
             <a:fld id="{56F9016B-CCA6-43BE-8BEE-59565A35F4F7}" type="datetimeFigureOut">
               <a:rPr kumimoji="1" lang="ja-JP" altLang="en-US" smtClean="0"/>
-              <a:t>2020/4/16</a:t>
+              <a:t>2020/4/27</a:t>
             </a:fld>
             <a:endParaRPr kumimoji="1" lang="ja-JP" altLang="en-US"/>
           </a:p>
@@ -3540,7 +3544,7 @@
           <a:p>
             <a:fld id="{56F9016B-CCA6-43BE-8BEE-59565A35F4F7}" type="datetimeFigureOut">
               <a:rPr kumimoji="1" lang="ja-JP" altLang="en-US" smtClean="0"/>
-              <a:t>2020/4/16</a:t>
+              <a:t>2020/4/27</a:t>
             </a:fld>
             <a:endParaRPr kumimoji="1" lang="ja-JP" altLang="en-US"/>
           </a:p>
@@ -6599,7 +6603,7 @@
           <a:p>
             <a:fld id="{56F9016B-CCA6-43BE-8BEE-59565A35F4F7}" type="datetimeFigureOut">
               <a:rPr kumimoji="1" lang="ja-JP" altLang="en-US" smtClean="0"/>
-              <a:t>2020/4/16</a:t>
+              <a:t>2020/4/27</a:t>
             </a:fld>
             <a:endParaRPr kumimoji="1" lang="ja-JP" altLang="en-US"/>
           </a:p>
@@ -7037,7 +7041,7 @@
             </a:r>
             <a:r>
               <a:rPr lang="en-US" altLang="ja-JP" dirty="0" smtClean="0"/>
-              <a:t>1.4</a:t>
+              <a:t>1.4.1</a:t>
             </a:r>
             <a:r>
               <a:rPr lang="ja-JP" altLang="en-US" dirty="0" smtClean="0"/>
@@ -22281,24 +22285,56 @@
               <a:t>　 動作確認（</a:t>
             </a:r>
             <a:r>
+              <a:rPr lang="en-US" altLang="zh-TW" sz="1400" dirty="0" smtClean="0">
+                <a:latin typeface="+mn-ea"/>
+              </a:rPr>
+              <a:t>1/6</a:t>
+            </a:r>
+            <a:r>
+              <a:rPr lang="zh-TW" altLang="en-US" sz="1400" dirty="0" smtClean="0">
+                <a:latin typeface="+mn-ea"/>
+              </a:rPr>
+              <a:t>）</a:t>
+            </a:r>
+            <a:endParaRPr lang="zh-TW" altLang="en-US" sz="1400" dirty="0">
+              <a:latin typeface="+mn-ea"/>
+            </a:endParaRPr>
+          </a:p>
+          <a:p>
+            <a:r>
               <a:rPr lang="en-US" altLang="zh-TW" sz="1400" dirty="0">
                 <a:latin typeface="+mn-ea"/>
               </a:rPr>
-              <a:t>1/5</a:t>
+              <a:t>    4.2</a:t>
             </a:r>
             <a:r>
               <a:rPr lang="zh-TW" altLang="en-US" sz="1400" dirty="0">
                 <a:latin typeface="+mn-ea"/>
               </a:rPr>
+              <a:t>　 動作確認（</a:t>
+            </a:r>
+            <a:r>
+              <a:rPr lang="en-US" altLang="zh-TW" sz="1400" dirty="0" smtClean="0">
+                <a:latin typeface="+mn-ea"/>
+              </a:rPr>
+              <a:t>2/6</a:t>
+            </a:r>
+            <a:r>
+              <a:rPr lang="zh-TW" altLang="en-US" sz="1400" dirty="0" smtClean="0">
+                <a:latin typeface="+mn-ea"/>
+              </a:rPr>
               <a:t>）</a:t>
             </a:r>
+            <a:endParaRPr lang="zh-TW" altLang="en-US" sz="1400" dirty="0">
+              <a:latin typeface="+mn-ea"/>
+            </a:endParaRPr>
           </a:p>
           <a:p>
             <a:r>
               <a:rPr lang="en-US" altLang="zh-TW" sz="1400" dirty="0">
                 <a:latin typeface="+mn-ea"/>
               </a:rPr>
-              <a:t>    4.2</a:t>
+              <a:t>    4.3</a:t>
             </a:r>
             <a:r>
               <a:rPr lang="zh-TW" altLang="en-US" sz="1400" dirty="0">
@@ -22307,24 +22343,56 @@
               <a:t>　 動作確認（</a:t>
             </a:r>
             <a:r>
+              <a:rPr lang="en-US" altLang="zh-TW" sz="1400" dirty="0" smtClean="0">
+                <a:latin typeface="+mn-ea"/>
+              </a:rPr>
+              <a:t>3/6</a:t>
+            </a:r>
+            <a:r>
+              <a:rPr lang="zh-TW" altLang="en-US" sz="1400" dirty="0" smtClean="0">
+                <a:latin typeface="+mn-ea"/>
+              </a:rPr>
+              <a:t>）</a:t>
+            </a:r>
+            <a:endParaRPr lang="zh-TW" altLang="en-US" sz="1400" dirty="0">
+              <a:latin typeface="+mn-ea"/>
+            </a:endParaRPr>
+          </a:p>
+          <a:p>
+            <a:r>
               <a:rPr lang="en-US" altLang="zh-TW" sz="1400" dirty="0">
                 <a:latin typeface="+mn-ea"/>
               </a:rPr>
-              <a:t>2/5</a:t>
+              <a:t>    4.4</a:t>
             </a:r>
             <a:r>
               <a:rPr lang="zh-TW" altLang="en-US" sz="1400" dirty="0">
                 <a:latin typeface="+mn-ea"/>
               </a:rPr>
+              <a:t>　 動作確認（</a:t>
+            </a:r>
+            <a:r>
+              <a:rPr lang="en-US" altLang="zh-TW" sz="1400" dirty="0" smtClean="0">
+                <a:latin typeface="+mn-ea"/>
+              </a:rPr>
+              <a:t>4/6</a:t>
+            </a:r>
+            <a:r>
+              <a:rPr lang="zh-TW" altLang="en-US" sz="1400" dirty="0" smtClean="0">
+                <a:latin typeface="+mn-ea"/>
+              </a:rPr>
               <a:t>）</a:t>
             </a:r>
+            <a:endParaRPr lang="zh-TW" altLang="en-US" sz="1400" dirty="0">
+              <a:latin typeface="+mn-ea"/>
+            </a:endParaRPr>
           </a:p>
           <a:p>
             <a:r>
               <a:rPr lang="en-US" altLang="zh-TW" sz="1400" dirty="0">
                 <a:latin typeface="+mn-ea"/>
               </a:rPr>
-              <a:t>    4.3</a:t>
+              <a:t>    4.5</a:t>
             </a:r>
             <a:r>
               <a:rPr lang="zh-TW" altLang="en-US" sz="1400" dirty="0">
@@ -22333,68 +22401,98 @@
               <a:t>　 動作確認（</a:t>
             </a:r>
             <a:r>
+              <a:rPr lang="en-US" altLang="zh-TW" sz="1400" dirty="0" smtClean="0">
+                <a:latin typeface="+mn-ea"/>
+              </a:rPr>
+              <a:t>5/6</a:t>
+            </a:r>
+            <a:r>
+              <a:rPr lang="zh-TW" altLang="en-US" sz="1400" dirty="0" smtClean="0">
+                <a:latin typeface="+mn-ea"/>
+              </a:rPr>
+              <a:t>）</a:t>
+            </a:r>
+            <a:endParaRPr lang="en-US" altLang="zh-TW" sz="1400" dirty="0" smtClean="0">
+              <a:latin typeface="+mn-ea"/>
+            </a:endParaRPr>
+          </a:p>
+          <a:p>
+            <a:r>
               <a:rPr lang="en-US" altLang="zh-TW" sz="1400" dirty="0">
                 <a:latin typeface="+mn-ea"/>
               </a:rPr>
-              <a:t>3/5</a:t>
+              <a:t>  </a:t>
+            </a:r>
+            <a:r>
+              <a:rPr lang="ja-JP" altLang="en-US" sz="1400" dirty="0">
+                <a:latin typeface="+mn-ea"/>
+              </a:rPr>
+              <a:t> </a:t>
+            </a:r>
+            <a:r>
+              <a:rPr lang="ja-JP" altLang="en-US" sz="1400" dirty="0" smtClean="0">
+                <a:latin typeface="+mn-ea"/>
+              </a:rPr>
+              <a:t> </a:t>
+            </a:r>
+            <a:r>
+              <a:rPr lang="en-US" altLang="zh-TW" sz="1400" dirty="0" smtClean="0">
+                <a:latin typeface="+mn-ea"/>
+              </a:rPr>
+              <a:t>4.6</a:t>
             </a:r>
             <a:r>
               <a:rPr lang="zh-TW" altLang="en-US" sz="1400" dirty="0">
                 <a:latin typeface="+mn-ea"/>
               </a:rPr>
+              <a:t>　 動作確認</a:t>
+            </a:r>
+            <a:r>
+              <a:rPr lang="zh-TW" altLang="en-US" sz="1400" dirty="0" smtClean="0">
+                <a:latin typeface="+mn-ea"/>
+              </a:rPr>
+              <a:t>（</a:t>
+            </a:r>
+            <a:r>
+              <a:rPr lang="en-US" altLang="zh-TW" sz="1400" dirty="0" smtClean="0">
+                <a:latin typeface="+mn-ea"/>
+              </a:rPr>
+              <a:t>6/6</a:t>
+            </a:r>
+            <a:r>
+              <a:rPr lang="zh-TW" altLang="en-US" sz="1400" dirty="0" smtClean="0">
+                <a:latin typeface="+mn-ea"/>
+              </a:rPr>
               <a:t>）</a:t>
             </a:r>
+            <a:endParaRPr lang="en-US" altLang="zh-TW" sz="1400" dirty="0" smtClean="0">
+              <a:latin typeface="+mn-ea"/>
+            </a:endParaRPr>
           </a:p>
           <a:p>
             <a:r>
               <a:rPr lang="en-US" altLang="zh-TW" sz="1400" dirty="0">
                 <a:latin typeface="+mn-ea"/>
               </a:rPr>
-              <a:t>    4.4</a:t>
+              <a:t> </a:t>
+            </a:r>
+            <a:r>
+              <a:rPr lang="en-US" altLang="zh-TW" sz="1400" dirty="0" smtClean="0">
+                <a:latin typeface="+mn-ea"/>
+              </a:rPr>
+              <a:t>   4.7</a:t>
             </a:r>
             <a:r>
               <a:rPr lang="zh-TW" altLang="en-US" sz="1400" dirty="0">
                 <a:latin typeface="+mn-ea"/>
               </a:rPr>
-              <a:t>　 動作確認（</a:t>
-            </a:r>
-            <a:r>
-              <a:rPr lang="en-US" altLang="zh-TW" sz="1400" dirty="0">
+              <a:t>　 </a:t>
+            </a:r>
+            <a:r>
+              <a:rPr lang="ja-JP" altLang="en-US" sz="1400" dirty="0" smtClean="0">
                 <a:latin typeface="+mn-ea"/>
               </a:rPr>
-              <a:t>4/5</a:t>
-            </a:r>
-            <a:r>
-              <a:rPr lang="zh-TW" altLang="en-US" sz="1400" dirty="0">
-                <a:latin typeface="+mn-ea"/>
-              </a:rPr>
-              <a:t>）</a:t>
-            </a:r>
-          </a:p>
-          <a:p>
-            <a:r>
-              <a:rPr lang="en-US" altLang="zh-TW" sz="1400" dirty="0">
-                <a:latin typeface="+mn-ea"/>
-              </a:rPr>
-              <a:t>    4.5</a:t>
-            </a:r>
-            <a:r>
-              <a:rPr lang="zh-TW" altLang="en-US" sz="1400" dirty="0">
-                <a:latin typeface="+mn-ea"/>
-              </a:rPr>
-              <a:t>　 動作確認（</a:t>
-            </a:r>
-            <a:r>
-              <a:rPr lang="en-US" altLang="zh-TW" sz="1400" dirty="0">
-                <a:latin typeface="+mn-ea"/>
-              </a:rPr>
-              <a:t>5/5</a:t>
-            </a:r>
-            <a:r>
-              <a:rPr lang="zh-TW" altLang="en-US" sz="1400" dirty="0">
-                <a:latin typeface="+mn-ea"/>
-              </a:rPr>
-              <a:t>）</a:t>
+              <a:t>参考</a:t>
             </a:r>
             <a:endParaRPr lang="en-US" altLang="ja-JP" sz="1400" dirty="0">
               <a:latin typeface="+mn-ea"/>
@@ -22532,691 +22630,8 @@
           <a:lstStyle/>
           <a:p>
             <a:r>
-              <a:rPr lang="en-US" altLang="ja-JP" dirty="0"/>
-              <a:t>4</a:t>
-            </a:r>
-            <a:r>
               <a:rPr lang="en-US" altLang="ja-JP" dirty="0" smtClean="0"/>
-              <a:t>.1</a:t>
-            </a:r>
-            <a:r>
-              <a:rPr lang="ja-JP" altLang="en-US" dirty="0"/>
-              <a:t>　</a:t>
-            </a:r>
-            <a:r>
-              <a:rPr lang="ja-JP" altLang="en-US" dirty="0" smtClean="0"/>
-              <a:t>動作確認（</a:t>
-            </a:r>
-            <a:r>
-              <a:rPr lang="en-US" altLang="ja-JP" dirty="0" smtClean="0"/>
-              <a:t>1/5</a:t>
-            </a:r>
-            <a:r>
-              <a:rPr lang="ja-JP" altLang="en-US" dirty="0" smtClean="0"/>
-              <a:t>）</a:t>
-            </a:r>
-            <a:endParaRPr kumimoji="1" lang="ja-JP" altLang="en-US" dirty="0"/>
-          </a:p>
-        </p:txBody>
-      </p:sp>
-      <p:sp>
-        <p:nvSpPr>
-          <p:cNvPr id="3" name="コンテンツ プレースホルダー 2"/>
-          <p:cNvSpPr>
-            <a:spLocks noGrp="1"/>
-          </p:cNvSpPr>
-          <p:nvPr>
-            <p:ph sz="quarter" idx="10"/>
-          </p:nvPr>
-        </p:nvSpPr>
-        <p:spPr/>
-        <p:txBody>
-          <a:bodyPr/>
-          <a:lstStyle/>
-          <a:p>
-            <a:r>
-              <a:rPr lang="ja-JP" altLang="en-US" dirty="0" smtClean="0"/>
-              <a:t>メインメニュー</a:t>
-            </a:r>
-            <a:r>
-              <a:rPr lang="ja-JP" altLang="en-US" dirty="0"/>
-              <a:t>の表示による確認</a:t>
-            </a:r>
-          </a:p>
-          <a:p>
-            <a:pPr lvl="1"/>
-            <a:r>
-              <a:rPr lang="ja-JP" altLang="en-US" dirty="0"/>
-              <a:t>インストール処理終了後、自端末の</a:t>
-            </a:r>
-            <a:r>
-              <a:rPr lang="en-US" altLang="ja-JP" dirty="0"/>
-              <a:t>WindowsPC</a:t>
-            </a:r>
-            <a:r>
-              <a:rPr lang="ja-JP" altLang="en-US" dirty="0"/>
-              <a:t>から下記の手順により</a:t>
-            </a:r>
-            <a:r>
-              <a:rPr lang="ja-JP" altLang="en-US" dirty="0" smtClean="0"/>
-              <a:t>、</a:t>
-            </a:r>
-            <a:r>
-              <a:rPr lang="en-US" altLang="ja-JP" dirty="0" smtClean="0"/>
-              <a:t>ITA</a:t>
-            </a:r>
-            <a:r>
-              <a:rPr lang="ja-JP" altLang="en-US" dirty="0" smtClean="0"/>
-              <a:t>システムメインメニュー</a:t>
-            </a:r>
-            <a:r>
-              <a:rPr lang="ja-JP" altLang="en-US" dirty="0"/>
-              <a:t>にアクセスし</a:t>
-            </a:r>
-            <a:r>
-              <a:rPr lang="ja-JP" altLang="en-US" dirty="0" smtClean="0"/>
-              <a:t>、</a:t>
-            </a:r>
-            <a:r>
-              <a:rPr lang="en-US" altLang="ja-JP" dirty="0" smtClean="0"/>
-              <a:t>ITA</a:t>
-            </a:r>
-            <a:r>
-              <a:rPr lang="ja-JP" altLang="en-US" dirty="0" smtClean="0"/>
-              <a:t>本体</a:t>
-            </a:r>
-            <a:r>
-              <a:rPr lang="ja-JP" altLang="en-US" dirty="0"/>
-              <a:t>、各ドライバーが正常に表示されたことを確認してください。</a:t>
-            </a:r>
-          </a:p>
-          <a:p>
-            <a:pPr lvl="1"/>
-            <a:endParaRPr lang="ja-JP" altLang="en-US" dirty="0"/>
-          </a:p>
-          <a:p>
-            <a:r>
-              <a:rPr lang="ja-JP" altLang="en-US" dirty="0" smtClean="0"/>
-              <a:t>準備</a:t>
-            </a:r>
-            <a:r>
-              <a:rPr lang="ja-JP" altLang="en-US" dirty="0"/>
-              <a:t>作業</a:t>
-            </a:r>
-          </a:p>
-          <a:p>
-            <a:pPr lvl="1"/>
-            <a:r>
-              <a:rPr lang="ja-JP" altLang="en-US" dirty="0" smtClean="0"/>
-              <a:t>操作</a:t>
-            </a:r>
-            <a:r>
-              <a:rPr lang="ja-JP" altLang="en-US" dirty="0"/>
-              <a:t>端末（</a:t>
-            </a:r>
-            <a:r>
-              <a:rPr lang="en-US" altLang="ja-JP" dirty="0"/>
-              <a:t>Windows</a:t>
-            </a:r>
-            <a:r>
-              <a:rPr lang="ja-JP" altLang="en-US" dirty="0"/>
-              <a:t>）の</a:t>
-            </a:r>
-            <a:r>
-              <a:rPr lang="en-US" altLang="ja-JP" dirty="0"/>
-              <a:t>hosts</a:t>
-            </a:r>
-            <a:r>
-              <a:rPr lang="ja-JP" altLang="en-US" dirty="0"/>
-              <a:t>ファイル</a:t>
-            </a:r>
-            <a:r>
-              <a:rPr lang="ja-JP" altLang="en-US" dirty="0" smtClean="0"/>
-              <a:t>へ</a:t>
-            </a:r>
-            <a:r>
-              <a:rPr lang="en-US" altLang="ja-JP" dirty="0" smtClean="0"/>
-              <a:t>ITA</a:t>
-            </a:r>
-            <a:r>
-              <a:rPr lang="ja-JP" altLang="en-US" dirty="0" smtClean="0"/>
-              <a:t>実装</a:t>
-            </a:r>
-            <a:r>
-              <a:rPr lang="ja-JP" altLang="en-US" dirty="0"/>
-              <a:t>サーバの</a:t>
-            </a:r>
-            <a:r>
-              <a:rPr lang="en-US" altLang="ja-JP" dirty="0"/>
-              <a:t>IP</a:t>
-            </a:r>
-            <a:r>
-              <a:rPr lang="ja-JP" altLang="en-US" dirty="0"/>
-              <a:t>アドレスとホスト名を</a:t>
-            </a:r>
-            <a:r>
-              <a:rPr lang="ja-JP" altLang="en-US" dirty="0" smtClean="0"/>
-              <a:t>設定してください</a:t>
-            </a:r>
-            <a:r>
-              <a:rPr lang="ja-JP" altLang="en-US" dirty="0" smtClean="0"/>
-              <a:t>。</a:t>
-            </a:r>
-            <a:r>
-              <a:rPr lang="en-US" altLang="ja-JP" dirty="0" smtClean="0"/>
-              <a:t/>
-            </a:r>
-            <a:br>
-              <a:rPr lang="en-US" altLang="ja-JP" dirty="0" smtClean="0"/>
-            </a:br>
-            <a:r>
-              <a:rPr lang="en-US" altLang="ja-JP" b="1" dirty="0" smtClean="0">
-                <a:solidFill>
-                  <a:srgbClr val="FF0000"/>
-                </a:solidFill>
-              </a:rPr>
-              <a:t>※</a:t>
-            </a:r>
-            <a:r>
-              <a:rPr lang="en-US" altLang="ja-JP" b="1" dirty="0" smtClean="0">
-                <a:solidFill>
-                  <a:srgbClr val="FF0000"/>
-                </a:solidFill>
-              </a:rPr>
-              <a:t>http</a:t>
-            </a:r>
-            <a:r>
-              <a:rPr lang="ja-JP" altLang="en-US" b="1" dirty="0">
-                <a:solidFill>
-                  <a:srgbClr val="FF0000"/>
-                </a:solidFill>
-              </a:rPr>
-              <a:t>アクセスを</a:t>
-            </a:r>
-            <a:r>
-              <a:rPr lang="ja-JP" altLang="en-US" b="1" dirty="0" smtClean="0">
-                <a:solidFill>
-                  <a:srgbClr val="FF0000"/>
-                </a:solidFill>
-              </a:rPr>
-              <a:t>許可して</a:t>
-            </a:r>
-            <a:r>
-              <a:rPr lang="en-US" altLang="ja-JP" b="1" dirty="0" smtClean="0">
-                <a:solidFill>
-                  <a:srgbClr val="FF0000"/>
-                </a:solidFill>
-              </a:rPr>
-              <a:t>IP</a:t>
-            </a:r>
-            <a:r>
-              <a:rPr lang="ja-JP" altLang="en-US" b="1" dirty="0">
-                <a:solidFill>
-                  <a:srgbClr val="FF0000"/>
-                </a:solidFill>
-              </a:rPr>
-              <a:t>アドレスでのアクセスを可能</a:t>
-            </a:r>
-            <a:r>
-              <a:rPr lang="ja-JP" altLang="en-US" b="1" dirty="0" smtClean="0">
-                <a:solidFill>
-                  <a:srgbClr val="FF0000"/>
-                </a:solidFill>
-              </a:rPr>
-              <a:t>にしたり、</a:t>
-            </a:r>
-            <a:r>
-              <a:rPr lang="en-US" altLang="ja-JP" b="1" dirty="0" smtClean="0">
-                <a:solidFill>
-                  <a:srgbClr val="FF0000"/>
-                </a:solidFill>
-              </a:rPr>
-              <a:t>DNS</a:t>
-            </a:r>
-            <a:r>
-              <a:rPr lang="ja-JP" altLang="en-US" b="1" dirty="0" smtClean="0">
-                <a:solidFill>
-                  <a:srgbClr val="FF0000"/>
-                </a:solidFill>
-              </a:rPr>
-              <a:t>サーバにホスト名を登録する等の対応を行えば、本作業は不要となります。</a:t>
-            </a:r>
-            <a:r>
-              <a:rPr lang="en-US" altLang="ja-JP" b="1" dirty="0" smtClean="0">
-                <a:solidFill>
-                  <a:srgbClr val="FF0000"/>
-                </a:solidFill>
-              </a:rPr>
-              <a:t/>
-            </a:r>
-            <a:br>
-              <a:rPr lang="en-US" altLang="ja-JP" b="1" dirty="0" smtClean="0">
-                <a:solidFill>
-                  <a:srgbClr val="FF0000"/>
-                </a:solidFill>
-              </a:rPr>
-            </a:br>
-            <a:r>
-              <a:rPr lang="en-US" altLang="ja-JP" b="1" dirty="0" smtClean="0">
-                <a:solidFill>
-                  <a:srgbClr val="FF0000"/>
-                </a:solidFill>
-              </a:rPr>
-              <a:t>http</a:t>
-            </a:r>
-            <a:r>
-              <a:rPr lang="ja-JP" altLang="en-US" b="1" dirty="0" smtClean="0">
-                <a:solidFill>
-                  <a:srgbClr val="FF0000"/>
-                </a:solidFill>
-              </a:rPr>
-              <a:t>アクセスを許可する手順は</a:t>
-            </a:r>
-            <a:r>
-              <a:rPr lang="en-US" altLang="ja-JP" b="1" dirty="0" smtClean="0">
-                <a:solidFill>
-                  <a:srgbClr val="FF0000"/>
-                </a:solidFill>
-              </a:rPr>
-              <a:t>4.5</a:t>
-            </a:r>
-            <a:r>
-              <a:rPr lang="ja-JP" altLang="en-US" b="1" dirty="0" smtClean="0">
-                <a:solidFill>
-                  <a:srgbClr val="FF0000"/>
-                </a:solidFill>
-              </a:rPr>
-              <a:t>章を確認してください。</a:t>
-            </a:r>
-            <a:r>
-              <a:rPr lang="en-US" altLang="ja-JP" dirty="0" smtClean="0"/>
-              <a:t/>
-            </a:r>
-            <a:br>
-              <a:rPr lang="en-US" altLang="ja-JP" dirty="0" smtClean="0"/>
-            </a:br>
-            <a:endParaRPr lang="en-US" altLang="ja-JP" dirty="0"/>
-          </a:p>
-          <a:p>
-            <a:pPr lvl="1"/>
-            <a:r>
-              <a:rPr lang="en-US" altLang="ja-JP" dirty="0" smtClean="0"/>
-              <a:t>Windows10</a:t>
-            </a:r>
-            <a:r>
-              <a:rPr lang="ja-JP" altLang="ja-JP" dirty="0" smtClean="0"/>
-              <a:t>の</a:t>
-            </a:r>
-            <a:r>
-              <a:rPr lang="ja-JP" altLang="ja-JP" dirty="0"/>
-              <a:t>場合、以下の</a:t>
-            </a:r>
-            <a:r>
-              <a:rPr lang="en-US" altLang="ja-JP" dirty="0"/>
-              <a:t>hosts</a:t>
-            </a:r>
-            <a:r>
-              <a:rPr lang="ja-JP" altLang="ja-JP" dirty="0"/>
-              <a:t>ファイルとなります</a:t>
-            </a:r>
-            <a:r>
-              <a:rPr lang="ja-JP" altLang="ja-JP" dirty="0" smtClean="0"/>
-              <a:t>。</a:t>
-            </a:r>
-            <a:endParaRPr lang="en-US" altLang="ja-JP" dirty="0" smtClean="0"/>
-          </a:p>
-          <a:p>
-            <a:pPr lvl="1"/>
-            <a:endParaRPr lang="en-US" altLang="ja-JP" dirty="0" smtClean="0"/>
-          </a:p>
-          <a:p>
-            <a:pPr lvl="1"/>
-            <a:endParaRPr lang="en-US" altLang="ja-JP" dirty="0"/>
-          </a:p>
-          <a:p>
-            <a:pPr lvl="1"/>
-            <a:r>
-              <a:rPr lang="en-US" altLang="ja-JP" dirty="0"/>
-              <a:t>hosts</a:t>
-            </a:r>
-            <a:r>
-              <a:rPr lang="ja-JP" altLang="ja-JP" dirty="0"/>
-              <a:t>ファイルに以下の設定を追加してください。</a:t>
-            </a:r>
-            <a:endParaRPr lang="ja-JP" altLang="en-US" dirty="0"/>
-          </a:p>
-          <a:p>
-            <a:pPr lvl="1"/>
-            <a:endParaRPr kumimoji="1" lang="ja-JP" altLang="en-US" dirty="0"/>
-          </a:p>
-        </p:txBody>
-      </p:sp>
-      <p:graphicFrame>
-        <p:nvGraphicFramePr>
-          <p:cNvPr id="4" name="表 3"/>
-          <p:cNvGraphicFramePr>
-            <a:graphicFrameLocks noGrp="1"/>
-          </p:cNvGraphicFramePr>
-          <p:nvPr>
-            <p:extLst>
-              <p:ext uri="{D42A27DB-BD31-4B8C-83A1-F6EECF244321}">
-                <p14:modId xmlns:p14="http://schemas.microsoft.com/office/powerpoint/2010/main" val="46590947"/>
-              </p:ext>
-            </p:extLst>
-          </p:nvPr>
-        </p:nvGraphicFramePr>
-        <p:xfrm>
-          <a:off x="1829118" y="4509150"/>
-          <a:ext cx="5485765" cy="316230"/>
-        </p:xfrm>
-        <a:graphic>
-          <a:graphicData uri="http://schemas.openxmlformats.org/drawingml/2006/table">
-            <a:tbl>
-              <a:tblPr firstRow="1" firstCol="1" bandRow="1">
-                <a:tableStyleId>{5C22544A-7EE6-4342-B048-85BDC9FD1C3A}</a:tableStyleId>
-              </a:tblPr>
-              <a:tblGrid>
-                <a:gridCol w="5485765">
-                  <a:extLst>
-                    <a:ext uri="{9D8B030D-6E8A-4147-A177-3AD203B41FA5}">
-                      <a16:colId xmlns:a16="http://schemas.microsoft.com/office/drawing/2014/main" val="20000"/>
-                    </a:ext>
-                  </a:extLst>
-                </a:gridCol>
-              </a:tblGrid>
-              <a:tr h="316230">
-                <a:tc>
-                  <a:txBody>
-                    <a:bodyPr/>
-                    <a:lstStyle/>
-                    <a:p>
-                      <a:pPr algn="just">
-                        <a:spcAft>
-                          <a:spcPts val="0"/>
-                        </a:spcAft>
-                      </a:pPr>
-                      <a:r>
-                        <a:rPr lang="en-US" sz="1050" kern="100" dirty="0">
-                          <a:effectLst/>
-                        </a:rPr>
-                        <a:t>C:\Windows\System32\drivers\etc\hosts</a:t>
-                      </a:r>
-                      <a:endParaRPr lang="ja-JP" sz="1050" kern="100" dirty="0">
-                        <a:effectLst/>
-                        <a:latin typeface="Century" panose="02040604050505020304" pitchFamily="18" charset="0"/>
-                        <a:ea typeface="ＭＳ 明朝" panose="02020609040205080304" pitchFamily="17" charset="-128"/>
-                        <a:cs typeface="Times New Roman" panose="02020603050405020304" pitchFamily="18" charset="0"/>
-                      </a:endParaRPr>
-                    </a:p>
-                  </a:txBody>
-                  <a:tcPr marL="68580" marR="68580" marT="0" marB="0" anchor="ctr">
-                    <a:solidFill>
-                      <a:srgbClr val="002B62"/>
-                    </a:solidFill>
-                  </a:tcPr>
-                </a:tc>
-                <a:extLst>
-                  <a:ext uri="{0D108BD9-81ED-4DB2-BD59-A6C34878D82A}">
-                    <a16:rowId xmlns:a16="http://schemas.microsoft.com/office/drawing/2014/main" val="10000"/>
-                  </a:ext>
-                </a:extLst>
-              </a:tr>
-            </a:tbl>
-          </a:graphicData>
-        </a:graphic>
-      </p:graphicFrame>
-      <p:graphicFrame>
-        <p:nvGraphicFramePr>
-          <p:cNvPr id="5" name="表 4"/>
-          <p:cNvGraphicFramePr>
-            <a:graphicFrameLocks noGrp="1"/>
-          </p:cNvGraphicFramePr>
-          <p:nvPr>
-            <p:extLst>
-              <p:ext uri="{D42A27DB-BD31-4B8C-83A1-F6EECF244321}">
-                <p14:modId xmlns:p14="http://schemas.microsoft.com/office/powerpoint/2010/main" val="2926605545"/>
-              </p:ext>
-            </p:extLst>
-          </p:nvPr>
-        </p:nvGraphicFramePr>
-        <p:xfrm>
-          <a:off x="1828630" y="5469286"/>
-          <a:ext cx="5485765" cy="936130"/>
-        </p:xfrm>
-        <a:graphic>
-          <a:graphicData uri="http://schemas.openxmlformats.org/drawingml/2006/table">
-            <a:tbl>
-              <a:tblPr firstRow="1" firstCol="1" bandRow="1">
-                <a:tableStyleId>{5C22544A-7EE6-4342-B048-85BDC9FD1C3A}</a:tableStyleId>
-              </a:tblPr>
-              <a:tblGrid>
-                <a:gridCol w="5485765">
-                  <a:extLst>
-                    <a:ext uri="{9D8B030D-6E8A-4147-A177-3AD203B41FA5}">
-                      <a16:colId xmlns:a16="http://schemas.microsoft.com/office/drawing/2014/main" val="20000"/>
-                    </a:ext>
-                  </a:extLst>
-                </a:gridCol>
-              </a:tblGrid>
-              <a:tr h="936130">
-                <a:tc>
-                  <a:txBody>
-                    <a:bodyPr/>
-                    <a:lstStyle/>
-                    <a:p>
-                      <a:pPr algn="l">
-                        <a:spcAft>
-                          <a:spcPts val="0"/>
-                        </a:spcAft>
-                      </a:pPr>
-                      <a:r>
-                        <a:rPr lang="en-US" sz="1050" kern="100" dirty="0" smtClean="0">
-                          <a:effectLst/>
-                        </a:rPr>
-                        <a:t>“ITA</a:t>
-                      </a:r>
-                      <a:r>
-                        <a:rPr lang="ja-JP" sz="1050" kern="100" dirty="0" smtClean="0">
-                          <a:effectLst/>
-                        </a:rPr>
-                        <a:t>実装</a:t>
-                      </a:r>
-                      <a:r>
-                        <a:rPr lang="ja-JP" sz="1050" kern="100" dirty="0">
-                          <a:effectLst/>
-                        </a:rPr>
-                        <a:t>サーバの</a:t>
-                      </a:r>
-                      <a:r>
-                        <a:rPr lang="en-US" sz="1050" kern="100" dirty="0">
-                          <a:effectLst/>
-                        </a:rPr>
-                        <a:t>IP</a:t>
-                      </a:r>
-                      <a:r>
-                        <a:rPr lang="ja-JP" sz="1050" kern="100" dirty="0">
-                          <a:effectLst/>
-                        </a:rPr>
-                        <a:t>アドレス</a:t>
-                      </a:r>
-                      <a:r>
-                        <a:rPr lang="en-US" sz="1050" kern="100" dirty="0">
-                          <a:effectLst/>
-                        </a:rPr>
-                        <a:t>”</a:t>
-                      </a:r>
-                      <a:r>
-                        <a:rPr lang="ja-JP" sz="1050" kern="100" dirty="0">
-                          <a:effectLst/>
-                        </a:rPr>
-                        <a:t>　</a:t>
-                      </a:r>
-                      <a:r>
-                        <a:rPr lang="ja-JP" sz="1050" kern="0" dirty="0">
-                          <a:effectLst/>
-                        </a:rPr>
-                        <a:t> </a:t>
-                      </a:r>
-                      <a:r>
-                        <a:rPr lang="en-US" altLang="ja-JP" sz="1050" kern="0" dirty="0" smtClean="0">
-                          <a:effectLst/>
-                        </a:rPr>
-                        <a:t>exastro</a:t>
-                      </a:r>
-                      <a:r>
-                        <a:rPr lang="en-US" sz="1050" kern="0" dirty="0" smtClean="0">
-                          <a:effectLst/>
-                        </a:rPr>
-                        <a:t>-it-automation</a:t>
-                      </a:r>
-                      <a:r>
-                        <a:rPr lang="en-US" sz="1050" kern="0" dirty="0">
-                          <a:effectLst/>
-                        </a:rPr>
-                        <a:t/>
-                      </a:r>
-                      <a:br>
-                        <a:rPr lang="en-US" sz="1050" kern="0" dirty="0">
-                          <a:effectLst/>
-                        </a:rPr>
-                      </a:br>
-                      <a:r>
-                        <a:rPr lang="en-US" sz="1050" kern="0" dirty="0" smtClean="0">
-                          <a:effectLst/>
-                        </a:rPr>
-                        <a:t/>
-                      </a:r>
-                      <a:br>
-                        <a:rPr lang="en-US" sz="1050" kern="0" dirty="0" smtClean="0">
-                          <a:effectLst/>
-                        </a:rPr>
-                      </a:br>
-                      <a:r>
-                        <a:rPr lang="ja-JP" sz="1050" kern="0" dirty="0" smtClean="0">
-                          <a:effectLst/>
-                        </a:rPr>
-                        <a:t>例</a:t>
-                      </a:r>
-                      <a:r>
-                        <a:rPr lang="ja-JP" altLang="en-US" sz="1050" kern="0" dirty="0" smtClean="0">
-                          <a:effectLst/>
-                        </a:rPr>
-                        <a:t>）</a:t>
-                      </a:r>
-                      <a:r>
-                        <a:rPr lang="en-US" sz="1050" kern="0" dirty="0" smtClean="0">
-                          <a:effectLst/>
-                        </a:rPr>
-                        <a:t/>
-                      </a:r>
-                      <a:br>
-                        <a:rPr lang="en-US" sz="1050" kern="0" dirty="0" smtClean="0">
-                          <a:effectLst/>
-                        </a:rPr>
-                      </a:br>
-                      <a:r>
-                        <a:rPr lang="en-US" sz="1050" kern="0" dirty="0" smtClean="0">
-                          <a:effectLst/>
-                        </a:rPr>
-                        <a:t>192.168.0.3 </a:t>
-                      </a:r>
-                      <a:r>
-                        <a:rPr lang="ja-JP" sz="1050" kern="0" dirty="0">
-                          <a:effectLst/>
-                        </a:rPr>
-                        <a:t>　</a:t>
-                      </a:r>
-                      <a:r>
-                        <a:rPr lang="en-US" altLang="ja-JP" sz="1050" kern="0" dirty="0" smtClean="0">
-                          <a:effectLst/>
-                        </a:rPr>
-                        <a:t>e</a:t>
-                      </a:r>
-                      <a:r>
-                        <a:rPr lang="en-US" sz="1050" kern="0" dirty="0" smtClean="0">
-                          <a:effectLst/>
-                        </a:rPr>
-                        <a:t>xastro-it-automation</a:t>
-                      </a:r>
-                      <a:endParaRPr lang="ja-JP" sz="1050" kern="100" dirty="0">
-                        <a:effectLst/>
-                        <a:latin typeface="Century" panose="02040604050505020304" pitchFamily="18" charset="0"/>
-                        <a:ea typeface="ＭＳ 明朝" panose="02020609040205080304" pitchFamily="17" charset="-128"/>
-                        <a:cs typeface="Times New Roman" panose="02020603050405020304" pitchFamily="18" charset="0"/>
-                      </a:endParaRPr>
-                    </a:p>
-                  </a:txBody>
-                  <a:tcPr marL="68580" marR="68580" marT="0" marB="0" anchor="ctr">
-                    <a:solidFill>
-                      <a:srgbClr val="002B62"/>
-                    </a:solidFill>
-                  </a:tcPr>
-                </a:tc>
-                <a:extLst>
-                  <a:ext uri="{0D108BD9-81ED-4DB2-BD59-A6C34878D82A}">
-                    <a16:rowId xmlns:a16="http://schemas.microsoft.com/office/drawing/2014/main" val="10000"/>
-                  </a:ext>
-                </a:extLst>
-              </a:tr>
-            </a:tbl>
-          </a:graphicData>
-        </a:graphic>
-      </p:graphicFrame>
-    </p:spTree>
-    <p:extLst>
-      <p:ext uri="{BB962C8B-B14F-4D97-AF65-F5344CB8AC3E}">
-        <p14:creationId xmlns:p14="http://schemas.microsoft.com/office/powerpoint/2010/main" val="897253124"/>
-      </p:ext>
-    </p:extLst>
-  </p:cSld>
-  <p:clrMapOvr>
-    <a:masterClrMapping/>
-  </p:clrMapOvr>
-  <p:timing>
-    <p:tnLst>
-      <p:par>
-        <p:cTn id="1" dur="indefinite" restart="never" nodeType="tmRoot"/>
-      </p:par>
-    </p:tnLst>
-  </p:timing>
-</p:sld>
-</file>
-
-<file path=ppt/slides/slide22.xml><?xml version="1.0" encoding="utf-8"?>
-<p:sld xmlns:a="http://schemas.openxmlformats.org/drawingml/2006/main" xmlns:r="http://schemas.openxmlformats.org/officeDocument/2006/relationships" xmlns:p="http://schemas.openxmlformats.org/presentationml/2006/main">
-  <p:cSld>
-    <p:spTree>
-      <p:nvGrpSpPr>
-        <p:cNvPr id="1" name=""/>
-        <p:cNvGrpSpPr/>
-        <p:nvPr/>
-      </p:nvGrpSpPr>
-      <p:grpSpPr>
-        <a:xfrm>
-          <a:off x="0" y="0"/>
-          <a:ext cx="0" cy="0"/>
-          <a:chOff x="0" y="0"/>
-          <a:chExt cx="0" cy="0"/>
-        </a:xfrm>
-      </p:grpSpPr>
-      <p:sp>
-        <p:nvSpPr>
-          <p:cNvPr id="2" name="タイトル 1"/>
-          <p:cNvSpPr>
-            <a:spLocks noGrp="1"/>
-          </p:cNvSpPr>
-          <p:nvPr>
-            <p:ph type="title"/>
-          </p:nvPr>
-        </p:nvSpPr>
-        <p:spPr/>
-        <p:txBody>
-          <a:bodyPr/>
-          <a:lstStyle/>
-          <a:p>
-            <a:r>
-              <a:rPr lang="en-US" altLang="ja-JP" dirty="0" smtClean="0"/>
-              <a:t>4.2</a:t>
+              <a:t>4.1</a:t>
             </a:r>
             <a:r>
               <a:rPr lang="ja-JP" altLang="en-US" dirty="0"/>
@@ -23228,1095 +22643,10 @@
             </a:r>
             <a:r>
               <a:rPr lang="en-US" altLang="ja-JP" dirty="0" smtClean="0"/>
-              <a:t>2/5</a:t>
-            </a:r>
-            <a:r>
-              <a:rPr lang="ja-JP" altLang="en-US" dirty="0"/>
-              <a:t>）</a:t>
-            </a:r>
-            <a:endParaRPr kumimoji="1" lang="ja-JP" altLang="en-US" dirty="0"/>
-          </a:p>
-        </p:txBody>
-      </p:sp>
-      <p:sp>
-        <p:nvSpPr>
-          <p:cNvPr id="3" name="コンテンツ プレースホルダー 2"/>
-          <p:cNvSpPr>
-            <a:spLocks noGrp="1"/>
-          </p:cNvSpPr>
-          <p:nvPr>
-            <p:ph sz="quarter" idx="10"/>
-          </p:nvPr>
-        </p:nvSpPr>
-        <p:spPr>
-          <a:xfrm>
-            <a:off x="179512" y="836712"/>
-            <a:ext cx="8964488" cy="5616476"/>
-          </a:xfrm>
-        </p:spPr>
-        <p:txBody>
-          <a:bodyPr>
-            <a:normAutofit fontScale="92500" lnSpcReduction="10000"/>
-          </a:bodyPr>
-          <a:lstStyle/>
-          <a:p>
-            <a:r>
-              <a:rPr lang="ja-JP" altLang="ja-JP" dirty="0"/>
-              <a:t>操作端末（</a:t>
-            </a:r>
-            <a:r>
-              <a:rPr lang="en-US" altLang="ja-JP" dirty="0"/>
-              <a:t>Windows</a:t>
-            </a:r>
-            <a:r>
-              <a:rPr lang="ja-JP" altLang="ja-JP" dirty="0" smtClean="0"/>
-              <a:t>）</a:t>
+              <a:t>1/6</a:t>
             </a:r>
             <a:r>
               <a:rPr lang="ja-JP" altLang="en-US" dirty="0" smtClean="0"/>
-              <a:t>への</a:t>
-            </a:r>
-            <a:r>
-              <a:rPr lang="ja-JP" altLang="ja-JP" dirty="0" smtClean="0"/>
-              <a:t>証明書インポート</a:t>
-            </a:r>
-            <a:endParaRPr lang="en-US" altLang="ja-JP" dirty="0" smtClean="0"/>
-          </a:p>
-          <a:p>
-            <a:pPr lvl="1"/>
-            <a:r>
-              <a:rPr lang="ja-JP" altLang="ja-JP" dirty="0"/>
-              <a:t>証明書</a:t>
-            </a:r>
-            <a:r>
-              <a:rPr lang="ja-JP" altLang="ja-JP" dirty="0" smtClean="0"/>
-              <a:t>は</a:t>
-            </a:r>
-            <a:r>
-              <a:rPr lang="en-US" altLang="ja-JP" dirty="0" smtClean="0"/>
-              <a:t>ITA</a:t>
-            </a:r>
-            <a:r>
-              <a:rPr lang="ja-JP" altLang="ja-JP" dirty="0" smtClean="0"/>
-              <a:t>インストールパッケージ</a:t>
-            </a:r>
-            <a:r>
-              <a:rPr lang="ja-JP" altLang="ja-JP" dirty="0"/>
-              <a:t>の以下のパスに格納されています。</a:t>
-            </a:r>
-          </a:p>
-          <a:p>
-            <a:pPr lvl="1"/>
-            <a:r>
-              <a:rPr lang="en-US" altLang="ja-JP" dirty="0" smtClean="0"/>
-              <a:t>FFFTP </a:t>
-            </a:r>
-            <a:r>
-              <a:rPr lang="ja-JP" altLang="ja-JP" dirty="0"/>
-              <a:t>、</a:t>
-            </a:r>
-            <a:r>
-              <a:rPr lang="en-US" altLang="ja-JP" dirty="0"/>
-              <a:t>WinSCP</a:t>
-            </a:r>
-            <a:r>
-              <a:rPr lang="ja-JP" altLang="ja-JP" dirty="0"/>
-              <a:t>などのツールを利用し操作端末にダウンロードします。</a:t>
-            </a:r>
-          </a:p>
-          <a:p>
-            <a:pPr marL="180000" lvl="1" indent="0">
-              <a:buNone/>
-            </a:pPr>
-            <a:endParaRPr lang="en-US" altLang="ja-JP" dirty="0" smtClean="0"/>
-          </a:p>
-          <a:p>
-            <a:pPr marL="180000" lvl="1" indent="0">
-              <a:buNone/>
-            </a:pPr>
-            <a:endParaRPr lang="en-US" altLang="ja-JP" dirty="0"/>
-          </a:p>
-          <a:p>
-            <a:pPr marL="180000" lvl="1" indent="0">
-              <a:buNone/>
-            </a:pPr>
-            <a:endParaRPr lang="en-US" altLang="ja-JP" dirty="0" smtClean="0"/>
-          </a:p>
-          <a:p>
-            <a:pPr marL="180000" lvl="1" indent="0">
-              <a:buNone/>
-            </a:pPr>
-            <a:endParaRPr lang="en-US" altLang="ja-JP" dirty="0" smtClean="0"/>
-          </a:p>
-          <a:p>
-            <a:pPr marL="180000" lvl="1" indent="0">
-              <a:buNone/>
-            </a:pPr>
-            <a:endParaRPr lang="en-US" altLang="ja-JP" dirty="0"/>
-          </a:p>
-          <a:p>
-            <a:pPr lvl="1"/>
-            <a:r>
-              <a:rPr lang="en-US" altLang="ja-JP" dirty="0"/>
-              <a:t>Web</a:t>
-            </a:r>
-            <a:r>
-              <a:rPr lang="ja-JP" altLang="ja-JP" dirty="0"/>
-              <a:t>ブラウザに証明書のインポートをしてください。</a:t>
-            </a:r>
-          </a:p>
-          <a:p>
-            <a:pPr lvl="1"/>
-            <a:r>
-              <a:rPr lang="en-US" altLang="ja-JP" dirty="0" smtClean="0"/>
-              <a:t>Google Chrome</a:t>
-            </a:r>
-            <a:r>
-              <a:rPr lang="ja-JP" altLang="ja-JP" dirty="0" smtClean="0"/>
-              <a:t>に</a:t>
-            </a:r>
-            <a:r>
-              <a:rPr lang="ja-JP" altLang="ja-JP" dirty="0"/>
-              <a:t>インポートする</a:t>
-            </a:r>
-            <a:r>
-              <a:rPr lang="ja-JP" altLang="ja-JP" dirty="0" smtClean="0"/>
-              <a:t>手順</a:t>
-            </a:r>
-            <a:r>
-              <a:rPr lang="ja-JP" altLang="en-US" dirty="0"/>
-              <a:t>を</a:t>
-            </a:r>
-            <a:r>
-              <a:rPr lang="ja-JP" altLang="ja-JP" dirty="0" smtClean="0"/>
-              <a:t>以下</a:t>
-            </a:r>
-            <a:r>
-              <a:rPr lang="ja-JP" altLang="en-US" dirty="0" smtClean="0"/>
-              <a:t>に示します。</a:t>
-            </a:r>
-            <a:endParaRPr lang="en-US" altLang="ja-JP" dirty="0" smtClean="0"/>
-          </a:p>
-          <a:p>
-            <a:pPr marL="180000" lvl="1" indent="0">
-              <a:buNone/>
-            </a:pPr>
-            <a:endParaRPr lang="en-US" altLang="ja-JP" dirty="0" smtClean="0"/>
-          </a:p>
-          <a:p>
-            <a:pPr marL="180000" lvl="1" indent="0">
-              <a:buNone/>
-            </a:pPr>
-            <a:r>
-              <a:rPr lang="ja-JP" altLang="en-US" dirty="0" smtClean="0"/>
-              <a:t>　①　</a:t>
-            </a:r>
-            <a:r>
-              <a:rPr lang="en-US" altLang="ja-JP" dirty="0" smtClean="0"/>
-              <a:t>Google </a:t>
-            </a:r>
-            <a:r>
-              <a:rPr lang="en-US" altLang="ja-JP" dirty="0"/>
-              <a:t>Chrome</a:t>
-            </a:r>
-            <a:r>
-              <a:rPr lang="ja-JP" altLang="en-US" dirty="0"/>
-              <a:t>を起動し、右上の</a:t>
-            </a:r>
-            <a:r>
-              <a:rPr lang="en-US" altLang="ja-JP" dirty="0"/>
-              <a:t>[</a:t>
-            </a:r>
-            <a:r>
-              <a:rPr lang="ja-JP" altLang="en-US" dirty="0"/>
-              <a:t>設定</a:t>
-            </a:r>
-            <a:r>
-              <a:rPr lang="en-US" altLang="ja-JP" dirty="0"/>
-              <a:t>]</a:t>
-            </a:r>
-            <a:r>
-              <a:rPr lang="ja-JP" altLang="en-US" dirty="0"/>
-              <a:t>ボタンから</a:t>
-            </a:r>
-            <a:r>
-              <a:rPr lang="en-US" altLang="ja-JP" dirty="0"/>
-              <a:t>[</a:t>
-            </a:r>
-            <a:r>
-              <a:rPr lang="ja-JP" altLang="en-US" dirty="0"/>
-              <a:t>設定</a:t>
-            </a:r>
-            <a:r>
-              <a:rPr lang="en-US" altLang="ja-JP" dirty="0"/>
-              <a:t>(S)]</a:t>
-            </a:r>
-            <a:r>
-              <a:rPr lang="ja-JP" altLang="en-US" dirty="0"/>
-              <a:t>へ進みます</a:t>
-            </a:r>
-            <a:r>
-              <a:rPr lang="ja-JP" altLang="en-US" dirty="0" smtClean="0"/>
-              <a:t>。</a:t>
-            </a:r>
-            <a:endParaRPr lang="en-US" altLang="ja-JP" dirty="0" smtClean="0"/>
-          </a:p>
-          <a:p>
-            <a:pPr marL="180000" lvl="1" indent="0">
-              <a:buNone/>
-            </a:pPr>
-            <a:r>
-              <a:rPr lang="ja-JP" altLang="en-US" dirty="0"/>
-              <a:t>　②　画面下部の</a:t>
-            </a:r>
-            <a:r>
-              <a:rPr lang="en-US" altLang="ja-JP" dirty="0"/>
-              <a:t>[</a:t>
-            </a:r>
-            <a:r>
-              <a:rPr lang="ja-JP" altLang="en-US" dirty="0"/>
-              <a:t>詳細設定</a:t>
-            </a:r>
-            <a:r>
-              <a:rPr lang="en-US" altLang="ja-JP" dirty="0"/>
-              <a:t>]</a:t>
-            </a:r>
-            <a:r>
-              <a:rPr lang="ja-JP" altLang="en-US" dirty="0"/>
-              <a:t>をクリック後、表示される項目から</a:t>
-            </a:r>
-            <a:r>
-              <a:rPr lang="en-US" altLang="ja-JP" dirty="0"/>
-              <a:t>[</a:t>
-            </a:r>
-            <a:r>
-              <a:rPr lang="ja-JP" altLang="en-US" dirty="0"/>
-              <a:t>証明書の管理</a:t>
-            </a:r>
-            <a:r>
-              <a:rPr lang="en-US" altLang="ja-JP" dirty="0"/>
-              <a:t>]</a:t>
-            </a:r>
-            <a:r>
-              <a:rPr lang="ja-JP" altLang="en-US" dirty="0"/>
-              <a:t>をクリックします。</a:t>
-            </a:r>
-            <a:endParaRPr lang="ja-JP" altLang="ja-JP" dirty="0"/>
-          </a:p>
-          <a:p>
-            <a:pPr marL="357188" lvl="1" indent="0">
-              <a:buNone/>
-            </a:pPr>
-            <a:r>
-              <a:rPr lang="ja-JP" altLang="en-US" dirty="0" smtClean="0"/>
-              <a:t>③　</a:t>
-            </a:r>
-            <a:r>
-              <a:rPr lang="en-US" altLang="ja-JP" dirty="0"/>
-              <a:t>[</a:t>
-            </a:r>
-            <a:r>
-              <a:rPr lang="ja-JP" altLang="en-US" dirty="0"/>
-              <a:t>信頼されたルート証明機関</a:t>
-            </a:r>
-            <a:r>
-              <a:rPr lang="en-US" altLang="ja-JP" dirty="0"/>
-              <a:t>]</a:t>
-            </a:r>
-            <a:r>
-              <a:rPr lang="ja-JP" altLang="en-US" dirty="0"/>
-              <a:t>タブへ進み、左下の</a:t>
-            </a:r>
-            <a:r>
-              <a:rPr lang="en-US" altLang="ja-JP" dirty="0"/>
-              <a:t>[</a:t>
-            </a:r>
-            <a:r>
-              <a:rPr lang="ja-JP" altLang="en-US" dirty="0"/>
-              <a:t>インポート</a:t>
-            </a:r>
-            <a:r>
-              <a:rPr lang="en-US" altLang="ja-JP" dirty="0"/>
-              <a:t>]</a:t>
-            </a:r>
-            <a:r>
-              <a:rPr lang="ja-JP" altLang="en-US" dirty="0"/>
-              <a:t>をクリックします</a:t>
-            </a:r>
-            <a:r>
-              <a:rPr lang="ja-JP" altLang="en-US" dirty="0" smtClean="0"/>
-              <a:t>。</a:t>
-            </a:r>
-            <a:endParaRPr lang="en-US" altLang="ja-JP" dirty="0" smtClean="0"/>
-          </a:p>
-          <a:p>
-            <a:pPr marL="357188" lvl="1" indent="0">
-              <a:buNone/>
-            </a:pPr>
-            <a:r>
-              <a:rPr lang="ja-JP" altLang="en-US" dirty="0" smtClean="0"/>
-              <a:t>④</a:t>
-            </a:r>
-            <a:r>
-              <a:rPr lang="ja-JP" altLang="en-US" dirty="0"/>
-              <a:t>　証明書のインポートウィザードが起動します。</a:t>
-            </a:r>
-            <a:r>
-              <a:rPr lang="en-US" altLang="ja-JP" dirty="0"/>
-              <a:t>[</a:t>
-            </a:r>
-            <a:r>
-              <a:rPr lang="ja-JP" altLang="en-US" dirty="0"/>
-              <a:t>次へ</a:t>
-            </a:r>
-            <a:r>
-              <a:rPr lang="en-US" altLang="ja-JP" dirty="0"/>
-              <a:t>]</a:t>
-            </a:r>
-            <a:r>
-              <a:rPr lang="ja-JP" altLang="en-US" dirty="0"/>
-              <a:t>をクリックします</a:t>
-            </a:r>
-            <a:r>
-              <a:rPr lang="ja-JP" altLang="en-US" dirty="0" smtClean="0"/>
-              <a:t>。</a:t>
-            </a:r>
-            <a:endParaRPr lang="en-US" altLang="ja-JP" dirty="0" smtClean="0"/>
-          </a:p>
-          <a:p>
-            <a:pPr marL="357188" lvl="1" indent="0">
-              <a:buNone/>
-            </a:pPr>
-            <a:r>
-              <a:rPr lang="ja-JP" altLang="en-US" dirty="0"/>
-              <a:t>⑤　インポートするファイル名を指定し、</a:t>
-            </a:r>
-            <a:r>
-              <a:rPr lang="en-US" altLang="ja-JP" dirty="0"/>
-              <a:t>[</a:t>
-            </a:r>
-            <a:r>
-              <a:rPr lang="ja-JP" altLang="en-US" dirty="0"/>
-              <a:t>次へ</a:t>
-            </a:r>
-            <a:r>
-              <a:rPr lang="en-US" altLang="ja-JP" dirty="0"/>
-              <a:t>]</a:t>
-            </a:r>
-            <a:r>
-              <a:rPr lang="ja-JP" altLang="en-US" dirty="0"/>
-              <a:t>をクリックします</a:t>
-            </a:r>
-            <a:r>
-              <a:rPr lang="ja-JP" altLang="en-US" dirty="0" smtClean="0"/>
-              <a:t>。</a:t>
-            </a:r>
-            <a:endParaRPr lang="en-US" altLang="ja-JP" dirty="0" smtClean="0"/>
-          </a:p>
-          <a:p>
-            <a:pPr marL="357188" lvl="1" indent="0">
-              <a:buNone/>
-            </a:pPr>
-            <a:r>
-              <a:rPr lang="ja-JP" altLang="en-US" dirty="0" smtClean="0"/>
-              <a:t>⑥　</a:t>
-            </a:r>
-            <a:r>
-              <a:rPr lang="en-US" altLang="ja-JP" dirty="0"/>
-              <a:t>[</a:t>
-            </a:r>
-            <a:r>
-              <a:rPr lang="ja-JP" altLang="en-US" dirty="0"/>
-              <a:t>証明書をすべての次のストアに配置する</a:t>
-            </a:r>
-            <a:r>
-              <a:rPr lang="en-US" altLang="ja-JP" dirty="0"/>
-              <a:t>(P)]</a:t>
-            </a:r>
-            <a:r>
-              <a:rPr lang="ja-JP" altLang="en-US" dirty="0"/>
-              <a:t>をチェックされている状態を確認します</a:t>
-            </a:r>
-            <a:r>
-              <a:rPr lang="ja-JP" altLang="en-US" dirty="0" smtClean="0"/>
-              <a:t>。</a:t>
-            </a:r>
-            <a:endParaRPr lang="en-US" altLang="ja-JP" dirty="0" smtClean="0"/>
-          </a:p>
-          <a:p>
-            <a:pPr marL="357188" lvl="1" indent="0">
-              <a:buNone/>
-            </a:pPr>
-            <a:r>
-              <a:rPr lang="ja-JP" altLang="en-US" dirty="0" smtClean="0"/>
-              <a:t>⑦　</a:t>
-            </a:r>
-            <a:r>
-              <a:rPr lang="en-US" altLang="ja-JP" dirty="0"/>
-              <a:t>[</a:t>
-            </a:r>
-            <a:r>
-              <a:rPr lang="ja-JP" altLang="en-US" dirty="0"/>
-              <a:t>信頼されたルート証明機関</a:t>
-            </a:r>
-            <a:r>
-              <a:rPr lang="en-US" altLang="ja-JP" dirty="0"/>
-              <a:t>]</a:t>
-            </a:r>
-            <a:r>
-              <a:rPr lang="ja-JP" altLang="en-US" dirty="0"/>
-              <a:t>を選択し、</a:t>
-            </a:r>
-            <a:r>
-              <a:rPr lang="en-US" altLang="ja-JP" dirty="0"/>
-              <a:t>[</a:t>
-            </a:r>
-            <a:r>
-              <a:rPr lang="ja-JP" altLang="en-US" dirty="0"/>
-              <a:t>次へ</a:t>
-            </a:r>
-            <a:r>
-              <a:rPr lang="en-US" altLang="ja-JP" dirty="0"/>
-              <a:t>]</a:t>
-            </a:r>
-            <a:r>
-              <a:rPr lang="ja-JP" altLang="en-US" dirty="0"/>
-              <a:t>をクリックします。</a:t>
-            </a:r>
-            <a:endParaRPr lang="en-US" altLang="ja-JP" dirty="0" smtClean="0"/>
-          </a:p>
-          <a:p>
-            <a:pPr marL="357188" lvl="1" indent="0">
-              <a:buNone/>
-            </a:pPr>
-            <a:r>
-              <a:rPr lang="en-US" altLang="ja-JP" dirty="0" smtClean="0"/>
-              <a:t>※</a:t>
-            </a:r>
-            <a:r>
-              <a:rPr lang="ja-JP" altLang="en-US" dirty="0" smtClean="0"/>
-              <a:t>選択されていない場合は右の</a:t>
-            </a:r>
-            <a:r>
-              <a:rPr lang="en-US" altLang="ja-JP" dirty="0" smtClean="0"/>
-              <a:t>[</a:t>
-            </a:r>
-            <a:r>
-              <a:rPr lang="ja-JP" altLang="en-US" dirty="0" smtClean="0"/>
-              <a:t>参照</a:t>
-            </a:r>
-            <a:r>
-              <a:rPr lang="en-US" altLang="ja-JP" dirty="0" smtClean="0"/>
-              <a:t>(R)]</a:t>
-            </a:r>
-            <a:r>
-              <a:rPr lang="ja-JP" altLang="en-US" dirty="0" smtClean="0"/>
-              <a:t>か</a:t>
-            </a:r>
-            <a:r>
-              <a:rPr lang="ja-JP" altLang="en-US" dirty="0"/>
-              <a:t>ら</a:t>
-            </a:r>
-            <a:r>
-              <a:rPr lang="en-US" altLang="ja-JP" dirty="0" smtClean="0"/>
-              <a:t>[</a:t>
-            </a:r>
-            <a:r>
-              <a:rPr lang="ja-JP" altLang="ja-JP" dirty="0"/>
-              <a:t>信頼されたルート証明機関</a:t>
-            </a:r>
-            <a:r>
-              <a:rPr lang="en-US" altLang="ja-JP" dirty="0"/>
-              <a:t>]</a:t>
-            </a:r>
-            <a:r>
-              <a:rPr lang="ja-JP" altLang="en-US" dirty="0"/>
-              <a:t>を</a:t>
-            </a:r>
-            <a:r>
-              <a:rPr lang="ja-JP" altLang="en-US" dirty="0" smtClean="0"/>
-              <a:t>選択してください。</a:t>
-            </a:r>
-            <a:endParaRPr lang="en-US" altLang="ja-JP" dirty="0" smtClean="0"/>
-          </a:p>
-          <a:p>
-            <a:pPr marL="357188" lvl="1" indent="0">
-              <a:buNone/>
-            </a:pPr>
-            <a:r>
-              <a:rPr lang="ja-JP" altLang="en-US" dirty="0" smtClean="0"/>
-              <a:t>⑧　</a:t>
-            </a:r>
-            <a:r>
-              <a:rPr lang="en-US" altLang="ja-JP" dirty="0"/>
-              <a:t>[</a:t>
-            </a:r>
-            <a:r>
-              <a:rPr lang="ja-JP" altLang="en-US" dirty="0"/>
-              <a:t>完了</a:t>
-            </a:r>
-            <a:r>
-              <a:rPr lang="en-US" altLang="ja-JP" dirty="0"/>
-              <a:t>]</a:t>
-            </a:r>
-            <a:r>
-              <a:rPr lang="ja-JP" altLang="en-US" dirty="0"/>
-              <a:t>をクリックします。</a:t>
-            </a:r>
-            <a:endParaRPr lang="ja-JP" altLang="ja-JP" dirty="0"/>
-          </a:p>
-        </p:txBody>
-      </p:sp>
-      <p:graphicFrame>
-        <p:nvGraphicFramePr>
-          <p:cNvPr id="6" name="表 5"/>
-          <p:cNvGraphicFramePr>
-            <a:graphicFrameLocks noGrp="1"/>
-          </p:cNvGraphicFramePr>
-          <p:nvPr>
-            <p:extLst>
-              <p:ext uri="{D42A27DB-BD31-4B8C-83A1-F6EECF244321}">
-                <p14:modId xmlns:p14="http://schemas.microsoft.com/office/powerpoint/2010/main" val="3881968427"/>
-              </p:ext>
-            </p:extLst>
-          </p:nvPr>
-        </p:nvGraphicFramePr>
-        <p:xfrm>
-          <a:off x="1207459" y="1836779"/>
-          <a:ext cx="6729082" cy="1018455"/>
-        </p:xfrm>
-        <a:graphic>
-          <a:graphicData uri="http://schemas.openxmlformats.org/drawingml/2006/table">
-            <a:tbl>
-              <a:tblPr firstRow="1" firstCol="1" bandRow="1">
-                <a:tableStyleId>{5C22544A-7EE6-4342-B048-85BDC9FD1C3A}</a:tableStyleId>
-              </a:tblPr>
-              <a:tblGrid>
-                <a:gridCol w="1581792">
-                  <a:extLst>
-                    <a:ext uri="{9D8B030D-6E8A-4147-A177-3AD203B41FA5}">
-                      <a16:colId xmlns:a16="http://schemas.microsoft.com/office/drawing/2014/main" val="20000"/>
-                    </a:ext>
-                  </a:extLst>
-                </a:gridCol>
-                <a:gridCol w="3269829">
-                  <a:extLst>
-                    <a:ext uri="{9D8B030D-6E8A-4147-A177-3AD203B41FA5}">
-                      <a16:colId xmlns:a16="http://schemas.microsoft.com/office/drawing/2014/main" val="20001"/>
-                    </a:ext>
-                  </a:extLst>
-                </a:gridCol>
-                <a:gridCol w="1877461">
-                  <a:extLst>
-                    <a:ext uri="{9D8B030D-6E8A-4147-A177-3AD203B41FA5}">
-                      <a16:colId xmlns:a16="http://schemas.microsoft.com/office/drawing/2014/main" val="20002"/>
-                    </a:ext>
-                  </a:extLst>
-                </a:gridCol>
-              </a:tblGrid>
-              <a:tr h="288039">
-                <a:tc>
-                  <a:txBody>
-                    <a:bodyPr/>
-                    <a:lstStyle/>
-                    <a:p>
-                      <a:pPr algn="ctr">
-                        <a:spcAft>
-                          <a:spcPts val="0"/>
-                        </a:spcAft>
-                      </a:pPr>
-                      <a:r>
-                        <a:rPr lang="en-US" altLang="ja-JP" sz="1050" kern="100" dirty="0" smtClean="0">
-                          <a:effectLst/>
-                        </a:rPr>
-                        <a:t>ITA</a:t>
-                      </a:r>
-                      <a:r>
-                        <a:rPr lang="ja-JP" sz="1050" kern="100" dirty="0" smtClean="0">
-                          <a:effectLst/>
-                        </a:rPr>
-                        <a:t>サーバ</a:t>
-                      </a:r>
-                      <a:r>
-                        <a:rPr lang="ja-JP" sz="1050" kern="100" dirty="0">
-                          <a:effectLst/>
-                        </a:rPr>
-                        <a:t>の</a:t>
-                      </a:r>
-                      <a:r>
-                        <a:rPr lang="en-US" sz="1050" kern="100" dirty="0">
-                          <a:effectLst/>
-                        </a:rPr>
-                        <a:t>OS</a:t>
-                      </a:r>
-                      <a:endParaRPr lang="ja-JP" sz="1050" kern="100" dirty="0">
-                        <a:effectLst/>
-                        <a:latin typeface="Century" panose="02040604050505020304" pitchFamily="18" charset="0"/>
-                        <a:ea typeface="ＭＳ 明朝" panose="02020609040205080304" pitchFamily="17" charset="-128"/>
-                        <a:cs typeface="Times New Roman" panose="02020603050405020304" pitchFamily="18" charset="0"/>
-                      </a:endParaRPr>
-                    </a:p>
-                  </a:txBody>
-                  <a:tcPr marL="68580" marR="68580" marT="0" marB="0" anchor="ctr">
-                    <a:solidFill>
-                      <a:srgbClr val="002B62"/>
-                    </a:solidFill>
-                  </a:tcPr>
-                </a:tc>
-                <a:tc>
-                  <a:txBody>
-                    <a:bodyPr/>
-                    <a:lstStyle/>
-                    <a:p>
-                      <a:pPr algn="ctr">
-                        <a:spcAft>
-                          <a:spcPts val="0"/>
-                        </a:spcAft>
-                      </a:pPr>
-                      <a:r>
-                        <a:rPr lang="ja-JP" sz="1050" kern="100" dirty="0">
-                          <a:effectLst/>
-                        </a:rPr>
-                        <a:t>ファイルパス</a:t>
-                      </a:r>
-                      <a:endParaRPr lang="ja-JP" sz="1050" kern="100" dirty="0">
-                        <a:effectLst/>
-                        <a:latin typeface="Century" panose="02040604050505020304" pitchFamily="18" charset="0"/>
-                        <a:ea typeface="ＭＳ 明朝" panose="02020609040205080304" pitchFamily="17" charset="-128"/>
-                        <a:cs typeface="Times New Roman" panose="02020603050405020304" pitchFamily="18" charset="0"/>
-                      </a:endParaRPr>
-                    </a:p>
-                  </a:txBody>
-                  <a:tcPr marL="68580" marR="68580" marT="0" marB="0" anchor="ctr">
-                    <a:solidFill>
-                      <a:srgbClr val="002B62"/>
-                    </a:solidFill>
-                  </a:tcPr>
-                </a:tc>
-                <a:tc>
-                  <a:txBody>
-                    <a:bodyPr/>
-                    <a:lstStyle/>
-                    <a:p>
-                      <a:pPr algn="ctr">
-                        <a:spcAft>
-                          <a:spcPts val="0"/>
-                        </a:spcAft>
-                      </a:pPr>
-                      <a:r>
-                        <a:rPr lang="ja-JP" sz="1050" kern="100" dirty="0">
-                          <a:effectLst/>
-                        </a:rPr>
-                        <a:t>ファイル名</a:t>
-                      </a:r>
-                      <a:endParaRPr lang="ja-JP" sz="1050" kern="100" dirty="0">
-                        <a:effectLst/>
-                        <a:latin typeface="Century" panose="02040604050505020304" pitchFamily="18" charset="0"/>
-                        <a:ea typeface="ＭＳ 明朝" panose="02020609040205080304" pitchFamily="17" charset="-128"/>
-                        <a:cs typeface="Times New Roman" panose="02020603050405020304" pitchFamily="18" charset="0"/>
-                      </a:endParaRPr>
-                    </a:p>
-                  </a:txBody>
-                  <a:tcPr marL="68580" marR="68580" marT="0" marB="0" anchor="ctr">
-                    <a:solidFill>
-                      <a:srgbClr val="002B62"/>
-                    </a:solidFill>
-                  </a:tcPr>
-                </a:tc>
-                <a:extLst>
-                  <a:ext uri="{0D108BD9-81ED-4DB2-BD59-A6C34878D82A}">
-                    <a16:rowId xmlns:a16="http://schemas.microsoft.com/office/drawing/2014/main" val="10000"/>
-                  </a:ext>
-                </a:extLst>
-              </a:tr>
-              <a:tr h="365208">
-                <a:tc>
-                  <a:txBody>
-                    <a:bodyPr/>
-                    <a:lstStyle/>
-                    <a:p>
-                      <a:pPr algn="l" latinLnBrk="1">
-                        <a:spcAft>
-                          <a:spcPts val="0"/>
-                        </a:spcAft>
-                      </a:pPr>
-                      <a:r>
-                        <a:rPr lang="en-US" sz="900" kern="100" dirty="0">
-                          <a:effectLst/>
-                        </a:rPr>
-                        <a:t>RHEL </a:t>
-                      </a:r>
-                      <a:r>
-                        <a:rPr lang="en-US" sz="900" kern="100" dirty="0" smtClean="0">
-                          <a:effectLst/>
-                        </a:rPr>
-                        <a:t>7, </a:t>
-                      </a:r>
-                      <a:r>
-                        <a:rPr lang="en-US" sz="900" kern="100" dirty="0">
-                          <a:effectLst/>
-                        </a:rPr>
-                        <a:t>CentOS </a:t>
-                      </a:r>
-                      <a:r>
-                        <a:rPr lang="en-US" sz="900" kern="100" dirty="0" smtClean="0">
-                          <a:effectLst/>
-                        </a:rPr>
-                        <a:t>7</a:t>
-                      </a:r>
-                      <a:r>
-                        <a:rPr lang="ja-JP" sz="900" kern="100" dirty="0" smtClean="0">
-                          <a:effectLst/>
-                        </a:rPr>
-                        <a:t>系</a:t>
-                      </a:r>
-                      <a:endParaRPr lang="ja-JP" sz="1050" kern="100" dirty="0">
-                        <a:effectLst/>
-                        <a:latin typeface="Century" panose="02040604050505020304" pitchFamily="18" charset="0"/>
-                        <a:ea typeface="ＭＳ 明朝" panose="02020609040205080304" pitchFamily="17" charset="-128"/>
-                        <a:cs typeface="Times New Roman" panose="02020603050405020304" pitchFamily="18" charset="0"/>
-                      </a:endParaRPr>
-                    </a:p>
-                  </a:txBody>
-                  <a:tcPr marL="68580" marR="68580" marT="0" marB="0" anchor="ctr">
-                    <a:solidFill>
-                      <a:srgbClr val="002B62"/>
-                    </a:solidFill>
-                  </a:tcPr>
-                </a:tc>
-                <a:tc>
-                  <a:txBody>
-                    <a:bodyPr/>
-                    <a:lstStyle/>
-                    <a:p>
-                      <a:pPr algn="l" latinLnBrk="1">
-                        <a:spcAft>
-                          <a:spcPts val="0"/>
-                        </a:spcAft>
-                      </a:pPr>
-                      <a:r>
-                        <a:rPr lang="en-US" sz="1000" kern="100" dirty="0">
-                          <a:effectLst/>
-                        </a:rPr>
-                        <a:t>/(</a:t>
-                      </a:r>
-                      <a:r>
-                        <a:rPr lang="ja-JP" sz="1000" kern="100" dirty="0">
-                          <a:effectLst/>
-                        </a:rPr>
-                        <a:t>インストール資材展開先</a:t>
-                      </a:r>
-                      <a:r>
-                        <a:rPr lang="en-US" sz="1000" kern="100" dirty="0" smtClean="0">
-                          <a:effectLst/>
-                        </a:rPr>
-                        <a:t>)/</a:t>
-                      </a:r>
-                      <a:r>
-                        <a:rPr lang="en-US" sz="1000" kern="100" dirty="0" err="1" smtClean="0">
-                          <a:effectLst/>
-                        </a:rPr>
-                        <a:t>ita_install_package</a:t>
-                      </a:r>
-                      <a:r>
-                        <a:rPr lang="en-US" sz="1000" kern="100" dirty="0" smtClean="0">
-                          <a:effectLst/>
-                        </a:rPr>
-                        <a:t>/ext_files_for_CentOS7.x/</a:t>
-                      </a:r>
-                      <a:r>
-                        <a:rPr lang="en-US" sz="1000" kern="100" dirty="0" err="1" smtClean="0">
-                          <a:effectLst/>
-                        </a:rPr>
-                        <a:t>etc_pki_tls_certs</a:t>
-                      </a:r>
-                      <a:r>
-                        <a:rPr lang="en-US" sz="1000" kern="100" dirty="0">
-                          <a:effectLst/>
-                        </a:rPr>
-                        <a:t>/</a:t>
-                      </a:r>
-                      <a:endParaRPr lang="ja-JP" sz="1100" kern="100" dirty="0">
-                        <a:effectLst/>
-                        <a:latin typeface="Century" panose="02040604050505020304" pitchFamily="18" charset="0"/>
-                        <a:ea typeface="ＭＳ 明朝" panose="02020609040205080304" pitchFamily="17" charset="-128"/>
-                        <a:cs typeface="Times New Roman" panose="02020603050405020304" pitchFamily="18" charset="0"/>
-                      </a:endParaRPr>
-                    </a:p>
-                  </a:txBody>
-                  <a:tcPr marL="68580" marR="68580" marT="0" marB="0">
-                    <a:solidFill>
-                      <a:srgbClr val="CBCDD3"/>
-                    </a:solidFill>
-                  </a:tcPr>
-                </a:tc>
-                <a:tc>
-                  <a:txBody>
-                    <a:bodyPr/>
-                    <a:lstStyle/>
-                    <a:p>
-                      <a:pPr algn="l">
-                        <a:spcAft>
-                          <a:spcPts val="0"/>
-                        </a:spcAft>
-                      </a:pPr>
-                      <a:r>
-                        <a:rPr lang="en-US" sz="1100" kern="100" dirty="0" smtClean="0">
-                          <a:effectLst/>
-                        </a:rPr>
-                        <a:t>exastro-it-automation.crt</a:t>
-                      </a:r>
-                      <a:endParaRPr lang="ja-JP" sz="1100" kern="100" dirty="0">
-                        <a:effectLst/>
-                        <a:latin typeface="Century" panose="02040604050505020304" pitchFamily="18" charset="0"/>
-                        <a:ea typeface="ＭＳ 明朝" panose="02020609040205080304" pitchFamily="17" charset="-128"/>
-                        <a:cs typeface="Times New Roman" panose="02020603050405020304" pitchFamily="18" charset="0"/>
-                      </a:endParaRPr>
-                    </a:p>
-                  </a:txBody>
-                  <a:tcPr marL="68580" marR="68580" marT="0" marB="0">
-                    <a:solidFill>
-                      <a:srgbClr val="CBCDD3"/>
-                    </a:solidFill>
-                  </a:tcPr>
-                </a:tc>
-                <a:extLst>
-                  <a:ext uri="{0D108BD9-81ED-4DB2-BD59-A6C34878D82A}">
-                    <a16:rowId xmlns:a16="http://schemas.microsoft.com/office/drawing/2014/main" val="10001"/>
-                  </a:ext>
-                </a:extLst>
-              </a:tr>
-              <a:tr h="365208">
-                <a:tc>
-                  <a:txBody>
-                    <a:bodyPr/>
-                    <a:lstStyle/>
-                    <a:p>
-                      <a:pPr algn="l" latinLnBrk="1">
-                        <a:spcAft>
-                          <a:spcPts val="0"/>
-                        </a:spcAft>
-                      </a:pPr>
-                      <a:r>
-                        <a:rPr lang="en-US" sz="900" kern="100" dirty="0">
-                          <a:effectLst/>
-                        </a:rPr>
-                        <a:t>RHEL </a:t>
-                      </a:r>
-                      <a:r>
-                        <a:rPr lang="en-US" sz="900" kern="100" dirty="0" smtClean="0">
-                          <a:effectLst/>
-                        </a:rPr>
-                        <a:t>8, </a:t>
-                      </a:r>
-                      <a:r>
-                        <a:rPr lang="en-US" sz="900" kern="100" dirty="0">
-                          <a:effectLst/>
-                        </a:rPr>
-                        <a:t>CentOS </a:t>
-                      </a:r>
-                      <a:r>
-                        <a:rPr lang="en-US" sz="900" kern="100" dirty="0" smtClean="0">
-                          <a:effectLst/>
-                        </a:rPr>
-                        <a:t>8</a:t>
-                      </a:r>
-                      <a:r>
-                        <a:rPr lang="ja-JP" sz="900" kern="100" dirty="0" smtClean="0">
-                          <a:effectLst/>
-                        </a:rPr>
-                        <a:t>系</a:t>
-                      </a:r>
-                      <a:endParaRPr lang="ja-JP" sz="1050" kern="100" dirty="0">
-                        <a:effectLst/>
-                        <a:latin typeface="Century" panose="02040604050505020304" pitchFamily="18" charset="0"/>
-                        <a:ea typeface="ＭＳ 明朝" panose="02020609040205080304" pitchFamily="17" charset="-128"/>
-                        <a:cs typeface="Times New Roman" panose="02020603050405020304" pitchFamily="18" charset="0"/>
-                      </a:endParaRPr>
-                    </a:p>
-                  </a:txBody>
-                  <a:tcPr marL="68580" marR="68580" marT="0" marB="0" anchor="ctr">
-                    <a:solidFill>
-                      <a:srgbClr val="002B62"/>
-                    </a:solidFill>
-                  </a:tcPr>
-                </a:tc>
-                <a:tc>
-                  <a:txBody>
-                    <a:bodyPr/>
-                    <a:lstStyle/>
-                    <a:p>
-                      <a:pPr algn="l" latinLnBrk="1">
-                        <a:spcAft>
-                          <a:spcPts val="0"/>
-                        </a:spcAft>
-                      </a:pPr>
-                      <a:r>
-                        <a:rPr lang="en-US" sz="1000" kern="100" dirty="0">
-                          <a:effectLst/>
-                        </a:rPr>
-                        <a:t>/(</a:t>
-                      </a:r>
-                      <a:r>
-                        <a:rPr lang="ja-JP" sz="1000" kern="100" dirty="0">
-                          <a:effectLst/>
-                        </a:rPr>
-                        <a:t>インストール資材展開先</a:t>
-                      </a:r>
-                      <a:r>
-                        <a:rPr lang="en-US" sz="1000" kern="100" dirty="0" smtClean="0">
-                          <a:effectLst/>
-                        </a:rPr>
-                        <a:t>)/</a:t>
-                      </a:r>
-                      <a:r>
-                        <a:rPr lang="en-US" sz="1000" kern="100" dirty="0" err="1" smtClean="0">
-                          <a:effectLst/>
-                        </a:rPr>
-                        <a:t>ita_install_package</a:t>
-                      </a:r>
-                      <a:r>
-                        <a:rPr lang="en-US" sz="1000" kern="100" dirty="0" smtClean="0">
-                          <a:effectLst/>
-                        </a:rPr>
-                        <a:t>/ext_files_for_CentOS8.x/</a:t>
-                      </a:r>
-                      <a:r>
-                        <a:rPr lang="en-US" sz="1000" kern="100" dirty="0" err="1" smtClean="0">
-                          <a:effectLst/>
-                        </a:rPr>
-                        <a:t>etc_pki_tls_certs</a:t>
-                      </a:r>
-                      <a:r>
-                        <a:rPr lang="en-US" sz="1000" kern="100" dirty="0">
-                          <a:effectLst/>
-                        </a:rPr>
-                        <a:t>/</a:t>
-                      </a:r>
-                      <a:endParaRPr lang="ja-JP" sz="1100" kern="100" dirty="0">
-                        <a:effectLst/>
-                        <a:latin typeface="Century" panose="02040604050505020304" pitchFamily="18" charset="0"/>
-                        <a:ea typeface="ＭＳ 明朝" panose="02020609040205080304" pitchFamily="17" charset="-128"/>
-                        <a:cs typeface="Times New Roman" panose="02020603050405020304" pitchFamily="18" charset="0"/>
-                      </a:endParaRPr>
-                    </a:p>
-                  </a:txBody>
-                  <a:tcPr marL="68580" marR="68580" marT="0" marB="0">
-                    <a:solidFill>
-                      <a:srgbClr val="E7E8EA"/>
-                    </a:solidFill>
-                  </a:tcPr>
-                </a:tc>
-                <a:tc>
-                  <a:txBody>
-                    <a:bodyPr/>
-                    <a:lstStyle/>
-                    <a:p>
-                      <a:pPr algn="l">
-                        <a:spcAft>
-                          <a:spcPts val="0"/>
-                        </a:spcAft>
-                      </a:pPr>
-                      <a:r>
-                        <a:rPr lang="en-US" sz="1100" kern="100" dirty="0" smtClean="0">
-                          <a:effectLst/>
-                        </a:rPr>
-                        <a:t>exastro-it-automation.crt</a:t>
-                      </a:r>
-                      <a:endParaRPr lang="ja-JP" sz="1100" kern="100" dirty="0">
-                        <a:effectLst/>
-                        <a:latin typeface="Century" panose="02040604050505020304" pitchFamily="18" charset="0"/>
-                        <a:ea typeface="ＭＳ 明朝" panose="02020609040205080304" pitchFamily="17" charset="-128"/>
-                        <a:cs typeface="Times New Roman" panose="02020603050405020304" pitchFamily="18" charset="0"/>
-                      </a:endParaRPr>
-                    </a:p>
-                  </a:txBody>
-                  <a:tcPr marL="68580" marR="68580" marT="0" marB="0">
-                    <a:solidFill>
-                      <a:srgbClr val="E7E8EA"/>
-                    </a:solidFill>
-                  </a:tcPr>
-                </a:tc>
-                <a:extLst>
-                  <a:ext uri="{0D108BD9-81ED-4DB2-BD59-A6C34878D82A}">
-                    <a16:rowId xmlns:a16="http://schemas.microsoft.com/office/drawing/2014/main" val="10002"/>
-                  </a:ext>
-                </a:extLst>
-              </a:tr>
-            </a:tbl>
-          </a:graphicData>
-        </a:graphic>
-      </p:graphicFrame>
-    </p:spTree>
-    <p:extLst>
-      <p:ext uri="{BB962C8B-B14F-4D97-AF65-F5344CB8AC3E}">
-        <p14:creationId xmlns:p14="http://schemas.microsoft.com/office/powerpoint/2010/main" val="2206087911"/>
-      </p:ext>
-    </p:extLst>
-  </p:cSld>
-  <p:clrMapOvr>
-    <a:masterClrMapping/>
-  </p:clrMapOvr>
-  <p:timing>
-    <p:tnLst>
-      <p:par>
-        <p:cTn id="1" dur="indefinite" restart="never" nodeType="tmRoot"/>
-      </p:par>
-    </p:tnLst>
-  </p:timing>
-</p:sld>
-</file>
-
-<file path=ppt/slides/slide23.xml><?xml version="1.0" encoding="utf-8"?>
-<p:sld xmlns:a="http://schemas.openxmlformats.org/drawingml/2006/main" xmlns:r="http://schemas.openxmlformats.org/officeDocument/2006/relationships" xmlns:p="http://schemas.openxmlformats.org/presentationml/2006/main">
-  <p:cSld>
-    <p:spTree>
-      <p:nvGrpSpPr>
-        <p:cNvPr id="1" name=""/>
-        <p:cNvGrpSpPr/>
-        <p:nvPr/>
-      </p:nvGrpSpPr>
-      <p:grpSpPr>
-        <a:xfrm>
-          <a:off x="0" y="0"/>
-          <a:ext cx="0" cy="0"/>
-          <a:chOff x="0" y="0"/>
-          <a:chExt cx="0" cy="0"/>
-        </a:xfrm>
-      </p:grpSpPr>
-      <p:sp>
-        <p:nvSpPr>
-          <p:cNvPr id="2" name="タイトル 1"/>
-          <p:cNvSpPr>
-            <a:spLocks noGrp="1"/>
-          </p:cNvSpPr>
-          <p:nvPr>
-            <p:ph type="title"/>
-          </p:nvPr>
-        </p:nvSpPr>
-        <p:spPr/>
-        <p:txBody>
-          <a:bodyPr/>
-          <a:lstStyle/>
-          <a:p>
-            <a:r>
-              <a:rPr lang="en-US" altLang="ja-JP" dirty="0" smtClean="0"/>
-              <a:t>4.3</a:t>
-            </a:r>
-            <a:r>
-              <a:rPr lang="ja-JP" altLang="en-US" dirty="0"/>
-              <a:t>　動作確認</a:t>
-            </a:r>
-            <a:r>
-              <a:rPr lang="ja-JP" altLang="en-US" dirty="0" smtClean="0"/>
-              <a:t>（</a:t>
-            </a:r>
-            <a:r>
-              <a:rPr lang="en-US" altLang="ja-JP" dirty="0" smtClean="0"/>
-              <a:t>3/5</a:t>
-            </a:r>
-            <a:r>
-              <a:rPr lang="ja-JP" altLang="en-US" dirty="0"/>
               <a:t>）</a:t>
             </a:r>
             <a:endParaRPr kumimoji="1" lang="ja-JP" altLang="en-US" dirty="0"/>
@@ -24336,10 +22666,51 @@
         <p:spPr/>
         <p:txBody>
           <a:bodyPr>
-            <a:normAutofit/>
+            <a:normAutofit fontScale="92500" lnSpcReduction="10000"/>
           </a:bodyPr>
           <a:lstStyle/>
           <a:p>
+            <a:r>
+              <a:rPr lang="ja-JP" altLang="en-US" dirty="0"/>
+              <a:t>メインメニューの表示による確認</a:t>
+            </a:r>
+          </a:p>
+          <a:p>
+            <a:pPr lvl="1"/>
+            <a:r>
+              <a:rPr lang="ja-JP" altLang="en-US" dirty="0"/>
+              <a:t>インストール処理終了後、自端末の</a:t>
+            </a:r>
+            <a:r>
+              <a:rPr lang="en-US" altLang="ja-JP" dirty="0" err="1"/>
+              <a:t>WindowsPC</a:t>
+            </a:r>
+            <a:r>
+              <a:rPr lang="ja-JP" altLang="en-US" dirty="0"/>
+              <a:t>から下記の手順により、</a:t>
+            </a:r>
+            <a:r>
+              <a:rPr lang="en-US" altLang="ja-JP" dirty="0"/>
+              <a:t>ITA</a:t>
+            </a:r>
+            <a:r>
+              <a:rPr lang="ja-JP" altLang="en-US" dirty="0"/>
+              <a:t>システムメインメニューにアクセスし、</a:t>
+            </a:r>
+            <a:r>
+              <a:rPr lang="en-US" altLang="ja-JP" dirty="0"/>
+              <a:t>ITA</a:t>
+            </a:r>
+            <a:r>
+              <a:rPr lang="ja-JP" altLang="en-US" dirty="0"/>
+              <a:t>本体、各ドライバーが正常に表示されたことを確認してください。</a:t>
+            </a:r>
+          </a:p>
+          <a:p>
+            <a:pPr lvl="0"/>
+            <a:endParaRPr lang="en-US" altLang="ja-JP" dirty="0" smtClean="0"/>
+          </a:p>
+          <a:p>
             <a:pPr lvl="0"/>
             <a:r>
               <a:rPr lang="en-US" altLang="ja-JP" dirty="0" smtClean="0"/>
@@ -24386,22 +22757,264 @@
               <a:t>：</a:t>
             </a:r>
             <a:r>
-              <a:rPr lang="en-US" altLang="ja-JP" dirty="0">
-                <a:hlinkClick r:id="rId2"/>
-              </a:rPr>
-              <a:t>https</a:t>
+              <a:rPr lang="en-US" altLang="ja-JP" b="1" u="sng" dirty="0" smtClean="0">
+                <a:solidFill>
+                  <a:srgbClr val="FF0000"/>
+                </a:solidFill>
+              </a:rPr>
+              <a:t>http://</a:t>
+            </a:r>
+            <a:r>
+              <a:rPr lang="ja-JP" altLang="en-US" b="1" u="sng" dirty="0" smtClean="0">
+                <a:solidFill>
+                  <a:srgbClr val="FF0000"/>
+                </a:solidFill>
+              </a:rPr>
+              <a:t>（サーバの</a:t>
+            </a:r>
+            <a:r>
+              <a:rPr lang="en-US" altLang="ja-JP" b="1" u="sng" dirty="0" smtClean="0">
+                <a:solidFill>
+                  <a:srgbClr val="FF0000"/>
+                </a:solidFill>
+              </a:rPr>
+              <a:t>IP</a:t>
+            </a:r>
+            <a:r>
+              <a:rPr lang="ja-JP" altLang="en-US" b="1" u="sng" dirty="0" smtClean="0">
+                <a:solidFill>
+                  <a:srgbClr val="FF0000"/>
+                </a:solidFill>
+              </a:rPr>
+              <a:t>アドレス）</a:t>
+            </a:r>
+            <a:endParaRPr lang="en-US" altLang="ja-JP" b="1" u="sng" dirty="0" smtClean="0">
+              <a:solidFill>
+                <a:srgbClr val="FF0000"/>
+              </a:solidFill>
+            </a:endParaRPr>
+          </a:p>
+          <a:p>
+            <a:pPr marL="180000" lvl="1" indent="0">
+              <a:buNone/>
+            </a:pPr>
+            <a:endParaRPr kumimoji="1" lang="en-US" altLang="ja-JP" dirty="0" smtClean="0"/>
+          </a:p>
+          <a:p>
+            <a:pPr marL="180000" lvl="1" indent="0">
+              <a:buNone/>
+            </a:pPr>
+            <a:r>
+              <a:rPr kumimoji="1" lang="en-US" altLang="ja-JP" dirty="0" smtClean="0">
+                <a:solidFill>
+                  <a:srgbClr val="FF0000"/>
+                </a:solidFill>
+              </a:rPr>
+              <a:t>※</a:t>
+            </a:r>
+            <a:r>
+              <a:rPr lang="ja-JP" altLang="en-US" dirty="0" smtClean="0">
+                <a:solidFill>
+                  <a:srgbClr val="FF0000"/>
+                </a:solidFill>
+              </a:rPr>
+              <a:t>インストール</a:t>
+            </a:r>
+            <a:r>
+              <a:rPr lang="ja-JP" altLang="en-US" dirty="0">
+                <a:solidFill>
+                  <a:srgbClr val="FF0000"/>
+                </a:solidFill>
+              </a:rPr>
+              <a:t>後</a:t>
+            </a:r>
+            <a:r>
+              <a:rPr lang="ja-JP" altLang="en-US" dirty="0" smtClean="0">
+                <a:solidFill>
+                  <a:srgbClr val="FF0000"/>
+                </a:solidFill>
+              </a:rPr>
+              <a:t>は、</a:t>
             </a:r>
             <a:r>
               <a:rPr lang="en-US" altLang="ja-JP" dirty="0" smtClean="0">
-                <a:hlinkClick r:id="rId2"/>
-              </a:rPr>
-              <a:t>://exastro-it-automation/</a:t>
-            </a:r>
-            <a:endParaRPr lang="en-US" altLang="ja-JP" dirty="0" smtClean="0"/>
-          </a:p>
-          <a:p>
-            <a:pPr lvl="1"/>
-            <a:endParaRPr kumimoji="1" lang="en-US" altLang="ja-JP" dirty="0" smtClean="0"/>
+                <a:solidFill>
+                  <a:srgbClr val="FF0000"/>
+                </a:solidFill>
+              </a:rPr>
+              <a:t>HTTP</a:t>
+            </a:r>
+            <a:r>
+              <a:rPr lang="ja-JP" altLang="en-US" dirty="0" smtClean="0">
+                <a:solidFill>
+                  <a:srgbClr val="FF0000"/>
+                </a:solidFill>
+              </a:rPr>
+              <a:t>と</a:t>
+            </a:r>
+            <a:r>
+              <a:rPr lang="en-US" altLang="ja-JP" dirty="0" smtClean="0">
+                <a:solidFill>
+                  <a:srgbClr val="FF0000"/>
+                </a:solidFill>
+              </a:rPr>
+              <a:t>HTTPS</a:t>
+            </a:r>
+            <a:r>
+              <a:rPr lang="ja-JP" altLang="en-US" dirty="0" smtClean="0">
+                <a:solidFill>
+                  <a:srgbClr val="FF0000"/>
+                </a:solidFill>
+              </a:rPr>
+              <a:t>の両方のアクセスが可能です。</a:t>
+            </a:r>
+            <a:r>
+              <a:rPr lang="en-US" altLang="ja-JP" dirty="0" smtClean="0">
+                <a:solidFill>
+                  <a:srgbClr val="FF0000"/>
+                </a:solidFill>
+              </a:rPr>
+              <a:t/>
+            </a:r>
+            <a:br>
+              <a:rPr lang="en-US" altLang="ja-JP" dirty="0" smtClean="0">
+                <a:solidFill>
+                  <a:srgbClr val="FF0000"/>
+                </a:solidFill>
+              </a:rPr>
+            </a:br>
+            <a:r>
+              <a:rPr lang="ja-JP" altLang="en-US" dirty="0" smtClean="0">
+                <a:solidFill>
+                  <a:srgbClr val="FF0000"/>
+                </a:solidFill>
+              </a:rPr>
+              <a:t>　</a:t>
+            </a:r>
+            <a:r>
+              <a:rPr lang="en-US" altLang="ja-JP" dirty="0" smtClean="0">
+                <a:solidFill>
+                  <a:srgbClr val="FF0000"/>
+                </a:solidFill>
+              </a:rPr>
+              <a:t>HTTP</a:t>
+            </a:r>
+            <a:r>
+              <a:rPr lang="ja-JP" altLang="en-US" dirty="0" smtClean="0">
+                <a:solidFill>
+                  <a:srgbClr val="FF0000"/>
+                </a:solidFill>
+              </a:rPr>
+              <a:t>はセキュリティ的に脆弱なので、</a:t>
+            </a:r>
+            <a:r>
+              <a:rPr lang="en-US" altLang="ja-JP" dirty="0" smtClean="0">
+                <a:solidFill>
+                  <a:srgbClr val="FF0000"/>
+                </a:solidFill>
+              </a:rPr>
+              <a:t>HTTPS</a:t>
+            </a:r>
+            <a:r>
+              <a:rPr lang="ja-JP" altLang="en-US" dirty="0" smtClean="0">
+                <a:solidFill>
+                  <a:srgbClr val="FF0000"/>
+                </a:solidFill>
+              </a:rPr>
+              <a:t>で</a:t>
+            </a:r>
+            <a:r>
+              <a:rPr lang="ja-JP" altLang="en-US" dirty="0">
+                <a:solidFill>
+                  <a:srgbClr val="FF0000"/>
+                </a:solidFill>
+              </a:rPr>
+              <a:t>の</a:t>
+            </a:r>
+            <a:r>
+              <a:rPr lang="ja-JP" altLang="en-US" dirty="0" smtClean="0">
+                <a:solidFill>
+                  <a:srgbClr val="FF0000"/>
+                </a:solidFill>
+              </a:rPr>
+              <a:t>アクセスを推奨します。</a:t>
+            </a:r>
+            <a:r>
+              <a:rPr lang="en-US" altLang="ja-JP" dirty="0" smtClean="0">
+                <a:solidFill>
+                  <a:srgbClr val="FF0000"/>
+                </a:solidFill>
+              </a:rPr>
+              <a:t/>
+            </a:r>
+            <a:br>
+              <a:rPr lang="en-US" altLang="ja-JP" dirty="0" smtClean="0">
+                <a:solidFill>
+                  <a:srgbClr val="FF0000"/>
+                </a:solidFill>
+              </a:rPr>
+            </a:br>
+            <a:r>
+              <a:rPr lang="ja-JP" altLang="en-US" dirty="0" smtClean="0">
+                <a:solidFill>
+                  <a:srgbClr val="FF0000"/>
+                </a:solidFill>
+              </a:rPr>
+              <a:t>　</a:t>
+            </a:r>
+            <a:r>
+              <a:rPr kumimoji="1" lang="en-US" altLang="ja-JP" dirty="0" smtClean="0">
+                <a:solidFill>
+                  <a:srgbClr val="FF0000"/>
+                </a:solidFill>
+              </a:rPr>
+              <a:t>HTTPS</a:t>
+            </a:r>
+            <a:r>
+              <a:rPr kumimoji="1" lang="ja-JP" altLang="en-US" dirty="0" smtClean="0">
+                <a:solidFill>
+                  <a:srgbClr val="FF0000"/>
+                </a:solidFill>
+              </a:rPr>
+              <a:t>でのアクセス方法は、動作確認（</a:t>
+            </a:r>
+            <a:r>
+              <a:rPr kumimoji="1" lang="en-US" altLang="ja-JP" dirty="0" smtClean="0">
+                <a:solidFill>
+                  <a:srgbClr val="FF0000"/>
+                </a:solidFill>
+              </a:rPr>
+              <a:t>4/6</a:t>
+            </a:r>
+            <a:r>
+              <a:rPr kumimoji="1" lang="ja-JP" altLang="en-US" dirty="0" smtClean="0">
+                <a:solidFill>
+                  <a:srgbClr val="FF0000"/>
+                </a:solidFill>
+              </a:rPr>
+              <a:t>）</a:t>
+            </a:r>
+            <a:r>
+              <a:rPr lang="ja-JP" altLang="en-US" dirty="0">
+                <a:solidFill>
+                  <a:srgbClr val="FF0000"/>
+                </a:solidFill>
+              </a:rPr>
+              <a:t>以降</a:t>
+            </a:r>
+            <a:r>
+              <a:rPr kumimoji="1" lang="ja-JP" altLang="en-US" dirty="0" smtClean="0">
+                <a:solidFill>
+                  <a:srgbClr val="FF0000"/>
+                </a:solidFill>
+              </a:rPr>
+              <a:t>を確認してください。</a:t>
+            </a:r>
+            <a:endParaRPr kumimoji="1" lang="en-US" altLang="ja-JP" dirty="0" smtClean="0">
+              <a:solidFill>
+                <a:srgbClr val="FF0000"/>
+              </a:solidFill>
+            </a:endParaRPr>
           </a:p>
           <a:p>
             <a:pPr lvl="1"/>
@@ -24561,7 +23174,7 @@
 </p:sld>
 </file>
 
-<file path=ppt/slides/slide24.xml><?xml version="1.0" encoding="utf-8"?>
+<file path=ppt/slides/slide22.xml><?xml version="1.0" encoding="utf-8"?>
 <p:sld xmlns:a="http://schemas.openxmlformats.org/drawingml/2006/main" xmlns:r="http://schemas.openxmlformats.org/officeDocument/2006/relationships" xmlns:p="http://schemas.openxmlformats.org/presentationml/2006/main">
   <p:cSld>
     <p:spTree>
@@ -24618,7 +23231,7 @@
           <a:p>
             <a:r>
               <a:rPr lang="en-US" altLang="ja-JP" dirty="0" smtClean="0"/>
-              <a:t>4.4</a:t>
+              <a:t>4.2</a:t>
             </a:r>
             <a:r>
               <a:rPr lang="ja-JP" altLang="en-US" dirty="0"/>
@@ -24630,10 +23243,10 @@
             </a:r>
             <a:r>
               <a:rPr lang="en-US" altLang="ja-JP" dirty="0" smtClean="0"/>
-              <a:t>4/5</a:t>
-            </a:r>
-            <a:r>
-              <a:rPr lang="ja-JP" altLang="en-US" dirty="0"/>
+              <a:t>2/6</a:t>
+            </a:r>
+            <a:r>
+              <a:rPr lang="ja-JP" altLang="en-US" dirty="0" smtClean="0"/>
               <a:t>）</a:t>
             </a:r>
             <a:endParaRPr kumimoji="1" lang="ja-JP" altLang="en-US" dirty="0"/>
@@ -25052,7 +23665,7 @@
 </p:sld>
 </file>
 
-<file path=ppt/slides/slide25.xml><?xml version="1.0" encoding="utf-8"?>
+<file path=ppt/slides/slide23.xml><?xml version="1.0" encoding="utf-8"?>
 <p:sld xmlns:a="http://schemas.openxmlformats.org/drawingml/2006/main" xmlns:r="http://schemas.openxmlformats.org/officeDocument/2006/relationships" xmlns:p="http://schemas.openxmlformats.org/presentationml/2006/main">
   <p:cSld>
     <p:spTree>
@@ -25086,7 +23699,7 @@
           <a:p>
             <a:r>
               <a:rPr lang="en-US" altLang="ja-JP" dirty="0" smtClean="0"/>
-              <a:t>4.5</a:t>
+              <a:t>4.3</a:t>
             </a:r>
             <a:r>
               <a:rPr lang="ja-JP" altLang="en-US" dirty="0"/>
@@ -25098,10 +23711,10 @@
             </a:r>
             <a:r>
               <a:rPr lang="en-US" altLang="ja-JP" dirty="0" smtClean="0"/>
-              <a:t>5/5</a:t>
-            </a:r>
-            <a:r>
-              <a:rPr lang="ja-JP" altLang="en-US" dirty="0"/>
+              <a:t>3/6</a:t>
+            </a:r>
+            <a:r>
+              <a:rPr lang="ja-JP" altLang="en-US" dirty="0" smtClean="0"/>
               <a:t>）</a:t>
             </a:r>
             <a:endParaRPr kumimoji="1" lang="ja-JP" altLang="en-US" dirty="0"/>
@@ -25184,224 +23797,16 @@
             <a:endParaRPr lang="en-US" altLang="ja-JP" dirty="0"/>
           </a:p>
           <a:p>
-            <a:pPr lvl="1"/>
-            <a:endParaRPr kumimoji="1" lang="en-US" altLang="ja-JP" dirty="0" smtClean="0"/>
-          </a:p>
-          <a:p>
-            <a:pPr lvl="0"/>
-            <a:r>
-              <a:rPr lang="ja-JP" altLang="en-US" dirty="0" smtClean="0"/>
-              <a:t>（参考）</a:t>
-            </a:r>
-            <a:r>
-              <a:rPr lang="en-US" altLang="ja-JP" dirty="0" smtClean="0"/>
-              <a:t>HTTP</a:t>
-            </a:r>
-            <a:r>
-              <a:rPr lang="ja-JP" altLang="en-US" dirty="0" smtClean="0"/>
-              <a:t>アクセス</a:t>
-            </a:r>
-            <a:endParaRPr lang="en-US" altLang="ja-JP" dirty="0"/>
-          </a:p>
-          <a:p>
             <a:pPr marL="180000" lvl="1" indent="0">
               <a:buNone/>
             </a:pPr>
-            <a:r>
-              <a:rPr lang="en-US" altLang="ja-JP" dirty="0" smtClean="0"/>
-              <a:t>HTTP</a:t>
-            </a:r>
-            <a:r>
-              <a:rPr lang="ja-JP" altLang="en-US" dirty="0" smtClean="0"/>
-              <a:t>アクセスを許可する場合は、</a:t>
-            </a:r>
-            <a:r>
-              <a:rPr lang="ja-JP" altLang="ja-JP" dirty="0"/>
-              <a:t>以下</a:t>
-            </a:r>
-            <a:r>
-              <a:rPr lang="ja-JP" altLang="ja-JP" dirty="0" smtClean="0"/>
-              <a:t>の</a:t>
-            </a:r>
-            <a:r>
-              <a:rPr lang="ja-JP" altLang="en-US" dirty="0" smtClean="0"/>
-              <a:t>手順を実施してください。</a:t>
-            </a:r>
-            <a:endParaRPr lang="en-US" altLang="ja-JP" dirty="0" smtClean="0"/>
-          </a:p>
-          <a:p>
-            <a:pPr lvl="1"/>
-            <a:r>
-              <a:rPr lang="ja-JP" altLang="en-US" dirty="0" smtClean="0"/>
-              <a:t>ファイル「</a:t>
-            </a:r>
-            <a:r>
-              <a:rPr lang="en-US" altLang="ja-JP" dirty="0" smtClean="0"/>
-              <a:t>/</a:t>
-            </a:r>
-            <a:r>
-              <a:rPr lang="en-US" altLang="ja-JP" dirty="0" err="1" smtClean="0"/>
-              <a:t>etc</a:t>
-            </a:r>
-            <a:r>
-              <a:rPr lang="en-US" altLang="ja-JP" dirty="0" smtClean="0"/>
-              <a:t>/</a:t>
-            </a:r>
-            <a:r>
-              <a:rPr lang="en-US" altLang="ja-JP" dirty="0" err="1" smtClean="0"/>
-              <a:t>httpd</a:t>
-            </a:r>
-            <a:r>
-              <a:rPr lang="en-US" altLang="ja-JP" dirty="0" smtClean="0"/>
-              <a:t>/</a:t>
-            </a:r>
-            <a:r>
-              <a:rPr lang="en-US" altLang="ja-JP" dirty="0" err="1" smtClean="0"/>
-              <a:t>conf.d</a:t>
-            </a:r>
-            <a:r>
-              <a:rPr lang="en-US" altLang="ja-JP" dirty="0" smtClean="0"/>
-              <a:t>/</a:t>
-            </a:r>
-            <a:r>
-              <a:rPr lang="en-US" altLang="ja-JP" dirty="0" err="1" smtClean="0"/>
-              <a:t>vhosts_exastro</a:t>
-            </a:r>
-            <a:r>
-              <a:rPr lang="en-US" altLang="ja-JP" dirty="0" smtClean="0"/>
-              <a:t>-it-</a:t>
-            </a:r>
-            <a:r>
-              <a:rPr lang="en-US" altLang="ja-JP" dirty="0" err="1" smtClean="0"/>
-              <a:t>automation.conf</a:t>
-            </a:r>
-            <a:r>
-              <a:rPr lang="ja-JP" altLang="en-US" dirty="0" smtClean="0"/>
-              <a:t>」の</a:t>
-            </a:r>
-            <a:r>
-              <a:rPr lang="en-US" altLang="ja-JP" dirty="0" smtClean="0"/>
-              <a:t/>
-            </a:r>
-            <a:br>
-              <a:rPr lang="en-US" altLang="ja-JP" dirty="0" smtClean="0"/>
-            </a:br>
-            <a:r>
-              <a:rPr lang="ja-JP" altLang="en-US" dirty="0" smtClean="0"/>
-              <a:t>「</a:t>
-            </a:r>
-            <a:r>
-              <a:rPr lang="en-US" altLang="ja-JP" dirty="0"/>
-              <a:t>&lt;</a:t>
-            </a:r>
-            <a:r>
-              <a:rPr lang="en-US" altLang="ja-JP" dirty="0" err="1"/>
-              <a:t>VirtualHost</a:t>
-            </a:r>
-            <a:r>
-              <a:rPr lang="en-US" altLang="ja-JP" dirty="0"/>
-              <a:t> *:80 </a:t>
-            </a:r>
-            <a:r>
-              <a:rPr lang="en-US" altLang="ja-JP" dirty="0" smtClean="0"/>
-              <a:t>&gt;</a:t>
-            </a:r>
-            <a:r>
-              <a:rPr lang="ja-JP" altLang="en-US" dirty="0" smtClean="0"/>
-              <a:t>」から「</a:t>
-            </a:r>
-            <a:r>
-              <a:rPr lang="en-US" altLang="ja-JP" dirty="0"/>
-              <a:t>&lt;/</a:t>
-            </a:r>
-            <a:r>
-              <a:rPr lang="en-US" altLang="ja-JP" dirty="0" err="1"/>
-              <a:t>VirtualHost</a:t>
-            </a:r>
-            <a:r>
-              <a:rPr lang="en-US" altLang="ja-JP" dirty="0" smtClean="0"/>
-              <a:t>&gt;</a:t>
-            </a:r>
-            <a:r>
-              <a:rPr lang="ja-JP" altLang="en-US" dirty="0" smtClean="0"/>
-              <a:t>」のコメントアウト</a:t>
-            </a:r>
-            <a:r>
-              <a:rPr lang="en-US" altLang="ja-JP" dirty="0" smtClean="0"/>
-              <a:t>(#)</a:t>
-            </a:r>
-            <a:r>
-              <a:rPr lang="ja-JP" altLang="en-US" dirty="0" smtClean="0"/>
-              <a:t>を外す。</a:t>
-            </a:r>
-            <a:endParaRPr lang="en-US" altLang="ja-JP" dirty="0" smtClean="0"/>
-          </a:p>
-          <a:p>
-            <a:pPr lvl="1"/>
-            <a:r>
-              <a:rPr lang="ja-JP" altLang="en-US" dirty="0"/>
-              <a:t>以下</a:t>
-            </a:r>
-            <a:r>
-              <a:rPr lang="ja-JP" altLang="en-US" dirty="0" smtClean="0"/>
-              <a:t>のコマンドにより</a:t>
-            </a:r>
-            <a:r>
-              <a:rPr lang="en-US" altLang="ja-JP" dirty="0" smtClean="0"/>
-              <a:t>Apache</a:t>
-            </a:r>
-            <a:r>
-              <a:rPr lang="ja-JP" altLang="en-US" dirty="0" smtClean="0"/>
-              <a:t>を再起動する。</a:t>
-            </a:r>
-            <a:r>
-              <a:rPr lang="en-US" altLang="ja-JP" dirty="0" smtClean="0"/>
-              <a:t/>
-            </a:r>
-            <a:br>
-              <a:rPr lang="en-US" altLang="ja-JP" dirty="0" smtClean="0"/>
-            </a:br>
-            <a:r>
-              <a:rPr lang="en-US" altLang="ja-JP" dirty="0" err="1" smtClean="0"/>
-              <a:t>systemctl</a:t>
-            </a:r>
-            <a:r>
-              <a:rPr lang="en-US" altLang="ja-JP" dirty="0" smtClean="0"/>
-              <a:t> restart </a:t>
-            </a:r>
-            <a:r>
-              <a:rPr lang="en-US" altLang="ja-JP" dirty="0" err="1" smtClean="0"/>
-              <a:t>httpd</a:t>
-            </a:r>
-            <a:endParaRPr lang="en-US" altLang="ja-JP" dirty="0" smtClean="0"/>
-          </a:p>
-          <a:p>
-            <a:pPr lvl="1"/>
-            <a:r>
-              <a:rPr lang="en-US" altLang="ja-JP" dirty="0" smtClean="0"/>
-              <a:t>URL</a:t>
-            </a:r>
-            <a:r>
-              <a:rPr lang="ja-JP" altLang="en-US" dirty="0" smtClean="0"/>
-              <a:t>「</a:t>
-            </a:r>
-            <a:r>
-              <a:rPr lang="en-US" altLang="ja-JP" u="sng" dirty="0" smtClean="0"/>
-              <a:t>http://(IP</a:t>
-            </a:r>
-            <a:r>
-              <a:rPr lang="ja-JP" altLang="en-US" u="sng" dirty="0" smtClean="0"/>
-              <a:t>ドレス</a:t>
-            </a:r>
-            <a:r>
-              <a:rPr lang="en-US" altLang="ja-JP" u="sng" dirty="0" smtClean="0"/>
-              <a:t>)</a:t>
-            </a:r>
-            <a:r>
-              <a:rPr lang="ja-JP" altLang="en-US" dirty="0" smtClean="0"/>
-              <a:t>」に接続して、ログイン画面が表示されることを確認する。</a:t>
-            </a:r>
-            <a:endParaRPr lang="ja-JP" altLang="ja-JP" dirty="0"/>
+            <a:endParaRPr kumimoji="1" lang="en-US" altLang="ja-JP" dirty="0" smtClean="0"/>
+          </a:p>
+          <a:p>
+            <a:pPr marL="180000" lvl="1" indent="0">
+              <a:buNone/>
+            </a:pPr>
+            <a:endParaRPr kumimoji="1" lang="en-US" altLang="ja-JP" dirty="0" smtClean="0"/>
           </a:p>
         </p:txBody>
       </p:sp>
@@ -25414,14 +23819,14 @@
           <p:nvPr>
             <p:extLst>
               <p:ext uri="{D42A27DB-BD31-4B8C-83A1-F6EECF244321}">
-                <p14:modId xmlns:p14="http://schemas.microsoft.com/office/powerpoint/2010/main" val="769688255"/>
+                <p14:modId xmlns:p14="http://schemas.microsoft.com/office/powerpoint/2010/main" val="3714700898"/>
               </p:ext>
             </p:extLst>
           </p:nvPr>
         </p:nvGraphicFramePr>
         <p:xfrm>
           <a:off x="1259540" y="1628750"/>
-          <a:ext cx="6624920" cy="2222847"/>
+          <a:ext cx="6624920" cy="2479614"/>
         </p:xfrm>
         <a:graphic>
           <a:graphicData uri="http://schemas.openxmlformats.org/drawingml/2006/table">
@@ -25513,7 +23918,7 @@
                 </a:extLst>
               </a:tr>
               <a:tr h="256767">
-                <a:tc rowSpan="2">
+                <a:tc rowSpan="3">
                   <a:txBody>
                     <a:bodyPr/>
                     <a:lstStyle/>
@@ -25610,7 +24015,13 @@
                         <a:rPr lang="ja-JP" sz="1050" kern="100" dirty="0">
                           <a:effectLst/>
                         </a:rPr>
-                        <a:t>基本コンソール</a:t>
+                        <a:t>基本</a:t>
+                      </a:r>
+                      <a:r>
+                        <a:rPr lang="ja-JP" sz="1050" kern="100" dirty="0" smtClean="0">
+                          <a:effectLst/>
+                        </a:rPr>
+                        <a:t>コンソール</a:t>
                       </a:r>
                       <a:endParaRPr lang="ja-JP" sz="1050" kern="100" dirty="0">
                         <a:effectLst/>
@@ -25633,7 +24044,7 @@
                 </a:extLst>
               </a:tr>
               <a:tr h="256767">
-                <a:tc>
+                <a:tc vMerge="1">
                   <a:txBody>
                     <a:bodyPr/>
                     <a:lstStyle/>
@@ -25643,18 +24054,6 @@
                           <a:spcPts val="0"/>
                         </a:spcAft>
                       </a:pPr>
-                      <a:r>
-                        <a:rPr lang="ja-JP" altLang="en-US" sz="1050" kern="100" dirty="0" smtClean="0">
-                          <a:effectLst/>
-                        </a:rPr>
-                        <a:t>メニュー</a:t>
-                      </a:r>
-                      <a:r>
-                        <a:rPr lang="ja-JP" sz="1050" kern="100" dirty="0" smtClean="0">
-                          <a:effectLst/>
-                        </a:rPr>
-                        <a:t>作成</a:t>
-                      </a:r>
                       <a:endParaRPr lang="ja-JP" sz="1050" kern="100" dirty="0">
                         <a:effectLst/>
                         <a:latin typeface="Century" panose="02040604050505020304" pitchFamily="18" charset="0"/>
@@ -25680,10 +24079,101 @@
                         </a:spcAft>
                       </a:pPr>
                       <a:r>
-                        <a:rPr lang="ja-JP" sz="1050" kern="100" dirty="0">
-                          <a:effectLst/>
-                        </a:rPr>
-                        <a:t>マスタ作成</a:t>
+                        <a:rPr lang="ja-JP" altLang="en-US" sz="1050" kern="100" dirty="0" smtClean="0">
+                          <a:effectLst/>
+                        </a:rPr>
+                        <a:t>エクスポート</a:t>
+                      </a:r>
+                      <a:r>
+                        <a:rPr lang="en-US" altLang="ja-JP" sz="1050" kern="100" dirty="0" smtClean="0">
+                          <a:effectLst/>
+                        </a:rPr>
+                        <a:t>/</a:t>
+                      </a:r>
+                      <a:r>
+                        <a:rPr lang="ja-JP" altLang="en-US" sz="1050" kern="100" dirty="0" smtClean="0">
+                          <a:effectLst/>
+                        </a:rPr>
+                        <a:t>インポート</a:t>
+                      </a:r>
+                      <a:endParaRPr lang="ja-JP" altLang="ja-JP" sz="1050" kern="100" dirty="0">
+                        <a:effectLst/>
+                        <a:latin typeface="Century" panose="02040604050505020304" pitchFamily="18" charset="0"/>
+                        <a:ea typeface="ＭＳ 明朝" panose="02020609040205080304" pitchFamily="17" charset="-128"/>
+                        <a:cs typeface="Times New Roman" panose="02020603050405020304" pitchFamily="18" charset="0"/>
+                      </a:endParaRPr>
+                    </a:p>
+                  </a:txBody>
+                  <a:tcPr marL="68580" marR="68580" marT="0" marB="0" anchor="ctr">
+                    <a:solidFill>
+                      <a:srgbClr val="E7E8EA"/>
+                    </a:solidFill>
+                  </a:tcPr>
+                </a:tc>
+                <a:extLst>
+                  <a:ext uri="{0D108BD9-81ED-4DB2-BD59-A6C34878D82A}">
+                    <a16:rowId xmlns:a16="http://schemas.microsoft.com/office/drawing/2014/main" val="2197021021"/>
+                  </a:ext>
+                </a:extLst>
+              </a:tr>
+              <a:tr h="256767">
+                <a:tc>
+                  <a:txBody>
+                    <a:bodyPr/>
+                    <a:lstStyle/>
+                    <a:p>
+                      <a:pPr algn="l">
+                        <a:spcAft>
+                          <a:spcPts val="0"/>
+                        </a:spcAft>
+                      </a:pPr>
+                      <a:r>
+                        <a:rPr lang="ja-JP" altLang="en-US" sz="1050" kern="100" dirty="0" smtClean="0">
+                          <a:effectLst/>
+                        </a:rPr>
+                        <a:t>メニュー</a:t>
+                      </a:r>
+                      <a:r>
+                        <a:rPr lang="ja-JP" sz="1050" kern="100" dirty="0" smtClean="0">
+                          <a:effectLst/>
+                        </a:rPr>
+                        <a:t>作成</a:t>
+                      </a:r>
+                      <a:endParaRPr lang="ja-JP" sz="1050" kern="100" dirty="0">
+                        <a:effectLst/>
+                        <a:latin typeface="Century" panose="02040604050505020304" pitchFamily="18" charset="0"/>
+                        <a:ea typeface="ＭＳ 明朝" panose="02020609040205080304" pitchFamily="17" charset="-128"/>
+                        <a:cs typeface="Times New Roman" panose="02020603050405020304" pitchFamily="18" charset="0"/>
+                      </a:endParaRPr>
+                    </a:p>
+                  </a:txBody>
+                  <a:tcPr marL="68580" marR="68580" marT="0" marB="0" anchor="ctr">
+                    <a:solidFill>
+                      <a:srgbClr val="002B62"/>
+                    </a:solidFill>
+                  </a:tcPr>
+                </a:tc>
+                <a:tc>
+                  <a:txBody>
+                    <a:bodyPr/>
+                    <a:lstStyle/>
+                    <a:p>
+                      <a:pPr algn="l">
+                        <a:spcAft>
+                          <a:spcPts val="0"/>
+                        </a:spcAft>
+                      </a:pPr>
+                      <a:r>
+                        <a:rPr lang="ja-JP" altLang="en-US" sz="1050" kern="100" dirty="0" smtClean="0">
+                          <a:effectLst/>
+                        </a:rPr>
+                        <a:t>メニュー</a:t>
+                      </a:r>
+                      <a:r>
+                        <a:rPr lang="ja-JP" sz="1050" kern="100" dirty="0" smtClean="0">
+                          <a:effectLst/>
+                        </a:rPr>
+                        <a:t>作成</a:t>
                       </a:r>
                       <a:endParaRPr lang="ja-JP" sz="1050" kern="100" dirty="0">
                         <a:effectLst/>
@@ -25942,7 +24432,2152 @@
 </p:sld>
 </file>
 
+<file path=ppt/slides/slide24.xml><?xml version="1.0" encoding="utf-8"?>
+<p:sld xmlns:a="http://schemas.openxmlformats.org/drawingml/2006/main" xmlns:r="http://schemas.openxmlformats.org/officeDocument/2006/relationships" xmlns:p="http://schemas.openxmlformats.org/presentationml/2006/main">
+  <p:cSld>
+    <p:spTree>
+      <p:nvGrpSpPr>
+        <p:cNvPr id="1" name=""/>
+        <p:cNvGrpSpPr/>
+        <p:nvPr/>
+      </p:nvGrpSpPr>
+      <p:grpSpPr>
+        <a:xfrm>
+          <a:off x="0" y="0"/>
+          <a:ext cx="0" cy="0"/>
+          <a:chOff x="0" y="0"/>
+          <a:chExt cx="0" cy="0"/>
+        </a:xfrm>
+      </p:grpSpPr>
+      <p:sp>
+        <p:nvSpPr>
+          <p:cNvPr id="2" name="タイトル 1"/>
+          <p:cNvSpPr>
+            <a:spLocks noGrp="1"/>
+          </p:cNvSpPr>
+          <p:nvPr>
+            <p:ph type="title"/>
+          </p:nvPr>
+        </p:nvSpPr>
+        <p:spPr/>
+        <p:txBody>
+          <a:bodyPr/>
+          <a:lstStyle/>
+          <a:p>
+            <a:r>
+              <a:rPr lang="en-US" altLang="ja-JP" dirty="0" smtClean="0"/>
+              <a:t>4.4</a:t>
+            </a:r>
+            <a:r>
+              <a:rPr lang="ja-JP" altLang="en-US" dirty="0"/>
+              <a:t>　</a:t>
+            </a:r>
+            <a:r>
+              <a:rPr lang="ja-JP" altLang="en-US" dirty="0" smtClean="0"/>
+              <a:t>動作確認（</a:t>
+            </a:r>
+            <a:r>
+              <a:rPr lang="en-US" altLang="ja-JP" dirty="0" smtClean="0"/>
+              <a:t>4/6</a:t>
+            </a:r>
+            <a:r>
+              <a:rPr lang="ja-JP" altLang="en-US" dirty="0" smtClean="0"/>
+              <a:t>）</a:t>
+            </a:r>
+            <a:endParaRPr kumimoji="1" lang="ja-JP" altLang="en-US" dirty="0"/>
+          </a:p>
+        </p:txBody>
+      </p:sp>
+      <p:sp>
+        <p:nvSpPr>
+          <p:cNvPr id="3" name="コンテンツ プレースホルダー 2"/>
+          <p:cNvSpPr>
+            <a:spLocks noGrp="1"/>
+          </p:cNvSpPr>
+          <p:nvPr>
+            <p:ph sz="quarter" idx="10"/>
+          </p:nvPr>
+        </p:nvSpPr>
+        <p:spPr/>
+        <p:txBody>
+          <a:bodyPr/>
+          <a:lstStyle/>
+          <a:p>
+            <a:r>
+              <a:rPr lang="en-US" altLang="ja-JP" dirty="0" smtClean="0"/>
+              <a:t>HTTPS</a:t>
+            </a:r>
+            <a:r>
+              <a:rPr lang="ja-JP" altLang="en-US" dirty="0" smtClean="0"/>
+              <a:t>でアクセスするための準備</a:t>
+            </a:r>
+            <a:r>
+              <a:rPr lang="ja-JP" altLang="en-US" dirty="0"/>
+              <a:t>作業</a:t>
+            </a:r>
+          </a:p>
+          <a:p>
+            <a:pPr lvl="1"/>
+            <a:r>
+              <a:rPr lang="ja-JP" altLang="en-US" dirty="0" smtClean="0"/>
+              <a:t>操作</a:t>
+            </a:r>
+            <a:r>
+              <a:rPr lang="ja-JP" altLang="en-US" dirty="0"/>
+              <a:t>端末（</a:t>
+            </a:r>
+            <a:r>
+              <a:rPr lang="en-US" altLang="ja-JP" dirty="0"/>
+              <a:t>Windows</a:t>
+            </a:r>
+            <a:r>
+              <a:rPr lang="ja-JP" altLang="en-US" dirty="0"/>
+              <a:t>）の</a:t>
+            </a:r>
+            <a:r>
+              <a:rPr lang="en-US" altLang="ja-JP" dirty="0"/>
+              <a:t>hosts</a:t>
+            </a:r>
+            <a:r>
+              <a:rPr lang="ja-JP" altLang="en-US" dirty="0"/>
+              <a:t>ファイル</a:t>
+            </a:r>
+            <a:r>
+              <a:rPr lang="ja-JP" altLang="en-US" dirty="0" smtClean="0"/>
+              <a:t>へ</a:t>
+            </a:r>
+            <a:r>
+              <a:rPr lang="en-US" altLang="ja-JP" dirty="0" smtClean="0"/>
+              <a:t>ITA</a:t>
+            </a:r>
+            <a:r>
+              <a:rPr lang="ja-JP" altLang="en-US" dirty="0" smtClean="0"/>
+              <a:t>実装</a:t>
+            </a:r>
+            <a:r>
+              <a:rPr lang="ja-JP" altLang="en-US" dirty="0"/>
+              <a:t>サーバの</a:t>
+            </a:r>
+            <a:r>
+              <a:rPr lang="en-US" altLang="ja-JP" dirty="0"/>
+              <a:t>IP</a:t>
+            </a:r>
+            <a:r>
+              <a:rPr lang="ja-JP" altLang="en-US" dirty="0"/>
+              <a:t>アドレスとホスト名を</a:t>
+            </a:r>
+            <a:r>
+              <a:rPr lang="ja-JP" altLang="en-US" dirty="0" smtClean="0"/>
+              <a:t>設定してください。</a:t>
+            </a:r>
+            <a:r>
+              <a:rPr lang="en-US" altLang="ja-JP" dirty="0" smtClean="0"/>
+              <a:t/>
+            </a:r>
+            <a:br>
+              <a:rPr lang="en-US" altLang="ja-JP" dirty="0" smtClean="0"/>
+            </a:br>
+            <a:r>
+              <a:rPr lang="en-US" altLang="ja-JP" dirty="0" smtClean="0"/>
+              <a:t/>
+            </a:r>
+            <a:br>
+              <a:rPr lang="en-US" altLang="ja-JP" dirty="0" smtClean="0"/>
+            </a:br>
+            <a:endParaRPr lang="en-US" altLang="ja-JP" dirty="0"/>
+          </a:p>
+          <a:p>
+            <a:pPr lvl="1"/>
+            <a:r>
+              <a:rPr lang="en-US" altLang="ja-JP" dirty="0" smtClean="0"/>
+              <a:t>Windows10</a:t>
+            </a:r>
+            <a:r>
+              <a:rPr lang="ja-JP" altLang="ja-JP" dirty="0" smtClean="0"/>
+              <a:t>の</a:t>
+            </a:r>
+            <a:r>
+              <a:rPr lang="ja-JP" altLang="ja-JP" dirty="0"/>
+              <a:t>場合、以下の</a:t>
+            </a:r>
+            <a:r>
+              <a:rPr lang="en-US" altLang="ja-JP" dirty="0"/>
+              <a:t>hosts</a:t>
+            </a:r>
+            <a:r>
+              <a:rPr lang="ja-JP" altLang="ja-JP" dirty="0"/>
+              <a:t>ファイルとなります</a:t>
+            </a:r>
+            <a:r>
+              <a:rPr lang="ja-JP" altLang="ja-JP" dirty="0" smtClean="0"/>
+              <a:t>。</a:t>
+            </a:r>
+            <a:endParaRPr lang="en-US" altLang="ja-JP" dirty="0" smtClean="0"/>
+          </a:p>
+          <a:p>
+            <a:pPr lvl="1"/>
+            <a:endParaRPr lang="en-US" altLang="ja-JP" dirty="0" smtClean="0"/>
+          </a:p>
+          <a:p>
+            <a:pPr marL="180000" lvl="1" indent="0">
+              <a:buNone/>
+            </a:pPr>
+            <a:endParaRPr lang="en-US" altLang="ja-JP" dirty="0" smtClean="0"/>
+          </a:p>
+          <a:p>
+            <a:pPr marL="180000" lvl="1" indent="0">
+              <a:buNone/>
+            </a:pPr>
+            <a:endParaRPr lang="en-US" altLang="ja-JP" dirty="0"/>
+          </a:p>
+          <a:p>
+            <a:pPr lvl="1"/>
+            <a:r>
+              <a:rPr lang="en-US" altLang="ja-JP" dirty="0"/>
+              <a:t>hosts</a:t>
+            </a:r>
+            <a:r>
+              <a:rPr lang="ja-JP" altLang="ja-JP" dirty="0"/>
+              <a:t>ファイルに以下の設定を追加してください。</a:t>
+            </a:r>
+            <a:endParaRPr lang="ja-JP" altLang="en-US" dirty="0"/>
+          </a:p>
+          <a:p>
+            <a:pPr lvl="1"/>
+            <a:endParaRPr kumimoji="1" lang="ja-JP" altLang="en-US" dirty="0"/>
+          </a:p>
+        </p:txBody>
+      </p:sp>
+      <p:graphicFrame>
+        <p:nvGraphicFramePr>
+          <p:cNvPr id="4" name="表 3"/>
+          <p:cNvGraphicFramePr>
+            <a:graphicFrameLocks noGrp="1"/>
+          </p:cNvGraphicFramePr>
+          <p:nvPr>
+            <p:extLst/>
+          </p:nvPr>
+        </p:nvGraphicFramePr>
+        <p:xfrm>
+          <a:off x="1829118" y="2752720"/>
+          <a:ext cx="5485765" cy="316230"/>
+        </p:xfrm>
+        <a:graphic>
+          <a:graphicData uri="http://schemas.openxmlformats.org/drawingml/2006/table">
+            <a:tbl>
+              <a:tblPr firstRow="1" firstCol="1" bandRow="1">
+                <a:tableStyleId>{5C22544A-7EE6-4342-B048-85BDC9FD1C3A}</a:tableStyleId>
+              </a:tblPr>
+              <a:tblGrid>
+                <a:gridCol w="5485765">
+                  <a:extLst>
+                    <a:ext uri="{9D8B030D-6E8A-4147-A177-3AD203B41FA5}">
+                      <a16:colId xmlns:a16="http://schemas.microsoft.com/office/drawing/2014/main" val="20000"/>
+                    </a:ext>
+                  </a:extLst>
+                </a:gridCol>
+              </a:tblGrid>
+              <a:tr h="316230">
+                <a:tc>
+                  <a:txBody>
+                    <a:bodyPr/>
+                    <a:lstStyle/>
+                    <a:p>
+                      <a:pPr algn="just">
+                        <a:spcAft>
+                          <a:spcPts val="0"/>
+                        </a:spcAft>
+                      </a:pPr>
+                      <a:r>
+                        <a:rPr lang="en-US" sz="1050" kern="100" dirty="0">
+                          <a:effectLst/>
+                        </a:rPr>
+                        <a:t>C:\Windows\System32\drivers\etc\hosts</a:t>
+                      </a:r>
+                      <a:endParaRPr lang="ja-JP" sz="1050" kern="100" dirty="0">
+                        <a:effectLst/>
+                        <a:latin typeface="Century" panose="02040604050505020304" pitchFamily="18" charset="0"/>
+                        <a:ea typeface="ＭＳ 明朝" panose="02020609040205080304" pitchFamily="17" charset="-128"/>
+                        <a:cs typeface="Times New Roman" panose="02020603050405020304" pitchFamily="18" charset="0"/>
+                      </a:endParaRPr>
+                    </a:p>
+                  </a:txBody>
+                  <a:tcPr marL="68580" marR="68580" marT="0" marB="0" anchor="ctr">
+                    <a:solidFill>
+                      <a:srgbClr val="002B62"/>
+                    </a:solidFill>
+                  </a:tcPr>
+                </a:tc>
+                <a:extLst>
+                  <a:ext uri="{0D108BD9-81ED-4DB2-BD59-A6C34878D82A}">
+                    <a16:rowId xmlns:a16="http://schemas.microsoft.com/office/drawing/2014/main" val="10000"/>
+                  </a:ext>
+                </a:extLst>
+              </a:tr>
+            </a:tbl>
+          </a:graphicData>
+        </a:graphic>
+      </p:graphicFrame>
+      <p:graphicFrame>
+        <p:nvGraphicFramePr>
+          <p:cNvPr id="5" name="表 4"/>
+          <p:cNvGraphicFramePr>
+            <a:graphicFrameLocks noGrp="1"/>
+          </p:cNvGraphicFramePr>
+          <p:nvPr>
+            <p:extLst/>
+          </p:nvPr>
+        </p:nvGraphicFramePr>
+        <p:xfrm>
+          <a:off x="1828630" y="4149100"/>
+          <a:ext cx="5485765" cy="936130"/>
+        </p:xfrm>
+        <a:graphic>
+          <a:graphicData uri="http://schemas.openxmlformats.org/drawingml/2006/table">
+            <a:tbl>
+              <a:tblPr firstRow="1" firstCol="1" bandRow="1">
+                <a:tableStyleId>{5C22544A-7EE6-4342-B048-85BDC9FD1C3A}</a:tableStyleId>
+              </a:tblPr>
+              <a:tblGrid>
+                <a:gridCol w="5485765">
+                  <a:extLst>
+                    <a:ext uri="{9D8B030D-6E8A-4147-A177-3AD203B41FA5}">
+                      <a16:colId xmlns:a16="http://schemas.microsoft.com/office/drawing/2014/main" val="20000"/>
+                    </a:ext>
+                  </a:extLst>
+                </a:gridCol>
+              </a:tblGrid>
+              <a:tr h="936130">
+                <a:tc>
+                  <a:txBody>
+                    <a:bodyPr/>
+                    <a:lstStyle/>
+                    <a:p>
+                      <a:pPr algn="l">
+                        <a:spcAft>
+                          <a:spcPts val="0"/>
+                        </a:spcAft>
+                      </a:pPr>
+                      <a:r>
+                        <a:rPr lang="en-US" sz="1050" kern="100" dirty="0" smtClean="0">
+                          <a:effectLst/>
+                        </a:rPr>
+                        <a:t>“ITA</a:t>
+                      </a:r>
+                      <a:r>
+                        <a:rPr lang="ja-JP" sz="1050" kern="100" dirty="0" smtClean="0">
+                          <a:effectLst/>
+                        </a:rPr>
+                        <a:t>実装</a:t>
+                      </a:r>
+                      <a:r>
+                        <a:rPr lang="ja-JP" sz="1050" kern="100" dirty="0">
+                          <a:effectLst/>
+                        </a:rPr>
+                        <a:t>サーバの</a:t>
+                      </a:r>
+                      <a:r>
+                        <a:rPr lang="en-US" sz="1050" kern="100" dirty="0">
+                          <a:effectLst/>
+                        </a:rPr>
+                        <a:t>IP</a:t>
+                      </a:r>
+                      <a:r>
+                        <a:rPr lang="ja-JP" sz="1050" kern="100" dirty="0">
+                          <a:effectLst/>
+                        </a:rPr>
+                        <a:t>アドレス</a:t>
+                      </a:r>
+                      <a:r>
+                        <a:rPr lang="en-US" sz="1050" kern="100" dirty="0">
+                          <a:effectLst/>
+                        </a:rPr>
+                        <a:t>”</a:t>
+                      </a:r>
+                      <a:r>
+                        <a:rPr lang="ja-JP" sz="1050" kern="100" dirty="0">
+                          <a:effectLst/>
+                        </a:rPr>
+                        <a:t>　</a:t>
+                      </a:r>
+                      <a:r>
+                        <a:rPr lang="ja-JP" sz="1050" kern="0" dirty="0">
+                          <a:effectLst/>
+                        </a:rPr>
+                        <a:t> </a:t>
+                      </a:r>
+                      <a:r>
+                        <a:rPr lang="en-US" altLang="ja-JP" sz="1050" kern="0" dirty="0" smtClean="0">
+                          <a:effectLst/>
+                        </a:rPr>
+                        <a:t>exastro</a:t>
+                      </a:r>
+                      <a:r>
+                        <a:rPr lang="en-US" sz="1050" kern="0" dirty="0" smtClean="0">
+                          <a:effectLst/>
+                        </a:rPr>
+                        <a:t>-it-automation</a:t>
+                      </a:r>
+                      <a:r>
+                        <a:rPr lang="en-US" sz="1050" kern="0" dirty="0">
+                          <a:effectLst/>
+                        </a:rPr>
+                        <a:t/>
+                      </a:r>
+                      <a:br>
+                        <a:rPr lang="en-US" sz="1050" kern="0" dirty="0">
+                          <a:effectLst/>
+                        </a:rPr>
+                      </a:br>
+                      <a:r>
+                        <a:rPr lang="en-US" sz="1050" kern="0" dirty="0" smtClean="0">
+                          <a:effectLst/>
+                        </a:rPr>
+                        <a:t/>
+                      </a:r>
+                      <a:br>
+                        <a:rPr lang="en-US" sz="1050" kern="0" dirty="0" smtClean="0">
+                          <a:effectLst/>
+                        </a:rPr>
+                      </a:br>
+                      <a:r>
+                        <a:rPr lang="ja-JP" sz="1050" kern="0" dirty="0" smtClean="0">
+                          <a:effectLst/>
+                        </a:rPr>
+                        <a:t>例</a:t>
+                      </a:r>
+                      <a:r>
+                        <a:rPr lang="ja-JP" altLang="en-US" sz="1050" kern="0" dirty="0" smtClean="0">
+                          <a:effectLst/>
+                        </a:rPr>
+                        <a:t>）</a:t>
+                      </a:r>
+                      <a:r>
+                        <a:rPr lang="en-US" sz="1050" kern="0" dirty="0" smtClean="0">
+                          <a:effectLst/>
+                        </a:rPr>
+                        <a:t/>
+                      </a:r>
+                      <a:br>
+                        <a:rPr lang="en-US" sz="1050" kern="0" dirty="0" smtClean="0">
+                          <a:effectLst/>
+                        </a:rPr>
+                      </a:br>
+                      <a:r>
+                        <a:rPr lang="en-US" sz="1050" kern="0" dirty="0" smtClean="0">
+                          <a:effectLst/>
+                        </a:rPr>
+                        <a:t>192.168.0.3 </a:t>
+                      </a:r>
+                      <a:r>
+                        <a:rPr lang="ja-JP" sz="1050" kern="0" dirty="0">
+                          <a:effectLst/>
+                        </a:rPr>
+                        <a:t>　</a:t>
+                      </a:r>
+                      <a:r>
+                        <a:rPr lang="en-US" altLang="ja-JP" sz="1050" kern="0" dirty="0" smtClean="0">
+                          <a:effectLst/>
+                        </a:rPr>
+                        <a:t>e</a:t>
+                      </a:r>
+                      <a:r>
+                        <a:rPr lang="en-US" sz="1050" kern="0" dirty="0" smtClean="0">
+                          <a:effectLst/>
+                        </a:rPr>
+                        <a:t>xastro-it-automation</a:t>
+                      </a:r>
+                      <a:endParaRPr lang="ja-JP" sz="1050" kern="100" dirty="0">
+                        <a:effectLst/>
+                        <a:latin typeface="Century" panose="02040604050505020304" pitchFamily="18" charset="0"/>
+                        <a:ea typeface="ＭＳ 明朝" panose="02020609040205080304" pitchFamily="17" charset="-128"/>
+                        <a:cs typeface="Times New Roman" panose="02020603050405020304" pitchFamily="18" charset="0"/>
+                      </a:endParaRPr>
+                    </a:p>
+                  </a:txBody>
+                  <a:tcPr marL="68580" marR="68580" marT="0" marB="0" anchor="ctr">
+                    <a:solidFill>
+                      <a:srgbClr val="002B62"/>
+                    </a:solidFill>
+                  </a:tcPr>
+                </a:tc>
+                <a:extLst>
+                  <a:ext uri="{0D108BD9-81ED-4DB2-BD59-A6C34878D82A}">
+                    <a16:rowId xmlns:a16="http://schemas.microsoft.com/office/drawing/2014/main" val="10000"/>
+                  </a:ext>
+                </a:extLst>
+              </a:tr>
+            </a:tbl>
+          </a:graphicData>
+        </a:graphic>
+      </p:graphicFrame>
+    </p:spTree>
+    <p:extLst>
+      <p:ext uri="{BB962C8B-B14F-4D97-AF65-F5344CB8AC3E}">
+        <p14:creationId xmlns:p14="http://schemas.microsoft.com/office/powerpoint/2010/main" val="2122075167"/>
+      </p:ext>
+    </p:extLst>
+  </p:cSld>
+  <p:clrMapOvr>
+    <a:masterClrMapping/>
+  </p:clrMapOvr>
+  <p:timing>
+    <p:tnLst>
+      <p:par>
+        <p:cTn id="1" dur="indefinite" restart="never" nodeType="tmRoot"/>
+      </p:par>
+    </p:tnLst>
+  </p:timing>
+</p:sld>
+</file>
+
+<file path=ppt/slides/slide25.xml><?xml version="1.0" encoding="utf-8"?>
+<p:sld xmlns:a="http://schemas.openxmlformats.org/drawingml/2006/main" xmlns:r="http://schemas.openxmlformats.org/officeDocument/2006/relationships" xmlns:p="http://schemas.openxmlformats.org/presentationml/2006/main">
+  <p:cSld>
+    <p:spTree>
+      <p:nvGrpSpPr>
+        <p:cNvPr id="1" name=""/>
+        <p:cNvGrpSpPr/>
+        <p:nvPr/>
+      </p:nvGrpSpPr>
+      <p:grpSpPr>
+        <a:xfrm>
+          <a:off x="0" y="0"/>
+          <a:ext cx="0" cy="0"/>
+          <a:chOff x="0" y="0"/>
+          <a:chExt cx="0" cy="0"/>
+        </a:xfrm>
+      </p:grpSpPr>
+      <p:sp>
+        <p:nvSpPr>
+          <p:cNvPr id="2" name="タイトル 1"/>
+          <p:cNvSpPr>
+            <a:spLocks noGrp="1"/>
+          </p:cNvSpPr>
+          <p:nvPr>
+            <p:ph type="title"/>
+          </p:nvPr>
+        </p:nvSpPr>
+        <p:spPr/>
+        <p:txBody>
+          <a:bodyPr/>
+          <a:lstStyle/>
+          <a:p>
+            <a:r>
+              <a:rPr lang="en-US" altLang="ja-JP" dirty="0" smtClean="0"/>
+              <a:t>4.5</a:t>
+            </a:r>
+            <a:r>
+              <a:rPr lang="ja-JP" altLang="en-US" dirty="0"/>
+              <a:t>　動作確認</a:t>
+            </a:r>
+            <a:r>
+              <a:rPr lang="ja-JP" altLang="en-US" dirty="0" smtClean="0"/>
+              <a:t>（</a:t>
+            </a:r>
+            <a:r>
+              <a:rPr lang="en-US" altLang="ja-JP" dirty="0" smtClean="0"/>
+              <a:t>5/6</a:t>
+            </a:r>
+            <a:r>
+              <a:rPr lang="ja-JP" altLang="en-US" dirty="0" smtClean="0"/>
+              <a:t>）</a:t>
+            </a:r>
+            <a:endParaRPr kumimoji="1" lang="ja-JP" altLang="en-US" dirty="0"/>
+          </a:p>
+        </p:txBody>
+      </p:sp>
+      <p:sp>
+        <p:nvSpPr>
+          <p:cNvPr id="3" name="コンテンツ プレースホルダー 2"/>
+          <p:cNvSpPr>
+            <a:spLocks noGrp="1"/>
+          </p:cNvSpPr>
+          <p:nvPr>
+            <p:ph sz="quarter" idx="10"/>
+          </p:nvPr>
+        </p:nvSpPr>
+        <p:spPr>
+          <a:xfrm>
+            <a:off x="179512" y="836712"/>
+            <a:ext cx="8964488" cy="5616476"/>
+          </a:xfrm>
+        </p:spPr>
+        <p:txBody>
+          <a:bodyPr>
+            <a:normAutofit fontScale="92500" lnSpcReduction="10000"/>
+          </a:bodyPr>
+          <a:lstStyle/>
+          <a:p>
+            <a:pPr lvl="1"/>
+            <a:r>
+              <a:rPr lang="ja-JP" altLang="ja-JP" dirty="0" smtClean="0"/>
+              <a:t>操作</a:t>
+            </a:r>
+            <a:r>
+              <a:rPr lang="ja-JP" altLang="ja-JP" dirty="0"/>
+              <a:t>端末（</a:t>
+            </a:r>
+            <a:r>
+              <a:rPr lang="en-US" altLang="ja-JP" dirty="0"/>
+              <a:t>Windows</a:t>
+            </a:r>
+            <a:r>
+              <a:rPr lang="ja-JP" altLang="ja-JP" dirty="0"/>
+              <a:t>）</a:t>
+            </a:r>
+            <a:r>
+              <a:rPr lang="ja-JP" altLang="en-US" dirty="0"/>
+              <a:t>への</a:t>
+            </a:r>
+            <a:r>
+              <a:rPr lang="ja-JP" altLang="ja-JP" dirty="0"/>
+              <a:t>証明書</a:t>
+            </a:r>
+            <a:r>
+              <a:rPr lang="ja-JP" altLang="ja-JP" dirty="0" smtClean="0"/>
+              <a:t>インポート</a:t>
+            </a:r>
+            <a:r>
+              <a:rPr lang="ja-JP" altLang="en-US" dirty="0" smtClean="0"/>
+              <a:t>を行います。</a:t>
+            </a:r>
+            <a:r>
+              <a:rPr lang="en-US" altLang="ja-JP" dirty="0" smtClean="0"/>
+              <a:t/>
+            </a:r>
+            <a:br>
+              <a:rPr lang="en-US" altLang="ja-JP" dirty="0" smtClean="0"/>
+            </a:br>
+            <a:r>
+              <a:rPr lang="ja-JP" altLang="ja-JP" dirty="0" smtClean="0"/>
+              <a:t>証明書は</a:t>
+            </a:r>
+            <a:r>
+              <a:rPr lang="en-US" altLang="ja-JP" dirty="0" smtClean="0"/>
+              <a:t>ITA</a:t>
+            </a:r>
+            <a:r>
+              <a:rPr lang="ja-JP" altLang="ja-JP" dirty="0" smtClean="0"/>
+              <a:t>インストールパッケージの以下のパスに格納されています。</a:t>
+            </a:r>
+            <a:endParaRPr lang="en-US" altLang="ja-JP" dirty="0" smtClean="0"/>
+          </a:p>
+          <a:p>
+            <a:pPr lvl="1"/>
+            <a:r>
+              <a:rPr lang="en-US" altLang="ja-JP" dirty="0" smtClean="0"/>
+              <a:t>FFFTP </a:t>
+            </a:r>
+            <a:r>
+              <a:rPr lang="ja-JP" altLang="ja-JP" dirty="0"/>
+              <a:t>、</a:t>
+            </a:r>
+            <a:r>
+              <a:rPr lang="en-US" altLang="ja-JP" dirty="0"/>
+              <a:t>WinSCP</a:t>
+            </a:r>
+            <a:r>
+              <a:rPr lang="ja-JP" altLang="ja-JP" dirty="0"/>
+              <a:t>などのツールを利用し操作端末にダウンロードします。</a:t>
+            </a:r>
+          </a:p>
+          <a:p>
+            <a:pPr marL="180000" lvl="1" indent="0">
+              <a:buNone/>
+            </a:pPr>
+            <a:endParaRPr lang="en-US" altLang="ja-JP" dirty="0" smtClean="0"/>
+          </a:p>
+          <a:p>
+            <a:pPr marL="180000" lvl="1" indent="0">
+              <a:buNone/>
+            </a:pPr>
+            <a:endParaRPr lang="en-US" altLang="ja-JP" dirty="0"/>
+          </a:p>
+          <a:p>
+            <a:pPr marL="180000" lvl="1" indent="0">
+              <a:buNone/>
+            </a:pPr>
+            <a:endParaRPr lang="en-US" altLang="ja-JP" dirty="0" smtClean="0"/>
+          </a:p>
+          <a:p>
+            <a:pPr marL="180000" lvl="1" indent="0">
+              <a:buNone/>
+            </a:pPr>
+            <a:endParaRPr lang="en-US" altLang="ja-JP" dirty="0" smtClean="0"/>
+          </a:p>
+          <a:p>
+            <a:pPr marL="180000" lvl="1" indent="0">
+              <a:buNone/>
+            </a:pPr>
+            <a:endParaRPr lang="en-US" altLang="ja-JP" dirty="0"/>
+          </a:p>
+          <a:p>
+            <a:pPr lvl="1"/>
+            <a:r>
+              <a:rPr lang="en-US" altLang="ja-JP" dirty="0"/>
+              <a:t>Web</a:t>
+            </a:r>
+            <a:r>
+              <a:rPr lang="ja-JP" altLang="ja-JP" dirty="0"/>
+              <a:t>ブラウザに証明書のインポートをしてください。</a:t>
+            </a:r>
+          </a:p>
+          <a:p>
+            <a:pPr lvl="1"/>
+            <a:r>
+              <a:rPr lang="ja-JP" altLang="en-US" dirty="0" smtClean="0"/>
+              <a:t>例として、</a:t>
+            </a:r>
+            <a:r>
+              <a:rPr lang="en-US" altLang="ja-JP" dirty="0" smtClean="0"/>
+              <a:t>Google Chrome</a:t>
+            </a:r>
+            <a:r>
+              <a:rPr lang="ja-JP" altLang="ja-JP" dirty="0" smtClean="0"/>
+              <a:t>に</a:t>
+            </a:r>
+            <a:r>
+              <a:rPr lang="ja-JP" altLang="ja-JP" dirty="0"/>
+              <a:t>インポートする</a:t>
+            </a:r>
+            <a:r>
+              <a:rPr lang="ja-JP" altLang="ja-JP" dirty="0" smtClean="0"/>
+              <a:t>手順</a:t>
+            </a:r>
+            <a:r>
+              <a:rPr lang="ja-JP" altLang="en-US" dirty="0"/>
+              <a:t>を</a:t>
+            </a:r>
+            <a:r>
+              <a:rPr lang="ja-JP" altLang="ja-JP" dirty="0" smtClean="0"/>
+              <a:t>以下</a:t>
+            </a:r>
+            <a:r>
+              <a:rPr lang="ja-JP" altLang="en-US" dirty="0" smtClean="0"/>
+              <a:t>に示します。</a:t>
+            </a:r>
+            <a:endParaRPr lang="en-US" altLang="ja-JP" dirty="0" smtClean="0"/>
+          </a:p>
+          <a:p>
+            <a:pPr marL="180000" lvl="1" indent="0">
+              <a:buNone/>
+            </a:pPr>
+            <a:endParaRPr lang="en-US" altLang="ja-JP" dirty="0" smtClean="0"/>
+          </a:p>
+          <a:p>
+            <a:pPr marL="180000" lvl="1" indent="0">
+              <a:buNone/>
+            </a:pPr>
+            <a:r>
+              <a:rPr lang="ja-JP" altLang="en-US" dirty="0" smtClean="0"/>
+              <a:t>　①　</a:t>
+            </a:r>
+            <a:r>
+              <a:rPr lang="en-US" altLang="ja-JP" dirty="0" smtClean="0"/>
+              <a:t>Google </a:t>
+            </a:r>
+            <a:r>
+              <a:rPr lang="en-US" altLang="ja-JP" dirty="0"/>
+              <a:t>Chrome</a:t>
+            </a:r>
+            <a:r>
+              <a:rPr lang="ja-JP" altLang="en-US" dirty="0"/>
+              <a:t>を起動し、右上の</a:t>
+            </a:r>
+            <a:r>
+              <a:rPr lang="en-US" altLang="ja-JP" dirty="0"/>
+              <a:t>[</a:t>
+            </a:r>
+            <a:r>
+              <a:rPr lang="ja-JP" altLang="en-US" dirty="0"/>
+              <a:t>設定</a:t>
+            </a:r>
+            <a:r>
+              <a:rPr lang="en-US" altLang="ja-JP" dirty="0"/>
+              <a:t>]</a:t>
+            </a:r>
+            <a:r>
+              <a:rPr lang="ja-JP" altLang="en-US" dirty="0"/>
+              <a:t>ボタンから</a:t>
+            </a:r>
+            <a:r>
+              <a:rPr lang="en-US" altLang="ja-JP" dirty="0"/>
+              <a:t>[</a:t>
+            </a:r>
+            <a:r>
+              <a:rPr lang="ja-JP" altLang="en-US" dirty="0"/>
+              <a:t>設定</a:t>
+            </a:r>
+            <a:r>
+              <a:rPr lang="en-US" altLang="ja-JP" dirty="0"/>
+              <a:t>(S)]</a:t>
+            </a:r>
+            <a:r>
+              <a:rPr lang="ja-JP" altLang="en-US" dirty="0"/>
+              <a:t>へ進みます</a:t>
+            </a:r>
+            <a:r>
+              <a:rPr lang="ja-JP" altLang="en-US" dirty="0" smtClean="0"/>
+              <a:t>。</a:t>
+            </a:r>
+            <a:endParaRPr lang="en-US" altLang="ja-JP" dirty="0" smtClean="0"/>
+          </a:p>
+          <a:p>
+            <a:pPr marL="180000" lvl="1" indent="0">
+              <a:buNone/>
+            </a:pPr>
+            <a:r>
+              <a:rPr lang="ja-JP" altLang="en-US" dirty="0"/>
+              <a:t>　②　画面下部の</a:t>
+            </a:r>
+            <a:r>
+              <a:rPr lang="en-US" altLang="ja-JP" dirty="0"/>
+              <a:t>[</a:t>
+            </a:r>
+            <a:r>
+              <a:rPr lang="ja-JP" altLang="en-US" dirty="0"/>
+              <a:t>詳細設定</a:t>
+            </a:r>
+            <a:r>
+              <a:rPr lang="en-US" altLang="ja-JP" dirty="0"/>
+              <a:t>]</a:t>
+            </a:r>
+            <a:r>
+              <a:rPr lang="ja-JP" altLang="en-US" dirty="0"/>
+              <a:t>をクリック後、表示される項目から</a:t>
+            </a:r>
+            <a:r>
+              <a:rPr lang="en-US" altLang="ja-JP" dirty="0"/>
+              <a:t>[</a:t>
+            </a:r>
+            <a:r>
+              <a:rPr lang="ja-JP" altLang="en-US" dirty="0"/>
+              <a:t>証明書の管理</a:t>
+            </a:r>
+            <a:r>
+              <a:rPr lang="en-US" altLang="ja-JP" dirty="0"/>
+              <a:t>]</a:t>
+            </a:r>
+            <a:r>
+              <a:rPr lang="ja-JP" altLang="en-US" dirty="0"/>
+              <a:t>をクリックします。</a:t>
+            </a:r>
+            <a:endParaRPr lang="ja-JP" altLang="ja-JP" dirty="0"/>
+          </a:p>
+          <a:p>
+            <a:pPr marL="357188" lvl="1" indent="0">
+              <a:buNone/>
+            </a:pPr>
+            <a:r>
+              <a:rPr lang="ja-JP" altLang="en-US" dirty="0" smtClean="0"/>
+              <a:t>③　</a:t>
+            </a:r>
+            <a:r>
+              <a:rPr lang="en-US" altLang="ja-JP" dirty="0"/>
+              <a:t>[</a:t>
+            </a:r>
+            <a:r>
+              <a:rPr lang="ja-JP" altLang="en-US" dirty="0"/>
+              <a:t>信頼されたルート証明機関</a:t>
+            </a:r>
+            <a:r>
+              <a:rPr lang="en-US" altLang="ja-JP" dirty="0"/>
+              <a:t>]</a:t>
+            </a:r>
+            <a:r>
+              <a:rPr lang="ja-JP" altLang="en-US" dirty="0"/>
+              <a:t>タブへ進み、左下の</a:t>
+            </a:r>
+            <a:r>
+              <a:rPr lang="en-US" altLang="ja-JP" dirty="0"/>
+              <a:t>[</a:t>
+            </a:r>
+            <a:r>
+              <a:rPr lang="ja-JP" altLang="en-US" dirty="0"/>
+              <a:t>インポート</a:t>
+            </a:r>
+            <a:r>
+              <a:rPr lang="en-US" altLang="ja-JP" dirty="0"/>
+              <a:t>]</a:t>
+            </a:r>
+            <a:r>
+              <a:rPr lang="ja-JP" altLang="en-US" dirty="0"/>
+              <a:t>をクリックします</a:t>
+            </a:r>
+            <a:r>
+              <a:rPr lang="ja-JP" altLang="en-US" dirty="0" smtClean="0"/>
+              <a:t>。</a:t>
+            </a:r>
+            <a:endParaRPr lang="en-US" altLang="ja-JP" dirty="0" smtClean="0"/>
+          </a:p>
+          <a:p>
+            <a:pPr marL="357188" lvl="1" indent="0">
+              <a:buNone/>
+            </a:pPr>
+            <a:r>
+              <a:rPr lang="ja-JP" altLang="en-US" dirty="0" smtClean="0"/>
+              <a:t>④</a:t>
+            </a:r>
+            <a:r>
+              <a:rPr lang="ja-JP" altLang="en-US" dirty="0"/>
+              <a:t>　証明書のインポートウィザードが起動します。</a:t>
+            </a:r>
+            <a:r>
+              <a:rPr lang="en-US" altLang="ja-JP" dirty="0"/>
+              <a:t>[</a:t>
+            </a:r>
+            <a:r>
+              <a:rPr lang="ja-JP" altLang="en-US" dirty="0"/>
+              <a:t>次へ</a:t>
+            </a:r>
+            <a:r>
+              <a:rPr lang="en-US" altLang="ja-JP" dirty="0"/>
+              <a:t>]</a:t>
+            </a:r>
+            <a:r>
+              <a:rPr lang="ja-JP" altLang="en-US" dirty="0"/>
+              <a:t>をクリックします</a:t>
+            </a:r>
+            <a:r>
+              <a:rPr lang="ja-JP" altLang="en-US" dirty="0" smtClean="0"/>
+              <a:t>。</a:t>
+            </a:r>
+            <a:endParaRPr lang="en-US" altLang="ja-JP" dirty="0" smtClean="0"/>
+          </a:p>
+          <a:p>
+            <a:pPr marL="357188" lvl="1" indent="0">
+              <a:buNone/>
+            </a:pPr>
+            <a:r>
+              <a:rPr lang="ja-JP" altLang="en-US" dirty="0"/>
+              <a:t>⑤　インポートするファイル名を指定し、</a:t>
+            </a:r>
+            <a:r>
+              <a:rPr lang="en-US" altLang="ja-JP" dirty="0"/>
+              <a:t>[</a:t>
+            </a:r>
+            <a:r>
+              <a:rPr lang="ja-JP" altLang="en-US" dirty="0"/>
+              <a:t>次へ</a:t>
+            </a:r>
+            <a:r>
+              <a:rPr lang="en-US" altLang="ja-JP" dirty="0"/>
+              <a:t>]</a:t>
+            </a:r>
+            <a:r>
+              <a:rPr lang="ja-JP" altLang="en-US" dirty="0"/>
+              <a:t>をクリックします</a:t>
+            </a:r>
+            <a:r>
+              <a:rPr lang="ja-JP" altLang="en-US" dirty="0" smtClean="0"/>
+              <a:t>。</a:t>
+            </a:r>
+            <a:endParaRPr lang="en-US" altLang="ja-JP" dirty="0" smtClean="0"/>
+          </a:p>
+          <a:p>
+            <a:pPr marL="357188" lvl="1" indent="0">
+              <a:buNone/>
+            </a:pPr>
+            <a:r>
+              <a:rPr lang="ja-JP" altLang="en-US" dirty="0" smtClean="0"/>
+              <a:t>⑥　</a:t>
+            </a:r>
+            <a:r>
+              <a:rPr lang="en-US" altLang="ja-JP" dirty="0"/>
+              <a:t>[</a:t>
+            </a:r>
+            <a:r>
+              <a:rPr lang="ja-JP" altLang="en-US" dirty="0"/>
+              <a:t>証明書をすべての次のストアに配置する</a:t>
+            </a:r>
+            <a:r>
+              <a:rPr lang="en-US" altLang="ja-JP" dirty="0"/>
+              <a:t>(P)]</a:t>
+            </a:r>
+            <a:r>
+              <a:rPr lang="ja-JP" altLang="en-US" dirty="0"/>
+              <a:t>をチェックされている状態を確認します</a:t>
+            </a:r>
+            <a:r>
+              <a:rPr lang="ja-JP" altLang="en-US" dirty="0" smtClean="0"/>
+              <a:t>。</a:t>
+            </a:r>
+            <a:endParaRPr lang="en-US" altLang="ja-JP" dirty="0" smtClean="0"/>
+          </a:p>
+          <a:p>
+            <a:pPr marL="357188" lvl="1" indent="0">
+              <a:buNone/>
+            </a:pPr>
+            <a:r>
+              <a:rPr lang="ja-JP" altLang="en-US" dirty="0" smtClean="0"/>
+              <a:t>⑦　</a:t>
+            </a:r>
+            <a:r>
+              <a:rPr lang="en-US" altLang="ja-JP" dirty="0"/>
+              <a:t>[</a:t>
+            </a:r>
+            <a:r>
+              <a:rPr lang="ja-JP" altLang="en-US" dirty="0"/>
+              <a:t>信頼されたルート証明機関</a:t>
+            </a:r>
+            <a:r>
+              <a:rPr lang="en-US" altLang="ja-JP" dirty="0"/>
+              <a:t>]</a:t>
+            </a:r>
+            <a:r>
+              <a:rPr lang="ja-JP" altLang="en-US" dirty="0"/>
+              <a:t>を選択し、</a:t>
+            </a:r>
+            <a:r>
+              <a:rPr lang="en-US" altLang="ja-JP" dirty="0"/>
+              <a:t>[</a:t>
+            </a:r>
+            <a:r>
+              <a:rPr lang="ja-JP" altLang="en-US" dirty="0"/>
+              <a:t>次へ</a:t>
+            </a:r>
+            <a:r>
+              <a:rPr lang="en-US" altLang="ja-JP" dirty="0"/>
+              <a:t>]</a:t>
+            </a:r>
+            <a:r>
+              <a:rPr lang="ja-JP" altLang="en-US" dirty="0"/>
+              <a:t>をクリックします。</a:t>
+            </a:r>
+            <a:endParaRPr lang="en-US" altLang="ja-JP" dirty="0" smtClean="0"/>
+          </a:p>
+          <a:p>
+            <a:pPr marL="357188" lvl="1" indent="0">
+              <a:buNone/>
+            </a:pPr>
+            <a:r>
+              <a:rPr lang="en-US" altLang="ja-JP" dirty="0" smtClean="0"/>
+              <a:t>※</a:t>
+            </a:r>
+            <a:r>
+              <a:rPr lang="ja-JP" altLang="en-US" dirty="0" smtClean="0"/>
+              <a:t>選択されていない場合は右の</a:t>
+            </a:r>
+            <a:r>
+              <a:rPr lang="en-US" altLang="ja-JP" dirty="0" smtClean="0"/>
+              <a:t>[</a:t>
+            </a:r>
+            <a:r>
+              <a:rPr lang="ja-JP" altLang="en-US" dirty="0" smtClean="0"/>
+              <a:t>参照</a:t>
+            </a:r>
+            <a:r>
+              <a:rPr lang="en-US" altLang="ja-JP" dirty="0" smtClean="0"/>
+              <a:t>(R)]</a:t>
+            </a:r>
+            <a:r>
+              <a:rPr lang="ja-JP" altLang="en-US" dirty="0" smtClean="0"/>
+              <a:t>か</a:t>
+            </a:r>
+            <a:r>
+              <a:rPr lang="ja-JP" altLang="en-US" dirty="0"/>
+              <a:t>ら</a:t>
+            </a:r>
+            <a:r>
+              <a:rPr lang="en-US" altLang="ja-JP" dirty="0" smtClean="0"/>
+              <a:t>[</a:t>
+            </a:r>
+            <a:r>
+              <a:rPr lang="ja-JP" altLang="ja-JP" dirty="0"/>
+              <a:t>信頼されたルート証明機関</a:t>
+            </a:r>
+            <a:r>
+              <a:rPr lang="en-US" altLang="ja-JP" dirty="0"/>
+              <a:t>]</a:t>
+            </a:r>
+            <a:r>
+              <a:rPr lang="ja-JP" altLang="en-US" dirty="0"/>
+              <a:t>を</a:t>
+            </a:r>
+            <a:r>
+              <a:rPr lang="ja-JP" altLang="en-US" dirty="0" smtClean="0"/>
+              <a:t>選択してください。</a:t>
+            </a:r>
+            <a:endParaRPr lang="en-US" altLang="ja-JP" dirty="0" smtClean="0"/>
+          </a:p>
+          <a:p>
+            <a:pPr marL="357188" lvl="1" indent="0">
+              <a:buNone/>
+            </a:pPr>
+            <a:r>
+              <a:rPr lang="ja-JP" altLang="en-US" dirty="0" smtClean="0"/>
+              <a:t>⑧　</a:t>
+            </a:r>
+            <a:r>
+              <a:rPr lang="en-US" altLang="ja-JP" dirty="0"/>
+              <a:t>[</a:t>
+            </a:r>
+            <a:r>
+              <a:rPr lang="ja-JP" altLang="en-US" dirty="0"/>
+              <a:t>完了</a:t>
+            </a:r>
+            <a:r>
+              <a:rPr lang="en-US" altLang="ja-JP" dirty="0"/>
+              <a:t>]</a:t>
+            </a:r>
+            <a:r>
+              <a:rPr lang="ja-JP" altLang="en-US" dirty="0"/>
+              <a:t>をクリックします。</a:t>
+            </a:r>
+            <a:endParaRPr lang="ja-JP" altLang="ja-JP" dirty="0"/>
+          </a:p>
+        </p:txBody>
+      </p:sp>
+      <p:graphicFrame>
+        <p:nvGraphicFramePr>
+          <p:cNvPr id="6" name="表 5"/>
+          <p:cNvGraphicFramePr>
+            <a:graphicFrameLocks noGrp="1"/>
+          </p:cNvGraphicFramePr>
+          <p:nvPr>
+            <p:extLst>
+              <p:ext uri="{D42A27DB-BD31-4B8C-83A1-F6EECF244321}">
+                <p14:modId xmlns:p14="http://schemas.microsoft.com/office/powerpoint/2010/main" val="3991205271"/>
+              </p:ext>
+            </p:extLst>
+          </p:nvPr>
+        </p:nvGraphicFramePr>
+        <p:xfrm>
+          <a:off x="1207459" y="1772770"/>
+          <a:ext cx="6729082" cy="1018455"/>
+        </p:xfrm>
+        <a:graphic>
+          <a:graphicData uri="http://schemas.openxmlformats.org/drawingml/2006/table">
+            <a:tbl>
+              <a:tblPr firstRow="1" firstCol="1" bandRow="1">
+                <a:tableStyleId>{5C22544A-7EE6-4342-B048-85BDC9FD1C3A}</a:tableStyleId>
+              </a:tblPr>
+              <a:tblGrid>
+                <a:gridCol w="1581792">
+                  <a:extLst>
+                    <a:ext uri="{9D8B030D-6E8A-4147-A177-3AD203B41FA5}">
+                      <a16:colId xmlns:a16="http://schemas.microsoft.com/office/drawing/2014/main" val="20000"/>
+                    </a:ext>
+                  </a:extLst>
+                </a:gridCol>
+                <a:gridCol w="3269829">
+                  <a:extLst>
+                    <a:ext uri="{9D8B030D-6E8A-4147-A177-3AD203B41FA5}">
+                      <a16:colId xmlns:a16="http://schemas.microsoft.com/office/drawing/2014/main" val="20001"/>
+                    </a:ext>
+                  </a:extLst>
+                </a:gridCol>
+                <a:gridCol w="1877461">
+                  <a:extLst>
+                    <a:ext uri="{9D8B030D-6E8A-4147-A177-3AD203B41FA5}">
+                      <a16:colId xmlns:a16="http://schemas.microsoft.com/office/drawing/2014/main" val="20002"/>
+                    </a:ext>
+                  </a:extLst>
+                </a:gridCol>
+              </a:tblGrid>
+              <a:tr h="288039">
+                <a:tc>
+                  <a:txBody>
+                    <a:bodyPr/>
+                    <a:lstStyle/>
+                    <a:p>
+                      <a:pPr algn="ctr">
+                        <a:spcAft>
+                          <a:spcPts val="0"/>
+                        </a:spcAft>
+                      </a:pPr>
+                      <a:r>
+                        <a:rPr lang="en-US" altLang="ja-JP" sz="1050" kern="100" dirty="0" smtClean="0">
+                          <a:effectLst/>
+                        </a:rPr>
+                        <a:t>ITA</a:t>
+                      </a:r>
+                      <a:r>
+                        <a:rPr lang="ja-JP" sz="1050" kern="100" dirty="0" smtClean="0">
+                          <a:effectLst/>
+                        </a:rPr>
+                        <a:t>サーバ</a:t>
+                      </a:r>
+                      <a:r>
+                        <a:rPr lang="ja-JP" sz="1050" kern="100" dirty="0">
+                          <a:effectLst/>
+                        </a:rPr>
+                        <a:t>の</a:t>
+                      </a:r>
+                      <a:r>
+                        <a:rPr lang="en-US" sz="1050" kern="100" dirty="0">
+                          <a:effectLst/>
+                        </a:rPr>
+                        <a:t>OS</a:t>
+                      </a:r>
+                      <a:endParaRPr lang="ja-JP" sz="1050" kern="100" dirty="0">
+                        <a:effectLst/>
+                        <a:latin typeface="Century" panose="02040604050505020304" pitchFamily="18" charset="0"/>
+                        <a:ea typeface="ＭＳ 明朝" panose="02020609040205080304" pitchFamily="17" charset="-128"/>
+                        <a:cs typeface="Times New Roman" panose="02020603050405020304" pitchFamily="18" charset="0"/>
+                      </a:endParaRPr>
+                    </a:p>
+                  </a:txBody>
+                  <a:tcPr marL="68580" marR="68580" marT="0" marB="0" anchor="ctr">
+                    <a:solidFill>
+                      <a:srgbClr val="002B62"/>
+                    </a:solidFill>
+                  </a:tcPr>
+                </a:tc>
+                <a:tc>
+                  <a:txBody>
+                    <a:bodyPr/>
+                    <a:lstStyle/>
+                    <a:p>
+                      <a:pPr algn="ctr">
+                        <a:spcAft>
+                          <a:spcPts val="0"/>
+                        </a:spcAft>
+                      </a:pPr>
+                      <a:r>
+                        <a:rPr lang="ja-JP" sz="1050" kern="100" dirty="0">
+                          <a:effectLst/>
+                        </a:rPr>
+                        <a:t>ファイルパス</a:t>
+                      </a:r>
+                      <a:endParaRPr lang="ja-JP" sz="1050" kern="100" dirty="0">
+                        <a:effectLst/>
+                        <a:latin typeface="Century" panose="02040604050505020304" pitchFamily="18" charset="0"/>
+                        <a:ea typeface="ＭＳ 明朝" panose="02020609040205080304" pitchFamily="17" charset="-128"/>
+                        <a:cs typeface="Times New Roman" panose="02020603050405020304" pitchFamily="18" charset="0"/>
+                      </a:endParaRPr>
+                    </a:p>
+                  </a:txBody>
+                  <a:tcPr marL="68580" marR="68580" marT="0" marB="0" anchor="ctr">
+                    <a:solidFill>
+                      <a:srgbClr val="002B62"/>
+                    </a:solidFill>
+                  </a:tcPr>
+                </a:tc>
+                <a:tc>
+                  <a:txBody>
+                    <a:bodyPr/>
+                    <a:lstStyle/>
+                    <a:p>
+                      <a:pPr algn="ctr">
+                        <a:spcAft>
+                          <a:spcPts val="0"/>
+                        </a:spcAft>
+                      </a:pPr>
+                      <a:r>
+                        <a:rPr lang="ja-JP" sz="1050" kern="100" dirty="0">
+                          <a:effectLst/>
+                        </a:rPr>
+                        <a:t>ファイル名</a:t>
+                      </a:r>
+                      <a:endParaRPr lang="ja-JP" sz="1050" kern="100" dirty="0">
+                        <a:effectLst/>
+                        <a:latin typeface="Century" panose="02040604050505020304" pitchFamily="18" charset="0"/>
+                        <a:ea typeface="ＭＳ 明朝" panose="02020609040205080304" pitchFamily="17" charset="-128"/>
+                        <a:cs typeface="Times New Roman" panose="02020603050405020304" pitchFamily="18" charset="0"/>
+                      </a:endParaRPr>
+                    </a:p>
+                  </a:txBody>
+                  <a:tcPr marL="68580" marR="68580" marT="0" marB="0" anchor="ctr">
+                    <a:solidFill>
+                      <a:srgbClr val="002B62"/>
+                    </a:solidFill>
+                  </a:tcPr>
+                </a:tc>
+                <a:extLst>
+                  <a:ext uri="{0D108BD9-81ED-4DB2-BD59-A6C34878D82A}">
+                    <a16:rowId xmlns:a16="http://schemas.microsoft.com/office/drawing/2014/main" val="10000"/>
+                  </a:ext>
+                </a:extLst>
+              </a:tr>
+              <a:tr h="365208">
+                <a:tc>
+                  <a:txBody>
+                    <a:bodyPr/>
+                    <a:lstStyle/>
+                    <a:p>
+                      <a:pPr algn="l" latinLnBrk="1">
+                        <a:spcAft>
+                          <a:spcPts val="0"/>
+                        </a:spcAft>
+                      </a:pPr>
+                      <a:r>
+                        <a:rPr lang="en-US" sz="900" kern="100" dirty="0">
+                          <a:effectLst/>
+                        </a:rPr>
+                        <a:t>RHEL </a:t>
+                      </a:r>
+                      <a:r>
+                        <a:rPr lang="en-US" sz="900" kern="100" dirty="0" smtClean="0">
+                          <a:effectLst/>
+                        </a:rPr>
+                        <a:t>7, </a:t>
+                      </a:r>
+                      <a:r>
+                        <a:rPr lang="en-US" sz="900" kern="100" dirty="0">
+                          <a:effectLst/>
+                        </a:rPr>
+                        <a:t>CentOS </a:t>
+                      </a:r>
+                      <a:r>
+                        <a:rPr lang="en-US" sz="900" kern="100" dirty="0" smtClean="0">
+                          <a:effectLst/>
+                        </a:rPr>
+                        <a:t>7</a:t>
+                      </a:r>
+                      <a:r>
+                        <a:rPr lang="ja-JP" sz="900" kern="100" dirty="0" smtClean="0">
+                          <a:effectLst/>
+                        </a:rPr>
+                        <a:t>系</a:t>
+                      </a:r>
+                      <a:endParaRPr lang="ja-JP" sz="1050" kern="100" dirty="0">
+                        <a:effectLst/>
+                        <a:latin typeface="Century" panose="02040604050505020304" pitchFamily="18" charset="0"/>
+                        <a:ea typeface="ＭＳ 明朝" panose="02020609040205080304" pitchFamily="17" charset="-128"/>
+                        <a:cs typeface="Times New Roman" panose="02020603050405020304" pitchFamily="18" charset="0"/>
+                      </a:endParaRPr>
+                    </a:p>
+                  </a:txBody>
+                  <a:tcPr marL="68580" marR="68580" marT="0" marB="0" anchor="ctr">
+                    <a:solidFill>
+                      <a:srgbClr val="002B62"/>
+                    </a:solidFill>
+                  </a:tcPr>
+                </a:tc>
+                <a:tc>
+                  <a:txBody>
+                    <a:bodyPr/>
+                    <a:lstStyle/>
+                    <a:p>
+                      <a:pPr algn="l" latinLnBrk="1">
+                        <a:spcAft>
+                          <a:spcPts val="0"/>
+                        </a:spcAft>
+                      </a:pPr>
+                      <a:r>
+                        <a:rPr lang="en-US" sz="1000" kern="100" dirty="0">
+                          <a:effectLst/>
+                        </a:rPr>
+                        <a:t>/(</a:t>
+                      </a:r>
+                      <a:r>
+                        <a:rPr lang="ja-JP" sz="1000" kern="100" dirty="0">
+                          <a:effectLst/>
+                        </a:rPr>
+                        <a:t>インストール資材展開先</a:t>
+                      </a:r>
+                      <a:r>
+                        <a:rPr lang="en-US" sz="1000" kern="100" dirty="0" smtClean="0">
+                          <a:effectLst/>
+                        </a:rPr>
+                        <a:t>)/</a:t>
+                      </a:r>
+                      <a:r>
+                        <a:rPr lang="en-US" sz="1000" kern="100" dirty="0" err="1" smtClean="0">
+                          <a:effectLst/>
+                        </a:rPr>
+                        <a:t>ita_install_package</a:t>
+                      </a:r>
+                      <a:r>
+                        <a:rPr lang="en-US" sz="1000" kern="100" dirty="0" smtClean="0">
+                          <a:effectLst/>
+                        </a:rPr>
+                        <a:t>/ext_files_for_CentOS7.x/</a:t>
+                      </a:r>
+                      <a:r>
+                        <a:rPr lang="en-US" sz="1000" kern="100" dirty="0" err="1" smtClean="0">
+                          <a:effectLst/>
+                        </a:rPr>
+                        <a:t>etc_pki_tls_certs</a:t>
+                      </a:r>
+                      <a:r>
+                        <a:rPr lang="en-US" sz="1000" kern="100" dirty="0">
+                          <a:effectLst/>
+                        </a:rPr>
+                        <a:t>/</a:t>
+                      </a:r>
+                      <a:endParaRPr lang="ja-JP" sz="1100" kern="100" dirty="0">
+                        <a:effectLst/>
+                        <a:latin typeface="Century" panose="02040604050505020304" pitchFamily="18" charset="0"/>
+                        <a:ea typeface="ＭＳ 明朝" panose="02020609040205080304" pitchFamily="17" charset="-128"/>
+                        <a:cs typeface="Times New Roman" panose="02020603050405020304" pitchFamily="18" charset="0"/>
+                      </a:endParaRPr>
+                    </a:p>
+                  </a:txBody>
+                  <a:tcPr marL="68580" marR="68580" marT="0" marB="0">
+                    <a:solidFill>
+                      <a:srgbClr val="CBCDD3"/>
+                    </a:solidFill>
+                  </a:tcPr>
+                </a:tc>
+                <a:tc>
+                  <a:txBody>
+                    <a:bodyPr/>
+                    <a:lstStyle/>
+                    <a:p>
+                      <a:pPr algn="l">
+                        <a:spcAft>
+                          <a:spcPts val="0"/>
+                        </a:spcAft>
+                      </a:pPr>
+                      <a:r>
+                        <a:rPr lang="en-US" sz="1100" kern="100" dirty="0" smtClean="0">
+                          <a:effectLst/>
+                        </a:rPr>
+                        <a:t>exastro-it-automation.crt</a:t>
+                      </a:r>
+                      <a:endParaRPr lang="ja-JP" sz="1100" kern="100" dirty="0">
+                        <a:effectLst/>
+                        <a:latin typeface="Century" panose="02040604050505020304" pitchFamily="18" charset="0"/>
+                        <a:ea typeface="ＭＳ 明朝" panose="02020609040205080304" pitchFamily="17" charset="-128"/>
+                        <a:cs typeface="Times New Roman" panose="02020603050405020304" pitchFamily="18" charset="0"/>
+                      </a:endParaRPr>
+                    </a:p>
+                  </a:txBody>
+                  <a:tcPr marL="68580" marR="68580" marT="0" marB="0">
+                    <a:solidFill>
+                      <a:srgbClr val="CBCDD3"/>
+                    </a:solidFill>
+                  </a:tcPr>
+                </a:tc>
+                <a:extLst>
+                  <a:ext uri="{0D108BD9-81ED-4DB2-BD59-A6C34878D82A}">
+                    <a16:rowId xmlns:a16="http://schemas.microsoft.com/office/drawing/2014/main" val="10001"/>
+                  </a:ext>
+                </a:extLst>
+              </a:tr>
+              <a:tr h="365208">
+                <a:tc>
+                  <a:txBody>
+                    <a:bodyPr/>
+                    <a:lstStyle/>
+                    <a:p>
+                      <a:pPr algn="l" latinLnBrk="1">
+                        <a:spcAft>
+                          <a:spcPts val="0"/>
+                        </a:spcAft>
+                      </a:pPr>
+                      <a:r>
+                        <a:rPr lang="en-US" sz="900" kern="100" dirty="0">
+                          <a:effectLst/>
+                        </a:rPr>
+                        <a:t>RHEL </a:t>
+                      </a:r>
+                      <a:r>
+                        <a:rPr lang="en-US" sz="900" kern="100" dirty="0" smtClean="0">
+                          <a:effectLst/>
+                        </a:rPr>
+                        <a:t>8, </a:t>
+                      </a:r>
+                      <a:r>
+                        <a:rPr lang="en-US" sz="900" kern="100" dirty="0">
+                          <a:effectLst/>
+                        </a:rPr>
+                        <a:t>CentOS </a:t>
+                      </a:r>
+                      <a:r>
+                        <a:rPr lang="en-US" sz="900" kern="100" dirty="0" smtClean="0">
+                          <a:effectLst/>
+                        </a:rPr>
+                        <a:t>8</a:t>
+                      </a:r>
+                      <a:r>
+                        <a:rPr lang="ja-JP" sz="900" kern="100" dirty="0" smtClean="0">
+                          <a:effectLst/>
+                        </a:rPr>
+                        <a:t>系</a:t>
+                      </a:r>
+                      <a:endParaRPr lang="ja-JP" sz="1050" kern="100" dirty="0">
+                        <a:effectLst/>
+                        <a:latin typeface="Century" panose="02040604050505020304" pitchFamily="18" charset="0"/>
+                        <a:ea typeface="ＭＳ 明朝" panose="02020609040205080304" pitchFamily="17" charset="-128"/>
+                        <a:cs typeface="Times New Roman" panose="02020603050405020304" pitchFamily="18" charset="0"/>
+                      </a:endParaRPr>
+                    </a:p>
+                  </a:txBody>
+                  <a:tcPr marL="68580" marR="68580" marT="0" marB="0" anchor="ctr">
+                    <a:solidFill>
+                      <a:srgbClr val="002B62"/>
+                    </a:solidFill>
+                  </a:tcPr>
+                </a:tc>
+                <a:tc>
+                  <a:txBody>
+                    <a:bodyPr/>
+                    <a:lstStyle/>
+                    <a:p>
+                      <a:pPr algn="l" latinLnBrk="1">
+                        <a:spcAft>
+                          <a:spcPts val="0"/>
+                        </a:spcAft>
+                      </a:pPr>
+                      <a:r>
+                        <a:rPr lang="en-US" sz="1000" kern="100" dirty="0">
+                          <a:effectLst/>
+                        </a:rPr>
+                        <a:t>/(</a:t>
+                      </a:r>
+                      <a:r>
+                        <a:rPr lang="ja-JP" sz="1000" kern="100" dirty="0">
+                          <a:effectLst/>
+                        </a:rPr>
+                        <a:t>インストール資材展開先</a:t>
+                      </a:r>
+                      <a:r>
+                        <a:rPr lang="en-US" sz="1000" kern="100" dirty="0" smtClean="0">
+                          <a:effectLst/>
+                        </a:rPr>
+                        <a:t>)/</a:t>
+                      </a:r>
+                      <a:r>
+                        <a:rPr lang="en-US" sz="1000" kern="100" dirty="0" err="1" smtClean="0">
+                          <a:effectLst/>
+                        </a:rPr>
+                        <a:t>ita_install_package</a:t>
+                      </a:r>
+                      <a:r>
+                        <a:rPr lang="en-US" sz="1000" kern="100" dirty="0" smtClean="0">
+                          <a:effectLst/>
+                        </a:rPr>
+                        <a:t>/ext_files_for_CentOS8.x/</a:t>
+                      </a:r>
+                      <a:r>
+                        <a:rPr lang="en-US" sz="1000" kern="100" dirty="0" err="1" smtClean="0">
+                          <a:effectLst/>
+                        </a:rPr>
+                        <a:t>etc_pki_tls_certs</a:t>
+                      </a:r>
+                      <a:r>
+                        <a:rPr lang="en-US" sz="1000" kern="100" dirty="0">
+                          <a:effectLst/>
+                        </a:rPr>
+                        <a:t>/</a:t>
+                      </a:r>
+                      <a:endParaRPr lang="ja-JP" sz="1100" kern="100" dirty="0">
+                        <a:effectLst/>
+                        <a:latin typeface="Century" panose="02040604050505020304" pitchFamily="18" charset="0"/>
+                        <a:ea typeface="ＭＳ 明朝" panose="02020609040205080304" pitchFamily="17" charset="-128"/>
+                        <a:cs typeface="Times New Roman" panose="02020603050405020304" pitchFamily="18" charset="0"/>
+                      </a:endParaRPr>
+                    </a:p>
+                  </a:txBody>
+                  <a:tcPr marL="68580" marR="68580" marT="0" marB="0">
+                    <a:solidFill>
+                      <a:srgbClr val="E7E8EA"/>
+                    </a:solidFill>
+                  </a:tcPr>
+                </a:tc>
+                <a:tc>
+                  <a:txBody>
+                    <a:bodyPr/>
+                    <a:lstStyle/>
+                    <a:p>
+                      <a:pPr algn="l">
+                        <a:spcAft>
+                          <a:spcPts val="0"/>
+                        </a:spcAft>
+                      </a:pPr>
+                      <a:r>
+                        <a:rPr lang="en-US" sz="1100" kern="100" dirty="0" smtClean="0">
+                          <a:effectLst/>
+                        </a:rPr>
+                        <a:t>exastro-it-automation.crt</a:t>
+                      </a:r>
+                      <a:endParaRPr lang="ja-JP" sz="1100" kern="100" dirty="0">
+                        <a:effectLst/>
+                        <a:latin typeface="Century" panose="02040604050505020304" pitchFamily="18" charset="0"/>
+                        <a:ea typeface="ＭＳ 明朝" panose="02020609040205080304" pitchFamily="17" charset="-128"/>
+                        <a:cs typeface="Times New Roman" panose="02020603050405020304" pitchFamily="18" charset="0"/>
+                      </a:endParaRPr>
+                    </a:p>
+                  </a:txBody>
+                  <a:tcPr marL="68580" marR="68580" marT="0" marB="0">
+                    <a:solidFill>
+                      <a:srgbClr val="E7E8EA"/>
+                    </a:solidFill>
+                  </a:tcPr>
+                </a:tc>
+                <a:extLst>
+                  <a:ext uri="{0D108BD9-81ED-4DB2-BD59-A6C34878D82A}">
+                    <a16:rowId xmlns:a16="http://schemas.microsoft.com/office/drawing/2014/main" val="10002"/>
+                  </a:ext>
+                </a:extLst>
+              </a:tr>
+            </a:tbl>
+          </a:graphicData>
+        </a:graphic>
+      </p:graphicFrame>
+    </p:spTree>
+    <p:extLst>
+      <p:ext uri="{BB962C8B-B14F-4D97-AF65-F5344CB8AC3E}">
+        <p14:creationId xmlns:p14="http://schemas.microsoft.com/office/powerpoint/2010/main" val="2206087911"/>
+      </p:ext>
+    </p:extLst>
+  </p:cSld>
+  <p:clrMapOvr>
+    <a:masterClrMapping/>
+  </p:clrMapOvr>
+  <p:timing>
+    <p:tnLst>
+      <p:par>
+        <p:cTn id="1" dur="indefinite" restart="never" nodeType="tmRoot"/>
+      </p:par>
+    </p:tnLst>
+  </p:timing>
+</p:sld>
+</file>
+
 <file path=ppt/slides/slide26.xml><?xml version="1.0" encoding="utf-8"?>
+<p:sld xmlns:a="http://schemas.openxmlformats.org/drawingml/2006/main" xmlns:r="http://schemas.openxmlformats.org/officeDocument/2006/relationships" xmlns:p="http://schemas.openxmlformats.org/presentationml/2006/main">
+  <p:cSld>
+    <p:spTree>
+      <p:nvGrpSpPr>
+        <p:cNvPr id="1" name=""/>
+        <p:cNvGrpSpPr/>
+        <p:nvPr/>
+      </p:nvGrpSpPr>
+      <p:grpSpPr>
+        <a:xfrm>
+          <a:off x="0" y="0"/>
+          <a:ext cx="0" cy="0"/>
+          <a:chOff x="0" y="0"/>
+          <a:chExt cx="0" cy="0"/>
+        </a:xfrm>
+      </p:grpSpPr>
+      <p:sp>
+        <p:nvSpPr>
+          <p:cNvPr id="2" name="タイトル 1"/>
+          <p:cNvSpPr>
+            <a:spLocks noGrp="1"/>
+          </p:cNvSpPr>
+          <p:nvPr>
+            <p:ph type="title"/>
+          </p:nvPr>
+        </p:nvSpPr>
+        <p:spPr/>
+        <p:txBody>
+          <a:bodyPr/>
+          <a:lstStyle/>
+          <a:p>
+            <a:r>
+              <a:rPr lang="en-US" altLang="ja-JP" dirty="0" smtClean="0"/>
+              <a:t>4.6</a:t>
+            </a:r>
+            <a:r>
+              <a:rPr lang="ja-JP" altLang="en-US" dirty="0"/>
+              <a:t>　動作確認</a:t>
+            </a:r>
+            <a:r>
+              <a:rPr lang="ja-JP" altLang="en-US" dirty="0" smtClean="0"/>
+              <a:t>（</a:t>
+            </a:r>
+            <a:r>
+              <a:rPr lang="en-US" altLang="ja-JP" dirty="0" smtClean="0"/>
+              <a:t>6/6</a:t>
+            </a:r>
+            <a:r>
+              <a:rPr lang="ja-JP" altLang="en-US" dirty="0" smtClean="0"/>
+              <a:t>）</a:t>
+            </a:r>
+            <a:endParaRPr kumimoji="1" lang="ja-JP" altLang="en-US" dirty="0"/>
+          </a:p>
+        </p:txBody>
+      </p:sp>
+      <p:sp>
+        <p:nvSpPr>
+          <p:cNvPr id="3" name="コンテンツ プレースホルダー 2"/>
+          <p:cNvSpPr>
+            <a:spLocks noGrp="1"/>
+          </p:cNvSpPr>
+          <p:nvPr>
+            <p:ph sz="quarter" idx="10"/>
+          </p:nvPr>
+        </p:nvSpPr>
+        <p:spPr/>
+        <p:txBody>
+          <a:bodyPr>
+            <a:normAutofit/>
+          </a:bodyPr>
+          <a:lstStyle/>
+          <a:p>
+            <a:pPr lvl="0"/>
+            <a:r>
+              <a:rPr lang="en-US" altLang="ja-JP" dirty="0" smtClean="0"/>
+              <a:t>HTTPS</a:t>
+            </a:r>
+            <a:r>
+              <a:rPr lang="ja-JP" altLang="en-US" dirty="0" err="1" smtClean="0"/>
+              <a:t>での</a:t>
+            </a:r>
+            <a:r>
+              <a:rPr lang="en-US" altLang="ja-JP" dirty="0" smtClean="0"/>
+              <a:t>URL</a:t>
+            </a:r>
+            <a:r>
+              <a:rPr lang="ja-JP" altLang="en-US" dirty="0" smtClean="0"/>
+              <a:t>接続</a:t>
+            </a:r>
+            <a:endParaRPr lang="en-US" altLang="ja-JP" dirty="0" smtClean="0"/>
+          </a:p>
+          <a:p>
+            <a:pPr lvl="1"/>
+            <a:r>
+              <a:rPr lang="ja-JP" altLang="en-US" dirty="0" smtClean="0"/>
+              <a:t>以下の</a:t>
+            </a:r>
+            <a:r>
+              <a:rPr lang="en-US" altLang="ja-JP" dirty="0" smtClean="0"/>
+              <a:t>URL</a:t>
+            </a:r>
+            <a:r>
+              <a:rPr lang="ja-JP" altLang="en-US" dirty="0" smtClean="0"/>
+              <a:t>よ</a:t>
+            </a:r>
+            <a:r>
+              <a:rPr lang="ja-JP" altLang="en-US" dirty="0"/>
+              <a:t>り</a:t>
+            </a:r>
+            <a:r>
+              <a:rPr lang="ja-JP" altLang="en-US" dirty="0" smtClean="0"/>
+              <a:t>、ログイン画面にアクセスしてください。</a:t>
+            </a:r>
+            <a:endParaRPr lang="en-US" altLang="ja-JP" dirty="0" smtClean="0"/>
+          </a:p>
+          <a:p>
+            <a:pPr lvl="1"/>
+            <a:r>
+              <a:rPr lang="en-US" altLang="ja-JP" dirty="0" smtClean="0"/>
+              <a:t>URL</a:t>
+            </a:r>
+            <a:r>
+              <a:rPr lang="ja-JP" altLang="ja-JP" dirty="0"/>
+              <a:t>：</a:t>
+            </a:r>
+            <a:r>
+              <a:rPr lang="en-US" altLang="ja-JP" b="1" u="sng" dirty="0" smtClean="0">
+                <a:solidFill>
+                  <a:srgbClr val="FF0000"/>
+                </a:solidFill>
+              </a:rPr>
+              <a:t>https://exastro-it-automation</a:t>
+            </a:r>
+          </a:p>
+          <a:p>
+            <a:pPr marL="180000" lvl="1" indent="0">
+              <a:buNone/>
+            </a:pPr>
+            <a:endParaRPr lang="en-US" altLang="ja-JP" b="1" u="sng" dirty="0" smtClean="0">
+              <a:solidFill>
+                <a:srgbClr val="FF0000"/>
+              </a:solidFill>
+            </a:endParaRPr>
+          </a:p>
+          <a:p>
+            <a:pPr marL="180000" lvl="1" indent="0">
+              <a:buNone/>
+            </a:pPr>
+            <a:r>
+              <a:rPr lang="ja-JP" altLang="en-US" dirty="0" smtClean="0"/>
+              <a:t>接続</a:t>
+            </a:r>
+            <a:r>
+              <a:rPr lang="ja-JP" altLang="en-US" dirty="0"/>
+              <a:t>後</a:t>
+            </a:r>
+            <a:r>
+              <a:rPr lang="ja-JP" altLang="en-US" dirty="0" smtClean="0"/>
+              <a:t>は</a:t>
+            </a:r>
+            <a:r>
+              <a:rPr lang="en-US" altLang="ja-JP" dirty="0" smtClean="0"/>
+              <a:t>HTTP</a:t>
+            </a:r>
+            <a:r>
+              <a:rPr lang="ja-JP" altLang="en-US" dirty="0" smtClean="0"/>
+              <a:t>の場合と同様となります。</a:t>
+            </a:r>
+            <a:endParaRPr lang="en-US" altLang="ja-JP" dirty="0" smtClean="0"/>
+          </a:p>
+          <a:p>
+            <a:pPr marL="180000" lvl="1" indent="0">
+              <a:buNone/>
+            </a:pPr>
+            <a:endParaRPr lang="en-US" altLang="ja-JP" dirty="0" smtClean="0"/>
+          </a:p>
+        </p:txBody>
+      </p:sp>
+    </p:spTree>
+    <p:extLst>
+      <p:ext uri="{BB962C8B-B14F-4D97-AF65-F5344CB8AC3E}">
+        <p14:creationId xmlns:p14="http://schemas.microsoft.com/office/powerpoint/2010/main" val="1131133384"/>
+      </p:ext>
+    </p:extLst>
+  </p:cSld>
+  <p:clrMapOvr>
+    <a:masterClrMapping/>
+  </p:clrMapOvr>
+  <p:timing>
+    <p:tnLst>
+      <p:par>
+        <p:cTn id="1" dur="indefinite" restart="never" nodeType="tmRoot"/>
+      </p:par>
+    </p:tnLst>
+  </p:timing>
+</p:sld>
+</file>
+
+<file path=ppt/slides/slide27.xml><?xml version="1.0" encoding="utf-8"?>
+<p:sld xmlns:a="http://schemas.openxmlformats.org/drawingml/2006/main" xmlns:r="http://schemas.openxmlformats.org/officeDocument/2006/relationships" xmlns:p="http://schemas.openxmlformats.org/presentationml/2006/main">
+  <p:cSld>
+    <p:spTree>
+      <p:nvGrpSpPr>
+        <p:cNvPr id="1" name=""/>
+        <p:cNvGrpSpPr/>
+        <p:nvPr/>
+      </p:nvGrpSpPr>
+      <p:grpSpPr>
+        <a:xfrm>
+          <a:off x="0" y="0"/>
+          <a:ext cx="0" cy="0"/>
+          <a:chOff x="0" y="0"/>
+          <a:chExt cx="0" cy="0"/>
+        </a:xfrm>
+      </p:grpSpPr>
+      <p:sp>
+        <p:nvSpPr>
+          <p:cNvPr id="2" name="タイトル 1"/>
+          <p:cNvSpPr>
+            <a:spLocks noGrp="1"/>
+          </p:cNvSpPr>
+          <p:nvPr>
+            <p:ph type="title"/>
+          </p:nvPr>
+        </p:nvSpPr>
+        <p:spPr/>
+        <p:txBody>
+          <a:bodyPr/>
+          <a:lstStyle/>
+          <a:p>
+            <a:r>
+              <a:rPr lang="en-US" altLang="ja-JP" dirty="0" smtClean="0"/>
+              <a:t>4.7</a:t>
+            </a:r>
+            <a:r>
+              <a:rPr lang="ja-JP" altLang="en-US" dirty="0"/>
+              <a:t>　参考</a:t>
+            </a:r>
+            <a:endParaRPr kumimoji="1" lang="ja-JP" altLang="en-US" dirty="0"/>
+          </a:p>
+        </p:txBody>
+      </p:sp>
+      <p:sp>
+        <p:nvSpPr>
+          <p:cNvPr id="3" name="コンテンツ プレースホルダー 2"/>
+          <p:cNvSpPr>
+            <a:spLocks noGrp="1"/>
+          </p:cNvSpPr>
+          <p:nvPr>
+            <p:ph sz="quarter" idx="10"/>
+          </p:nvPr>
+        </p:nvSpPr>
+        <p:spPr/>
+        <p:txBody>
+          <a:bodyPr>
+            <a:normAutofit/>
+          </a:bodyPr>
+          <a:lstStyle/>
+          <a:p>
+            <a:pPr lvl="0"/>
+            <a:r>
+              <a:rPr lang="en-US" altLang="ja-JP" dirty="0" smtClean="0"/>
+              <a:t>HTTP</a:t>
+            </a:r>
+            <a:r>
+              <a:rPr lang="ja-JP" altLang="en-US" dirty="0" smtClean="0"/>
+              <a:t>または</a:t>
+            </a:r>
+            <a:r>
+              <a:rPr lang="en-US" altLang="ja-JP" dirty="0" smtClean="0"/>
+              <a:t>HTTPS</a:t>
+            </a:r>
+            <a:r>
+              <a:rPr lang="ja-JP" altLang="en-US" dirty="0" smtClean="0"/>
+              <a:t>アクセスの制限</a:t>
+            </a:r>
+            <a:endParaRPr lang="en-US" altLang="ja-JP" dirty="0"/>
+          </a:p>
+          <a:p>
+            <a:pPr marL="180000" lvl="1" indent="0">
+              <a:buNone/>
+            </a:pPr>
+            <a:r>
+              <a:rPr lang="en-US" altLang="ja-JP" dirty="0" smtClean="0"/>
+              <a:t>HTTP</a:t>
+            </a:r>
+            <a:r>
+              <a:rPr lang="ja-JP" altLang="en-US" dirty="0" smtClean="0"/>
+              <a:t>または</a:t>
+            </a:r>
+            <a:r>
+              <a:rPr lang="en-US" altLang="ja-JP" dirty="0" smtClean="0"/>
+              <a:t>HTTPS</a:t>
+            </a:r>
+            <a:r>
+              <a:rPr lang="ja-JP" altLang="en-US" dirty="0" smtClean="0"/>
+              <a:t>アクセスを制限する</a:t>
+            </a:r>
+            <a:r>
+              <a:rPr lang="ja-JP" altLang="en-US" dirty="0"/>
+              <a:t>場合は、</a:t>
+            </a:r>
+            <a:r>
+              <a:rPr lang="ja-JP" altLang="ja-JP" dirty="0"/>
+              <a:t>以下の</a:t>
+            </a:r>
+            <a:r>
+              <a:rPr lang="ja-JP" altLang="en-US" dirty="0"/>
+              <a:t>手順を実施してください</a:t>
+            </a:r>
+            <a:r>
+              <a:rPr lang="ja-JP" altLang="en-US" dirty="0" smtClean="0"/>
+              <a:t>。</a:t>
+            </a:r>
+            <a:endParaRPr lang="en-US" altLang="ja-JP" dirty="0" smtClean="0"/>
+          </a:p>
+          <a:p>
+            <a:pPr marL="180000" lvl="1" indent="0">
+              <a:buNone/>
+            </a:pPr>
+            <a:endParaRPr lang="en-US" altLang="ja-JP" dirty="0"/>
+          </a:p>
+          <a:p>
+            <a:pPr lvl="1"/>
+            <a:r>
+              <a:rPr lang="ja-JP" altLang="en-US" dirty="0" smtClean="0"/>
+              <a:t>ファイル「</a:t>
+            </a:r>
+            <a:r>
+              <a:rPr lang="en-US" altLang="ja-JP" dirty="0" smtClean="0"/>
+              <a:t>/</a:t>
+            </a:r>
+            <a:r>
+              <a:rPr lang="en-US" altLang="ja-JP" dirty="0" err="1" smtClean="0"/>
+              <a:t>etc</a:t>
+            </a:r>
+            <a:r>
+              <a:rPr lang="en-US" altLang="ja-JP" dirty="0" smtClean="0"/>
+              <a:t>/</a:t>
+            </a:r>
+            <a:r>
+              <a:rPr lang="en-US" altLang="ja-JP" dirty="0" err="1" smtClean="0"/>
+              <a:t>httpd</a:t>
+            </a:r>
+            <a:r>
+              <a:rPr lang="en-US" altLang="ja-JP" dirty="0" smtClean="0"/>
+              <a:t>/</a:t>
+            </a:r>
+            <a:r>
+              <a:rPr lang="en-US" altLang="ja-JP" dirty="0" err="1" smtClean="0"/>
+              <a:t>conf.d</a:t>
+            </a:r>
+            <a:r>
+              <a:rPr lang="en-US" altLang="ja-JP" dirty="0" smtClean="0"/>
+              <a:t>/</a:t>
+            </a:r>
+            <a:r>
+              <a:rPr lang="en-US" altLang="ja-JP" dirty="0" err="1" smtClean="0"/>
+              <a:t>vhosts_exastro</a:t>
+            </a:r>
+            <a:r>
+              <a:rPr lang="en-US" altLang="ja-JP" dirty="0" smtClean="0"/>
+              <a:t>-it-</a:t>
+            </a:r>
+            <a:r>
+              <a:rPr lang="en-US" altLang="ja-JP" dirty="0" err="1" smtClean="0"/>
+              <a:t>automation.conf</a:t>
+            </a:r>
+            <a:r>
+              <a:rPr lang="ja-JP" altLang="en-US" dirty="0" smtClean="0"/>
+              <a:t>」を編集する。</a:t>
+            </a:r>
+            <a:r>
+              <a:rPr lang="en-US" altLang="ja-JP" dirty="0" smtClean="0"/>
+              <a:t/>
+            </a:r>
+            <a:br>
+              <a:rPr lang="en-US" altLang="ja-JP" dirty="0" smtClean="0"/>
+            </a:br>
+            <a:r>
+              <a:rPr lang="en-US" altLang="ja-JP" dirty="0" smtClean="0"/>
+              <a:t>HTTP</a:t>
+            </a:r>
+            <a:r>
+              <a:rPr lang="ja-JP" altLang="en-US" dirty="0" smtClean="0"/>
+              <a:t>を制限する場合は、「</a:t>
+            </a:r>
+            <a:r>
+              <a:rPr lang="en-US" altLang="ja-JP" dirty="0" smtClean="0"/>
+              <a:t>&lt;</a:t>
+            </a:r>
+            <a:r>
+              <a:rPr lang="en-US" altLang="ja-JP" dirty="0" err="1" smtClean="0"/>
+              <a:t>VirtualHost</a:t>
+            </a:r>
+            <a:r>
+              <a:rPr lang="en-US" altLang="ja-JP" dirty="0" smtClean="0"/>
+              <a:t> *:80 &gt;</a:t>
+            </a:r>
+            <a:r>
+              <a:rPr lang="ja-JP" altLang="en-US" dirty="0" smtClean="0"/>
+              <a:t>」から「</a:t>
+            </a:r>
+            <a:r>
+              <a:rPr lang="en-US" altLang="ja-JP" dirty="0" smtClean="0"/>
+              <a:t>&lt;/</a:t>
+            </a:r>
+            <a:r>
+              <a:rPr lang="en-US" altLang="ja-JP" dirty="0" err="1" smtClean="0"/>
+              <a:t>VirtualHost</a:t>
+            </a:r>
+            <a:r>
+              <a:rPr lang="en-US" altLang="ja-JP" dirty="0" smtClean="0"/>
+              <a:t>&gt;</a:t>
+            </a:r>
+            <a:r>
+              <a:rPr lang="ja-JP" altLang="en-US" dirty="0" smtClean="0"/>
+              <a:t>」をコメントアウト</a:t>
+            </a:r>
+            <a:r>
+              <a:rPr lang="en-US" altLang="ja-JP" dirty="0" smtClean="0"/>
+              <a:t>(#)</a:t>
+            </a:r>
+            <a:r>
+              <a:rPr lang="ja-JP" altLang="en-US" dirty="0" smtClean="0"/>
+              <a:t>をする。</a:t>
+            </a:r>
+            <a:r>
+              <a:rPr lang="en-US" altLang="ja-JP" dirty="0" smtClean="0"/>
+              <a:t/>
+            </a:r>
+            <a:br>
+              <a:rPr lang="en-US" altLang="ja-JP" dirty="0" smtClean="0"/>
+            </a:br>
+            <a:r>
+              <a:rPr lang="en-US" altLang="ja-JP" dirty="0" smtClean="0"/>
+              <a:t>HTTPS</a:t>
+            </a:r>
+            <a:r>
+              <a:rPr lang="ja-JP" altLang="en-US" dirty="0" smtClean="0"/>
+              <a:t>を制限する場合は、「</a:t>
+            </a:r>
+            <a:r>
+              <a:rPr lang="en-US" altLang="ja-JP" dirty="0" smtClean="0"/>
+              <a:t>&lt;</a:t>
+            </a:r>
+            <a:r>
+              <a:rPr lang="en-US" altLang="ja-JP" dirty="0" err="1" smtClean="0"/>
+              <a:t>VirtualHost</a:t>
+            </a:r>
+            <a:r>
+              <a:rPr lang="en-US" altLang="ja-JP" dirty="0" smtClean="0"/>
+              <a:t> *:443 &gt;</a:t>
+            </a:r>
+            <a:r>
+              <a:rPr lang="ja-JP" altLang="en-US" dirty="0" smtClean="0"/>
+              <a:t>」から「</a:t>
+            </a:r>
+            <a:r>
+              <a:rPr lang="en-US" altLang="ja-JP" dirty="0" smtClean="0"/>
+              <a:t>&lt;/</a:t>
+            </a:r>
+            <a:r>
+              <a:rPr lang="en-US" altLang="ja-JP" dirty="0" err="1" smtClean="0"/>
+              <a:t>VirtualHost</a:t>
+            </a:r>
+            <a:r>
+              <a:rPr lang="en-US" altLang="ja-JP" dirty="0" smtClean="0"/>
+              <a:t>&gt;</a:t>
+            </a:r>
+            <a:r>
+              <a:rPr lang="ja-JP" altLang="en-US" dirty="0" smtClean="0"/>
+              <a:t>」をコメントアウト</a:t>
+            </a:r>
+            <a:r>
+              <a:rPr lang="en-US" altLang="ja-JP" dirty="0" smtClean="0"/>
+              <a:t>(#)</a:t>
+            </a:r>
+            <a:r>
+              <a:rPr lang="ja-JP" altLang="en-US" dirty="0" smtClean="0"/>
+              <a:t>をする。</a:t>
+            </a:r>
+            <a:endParaRPr lang="en-US" altLang="ja-JP" dirty="0" smtClean="0"/>
+          </a:p>
+          <a:p>
+            <a:pPr marL="180000" lvl="1" indent="0">
+              <a:buNone/>
+            </a:pPr>
+            <a:endParaRPr lang="en-US" altLang="ja-JP" dirty="0" smtClean="0"/>
+          </a:p>
+          <a:p>
+            <a:pPr lvl="1"/>
+            <a:r>
+              <a:rPr lang="ja-JP" altLang="en-US" dirty="0" smtClean="0"/>
+              <a:t>以下のコマンドにより</a:t>
+            </a:r>
+            <a:r>
+              <a:rPr lang="en-US" altLang="ja-JP" dirty="0" smtClean="0"/>
+              <a:t>Apache</a:t>
+            </a:r>
+            <a:r>
+              <a:rPr lang="ja-JP" altLang="en-US" dirty="0" smtClean="0"/>
+              <a:t>を再起動する。</a:t>
+            </a:r>
+            <a:r>
+              <a:rPr lang="en-US" altLang="ja-JP" dirty="0" smtClean="0"/>
+              <a:t/>
+            </a:r>
+            <a:br>
+              <a:rPr lang="en-US" altLang="ja-JP" dirty="0" smtClean="0"/>
+            </a:br>
+            <a:r>
+              <a:rPr lang="en-US" altLang="ja-JP" dirty="0" err="1" smtClean="0"/>
+              <a:t>systemctl</a:t>
+            </a:r>
+            <a:r>
+              <a:rPr lang="en-US" altLang="ja-JP" dirty="0" smtClean="0"/>
+              <a:t> restart </a:t>
+            </a:r>
+            <a:r>
+              <a:rPr lang="en-US" altLang="ja-JP" dirty="0" err="1" smtClean="0"/>
+              <a:t>httpd</a:t>
+            </a:r>
+            <a:endParaRPr lang="en-US" altLang="ja-JP" dirty="0" smtClean="0"/>
+          </a:p>
+        </p:txBody>
+      </p:sp>
+    </p:spTree>
+    <p:extLst>
+      <p:ext uri="{BB962C8B-B14F-4D97-AF65-F5344CB8AC3E}">
+        <p14:creationId xmlns:p14="http://schemas.microsoft.com/office/powerpoint/2010/main" val="1230234165"/>
+      </p:ext>
+    </p:extLst>
+  </p:cSld>
+  <p:clrMapOvr>
+    <a:masterClrMapping/>
+  </p:clrMapOvr>
+  <p:timing>
+    <p:tnLst>
+      <p:par>
+        <p:cTn id="1" dur="indefinite" restart="never" nodeType="tmRoot"/>
+      </p:par>
+    </p:tnLst>
+  </p:timing>
+</p:sld>
+</file>
+
+<file path=ppt/slides/slide28.xml><?xml version="1.0" encoding="utf-8"?>
 <p:sld xmlns:a="http://schemas.openxmlformats.org/drawingml/2006/main" xmlns:r="http://schemas.openxmlformats.org/officeDocument/2006/relationships" xmlns:p="http://schemas.openxmlformats.org/presentationml/2006/main">
   <p:cSld>
     <p:spTree>
@@ -28445,12 +29080,8 @@
               <a:t>「</a:t>
             </a:r>
             <a:r>
-              <a:rPr lang="en-US" altLang="ja-JP" dirty="0" err="1" smtClean="0"/>
-              <a:t>Exastro</a:t>
-            </a:r>
-            <a:r>
               <a:rPr lang="en-US" altLang="ja-JP" dirty="0" smtClean="0"/>
-              <a:t>-ITA</a:t>
+              <a:t>Exastro-ITA</a:t>
             </a:r>
             <a:r>
               <a:rPr lang="en-US" altLang="ja-JP" dirty="0"/>

--- a/asset/Learn_ja/ITA-online-install_ja.pptx
+++ b/asset/Learn_ja/ITA-online-install_ja.pptx
@@ -20368,7 +20368,7 @@
           <p:nvPr>
             <p:extLst>
               <p:ext uri="{D42A27DB-BD31-4B8C-83A1-F6EECF244321}">
-                <p14:modId xmlns:p14="http://schemas.microsoft.com/office/powerpoint/2010/main" val="1502930282"/>
+                <p14:modId xmlns:p14="http://schemas.microsoft.com/office/powerpoint/2010/main" val="3433575508"/>
               </p:ext>
             </p:extLst>
           </p:nvPr>
@@ -20577,68 +20577,56 @@
                       <a:r>
                         <a:rPr lang="en-US" sz="1050" kern="100" dirty="0" smtClean="0">
                           <a:effectLst/>
+                          <a:latin typeface="Segoe UI" panose="020B0502040204020203" pitchFamily="34" charset="0"/>
+                          <a:ea typeface="Segoe UI" panose="020B0502040204020203" pitchFamily="34" charset="0"/>
+                          <a:cs typeface="Segoe UI" panose="020B0502040204020203" pitchFamily="34" charset="0"/>
                         </a:rPr>
                         <a:t>yum-</a:t>
                       </a:r>
                       <a:r>
                         <a:rPr lang="en-US" sz="1050" kern="100" dirty="0" err="1" smtClean="0">
                           <a:effectLst/>
+                          <a:latin typeface="Segoe UI" panose="020B0502040204020203" pitchFamily="34" charset="0"/>
+                          <a:ea typeface="Segoe UI" panose="020B0502040204020203" pitchFamily="34" charset="0"/>
+                          <a:cs typeface="Segoe UI" panose="020B0502040204020203" pitchFamily="34" charset="0"/>
                         </a:rPr>
                         <a:t>utils</a:t>
                       </a:r>
                       <a:r>
+                        <a:rPr lang="en-US" altLang="ja-JP" sz="1050" kern="100" dirty="0" smtClean="0">
+                          <a:effectLst/>
+                        </a:rPr>
+                        <a:t>(*),</a:t>
+                      </a:r>
+                      <a:r>
+                        <a:rPr lang="en-US" altLang="ja-JP" sz="1050" kern="100" baseline="0" dirty="0" smtClean="0">
+                          <a:effectLst/>
+                        </a:rPr>
+                        <a:t> </a:t>
+                      </a:r>
+                      <a:r>
+                        <a:rPr lang="en-US" sz="1050" kern="100" dirty="0" err="1" smtClean="0">
+                          <a:effectLst/>
+                          <a:latin typeface="Segoe UI" panose="020B0502040204020203" pitchFamily="34" charset="0"/>
+                          <a:ea typeface="Segoe UI" panose="020B0502040204020203" pitchFamily="34" charset="0"/>
+                          <a:cs typeface="Segoe UI" panose="020B0502040204020203" pitchFamily="34" charset="0"/>
+                        </a:rPr>
+                        <a:t>createrepo</a:t>
+                      </a:r>
+                      <a:r>
                         <a:rPr lang="en-US" sz="1050" kern="100" dirty="0" smtClean="0">
                           <a:effectLst/>
-                        </a:rPr>
-                        <a:t>(</a:t>
-                      </a:r>
-                      <a:r>
-                        <a:rPr lang="en-US" altLang="ja-JP" sz="1050" kern="100" dirty="0" smtClean="0">
-                          <a:effectLst/>
-                        </a:rPr>
-                        <a:t>※</a:t>
-                      </a:r>
-                      <a:r>
-                        <a:rPr lang="en-US" sz="1050" kern="100" dirty="0" smtClean="0">
-                          <a:effectLst/>
-                        </a:rPr>
-                        <a:t>)</a:t>
-                      </a:r>
-                      <a:r>
-                        <a:rPr lang="ja-JP" sz="1050" kern="100" dirty="0" err="1" smtClean="0">
-                          <a:effectLst/>
-                        </a:rPr>
-                        <a:t>、</a:t>
-                      </a:r>
-                      <a:r>
-                        <a:rPr lang="en-US" sz="1050" kern="100" dirty="0" err="1" smtClean="0">
-                          <a:effectLst/>
-                        </a:rPr>
-                        <a:t>createrepo</a:t>
-                      </a:r>
-                      <a:r>
-                        <a:rPr lang="en-US" sz="1050" kern="100" dirty="0" smtClean="0">
-                          <a:effectLst/>
-                        </a:rPr>
-                        <a:t>(</a:t>
-                      </a:r>
-                      <a:r>
-                        <a:rPr lang="en-US" altLang="ja-JP" sz="1050" kern="100" dirty="0" smtClean="0">
-                          <a:effectLst/>
-                        </a:rPr>
-                        <a:t>※</a:t>
-                      </a:r>
-                      <a:r>
-                        <a:rPr lang="en-US" sz="1050" kern="100" dirty="0" smtClean="0">
-                          <a:effectLst/>
-                        </a:rPr>
-                        <a:t>)</a:t>
+                          <a:latin typeface="Segoe UI" panose="020B0502040204020203" pitchFamily="34" charset="0"/>
+                          <a:ea typeface="Segoe UI" panose="020B0502040204020203" pitchFamily="34" charset="0"/>
+                          <a:cs typeface="Segoe UI" panose="020B0502040204020203" pitchFamily="34" charset="0"/>
+                        </a:rPr>
+                        <a:t>(*)</a:t>
                       </a:r>
                       <a:endParaRPr lang="ja-JP" sz="1050" kern="100" dirty="0">
                         <a:effectLst/>
-                        <a:latin typeface="Century" panose="02040604050505020304" pitchFamily="18" charset="0"/>
+                        <a:latin typeface="Segoe UI" panose="020B0502040204020203" pitchFamily="34" charset="0"/>
                         <a:ea typeface="ＭＳ 明朝" panose="02020609040205080304" pitchFamily="17" charset="-128"/>
-                        <a:cs typeface="Times New Roman" panose="02020603050405020304" pitchFamily="18" charset="0"/>
+                        <a:cs typeface="Segoe UI" panose="020B0502040204020203" pitchFamily="34" charset="0"/>
                       </a:endParaRPr>
                     </a:p>
                   </a:txBody>
@@ -20732,52 +20720,73 @@
                         </a:spcAft>
                       </a:pPr>
                       <a:r>
-                        <a:rPr lang="en-US" sz="1050" kern="100" dirty="0">
-                          <a:effectLst/>
+                        <a:rPr lang="en-US" sz="1050" kern="100" dirty="0" smtClean="0">
+                          <a:effectLst/>
+                          <a:latin typeface="Segoe UI" panose="020B0502040204020203" pitchFamily="34" charset="0"/>
+                          <a:ea typeface="Segoe UI" panose="020B0502040204020203" pitchFamily="34" charset="0"/>
+                          <a:cs typeface="Segoe UI" panose="020B0502040204020203" pitchFamily="34" charset="0"/>
                         </a:rPr>
                         <a:t>zip</a:t>
                       </a:r>
                       <a:r>
-                        <a:rPr lang="ja-JP" sz="1050" kern="100" dirty="0">
-                          <a:effectLst/>
-                        </a:rPr>
-                        <a:t>、</a:t>
-                      </a:r>
-                      <a:r>
-                        <a:rPr lang="en-US" sz="1050" kern="100" dirty="0">
-                          <a:effectLst/>
+                        <a:rPr lang="en-US" altLang="ja-JP" sz="1050" kern="100" dirty="0" smtClean="0">
+                          <a:effectLst/>
+                          <a:latin typeface="Segoe UI" panose="020B0502040204020203" pitchFamily="34" charset="0"/>
+                          <a:ea typeface="Segoe UI" panose="020B0502040204020203" pitchFamily="34" charset="0"/>
+                          <a:cs typeface="Segoe UI" panose="020B0502040204020203" pitchFamily="34" charset="0"/>
+                        </a:rPr>
+                        <a:t>, </a:t>
+                      </a:r>
+                      <a:r>
+                        <a:rPr lang="en-US" sz="1050" kern="100" dirty="0" smtClean="0">
+                          <a:effectLst/>
+                          <a:latin typeface="Segoe UI" panose="020B0502040204020203" pitchFamily="34" charset="0"/>
+                          <a:ea typeface="Segoe UI" panose="020B0502040204020203" pitchFamily="34" charset="0"/>
+                          <a:cs typeface="Segoe UI" panose="020B0502040204020203" pitchFamily="34" charset="0"/>
                         </a:rPr>
                         <a:t>telnet</a:t>
                       </a:r>
                       <a:r>
-                        <a:rPr lang="ja-JP" sz="1050" kern="100" dirty="0">
-                          <a:effectLst/>
-                        </a:rPr>
-                        <a:t>、</a:t>
-                      </a:r>
-                      <a:r>
-                        <a:rPr lang="en-US" sz="1050" kern="100" dirty="0">
-                          <a:effectLst/>
+                        <a:rPr lang="en-US" altLang="ja-JP" sz="1050" kern="100" dirty="0" smtClean="0">
+                          <a:effectLst/>
+                          <a:latin typeface="Segoe UI" panose="020B0502040204020203" pitchFamily="34" charset="0"/>
+                          <a:ea typeface="Segoe UI" panose="020B0502040204020203" pitchFamily="34" charset="0"/>
+                          <a:cs typeface="Segoe UI" panose="020B0502040204020203" pitchFamily="34" charset="0"/>
+                        </a:rPr>
+                        <a:t>, </a:t>
+                      </a:r>
+                      <a:r>
+                        <a:rPr lang="en-US" sz="1050" kern="100" dirty="0" smtClean="0">
+                          <a:effectLst/>
+                          <a:latin typeface="Segoe UI" panose="020B0502040204020203" pitchFamily="34" charset="0"/>
+                          <a:ea typeface="Segoe UI" panose="020B0502040204020203" pitchFamily="34" charset="0"/>
+                          <a:cs typeface="Segoe UI" panose="020B0502040204020203" pitchFamily="34" charset="0"/>
                         </a:rPr>
                         <a:t>mailx</a:t>
                       </a:r>
                       <a:r>
-                        <a:rPr lang="ja-JP" sz="1050" kern="100" dirty="0">
-                          <a:effectLst/>
-                        </a:rPr>
-                        <a:t>、</a:t>
-                      </a:r>
-                      <a:r>
-                        <a:rPr lang="en-US" sz="1050" kern="100" dirty="0">
-                          <a:effectLst/>
+                        <a:rPr lang="en-US" altLang="ja-JP" sz="1050" kern="100" dirty="0" smtClean="0">
+                          <a:effectLst/>
+                          <a:latin typeface="Segoe UI" panose="020B0502040204020203" pitchFamily="34" charset="0"/>
+                          <a:ea typeface="Segoe UI" panose="020B0502040204020203" pitchFamily="34" charset="0"/>
+                          <a:cs typeface="Segoe UI" panose="020B0502040204020203" pitchFamily="34" charset="0"/>
+                        </a:rPr>
+                        <a:t>, </a:t>
+                      </a:r>
+                      <a:r>
+                        <a:rPr lang="en-US" sz="1050" kern="100" dirty="0" smtClean="0">
+                          <a:effectLst/>
+                          <a:latin typeface="Segoe UI" panose="020B0502040204020203" pitchFamily="34" charset="0"/>
+                          <a:ea typeface="Segoe UI" panose="020B0502040204020203" pitchFamily="34" charset="0"/>
+                          <a:cs typeface="Segoe UI" panose="020B0502040204020203" pitchFamily="34" charset="0"/>
                         </a:rPr>
                         <a:t>unzip</a:t>
                       </a:r>
                       <a:endParaRPr lang="ja-JP" sz="1050" kern="100" dirty="0">
                         <a:effectLst/>
-                        <a:latin typeface="Century" panose="02040604050505020304" pitchFamily="18" charset="0"/>
+                        <a:latin typeface="Segoe UI" panose="020B0502040204020203" pitchFamily="34" charset="0"/>
                         <a:ea typeface="ＭＳ 明朝" panose="02020609040205080304" pitchFamily="17" charset="-128"/>
-                        <a:cs typeface="Times New Roman" panose="02020603050405020304" pitchFamily="18" charset="0"/>
+                        <a:cs typeface="Segoe UI" panose="020B0502040204020203" pitchFamily="34" charset="0"/>
                       </a:endParaRPr>
                     </a:p>
                   </a:txBody>
@@ -20871,49 +20880,13 @@
                         </a:spcAft>
                       </a:pPr>
                       <a:r>
-                        <a:rPr lang="fr-FR" sz="1050" kern="100" dirty="0" smtClean="0">
-                          <a:solidFill>
-                            <a:schemeClr val="tx1"/>
-                          </a:solidFill>
-                          <a:effectLst/>
-                        </a:rPr>
-                        <a:t>MariaDB</a:t>
-                      </a:r>
-                      <a:r>
-                        <a:rPr lang="ja-JP" altLang="en-US" sz="1050" kern="100" dirty="0" smtClean="0">
-                          <a:solidFill>
-                            <a:schemeClr val="tx1"/>
-                          </a:solidFill>
-                          <a:effectLst/>
-                        </a:rPr>
-                        <a:t>、</a:t>
-                      </a:r>
-                      <a:r>
-                        <a:rPr lang="fr-FR" sz="1050" kern="100" dirty="0" smtClean="0">
-                          <a:solidFill>
-                            <a:schemeClr val="tx1"/>
-                          </a:solidFill>
-                          <a:effectLst/>
-                        </a:rPr>
-                        <a:t>MariaDB-server</a:t>
-                      </a:r>
-                      <a:r>
-                        <a:rPr lang="ja-JP" altLang="en-US" sz="1050" kern="100" dirty="0" smtClean="0">
-                          <a:solidFill>
-                            <a:schemeClr val="tx1"/>
-                          </a:solidFill>
-                          <a:effectLst/>
-                        </a:rPr>
-                        <a:t>、</a:t>
-                      </a:r>
-                      <a:r>
-                        <a:rPr lang="fr-FR" sz="1050" kern="100" dirty="0" smtClean="0">
-                          <a:solidFill>
-                            <a:schemeClr val="tx1"/>
-                          </a:solidFill>
-                          <a:effectLst/>
-                        </a:rPr>
-                        <a:t>expect</a:t>
+                        <a:rPr lang="en-US" sz="1050" kern="100" dirty="0" smtClean="0">
+                          <a:effectLst/>
+                          <a:latin typeface="Segoe UI" panose="020B0502040204020203" pitchFamily="34" charset="0"/>
+                          <a:ea typeface="Segoe UI" panose="020B0502040204020203" pitchFamily="34" charset="0"/>
+                          <a:cs typeface="Segoe UI" panose="020B0502040204020203" pitchFamily="34" charset="0"/>
+                        </a:rPr>
+                        <a:t>MariaDB, MariaDB-server, expect</a:t>
                       </a:r>
                     </a:p>
                   </a:txBody>
@@ -21001,28 +20974,37 @@
                         </a:spcAft>
                       </a:pPr>
                       <a:r>
-                        <a:rPr lang="en-US" sz="1050" kern="100" dirty="0">
-                          <a:effectLst/>
+                        <a:rPr lang="en-US" sz="1050" kern="100" dirty="0" smtClean="0">
+                          <a:effectLst/>
+                          <a:latin typeface="Segoe UI" panose="020B0502040204020203" pitchFamily="34" charset="0"/>
+                          <a:ea typeface="Segoe UI" panose="020B0502040204020203" pitchFamily="34" charset="0"/>
+                          <a:cs typeface="Segoe UI" panose="020B0502040204020203" pitchFamily="34" charset="0"/>
                         </a:rPr>
                         <a:t>httpd</a:t>
                       </a:r>
                       <a:r>
-                        <a:rPr lang="ja-JP" sz="1050" kern="100" dirty="0">
-                          <a:effectLst/>
-                        </a:rPr>
-                        <a:t>、</a:t>
-                      </a:r>
-                      <a:r>
-                        <a:rPr lang="en-US" sz="1050" kern="100" dirty="0">
-                          <a:effectLst/>
+                        <a:rPr lang="en-US" altLang="ja-JP" sz="1050" kern="100" dirty="0" smtClean="0">
+                          <a:effectLst/>
+                          <a:latin typeface="Segoe UI" panose="020B0502040204020203" pitchFamily="34" charset="0"/>
+                          <a:ea typeface="Segoe UI" panose="020B0502040204020203" pitchFamily="34" charset="0"/>
+                          <a:cs typeface="Segoe UI" panose="020B0502040204020203" pitchFamily="34" charset="0"/>
+                        </a:rPr>
+                        <a:t>, </a:t>
+                      </a:r>
+                      <a:r>
+                        <a:rPr lang="en-US" sz="1050" kern="100" dirty="0" smtClean="0">
+                          <a:effectLst/>
+                          <a:latin typeface="Segoe UI" panose="020B0502040204020203" pitchFamily="34" charset="0"/>
+                          <a:ea typeface="Segoe UI" panose="020B0502040204020203" pitchFamily="34" charset="0"/>
+                          <a:cs typeface="Segoe UI" panose="020B0502040204020203" pitchFamily="34" charset="0"/>
                         </a:rPr>
                         <a:t>mod_ssl</a:t>
                       </a:r>
                       <a:endParaRPr lang="ja-JP" sz="1050" kern="100" dirty="0">
                         <a:effectLst/>
-                        <a:latin typeface="Century" panose="02040604050505020304" pitchFamily="18" charset="0"/>
+                        <a:latin typeface="Segoe UI" panose="020B0502040204020203" pitchFamily="34" charset="0"/>
                         <a:ea typeface="ＭＳ 明朝" panose="02020609040205080304" pitchFamily="17" charset="-128"/>
-                        <a:cs typeface="Times New Roman" panose="02020603050405020304" pitchFamily="18" charset="0"/>
+                        <a:cs typeface="Segoe UI" panose="020B0502040204020203" pitchFamily="34" charset="0"/>
                       </a:endParaRPr>
                     </a:p>
                   </a:txBody>
@@ -21104,175 +21086,337 @@
                     <a:bodyPr/>
                     <a:lstStyle/>
                     <a:p>
-                      <a:pPr algn="just">
+                      <a:pPr marL="0" marR="0" lvl="0" indent="0" algn="just" defTabSz="914400" rtl="0" eaLnBrk="1" fontAlgn="auto" latinLnBrk="0" hangingPunct="1">
+                        <a:lnSpc>
+                          <a:spcPct val="100000"/>
+                        </a:lnSpc>
+                        <a:spcBef>
+                          <a:spcPts val="0"/>
+                        </a:spcBef>
                         <a:spcAft>
                           <a:spcPts val="0"/>
                         </a:spcAft>
+                        <a:buClrTx/>
+                        <a:buSzTx/>
+                        <a:buFontTx/>
+                        <a:buNone/>
+                        <a:tabLst/>
+                        <a:defRPr/>
                       </a:pPr>
                       <a:r>
-                        <a:rPr lang="en-US" sz="1050" kern="100" dirty="0">
-                          <a:effectLst/>
+                        <a:rPr lang="en-US" sz="1050" kern="100" dirty="0" smtClean="0">
+                          <a:effectLst/>
+                          <a:latin typeface="Segoe UI" panose="020B0502040204020203" pitchFamily="34" charset="0"/>
+                          <a:ea typeface="Segoe UI" panose="020B0502040204020203" pitchFamily="34" charset="0"/>
+                          <a:cs typeface="Segoe UI" panose="020B0502040204020203" pitchFamily="34" charset="0"/>
                         </a:rPr>
                         <a:t>php</a:t>
                       </a:r>
                       <a:r>
-                        <a:rPr lang="ja-JP" sz="1050" kern="100" dirty="0">
-                          <a:effectLst/>
-                        </a:rPr>
-                        <a:t>、</a:t>
-                      </a:r>
-                      <a:r>
-                        <a:rPr lang="en-US" sz="1050" kern="100" dirty="0">
-                          <a:effectLst/>
+                        <a:rPr lang="en-US" altLang="ja-JP" sz="1050" kern="100" dirty="0" smtClean="0">
+                          <a:effectLst/>
+                          <a:latin typeface="Segoe UI" panose="020B0502040204020203" pitchFamily="34" charset="0"/>
+                          <a:ea typeface="Segoe UI" panose="020B0502040204020203" pitchFamily="34" charset="0"/>
+                          <a:cs typeface="Segoe UI" panose="020B0502040204020203" pitchFamily="34" charset="0"/>
+                        </a:rPr>
+                        <a:t>, </a:t>
+                      </a:r>
+                      <a:r>
+                        <a:rPr lang="en-US" sz="1050" kern="100" dirty="0" smtClean="0">
+                          <a:effectLst/>
+                          <a:latin typeface="Segoe UI" panose="020B0502040204020203" pitchFamily="34" charset="0"/>
+                          <a:ea typeface="Segoe UI" panose="020B0502040204020203" pitchFamily="34" charset="0"/>
+                          <a:cs typeface="Segoe UI" panose="020B0502040204020203" pitchFamily="34" charset="0"/>
                         </a:rPr>
                         <a:t>php-bcmath</a:t>
                       </a:r>
                       <a:r>
-                        <a:rPr lang="ja-JP" sz="1050" kern="100" dirty="0">
-                          <a:effectLst/>
-                        </a:rPr>
-                        <a:t>、</a:t>
-                      </a:r>
-                      <a:r>
-                        <a:rPr lang="en-US" sz="1050" kern="100" dirty="0">
-                          <a:effectLst/>
+                        <a:rPr lang="en-US" altLang="ja-JP" sz="1050" kern="100" dirty="0" smtClean="0">
+                          <a:effectLst/>
+                          <a:latin typeface="Segoe UI" panose="020B0502040204020203" pitchFamily="34" charset="0"/>
+                          <a:ea typeface="Segoe UI" panose="020B0502040204020203" pitchFamily="34" charset="0"/>
+                          <a:cs typeface="Segoe UI" panose="020B0502040204020203" pitchFamily="34" charset="0"/>
+                        </a:rPr>
+                        <a:t>, </a:t>
+                      </a:r>
+                      <a:r>
+                        <a:rPr lang="en-US" sz="1050" kern="100" dirty="0" smtClean="0">
+                          <a:effectLst/>
+                          <a:latin typeface="Segoe UI" panose="020B0502040204020203" pitchFamily="34" charset="0"/>
+                          <a:ea typeface="Segoe UI" panose="020B0502040204020203" pitchFamily="34" charset="0"/>
+                          <a:cs typeface="Segoe UI" panose="020B0502040204020203" pitchFamily="34" charset="0"/>
                         </a:rPr>
                         <a:t>php-cli</a:t>
                       </a:r>
                       <a:r>
-                        <a:rPr lang="ja-JP" sz="1050" kern="100" dirty="0">
-                          <a:effectLst/>
-                        </a:rPr>
-                        <a:t>、</a:t>
-                      </a:r>
-                      <a:r>
-                        <a:rPr lang="en-US" sz="1050" kern="100" dirty="0">
-                          <a:effectLst/>
+                        <a:rPr lang="en-US" altLang="ja-JP" sz="1050" kern="100" dirty="0" smtClean="0">
+                          <a:effectLst/>
+                          <a:latin typeface="Segoe UI" panose="020B0502040204020203" pitchFamily="34" charset="0"/>
+                          <a:ea typeface="Segoe UI" panose="020B0502040204020203" pitchFamily="34" charset="0"/>
+                          <a:cs typeface="Segoe UI" panose="020B0502040204020203" pitchFamily="34" charset="0"/>
+                        </a:rPr>
+                        <a:t>, </a:t>
+                      </a:r>
+                      <a:r>
+                        <a:rPr lang="en-US" sz="1050" kern="100" dirty="0" smtClean="0">
+                          <a:effectLst/>
+                          <a:latin typeface="Segoe UI" panose="020B0502040204020203" pitchFamily="34" charset="0"/>
+                          <a:ea typeface="Segoe UI" panose="020B0502040204020203" pitchFamily="34" charset="0"/>
+                          <a:cs typeface="Segoe UI" panose="020B0502040204020203" pitchFamily="34" charset="0"/>
                         </a:rPr>
                         <a:t>php-ldap</a:t>
                       </a:r>
                       <a:r>
-                        <a:rPr lang="ja-JP" sz="1050" kern="100" dirty="0">
-                          <a:effectLst/>
-                        </a:rPr>
-                        <a:t>、</a:t>
-                      </a:r>
-                      <a:r>
-                        <a:rPr lang="en-US" sz="1050" kern="100" dirty="0">
-                          <a:effectLst/>
+                        <a:rPr lang="en-US" altLang="ja-JP" sz="1050" kern="100" dirty="0" smtClean="0">
+                          <a:effectLst/>
+                          <a:latin typeface="Segoe UI" panose="020B0502040204020203" pitchFamily="34" charset="0"/>
+                          <a:ea typeface="Segoe UI" panose="020B0502040204020203" pitchFamily="34" charset="0"/>
+                          <a:cs typeface="Segoe UI" panose="020B0502040204020203" pitchFamily="34" charset="0"/>
+                        </a:rPr>
+                        <a:t>, </a:t>
+                      </a:r>
+                      <a:r>
+                        <a:rPr lang="en-US" sz="1050" kern="100" dirty="0" smtClean="0">
+                          <a:effectLst/>
+                          <a:latin typeface="Segoe UI" panose="020B0502040204020203" pitchFamily="34" charset="0"/>
+                          <a:ea typeface="Segoe UI" panose="020B0502040204020203" pitchFamily="34" charset="0"/>
+                          <a:cs typeface="Segoe UI" panose="020B0502040204020203" pitchFamily="34" charset="0"/>
                         </a:rPr>
                         <a:t>php-mbstring</a:t>
                       </a:r>
                       <a:r>
-                        <a:rPr lang="ja-JP" sz="1050" kern="100" dirty="0">
-                          <a:effectLst/>
-                        </a:rPr>
-                        <a:t>、</a:t>
-                      </a:r>
-                      <a:r>
-                        <a:rPr lang="en-US" sz="1050" kern="100" dirty="0">
-                          <a:effectLst/>
+                        <a:rPr lang="en-US" altLang="ja-JP" sz="1050" kern="100" dirty="0" smtClean="0">
+                          <a:effectLst/>
+                          <a:latin typeface="Segoe UI" panose="020B0502040204020203" pitchFamily="34" charset="0"/>
+                          <a:ea typeface="Segoe UI" panose="020B0502040204020203" pitchFamily="34" charset="0"/>
+                          <a:cs typeface="Segoe UI" panose="020B0502040204020203" pitchFamily="34" charset="0"/>
+                        </a:rPr>
+                        <a:t>, </a:t>
+                      </a:r>
+                      <a:r>
+                        <a:rPr lang="en-US" sz="1050" kern="100" dirty="0" smtClean="0">
+                          <a:effectLst/>
+                          <a:latin typeface="Segoe UI" panose="020B0502040204020203" pitchFamily="34" charset="0"/>
+                          <a:ea typeface="Segoe UI" panose="020B0502040204020203" pitchFamily="34" charset="0"/>
+                          <a:cs typeface="Segoe UI" panose="020B0502040204020203" pitchFamily="34" charset="0"/>
                         </a:rPr>
                         <a:t>php-mcrypt</a:t>
                       </a:r>
                       <a:r>
-                        <a:rPr lang="ja-JP" sz="1050" kern="100" dirty="0" smtClean="0">
-                          <a:effectLst/>
-                        </a:rPr>
-                        <a:t>、</a:t>
+                        <a:rPr lang="en-US" altLang="ja-JP" sz="1050" kern="100" dirty="0" smtClean="0">
+                          <a:effectLst/>
+                          <a:latin typeface="Segoe UI" panose="020B0502040204020203" pitchFamily="34" charset="0"/>
+                          <a:ea typeface="Segoe UI" panose="020B0502040204020203" pitchFamily="34" charset="0"/>
+                          <a:cs typeface="Segoe UI" panose="020B0502040204020203" pitchFamily="34" charset="0"/>
+                        </a:rPr>
+                        <a:t>, </a:t>
                       </a:r>
                       <a:r>
                         <a:rPr lang="en-US" sz="1050" kern="100" dirty="0" smtClean="0">
-                          <a:solidFill>
-                            <a:schemeClr val="tx1"/>
-                          </a:solidFill>
-                          <a:effectLst/>
+                          <a:effectLst/>
+                          <a:latin typeface="Segoe UI" panose="020B0502040204020203" pitchFamily="34" charset="0"/>
+                          <a:ea typeface="Segoe UI" panose="020B0502040204020203" pitchFamily="34" charset="0"/>
+                          <a:cs typeface="Segoe UI" panose="020B0502040204020203" pitchFamily="34" charset="0"/>
                         </a:rPr>
                         <a:t>php-mysqlnd</a:t>
                       </a:r>
                       <a:r>
-                        <a:rPr lang="ja-JP" sz="1050" kern="100" dirty="0">
-                          <a:effectLst/>
-                        </a:rPr>
-                        <a:t>、</a:t>
-                      </a:r>
-                      <a:r>
-                        <a:rPr lang="en-US" sz="1050" kern="100" dirty="0">
-                          <a:effectLst/>
+                        <a:rPr lang="en-US" altLang="ja-JP" sz="1050" kern="100" dirty="0" smtClean="0">
+                          <a:effectLst/>
+                          <a:latin typeface="Segoe UI" panose="020B0502040204020203" pitchFamily="34" charset="0"/>
+                          <a:ea typeface="Segoe UI" panose="020B0502040204020203" pitchFamily="34" charset="0"/>
+                          <a:cs typeface="Segoe UI" panose="020B0502040204020203" pitchFamily="34" charset="0"/>
+                        </a:rPr>
+                        <a:t>, </a:t>
+                      </a:r>
+                      <a:r>
+                        <a:rPr lang="en-US" sz="1050" kern="100" dirty="0" smtClean="0">
+                          <a:effectLst/>
+                          <a:latin typeface="Segoe UI" panose="020B0502040204020203" pitchFamily="34" charset="0"/>
+                          <a:ea typeface="Segoe UI" panose="020B0502040204020203" pitchFamily="34" charset="0"/>
+                          <a:cs typeface="Segoe UI" panose="020B0502040204020203" pitchFamily="34" charset="0"/>
                         </a:rPr>
                         <a:t>php-pear</a:t>
                       </a:r>
                       <a:r>
-                        <a:rPr lang="ja-JP" sz="1050" kern="100" dirty="0">
-                          <a:effectLst/>
-                        </a:rPr>
-                        <a:t>、</a:t>
-                      </a:r>
-                      <a:r>
-                        <a:rPr lang="en-US" sz="1050" kern="100" dirty="0">
-                          <a:effectLst/>
-                        </a:rPr>
-                        <a:t>php-pecl-crypto</a:t>
-                      </a:r>
-                      <a:r>
-                        <a:rPr lang="ja-JP" sz="1050" kern="100" dirty="0">
-                          <a:effectLst/>
-                        </a:rPr>
-                        <a:t>、</a:t>
-                      </a:r>
-                      <a:r>
-                        <a:rPr lang="en-US" sz="1050" kern="100" dirty="0">
-                          <a:effectLst/>
-                        </a:rPr>
-                        <a:t>php-pecl-zip</a:t>
-                      </a:r>
-                      <a:r>
-                        <a:rPr lang="ja-JP" sz="1050" kern="100" dirty="0">
-                          <a:effectLst/>
-                        </a:rPr>
-                        <a:t>、</a:t>
-                      </a:r>
-                      <a:r>
-                        <a:rPr lang="en-US" sz="1050" kern="100" dirty="0">
-                          <a:effectLst/>
+                        <a:rPr lang="en-US" altLang="ja-JP" sz="1050" kern="100" dirty="0" smtClean="0">
+                          <a:effectLst/>
+                          <a:latin typeface="Segoe UI" panose="020B0502040204020203" pitchFamily="34" charset="0"/>
+                          <a:ea typeface="Segoe UI" panose="020B0502040204020203" pitchFamily="34" charset="0"/>
+                          <a:cs typeface="Segoe UI" panose="020B0502040204020203" pitchFamily="34" charset="0"/>
+                        </a:rPr>
+                        <a:t>, </a:t>
+                      </a:r>
+                      <a:r>
+                        <a:rPr lang="en-US" sz="1050" kern="100" dirty="0" err="1" smtClean="0">
+                          <a:effectLst/>
+                          <a:latin typeface="Segoe UI" panose="020B0502040204020203" pitchFamily="34" charset="0"/>
+                          <a:ea typeface="Segoe UI" panose="020B0502040204020203" pitchFamily="34" charset="0"/>
+                          <a:cs typeface="Segoe UI" panose="020B0502040204020203" pitchFamily="34" charset="0"/>
+                        </a:rPr>
+                        <a:t>php</a:t>
+                      </a:r>
+                      <a:r>
+                        <a:rPr lang="en-US" sz="1050" kern="100" dirty="0" smtClean="0">
+                          <a:effectLst/>
+                          <a:latin typeface="Segoe UI" panose="020B0502040204020203" pitchFamily="34" charset="0"/>
+                          <a:ea typeface="Segoe UI" panose="020B0502040204020203" pitchFamily="34" charset="0"/>
+                          <a:cs typeface="Segoe UI" panose="020B0502040204020203" pitchFamily="34" charset="0"/>
+                        </a:rPr>
+                        <a:t>-</a:t>
+                      </a:r>
+                      <a:r>
+                        <a:rPr lang="en-US" sz="1050" kern="100" dirty="0" err="1" smtClean="0">
+                          <a:effectLst/>
+                          <a:latin typeface="Segoe UI" panose="020B0502040204020203" pitchFamily="34" charset="0"/>
+                          <a:ea typeface="Segoe UI" panose="020B0502040204020203" pitchFamily="34" charset="0"/>
+                          <a:cs typeface="Segoe UI" panose="020B0502040204020203" pitchFamily="34" charset="0"/>
+                        </a:rPr>
+                        <a:t>pecl</a:t>
+                      </a:r>
+                      <a:r>
+                        <a:rPr lang="en-US" sz="1050" kern="100" dirty="0" smtClean="0">
+                          <a:effectLst/>
+                          <a:latin typeface="Segoe UI" panose="020B0502040204020203" pitchFamily="34" charset="0"/>
+                          <a:ea typeface="Segoe UI" panose="020B0502040204020203" pitchFamily="34" charset="0"/>
+                          <a:cs typeface="Segoe UI" panose="020B0502040204020203" pitchFamily="34" charset="0"/>
+                        </a:rPr>
+                        <a:t>-crypto</a:t>
+                      </a:r>
+                      <a:r>
+                        <a:rPr lang="en-US" altLang="ja-JP" sz="1050" kern="100" dirty="0" smtClean="0">
+                          <a:effectLst/>
+                          <a:latin typeface="Segoe UI" panose="020B0502040204020203" pitchFamily="34" charset="0"/>
+                          <a:ea typeface="Segoe UI" panose="020B0502040204020203" pitchFamily="34" charset="0"/>
+                          <a:cs typeface="Segoe UI" panose="020B0502040204020203" pitchFamily="34" charset="0"/>
+                        </a:rPr>
+                        <a:t>,</a:t>
+                      </a:r>
+                      <a:r>
+                        <a:rPr lang="en-US" altLang="ja-JP" sz="1050" kern="100" baseline="0" dirty="0" smtClean="0">
+                          <a:effectLst/>
+                          <a:latin typeface="Segoe UI" panose="020B0502040204020203" pitchFamily="34" charset="0"/>
+                          <a:ea typeface="Segoe UI" panose="020B0502040204020203" pitchFamily="34" charset="0"/>
+                          <a:cs typeface="Segoe UI" panose="020B0502040204020203" pitchFamily="34" charset="0"/>
+                        </a:rPr>
+                        <a:t> </a:t>
+                      </a:r>
+                      <a:r>
+                        <a:rPr lang="en-US" sz="1050" kern="100" dirty="0" err="1" smtClean="0">
+                          <a:effectLst/>
+                          <a:latin typeface="Segoe UI" panose="020B0502040204020203" pitchFamily="34" charset="0"/>
+                          <a:ea typeface="Segoe UI" panose="020B0502040204020203" pitchFamily="34" charset="0"/>
+                          <a:cs typeface="Segoe UI" panose="020B0502040204020203" pitchFamily="34" charset="0"/>
+                        </a:rPr>
+                        <a:t>php</a:t>
+                      </a:r>
+                      <a:r>
+                        <a:rPr lang="en-US" sz="1050" kern="100" dirty="0" smtClean="0">
+                          <a:effectLst/>
+                          <a:latin typeface="Segoe UI" panose="020B0502040204020203" pitchFamily="34" charset="0"/>
+                          <a:ea typeface="Segoe UI" panose="020B0502040204020203" pitchFamily="34" charset="0"/>
+                          <a:cs typeface="Segoe UI" panose="020B0502040204020203" pitchFamily="34" charset="0"/>
+                        </a:rPr>
+                        <a:t>-</a:t>
+                      </a:r>
+                      <a:r>
+                        <a:rPr lang="en-US" sz="1050" kern="100" dirty="0" err="1" smtClean="0">
+                          <a:effectLst/>
+                          <a:latin typeface="Segoe UI" panose="020B0502040204020203" pitchFamily="34" charset="0"/>
+                          <a:ea typeface="Segoe UI" panose="020B0502040204020203" pitchFamily="34" charset="0"/>
+                          <a:cs typeface="Segoe UI" panose="020B0502040204020203" pitchFamily="34" charset="0"/>
+                        </a:rPr>
+                        <a:t>pecl</a:t>
+                      </a:r>
+                      <a:r>
+                        <a:rPr lang="en-US" sz="1050" kern="100" dirty="0" smtClean="0">
+                          <a:effectLst/>
+                          <a:latin typeface="Segoe UI" panose="020B0502040204020203" pitchFamily="34" charset="0"/>
+                          <a:ea typeface="Segoe UI" panose="020B0502040204020203" pitchFamily="34" charset="0"/>
+                          <a:cs typeface="Segoe UI" panose="020B0502040204020203" pitchFamily="34" charset="0"/>
+                        </a:rPr>
+                        <a:t>-zip</a:t>
+                      </a:r>
+                      <a:r>
+                        <a:rPr lang="en-US" altLang="ja-JP" sz="1050" kern="100" dirty="0" smtClean="0">
+                          <a:effectLst/>
+                          <a:latin typeface="Segoe UI" panose="020B0502040204020203" pitchFamily="34" charset="0"/>
+                          <a:ea typeface="Segoe UI" panose="020B0502040204020203" pitchFamily="34" charset="0"/>
+                          <a:cs typeface="Segoe UI" panose="020B0502040204020203" pitchFamily="34" charset="0"/>
+                        </a:rPr>
+                        <a:t>, </a:t>
+                      </a:r>
+                      <a:r>
+                        <a:rPr lang="en-US" sz="1050" kern="100" dirty="0" smtClean="0">
+                          <a:effectLst/>
+                          <a:latin typeface="Segoe UI" panose="020B0502040204020203" pitchFamily="34" charset="0"/>
+                          <a:ea typeface="Segoe UI" panose="020B0502040204020203" pitchFamily="34" charset="0"/>
+                          <a:cs typeface="Segoe UI" panose="020B0502040204020203" pitchFamily="34" charset="0"/>
                         </a:rPr>
                         <a:t>php-process</a:t>
                       </a:r>
                       <a:r>
-                        <a:rPr lang="ja-JP" sz="1050" kern="100" dirty="0">
-                          <a:effectLst/>
-                        </a:rPr>
-                        <a:t>、</a:t>
-                      </a:r>
-                      <a:r>
-                        <a:rPr lang="en-US" sz="1050" kern="100" dirty="0">
-                          <a:effectLst/>
+                        <a:rPr lang="en-US" altLang="ja-JP" sz="1050" kern="100" dirty="0" smtClean="0">
+                          <a:effectLst/>
+                          <a:latin typeface="Segoe UI" panose="020B0502040204020203" pitchFamily="34" charset="0"/>
+                          <a:ea typeface="Segoe UI" panose="020B0502040204020203" pitchFamily="34" charset="0"/>
+                          <a:cs typeface="Segoe UI" panose="020B0502040204020203" pitchFamily="34" charset="0"/>
+                        </a:rPr>
+                        <a:t>, </a:t>
+                      </a:r>
+                      <a:r>
+                        <a:rPr lang="en-US" sz="1050" kern="100" dirty="0" smtClean="0">
+                          <a:effectLst/>
+                          <a:latin typeface="Segoe UI" panose="020B0502040204020203" pitchFamily="34" charset="0"/>
+                          <a:ea typeface="Segoe UI" panose="020B0502040204020203" pitchFamily="34" charset="0"/>
+                          <a:cs typeface="Segoe UI" panose="020B0502040204020203" pitchFamily="34" charset="0"/>
                         </a:rPr>
                         <a:t>php-snmp</a:t>
                       </a:r>
                       <a:r>
-                        <a:rPr lang="ja-JP" sz="1050" kern="100" dirty="0" err="1">
-                          <a:effectLst/>
-                        </a:rPr>
-                        <a:t>、</a:t>
+                        <a:rPr lang="en-US" altLang="ja-JP" sz="1050" kern="100" dirty="0" smtClean="0">
+                          <a:effectLst/>
+                          <a:latin typeface="Segoe UI" panose="020B0502040204020203" pitchFamily="34" charset="0"/>
+                          <a:ea typeface="Segoe UI" panose="020B0502040204020203" pitchFamily="34" charset="0"/>
+                          <a:cs typeface="Segoe UI" panose="020B0502040204020203" pitchFamily="34" charset="0"/>
+                        </a:rPr>
+                        <a:t>, </a:t>
                       </a:r>
                       <a:r>
                         <a:rPr lang="en-US" sz="1050" kern="100" dirty="0" err="1" smtClean="0">
                           <a:effectLst/>
+                          <a:latin typeface="Segoe UI" panose="020B0502040204020203" pitchFamily="34" charset="0"/>
+                          <a:ea typeface="Segoe UI" panose="020B0502040204020203" pitchFamily="34" charset="0"/>
+                          <a:cs typeface="Segoe UI" panose="020B0502040204020203" pitchFamily="34" charset="0"/>
                         </a:rPr>
                         <a:t>php</a:t>
                       </a:r>
                       <a:r>
                         <a:rPr lang="en-US" sz="1050" kern="100" dirty="0" smtClean="0">
                           <a:effectLst/>
+                          <a:latin typeface="Segoe UI" panose="020B0502040204020203" pitchFamily="34" charset="0"/>
+                          <a:ea typeface="Segoe UI" panose="020B0502040204020203" pitchFamily="34" charset="0"/>
+                          <a:cs typeface="Segoe UI" panose="020B0502040204020203" pitchFamily="34" charset="0"/>
                         </a:rPr>
                         <a:t>-xml</a:t>
                       </a:r>
                       <a:r>
-                        <a:rPr lang="ja-JP" altLang="en-US" sz="1050" kern="100" dirty="0" err="1" smtClean="0">
-                          <a:effectLst/>
-                        </a:rPr>
-                        <a:t>、</a:t>
+                        <a:rPr lang="en-US" sz="1050" kern="100" dirty="0" smtClean="0">
+                          <a:effectLst/>
+                          <a:latin typeface="+mn-lt"/>
+                          <a:ea typeface="+mn-ea"/>
+                          <a:cs typeface="+mn-cs"/>
+                        </a:rPr>
+                        <a:t>,</a:t>
+                      </a:r>
+                      <a:r>
+                        <a:rPr lang="en-US" sz="1050" kern="100" baseline="0" dirty="0" smtClean="0">
+                          <a:effectLst/>
+                          <a:latin typeface="+mn-lt"/>
+                          <a:ea typeface="+mn-ea"/>
+                          <a:cs typeface="+mn-cs"/>
+                        </a:rPr>
+                        <a:t>  </a:t>
                       </a:r>
                       <a:r>
                         <a:rPr lang="en-US" altLang="ja-JP" sz="1050" kern="100" dirty="0" err="1" smtClean="0">
@@ -21281,60 +21425,66 @@
                         <a:t>php-json</a:t>
                       </a:r>
                       <a:r>
-                        <a:rPr lang="ja-JP" altLang="en-US" sz="1050" kern="100" dirty="0" err="1" smtClean="0">
-                          <a:effectLst/>
-                        </a:rPr>
-                        <a:t>、</a:t>
-                      </a:r>
-                      <a:r>
                         <a:rPr lang="en-US" altLang="ja-JP" sz="1050" kern="100" dirty="0" smtClean="0">
                           <a:effectLst/>
                         </a:rPr>
+                        <a:t>,</a:t>
+                      </a:r>
+                      <a:r>
+                        <a:rPr lang="en-US" altLang="ja-JP" sz="1050" kern="100" baseline="0" dirty="0" smtClean="0">
+                          <a:effectLst/>
+                        </a:rPr>
+                        <a:t>  </a:t>
+                      </a:r>
+                      <a:r>
+                        <a:rPr lang="en-US" altLang="ja-JP" sz="1050" kern="100" dirty="0" err="1" smtClean="0">
+                          <a:effectLst/>
+                        </a:rPr>
+                        <a:t>php</a:t>
+                      </a:r>
+                      <a:r>
+                        <a:rPr lang="en-US" altLang="ja-JP" sz="1050" kern="100" dirty="0" smtClean="0">
+                          <a:effectLst/>
+                        </a:rPr>
+                        <a:t>-zip,</a:t>
+                      </a:r>
+                      <a:r>
+                        <a:rPr lang="en-US" altLang="ja-JP" sz="1050" kern="100" baseline="0" dirty="0" smtClean="0">
+                          <a:effectLst/>
+                        </a:rPr>
                         <a:t> </a:t>
                       </a:r>
                       <a:r>
+                        <a:rPr lang="en-US" altLang="ja-JP" sz="1050" kern="100" dirty="0" smtClean="0">
+                          <a:effectLst/>
+                        </a:rPr>
+                        <a:t> </a:t>
+                      </a:r>
+                      <a:r>
                         <a:rPr lang="en-US" altLang="ja-JP" sz="1050" kern="100" dirty="0" err="1" smtClean="0">
                           <a:effectLst/>
                         </a:rPr>
-                        <a:t>php</a:t>
+                        <a:t>php-gd</a:t>
                       </a:r>
                       <a:r>
                         <a:rPr lang="en-US" altLang="ja-JP" sz="1050" kern="100" dirty="0" smtClean="0">
                           <a:effectLst/>
                         </a:rPr>
-                        <a:t>-zip</a:t>
-                      </a:r>
-                      <a:r>
-                        <a:rPr lang="ja-JP" altLang="en-US" sz="1050" kern="100" dirty="0" err="1" smtClean="0">
-                          <a:effectLst/>
-                        </a:rPr>
-                        <a:t>、</a:t>
-                      </a:r>
-                      <a:r>
-                        <a:rPr lang="en-US" altLang="ja-JP" sz="1050" kern="100" dirty="0" smtClean="0">
-                          <a:effectLst/>
-                        </a:rPr>
-                        <a:t> </a:t>
-                      </a:r>
-                      <a:r>
-                        <a:rPr lang="en-US" altLang="ja-JP" sz="1050" kern="100" dirty="0" err="1" smtClean="0">
-                          <a:effectLst/>
-                        </a:rPr>
-                        <a:t>php-gd</a:t>
-                      </a:r>
-                      <a:r>
-                        <a:rPr lang="ja-JP" altLang="en-US" sz="1050" kern="100" dirty="0" err="1" smtClean="0">
-                          <a:effectLst/>
-                        </a:rPr>
-                        <a:t>、</a:t>
-                      </a:r>
-                      <a:r>
-                        <a:rPr lang="en-US" altLang="ja-JP" sz="1050" kern="100" dirty="0" smtClean="0">
+                        <a:t>,</a:t>
+                      </a:r>
+                      <a:r>
+                        <a:rPr lang="ja-JP" altLang="en-US" sz="1050" kern="100" baseline="0" dirty="0" smtClean="0">
+                          <a:effectLst/>
+                        </a:rPr>
+                        <a:t>　</a:t>
+                      </a:r>
+                      <a:r>
+                        <a:rPr lang="en-US" altLang="ja-JP" sz="1050" kern="100" baseline="0" dirty="0" smtClean="0">
                           <a:effectLst/>
                         </a:rPr>
                         <a:t>Python3</a:t>
                       </a:r>
-                      <a:endParaRPr lang="ja-JP" sz="1050" kern="100" dirty="0">
+                      <a:endParaRPr lang="ja-JP" altLang="ja-JP" sz="1050" kern="100" dirty="0" smtClean="0">
                         <a:effectLst/>
                         <a:latin typeface="Century" panose="02040604050505020304" pitchFamily="18" charset="0"/>
                         <a:ea typeface="ＭＳ 明朝" panose="02020609040205080304" pitchFamily="17" charset="-128"/>
@@ -21437,26 +21587,20 @@
                       <a:r>
                         <a:rPr lang="en-US" sz="1050" kern="100" dirty="0" err="1" smtClean="0">
                           <a:effectLst/>
+                          <a:latin typeface="Segoe UI" panose="020B0502040204020203" pitchFamily="34" charset="0"/>
+                          <a:ea typeface="Segoe UI" panose="020B0502040204020203" pitchFamily="34" charset="0"/>
+                          <a:cs typeface="Segoe UI" panose="020B0502040204020203" pitchFamily="34" charset="0"/>
                         </a:rPr>
                         <a:t>Spyc</a:t>
                       </a:r>
                       <a:r>
-                        <a:rPr lang="ja-JP" altLang="en-US" sz="1050" kern="100" dirty="0" err="1" smtClean="0">
-                          <a:effectLst/>
-                        </a:rPr>
-                        <a:t>、</a:t>
-                      </a:r>
-                      <a:r>
                         <a:rPr lang="en-US" sz="1050" kern="100" dirty="0" smtClean="0">
                           <a:effectLst/>
-                        </a:rPr>
-                        <a:t>HTML_AJAX-beta</a:t>
-                      </a:r>
-                      <a:r>
-                        <a:rPr lang="ja-JP" altLang="en-US" sz="1050" kern="100" dirty="0" err="1" smtClean="0">
-                          <a:effectLst/>
-                        </a:rPr>
-                        <a:t>、</a:t>
+                          <a:latin typeface="Segoe UI" panose="020B0502040204020203" pitchFamily="34" charset="0"/>
+                          <a:ea typeface="Segoe UI" panose="020B0502040204020203" pitchFamily="34" charset="0"/>
+                          <a:cs typeface="Segoe UI" panose="020B0502040204020203" pitchFamily="34" charset="0"/>
+                        </a:rPr>
+                        <a:t>, HTML_AJAX-beta, </a:t>
                       </a:r>
                       <a:r>
                         <a:rPr lang="en-US" altLang="ja-JP" sz="1050" kern="100" dirty="0" err="1" smtClean="0">
@@ -21466,9 +21610,9 @@
                       </a:r>
                       <a:endParaRPr lang="ja-JP" sz="1050" kern="100" dirty="0">
                         <a:effectLst/>
-                        <a:latin typeface="Century" panose="02040604050505020304" pitchFamily="18" charset="0"/>
+                        <a:latin typeface="Segoe UI" panose="020B0502040204020203" pitchFamily="34" charset="0"/>
                         <a:ea typeface="ＭＳ 明朝" panose="02020609040205080304" pitchFamily="17" charset="-128"/>
-                        <a:cs typeface="Times New Roman" panose="02020603050405020304" pitchFamily="18" charset="0"/>
+                        <a:cs typeface="Segoe UI" panose="020B0502040204020203" pitchFamily="34" charset="0"/>
                       </a:endParaRPr>
                     </a:p>
                   </a:txBody>
@@ -21558,14 +21702,17 @@
                       <a:r>
                         <a:rPr lang="en-US" sz="1050" kern="100" dirty="0" err="1" smtClean="0">
                           <a:effectLst/>
+                          <a:latin typeface="Segoe UI" panose="020B0502040204020203" pitchFamily="34" charset="0"/>
+                          <a:ea typeface="Segoe UI" panose="020B0502040204020203" pitchFamily="34" charset="0"/>
+                          <a:cs typeface="Segoe UI" panose="020B0502040204020203" pitchFamily="34" charset="0"/>
                         </a:rPr>
                         <a:t>Git</a:t>
                       </a:r>
                       <a:endParaRPr lang="ja-JP" sz="1050" kern="100" dirty="0">
                         <a:effectLst/>
-                        <a:latin typeface="Century" panose="02040604050505020304" pitchFamily="18" charset="0"/>
+                        <a:latin typeface="Segoe UI" panose="020B0502040204020203" pitchFamily="34" charset="0"/>
                         <a:ea typeface="ＭＳ 明朝" panose="02020609040205080304" pitchFamily="17" charset="-128"/>
-                        <a:cs typeface="Times New Roman" panose="02020603050405020304" pitchFamily="18" charset="0"/>
+                        <a:cs typeface="Segoe UI" panose="020B0502040204020203" pitchFamily="34" charset="0"/>
                       </a:endParaRPr>
                     </a:p>
                   </a:txBody>
@@ -21647,30 +21794,96 @@
                     <a:bodyPr/>
                     <a:lstStyle/>
                     <a:p>
-                      <a:pPr algn="just">
+                      <a:pPr marL="0" marR="0" lvl="0" indent="0" algn="just" defTabSz="914400" rtl="0" eaLnBrk="1" fontAlgn="auto" latinLnBrk="0" hangingPunct="1">
+                        <a:lnSpc>
+                          <a:spcPct val="100000"/>
+                        </a:lnSpc>
+                        <a:spcBef>
+                          <a:spcPts val="0"/>
+                        </a:spcBef>
                         <a:spcAft>
                           <a:spcPts val="0"/>
                         </a:spcAft>
+                        <a:buClrTx/>
+                        <a:buSzTx/>
+                        <a:buFontTx/>
+                        <a:buNone/>
+                        <a:tabLst/>
+                        <a:defRPr/>
                       </a:pPr>
                       <a:r>
-                        <a:rPr lang="en-US" sz="1050" kern="100" dirty="0" err="1">
-                          <a:effectLst/>
+                        <a:rPr lang="en-US" sz="1050" kern="100" dirty="0" err="1" smtClean="0">
+                          <a:effectLst/>
+                          <a:latin typeface="Segoe UI" panose="020B0502040204020203" pitchFamily="34" charset="0"/>
+                          <a:ea typeface="Segoe UI" panose="020B0502040204020203" pitchFamily="34" charset="0"/>
+                          <a:cs typeface="Segoe UI" panose="020B0502040204020203" pitchFamily="34" charset="0"/>
                         </a:rPr>
                         <a:t>ansible</a:t>
                       </a:r>
                       <a:r>
-                        <a:rPr lang="ja-JP" sz="1050" kern="100" dirty="0" err="1" smtClean="0">
-                          <a:effectLst/>
-                        </a:rPr>
-                        <a:t>、</a:t>
+                        <a:rPr lang="en-US" altLang="ja-JP" sz="1050" kern="100" dirty="0" smtClean="0">
+                          <a:effectLst/>
+                          <a:latin typeface="Segoe UI" panose="020B0502040204020203" pitchFamily="34" charset="0"/>
+                          <a:ea typeface="Segoe UI" panose="020B0502040204020203" pitchFamily="34" charset="0"/>
+                          <a:cs typeface="Segoe UI" panose="020B0502040204020203" pitchFamily="34" charset="0"/>
+                        </a:rPr>
+                        <a:t>, </a:t>
                       </a:r>
                       <a:r>
                         <a:rPr lang="en-US" altLang="ja-JP" sz="1050" kern="100" dirty="0" err="1" smtClean="0">
                           <a:effectLst/>
+                          <a:latin typeface="Segoe UI" panose="020B0502040204020203" pitchFamily="34" charset="0"/>
+                          <a:ea typeface="Segoe UI" panose="020B0502040204020203" pitchFamily="34" charset="0"/>
+                          <a:cs typeface="Segoe UI" panose="020B0502040204020203" pitchFamily="34" charset="0"/>
                         </a:rPr>
                         <a:t>sshpass</a:t>
                       </a:r>
-                      <a:endParaRPr lang="ja-JP" sz="1050" kern="100" dirty="0">
+                      <a:r>
+                        <a:rPr lang="en-US" altLang="ja-JP" sz="1050" kern="100" dirty="0" smtClean="0">
+                          <a:effectLst/>
+                          <a:latin typeface="Segoe UI" panose="020B0502040204020203" pitchFamily="34" charset="0"/>
+                          <a:ea typeface="Segoe UI" panose="020B0502040204020203" pitchFamily="34" charset="0"/>
+                          <a:cs typeface="Segoe UI" panose="020B0502040204020203" pitchFamily="34" charset="0"/>
+                        </a:rPr>
+                        <a:t>, </a:t>
+                      </a:r>
+                      <a:r>
+                        <a:rPr lang="en-US" altLang="ja-JP" sz="1050" kern="100" dirty="0" err="1" smtClean="0">
+                          <a:effectLst/>
+                        </a:rPr>
+                        <a:t>pexpect</a:t>
+                      </a:r>
+                      <a:r>
+                        <a:rPr lang="en-US" altLang="ja-JP" sz="1050" kern="100" dirty="0" smtClean="0">
+                          <a:effectLst/>
+                          <a:latin typeface="Segoe UI" panose="020B0502040204020203" pitchFamily="34" charset="0"/>
+                          <a:ea typeface="Segoe UI" panose="020B0502040204020203" pitchFamily="34" charset="0"/>
+                          <a:cs typeface="Segoe UI" panose="020B0502040204020203" pitchFamily="34" charset="0"/>
+                        </a:rPr>
+                        <a:t>, </a:t>
+                      </a:r>
+                      <a:r>
+                        <a:rPr lang="en-US" altLang="ja-JP" sz="1050" kern="100" dirty="0" err="1" smtClean="0">
+                          <a:effectLst/>
+                        </a:rPr>
+                        <a:t>pywinrm</a:t>
+                      </a:r>
+                      <a:r>
+                        <a:rPr lang="en-US" altLang="ja-JP" sz="1050" kern="100" dirty="0" smtClean="0">
+                          <a:effectLst/>
+                          <a:latin typeface="Segoe UI" panose="020B0502040204020203" pitchFamily="34" charset="0"/>
+                          <a:ea typeface="Segoe UI" panose="020B0502040204020203" pitchFamily="34" charset="0"/>
+                          <a:cs typeface="Segoe UI" panose="020B0502040204020203" pitchFamily="34" charset="0"/>
+                        </a:rPr>
+                        <a:t>, </a:t>
+                      </a:r>
+                      <a:r>
+                        <a:rPr lang="en-US" altLang="ja-JP" sz="1050" kern="100" dirty="0" smtClean="0">
+                          <a:effectLst/>
+                        </a:rPr>
+                        <a:t>boto3</a:t>
+                      </a:r>
+                      <a:endParaRPr lang="ja-JP" altLang="ja-JP" sz="1050" kern="100" dirty="0" smtClean="0">
                         <a:effectLst/>
                         <a:latin typeface="Century" panose="02040604050505020304" pitchFamily="18" charset="0"/>
                         <a:ea typeface="ＭＳ 明朝" panose="02020609040205080304" pitchFamily="17" charset="-128"/>

--- a/asset/Learn_ja/ITA-online-install_ja.pptx
+++ b/asset/Learn_ja/ITA-online-install_ja.pptx
@@ -6,10 +6,10 @@
     <p:sldMasterId id="2147483703" r:id="rId2"/>
   </p:sldMasterIdLst>
   <p:notesMasterIdLst>
-    <p:notesMasterId r:id="rId29"/>
+    <p:notesMasterId r:id="rId31"/>
   </p:notesMasterIdLst>
   <p:handoutMasterIdLst>
-    <p:handoutMasterId r:id="rId30"/>
+    <p:handoutMasterId r:id="rId32"/>
   </p:handoutMasterIdLst>
   <p:sldIdLst>
     <p:sldId id="262" r:id="rId3"/>
@@ -32,12 +32,14 @@
     <p:sldId id="522" r:id="rId20"/>
     <p:sldId id="523" r:id="rId21"/>
     <p:sldId id="524" r:id="rId22"/>
-    <p:sldId id="525" r:id="rId23"/>
-    <p:sldId id="526" r:id="rId24"/>
-    <p:sldId id="527" r:id="rId25"/>
-    <p:sldId id="528" r:id="rId26"/>
-    <p:sldId id="529" r:id="rId27"/>
-    <p:sldId id="318" r:id="rId28"/>
+    <p:sldId id="527" r:id="rId23"/>
+    <p:sldId id="528" r:id="rId24"/>
+    <p:sldId id="529" r:id="rId25"/>
+    <p:sldId id="534" r:id="rId26"/>
+    <p:sldId id="526" r:id="rId27"/>
+    <p:sldId id="532" r:id="rId28"/>
+    <p:sldId id="533" r:id="rId29"/>
+    <p:sldId id="318" r:id="rId30"/>
   </p:sldIdLst>
   <p:sldSz cx="9144000" cy="6858000" type="screen4x3"/>
   <p:notesSz cx="6807200" cy="9939338"/>
@@ -178,11 +180,13 @@
         <p14:section name="4.　ITA動作確認" id="{997E25C5-536A-441F-84BA-3CB1FBC6F6F3}">
           <p14:sldIdLst>
             <p14:sldId id="524"/>
-            <p14:sldId id="525"/>
-            <p14:sldId id="526"/>
             <p14:sldId id="527"/>
             <p14:sldId id="528"/>
             <p14:sldId id="529"/>
+            <p14:sldId id="534"/>
+            <p14:sldId id="526"/>
+            <p14:sldId id="532"/>
+            <p14:sldId id="533"/>
             <p14:sldId id="318"/>
           </p14:sldIdLst>
         </p14:section>
@@ -332,7 +336,7 @@
               <a:rPr kumimoji="1" lang="ja-JP" altLang="en-US" smtClean="0">
                 <a:ea typeface="メイリオ" panose="020B0604030504040204" pitchFamily="50" charset="-128"/>
               </a:rPr>
-              <a:t>2020/4/16</a:t>
+              <a:t>2020/4/27</a:t>
             </a:fld>
             <a:endParaRPr kumimoji="1" lang="ja-JP" altLang="en-US" dirty="0">
               <a:ea typeface="メイリオ" panose="020B0604030504040204" pitchFamily="50" charset="-128"/>
@@ -478,7 +482,7 @@
             <a:fld id="{4B26993D-C081-44EB-B0F5-A9F467792B62}" type="datetimeFigureOut">
               <a:rPr lang="ja-JP" altLang="en-US" smtClean="0"/>
               <a:pPr/>
-              <a:t>2020/4/16</a:t>
+              <a:t>2020/4/27</a:t>
             </a:fld>
             <a:endParaRPr lang="ja-JP" altLang="en-US" dirty="0"/>
           </a:p>
@@ -1101,7 +1105,7 @@
           <a:p>
             <a:fld id="{56F9016B-CCA6-43BE-8BEE-59565A35F4F7}" type="datetimeFigureOut">
               <a:rPr kumimoji="1" lang="ja-JP" altLang="en-US" smtClean="0"/>
-              <a:t>2020/4/16</a:t>
+              <a:t>2020/4/27</a:t>
             </a:fld>
             <a:endParaRPr kumimoji="1" lang="ja-JP" altLang="en-US"/>
           </a:p>
@@ -1303,7 +1307,7 @@
           <a:p>
             <a:fld id="{56F9016B-CCA6-43BE-8BEE-59565A35F4F7}" type="datetimeFigureOut">
               <a:rPr kumimoji="1" lang="ja-JP" altLang="en-US" smtClean="0"/>
-              <a:t>2020/4/16</a:t>
+              <a:t>2020/4/27</a:t>
             </a:fld>
             <a:endParaRPr kumimoji="1" lang="ja-JP" altLang="en-US"/>
           </a:p>
@@ -1549,7 +1553,7 @@
           <a:p>
             <a:fld id="{56F9016B-CCA6-43BE-8BEE-59565A35F4F7}" type="datetimeFigureOut">
               <a:rPr kumimoji="1" lang="ja-JP" altLang="en-US" smtClean="0"/>
-              <a:t>2020/4/16</a:t>
+              <a:t>2020/4/27</a:t>
             </a:fld>
             <a:endParaRPr kumimoji="1" lang="ja-JP" altLang="en-US"/>
           </a:p>
@@ -1845,7 +1849,7 @@
           <a:p>
             <a:fld id="{56F9016B-CCA6-43BE-8BEE-59565A35F4F7}" type="datetimeFigureOut">
               <a:rPr kumimoji="1" lang="ja-JP" altLang="en-US" smtClean="0"/>
-              <a:t>2020/4/16</a:t>
+              <a:t>2020/4/27</a:t>
             </a:fld>
             <a:endParaRPr kumimoji="1" lang="ja-JP" altLang="en-US"/>
           </a:p>
@@ -2276,7 +2280,7 @@
           <a:p>
             <a:fld id="{56F9016B-CCA6-43BE-8BEE-59565A35F4F7}" type="datetimeFigureOut">
               <a:rPr kumimoji="1" lang="ja-JP" altLang="en-US" smtClean="0"/>
-              <a:t>2020/4/16</a:t>
+              <a:t>2020/4/27</a:t>
             </a:fld>
             <a:endParaRPr kumimoji="1" lang="ja-JP" altLang="en-US"/>
           </a:p>
@@ -2394,7 +2398,7 @@
           <a:p>
             <a:fld id="{56F9016B-CCA6-43BE-8BEE-59565A35F4F7}" type="datetimeFigureOut">
               <a:rPr kumimoji="1" lang="ja-JP" altLang="en-US" smtClean="0"/>
-              <a:t>2020/4/16</a:t>
+              <a:t>2020/4/27</a:t>
             </a:fld>
             <a:endParaRPr kumimoji="1" lang="ja-JP" altLang="en-US"/>
           </a:p>
@@ -2489,7 +2493,7 @@
           <a:p>
             <a:fld id="{56F9016B-CCA6-43BE-8BEE-59565A35F4F7}" type="datetimeFigureOut">
               <a:rPr kumimoji="1" lang="ja-JP" altLang="en-US" smtClean="0"/>
-              <a:t>2020/4/16</a:t>
+              <a:t>2020/4/27</a:t>
             </a:fld>
             <a:endParaRPr kumimoji="1" lang="ja-JP" altLang="en-US"/>
           </a:p>
@@ -2798,7 +2802,7 @@
           <a:p>
             <a:fld id="{56F9016B-CCA6-43BE-8BEE-59565A35F4F7}" type="datetimeFigureOut">
               <a:rPr kumimoji="1" lang="ja-JP" altLang="en-US" smtClean="0"/>
-              <a:t>2020/4/16</a:t>
+              <a:t>2020/4/27</a:t>
             </a:fld>
             <a:endParaRPr kumimoji="1" lang="ja-JP" altLang="en-US"/>
           </a:p>
@@ -3051,7 +3055,7 @@
           <a:p>
             <a:fld id="{56F9016B-CCA6-43BE-8BEE-59565A35F4F7}" type="datetimeFigureOut">
               <a:rPr kumimoji="1" lang="ja-JP" altLang="en-US" smtClean="0"/>
-              <a:t>2020/4/16</a:t>
+              <a:t>2020/4/27</a:t>
             </a:fld>
             <a:endParaRPr kumimoji="1" lang="ja-JP" altLang="en-US"/>
           </a:p>
@@ -3328,7 +3332,7 @@
           <a:p>
             <a:fld id="{56F9016B-CCA6-43BE-8BEE-59565A35F4F7}" type="datetimeFigureOut">
               <a:rPr kumimoji="1" lang="ja-JP" altLang="en-US" smtClean="0"/>
-              <a:t>2020/4/16</a:t>
+              <a:t>2020/4/27</a:t>
             </a:fld>
             <a:endParaRPr kumimoji="1" lang="ja-JP" altLang="en-US"/>
           </a:p>
@@ -3540,7 +3544,7 @@
           <a:p>
             <a:fld id="{56F9016B-CCA6-43BE-8BEE-59565A35F4F7}" type="datetimeFigureOut">
               <a:rPr kumimoji="1" lang="ja-JP" altLang="en-US" smtClean="0"/>
-              <a:t>2020/4/16</a:t>
+              <a:t>2020/4/27</a:t>
             </a:fld>
             <a:endParaRPr kumimoji="1" lang="ja-JP" altLang="en-US"/>
           </a:p>
@@ -6599,7 +6603,7 @@
           <a:p>
             <a:fld id="{56F9016B-CCA6-43BE-8BEE-59565A35F4F7}" type="datetimeFigureOut">
               <a:rPr kumimoji="1" lang="ja-JP" altLang="en-US" smtClean="0"/>
-              <a:t>2020/4/16</a:t>
+              <a:t>2020/4/27</a:t>
             </a:fld>
             <a:endParaRPr kumimoji="1" lang="ja-JP" altLang="en-US"/>
           </a:p>
@@ -7037,7 +7041,7 @@
             </a:r>
             <a:r>
               <a:rPr lang="en-US" altLang="ja-JP" dirty="0" smtClean="0"/>
-              <a:t>1.4</a:t>
+              <a:t>1.4.1</a:t>
             </a:r>
             <a:r>
               <a:rPr lang="ja-JP" altLang="en-US" dirty="0" smtClean="0"/>
@@ -20364,7 +20368,7 @@
           <p:nvPr>
             <p:extLst>
               <p:ext uri="{D42A27DB-BD31-4B8C-83A1-F6EECF244321}">
-                <p14:modId xmlns:p14="http://schemas.microsoft.com/office/powerpoint/2010/main" val="1502930282"/>
+                <p14:modId xmlns:p14="http://schemas.microsoft.com/office/powerpoint/2010/main" val="3433575508"/>
               </p:ext>
             </p:extLst>
           </p:nvPr>
@@ -20573,68 +20577,56 @@
                       <a:r>
                         <a:rPr lang="en-US" sz="1050" kern="100" dirty="0" smtClean="0">
                           <a:effectLst/>
+                          <a:latin typeface="Segoe UI" panose="020B0502040204020203" pitchFamily="34" charset="0"/>
+                          <a:ea typeface="Segoe UI" panose="020B0502040204020203" pitchFamily="34" charset="0"/>
+                          <a:cs typeface="Segoe UI" panose="020B0502040204020203" pitchFamily="34" charset="0"/>
                         </a:rPr>
                         <a:t>yum-</a:t>
                       </a:r>
                       <a:r>
                         <a:rPr lang="en-US" sz="1050" kern="100" dirty="0" err="1" smtClean="0">
                           <a:effectLst/>
+                          <a:latin typeface="Segoe UI" panose="020B0502040204020203" pitchFamily="34" charset="0"/>
+                          <a:ea typeface="Segoe UI" panose="020B0502040204020203" pitchFamily="34" charset="0"/>
+                          <a:cs typeface="Segoe UI" panose="020B0502040204020203" pitchFamily="34" charset="0"/>
                         </a:rPr>
                         <a:t>utils</a:t>
                       </a:r>
                       <a:r>
+                        <a:rPr lang="en-US" altLang="ja-JP" sz="1050" kern="100" dirty="0" smtClean="0">
+                          <a:effectLst/>
+                        </a:rPr>
+                        <a:t>(*),</a:t>
+                      </a:r>
+                      <a:r>
+                        <a:rPr lang="en-US" altLang="ja-JP" sz="1050" kern="100" baseline="0" dirty="0" smtClean="0">
+                          <a:effectLst/>
+                        </a:rPr>
+                        <a:t> </a:t>
+                      </a:r>
+                      <a:r>
+                        <a:rPr lang="en-US" sz="1050" kern="100" dirty="0" err="1" smtClean="0">
+                          <a:effectLst/>
+                          <a:latin typeface="Segoe UI" panose="020B0502040204020203" pitchFamily="34" charset="0"/>
+                          <a:ea typeface="Segoe UI" panose="020B0502040204020203" pitchFamily="34" charset="0"/>
+                          <a:cs typeface="Segoe UI" panose="020B0502040204020203" pitchFamily="34" charset="0"/>
+                        </a:rPr>
+                        <a:t>createrepo</a:t>
+                      </a:r>
+                      <a:r>
                         <a:rPr lang="en-US" sz="1050" kern="100" dirty="0" smtClean="0">
                           <a:effectLst/>
-                        </a:rPr>
-                        <a:t>(</a:t>
-                      </a:r>
-                      <a:r>
-                        <a:rPr lang="en-US" altLang="ja-JP" sz="1050" kern="100" dirty="0" smtClean="0">
-                          <a:effectLst/>
-                        </a:rPr>
-                        <a:t>※</a:t>
-                      </a:r>
-                      <a:r>
-                        <a:rPr lang="en-US" sz="1050" kern="100" dirty="0" smtClean="0">
-                          <a:effectLst/>
-                        </a:rPr>
-                        <a:t>)</a:t>
-                      </a:r>
-                      <a:r>
-                        <a:rPr lang="ja-JP" sz="1050" kern="100" dirty="0" err="1" smtClean="0">
-                          <a:effectLst/>
-                        </a:rPr>
-                        <a:t>、</a:t>
-                      </a:r>
-                      <a:r>
-                        <a:rPr lang="en-US" sz="1050" kern="100" dirty="0" err="1" smtClean="0">
-                          <a:effectLst/>
-                        </a:rPr>
-                        <a:t>createrepo</a:t>
-                      </a:r>
-                      <a:r>
-                        <a:rPr lang="en-US" sz="1050" kern="100" dirty="0" smtClean="0">
-                          <a:effectLst/>
-                        </a:rPr>
-                        <a:t>(</a:t>
-                      </a:r>
-                      <a:r>
-                        <a:rPr lang="en-US" altLang="ja-JP" sz="1050" kern="100" dirty="0" smtClean="0">
-                          <a:effectLst/>
-                        </a:rPr>
-                        <a:t>※</a:t>
-                      </a:r>
-                      <a:r>
-                        <a:rPr lang="en-US" sz="1050" kern="100" dirty="0" smtClean="0">
-                          <a:effectLst/>
-                        </a:rPr>
-                        <a:t>)</a:t>
+                          <a:latin typeface="Segoe UI" panose="020B0502040204020203" pitchFamily="34" charset="0"/>
+                          <a:ea typeface="Segoe UI" panose="020B0502040204020203" pitchFamily="34" charset="0"/>
+                          <a:cs typeface="Segoe UI" panose="020B0502040204020203" pitchFamily="34" charset="0"/>
+                        </a:rPr>
+                        <a:t>(*)</a:t>
                       </a:r>
                       <a:endParaRPr lang="ja-JP" sz="1050" kern="100" dirty="0">
                         <a:effectLst/>
-                        <a:latin typeface="Century" panose="02040604050505020304" pitchFamily="18" charset="0"/>
+                        <a:latin typeface="Segoe UI" panose="020B0502040204020203" pitchFamily="34" charset="0"/>
                         <a:ea typeface="ＭＳ 明朝" panose="02020609040205080304" pitchFamily="17" charset="-128"/>
-                        <a:cs typeface="Times New Roman" panose="02020603050405020304" pitchFamily="18" charset="0"/>
+                        <a:cs typeface="Segoe UI" panose="020B0502040204020203" pitchFamily="34" charset="0"/>
                       </a:endParaRPr>
                     </a:p>
                   </a:txBody>
@@ -20728,52 +20720,73 @@
                         </a:spcAft>
                       </a:pPr>
                       <a:r>
-                        <a:rPr lang="en-US" sz="1050" kern="100" dirty="0">
-                          <a:effectLst/>
+                        <a:rPr lang="en-US" sz="1050" kern="100" dirty="0" smtClean="0">
+                          <a:effectLst/>
+                          <a:latin typeface="Segoe UI" panose="020B0502040204020203" pitchFamily="34" charset="0"/>
+                          <a:ea typeface="Segoe UI" panose="020B0502040204020203" pitchFamily="34" charset="0"/>
+                          <a:cs typeface="Segoe UI" panose="020B0502040204020203" pitchFamily="34" charset="0"/>
                         </a:rPr>
                         <a:t>zip</a:t>
                       </a:r>
                       <a:r>
-                        <a:rPr lang="ja-JP" sz="1050" kern="100" dirty="0">
-                          <a:effectLst/>
-                        </a:rPr>
-                        <a:t>、</a:t>
-                      </a:r>
-                      <a:r>
-                        <a:rPr lang="en-US" sz="1050" kern="100" dirty="0">
-                          <a:effectLst/>
+                        <a:rPr lang="en-US" altLang="ja-JP" sz="1050" kern="100" dirty="0" smtClean="0">
+                          <a:effectLst/>
+                          <a:latin typeface="Segoe UI" panose="020B0502040204020203" pitchFamily="34" charset="0"/>
+                          <a:ea typeface="Segoe UI" panose="020B0502040204020203" pitchFamily="34" charset="0"/>
+                          <a:cs typeface="Segoe UI" panose="020B0502040204020203" pitchFamily="34" charset="0"/>
+                        </a:rPr>
+                        <a:t>, </a:t>
+                      </a:r>
+                      <a:r>
+                        <a:rPr lang="en-US" sz="1050" kern="100" dirty="0" smtClean="0">
+                          <a:effectLst/>
+                          <a:latin typeface="Segoe UI" panose="020B0502040204020203" pitchFamily="34" charset="0"/>
+                          <a:ea typeface="Segoe UI" panose="020B0502040204020203" pitchFamily="34" charset="0"/>
+                          <a:cs typeface="Segoe UI" panose="020B0502040204020203" pitchFamily="34" charset="0"/>
                         </a:rPr>
                         <a:t>telnet</a:t>
                       </a:r>
                       <a:r>
-                        <a:rPr lang="ja-JP" sz="1050" kern="100" dirty="0">
-                          <a:effectLst/>
-                        </a:rPr>
-                        <a:t>、</a:t>
-                      </a:r>
-                      <a:r>
-                        <a:rPr lang="en-US" sz="1050" kern="100" dirty="0">
-                          <a:effectLst/>
+                        <a:rPr lang="en-US" altLang="ja-JP" sz="1050" kern="100" dirty="0" smtClean="0">
+                          <a:effectLst/>
+                          <a:latin typeface="Segoe UI" panose="020B0502040204020203" pitchFamily="34" charset="0"/>
+                          <a:ea typeface="Segoe UI" panose="020B0502040204020203" pitchFamily="34" charset="0"/>
+                          <a:cs typeface="Segoe UI" panose="020B0502040204020203" pitchFamily="34" charset="0"/>
+                        </a:rPr>
+                        <a:t>, </a:t>
+                      </a:r>
+                      <a:r>
+                        <a:rPr lang="en-US" sz="1050" kern="100" dirty="0" smtClean="0">
+                          <a:effectLst/>
+                          <a:latin typeface="Segoe UI" panose="020B0502040204020203" pitchFamily="34" charset="0"/>
+                          <a:ea typeface="Segoe UI" panose="020B0502040204020203" pitchFamily="34" charset="0"/>
+                          <a:cs typeface="Segoe UI" panose="020B0502040204020203" pitchFamily="34" charset="0"/>
                         </a:rPr>
                         <a:t>mailx</a:t>
                       </a:r>
                       <a:r>
-                        <a:rPr lang="ja-JP" sz="1050" kern="100" dirty="0">
-                          <a:effectLst/>
-                        </a:rPr>
-                        <a:t>、</a:t>
-                      </a:r>
-                      <a:r>
-                        <a:rPr lang="en-US" sz="1050" kern="100" dirty="0">
-                          <a:effectLst/>
+                        <a:rPr lang="en-US" altLang="ja-JP" sz="1050" kern="100" dirty="0" smtClean="0">
+                          <a:effectLst/>
+                          <a:latin typeface="Segoe UI" panose="020B0502040204020203" pitchFamily="34" charset="0"/>
+                          <a:ea typeface="Segoe UI" panose="020B0502040204020203" pitchFamily="34" charset="0"/>
+                          <a:cs typeface="Segoe UI" panose="020B0502040204020203" pitchFamily="34" charset="0"/>
+                        </a:rPr>
+                        <a:t>, </a:t>
+                      </a:r>
+                      <a:r>
+                        <a:rPr lang="en-US" sz="1050" kern="100" dirty="0" smtClean="0">
+                          <a:effectLst/>
+                          <a:latin typeface="Segoe UI" panose="020B0502040204020203" pitchFamily="34" charset="0"/>
+                          <a:ea typeface="Segoe UI" panose="020B0502040204020203" pitchFamily="34" charset="0"/>
+                          <a:cs typeface="Segoe UI" panose="020B0502040204020203" pitchFamily="34" charset="0"/>
                         </a:rPr>
                         <a:t>unzip</a:t>
                       </a:r>
                       <a:endParaRPr lang="ja-JP" sz="1050" kern="100" dirty="0">
                         <a:effectLst/>
-                        <a:latin typeface="Century" panose="02040604050505020304" pitchFamily="18" charset="0"/>
+                        <a:latin typeface="Segoe UI" panose="020B0502040204020203" pitchFamily="34" charset="0"/>
                         <a:ea typeface="ＭＳ 明朝" panose="02020609040205080304" pitchFamily="17" charset="-128"/>
-                        <a:cs typeface="Times New Roman" panose="02020603050405020304" pitchFamily="18" charset="0"/>
+                        <a:cs typeface="Segoe UI" panose="020B0502040204020203" pitchFamily="34" charset="0"/>
                       </a:endParaRPr>
                     </a:p>
                   </a:txBody>
@@ -20867,49 +20880,13 @@
                         </a:spcAft>
                       </a:pPr>
                       <a:r>
-                        <a:rPr lang="fr-FR" sz="1050" kern="100" dirty="0" smtClean="0">
-                          <a:solidFill>
-                            <a:schemeClr val="tx1"/>
-                          </a:solidFill>
-                          <a:effectLst/>
-                        </a:rPr>
-                        <a:t>MariaDB</a:t>
-                      </a:r>
-                      <a:r>
-                        <a:rPr lang="ja-JP" altLang="en-US" sz="1050" kern="100" dirty="0" smtClean="0">
-                          <a:solidFill>
-                            <a:schemeClr val="tx1"/>
-                          </a:solidFill>
-                          <a:effectLst/>
-                        </a:rPr>
-                        <a:t>、</a:t>
-                      </a:r>
-                      <a:r>
-                        <a:rPr lang="fr-FR" sz="1050" kern="100" dirty="0" smtClean="0">
-                          <a:solidFill>
-                            <a:schemeClr val="tx1"/>
-                          </a:solidFill>
-                          <a:effectLst/>
-                        </a:rPr>
-                        <a:t>MariaDB-server</a:t>
-                      </a:r>
-                      <a:r>
-                        <a:rPr lang="ja-JP" altLang="en-US" sz="1050" kern="100" dirty="0" smtClean="0">
-                          <a:solidFill>
-                            <a:schemeClr val="tx1"/>
-                          </a:solidFill>
-                          <a:effectLst/>
-                        </a:rPr>
-                        <a:t>、</a:t>
-                      </a:r>
-                      <a:r>
-                        <a:rPr lang="fr-FR" sz="1050" kern="100" dirty="0" smtClean="0">
-                          <a:solidFill>
-                            <a:schemeClr val="tx1"/>
-                          </a:solidFill>
-                          <a:effectLst/>
-                        </a:rPr>
-                        <a:t>expect</a:t>
+                        <a:rPr lang="en-US" sz="1050" kern="100" dirty="0" smtClean="0">
+                          <a:effectLst/>
+                          <a:latin typeface="Segoe UI" panose="020B0502040204020203" pitchFamily="34" charset="0"/>
+                          <a:ea typeface="Segoe UI" panose="020B0502040204020203" pitchFamily="34" charset="0"/>
+                          <a:cs typeface="Segoe UI" panose="020B0502040204020203" pitchFamily="34" charset="0"/>
+                        </a:rPr>
+                        <a:t>MariaDB, MariaDB-server, expect</a:t>
                       </a:r>
                     </a:p>
                   </a:txBody>
@@ -20997,28 +20974,37 @@
                         </a:spcAft>
                       </a:pPr>
                       <a:r>
-                        <a:rPr lang="en-US" sz="1050" kern="100" dirty="0">
-                          <a:effectLst/>
+                        <a:rPr lang="en-US" sz="1050" kern="100" dirty="0" smtClean="0">
+                          <a:effectLst/>
+                          <a:latin typeface="Segoe UI" panose="020B0502040204020203" pitchFamily="34" charset="0"/>
+                          <a:ea typeface="Segoe UI" panose="020B0502040204020203" pitchFamily="34" charset="0"/>
+                          <a:cs typeface="Segoe UI" panose="020B0502040204020203" pitchFamily="34" charset="0"/>
                         </a:rPr>
                         <a:t>httpd</a:t>
                       </a:r>
                       <a:r>
-                        <a:rPr lang="ja-JP" sz="1050" kern="100" dirty="0">
-                          <a:effectLst/>
-                        </a:rPr>
-                        <a:t>、</a:t>
-                      </a:r>
-                      <a:r>
-                        <a:rPr lang="en-US" sz="1050" kern="100" dirty="0">
-                          <a:effectLst/>
+                        <a:rPr lang="en-US" altLang="ja-JP" sz="1050" kern="100" dirty="0" smtClean="0">
+                          <a:effectLst/>
+                          <a:latin typeface="Segoe UI" panose="020B0502040204020203" pitchFamily="34" charset="0"/>
+                          <a:ea typeface="Segoe UI" panose="020B0502040204020203" pitchFamily="34" charset="0"/>
+                          <a:cs typeface="Segoe UI" panose="020B0502040204020203" pitchFamily="34" charset="0"/>
+                        </a:rPr>
+                        <a:t>, </a:t>
+                      </a:r>
+                      <a:r>
+                        <a:rPr lang="en-US" sz="1050" kern="100" dirty="0" smtClean="0">
+                          <a:effectLst/>
+                          <a:latin typeface="Segoe UI" panose="020B0502040204020203" pitchFamily="34" charset="0"/>
+                          <a:ea typeface="Segoe UI" panose="020B0502040204020203" pitchFamily="34" charset="0"/>
+                          <a:cs typeface="Segoe UI" panose="020B0502040204020203" pitchFamily="34" charset="0"/>
                         </a:rPr>
                         <a:t>mod_ssl</a:t>
                       </a:r>
                       <a:endParaRPr lang="ja-JP" sz="1050" kern="100" dirty="0">
                         <a:effectLst/>
-                        <a:latin typeface="Century" panose="02040604050505020304" pitchFamily="18" charset="0"/>
+                        <a:latin typeface="Segoe UI" panose="020B0502040204020203" pitchFamily="34" charset="0"/>
                         <a:ea typeface="ＭＳ 明朝" panose="02020609040205080304" pitchFamily="17" charset="-128"/>
-                        <a:cs typeface="Times New Roman" panose="02020603050405020304" pitchFamily="18" charset="0"/>
+                        <a:cs typeface="Segoe UI" panose="020B0502040204020203" pitchFamily="34" charset="0"/>
                       </a:endParaRPr>
                     </a:p>
                   </a:txBody>
@@ -21100,175 +21086,337 @@
                     <a:bodyPr/>
                     <a:lstStyle/>
                     <a:p>
-                      <a:pPr algn="just">
+                      <a:pPr marL="0" marR="0" lvl="0" indent="0" algn="just" defTabSz="914400" rtl="0" eaLnBrk="1" fontAlgn="auto" latinLnBrk="0" hangingPunct="1">
+                        <a:lnSpc>
+                          <a:spcPct val="100000"/>
+                        </a:lnSpc>
+                        <a:spcBef>
+                          <a:spcPts val="0"/>
+                        </a:spcBef>
                         <a:spcAft>
                           <a:spcPts val="0"/>
                         </a:spcAft>
+                        <a:buClrTx/>
+                        <a:buSzTx/>
+                        <a:buFontTx/>
+                        <a:buNone/>
+                        <a:tabLst/>
+                        <a:defRPr/>
                       </a:pPr>
                       <a:r>
-                        <a:rPr lang="en-US" sz="1050" kern="100" dirty="0">
-                          <a:effectLst/>
+                        <a:rPr lang="en-US" sz="1050" kern="100" dirty="0" smtClean="0">
+                          <a:effectLst/>
+                          <a:latin typeface="Segoe UI" panose="020B0502040204020203" pitchFamily="34" charset="0"/>
+                          <a:ea typeface="Segoe UI" panose="020B0502040204020203" pitchFamily="34" charset="0"/>
+                          <a:cs typeface="Segoe UI" panose="020B0502040204020203" pitchFamily="34" charset="0"/>
                         </a:rPr>
                         <a:t>php</a:t>
                       </a:r>
                       <a:r>
-                        <a:rPr lang="ja-JP" sz="1050" kern="100" dirty="0">
-                          <a:effectLst/>
-                        </a:rPr>
-                        <a:t>、</a:t>
-                      </a:r>
-                      <a:r>
-                        <a:rPr lang="en-US" sz="1050" kern="100" dirty="0">
-                          <a:effectLst/>
+                        <a:rPr lang="en-US" altLang="ja-JP" sz="1050" kern="100" dirty="0" smtClean="0">
+                          <a:effectLst/>
+                          <a:latin typeface="Segoe UI" panose="020B0502040204020203" pitchFamily="34" charset="0"/>
+                          <a:ea typeface="Segoe UI" panose="020B0502040204020203" pitchFamily="34" charset="0"/>
+                          <a:cs typeface="Segoe UI" panose="020B0502040204020203" pitchFamily="34" charset="0"/>
+                        </a:rPr>
+                        <a:t>, </a:t>
+                      </a:r>
+                      <a:r>
+                        <a:rPr lang="en-US" sz="1050" kern="100" dirty="0" smtClean="0">
+                          <a:effectLst/>
+                          <a:latin typeface="Segoe UI" panose="020B0502040204020203" pitchFamily="34" charset="0"/>
+                          <a:ea typeface="Segoe UI" panose="020B0502040204020203" pitchFamily="34" charset="0"/>
+                          <a:cs typeface="Segoe UI" panose="020B0502040204020203" pitchFamily="34" charset="0"/>
                         </a:rPr>
                         <a:t>php-bcmath</a:t>
                       </a:r>
                       <a:r>
-                        <a:rPr lang="ja-JP" sz="1050" kern="100" dirty="0">
-                          <a:effectLst/>
-                        </a:rPr>
-                        <a:t>、</a:t>
-                      </a:r>
-                      <a:r>
-                        <a:rPr lang="en-US" sz="1050" kern="100" dirty="0">
-                          <a:effectLst/>
+                        <a:rPr lang="en-US" altLang="ja-JP" sz="1050" kern="100" dirty="0" smtClean="0">
+                          <a:effectLst/>
+                          <a:latin typeface="Segoe UI" panose="020B0502040204020203" pitchFamily="34" charset="0"/>
+                          <a:ea typeface="Segoe UI" panose="020B0502040204020203" pitchFamily="34" charset="0"/>
+                          <a:cs typeface="Segoe UI" panose="020B0502040204020203" pitchFamily="34" charset="0"/>
+                        </a:rPr>
+                        <a:t>, </a:t>
+                      </a:r>
+                      <a:r>
+                        <a:rPr lang="en-US" sz="1050" kern="100" dirty="0" smtClean="0">
+                          <a:effectLst/>
+                          <a:latin typeface="Segoe UI" panose="020B0502040204020203" pitchFamily="34" charset="0"/>
+                          <a:ea typeface="Segoe UI" panose="020B0502040204020203" pitchFamily="34" charset="0"/>
+                          <a:cs typeface="Segoe UI" panose="020B0502040204020203" pitchFamily="34" charset="0"/>
                         </a:rPr>
                         <a:t>php-cli</a:t>
                       </a:r>
                       <a:r>
-                        <a:rPr lang="ja-JP" sz="1050" kern="100" dirty="0">
-                          <a:effectLst/>
-                        </a:rPr>
-                        <a:t>、</a:t>
-                      </a:r>
-                      <a:r>
-                        <a:rPr lang="en-US" sz="1050" kern="100" dirty="0">
-                          <a:effectLst/>
+                        <a:rPr lang="en-US" altLang="ja-JP" sz="1050" kern="100" dirty="0" smtClean="0">
+                          <a:effectLst/>
+                          <a:latin typeface="Segoe UI" panose="020B0502040204020203" pitchFamily="34" charset="0"/>
+                          <a:ea typeface="Segoe UI" panose="020B0502040204020203" pitchFamily="34" charset="0"/>
+                          <a:cs typeface="Segoe UI" panose="020B0502040204020203" pitchFamily="34" charset="0"/>
+                        </a:rPr>
+                        <a:t>, </a:t>
+                      </a:r>
+                      <a:r>
+                        <a:rPr lang="en-US" sz="1050" kern="100" dirty="0" smtClean="0">
+                          <a:effectLst/>
+                          <a:latin typeface="Segoe UI" panose="020B0502040204020203" pitchFamily="34" charset="0"/>
+                          <a:ea typeface="Segoe UI" panose="020B0502040204020203" pitchFamily="34" charset="0"/>
+                          <a:cs typeface="Segoe UI" panose="020B0502040204020203" pitchFamily="34" charset="0"/>
                         </a:rPr>
                         <a:t>php-ldap</a:t>
                       </a:r>
                       <a:r>
-                        <a:rPr lang="ja-JP" sz="1050" kern="100" dirty="0">
-                          <a:effectLst/>
-                        </a:rPr>
-                        <a:t>、</a:t>
-                      </a:r>
-                      <a:r>
-                        <a:rPr lang="en-US" sz="1050" kern="100" dirty="0">
-                          <a:effectLst/>
+                        <a:rPr lang="en-US" altLang="ja-JP" sz="1050" kern="100" dirty="0" smtClean="0">
+                          <a:effectLst/>
+                          <a:latin typeface="Segoe UI" panose="020B0502040204020203" pitchFamily="34" charset="0"/>
+                          <a:ea typeface="Segoe UI" panose="020B0502040204020203" pitchFamily="34" charset="0"/>
+                          <a:cs typeface="Segoe UI" panose="020B0502040204020203" pitchFamily="34" charset="0"/>
+                        </a:rPr>
+                        <a:t>, </a:t>
+                      </a:r>
+                      <a:r>
+                        <a:rPr lang="en-US" sz="1050" kern="100" dirty="0" smtClean="0">
+                          <a:effectLst/>
+                          <a:latin typeface="Segoe UI" panose="020B0502040204020203" pitchFamily="34" charset="0"/>
+                          <a:ea typeface="Segoe UI" panose="020B0502040204020203" pitchFamily="34" charset="0"/>
+                          <a:cs typeface="Segoe UI" panose="020B0502040204020203" pitchFamily="34" charset="0"/>
                         </a:rPr>
                         <a:t>php-mbstring</a:t>
                       </a:r>
                       <a:r>
-                        <a:rPr lang="ja-JP" sz="1050" kern="100" dirty="0">
-                          <a:effectLst/>
-                        </a:rPr>
-                        <a:t>、</a:t>
-                      </a:r>
-                      <a:r>
-                        <a:rPr lang="en-US" sz="1050" kern="100" dirty="0">
-                          <a:effectLst/>
+                        <a:rPr lang="en-US" altLang="ja-JP" sz="1050" kern="100" dirty="0" smtClean="0">
+                          <a:effectLst/>
+                          <a:latin typeface="Segoe UI" panose="020B0502040204020203" pitchFamily="34" charset="0"/>
+                          <a:ea typeface="Segoe UI" panose="020B0502040204020203" pitchFamily="34" charset="0"/>
+                          <a:cs typeface="Segoe UI" panose="020B0502040204020203" pitchFamily="34" charset="0"/>
+                        </a:rPr>
+                        <a:t>, </a:t>
+                      </a:r>
+                      <a:r>
+                        <a:rPr lang="en-US" sz="1050" kern="100" dirty="0" smtClean="0">
+                          <a:effectLst/>
+                          <a:latin typeface="Segoe UI" panose="020B0502040204020203" pitchFamily="34" charset="0"/>
+                          <a:ea typeface="Segoe UI" panose="020B0502040204020203" pitchFamily="34" charset="0"/>
+                          <a:cs typeface="Segoe UI" panose="020B0502040204020203" pitchFamily="34" charset="0"/>
                         </a:rPr>
                         <a:t>php-mcrypt</a:t>
                       </a:r>
                       <a:r>
-                        <a:rPr lang="ja-JP" sz="1050" kern="100" dirty="0" smtClean="0">
-                          <a:effectLst/>
-                        </a:rPr>
-                        <a:t>、</a:t>
+                        <a:rPr lang="en-US" altLang="ja-JP" sz="1050" kern="100" dirty="0" smtClean="0">
+                          <a:effectLst/>
+                          <a:latin typeface="Segoe UI" panose="020B0502040204020203" pitchFamily="34" charset="0"/>
+                          <a:ea typeface="Segoe UI" panose="020B0502040204020203" pitchFamily="34" charset="0"/>
+                          <a:cs typeface="Segoe UI" panose="020B0502040204020203" pitchFamily="34" charset="0"/>
+                        </a:rPr>
+                        <a:t>, </a:t>
                       </a:r>
                       <a:r>
                         <a:rPr lang="en-US" sz="1050" kern="100" dirty="0" smtClean="0">
-                          <a:solidFill>
-                            <a:schemeClr val="tx1"/>
-                          </a:solidFill>
-                          <a:effectLst/>
+                          <a:effectLst/>
+                          <a:latin typeface="Segoe UI" panose="020B0502040204020203" pitchFamily="34" charset="0"/>
+                          <a:ea typeface="Segoe UI" panose="020B0502040204020203" pitchFamily="34" charset="0"/>
+                          <a:cs typeface="Segoe UI" panose="020B0502040204020203" pitchFamily="34" charset="0"/>
                         </a:rPr>
                         <a:t>php-mysqlnd</a:t>
                       </a:r>
                       <a:r>
-                        <a:rPr lang="ja-JP" sz="1050" kern="100" dirty="0">
-                          <a:effectLst/>
-                        </a:rPr>
-                        <a:t>、</a:t>
-                      </a:r>
-                      <a:r>
-                        <a:rPr lang="en-US" sz="1050" kern="100" dirty="0">
-                          <a:effectLst/>
+                        <a:rPr lang="en-US" altLang="ja-JP" sz="1050" kern="100" dirty="0" smtClean="0">
+                          <a:effectLst/>
+                          <a:latin typeface="Segoe UI" panose="020B0502040204020203" pitchFamily="34" charset="0"/>
+                          <a:ea typeface="Segoe UI" panose="020B0502040204020203" pitchFamily="34" charset="0"/>
+                          <a:cs typeface="Segoe UI" panose="020B0502040204020203" pitchFamily="34" charset="0"/>
+                        </a:rPr>
+                        <a:t>, </a:t>
+                      </a:r>
+                      <a:r>
+                        <a:rPr lang="en-US" sz="1050" kern="100" dirty="0" smtClean="0">
+                          <a:effectLst/>
+                          <a:latin typeface="Segoe UI" panose="020B0502040204020203" pitchFamily="34" charset="0"/>
+                          <a:ea typeface="Segoe UI" panose="020B0502040204020203" pitchFamily="34" charset="0"/>
+                          <a:cs typeface="Segoe UI" panose="020B0502040204020203" pitchFamily="34" charset="0"/>
                         </a:rPr>
                         <a:t>php-pear</a:t>
                       </a:r>
                       <a:r>
-                        <a:rPr lang="ja-JP" sz="1050" kern="100" dirty="0">
-                          <a:effectLst/>
-                        </a:rPr>
-                        <a:t>、</a:t>
-                      </a:r>
-                      <a:r>
-                        <a:rPr lang="en-US" sz="1050" kern="100" dirty="0">
-                          <a:effectLst/>
-                        </a:rPr>
-                        <a:t>php-pecl-crypto</a:t>
-                      </a:r>
-                      <a:r>
-                        <a:rPr lang="ja-JP" sz="1050" kern="100" dirty="0">
-                          <a:effectLst/>
-                        </a:rPr>
-                        <a:t>、</a:t>
-                      </a:r>
-                      <a:r>
-                        <a:rPr lang="en-US" sz="1050" kern="100" dirty="0">
-                          <a:effectLst/>
-                        </a:rPr>
-                        <a:t>php-pecl-zip</a:t>
-                      </a:r>
-                      <a:r>
-                        <a:rPr lang="ja-JP" sz="1050" kern="100" dirty="0">
-                          <a:effectLst/>
-                        </a:rPr>
-                        <a:t>、</a:t>
-                      </a:r>
-                      <a:r>
-                        <a:rPr lang="en-US" sz="1050" kern="100" dirty="0">
-                          <a:effectLst/>
+                        <a:rPr lang="en-US" altLang="ja-JP" sz="1050" kern="100" dirty="0" smtClean="0">
+                          <a:effectLst/>
+                          <a:latin typeface="Segoe UI" panose="020B0502040204020203" pitchFamily="34" charset="0"/>
+                          <a:ea typeface="Segoe UI" panose="020B0502040204020203" pitchFamily="34" charset="0"/>
+                          <a:cs typeface="Segoe UI" panose="020B0502040204020203" pitchFamily="34" charset="0"/>
+                        </a:rPr>
+                        <a:t>, </a:t>
+                      </a:r>
+                      <a:r>
+                        <a:rPr lang="en-US" sz="1050" kern="100" dirty="0" err="1" smtClean="0">
+                          <a:effectLst/>
+                          <a:latin typeface="Segoe UI" panose="020B0502040204020203" pitchFamily="34" charset="0"/>
+                          <a:ea typeface="Segoe UI" panose="020B0502040204020203" pitchFamily="34" charset="0"/>
+                          <a:cs typeface="Segoe UI" panose="020B0502040204020203" pitchFamily="34" charset="0"/>
+                        </a:rPr>
+                        <a:t>php</a:t>
+                      </a:r>
+                      <a:r>
+                        <a:rPr lang="en-US" sz="1050" kern="100" dirty="0" smtClean="0">
+                          <a:effectLst/>
+                          <a:latin typeface="Segoe UI" panose="020B0502040204020203" pitchFamily="34" charset="0"/>
+                          <a:ea typeface="Segoe UI" panose="020B0502040204020203" pitchFamily="34" charset="0"/>
+                          <a:cs typeface="Segoe UI" panose="020B0502040204020203" pitchFamily="34" charset="0"/>
+                        </a:rPr>
+                        <a:t>-</a:t>
+                      </a:r>
+                      <a:r>
+                        <a:rPr lang="en-US" sz="1050" kern="100" dirty="0" err="1" smtClean="0">
+                          <a:effectLst/>
+                          <a:latin typeface="Segoe UI" panose="020B0502040204020203" pitchFamily="34" charset="0"/>
+                          <a:ea typeface="Segoe UI" panose="020B0502040204020203" pitchFamily="34" charset="0"/>
+                          <a:cs typeface="Segoe UI" panose="020B0502040204020203" pitchFamily="34" charset="0"/>
+                        </a:rPr>
+                        <a:t>pecl</a:t>
+                      </a:r>
+                      <a:r>
+                        <a:rPr lang="en-US" sz="1050" kern="100" dirty="0" smtClean="0">
+                          <a:effectLst/>
+                          <a:latin typeface="Segoe UI" panose="020B0502040204020203" pitchFamily="34" charset="0"/>
+                          <a:ea typeface="Segoe UI" panose="020B0502040204020203" pitchFamily="34" charset="0"/>
+                          <a:cs typeface="Segoe UI" panose="020B0502040204020203" pitchFamily="34" charset="0"/>
+                        </a:rPr>
+                        <a:t>-crypto</a:t>
+                      </a:r>
+                      <a:r>
+                        <a:rPr lang="en-US" altLang="ja-JP" sz="1050" kern="100" dirty="0" smtClean="0">
+                          <a:effectLst/>
+                          <a:latin typeface="Segoe UI" panose="020B0502040204020203" pitchFamily="34" charset="0"/>
+                          <a:ea typeface="Segoe UI" panose="020B0502040204020203" pitchFamily="34" charset="0"/>
+                          <a:cs typeface="Segoe UI" panose="020B0502040204020203" pitchFamily="34" charset="0"/>
+                        </a:rPr>
+                        <a:t>,</a:t>
+                      </a:r>
+                      <a:r>
+                        <a:rPr lang="en-US" altLang="ja-JP" sz="1050" kern="100" baseline="0" dirty="0" smtClean="0">
+                          <a:effectLst/>
+                          <a:latin typeface="Segoe UI" panose="020B0502040204020203" pitchFamily="34" charset="0"/>
+                          <a:ea typeface="Segoe UI" panose="020B0502040204020203" pitchFamily="34" charset="0"/>
+                          <a:cs typeface="Segoe UI" panose="020B0502040204020203" pitchFamily="34" charset="0"/>
+                        </a:rPr>
+                        <a:t> </a:t>
+                      </a:r>
+                      <a:r>
+                        <a:rPr lang="en-US" sz="1050" kern="100" dirty="0" err="1" smtClean="0">
+                          <a:effectLst/>
+                          <a:latin typeface="Segoe UI" panose="020B0502040204020203" pitchFamily="34" charset="0"/>
+                          <a:ea typeface="Segoe UI" panose="020B0502040204020203" pitchFamily="34" charset="0"/>
+                          <a:cs typeface="Segoe UI" panose="020B0502040204020203" pitchFamily="34" charset="0"/>
+                        </a:rPr>
+                        <a:t>php</a:t>
+                      </a:r>
+                      <a:r>
+                        <a:rPr lang="en-US" sz="1050" kern="100" dirty="0" smtClean="0">
+                          <a:effectLst/>
+                          <a:latin typeface="Segoe UI" panose="020B0502040204020203" pitchFamily="34" charset="0"/>
+                          <a:ea typeface="Segoe UI" panose="020B0502040204020203" pitchFamily="34" charset="0"/>
+                          <a:cs typeface="Segoe UI" panose="020B0502040204020203" pitchFamily="34" charset="0"/>
+                        </a:rPr>
+                        <a:t>-</a:t>
+                      </a:r>
+                      <a:r>
+                        <a:rPr lang="en-US" sz="1050" kern="100" dirty="0" err="1" smtClean="0">
+                          <a:effectLst/>
+                          <a:latin typeface="Segoe UI" panose="020B0502040204020203" pitchFamily="34" charset="0"/>
+                          <a:ea typeface="Segoe UI" panose="020B0502040204020203" pitchFamily="34" charset="0"/>
+                          <a:cs typeface="Segoe UI" panose="020B0502040204020203" pitchFamily="34" charset="0"/>
+                        </a:rPr>
+                        <a:t>pecl</a:t>
+                      </a:r>
+                      <a:r>
+                        <a:rPr lang="en-US" sz="1050" kern="100" dirty="0" smtClean="0">
+                          <a:effectLst/>
+                          <a:latin typeface="Segoe UI" panose="020B0502040204020203" pitchFamily="34" charset="0"/>
+                          <a:ea typeface="Segoe UI" panose="020B0502040204020203" pitchFamily="34" charset="0"/>
+                          <a:cs typeface="Segoe UI" panose="020B0502040204020203" pitchFamily="34" charset="0"/>
+                        </a:rPr>
+                        <a:t>-zip</a:t>
+                      </a:r>
+                      <a:r>
+                        <a:rPr lang="en-US" altLang="ja-JP" sz="1050" kern="100" dirty="0" smtClean="0">
+                          <a:effectLst/>
+                          <a:latin typeface="Segoe UI" panose="020B0502040204020203" pitchFamily="34" charset="0"/>
+                          <a:ea typeface="Segoe UI" panose="020B0502040204020203" pitchFamily="34" charset="0"/>
+                          <a:cs typeface="Segoe UI" panose="020B0502040204020203" pitchFamily="34" charset="0"/>
+                        </a:rPr>
+                        <a:t>, </a:t>
+                      </a:r>
+                      <a:r>
+                        <a:rPr lang="en-US" sz="1050" kern="100" dirty="0" smtClean="0">
+                          <a:effectLst/>
+                          <a:latin typeface="Segoe UI" panose="020B0502040204020203" pitchFamily="34" charset="0"/>
+                          <a:ea typeface="Segoe UI" panose="020B0502040204020203" pitchFamily="34" charset="0"/>
+                          <a:cs typeface="Segoe UI" panose="020B0502040204020203" pitchFamily="34" charset="0"/>
                         </a:rPr>
                         <a:t>php-process</a:t>
                       </a:r>
                       <a:r>
-                        <a:rPr lang="ja-JP" sz="1050" kern="100" dirty="0">
-                          <a:effectLst/>
-                        </a:rPr>
-                        <a:t>、</a:t>
-                      </a:r>
-                      <a:r>
-                        <a:rPr lang="en-US" sz="1050" kern="100" dirty="0">
-                          <a:effectLst/>
+                        <a:rPr lang="en-US" altLang="ja-JP" sz="1050" kern="100" dirty="0" smtClean="0">
+                          <a:effectLst/>
+                          <a:latin typeface="Segoe UI" panose="020B0502040204020203" pitchFamily="34" charset="0"/>
+                          <a:ea typeface="Segoe UI" panose="020B0502040204020203" pitchFamily="34" charset="0"/>
+                          <a:cs typeface="Segoe UI" panose="020B0502040204020203" pitchFamily="34" charset="0"/>
+                        </a:rPr>
+                        <a:t>, </a:t>
+                      </a:r>
+                      <a:r>
+                        <a:rPr lang="en-US" sz="1050" kern="100" dirty="0" smtClean="0">
+                          <a:effectLst/>
+                          <a:latin typeface="Segoe UI" panose="020B0502040204020203" pitchFamily="34" charset="0"/>
+                          <a:ea typeface="Segoe UI" panose="020B0502040204020203" pitchFamily="34" charset="0"/>
+                          <a:cs typeface="Segoe UI" panose="020B0502040204020203" pitchFamily="34" charset="0"/>
                         </a:rPr>
                         <a:t>php-snmp</a:t>
                       </a:r>
                       <a:r>
-                        <a:rPr lang="ja-JP" sz="1050" kern="100" dirty="0" err="1">
-                          <a:effectLst/>
-                        </a:rPr>
-                        <a:t>、</a:t>
+                        <a:rPr lang="en-US" altLang="ja-JP" sz="1050" kern="100" dirty="0" smtClean="0">
+                          <a:effectLst/>
+                          <a:latin typeface="Segoe UI" panose="020B0502040204020203" pitchFamily="34" charset="0"/>
+                          <a:ea typeface="Segoe UI" panose="020B0502040204020203" pitchFamily="34" charset="0"/>
+                          <a:cs typeface="Segoe UI" panose="020B0502040204020203" pitchFamily="34" charset="0"/>
+                        </a:rPr>
+                        <a:t>, </a:t>
                       </a:r>
                       <a:r>
                         <a:rPr lang="en-US" sz="1050" kern="100" dirty="0" err="1" smtClean="0">
                           <a:effectLst/>
+                          <a:latin typeface="Segoe UI" panose="020B0502040204020203" pitchFamily="34" charset="0"/>
+                          <a:ea typeface="Segoe UI" panose="020B0502040204020203" pitchFamily="34" charset="0"/>
+                          <a:cs typeface="Segoe UI" panose="020B0502040204020203" pitchFamily="34" charset="0"/>
                         </a:rPr>
                         <a:t>php</a:t>
                       </a:r>
                       <a:r>
                         <a:rPr lang="en-US" sz="1050" kern="100" dirty="0" smtClean="0">
                           <a:effectLst/>
+                          <a:latin typeface="Segoe UI" panose="020B0502040204020203" pitchFamily="34" charset="0"/>
+                          <a:ea typeface="Segoe UI" panose="020B0502040204020203" pitchFamily="34" charset="0"/>
+                          <a:cs typeface="Segoe UI" panose="020B0502040204020203" pitchFamily="34" charset="0"/>
                         </a:rPr>
                         <a:t>-xml</a:t>
                       </a:r>
                       <a:r>
-                        <a:rPr lang="ja-JP" altLang="en-US" sz="1050" kern="100" dirty="0" err="1" smtClean="0">
-                          <a:effectLst/>
-                        </a:rPr>
-                        <a:t>、</a:t>
+                        <a:rPr lang="en-US" sz="1050" kern="100" dirty="0" smtClean="0">
+                          <a:effectLst/>
+                          <a:latin typeface="+mn-lt"/>
+                          <a:ea typeface="+mn-ea"/>
+                          <a:cs typeface="+mn-cs"/>
+                        </a:rPr>
+                        <a:t>,</a:t>
+                      </a:r>
+                      <a:r>
+                        <a:rPr lang="en-US" sz="1050" kern="100" baseline="0" dirty="0" smtClean="0">
+                          <a:effectLst/>
+                          <a:latin typeface="+mn-lt"/>
+                          <a:ea typeface="+mn-ea"/>
+                          <a:cs typeface="+mn-cs"/>
+                        </a:rPr>
+                        <a:t>  </a:t>
                       </a:r>
                       <a:r>
                         <a:rPr lang="en-US" altLang="ja-JP" sz="1050" kern="100" dirty="0" err="1" smtClean="0">
@@ -21277,60 +21425,66 @@
                         <a:t>php-json</a:t>
                       </a:r>
                       <a:r>
-                        <a:rPr lang="ja-JP" altLang="en-US" sz="1050" kern="100" dirty="0" err="1" smtClean="0">
-                          <a:effectLst/>
-                        </a:rPr>
-                        <a:t>、</a:t>
-                      </a:r>
-                      <a:r>
                         <a:rPr lang="en-US" altLang="ja-JP" sz="1050" kern="100" dirty="0" smtClean="0">
                           <a:effectLst/>
                         </a:rPr>
+                        <a:t>,</a:t>
+                      </a:r>
+                      <a:r>
+                        <a:rPr lang="en-US" altLang="ja-JP" sz="1050" kern="100" baseline="0" dirty="0" smtClean="0">
+                          <a:effectLst/>
+                        </a:rPr>
+                        <a:t>  </a:t>
+                      </a:r>
+                      <a:r>
+                        <a:rPr lang="en-US" altLang="ja-JP" sz="1050" kern="100" dirty="0" err="1" smtClean="0">
+                          <a:effectLst/>
+                        </a:rPr>
+                        <a:t>php</a:t>
+                      </a:r>
+                      <a:r>
+                        <a:rPr lang="en-US" altLang="ja-JP" sz="1050" kern="100" dirty="0" smtClean="0">
+                          <a:effectLst/>
+                        </a:rPr>
+                        <a:t>-zip,</a:t>
+                      </a:r>
+                      <a:r>
+                        <a:rPr lang="en-US" altLang="ja-JP" sz="1050" kern="100" baseline="0" dirty="0" smtClean="0">
+                          <a:effectLst/>
+                        </a:rPr>
                         <a:t> </a:t>
                       </a:r>
                       <a:r>
+                        <a:rPr lang="en-US" altLang="ja-JP" sz="1050" kern="100" dirty="0" smtClean="0">
+                          <a:effectLst/>
+                        </a:rPr>
+                        <a:t> </a:t>
+                      </a:r>
+                      <a:r>
                         <a:rPr lang="en-US" altLang="ja-JP" sz="1050" kern="100" dirty="0" err="1" smtClean="0">
                           <a:effectLst/>
                         </a:rPr>
-                        <a:t>php</a:t>
+                        <a:t>php-gd</a:t>
                       </a:r>
                       <a:r>
                         <a:rPr lang="en-US" altLang="ja-JP" sz="1050" kern="100" dirty="0" smtClean="0">
                           <a:effectLst/>
                         </a:rPr>
-                        <a:t>-zip</a:t>
-                      </a:r>
-                      <a:r>
-                        <a:rPr lang="ja-JP" altLang="en-US" sz="1050" kern="100" dirty="0" err="1" smtClean="0">
-                          <a:effectLst/>
-                        </a:rPr>
-                        <a:t>、</a:t>
-                      </a:r>
-                      <a:r>
-                        <a:rPr lang="en-US" altLang="ja-JP" sz="1050" kern="100" dirty="0" smtClean="0">
-                          <a:effectLst/>
-                        </a:rPr>
-                        <a:t> </a:t>
-                      </a:r>
-                      <a:r>
-                        <a:rPr lang="en-US" altLang="ja-JP" sz="1050" kern="100" dirty="0" err="1" smtClean="0">
-                          <a:effectLst/>
-                        </a:rPr>
-                        <a:t>php-gd</a:t>
-                      </a:r>
-                      <a:r>
-                        <a:rPr lang="ja-JP" altLang="en-US" sz="1050" kern="100" dirty="0" err="1" smtClean="0">
-                          <a:effectLst/>
-                        </a:rPr>
-                        <a:t>、</a:t>
-                      </a:r>
-                      <a:r>
-                        <a:rPr lang="en-US" altLang="ja-JP" sz="1050" kern="100" dirty="0" smtClean="0">
+                        <a:t>,</a:t>
+                      </a:r>
+                      <a:r>
+                        <a:rPr lang="ja-JP" altLang="en-US" sz="1050" kern="100" baseline="0" dirty="0" smtClean="0">
+                          <a:effectLst/>
+                        </a:rPr>
+                        <a:t>　</a:t>
+                      </a:r>
+                      <a:r>
+                        <a:rPr lang="en-US" altLang="ja-JP" sz="1050" kern="100" baseline="0" dirty="0" smtClean="0">
                           <a:effectLst/>
                         </a:rPr>
                         <a:t>Python3</a:t>
                       </a:r>
-                      <a:endParaRPr lang="ja-JP" sz="1050" kern="100" dirty="0">
+                      <a:endParaRPr lang="ja-JP" altLang="ja-JP" sz="1050" kern="100" dirty="0" smtClean="0">
                         <a:effectLst/>
                         <a:latin typeface="Century" panose="02040604050505020304" pitchFamily="18" charset="0"/>
                         <a:ea typeface="ＭＳ 明朝" panose="02020609040205080304" pitchFamily="17" charset="-128"/>
@@ -21433,26 +21587,20 @@
                       <a:r>
                         <a:rPr lang="en-US" sz="1050" kern="100" dirty="0" err="1" smtClean="0">
                           <a:effectLst/>
+                          <a:latin typeface="Segoe UI" panose="020B0502040204020203" pitchFamily="34" charset="0"/>
+                          <a:ea typeface="Segoe UI" panose="020B0502040204020203" pitchFamily="34" charset="0"/>
+                          <a:cs typeface="Segoe UI" panose="020B0502040204020203" pitchFamily="34" charset="0"/>
                         </a:rPr>
                         <a:t>Spyc</a:t>
                       </a:r>
                       <a:r>
-                        <a:rPr lang="ja-JP" altLang="en-US" sz="1050" kern="100" dirty="0" err="1" smtClean="0">
-                          <a:effectLst/>
-                        </a:rPr>
-                        <a:t>、</a:t>
-                      </a:r>
-                      <a:r>
                         <a:rPr lang="en-US" sz="1050" kern="100" dirty="0" smtClean="0">
                           <a:effectLst/>
-                        </a:rPr>
-                        <a:t>HTML_AJAX-beta</a:t>
-                      </a:r>
-                      <a:r>
-                        <a:rPr lang="ja-JP" altLang="en-US" sz="1050" kern="100" dirty="0" err="1" smtClean="0">
-                          <a:effectLst/>
-                        </a:rPr>
-                        <a:t>、</a:t>
+                          <a:latin typeface="Segoe UI" panose="020B0502040204020203" pitchFamily="34" charset="0"/>
+                          <a:ea typeface="Segoe UI" panose="020B0502040204020203" pitchFamily="34" charset="0"/>
+                          <a:cs typeface="Segoe UI" panose="020B0502040204020203" pitchFamily="34" charset="0"/>
+                        </a:rPr>
+                        <a:t>, HTML_AJAX-beta, </a:t>
                       </a:r>
                       <a:r>
                         <a:rPr lang="en-US" altLang="ja-JP" sz="1050" kern="100" dirty="0" err="1" smtClean="0">
@@ -21462,9 +21610,9 @@
                       </a:r>
                       <a:endParaRPr lang="ja-JP" sz="1050" kern="100" dirty="0">
                         <a:effectLst/>
-                        <a:latin typeface="Century" panose="02040604050505020304" pitchFamily="18" charset="0"/>
+                        <a:latin typeface="Segoe UI" panose="020B0502040204020203" pitchFamily="34" charset="0"/>
                         <a:ea typeface="ＭＳ 明朝" panose="02020609040205080304" pitchFamily="17" charset="-128"/>
-                        <a:cs typeface="Times New Roman" panose="02020603050405020304" pitchFamily="18" charset="0"/>
+                        <a:cs typeface="Segoe UI" panose="020B0502040204020203" pitchFamily="34" charset="0"/>
                       </a:endParaRPr>
                     </a:p>
                   </a:txBody>
@@ -21554,14 +21702,17 @@
                       <a:r>
                         <a:rPr lang="en-US" sz="1050" kern="100" dirty="0" err="1" smtClean="0">
                           <a:effectLst/>
+                          <a:latin typeface="Segoe UI" panose="020B0502040204020203" pitchFamily="34" charset="0"/>
+                          <a:ea typeface="Segoe UI" panose="020B0502040204020203" pitchFamily="34" charset="0"/>
+                          <a:cs typeface="Segoe UI" panose="020B0502040204020203" pitchFamily="34" charset="0"/>
                         </a:rPr>
                         <a:t>Git</a:t>
                       </a:r>
                       <a:endParaRPr lang="ja-JP" sz="1050" kern="100" dirty="0">
                         <a:effectLst/>
-                        <a:latin typeface="Century" panose="02040604050505020304" pitchFamily="18" charset="0"/>
+                        <a:latin typeface="Segoe UI" panose="020B0502040204020203" pitchFamily="34" charset="0"/>
                         <a:ea typeface="ＭＳ 明朝" panose="02020609040205080304" pitchFamily="17" charset="-128"/>
-                        <a:cs typeface="Times New Roman" panose="02020603050405020304" pitchFamily="18" charset="0"/>
+                        <a:cs typeface="Segoe UI" panose="020B0502040204020203" pitchFamily="34" charset="0"/>
                       </a:endParaRPr>
                     </a:p>
                   </a:txBody>
@@ -21643,30 +21794,96 @@
                     <a:bodyPr/>
                     <a:lstStyle/>
                     <a:p>
-                      <a:pPr algn="just">
+                      <a:pPr marL="0" marR="0" lvl="0" indent="0" algn="just" defTabSz="914400" rtl="0" eaLnBrk="1" fontAlgn="auto" latinLnBrk="0" hangingPunct="1">
+                        <a:lnSpc>
+                          <a:spcPct val="100000"/>
+                        </a:lnSpc>
+                        <a:spcBef>
+                          <a:spcPts val="0"/>
+                        </a:spcBef>
                         <a:spcAft>
                           <a:spcPts val="0"/>
                         </a:spcAft>
+                        <a:buClrTx/>
+                        <a:buSzTx/>
+                        <a:buFontTx/>
+                        <a:buNone/>
+                        <a:tabLst/>
+                        <a:defRPr/>
                       </a:pPr>
                       <a:r>
-                        <a:rPr lang="en-US" sz="1050" kern="100" dirty="0" err="1">
-                          <a:effectLst/>
+                        <a:rPr lang="en-US" sz="1050" kern="100" dirty="0" err="1" smtClean="0">
+                          <a:effectLst/>
+                          <a:latin typeface="Segoe UI" panose="020B0502040204020203" pitchFamily="34" charset="0"/>
+                          <a:ea typeface="Segoe UI" panose="020B0502040204020203" pitchFamily="34" charset="0"/>
+                          <a:cs typeface="Segoe UI" panose="020B0502040204020203" pitchFamily="34" charset="0"/>
                         </a:rPr>
                         <a:t>ansible</a:t>
                       </a:r>
                       <a:r>
-                        <a:rPr lang="ja-JP" sz="1050" kern="100" dirty="0" err="1" smtClean="0">
-                          <a:effectLst/>
-                        </a:rPr>
-                        <a:t>、</a:t>
+                        <a:rPr lang="en-US" altLang="ja-JP" sz="1050" kern="100" dirty="0" smtClean="0">
+                          <a:effectLst/>
+                          <a:latin typeface="Segoe UI" panose="020B0502040204020203" pitchFamily="34" charset="0"/>
+                          <a:ea typeface="Segoe UI" panose="020B0502040204020203" pitchFamily="34" charset="0"/>
+                          <a:cs typeface="Segoe UI" panose="020B0502040204020203" pitchFamily="34" charset="0"/>
+                        </a:rPr>
+                        <a:t>, </a:t>
                       </a:r>
                       <a:r>
                         <a:rPr lang="en-US" altLang="ja-JP" sz="1050" kern="100" dirty="0" err="1" smtClean="0">
                           <a:effectLst/>
+                          <a:latin typeface="Segoe UI" panose="020B0502040204020203" pitchFamily="34" charset="0"/>
+                          <a:ea typeface="Segoe UI" panose="020B0502040204020203" pitchFamily="34" charset="0"/>
+                          <a:cs typeface="Segoe UI" panose="020B0502040204020203" pitchFamily="34" charset="0"/>
                         </a:rPr>
                         <a:t>sshpass</a:t>
                       </a:r>
-                      <a:endParaRPr lang="ja-JP" sz="1050" kern="100" dirty="0">
+                      <a:r>
+                        <a:rPr lang="en-US" altLang="ja-JP" sz="1050" kern="100" dirty="0" smtClean="0">
+                          <a:effectLst/>
+                          <a:latin typeface="Segoe UI" panose="020B0502040204020203" pitchFamily="34" charset="0"/>
+                          <a:ea typeface="Segoe UI" panose="020B0502040204020203" pitchFamily="34" charset="0"/>
+                          <a:cs typeface="Segoe UI" panose="020B0502040204020203" pitchFamily="34" charset="0"/>
+                        </a:rPr>
+                        <a:t>, </a:t>
+                      </a:r>
+                      <a:r>
+                        <a:rPr lang="en-US" altLang="ja-JP" sz="1050" kern="100" dirty="0" err="1" smtClean="0">
+                          <a:effectLst/>
+                        </a:rPr>
+                        <a:t>pexpect</a:t>
+                      </a:r>
+                      <a:r>
+                        <a:rPr lang="en-US" altLang="ja-JP" sz="1050" kern="100" dirty="0" smtClean="0">
+                          <a:effectLst/>
+                          <a:latin typeface="Segoe UI" panose="020B0502040204020203" pitchFamily="34" charset="0"/>
+                          <a:ea typeface="Segoe UI" panose="020B0502040204020203" pitchFamily="34" charset="0"/>
+                          <a:cs typeface="Segoe UI" panose="020B0502040204020203" pitchFamily="34" charset="0"/>
+                        </a:rPr>
+                        <a:t>, </a:t>
+                      </a:r>
+                      <a:r>
+                        <a:rPr lang="en-US" altLang="ja-JP" sz="1050" kern="100" dirty="0" err="1" smtClean="0">
+                          <a:effectLst/>
+                        </a:rPr>
+                        <a:t>pywinrm</a:t>
+                      </a:r>
+                      <a:r>
+                        <a:rPr lang="en-US" altLang="ja-JP" sz="1050" kern="100" dirty="0" smtClean="0">
+                          <a:effectLst/>
+                          <a:latin typeface="Segoe UI" panose="020B0502040204020203" pitchFamily="34" charset="0"/>
+                          <a:ea typeface="Segoe UI" panose="020B0502040204020203" pitchFamily="34" charset="0"/>
+                          <a:cs typeface="Segoe UI" panose="020B0502040204020203" pitchFamily="34" charset="0"/>
+                        </a:rPr>
+                        <a:t>, </a:t>
+                      </a:r>
+                      <a:r>
+                        <a:rPr lang="en-US" altLang="ja-JP" sz="1050" kern="100" dirty="0" smtClean="0">
+                          <a:effectLst/>
+                        </a:rPr>
+                        <a:t>boto3</a:t>
+                      </a:r>
+                      <a:endParaRPr lang="ja-JP" altLang="ja-JP" sz="1050" kern="100" dirty="0" smtClean="0">
                         <a:effectLst/>
                         <a:latin typeface="Century" panose="02040604050505020304" pitchFamily="18" charset="0"/>
                         <a:ea typeface="ＭＳ 明朝" panose="02020609040205080304" pitchFamily="17" charset="-128"/>
@@ -22281,24 +22498,56 @@
               <a:t>　 動作確認（</a:t>
             </a:r>
             <a:r>
+              <a:rPr lang="en-US" altLang="zh-TW" sz="1400" dirty="0" smtClean="0">
+                <a:latin typeface="+mn-ea"/>
+              </a:rPr>
+              <a:t>1/6</a:t>
+            </a:r>
+            <a:r>
+              <a:rPr lang="zh-TW" altLang="en-US" sz="1400" dirty="0" smtClean="0">
+                <a:latin typeface="+mn-ea"/>
+              </a:rPr>
+              <a:t>）</a:t>
+            </a:r>
+            <a:endParaRPr lang="zh-TW" altLang="en-US" sz="1400" dirty="0">
+              <a:latin typeface="+mn-ea"/>
+            </a:endParaRPr>
+          </a:p>
+          <a:p>
+            <a:r>
               <a:rPr lang="en-US" altLang="zh-TW" sz="1400" dirty="0">
                 <a:latin typeface="+mn-ea"/>
               </a:rPr>
-              <a:t>1/5</a:t>
+              <a:t>    4.2</a:t>
             </a:r>
             <a:r>
               <a:rPr lang="zh-TW" altLang="en-US" sz="1400" dirty="0">
                 <a:latin typeface="+mn-ea"/>
               </a:rPr>
+              <a:t>　 動作確認（</a:t>
+            </a:r>
+            <a:r>
+              <a:rPr lang="en-US" altLang="zh-TW" sz="1400" dirty="0" smtClean="0">
+                <a:latin typeface="+mn-ea"/>
+              </a:rPr>
+              <a:t>2/6</a:t>
+            </a:r>
+            <a:r>
+              <a:rPr lang="zh-TW" altLang="en-US" sz="1400" dirty="0" smtClean="0">
+                <a:latin typeface="+mn-ea"/>
+              </a:rPr>
               <a:t>）</a:t>
             </a:r>
+            <a:endParaRPr lang="zh-TW" altLang="en-US" sz="1400" dirty="0">
+              <a:latin typeface="+mn-ea"/>
+            </a:endParaRPr>
           </a:p>
           <a:p>
             <a:r>
               <a:rPr lang="en-US" altLang="zh-TW" sz="1400" dirty="0">
                 <a:latin typeface="+mn-ea"/>
               </a:rPr>
-              <a:t>    4.2</a:t>
+              <a:t>    4.3</a:t>
             </a:r>
             <a:r>
               <a:rPr lang="zh-TW" altLang="en-US" sz="1400" dirty="0">
@@ -22307,24 +22556,56 @@
               <a:t>　 動作確認（</a:t>
             </a:r>
             <a:r>
+              <a:rPr lang="en-US" altLang="zh-TW" sz="1400" dirty="0" smtClean="0">
+                <a:latin typeface="+mn-ea"/>
+              </a:rPr>
+              <a:t>3/6</a:t>
+            </a:r>
+            <a:r>
+              <a:rPr lang="zh-TW" altLang="en-US" sz="1400" dirty="0" smtClean="0">
+                <a:latin typeface="+mn-ea"/>
+              </a:rPr>
+              <a:t>）</a:t>
+            </a:r>
+            <a:endParaRPr lang="zh-TW" altLang="en-US" sz="1400" dirty="0">
+              <a:latin typeface="+mn-ea"/>
+            </a:endParaRPr>
+          </a:p>
+          <a:p>
+            <a:r>
               <a:rPr lang="en-US" altLang="zh-TW" sz="1400" dirty="0">
                 <a:latin typeface="+mn-ea"/>
               </a:rPr>
-              <a:t>2/5</a:t>
+              <a:t>    4.4</a:t>
             </a:r>
             <a:r>
               <a:rPr lang="zh-TW" altLang="en-US" sz="1400" dirty="0">
                 <a:latin typeface="+mn-ea"/>
               </a:rPr>
+              <a:t>　 動作確認（</a:t>
+            </a:r>
+            <a:r>
+              <a:rPr lang="en-US" altLang="zh-TW" sz="1400" dirty="0" smtClean="0">
+                <a:latin typeface="+mn-ea"/>
+              </a:rPr>
+              <a:t>4/6</a:t>
+            </a:r>
+            <a:r>
+              <a:rPr lang="zh-TW" altLang="en-US" sz="1400" dirty="0" smtClean="0">
+                <a:latin typeface="+mn-ea"/>
+              </a:rPr>
               <a:t>）</a:t>
             </a:r>
+            <a:endParaRPr lang="zh-TW" altLang="en-US" sz="1400" dirty="0">
+              <a:latin typeface="+mn-ea"/>
+            </a:endParaRPr>
           </a:p>
           <a:p>
             <a:r>
               <a:rPr lang="en-US" altLang="zh-TW" sz="1400" dirty="0">
                 <a:latin typeface="+mn-ea"/>
               </a:rPr>
-              <a:t>    4.3</a:t>
+              <a:t>    4.5</a:t>
             </a:r>
             <a:r>
               <a:rPr lang="zh-TW" altLang="en-US" sz="1400" dirty="0">
@@ -22333,68 +22614,98 @@
               <a:t>　 動作確認（</a:t>
             </a:r>
             <a:r>
+              <a:rPr lang="en-US" altLang="zh-TW" sz="1400" dirty="0" smtClean="0">
+                <a:latin typeface="+mn-ea"/>
+              </a:rPr>
+              <a:t>5/6</a:t>
+            </a:r>
+            <a:r>
+              <a:rPr lang="zh-TW" altLang="en-US" sz="1400" dirty="0" smtClean="0">
+                <a:latin typeface="+mn-ea"/>
+              </a:rPr>
+              <a:t>）</a:t>
+            </a:r>
+            <a:endParaRPr lang="en-US" altLang="zh-TW" sz="1400" dirty="0" smtClean="0">
+              <a:latin typeface="+mn-ea"/>
+            </a:endParaRPr>
+          </a:p>
+          <a:p>
+            <a:r>
               <a:rPr lang="en-US" altLang="zh-TW" sz="1400" dirty="0">
                 <a:latin typeface="+mn-ea"/>
               </a:rPr>
-              <a:t>3/5</a:t>
+              <a:t>  </a:t>
+            </a:r>
+            <a:r>
+              <a:rPr lang="ja-JP" altLang="en-US" sz="1400" dirty="0">
+                <a:latin typeface="+mn-ea"/>
+              </a:rPr>
+              <a:t> </a:t>
+            </a:r>
+            <a:r>
+              <a:rPr lang="ja-JP" altLang="en-US" sz="1400" dirty="0" smtClean="0">
+                <a:latin typeface="+mn-ea"/>
+              </a:rPr>
+              <a:t> </a:t>
+            </a:r>
+            <a:r>
+              <a:rPr lang="en-US" altLang="zh-TW" sz="1400" dirty="0" smtClean="0">
+                <a:latin typeface="+mn-ea"/>
+              </a:rPr>
+              <a:t>4.6</a:t>
             </a:r>
             <a:r>
               <a:rPr lang="zh-TW" altLang="en-US" sz="1400" dirty="0">
                 <a:latin typeface="+mn-ea"/>
               </a:rPr>
+              <a:t>　 動作確認</a:t>
+            </a:r>
+            <a:r>
+              <a:rPr lang="zh-TW" altLang="en-US" sz="1400" dirty="0" smtClean="0">
+                <a:latin typeface="+mn-ea"/>
+              </a:rPr>
+              <a:t>（</a:t>
+            </a:r>
+            <a:r>
+              <a:rPr lang="en-US" altLang="zh-TW" sz="1400" dirty="0" smtClean="0">
+                <a:latin typeface="+mn-ea"/>
+              </a:rPr>
+              <a:t>6/6</a:t>
+            </a:r>
+            <a:r>
+              <a:rPr lang="zh-TW" altLang="en-US" sz="1400" dirty="0" smtClean="0">
+                <a:latin typeface="+mn-ea"/>
+              </a:rPr>
               <a:t>）</a:t>
             </a:r>
+            <a:endParaRPr lang="en-US" altLang="zh-TW" sz="1400" dirty="0" smtClean="0">
+              <a:latin typeface="+mn-ea"/>
+            </a:endParaRPr>
           </a:p>
           <a:p>
             <a:r>
               <a:rPr lang="en-US" altLang="zh-TW" sz="1400" dirty="0">
                 <a:latin typeface="+mn-ea"/>
               </a:rPr>
-              <a:t>    4.4</a:t>
+              <a:t> </a:t>
+            </a:r>
+            <a:r>
+              <a:rPr lang="en-US" altLang="zh-TW" sz="1400" dirty="0" smtClean="0">
+                <a:latin typeface="+mn-ea"/>
+              </a:rPr>
+              <a:t>   4.7</a:t>
             </a:r>
             <a:r>
               <a:rPr lang="zh-TW" altLang="en-US" sz="1400" dirty="0">
                 <a:latin typeface="+mn-ea"/>
               </a:rPr>
-              <a:t>　 動作確認（</a:t>
-            </a:r>
-            <a:r>
-              <a:rPr lang="en-US" altLang="zh-TW" sz="1400" dirty="0">
+              <a:t>　 </a:t>
+            </a:r>
+            <a:r>
+              <a:rPr lang="ja-JP" altLang="en-US" sz="1400" dirty="0" smtClean="0">
                 <a:latin typeface="+mn-ea"/>
               </a:rPr>
-              <a:t>4/5</a:t>
-            </a:r>
-            <a:r>
-              <a:rPr lang="zh-TW" altLang="en-US" sz="1400" dirty="0">
-                <a:latin typeface="+mn-ea"/>
-              </a:rPr>
-              <a:t>）</a:t>
-            </a:r>
-          </a:p>
-          <a:p>
-            <a:r>
-              <a:rPr lang="en-US" altLang="zh-TW" sz="1400" dirty="0">
-                <a:latin typeface="+mn-ea"/>
-              </a:rPr>
-              <a:t>    4.5</a:t>
-            </a:r>
-            <a:r>
-              <a:rPr lang="zh-TW" altLang="en-US" sz="1400" dirty="0">
-                <a:latin typeface="+mn-ea"/>
-              </a:rPr>
-              <a:t>　 動作確認（</a:t>
-            </a:r>
-            <a:r>
-              <a:rPr lang="en-US" altLang="zh-TW" sz="1400" dirty="0">
-                <a:latin typeface="+mn-ea"/>
-              </a:rPr>
-              <a:t>5/5</a:t>
-            </a:r>
-            <a:r>
-              <a:rPr lang="zh-TW" altLang="en-US" sz="1400" dirty="0">
-                <a:latin typeface="+mn-ea"/>
-              </a:rPr>
-              <a:t>）</a:t>
+              <a:t>参考</a:t>
             </a:r>
             <a:endParaRPr lang="en-US" altLang="ja-JP" sz="1400" dirty="0">
               <a:latin typeface="+mn-ea"/>
@@ -22532,691 +22843,8 @@
           <a:lstStyle/>
           <a:p>
             <a:r>
-              <a:rPr lang="en-US" altLang="ja-JP" dirty="0"/>
-              <a:t>4</a:t>
-            </a:r>
-            <a:r>
               <a:rPr lang="en-US" altLang="ja-JP" dirty="0" smtClean="0"/>
-              <a:t>.1</a:t>
-            </a:r>
-            <a:r>
-              <a:rPr lang="ja-JP" altLang="en-US" dirty="0"/>
-              <a:t>　</a:t>
-            </a:r>
-            <a:r>
-              <a:rPr lang="ja-JP" altLang="en-US" dirty="0" smtClean="0"/>
-              <a:t>動作確認（</a:t>
-            </a:r>
-            <a:r>
-              <a:rPr lang="en-US" altLang="ja-JP" dirty="0" smtClean="0"/>
-              <a:t>1/5</a:t>
-            </a:r>
-            <a:r>
-              <a:rPr lang="ja-JP" altLang="en-US" dirty="0" smtClean="0"/>
-              <a:t>）</a:t>
-            </a:r>
-            <a:endParaRPr kumimoji="1" lang="ja-JP" altLang="en-US" dirty="0"/>
-          </a:p>
-        </p:txBody>
-      </p:sp>
-      <p:sp>
-        <p:nvSpPr>
-          <p:cNvPr id="3" name="コンテンツ プレースホルダー 2"/>
-          <p:cNvSpPr>
-            <a:spLocks noGrp="1"/>
-          </p:cNvSpPr>
-          <p:nvPr>
-            <p:ph sz="quarter" idx="10"/>
-          </p:nvPr>
-        </p:nvSpPr>
-        <p:spPr/>
-        <p:txBody>
-          <a:bodyPr/>
-          <a:lstStyle/>
-          <a:p>
-            <a:r>
-              <a:rPr lang="ja-JP" altLang="en-US" dirty="0" smtClean="0"/>
-              <a:t>メインメニュー</a:t>
-            </a:r>
-            <a:r>
-              <a:rPr lang="ja-JP" altLang="en-US" dirty="0"/>
-              <a:t>の表示による確認</a:t>
-            </a:r>
-          </a:p>
-          <a:p>
-            <a:pPr lvl="1"/>
-            <a:r>
-              <a:rPr lang="ja-JP" altLang="en-US" dirty="0"/>
-              <a:t>インストール処理終了後、自端末の</a:t>
-            </a:r>
-            <a:r>
-              <a:rPr lang="en-US" altLang="ja-JP" dirty="0"/>
-              <a:t>WindowsPC</a:t>
-            </a:r>
-            <a:r>
-              <a:rPr lang="ja-JP" altLang="en-US" dirty="0"/>
-              <a:t>から下記の手順により</a:t>
-            </a:r>
-            <a:r>
-              <a:rPr lang="ja-JP" altLang="en-US" dirty="0" smtClean="0"/>
-              <a:t>、</a:t>
-            </a:r>
-            <a:r>
-              <a:rPr lang="en-US" altLang="ja-JP" dirty="0" smtClean="0"/>
-              <a:t>ITA</a:t>
-            </a:r>
-            <a:r>
-              <a:rPr lang="ja-JP" altLang="en-US" dirty="0" smtClean="0"/>
-              <a:t>システムメインメニュー</a:t>
-            </a:r>
-            <a:r>
-              <a:rPr lang="ja-JP" altLang="en-US" dirty="0"/>
-              <a:t>にアクセスし</a:t>
-            </a:r>
-            <a:r>
-              <a:rPr lang="ja-JP" altLang="en-US" dirty="0" smtClean="0"/>
-              <a:t>、</a:t>
-            </a:r>
-            <a:r>
-              <a:rPr lang="en-US" altLang="ja-JP" dirty="0" smtClean="0"/>
-              <a:t>ITA</a:t>
-            </a:r>
-            <a:r>
-              <a:rPr lang="ja-JP" altLang="en-US" dirty="0" smtClean="0"/>
-              <a:t>本体</a:t>
-            </a:r>
-            <a:r>
-              <a:rPr lang="ja-JP" altLang="en-US" dirty="0"/>
-              <a:t>、各ドライバーが正常に表示されたことを確認してください。</a:t>
-            </a:r>
-          </a:p>
-          <a:p>
-            <a:pPr lvl="1"/>
-            <a:endParaRPr lang="ja-JP" altLang="en-US" dirty="0"/>
-          </a:p>
-          <a:p>
-            <a:r>
-              <a:rPr lang="ja-JP" altLang="en-US" dirty="0" smtClean="0"/>
-              <a:t>準備</a:t>
-            </a:r>
-            <a:r>
-              <a:rPr lang="ja-JP" altLang="en-US" dirty="0"/>
-              <a:t>作業</a:t>
-            </a:r>
-          </a:p>
-          <a:p>
-            <a:pPr lvl="1"/>
-            <a:r>
-              <a:rPr lang="ja-JP" altLang="en-US" dirty="0" smtClean="0"/>
-              <a:t>操作</a:t>
-            </a:r>
-            <a:r>
-              <a:rPr lang="ja-JP" altLang="en-US" dirty="0"/>
-              <a:t>端末（</a:t>
-            </a:r>
-            <a:r>
-              <a:rPr lang="en-US" altLang="ja-JP" dirty="0"/>
-              <a:t>Windows</a:t>
-            </a:r>
-            <a:r>
-              <a:rPr lang="ja-JP" altLang="en-US" dirty="0"/>
-              <a:t>）の</a:t>
-            </a:r>
-            <a:r>
-              <a:rPr lang="en-US" altLang="ja-JP" dirty="0"/>
-              <a:t>hosts</a:t>
-            </a:r>
-            <a:r>
-              <a:rPr lang="ja-JP" altLang="en-US" dirty="0"/>
-              <a:t>ファイル</a:t>
-            </a:r>
-            <a:r>
-              <a:rPr lang="ja-JP" altLang="en-US" dirty="0" smtClean="0"/>
-              <a:t>へ</a:t>
-            </a:r>
-            <a:r>
-              <a:rPr lang="en-US" altLang="ja-JP" dirty="0" smtClean="0"/>
-              <a:t>ITA</a:t>
-            </a:r>
-            <a:r>
-              <a:rPr lang="ja-JP" altLang="en-US" dirty="0" smtClean="0"/>
-              <a:t>実装</a:t>
-            </a:r>
-            <a:r>
-              <a:rPr lang="ja-JP" altLang="en-US" dirty="0"/>
-              <a:t>サーバの</a:t>
-            </a:r>
-            <a:r>
-              <a:rPr lang="en-US" altLang="ja-JP" dirty="0"/>
-              <a:t>IP</a:t>
-            </a:r>
-            <a:r>
-              <a:rPr lang="ja-JP" altLang="en-US" dirty="0"/>
-              <a:t>アドレスとホスト名を</a:t>
-            </a:r>
-            <a:r>
-              <a:rPr lang="ja-JP" altLang="en-US" dirty="0" smtClean="0"/>
-              <a:t>設定してください</a:t>
-            </a:r>
-            <a:r>
-              <a:rPr lang="ja-JP" altLang="en-US" dirty="0" smtClean="0"/>
-              <a:t>。</a:t>
-            </a:r>
-            <a:r>
-              <a:rPr lang="en-US" altLang="ja-JP" dirty="0" smtClean="0"/>
-              <a:t/>
-            </a:r>
-            <a:br>
-              <a:rPr lang="en-US" altLang="ja-JP" dirty="0" smtClean="0"/>
-            </a:br>
-            <a:r>
-              <a:rPr lang="en-US" altLang="ja-JP" b="1" dirty="0" smtClean="0">
-                <a:solidFill>
-                  <a:srgbClr val="FF0000"/>
-                </a:solidFill>
-              </a:rPr>
-              <a:t>※</a:t>
-            </a:r>
-            <a:r>
-              <a:rPr lang="en-US" altLang="ja-JP" b="1" dirty="0" smtClean="0">
-                <a:solidFill>
-                  <a:srgbClr val="FF0000"/>
-                </a:solidFill>
-              </a:rPr>
-              <a:t>http</a:t>
-            </a:r>
-            <a:r>
-              <a:rPr lang="ja-JP" altLang="en-US" b="1" dirty="0">
-                <a:solidFill>
-                  <a:srgbClr val="FF0000"/>
-                </a:solidFill>
-              </a:rPr>
-              <a:t>アクセスを</a:t>
-            </a:r>
-            <a:r>
-              <a:rPr lang="ja-JP" altLang="en-US" b="1" dirty="0" smtClean="0">
-                <a:solidFill>
-                  <a:srgbClr val="FF0000"/>
-                </a:solidFill>
-              </a:rPr>
-              <a:t>許可して</a:t>
-            </a:r>
-            <a:r>
-              <a:rPr lang="en-US" altLang="ja-JP" b="1" dirty="0" smtClean="0">
-                <a:solidFill>
-                  <a:srgbClr val="FF0000"/>
-                </a:solidFill>
-              </a:rPr>
-              <a:t>IP</a:t>
-            </a:r>
-            <a:r>
-              <a:rPr lang="ja-JP" altLang="en-US" b="1" dirty="0">
-                <a:solidFill>
-                  <a:srgbClr val="FF0000"/>
-                </a:solidFill>
-              </a:rPr>
-              <a:t>アドレスでのアクセスを可能</a:t>
-            </a:r>
-            <a:r>
-              <a:rPr lang="ja-JP" altLang="en-US" b="1" dirty="0" smtClean="0">
-                <a:solidFill>
-                  <a:srgbClr val="FF0000"/>
-                </a:solidFill>
-              </a:rPr>
-              <a:t>にしたり、</a:t>
-            </a:r>
-            <a:r>
-              <a:rPr lang="en-US" altLang="ja-JP" b="1" dirty="0" smtClean="0">
-                <a:solidFill>
-                  <a:srgbClr val="FF0000"/>
-                </a:solidFill>
-              </a:rPr>
-              <a:t>DNS</a:t>
-            </a:r>
-            <a:r>
-              <a:rPr lang="ja-JP" altLang="en-US" b="1" dirty="0" smtClean="0">
-                <a:solidFill>
-                  <a:srgbClr val="FF0000"/>
-                </a:solidFill>
-              </a:rPr>
-              <a:t>サーバにホスト名を登録する等の対応を行えば、本作業は不要となります。</a:t>
-            </a:r>
-            <a:r>
-              <a:rPr lang="en-US" altLang="ja-JP" b="1" dirty="0" smtClean="0">
-                <a:solidFill>
-                  <a:srgbClr val="FF0000"/>
-                </a:solidFill>
-              </a:rPr>
-              <a:t/>
-            </a:r>
-            <a:br>
-              <a:rPr lang="en-US" altLang="ja-JP" b="1" dirty="0" smtClean="0">
-                <a:solidFill>
-                  <a:srgbClr val="FF0000"/>
-                </a:solidFill>
-              </a:rPr>
-            </a:br>
-            <a:r>
-              <a:rPr lang="en-US" altLang="ja-JP" b="1" dirty="0" smtClean="0">
-                <a:solidFill>
-                  <a:srgbClr val="FF0000"/>
-                </a:solidFill>
-              </a:rPr>
-              <a:t>http</a:t>
-            </a:r>
-            <a:r>
-              <a:rPr lang="ja-JP" altLang="en-US" b="1" dirty="0" smtClean="0">
-                <a:solidFill>
-                  <a:srgbClr val="FF0000"/>
-                </a:solidFill>
-              </a:rPr>
-              <a:t>アクセスを許可する手順は</a:t>
-            </a:r>
-            <a:r>
-              <a:rPr lang="en-US" altLang="ja-JP" b="1" dirty="0" smtClean="0">
-                <a:solidFill>
-                  <a:srgbClr val="FF0000"/>
-                </a:solidFill>
-              </a:rPr>
-              <a:t>4.5</a:t>
-            </a:r>
-            <a:r>
-              <a:rPr lang="ja-JP" altLang="en-US" b="1" dirty="0" smtClean="0">
-                <a:solidFill>
-                  <a:srgbClr val="FF0000"/>
-                </a:solidFill>
-              </a:rPr>
-              <a:t>章を確認してください。</a:t>
-            </a:r>
-            <a:r>
-              <a:rPr lang="en-US" altLang="ja-JP" dirty="0" smtClean="0"/>
-              <a:t/>
-            </a:r>
-            <a:br>
-              <a:rPr lang="en-US" altLang="ja-JP" dirty="0" smtClean="0"/>
-            </a:br>
-            <a:endParaRPr lang="en-US" altLang="ja-JP" dirty="0"/>
-          </a:p>
-          <a:p>
-            <a:pPr lvl="1"/>
-            <a:r>
-              <a:rPr lang="en-US" altLang="ja-JP" dirty="0" smtClean="0"/>
-              <a:t>Windows10</a:t>
-            </a:r>
-            <a:r>
-              <a:rPr lang="ja-JP" altLang="ja-JP" dirty="0" smtClean="0"/>
-              <a:t>の</a:t>
-            </a:r>
-            <a:r>
-              <a:rPr lang="ja-JP" altLang="ja-JP" dirty="0"/>
-              <a:t>場合、以下の</a:t>
-            </a:r>
-            <a:r>
-              <a:rPr lang="en-US" altLang="ja-JP" dirty="0"/>
-              <a:t>hosts</a:t>
-            </a:r>
-            <a:r>
-              <a:rPr lang="ja-JP" altLang="ja-JP" dirty="0"/>
-              <a:t>ファイルとなります</a:t>
-            </a:r>
-            <a:r>
-              <a:rPr lang="ja-JP" altLang="ja-JP" dirty="0" smtClean="0"/>
-              <a:t>。</a:t>
-            </a:r>
-            <a:endParaRPr lang="en-US" altLang="ja-JP" dirty="0" smtClean="0"/>
-          </a:p>
-          <a:p>
-            <a:pPr lvl="1"/>
-            <a:endParaRPr lang="en-US" altLang="ja-JP" dirty="0" smtClean="0"/>
-          </a:p>
-          <a:p>
-            <a:pPr lvl="1"/>
-            <a:endParaRPr lang="en-US" altLang="ja-JP" dirty="0"/>
-          </a:p>
-          <a:p>
-            <a:pPr lvl="1"/>
-            <a:r>
-              <a:rPr lang="en-US" altLang="ja-JP" dirty="0"/>
-              <a:t>hosts</a:t>
-            </a:r>
-            <a:r>
-              <a:rPr lang="ja-JP" altLang="ja-JP" dirty="0"/>
-              <a:t>ファイルに以下の設定を追加してください。</a:t>
-            </a:r>
-            <a:endParaRPr lang="ja-JP" altLang="en-US" dirty="0"/>
-          </a:p>
-          <a:p>
-            <a:pPr lvl="1"/>
-            <a:endParaRPr kumimoji="1" lang="ja-JP" altLang="en-US" dirty="0"/>
-          </a:p>
-        </p:txBody>
-      </p:sp>
-      <p:graphicFrame>
-        <p:nvGraphicFramePr>
-          <p:cNvPr id="4" name="表 3"/>
-          <p:cNvGraphicFramePr>
-            <a:graphicFrameLocks noGrp="1"/>
-          </p:cNvGraphicFramePr>
-          <p:nvPr>
-            <p:extLst>
-              <p:ext uri="{D42A27DB-BD31-4B8C-83A1-F6EECF244321}">
-                <p14:modId xmlns:p14="http://schemas.microsoft.com/office/powerpoint/2010/main" val="46590947"/>
-              </p:ext>
-            </p:extLst>
-          </p:nvPr>
-        </p:nvGraphicFramePr>
-        <p:xfrm>
-          <a:off x="1829118" y="4509150"/>
-          <a:ext cx="5485765" cy="316230"/>
-        </p:xfrm>
-        <a:graphic>
-          <a:graphicData uri="http://schemas.openxmlformats.org/drawingml/2006/table">
-            <a:tbl>
-              <a:tblPr firstRow="1" firstCol="1" bandRow="1">
-                <a:tableStyleId>{5C22544A-7EE6-4342-B048-85BDC9FD1C3A}</a:tableStyleId>
-              </a:tblPr>
-              <a:tblGrid>
-                <a:gridCol w="5485765">
-                  <a:extLst>
-                    <a:ext uri="{9D8B030D-6E8A-4147-A177-3AD203B41FA5}">
-                      <a16:colId xmlns:a16="http://schemas.microsoft.com/office/drawing/2014/main" val="20000"/>
-                    </a:ext>
-                  </a:extLst>
-                </a:gridCol>
-              </a:tblGrid>
-              <a:tr h="316230">
-                <a:tc>
-                  <a:txBody>
-                    <a:bodyPr/>
-                    <a:lstStyle/>
-                    <a:p>
-                      <a:pPr algn="just">
-                        <a:spcAft>
-                          <a:spcPts val="0"/>
-                        </a:spcAft>
-                      </a:pPr>
-                      <a:r>
-                        <a:rPr lang="en-US" sz="1050" kern="100" dirty="0">
-                          <a:effectLst/>
-                        </a:rPr>
-                        <a:t>C:\Windows\System32\drivers\etc\hosts</a:t>
-                      </a:r>
-                      <a:endParaRPr lang="ja-JP" sz="1050" kern="100" dirty="0">
-                        <a:effectLst/>
-                        <a:latin typeface="Century" panose="02040604050505020304" pitchFamily="18" charset="0"/>
-                        <a:ea typeface="ＭＳ 明朝" panose="02020609040205080304" pitchFamily="17" charset="-128"/>
-                        <a:cs typeface="Times New Roman" panose="02020603050405020304" pitchFamily="18" charset="0"/>
-                      </a:endParaRPr>
-                    </a:p>
-                  </a:txBody>
-                  <a:tcPr marL="68580" marR="68580" marT="0" marB="0" anchor="ctr">
-                    <a:solidFill>
-                      <a:srgbClr val="002B62"/>
-                    </a:solidFill>
-                  </a:tcPr>
-                </a:tc>
-                <a:extLst>
-                  <a:ext uri="{0D108BD9-81ED-4DB2-BD59-A6C34878D82A}">
-                    <a16:rowId xmlns:a16="http://schemas.microsoft.com/office/drawing/2014/main" val="10000"/>
-                  </a:ext>
-                </a:extLst>
-              </a:tr>
-            </a:tbl>
-          </a:graphicData>
-        </a:graphic>
-      </p:graphicFrame>
-      <p:graphicFrame>
-        <p:nvGraphicFramePr>
-          <p:cNvPr id="5" name="表 4"/>
-          <p:cNvGraphicFramePr>
-            <a:graphicFrameLocks noGrp="1"/>
-          </p:cNvGraphicFramePr>
-          <p:nvPr>
-            <p:extLst>
-              <p:ext uri="{D42A27DB-BD31-4B8C-83A1-F6EECF244321}">
-                <p14:modId xmlns:p14="http://schemas.microsoft.com/office/powerpoint/2010/main" val="2926605545"/>
-              </p:ext>
-            </p:extLst>
-          </p:nvPr>
-        </p:nvGraphicFramePr>
-        <p:xfrm>
-          <a:off x="1828630" y="5469286"/>
-          <a:ext cx="5485765" cy="936130"/>
-        </p:xfrm>
-        <a:graphic>
-          <a:graphicData uri="http://schemas.openxmlformats.org/drawingml/2006/table">
-            <a:tbl>
-              <a:tblPr firstRow="1" firstCol="1" bandRow="1">
-                <a:tableStyleId>{5C22544A-7EE6-4342-B048-85BDC9FD1C3A}</a:tableStyleId>
-              </a:tblPr>
-              <a:tblGrid>
-                <a:gridCol w="5485765">
-                  <a:extLst>
-                    <a:ext uri="{9D8B030D-6E8A-4147-A177-3AD203B41FA5}">
-                      <a16:colId xmlns:a16="http://schemas.microsoft.com/office/drawing/2014/main" val="20000"/>
-                    </a:ext>
-                  </a:extLst>
-                </a:gridCol>
-              </a:tblGrid>
-              <a:tr h="936130">
-                <a:tc>
-                  <a:txBody>
-                    <a:bodyPr/>
-                    <a:lstStyle/>
-                    <a:p>
-                      <a:pPr algn="l">
-                        <a:spcAft>
-                          <a:spcPts val="0"/>
-                        </a:spcAft>
-                      </a:pPr>
-                      <a:r>
-                        <a:rPr lang="en-US" sz="1050" kern="100" dirty="0" smtClean="0">
-                          <a:effectLst/>
-                        </a:rPr>
-                        <a:t>“ITA</a:t>
-                      </a:r>
-                      <a:r>
-                        <a:rPr lang="ja-JP" sz="1050" kern="100" dirty="0" smtClean="0">
-                          <a:effectLst/>
-                        </a:rPr>
-                        <a:t>実装</a:t>
-                      </a:r>
-                      <a:r>
-                        <a:rPr lang="ja-JP" sz="1050" kern="100" dirty="0">
-                          <a:effectLst/>
-                        </a:rPr>
-                        <a:t>サーバの</a:t>
-                      </a:r>
-                      <a:r>
-                        <a:rPr lang="en-US" sz="1050" kern="100" dirty="0">
-                          <a:effectLst/>
-                        </a:rPr>
-                        <a:t>IP</a:t>
-                      </a:r>
-                      <a:r>
-                        <a:rPr lang="ja-JP" sz="1050" kern="100" dirty="0">
-                          <a:effectLst/>
-                        </a:rPr>
-                        <a:t>アドレス</a:t>
-                      </a:r>
-                      <a:r>
-                        <a:rPr lang="en-US" sz="1050" kern="100" dirty="0">
-                          <a:effectLst/>
-                        </a:rPr>
-                        <a:t>”</a:t>
-                      </a:r>
-                      <a:r>
-                        <a:rPr lang="ja-JP" sz="1050" kern="100" dirty="0">
-                          <a:effectLst/>
-                        </a:rPr>
-                        <a:t>　</a:t>
-                      </a:r>
-                      <a:r>
-                        <a:rPr lang="ja-JP" sz="1050" kern="0" dirty="0">
-                          <a:effectLst/>
-                        </a:rPr>
-                        <a:t> </a:t>
-                      </a:r>
-                      <a:r>
-                        <a:rPr lang="en-US" altLang="ja-JP" sz="1050" kern="0" dirty="0" smtClean="0">
-                          <a:effectLst/>
-                        </a:rPr>
-                        <a:t>exastro</a:t>
-                      </a:r>
-                      <a:r>
-                        <a:rPr lang="en-US" sz="1050" kern="0" dirty="0" smtClean="0">
-                          <a:effectLst/>
-                        </a:rPr>
-                        <a:t>-it-automation</a:t>
-                      </a:r>
-                      <a:r>
-                        <a:rPr lang="en-US" sz="1050" kern="0" dirty="0">
-                          <a:effectLst/>
-                        </a:rPr>
-                        <a:t/>
-                      </a:r>
-                      <a:br>
-                        <a:rPr lang="en-US" sz="1050" kern="0" dirty="0">
-                          <a:effectLst/>
-                        </a:rPr>
-                      </a:br>
-                      <a:r>
-                        <a:rPr lang="en-US" sz="1050" kern="0" dirty="0" smtClean="0">
-                          <a:effectLst/>
-                        </a:rPr>
-                        <a:t/>
-                      </a:r>
-                      <a:br>
-                        <a:rPr lang="en-US" sz="1050" kern="0" dirty="0" smtClean="0">
-                          <a:effectLst/>
-                        </a:rPr>
-                      </a:br>
-                      <a:r>
-                        <a:rPr lang="ja-JP" sz="1050" kern="0" dirty="0" smtClean="0">
-                          <a:effectLst/>
-                        </a:rPr>
-                        <a:t>例</a:t>
-                      </a:r>
-                      <a:r>
-                        <a:rPr lang="ja-JP" altLang="en-US" sz="1050" kern="0" dirty="0" smtClean="0">
-                          <a:effectLst/>
-                        </a:rPr>
-                        <a:t>）</a:t>
-                      </a:r>
-                      <a:r>
-                        <a:rPr lang="en-US" sz="1050" kern="0" dirty="0" smtClean="0">
-                          <a:effectLst/>
-                        </a:rPr>
-                        <a:t/>
-                      </a:r>
-                      <a:br>
-                        <a:rPr lang="en-US" sz="1050" kern="0" dirty="0" smtClean="0">
-                          <a:effectLst/>
-                        </a:rPr>
-                      </a:br>
-                      <a:r>
-                        <a:rPr lang="en-US" sz="1050" kern="0" dirty="0" smtClean="0">
-                          <a:effectLst/>
-                        </a:rPr>
-                        <a:t>192.168.0.3 </a:t>
-                      </a:r>
-                      <a:r>
-                        <a:rPr lang="ja-JP" sz="1050" kern="0" dirty="0">
-                          <a:effectLst/>
-                        </a:rPr>
-                        <a:t>　</a:t>
-                      </a:r>
-                      <a:r>
-                        <a:rPr lang="en-US" altLang="ja-JP" sz="1050" kern="0" dirty="0" smtClean="0">
-                          <a:effectLst/>
-                        </a:rPr>
-                        <a:t>e</a:t>
-                      </a:r>
-                      <a:r>
-                        <a:rPr lang="en-US" sz="1050" kern="0" dirty="0" smtClean="0">
-                          <a:effectLst/>
-                        </a:rPr>
-                        <a:t>xastro-it-automation</a:t>
-                      </a:r>
-                      <a:endParaRPr lang="ja-JP" sz="1050" kern="100" dirty="0">
-                        <a:effectLst/>
-                        <a:latin typeface="Century" panose="02040604050505020304" pitchFamily="18" charset="0"/>
-                        <a:ea typeface="ＭＳ 明朝" panose="02020609040205080304" pitchFamily="17" charset="-128"/>
-                        <a:cs typeface="Times New Roman" panose="02020603050405020304" pitchFamily="18" charset="0"/>
-                      </a:endParaRPr>
-                    </a:p>
-                  </a:txBody>
-                  <a:tcPr marL="68580" marR="68580" marT="0" marB="0" anchor="ctr">
-                    <a:solidFill>
-                      <a:srgbClr val="002B62"/>
-                    </a:solidFill>
-                  </a:tcPr>
-                </a:tc>
-                <a:extLst>
-                  <a:ext uri="{0D108BD9-81ED-4DB2-BD59-A6C34878D82A}">
-                    <a16:rowId xmlns:a16="http://schemas.microsoft.com/office/drawing/2014/main" val="10000"/>
-                  </a:ext>
-                </a:extLst>
-              </a:tr>
-            </a:tbl>
-          </a:graphicData>
-        </a:graphic>
-      </p:graphicFrame>
-    </p:spTree>
-    <p:extLst>
-      <p:ext uri="{BB962C8B-B14F-4D97-AF65-F5344CB8AC3E}">
-        <p14:creationId xmlns:p14="http://schemas.microsoft.com/office/powerpoint/2010/main" val="897253124"/>
-      </p:ext>
-    </p:extLst>
-  </p:cSld>
-  <p:clrMapOvr>
-    <a:masterClrMapping/>
-  </p:clrMapOvr>
-  <p:timing>
-    <p:tnLst>
-      <p:par>
-        <p:cTn id="1" dur="indefinite" restart="never" nodeType="tmRoot"/>
-      </p:par>
-    </p:tnLst>
-  </p:timing>
-</p:sld>
-</file>
-
-<file path=ppt/slides/slide22.xml><?xml version="1.0" encoding="utf-8"?>
-<p:sld xmlns:a="http://schemas.openxmlformats.org/drawingml/2006/main" xmlns:r="http://schemas.openxmlformats.org/officeDocument/2006/relationships" xmlns:p="http://schemas.openxmlformats.org/presentationml/2006/main">
-  <p:cSld>
-    <p:spTree>
-      <p:nvGrpSpPr>
-        <p:cNvPr id="1" name=""/>
-        <p:cNvGrpSpPr/>
-        <p:nvPr/>
-      </p:nvGrpSpPr>
-      <p:grpSpPr>
-        <a:xfrm>
-          <a:off x="0" y="0"/>
-          <a:ext cx="0" cy="0"/>
-          <a:chOff x="0" y="0"/>
-          <a:chExt cx="0" cy="0"/>
-        </a:xfrm>
-      </p:grpSpPr>
-      <p:sp>
-        <p:nvSpPr>
-          <p:cNvPr id="2" name="タイトル 1"/>
-          <p:cNvSpPr>
-            <a:spLocks noGrp="1"/>
-          </p:cNvSpPr>
-          <p:nvPr>
-            <p:ph type="title"/>
-          </p:nvPr>
-        </p:nvSpPr>
-        <p:spPr/>
-        <p:txBody>
-          <a:bodyPr/>
-          <a:lstStyle/>
-          <a:p>
-            <a:r>
-              <a:rPr lang="en-US" altLang="ja-JP" dirty="0" smtClean="0"/>
-              <a:t>4.2</a:t>
+              <a:t>4.1</a:t>
             </a:r>
             <a:r>
               <a:rPr lang="ja-JP" altLang="en-US" dirty="0"/>
@@ -23228,1095 +22856,10 @@
             </a:r>
             <a:r>
               <a:rPr lang="en-US" altLang="ja-JP" dirty="0" smtClean="0"/>
-              <a:t>2/5</a:t>
-            </a:r>
-            <a:r>
-              <a:rPr lang="ja-JP" altLang="en-US" dirty="0"/>
-              <a:t>）</a:t>
-            </a:r>
-            <a:endParaRPr kumimoji="1" lang="ja-JP" altLang="en-US" dirty="0"/>
-          </a:p>
-        </p:txBody>
-      </p:sp>
-      <p:sp>
-        <p:nvSpPr>
-          <p:cNvPr id="3" name="コンテンツ プレースホルダー 2"/>
-          <p:cNvSpPr>
-            <a:spLocks noGrp="1"/>
-          </p:cNvSpPr>
-          <p:nvPr>
-            <p:ph sz="quarter" idx="10"/>
-          </p:nvPr>
-        </p:nvSpPr>
-        <p:spPr>
-          <a:xfrm>
-            <a:off x="179512" y="836712"/>
-            <a:ext cx="8964488" cy="5616476"/>
-          </a:xfrm>
-        </p:spPr>
-        <p:txBody>
-          <a:bodyPr>
-            <a:normAutofit fontScale="92500" lnSpcReduction="10000"/>
-          </a:bodyPr>
-          <a:lstStyle/>
-          <a:p>
-            <a:r>
-              <a:rPr lang="ja-JP" altLang="ja-JP" dirty="0"/>
-              <a:t>操作端末（</a:t>
-            </a:r>
-            <a:r>
-              <a:rPr lang="en-US" altLang="ja-JP" dirty="0"/>
-              <a:t>Windows</a:t>
-            </a:r>
-            <a:r>
-              <a:rPr lang="ja-JP" altLang="ja-JP" dirty="0" smtClean="0"/>
-              <a:t>）</a:t>
+              <a:t>1/6</a:t>
             </a:r>
             <a:r>
               <a:rPr lang="ja-JP" altLang="en-US" dirty="0" smtClean="0"/>
-              <a:t>への</a:t>
-            </a:r>
-            <a:r>
-              <a:rPr lang="ja-JP" altLang="ja-JP" dirty="0" smtClean="0"/>
-              <a:t>証明書インポート</a:t>
-            </a:r>
-            <a:endParaRPr lang="en-US" altLang="ja-JP" dirty="0" smtClean="0"/>
-          </a:p>
-          <a:p>
-            <a:pPr lvl="1"/>
-            <a:r>
-              <a:rPr lang="ja-JP" altLang="ja-JP" dirty="0"/>
-              <a:t>証明書</a:t>
-            </a:r>
-            <a:r>
-              <a:rPr lang="ja-JP" altLang="ja-JP" dirty="0" smtClean="0"/>
-              <a:t>は</a:t>
-            </a:r>
-            <a:r>
-              <a:rPr lang="en-US" altLang="ja-JP" dirty="0" smtClean="0"/>
-              <a:t>ITA</a:t>
-            </a:r>
-            <a:r>
-              <a:rPr lang="ja-JP" altLang="ja-JP" dirty="0" smtClean="0"/>
-              <a:t>インストールパッケージ</a:t>
-            </a:r>
-            <a:r>
-              <a:rPr lang="ja-JP" altLang="ja-JP" dirty="0"/>
-              <a:t>の以下のパスに格納されています。</a:t>
-            </a:r>
-          </a:p>
-          <a:p>
-            <a:pPr lvl="1"/>
-            <a:r>
-              <a:rPr lang="en-US" altLang="ja-JP" dirty="0" smtClean="0"/>
-              <a:t>FFFTP </a:t>
-            </a:r>
-            <a:r>
-              <a:rPr lang="ja-JP" altLang="ja-JP" dirty="0"/>
-              <a:t>、</a:t>
-            </a:r>
-            <a:r>
-              <a:rPr lang="en-US" altLang="ja-JP" dirty="0"/>
-              <a:t>WinSCP</a:t>
-            </a:r>
-            <a:r>
-              <a:rPr lang="ja-JP" altLang="ja-JP" dirty="0"/>
-              <a:t>などのツールを利用し操作端末にダウンロードします。</a:t>
-            </a:r>
-          </a:p>
-          <a:p>
-            <a:pPr marL="180000" lvl="1" indent="0">
-              <a:buNone/>
-            </a:pPr>
-            <a:endParaRPr lang="en-US" altLang="ja-JP" dirty="0" smtClean="0"/>
-          </a:p>
-          <a:p>
-            <a:pPr marL="180000" lvl="1" indent="0">
-              <a:buNone/>
-            </a:pPr>
-            <a:endParaRPr lang="en-US" altLang="ja-JP" dirty="0"/>
-          </a:p>
-          <a:p>
-            <a:pPr marL="180000" lvl="1" indent="0">
-              <a:buNone/>
-            </a:pPr>
-            <a:endParaRPr lang="en-US" altLang="ja-JP" dirty="0" smtClean="0"/>
-          </a:p>
-          <a:p>
-            <a:pPr marL="180000" lvl="1" indent="0">
-              <a:buNone/>
-            </a:pPr>
-            <a:endParaRPr lang="en-US" altLang="ja-JP" dirty="0" smtClean="0"/>
-          </a:p>
-          <a:p>
-            <a:pPr marL="180000" lvl="1" indent="0">
-              <a:buNone/>
-            </a:pPr>
-            <a:endParaRPr lang="en-US" altLang="ja-JP" dirty="0"/>
-          </a:p>
-          <a:p>
-            <a:pPr lvl="1"/>
-            <a:r>
-              <a:rPr lang="en-US" altLang="ja-JP" dirty="0"/>
-              <a:t>Web</a:t>
-            </a:r>
-            <a:r>
-              <a:rPr lang="ja-JP" altLang="ja-JP" dirty="0"/>
-              <a:t>ブラウザに証明書のインポートをしてください。</a:t>
-            </a:r>
-          </a:p>
-          <a:p>
-            <a:pPr lvl="1"/>
-            <a:r>
-              <a:rPr lang="en-US" altLang="ja-JP" dirty="0" smtClean="0"/>
-              <a:t>Google Chrome</a:t>
-            </a:r>
-            <a:r>
-              <a:rPr lang="ja-JP" altLang="ja-JP" dirty="0" smtClean="0"/>
-              <a:t>に</a:t>
-            </a:r>
-            <a:r>
-              <a:rPr lang="ja-JP" altLang="ja-JP" dirty="0"/>
-              <a:t>インポートする</a:t>
-            </a:r>
-            <a:r>
-              <a:rPr lang="ja-JP" altLang="ja-JP" dirty="0" smtClean="0"/>
-              <a:t>手順</a:t>
-            </a:r>
-            <a:r>
-              <a:rPr lang="ja-JP" altLang="en-US" dirty="0"/>
-              <a:t>を</a:t>
-            </a:r>
-            <a:r>
-              <a:rPr lang="ja-JP" altLang="ja-JP" dirty="0" smtClean="0"/>
-              <a:t>以下</a:t>
-            </a:r>
-            <a:r>
-              <a:rPr lang="ja-JP" altLang="en-US" dirty="0" smtClean="0"/>
-              <a:t>に示します。</a:t>
-            </a:r>
-            <a:endParaRPr lang="en-US" altLang="ja-JP" dirty="0" smtClean="0"/>
-          </a:p>
-          <a:p>
-            <a:pPr marL="180000" lvl="1" indent="0">
-              <a:buNone/>
-            </a:pPr>
-            <a:endParaRPr lang="en-US" altLang="ja-JP" dirty="0" smtClean="0"/>
-          </a:p>
-          <a:p>
-            <a:pPr marL="180000" lvl="1" indent="0">
-              <a:buNone/>
-            </a:pPr>
-            <a:r>
-              <a:rPr lang="ja-JP" altLang="en-US" dirty="0" smtClean="0"/>
-              <a:t>　①　</a:t>
-            </a:r>
-            <a:r>
-              <a:rPr lang="en-US" altLang="ja-JP" dirty="0" smtClean="0"/>
-              <a:t>Google </a:t>
-            </a:r>
-            <a:r>
-              <a:rPr lang="en-US" altLang="ja-JP" dirty="0"/>
-              <a:t>Chrome</a:t>
-            </a:r>
-            <a:r>
-              <a:rPr lang="ja-JP" altLang="en-US" dirty="0"/>
-              <a:t>を起動し、右上の</a:t>
-            </a:r>
-            <a:r>
-              <a:rPr lang="en-US" altLang="ja-JP" dirty="0"/>
-              <a:t>[</a:t>
-            </a:r>
-            <a:r>
-              <a:rPr lang="ja-JP" altLang="en-US" dirty="0"/>
-              <a:t>設定</a:t>
-            </a:r>
-            <a:r>
-              <a:rPr lang="en-US" altLang="ja-JP" dirty="0"/>
-              <a:t>]</a:t>
-            </a:r>
-            <a:r>
-              <a:rPr lang="ja-JP" altLang="en-US" dirty="0"/>
-              <a:t>ボタンから</a:t>
-            </a:r>
-            <a:r>
-              <a:rPr lang="en-US" altLang="ja-JP" dirty="0"/>
-              <a:t>[</a:t>
-            </a:r>
-            <a:r>
-              <a:rPr lang="ja-JP" altLang="en-US" dirty="0"/>
-              <a:t>設定</a:t>
-            </a:r>
-            <a:r>
-              <a:rPr lang="en-US" altLang="ja-JP" dirty="0"/>
-              <a:t>(S)]</a:t>
-            </a:r>
-            <a:r>
-              <a:rPr lang="ja-JP" altLang="en-US" dirty="0"/>
-              <a:t>へ進みます</a:t>
-            </a:r>
-            <a:r>
-              <a:rPr lang="ja-JP" altLang="en-US" dirty="0" smtClean="0"/>
-              <a:t>。</a:t>
-            </a:r>
-            <a:endParaRPr lang="en-US" altLang="ja-JP" dirty="0" smtClean="0"/>
-          </a:p>
-          <a:p>
-            <a:pPr marL="180000" lvl="1" indent="0">
-              <a:buNone/>
-            </a:pPr>
-            <a:r>
-              <a:rPr lang="ja-JP" altLang="en-US" dirty="0"/>
-              <a:t>　②　画面下部の</a:t>
-            </a:r>
-            <a:r>
-              <a:rPr lang="en-US" altLang="ja-JP" dirty="0"/>
-              <a:t>[</a:t>
-            </a:r>
-            <a:r>
-              <a:rPr lang="ja-JP" altLang="en-US" dirty="0"/>
-              <a:t>詳細設定</a:t>
-            </a:r>
-            <a:r>
-              <a:rPr lang="en-US" altLang="ja-JP" dirty="0"/>
-              <a:t>]</a:t>
-            </a:r>
-            <a:r>
-              <a:rPr lang="ja-JP" altLang="en-US" dirty="0"/>
-              <a:t>をクリック後、表示される項目から</a:t>
-            </a:r>
-            <a:r>
-              <a:rPr lang="en-US" altLang="ja-JP" dirty="0"/>
-              <a:t>[</a:t>
-            </a:r>
-            <a:r>
-              <a:rPr lang="ja-JP" altLang="en-US" dirty="0"/>
-              <a:t>証明書の管理</a:t>
-            </a:r>
-            <a:r>
-              <a:rPr lang="en-US" altLang="ja-JP" dirty="0"/>
-              <a:t>]</a:t>
-            </a:r>
-            <a:r>
-              <a:rPr lang="ja-JP" altLang="en-US" dirty="0"/>
-              <a:t>をクリックします。</a:t>
-            </a:r>
-            <a:endParaRPr lang="ja-JP" altLang="ja-JP" dirty="0"/>
-          </a:p>
-          <a:p>
-            <a:pPr marL="357188" lvl="1" indent="0">
-              <a:buNone/>
-            </a:pPr>
-            <a:r>
-              <a:rPr lang="ja-JP" altLang="en-US" dirty="0" smtClean="0"/>
-              <a:t>③　</a:t>
-            </a:r>
-            <a:r>
-              <a:rPr lang="en-US" altLang="ja-JP" dirty="0"/>
-              <a:t>[</a:t>
-            </a:r>
-            <a:r>
-              <a:rPr lang="ja-JP" altLang="en-US" dirty="0"/>
-              <a:t>信頼されたルート証明機関</a:t>
-            </a:r>
-            <a:r>
-              <a:rPr lang="en-US" altLang="ja-JP" dirty="0"/>
-              <a:t>]</a:t>
-            </a:r>
-            <a:r>
-              <a:rPr lang="ja-JP" altLang="en-US" dirty="0"/>
-              <a:t>タブへ進み、左下の</a:t>
-            </a:r>
-            <a:r>
-              <a:rPr lang="en-US" altLang="ja-JP" dirty="0"/>
-              <a:t>[</a:t>
-            </a:r>
-            <a:r>
-              <a:rPr lang="ja-JP" altLang="en-US" dirty="0"/>
-              <a:t>インポート</a:t>
-            </a:r>
-            <a:r>
-              <a:rPr lang="en-US" altLang="ja-JP" dirty="0"/>
-              <a:t>]</a:t>
-            </a:r>
-            <a:r>
-              <a:rPr lang="ja-JP" altLang="en-US" dirty="0"/>
-              <a:t>をクリックします</a:t>
-            </a:r>
-            <a:r>
-              <a:rPr lang="ja-JP" altLang="en-US" dirty="0" smtClean="0"/>
-              <a:t>。</a:t>
-            </a:r>
-            <a:endParaRPr lang="en-US" altLang="ja-JP" dirty="0" smtClean="0"/>
-          </a:p>
-          <a:p>
-            <a:pPr marL="357188" lvl="1" indent="0">
-              <a:buNone/>
-            </a:pPr>
-            <a:r>
-              <a:rPr lang="ja-JP" altLang="en-US" dirty="0" smtClean="0"/>
-              <a:t>④</a:t>
-            </a:r>
-            <a:r>
-              <a:rPr lang="ja-JP" altLang="en-US" dirty="0"/>
-              <a:t>　証明書のインポートウィザードが起動します。</a:t>
-            </a:r>
-            <a:r>
-              <a:rPr lang="en-US" altLang="ja-JP" dirty="0"/>
-              <a:t>[</a:t>
-            </a:r>
-            <a:r>
-              <a:rPr lang="ja-JP" altLang="en-US" dirty="0"/>
-              <a:t>次へ</a:t>
-            </a:r>
-            <a:r>
-              <a:rPr lang="en-US" altLang="ja-JP" dirty="0"/>
-              <a:t>]</a:t>
-            </a:r>
-            <a:r>
-              <a:rPr lang="ja-JP" altLang="en-US" dirty="0"/>
-              <a:t>をクリックします</a:t>
-            </a:r>
-            <a:r>
-              <a:rPr lang="ja-JP" altLang="en-US" dirty="0" smtClean="0"/>
-              <a:t>。</a:t>
-            </a:r>
-            <a:endParaRPr lang="en-US" altLang="ja-JP" dirty="0" smtClean="0"/>
-          </a:p>
-          <a:p>
-            <a:pPr marL="357188" lvl="1" indent="0">
-              <a:buNone/>
-            </a:pPr>
-            <a:r>
-              <a:rPr lang="ja-JP" altLang="en-US" dirty="0"/>
-              <a:t>⑤　インポートするファイル名を指定し、</a:t>
-            </a:r>
-            <a:r>
-              <a:rPr lang="en-US" altLang="ja-JP" dirty="0"/>
-              <a:t>[</a:t>
-            </a:r>
-            <a:r>
-              <a:rPr lang="ja-JP" altLang="en-US" dirty="0"/>
-              <a:t>次へ</a:t>
-            </a:r>
-            <a:r>
-              <a:rPr lang="en-US" altLang="ja-JP" dirty="0"/>
-              <a:t>]</a:t>
-            </a:r>
-            <a:r>
-              <a:rPr lang="ja-JP" altLang="en-US" dirty="0"/>
-              <a:t>をクリックします</a:t>
-            </a:r>
-            <a:r>
-              <a:rPr lang="ja-JP" altLang="en-US" dirty="0" smtClean="0"/>
-              <a:t>。</a:t>
-            </a:r>
-            <a:endParaRPr lang="en-US" altLang="ja-JP" dirty="0" smtClean="0"/>
-          </a:p>
-          <a:p>
-            <a:pPr marL="357188" lvl="1" indent="0">
-              <a:buNone/>
-            </a:pPr>
-            <a:r>
-              <a:rPr lang="ja-JP" altLang="en-US" dirty="0" smtClean="0"/>
-              <a:t>⑥　</a:t>
-            </a:r>
-            <a:r>
-              <a:rPr lang="en-US" altLang="ja-JP" dirty="0"/>
-              <a:t>[</a:t>
-            </a:r>
-            <a:r>
-              <a:rPr lang="ja-JP" altLang="en-US" dirty="0"/>
-              <a:t>証明書をすべての次のストアに配置する</a:t>
-            </a:r>
-            <a:r>
-              <a:rPr lang="en-US" altLang="ja-JP" dirty="0"/>
-              <a:t>(P)]</a:t>
-            </a:r>
-            <a:r>
-              <a:rPr lang="ja-JP" altLang="en-US" dirty="0"/>
-              <a:t>をチェックされている状態を確認します</a:t>
-            </a:r>
-            <a:r>
-              <a:rPr lang="ja-JP" altLang="en-US" dirty="0" smtClean="0"/>
-              <a:t>。</a:t>
-            </a:r>
-            <a:endParaRPr lang="en-US" altLang="ja-JP" dirty="0" smtClean="0"/>
-          </a:p>
-          <a:p>
-            <a:pPr marL="357188" lvl="1" indent="0">
-              <a:buNone/>
-            </a:pPr>
-            <a:r>
-              <a:rPr lang="ja-JP" altLang="en-US" dirty="0" smtClean="0"/>
-              <a:t>⑦　</a:t>
-            </a:r>
-            <a:r>
-              <a:rPr lang="en-US" altLang="ja-JP" dirty="0"/>
-              <a:t>[</a:t>
-            </a:r>
-            <a:r>
-              <a:rPr lang="ja-JP" altLang="en-US" dirty="0"/>
-              <a:t>信頼されたルート証明機関</a:t>
-            </a:r>
-            <a:r>
-              <a:rPr lang="en-US" altLang="ja-JP" dirty="0"/>
-              <a:t>]</a:t>
-            </a:r>
-            <a:r>
-              <a:rPr lang="ja-JP" altLang="en-US" dirty="0"/>
-              <a:t>を選択し、</a:t>
-            </a:r>
-            <a:r>
-              <a:rPr lang="en-US" altLang="ja-JP" dirty="0"/>
-              <a:t>[</a:t>
-            </a:r>
-            <a:r>
-              <a:rPr lang="ja-JP" altLang="en-US" dirty="0"/>
-              <a:t>次へ</a:t>
-            </a:r>
-            <a:r>
-              <a:rPr lang="en-US" altLang="ja-JP" dirty="0"/>
-              <a:t>]</a:t>
-            </a:r>
-            <a:r>
-              <a:rPr lang="ja-JP" altLang="en-US" dirty="0"/>
-              <a:t>をクリックします。</a:t>
-            </a:r>
-            <a:endParaRPr lang="en-US" altLang="ja-JP" dirty="0" smtClean="0"/>
-          </a:p>
-          <a:p>
-            <a:pPr marL="357188" lvl="1" indent="0">
-              <a:buNone/>
-            </a:pPr>
-            <a:r>
-              <a:rPr lang="en-US" altLang="ja-JP" dirty="0" smtClean="0"/>
-              <a:t>※</a:t>
-            </a:r>
-            <a:r>
-              <a:rPr lang="ja-JP" altLang="en-US" dirty="0" smtClean="0"/>
-              <a:t>選択されていない場合は右の</a:t>
-            </a:r>
-            <a:r>
-              <a:rPr lang="en-US" altLang="ja-JP" dirty="0" smtClean="0"/>
-              <a:t>[</a:t>
-            </a:r>
-            <a:r>
-              <a:rPr lang="ja-JP" altLang="en-US" dirty="0" smtClean="0"/>
-              <a:t>参照</a:t>
-            </a:r>
-            <a:r>
-              <a:rPr lang="en-US" altLang="ja-JP" dirty="0" smtClean="0"/>
-              <a:t>(R)]</a:t>
-            </a:r>
-            <a:r>
-              <a:rPr lang="ja-JP" altLang="en-US" dirty="0" smtClean="0"/>
-              <a:t>か</a:t>
-            </a:r>
-            <a:r>
-              <a:rPr lang="ja-JP" altLang="en-US" dirty="0"/>
-              <a:t>ら</a:t>
-            </a:r>
-            <a:r>
-              <a:rPr lang="en-US" altLang="ja-JP" dirty="0" smtClean="0"/>
-              <a:t>[</a:t>
-            </a:r>
-            <a:r>
-              <a:rPr lang="ja-JP" altLang="ja-JP" dirty="0"/>
-              <a:t>信頼されたルート証明機関</a:t>
-            </a:r>
-            <a:r>
-              <a:rPr lang="en-US" altLang="ja-JP" dirty="0"/>
-              <a:t>]</a:t>
-            </a:r>
-            <a:r>
-              <a:rPr lang="ja-JP" altLang="en-US" dirty="0"/>
-              <a:t>を</a:t>
-            </a:r>
-            <a:r>
-              <a:rPr lang="ja-JP" altLang="en-US" dirty="0" smtClean="0"/>
-              <a:t>選択してください。</a:t>
-            </a:r>
-            <a:endParaRPr lang="en-US" altLang="ja-JP" dirty="0" smtClean="0"/>
-          </a:p>
-          <a:p>
-            <a:pPr marL="357188" lvl="1" indent="0">
-              <a:buNone/>
-            </a:pPr>
-            <a:r>
-              <a:rPr lang="ja-JP" altLang="en-US" dirty="0" smtClean="0"/>
-              <a:t>⑧　</a:t>
-            </a:r>
-            <a:r>
-              <a:rPr lang="en-US" altLang="ja-JP" dirty="0"/>
-              <a:t>[</a:t>
-            </a:r>
-            <a:r>
-              <a:rPr lang="ja-JP" altLang="en-US" dirty="0"/>
-              <a:t>完了</a:t>
-            </a:r>
-            <a:r>
-              <a:rPr lang="en-US" altLang="ja-JP" dirty="0"/>
-              <a:t>]</a:t>
-            </a:r>
-            <a:r>
-              <a:rPr lang="ja-JP" altLang="en-US" dirty="0"/>
-              <a:t>をクリックします。</a:t>
-            </a:r>
-            <a:endParaRPr lang="ja-JP" altLang="ja-JP" dirty="0"/>
-          </a:p>
-        </p:txBody>
-      </p:sp>
-      <p:graphicFrame>
-        <p:nvGraphicFramePr>
-          <p:cNvPr id="6" name="表 5"/>
-          <p:cNvGraphicFramePr>
-            <a:graphicFrameLocks noGrp="1"/>
-          </p:cNvGraphicFramePr>
-          <p:nvPr>
-            <p:extLst>
-              <p:ext uri="{D42A27DB-BD31-4B8C-83A1-F6EECF244321}">
-                <p14:modId xmlns:p14="http://schemas.microsoft.com/office/powerpoint/2010/main" val="3881968427"/>
-              </p:ext>
-            </p:extLst>
-          </p:nvPr>
-        </p:nvGraphicFramePr>
-        <p:xfrm>
-          <a:off x="1207459" y="1836779"/>
-          <a:ext cx="6729082" cy="1018455"/>
-        </p:xfrm>
-        <a:graphic>
-          <a:graphicData uri="http://schemas.openxmlformats.org/drawingml/2006/table">
-            <a:tbl>
-              <a:tblPr firstRow="1" firstCol="1" bandRow="1">
-                <a:tableStyleId>{5C22544A-7EE6-4342-B048-85BDC9FD1C3A}</a:tableStyleId>
-              </a:tblPr>
-              <a:tblGrid>
-                <a:gridCol w="1581792">
-                  <a:extLst>
-                    <a:ext uri="{9D8B030D-6E8A-4147-A177-3AD203B41FA5}">
-                      <a16:colId xmlns:a16="http://schemas.microsoft.com/office/drawing/2014/main" val="20000"/>
-                    </a:ext>
-                  </a:extLst>
-                </a:gridCol>
-                <a:gridCol w="3269829">
-                  <a:extLst>
-                    <a:ext uri="{9D8B030D-6E8A-4147-A177-3AD203B41FA5}">
-                      <a16:colId xmlns:a16="http://schemas.microsoft.com/office/drawing/2014/main" val="20001"/>
-                    </a:ext>
-                  </a:extLst>
-                </a:gridCol>
-                <a:gridCol w="1877461">
-                  <a:extLst>
-                    <a:ext uri="{9D8B030D-6E8A-4147-A177-3AD203B41FA5}">
-                      <a16:colId xmlns:a16="http://schemas.microsoft.com/office/drawing/2014/main" val="20002"/>
-                    </a:ext>
-                  </a:extLst>
-                </a:gridCol>
-              </a:tblGrid>
-              <a:tr h="288039">
-                <a:tc>
-                  <a:txBody>
-                    <a:bodyPr/>
-                    <a:lstStyle/>
-                    <a:p>
-                      <a:pPr algn="ctr">
-                        <a:spcAft>
-                          <a:spcPts val="0"/>
-                        </a:spcAft>
-                      </a:pPr>
-                      <a:r>
-                        <a:rPr lang="en-US" altLang="ja-JP" sz="1050" kern="100" dirty="0" smtClean="0">
-                          <a:effectLst/>
-                        </a:rPr>
-                        <a:t>ITA</a:t>
-                      </a:r>
-                      <a:r>
-                        <a:rPr lang="ja-JP" sz="1050" kern="100" dirty="0" smtClean="0">
-                          <a:effectLst/>
-                        </a:rPr>
-                        <a:t>サーバ</a:t>
-                      </a:r>
-                      <a:r>
-                        <a:rPr lang="ja-JP" sz="1050" kern="100" dirty="0">
-                          <a:effectLst/>
-                        </a:rPr>
-                        <a:t>の</a:t>
-                      </a:r>
-                      <a:r>
-                        <a:rPr lang="en-US" sz="1050" kern="100" dirty="0">
-                          <a:effectLst/>
-                        </a:rPr>
-                        <a:t>OS</a:t>
-                      </a:r>
-                      <a:endParaRPr lang="ja-JP" sz="1050" kern="100" dirty="0">
-                        <a:effectLst/>
-                        <a:latin typeface="Century" panose="02040604050505020304" pitchFamily="18" charset="0"/>
-                        <a:ea typeface="ＭＳ 明朝" panose="02020609040205080304" pitchFamily="17" charset="-128"/>
-                        <a:cs typeface="Times New Roman" panose="02020603050405020304" pitchFamily="18" charset="0"/>
-                      </a:endParaRPr>
-                    </a:p>
-                  </a:txBody>
-                  <a:tcPr marL="68580" marR="68580" marT="0" marB="0" anchor="ctr">
-                    <a:solidFill>
-                      <a:srgbClr val="002B62"/>
-                    </a:solidFill>
-                  </a:tcPr>
-                </a:tc>
-                <a:tc>
-                  <a:txBody>
-                    <a:bodyPr/>
-                    <a:lstStyle/>
-                    <a:p>
-                      <a:pPr algn="ctr">
-                        <a:spcAft>
-                          <a:spcPts val="0"/>
-                        </a:spcAft>
-                      </a:pPr>
-                      <a:r>
-                        <a:rPr lang="ja-JP" sz="1050" kern="100" dirty="0">
-                          <a:effectLst/>
-                        </a:rPr>
-                        <a:t>ファイルパス</a:t>
-                      </a:r>
-                      <a:endParaRPr lang="ja-JP" sz="1050" kern="100" dirty="0">
-                        <a:effectLst/>
-                        <a:latin typeface="Century" panose="02040604050505020304" pitchFamily="18" charset="0"/>
-                        <a:ea typeface="ＭＳ 明朝" panose="02020609040205080304" pitchFamily="17" charset="-128"/>
-                        <a:cs typeface="Times New Roman" panose="02020603050405020304" pitchFamily="18" charset="0"/>
-                      </a:endParaRPr>
-                    </a:p>
-                  </a:txBody>
-                  <a:tcPr marL="68580" marR="68580" marT="0" marB="0" anchor="ctr">
-                    <a:solidFill>
-                      <a:srgbClr val="002B62"/>
-                    </a:solidFill>
-                  </a:tcPr>
-                </a:tc>
-                <a:tc>
-                  <a:txBody>
-                    <a:bodyPr/>
-                    <a:lstStyle/>
-                    <a:p>
-                      <a:pPr algn="ctr">
-                        <a:spcAft>
-                          <a:spcPts val="0"/>
-                        </a:spcAft>
-                      </a:pPr>
-                      <a:r>
-                        <a:rPr lang="ja-JP" sz="1050" kern="100" dirty="0">
-                          <a:effectLst/>
-                        </a:rPr>
-                        <a:t>ファイル名</a:t>
-                      </a:r>
-                      <a:endParaRPr lang="ja-JP" sz="1050" kern="100" dirty="0">
-                        <a:effectLst/>
-                        <a:latin typeface="Century" panose="02040604050505020304" pitchFamily="18" charset="0"/>
-                        <a:ea typeface="ＭＳ 明朝" panose="02020609040205080304" pitchFamily="17" charset="-128"/>
-                        <a:cs typeface="Times New Roman" panose="02020603050405020304" pitchFamily="18" charset="0"/>
-                      </a:endParaRPr>
-                    </a:p>
-                  </a:txBody>
-                  <a:tcPr marL="68580" marR="68580" marT="0" marB="0" anchor="ctr">
-                    <a:solidFill>
-                      <a:srgbClr val="002B62"/>
-                    </a:solidFill>
-                  </a:tcPr>
-                </a:tc>
-                <a:extLst>
-                  <a:ext uri="{0D108BD9-81ED-4DB2-BD59-A6C34878D82A}">
-                    <a16:rowId xmlns:a16="http://schemas.microsoft.com/office/drawing/2014/main" val="10000"/>
-                  </a:ext>
-                </a:extLst>
-              </a:tr>
-              <a:tr h="365208">
-                <a:tc>
-                  <a:txBody>
-                    <a:bodyPr/>
-                    <a:lstStyle/>
-                    <a:p>
-                      <a:pPr algn="l" latinLnBrk="1">
-                        <a:spcAft>
-                          <a:spcPts val="0"/>
-                        </a:spcAft>
-                      </a:pPr>
-                      <a:r>
-                        <a:rPr lang="en-US" sz="900" kern="100" dirty="0">
-                          <a:effectLst/>
-                        </a:rPr>
-                        <a:t>RHEL </a:t>
-                      </a:r>
-                      <a:r>
-                        <a:rPr lang="en-US" sz="900" kern="100" dirty="0" smtClean="0">
-                          <a:effectLst/>
-                        </a:rPr>
-                        <a:t>7, </a:t>
-                      </a:r>
-                      <a:r>
-                        <a:rPr lang="en-US" sz="900" kern="100" dirty="0">
-                          <a:effectLst/>
-                        </a:rPr>
-                        <a:t>CentOS </a:t>
-                      </a:r>
-                      <a:r>
-                        <a:rPr lang="en-US" sz="900" kern="100" dirty="0" smtClean="0">
-                          <a:effectLst/>
-                        </a:rPr>
-                        <a:t>7</a:t>
-                      </a:r>
-                      <a:r>
-                        <a:rPr lang="ja-JP" sz="900" kern="100" dirty="0" smtClean="0">
-                          <a:effectLst/>
-                        </a:rPr>
-                        <a:t>系</a:t>
-                      </a:r>
-                      <a:endParaRPr lang="ja-JP" sz="1050" kern="100" dirty="0">
-                        <a:effectLst/>
-                        <a:latin typeface="Century" panose="02040604050505020304" pitchFamily="18" charset="0"/>
-                        <a:ea typeface="ＭＳ 明朝" panose="02020609040205080304" pitchFamily="17" charset="-128"/>
-                        <a:cs typeface="Times New Roman" panose="02020603050405020304" pitchFamily="18" charset="0"/>
-                      </a:endParaRPr>
-                    </a:p>
-                  </a:txBody>
-                  <a:tcPr marL="68580" marR="68580" marT="0" marB="0" anchor="ctr">
-                    <a:solidFill>
-                      <a:srgbClr val="002B62"/>
-                    </a:solidFill>
-                  </a:tcPr>
-                </a:tc>
-                <a:tc>
-                  <a:txBody>
-                    <a:bodyPr/>
-                    <a:lstStyle/>
-                    <a:p>
-                      <a:pPr algn="l" latinLnBrk="1">
-                        <a:spcAft>
-                          <a:spcPts val="0"/>
-                        </a:spcAft>
-                      </a:pPr>
-                      <a:r>
-                        <a:rPr lang="en-US" sz="1000" kern="100" dirty="0">
-                          <a:effectLst/>
-                        </a:rPr>
-                        <a:t>/(</a:t>
-                      </a:r>
-                      <a:r>
-                        <a:rPr lang="ja-JP" sz="1000" kern="100" dirty="0">
-                          <a:effectLst/>
-                        </a:rPr>
-                        <a:t>インストール資材展開先</a:t>
-                      </a:r>
-                      <a:r>
-                        <a:rPr lang="en-US" sz="1000" kern="100" dirty="0" smtClean="0">
-                          <a:effectLst/>
-                        </a:rPr>
-                        <a:t>)/</a:t>
-                      </a:r>
-                      <a:r>
-                        <a:rPr lang="en-US" sz="1000" kern="100" dirty="0" err="1" smtClean="0">
-                          <a:effectLst/>
-                        </a:rPr>
-                        <a:t>ita_install_package</a:t>
-                      </a:r>
-                      <a:r>
-                        <a:rPr lang="en-US" sz="1000" kern="100" dirty="0" smtClean="0">
-                          <a:effectLst/>
-                        </a:rPr>
-                        <a:t>/ext_files_for_CentOS7.x/</a:t>
-                      </a:r>
-                      <a:r>
-                        <a:rPr lang="en-US" sz="1000" kern="100" dirty="0" err="1" smtClean="0">
-                          <a:effectLst/>
-                        </a:rPr>
-                        <a:t>etc_pki_tls_certs</a:t>
-                      </a:r>
-                      <a:r>
-                        <a:rPr lang="en-US" sz="1000" kern="100" dirty="0">
-                          <a:effectLst/>
-                        </a:rPr>
-                        <a:t>/</a:t>
-                      </a:r>
-                      <a:endParaRPr lang="ja-JP" sz="1100" kern="100" dirty="0">
-                        <a:effectLst/>
-                        <a:latin typeface="Century" panose="02040604050505020304" pitchFamily="18" charset="0"/>
-                        <a:ea typeface="ＭＳ 明朝" panose="02020609040205080304" pitchFamily="17" charset="-128"/>
-                        <a:cs typeface="Times New Roman" panose="02020603050405020304" pitchFamily="18" charset="0"/>
-                      </a:endParaRPr>
-                    </a:p>
-                  </a:txBody>
-                  <a:tcPr marL="68580" marR="68580" marT="0" marB="0">
-                    <a:solidFill>
-                      <a:srgbClr val="CBCDD3"/>
-                    </a:solidFill>
-                  </a:tcPr>
-                </a:tc>
-                <a:tc>
-                  <a:txBody>
-                    <a:bodyPr/>
-                    <a:lstStyle/>
-                    <a:p>
-                      <a:pPr algn="l">
-                        <a:spcAft>
-                          <a:spcPts val="0"/>
-                        </a:spcAft>
-                      </a:pPr>
-                      <a:r>
-                        <a:rPr lang="en-US" sz="1100" kern="100" dirty="0" smtClean="0">
-                          <a:effectLst/>
-                        </a:rPr>
-                        <a:t>exastro-it-automation.crt</a:t>
-                      </a:r>
-                      <a:endParaRPr lang="ja-JP" sz="1100" kern="100" dirty="0">
-                        <a:effectLst/>
-                        <a:latin typeface="Century" panose="02040604050505020304" pitchFamily="18" charset="0"/>
-                        <a:ea typeface="ＭＳ 明朝" panose="02020609040205080304" pitchFamily="17" charset="-128"/>
-                        <a:cs typeface="Times New Roman" panose="02020603050405020304" pitchFamily="18" charset="0"/>
-                      </a:endParaRPr>
-                    </a:p>
-                  </a:txBody>
-                  <a:tcPr marL="68580" marR="68580" marT="0" marB="0">
-                    <a:solidFill>
-                      <a:srgbClr val="CBCDD3"/>
-                    </a:solidFill>
-                  </a:tcPr>
-                </a:tc>
-                <a:extLst>
-                  <a:ext uri="{0D108BD9-81ED-4DB2-BD59-A6C34878D82A}">
-                    <a16:rowId xmlns:a16="http://schemas.microsoft.com/office/drawing/2014/main" val="10001"/>
-                  </a:ext>
-                </a:extLst>
-              </a:tr>
-              <a:tr h="365208">
-                <a:tc>
-                  <a:txBody>
-                    <a:bodyPr/>
-                    <a:lstStyle/>
-                    <a:p>
-                      <a:pPr algn="l" latinLnBrk="1">
-                        <a:spcAft>
-                          <a:spcPts val="0"/>
-                        </a:spcAft>
-                      </a:pPr>
-                      <a:r>
-                        <a:rPr lang="en-US" sz="900" kern="100" dirty="0">
-                          <a:effectLst/>
-                        </a:rPr>
-                        <a:t>RHEL </a:t>
-                      </a:r>
-                      <a:r>
-                        <a:rPr lang="en-US" sz="900" kern="100" dirty="0" smtClean="0">
-                          <a:effectLst/>
-                        </a:rPr>
-                        <a:t>8, </a:t>
-                      </a:r>
-                      <a:r>
-                        <a:rPr lang="en-US" sz="900" kern="100" dirty="0">
-                          <a:effectLst/>
-                        </a:rPr>
-                        <a:t>CentOS </a:t>
-                      </a:r>
-                      <a:r>
-                        <a:rPr lang="en-US" sz="900" kern="100" dirty="0" smtClean="0">
-                          <a:effectLst/>
-                        </a:rPr>
-                        <a:t>8</a:t>
-                      </a:r>
-                      <a:r>
-                        <a:rPr lang="ja-JP" sz="900" kern="100" dirty="0" smtClean="0">
-                          <a:effectLst/>
-                        </a:rPr>
-                        <a:t>系</a:t>
-                      </a:r>
-                      <a:endParaRPr lang="ja-JP" sz="1050" kern="100" dirty="0">
-                        <a:effectLst/>
-                        <a:latin typeface="Century" panose="02040604050505020304" pitchFamily="18" charset="0"/>
-                        <a:ea typeface="ＭＳ 明朝" panose="02020609040205080304" pitchFamily="17" charset="-128"/>
-                        <a:cs typeface="Times New Roman" panose="02020603050405020304" pitchFamily="18" charset="0"/>
-                      </a:endParaRPr>
-                    </a:p>
-                  </a:txBody>
-                  <a:tcPr marL="68580" marR="68580" marT="0" marB="0" anchor="ctr">
-                    <a:solidFill>
-                      <a:srgbClr val="002B62"/>
-                    </a:solidFill>
-                  </a:tcPr>
-                </a:tc>
-                <a:tc>
-                  <a:txBody>
-                    <a:bodyPr/>
-                    <a:lstStyle/>
-                    <a:p>
-                      <a:pPr algn="l" latinLnBrk="1">
-                        <a:spcAft>
-                          <a:spcPts val="0"/>
-                        </a:spcAft>
-                      </a:pPr>
-                      <a:r>
-                        <a:rPr lang="en-US" sz="1000" kern="100" dirty="0">
-                          <a:effectLst/>
-                        </a:rPr>
-                        <a:t>/(</a:t>
-                      </a:r>
-                      <a:r>
-                        <a:rPr lang="ja-JP" sz="1000" kern="100" dirty="0">
-                          <a:effectLst/>
-                        </a:rPr>
-                        <a:t>インストール資材展開先</a:t>
-                      </a:r>
-                      <a:r>
-                        <a:rPr lang="en-US" sz="1000" kern="100" dirty="0" smtClean="0">
-                          <a:effectLst/>
-                        </a:rPr>
-                        <a:t>)/</a:t>
-                      </a:r>
-                      <a:r>
-                        <a:rPr lang="en-US" sz="1000" kern="100" dirty="0" err="1" smtClean="0">
-                          <a:effectLst/>
-                        </a:rPr>
-                        <a:t>ita_install_package</a:t>
-                      </a:r>
-                      <a:r>
-                        <a:rPr lang="en-US" sz="1000" kern="100" dirty="0" smtClean="0">
-                          <a:effectLst/>
-                        </a:rPr>
-                        <a:t>/ext_files_for_CentOS8.x/</a:t>
-                      </a:r>
-                      <a:r>
-                        <a:rPr lang="en-US" sz="1000" kern="100" dirty="0" err="1" smtClean="0">
-                          <a:effectLst/>
-                        </a:rPr>
-                        <a:t>etc_pki_tls_certs</a:t>
-                      </a:r>
-                      <a:r>
-                        <a:rPr lang="en-US" sz="1000" kern="100" dirty="0">
-                          <a:effectLst/>
-                        </a:rPr>
-                        <a:t>/</a:t>
-                      </a:r>
-                      <a:endParaRPr lang="ja-JP" sz="1100" kern="100" dirty="0">
-                        <a:effectLst/>
-                        <a:latin typeface="Century" panose="02040604050505020304" pitchFamily="18" charset="0"/>
-                        <a:ea typeface="ＭＳ 明朝" panose="02020609040205080304" pitchFamily="17" charset="-128"/>
-                        <a:cs typeface="Times New Roman" panose="02020603050405020304" pitchFamily="18" charset="0"/>
-                      </a:endParaRPr>
-                    </a:p>
-                  </a:txBody>
-                  <a:tcPr marL="68580" marR="68580" marT="0" marB="0">
-                    <a:solidFill>
-                      <a:srgbClr val="E7E8EA"/>
-                    </a:solidFill>
-                  </a:tcPr>
-                </a:tc>
-                <a:tc>
-                  <a:txBody>
-                    <a:bodyPr/>
-                    <a:lstStyle/>
-                    <a:p>
-                      <a:pPr algn="l">
-                        <a:spcAft>
-                          <a:spcPts val="0"/>
-                        </a:spcAft>
-                      </a:pPr>
-                      <a:r>
-                        <a:rPr lang="en-US" sz="1100" kern="100" dirty="0" smtClean="0">
-                          <a:effectLst/>
-                        </a:rPr>
-                        <a:t>exastro-it-automation.crt</a:t>
-                      </a:r>
-                      <a:endParaRPr lang="ja-JP" sz="1100" kern="100" dirty="0">
-                        <a:effectLst/>
-                        <a:latin typeface="Century" panose="02040604050505020304" pitchFamily="18" charset="0"/>
-                        <a:ea typeface="ＭＳ 明朝" panose="02020609040205080304" pitchFamily="17" charset="-128"/>
-                        <a:cs typeface="Times New Roman" panose="02020603050405020304" pitchFamily="18" charset="0"/>
-                      </a:endParaRPr>
-                    </a:p>
-                  </a:txBody>
-                  <a:tcPr marL="68580" marR="68580" marT="0" marB="0">
-                    <a:solidFill>
-                      <a:srgbClr val="E7E8EA"/>
-                    </a:solidFill>
-                  </a:tcPr>
-                </a:tc>
-                <a:extLst>
-                  <a:ext uri="{0D108BD9-81ED-4DB2-BD59-A6C34878D82A}">
-                    <a16:rowId xmlns:a16="http://schemas.microsoft.com/office/drawing/2014/main" val="10002"/>
-                  </a:ext>
-                </a:extLst>
-              </a:tr>
-            </a:tbl>
-          </a:graphicData>
-        </a:graphic>
-      </p:graphicFrame>
-    </p:spTree>
-    <p:extLst>
-      <p:ext uri="{BB962C8B-B14F-4D97-AF65-F5344CB8AC3E}">
-        <p14:creationId xmlns:p14="http://schemas.microsoft.com/office/powerpoint/2010/main" val="2206087911"/>
-      </p:ext>
-    </p:extLst>
-  </p:cSld>
-  <p:clrMapOvr>
-    <a:masterClrMapping/>
-  </p:clrMapOvr>
-  <p:timing>
-    <p:tnLst>
-      <p:par>
-        <p:cTn id="1" dur="indefinite" restart="never" nodeType="tmRoot"/>
-      </p:par>
-    </p:tnLst>
-  </p:timing>
-</p:sld>
-</file>
-
-<file path=ppt/slides/slide23.xml><?xml version="1.0" encoding="utf-8"?>
-<p:sld xmlns:a="http://schemas.openxmlformats.org/drawingml/2006/main" xmlns:r="http://schemas.openxmlformats.org/officeDocument/2006/relationships" xmlns:p="http://schemas.openxmlformats.org/presentationml/2006/main">
-  <p:cSld>
-    <p:spTree>
-      <p:nvGrpSpPr>
-        <p:cNvPr id="1" name=""/>
-        <p:cNvGrpSpPr/>
-        <p:nvPr/>
-      </p:nvGrpSpPr>
-      <p:grpSpPr>
-        <a:xfrm>
-          <a:off x="0" y="0"/>
-          <a:ext cx="0" cy="0"/>
-          <a:chOff x="0" y="0"/>
-          <a:chExt cx="0" cy="0"/>
-        </a:xfrm>
-      </p:grpSpPr>
-      <p:sp>
-        <p:nvSpPr>
-          <p:cNvPr id="2" name="タイトル 1"/>
-          <p:cNvSpPr>
-            <a:spLocks noGrp="1"/>
-          </p:cNvSpPr>
-          <p:nvPr>
-            <p:ph type="title"/>
-          </p:nvPr>
-        </p:nvSpPr>
-        <p:spPr/>
-        <p:txBody>
-          <a:bodyPr/>
-          <a:lstStyle/>
-          <a:p>
-            <a:r>
-              <a:rPr lang="en-US" altLang="ja-JP" dirty="0" smtClean="0"/>
-              <a:t>4.3</a:t>
-            </a:r>
-            <a:r>
-              <a:rPr lang="ja-JP" altLang="en-US" dirty="0"/>
-              <a:t>　動作確認</a:t>
-            </a:r>
-            <a:r>
-              <a:rPr lang="ja-JP" altLang="en-US" dirty="0" smtClean="0"/>
-              <a:t>（</a:t>
-            </a:r>
-            <a:r>
-              <a:rPr lang="en-US" altLang="ja-JP" dirty="0" smtClean="0"/>
-              <a:t>3/5</a:t>
-            </a:r>
-            <a:r>
-              <a:rPr lang="ja-JP" altLang="en-US" dirty="0"/>
               <a:t>）</a:t>
             </a:r>
             <a:endParaRPr kumimoji="1" lang="ja-JP" altLang="en-US" dirty="0"/>
@@ -24336,10 +22879,51 @@
         <p:spPr/>
         <p:txBody>
           <a:bodyPr>
-            <a:normAutofit/>
+            <a:normAutofit fontScale="92500" lnSpcReduction="10000"/>
           </a:bodyPr>
           <a:lstStyle/>
           <a:p>
+            <a:r>
+              <a:rPr lang="ja-JP" altLang="en-US" dirty="0"/>
+              <a:t>メインメニューの表示による確認</a:t>
+            </a:r>
+          </a:p>
+          <a:p>
+            <a:pPr lvl="1"/>
+            <a:r>
+              <a:rPr lang="ja-JP" altLang="en-US" dirty="0"/>
+              <a:t>インストール処理終了後、自端末の</a:t>
+            </a:r>
+            <a:r>
+              <a:rPr lang="en-US" altLang="ja-JP" dirty="0" err="1"/>
+              <a:t>WindowsPC</a:t>
+            </a:r>
+            <a:r>
+              <a:rPr lang="ja-JP" altLang="en-US" dirty="0"/>
+              <a:t>から下記の手順により、</a:t>
+            </a:r>
+            <a:r>
+              <a:rPr lang="en-US" altLang="ja-JP" dirty="0"/>
+              <a:t>ITA</a:t>
+            </a:r>
+            <a:r>
+              <a:rPr lang="ja-JP" altLang="en-US" dirty="0"/>
+              <a:t>システムメインメニューにアクセスし、</a:t>
+            </a:r>
+            <a:r>
+              <a:rPr lang="en-US" altLang="ja-JP" dirty="0"/>
+              <a:t>ITA</a:t>
+            </a:r>
+            <a:r>
+              <a:rPr lang="ja-JP" altLang="en-US" dirty="0"/>
+              <a:t>本体、各ドライバーが正常に表示されたことを確認してください。</a:t>
+            </a:r>
+          </a:p>
+          <a:p>
+            <a:pPr lvl="0"/>
+            <a:endParaRPr lang="en-US" altLang="ja-JP" dirty="0" smtClean="0"/>
+          </a:p>
+          <a:p>
             <a:pPr lvl="0"/>
             <a:r>
               <a:rPr lang="en-US" altLang="ja-JP" dirty="0" smtClean="0"/>
@@ -24386,22 +22970,264 @@
               <a:t>：</a:t>
             </a:r>
             <a:r>
-              <a:rPr lang="en-US" altLang="ja-JP" dirty="0">
-                <a:hlinkClick r:id="rId2"/>
-              </a:rPr>
-              <a:t>https</a:t>
+              <a:rPr lang="en-US" altLang="ja-JP" b="1" u="sng" dirty="0" smtClean="0">
+                <a:solidFill>
+                  <a:srgbClr val="FF0000"/>
+                </a:solidFill>
+              </a:rPr>
+              <a:t>http://</a:t>
+            </a:r>
+            <a:r>
+              <a:rPr lang="ja-JP" altLang="en-US" b="1" u="sng" dirty="0" smtClean="0">
+                <a:solidFill>
+                  <a:srgbClr val="FF0000"/>
+                </a:solidFill>
+              </a:rPr>
+              <a:t>（サーバの</a:t>
+            </a:r>
+            <a:r>
+              <a:rPr lang="en-US" altLang="ja-JP" b="1" u="sng" dirty="0" smtClean="0">
+                <a:solidFill>
+                  <a:srgbClr val="FF0000"/>
+                </a:solidFill>
+              </a:rPr>
+              <a:t>IP</a:t>
+            </a:r>
+            <a:r>
+              <a:rPr lang="ja-JP" altLang="en-US" b="1" u="sng" dirty="0" smtClean="0">
+                <a:solidFill>
+                  <a:srgbClr val="FF0000"/>
+                </a:solidFill>
+              </a:rPr>
+              <a:t>アドレス）</a:t>
+            </a:r>
+            <a:endParaRPr lang="en-US" altLang="ja-JP" b="1" u="sng" dirty="0" smtClean="0">
+              <a:solidFill>
+                <a:srgbClr val="FF0000"/>
+              </a:solidFill>
+            </a:endParaRPr>
+          </a:p>
+          <a:p>
+            <a:pPr marL="180000" lvl="1" indent="0">
+              <a:buNone/>
+            </a:pPr>
+            <a:endParaRPr kumimoji="1" lang="en-US" altLang="ja-JP" dirty="0" smtClean="0"/>
+          </a:p>
+          <a:p>
+            <a:pPr marL="180000" lvl="1" indent="0">
+              <a:buNone/>
+            </a:pPr>
+            <a:r>
+              <a:rPr kumimoji="1" lang="en-US" altLang="ja-JP" dirty="0" smtClean="0">
+                <a:solidFill>
+                  <a:srgbClr val="FF0000"/>
+                </a:solidFill>
+              </a:rPr>
+              <a:t>※</a:t>
+            </a:r>
+            <a:r>
+              <a:rPr lang="ja-JP" altLang="en-US" dirty="0" smtClean="0">
+                <a:solidFill>
+                  <a:srgbClr val="FF0000"/>
+                </a:solidFill>
+              </a:rPr>
+              <a:t>インストール</a:t>
+            </a:r>
+            <a:r>
+              <a:rPr lang="ja-JP" altLang="en-US" dirty="0">
+                <a:solidFill>
+                  <a:srgbClr val="FF0000"/>
+                </a:solidFill>
+              </a:rPr>
+              <a:t>後</a:t>
+            </a:r>
+            <a:r>
+              <a:rPr lang="ja-JP" altLang="en-US" dirty="0" smtClean="0">
+                <a:solidFill>
+                  <a:srgbClr val="FF0000"/>
+                </a:solidFill>
+              </a:rPr>
+              <a:t>は、</a:t>
             </a:r>
             <a:r>
               <a:rPr lang="en-US" altLang="ja-JP" dirty="0" smtClean="0">
-                <a:hlinkClick r:id="rId2"/>
-              </a:rPr>
-              <a:t>://exastro-it-automation/</a:t>
-            </a:r>
-            <a:endParaRPr lang="en-US" altLang="ja-JP" dirty="0" smtClean="0"/>
-          </a:p>
-          <a:p>
-            <a:pPr lvl="1"/>
-            <a:endParaRPr kumimoji="1" lang="en-US" altLang="ja-JP" dirty="0" smtClean="0"/>
+                <a:solidFill>
+                  <a:srgbClr val="FF0000"/>
+                </a:solidFill>
+              </a:rPr>
+              <a:t>HTTP</a:t>
+            </a:r>
+            <a:r>
+              <a:rPr lang="ja-JP" altLang="en-US" dirty="0" smtClean="0">
+                <a:solidFill>
+                  <a:srgbClr val="FF0000"/>
+                </a:solidFill>
+              </a:rPr>
+              <a:t>と</a:t>
+            </a:r>
+            <a:r>
+              <a:rPr lang="en-US" altLang="ja-JP" dirty="0" smtClean="0">
+                <a:solidFill>
+                  <a:srgbClr val="FF0000"/>
+                </a:solidFill>
+              </a:rPr>
+              <a:t>HTTPS</a:t>
+            </a:r>
+            <a:r>
+              <a:rPr lang="ja-JP" altLang="en-US" dirty="0" smtClean="0">
+                <a:solidFill>
+                  <a:srgbClr val="FF0000"/>
+                </a:solidFill>
+              </a:rPr>
+              <a:t>の両方のアクセスが可能です。</a:t>
+            </a:r>
+            <a:r>
+              <a:rPr lang="en-US" altLang="ja-JP" dirty="0" smtClean="0">
+                <a:solidFill>
+                  <a:srgbClr val="FF0000"/>
+                </a:solidFill>
+              </a:rPr>
+              <a:t/>
+            </a:r>
+            <a:br>
+              <a:rPr lang="en-US" altLang="ja-JP" dirty="0" smtClean="0">
+                <a:solidFill>
+                  <a:srgbClr val="FF0000"/>
+                </a:solidFill>
+              </a:rPr>
+            </a:br>
+            <a:r>
+              <a:rPr lang="ja-JP" altLang="en-US" dirty="0" smtClean="0">
+                <a:solidFill>
+                  <a:srgbClr val="FF0000"/>
+                </a:solidFill>
+              </a:rPr>
+              <a:t>　</a:t>
+            </a:r>
+            <a:r>
+              <a:rPr lang="en-US" altLang="ja-JP" dirty="0" smtClean="0">
+                <a:solidFill>
+                  <a:srgbClr val="FF0000"/>
+                </a:solidFill>
+              </a:rPr>
+              <a:t>HTTP</a:t>
+            </a:r>
+            <a:r>
+              <a:rPr lang="ja-JP" altLang="en-US" dirty="0" smtClean="0">
+                <a:solidFill>
+                  <a:srgbClr val="FF0000"/>
+                </a:solidFill>
+              </a:rPr>
+              <a:t>はセキュリティ的に脆弱なので、</a:t>
+            </a:r>
+            <a:r>
+              <a:rPr lang="en-US" altLang="ja-JP" dirty="0" smtClean="0">
+                <a:solidFill>
+                  <a:srgbClr val="FF0000"/>
+                </a:solidFill>
+              </a:rPr>
+              <a:t>HTTPS</a:t>
+            </a:r>
+            <a:r>
+              <a:rPr lang="ja-JP" altLang="en-US" dirty="0" smtClean="0">
+                <a:solidFill>
+                  <a:srgbClr val="FF0000"/>
+                </a:solidFill>
+              </a:rPr>
+              <a:t>で</a:t>
+            </a:r>
+            <a:r>
+              <a:rPr lang="ja-JP" altLang="en-US" dirty="0">
+                <a:solidFill>
+                  <a:srgbClr val="FF0000"/>
+                </a:solidFill>
+              </a:rPr>
+              <a:t>の</a:t>
+            </a:r>
+            <a:r>
+              <a:rPr lang="ja-JP" altLang="en-US" dirty="0" smtClean="0">
+                <a:solidFill>
+                  <a:srgbClr val="FF0000"/>
+                </a:solidFill>
+              </a:rPr>
+              <a:t>アクセスを推奨します。</a:t>
+            </a:r>
+            <a:r>
+              <a:rPr lang="en-US" altLang="ja-JP" dirty="0" smtClean="0">
+                <a:solidFill>
+                  <a:srgbClr val="FF0000"/>
+                </a:solidFill>
+              </a:rPr>
+              <a:t/>
+            </a:r>
+            <a:br>
+              <a:rPr lang="en-US" altLang="ja-JP" dirty="0" smtClean="0">
+                <a:solidFill>
+                  <a:srgbClr val="FF0000"/>
+                </a:solidFill>
+              </a:rPr>
+            </a:br>
+            <a:r>
+              <a:rPr lang="ja-JP" altLang="en-US" dirty="0" smtClean="0">
+                <a:solidFill>
+                  <a:srgbClr val="FF0000"/>
+                </a:solidFill>
+              </a:rPr>
+              <a:t>　</a:t>
+            </a:r>
+            <a:r>
+              <a:rPr kumimoji="1" lang="en-US" altLang="ja-JP" dirty="0" smtClean="0">
+                <a:solidFill>
+                  <a:srgbClr val="FF0000"/>
+                </a:solidFill>
+              </a:rPr>
+              <a:t>HTTPS</a:t>
+            </a:r>
+            <a:r>
+              <a:rPr kumimoji="1" lang="ja-JP" altLang="en-US" dirty="0" smtClean="0">
+                <a:solidFill>
+                  <a:srgbClr val="FF0000"/>
+                </a:solidFill>
+              </a:rPr>
+              <a:t>でのアクセス方法は、動作確認（</a:t>
+            </a:r>
+            <a:r>
+              <a:rPr kumimoji="1" lang="en-US" altLang="ja-JP" dirty="0" smtClean="0">
+                <a:solidFill>
+                  <a:srgbClr val="FF0000"/>
+                </a:solidFill>
+              </a:rPr>
+              <a:t>4/6</a:t>
+            </a:r>
+            <a:r>
+              <a:rPr kumimoji="1" lang="ja-JP" altLang="en-US" dirty="0" smtClean="0">
+                <a:solidFill>
+                  <a:srgbClr val="FF0000"/>
+                </a:solidFill>
+              </a:rPr>
+              <a:t>）</a:t>
+            </a:r>
+            <a:r>
+              <a:rPr lang="ja-JP" altLang="en-US" dirty="0">
+                <a:solidFill>
+                  <a:srgbClr val="FF0000"/>
+                </a:solidFill>
+              </a:rPr>
+              <a:t>以降</a:t>
+            </a:r>
+            <a:r>
+              <a:rPr kumimoji="1" lang="ja-JP" altLang="en-US" dirty="0" smtClean="0">
+                <a:solidFill>
+                  <a:srgbClr val="FF0000"/>
+                </a:solidFill>
+              </a:rPr>
+              <a:t>を確認してください。</a:t>
+            </a:r>
+            <a:endParaRPr kumimoji="1" lang="en-US" altLang="ja-JP" dirty="0" smtClean="0">
+              <a:solidFill>
+                <a:srgbClr val="FF0000"/>
+              </a:solidFill>
+            </a:endParaRPr>
           </a:p>
           <a:p>
             <a:pPr lvl="1"/>
@@ -24561,7 +23387,7 @@
 </p:sld>
 </file>
 
-<file path=ppt/slides/slide24.xml><?xml version="1.0" encoding="utf-8"?>
+<file path=ppt/slides/slide22.xml><?xml version="1.0" encoding="utf-8"?>
 <p:sld xmlns:a="http://schemas.openxmlformats.org/drawingml/2006/main" xmlns:r="http://schemas.openxmlformats.org/officeDocument/2006/relationships" xmlns:p="http://schemas.openxmlformats.org/presentationml/2006/main">
   <p:cSld>
     <p:spTree>
@@ -24618,7 +23444,7 @@
           <a:p>
             <a:r>
               <a:rPr lang="en-US" altLang="ja-JP" dirty="0" smtClean="0"/>
-              <a:t>4.4</a:t>
+              <a:t>4.2</a:t>
             </a:r>
             <a:r>
               <a:rPr lang="ja-JP" altLang="en-US" dirty="0"/>
@@ -24630,10 +23456,10 @@
             </a:r>
             <a:r>
               <a:rPr lang="en-US" altLang="ja-JP" dirty="0" smtClean="0"/>
-              <a:t>4/5</a:t>
-            </a:r>
-            <a:r>
-              <a:rPr lang="ja-JP" altLang="en-US" dirty="0"/>
+              <a:t>2/6</a:t>
+            </a:r>
+            <a:r>
+              <a:rPr lang="ja-JP" altLang="en-US" dirty="0" smtClean="0"/>
               <a:t>）</a:t>
             </a:r>
             <a:endParaRPr kumimoji="1" lang="ja-JP" altLang="en-US" dirty="0"/>
@@ -25052,7 +23878,7 @@
 </p:sld>
 </file>
 
-<file path=ppt/slides/slide25.xml><?xml version="1.0" encoding="utf-8"?>
+<file path=ppt/slides/slide23.xml><?xml version="1.0" encoding="utf-8"?>
 <p:sld xmlns:a="http://schemas.openxmlformats.org/drawingml/2006/main" xmlns:r="http://schemas.openxmlformats.org/officeDocument/2006/relationships" xmlns:p="http://schemas.openxmlformats.org/presentationml/2006/main">
   <p:cSld>
     <p:spTree>
@@ -25086,7 +23912,7 @@
           <a:p>
             <a:r>
               <a:rPr lang="en-US" altLang="ja-JP" dirty="0" smtClean="0"/>
-              <a:t>4.5</a:t>
+              <a:t>4.3</a:t>
             </a:r>
             <a:r>
               <a:rPr lang="ja-JP" altLang="en-US" dirty="0"/>
@@ -25098,10 +23924,10 @@
             </a:r>
             <a:r>
               <a:rPr lang="en-US" altLang="ja-JP" dirty="0" smtClean="0"/>
-              <a:t>5/5</a:t>
-            </a:r>
-            <a:r>
-              <a:rPr lang="ja-JP" altLang="en-US" dirty="0"/>
+              <a:t>3/6</a:t>
+            </a:r>
+            <a:r>
+              <a:rPr lang="ja-JP" altLang="en-US" dirty="0" smtClean="0"/>
               <a:t>）</a:t>
             </a:r>
             <a:endParaRPr kumimoji="1" lang="ja-JP" altLang="en-US" dirty="0"/>
@@ -25184,224 +24010,16 @@
             <a:endParaRPr lang="en-US" altLang="ja-JP" dirty="0"/>
           </a:p>
           <a:p>
-            <a:pPr lvl="1"/>
-            <a:endParaRPr kumimoji="1" lang="en-US" altLang="ja-JP" dirty="0" smtClean="0"/>
-          </a:p>
-          <a:p>
-            <a:pPr lvl="0"/>
-            <a:r>
-              <a:rPr lang="ja-JP" altLang="en-US" dirty="0" smtClean="0"/>
-              <a:t>（参考）</a:t>
-            </a:r>
-            <a:r>
-              <a:rPr lang="en-US" altLang="ja-JP" dirty="0" smtClean="0"/>
-              <a:t>HTTP</a:t>
-            </a:r>
-            <a:r>
-              <a:rPr lang="ja-JP" altLang="en-US" dirty="0" smtClean="0"/>
-              <a:t>アクセス</a:t>
-            </a:r>
-            <a:endParaRPr lang="en-US" altLang="ja-JP" dirty="0"/>
-          </a:p>
-          <a:p>
             <a:pPr marL="180000" lvl="1" indent="0">
               <a:buNone/>
             </a:pPr>
-            <a:r>
-              <a:rPr lang="en-US" altLang="ja-JP" dirty="0" smtClean="0"/>
-              <a:t>HTTP</a:t>
-            </a:r>
-            <a:r>
-              <a:rPr lang="ja-JP" altLang="en-US" dirty="0" smtClean="0"/>
-              <a:t>アクセスを許可する場合は、</a:t>
-            </a:r>
-            <a:r>
-              <a:rPr lang="ja-JP" altLang="ja-JP" dirty="0"/>
-              <a:t>以下</a:t>
-            </a:r>
-            <a:r>
-              <a:rPr lang="ja-JP" altLang="ja-JP" dirty="0" smtClean="0"/>
-              <a:t>の</a:t>
-            </a:r>
-            <a:r>
-              <a:rPr lang="ja-JP" altLang="en-US" dirty="0" smtClean="0"/>
-              <a:t>手順を実施してください。</a:t>
-            </a:r>
-            <a:endParaRPr lang="en-US" altLang="ja-JP" dirty="0" smtClean="0"/>
-          </a:p>
-          <a:p>
-            <a:pPr lvl="1"/>
-            <a:r>
-              <a:rPr lang="ja-JP" altLang="en-US" dirty="0" smtClean="0"/>
-              <a:t>ファイル「</a:t>
-            </a:r>
-            <a:r>
-              <a:rPr lang="en-US" altLang="ja-JP" dirty="0" smtClean="0"/>
-              <a:t>/</a:t>
-            </a:r>
-            <a:r>
-              <a:rPr lang="en-US" altLang="ja-JP" dirty="0" err="1" smtClean="0"/>
-              <a:t>etc</a:t>
-            </a:r>
-            <a:r>
-              <a:rPr lang="en-US" altLang="ja-JP" dirty="0" smtClean="0"/>
-              <a:t>/</a:t>
-            </a:r>
-            <a:r>
-              <a:rPr lang="en-US" altLang="ja-JP" dirty="0" err="1" smtClean="0"/>
-              <a:t>httpd</a:t>
-            </a:r>
-            <a:r>
-              <a:rPr lang="en-US" altLang="ja-JP" dirty="0" smtClean="0"/>
-              <a:t>/</a:t>
-            </a:r>
-            <a:r>
-              <a:rPr lang="en-US" altLang="ja-JP" dirty="0" err="1" smtClean="0"/>
-              <a:t>conf.d</a:t>
-            </a:r>
-            <a:r>
-              <a:rPr lang="en-US" altLang="ja-JP" dirty="0" smtClean="0"/>
-              <a:t>/</a:t>
-            </a:r>
-            <a:r>
-              <a:rPr lang="en-US" altLang="ja-JP" dirty="0" err="1" smtClean="0"/>
-              <a:t>vhosts_exastro</a:t>
-            </a:r>
-            <a:r>
-              <a:rPr lang="en-US" altLang="ja-JP" dirty="0" smtClean="0"/>
-              <a:t>-it-</a:t>
-            </a:r>
-            <a:r>
-              <a:rPr lang="en-US" altLang="ja-JP" dirty="0" err="1" smtClean="0"/>
-              <a:t>automation.conf</a:t>
-            </a:r>
-            <a:r>
-              <a:rPr lang="ja-JP" altLang="en-US" dirty="0" smtClean="0"/>
-              <a:t>」の</a:t>
-            </a:r>
-            <a:r>
-              <a:rPr lang="en-US" altLang="ja-JP" dirty="0" smtClean="0"/>
-              <a:t/>
-            </a:r>
-            <a:br>
-              <a:rPr lang="en-US" altLang="ja-JP" dirty="0" smtClean="0"/>
-            </a:br>
-            <a:r>
-              <a:rPr lang="ja-JP" altLang="en-US" dirty="0" smtClean="0"/>
-              <a:t>「</a:t>
-            </a:r>
-            <a:r>
-              <a:rPr lang="en-US" altLang="ja-JP" dirty="0"/>
-              <a:t>&lt;</a:t>
-            </a:r>
-            <a:r>
-              <a:rPr lang="en-US" altLang="ja-JP" dirty="0" err="1"/>
-              <a:t>VirtualHost</a:t>
-            </a:r>
-            <a:r>
-              <a:rPr lang="en-US" altLang="ja-JP" dirty="0"/>
-              <a:t> *:80 </a:t>
-            </a:r>
-            <a:r>
-              <a:rPr lang="en-US" altLang="ja-JP" dirty="0" smtClean="0"/>
-              <a:t>&gt;</a:t>
-            </a:r>
-            <a:r>
-              <a:rPr lang="ja-JP" altLang="en-US" dirty="0" smtClean="0"/>
-              <a:t>」から「</a:t>
-            </a:r>
-            <a:r>
-              <a:rPr lang="en-US" altLang="ja-JP" dirty="0"/>
-              <a:t>&lt;/</a:t>
-            </a:r>
-            <a:r>
-              <a:rPr lang="en-US" altLang="ja-JP" dirty="0" err="1"/>
-              <a:t>VirtualHost</a:t>
-            </a:r>
-            <a:r>
-              <a:rPr lang="en-US" altLang="ja-JP" dirty="0" smtClean="0"/>
-              <a:t>&gt;</a:t>
-            </a:r>
-            <a:r>
-              <a:rPr lang="ja-JP" altLang="en-US" dirty="0" smtClean="0"/>
-              <a:t>」のコメントアウト</a:t>
-            </a:r>
-            <a:r>
-              <a:rPr lang="en-US" altLang="ja-JP" dirty="0" smtClean="0"/>
-              <a:t>(#)</a:t>
-            </a:r>
-            <a:r>
-              <a:rPr lang="ja-JP" altLang="en-US" dirty="0" smtClean="0"/>
-              <a:t>を外す。</a:t>
-            </a:r>
-            <a:endParaRPr lang="en-US" altLang="ja-JP" dirty="0" smtClean="0"/>
-          </a:p>
-          <a:p>
-            <a:pPr lvl="1"/>
-            <a:r>
-              <a:rPr lang="ja-JP" altLang="en-US" dirty="0"/>
-              <a:t>以下</a:t>
-            </a:r>
-            <a:r>
-              <a:rPr lang="ja-JP" altLang="en-US" dirty="0" smtClean="0"/>
-              <a:t>のコマンドにより</a:t>
-            </a:r>
-            <a:r>
-              <a:rPr lang="en-US" altLang="ja-JP" dirty="0" smtClean="0"/>
-              <a:t>Apache</a:t>
-            </a:r>
-            <a:r>
-              <a:rPr lang="ja-JP" altLang="en-US" dirty="0" smtClean="0"/>
-              <a:t>を再起動する。</a:t>
-            </a:r>
-            <a:r>
-              <a:rPr lang="en-US" altLang="ja-JP" dirty="0" smtClean="0"/>
-              <a:t/>
-            </a:r>
-            <a:br>
-              <a:rPr lang="en-US" altLang="ja-JP" dirty="0" smtClean="0"/>
-            </a:br>
-            <a:r>
-              <a:rPr lang="en-US" altLang="ja-JP" dirty="0" err="1" smtClean="0"/>
-              <a:t>systemctl</a:t>
-            </a:r>
-            <a:r>
-              <a:rPr lang="en-US" altLang="ja-JP" dirty="0" smtClean="0"/>
-              <a:t> restart </a:t>
-            </a:r>
-            <a:r>
-              <a:rPr lang="en-US" altLang="ja-JP" dirty="0" err="1" smtClean="0"/>
-              <a:t>httpd</a:t>
-            </a:r>
-            <a:endParaRPr lang="en-US" altLang="ja-JP" dirty="0" smtClean="0"/>
-          </a:p>
-          <a:p>
-            <a:pPr lvl="1"/>
-            <a:r>
-              <a:rPr lang="en-US" altLang="ja-JP" dirty="0" smtClean="0"/>
-              <a:t>URL</a:t>
-            </a:r>
-            <a:r>
-              <a:rPr lang="ja-JP" altLang="en-US" dirty="0" smtClean="0"/>
-              <a:t>「</a:t>
-            </a:r>
-            <a:r>
-              <a:rPr lang="en-US" altLang="ja-JP" u="sng" dirty="0" smtClean="0"/>
-              <a:t>http://(IP</a:t>
-            </a:r>
-            <a:r>
-              <a:rPr lang="ja-JP" altLang="en-US" u="sng" dirty="0" smtClean="0"/>
-              <a:t>ドレス</a:t>
-            </a:r>
-            <a:r>
-              <a:rPr lang="en-US" altLang="ja-JP" u="sng" dirty="0" smtClean="0"/>
-              <a:t>)</a:t>
-            </a:r>
-            <a:r>
-              <a:rPr lang="ja-JP" altLang="en-US" dirty="0" smtClean="0"/>
-              <a:t>」に接続して、ログイン画面が表示されることを確認する。</a:t>
-            </a:r>
-            <a:endParaRPr lang="ja-JP" altLang="ja-JP" dirty="0"/>
+            <a:endParaRPr kumimoji="1" lang="en-US" altLang="ja-JP" dirty="0" smtClean="0"/>
+          </a:p>
+          <a:p>
+            <a:pPr marL="180000" lvl="1" indent="0">
+              <a:buNone/>
+            </a:pPr>
+            <a:endParaRPr kumimoji="1" lang="en-US" altLang="ja-JP" dirty="0" smtClean="0"/>
           </a:p>
         </p:txBody>
       </p:sp>
@@ -25414,14 +24032,14 @@
           <p:nvPr>
             <p:extLst>
               <p:ext uri="{D42A27DB-BD31-4B8C-83A1-F6EECF244321}">
-                <p14:modId xmlns:p14="http://schemas.microsoft.com/office/powerpoint/2010/main" val="769688255"/>
+                <p14:modId xmlns:p14="http://schemas.microsoft.com/office/powerpoint/2010/main" val="3714700898"/>
               </p:ext>
             </p:extLst>
           </p:nvPr>
         </p:nvGraphicFramePr>
         <p:xfrm>
           <a:off x="1259540" y="1628750"/>
-          <a:ext cx="6624920" cy="2222847"/>
+          <a:ext cx="6624920" cy="2479614"/>
         </p:xfrm>
         <a:graphic>
           <a:graphicData uri="http://schemas.openxmlformats.org/drawingml/2006/table">
@@ -25513,7 +24131,7 @@
                 </a:extLst>
               </a:tr>
               <a:tr h="256767">
-                <a:tc rowSpan="2">
+                <a:tc rowSpan="3">
                   <a:txBody>
                     <a:bodyPr/>
                     <a:lstStyle/>
@@ -25610,7 +24228,13 @@
                         <a:rPr lang="ja-JP" sz="1050" kern="100" dirty="0">
                           <a:effectLst/>
                         </a:rPr>
-                        <a:t>基本コンソール</a:t>
+                        <a:t>基本</a:t>
+                      </a:r>
+                      <a:r>
+                        <a:rPr lang="ja-JP" sz="1050" kern="100" dirty="0" smtClean="0">
+                          <a:effectLst/>
+                        </a:rPr>
+                        <a:t>コンソール</a:t>
                       </a:r>
                       <a:endParaRPr lang="ja-JP" sz="1050" kern="100" dirty="0">
                         <a:effectLst/>
@@ -25633,7 +24257,7 @@
                 </a:extLst>
               </a:tr>
               <a:tr h="256767">
-                <a:tc>
+                <a:tc vMerge="1">
                   <a:txBody>
                     <a:bodyPr/>
                     <a:lstStyle/>
@@ -25643,18 +24267,6 @@
                           <a:spcPts val="0"/>
                         </a:spcAft>
                       </a:pPr>
-                      <a:r>
-                        <a:rPr lang="ja-JP" altLang="en-US" sz="1050" kern="100" dirty="0" smtClean="0">
-                          <a:effectLst/>
-                        </a:rPr>
-                        <a:t>メニュー</a:t>
-                      </a:r>
-                      <a:r>
-                        <a:rPr lang="ja-JP" sz="1050" kern="100" dirty="0" smtClean="0">
-                          <a:effectLst/>
-                        </a:rPr>
-                        <a:t>作成</a:t>
-                      </a:r>
                       <a:endParaRPr lang="ja-JP" sz="1050" kern="100" dirty="0">
                         <a:effectLst/>
                         <a:latin typeface="Century" panose="02040604050505020304" pitchFamily="18" charset="0"/>
@@ -25680,10 +24292,101 @@
                         </a:spcAft>
                       </a:pPr>
                       <a:r>
-                        <a:rPr lang="ja-JP" sz="1050" kern="100" dirty="0">
-                          <a:effectLst/>
-                        </a:rPr>
-                        <a:t>マスタ作成</a:t>
+                        <a:rPr lang="ja-JP" altLang="en-US" sz="1050" kern="100" dirty="0" smtClean="0">
+                          <a:effectLst/>
+                        </a:rPr>
+                        <a:t>エクスポート</a:t>
+                      </a:r>
+                      <a:r>
+                        <a:rPr lang="en-US" altLang="ja-JP" sz="1050" kern="100" dirty="0" smtClean="0">
+                          <a:effectLst/>
+                        </a:rPr>
+                        <a:t>/</a:t>
+                      </a:r>
+                      <a:r>
+                        <a:rPr lang="ja-JP" altLang="en-US" sz="1050" kern="100" dirty="0" smtClean="0">
+                          <a:effectLst/>
+                        </a:rPr>
+                        <a:t>インポート</a:t>
+                      </a:r>
+                      <a:endParaRPr lang="ja-JP" altLang="ja-JP" sz="1050" kern="100" dirty="0">
+                        <a:effectLst/>
+                        <a:latin typeface="Century" panose="02040604050505020304" pitchFamily="18" charset="0"/>
+                        <a:ea typeface="ＭＳ 明朝" panose="02020609040205080304" pitchFamily="17" charset="-128"/>
+                        <a:cs typeface="Times New Roman" panose="02020603050405020304" pitchFamily="18" charset="0"/>
+                      </a:endParaRPr>
+                    </a:p>
+                  </a:txBody>
+                  <a:tcPr marL="68580" marR="68580" marT="0" marB="0" anchor="ctr">
+                    <a:solidFill>
+                      <a:srgbClr val="E7E8EA"/>
+                    </a:solidFill>
+                  </a:tcPr>
+                </a:tc>
+                <a:extLst>
+                  <a:ext uri="{0D108BD9-81ED-4DB2-BD59-A6C34878D82A}">
+                    <a16:rowId xmlns:a16="http://schemas.microsoft.com/office/drawing/2014/main" val="2197021021"/>
+                  </a:ext>
+                </a:extLst>
+              </a:tr>
+              <a:tr h="256767">
+                <a:tc>
+                  <a:txBody>
+                    <a:bodyPr/>
+                    <a:lstStyle/>
+                    <a:p>
+                      <a:pPr algn="l">
+                        <a:spcAft>
+                          <a:spcPts val="0"/>
+                        </a:spcAft>
+                      </a:pPr>
+                      <a:r>
+                        <a:rPr lang="ja-JP" altLang="en-US" sz="1050" kern="100" dirty="0" smtClean="0">
+                          <a:effectLst/>
+                        </a:rPr>
+                        <a:t>メニュー</a:t>
+                      </a:r>
+                      <a:r>
+                        <a:rPr lang="ja-JP" sz="1050" kern="100" dirty="0" smtClean="0">
+                          <a:effectLst/>
+                        </a:rPr>
+                        <a:t>作成</a:t>
+                      </a:r>
+                      <a:endParaRPr lang="ja-JP" sz="1050" kern="100" dirty="0">
+                        <a:effectLst/>
+                        <a:latin typeface="Century" panose="02040604050505020304" pitchFamily="18" charset="0"/>
+                        <a:ea typeface="ＭＳ 明朝" panose="02020609040205080304" pitchFamily="17" charset="-128"/>
+                        <a:cs typeface="Times New Roman" panose="02020603050405020304" pitchFamily="18" charset="0"/>
+                      </a:endParaRPr>
+                    </a:p>
+                  </a:txBody>
+                  <a:tcPr marL="68580" marR="68580" marT="0" marB="0" anchor="ctr">
+                    <a:solidFill>
+                      <a:srgbClr val="002B62"/>
+                    </a:solidFill>
+                  </a:tcPr>
+                </a:tc>
+                <a:tc>
+                  <a:txBody>
+                    <a:bodyPr/>
+                    <a:lstStyle/>
+                    <a:p>
+                      <a:pPr algn="l">
+                        <a:spcAft>
+                          <a:spcPts val="0"/>
+                        </a:spcAft>
+                      </a:pPr>
+                      <a:r>
+                        <a:rPr lang="ja-JP" altLang="en-US" sz="1050" kern="100" dirty="0" smtClean="0">
+                          <a:effectLst/>
+                        </a:rPr>
+                        <a:t>メニュー</a:t>
+                      </a:r>
+                      <a:r>
+                        <a:rPr lang="ja-JP" sz="1050" kern="100" dirty="0" smtClean="0">
+                          <a:effectLst/>
+                        </a:rPr>
+                        <a:t>作成</a:t>
                       </a:r>
                       <a:endParaRPr lang="ja-JP" sz="1050" kern="100" dirty="0">
                         <a:effectLst/>
@@ -25942,7 +24645,2152 @@
 </p:sld>
 </file>
 
+<file path=ppt/slides/slide24.xml><?xml version="1.0" encoding="utf-8"?>
+<p:sld xmlns:a="http://schemas.openxmlformats.org/drawingml/2006/main" xmlns:r="http://schemas.openxmlformats.org/officeDocument/2006/relationships" xmlns:p="http://schemas.openxmlformats.org/presentationml/2006/main">
+  <p:cSld>
+    <p:spTree>
+      <p:nvGrpSpPr>
+        <p:cNvPr id="1" name=""/>
+        <p:cNvGrpSpPr/>
+        <p:nvPr/>
+      </p:nvGrpSpPr>
+      <p:grpSpPr>
+        <a:xfrm>
+          <a:off x="0" y="0"/>
+          <a:ext cx="0" cy="0"/>
+          <a:chOff x="0" y="0"/>
+          <a:chExt cx="0" cy="0"/>
+        </a:xfrm>
+      </p:grpSpPr>
+      <p:sp>
+        <p:nvSpPr>
+          <p:cNvPr id="2" name="タイトル 1"/>
+          <p:cNvSpPr>
+            <a:spLocks noGrp="1"/>
+          </p:cNvSpPr>
+          <p:nvPr>
+            <p:ph type="title"/>
+          </p:nvPr>
+        </p:nvSpPr>
+        <p:spPr/>
+        <p:txBody>
+          <a:bodyPr/>
+          <a:lstStyle/>
+          <a:p>
+            <a:r>
+              <a:rPr lang="en-US" altLang="ja-JP" dirty="0" smtClean="0"/>
+              <a:t>4.4</a:t>
+            </a:r>
+            <a:r>
+              <a:rPr lang="ja-JP" altLang="en-US" dirty="0"/>
+              <a:t>　</a:t>
+            </a:r>
+            <a:r>
+              <a:rPr lang="ja-JP" altLang="en-US" dirty="0" smtClean="0"/>
+              <a:t>動作確認（</a:t>
+            </a:r>
+            <a:r>
+              <a:rPr lang="en-US" altLang="ja-JP" dirty="0" smtClean="0"/>
+              <a:t>4/6</a:t>
+            </a:r>
+            <a:r>
+              <a:rPr lang="ja-JP" altLang="en-US" dirty="0" smtClean="0"/>
+              <a:t>）</a:t>
+            </a:r>
+            <a:endParaRPr kumimoji="1" lang="ja-JP" altLang="en-US" dirty="0"/>
+          </a:p>
+        </p:txBody>
+      </p:sp>
+      <p:sp>
+        <p:nvSpPr>
+          <p:cNvPr id="3" name="コンテンツ プレースホルダー 2"/>
+          <p:cNvSpPr>
+            <a:spLocks noGrp="1"/>
+          </p:cNvSpPr>
+          <p:nvPr>
+            <p:ph sz="quarter" idx="10"/>
+          </p:nvPr>
+        </p:nvSpPr>
+        <p:spPr/>
+        <p:txBody>
+          <a:bodyPr/>
+          <a:lstStyle/>
+          <a:p>
+            <a:r>
+              <a:rPr lang="en-US" altLang="ja-JP" dirty="0" smtClean="0"/>
+              <a:t>HTTPS</a:t>
+            </a:r>
+            <a:r>
+              <a:rPr lang="ja-JP" altLang="en-US" dirty="0" smtClean="0"/>
+              <a:t>でアクセスするための準備</a:t>
+            </a:r>
+            <a:r>
+              <a:rPr lang="ja-JP" altLang="en-US" dirty="0"/>
+              <a:t>作業</a:t>
+            </a:r>
+          </a:p>
+          <a:p>
+            <a:pPr lvl="1"/>
+            <a:r>
+              <a:rPr lang="ja-JP" altLang="en-US" dirty="0" smtClean="0"/>
+              <a:t>操作</a:t>
+            </a:r>
+            <a:r>
+              <a:rPr lang="ja-JP" altLang="en-US" dirty="0"/>
+              <a:t>端末（</a:t>
+            </a:r>
+            <a:r>
+              <a:rPr lang="en-US" altLang="ja-JP" dirty="0"/>
+              <a:t>Windows</a:t>
+            </a:r>
+            <a:r>
+              <a:rPr lang="ja-JP" altLang="en-US" dirty="0"/>
+              <a:t>）の</a:t>
+            </a:r>
+            <a:r>
+              <a:rPr lang="en-US" altLang="ja-JP" dirty="0"/>
+              <a:t>hosts</a:t>
+            </a:r>
+            <a:r>
+              <a:rPr lang="ja-JP" altLang="en-US" dirty="0"/>
+              <a:t>ファイル</a:t>
+            </a:r>
+            <a:r>
+              <a:rPr lang="ja-JP" altLang="en-US" dirty="0" smtClean="0"/>
+              <a:t>へ</a:t>
+            </a:r>
+            <a:r>
+              <a:rPr lang="en-US" altLang="ja-JP" dirty="0" smtClean="0"/>
+              <a:t>ITA</a:t>
+            </a:r>
+            <a:r>
+              <a:rPr lang="ja-JP" altLang="en-US" dirty="0" smtClean="0"/>
+              <a:t>実装</a:t>
+            </a:r>
+            <a:r>
+              <a:rPr lang="ja-JP" altLang="en-US" dirty="0"/>
+              <a:t>サーバの</a:t>
+            </a:r>
+            <a:r>
+              <a:rPr lang="en-US" altLang="ja-JP" dirty="0"/>
+              <a:t>IP</a:t>
+            </a:r>
+            <a:r>
+              <a:rPr lang="ja-JP" altLang="en-US" dirty="0"/>
+              <a:t>アドレスとホスト名を</a:t>
+            </a:r>
+            <a:r>
+              <a:rPr lang="ja-JP" altLang="en-US" dirty="0" smtClean="0"/>
+              <a:t>設定してください。</a:t>
+            </a:r>
+            <a:r>
+              <a:rPr lang="en-US" altLang="ja-JP" dirty="0" smtClean="0"/>
+              <a:t/>
+            </a:r>
+            <a:br>
+              <a:rPr lang="en-US" altLang="ja-JP" dirty="0" smtClean="0"/>
+            </a:br>
+            <a:r>
+              <a:rPr lang="en-US" altLang="ja-JP" dirty="0" smtClean="0"/>
+              <a:t/>
+            </a:r>
+            <a:br>
+              <a:rPr lang="en-US" altLang="ja-JP" dirty="0" smtClean="0"/>
+            </a:br>
+            <a:endParaRPr lang="en-US" altLang="ja-JP" dirty="0"/>
+          </a:p>
+          <a:p>
+            <a:pPr lvl="1"/>
+            <a:r>
+              <a:rPr lang="en-US" altLang="ja-JP" dirty="0" smtClean="0"/>
+              <a:t>Windows10</a:t>
+            </a:r>
+            <a:r>
+              <a:rPr lang="ja-JP" altLang="ja-JP" dirty="0" smtClean="0"/>
+              <a:t>の</a:t>
+            </a:r>
+            <a:r>
+              <a:rPr lang="ja-JP" altLang="ja-JP" dirty="0"/>
+              <a:t>場合、以下の</a:t>
+            </a:r>
+            <a:r>
+              <a:rPr lang="en-US" altLang="ja-JP" dirty="0"/>
+              <a:t>hosts</a:t>
+            </a:r>
+            <a:r>
+              <a:rPr lang="ja-JP" altLang="ja-JP" dirty="0"/>
+              <a:t>ファイルとなります</a:t>
+            </a:r>
+            <a:r>
+              <a:rPr lang="ja-JP" altLang="ja-JP" dirty="0" smtClean="0"/>
+              <a:t>。</a:t>
+            </a:r>
+            <a:endParaRPr lang="en-US" altLang="ja-JP" dirty="0" smtClean="0"/>
+          </a:p>
+          <a:p>
+            <a:pPr lvl="1"/>
+            <a:endParaRPr lang="en-US" altLang="ja-JP" dirty="0" smtClean="0"/>
+          </a:p>
+          <a:p>
+            <a:pPr marL="180000" lvl="1" indent="0">
+              <a:buNone/>
+            </a:pPr>
+            <a:endParaRPr lang="en-US" altLang="ja-JP" dirty="0" smtClean="0"/>
+          </a:p>
+          <a:p>
+            <a:pPr marL="180000" lvl="1" indent="0">
+              <a:buNone/>
+            </a:pPr>
+            <a:endParaRPr lang="en-US" altLang="ja-JP" dirty="0"/>
+          </a:p>
+          <a:p>
+            <a:pPr lvl="1"/>
+            <a:r>
+              <a:rPr lang="en-US" altLang="ja-JP" dirty="0"/>
+              <a:t>hosts</a:t>
+            </a:r>
+            <a:r>
+              <a:rPr lang="ja-JP" altLang="ja-JP" dirty="0"/>
+              <a:t>ファイルに以下の設定を追加してください。</a:t>
+            </a:r>
+            <a:endParaRPr lang="ja-JP" altLang="en-US" dirty="0"/>
+          </a:p>
+          <a:p>
+            <a:pPr lvl="1"/>
+            <a:endParaRPr kumimoji="1" lang="ja-JP" altLang="en-US" dirty="0"/>
+          </a:p>
+        </p:txBody>
+      </p:sp>
+      <p:graphicFrame>
+        <p:nvGraphicFramePr>
+          <p:cNvPr id="4" name="表 3"/>
+          <p:cNvGraphicFramePr>
+            <a:graphicFrameLocks noGrp="1"/>
+          </p:cNvGraphicFramePr>
+          <p:nvPr>
+            <p:extLst/>
+          </p:nvPr>
+        </p:nvGraphicFramePr>
+        <p:xfrm>
+          <a:off x="1829118" y="2752720"/>
+          <a:ext cx="5485765" cy="316230"/>
+        </p:xfrm>
+        <a:graphic>
+          <a:graphicData uri="http://schemas.openxmlformats.org/drawingml/2006/table">
+            <a:tbl>
+              <a:tblPr firstRow="1" firstCol="1" bandRow="1">
+                <a:tableStyleId>{5C22544A-7EE6-4342-B048-85BDC9FD1C3A}</a:tableStyleId>
+              </a:tblPr>
+              <a:tblGrid>
+                <a:gridCol w="5485765">
+                  <a:extLst>
+                    <a:ext uri="{9D8B030D-6E8A-4147-A177-3AD203B41FA5}">
+                      <a16:colId xmlns:a16="http://schemas.microsoft.com/office/drawing/2014/main" val="20000"/>
+                    </a:ext>
+                  </a:extLst>
+                </a:gridCol>
+              </a:tblGrid>
+              <a:tr h="316230">
+                <a:tc>
+                  <a:txBody>
+                    <a:bodyPr/>
+                    <a:lstStyle/>
+                    <a:p>
+                      <a:pPr algn="just">
+                        <a:spcAft>
+                          <a:spcPts val="0"/>
+                        </a:spcAft>
+                      </a:pPr>
+                      <a:r>
+                        <a:rPr lang="en-US" sz="1050" kern="100" dirty="0">
+                          <a:effectLst/>
+                        </a:rPr>
+                        <a:t>C:\Windows\System32\drivers\etc\hosts</a:t>
+                      </a:r>
+                      <a:endParaRPr lang="ja-JP" sz="1050" kern="100" dirty="0">
+                        <a:effectLst/>
+                        <a:latin typeface="Century" panose="02040604050505020304" pitchFamily="18" charset="0"/>
+                        <a:ea typeface="ＭＳ 明朝" panose="02020609040205080304" pitchFamily="17" charset="-128"/>
+                        <a:cs typeface="Times New Roman" panose="02020603050405020304" pitchFamily="18" charset="0"/>
+                      </a:endParaRPr>
+                    </a:p>
+                  </a:txBody>
+                  <a:tcPr marL="68580" marR="68580" marT="0" marB="0" anchor="ctr">
+                    <a:solidFill>
+                      <a:srgbClr val="002B62"/>
+                    </a:solidFill>
+                  </a:tcPr>
+                </a:tc>
+                <a:extLst>
+                  <a:ext uri="{0D108BD9-81ED-4DB2-BD59-A6C34878D82A}">
+                    <a16:rowId xmlns:a16="http://schemas.microsoft.com/office/drawing/2014/main" val="10000"/>
+                  </a:ext>
+                </a:extLst>
+              </a:tr>
+            </a:tbl>
+          </a:graphicData>
+        </a:graphic>
+      </p:graphicFrame>
+      <p:graphicFrame>
+        <p:nvGraphicFramePr>
+          <p:cNvPr id="5" name="表 4"/>
+          <p:cNvGraphicFramePr>
+            <a:graphicFrameLocks noGrp="1"/>
+          </p:cNvGraphicFramePr>
+          <p:nvPr>
+            <p:extLst/>
+          </p:nvPr>
+        </p:nvGraphicFramePr>
+        <p:xfrm>
+          <a:off x="1828630" y="4149100"/>
+          <a:ext cx="5485765" cy="936130"/>
+        </p:xfrm>
+        <a:graphic>
+          <a:graphicData uri="http://schemas.openxmlformats.org/drawingml/2006/table">
+            <a:tbl>
+              <a:tblPr firstRow="1" firstCol="1" bandRow="1">
+                <a:tableStyleId>{5C22544A-7EE6-4342-B048-85BDC9FD1C3A}</a:tableStyleId>
+              </a:tblPr>
+              <a:tblGrid>
+                <a:gridCol w="5485765">
+                  <a:extLst>
+                    <a:ext uri="{9D8B030D-6E8A-4147-A177-3AD203B41FA5}">
+                      <a16:colId xmlns:a16="http://schemas.microsoft.com/office/drawing/2014/main" val="20000"/>
+                    </a:ext>
+                  </a:extLst>
+                </a:gridCol>
+              </a:tblGrid>
+              <a:tr h="936130">
+                <a:tc>
+                  <a:txBody>
+                    <a:bodyPr/>
+                    <a:lstStyle/>
+                    <a:p>
+                      <a:pPr algn="l">
+                        <a:spcAft>
+                          <a:spcPts val="0"/>
+                        </a:spcAft>
+                      </a:pPr>
+                      <a:r>
+                        <a:rPr lang="en-US" sz="1050" kern="100" dirty="0" smtClean="0">
+                          <a:effectLst/>
+                        </a:rPr>
+                        <a:t>“ITA</a:t>
+                      </a:r>
+                      <a:r>
+                        <a:rPr lang="ja-JP" sz="1050" kern="100" dirty="0" smtClean="0">
+                          <a:effectLst/>
+                        </a:rPr>
+                        <a:t>実装</a:t>
+                      </a:r>
+                      <a:r>
+                        <a:rPr lang="ja-JP" sz="1050" kern="100" dirty="0">
+                          <a:effectLst/>
+                        </a:rPr>
+                        <a:t>サーバの</a:t>
+                      </a:r>
+                      <a:r>
+                        <a:rPr lang="en-US" sz="1050" kern="100" dirty="0">
+                          <a:effectLst/>
+                        </a:rPr>
+                        <a:t>IP</a:t>
+                      </a:r>
+                      <a:r>
+                        <a:rPr lang="ja-JP" sz="1050" kern="100" dirty="0">
+                          <a:effectLst/>
+                        </a:rPr>
+                        <a:t>アドレス</a:t>
+                      </a:r>
+                      <a:r>
+                        <a:rPr lang="en-US" sz="1050" kern="100" dirty="0">
+                          <a:effectLst/>
+                        </a:rPr>
+                        <a:t>”</a:t>
+                      </a:r>
+                      <a:r>
+                        <a:rPr lang="ja-JP" sz="1050" kern="100" dirty="0">
+                          <a:effectLst/>
+                        </a:rPr>
+                        <a:t>　</a:t>
+                      </a:r>
+                      <a:r>
+                        <a:rPr lang="ja-JP" sz="1050" kern="0" dirty="0">
+                          <a:effectLst/>
+                        </a:rPr>
+                        <a:t> </a:t>
+                      </a:r>
+                      <a:r>
+                        <a:rPr lang="en-US" altLang="ja-JP" sz="1050" kern="0" dirty="0" smtClean="0">
+                          <a:effectLst/>
+                        </a:rPr>
+                        <a:t>exastro</a:t>
+                      </a:r>
+                      <a:r>
+                        <a:rPr lang="en-US" sz="1050" kern="0" dirty="0" smtClean="0">
+                          <a:effectLst/>
+                        </a:rPr>
+                        <a:t>-it-automation</a:t>
+                      </a:r>
+                      <a:r>
+                        <a:rPr lang="en-US" sz="1050" kern="0" dirty="0">
+                          <a:effectLst/>
+                        </a:rPr>
+                        <a:t/>
+                      </a:r>
+                      <a:br>
+                        <a:rPr lang="en-US" sz="1050" kern="0" dirty="0">
+                          <a:effectLst/>
+                        </a:rPr>
+                      </a:br>
+                      <a:r>
+                        <a:rPr lang="en-US" sz="1050" kern="0" dirty="0" smtClean="0">
+                          <a:effectLst/>
+                        </a:rPr>
+                        <a:t/>
+                      </a:r>
+                      <a:br>
+                        <a:rPr lang="en-US" sz="1050" kern="0" dirty="0" smtClean="0">
+                          <a:effectLst/>
+                        </a:rPr>
+                      </a:br>
+                      <a:r>
+                        <a:rPr lang="ja-JP" sz="1050" kern="0" dirty="0" smtClean="0">
+                          <a:effectLst/>
+                        </a:rPr>
+                        <a:t>例</a:t>
+                      </a:r>
+                      <a:r>
+                        <a:rPr lang="ja-JP" altLang="en-US" sz="1050" kern="0" dirty="0" smtClean="0">
+                          <a:effectLst/>
+                        </a:rPr>
+                        <a:t>）</a:t>
+                      </a:r>
+                      <a:r>
+                        <a:rPr lang="en-US" sz="1050" kern="0" dirty="0" smtClean="0">
+                          <a:effectLst/>
+                        </a:rPr>
+                        <a:t/>
+                      </a:r>
+                      <a:br>
+                        <a:rPr lang="en-US" sz="1050" kern="0" dirty="0" smtClean="0">
+                          <a:effectLst/>
+                        </a:rPr>
+                      </a:br>
+                      <a:r>
+                        <a:rPr lang="en-US" sz="1050" kern="0" dirty="0" smtClean="0">
+                          <a:effectLst/>
+                        </a:rPr>
+                        <a:t>192.168.0.3 </a:t>
+                      </a:r>
+                      <a:r>
+                        <a:rPr lang="ja-JP" sz="1050" kern="0" dirty="0">
+                          <a:effectLst/>
+                        </a:rPr>
+                        <a:t>　</a:t>
+                      </a:r>
+                      <a:r>
+                        <a:rPr lang="en-US" altLang="ja-JP" sz="1050" kern="0" dirty="0" smtClean="0">
+                          <a:effectLst/>
+                        </a:rPr>
+                        <a:t>e</a:t>
+                      </a:r>
+                      <a:r>
+                        <a:rPr lang="en-US" sz="1050" kern="0" dirty="0" smtClean="0">
+                          <a:effectLst/>
+                        </a:rPr>
+                        <a:t>xastro-it-automation</a:t>
+                      </a:r>
+                      <a:endParaRPr lang="ja-JP" sz="1050" kern="100" dirty="0">
+                        <a:effectLst/>
+                        <a:latin typeface="Century" panose="02040604050505020304" pitchFamily="18" charset="0"/>
+                        <a:ea typeface="ＭＳ 明朝" panose="02020609040205080304" pitchFamily="17" charset="-128"/>
+                        <a:cs typeface="Times New Roman" panose="02020603050405020304" pitchFamily="18" charset="0"/>
+                      </a:endParaRPr>
+                    </a:p>
+                  </a:txBody>
+                  <a:tcPr marL="68580" marR="68580" marT="0" marB="0" anchor="ctr">
+                    <a:solidFill>
+                      <a:srgbClr val="002B62"/>
+                    </a:solidFill>
+                  </a:tcPr>
+                </a:tc>
+                <a:extLst>
+                  <a:ext uri="{0D108BD9-81ED-4DB2-BD59-A6C34878D82A}">
+                    <a16:rowId xmlns:a16="http://schemas.microsoft.com/office/drawing/2014/main" val="10000"/>
+                  </a:ext>
+                </a:extLst>
+              </a:tr>
+            </a:tbl>
+          </a:graphicData>
+        </a:graphic>
+      </p:graphicFrame>
+    </p:spTree>
+    <p:extLst>
+      <p:ext uri="{BB962C8B-B14F-4D97-AF65-F5344CB8AC3E}">
+        <p14:creationId xmlns:p14="http://schemas.microsoft.com/office/powerpoint/2010/main" val="2122075167"/>
+      </p:ext>
+    </p:extLst>
+  </p:cSld>
+  <p:clrMapOvr>
+    <a:masterClrMapping/>
+  </p:clrMapOvr>
+  <p:timing>
+    <p:tnLst>
+      <p:par>
+        <p:cTn id="1" dur="indefinite" restart="never" nodeType="tmRoot"/>
+      </p:par>
+    </p:tnLst>
+  </p:timing>
+</p:sld>
+</file>
+
+<file path=ppt/slides/slide25.xml><?xml version="1.0" encoding="utf-8"?>
+<p:sld xmlns:a="http://schemas.openxmlformats.org/drawingml/2006/main" xmlns:r="http://schemas.openxmlformats.org/officeDocument/2006/relationships" xmlns:p="http://schemas.openxmlformats.org/presentationml/2006/main">
+  <p:cSld>
+    <p:spTree>
+      <p:nvGrpSpPr>
+        <p:cNvPr id="1" name=""/>
+        <p:cNvGrpSpPr/>
+        <p:nvPr/>
+      </p:nvGrpSpPr>
+      <p:grpSpPr>
+        <a:xfrm>
+          <a:off x="0" y="0"/>
+          <a:ext cx="0" cy="0"/>
+          <a:chOff x="0" y="0"/>
+          <a:chExt cx="0" cy="0"/>
+        </a:xfrm>
+      </p:grpSpPr>
+      <p:sp>
+        <p:nvSpPr>
+          <p:cNvPr id="2" name="タイトル 1"/>
+          <p:cNvSpPr>
+            <a:spLocks noGrp="1"/>
+          </p:cNvSpPr>
+          <p:nvPr>
+            <p:ph type="title"/>
+          </p:nvPr>
+        </p:nvSpPr>
+        <p:spPr/>
+        <p:txBody>
+          <a:bodyPr/>
+          <a:lstStyle/>
+          <a:p>
+            <a:r>
+              <a:rPr lang="en-US" altLang="ja-JP" dirty="0" smtClean="0"/>
+              <a:t>4.5</a:t>
+            </a:r>
+            <a:r>
+              <a:rPr lang="ja-JP" altLang="en-US" dirty="0"/>
+              <a:t>　動作確認</a:t>
+            </a:r>
+            <a:r>
+              <a:rPr lang="ja-JP" altLang="en-US" dirty="0" smtClean="0"/>
+              <a:t>（</a:t>
+            </a:r>
+            <a:r>
+              <a:rPr lang="en-US" altLang="ja-JP" dirty="0" smtClean="0"/>
+              <a:t>5/6</a:t>
+            </a:r>
+            <a:r>
+              <a:rPr lang="ja-JP" altLang="en-US" dirty="0" smtClean="0"/>
+              <a:t>）</a:t>
+            </a:r>
+            <a:endParaRPr kumimoji="1" lang="ja-JP" altLang="en-US" dirty="0"/>
+          </a:p>
+        </p:txBody>
+      </p:sp>
+      <p:sp>
+        <p:nvSpPr>
+          <p:cNvPr id="3" name="コンテンツ プレースホルダー 2"/>
+          <p:cNvSpPr>
+            <a:spLocks noGrp="1"/>
+          </p:cNvSpPr>
+          <p:nvPr>
+            <p:ph sz="quarter" idx="10"/>
+          </p:nvPr>
+        </p:nvSpPr>
+        <p:spPr>
+          <a:xfrm>
+            <a:off x="179512" y="836712"/>
+            <a:ext cx="8964488" cy="5616476"/>
+          </a:xfrm>
+        </p:spPr>
+        <p:txBody>
+          <a:bodyPr>
+            <a:normAutofit fontScale="92500" lnSpcReduction="10000"/>
+          </a:bodyPr>
+          <a:lstStyle/>
+          <a:p>
+            <a:pPr lvl="1"/>
+            <a:r>
+              <a:rPr lang="ja-JP" altLang="ja-JP" dirty="0" smtClean="0"/>
+              <a:t>操作</a:t>
+            </a:r>
+            <a:r>
+              <a:rPr lang="ja-JP" altLang="ja-JP" dirty="0"/>
+              <a:t>端末（</a:t>
+            </a:r>
+            <a:r>
+              <a:rPr lang="en-US" altLang="ja-JP" dirty="0"/>
+              <a:t>Windows</a:t>
+            </a:r>
+            <a:r>
+              <a:rPr lang="ja-JP" altLang="ja-JP" dirty="0"/>
+              <a:t>）</a:t>
+            </a:r>
+            <a:r>
+              <a:rPr lang="ja-JP" altLang="en-US" dirty="0"/>
+              <a:t>への</a:t>
+            </a:r>
+            <a:r>
+              <a:rPr lang="ja-JP" altLang="ja-JP" dirty="0"/>
+              <a:t>証明書</a:t>
+            </a:r>
+            <a:r>
+              <a:rPr lang="ja-JP" altLang="ja-JP" dirty="0" smtClean="0"/>
+              <a:t>インポート</a:t>
+            </a:r>
+            <a:r>
+              <a:rPr lang="ja-JP" altLang="en-US" dirty="0" smtClean="0"/>
+              <a:t>を行います。</a:t>
+            </a:r>
+            <a:r>
+              <a:rPr lang="en-US" altLang="ja-JP" dirty="0" smtClean="0"/>
+              <a:t/>
+            </a:r>
+            <a:br>
+              <a:rPr lang="en-US" altLang="ja-JP" dirty="0" smtClean="0"/>
+            </a:br>
+            <a:r>
+              <a:rPr lang="ja-JP" altLang="ja-JP" dirty="0" smtClean="0"/>
+              <a:t>証明書は</a:t>
+            </a:r>
+            <a:r>
+              <a:rPr lang="en-US" altLang="ja-JP" dirty="0" smtClean="0"/>
+              <a:t>ITA</a:t>
+            </a:r>
+            <a:r>
+              <a:rPr lang="ja-JP" altLang="ja-JP" dirty="0" smtClean="0"/>
+              <a:t>インストールパッケージの以下のパスに格納されています。</a:t>
+            </a:r>
+            <a:endParaRPr lang="en-US" altLang="ja-JP" dirty="0" smtClean="0"/>
+          </a:p>
+          <a:p>
+            <a:pPr lvl="1"/>
+            <a:r>
+              <a:rPr lang="en-US" altLang="ja-JP" dirty="0" smtClean="0"/>
+              <a:t>FFFTP </a:t>
+            </a:r>
+            <a:r>
+              <a:rPr lang="ja-JP" altLang="ja-JP" dirty="0"/>
+              <a:t>、</a:t>
+            </a:r>
+            <a:r>
+              <a:rPr lang="en-US" altLang="ja-JP" dirty="0"/>
+              <a:t>WinSCP</a:t>
+            </a:r>
+            <a:r>
+              <a:rPr lang="ja-JP" altLang="ja-JP" dirty="0"/>
+              <a:t>などのツールを利用し操作端末にダウンロードします。</a:t>
+            </a:r>
+          </a:p>
+          <a:p>
+            <a:pPr marL="180000" lvl="1" indent="0">
+              <a:buNone/>
+            </a:pPr>
+            <a:endParaRPr lang="en-US" altLang="ja-JP" dirty="0" smtClean="0"/>
+          </a:p>
+          <a:p>
+            <a:pPr marL="180000" lvl="1" indent="0">
+              <a:buNone/>
+            </a:pPr>
+            <a:endParaRPr lang="en-US" altLang="ja-JP" dirty="0"/>
+          </a:p>
+          <a:p>
+            <a:pPr marL="180000" lvl="1" indent="0">
+              <a:buNone/>
+            </a:pPr>
+            <a:endParaRPr lang="en-US" altLang="ja-JP" dirty="0" smtClean="0"/>
+          </a:p>
+          <a:p>
+            <a:pPr marL="180000" lvl="1" indent="0">
+              <a:buNone/>
+            </a:pPr>
+            <a:endParaRPr lang="en-US" altLang="ja-JP" dirty="0" smtClean="0"/>
+          </a:p>
+          <a:p>
+            <a:pPr marL="180000" lvl="1" indent="0">
+              <a:buNone/>
+            </a:pPr>
+            <a:endParaRPr lang="en-US" altLang="ja-JP" dirty="0"/>
+          </a:p>
+          <a:p>
+            <a:pPr lvl="1"/>
+            <a:r>
+              <a:rPr lang="en-US" altLang="ja-JP" dirty="0"/>
+              <a:t>Web</a:t>
+            </a:r>
+            <a:r>
+              <a:rPr lang="ja-JP" altLang="ja-JP" dirty="0"/>
+              <a:t>ブラウザに証明書のインポートをしてください。</a:t>
+            </a:r>
+          </a:p>
+          <a:p>
+            <a:pPr lvl="1"/>
+            <a:r>
+              <a:rPr lang="ja-JP" altLang="en-US" dirty="0" smtClean="0"/>
+              <a:t>例として、</a:t>
+            </a:r>
+            <a:r>
+              <a:rPr lang="en-US" altLang="ja-JP" dirty="0" smtClean="0"/>
+              <a:t>Google Chrome</a:t>
+            </a:r>
+            <a:r>
+              <a:rPr lang="ja-JP" altLang="ja-JP" dirty="0" smtClean="0"/>
+              <a:t>に</a:t>
+            </a:r>
+            <a:r>
+              <a:rPr lang="ja-JP" altLang="ja-JP" dirty="0"/>
+              <a:t>インポートする</a:t>
+            </a:r>
+            <a:r>
+              <a:rPr lang="ja-JP" altLang="ja-JP" dirty="0" smtClean="0"/>
+              <a:t>手順</a:t>
+            </a:r>
+            <a:r>
+              <a:rPr lang="ja-JP" altLang="en-US" dirty="0"/>
+              <a:t>を</a:t>
+            </a:r>
+            <a:r>
+              <a:rPr lang="ja-JP" altLang="ja-JP" dirty="0" smtClean="0"/>
+              <a:t>以下</a:t>
+            </a:r>
+            <a:r>
+              <a:rPr lang="ja-JP" altLang="en-US" dirty="0" smtClean="0"/>
+              <a:t>に示します。</a:t>
+            </a:r>
+            <a:endParaRPr lang="en-US" altLang="ja-JP" dirty="0" smtClean="0"/>
+          </a:p>
+          <a:p>
+            <a:pPr marL="180000" lvl="1" indent="0">
+              <a:buNone/>
+            </a:pPr>
+            <a:endParaRPr lang="en-US" altLang="ja-JP" dirty="0" smtClean="0"/>
+          </a:p>
+          <a:p>
+            <a:pPr marL="180000" lvl="1" indent="0">
+              <a:buNone/>
+            </a:pPr>
+            <a:r>
+              <a:rPr lang="ja-JP" altLang="en-US" dirty="0" smtClean="0"/>
+              <a:t>　①　</a:t>
+            </a:r>
+            <a:r>
+              <a:rPr lang="en-US" altLang="ja-JP" dirty="0" smtClean="0"/>
+              <a:t>Google </a:t>
+            </a:r>
+            <a:r>
+              <a:rPr lang="en-US" altLang="ja-JP" dirty="0"/>
+              <a:t>Chrome</a:t>
+            </a:r>
+            <a:r>
+              <a:rPr lang="ja-JP" altLang="en-US" dirty="0"/>
+              <a:t>を起動し、右上の</a:t>
+            </a:r>
+            <a:r>
+              <a:rPr lang="en-US" altLang="ja-JP" dirty="0"/>
+              <a:t>[</a:t>
+            </a:r>
+            <a:r>
+              <a:rPr lang="ja-JP" altLang="en-US" dirty="0"/>
+              <a:t>設定</a:t>
+            </a:r>
+            <a:r>
+              <a:rPr lang="en-US" altLang="ja-JP" dirty="0"/>
+              <a:t>]</a:t>
+            </a:r>
+            <a:r>
+              <a:rPr lang="ja-JP" altLang="en-US" dirty="0"/>
+              <a:t>ボタンから</a:t>
+            </a:r>
+            <a:r>
+              <a:rPr lang="en-US" altLang="ja-JP" dirty="0"/>
+              <a:t>[</a:t>
+            </a:r>
+            <a:r>
+              <a:rPr lang="ja-JP" altLang="en-US" dirty="0"/>
+              <a:t>設定</a:t>
+            </a:r>
+            <a:r>
+              <a:rPr lang="en-US" altLang="ja-JP" dirty="0"/>
+              <a:t>(S)]</a:t>
+            </a:r>
+            <a:r>
+              <a:rPr lang="ja-JP" altLang="en-US" dirty="0"/>
+              <a:t>へ進みます</a:t>
+            </a:r>
+            <a:r>
+              <a:rPr lang="ja-JP" altLang="en-US" dirty="0" smtClean="0"/>
+              <a:t>。</a:t>
+            </a:r>
+            <a:endParaRPr lang="en-US" altLang="ja-JP" dirty="0" smtClean="0"/>
+          </a:p>
+          <a:p>
+            <a:pPr marL="180000" lvl="1" indent="0">
+              <a:buNone/>
+            </a:pPr>
+            <a:r>
+              <a:rPr lang="ja-JP" altLang="en-US" dirty="0"/>
+              <a:t>　②　画面下部の</a:t>
+            </a:r>
+            <a:r>
+              <a:rPr lang="en-US" altLang="ja-JP" dirty="0"/>
+              <a:t>[</a:t>
+            </a:r>
+            <a:r>
+              <a:rPr lang="ja-JP" altLang="en-US" dirty="0"/>
+              <a:t>詳細設定</a:t>
+            </a:r>
+            <a:r>
+              <a:rPr lang="en-US" altLang="ja-JP" dirty="0"/>
+              <a:t>]</a:t>
+            </a:r>
+            <a:r>
+              <a:rPr lang="ja-JP" altLang="en-US" dirty="0"/>
+              <a:t>をクリック後、表示される項目から</a:t>
+            </a:r>
+            <a:r>
+              <a:rPr lang="en-US" altLang="ja-JP" dirty="0"/>
+              <a:t>[</a:t>
+            </a:r>
+            <a:r>
+              <a:rPr lang="ja-JP" altLang="en-US" dirty="0"/>
+              <a:t>証明書の管理</a:t>
+            </a:r>
+            <a:r>
+              <a:rPr lang="en-US" altLang="ja-JP" dirty="0"/>
+              <a:t>]</a:t>
+            </a:r>
+            <a:r>
+              <a:rPr lang="ja-JP" altLang="en-US" dirty="0"/>
+              <a:t>をクリックします。</a:t>
+            </a:r>
+            <a:endParaRPr lang="ja-JP" altLang="ja-JP" dirty="0"/>
+          </a:p>
+          <a:p>
+            <a:pPr marL="357188" lvl="1" indent="0">
+              <a:buNone/>
+            </a:pPr>
+            <a:r>
+              <a:rPr lang="ja-JP" altLang="en-US" dirty="0" smtClean="0"/>
+              <a:t>③　</a:t>
+            </a:r>
+            <a:r>
+              <a:rPr lang="en-US" altLang="ja-JP" dirty="0"/>
+              <a:t>[</a:t>
+            </a:r>
+            <a:r>
+              <a:rPr lang="ja-JP" altLang="en-US" dirty="0"/>
+              <a:t>信頼されたルート証明機関</a:t>
+            </a:r>
+            <a:r>
+              <a:rPr lang="en-US" altLang="ja-JP" dirty="0"/>
+              <a:t>]</a:t>
+            </a:r>
+            <a:r>
+              <a:rPr lang="ja-JP" altLang="en-US" dirty="0"/>
+              <a:t>タブへ進み、左下の</a:t>
+            </a:r>
+            <a:r>
+              <a:rPr lang="en-US" altLang="ja-JP" dirty="0"/>
+              <a:t>[</a:t>
+            </a:r>
+            <a:r>
+              <a:rPr lang="ja-JP" altLang="en-US" dirty="0"/>
+              <a:t>インポート</a:t>
+            </a:r>
+            <a:r>
+              <a:rPr lang="en-US" altLang="ja-JP" dirty="0"/>
+              <a:t>]</a:t>
+            </a:r>
+            <a:r>
+              <a:rPr lang="ja-JP" altLang="en-US" dirty="0"/>
+              <a:t>をクリックします</a:t>
+            </a:r>
+            <a:r>
+              <a:rPr lang="ja-JP" altLang="en-US" dirty="0" smtClean="0"/>
+              <a:t>。</a:t>
+            </a:r>
+            <a:endParaRPr lang="en-US" altLang="ja-JP" dirty="0" smtClean="0"/>
+          </a:p>
+          <a:p>
+            <a:pPr marL="357188" lvl="1" indent="0">
+              <a:buNone/>
+            </a:pPr>
+            <a:r>
+              <a:rPr lang="ja-JP" altLang="en-US" dirty="0" smtClean="0"/>
+              <a:t>④</a:t>
+            </a:r>
+            <a:r>
+              <a:rPr lang="ja-JP" altLang="en-US" dirty="0"/>
+              <a:t>　証明書のインポートウィザードが起動します。</a:t>
+            </a:r>
+            <a:r>
+              <a:rPr lang="en-US" altLang="ja-JP" dirty="0"/>
+              <a:t>[</a:t>
+            </a:r>
+            <a:r>
+              <a:rPr lang="ja-JP" altLang="en-US" dirty="0"/>
+              <a:t>次へ</a:t>
+            </a:r>
+            <a:r>
+              <a:rPr lang="en-US" altLang="ja-JP" dirty="0"/>
+              <a:t>]</a:t>
+            </a:r>
+            <a:r>
+              <a:rPr lang="ja-JP" altLang="en-US" dirty="0"/>
+              <a:t>をクリックします</a:t>
+            </a:r>
+            <a:r>
+              <a:rPr lang="ja-JP" altLang="en-US" dirty="0" smtClean="0"/>
+              <a:t>。</a:t>
+            </a:r>
+            <a:endParaRPr lang="en-US" altLang="ja-JP" dirty="0" smtClean="0"/>
+          </a:p>
+          <a:p>
+            <a:pPr marL="357188" lvl="1" indent="0">
+              <a:buNone/>
+            </a:pPr>
+            <a:r>
+              <a:rPr lang="ja-JP" altLang="en-US" dirty="0"/>
+              <a:t>⑤　インポートするファイル名を指定し、</a:t>
+            </a:r>
+            <a:r>
+              <a:rPr lang="en-US" altLang="ja-JP" dirty="0"/>
+              <a:t>[</a:t>
+            </a:r>
+            <a:r>
+              <a:rPr lang="ja-JP" altLang="en-US" dirty="0"/>
+              <a:t>次へ</a:t>
+            </a:r>
+            <a:r>
+              <a:rPr lang="en-US" altLang="ja-JP" dirty="0"/>
+              <a:t>]</a:t>
+            </a:r>
+            <a:r>
+              <a:rPr lang="ja-JP" altLang="en-US" dirty="0"/>
+              <a:t>をクリックします</a:t>
+            </a:r>
+            <a:r>
+              <a:rPr lang="ja-JP" altLang="en-US" dirty="0" smtClean="0"/>
+              <a:t>。</a:t>
+            </a:r>
+            <a:endParaRPr lang="en-US" altLang="ja-JP" dirty="0" smtClean="0"/>
+          </a:p>
+          <a:p>
+            <a:pPr marL="357188" lvl="1" indent="0">
+              <a:buNone/>
+            </a:pPr>
+            <a:r>
+              <a:rPr lang="ja-JP" altLang="en-US" dirty="0" smtClean="0"/>
+              <a:t>⑥　</a:t>
+            </a:r>
+            <a:r>
+              <a:rPr lang="en-US" altLang="ja-JP" dirty="0"/>
+              <a:t>[</a:t>
+            </a:r>
+            <a:r>
+              <a:rPr lang="ja-JP" altLang="en-US" dirty="0"/>
+              <a:t>証明書をすべての次のストアに配置する</a:t>
+            </a:r>
+            <a:r>
+              <a:rPr lang="en-US" altLang="ja-JP" dirty="0"/>
+              <a:t>(P)]</a:t>
+            </a:r>
+            <a:r>
+              <a:rPr lang="ja-JP" altLang="en-US" dirty="0"/>
+              <a:t>をチェックされている状態を確認します</a:t>
+            </a:r>
+            <a:r>
+              <a:rPr lang="ja-JP" altLang="en-US" dirty="0" smtClean="0"/>
+              <a:t>。</a:t>
+            </a:r>
+            <a:endParaRPr lang="en-US" altLang="ja-JP" dirty="0" smtClean="0"/>
+          </a:p>
+          <a:p>
+            <a:pPr marL="357188" lvl="1" indent="0">
+              <a:buNone/>
+            </a:pPr>
+            <a:r>
+              <a:rPr lang="ja-JP" altLang="en-US" dirty="0" smtClean="0"/>
+              <a:t>⑦　</a:t>
+            </a:r>
+            <a:r>
+              <a:rPr lang="en-US" altLang="ja-JP" dirty="0"/>
+              <a:t>[</a:t>
+            </a:r>
+            <a:r>
+              <a:rPr lang="ja-JP" altLang="en-US" dirty="0"/>
+              <a:t>信頼されたルート証明機関</a:t>
+            </a:r>
+            <a:r>
+              <a:rPr lang="en-US" altLang="ja-JP" dirty="0"/>
+              <a:t>]</a:t>
+            </a:r>
+            <a:r>
+              <a:rPr lang="ja-JP" altLang="en-US" dirty="0"/>
+              <a:t>を選択し、</a:t>
+            </a:r>
+            <a:r>
+              <a:rPr lang="en-US" altLang="ja-JP" dirty="0"/>
+              <a:t>[</a:t>
+            </a:r>
+            <a:r>
+              <a:rPr lang="ja-JP" altLang="en-US" dirty="0"/>
+              <a:t>次へ</a:t>
+            </a:r>
+            <a:r>
+              <a:rPr lang="en-US" altLang="ja-JP" dirty="0"/>
+              <a:t>]</a:t>
+            </a:r>
+            <a:r>
+              <a:rPr lang="ja-JP" altLang="en-US" dirty="0"/>
+              <a:t>をクリックします。</a:t>
+            </a:r>
+            <a:endParaRPr lang="en-US" altLang="ja-JP" dirty="0" smtClean="0"/>
+          </a:p>
+          <a:p>
+            <a:pPr marL="357188" lvl="1" indent="0">
+              <a:buNone/>
+            </a:pPr>
+            <a:r>
+              <a:rPr lang="en-US" altLang="ja-JP" dirty="0" smtClean="0"/>
+              <a:t>※</a:t>
+            </a:r>
+            <a:r>
+              <a:rPr lang="ja-JP" altLang="en-US" dirty="0" smtClean="0"/>
+              <a:t>選択されていない場合は右の</a:t>
+            </a:r>
+            <a:r>
+              <a:rPr lang="en-US" altLang="ja-JP" dirty="0" smtClean="0"/>
+              <a:t>[</a:t>
+            </a:r>
+            <a:r>
+              <a:rPr lang="ja-JP" altLang="en-US" dirty="0" smtClean="0"/>
+              <a:t>参照</a:t>
+            </a:r>
+            <a:r>
+              <a:rPr lang="en-US" altLang="ja-JP" dirty="0" smtClean="0"/>
+              <a:t>(R)]</a:t>
+            </a:r>
+            <a:r>
+              <a:rPr lang="ja-JP" altLang="en-US" dirty="0" smtClean="0"/>
+              <a:t>か</a:t>
+            </a:r>
+            <a:r>
+              <a:rPr lang="ja-JP" altLang="en-US" dirty="0"/>
+              <a:t>ら</a:t>
+            </a:r>
+            <a:r>
+              <a:rPr lang="en-US" altLang="ja-JP" dirty="0" smtClean="0"/>
+              <a:t>[</a:t>
+            </a:r>
+            <a:r>
+              <a:rPr lang="ja-JP" altLang="ja-JP" dirty="0"/>
+              <a:t>信頼されたルート証明機関</a:t>
+            </a:r>
+            <a:r>
+              <a:rPr lang="en-US" altLang="ja-JP" dirty="0"/>
+              <a:t>]</a:t>
+            </a:r>
+            <a:r>
+              <a:rPr lang="ja-JP" altLang="en-US" dirty="0"/>
+              <a:t>を</a:t>
+            </a:r>
+            <a:r>
+              <a:rPr lang="ja-JP" altLang="en-US" dirty="0" smtClean="0"/>
+              <a:t>選択してください。</a:t>
+            </a:r>
+            <a:endParaRPr lang="en-US" altLang="ja-JP" dirty="0" smtClean="0"/>
+          </a:p>
+          <a:p>
+            <a:pPr marL="357188" lvl="1" indent="0">
+              <a:buNone/>
+            </a:pPr>
+            <a:r>
+              <a:rPr lang="ja-JP" altLang="en-US" dirty="0" smtClean="0"/>
+              <a:t>⑧　</a:t>
+            </a:r>
+            <a:r>
+              <a:rPr lang="en-US" altLang="ja-JP" dirty="0"/>
+              <a:t>[</a:t>
+            </a:r>
+            <a:r>
+              <a:rPr lang="ja-JP" altLang="en-US" dirty="0"/>
+              <a:t>完了</a:t>
+            </a:r>
+            <a:r>
+              <a:rPr lang="en-US" altLang="ja-JP" dirty="0"/>
+              <a:t>]</a:t>
+            </a:r>
+            <a:r>
+              <a:rPr lang="ja-JP" altLang="en-US" dirty="0"/>
+              <a:t>をクリックします。</a:t>
+            </a:r>
+            <a:endParaRPr lang="ja-JP" altLang="ja-JP" dirty="0"/>
+          </a:p>
+        </p:txBody>
+      </p:sp>
+      <p:graphicFrame>
+        <p:nvGraphicFramePr>
+          <p:cNvPr id="6" name="表 5"/>
+          <p:cNvGraphicFramePr>
+            <a:graphicFrameLocks noGrp="1"/>
+          </p:cNvGraphicFramePr>
+          <p:nvPr>
+            <p:extLst>
+              <p:ext uri="{D42A27DB-BD31-4B8C-83A1-F6EECF244321}">
+                <p14:modId xmlns:p14="http://schemas.microsoft.com/office/powerpoint/2010/main" val="3991205271"/>
+              </p:ext>
+            </p:extLst>
+          </p:nvPr>
+        </p:nvGraphicFramePr>
+        <p:xfrm>
+          <a:off x="1207459" y="1772770"/>
+          <a:ext cx="6729082" cy="1018455"/>
+        </p:xfrm>
+        <a:graphic>
+          <a:graphicData uri="http://schemas.openxmlformats.org/drawingml/2006/table">
+            <a:tbl>
+              <a:tblPr firstRow="1" firstCol="1" bandRow="1">
+                <a:tableStyleId>{5C22544A-7EE6-4342-B048-85BDC9FD1C3A}</a:tableStyleId>
+              </a:tblPr>
+              <a:tblGrid>
+                <a:gridCol w="1581792">
+                  <a:extLst>
+                    <a:ext uri="{9D8B030D-6E8A-4147-A177-3AD203B41FA5}">
+                      <a16:colId xmlns:a16="http://schemas.microsoft.com/office/drawing/2014/main" val="20000"/>
+                    </a:ext>
+                  </a:extLst>
+                </a:gridCol>
+                <a:gridCol w="3269829">
+                  <a:extLst>
+                    <a:ext uri="{9D8B030D-6E8A-4147-A177-3AD203B41FA5}">
+                      <a16:colId xmlns:a16="http://schemas.microsoft.com/office/drawing/2014/main" val="20001"/>
+                    </a:ext>
+                  </a:extLst>
+                </a:gridCol>
+                <a:gridCol w="1877461">
+                  <a:extLst>
+                    <a:ext uri="{9D8B030D-6E8A-4147-A177-3AD203B41FA5}">
+                      <a16:colId xmlns:a16="http://schemas.microsoft.com/office/drawing/2014/main" val="20002"/>
+                    </a:ext>
+                  </a:extLst>
+                </a:gridCol>
+              </a:tblGrid>
+              <a:tr h="288039">
+                <a:tc>
+                  <a:txBody>
+                    <a:bodyPr/>
+                    <a:lstStyle/>
+                    <a:p>
+                      <a:pPr algn="ctr">
+                        <a:spcAft>
+                          <a:spcPts val="0"/>
+                        </a:spcAft>
+                      </a:pPr>
+                      <a:r>
+                        <a:rPr lang="en-US" altLang="ja-JP" sz="1050" kern="100" dirty="0" smtClean="0">
+                          <a:effectLst/>
+                        </a:rPr>
+                        <a:t>ITA</a:t>
+                      </a:r>
+                      <a:r>
+                        <a:rPr lang="ja-JP" sz="1050" kern="100" dirty="0" smtClean="0">
+                          <a:effectLst/>
+                        </a:rPr>
+                        <a:t>サーバ</a:t>
+                      </a:r>
+                      <a:r>
+                        <a:rPr lang="ja-JP" sz="1050" kern="100" dirty="0">
+                          <a:effectLst/>
+                        </a:rPr>
+                        <a:t>の</a:t>
+                      </a:r>
+                      <a:r>
+                        <a:rPr lang="en-US" sz="1050" kern="100" dirty="0">
+                          <a:effectLst/>
+                        </a:rPr>
+                        <a:t>OS</a:t>
+                      </a:r>
+                      <a:endParaRPr lang="ja-JP" sz="1050" kern="100" dirty="0">
+                        <a:effectLst/>
+                        <a:latin typeface="Century" panose="02040604050505020304" pitchFamily="18" charset="0"/>
+                        <a:ea typeface="ＭＳ 明朝" panose="02020609040205080304" pitchFamily="17" charset="-128"/>
+                        <a:cs typeface="Times New Roman" panose="02020603050405020304" pitchFamily="18" charset="0"/>
+                      </a:endParaRPr>
+                    </a:p>
+                  </a:txBody>
+                  <a:tcPr marL="68580" marR="68580" marT="0" marB="0" anchor="ctr">
+                    <a:solidFill>
+                      <a:srgbClr val="002B62"/>
+                    </a:solidFill>
+                  </a:tcPr>
+                </a:tc>
+                <a:tc>
+                  <a:txBody>
+                    <a:bodyPr/>
+                    <a:lstStyle/>
+                    <a:p>
+                      <a:pPr algn="ctr">
+                        <a:spcAft>
+                          <a:spcPts val="0"/>
+                        </a:spcAft>
+                      </a:pPr>
+                      <a:r>
+                        <a:rPr lang="ja-JP" sz="1050" kern="100" dirty="0">
+                          <a:effectLst/>
+                        </a:rPr>
+                        <a:t>ファイルパス</a:t>
+                      </a:r>
+                      <a:endParaRPr lang="ja-JP" sz="1050" kern="100" dirty="0">
+                        <a:effectLst/>
+                        <a:latin typeface="Century" panose="02040604050505020304" pitchFamily="18" charset="0"/>
+                        <a:ea typeface="ＭＳ 明朝" panose="02020609040205080304" pitchFamily="17" charset="-128"/>
+                        <a:cs typeface="Times New Roman" panose="02020603050405020304" pitchFamily="18" charset="0"/>
+                      </a:endParaRPr>
+                    </a:p>
+                  </a:txBody>
+                  <a:tcPr marL="68580" marR="68580" marT="0" marB="0" anchor="ctr">
+                    <a:solidFill>
+                      <a:srgbClr val="002B62"/>
+                    </a:solidFill>
+                  </a:tcPr>
+                </a:tc>
+                <a:tc>
+                  <a:txBody>
+                    <a:bodyPr/>
+                    <a:lstStyle/>
+                    <a:p>
+                      <a:pPr algn="ctr">
+                        <a:spcAft>
+                          <a:spcPts val="0"/>
+                        </a:spcAft>
+                      </a:pPr>
+                      <a:r>
+                        <a:rPr lang="ja-JP" sz="1050" kern="100" dirty="0">
+                          <a:effectLst/>
+                        </a:rPr>
+                        <a:t>ファイル名</a:t>
+                      </a:r>
+                      <a:endParaRPr lang="ja-JP" sz="1050" kern="100" dirty="0">
+                        <a:effectLst/>
+                        <a:latin typeface="Century" panose="02040604050505020304" pitchFamily="18" charset="0"/>
+                        <a:ea typeface="ＭＳ 明朝" panose="02020609040205080304" pitchFamily="17" charset="-128"/>
+                        <a:cs typeface="Times New Roman" panose="02020603050405020304" pitchFamily="18" charset="0"/>
+                      </a:endParaRPr>
+                    </a:p>
+                  </a:txBody>
+                  <a:tcPr marL="68580" marR="68580" marT="0" marB="0" anchor="ctr">
+                    <a:solidFill>
+                      <a:srgbClr val="002B62"/>
+                    </a:solidFill>
+                  </a:tcPr>
+                </a:tc>
+                <a:extLst>
+                  <a:ext uri="{0D108BD9-81ED-4DB2-BD59-A6C34878D82A}">
+                    <a16:rowId xmlns:a16="http://schemas.microsoft.com/office/drawing/2014/main" val="10000"/>
+                  </a:ext>
+                </a:extLst>
+              </a:tr>
+              <a:tr h="365208">
+                <a:tc>
+                  <a:txBody>
+                    <a:bodyPr/>
+                    <a:lstStyle/>
+                    <a:p>
+                      <a:pPr algn="l" latinLnBrk="1">
+                        <a:spcAft>
+                          <a:spcPts val="0"/>
+                        </a:spcAft>
+                      </a:pPr>
+                      <a:r>
+                        <a:rPr lang="en-US" sz="900" kern="100" dirty="0">
+                          <a:effectLst/>
+                        </a:rPr>
+                        <a:t>RHEL </a:t>
+                      </a:r>
+                      <a:r>
+                        <a:rPr lang="en-US" sz="900" kern="100" dirty="0" smtClean="0">
+                          <a:effectLst/>
+                        </a:rPr>
+                        <a:t>7, </a:t>
+                      </a:r>
+                      <a:r>
+                        <a:rPr lang="en-US" sz="900" kern="100" dirty="0">
+                          <a:effectLst/>
+                        </a:rPr>
+                        <a:t>CentOS </a:t>
+                      </a:r>
+                      <a:r>
+                        <a:rPr lang="en-US" sz="900" kern="100" dirty="0" smtClean="0">
+                          <a:effectLst/>
+                        </a:rPr>
+                        <a:t>7</a:t>
+                      </a:r>
+                      <a:r>
+                        <a:rPr lang="ja-JP" sz="900" kern="100" dirty="0" smtClean="0">
+                          <a:effectLst/>
+                        </a:rPr>
+                        <a:t>系</a:t>
+                      </a:r>
+                      <a:endParaRPr lang="ja-JP" sz="1050" kern="100" dirty="0">
+                        <a:effectLst/>
+                        <a:latin typeface="Century" panose="02040604050505020304" pitchFamily="18" charset="0"/>
+                        <a:ea typeface="ＭＳ 明朝" panose="02020609040205080304" pitchFamily="17" charset="-128"/>
+                        <a:cs typeface="Times New Roman" panose="02020603050405020304" pitchFamily="18" charset="0"/>
+                      </a:endParaRPr>
+                    </a:p>
+                  </a:txBody>
+                  <a:tcPr marL="68580" marR="68580" marT="0" marB="0" anchor="ctr">
+                    <a:solidFill>
+                      <a:srgbClr val="002B62"/>
+                    </a:solidFill>
+                  </a:tcPr>
+                </a:tc>
+                <a:tc>
+                  <a:txBody>
+                    <a:bodyPr/>
+                    <a:lstStyle/>
+                    <a:p>
+                      <a:pPr algn="l" latinLnBrk="1">
+                        <a:spcAft>
+                          <a:spcPts val="0"/>
+                        </a:spcAft>
+                      </a:pPr>
+                      <a:r>
+                        <a:rPr lang="en-US" sz="1000" kern="100" dirty="0">
+                          <a:effectLst/>
+                        </a:rPr>
+                        <a:t>/(</a:t>
+                      </a:r>
+                      <a:r>
+                        <a:rPr lang="ja-JP" sz="1000" kern="100" dirty="0">
+                          <a:effectLst/>
+                        </a:rPr>
+                        <a:t>インストール資材展開先</a:t>
+                      </a:r>
+                      <a:r>
+                        <a:rPr lang="en-US" sz="1000" kern="100" dirty="0" smtClean="0">
+                          <a:effectLst/>
+                        </a:rPr>
+                        <a:t>)/</a:t>
+                      </a:r>
+                      <a:r>
+                        <a:rPr lang="en-US" sz="1000" kern="100" dirty="0" err="1" smtClean="0">
+                          <a:effectLst/>
+                        </a:rPr>
+                        <a:t>ita_install_package</a:t>
+                      </a:r>
+                      <a:r>
+                        <a:rPr lang="en-US" sz="1000" kern="100" dirty="0" smtClean="0">
+                          <a:effectLst/>
+                        </a:rPr>
+                        <a:t>/ext_files_for_CentOS7.x/</a:t>
+                      </a:r>
+                      <a:r>
+                        <a:rPr lang="en-US" sz="1000" kern="100" dirty="0" err="1" smtClean="0">
+                          <a:effectLst/>
+                        </a:rPr>
+                        <a:t>etc_pki_tls_certs</a:t>
+                      </a:r>
+                      <a:r>
+                        <a:rPr lang="en-US" sz="1000" kern="100" dirty="0">
+                          <a:effectLst/>
+                        </a:rPr>
+                        <a:t>/</a:t>
+                      </a:r>
+                      <a:endParaRPr lang="ja-JP" sz="1100" kern="100" dirty="0">
+                        <a:effectLst/>
+                        <a:latin typeface="Century" panose="02040604050505020304" pitchFamily="18" charset="0"/>
+                        <a:ea typeface="ＭＳ 明朝" panose="02020609040205080304" pitchFamily="17" charset="-128"/>
+                        <a:cs typeface="Times New Roman" panose="02020603050405020304" pitchFamily="18" charset="0"/>
+                      </a:endParaRPr>
+                    </a:p>
+                  </a:txBody>
+                  <a:tcPr marL="68580" marR="68580" marT="0" marB="0">
+                    <a:solidFill>
+                      <a:srgbClr val="CBCDD3"/>
+                    </a:solidFill>
+                  </a:tcPr>
+                </a:tc>
+                <a:tc>
+                  <a:txBody>
+                    <a:bodyPr/>
+                    <a:lstStyle/>
+                    <a:p>
+                      <a:pPr algn="l">
+                        <a:spcAft>
+                          <a:spcPts val="0"/>
+                        </a:spcAft>
+                      </a:pPr>
+                      <a:r>
+                        <a:rPr lang="en-US" sz="1100" kern="100" dirty="0" smtClean="0">
+                          <a:effectLst/>
+                        </a:rPr>
+                        <a:t>exastro-it-automation.crt</a:t>
+                      </a:r>
+                      <a:endParaRPr lang="ja-JP" sz="1100" kern="100" dirty="0">
+                        <a:effectLst/>
+                        <a:latin typeface="Century" panose="02040604050505020304" pitchFamily="18" charset="0"/>
+                        <a:ea typeface="ＭＳ 明朝" panose="02020609040205080304" pitchFamily="17" charset="-128"/>
+                        <a:cs typeface="Times New Roman" panose="02020603050405020304" pitchFamily="18" charset="0"/>
+                      </a:endParaRPr>
+                    </a:p>
+                  </a:txBody>
+                  <a:tcPr marL="68580" marR="68580" marT="0" marB="0">
+                    <a:solidFill>
+                      <a:srgbClr val="CBCDD3"/>
+                    </a:solidFill>
+                  </a:tcPr>
+                </a:tc>
+                <a:extLst>
+                  <a:ext uri="{0D108BD9-81ED-4DB2-BD59-A6C34878D82A}">
+                    <a16:rowId xmlns:a16="http://schemas.microsoft.com/office/drawing/2014/main" val="10001"/>
+                  </a:ext>
+                </a:extLst>
+              </a:tr>
+              <a:tr h="365208">
+                <a:tc>
+                  <a:txBody>
+                    <a:bodyPr/>
+                    <a:lstStyle/>
+                    <a:p>
+                      <a:pPr algn="l" latinLnBrk="1">
+                        <a:spcAft>
+                          <a:spcPts val="0"/>
+                        </a:spcAft>
+                      </a:pPr>
+                      <a:r>
+                        <a:rPr lang="en-US" sz="900" kern="100" dirty="0">
+                          <a:effectLst/>
+                        </a:rPr>
+                        <a:t>RHEL </a:t>
+                      </a:r>
+                      <a:r>
+                        <a:rPr lang="en-US" sz="900" kern="100" dirty="0" smtClean="0">
+                          <a:effectLst/>
+                        </a:rPr>
+                        <a:t>8, </a:t>
+                      </a:r>
+                      <a:r>
+                        <a:rPr lang="en-US" sz="900" kern="100" dirty="0">
+                          <a:effectLst/>
+                        </a:rPr>
+                        <a:t>CentOS </a:t>
+                      </a:r>
+                      <a:r>
+                        <a:rPr lang="en-US" sz="900" kern="100" dirty="0" smtClean="0">
+                          <a:effectLst/>
+                        </a:rPr>
+                        <a:t>8</a:t>
+                      </a:r>
+                      <a:r>
+                        <a:rPr lang="ja-JP" sz="900" kern="100" dirty="0" smtClean="0">
+                          <a:effectLst/>
+                        </a:rPr>
+                        <a:t>系</a:t>
+                      </a:r>
+                      <a:endParaRPr lang="ja-JP" sz="1050" kern="100" dirty="0">
+                        <a:effectLst/>
+                        <a:latin typeface="Century" panose="02040604050505020304" pitchFamily="18" charset="0"/>
+                        <a:ea typeface="ＭＳ 明朝" panose="02020609040205080304" pitchFamily="17" charset="-128"/>
+                        <a:cs typeface="Times New Roman" panose="02020603050405020304" pitchFamily="18" charset="0"/>
+                      </a:endParaRPr>
+                    </a:p>
+                  </a:txBody>
+                  <a:tcPr marL="68580" marR="68580" marT="0" marB="0" anchor="ctr">
+                    <a:solidFill>
+                      <a:srgbClr val="002B62"/>
+                    </a:solidFill>
+                  </a:tcPr>
+                </a:tc>
+                <a:tc>
+                  <a:txBody>
+                    <a:bodyPr/>
+                    <a:lstStyle/>
+                    <a:p>
+                      <a:pPr algn="l" latinLnBrk="1">
+                        <a:spcAft>
+                          <a:spcPts val="0"/>
+                        </a:spcAft>
+                      </a:pPr>
+                      <a:r>
+                        <a:rPr lang="en-US" sz="1000" kern="100" dirty="0">
+                          <a:effectLst/>
+                        </a:rPr>
+                        <a:t>/(</a:t>
+                      </a:r>
+                      <a:r>
+                        <a:rPr lang="ja-JP" sz="1000" kern="100" dirty="0">
+                          <a:effectLst/>
+                        </a:rPr>
+                        <a:t>インストール資材展開先</a:t>
+                      </a:r>
+                      <a:r>
+                        <a:rPr lang="en-US" sz="1000" kern="100" dirty="0" smtClean="0">
+                          <a:effectLst/>
+                        </a:rPr>
+                        <a:t>)/</a:t>
+                      </a:r>
+                      <a:r>
+                        <a:rPr lang="en-US" sz="1000" kern="100" dirty="0" err="1" smtClean="0">
+                          <a:effectLst/>
+                        </a:rPr>
+                        <a:t>ita_install_package</a:t>
+                      </a:r>
+                      <a:r>
+                        <a:rPr lang="en-US" sz="1000" kern="100" dirty="0" smtClean="0">
+                          <a:effectLst/>
+                        </a:rPr>
+                        <a:t>/ext_files_for_CentOS8.x/</a:t>
+                      </a:r>
+                      <a:r>
+                        <a:rPr lang="en-US" sz="1000" kern="100" dirty="0" err="1" smtClean="0">
+                          <a:effectLst/>
+                        </a:rPr>
+                        <a:t>etc_pki_tls_certs</a:t>
+                      </a:r>
+                      <a:r>
+                        <a:rPr lang="en-US" sz="1000" kern="100" dirty="0">
+                          <a:effectLst/>
+                        </a:rPr>
+                        <a:t>/</a:t>
+                      </a:r>
+                      <a:endParaRPr lang="ja-JP" sz="1100" kern="100" dirty="0">
+                        <a:effectLst/>
+                        <a:latin typeface="Century" panose="02040604050505020304" pitchFamily="18" charset="0"/>
+                        <a:ea typeface="ＭＳ 明朝" panose="02020609040205080304" pitchFamily="17" charset="-128"/>
+                        <a:cs typeface="Times New Roman" panose="02020603050405020304" pitchFamily="18" charset="0"/>
+                      </a:endParaRPr>
+                    </a:p>
+                  </a:txBody>
+                  <a:tcPr marL="68580" marR="68580" marT="0" marB="0">
+                    <a:solidFill>
+                      <a:srgbClr val="E7E8EA"/>
+                    </a:solidFill>
+                  </a:tcPr>
+                </a:tc>
+                <a:tc>
+                  <a:txBody>
+                    <a:bodyPr/>
+                    <a:lstStyle/>
+                    <a:p>
+                      <a:pPr algn="l">
+                        <a:spcAft>
+                          <a:spcPts val="0"/>
+                        </a:spcAft>
+                      </a:pPr>
+                      <a:r>
+                        <a:rPr lang="en-US" sz="1100" kern="100" dirty="0" smtClean="0">
+                          <a:effectLst/>
+                        </a:rPr>
+                        <a:t>exastro-it-automation.crt</a:t>
+                      </a:r>
+                      <a:endParaRPr lang="ja-JP" sz="1100" kern="100" dirty="0">
+                        <a:effectLst/>
+                        <a:latin typeface="Century" panose="02040604050505020304" pitchFamily="18" charset="0"/>
+                        <a:ea typeface="ＭＳ 明朝" panose="02020609040205080304" pitchFamily="17" charset="-128"/>
+                        <a:cs typeface="Times New Roman" panose="02020603050405020304" pitchFamily="18" charset="0"/>
+                      </a:endParaRPr>
+                    </a:p>
+                  </a:txBody>
+                  <a:tcPr marL="68580" marR="68580" marT="0" marB="0">
+                    <a:solidFill>
+                      <a:srgbClr val="E7E8EA"/>
+                    </a:solidFill>
+                  </a:tcPr>
+                </a:tc>
+                <a:extLst>
+                  <a:ext uri="{0D108BD9-81ED-4DB2-BD59-A6C34878D82A}">
+                    <a16:rowId xmlns:a16="http://schemas.microsoft.com/office/drawing/2014/main" val="10002"/>
+                  </a:ext>
+                </a:extLst>
+              </a:tr>
+            </a:tbl>
+          </a:graphicData>
+        </a:graphic>
+      </p:graphicFrame>
+    </p:spTree>
+    <p:extLst>
+      <p:ext uri="{BB962C8B-B14F-4D97-AF65-F5344CB8AC3E}">
+        <p14:creationId xmlns:p14="http://schemas.microsoft.com/office/powerpoint/2010/main" val="2206087911"/>
+      </p:ext>
+    </p:extLst>
+  </p:cSld>
+  <p:clrMapOvr>
+    <a:masterClrMapping/>
+  </p:clrMapOvr>
+  <p:timing>
+    <p:tnLst>
+      <p:par>
+        <p:cTn id="1" dur="indefinite" restart="never" nodeType="tmRoot"/>
+      </p:par>
+    </p:tnLst>
+  </p:timing>
+</p:sld>
+</file>
+
 <file path=ppt/slides/slide26.xml><?xml version="1.0" encoding="utf-8"?>
+<p:sld xmlns:a="http://schemas.openxmlformats.org/drawingml/2006/main" xmlns:r="http://schemas.openxmlformats.org/officeDocument/2006/relationships" xmlns:p="http://schemas.openxmlformats.org/presentationml/2006/main">
+  <p:cSld>
+    <p:spTree>
+      <p:nvGrpSpPr>
+        <p:cNvPr id="1" name=""/>
+        <p:cNvGrpSpPr/>
+        <p:nvPr/>
+      </p:nvGrpSpPr>
+      <p:grpSpPr>
+        <a:xfrm>
+          <a:off x="0" y="0"/>
+          <a:ext cx="0" cy="0"/>
+          <a:chOff x="0" y="0"/>
+          <a:chExt cx="0" cy="0"/>
+        </a:xfrm>
+      </p:grpSpPr>
+      <p:sp>
+        <p:nvSpPr>
+          <p:cNvPr id="2" name="タイトル 1"/>
+          <p:cNvSpPr>
+            <a:spLocks noGrp="1"/>
+          </p:cNvSpPr>
+          <p:nvPr>
+            <p:ph type="title"/>
+          </p:nvPr>
+        </p:nvSpPr>
+        <p:spPr/>
+        <p:txBody>
+          <a:bodyPr/>
+          <a:lstStyle/>
+          <a:p>
+            <a:r>
+              <a:rPr lang="en-US" altLang="ja-JP" dirty="0" smtClean="0"/>
+              <a:t>4.6</a:t>
+            </a:r>
+            <a:r>
+              <a:rPr lang="ja-JP" altLang="en-US" dirty="0"/>
+              <a:t>　動作確認</a:t>
+            </a:r>
+            <a:r>
+              <a:rPr lang="ja-JP" altLang="en-US" dirty="0" smtClean="0"/>
+              <a:t>（</a:t>
+            </a:r>
+            <a:r>
+              <a:rPr lang="en-US" altLang="ja-JP" dirty="0" smtClean="0"/>
+              <a:t>6/6</a:t>
+            </a:r>
+            <a:r>
+              <a:rPr lang="ja-JP" altLang="en-US" dirty="0" smtClean="0"/>
+              <a:t>）</a:t>
+            </a:r>
+            <a:endParaRPr kumimoji="1" lang="ja-JP" altLang="en-US" dirty="0"/>
+          </a:p>
+        </p:txBody>
+      </p:sp>
+      <p:sp>
+        <p:nvSpPr>
+          <p:cNvPr id="3" name="コンテンツ プレースホルダー 2"/>
+          <p:cNvSpPr>
+            <a:spLocks noGrp="1"/>
+          </p:cNvSpPr>
+          <p:nvPr>
+            <p:ph sz="quarter" idx="10"/>
+          </p:nvPr>
+        </p:nvSpPr>
+        <p:spPr/>
+        <p:txBody>
+          <a:bodyPr>
+            <a:normAutofit/>
+          </a:bodyPr>
+          <a:lstStyle/>
+          <a:p>
+            <a:pPr lvl="0"/>
+            <a:r>
+              <a:rPr lang="en-US" altLang="ja-JP" dirty="0" smtClean="0"/>
+              <a:t>HTTPS</a:t>
+            </a:r>
+            <a:r>
+              <a:rPr lang="ja-JP" altLang="en-US" dirty="0" err="1" smtClean="0"/>
+              <a:t>での</a:t>
+            </a:r>
+            <a:r>
+              <a:rPr lang="en-US" altLang="ja-JP" dirty="0" smtClean="0"/>
+              <a:t>URL</a:t>
+            </a:r>
+            <a:r>
+              <a:rPr lang="ja-JP" altLang="en-US" dirty="0" smtClean="0"/>
+              <a:t>接続</a:t>
+            </a:r>
+            <a:endParaRPr lang="en-US" altLang="ja-JP" dirty="0" smtClean="0"/>
+          </a:p>
+          <a:p>
+            <a:pPr lvl="1"/>
+            <a:r>
+              <a:rPr lang="ja-JP" altLang="en-US" dirty="0" smtClean="0"/>
+              <a:t>以下の</a:t>
+            </a:r>
+            <a:r>
+              <a:rPr lang="en-US" altLang="ja-JP" dirty="0" smtClean="0"/>
+              <a:t>URL</a:t>
+            </a:r>
+            <a:r>
+              <a:rPr lang="ja-JP" altLang="en-US" dirty="0" smtClean="0"/>
+              <a:t>よ</a:t>
+            </a:r>
+            <a:r>
+              <a:rPr lang="ja-JP" altLang="en-US" dirty="0"/>
+              <a:t>り</a:t>
+            </a:r>
+            <a:r>
+              <a:rPr lang="ja-JP" altLang="en-US" dirty="0" smtClean="0"/>
+              <a:t>、ログイン画面にアクセスしてください。</a:t>
+            </a:r>
+            <a:endParaRPr lang="en-US" altLang="ja-JP" dirty="0" smtClean="0"/>
+          </a:p>
+          <a:p>
+            <a:pPr lvl="1"/>
+            <a:r>
+              <a:rPr lang="en-US" altLang="ja-JP" dirty="0" smtClean="0"/>
+              <a:t>URL</a:t>
+            </a:r>
+            <a:r>
+              <a:rPr lang="ja-JP" altLang="ja-JP" dirty="0"/>
+              <a:t>：</a:t>
+            </a:r>
+            <a:r>
+              <a:rPr lang="en-US" altLang="ja-JP" b="1" u="sng" dirty="0" smtClean="0">
+                <a:solidFill>
+                  <a:srgbClr val="FF0000"/>
+                </a:solidFill>
+              </a:rPr>
+              <a:t>https://exastro-it-automation</a:t>
+            </a:r>
+          </a:p>
+          <a:p>
+            <a:pPr marL="180000" lvl="1" indent="0">
+              <a:buNone/>
+            </a:pPr>
+            <a:endParaRPr lang="en-US" altLang="ja-JP" b="1" u="sng" dirty="0" smtClean="0">
+              <a:solidFill>
+                <a:srgbClr val="FF0000"/>
+              </a:solidFill>
+            </a:endParaRPr>
+          </a:p>
+          <a:p>
+            <a:pPr marL="180000" lvl="1" indent="0">
+              <a:buNone/>
+            </a:pPr>
+            <a:r>
+              <a:rPr lang="ja-JP" altLang="en-US" dirty="0" smtClean="0"/>
+              <a:t>接続</a:t>
+            </a:r>
+            <a:r>
+              <a:rPr lang="ja-JP" altLang="en-US" dirty="0"/>
+              <a:t>後</a:t>
+            </a:r>
+            <a:r>
+              <a:rPr lang="ja-JP" altLang="en-US" dirty="0" smtClean="0"/>
+              <a:t>は</a:t>
+            </a:r>
+            <a:r>
+              <a:rPr lang="en-US" altLang="ja-JP" dirty="0" smtClean="0"/>
+              <a:t>HTTP</a:t>
+            </a:r>
+            <a:r>
+              <a:rPr lang="ja-JP" altLang="en-US" dirty="0" smtClean="0"/>
+              <a:t>の場合と同様となります。</a:t>
+            </a:r>
+            <a:endParaRPr lang="en-US" altLang="ja-JP" dirty="0" smtClean="0"/>
+          </a:p>
+          <a:p>
+            <a:pPr marL="180000" lvl="1" indent="0">
+              <a:buNone/>
+            </a:pPr>
+            <a:endParaRPr lang="en-US" altLang="ja-JP" dirty="0" smtClean="0"/>
+          </a:p>
+        </p:txBody>
+      </p:sp>
+    </p:spTree>
+    <p:extLst>
+      <p:ext uri="{BB962C8B-B14F-4D97-AF65-F5344CB8AC3E}">
+        <p14:creationId xmlns:p14="http://schemas.microsoft.com/office/powerpoint/2010/main" val="1131133384"/>
+      </p:ext>
+    </p:extLst>
+  </p:cSld>
+  <p:clrMapOvr>
+    <a:masterClrMapping/>
+  </p:clrMapOvr>
+  <p:timing>
+    <p:tnLst>
+      <p:par>
+        <p:cTn id="1" dur="indefinite" restart="never" nodeType="tmRoot"/>
+      </p:par>
+    </p:tnLst>
+  </p:timing>
+</p:sld>
+</file>
+
+<file path=ppt/slides/slide27.xml><?xml version="1.0" encoding="utf-8"?>
+<p:sld xmlns:a="http://schemas.openxmlformats.org/drawingml/2006/main" xmlns:r="http://schemas.openxmlformats.org/officeDocument/2006/relationships" xmlns:p="http://schemas.openxmlformats.org/presentationml/2006/main">
+  <p:cSld>
+    <p:spTree>
+      <p:nvGrpSpPr>
+        <p:cNvPr id="1" name=""/>
+        <p:cNvGrpSpPr/>
+        <p:nvPr/>
+      </p:nvGrpSpPr>
+      <p:grpSpPr>
+        <a:xfrm>
+          <a:off x="0" y="0"/>
+          <a:ext cx="0" cy="0"/>
+          <a:chOff x="0" y="0"/>
+          <a:chExt cx="0" cy="0"/>
+        </a:xfrm>
+      </p:grpSpPr>
+      <p:sp>
+        <p:nvSpPr>
+          <p:cNvPr id="2" name="タイトル 1"/>
+          <p:cNvSpPr>
+            <a:spLocks noGrp="1"/>
+          </p:cNvSpPr>
+          <p:nvPr>
+            <p:ph type="title"/>
+          </p:nvPr>
+        </p:nvSpPr>
+        <p:spPr/>
+        <p:txBody>
+          <a:bodyPr/>
+          <a:lstStyle/>
+          <a:p>
+            <a:r>
+              <a:rPr lang="en-US" altLang="ja-JP" dirty="0" smtClean="0"/>
+              <a:t>4.7</a:t>
+            </a:r>
+            <a:r>
+              <a:rPr lang="ja-JP" altLang="en-US" dirty="0"/>
+              <a:t>　参考</a:t>
+            </a:r>
+            <a:endParaRPr kumimoji="1" lang="ja-JP" altLang="en-US" dirty="0"/>
+          </a:p>
+        </p:txBody>
+      </p:sp>
+      <p:sp>
+        <p:nvSpPr>
+          <p:cNvPr id="3" name="コンテンツ プレースホルダー 2"/>
+          <p:cNvSpPr>
+            <a:spLocks noGrp="1"/>
+          </p:cNvSpPr>
+          <p:nvPr>
+            <p:ph sz="quarter" idx="10"/>
+          </p:nvPr>
+        </p:nvSpPr>
+        <p:spPr/>
+        <p:txBody>
+          <a:bodyPr>
+            <a:normAutofit/>
+          </a:bodyPr>
+          <a:lstStyle/>
+          <a:p>
+            <a:pPr lvl="0"/>
+            <a:r>
+              <a:rPr lang="en-US" altLang="ja-JP" dirty="0" smtClean="0"/>
+              <a:t>HTTP</a:t>
+            </a:r>
+            <a:r>
+              <a:rPr lang="ja-JP" altLang="en-US" dirty="0" smtClean="0"/>
+              <a:t>または</a:t>
+            </a:r>
+            <a:r>
+              <a:rPr lang="en-US" altLang="ja-JP" dirty="0" smtClean="0"/>
+              <a:t>HTTPS</a:t>
+            </a:r>
+            <a:r>
+              <a:rPr lang="ja-JP" altLang="en-US" dirty="0" smtClean="0"/>
+              <a:t>アクセスの制限</a:t>
+            </a:r>
+            <a:endParaRPr lang="en-US" altLang="ja-JP" dirty="0"/>
+          </a:p>
+          <a:p>
+            <a:pPr marL="180000" lvl="1" indent="0">
+              <a:buNone/>
+            </a:pPr>
+            <a:r>
+              <a:rPr lang="en-US" altLang="ja-JP" dirty="0" smtClean="0"/>
+              <a:t>HTTP</a:t>
+            </a:r>
+            <a:r>
+              <a:rPr lang="ja-JP" altLang="en-US" dirty="0" smtClean="0"/>
+              <a:t>または</a:t>
+            </a:r>
+            <a:r>
+              <a:rPr lang="en-US" altLang="ja-JP" dirty="0" smtClean="0"/>
+              <a:t>HTTPS</a:t>
+            </a:r>
+            <a:r>
+              <a:rPr lang="ja-JP" altLang="en-US" dirty="0" smtClean="0"/>
+              <a:t>アクセスを制限する</a:t>
+            </a:r>
+            <a:r>
+              <a:rPr lang="ja-JP" altLang="en-US" dirty="0"/>
+              <a:t>場合は、</a:t>
+            </a:r>
+            <a:r>
+              <a:rPr lang="ja-JP" altLang="ja-JP" dirty="0"/>
+              <a:t>以下の</a:t>
+            </a:r>
+            <a:r>
+              <a:rPr lang="ja-JP" altLang="en-US" dirty="0"/>
+              <a:t>手順を実施してください</a:t>
+            </a:r>
+            <a:r>
+              <a:rPr lang="ja-JP" altLang="en-US" dirty="0" smtClean="0"/>
+              <a:t>。</a:t>
+            </a:r>
+            <a:endParaRPr lang="en-US" altLang="ja-JP" dirty="0" smtClean="0"/>
+          </a:p>
+          <a:p>
+            <a:pPr marL="180000" lvl="1" indent="0">
+              <a:buNone/>
+            </a:pPr>
+            <a:endParaRPr lang="en-US" altLang="ja-JP" dirty="0"/>
+          </a:p>
+          <a:p>
+            <a:pPr lvl="1"/>
+            <a:r>
+              <a:rPr lang="ja-JP" altLang="en-US" dirty="0" smtClean="0"/>
+              <a:t>ファイル「</a:t>
+            </a:r>
+            <a:r>
+              <a:rPr lang="en-US" altLang="ja-JP" dirty="0" smtClean="0"/>
+              <a:t>/</a:t>
+            </a:r>
+            <a:r>
+              <a:rPr lang="en-US" altLang="ja-JP" dirty="0" err="1" smtClean="0"/>
+              <a:t>etc</a:t>
+            </a:r>
+            <a:r>
+              <a:rPr lang="en-US" altLang="ja-JP" dirty="0" smtClean="0"/>
+              <a:t>/</a:t>
+            </a:r>
+            <a:r>
+              <a:rPr lang="en-US" altLang="ja-JP" dirty="0" err="1" smtClean="0"/>
+              <a:t>httpd</a:t>
+            </a:r>
+            <a:r>
+              <a:rPr lang="en-US" altLang="ja-JP" dirty="0" smtClean="0"/>
+              <a:t>/</a:t>
+            </a:r>
+            <a:r>
+              <a:rPr lang="en-US" altLang="ja-JP" dirty="0" err="1" smtClean="0"/>
+              <a:t>conf.d</a:t>
+            </a:r>
+            <a:r>
+              <a:rPr lang="en-US" altLang="ja-JP" dirty="0" smtClean="0"/>
+              <a:t>/</a:t>
+            </a:r>
+            <a:r>
+              <a:rPr lang="en-US" altLang="ja-JP" dirty="0" err="1" smtClean="0"/>
+              <a:t>vhosts_exastro</a:t>
+            </a:r>
+            <a:r>
+              <a:rPr lang="en-US" altLang="ja-JP" dirty="0" smtClean="0"/>
+              <a:t>-it-</a:t>
+            </a:r>
+            <a:r>
+              <a:rPr lang="en-US" altLang="ja-JP" dirty="0" err="1" smtClean="0"/>
+              <a:t>automation.conf</a:t>
+            </a:r>
+            <a:r>
+              <a:rPr lang="ja-JP" altLang="en-US" dirty="0" smtClean="0"/>
+              <a:t>」を編集する。</a:t>
+            </a:r>
+            <a:r>
+              <a:rPr lang="en-US" altLang="ja-JP" dirty="0" smtClean="0"/>
+              <a:t/>
+            </a:r>
+            <a:br>
+              <a:rPr lang="en-US" altLang="ja-JP" dirty="0" smtClean="0"/>
+            </a:br>
+            <a:r>
+              <a:rPr lang="en-US" altLang="ja-JP" dirty="0" smtClean="0"/>
+              <a:t>HTTP</a:t>
+            </a:r>
+            <a:r>
+              <a:rPr lang="ja-JP" altLang="en-US" dirty="0" smtClean="0"/>
+              <a:t>を制限する場合は、「</a:t>
+            </a:r>
+            <a:r>
+              <a:rPr lang="en-US" altLang="ja-JP" dirty="0" smtClean="0"/>
+              <a:t>&lt;</a:t>
+            </a:r>
+            <a:r>
+              <a:rPr lang="en-US" altLang="ja-JP" dirty="0" err="1" smtClean="0"/>
+              <a:t>VirtualHost</a:t>
+            </a:r>
+            <a:r>
+              <a:rPr lang="en-US" altLang="ja-JP" dirty="0" smtClean="0"/>
+              <a:t> *:80 &gt;</a:t>
+            </a:r>
+            <a:r>
+              <a:rPr lang="ja-JP" altLang="en-US" dirty="0" smtClean="0"/>
+              <a:t>」から「</a:t>
+            </a:r>
+            <a:r>
+              <a:rPr lang="en-US" altLang="ja-JP" dirty="0" smtClean="0"/>
+              <a:t>&lt;/</a:t>
+            </a:r>
+            <a:r>
+              <a:rPr lang="en-US" altLang="ja-JP" dirty="0" err="1" smtClean="0"/>
+              <a:t>VirtualHost</a:t>
+            </a:r>
+            <a:r>
+              <a:rPr lang="en-US" altLang="ja-JP" dirty="0" smtClean="0"/>
+              <a:t>&gt;</a:t>
+            </a:r>
+            <a:r>
+              <a:rPr lang="ja-JP" altLang="en-US" dirty="0" smtClean="0"/>
+              <a:t>」をコメントアウト</a:t>
+            </a:r>
+            <a:r>
+              <a:rPr lang="en-US" altLang="ja-JP" dirty="0" smtClean="0"/>
+              <a:t>(#)</a:t>
+            </a:r>
+            <a:r>
+              <a:rPr lang="ja-JP" altLang="en-US" dirty="0" smtClean="0"/>
+              <a:t>をする。</a:t>
+            </a:r>
+            <a:r>
+              <a:rPr lang="en-US" altLang="ja-JP" dirty="0" smtClean="0"/>
+              <a:t/>
+            </a:r>
+            <a:br>
+              <a:rPr lang="en-US" altLang="ja-JP" dirty="0" smtClean="0"/>
+            </a:br>
+            <a:r>
+              <a:rPr lang="en-US" altLang="ja-JP" dirty="0" smtClean="0"/>
+              <a:t>HTTPS</a:t>
+            </a:r>
+            <a:r>
+              <a:rPr lang="ja-JP" altLang="en-US" dirty="0" smtClean="0"/>
+              <a:t>を制限する場合は、「</a:t>
+            </a:r>
+            <a:r>
+              <a:rPr lang="en-US" altLang="ja-JP" dirty="0" smtClean="0"/>
+              <a:t>&lt;</a:t>
+            </a:r>
+            <a:r>
+              <a:rPr lang="en-US" altLang="ja-JP" dirty="0" err="1" smtClean="0"/>
+              <a:t>VirtualHost</a:t>
+            </a:r>
+            <a:r>
+              <a:rPr lang="en-US" altLang="ja-JP" dirty="0" smtClean="0"/>
+              <a:t> *:443 &gt;</a:t>
+            </a:r>
+            <a:r>
+              <a:rPr lang="ja-JP" altLang="en-US" dirty="0" smtClean="0"/>
+              <a:t>」から「</a:t>
+            </a:r>
+            <a:r>
+              <a:rPr lang="en-US" altLang="ja-JP" dirty="0" smtClean="0"/>
+              <a:t>&lt;/</a:t>
+            </a:r>
+            <a:r>
+              <a:rPr lang="en-US" altLang="ja-JP" dirty="0" err="1" smtClean="0"/>
+              <a:t>VirtualHost</a:t>
+            </a:r>
+            <a:r>
+              <a:rPr lang="en-US" altLang="ja-JP" dirty="0" smtClean="0"/>
+              <a:t>&gt;</a:t>
+            </a:r>
+            <a:r>
+              <a:rPr lang="ja-JP" altLang="en-US" dirty="0" smtClean="0"/>
+              <a:t>」をコメントアウト</a:t>
+            </a:r>
+            <a:r>
+              <a:rPr lang="en-US" altLang="ja-JP" dirty="0" smtClean="0"/>
+              <a:t>(#)</a:t>
+            </a:r>
+            <a:r>
+              <a:rPr lang="ja-JP" altLang="en-US" dirty="0" smtClean="0"/>
+              <a:t>をする。</a:t>
+            </a:r>
+            <a:endParaRPr lang="en-US" altLang="ja-JP" dirty="0" smtClean="0"/>
+          </a:p>
+          <a:p>
+            <a:pPr marL="180000" lvl="1" indent="0">
+              <a:buNone/>
+            </a:pPr>
+            <a:endParaRPr lang="en-US" altLang="ja-JP" dirty="0" smtClean="0"/>
+          </a:p>
+          <a:p>
+            <a:pPr lvl="1"/>
+            <a:r>
+              <a:rPr lang="ja-JP" altLang="en-US" dirty="0" smtClean="0"/>
+              <a:t>以下のコマンドにより</a:t>
+            </a:r>
+            <a:r>
+              <a:rPr lang="en-US" altLang="ja-JP" dirty="0" smtClean="0"/>
+              <a:t>Apache</a:t>
+            </a:r>
+            <a:r>
+              <a:rPr lang="ja-JP" altLang="en-US" dirty="0" smtClean="0"/>
+              <a:t>を再起動する。</a:t>
+            </a:r>
+            <a:r>
+              <a:rPr lang="en-US" altLang="ja-JP" dirty="0" smtClean="0"/>
+              <a:t/>
+            </a:r>
+            <a:br>
+              <a:rPr lang="en-US" altLang="ja-JP" dirty="0" smtClean="0"/>
+            </a:br>
+            <a:r>
+              <a:rPr lang="en-US" altLang="ja-JP" dirty="0" err="1" smtClean="0"/>
+              <a:t>systemctl</a:t>
+            </a:r>
+            <a:r>
+              <a:rPr lang="en-US" altLang="ja-JP" dirty="0" smtClean="0"/>
+              <a:t> restart </a:t>
+            </a:r>
+            <a:r>
+              <a:rPr lang="en-US" altLang="ja-JP" dirty="0" err="1" smtClean="0"/>
+              <a:t>httpd</a:t>
+            </a:r>
+            <a:endParaRPr lang="en-US" altLang="ja-JP" dirty="0" smtClean="0"/>
+          </a:p>
+        </p:txBody>
+      </p:sp>
+    </p:spTree>
+    <p:extLst>
+      <p:ext uri="{BB962C8B-B14F-4D97-AF65-F5344CB8AC3E}">
+        <p14:creationId xmlns:p14="http://schemas.microsoft.com/office/powerpoint/2010/main" val="1230234165"/>
+      </p:ext>
+    </p:extLst>
+  </p:cSld>
+  <p:clrMapOvr>
+    <a:masterClrMapping/>
+  </p:clrMapOvr>
+  <p:timing>
+    <p:tnLst>
+      <p:par>
+        <p:cTn id="1" dur="indefinite" restart="never" nodeType="tmRoot"/>
+      </p:par>
+    </p:tnLst>
+  </p:timing>
+</p:sld>
+</file>
+
+<file path=ppt/slides/slide28.xml><?xml version="1.0" encoding="utf-8"?>
 <p:sld xmlns:a="http://schemas.openxmlformats.org/drawingml/2006/main" xmlns:r="http://schemas.openxmlformats.org/officeDocument/2006/relationships" xmlns:p="http://schemas.openxmlformats.org/presentationml/2006/main">
   <p:cSld>
     <p:spTree>
@@ -28445,12 +29293,8 @@
               <a:t>「</a:t>
             </a:r>
             <a:r>
-              <a:rPr lang="en-US" altLang="ja-JP" dirty="0" err="1" smtClean="0"/>
-              <a:t>Exastro</a:t>
-            </a:r>
-            <a:r>
               <a:rPr lang="en-US" altLang="ja-JP" dirty="0" smtClean="0"/>
-              <a:t>-ITA</a:t>
+              <a:t>Exastro-ITA</a:t>
             </a:r>
             <a:r>
               <a:rPr lang="en-US" altLang="ja-JP" dirty="0"/>

--- a/asset/Learn_ja/ITA-online-install_ja.pptx
+++ b/asset/Learn_ja/ITA-online-install_ja.pptx
@@ -336,7 +336,7 @@
               <a:rPr kumimoji="1" lang="ja-JP" altLang="en-US" smtClean="0">
                 <a:ea typeface="メイリオ" panose="020B0604030504040204" pitchFamily="50" charset="-128"/>
               </a:rPr>
-              <a:t>2020/4/27</a:t>
+              <a:t>2020/6/15</a:t>
             </a:fld>
             <a:endParaRPr kumimoji="1" lang="ja-JP" altLang="en-US" dirty="0">
               <a:ea typeface="メイリオ" panose="020B0604030504040204" pitchFamily="50" charset="-128"/>
@@ -482,7 +482,7 @@
             <a:fld id="{4B26993D-C081-44EB-B0F5-A9F467792B62}" type="datetimeFigureOut">
               <a:rPr lang="ja-JP" altLang="en-US" smtClean="0"/>
               <a:pPr/>
-              <a:t>2020/4/27</a:t>
+              <a:t>2020/6/15</a:t>
             </a:fld>
             <a:endParaRPr lang="ja-JP" altLang="en-US" dirty="0"/>
           </a:p>
@@ -1105,7 +1105,7 @@
           <a:p>
             <a:fld id="{56F9016B-CCA6-43BE-8BEE-59565A35F4F7}" type="datetimeFigureOut">
               <a:rPr kumimoji="1" lang="ja-JP" altLang="en-US" smtClean="0"/>
-              <a:t>2020/4/27</a:t>
+              <a:t>2020/6/15</a:t>
             </a:fld>
             <a:endParaRPr kumimoji="1" lang="ja-JP" altLang="en-US"/>
           </a:p>
@@ -1307,7 +1307,7 @@
           <a:p>
             <a:fld id="{56F9016B-CCA6-43BE-8BEE-59565A35F4F7}" type="datetimeFigureOut">
               <a:rPr kumimoji="1" lang="ja-JP" altLang="en-US" smtClean="0"/>
-              <a:t>2020/4/27</a:t>
+              <a:t>2020/6/15</a:t>
             </a:fld>
             <a:endParaRPr kumimoji="1" lang="ja-JP" altLang="en-US"/>
           </a:p>
@@ -1553,7 +1553,7 @@
           <a:p>
             <a:fld id="{56F9016B-CCA6-43BE-8BEE-59565A35F4F7}" type="datetimeFigureOut">
               <a:rPr kumimoji="1" lang="ja-JP" altLang="en-US" smtClean="0"/>
-              <a:t>2020/4/27</a:t>
+              <a:t>2020/6/15</a:t>
             </a:fld>
             <a:endParaRPr kumimoji="1" lang="ja-JP" altLang="en-US"/>
           </a:p>
@@ -1849,7 +1849,7 @@
           <a:p>
             <a:fld id="{56F9016B-CCA6-43BE-8BEE-59565A35F4F7}" type="datetimeFigureOut">
               <a:rPr kumimoji="1" lang="ja-JP" altLang="en-US" smtClean="0"/>
-              <a:t>2020/4/27</a:t>
+              <a:t>2020/6/15</a:t>
             </a:fld>
             <a:endParaRPr kumimoji="1" lang="ja-JP" altLang="en-US"/>
           </a:p>
@@ -2280,7 +2280,7 @@
           <a:p>
             <a:fld id="{56F9016B-CCA6-43BE-8BEE-59565A35F4F7}" type="datetimeFigureOut">
               <a:rPr kumimoji="1" lang="ja-JP" altLang="en-US" smtClean="0"/>
-              <a:t>2020/4/27</a:t>
+              <a:t>2020/6/15</a:t>
             </a:fld>
             <a:endParaRPr kumimoji="1" lang="ja-JP" altLang="en-US"/>
           </a:p>
@@ -2398,7 +2398,7 @@
           <a:p>
             <a:fld id="{56F9016B-CCA6-43BE-8BEE-59565A35F4F7}" type="datetimeFigureOut">
               <a:rPr kumimoji="1" lang="ja-JP" altLang="en-US" smtClean="0"/>
-              <a:t>2020/4/27</a:t>
+              <a:t>2020/6/15</a:t>
             </a:fld>
             <a:endParaRPr kumimoji="1" lang="ja-JP" altLang="en-US"/>
           </a:p>
@@ -2493,7 +2493,7 @@
           <a:p>
             <a:fld id="{56F9016B-CCA6-43BE-8BEE-59565A35F4F7}" type="datetimeFigureOut">
               <a:rPr kumimoji="1" lang="ja-JP" altLang="en-US" smtClean="0"/>
-              <a:t>2020/4/27</a:t>
+              <a:t>2020/6/15</a:t>
             </a:fld>
             <a:endParaRPr kumimoji="1" lang="ja-JP" altLang="en-US"/>
           </a:p>
@@ -2802,7 +2802,7 @@
           <a:p>
             <a:fld id="{56F9016B-CCA6-43BE-8BEE-59565A35F4F7}" type="datetimeFigureOut">
               <a:rPr kumimoji="1" lang="ja-JP" altLang="en-US" smtClean="0"/>
-              <a:t>2020/4/27</a:t>
+              <a:t>2020/6/15</a:t>
             </a:fld>
             <a:endParaRPr kumimoji="1" lang="ja-JP" altLang="en-US"/>
           </a:p>
@@ -3055,7 +3055,7 @@
           <a:p>
             <a:fld id="{56F9016B-CCA6-43BE-8BEE-59565A35F4F7}" type="datetimeFigureOut">
               <a:rPr kumimoji="1" lang="ja-JP" altLang="en-US" smtClean="0"/>
-              <a:t>2020/4/27</a:t>
+              <a:t>2020/6/15</a:t>
             </a:fld>
             <a:endParaRPr kumimoji="1" lang="ja-JP" altLang="en-US"/>
           </a:p>
@@ -3332,7 +3332,7 @@
           <a:p>
             <a:fld id="{56F9016B-CCA6-43BE-8BEE-59565A35F4F7}" type="datetimeFigureOut">
               <a:rPr kumimoji="1" lang="ja-JP" altLang="en-US" smtClean="0"/>
-              <a:t>2020/4/27</a:t>
+              <a:t>2020/6/15</a:t>
             </a:fld>
             <a:endParaRPr kumimoji="1" lang="ja-JP" altLang="en-US"/>
           </a:p>
@@ -3544,7 +3544,7 @@
           <a:p>
             <a:fld id="{56F9016B-CCA6-43BE-8BEE-59565A35F4F7}" type="datetimeFigureOut">
               <a:rPr kumimoji="1" lang="ja-JP" altLang="en-US" smtClean="0"/>
-              <a:t>2020/4/27</a:t>
+              <a:t>2020/6/15</a:t>
             </a:fld>
             <a:endParaRPr kumimoji="1" lang="ja-JP" altLang="en-US"/>
           </a:p>
@@ -6603,7 +6603,7 @@
           <a:p>
             <a:fld id="{56F9016B-CCA6-43BE-8BEE-59565A35F4F7}" type="datetimeFigureOut">
               <a:rPr kumimoji="1" lang="ja-JP" altLang="en-US" smtClean="0"/>
-              <a:t>2020/4/27</a:t>
+              <a:t>2020/6/15</a:t>
             </a:fld>
             <a:endParaRPr kumimoji="1" lang="ja-JP" altLang="en-US"/>
           </a:p>
@@ -7041,7 +7041,7 @@
             </a:r>
             <a:r>
               <a:rPr lang="en-US" altLang="ja-JP" dirty="0" smtClean="0"/>
-              <a:t>1.4.1</a:t>
+              <a:t>1.5</a:t>
             </a:r>
             <a:r>
               <a:rPr lang="ja-JP" altLang="en-US" dirty="0" smtClean="0"/>
@@ -7734,14 +7734,14 @@
           <p:nvPr>
             <p:extLst>
               <p:ext uri="{D42A27DB-BD31-4B8C-83A1-F6EECF244321}">
-                <p14:modId xmlns:p14="http://schemas.microsoft.com/office/powerpoint/2010/main" val="2508855937"/>
+                <p14:modId xmlns:p14="http://schemas.microsoft.com/office/powerpoint/2010/main" val="949562705"/>
               </p:ext>
             </p:extLst>
           </p:nvPr>
         </p:nvGraphicFramePr>
         <p:xfrm>
           <a:off x="302064" y="1916790"/>
-          <a:ext cx="8538898" cy="2537480"/>
+          <a:ext cx="8538898" cy="3398560"/>
         </p:xfrm>
         <a:graphic>
           <a:graphicData uri="http://schemas.openxmlformats.org/drawingml/2006/table">
@@ -7803,7 +7803,7 @@
                 </a:extLst>
               </a:tr>
               <a:tr h="185420">
-                <a:tc rowSpan="3">
+                <a:tc rowSpan="4">
                   <a:txBody>
                     <a:bodyPr/>
                     <a:lstStyle/>
@@ -7985,7 +7985,81 @@
                   </a:ext>
                 </a:extLst>
               </a:tr>
+              <a:tr h="298720">
+                <a:tc vMerge="1">
+                  <a:txBody>
+                    <a:bodyPr/>
+                    <a:lstStyle/>
+                    <a:p>
+                      <a:endParaRPr kumimoji="1" lang="ja-JP" altLang="en-US" sz="1200" b="1" dirty="0"/>
+                    </a:p>
+                  </a:txBody>
+                  <a:tcPr anchor="ctr"/>
+                </a:tc>
+                <a:tc>
+                  <a:txBody>
+                    <a:bodyPr/>
+                    <a:lstStyle/>
+                    <a:p>
+                      <a:r>
+                        <a:rPr kumimoji="1" lang="en-US" altLang="ja-JP" sz="1200" b="1" dirty="0" smtClean="0">
+                          <a:solidFill>
+                            <a:schemeClr val="tx1"/>
+                          </a:solidFill>
+                        </a:rPr>
+                        <a:t>rhel-7-server-optional-rpms</a:t>
+                      </a:r>
+                      <a:endParaRPr kumimoji="1" lang="ja-JP" altLang="en-US" sz="1200" b="1" dirty="0">
+                        <a:solidFill>
+                          <a:schemeClr val="tx1"/>
+                        </a:solidFill>
+                      </a:endParaRPr>
+                    </a:p>
+                  </a:txBody>
+                  <a:tcPr/>
+                </a:tc>
+                <a:extLst>
+                  <a:ext uri="{0D108BD9-81ED-4DB2-BD59-A6C34878D82A}">
+                    <a16:rowId xmlns:a16="http://schemas.microsoft.com/office/drawing/2014/main" val="2795590862"/>
+                  </a:ext>
+                </a:extLst>
+              </a:tr>
               <a:tr h="288040">
+                <a:tc rowSpan="2">
+                  <a:txBody>
+                    <a:bodyPr/>
+                    <a:lstStyle/>
+                    <a:p>
+                      <a:pPr marL="0" marR="0" lvl="0" indent="0" algn="l" defTabSz="914400" rtl="0" eaLnBrk="1" fontAlgn="auto" latinLnBrk="0" hangingPunct="1">
+                        <a:lnSpc>
+                          <a:spcPct val="100000"/>
+                        </a:lnSpc>
+                        <a:spcBef>
+                          <a:spcPts val="0"/>
+                        </a:spcBef>
+                        <a:spcAft>
+                          <a:spcPts val="0"/>
+                        </a:spcAft>
+                        <a:buClrTx/>
+                        <a:buSzTx/>
+                        <a:buFontTx/>
+                        <a:buNone/>
+                        <a:tabLst/>
+                        <a:defRPr/>
+                      </a:pPr>
+                      <a:r>
+                        <a:rPr kumimoji="1" lang="en-US" altLang="ja-JP" sz="1200" b="1" dirty="0" smtClean="0"/>
+                        <a:t>RHEL8</a:t>
+                      </a:r>
+                      <a:endParaRPr kumimoji="1" lang="ja-JP" altLang="en-US" sz="1200" b="1" dirty="0" smtClean="0"/>
+                    </a:p>
+                  </a:txBody>
+                  <a:tcPr anchor="ctr">
+                    <a:solidFill>
+                      <a:srgbClr val="E7E8EA"/>
+                    </a:solidFill>
+                  </a:tcPr>
+                </a:tc>
                 <a:tc>
                   <a:txBody>
                     <a:bodyPr/>
@@ -8009,9 +8083,50 @@
                         <a:defRPr/>
                       </a:pPr>
                       <a:r>
-                        <a:rPr kumimoji="1" lang="en-US" altLang="ja-JP" sz="1200" b="1" dirty="0" smtClean="0"/>
-                        <a:t>RHEL8</a:t>
-                      </a:r>
+                        <a:rPr kumimoji="1" lang="en-US" altLang="ja-JP" sz="1200" b="1" i="0" kern="1200" dirty="0" smtClean="0">
+                          <a:solidFill>
+                            <a:schemeClr val="dk1"/>
+                          </a:solidFill>
+                          <a:effectLst/>
+                          <a:latin typeface="+mn-lt"/>
+                          <a:ea typeface="+mn-ea"/>
+                          <a:cs typeface="+mn-cs"/>
+                        </a:rPr>
+                        <a:t>https://dl.fedoraproject.org/pub/epel/epel-release-latest-8.noarch.rpm</a:t>
+                      </a:r>
+                    </a:p>
+                  </a:txBody>
+                  <a:tcPr/>
+                </a:tc>
+                <a:extLst>
+                  <a:ext uri="{0D108BD9-81ED-4DB2-BD59-A6C34878D82A}">
+                    <a16:rowId xmlns:a16="http://schemas.microsoft.com/office/drawing/2014/main" val="436435856"/>
+                  </a:ext>
+                </a:extLst>
+              </a:tr>
+              <a:tr h="288040">
+                <a:tc vMerge="1">
+                  <a:txBody>
+                    <a:bodyPr/>
+                    <a:lstStyle/>
+                    <a:p>
+                      <a:pPr marL="0" marR="0" lvl="0" indent="0" algn="l" defTabSz="914400" rtl="0" eaLnBrk="1" fontAlgn="auto" latinLnBrk="0" hangingPunct="1">
+                        <a:lnSpc>
+                          <a:spcPct val="100000"/>
+                        </a:lnSpc>
+                        <a:spcBef>
+                          <a:spcPts val="0"/>
+                        </a:spcBef>
+                        <a:spcAft>
+                          <a:spcPts val="0"/>
+                        </a:spcAft>
+                        <a:buClrTx/>
+                        <a:buSzTx/>
+                        <a:buFontTx/>
+                        <a:buNone/>
+                        <a:tabLst/>
+                        <a:defRPr/>
+                      </a:pPr>
                       <a:endParaRPr kumimoji="1" lang="ja-JP" altLang="en-US" sz="1200" b="1" dirty="0" smtClean="0"/>
                     </a:p>
                   </a:txBody>
@@ -8049,7 +8164,31 @@
                           <a:ea typeface="+mn-ea"/>
                           <a:cs typeface="+mn-cs"/>
                         </a:rPr>
-                        <a:t>https://dl.fedoraproject.org/pub/epel/epel-release-latest-8.noarch.rpm</a:t>
+                        <a:t>codeready-builder-for-rhel-8-</a:t>
+                      </a:r>
+                      <a:r>
+                        <a:rPr kumimoji="1" lang="en-US" altLang="ja-JP" sz="1200" b="1" i="0" kern="1200" dirty="0" smtClean="0">
+                          <a:solidFill>
+                            <a:srgbClr val="FF0000"/>
+                          </a:solidFill>
+                          <a:effectLst/>
+                          <a:latin typeface="+mn-lt"/>
+                          <a:ea typeface="+mn-ea"/>
+                          <a:cs typeface="+mn-cs"/>
+                        </a:rPr>
+                        <a:t>xxxxxx</a:t>
+                      </a:r>
+                      <a:r>
+                        <a:rPr kumimoji="1" lang="en-US" altLang="ja-JP" sz="1200" b="1" i="0" kern="1200" dirty="0" smtClean="0">
+                          <a:solidFill>
+                            <a:schemeClr val="dk1"/>
+                          </a:solidFill>
+                          <a:effectLst/>
+                          <a:latin typeface="+mn-lt"/>
+                          <a:ea typeface="+mn-ea"/>
+                          <a:cs typeface="+mn-cs"/>
+                        </a:rPr>
+                        <a:t>-rpms</a:t>
                       </a:r>
                     </a:p>
                   </a:txBody>
@@ -8057,7 +8196,7 @@
                 </a:tc>
                 <a:extLst>
                   <a:ext uri="{0D108BD9-81ED-4DB2-BD59-A6C34878D82A}">
-                    <a16:rowId xmlns:a16="http://schemas.microsoft.com/office/drawing/2014/main" val="436435856"/>
+                    <a16:rowId xmlns:a16="http://schemas.microsoft.com/office/drawing/2014/main" val="2725900748"/>
                   </a:ext>
                 </a:extLst>
               </a:tr>
@@ -8245,7 +8384,7 @@
                 </a:extLst>
               </a:tr>
               <a:tr h="152400">
-                <a:tc>
+                <a:tc rowSpan="2">
                   <a:txBody>
                     <a:bodyPr/>
                     <a:lstStyle/>
@@ -8331,10 +8470,123 @@
                   </a:ext>
                 </a:extLst>
               </a:tr>
+              <a:tr h="152400">
+                <a:tc vMerge="1">
+                  <a:txBody>
+                    <a:bodyPr/>
+                    <a:lstStyle/>
+                    <a:p>
+                      <a:endParaRPr kumimoji="1" lang="ja-JP" altLang="en-US" sz="1200" b="1" dirty="0"/>
+                    </a:p>
+                  </a:txBody>
+                  <a:tcPr anchor="ctr"/>
+                </a:tc>
+                <a:tc>
+                  <a:txBody>
+                    <a:bodyPr/>
+                    <a:lstStyle/>
+                    <a:p>
+                      <a:pPr marL="0" marR="0" lvl="0" indent="0" algn="l" defTabSz="914400" rtl="0" eaLnBrk="1" fontAlgn="auto" latinLnBrk="0" hangingPunct="1">
+                        <a:lnSpc>
+                          <a:spcPct val="100000"/>
+                        </a:lnSpc>
+                        <a:spcBef>
+                          <a:spcPts val="0"/>
+                        </a:spcBef>
+                        <a:spcAft>
+                          <a:spcPts val="0"/>
+                        </a:spcAft>
+                        <a:buClrTx/>
+                        <a:buSzTx/>
+                        <a:buFontTx/>
+                        <a:buNone/>
+                        <a:tabLst/>
+                        <a:defRPr/>
+                      </a:pPr>
+                      <a:r>
+                        <a:rPr kumimoji="1" lang="en-US" altLang="ja-JP" sz="1200" b="1" dirty="0" err="1" smtClean="0">
+                          <a:solidFill>
+                            <a:schemeClr val="tx1"/>
+                          </a:solidFill>
+                        </a:rPr>
+                        <a:t>PowerTools</a:t>
+                      </a:r>
+                      <a:endParaRPr kumimoji="1" lang="ja-JP" altLang="en-US" sz="1200" b="1" dirty="0" smtClean="0">
+                        <a:solidFill>
+                          <a:schemeClr val="tx1"/>
+                        </a:solidFill>
+                      </a:endParaRPr>
+                    </a:p>
+                  </a:txBody>
+                  <a:tcPr>
+                    <a:lnT w="12700" cap="flat" cmpd="sng" algn="ctr">
+                      <a:solidFill>
+                        <a:schemeClr val="bg1"/>
+                      </a:solidFill>
+                      <a:prstDash val="solid"/>
+                      <a:round/>
+                      <a:headEnd type="none" w="med" len="med"/>
+                      <a:tailEnd type="none" w="med" len="med"/>
+                    </a:lnT>
+                    <a:lnB w="12700" cap="flat" cmpd="sng" algn="ctr">
+                      <a:solidFill>
+                        <a:schemeClr val="bg1"/>
+                      </a:solidFill>
+                      <a:prstDash val="solid"/>
+                      <a:round/>
+                      <a:headEnd type="none" w="med" len="med"/>
+                      <a:tailEnd type="none" w="med" len="med"/>
+                    </a:lnB>
+                  </a:tcPr>
+                </a:tc>
+                <a:extLst>
+                  <a:ext uri="{0D108BD9-81ED-4DB2-BD59-A6C34878D82A}">
+                    <a16:rowId xmlns:a16="http://schemas.microsoft.com/office/drawing/2014/main" val="4093743328"/>
+                  </a:ext>
+                </a:extLst>
+              </a:tr>
             </a:tbl>
           </a:graphicData>
         </a:graphic>
       </p:graphicFrame>
+      <p:sp>
+        <p:nvSpPr>
+          <p:cNvPr id="5" name="テキスト ボックス 4"/>
+          <p:cNvSpPr txBox="1"/>
+          <p:nvPr/>
+        </p:nvSpPr>
+        <p:spPr>
+          <a:xfrm>
+            <a:off x="310638" y="5428353"/>
+            <a:ext cx="3096917" cy="307777"/>
+          </a:xfrm>
+          <a:prstGeom prst="rect">
+            <a:avLst/>
+          </a:prstGeom>
+          <a:noFill/>
+        </p:spPr>
+        <p:txBody>
+          <a:bodyPr wrap="square" rtlCol="0">
+            <a:spAutoFit/>
+          </a:bodyPr>
+          <a:lstStyle/>
+          <a:p>
+            <a:r>
+              <a:rPr kumimoji="1" lang="en-US" altLang="ja-JP" sz="1400" dirty="0" err="1" smtClean="0">
+                <a:solidFill>
+                  <a:srgbClr val="FF0000"/>
+                </a:solidFill>
+              </a:rPr>
+              <a:t>xxxxxx</a:t>
+            </a:r>
+            <a:r>
+              <a:rPr kumimoji="1" lang="ja-JP" altLang="en-US" sz="1400" dirty="0" smtClean="0"/>
+              <a:t>：アーキテクチャ</a:t>
+            </a:r>
+            <a:endParaRPr kumimoji="1" lang="ja-JP" altLang="en-US" sz="1400" dirty="0"/>
+          </a:p>
+        </p:txBody>
+      </p:sp>
     </p:spTree>
     <p:extLst>
       <p:ext uri="{BB962C8B-B14F-4D97-AF65-F5344CB8AC3E}">
@@ -14773,16 +15025,28 @@
               <a:t>ansible_driver</a:t>
             </a:r>
             <a:r>
+              <a:rPr lang="ja-JP" altLang="en-US" dirty="0" err="1"/>
+              <a:t>、</a:t>
+            </a:r>
+            <a:r>
+              <a:rPr lang="en-US" altLang="ja-JP" dirty="0" err="1" smtClean="0"/>
+              <a:t>createparam</a:t>
+            </a:r>
+            <a:r>
+              <a:rPr lang="ja-JP" altLang="en-US" dirty="0" err="1" smtClean="0"/>
+              <a:t>、</a:t>
+            </a:r>
+            <a:r>
+              <a:rPr lang="en-US" altLang="ja-JP" dirty="0" err="1" smtClean="0"/>
+              <a:t>Hostgroup</a:t>
+            </a:r>
+            <a:r>
+              <a:rPr lang="ja-JP" altLang="en-US" dirty="0" smtClean="0"/>
+              <a:t>の</a:t>
+            </a:r>
+            <a:r>
               <a:rPr lang="ja-JP" altLang="en-US" dirty="0"/>
-              <a:t>、</a:t>
-            </a:r>
-            <a:r>
-              <a:rPr lang="en-US" altLang="ja-JP" dirty="0"/>
-              <a:t>createparam</a:t>
-            </a:r>
-            <a:r>
-              <a:rPr lang="ja-JP" altLang="en-US" dirty="0"/>
-              <a:t>のインストール設定が</a:t>
+              <a:t>インストール設定が</a:t>
             </a:r>
             <a:r>
               <a:rPr lang="en-US" altLang="ja-JP" dirty="0"/>
@@ -14853,7 +15117,7 @@
           <p:nvPr>
             <p:extLst>
               <p:ext uri="{D42A27DB-BD31-4B8C-83A1-F6EECF244321}">
-                <p14:modId xmlns:p14="http://schemas.microsoft.com/office/powerpoint/2010/main" val="2566117594"/>
+                <p14:modId xmlns:p14="http://schemas.microsoft.com/office/powerpoint/2010/main" val="3410514733"/>
               </p:ext>
             </p:extLst>
           </p:nvPr>
@@ -17018,10 +17282,10 @@
                         </a:spcAft>
                       </a:pPr>
                       <a:r>
-                        <a:rPr lang="en-US" sz="1000" kern="100" dirty="0">
-                          <a:effectLst/>
-                        </a:rPr>
-                        <a:t>no</a:t>
+                        <a:rPr lang="en-US" altLang="ja-JP" sz="1000" kern="100" dirty="0" smtClean="0">
+                          <a:effectLst/>
+                        </a:rPr>
+                        <a:t>yes</a:t>
                       </a:r>
                       <a:endParaRPr lang="ja-JP" sz="1000" kern="100" dirty="0">
                         <a:effectLst/>
@@ -19069,7 +19333,7 @@
               <a:defRPr/>
             </a:pPr>
             <a:r>
-              <a:rPr kumimoji="0" lang="en-US" sz="900" kern="100" dirty="0" err="1">
+              <a:rPr kumimoji="0" lang="en-US" sz="900" kern="100" dirty="0" err="1" smtClean="0">
                 <a:solidFill>
                   <a:sysClr val="window" lastClr="FFFFFF"/>
                 </a:solidFill>
@@ -19077,7 +19341,18 @@
                 <a:ea typeface="ＭＳ 明朝" panose="02020609040205080304" pitchFamily="17" charset="-128"/>
                 <a:cs typeface="Times New Roman" panose="02020603050405020304" pitchFamily="18" charset="0"/>
               </a:rPr>
-              <a:t>hostgroup:no</a:t>
+              <a:t>hostgroup:</a:t>
+            </a:r>
+            <a:r>
+              <a:rPr kumimoji="0" lang="en-US" altLang="ja-JP" sz="900" kern="100" dirty="0" err="1" smtClean="0">
+                <a:solidFill>
+                  <a:sysClr val="window" lastClr="FFFFFF"/>
+                </a:solidFill>
+                <a:latin typeface="Arial" panose="020B0604020202020204" pitchFamily="34" charset="0"/>
+                <a:ea typeface="ＭＳ 明朝" panose="02020609040205080304" pitchFamily="17" charset="-128"/>
+                <a:cs typeface="Times New Roman" panose="02020603050405020304" pitchFamily="18" charset="0"/>
+              </a:rPr>
+              <a:t>yes</a:t>
             </a:r>
             <a:endParaRPr kumimoji="0" lang="en-US" sz="900" kern="100" dirty="0">
               <a:solidFill>
@@ -20368,7 +20643,7 @@
           <p:nvPr>
             <p:extLst>
               <p:ext uri="{D42A27DB-BD31-4B8C-83A1-F6EECF244321}">
-                <p14:modId xmlns:p14="http://schemas.microsoft.com/office/powerpoint/2010/main" val="3433575508"/>
+                <p14:modId xmlns:p14="http://schemas.microsoft.com/office/powerpoint/2010/main" val="887966275"/>
               </p:ext>
             </p:extLst>
           </p:nvPr>
@@ -20418,7 +20693,7 @@
                         </a:spcAft>
                       </a:pPr>
                       <a:r>
-                        <a:rPr lang="ja-JP" sz="1050" kern="100" dirty="0">
+                        <a:rPr lang="ja-JP" sz="1050" kern="100" dirty="0" smtClean="0">
                           <a:effectLst/>
                         </a:rPr>
                         <a:t>インストールドライバ</a:t>
@@ -21403,92 +21678,160 @@
                       <a:r>
                         <a:rPr lang="en-US" sz="1050" kern="100" dirty="0" smtClean="0">
                           <a:effectLst/>
-                          <a:latin typeface="+mn-lt"/>
+                          <a:latin typeface="Segoe UI" panose="020B0502040204020203" pitchFamily="34" charset="0"/>
                           <a:ea typeface="+mn-ea"/>
-                          <a:cs typeface="+mn-cs"/>
+                          <a:cs typeface="Segoe UI" panose="020B0502040204020203" pitchFamily="34" charset="0"/>
                         </a:rPr>
                         <a:t>,</a:t>
                       </a:r>
                       <a:r>
                         <a:rPr lang="en-US" sz="1050" kern="100" baseline="0" dirty="0" smtClean="0">
                           <a:effectLst/>
-                          <a:latin typeface="+mn-lt"/>
+                          <a:latin typeface="Segoe UI" panose="020B0502040204020203" pitchFamily="34" charset="0"/>
                           <a:ea typeface="+mn-ea"/>
-                          <a:cs typeface="+mn-cs"/>
-                        </a:rPr>
-                        <a:t>  </a:t>
+                          <a:cs typeface="Segoe UI" panose="020B0502040204020203" pitchFamily="34" charset="0"/>
+                        </a:rPr>
+                        <a:t> </a:t>
                       </a:r>
                       <a:r>
                         <a:rPr lang="en-US" altLang="ja-JP" sz="1050" kern="100" dirty="0" err="1" smtClean="0">
                           <a:effectLst/>
+                          <a:latin typeface="Segoe UI" panose="020B0502040204020203" pitchFamily="34" charset="0"/>
+                          <a:cs typeface="Segoe UI" panose="020B0502040204020203" pitchFamily="34" charset="0"/>
                         </a:rPr>
                         <a:t>php-json</a:t>
                       </a:r>
                       <a:r>
                         <a:rPr lang="en-US" altLang="ja-JP" sz="1050" kern="100" dirty="0" smtClean="0">
                           <a:effectLst/>
+                          <a:latin typeface="Segoe UI" panose="020B0502040204020203" pitchFamily="34" charset="0"/>
+                          <a:cs typeface="Segoe UI" panose="020B0502040204020203" pitchFamily="34" charset="0"/>
                         </a:rPr>
                         <a:t>,</a:t>
                       </a:r>
                       <a:r>
                         <a:rPr lang="en-US" altLang="ja-JP" sz="1050" kern="100" baseline="0" dirty="0" smtClean="0">
                           <a:effectLst/>
-                        </a:rPr>
-                        <a:t>  </a:t>
+                          <a:latin typeface="Segoe UI" panose="020B0502040204020203" pitchFamily="34" charset="0"/>
+                          <a:cs typeface="Segoe UI" panose="020B0502040204020203" pitchFamily="34" charset="0"/>
+                        </a:rPr>
+                        <a:t> </a:t>
                       </a:r>
                       <a:r>
                         <a:rPr lang="en-US" altLang="ja-JP" sz="1050" kern="100" dirty="0" err="1" smtClean="0">
                           <a:effectLst/>
+                          <a:latin typeface="Segoe UI" panose="020B0502040204020203" pitchFamily="34" charset="0"/>
+                          <a:cs typeface="Segoe UI" panose="020B0502040204020203" pitchFamily="34" charset="0"/>
                         </a:rPr>
                         <a:t>php</a:t>
                       </a:r>
                       <a:r>
                         <a:rPr lang="en-US" altLang="ja-JP" sz="1050" kern="100" dirty="0" smtClean="0">
                           <a:effectLst/>
+                          <a:latin typeface="Segoe UI" panose="020B0502040204020203" pitchFamily="34" charset="0"/>
+                          <a:cs typeface="Segoe UI" panose="020B0502040204020203" pitchFamily="34" charset="0"/>
                         </a:rPr>
                         <a:t>-zip,</a:t>
                       </a:r>
                       <a:r>
                         <a:rPr lang="en-US" altLang="ja-JP" sz="1050" kern="100" baseline="0" dirty="0" smtClean="0">
                           <a:effectLst/>
+                          <a:latin typeface="Segoe UI" panose="020B0502040204020203" pitchFamily="34" charset="0"/>
+                          <a:cs typeface="Segoe UI" panose="020B0502040204020203" pitchFamily="34" charset="0"/>
                         </a:rPr>
                         <a:t> </a:t>
                       </a:r>
                       <a:r>
+                        <a:rPr lang="en-US" altLang="ja-JP" sz="1050" kern="100" dirty="0" err="1" smtClean="0">
+                          <a:effectLst/>
+                          <a:latin typeface="Segoe UI" panose="020B0502040204020203" pitchFamily="34" charset="0"/>
+                          <a:cs typeface="Segoe UI" panose="020B0502040204020203" pitchFamily="34" charset="0"/>
+                        </a:rPr>
+                        <a:t>php-gd</a:t>
+                      </a:r>
+                      <a:r>
                         <a:rPr lang="en-US" altLang="ja-JP" sz="1050" kern="100" dirty="0" smtClean="0">
                           <a:effectLst/>
+                          <a:latin typeface="Segoe UI" panose="020B0502040204020203" pitchFamily="34" charset="0"/>
+                          <a:cs typeface="Segoe UI" panose="020B0502040204020203" pitchFamily="34" charset="0"/>
+                        </a:rPr>
+                        <a:t>,</a:t>
+                      </a:r>
+                      <a:r>
+                        <a:rPr lang="ja-JP" altLang="en-US" sz="1050" kern="100" dirty="0" smtClean="0">
+                          <a:effectLst/>
+                          <a:latin typeface="Segoe UI" panose="020B0502040204020203" pitchFamily="34" charset="0"/>
+                          <a:cs typeface="Segoe UI" panose="020B0502040204020203" pitchFamily="34" charset="0"/>
                         </a:rPr>
                         <a:t> </a:t>
                       </a:r>
                       <a:r>
-                        <a:rPr lang="en-US" altLang="ja-JP" sz="1050" kern="100" dirty="0" err="1" smtClean="0">
-                          <a:effectLst/>
-                        </a:rPr>
-                        <a:t>php-gd</a:t>
-                      </a:r>
-                      <a:r>
-                        <a:rPr lang="en-US" altLang="ja-JP" sz="1050" kern="100" dirty="0" smtClean="0">
-                          <a:effectLst/>
-                        </a:rPr>
-                        <a:t>,</a:t>
-                      </a:r>
-                      <a:r>
-                        <a:rPr lang="ja-JP" altLang="en-US" sz="1050" kern="100" baseline="0" dirty="0" smtClean="0">
-                          <a:effectLst/>
-                        </a:rPr>
-                        <a:t>　</a:t>
-                      </a:r>
-                      <a:r>
                         <a:rPr lang="en-US" altLang="ja-JP" sz="1050" kern="100" baseline="0" dirty="0" smtClean="0">
                           <a:effectLst/>
-                        </a:rPr>
-                        <a:t>Python3</a:t>
+                          <a:latin typeface="Segoe UI" panose="020B0502040204020203" pitchFamily="34" charset="0"/>
+                          <a:cs typeface="Segoe UI" panose="020B0502040204020203" pitchFamily="34" charset="0"/>
+                        </a:rPr>
+                        <a:t>Python3,</a:t>
+                      </a:r>
+                      <a:r>
+                        <a:rPr lang="en-US" altLang="ja-JP" sz="1050" kern="100" baseline="0" dirty="0" smtClean="0">
+                          <a:effectLst/>
+                        </a:rPr>
+                        <a:t> </a:t>
+                      </a:r>
+                      <a:r>
+                        <a:rPr lang="en-US" altLang="ja-JP" sz="1050" kern="100" baseline="0" dirty="0" err="1" smtClean="0">
+                          <a:effectLst/>
+                          <a:latin typeface="Segoe UI" panose="020B0502040204020203" pitchFamily="34" charset="0"/>
+                          <a:cs typeface="Segoe UI" panose="020B0502040204020203" pitchFamily="34" charset="0"/>
+                        </a:rPr>
+                        <a:t>php-devel</a:t>
+                      </a:r>
+                      <a:r>
+                        <a:rPr lang="en-US" altLang="ja-JP" sz="1050" kern="100" baseline="0" dirty="0" smtClean="0">
+                          <a:effectLst/>
+                          <a:latin typeface="Segoe UI" panose="020B0502040204020203" pitchFamily="34" charset="0"/>
+                          <a:cs typeface="Segoe UI" panose="020B0502040204020203" pitchFamily="34" charset="0"/>
+                        </a:rPr>
+                        <a:t>, </a:t>
+                      </a:r>
+                      <a:r>
+                        <a:rPr lang="en-US" altLang="ja-JP" sz="1050" kern="100" baseline="0" dirty="0" err="1" smtClean="0">
+                          <a:effectLst/>
+                          <a:latin typeface="Segoe UI" panose="020B0502040204020203" pitchFamily="34" charset="0"/>
+                          <a:cs typeface="Segoe UI" panose="020B0502040204020203" pitchFamily="34" charset="0"/>
+                        </a:rPr>
+                        <a:t>libyaml</a:t>
+                      </a:r>
+                      <a:r>
+                        <a:rPr lang="en-US" altLang="ja-JP" sz="1050" kern="100" baseline="0" dirty="0" smtClean="0">
+                          <a:effectLst/>
+                          <a:latin typeface="Segoe UI" panose="020B0502040204020203" pitchFamily="34" charset="0"/>
+                          <a:cs typeface="Segoe UI" panose="020B0502040204020203" pitchFamily="34" charset="0"/>
+                        </a:rPr>
+                        <a:t>, </a:t>
+                      </a:r>
+                      <a:r>
+                        <a:rPr lang="en-US" altLang="ja-JP" sz="1050" kern="100" baseline="0" dirty="0" err="1" smtClean="0">
+                          <a:effectLst/>
+                          <a:latin typeface="Segoe UI" panose="020B0502040204020203" pitchFamily="34" charset="0"/>
+                          <a:cs typeface="Segoe UI" panose="020B0502040204020203" pitchFamily="34" charset="0"/>
+                        </a:rPr>
+                        <a:t>libyaml-devel</a:t>
+                      </a:r>
+                      <a:r>
+                        <a:rPr lang="en-US" altLang="ja-JP" sz="1050" kern="100" baseline="0" dirty="0" smtClean="0">
+                          <a:effectLst/>
+                          <a:latin typeface="Segoe UI" panose="020B0502040204020203" pitchFamily="34" charset="0"/>
+                          <a:cs typeface="Segoe UI" panose="020B0502040204020203" pitchFamily="34" charset="0"/>
+                        </a:rPr>
+                        <a:t>, make</a:t>
                       </a:r>
                       <a:endParaRPr lang="ja-JP" altLang="ja-JP" sz="1050" kern="100" dirty="0" smtClean="0">
                         <a:effectLst/>
-                        <a:latin typeface="Century" panose="02040604050505020304" pitchFamily="18" charset="0"/>
+                        <a:latin typeface="Segoe UI" panose="020B0502040204020203" pitchFamily="34" charset="0"/>
                         <a:ea typeface="ＭＳ 明朝" panose="02020609040205080304" pitchFamily="17" charset="-128"/>
-                        <a:cs typeface="Times New Roman" panose="02020603050405020304" pitchFamily="18" charset="0"/>
+                        <a:cs typeface="Segoe UI" panose="020B0502040204020203" pitchFamily="34" charset="0"/>
                       </a:endParaRPr>
                     </a:p>
                   </a:txBody>
@@ -21585,13 +21928,13 @@
                         </a:tabLst>
                       </a:pPr>
                       <a:r>
-                        <a:rPr lang="en-US" sz="1050" kern="100" dirty="0" err="1" smtClean="0">
+                        <a:rPr lang="en-US" altLang="ja-JP" sz="1050" kern="100" dirty="0" err="1" smtClean="0">
                           <a:effectLst/>
                           <a:latin typeface="Segoe UI" panose="020B0502040204020203" pitchFamily="34" charset="0"/>
                           <a:ea typeface="Segoe UI" panose="020B0502040204020203" pitchFamily="34" charset="0"/>
                           <a:cs typeface="Segoe UI" panose="020B0502040204020203" pitchFamily="34" charset="0"/>
                         </a:rPr>
-                        <a:t>Spyc</a:t>
+                        <a:t>php-yaml</a:t>
                       </a:r>
                       <a:r>
                         <a:rPr lang="en-US" sz="1050" kern="100" dirty="0" smtClean="0">
@@ -21605,6 +21948,8 @@
                       <a:r>
                         <a:rPr lang="en-US" altLang="ja-JP" sz="1050" kern="100" dirty="0" err="1" smtClean="0">
                           <a:effectLst/>
+                          <a:latin typeface="Segoe UI" panose="020B0502040204020203" pitchFamily="34" charset="0"/>
+                          <a:cs typeface="Segoe UI" panose="020B0502040204020203" pitchFamily="34" charset="0"/>
                         </a:rPr>
                         <a:t>PhpSpreadsheet</a:t>
                       </a:r>
@@ -21850,6 +22195,8 @@
                       <a:r>
                         <a:rPr lang="en-US" altLang="ja-JP" sz="1050" kern="100" dirty="0" err="1" smtClean="0">
                           <a:effectLst/>
+                          <a:latin typeface="Segoe UI" panose="020B0502040204020203" pitchFamily="34" charset="0"/>
+                          <a:cs typeface="Segoe UI" panose="020B0502040204020203" pitchFamily="34" charset="0"/>
                         </a:rPr>
                         <a:t>pexpect</a:t>
                       </a:r>
@@ -21865,6 +22212,8 @@
                       <a:r>
                         <a:rPr lang="en-US" altLang="ja-JP" sz="1050" kern="100" dirty="0" err="1" smtClean="0">
                           <a:effectLst/>
+                          <a:latin typeface="Segoe UI" panose="020B0502040204020203" pitchFamily="34" charset="0"/>
+                          <a:cs typeface="Segoe UI" panose="020B0502040204020203" pitchFamily="34" charset="0"/>
                         </a:rPr>
                         <a:t>pywinrm</a:t>
                       </a:r>
@@ -21880,14 +22229,31 @@
                       <a:r>
                         <a:rPr lang="en-US" altLang="ja-JP" sz="1050" kern="100" dirty="0" smtClean="0">
                           <a:effectLst/>
-                        </a:rPr>
-                        <a:t>boto3</a:t>
+                          <a:latin typeface="Segoe UI" panose="020B0502040204020203" pitchFamily="34" charset="0"/>
+                          <a:cs typeface="Segoe UI" panose="020B0502040204020203" pitchFamily="34" charset="0"/>
+                        </a:rPr>
+                        <a:t>boto3, </a:t>
+                      </a:r>
+                      <a:r>
+                        <a:rPr lang="en-US" altLang="ja-JP" sz="1050" dirty="0" err="1" smtClean="0">
+                          <a:latin typeface="Segoe UI" panose="020B0502040204020203" pitchFamily="34" charset="0"/>
+                          <a:cs typeface="Segoe UI" panose="020B0502040204020203" pitchFamily="34" charset="0"/>
+                        </a:rPr>
+                        <a:t>nmap-ncat</a:t>
+                      </a:r>
+                      <a:r>
+                        <a:rPr lang="en-US" altLang="ja-JP" sz="1050" kern="100" dirty="0" smtClean="0">
+                          <a:effectLst/>
+                          <a:latin typeface="Segoe UI" panose="020B0502040204020203" pitchFamily="34" charset="0"/>
+                          <a:cs typeface="Segoe UI" panose="020B0502040204020203" pitchFamily="34" charset="0"/>
+                        </a:rPr>
+                        <a:t> </a:t>
                       </a:r>
                       <a:endParaRPr lang="ja-JP" altLang="ja-JP" sz="1050" kern="100" dirty="0" smtClean="0">
                         <a:effectLst/>
-                        <a:latin typeface="Century" panose="02040604050505020304" pitchFamily="18" charset="0"/>
+                        <a:latin typeface="Segoe UI" panose="020B0502040204020203" pitchFamily="34" charset="0"/>
                         <a:ea typeface="ＭＳ 明朝" panose="02020609040205080304" pitchFamily="17" charset="-128"/>
-                        <a:cs typeface="Times New Roman" panose="02020603050405020304" pitchFamily="18" charset="0"/>
+                        <a:cs typeface="Segoe UI" panose="020B0502040204020203" pitchFamily="34" charset="0"/>
                       </a:endParaRPr>
                     </a:p>
                   </a:txBody>
@@ -24032,14 +24398,14 @@
           <p:nvPr>
             <p:extLst>
               <p:ext uri="{D42A27DB-BD31-4B8C-83A1-F6EECF244321}">
-                <p14:modId xmlns:p14="http://schemas.microsoft.com/office/powerpoint/2010/main" val="3714700898"/>
+                <p14:modId xmlns:p14="http://schemas.microsoft.com/office/powerpoint/2010/main" val="3534908997"/>
               </p:ext>
             </p:extLst>
           </p:nvPr>
         </p:nvGraphicFramePr>
         <p:xfrm>
           <a:off x="1259540" y="1628750"/>
-          <a:ext cx="6624920" cy="2479614"/>
+          <a:ext cx="6624920" cy="2736381"/>
         </p:xfrm>
         <a:graphic>
           <a:graphicData uri="http://schemas.openxmlformats.org/drawingml/2006/table">
@@ -24286,40 +24652,61 @@
                     <a:bodyPr/>
                     <a:lstStyle/>
                     <a:p>
-                      <a:pPr algn="l">
+                      <a:pPr marL="0" algn="l" defTabSz="914400" rtl="0" eaLnBrk="1" latinLnBrk="0" hangingPunct="1">
                         <a:spcAft>
                           <a:spcPts val="0"/>
                         </a:spcAft>
                       </a:pPr>
                       <a:r>
-                        <a:rPr lang="ja-JP" altLang="en-US" sz="1050" kern="100" dirty="0" smtClean="0">
-                          <a:effectLst/>
+                        <a:rPr kumimoji="1" lang="ja-JP" altLang="en-US" sz="1050" kern="100" dirty="0" smtClean="0">
+                          <a:solidFill>
+                            <a:schemeClr val="dk1"/>
+                          </a:solidFill>
+                          <a:effectLst/>
+                          <a:latin typeface="+mn-lt"/>
+                          <a:ea typeface="+mn-ea"/>
+                          <a:cs typeface="+mn-cs"/>
                         </a:rPr>
                         <a:t>エクスポート</a:t>
                       </a:r>
                       <a:r>
-                        <a:rPr lang="en-US" altLang="ja-JP" sz="1050" kern="100" dirty="0" smtClean="0">
-                          <a:effectLst/>
+                        <a:rPr kumimoji="1" lang="en-US" altLang="ja-JP" sz="1050" kern="100" dirty="0" smtClean="0">
+                          <a:solidFill>
+                            <a:schemeClr val="dk1"/>
+                          </a:solidFill>
+                          <a:effectLst/>
+                          <a:latin typeface="+mn-lt"/>
+                          <a:ea typeface="+mn-ea"/>
+                          <a:cs typeface="+mn-cs"/>
                         </a:rPr>
                         <a:t>/</a:t>
                       </a:r>
                       <a:r>
-                        <a:rPr lang="ja-JP" altLang="en-US" sz="1050" kern="100" dirty="0" smtClean="0">
-                          <a:effectLst/>
+                        <a:rPr kumimoji="1" lang="ja-JP" altLang="en-US" sz="1050" kern="100" dirty="0" smtClean="0">
+                          <a:solidFill>
+                            <a:schemeClr val="dk1"/>
+                          </a:solidFill>
+                          <a:effectLst/>
+                          <a:latin typeface="+mn-lt"/>
+                          <a:ea typeface="+mn-ea"/>
+                          <a:cs typeface="+mn-cs"/>
                         </a:rPr>
                         <a:t>インポート</a:t>
                       </a:r>
-                      <a:endParaRPr lang="ja-JP" altLang="ja-JP" sz="1050" kern="100" dirty="0">
+                      <a:endParaRPr kumimoji="1" lang="ja-JP" altLang="ja-JP" sz="1050" kern="100" dirty="0">
+                        <a:solidFill>
+                          <a:schemeClr val="dk1"/>
+                        </a:solidFill>
                         <a:effectLst/>
-                        <a:latin typeface="Century" panose="02040604050505020304" pitchFamily="18" charset="0"/>
-                        <a:ea typeface="ＭＳ 明朝" panose="02020609040205080304" pitchFamily="17" charset="-128"/>
-                        <a:cs typeface="Times New Roman" panose="02020603050405020304" pitchFamily="18" charset="0"/>
+                        <a:latin typeface="+mn-lt"/>
+                        <a:ea typeface="+mn-ea"/>
+                        <a:cs typeface="+mn-cs"/>
                       </a:endParaRPr>
                     </a:p>
                   </a:txBody>
                   <a:tcPr marL="68580" marR="68580" marT="0" marB="0" anchor="ctr">
                     <a:solidFill>
-                      <a:srgbClr val="E7E8EA"/>
+                      <a:srgbClr val="CBCDD3"/>
                     </a:solidFill>
                   </a:tcPr>
                 </a:tc>
@@ -24398,13 +24785,86 @@
                   </a:txBody>
                   <a:tcPr marL="68580" marR="68580" marT="0" marB="0" anchor="ctr">
                     <a:solidFill>
+                      <a:srgbClr val="E7E8EA"/>
+                    </a:solidFill>
+                  </a:tcPr>
+                </a:tc>
+                <a:extLst>
+                  <a:ext uri="{0D108BD9-81ED-4DB2-BD59-A6C34878D82A}">
+                    <a16:rowId xmlns:a16="http://schemas.microsoft.com/office/drawing/2014/main" val="10003"/>
+                  </a:ext>
+                </a:extLst>
+              </a:tr>
+              <a:tr h="256767">
+                <a:tc>
+                  <a:txBody>
+                    <a:bodyPr/>
+                    <a:lstStyle/>
+                    <a:p>
+                      <a:pPr algn="l">
+                        <a:spcAft>
+                          <a:spcPts val="0"/>
+                        </a:spcAft>
+                      </a:pPr>
+                      <a:r>
+                        <a:rPr lang="ja-JP" altLang="en-US" sz="1050" kern="100" dirty="0" smtClean="0">
+                          <a:effectLst/>
+                          <a:latin typeface="メイリオ" panose="020B0604030504040204" pitchFamily="50" charset="-128"/>
+                          <a:ea typeface="メイリオ" panose="020B0604030504040204" pitchFamily="50" charset="-128"/>
+                          <a:cs typeface="Times New Roman" panose="02020603050405020304" pitchFamily="18" charset="0"/>
+                        </a:rPr>
+                        <a:t>ホストグループ</a:t>
+                      </a:r>
+                      <a:endParaRPr lang="ja-JP" sz="1050" kern="100" dirty="0">
+                        <a:effectLst/>
+                        <a:latin typeface="メイリオ" panose="020B0604030504040204" pitchFamily="50" charset="-128"/>
+                        <a:ea typeface="メイリオ" panose="020B0604030504040204" pitchFamily="50" charset="-128"/>
+                        <a:cs typeface="Times New Roman" panose="02020603050405020304" pitchFamily="18" charset="0"/>
+                      </a:endParaRPr>
+                    </a:p>
+                  </a:txBody>
+                  <a:tcPr marL="68580" marR="68580" marT="0" marB="0" anchor="ctr">
+                    <a:solidFill>
+                      <a:srgbClr val="002B62"/>
+                    </a:solidFill>
+                  </a:tcPr>
+                </a:tc>
+                <a:tc>
+                  <a:txBody>
+                    <a:bodyPr/>
+                    <a:lstStyle/>
+                    <a:p>
+                      <a:pPr algn="l">
+                        <a:spcAft>
+                          <a:spcPts val="0"/>
+                        </a:spcAft>
+                      </a:pPr>
+                      <a:r>
+                        <a:rPr lang="ja-JP" altLang="en-US" sz="1050" kern="100" dirty="0" smtClean="0">
+                          <a:effectLst/>
+                          <a:latin typeface="メイリオ" panose="020B0604030504040204" pitchFamily="50" charset="-128"/>
+                          <a:ea typeface="メイリオ" panose="020B0604030504040204" pitchFamily="50" charset="-128"/>
+                          <a:cs typeface="Times New Roman" panose="02020603050405020304" pitchFamily="18" charset="0"/>
+                        </a:rPr>
+                        <a:t>ホストグループ管理</a:t>
+                      </a:r>
+                      <a:endParaRPr lang="ja-JP" sz="1050" kern="100" dirty="0">
+                        <a:effectLst/>
+                        <a:latin typeface="メイリオ" panose="020B0604030504040204" pitchFamily="50" charset="-128"/>
+                        <a:ea typeface="メイリオ" panose="020B0604030504040204" pitchFamily="50" charset="-128"/>
+                        <a:cs typeface="Times New Roman" panose="02020603050405020304" pitchFamily="18" charset="0"/>
+                      </a:endParaRPr>
+                    </a:p>
+                  </a:txBody>
+                  <a:tcPr marL="68580" marR="68580" marT="0" marB="0" anchor="ctr">
+                    <a:solidFill>
                       <a:srgbClr val="CBCDD3"/>
                     </a:solidFill>
                   </a:tcPr>
                 </a:tc>
                 <a:extLst>
                   <a:ext uri="{0D108BD9-81ED-4DB2-BD59-A6C34878D82A}">
-                    <a16:rowId xmlns:a16="http://schemas.microsoft.com/office/drawing/2014/main" val="10003"/>
+                    <a16:rowId xmlns:a16="http://schemas.microsoft.com/office/drawing/2014/main" val="1603738297"/>
                   </a:ext>
                 </a:extLst>
               </a:tr>
@@ -24477,7 +24937,7 @@
                   </a:txBody>
                   <a:tcPr marL="68580" marR="68580" marT="0" marB="0" anchor="ctr">
                     <a:solidFill>
-                      <a:srgbClr val="CBCDD3"/>
+                      <a:srgbClr val="E7E8EA"/>
                     </a:solidFill>
                   </a:tcPr>
                 </a:tc>
@@ -24524,7 +24984,7 @@
                   </a:txBody>
                   <a:tcPr marL="68580" marR="68580" marT="0" marB="0" anchor="ctr">
                     <a:solidFill>
-                      <a:srgbClr val="E7E8EA"/>
+                      <a:srgbClr val="CBCDD3"/>
                     </a:solidFill>
                   </a:tcPr>
                 </a:tc>
@@ -24571,7 +25031,7 @@
                   </a:txBody>
                   <a:tcPr marL="68580" marR="68580" marT="0" marB="0" anchor="ctr">
                     <a:solidFill>
-                      <a:srgbClr val="CBCDD3"/>
+                      <a:srgbClr val="E7E8EA"/>
                     </a:solidFill>
                   </a:tcPr>
                 </a:tc>
@@ -24618,7 +25078,7 @@
                   </a:txBody>
                   <a:tcPr marL="68580" marR="68580" marT="0" marB="0" anchor="ctr">
                     <a:solidFill>
-                      <a:srgbClr val="E7E8EA"/>
+                      <a:srgbClr val="CBCDD3"/>
                     </a:solidFill>
                   </a:tcPr>
                 </a:tc>
@@ -27217,7 +27677,7 @@
           <p:nvPr>
             <p:extLst>
               <p:ext uri="{D42A27DB-BD31-4B8C-83A1-F6EECF244321}">
-                <p14:modId xmlns:p14="http://schemas.microsoft.com/office/powerpoint/2010/main" val="428128019"/>
+                <p14:modId xmlns:p14="http://schemas.microsoft.com/office/powerpoint/2010/main" val="1537801988"/>
               </p:ext>
             </p:extLst>
           </p:nvPr>
@@ -27994,7 +28454,7 @@
                         </a:spcAft>
                       </a:pPr>
                       <a:r>
-                        <a:rPr lang="en-US" sz="1050" kern="100" dirty="0">
+                        <a:rPr lang="en-US" sz="1050" kern="100" smtClean="0">
                           <a:effectLst/>
                         </a:rPr>
                         <a:t>-</a:t>
@@ -28023,10 +28483,13 @@
                         </a:spcAft>
                       </a:pPr>
                       <a:r>
-                        <a:rPr lang="en-US" altLang="ja-JP" sz="1050" kern="100" dirty="0" smtClean="0">
-                          <a:effectLst/>
-                        </a:rPr>
-                        <a:t>×</a:t>
+                        <a:rPr lang="ja-JP" altLang="en-US" sz="1050" kern="100" dirty="0" smtClean="0">
+                          <a:effectLst/>
+                          <a:latin typeface="+mn-lt"/>
+                          <a:ea typeface="+mn-ea"/>
+                          <a:cs typeface="+mn-cs"/>
+                        </a:rPr>
+                        <a:t>○</a:t>
                       </a:r>
                       <a:endParaRPr lang="ja-JP" sz="1050" kern="100" dirty="0">
                         <a:effectLst/>

--- a/asset/Learn_ja/ITA-online-install_ja.pptx
+++ b/asset/Learn_ja/ITA-online-install_ja.pptx
@@ -336,7 +336,7 @@
               <a:rPr kumimoji="1" lang="ja-JP" altLang="en-US" smtClean="0">
                 <a:ea typeface="メイリオ" panose="020B0604030504040204" pitchFamily="50" charset="-128"/>
               </a:rPr>
-              <a:t>2020/6/15</a:t>
+              <a:t>2020/7/21</a:t>
             </a:fld>
             <a:endParaRPr kumimoji="1" lang="ja-JP" altLang="en-US" dirty="0">
               <a:ea typeface="メイリオ" panose="020B0604030504040204" pitchFamily="50" charset="-128"/>
@@ -482,7 +482,7 @@
             <a:fld id="{4B26993D-C081-44EB-B0F5-A9F467792B62}" type="datetimeFigureOut">
               <a:rPr lang="ja-JP" altLang="en-US" smtClean="0"/>
               <a:pPr/>
-              <a:t>2020/6/15</a:t>
+              <a:t>2020/7/21</a:t>
             </a:fld>
             <a:endParaRPr lang="ja-JP" altLang="en-US" dirty="0"/>
           </a:p>
@@ -1105,7 +1105,7 @@
           <a:p>
             <a:fld id="{56F9016B-CCA6-43BE-8BEE-59565A35F4F7}" type="datetimeFigureOut">
               <a:rPr kumimoji="1" lang="ja-JP" altLang="en-US" smtClean="0"/>
-              <a:t>2020/6/15</a:t>
+              <a:t>2020/7/21</a:t>
             </a:fld>
             <a:endParaRPr kumimoji="1" lang="ja-JP" altLang="en-US"/>
           </a:p>
@@ -1307,7 +1307,7 @@
           <a:p>
             <a:fld id="{56F9016B-CCA6-43BE-8BEE-59565A35F4F7}" type="datetimeFigureOut">
               <a:rPr kumimoji="1" lang="ja-JP" altLang="en-US" smtClean="0"/>
-              <a:t>2020/6/15</a:t>
+              <a:t>2020/7/21</a:t>
             </a:fld>
             <a:endParaRPr kumimoji="1" lang="ja-JP" altLang="en-US"/>
           </a:p>
@@ -1553,7 +1553,7 @@
           <a:p>
             <a:fld id="{56F9016B-CCA6-43BE-8BEE-59565A35F4F7}" type="datetimeFigureOut">
               <a:rPr kumimoji="1" lang="ja-JP" altLang="en-US" smtClean="0"/>
-              <a:t>2020/6/15</a:t>
+              <a:t>2020/7/21</a:t>
             </a:fld>
             <a:endParaRPr kumimoji="1" lang="ja-JP" altLang="en-US"/>
           </a:p>
@@ -1849,7 +1849,7 @@
           <a:p>
             <a:fld id="{56F9016B-CCA6-43BE-8BEE-59565A35F4F7}" type="datetimeFigureOut">
               <a:rPr kumimoji="1" lang="ja-JP" altLang="en-US" smtClean="0"/>
-              <a:t>2020/6/15</a:t>
+              <a:t>2020/7/21</a:t>
             </a:fld>
             <a:endParaRPr kumimoji="1" lang="ja-JP" altLang="en-US"/>
           </a:p>
@@ -2280,7 +2280,7 @@
           <a:p>
             <a:fld id="{56F9016B-CCA6-43BE-8BEE-59565A35F4F7}" type="datetimeFigureOut">
               <a:rPr kumimoji="1" lang="ja-JP" altLang="en-US" smtClean="0"/>
-              <a:t>2020/6/15</a:t>
+              <a:t>2020/7/21</a:t>
             </a:fld>
             <a:endParaRPr kumimoji="1" lang="ja-JP" altLang="en-US"/>
           </a:p>
@@ -2398,7 +2398,7 @@
           <a:p>
             <a:fld id="{56F9016B-CCA6-43BE-8BEE-59565A35F4F7}" type="datetimeFigureOut">
               <a:rPr kumimoji="1" lang="ja-JP" altLang="en-US" smtClean="0"/>
-              <a:t>2020/6/15</a:t>
+              <a:t>2020/7/21</a:t>
             </a:fld>
             <a:endParaRPr kumimoji="1" lang="ja-JP" altLang="en-US"/>
           </a:p>
@@ -2493,7 +2493,7 @@
           <a:p>
             <a:fld id="{56F9016B-CCA6-43BE-8BEE-59565A35F4F7}" type="datetimeFigureOut">
               <a:rPr kumimoji="1" lang="ja-JP" altLang="en-US" smtClean="0"/>
-              <a:t>2020/6/15</a:t>
+              <a:t>2020/7/21</a:t>
             </a:fld>
             <a:endParaRPr kumimoji="1" lang="ja-JP" altLang="en-US"/>
           </a:p>
@@ -2802,7 +2802,7 @@
           <a:p>
             <a:fld id="{56F9016B-CCA6-43BE-8BEE-59565A35F4F7}" type="datetimeFigureOut">
               <a:rPr kumimoji="1" lang="ja-JP" altLang="en-US" smtClean="0"/>
-              <a:t>2020/6/15</a:t>
+              <a:t>2020/7/21</a:t>
             </a:fld>
             <a:endParaRPr kumimoji="1" lang="ja-JP" altLang="en-US"/>
           </a:p>
@@ -3055,7 +3055,7 @@
           <a:p>
             <a:fld id="{56F9016B-CCA6-43BE-8BEE-59565A35F4F7}" type="datetimeFigureOut">
               <a:rPr kumimoji="1" lang="ja-JP" altLang="en-US" smtClean="0"/>
-              <a:t>2020/6/15</a:t>
+              <a:t>2020/7/21</a:t>
             </a:fld>
             <a:endParaRPr kumimoji="1" lang="ja-JP" altLang="en-US"/>
           </a:p>
@@ -3332,7 +3332,7 @@
           <a:p>
             <a:fld id="{56F9016B-CCA6-43BE-8BEE-59565A35F4F7}" type="datetimeFigureOut">
               <a:rPr kumimoji="1" lang="ja-JP" altLang="en-US" smtClean="0"/>
-              <a:t>2020/6/15</a:t>
+              <a:t>2020/7/21</a:t>
             </a:fld>
             <a:endParaRPr kumimoji="1" lang="ja-JP" altLang="en-US"/>
           </a:p>
@@ -3544,7 +3544,7 @@
           <a:p>
             <a:fld id="{56F9016B-CCA6-43BE-8BEE-59565A35F4F7}" type="datetimeFigureOut">
               <a:rPr kumimoji="1" lang="ja-JP" altLang="en-US" smtClean="0"/>
-              <a:t>2020/6/15</a:t>
+              <a:t>2020/7/21</a:t>
             </a:fld>
             <a:endParaRPr kumimoji="1" lang="ja-JP" altLang="en-US"/>
           </a:p>
@@ -6603,7 +6603,7 @@
           <a:p>
             <a:fld id="{56F9016B-CCA6-43BE-8BEE-59565A35F4F7}" type="datetimeFigureOut">
               <a:rPr kumimoji="1" lang="ja-JP" altLang="en-US" smtClean="0"/>
-              <a:t>2020/6/15</a:t>
+              <a:t>2020/7/21</a:t>
             </a:fld>
             <a:endParaRPr kumimoji="1" lang="ja-JP" altLang="en-US"/>
           </a:p>
@@ -15117,7 +15117,7 @@
           <p:nvPr>
             <p:extLst>
               <p:ext uri="{D42A27DB-BD31-4B8C-83A1-F6EECF244321}">
-                <p14:modId xmlns:p14="http://schemas.microsoft.com/office/powerpoint/2010/main" val="3410514733"/>
+                <p14:modId xmlns:p14="http://schemas.microsoft.com/office/powerpoint/2010/main" val="2531964890"/>
               </p:ext>
             </p:extLst>
           </p:nvPr>
@@ -17817,12 +17817,57 @@
                         </a:spcAft>
                       </a:pPr>
                       <a:r>
-                        <a:rPr lang="en-US" sz="1000" kern="100" dirty="0">
-                          <a:effectLst/>
-                        </a:rPr>
-                        <a:t>dsc_driver</a:t>
+                        <a:rPr lang="en-US" altLang="ja-JP" sz="1000" kern="100" dirty="0" err="1" smtClean="0">
+                          <a:effectLst/>
+                          <a:latin typeface="+mn-ea"/>
+                          <a:ea typeface="+mn-ea"/>
+                          <a:cs typeface="Times New Roman" panose="02020603050405020304" pitchFamily="18" charset="0"/>
+                        </a:rPr>
+                        <a:t>terraform_driver</a:t>
                       </a:r>
                       <a:endParaRPr lang="ja-JP" sz="1000" kern="100" dirty="0">
+                        <a:effectLst/>
+                        <a:latin typeface="+mn-ea"/>
+                        <a:ea typeface="+mn-ea"/>
+                        <a:cs typeface="Times New Roman" panose="02020603050405020304" pitchFamily="18" charset="0"/>
+                      </a:endParaRPr>
+                    </a:p>
+                  </a:txBody>
+                  <a:tcPr marL="68495" marR="68495" marT="0" marB="0" anchor="ctr">
+                    <a:solidFill>
+                      <a:srgbClr val="002B62"/>
+                    </a:solidFill>
+                  </a:tcPr>
+                </a:tc>
+                <a:tc>
+                  <a:txBody>
+                    <a:bodyPr/>
+                    <a:lstStyle/>
+                    <a:p>
+                      <a:pPr marL="0" marR="0" lvl="0" indent="0" algn="ctr" defTabSz="914400" rtl="0" eaLnBrk="1" fontAlgn="auto" latinLnBrk="0" hangingPunct="1">
+                        <a:lnSpc>
+                          <a:spcPct val="150000"/>
+                        </a:lnSpc>
+                        <a:spcBef>
+                          <a:spcPts val="0"/>
+                        </a:spcBef>
+                        <a:spcAft>
+                          <a:spcPts val="0"/>
+                        </a:spcAft>
+                        <a:buClrTx/>
+                        <a:buSzTx/>
+                        <a:buFontTx/>
+                        <a:buNone/>
+                        <a:tabLst/>
+                        <a:defRPr/>
+                      </a:pPr>
+                      <a:r>
+                        <a:rPr lang="en-US" altLang="ja-JP" sz="1000" kern="100" dirty="0" smtClean="0">
+                          <a:effectLst/>
+                        </a:rPr>
+                        <a:t>○</a:t>
+                      </a:r>
+                      <a:endParaRPr lang="ja-JP" altLang="ja-JP" sz="1000" kern="100" dirty="0" smtClean="0">
                         <a:effectLst/>
                         <a:latin typeface="Century" panose="02040604050505020304" pitchFamily="18" charset="0"/>
                         <a:ea typeface="ＭＳ 明朝" panose="02020609040205080304" pitchFamily="17" charset="-128"/>
@@ -17832,7 +17877,7 @@
                   </a:txBody>
                   <a:tcPr marL="68495" marR="68495" marT="0" marB="0" anchor="ctr">
                     <a:solidFill>
-                      <a:srgbClr val="002B62"/>
+                      <a:srgbClr val="CBCDD3"/>
                     </a:solidFill>
                   </a:tcPr>
                 </a:tc>
@@ -17850,12 +17895,63 @@
                         </a:spcAft>
                       </a:pPr>
                       <a:r>
-                        <a:rPr lang="en-US" sz="1000" kern="100" dirty="0">
-                          <a:effectLst/>
-                        </a:rPr>
-                        <a:t>○</a:t>
+                        <a:rPr lang="en-US" altLang="ja-JP" sz="1000" kern="100" dirty="0" smtClean="0">
+                          <a:effectLst/>
+                          <a:latin typeface="+mn-lt"/>
+                          <a:ea typeface="ＭＳ 明朝" panose="02020609040205080304" pitchFamily="17" charset="-128"/>
+                          <a:cs typeface="Times New Roman" panose="02020603050405020304" pitchFamily="18" charset="0"/>
+                        </a:rPr>
+                        <a:t>no</a:t>
                       </a:r>
                       <a:endParaRPr lang="ja-JP" sz="1000" kern="100" dirty="0">
+                        <a:effectLst/>
+                        <a:latin typeface="+mn-lt"/>
+                        <a:ea typeface="ＭＳ 明朝" panose="02020609040205080304" pitchFamily="17" charset="-128"/>
+                        <a:cs typeface="Times New Roman" panose="02020603050405020304" pitchFamily="18" charset="0"/>
+                      </a:endParaRPr>
+                    </a:p>
+                  </a:txBody>
+                  <a:tcPr marL="68495" marR="68495" marT="0" marB="0" anchor="ctr">
+                    <a:solidFill>
+                      <a:srgbClr val="CBCDD3"/>
+                    </a:solidFill>
+                  </a:tcPr>
+                </a:tc>
+                <a:tc>
+                  <a:txBody>
+                    <a:bodyPr/>
+                    <a:lstStyle/>
+                    <a:p>
+                      <a:pPr marL="0" marR="0" lvl="0" indent="0" algn="just" defTabSz="914400" rtl="0" eaLnBrk="1" fontAlgn="auto" latinLnBrk="0" hangingPunct="1">
+                        <a:lnSpc>
+                          <a:spcPct val="150000"/>
+                        </a:lnSpc>
+                        <a:spcBef>
+                          <a:spcPts val="0"/>
+                        </a:spcBef>
+                        <a:spcAft>
+                          <a:spcPts val="0"/>
+                        </a:spcAft>
+                        <a:buClrTx/>
+                        <a:buSzTx/>
+                        <a:buFontTx/>
+                        <a:buNone/>
+                        <a:tabLst/>
+                        <a:defRPr/>
+                      </a:pPr>
+                      <a:r>
+                        <a:rPr lang="en-US" altLang="ja-JP" sz="1000" kern="100" dirty="0" smtClean="0">
+                          <a:effectLst/>
+                        </a:rPr>
+                        <a:t>Terraform driver</a:t>
+                      </a:r>
+                      <a:r>
+                        <a:rPr lang="ja-JP" altLang="ja-JP" sz="1000" kern="100" dirty="0" smtClean="0">
+                          <a:effectLst/>
+                        </a:rPr>
+                        <a:t>のインストール有無指定</a:t>
+                      </a:r>
+                      <a:endParaRPr lang="ja-JP" altLang="ja-JP" sz="1000" kern="100" dirty="0" smtClean="0">
                         <a:effectLst/>
                         <a:latin typeface="Century" panose="02040604050505020304" pitchFamily="18" charset="0"/>
                         <a:ea typeface="ＭＳ 明朝" panose="02020609040205080304" pitchFamily="17" charset="-128"/>
@@ -17865,85 +17961,13 @@
                   </a:txBody>
                   <a:tcPr marL="68495" marR="68495" marT="0" marB="0" anchor="ctr">
                     <a:solidFill>
-                      <a:srgbClr val="E7E8EA"/>
-                    </a:solidFill>
-                  </a:tcPr>
-                </a:tc>
-                <a:tc>
-                  <a:txBody>
-                    <a:bodyPr/>
-                    <a:lstStyle/>
-                    <a:p>
-                      <a:pPr algn="ctr">
-                        <a:lnSpc>
-                          <a:spcPct val="150000"/>
-                        </a:lnSpc>
-                        <a:spcAft>
-                          <a:spcPts val="0"/>
-                        </a:spcAft>
-                      </a:pPr>
-                      <a:r>
-                        <a:rPr lang="en-US" sz="1000" kern="100" dirty="0">
-                          <a:effectLst/>
-                        </a:rPr>
-                        <a:t>no</a:t>
-                      </a:r>
-                      <a:endParaRPr lang="ja-JP" sz="1000" kern="100" dirty="0">
-                        <a:effectLst/>
-                        <a:latin typeface="Century" panose="02040604050505020304" pitchFamily="18" charset="0"/>
-                        <a:ea typeface="ＭＳ 明朝" panose="02020609040205080304" pitchFamily="17" charset="-128"/>
-                        <a:cs typeface="Times New Roman" panose="02020603050405020304" pitchFamily="18" charset="0"/>
-                      </a:endParaRPr>
-                    </a:p>
-                  </a:txBody>
-                  <a:tcPr marL="68495" marR="68495" marT="0" marB="0" anchor="ctr">
-                    <a:solidFill>
-                      <a:srgbClr val="E7E8EA"/>
-                    </a:solidFill>
-                  </a:tcPr>
-                </a:tc>
-                <a:tc>
-                  <a:txBody>
-                    <a:bodyPr/>
-                    <a:lstStyle/>
-                    <a:p>
-                      <a:pPr algn="just">
-                        <a:lnSpc>
-                          <a:spcPct val="150000"/>
-                        </a:lnSpc>
-                        <a:spcAft>
-                          <a:spcPts val="0"/>
-                        </a:spcAft>
-                      </a:pPr>
-                      <a:r>
-                        <a:rPr lang="en-US" sz="1000" kern="100" dirty="0">
-                          <a:effectLst/>
-                        </a:rPr>
-                        <a:t>DSC driver</a:t>
-                      </a:r>
-                      <a:r>
-                        <a:rPr lang="ja-JP" sz="1000" kern="100" dirty="0">
-                          <a:effectLst/>
-                        </a:rPr>
-                        <a:t>のインストール有無指定</a:t>
-                      </a:r>
-                      <a:endParaRPr lang="ja-JP" sz="1000" kern="100" dirty="0">
-                        <a:effectLst/>
-                        <a:latin typeface="Century" panose="02040604050505020304" pitchFamily="18" charset="0"/>
-                        <a:ea typeface="ＭＳ 明朝" panose="02020609040205080304" pitchFamily="17" charset="-128"/>
-                        <a:cs typeface="Times New Roman" panose="02020603050405020304" pitchFamily="18" charset="0"/>
-                      </a:endParaRPr>
-                    </a:p>
-                  </a:txBody>
-                  <a:tcPr marL="68495" marR="68495" marT="0" marB="0" anchor="ctr">
-                    <a:solidFill>
-                      <a:srgbClr val="E7E8EA"/>
+                      <a:srgbClr val="CBCDD3"/>
                     </a:solidFill>
                   </a:tcPr>
                 </a:tc>
                 <a:extLst>
                   <a:ext uri="{0D108BD9-81ED-4DB2-BD59-A6C34878D82A}">
-                    <a16:rowId xmlns:a16="http://schemas.microsoft.com/office/drawing/2014/main" val="10016"/>
+                    <a16:rowId xmlns:a16="http://schemas.microsoft.com/office/drawing/2014/main" val="415709635"/>
                   </a:ext>
                 </a:extLst>
               </a:tr>
@@ -19425,7 +19449,7 @@
               <a:defRPr/>
             </a:pPr>
             <a:r>
-              <a:rPr kumimoji="0" lang="en-US" sz="900" kern="100" dirty="0" err="1">
+              <a:rPr kumimoji="0" lang="en-US" sz="900" kern="100" dirty="0" err="1" smtClean="0">
                 <a:solidFill>
                   <a:sysClr val="window" lastClr="FFFFFF"/>
                 </a:solidFill>
@@ -19435,7 +19459,7 @@
               </a:rPr>
               <a:t>openstack_driver:no</a:t>
             </a:r>
-            <a:endParaRPr kumimoji="0" lang="en-US" sz="900" kern="100" dirty="0">
+            <a:endParaRPr kumimoji="0" lang="en-US" sz="900" kern="100" dirty="0" smtClean="0">
               <a:solidFill>
                 <a:sysClr val="window" lastClr="FFFFFF"/>
               </a:solidFill>
@@ -19452,7 +19476,7 @@
               <a:defRPr/>
             </a:pPr>
             <a:r>
-              <a:rPr kumimoji="0" lang="en-US" sz="900" kern="100" dirty="0" err="1">
+              <a:rPr kumimoji="0" lang="en-US" sz="900" kern="100" dirty="0" err="1" smtClean="0">
                 <a:solidFill>
                   <a:sysClr val="window" lastClr="FFFFFF"/>
                 </a:solidFill>
@@ -19460,7 +19484,7 @@
                 <a:ea typeface="ＭＳ 明朝" panose="02020609040205080304" pitchFamily="17" charset="-128"/>
                 <a:cs typeface="Times New Roman" panose="02020603050405020304" pitchFamily="18" charset="0"/>
               </a:rPr>
-              <a:t>dsc_driver:no</a:t>
+              <a:t>terraform_driver:no</a:t>
             </a:r>
             <a:endParaRPr kumimoji="0" lang="en-US" sz="900" kern="100" dirty="0">
               <a:solidFill>
@@ -19482,7 +19506,7 @@
         <p:spPr bwMode="auto">
           <a:xfrm>
             <a:off x="7020920" y="3665166"/>
-            <a:ext cx="2015700" cy="898345"/>
+            <a:ext cx="2015700" cy="1492074"/>
           </a:xfrm>
           <a:prstGeom prst="roundRect">
             <a:avLst/>
@@ -19497,7 +19521,7 @@
           <a:extLst/>
         </p:spPr>
         <p:txBody>
-          <a:bodyPr rot="0" spcFirstLastPara="0" vertOverflow="overflow" horzOverflow="overflow" vert="horz" wrap="square" lIns="72000" tIns="72000" rIns="72000" bIns="72000" numCol="1" spcCol="0" rtlCol="0" fromWordArt="0" anchor="ctr" anchorCtr="0" forceAA="0" compatLnSpc="1">
+          <a:bodyPr rot="0" spcFirstLastPara="0" vertOverflow="overflow" horzOverflow="overflow" vert="horz" wrap="square" lIns="72000" tIns="72000" rIns="72000" bIns="72000" numCol="1" spcCol="0" rtlCol="0" fromWordArt="0" anchor="t" anchorCtr="0" forceAA="0" compatLnSpc="1">
             <a:prstTxWarp prst="textNoShape">
               <a:avLst/>
             </a:prstTxWarp>
@@ -19551,7 +19575,43 @@
               </a:rPr>
               <a:t>で定義します。</a:t>
             </a:r>
-            <a:endParaRPr kumimoji="1" lang="ja-JP" altLang="en-US" sz="1400" b="1" dirty="0" smtClean="0">
+            <a:endParaRPr lang="en-US" altLang="ja-JP" sz="1200" b="1" dirty="0" smtClean="0">
+              <a:solidFill>
+                <a:srgbClr val="FF0000"/>
+              </a:solidFill>
+              <a:latin typeface="+mn-ea"/>
+            </a:endParaRPr>
+          </a:p>
+          <a:p>
+            <a:pPr algn="ctr"/>
+            <a:endParaRPr kumimoji="1" lang="en-US" altLang="ja-JP" sz="1000" b="1" dirty="0" smtClean="0">
+              <a:solidFill>
+                <a:srgbClr val="FF0000"/>
+              </a:solidFill>
+              <a:latin typeface="+mn-ea"/>
+            </a:endParaRPr>
+          </a:p>
+          <a:p>
+            <a:pPr algn="ctr"/>
+            <a:r>
+              <a:rPr lang="en-US" altLang="ja-JP" sz="1100" b="1" dirty="0" smtClean="0">
+                <a:solidFill>
+                  <a:srgbClr val="FF0000"/>
+                </a:solidFill>
+                <a:latin typeface="+mn-ea"/>
+              </a:rPr>
+              <a:t>※</a:t>
+            </a:r>
+            <a:r>
+              <a:rPr lang="ja-JP" altLang="en-US" sz="1100" b="1" dirty="0" smtClean="0">
+                <a:solidFill>
+                  <a:srgbClr val="FF0000"/>
+                </a:solidFill>
+                <a:latin typeface="+mn-ea"/>
+              </a:rPr>
+              <a:t>パスワードに記号を含めるとエラーになる場合があります。</a:t>
+            </a:r>
+            <a:endParaRPr lang="en-US" altLang="ja-JP" sz="1100" b="1" dirty="0" smtClean="0">
               <a:solidFill>
                 <a:srgbClr val="FF0000"/>
               </a:solidFill>
@@ -20643,7 +20703,7 @@
           <p:nvPr>
             <p:extLst>
               <p:ext uri="{D42A27DB-BD31-4B8C-83A1-F6EECF244321}">
-                <p14:modId xmlns:p14="http://schemas.microsoft.com/office/powerpoint/2010/main" val="887966275"/>
+                <p14:modId xmlns:p14="http://schemas.microsoft.com/office/powerpoint/2010/main" val="596284194"/>
               </p:ext>
             </p:extLst>
           </p:nvPr>
@@ -21055,7 +21115,39 @@
                           <a:ea typeface="Segoe UI" panose="020B0502040204020203" pitchFamily="34" charset="0"/>
                           <a:cs typeface="Segoe UI" panose="020B0502040204020203" pitchFamily="34" charset="0"/>
                         </a:rPr>
-                        <a:t>unzip</a:t>
+                        <a:t>unzip, </a:t>
+                      </a:r>
+                      <a:r>
+                        <a:rPr lang="en-US" altLang="ja-JP" sz="1050" kern="100" baseline="0" dirty="0" err="1" smtClean="0">
+                          <a:effectLst/>
+                          <a:latin typeface="Segoe UI" panose="020B0502040204020203" pitchFamily="34" charset="0"/>
+                          <a:cs typeface="Segoe UI" panose="020B0502040204020203" pitchFamily="34" charset="0"/>
+                        </a:rPr>
+                        <a:t>sudo</a:t>
+                      </a:r>
+                      <a:r>
+                        <a:rPr lang="en-US" altLang="ja-JP" sz="1050" kern="100" baseline="0" dirty="0" smtClean="0">
+                          <a:effectLst/>
+                          <a:latin typeface="Segoe UI" panose="020B0502040204020203" pitchFamily="34" charset="0"/>
+                          <a:cs typeface="Segoe UI" panose="020B0502040204020203" pitchFamily="34" charset="0"/>
+                        </a:rPr>
+                        <a:t>,</a:t>
+                      </a:r>
+                      <a:r>
+                        <a:rPr lang="ja-JP" altLang="en-US" sz="1050" kern="100" baseline="0" dirty="0" smtClean="0">
+                          <a:effectLst/>
+                          <a:latin typeface="Segoe UI" panose="020B0502040204020203" pitchFamily="34" charset="0"/>
+                          <a:cs typeface="Segoe UI" panose="020B0502040204020203" pitchFamily="34" charset="0"/>
+                        </a:rPr>
+                        <a:t> </a:t>
+                      </a:r>
+                      <a:r>
+                        <a:rPr lang="en-US" altLang="ja-JP" sz="1050" kern="100" baseline="0" dirty="0" err="1" smtClean="0">
+                          <a:effectLst/>
+                          <a:latin typeface="Segoe UI" panose="020B0502040204020203" pitchFamily="34" charset="0"/>
+                          <a:cs typeface="Segoe UI" panose="020B0502040204020203" pitchFamily="34" charset="0"/>
+                        </a:rPr>
+                        <a:t>crontabs</a:t>
                       </a:r>
                       <a:endParaRPr lang="ja-JP" sz="1050" kern="100" dirty="0">
                         <a:effectLst/>
@@ -21710,31 +21802,7 @@
                         <a:t>,</a:t>
                       </a:r>
                       <a:r>
-                        <a:rPr lang="en-US" altLang="ja-JP" sz="1050" kern="100" baseline="0" dirty="0" smtClean="0">
-                          <a:effectLst/>
-                          <a:latin typeface="Segoe UI" panose="020B0502040204020203" pitchFamily="34" charset="0"/>
-                          <a:cs typeface="Segoe UI" panose="020B0502040204020203" pitchFamily="34" charset="0"/>
-                        </a:rPr>
-                        <a:t> </a:t>
-                      </a:r>
-                      <a:r>
-                        <a:rPr lang="en-US" altLang="ja-JP" sz="1050" kern="100" dirty="0" err="1" smtClean="0">
-                          <a:effectLst/>
-                          <a:latin typeface="Segoe UI" panose="020B0502040204020203" pitchFamily="34" charset="0"/>
-                          <a:cs typeface="Segoe UI" panose="020B0502040204020203" pitchFamily="34" charset="0"/>
-                        </a:rPr>
-                        <a:t>php</a:t>
-                      </a:r>
-                      <a:r>
-                        <a:rPr lang="en-US" altLang="ja-JP" sz="1050" kern="100" dirty="0" smtClean="0">
-                          <a:effectLst/>
-                          <a:latin typeface="Segoe UI" panose="020B0502040204020203" pitchFamily="34" charset="0"/>
-                          <a:cs typeface="Segoe UI" panose="020B0502040204020203" pitchFamily="34" charset="0"/>
-                        </a:rPr>
-                        <a:t>-zip,</a:t>
-                      </a:r>
-                      <a:r>
-                        <a:rPr lang="en-US" altLang="ja-JP" sz="1050" kern="100" baseline="0" dirty="0" smtClean="0">
+                        <a:rPr lang="ja-JP" altLang="en-US" sz="1050" kern="100" dirty="0" smtClean="0">
                           <a:effectLst/>
                           <a:latin typeface="Segoe UI" panose="020B0502040204020203" pitchFamily="34" charset="0"/>
                           <a:cs typeface="Segoe UI" panose="020B0502040204020203" pitchFamily="34" charset="0"/>
@@ -22242,12 +22310,25 @@
                         <a:t>nmap-ncat</a:t>
                       </a:r>
                       <a:r>
-                        <a:rPr lang="en-US" altLang="ja-JP" sz="1050" kern="100" dirty="0" smtClean="0">
-                          <a:effectLst/>
+                        <a:rPr lang="en-US" altLang="ja-JP" sz="1050" dirty="0" smtClean="0">
                           <a:latin typeface="Segoe UI" panose="020B0502040204020203" pitchFamily="34" charset="0"/>
                           <a:cs typeface="Segoe UI" panose="020B0502040204020203" pitchFamily="34" charset="0"/>
                         </a:rPr>
+                        <a:t>,</a:t>
+                      </a:r>
+                      <a:r>
+                        <a:rPr lang="ja-JP" altLang="en-US" sz="1050" dirty="0" smtClean="0">
+                          <a:latin typeface="Segoe UI" panose="020B0502040204020203" pitchFamily="34" charset="0"/>
+                          <a:cs typeface="Segoe UI" panose="020B0502040204020203" pitchFamily="34" charset="0"/>
+                        </a:rPr>
                         <a:t> </a:t>
+                      </a:r>
+                      <a:r>
+                        <a:rPr lang="en-US" altLang="ja-JP" sz="1050" dirty="0" err="1" smtClean="0">
+                          <a:latin typeface="Segoe UI" panose="020B0502040204020203" pitchFamily="34" charset="0"/>
+                          <a:cs typeface="Segoe UI" panose="020B0502040204020203" pitchFamily="34" charset="0"/>
+                        </a:rPr>
+                        <a:t>paramiko</a:t>
                       </a:r>
                       <a:endParaRPr lang="ja-JP" altLang="ja-JP" sz="1050" kern="100" dirty="0" smtClean="0">
                         <a:effectLst/>
@@ -24398,14 +24479,14 @@
           <p:nvPr>
             <p:extLst>
               <p:ext uri="{D42A27DB-BD31-4B8C-83A1-F6EECF244321}">
-                <p14:modId xmlns:p14="http://schemas.microsoft.com/office/powerpoint/2010/main" val="3534908997"/>
+                <p14:modId xmlns:p14="http://schemas.microsoft.com/office/powerpoint/2010/main" val="1693898500"/>
               </p:ext>
             </p:extLst>
           </p:nvPr>
         </p:nvGraphicFramePr>
         <p:xfrm>
           <a:off x="1259540" y="1628750"/>
-          <a:ext cx="6624920" cy="2736381"/>
+          <a:ext cx="6624920" cy="3249915"/>
         </p:xfrm>
         <a:graphic>
           <a:graphicData uri="http://schemas.openxmlformats.org/drawingml/2006/table">
@@ -24497,7 +24578,7 @@
                 </a:extLst>
               </a:tr>
               <a:tr h="256767">
-                <a:tc rowSpan="3">
+                <a:tc rowSpan="5">
                   <a:txBody>
                     <a:bodyPr/>
                     <a:lstStyle/>
@@ -24713,6 +24794,146 @@
                 <a:extLst>
                   <a:ext uri="{0D108BD9-81ED-4DB2-BD59-A6C34878D82A}">
                     <a16:rowId xmlns:a16="http://schemas.microsoft.com/office/drawing/2014/main" val="2197021021"/>
+                  </a:ext>
+                </a:extLst>
+              </a:tr>
+              <a:tr h="256767">
+                <a:tc vMerge="1">
+                  <a:txBody>
+                    <a:bodyPr/>
+                    <a:lstStyle/>
+                    <a:p>
+                      <a:pPr algn="l">
+                        <a:spcAft>
+                          <a:spcPts val="0"/>
+                        </a:spcAft>
+                      </a:pPr>
+                      <a:endParaRPr lang="ja-JP" sz="1050" kern="100" dirty="0">
+                        <a:effectLst/>
+                        <a:latin typeface="Century" panose="02040604050505020304" pitchFamily="18" charset="0"/>
+                        <a:ea typeface="ＭＳ 明朝" panose="02020609040205080304" pitchFamily="17" charset="-128"/>
+                        <a:cs typeface="Times New Roman" panose="02020603050405020304" pitchFamily="18" charset="0"/>
+                      </a:endParaRPr>
+                    </a:p>
+                  </a:txBody>
+                  <a:tcPr marL="68580" marR="68580" marT="0" marB="0" anchor="ctr">
+                    <a:solidFill>
+                      <a:srgbClr val="002B62"/>
+                    </a:solidFill>
+                  </a:tcPr>
+                </a:tc>
+                <a:tc>
+                  <a:txBody>
+                    <a:bodyPr/>
+                    <a:lstStyle/>
+                    <a:p>
+                      <a:pPr marL="0" algn="l" defTabSz="914400" rtl="0" eaLnBrk="1" latinLnBrk="0" hangingPunct="1">
+                        <a:spcAft>
+                          <a:spcPts val="0"/>
+                        </a:spcAft>
+                      </a:pPr>
+                      <a:r>
+                        <a:rPr kumimoji="1" lang="en-US" altLang="ja-JP" sz="1050" kern="100" dirty="0" smtClean="0">
+                          <a:solidFill>
+                            <a:schemeClr val="dk1"/>
+                          </a:solidFill>
+                          <a:effectLst/>
+                          <a:latin typeface="+mn-lt"/>
+                          <a:ea typeface="+mn-ea"/>
+                          <a:cs typeface="+mn-cs"/>
+                        </a:rPr>
+                        <a:t>Symphony</a:t>
+                      </a:r>
+                      <a:endParaRPr kumimoji="1" lang="ja-JP" altLang="ja-JP" sz="1050" kern="100" dirty="0">
+                        <a:solidFill>
+                          <a:schemeClr val="dk1"/>
+                        </a:solidFill>
+                        <a:effectLst/>
+                        <a:latin typeface="+mn-lt"/>
+                        <a:ea typeface="+mn-ea"/>
+                        <a:cs typeface="+mn-cs"/>
+                      </a:endParaRPr>
+                    </a:p>
+                  </a:txBody>
+                  <a:tcPr marL="68580" marR="68580" marT="0" marB="0" anchor="ctr">
+                    <a:solidFill>
+                      <a:srgbClr val="E7E8EA"/>
+                    </a:solidFill>
+                  </a:tcPr>
+                </a:tc>
+                <a:extLst>
+                  <a:ext uri="{0D108BD9-81ED-4DB2-BD59-A6C34878D82A}">
+                    <a16:rowId xmlns:a16="http://schemas.microsoft.com/office/drawing/2014/main" val="2638595390"/>
+                  </a:ext>
+                </a:extLst>
+              </a:tr>
+              <a:tr h="256767">
+                <a:tc vMerge="1">
+                  <a:txBody>
+                    <a:bodyPr/>
+                    <a:lstStyle/>
+                    <a:p>
+                      <a:pPr algn="l">
+                        <a:spcAft>
+                          <a:spcPts val="0"/>
+                        </a:spcAft>
+                      </a:pPr>
+                      <a:endParaRPr lang="ja-JP" sz="1050" kern="100" dirty="0">
+                        <a:effectLst/>
+                        <a:latin typeface="Century" panose="02040604050505020304" pitchFamily="18" charset="0"/>
+                        <a:ea typeface="ＭＳ 明朝" panose="02020609040205080304" pitchFamily="17" charset="-128"/>
+                        <a:cs typeface="Times New Roman" panose="02020603050405020304" pitchFamily="18" charset="0"/>
+                      </a:endParaRPr>
+                    </a:p>
+                  </a:txBody>
+                  <a:tcPr marL="68580" marR="68580" marT="0" marB="0" anchor="ctr">
+                    <a:solidFill>
+                      <a:srgbClr val="002B62"/>
+                    </a:solidFill>
+                  </a:tcPr>
+                </a:tc>
+                <a:tc>
+                  <a:txBody>
+                    <a:bodyPr/>
+                    <a:lstStyle/>
+                    <a:p>
+                      <a:pPr marL="0" algn="l" defTabSz="914400" rtl="0" eaLnBrk="1" latinLnBrk="0" hangingPunct="1">
+                        <a:spcAft>
+                          <a:spcPts val="0"/>
+                        </a:spcAft>
+                      </a:pPr>
+                      <a:r>
+                        <a:rPr kumimoji="1" lang="en-US" altLang="ja-JP" sz="1050" kern="100" dirty="0" smtClean="0">
+                          <a:solidFill>
+                            <a:schemeClr val="dk1"/>
+                          </a:solidFill>
+                          <a:effectLst/>
+                          <a:latin typeface="+mn-lt"/>
+                          <a:ea typeface="+mn-ea"/>
+                          <a:cs typeface="+mn-cs"/>
+                        </a:rPr>
+                        <a:t>Conductor</a:t>
+                      </a:r>
+                      <a:endParaRPr kumimoji="1" lang="ja-JP" altLang="ja-JP" sz="1050" kern="100" dirty="0">
+                        <a:solidFill>
+                          <a:schemeClr val="dk1"/>
+                        </a:solidFill>
+                        <a:effectLst/>
+                        <a:latin typeface="+mn-lt"/>
+                        <a:ea typeface="+mn-ea"/>
+                        <a:cs typeface="+mn-cs"/>
+                      </a:endParaRPr>
+                    </a:p>
+                  </a:txBody>
+                  <a:tcPr marL="68580" marR="68580" marT="0" marB="0" anchor="ctr">
+                    <a:solidFill>
+                      <a:srgbClr val="CBCDD3"/>
+                    </a:solidFill>
+                  </a:tcPr>
+                </a:tc>
+                <a:extLst>
+                  <a:ext uri="{0D108BD9-81ED-4DB2-BD59-A6C34878D82A}">
+                    <a16:rowId xmlns:a16="http://schemas.microsoft.com/office/drawing/2014/main" val="1028971540"/>
                   </a:ext>
                 </a:extLst>
               </a:tr>
@@ -26834,8 +27055,62 @@
                   <a:srgbClr val="FF0000"/>
                 </a:solidFill>
               </a:rPr>
-              <a:t>https://exastro-it-automation</a:t>
-            </a:r>
+              <a:t>https</a:t>
+            </a:r>
+            <a:r>
+              <a:rPr lang="en-US" altLang="ja-JP" b="1" u="sng" dirty="0">
+                <a:solidFill>
+                  <a:srgbClr val="FF0000"/>
+                </a:solidFill>
+              </a:rPr>
+              <a:t>://</a:t>
+            </a:r>
+            <a:r>
+              <a:rPr lang="en-US" altLang="ja-JP" b="1" u="sng" dirty="0" smtClean="0">
+                <a:solidFill>
+                  <a:srgbClr val="FF0000"/>
+                </a:solidFill>
+              </a:rPr>
+              <a:t>exastro-it-automation</a:t>
+            </a:r>
+          </a:p>
+          <a:p>
+            <a:pPr marL="180000" lvl="1" indent="0">
+              <a:buNone/>
+            </a:pPr>
+            <a:r>
+              <a:rPr lang="ja-JP" altLang="en-US" b="1" dirty="0">
+                <a:solidFill>
+                  <a:srgbClr val="FF0000"/>
+                </a:solidFill>
+              </a:rPr>
+              <a:t>　</a:t>
+            </a:r>
+            <a:r>
+              <a:rPr lang="en-US" altLang="ja-JP" sz="1500" dirty="0" smtClean="0"/>
+              <a:t>※</a:t>
+            </a:r>
+            <a:r>
+              <a:rPr lang="ja-JP" altLang="en-US" sz="1500" dirty="0" smtClean="0"/>
+              <a:t>ホスト名の代わりに、サーバーの</a:t>
+            </a:r>
+            <a:r>
+              <a:rPr lang="en-US" altLang="ja-JP" sz="1500" dirty="0" smtClean="0"/>
+              <a:t>IP</a:t>
+            </a:r>
+            <a:r>
+              <a:rPr lang="ja-JP" altLang="en-US" sz="1500" dirty="0" smtClean="0"/>
+              <a:t>アドレス</a:t>
+            </a:r>
+            <a:r>
+              <a:rPr lang="ja-JP" altLang="en-US" sz="1500" dirty="0" smtClean="0"/>
+              <a:t>でアクセス</a:t>
+            </a:r>
+            <a:r>
+              <a:rPr lang="ja-JP" altLang="en-US" sz="1500" dirty="0" smtClean="0"/>
+              <a:t>することも可能です。</a:t>
+            </a:r>
+            <a:endParaRPr lang="en-US" altLang="ja-JP" sz="1500" dirty="0"/>
           </a:p>
           <a:p>
             <a:pPr marL="180000" lvl="1" indent="0">
@@ -26853,15 +27128,7 @@
             </a:pPr>
             <a:r>
               <a:rPr lang="ja-JP" altLang="en-US" dirty="0" smtClean="0"/>
-              <a:t>接続</a:t>
-            </a:r>
-            <a:r>
-              <a:rPr lang="ja-JP" altLang="en-US" dirty="0"/>
-              <a:t>後</a:t>
-            </a:r>
-            <a:r>
-              <a:rPr lang="ja-JP" altLang="en-US" dirty="0" smtClean="0"/>
-              <a:t>は</a:t>
+              <a:t>接続後は</a:t>
             </a:r>
             <a:r>
               <a:rPr lang="en-US" altLang="ja-JP" dirty="0" smtClean="0"/>
@@ -27615,7 +27882,12 @@
             <p:ph sz="quarter" idx="10"/>
           </p:nvPr>
         </p:nvSpPr>
-        <p:spPr/>
+        <p:spPr>
+          <a:xfrm>
+            <a:off x="178537" y="692620"/>
+            <a:ext cx="8784976" cy="5616476"/>
+          </a:xfrm>
+        </p:spPr>
         <p:txBody>
           <a:bodyPr/>
           <a:lstStyle/>
@@ -27677,14 +27949,14 @@
           <p:nvPr>
             <p:extLst>
               <p:ext uri="{D42A27DB-BD31-4B8C-83A1-F6EECF244321}">
-                <p14:modId xmlns:p14="http://schemas.microsoft.com/office/powerpoint/2010/main" val="1537801988"/>
+                <p14:modId xmlns:p14="http://schemas.microsoft.com/office/powerpoint/2010/main" val="2108209210"/>
               </p:ext>
             </p:extLst>
           </p:nvPr>
         </p:nvGraphicFramePr>
         <p:xfrm>
-          <a:off x="107380" y="1772771"/>
-          <a:ext cx="8929240" cy="4701379"/>
+          <a:off x="106893" y="1556740"/>
+          <a:ext cx="8929240" cy="4980479"/>
         </p:xfrm>
         <a:graphic>
           <a:graphicData uri="http://schemas.openxmlformats.org/drawingml/2006/table">
@@ -27707,14 +27979,14 @@
                     </a:ext>
                   </a:extLst>
                 </a:gridCol>
-                <a:gridCol w="1296180">
+                <a:gridCol w="1296667">
                   <a:extLst>
                     <a:ext uri="{9D8B030D-6E8A-4147-A177-3AD203B41FA5}">
                       <a16:colId xmlns:a16="http://schemas.microsoft.com/office/drawing/2014/main" val="20002"/>
                     </a:ext>
                   </a:extLst>
                 </a:gridCol>
-                <a:gridCol w="3456480">
+                <a:gridCol w="3455993">
                   <a:extLst>
                     <a:ext uri="{9D8B030D-6E8A-4147-A177-3AD203B41FA5}">
                       <a16:colId xmlns:a16="http://schemas.microsoft.com/office/drawing/2014/main" val="20003"/>
@@ -28036,36 +28308,36 @@
                         </a:spcAft>
                       </a:pPr>
                       <a:r>
-                        <a:rPr lang="ja-JP" sz="900" kern="100" dirty="0">
+                        <a:rPr lang="ja-JP" sz="800" kern="100" dirty="0">
                           <a:effectLst/>
                         </a:rPr>
                         <a:t>標準構築ツールに登録された資材の払出</a:t>
                       </a:r>
                       <a:r>
-                        <a:rPr lang="en-US" sz="900" kern="100" dirty="0">
+                        <a:rPr lang="en-US" sz="800" kern="100" dirty="0">
                           <a:effectLst/>
                         </a:rPr>
                         <a:t> / </a:t>
                       </a:r>
                       <a:r>
-                        <a:rPr lang="ja-JP" sz="900" kern="100" dirty="0">
+                        <a:rPr lang="ja-JP" sz="800" kern="100" dirty="0">
                           <a:effectLst/>
                         </a:rPr>
                         <a:t>払戻と、</a:t>
                       </a:r>
                       <a:r>
-                        <a:rPr lang="en-US" sz="900" kern="100" dirty="0">
+                        <a:rPr lang="en-US" sz="800" kern="100" dirty="0">
                           <a:effectLst/>
                         </a:rPr>
                         <a:t>Git</a:t>
                       </a:r>
                       <a:r>
-                        <a:rPr lang="ja-JP" sz="900" kern="100" dirty="0">
+                        <a:rPr lang="ja-JP" sz="800" kern="100" dirty="0">
                           <a:effectLst/>
                         </a:rPr>
                         <a:t>を介して対象資材のバージョン管理を行います。</a:t>
                       </a:r>
-                      <a:endParaRPr lang="ja-JP" sz="1050" kern="100" dirty="0">
+                      <a:endParaRPr lang="ja-JP" sz="800" kern="100" dirty="0">
                         <a:effectLst/>
                         <a:latin typeface="Century" panose="02040604050505020304" pitchFamily="18" charset="0"/>
                         <a:ea typeface="ＭＳ 明朝" panose="02020609040205080304" pitchFamily="17" charset="-128"/>
@@ -28238,24 +28510,24 @@
                         </a:spcAft>
                       </a:pPr>
                       <a:r>
-                        <a:rPr lang="ja-JP" altLang="en-US" sz="900" kern="100" dirty="0" smtClean="0">
+                        <a:rPr lang="ja-JP" altLang="en-US" sz="800" kern="100" dirty="0" smtClean="0">
                           <a:effectLst/>
                         </a:rPr>
                         <a:t>メニュー</a:t>
                       </a:r>
                       <a:r>
-                        <a:rPr lang="ja-JP" sz="900" kern="100" dirty="0" smtClean="0">
+                        <a:rPr lang="ja-JP" sz="800" kern="100" dirty="0" smtClean="0">
                           <a:effectLst/>
                         </a:rPr>
                         <a:t>を</a:t>
                       </a:r>
                       <a:r>
-                        <a:rPr lang="ja-JP" sz="900" kern="100" dirty="0">
+                        <a:rPr lang="ja-JP" sz="800" kern="100" dirty="0">
                           <a:effectLst/>
                         </a:rPr>
                         <a:t>作成・管理します。</a:t>
                       </a:r>
-                      <a:endParaRPr lang="ja-JP" sz="1050" kern="100" dirty="0">
+                      <a:endParaRPr lang="ja-JP" sz="800" kern="100" dirty="0">
                         <a:effectLst/>
                         <a:latin typeface="Century" panose="02040604050505020304" pitchFamily="18" charset="0"/>
                         <a:ea typeface="ＭＳ 明朝" panose="02020609040205080304" pitchFamily="17" charset="-128"/>
@@ -28425,12 +28697,12 @@
                         </a:spcAft>
                       </a:pPr>
                       <a:r>
-                        <a:rPr lang="ja-JP" sz="900" kern="100" dirty="0">
+                        <a:rPr lang="ja-JP" sz="800" kern="100" dirty="0">
                           <a:effectLst/>
                         </a:rPr>
                         <a:t>ホスト群を論理的な単位（機能・役割）でまとめたグループにして、投入するパラメータを管理します。</a:t>
                       </a:r>
-                      <a:endParaRPr lang="ja-JP" sz="1050" kern="100" dirty="0">
+                      <a:endParaRPr lang="ja-JP" sz="800" kern="100" dirty="0">
                         <a:effectLst/>
                         <a:latin typeface="Century" panose="02040604050505020304" pitchFamily="18" charset="0"/>
                         <a:ea typeface="ＭＳ 明朝" panose="02020609040205080304" pitchFamily="17" charset="-128"/>
@@ -28600,65 +28872,65 @@
                         </a:spcAft>
                       </a:pPr>
                       <a:r>
-                        <a:rPr lang="en-US" altLang="ja-JP" sz="900" kern="100" dirty="0" smtClean="0">
+                        <a:rPr lang="en-US" altLang="ja-JP" sz="800" kern="100" dirty="0" smtClean="0">
                           <a:effectLst/>
                         </a:rPr>
                         <a:t>Red Hat</a:t>
                       </a:r>
                       <a:r>
-                        <a:rPr lang="ja-JP" altLang="ja-JP" sz="900" kern="100" dirty="0" smtClean="0">
+                        <a:rPr lang="ja-JP" altLang="ja-JP" sz="800" kern="100" dirty="0" smtClean="0">
                           <a:effectLst/>
                         </a:rPr>
                         <a:t>社が提供する</a:t>
                       </a:r>
                       <a:r>
-                        <a:rPr lang="en-US" altLang="ja-JP" sz="900" strike="noStrike" kern="100" baseline="0" dirty="0" smtClean="0">
+                        <a:rPr lang="en-US" altLang="ja-JP" sz="800" strike="noStrike" kern="100" baseline="0" dirty="0" smtClean="0">
                           <a:effectLst/>
                         </a:rPr>
                         <a:t>OSS</a:t>
                       </a:r>
                       <a:r>
-                        <a:rPr lang="ja-JP" altLang="ja-JP" sz="900" kern="100" dirty="0" smtClean="0">
+                        <a:rPr lang="ja-JP" altLang="ja-JP" sz="800" kern="100" dirty="0" smtClean="0">
                           <a:effectLst/>
                         </a:rPr>
                         <a:t>の</a:t>
                       </a:r>
                       <a:r>
-                        <a:rPr lang="en-US" altLang="ja-JP" sz="900" kern="100" dirty="0" smtClean="0">
+                        <a:rPr lang="en-US" altLang="ja-JP" sz="800" kern="100" dirty="0" smtClean="0">
                           <a:effectLst/>
                         </a:rPr>
                         <a:t>PF</a:t>
                       </a:r>
                       <a:r>
-                        <a:rPr lang="ja-JP" altLang="ja-JP" sz="900" kern="100" dirty="0" smtClean="0">
+                        <a:rPr lang="ja-JP" altLang="ja-JP" sz="800" kern="100" dirty="0" smtClean="0">
                           <a:effectLst/>
                         </a:rPr>
                         <a:t>構築ツールです。</a:t>
                       </a:r>
                       <a:r>
-                        <a:rPr lang="en-US" altLang="ja-JP" sz="900" kern="100" dirty="0" smtClean="0">
+                        <a:rPr lang="en-US" altLang="ja-JP" sz="800" kern="100" dirty="0" smtClean="0">
                           <a:effectLst/>
                         </a:rPr>
                         <a:t/>
                       </a:r>
                       <a:br>
-                        <a:rPr lang="en-US" altLang="ja-JP" sz="900" kern="100" dirty="0" smtClean="0">
+                        <a:rPr lang="en-US" altLang="ja-JP" sz="800" kern="100" dirty="0" smtClean="0">
                           <a:effectLst/>
                         </a:rPr>
                       </a:br>
                       <a:r>
-                        <a:rPr lang="en-US" altLang="ja-JP" sz="900" kern="100" dirty="0" smtClean="0">
+                        <a:rPr lang="en-US" altLang="ja-JP" sz="800" kern="100" dirty="0" smtClean="0">
                           <a:effectLst/>
                         </a:rPr>
                         <a:t>Playbook</a:t>
                       </a:r>
                       <a:r>
-                        <a:rPr lang="ja-JP" altLang="ja-JP" sz="900" kern="100" dirty="0" smtClean="0">
+                        <a:rPr lang="ja-JP" altLang="ja-JP" sz="800" kern="100" dirty="0" smtClean="0">
                           <a:effectLst/>
                         </a:rPr>
                         <a:t>と呼ばれる構築コードをもとに、ネットワークで接続された機器に対して、ソフトウェアのインストール、各種設定、ファイル転送、パッチの適用などを行います。</a:t>
                       </a:r>
-                      <a:endParaRPr lang="ja-JP" altLang="ja-JP" sz="1050" kern="100" dirty="0">
+                      <a:endParaRPr lang="ja-JP" altLang="ja-JP" sz="800" kern="100" dirty="0">
                         <a:effectLst/>
                         <a:latin typeface="Century" panose="02040604050505020304" pitchFamily="18" charset="0"/>
                         <a:ea typeface="ＭＳ 明朝" panose="02020609040205080304" pitchFamily="17" charset="-128"/>
@@ -28849,7 +29121,7 @@
                         </a:spcAft>
                       </a:pPr>
                       <a:r>
-                        <a:rPr lang="en-US" sz="900" strike="noStrike" kern="0" dirty="0">
+                        <a:rPr lang="en-US" sz="800" strike="noStrike" kern="0" dirty="0">
                           <a:solidFill>
                             <a:schemeClr val="tx1"/>
                           </a:solidFill>
@@ -28858,7 +29130,7 @@
                         <a:t>PF</a:t>
                       </a:r>
                       <a:r>
-                        <a:rPr lang="ja-JP" sz="900" strike="noStrike" kern="0" dirty="0">
+                        <a:rPr lang="ja-JP" sz="800" strike="noStrike" kern="0" dirty="0">
                           <a:solidFill>
                             <a:schemeClr val="tx1"/>
                           </a:solidFill>
@@ -28867,7 +29139,7 @@
                         <a:t>構築自動化ツールである</a:t>
                       </a:r>
                       <a:r>
-                        <a:rPr lang="en-US" sz="900" strike="noStrike" kern="0" dirty="0">
+                        <a:rPr lang="en-US" sz="800" strike="noStrike" kern="0" dirty="0">
                           <a:solidFill>
                             <a:schemeClr val="tx1"/>
                           </a:solidFill>
@@ -28876,7 +29148,7 @@
                         <a:t>Ansible</a:t>
                       </a:r>
                       <a:r>
-                        <a:rPr lang="ja-JP" sz="900" strike="noStrike" kern="0" dirty="0">
+                        <a:rPr lang="ja-JP" sz="800" strike="noStrike" kern="0" dirty="0">
                           <a:solidFill>
                             <a:schemeClr val="tx1"/>
                           </a:solidFill>
@@ -28884,7 +29156,7 @@
                         </a:rPr>
                         <a:t>にアクセスコントロール、ジョブスケジューリング、タスクの可視化などの機能を拡張した管理プラットフォームです。</a:t>
                       </a:r>
-                      <a:endParaRPr lang="ja-JP" sz="1050" strike="noStrike" kern="100" dirty="0">
+                      <a:endParaRPr lang="ja-JP" sz="800" strike="noStrike" kern="100" dirty="0">
                         <a:solidFill>
                           <a:schemeClr val="tx1"/>
                         </a:solidFill>
@@ -29063,7 +29335,7 @@
                         </a:spcAft>
                       </a:pPr>
                       <a:r>
-                        <a:rPr lang="en-US" altLang="ja-JP" sz="900" kern="100" dirty="0" smtClean="0">
+                        <a:rPr lang="en-US" altLang="ja-JP" sz="800" kern="100" dirty="0" smtClean="0">
                           <a:effectLst/>
                           <a:latin typeface="+mn-ea"/>
                           <a:ea typeface="+mn-ea"/>
@@ -29072,7 +29344,7 @@
                         <a:t>OS </a:t>
                       </a:r>
                       <a:r>
-                        <a:rPr lang="ja-JP" altLang="en-US" sz="900" kern="100" dirty="0" smtClean="0">
+                        <a:rPr lang="ja-JP" altLang="en-US" sz="800" kern="100" dirty="0" smtClean="0">
                           <a:effectLst/>
                           <a:latin typeface="+mn-ea"/>
                           <a:ea typeface="+mn-ea"/>
@@ -29088,7 +29360,7 @@
                         </a:spcAft>
                       </a:pPr>
                       <a:r>
-                        <a:rPr lang="en-US" altLang="ja-JP" sz="900" kern="100" dirty="0" smtClean="0">
+                        <a:rPr lang="en-US" altLang="ja-JP" sz="800" kern="100" dirty="0" smtClean="0">
                           <a:effectLst/>
                           <a:latin typeface="+mn-ea"/>
                           <a:ea typeface="+mn-ea"/>
@@ -29097,7 +29369,7 @@
                         <a:t>Cobbler </a:t>
                       </a:r>
                       <a:r>
-                        <a:rPr lang="ja-JP" altLang="en-US" sz="900" kern="100" dirty="0" smtClean="0">
+                        <a:rPr lang="ja-JP" altLang="en-US" sz="800" kern="100" dirty="0" smtClean="0">
                           <a:effectLst/>
                           <a:latin typeface="+mn-ea"/>
                           <a:ea typeface="+mn-ea"/>
@@ -29105,7 +29377,7 @@
                         </a:rPr>
                         <a:t>サーバー上にインストールメディアと、インストール時の設定情報を記載したキックスタートファイルを登録し、ネットワークに接続した機器に対してこれらを配布することで、ネットワークインストールを可能とします。</a:t>
                       </a:r>
-                      <a:endParaRPr lang="ja-JP" sz="900" kern="100" dirty="0">
+                      <a:endParaRPr lang="ja-JP" sz="800" kern="100" dirty="0">
                         <a:effectLst/>
                         <a:latin typeface="+mn-ea"/>
                         <a:ea typeface="+mn-ea"/>
@@ -29275,20 +29547,17 @@
                         </a:spcAft>
                       </a:pPr>
                       <a:r>
-                        <a:rPr lang="en-US" sz="900" kern="100" dirty="0">
+                        <a:rPr lang="en-US" sz="800" kern="100" dirty="0">
                           <a:effectLst/>
                         </a:rPr>
                         <a:t>OSS</a:t>
                       </a:r>
                       <a:r>
-                        <a:rPr lang="ja-JP" sz="900" kern="100" dirty="0">
+                        <a:rPr lang="ja-JP" sz="800" kern="100" dirty="0">
                           <a:effectLst/>
                         </a:rPr>
                         <a:t>のクラウド環境構築ツールです。</a:t>
                       </a:r>
-                      <a:endParaRPr lang="ja-JP" sz="1050" kern="100" dirty="0">
-                        <a:effectLst/>
-                      </a:endParaRPr>
                     </a:p>
                     <a:p>
                       <a:pPr algn="just">
@@ -29300,12 +29569,12 @@
                         </a:spcAft>
                       </a:pPr>
                       <a:r>
-                        <a:rPr lang="ja-JP" sz="900" kern="100" dirty="0">
+                        <a:rPr lang="ja-JP" sz="800" kern="100" dirty="0">
                           <a:effectLst/>
                         </a:rPr>
                         <a:t>クラウド環境に対して、仮想マシン、ストレージ、ネットワークなどを構築することができます。</a:t>
                       </a:r>
-                      <a:endParaRPr lang="ja-JP" sz="1050" kern="100" dirty="0">
+                      <a:endParaRPr lang="ja-JP" sz="800" kern="100" dirty="0">
                         <a:effectLst/>
                         <a:latin typeface="Century" panose="02040604050505020304" pitchFamily="18" charset="0"/>
                         <a:ea typeface="ＭＳ 明朝" panose="02020609040205080304" pitchFamily="17" charset="-128"/>
@@ -29379,7 +29648,7 @@
                   </a:ext>
                 </a:extLst>
               </a:tr>
-              <a:tr h="559100">
+              <a:tr h="576080">
                 <a:tc>
                   <a:txBody>
                     <a:bodyPr/>
@@ -29391,37 +29660,36 @@
                         </a:spcAft>
                       </a:pPr>
                       <a:r>
-                        <a:rPr lang="en-US" sz="900" kern="100" dirty="0">
-                          <a:effectLst/>
-                        </a:rPr>
-                        <a:t>PowerShell</a:t>
-                      </a:r>
-                      <a:endParaRPr lang="ja-JP" sz="1050" kern="100" dirty="0">
+                        <a:rPr lang="en-US" altLang="ja-JP" sz="900" kern="100" dirty="0" smtClean="0">
+                          <a:effectLst/>
+                          <a:latin typeface="+mn-ea"/>
+                          <a:ea typeface="+mn-ea"/>
+                          <a:cs typeface="Times New Roman" panose="02020603050405020304" pitchFamily="18" charset="0"/>
+                        </a:rPr>
+                        <a:t>Terraform</a:t>
+                      </a:r>
+                      <a:r>
+                        <a:rPr lang="ja-JP" altLang="en-US" sz="900" kern="100" dirty="0">
+                          <a:effectLst/>
+                          <a:latin typeface="+mn-ea"/>
+                          <a:ea typeface="+mn-ea"/>
+                          <a:cs typeface="Times New Roman" panose="02020603050405020304" pitchFamily="18" charset="0"/>
+                        </a:rPr>
+                        <a:t>ドライバ</a:t>
+                      </a:r>
+                      <a:r>
+                        <a:rPr lang="ja-JP" altLang="en-US" sz="900" kern="100" dirty="0" smtClean="0">
+                          <a:effectLst/>
+                          <a:latin typeface="+mn-ea"/>
+                          <a:ea typeface="+mn-ea"/>
+                          <a:cs typeface="Times New Roman" panose="02020603050405020304" pitchFamily="18" charset="0"/>
+                        </a:rPr>
+                        <a:t>ー</a:t>
+                      </a:r>
+                      <a:endParaRPr lang="en-US" altLang="ja-JP" sz="900" kern="100" dirty="0" smtClean="0">
                         <a:effectLst/>
-                      </a:endParaRPr>
-                    </a:p>
-                    <a:p>
-                      <a:pPr algn="just">
-                        <a:spcAft>
-                          <a:spcPts val="0"/>
-                        </a:spcAft>
-                      </a:pPr>
-                      <a:r>
-                        <a:rPr lang="en-US" sz="900" kern="100" dirty="0">
-                          <a:effectLst/>
-                        </a:rPr>
-                        <a:t>DSC</a:t>
-                      </a:r>
-                      <a:r>
-                        <a:rPr lang="ja-JP" sz="900" kern="100" dirty="0">
-                          <a:effectLst/>
-                        </a:rPr>
-                        <a:t>ドライバー</a:t>
-                      </a:r>
-                      <a:endParaRPr lang="ja-JP" sz="1050" kern="100" dirty="0">
-                        <a:effectLst/>
-                        <a:latin typeface="Century" panose="02040604050505020304" pitchFamily="18" charset="0"/>
-                        <a:ea typeface="ＭＳ 明朝" panose="02020609040205080304" pitchFamily="17" charset="-128"/>
+                        <a:latin typeface="+mn-ea"/>
+                        <a:ea typeface="+mn-ea"/>
                         <a:cs typeface="Times New Roman" panose="02020603050405020304" pitchFamily="18" charset="0"/>
                       </a:endParaRPr>
                     </a:p>
@@ -29439,31 +29707,18 @@
                         </a:spcAft>
                       </a:pPr>
                       <a:r>
-                        <a:rPr lang="en-US" sz="900" kern="100" dirty="0">
-                          <a:effectLst/>
-                        </a:rPr>
-                        <a:t>PowerShell</a:t>
-                      </a:r>
-                      <a:endParaRPr lang="ja-JP" sz="1050" kern="100" dirty="0">
+                        <a:rPr lang="en-US" altLang="ja-JP" sz="900" kern="100" dirty="0" smtClean="0">
+                          <a:effectLst/>
+                          <a:latin typeface="+mn-ea"/>
+                          <a:ea typeface="+mn-ea"/>
+                          <a:cs typeface="Times New Roman" panose="02020603050405020304" pitchFamily="18" charset="0"/>
+                        </a:rPr>
+                        <a:t>Terraform</a:t>
+                      </a:r>
+                      <a:endParaRPr lang="ja-JP" sz="900" kern="100" dirty="0">
                         <a:effectLst/>
-                      </a:endParaRPr>
-                    </a:p>
-                    <a:p>
-                      <a:pPr algn="just">
-                        <a:spcAft>
-                          <a:spcPts val="0"/>
-                        </a:spcAft>
-                      </a:pPr>
-                      <a:r>
-                        <a:rPr lang="en-US" sz="900" kern="100" dirty="0">
-                          <a:effectLst/>
-                        </a:rPr>
-                        <a:t>DSC</a:t>
-                      </a:r>
-                      <a:endParaRPr lang="ja-JP" sz="1050" kern="100" dirty="0">
-                        <a:effectLst/>
-                        <a:latin typeface="Century" panose="02040604050505020304" pitchFamily="18" charset="0"/>
-                        <a:ea typeface="ＭＳ 明朝" panose="02020609040205080304" pitchFamily="17" charset="-128"/>
+                        <a:latin typeface="+mn-ea"/>
+                        <a:ea typeface="+mn-ea"/>
                         <a:cs typeface="Times New Roman" panose="02020603050405020304" pitchFamily="18" charset="0"/>
                       </a:endParaRPr>
                     </a:p>
@@ -29481,81 +29736,12 @@
                         </a:spcAft>
                       </a:pPr>
                       <a:r>
-                        <a:rPr lang="ja-JP" sz="900" kern="0" dirty="0">
+                        <a:rPr lang="ja-JP" altLang="ja-JP" sz="900" kern="0" dirty="0" smtClean="0">
                           <a:effectLst/>
                         </a:rPr>
                         <a:t>システム構築</a:t>
                       </a:r>
-                      <a:endParaRPr lang="ja-JP" sz="1050" kern="100" dirty="0">
-                        <a:effectLst/>
-                        <a:latin typeface="Century" panose="02040604050505020304" pitchFamily="18" charset="0"/>
-                        <a:ea typeface="ＭＳ 明朝" panose="02020609040205080304" pitchFamily="17" charset="-128"/>
-                        <a:cs typeface="Times New Roman" panose="02020603050405020304" pitchFamily="18" charset="0"/>
-                      </a:endParaRPr>
-                    </a:p>
-                  </a:txBody>
-                  <a:tcPr marL="68580" marR="68580" marT="0" marB="0" anchor="ctr"/>
-                </a:tc>
-                <a:tc>
-                  <a:txBody>
-                    <a:bodyPr/>
-                    <a:lstStyle/>
-                    <a:p>
-                      <a:pPr algn="just">
-                        <a:spcAft>
-                          <a:spcPts val="0"/>
-                        </a:spcAft>
-                      </a:pPr>
-                      <a:r>
-                        <a:rPr lang="en-US" sz="900" kern="0" dirty="0">
-                          <a:effectLst/>
-                        </a:rPr>
-                        <a:t>Microsoft</a:t>
-                      </a:r>
-                      <a:r>
-                        <a:rPr lang="ja-JP" sz="900" kern="0" dirty="0">
-                          <a:effectLst/>
-                        </a:rPr>
-                        <a:t>製の</a:t>
-                      </a:r>
-                      <a:r>
-                        <a:rPr lang="en-US" sz="900" kern="0" dirty="0">
-                          <a:effectLst/>
-                        </a:rPr>
-                        <a:t>PF</a:t>
-                      </a:r>
-                      <a:r>
-                        <a:rPr lang="ja-JP" sz="900" kern="0" dirty="0">
-                          <a:effectLst/>
-                        </a:rPr>
-                        <a:t>構築ツールです。</a:t>
-                      </a:r>
-                      <a:endParaRPr lang="ja-JP" sz="1050" kern="100" dirty="0">
-                        <a:effectLst/>
-                      </a:endParaRPr>
-                    </a:p>
-                    <a:p>
-                      <a:pPr algn="just">
-                        <a:lnSpc>
-                          <a:spcPts val="1200"/>
-                        </a:lnSpc>
-                        <a:spcAft>
-                          <a:spcPts val="0"/>
-                        </a:spcAft>
-                      </a:pPr>
-                      <a:r>
-                        <a:rPr lang="en-US" sz="900" kern="0" dirty="0">
-                          <a:effectLst/>
-                        </a:rPr>
-                        <a:t>Windows</a:t>
-                      </a:r>
-                      <a:r>
-                        <a:rPr lang="ja-JP" sz="900" kern="0" dirty="0">
-                          <a:effectLst/>
-                        </a:rPr>
-                        <a:t>インフラ環境にて、サーバのユーザー作成、ソフトウェアのインストールなどを行うことができます。</a:t>
-                      </a:r>
-                      <a:endParaRPr lang="ja-JP" sz="1050" kern="100" dirty="0">
+                      <a:endParaRPr lang="ja-JP" altLang="ja-JP" sz="900" kern="100" dirty="0">
                         <a:effectLst/>
                         <a:latin typeface="Century" panose="02040604050505020304" pitchFamily="18" charset="0"/>
                         <a:ea typeface="ＭＳ 明朝" panose="02020609040205080304" pitchFamily="17" charset="-128"/>
@@ -29579,15 +29765,97 @@
                         </a:spcAft>
                       </a:pPr>
                       <a:r>
-                        <a:rPr lang="en-US" sz="1050" kern="0" dirty="0">
-                          <a:effectLst/>
-                        </a:rPr>
-                        <a:t>×</a:t>
-                      </a:r>
-                      <a:endParaRPr lang="ja-JP" sz="1200" kern="100" dirty="0">
+                        <a:rPr lang="en-US" altLang="ja-JP" sz="800" kern="100" dirty="0" err="1" smtClean="0">
+                          <a:effectLst/>
+                          <a:latin typeface="+mn-ea"/>
+                          <a:ea typeface="+mn-ea"/>
+                          <a:cs typeface="Times New Roman" panose="02020603050405020304" pitchFamily="18" charset="0"/>
+                        </a:rPr>
+                        <a:t>HashiCorp</a:t>
+                      </a:r>
+                      <a:r>
+                        <a:rPr lang="ja-JP" altLang="en-US" sz="800" kern="100" dirty="0" smtClean="0">
+                          <a:effectLst/>
+                          <a:latin typeface="+mn-ea"/>
+                          <a:ea typeface="+mn-ea"/>
+                          <a:cs typeface="Times New Roman" panose="02020603050405020304" pitchFamily="18" charset="0"/>
+                        </a:rPr>
+                        <a:t>社が提供するインフラストラクチャを効率化するオーケストレーションツールです。</a:t>
+                      </a:r>
+                      <a:endParaRPr lang="en-US" altLang="ja-JP" sz="800" kern="100" dirty="0" smtClean="0">
                         <a:effectLst/>
-                        <a:latin typeface="Century" panose="02040604050505020304" pitchFamily="18" charset="0"/>
-                        <a:ea typeface="ＭＳ 明朝" panose="02020609040205080304" pitchFamily="17" charset="-128"/>
+                        <a:latin typeface="+mn-ea"/>
+                        <a:ea typeface="+mn-ea"/>
+                        <a:cs typeface="Times New Roman" panose="02020603050405020304" pitchFamily="18" charset="0"/>
+                      </a:endParaRPr>
+                    </a:p>
+                    <a:p>
+                      <a:pPr algn="just">
+                        <a:lnSpc>
+                          <a:spcPts val="1200"/>
+                        </a:lnSpc>
+                        <a:spcAft>
+                          <a:spcPts val="0"/>
+                        </a:spcAft>
+                      </a:pPr>
+                      <a:r>
+                        <a:rPr lang="en-US" altLang="ja-JP" sz="800" kern="100" dirty="0" smtClean="0">
+                          <a:effectLst/>
+                          <a:latin typeface="+mn-ea"/>
+                          <a:ea typeface="+mn-ea"/>
+                          <a:cs typeface="Times New Roman" panose="02020603050405020304" pitchFamily="18" charset="0"/>
+                        </a:rPr>
+                        <a:t>HCL(</a:t>
+                      </a:r>
+                      <a:r>
+                        <a:rPr lang="en-US" altLang="ja-JP" sz="800" kern="100" dirty="0" err="1" smtClean="0">
+                          <a:effectLst/>
+                          <a:latin typeface="+mn-ea"/>
+                          <a:ea typeface="+mn-ea"/>
+                          <a:cs typeface="Times New Roman" panose="02020603050405020304" pitchFamily="18" charset="0"/>
+                        </a:rPr>
+                        <a:t>HashiCorp</a:t>
+                      </a:r>
+                      <a:r>
+                        <a:rPr lang="en-US" altLang="ja-JP" sz="800" kern="100" dirty="0" smtClean="0">
+                          <a:effectLst/>
+                          <a:latin typeface="+mn-ea"/>
+                          <a:ea typeface="+mn-ea"/>
+                          <a:cs typeface="Times New Roman" panose="02020603050405020304" pitchFamily="18" charset="0"/>
+                        </a:rPr>
+                        <a:t> Configuration Language)</a:t>
+                      </a:r>
+                      <a:r>
+                        <a:rPr lang="ja-JP" altLang="en-US" sz="800" kern="100" dirty="0" smtClean="0">
+                          <a:effectLst/>
+                          <a:latin typeface="+mn-ea"/>
+                          <a:ea typeface="+mn-ea"/>
+                          <a:cs typeface="Times New Roman" panose="02020603050405020304" pitchFamily="18" charset="0"/>
+                        </a:rPr>
+                        <a:t>という言語でコード化したインフラストラクチャ構成について、実行計画を生成したうえで構築を実行します。また、</a:t>
+                      </a:r>
+                      <a:r>
+                        <a:rPr lang="en-US" altLang="ja-JP" sz="800" kern="100" dirty="0" smtClean="0">
+                          <a:effectLst/>
+                          <a:latin typeface="+mn-ea"/>
+                          <a:ea typeface="+mn-ea"/>
+                          <a:cs typeface="Times New Roman" panose="02020603050405020304" pitchFamily="18" charset="0"/>
+                        </a:rPr>
+                        <a:t>Policy as Code</a:t>
+                      </a:r>
+                      <a:r>
+                        <a:rPr lang="ja-JP" altLang="en-US" sz="800" kern="100" dirty="0" smtClean="0">
+                          <a:effectLst/>
+                          <a:latin typeface="+mn-ea"/>
+                          <a:ea typeface="+mn-ea"/>
+                          <a:cs typeface="Times New Roman" panose="02020603050405020304" pitchFamily="18" charset="0"/>
+                        </a:rPr>
+                        <a:t>によるアクセスポリシーをコード化して管理することが可能です。</a:t>
+                      </a:r>
+                      <a:endParaRPr lang="ja-JP" sz="800" kern="100" dirty="0">
+                        <a:effectLst/>
+                        <a:latin typeface="+mn-ea"/>
+                        <a:ea typeface="+mn-ea"/>
                         <a:cs typeface="Times New Roman" panose="02020603050405020304" pitchFamily="18" charset="0"/>
                       </a:endParaRPr>
                     </a:p>
@@ -29599,21 +29867,70 @@
                     <a:bodyPr/>
                     <a:lstStyle/>
                     <a:p>
-                      <a:pPr algn="just">
+                      <a:pPr marL="0" marR="0" lvl="0" indent="0" algn="just" defTabSz="914400" rtl="0" eaLnBrk="1" fontAlgn="auto" latinLnBrk="0" hangingPunct="1">
                         <a:lnSpc>
                           <a:spcPts val="1200"/>
                         </a:lnSpc>
+                        <a:spcBef>
+                          <a:spcPts val="0"/>
+                        </a:spcBef>
                         <a:spcAft>
                           <a:spcPts val="0"/>
                         </a:spcAft>
+                        <a:buClrTx/>
+                        <a:buSzTx/>
+                        <a:buFontTx/>
+                        <a:buNone/>
+                        <a:tabLst/>
+                        <a:defRPr/>
                       </a:pPr>
                       <a:r>
+                        <a:rPr lang="en-US" altLang="ja-JP" sz="1050" kern="0" dirty="0" smtClean="0">
+                          <a:effectLst/>
+                          <a:latin typeface="+mn-ea"/>
+                          <a:ea typeface="+mn-ea"/>
+                        </a:rPr>
+                        <a:t>×</a:t>
+                      </a:r>
+                      <a:endParaRPr lang="ja-JP" altLang="ja-JP" sz="1050" kern="100" dirty="0" smtClean="0">
+                        <a:effectLst/>
+                        <a:latin typeface="+mn-ea"/>
+                        <a:ea typeface="+mn-ea"/>
+                        <a:cs typeface="Times New Roman" panose="02020603050405020304" pitchFamily="18" charset="0"/>
+                      </a:endParaRPr>
+                    </a:p>
+                  </a:txBody>
+                  <a:tcPr marL="68580" marR="68580" marT="0" marB="0" anchor="ctr"/>
+                </a:tc>
+                <a:tc>
+                  <a:txBody>
+                    <a:bodyPr/>
+                    <a:lstStyle/>
+                    <a:p>
+                      <a:pPr marL="0" marR="0" lvl="0" indent="0" algn="just" defTabSz="914400" rtl="0" eaLnBrk="1" fontAlgn="auto" latinLnBrk="0" hangingPunct="1">
+                        <a:lnSpc>
+                          <a:spcPts val="1200"/>
+                        </a:lnSpc>
+                        <a:spcBef>
+                          <a:spcPts val="0"/>
+                        </a:spcBef>
+                        <a:spcAft>
+                          <a:spcPts val="0"/>
+                        </a:spcAft>
+                        <a:buClrTx/>
+                        <a:buSzTx/>
+                        <a:buFontTx/>
+                        <a:buNone/>
+                        <a:tabLst/>
+                        <a:defRPr/>
+                      </a:pPr>
+                      <a:r>
                         <a:rPr lang="en-US" altLang="ja-JP" sz="1050" kern="100" dirty="0" smtClean="0">
                           <a:effectLst/>
                         </a:rPr>
                         <a:t>×</a:t>
                       </a:r>
-                      <a:endParaRPr lang="ja-JP" sz="1050" kern="100" dirty="0">
+                      <a:endParaRPr lang="ja-JP" altLang="ja-JP" sz="1050" kern="100" dirty="0" smtClean="0">
                         <a:effectLst/>
                         <a:latin typeface="Century" panose="02040604050505020304" pitchFamily="18" charset="0"/>
                         <a:ea typeface="ＭＳ 明朝" panose="02020609040205080304" pitchFamily="17" charset="-128"/>
@@ -29625,7 +29942,7 @@
                 </a:tc>
                 <a:extLst>
                   <a:ext uri="{0D108BD9-81ED-4DB2-BD59-A6C34878D82A}">
-                    <a16:rowId xmlns:a16="http://schemas.microsoft.com/office/drawing/2014/main" val="10008"/>
+                    <a16:rowId xmlns:a16="http://schemas.microsoft.com/office/drawing/2014/main" val="217955212"/>
                   </a:ext>
                 </a:extLst>
               </a:tr>

--- a/asset/Learn_ja/ITA-online-install_ja.pptx
+++ b/asset/Learn_ja/ITA-online-install_ja.pptx
@@ -336,7 +336,7 @@
               <a:rPr kumimoji="1" lang="ja-JP" altLang="en-US" smtClean="0">
                 <a:ea typeface="メイリオ" panose="020B0604030504040204" pitchFamily="50" charset="-128"/>
               </a:rPr>
-              <a:t>2020/7/21</a:t>
+              <a:t>2020/7/30</a:t>
             </a:fld>
             <a:endParaRPr kumimoji="1" lang="ja-JP" altLang="en-US" dirty="0">
               <a:ea typeface="メイリオ" panose="020B0604030504040204" pitchFamily="50" charset="-128"/>
@@ -482,7 +482,7 @@
             <a:fld id="{4B26993D-C081-44EB-B0F5-A9F467792B62}" type="datetimeFigureOut">
               <a:rPr lang="ja-JP" altLang="en-US" smtClean="0"/>
               <a:pPr/>
-              <a:t>2020/7/21</a:t>
+              <a:t>2020/7/30</a:t>
             </a:fld>
             <a:endParaRPr lang="ja-JP" altLang="en-US" dirty="0"/>
           </a:p>
@@ -1105,7 +1105,7 @@
           <a:p>
             <a:fld id="{56F9016B-CCA6-43BE-8BEE-59565A35F4F7}" type="datetimeFigureOut">
               <a:rPr kumimoji="1" lang="ja-JP" altLang="en-US" smtClean="0"/>
-              <a:t>2020/7/21</a:t>
+              <a:t>2020/7/30</a:t>
             </a:fld>
             <a:endParaRPr kumimoji="1" lang="ja-JP" altLang="en-US"/>
           </a:p>
@@ -1307,7 +1307,7 @@
           <a:p>
             <a:fld id="{56F9016B-CCA6-43BE-8BEE-59565A35F4F7}" type="datetimeFigureOut">
               <a:rPr kumimoji="1" lang="ja-JP" altLang="en-US" smtClean="0"/>
-              <a:t>2020/7/21</a:t>
+              <a:t>2020/7/30</a:t>
             </a:fld>
             <a:endParaRPr kumimoji="1" lang="ja-JP" altLang="en-US"/>
           </a:p>
@@ -1553,7 +1553,7 @@
           <a:p>
             <a:fld id="{56F9016B-CCA6-43BE-8BEE-59565A35F4F7}" type="datetimeFigureOut">
               <a:rPr kumimoji="1" lang="ja-JP" altLang="en-US" smtClean="0"/>
-              <a:t>2020/7/21</a:t>
+              <a:t>2020/7/30</a:t>
             </a:fld>
             <a:endParaRPr kumimoji="1" lang="ja-JP" altLang="en-US"/>
           </a:p>
@@ -1849,7 +1849,7 @@
           <a:p>
             <a:fld id="{56F9016B-CCA6-43BE-8BEE-59565A35F4F7}" type="datetimeFigureOut">
               <a:rPr kumimoji="1" lang="ja-JP" altLang="en-US" smtClean="0"/>
-              <a:t>2020/7/21</a:t>
+              <a:t>2020/7/30</a:t>
             </a:fld>
             <a:endParaRPr kumimoji="1" lang="ja-JP" altLang="en-US"/>
           </a:p>
@@ -2280,7 +2280,7 @@
           <a:p>
             <a:fld id="{56F9016B-CCA6-43BE-8BEE-59565A35F4F7}" type="datetimeFigureOut">
               <a:rPr kumimoji="1" lang="ja-JP" altLang="en-US" smtClean="0"/>
-              <a:t>2020/7/21</a:t>
+              <a:t>2020/7/30</a:t>
             </a:fld>
             <a:endParaRPr kumimoji="1" lang="ja-JP" altLang="en-US"/>
           </a:p>
@@ -2398,7 +2398,7 @@
           <a:p>
             <a:fld id="{56F9016B-CCA6-43BE-8BEE-59565A35F4F7}" type="datetimeFigureOut">
               <a:rPr kumimoji="1" lang="ja-JP" altLang="en-US" smtClean="0"/>
-              <a:t>2020/7/21</a:t>
+              <a:t>2020/7/30</a:t>
             </a:fld>
             <a:endParaRPr kumimoji="1" lang="ja-JP" altLang="en-US"/>
           </a:p>
@@ -2493,7 +2493,7 @@
           <a:p>
             <a:fld id="{56F9016B-CCA6-43BE-8BEE-59565A35F4F7}" type="datetimeFigureOut">
               <a:rPr kumimoji="1" lang="ja-JP" altLang="en-US" smtClean="0"/>
-              <a:t>2020/7/21</a:t>
+              <a:t>2020/7/30</a:t>
             </a:fld>
             <a:endParaRPr kumimoji="1" lang="ja-JP" altLang="en-US"/>
           </a:p>
@@ -2802,7 +2802,7 @@
           <a:p>
             <a:fld id="{56F9016B-CCA6-43BE-8BEE-59565A35F4F7}" type="datetimeFigureOut">
               <a:rPr kumimoji="1" lang="ja-JP" altLang="en-US" smtClean="0"/>
-              <a:t>2020/7/21</a:t>
+              <a:t>2020/7/30</a:t>
             </a:fld>
             <a:endParaRPr kumimoji="1" lang="ja-JP" altLang="en-US"/>
           </a:p>
@@ -3055,7 +3055,7 @@
           <a:p>
             <a:fld id="{56F9016B-CCA6-43BE-8BEE-59565A35F4F7}" type="datetimeFigureOut">
               <a:rPr kumimoji="1" lang="ja-JP" altL